--- a/output/plots/all_figs_with_legends.pptx
+++ b/output/plots/all_figs_with_legends.pptx
@@ -204,7 +204,7 @@
           <a:p>
             <a:fld id="{7FA21820-D199-4D82-91AF-C50B1D3B111A}" type="datetimeFigureOut">
               <a:rPr lang="en-US" smtClean="0"/>
-              <a:t>2/21/2017</a:t>
+              <a:t>3/1/2017</a:t>
             </a:fld>
             <a:endParaRPr lang="en-US"/>
           </a:p>
@@ -818,7 +818,7 @@
           <a:p>
             <a:fld id="{916B8C92-D5E3-4480-8685-D57BEE386DE2}" type="datetimeFigureOut">
               <a:rPr lang="en-US" smtClean="0"/>
-              <a:t>2/21/2017</a:t>
+              <a:t>3/1/2017</a:t>
             </a:fld>
             <a:endParaRPr lang="en-US"/>
           </a:p>
@@ -988,7 +988,7 @@
           <a:p>
             <a:fld id="{916B8C92-D5E3-4480-8685-D57BEE386DE2}" type="datetimeFigureOut">
               <a:rPr lang="en-US" smtClean="0"/>
-              <a:t>2/21/2017</a:t>
+              <a:t>3/1/2017</a:t>
             </a:fld>
             <a:endParaRPr lang="en-US"/>
           </a:p>
@@ -1168,7 +1168,7 @@
           <a:p>
             <a:fld id="{916B8C92-D5E3-4480-8685-D57BEE386DE2}" type="datetimeFigureOut">
               <a:rPr lang="en-US" smtClean="0"/>
-              <a:t>2/21/2017</a:t>
+              <a:t>3/1/2017</a:t>
             </a:fld>
             <a:endParaRPr lang="en-US"/>
           </a:p>
@@ -1338,7 +1338,7 @@
           <a:p>
             <a:fld id="{916B8C92-D5E3-4480-8685-D57BEE386DE2}" type="datetimeFigureOut">
               <a:rPr lang="en-US" smtClean="0"/>
-              <a:t>2/21/2017</a:t>
+              <a:t>3/1/2017</a:t>
             </a:fld>
             <a:endParaRPr lang="en-US"/>
           </a:p>
@@ -1584,7 +1584,7 @@
           <a:p>
             <a:fld id="{916B8C92-D5E3-4480-8685-D57BEE386DE2}" type="datetimeFigureOut">
               <a:rPr lang="en-US" smtClean="0"/>
-              <a:t>2/21/2017</a:t>
+              <a:t>3/1/2017</a:t>
             </a:fld>
             <a:endParaRPr lang="en-US"/>
           </a:p>
@@ -1816,7 +1816,7 @@
           <a:p>
             <a:fld id="{916B8C92-D5E3-4480-8685-D57BEE386DE2}" type="datetimeFigureOut">
               <a:rPr lang="en-US" smtClean="0"/>
-              <a:t>2/21/2017</a:t>
+              <a:t>3/1/2017</a:t>
             </a:fld>
             <a:endParaRPr lang="en-US"/>
           </a:p>
@@ -2183,7 +2183,7 @@
           <a:p>
             <a:fld id="{916B8C92-D5E3-4480-8685-D57BEE386DE2}" type="datetimeFigureOut">
               <a:rPr lang="en-US" smtClean="0"/>
-              <a:t>2/21/2017</a:t>
+              <a:t>3/1/2017</a:t>
             </a:fld>
             <a:endParaRPr lang="en-US"/>
           </a:p>
@@ -2301,7 +2301,7 @@
           <a:p>
             <a:fld id="{916B8C92-D5E3-4480-8685-D57BEE386DE2}" type="datetimeFigureOut">
               <a:rPr lang="en-US" smtClean="0"/>
-              <a:t>2/21/2017</a:t>
+              <a:t>3/1/2017</a:t>
             </a:fld>
             <a:endParaRPr lang="en-US"/>
           </a:p>
@@ -2396,7 +2396,7 @@
           <a:p>
             <a:fld id="{916B8C92-D5E3-4480-8685-D57BEE386DE2}" type="datetimeFigureOut">
               <a:rPr lang="en-US" smtClean="0"/>
-              <a:t>2/21/2017</a:t>
+              <a:t>3/1/2017</a:t>
             </a:fld>
             <a:endParaRPr lang="en-US"/>
           </a:p>
@@ -2673,7 +2673,7 @@
           <a:p>
             <a:fld id="{916B8C92-D5E3-4480-8685-D57BEE386DE2}" type="datetimeFigureOut">
               <a:rPr lang="en-US" smtClean="0"/>
-              <a:t>2/21/2017</a:t>
+              <a:t>3/1/2017</a:t>
             </a:fld>
             <a:endParaRPr lang="en-US"/>
           </a:p>
@@ -2926,7 +2926,7 @@
           <a:p>
             <a:fld id="{916B8C92-D5E3-4480-8685-D57BEE386DE2}" type="datetimeFigureOut">
               <a:rPr lang="en-US" smtClean="0"/>
-              <a:t>2/21/2017</a:t>
+              <a:t>3/1/2017</a:t>
             </a:fld>
             <a:endParaRPr lang="en-US"/>
           </a:p>
@@ -3139,7 +3139,7 @@
           <a:p>
             <a:fld id="{916B8C92-D5E3-4480-8685-D57BEE386DE2}" type="datetimeFigureOut">
               <a:rPr lang="en-US" smtClean="0"/>
-              <a:t>2/21/2017</a:t>
+              <a:t>3/1/2017</a:t>
             </a:fld>
             <a:endParaRPr lang="en-US"/>
           </a:p>
@@ -5182,29 +5182,6 @@
       </p:grpSpPr>
       <p:pic>
         <p:nvPicPr>
-          <p:cNvPr id="3" name="Picture 2"/>
-          <p:cNvPicPr>
-            <a:picLocks noChangeAspect="1"/>
-          </p:cNvPicPr>
-          <p:nvPr/>
-        </p:nvPicPr>
-        <p:blipFill rotWithShape="1">
-          <a:blip r:embed="rId2"/>
-          <a:srcRect l="18987" r="6611"/>
-          <a:stretch/>
-        </p:blipFill>
-        <p:spPr>
-          <a:xfrm>
-            <a:off x="7842741" y="5587284"/>
-            <a:ext cx="1301259" cy="1027853"/>
-          </a:xfrm>
-          <a:prstGeom prst="rect">
-            <a:avLst/>
-          </a:prstGeom>
-        </p:spPr>
-      </p:pic>
-      <p:pic>
-        <p:nvPicPr>
           <p:cNvPr id="5" name="Picture 4"/>
           <p:cNvPicPr>
             <a:picLocks noChangeAspect="1"/>
@@ -5212,7 +5189,7 @@
           <p:nvPr/>
         </p:nvPicPr>
         <p:blipFill>
-          <a:blip r:embed="rId3"/>
+          <a:blip r:embed="rId2"/>
           <a:stretch>
             <a:fillRect/>
           </a:stretch>
@@ -5278,7 +5255,7 @@
                 <p:nvPr/>
               </p:nvPicPr>
               <p:blipFill>
-                <a:blip r:embed="rId4" cstate="print">
+                <a:blip r:embed="rId3" cstate="print">
                   <a:extLst>
                     <a:ext uri="{28A0092B-C50C-407E-A947-70E740481C1C}">
                       <a14:useLocalDpi xmlns:a14="http://schemas.microsoft.com/office/drawing/2010/main" val="0"/>
@@ -5308,7 +5285,7 @@
                 <p:nvPr/>
               </p:nvPicPr>
               <p:blipFill>
-                <a:blip r:embed="rId5" cstate="print">
+                <a:blip r:embed="rId4" cstate="print">
                   <a:extLst>
                     <a:ext uri="{28A0092B-C50C-407E-A947-70E740481C1C}">
                       <a14:useLocalDpi xmlns:a14="http://schemas.microsoft.com/office/drawing/2010/main" val="0"/>
@@ -5338,7 +5315,7 @@
                 <p:nvPr/>
               </p:nvPicPr>
               <p:blipFill>
-                <a:blip r:embed="rId6" cstate="print">
+                <a:blip r:embed="rId5" cstate="print">
                   <a:extLst>
                     <a:ext uri="{28A0092B-C50C-407E-A947-70E740481C1C}">
                       <a14:useLocalDpi xmlns:a14="http://schemas.microsoft.com/office/drawing/2010/main" val="0"/>
@@ -5368,7 +5345,7 @@
                 <p:nvPr/>
               </p:nvPicPr>
               <p:blipFill>
-                <a:blip r:embed="rId7" cstate="print">
+                <a:blip r:embed="rId6" cstate="print">
                   <a:extLst>
                     <a:ext uri="{28A0092B-C50C-407E-A947-70E740481C1C}">
                       <a14:useLocalDpi xmlns:a14="http://schemas.microsoft.com/office/drawing/2010/main" val="0"/>
@@ -5399,7 +5376,7 @@
               <p:nvPr/>
             </p:nvPicPr>
             <p:blipFill>
-              <a:blip r:embed="rId8"/>
+              <a:blip r:embed="rId7"/>
               <a:stretch>
                 <a:fillRect/>
               </a:stretch>
@@ -5424,7 +5401,7 @@
             <p:nvPr/>
           </p:nvPicPr>
           <p:blipFill>
-            <a:blip r:embed="rId9"/>
+            <a:blip r:embed="rId8"/>
             <a:stretch>
               <a:fillRect/>
             </a:stretch>
@@ -5448,7 +5425,7 @@
             <p:nvPr/>
           </p:nvPicPr>
           <p:blipFill>
-            <a:blip r:embed="rId10"/>
+            <a:blip r:embed="rId9"/>
             <a:stretch>
               <a:fillRect/>
             </a:stretch>
@@ -5466,36 +5443,6 @@
       </p:grpSp>
       <p:sp>
         <p:nvSpPr>
-          <p:cNvPr id="4" name="TextBox 3"/>
-          <p:cNvSpPr txBox="1"/>
-          <p:nvPr/>
-        </p:nvSpPr>
-        <p:spPr>
-          <a:xfrm>
-            <a:off x="8120918" y="4290856"/>
-            <a:ext cx="2697480" cy="369332"/>
-          </a:xfrm>
-          <a:prstGeom prst="rect">
-            <a:avLst/>
-          </a:prstGeom>
-          <a:noFill/>
-        </p:spPr>
-        <p:txBody>
-          <a:bodyPr wrap="square" rtlCol="0">
-            <a:spAutoFit/>
-          </a:bodyPr>
-          <a:lstStyle/>
-          <a:p>
-            <a:r>
-              <a:rPr lang="en-US" dirty="0" smtClean="0"/>
-              <a:t>Check colors, grid print?</a:t>
-            </a:r>
-            <a:endParaRPr lang="en-US" dirty="0"/>
-          </a:p>
-        </p:txBody>
-      </p:sp>
-      <p:sp>
-        <p:nvSpPr>
           <p:cNvPr id="17" name="TextBox 16"/>
           <p:cNvSpPr txBox="1"/>
           <p:nvPr/>
@@ -5525,46 +5472,22 @@
       </p:sp>
       <p:pic>
         <p:nvPicPr>
-          <p:cNvPr id="6" name="Picture 5"/>
+          <p:cNvPr id="18" name="Picture 17"/>
           <p:cNvPicPr>
             <a:picLocks noChangeAspect="1"/>
           </p:cNvPicPr>
           <p:nvPr/>
         </p:nvPicPr>
         <p:blipFill>
-          <a:blip r:embed="rId11"/>
+          <a:blip r:embed="rId10"/>
           <a:stretch>
             <a:fillRect/>
           </a:stretch>
         </p:blipFill>
         <p:spPr>
           <a:xfrm>
-            <a:off x="9144000" y="5587284"/>
-            <a:ext cx="1866310" cy="1109773"/>
-          </a:xfrm>
-          <a:prstGeom prst="rect">
-            <a:avLst/>
-          </a:prstGeom>
-        </p:spPr>
-      </p:pic>
-      <p:pic>
-        <p:nvPicPr>
-          <p:cNvPr id="2" name="Picture 1"/>
-          <p:cNvPicPr>
-            <a:picLocks noChangeAspect="1"/>
-          </p:cNvPicPr>
-          <p:nvPr/>
-        </p:nvPicPr>
-        <p:blipFill>
-          <a:blip r:embed="rId12"/>
-          <a:stretch>
-            <a:fillRect/>
-          </a:stretch>
-        </p:blipFill>
-        <p:spPr>
-          <a:xfrm>
-            <a:off x="7385722" y="193318"/>
-            <a:ext cx="3851348" cy="5067563"/>
+            <a:off x="7121266" y="193318"/>
+            <a:ext cx="4476535" cy="6247158"/>
           </a:xfrm>
           <a:prstGeom prst="rect">
             <a:avLst/>
@@ -5640,11 +5563,7 @@
             </a:r>
             <a:r>
               <a:rPr lang="en-US" dirty="0" smtClean="0"/>
-              <a:t>log of </a:t>
-            </a:r>
-            <a:r>
-              <a:rPr lang="en-US" dirty="0" smtClean="0"/>
-              <a:t>area, colored </a:t>
+              <a:t>log of area, colored </a:t>
             </a:r>
             <a:r>
               <a:rPr lang="en-US" dirty="0"/>
@@ -5663,7 +5582,7 @@
       </p:sp>
       <p:pic>
         <p:nvPicPr>
-          <p:cNvPr id="5" name="Picture 4"/>
+          <p:cNvPr id="2" name="Picture 1"/>
           <p:cNvPicPr>
             <a:picLocks noChangeAspect="1"/>
           </p:cNvPicPr>
@@ -5677,8 +5596,8 @@
         </p:blipFill>
         <p:spPr>
           <a:xfrm>
-            <a:off x="2259624" y="270644"/>
-            <a:ext cx="6122375" cy="4807197"/>
+            <a:off x="2075688" y="134914"/>
+            <a:ext cx="6142199" cy="4780304"/>
           </a:xfrm>
           <a:prstGeom prst="rect">
             <a:avLst/>
@@ -5803,9 +5722,38 @@
           </a:prstGeom>
         </p:spPr>
       </p:pic>
+      <p:sp>
+        <p:nvSpPr>
+          <p:cNvPr id="4" name="TextBox 3"/>
+          <p:cNvSpPr txBox="1"/>
+          <p:nvPr/>
+        </p:nvSpPr>
+        <p:spPr>
+          <a:xfrm>
+            <a:off x="8765931" y="1757124"/>
+            <a:ext cx="1761764" cy="369332"/>
+          </a:xfrm>
+          <a:prstGeom prst="rect">
+            <a:avLst/>
+          </a:prstGeom>
+          <a:noFill/>
+        </p:spPr>
+        <p:txBody>
+          <a:bodyPr wrap="none" rtlCol="0">
+            <a:spAutoFit/>
+          </a:bodyPr>
+          <a:lstStyle/>
+          <a:p>
+            <a:r>
+              <a:rPr lang="en-US" dirty="0" smtClean="0"/>
+              <a:t>Count data ONLY</a:t>
+            </a:r>
+          </a:p>
+        </p:txBody>
+      </p:sp>
       <p:pic>
         <p:nvPicPr>
-          <p:cNvPr id="3" name="Picture 2"/>
+          <p:cNvPr id="5" name="Picture 4"/>
           <p:cNvPicPr>
             <a:picLocks noChangeAspect="1"/>
           </p:cNvPicPr>
@@ -5819,44 +5767,14 @@
         </p:blipFill>
         <p:spPr>
           <a:xfrm>
-            <a:off x="2942406" y="95166"/>
-            <a:ext cx="5300236" cy="4252913"/>
+            <a:off x="2523744" y="129172"/>
+            <a:ext cx="5449824" cy="4218907"/>
           </a:xfrm>
           <a:prstGeom prst="rect">
             <a:avLst/>
           </a:prstGeom>
         </p:spPr>
       </p:pic>
-      <p:sp>
-        <p:nvSpPr>
-          <p:cNvPr id="4" name="TextBox 3"/>
-          <p:cNvSpPr txBox="1"/>
-          <p:nvPr/>
-        </p:nvSpPr>
-        <p:spPr>
-          <a:xfrm>
-            <a:off x="8765931" y="1757124"/>
-            <a:ext cx="2106154" cy="369332"/>
-          </a:xfrm>
-          <a:prstGeom prst="rect">
-            <a:avLst/>
-          </a:prstGeom>
-          <a:noFill/>
-        </p:spPr>
-        <p:txBody>
-          <a:bodyPr wrap="none" rtlCol="0">
-            <a:spAutoFit/>
-          </a:bodyPr>
-          <a:lstStyle/>
-          <a:p>
-            <a:r>
-              <a:rPr lang="en-US" dirty="0" smtClean="0"/>
-              <a:t>Count data removed</a:t>
-            </a:r>
-            <a:endParaRPr lang="en-US" dirty="0"/>
-          </a:p>
-        </p:txBody>
-      </p:sp>
     </p:spTree>
     <p:extLst>
       <p:ext uri="{BB962C8B-B14F-4D97-AF65-F5344CB8AC3E}">
@@ -5887,6 +5805,29 @@
           <a:chExt cx="0" cy="0"/>
         </a:xfrm>
       </p:grpSpPr>
+      <p:pic>
+        <p:nvPicPr>
+          <p:cNvPr id="2" name="Picture 1"/>
+          <p:cNvPicPr>
+            <a:picLocks noChangeAspect="1"/>
+          </p:cNvPicPr>
+          <p:nvPr/>
+        </p:nvPicPr>
+        <p:blipFill rotWithShape="1">
+          <a:blip r:embed="rId2"/>
+          <a:srcRect b="12443"/>
+          <a:stretch/>
+        </p:blipFill>
+        <p:spPr>
+          <a:xfrm>
+            <a:off x="1952223" y="390061"/>
+            <a:ext cx="5336599" cy="3079154"/>
+          </a:xfrm>
+          <a:prstGeom prst="rect">
+            <a:avLst/>
+          </a:prstGeom>
+        </p:spPr>
+      </p:pic>
       <p:sp>
         <p:nvSpPr>
           <p:cNvPr id="6" name="Rectangle 5"/>
@@ -5916,30 +5857,6 @@
           </a:p>
         </p:txBody>
       </p:sp>
-      <p:pic>
-        <p:nvPicPr>
-          <p:cNvPr id="3" name="Picture 2"/>
-          <p:cNvPicPr>
-            <a:picLocks noChangeAspect="1"/>
-          </p:cNvPicPr>
-          <p:nvPr/>
-        </p:nvPicPr>
-        <p:blipFill>
-          <a:blip r:embed="rId2"/>
-          <a:stretch>
-            <a:fillRect/>
-          </a:stretch>
-        </p:blipFill>
-        <p:spPr>
-          <a:xfrm>
-            <a:off x="1733908" y="687208"/>
-            <a:ext cx="4962133" cy="2956810"/>
-          </a:xfrm>
-          <a:prstGeom prst="rect">
-            <a:avLst/>
-          </a:prstGeom>
-        </p:spPr>
-      </p:pic>
       <p:grpSp>
         <p:nvGrpSpPr>
           <p:cNvPr id="7" name="Group 6"/>
@@ -5948,10 +5865,10 @@
         </p:nvGrpSpPr>
         <p:grpSpPr>
           <a:xfrm>
-            <a:off x="2170360" y="3447174"/>
-            <a:ext cx="4293483" cy="377620"/>
-            <a:chOff x="4076090" y="5589042"/>
-            <a:chExt cx="2768069" cy="243042"/>
+            <a:off x="2406580" y="3343650"/>
+            <a:ext cx="4744647" cy="431854"/>
+            <a:chOff x="4122147" y="5589042"/>
+            <a:chExt cx="2631740" cy="243042"/>
           </a:xfrm>
         </p:grpSpPr>
         <p:grpSp>
@@ -5962,10 +5879,10 @@
           </p:nvGrpSpPr>
           <p:grpSpPr>
             <a:xfrm>
-              <a:off x="4076090" y="5589042"/>
-              <a:ext cx="2768069" cy="243042"/>
-              <a:chOff x="4242089" y="5589042"/>
-              <a:chExt cx="2768069" cy="243042"/>
+              <a:off x="4122147" y="5589042"/>
+              <a:ext cx="2631740" cy="243042"/>
+              <a:chOff x="4288146" y="5589042"/>
+              <a:chExt cx="2631740" cy="243042"/>
             </a:xfrm>
           </p:grpSpPr>
           <p:pic>
@@ -6050,7 +5967,7 @@
             </p:blipFill>
             <p:spPr>
               <a:xfrm>
-                <a:off x="4242089" y="5589042"/>
+                <a:off x="4288146" y="5589042"/>
                 <a:ext cx="274386" cy="225596"/>
               </a:xfrm>
               <a:prstGeom prst="rect">
@@ -6080,7 +5997,7 @@
             </p:blipFill>
             <p:spPr>
               <a:xfrm flipH="1">
-                <a:off x="6754369" y="5606488"/>
+                <a:off x="6664097" y="5596143"/>
                 <a:ext cx="255789" cy="218495"/>
               </a:xfrm>
               <a:prstGeom prst="rect">
@@ -6105,7 +6022,7 @@
           </p:blipFill>
           <p:spPr>
             <a:xfrm>
-              <a:off x="5531841" y="5598294"/>
+              <a:off x="5472766" y="5596143"/>
               <a:ext cx="334903" cy="198223"/>
             </a:xfrm>
             <a:prstGeom prst="rect">
@@ -6129,7 +6046,7 @@
           </p:blipFill>
           <p:spPr>
             <a:xfrm>
-              <a:off x="6038358" y="5603347"/>
+              <a:off x="5965563" y="5603347"/>
               <a:ext cx="327300" cy="196986"/>
             </a:xfrm>
             <a:prstGeom prst="rect">

--- a/output/plots/all_figs_with_legends.pptx
+++ b/output/plots/all_figs_with_legends.pptx
@@ -204,7 +204,7 @@
           <a:p>
             <a:fld id="{7FA21820-D199-4D82-91AF-C50B1D3B111A}" type="datetimeFigureOut">
               <a:rPr lang="en-US" smtClean="0"/>
-              <a:t>3/1/2017</a:t>
+              <a:t>3/10/2017</a:t>
             </a:fld>
             <a:endParaRPr lang="en-US"/>
           </a:p>
@@ -818,7 +818,7 @@
           <a:p>
             <a:fld id="{916B8C92-D5E3-4480-8685-D57BEE386DE2}" type="datetimeFigureOut">
               <a:rPr lang="en-US" smtClean="0"/>
-              <a:t>3/1/2017</a:t>
+              <a:t>3/10/2017</a:t>
             </a:fld>
             <a:endParaRPr lang="en-US"/>
           </a:p>
@@ -988,7 +988,7 @@
           <a:p>
             <a:fld id="{916B8C92-D5E3-4480-8685-D57BEE386DE2}" type="datetimeFigureOut">
               <a:rPr lang="en-US" smtClean="0"/>
-              <a:t>3/1/2017</a:t>
+              <a:t>3/10/2017</a:t>
             </a:fld>
             <a:endParaRPr lang="en-US"/>
           </a:p>
@@ -1168,7 +1168,7 @@
           <a:p>
             <a:fld id="{916B8C92-D5E3-4480-8685-D57BEE386DE2}" type="datetimeFigureOut">
               <a:rPr lang="en-US" smtClean="0"/>
-              <a:t>3/1/2017</a:t>
+              <a:t>3/10/2017</a:t>
             </a:fld>
             <a:endParaRPr lang="en-US"/>
           </a:p>
@@ -1338,7 +1338,7 @@
           <a:p>
             <a:fld id="{916B8C92-D5E3-4480-8685-D57BEE386DE2}" type="datetimeFigureOut">
               <a:rPr lang="en-US" smtClean="0"/>
-              <a:t>3/1/2017</a:t>
+              <a:t>3/10/2017</a:t>
             </a:fld>
             <a:endParaRPr lang="en-US"/>
           </a:p>
@@ -1584,7 +1584,7 @@
           <a:p>
             <a:fld id="{916B8C92-D5E3-4480-8685-D57BEE386DE2}" type="datetimeFigureOut">
               <a:rPr lang="en-US" smtClean="0"/>
-              <a:t>3/1/2017</a:t>
+              <a:t>3/10/2017</a:t>
             </a:fld>
             <a:endParaRPr lang="en-US"/>
           </a:p>
@@ -1816,7 +1816,7 @@
           <a:p>
             <a:fld id="{916B8C92-D5E3-4480-8685-D57BEE386DE2}" type="datetimeFigureOut">
               <a:rPr lang="en-US" smtClean="0"/>
-              <a:t>3/1/2017</a:t>
+              <a:t>3/10/2017</a:t>
             </a:fld>
             <a:endParaRPr lang="en-US"/>
           </a:p>
@@ -2183,7 +2183,7 @@
           <a:p>
             <a:fld id="{916B8C92-D5E3-4480-8685-D57BEE386DE2}" type="datetimeFigureOut">
               <a:rPr lang="en-US" smtClean="0"/>
-              <a:t>3/1/2017</a:t>
+              <a:t>3/10/2017</a:t>
             </a:fld>
             <a:endParaRPr lang="en-US"/>
           </a:p>
@@ -2301,7 +2301,7 @@
           <a:p>
             <a:fld id="{916B8C92-D5E3-4480-8685-D57BEE386DE2}" type="datetimeFigureOut">
               <a:rPr lang="en-US" smtClean="0"/>
-              <a:t>3/1/2017</a:t>
+              <a:t>3/10/2017</a:t>
             </a:fld>
             <a:endParaRPr lang="en-US"/>
           </a:p>
@@ -2396,7 +2396,7 @@
           <a:p>
             <a:fld id="{916B8C92-D5E3-4480-8685-D57BEE386DE2}" type="datetimeFigureOut">
               <a:rPr lang="en-US" smtClean="0"/>
-              <a:t>3/1/2017</a:t>
+              <a:t>3/10/2017</a:t>
             </a:fld>
             <a:endParaRPr lang="en-US"/>
           </a:p>
@@ -2673,7 +2673,7 @@
           <a:p>
             <a:fld id="{916B8C92-D5E3-4480-8685-D57BEE386DE2}" type="datetimeFigureOut">
               <a:rPr lang="en-US" smtClean="0"/>
-              <a:t>3/1/2017</a:t>
+              <a:t>3/10/2017</a:t>
             </a:fld>
             <a:endParaRPr lang="en-US"/>
           </a:p>
@@ -2926,7 +2926,7 @@
           <a:p>
             <a:fld id="{916B8C92-D5E3-4480-8685-D57BEE386DE2}" type="datetimeFigureOut">
               <a:rPr lang="en-US" smtClean="0"/>
-              <a:t>3/1/2017</a:t>
+              <a:t>3/10/2017</a:t>
             </a:fld>
             <a:endParaRPr lang="en-US"/>
           </a:p>
@@ -3139,7 +3139,7 @@
           <a:p>
             <a:fld id="{916B8C92-D5E3-4480-8685-D57BEE386DE2}" type="datetimeFigureOut">
               <a:rPr lang="en-US" smtClean="0"/>
-              <a:t>3/1/2017</a:t>
+              <a:t>3/10/2017</a:t>
             </a:fld>
             <a:endParaRPr lang="en-US"/>
           </a:p>
@@ -5150,6 +5150,36 @@
           </p:spPr>
         </p:pic>
       </p:grpSp>
+      <p:sp>
+        <p:nvSpPr>
+          <p:cNvPr id="10" name="TextBox 9"/>
+          <p:cNvSpPr txBox="1"/>
+          <p:nvPr/>
+        </p:nvSpPr>
+        <p:spPr>
+          <a:xfrm>
+            <a:off x="7948246" y="936260"/>
+            <a:ext cx="2391508" cy="369332"/>
+          </a:xfrm>
+          <a:prstGeom prst="rect">
+            <a:avLst/>
+          </a:prstGeom>
+          <a:noFill/>
+        </p:spPr>
+        <p:txBody>
+          <a:bodyPr wrap="square" rtlCol="0">
+            <a:spAutoFit/>
+          </a:bodyPr>
+          <a:lstStyle/>
+          <a:p>
+            <a:r>
+              <a:rPr lang="en-US" dirty="0" smtClean="0"/>
+              <a:t>Need to order better</a:t>
+            </a:r>
+            <a:endParaRPr lang="en-US" dirty="0"/>
+          </a:p>
+        </p:txBody>
+      </p:sp>
     </p:spTree>
     <p:extLst>
       <p:ext uri="{BB962C8B-B14F-4D97-AF65-F5344CB8AC3E}">
@@ -6132,25 +6162,30 @@
           </a:p>
         </p:txBody>
       </p:sp>
-      <p:sp>
-        <p:nvSpPr>
-          <p:cNvPr id="3" name="Content Placeholder 2"/>
-          <p:cNvSpPr>
-            <a:spLocks noGrp="1"/>
-          </p:cNvSpPr>
-          <p:nvPr>
-            <p:ph idx="1"/>
-          </p:nvPr>
-        </p:nvSpPr>
-        <p:spPr/>
-        <p:txBody>
-          <a:bodyPr/>
-          <a:lstStyle/>
-          <a:p>
-            <a:endParaRPr lang="en-US"/>
-          </a:p>
-        </p:txBody>
-      </p:sp>
+      <p:pic>
+        <p:nvPicPr>
+          <p:cNvPr id="4" name="Picture 3"/>
+          <p:cNvPicPr>
+            <a:picLocks noChangeAspect="1"/>
+          </p:cNvPicPr>
+          <p:nvPr/>
+        </p:nvPicPr>
+        <p:blipFill>
+          <a:blip r:embed="rId2"/>
+          <a:stretch>
+            <a:fillRect/>
+          </a:stretch>
+        </p:blipFill>
+        <p:spPr>
+          <a:xfrm>
+            <a:off x="3894992" y="744625"/>
+            <a:ext cx="7063154" cy="4717817"/>
+          </a:xfrm>
+          <a:prstGeom prst="rect">
+            <a:avLst/>
+          </a:prstGeom>
+        </p:spPr>
+      </p:pic>
     </p:spTree>
     <p:extLst>
       <p:ext uri="{BB962C8B-B14F-4D97-AF65-F5344CB8AC3E}">

--- a/output/plots/all_figs_with_legends.pptx
+++ b/output/plots/all_figs_with_legends.pptx
@@ -204,7 +204,7 @@
           <a:p>
             <a:fld id="{7FA21820-D199-4D82-91AF-C50B1D3B111A}" type="datetimeFigureOut">
               <a:rPr lang="en-US" smtClean="0"/>
-              <a:t>3/10/2017</a:t>
+              <a:t>3/14/2017</a:t>
             </a:fld>
             <a:endParaRPr lang="en-US"/>
           </a:p>
@@ -818,7 +818,7 @@
           <a:p>
             <a:fld id="{916B8C92-D5E3-4480-8685-D57BEE386DE2}" type="datetimeFigureOut">
               <a:rPr lang="en-US" smtClean="0"/>
-              <a:t>3/10/2017</a:t>
+              <a:t>3/14/2017</a:t>
             </a:fld>
             <a:endParaRPr lang="en-US"/>
           </a:p>
@@ -988,7 +988,7 @@
           <a:p>
             <a:fld id="{916B8C92-D5E3-4480-8685-D57BEE386DE2}" type="datetimeFigureOut">
               <a:rPr lang="en-US" smtClean="0"/>
-              <a:t>3/10/2017</a:t>
+              <a:t>3/14/2017</a:t>
             </a:fld>
             <a:endParaRPr lang="en-US"/>
           </a:p>
@@ -1168,7 +1168,7 @@
           <a:p>
             <a:fld id="{916B8C92-D5E3-4480-8685-D57BEE386DE2}" type="datetimeFigureOut">
               <a:rPr lang="en-US" smtClean="0"/>
-              <a:t>3/10/2017</a:t>
+              <a:t>3/14/2017</a:t>
             </a:fld>
             <a:endParaRPr lang="en-US"/>
           </a:p>
@@ -1338,7 +1338,7 @@
           <a:p>
             <a:fld id="{916B8C92-D5E3-4480-8685-D57BEE386DE2}" type="datetimeFigureOut">
               <a:rPr lang="en-US" smtClean="0"/>
-              <a:t>3/10/2017</a:t>
+              <a:t>3/14/2017</a:t>
             </a:fld>
             <a:endParaRPr lang="en-US"/>
           </a:p>
@@ -1584,7 +1584,7 @@
           <a:p>
             <a:fld id="{916B8C92-D5E3-4480-8685-D57BEE386DE2}" type="datetimeFigureOut">
               <a:rPr lang="en-US" smtClean="0"/>
-              <a:t>3/10/2017</a:t>
+              <a:t>3/14/2017</a:t>
             </a:fld>
             <a:endParaRPr lang="en-US"/>
           </a:p>
@@ -1816,7 +1816,7 @@
           <a:p>
             <a:fld id="{916B8C92-D5E3-4480-8685-D57BEE386DE2}" type="datetimeFigureOut">
               <a:rPr lang="en-US" smtClean="0"/>
-              <a:t>3/10/2017</a:t>
+              <a:t>3/14/2017</a:t>
             </a:fld>
             <a:endParaRPr lang="en-US"/>
           </a:p>
@@ -2183,7 +2183,7 @@
           <a:p>
             <a:fld id="{916B8C92-D5E3-4480-8685-D57BEE386DE2}" type="datetimeFigureOut">
               <a:rPr lang="en-US" smtClean="0"/>
-              <a:t>3/10/2017</a:t>
+              <a:t>3/14/2017</a:t>
             </a:fld>
             <a:endParaRPr lang="en-US"/>
           </a:p>
@@ -2301,7 +2301,7 @@
           <a:p>
             <a:fld id="{916B8C92-D5E3-4480-8685-D57BEE386DE2}" type="datetimeFigureOut">
               <a:rPr lang="en-US" smtClean="0"/>
-              <a:t>3/10/2017</a:t>
+              <a:t>3/14/2017</a:t>
             </a:fld>
             <a:endParaRPr lang="en-US"/>
           </a:p>
@@ -2396,7 +2396,7 @@
           <a:p>
             <a:fld id="{916B8C92-D5E3-4480-8685-D57BEE386DE2}" type="datetimeFigureOut">
               <a:rPr lang="en-US" smtClean="0"/>
-              <a:t>3/10/2017</a:t>
+              <a:t>3/14/2017</a:t>
             </a:fld>
             <a:endParaRPr lang="en-US"/>
           </a:p>
@@ -2673,7 +2673,7 @@
           <a:p>
             <a:fld id="{916B8C92-D5E3-4480-8685-D57BEE386DE2}" type="datetimeFigureOut">
               <a:rPr lang="en-US" smtClean="0"/>
-              <a:t>3/10/2017</a:t>
+              <a:t>3/14/2017</a:t>
             </a:fld>
             <a:endParaRPr lang="en-US"/>
           </a:p>
@@ -2926,7 +2926,7 @@
           <a:p>
             <a:fld id="{916B8C92-D5E3-4480-8685-D57BEE386DE2}" type="datetimeFigureOut">
               <a:rPr lang="en-US" smtClean="0"/>
-              <a:t>3/10/2017</a:t>
+              <a:t>3/14/2017</a:t>
             </a:fld>
             <a:endParaRPr lang="en-US"/>
           </a:p>
@@ -3139,7 +3139,7 @@
           <a:p>
             <a:fld id="{916B8C92-D5E3-4480-8685-D57BEE386DE2}" type="datetimeFigureOut">
               <a:rPr lang="en-US" smtClean="0"/>
-              <a:t>3/10/2017</a:t>
+              <a:t>3/14/2017</a:t>
             </a:fld>
             <a:endParaRPr lang="en-US"/>
           </a:p>
@@ -6139,32 +6139,9 @@
           <a:chExt cx="0" cy="0"/>
         </a:xfrm>
       </p:grpSpPr>
-      <p:sp>
-        <p:nvSpPr>
-          <p:cNvPr id="2" name="Title 1"/>
-          <p:cNvSpPr>
-            <a:spLocks noGrp="1"/>
-          </p:cNvSpPr>
-          <p:nvPr>
-            <p:ph type="title"/>
-          </p:nvPr>
-        </p:nvSpPr>
-        <p:spPr/>
-        <p:txBody>
-          <a:bodyPr/>
-          <a:lstStyle/>
-          <a:p>
-            <a:r>
-              <a:rPr lang="en-US" dirty="0" smtClean="0"/>
-              <a:t>Fig 4a – 4d</a:t>
-            </a:r>
-            <a:endParaRPr lang="en-US" dirty="0"/>
-          </a:p>
-        </p:txBody>
-      </p:sp>
       <p:pic>
         <p:nvPicPr>
-          <p:cNvPr id="4" name="Picture 3"/>
+          <p:cNvPr id="3" name="Picture 2"/>
           <p:cNvPicPr>
             <a:picLocks noChangeAspect="1"/>
           </p:cNvPicPr>
@@ -6178,8 +6155,56 @@
         </p:blipFill>
         <p:spPr>
           <a:xfrm>
-            <a:off x="3894992" y="744625"/>
-            <a:ext cx="7063154" cy="4717817"/>
+            <a:off x="5303519" y="3000077"/>
+            <a:ext cx="5044615" cy="3340094"/>
+          </a:xfrm>
+          <a:prstGeom prst="rect">
+            <a:avLst/>
+          </a:prstGeom>
+        </p:spPr>
+      </p:pic>
+      <p:pic>
+        <p:nvPicPr>
+          <p:cNvPr id="5" name="Picture 4"/>
+          <p:cNvPicPr>
+            <a:picLocks noChangeAspect="1"/>
+          </p:cNvPicPr>
+          <p:nvPr/>
+        </p:nvPicPr>
+        <p:blipFill>
+          <a:blip r:embed="rId3"/>
+          <a:stretch>
+            <a:fillRect/>
+          </a:stretch>
+        </p:blipFill>
+        <p:spPr>
+          <a:xfrm>
+            <a:off x="914399" y="3500634"/>
+            <a:ext cx="4192287" cy="2810995"/>
+          </a:xfrm>
+          <a:prstGeom prst="rect">
+            <a:avLst/>
+          </a:prstGeom>
+        </p:spPr>
+      </p:pic>
+      <p:pic>
+        <p:nvPicPr>
+          <p:cNvPr id="6" name="Picture 5"/>
+          <p:cNvPicPr>
+            <a:picLocks noChangeAspect="1"/>
+          </p:cNvPicPr>
+          <p:nvPr/>
+        </p:nvPicPr>
+        <p:blipFill>
+          <a:blip r:embed="rId4"/>
+          <a:stretch>
+            <a:fillRect/>
+          </a:stretch>
+        </p:blipFill>
+        <p:spPr>
+          <a:xfrm>
+            <a:off x="1106424" y="128913"/>
+            <a:ext cx="3410712" cy="2871164"/>
           </a:xfrm>
           <a:prstGeom prst="rect">
             <a:avLst/>

--- a/output/plots/all_figs_with_legends.pptx
+++ b/output/plots/all_figs_with_legends.pptx
@@ -204,7 +204,7 @@
           <a:p>
             <a:fld id="{7FA21820-D199-4D82-91AF-C50B1D3B111A}" type="datetimeFigureOut">
               <a:rPr lang="en-US" smtClean="0"/>
-              <a:t>3/14/2017</a:t>
+              <a:t>3/17/2017</a:t>
             </a:fld>
             <a:endParaRPr lang="en-US"/>
           </a:p>
@@ -818,7 +818,7 @@
           <a:p>
             <a:fld id="{916B8C92-D5E3-4480-8685-D57BEE386DE2}" type="datetimeFigureOut">
               <a:rPr lang="en-US" smtClean="0"/>
-              <a:t>3/14/2017</a:t>
+              <a:t>3/17/2017</a:t>
             </a:fld>
             <a:endParaRPr lang="en-US"/>
           </a:p>
@@ -988,7 +988,7 @@
           <a:p>
             <a:fld id="{916B8C92-D5E3-4480-8685-D57BEE386DE2}" type="datetimeFigureOut">
               <a:rPr lang="en-US" smtClean="0"/>
-              <a:t>3/14/2017</a:t>
+              <a:t>3/17/2017</a:t>
             </a:fld>
             <a:endParaRPr lang="en-US"/>
           </a:p>
@@ -1168,7 +1168,7 @@
           <a:p>
             <a:fld id="{916B8C92-D5E3-4480-8685-D57BEE386DE2}" type="datetimeFigureOut">
               <a:rPr lang="en-US" smtClean="0"/>
-              <a:t>3/14/2017</a:t>
+              <a:t>3/17/2017</a:t>
             </a:fld>
             <a:endParaRPr lang="en-US"/>
           </a:p>
@@ -1338,7 +1338,7 @@
           <a:p>
             <a:fld id="{916B8C92-D5E3-4480-8685-D57BEE386DE2}" type="datetimeFigureOut">
               <a:rPr lang="en-US" smtClean="0"/>
-              <a:t>3/14/2017</a:t>
+              <a:t>3/17/2017</a:t>
             </a:fld>
             <a:endParaRPr lang="en-US"/>
           </a:p>
@@ -1584,7 +1584,7 @@
           <a:p>
             <a:fld id="{916B8C92-D5E3-4480-8685-D57BEE386DE2}" type="datetimeFigureOut">
               <a:rPr lang="en-US" smtClean="0"/>
-              <a:t>3/14/2017</a:t>
+              <a:t>3/17/2017</a:t>
             </a:fld>
             <a:endParaRPr lang="en-US"/>
           </a:p>
@@ -1816,7 +1816,7 @@
           <a:p>
             <a:fld id="{916B8C92-D5E3-4480-8685-D57BEE386DE2}" type="datetimeFigureOut">
               <a:rPr lang="en-US" smtClean="0"/>
-              <a:t>3/14/2017</a:t>
+              <a:t>3/17/2017</a:t>
             </a:fld>
             <a:endParaRPr lang="en-US"/>
           </a:p>
@@ -2183,7 +2183,7 @@
           <a:p>
             <a:fld id="{916B8C92-D5E3-4480-8685-D57BEE386DE2}" type="datetimeFigureOut">
               <a:rPr lang="en-US" smtClean="0"/>
-              <a:t>3/14/2017</a:t>
+              <a:t>3/17/2017</a:t>
             </a:fld>
             <a:endParaRPr lang="en-US"/>
           </a:p>
@@ -2301,7 +2301,7 @@
           <a:p>
             <a:fld id="{916B8C92-D5E3-4480-8685-D57BEE386DE2}" type="datetimeFigureOut">
               <a:rPr lang="en-US" smtClean="0"/>
-              <a:t>3/14/2017</a:t>
+              <a:t>3/17/2017</a:t>
             </a:fld>
             <a:endParaRPr lang="en-US"/>
           </a:p>
@@ -2396,7 +2396,7 @@
           <a:p>
             <a:fld id="{916B8C92-D5E3-4480-8685-D57BEE386DE2}" type="datetimeFigureOut">
               <a:rPr lang="en-US" smtClean="0"/>
-              <a:t>3/14/2017</a:t>
+              <a:t>3/17/2017</a:t>
             </a:fld>
             <a:endParaRPr lang="en-US"/>
           </a:p>
@@ -2673,7 +2673,7 @@
           <a:p>
             <a:fld id="{916B8C92-D5E3-4480-8685-D57BEE386DE2}" type="datetimeFigureOut">
               <a:rPr lang="en-US" smtClean="0"/>
-              <a:t>3/14/2017</a:t>
+              <a:t>3/17/2017</a:t>
             </a:fld>
             <a:endParaRPr lang="en-US"/>
           </a:p>
@@ -2926,7 +2926,7 @@
           <a:p>
             <a:fld id="{916B8C92-D5E3-4480-8685-D57BEE386DE2}" type="datetimeFigureOut">
               <a:rPr lang="en-US" smtClean="0"/>
-              <a:t>3/14/2017</a:t>
+              <a:t>3/17/2017</a:t>
             </a:fld>
             <a:endParaRPr lang="en-US"/>
           </a:p>
@@ -3139,7 +3139,7 @@
           <a:p>
             <a:fld id="{916B8C92-D5E3-4480-8685-D57BEE386DE2}" type="datetimeFigureOut">
               <a:rPr lang="en-US" smtClean="0"/>
-              <a:t>3/14/2017</a:t>
+              <a:t>3/17/2017</a:t>
             </a:fld>
             <a:endParaRPr lang="en-US"/>
           </a:p>
@@ -5210,186 +5210,225 @@
           <a:chExt cx="0" cy="0"/>
         </a:xfrm>
       </p:grpSpPr>
-      <p:pic>
-        <p:nvPicPr>
-          <p:cNvPr id="5" name="Picture 4"/>
-          <p:cNvPicPr>
-            <a:picLocks noChangeAspect="1"/>
-          </p:cNvPicPr>
-          <p:nvPr/>
-        </p:nvPicPr>
-        <p:blipFill>
-          <a:blip r:embed="rId2"/>
-          <a:stretch>
-            <a:fillRect/>
-          </a:stretch>
-        </p:blipFill>
-        <p:spPr>
-          <a:xfrm>
-            <a:off x="383197" y="193318"/>
-            <a:ext cx="6496050" cy="4371975"/>
-          </a:xfrm>
-          <a:prstGeom prst="rect">
-            <a:avLst/>
-          </a:prstGeom>
-        </p:spPr>
-      </p:pic>
       <p:grpSp>
         <p:nvGrpSpPr>
-          <p:cNvPr id="7" name="Group 6"/>
+          <p:cNvPr id="2" name="Group 1"/>
           <p:cNvGrpSpPr/>
           <p:nvPr/>
         </p:nvGrpSpPr>
         <p:grpSpPr>
           <a:xfrm>
-            <a:off x="1484560" y="3929312"/>
-            <a:ext cx="5078346" cy="377620"/>
-            <a:chOff x="4076090" y="5589042"/>
-            <a:chExt cx="3274081" cy="243042"/>
+            <a:off x="383197" y="193318"/>
+            <a:ext cx="6496050" cy="4371975"/>
+            <a:chOff x="383197" y="193318"/>
+            <a:chExt cx="6496050" cy="4371975"/>
           </a:xfrm>
         </p:grpSpPr>
+        <p:pic>
+          <p:nvPicPr>
+            <p:cNvPr id="5" name="Picture 4"/>
+            <p:cNvPicPr>
+              <a:picLocks noChangeAspect="1"/>
+            </p:cNvPicPr>
+            <p:nvPr/>
+          </p:nvPicPr>
+          <p:blipFill>
+            <a:blip r:embed="rId2"/>
+            <a:stretch>
+              <a:fillRect/>
+            </a:stretch>
+          </p:blipFill>
+          <p:spPr>
+            <a:xfrm>
+              <a:off x="383197" y="193318"/>
+              <a:ext cx="6496050" cy="4371975"/>
+            </a:xfrm>
+            <a:prstGeom prst="rect">
+              <a:avLst/>
+            </a:prstGeom>
+          </p:spPr>
+        </p:pic>
         <p:grpSp>
           <p:nvGrpSpPr>
-            <p:cNvPr id="8" name="Group 7"/>
+            <p:cNvPr id="7" name="Group 6"/>
             <p:cNvGrpSpPr/>
             <p:nvPr/>
           </p:nvGrpSpPr>
           <p:grpSpPr>
             <a:xfrm>
-              <a:off x="4076090" y="5589042"/>
-              <a:ext cx="3274081" cy="243042"/>
+              <a:off x="1484560" y="3929312"/>
+              <a:ext cx="5078346" cy="377620"/>
               <a:chOff x="4076090" y="5589042"/>
               <a:chExt cx="3274081" cy="243042"/>
             </a:xfrm>
           </p:grpSpPr>
           <p:grpSp>
             <p:nvGrpSpPr>
-              <p:cNvPr id="11" name="Group 10"/>
+              <p:cNvPr id="8" name="Group 7"/>
               <p:cNvGrpSpPr/>
               <p:nvPr/>
             </p:nvGrpSpPr>
             <p:grpSpPr>
               <a:xfrm>
                 <a:off x="4076090" y="5589042"/>
-                <a:ext cx="2768069" cy="243042"/>
-                <a:chOff x="4242089" y="5589042"/>
-                <a:chExt cx="2768069" cy="243042"/>
+                <a:ext cx="3274081" cy="243042"/>
+                <a:chOff x="4076090" y="5589042"/>
+                <a:chExt cx="3274081" cy="243042"/>
               </a:xfrm>
             </p:grpSpPr>
+            <p:grpSp>
+              <p:nvGrpSpPr>
+                <p:cNvPr id="11" name="Group 10"/>
+                <p:cNvGrpSpPr/>
+                <p:nvPr/>
+              </p:nvGrpSpPr>
+              <p:grpSpPr>
+                <a:xfrm>
+                  <a:off x="4076090" y="5589042"/>
+                  <a:ext cx="2768069" cy="243042"/>
+                  <a:chOff x="4242089" y="5589042"/>
+                  <a:chExt cx="2768069" cy="243042"/>
+                </a:xfrm>
+              </p:grpSpPr>
+              <p:pic>
+                <p:nvPicPr>
+                  <p:cNvPr id="13" name="Picture 12"/>
+                  <p:cNvPicPr>
+                    <a:picLocks noChangeAspect="1"/>
+                  </p:cNvPicPr>
+                  <p:nvPr/>
+                </p:nvPicPr>
+                <p:blipFill>
+                  <a:blip r:embed="rId3" cstate="print">
+                    <a:extLst>
+                      <a:ext uri="{28A0092B-C50C-407E-A947-70E740481C1C}">
+                        <a14:useLocalDpi xmlns:a14="http://schemas.microsoft.com/office/drawing/2010/main" val="0"/>
+                      </a:ext>
+                    </a:extLst>
+                  </a:blip>
+                  <a:stretch>
+                    <a:fillRect/>
+                  </a:stretch>
+                </p:blipFill>
+                <p:spPr>
+                  <a:xfrm>
+                    <a:off x="4720426" y="5634952"/>
+                    <a:ext cx="325640" cy="161565"/>
+                  </a:xfrm>
+                  <a:prstGeom prst="rect">
+                    <a:avLst/>
+                  </a:prstGeom>
+                </p:spPr>
+              </p:pic>
+              <p:pic>
+                <p:nvPicPr>
+                  <p:cNvPr id="14" name="Picture 13"/>
+                  <p:cNvPicPr>
+                    <a:picLocks noChangeAspect="1"/>
+                  </p:cNvPicPr>
+                  <p:nvPr/>
+                </p:nvPicPr>
+                <p:blipFill>
+                  <a:blip r:embed="rId4" cstate="print">
+                    <a:extLst>
+                      <a:ext uri="{28A0092B-C50C-407E-A947-70E740481C1C}">
+                        <a14:useLocalDpi xmlns:a14="http://schemas.microsoft.com/office/drawing/2010/main" val="0"/>
+                      </a:ext>
+                    </a:extLst>
+                  </a:blip>
+                  <a:stretch>
+                    <a:fillRect/>
+                  </a:stretch>
+                </p:blipFill>
+                <p:spPr>
+                  <a:xfrm>
+                    <a:off x="5202099" y="5606488"/>
+                    <a:ext cx="280633" cy="225596"/>
+                  </a:xfrm>
+                  <a:prstGeom prst="rect">
+                    <a:avLst/>
+                  </a:prstGeom>
+                </p:spPr>
+              </p:pic>
+              <p:pic>
+                <p:nvPicPr>
+                  <p:cNvPr id="15" name="Picture 14"/>
+                  <p:cNvPicPr>
+                    <a:picLocks noChangeAspect="1"/>
+                  </p:cNvPicPr>
+                  <p:nvPr/>
+                </p:nvPicPr>
+                <p:blipFill>
+                  <a:blip r:embed="rId5" cstate="print">
+                    <a:extLst>
+                      <a:ext uri="{28A0092B-C50C-407E-A947-70E740481C1C}">
+                        <a14:useLocalDpi xmlns:a14="http://schemas.microsoft.com/office/drawing/2010/main" val="0"/>
+                      </a:ext>
+                    </a:extLst>
+                  </a:blip>
+                  <a:stretch>
+                    <a:fillRect/>
+                  </a:stretch>
+                </p:blipFill>
+                <p:spPr>
+                  <a:xfrm>
+                    <a:off x="4242089" y="5589042"/>
+                    <a:ext cx="274386" cy="225596"/>
+                  </a:xfrm>
+                  <a:prstGeom prst="rect">
+                    <a:avLst/>
+                  </a:prstGeom>
+                </p:spPr>
+              </p:pic>
+              <p:pic>
+                <p:nvPicPr>
+                  <p:cNvPr id="16" name="Picture 15"/>
+                  <p:cNvPicPr>
+                    <a:picLocks noChangeAspect="1"/>
+                  </p:cNvPicPr>
+                  <p:nvPr/>
+                </p:nvPicPr>
+                <p:blipFill>
+                  <a:blip r:embed="rId6" cstate="print">
+                    <a:extLst>
+                      <a:ext uri="{28A0092B-C50C-407E-A947-70E740481C1C}">
+                        <a14:useLocalDpi xmlns:a14="http://schemas.microsoft.com/office/drawing/2010/main" val="0"/>
+                      </a:ext>
+                    </a:extLst>
+                  </a:blip>
+                  <a:stretch>
+                    <a:fillRect/>
+                  </a:stretch>
+                </p:blipFill>
+                <p:spPr>
+                  <a:xfrm flipH="1">
+                    <a:off x="6754369" y="5606488"/>
+                    <a:ext cx="255789" cy="218495"/>
+                  </a:xfrm>
+                  <a:prstGeom prst="rect">
+                    <a:avLst/>
+                  </a:prstGeom>
+                </p:spPr>
+              </p:pic>
+            </p:grpSp>
             <p:pic>
               <p:nvPicPr>
-                <p:cNvPr id="13" name="Picture 12"/>
+                <p:cNvPr id="12" name="Picture 11"/>
                 <p:cNvPicPr>
                   <a:picLocks noChangeAspect="1"/>
                 </p:cNvPicPr>
                 <p:nvPr/>
               </p:nvPicPr>
               <p:blipFill>
-                <a:blip r:embed="rId3" cstate="print">
-                  <a:extLst>
-                    <a:ext uri="{28A0092B-C50C-407E-A947-70E740481C1C}">
-                      <a14:useLocalDpi xmlns:a14="http://schemas.microsoft.com/office/drawing/2010/main" val="0"/>
-                    </a:ext>
-                  </a:extLst>
-                </a:blip>
+                <a:blip r:embed="rId7"/>
                 <a:stretch>
                   <a:fillRect/>
                 </a:stretch>
               </p:blipFill>
               <p:spPr>
                 <a:xfrm>
-                  <a:off x="4720426" y="5634952"/>
-                  <a:ext cx="325640" cy="161565"/>
-                </a:xfrm>
-                <a:prstGeom prst="rect">
-                  <a:avLst/>
-                </a:prstGeom>
-              </p:spPr>
-            </p:pic>
-            <p:pic>
-              <p:nvPicPr>
-                <p:cNvPr id="14" name="Picture 13"/>
-                <p:cNvPicPr>
-                  <a:picLocks noChangeAspect="1"/>
-                </p:cNvPicPr>
-                <p:nvPr/>
-              </p:nvPicPr>
-              <p:blipFill>
-                <a:blip r:embed="rId4" cstate="print">
-                  <a:extLst>
-                    <a:ext uri="{28A0092B-C50C-407E-A947-70E740481C1C}">
-                      <a14:useLocalDpi xmlns:a14="http://schemas.microsoft.com/office/drawing/2010/main" val="0"/>
-                    </a:ext>
-                  </a:extLst>
-                </a:blip>
-                <a:stretch>
-                  <a:fillRect/>
-                </a:stretch>
-              </p:blipFill>
-              <p:spPr>
-                <a:xfrm>
-                  <a:off x="5202099" y="5606488"/>
-                  <a:ext cx="280633" cy="225596"/>
-                </a:xfrm>
-                <a:prstGeom prst="rect">
-                  <a:avLst/>
-                </a:prstGeom>
-              </p:spPr>
-            </p:pic>
-            <p:pic>
-              <p:nvPicPr>
-                <p:cNvPr id="15" name="Picture 14"/>
-                <p:cNvPicPr>
-                  <a:picLocks noChangeAspect="1"/>
-                </p:cNvPicPr>
-                <p:nvPr/>
-              </p:nvPicPr>
-              <p:blipFill>
-                <a:blip r:embed="rId5" cstate="print">
-                  <a:extLst>
-                    <a:ext uri="{28A0092B-C50C-407E-A947-70E740481C1C}">
-                      <a14:useLocalDpi xmlns:a14="http://schemas.microsoft.com/office/drawing/2010/main" val="0"/>
-                    </a:ext>
-                  </a:extLst>
-                </a:blip>
-                <a:stretch>
-                  <a:fillRect/>
-                </a:stretch>
-              </p:blipFill>
-              <p:spPr>
-                <a:xfrm>
-                  <a:off x="4242089" y="5589042"/>
-                  <a:ext cx="274386" cy="225596"/>
-                </a:xfrm>
-                <a:prstGeom prst="rect">
-                  <a:avLst/>
-                </a:prstGeom>
-              </p:spPr>
-            </p:pic>
-            <p:pic>
-              <p:nvPicPr>
-                <p:cNvPr id="16" name="Picture 15"/>
-                <p:cNvPicPr>
-                  <a:picLocks noChangeAspect="1"/>
-                </p:cNvPicPr>
-                <p:nvPr/>
-              </p:nvPicPr>
-              <p:blipFill>
-                <a:blip r:embed="rId6" cstate="print">
-                  <a:extLst>
-                    <a:ext uri="{28A0092B-C50C-407E-A947-70E740481C1C}">
-                      <a14:useLocalDpi xmlns:a14="http://schemas.microsoft.com/office/drawing/2010/main" val="0"/>
-                    </a:ext>
-                  </a:extLst>
-                </a:blip>
-                <a:stretch>
-                  <a:fillRect/>
-                </a:stretch>
-              </p:blipFill>
-              <p:spPr>
-                <a:xfrm flipH="1">
-                  <a:off x="6754369" y="5606488"/>
-                  <a:ext cx="255789" cy="218495"/>
+                  <a:off x="7048110" y="5589042"/>
+                  <a:ext cx="302061" cy="235941"/>
                 </a:xfrm>
                 <a:prstGeom prst="rect">
                   <a:avLst/>
@@ -5399,22 +5438,46 @@
           </p:grpSp>
           <p:pic>
             <p:nvPicPr>
-              <p:cNvPr id="12" name="Picture 11"/>
+              <p:cNvPr id="9" name="Picture 8"/>
               <p:cNvPicPr>
                 <a:picLocks noChangeAspect="1"/>
               </p:cNvPicPr>
               <p:nvPr/>
             </p:nvPicPr>
             <p:blipFill>
-              <a:blip r:embed="rId7"/>
+              <a:blip r:embed="rId8"/>
               <a:stretch>
                 <a:fillRect/>
               </a:stretch>
             </p:blipFill>
             <p:spPr>
               <a:xfrm>
-                <a:off x="7048110" y="5589042"/>
-                <a:ext cx="302061" cy="235941"/>
+                <a:off x="5531841" y="5598294"/>
+                <a:ext cx="334903" cy="198223"/>
+              </a:xfrm>
+              <a:prstGeom prst="rect">
+                <a:avLst/>
+              </a:prstGeom>
+            </p:spPr>
+          </p:pic>
+          <p:pic>
+            <p:nvPicPr>
+              <p:cNvPr id="10" name="Picture 9"/>
+              <p:cNvPicPr>
+                <a:picLocks noChangeAspect="1"/>
+              </p:cNvPicPr>
+              <p:nvPr/>
+            </p:nvPicPr>
+            <p:blipFill>
+              <a:blip r:embed="rId9"/>
+              <a:stretch>
+                <a:fillRect/>
+              </a:stretch>
+            </p:blipFill>
+            <p:spPr>
+              <a:xfrm>
+                <a:off x="6038358" y="5603347"/>
+                <a:ext cx="327300" cy="196986"/>
               </a:xfrm>
               <a:prstGeom prst="rect">
                 <a:avLst/>
@@ -5422,54 +5485,6 @@
             </p:spPr>
           </p:pic>
         </p:grpSp>
-        <p:pic>
-          <p:nvPicPr>
-            <p:cNvPr id="9" name="Picture 8"/>
-            <p:cNvPicPr>
-              <a:picLocks noChangeAspect="1"/>
-            </p:cNvPicPr>
-            <p:nvPr/>
-          </p:nvPicPr>
-          <p:blipFill>
-            <a:blip r:embed="rId8"/>
-            <a:stretch>
-              <a:fillRect/>
-            </a:stretch>
-          </p:blipFill>
-          <p:spPr>
-            <a:xfrm>
-              <a:off x="5531841" y="5598294"/>
-              <a:ext cx="334903" cy="198223"/>
-            </a:xfrm>
-            <a:prstGeom prst="rect">
-              <a:avLst/>
-            </a:prstGeom>
-          </p:spPr>
-        </p:pic>
-        <p:pic>
-          <p:nvPicPr>
-            <p:cNvPr id="10" name="Picture 9"/>
-            <p:cNvPicPr>
-              <a:picLocks noChangeAspect="1"/>
-            </p:cNvPicPr>
-            <p:nvPr/>
-          </p:nvPicPr>
-          <p:blipFill>
-            <a:blip r:embed="rId9"/>
-            <a:stretch>
-              <a:fillRect/>
-            </a:stretch>
-          </p:blipFill>
-          <p:spPr>
-            <a:xfrm>
-              <a:off x="6038358" y="5603347"/>
-              <a:ext cx="327300" cy="196986"/>
-            </a:xfrm>
-            <a:prstGeom prst="rect">
-              <a:avLst/>
-            </a:prstGeom>
-          </p:spPr>
-        </p:pic>
       </p:grpSp>
       <p:sp>
         <p:nvSpPr>
@@ -5835,29 +5850,6 @@
           <a:chExt cx="0" cy="0"/>
         </a:xfrm>
       </p:grpSpPr>
-      <p:pic>
-        <p:nvPicPr>
-          <p:cNvPr id="2" name="Picture 1"/>
-          <p:cNvPicPr>
-            <a:picLocks noChangeAspect="1"/>
-          </p:cNvPicPr>
-          <p:nvPr/>
-        </p:nvPicPr>
-        <p:blipFill rotWithShape="1">
-          <a:blip r:embed="rId2"/>
-          <a:srcRect b="12443"/>
-          <a:stretch/>
-        </p:blipFill>
-        <p:spPr>
-          <a:xfrm>
-            <a:off x="1952223" y="390061"/>
-            <a:ext cx="5336599" cy="3079154"/>
-          </a:xfrm>
-          <a:prstGeom prst="rect">
-            <a:avLst/>
-          </a:prstGeom>
-        </p:spPr>
-      </p:pic>
       <p:sp>
         <p:nvSpPr>
           <p:cNvPr id="6" name="Rectangle 5"/>
@@ -5889,195 +5881,272 @@
       </p:sp>
       <p:grpSp>
         <p:nvGrpSpPr>
-          <p:cNvPr id="7" name="Group 6"/>
+          <p:cNvPr id="5" name="Group 4"/>
           <p:cNvGrpSpPr/>
           <p:nvPr/>
         </p:nvGrpSpPr>
         <p:grpSpPr>
           <a:xfrm>
-            <a:off x="2406580" y="3343650"/>
-            <a:ext cx="4744647" cy="431854"/>
-            <a:chOff x="4122147" y="5589042"/>
-            <a:chExt cx="2631740" cy="243042"/>
+            <a:off x="1952223" y="390061"/>
+            <a:ext cx="5336599" cy="3740837"/>
+            <a:chOff x="1952223" y="390061"/>
+            <a:chExt cx="5336599" cy="3740837"/>
           </a:xfrm>
         </p:grpSpPr>
         <p:grpSp>
           <p:nvGrpSpPr>
-            <p:cNvPr id="11" name="Group 10"/>
+            <p:cNvPr id="3" name="Group 2"/>
             <p:cNvGrpSpPr/>
             <p:nvPr/>
           </p:nvGrpSpPr>
           <p:grpSpPr>
             <a:xfrm>
-              <a:off x="4122147" y="5589042"/>
-              <a:ext cx="2631740" cy="243042"/>
-              <a:chOff x="4288146" y="5589042"/>
-              <a:chExt cx="2631740" cy="243042"/>
+              <a:off x="1952223" y="390061"/>
+              <a:ext cx="5336599" cy="3385443"/>
+              <a:chOff x="1952223" y="390061"/>
+              <a:chExt cx="5336599" cy="3385443"/>
             </a:xfrm>
           </p:grpSpPr>
           <p:pic>
             <p:nvPicPr>
-              <p:cNvPr id="13" name="Picture 12"/>
+              <p:cNvPr id="2" name="Picture 1"/>
               <p:cNvPicPr>
                 <a:picLocks noChangeAspect="1"/>
               </p:cNvPicPr>
               <p:nvPr/>
             </p:nvPicPr>
-            <p:blipFill>
-              <a:blip r:embed="rId3" cstate="print">
-                <a:extLst>
-                  <a:ext uri="{28A0092B-C50C-407E-A947-70E740481C1C}">
-                    <a14:useLocalDpi xmlns:a14="http://schemas.microsoft.com/office/drawing/2010/main" val="0"/>
-                  </a:ext>
-                </a:extLst>
-              </a:blip>
-              <a:stretch>
-                <a:fillRect/>
-              </a:stretch>
+            <p:blipFill rotWithShape="1">
+              <a:blip r:embed="rId2"/>
+              <a:srcRect b="12443"/>
+              <a:stretch/>
             </p:blipFill>
             <p:spPr>
               <a:xfrm>
-                <a:off x="4720426" y="5634952"/>
-                <a:ext cx="325640" cy="161565"/>
+                <a:off x="1952223" y="390061"/>
+                <a:ext cx="5336599" cy="3079154"/>
               </a:xfrm>
               <a:prstGeom prst="rect">
                 <a:avLst/>
               </a:prstGeom>
             </p:spPr>
           </p:pic>
-          <p:pic>
-            <p:nvPicPr>
-              <p:cNvPr id="14" name="Picture 13"/>
-              <p:cNvPicPr>
-                <a:picLocks noChangeAspect="1"/>
-              </p:cNvPicPr>
+          <p:grpSp>
+            <p:nvGrpSpPr>
+              <p:cNvPr id="7" name="Group 6"/>
+              <p:cNvGrpSpPr/>
               <p:nvPr/>
-            </p:nvPicPr>
-            <p:blipFill>
-              <a:blip r:embed="rId4" cstate="print">
-                <a:extLst>
-                  <a:ext uri="{28A0092B-C50C-407E-A947-70E740481C1C}">
-                    <a14:useLocalDpi xmlns:a14="http://schemas.microsoft.com/office/drawing/2010/main" val="0"/>
-                  </a:ext>
-                </a:extLst>
-              </a:blip>
-              <a:stretch>
-                <a:fillRect/>
-              </a:stretch>
-            </p:blipFill>
-            <p:spPr>
+            </p:nvGrpSpPr>
+            <p:grpSpPr>
               <a:xfrm>
-                <a:off x="5202099" y="5606488"/>
-                <a:ext cx="280633" cy="225596"/>
+                <a:off x="2406580" y="3343650"/>
+                <a:ext cx="4744647" cy="431854"/>
+                <a:chOff x="4122147" y="5589042"/>
+                <a:chExt cx="2631740" cy="243042"/>
               </a:xfrm>
-              <a:prstGeom prst="rect">
-                <a:avLst/>
-              </a:prstGeom>
-            </p:spPr>
-          </p:pic>
-          <p:pic>
-            <p:nvPicPr>
-              <p:cNvPr id="15" name="Picture 14"/>
-              <p:cNvPicPr>
-                <a:picLocks noChangeAspect="1"/>
-              </p:cNvPicPr>
-              <p:nvPr/>
-            </p:nvPicPr>
-            <p:blipFill>
-              <a:blip r:embed="rId5" cstate="print">
-                <a:extLst>
-                  <a:ext uri="{28A0092B-C50C-407E-A947-70E740481C1C}">
-                    <a14:useLocalDpi xmlns:a14="http://schemas.microsoft.com/office/drawing/2010/main" val="0"/>
-                  </a:ext>
-                </a:extLst>
-              </a:blip>
-              <a:stretch>
-                <a:fillRect/>
-              </a:stretch>
-            </p:blipFill>
-            <p:spPr>
-              <a:xfrm>
-                <a:off x="4288146" y="5589042"/>
-                <a:ext cx="274386" cy="225596"/>
-              </a:xfrm>
-              <a:prstGeom prst="rect">
-                <a:avLst/>
-              </a:prstGeom>
-            </p:spPr>
-          </p:pic>
-          <p:pic>
-            <p:nvPicPr>
-              <p:cNvPr id="16" name="Picture 15"/>
-              <p:cNvPicPr>
-                <a:picLocks noChangeAspect="1"/>
-              </p:cNvPicPr>
-              <p:nvPr/>
-            </p:nvPicPr>
-            <p:blipFill>
-              <a:blip r:embed="rId6" cstate="print">
-                <a:extLst>
-                  <a:ext uri="{28A0092B-C50C-407E-A947-70E740481C1C}">
-                    <a14:useLocalDpi xmlns:a14="http://schemas.microsoft.com/office/drawing/2010/main" val="0"/>
-                  </a:ext>
-                </a:extLst>
-              </a:blip>
-              <a:stretch>
-                <a:fillRect/>
-              </a:stretch>
-            </p:blipFill>
-            <p:spPr>
-              <a:xfrm flipH="1">
-                <a:off x="6664097" y="5596143"/>
-                <a:ext cx="255789" cy="218495"/>
-              </a:xfrm>
-              <a:prstGeom prst="rect">
-                <a:avLst/>
-              </a:prstGeom>
-            </p:spPr>
-          </p:pic>
+            </p:grpSpPr>
+            <p:grpSp>
+              <p:nvGrpSpPr>
+                <p:cNvPr id="11" name="Group 10"/>
+                <p:cNvGrpSpPr/>
+                <p:nvPr/>
+              </p:nvGrpSpPr>
+              <p:grpSpPr>
+                <a:xfrm>
+                  <a:off x="4122147" y="5589042"/>
+                  <a:ext cx="2631740" cy="243042"/>
+                  <a:chOff x="4288146" y="5589042"/>
+                  <a:chExt cx="2631740" cy="243042"/>
+                </a:xfrm>
+              </p:grpSpPr>
+              <p:pic>
+                <p:nvPicPr>
+                  <p:cNvPr id="13" name="Picture 12"/>
+                  <p:cNvPicPr>
+                    <a:picLocks noChangeAspect="1"/>
+                  </p:cNvPicPr>
+                  <p:nvPr/>
+                </p:nvPicPr>
+                <p:blipFill>
+                  <a:blip r:embed="rId3" cstate="print">
+                    <a:extLst>
+                      <a:ext uri="{28A0092B-C50C-407E-A947-70E740481C1C}">
+                        <a14:useLocalDpi xmlns:a14="http://schemas.microsoft.com/office/drawing/2010/main" val="0"/>
+                      </a:ext>
+                    </a:extLst>
+                  </a:blip>
+                  <a:stretch>
+                    <a:fillRect/>
+                  </a:stretch>
+                </p:blipFill>
+                <p:spPr>
+                  <a:xfrm>
+                    <a:off x="4720426" y="5634952"/>
+                    <a:ext cx="325640" cy="161565"/>
+                  </a:xfrm>
+                  <a:prstGeom prst="rect">
+                    <a:avLst/>
+                  </a:prstGeom>
+                </p:spPr>
+              </p:pic>
+              <p:pic>
+                <p:nvPicPr>
+                  <p:cNvPr id="14" name="Picture 13"/>
+                  <p:cNvPicPr>
+                    <a:picLocks noChangeAspect="1"/>
+                  </p:cNvPicPr>
+                  <p:nvPr/>
+                </p:nvPicPr>
+                <p:blipFill>
+                  <a:blip r:embed="rId4" cstate="print">
+                    <a:extLst>
+                      <a:ext uri="{28A0092B-C50C-407E-A947-70E740481C1C}">
+                        <a14:useLocalDpi xmlns:a14="http://schemas.microsoft.com/office/drawing/2010/main" val="0"/>
+                      </a:ext>
+                    </a:extLst>
+                  </a:blip>
+                  <a:stretch>
+                    <a:fillRect/>
+                  </a:stretch>
+                </p:blipFill>
+                <p:spPr>
+                  <a:xfrm>
+                    <a:off x="5202099" y="5606488"/>
+                    <a:ext cx="280633" cy="225596"/>
+                  </a:xfrm>
+                  <a:prstGeom prst="rect">
+                    <a:avLst/>
+                  </a:prstGeom>
+                </p:spPr>
+              </p:pic>
+              <p:pic>
+                <p:nvPicPr>
+                  <p:cNvPr id="15" name="Picture 14"/>
+                  <p:cNvPicPr>
+                    <a:picLocks noChangeAspect="1"/>
+                  </p:cNvPicPr>
+                  <p:nvPr/>
+                </p:nvPicPr>
+                <p:blipFill>
+                  <a:blip r:embed="rId5" cstate="print">
+                    <a:extLst>
+                      <a:ext uri="{28A0092B-C50C-407E-A947-70E740481C1C}">
+                        <a14:useLocalDpi xmlns:a14="http://schemas.microsoft.com/office/drawing/2010/main" val="0"/>
+                      </a:ext>
+                    </a:extLst>
+                  </a:blip>
+                  <a:stretch>
+                    <a:fillRect/>
+                  </a:stretch>
+                </p:blipFill>
+                <p:spPr>
+                  <a:xfrm>
+                    <a:off x="4288146" y="5589042"/>
+                    <a:ext cx="274386" cy="225596"/>
+                  </a:xfrm>
+                  <a:prstGeom prst="rect">
+                    <a:avLst/>
+                  </a:prstGeom>
+                </p:spPr>
+              </p:pic>
+              <p:pic>
+                <p:nvPicPr>
+                  <p:cNvPr id="16" name="Picture 15"/>
+                  <p:cNvPicPr>
+                    <a:picLocks noChangeAspect="1"/>
+                  </p:cNvPicPr>
+                  <p:nvPr/>
+                </p:nvPicPr>
+                <p:blipFill>
+                  <a:blip r:embed="rId6" cstate="print">
+                    <a:extLst>
+                      <a:ext uri="{28A0092B-C50C-407E-A947-70E740481C1C}">
+                        <a14:useLocalDpi xmlns:a14="http://schemas.microsoft.com/office/drawing/2010/main" val="0"/>
+                      </a:ext>
+                    </a:extLst>
+                  </a:blip>
+                  <a:stretch>
+                    <a:fillRect/>
+                  </a:stretch>
+                </p:blipFill>
+                <p:spPr>
+                  <a:xfrm flipH="1">
+                    <a:off x="6664097" y="5596143"/>
+                    <a:ext cx="255789" cy="218495"/>
+                  </a:xfrm>
+                  <a:prstGeom prst="rect">
+                    <a:avLst/>
+                  </a:prstGeom>
+                </p:spPr>
+              </p:pic>
+            </p:grpSp>
+            <p:pic>
+              <p:nvPicPr>
+                <p:cNvPr id="9" name="Picture 8"/>
+                <p:cNvPicPr>
+                  <a:picLocks noChangeAspect="1"/>
+                </p:cNvPicPr>
+                <p:nvPr/>
+              </p:nvPicPr>
+              <p:blipFill>
+                <a:blip r:embed="rId7"/>
+                <a:stretch>
+                  <a:fillRect/>
+                </a:stretch>
+              </p:blipFill>
+              <p:spPr>
+                <a:xfrm>
+                  <a:off x="5472766" y="5596143"/>
+                  <a:ext cx="334903" cy="198223"/>
+                </a:xfrm>
+                <a:prstGeom prst="rect">
+                  <a:avLst/>
+                </a:prstGeom>
+              </p:spPr>
+            </p:pic>
+            <p:pic>
+              <p:nvPicPr>
+                <p:cNvPr id="10" name="Picture 9"/>
+                <p:cNvPicPr>
+                  <a:picLocks noChangeAspect="1"/>
+                </p:cNvPicPr>
+                <p:nvPr/>
+              </p:nvPicPr>
+              <p:blipFill>
+                <a:blip r:embed="rId8"/>
+                <a:stretch>
+                  <a:fillRect/>
+                </a:stretch>
+              </p:blipFill>
+              <p:spPr>
+                <a:xfrm>
+                  <a:off x="5965563" y="5603347"/>
+                  <a:ext cx="327300" cy="196986"/>
+                </a:xfrm>
+                <a:prstGeom prst="rect">
+                  <a:avLst/>
+                </a:prstGeom>
+              </p:spPr>
+            </p:pic>
+          </p:grpSp>
         </p:grpSp>
         <p:pic>
           <p:nvPicPr>
-            <p:cNvPr id="9" name="Picture 8"/>
+            <p:cNvPr id="4" name="Picture 3"/>
             <p:cNvPicPr>
               <a:picLocks noChangeAspect="1"/>
             </p:cNvPicPr>
             <p:nvPr/>
           </p:nvPicPr>
           <p:blipFill>
-            <a:blip r:embed="rId7"/>
+            <a:blip r:embed="rId9"/>
             <a:stretch>
               <a:fillRect/>
             </a:stretch>
           </p:blipFill>
           <p:spPr>
             <a:xfrm>
-              <a:off x="5472766" y="5596143"/>
-              <a:ext cx="334903" cy="198223"/>
-            </a:xfrm>
-            <a:prstGeom prst="rect">
-              <a:avLst/>
-            </a:prstGeom>
-          </p:spPr>
-        </p:pic>
-        <p:pic>
-          <p:nvPicPr>
-            <p:cNvPr id="10" name="Picture 9"/>
-            <p:cNvPicPr>
-              <a:picLocks noChangeAspect="1"/>
-            </p:cNvPicPr>
-            <p:nvPr/>
-          </p:nvPicPr>
-          <p:blipFill>
-            <a:blip r:embed="rId8"/>
-            <a:stretch>
-              <a:fillRect/>
-            </a:stretch>
-          </p:blipFill>
-          <p:spPr>
-            <a:xfrm>
-              <a:off x="5965563" y="5603347"/>
-              <a:ext cx="327300" cy="196986"/>
+              <a:off x="4237588" y="3820904"/>
+              <a:ext cx="765868" cy="309994"/>
             </a:xfrm>
             <a:prstGeom prst="rect">
               <a:avLst/>
@@ -6085,30 +6154,6 @@
           </p:spPr>
         </p:pic>
       </p:grpSp>
-      <p:pic>
-        <p:nvPicPr>
-          <p:cNvPr id="4" name="Picture 3"/>
-          <p:cNvPicPr>
-            <a:picLocks noChangeAspect="1"/>
-          </p:cNvPicPr>
-          <p:nvPr/>
-        </p:nvPicPr>
-        <p:blipFill>
-          <a:blip r:embed="rId9"/>
-          <a:stretch>
-            <a:fillRect/>
-          </a:stretch>
-        </p:blipFill>
-        <p:spPr>
-          <a:xfrm>
-            <a:off x="3814924" y="3824794"/>
-            <a:ext cx="765868" cy="309994"/>
-          </a:xfrm>
-          <a:prstGeom prst="rect">
-            <a:avLst/>
-          </a:prstGeom>
-        </p:spPr>
-      </p:pic>
     </p:spTree>
     <p:extLst>
       <p:ext uri="{BB962C8B-B14F-4D97-AF65-F5344CB8AC3E}">

--- a/output/plots/all_figs_with_legends.pptx
+++ b/output/plots/all_figs_with_legends.pptx
@@ -6186,7 +6186,7 @@
       </p:grpSpPr>
       <p:pic>
         <p:nvPicPr>
-          <p:cNvPr id="3" name="Picture 2"/>
+          <p:cNvPr id="5" name="Picture 4"/>
           <p:cNvPicPr>
             <a:picLocks noChangeAspect="1"/>
           </p:cNvPicPr>
@@ -6194,30 +6194,6 @@
         </p:nvPicPr>
         <p:blipFill>
           <a:blip r:embed="rId2"/>
-          <a:stretch>
-            <a:fillRect/>
-          </a:stretch>
-        </p:blipFill>
-        <p:spPr>
-          <a:xfrm>
-            <a:off x="5303519" y="3000077"/>
-            <a:ext cx="5044615" cy="3340094"/>
-          </a:xfrm>
-          <a:prstGeom prst="rect">
-            <a:avLst/>
-          </a:prstGeom>
-        </p:spPr>
-      </p:pic>
-      <p:pic>
-        <p:nvPicPr>
-          <p:cNvPr id="5" name="Picture 4"/>
-          <p:cNvPicPr>
-            <a:picLocks noChangeAspect="1"/>
-          </p:cNvPicPr>
-          <p:nvPr/>
-        </p:nvPicPr>
-        <p:blipFill>
-          <a:blip r:embed="rId3"/>
           <a:stretch>
             <a:fillRect/>
           </a:stretch>
@@ -6241,7 +6217,7 @@
           <p:nvPr/>
         </p:nvPicPr>
         <p:blipFill>
-          <a:blip r:embed="rId4"/>
+          <a:blip r:embed="rId3"/>
           <a:stretch>
             <a:fillRect/>
           </a:stretch>

--- a/output/plots/all_figs_with_legends.pptx
+++ b/output/plots/all_figs_with_legends.pptx
@@ -5,17 +5,15 @@
     <p:sldMasterId id="2147483648" r:id="rId1"/>
   </p:sldMasterIdLst>
   <p:notesMasterIdLst>
-    <p:notesMasterId r:id="rId10"/>
+    <p:notesMasterId r:id="rId8"/>
   </p:notesMasterIdLst>
   <p:sldIdLst>
     <p:sldId id="258" r:id="rId2"/>
     <p:sldId id="257" r:id="rId3"/>
     <p:sldId id="260" r:id="rId4"/>
     <p:sldId id="262" r:id="rId5"/>
-    <p:sldId id="263" r:id="rId6"/>
-    <p:sldId id="264" r:id="rId7"/>
-    <p:sldId id="261" r:id="rId8"/>
-    <p:sldId id="256" r:id="rId9"/>
+    <p:sldId id="261" r:id="rId6"/>
+    <p:sldId id="256" r:id="rId7"/>
   </p:sldIdLst>
   <p:sldSz cx="12192000" cy="6858000"/>
   <p:notesSz cx="6858000" cy="9144000"/>
@@ -204,7 +202,7 @@
           <a:p>
             <a:fld id="{7FA21820-D199-4D82-91AF-C50B1D3B111A}" type="datetimeFigureOut">
               <a:rPr lang="en-US" smtClean="0"/>
-              <a:t>3/17/2017</a:t>
+              <a:t>3/29/2017</a:t>
             </a:fld>
             <a:endParaRPr lang="en-US"/>
           </a:p>
@@ -818,7 +816,7 @@
           <a:p>
             <a:fld id="{916B8C92-D5E3-4480-8685-D57BEE386DE2}" type="datetimeFigureOut">
               <a:rPr lang="en-US" smtClean="0"/>
-              <a:t>3/17/2017</a:t>
+              <a:t>3/29/2017</a:t>
             </a:fld>
             <a:endParaRPr lang="en-US"/>
           </a:p>
@@ -988,7 +986,7 @@
           <a:p>
             <a:fld id="{916B8C92-D5E3-4480-8685-D57BEE386DE2}" type="datetimeFigureOut">
               <a:rPr lang="en-US" smtClean="0"/>
-              <a:t>3/17/2017</a:t>
+              <a:t>3/29/2017</a:t>
             </a:fld>
             <a:endParaRPr lang="en-US"/>
           </a:p>
@@ -1168,7 +1166,7 @@
           <a:p>
             <a:fld id="{916B8C92-D5E3-4480-8685-D57BEE386DE2}" type="datetimeFigureOut">
               <a:rPr lang="en-US" smtClean="0"/>
-              <a:t>3/17/2017</a:t>
+              <a:t>3/29/2017</a:t>
             </a:fld>
             <a:endParaRPr lang="en-US"/>
           </a:p>
@@ -1338,7 +1336,7 @@
           <a:p>
             <a:fld id="{916B8C92-D5E3-4480-8685-D57BEE386DE2}" type="datetimeFigureOut">
               <a:rPr lang="en-US" smtClean="0"/>
-              <a:t>3/17/2017</a:t>
+              <a:t>3/29/2017</a:t>
             </a:fld>
             <a:endParaRPr lang="en-US"/>
           </a:p>
@@ -1584,7 +1582,7 @@
           <a:p>
             <a:fld id="{916B8C92-D5E3-4480-8685-D57BEE386DE2}" type="datetimeFigureOut">
               <a:rPr lang="en-US" smtClean="0"/>
-              <a:t>3/17/2017</a:t>
+              <a:t>3/29/2017</a:t>
             </a:fld>
             <a:endParaRPr lang="en-US"/>
           </a:p>
@@ -1816,7 +1814,7 @@
           <a:p>
             <a:fld id="{916B8C92-D5E3-4480-8685-D57BEE386DE2}" type="datetimeFigureOut">
               <a:rPr lang="en-US" smtClean="0"/>
-              <a:t>3/17/2017</a:t>
+              <a:t>3/29/2017</a:t>
             </a:fld>
             <a:endParaRPr lang="en-US"/>
           </a:p>
@@ -2183,7 +2181,7 @@
           <a:p>
             <a:fld id="{916B8C92-D5E3-4480-8685-D57BEE386DE2}" type="datetimeFigureOut">
               <a:rPr lang="en-US" smtClean="0"/>
-              <a:t>3/17/2017</a:t>
+              <a:t>3/29/2017</a:t>
             </a:fld>
             <a:endParaRPr lang="en-US"/>
           </a:p>
@@ -2301,7 +2299,7 @@
           <a:p>
             <a:fld id="{916B8C92-D5E3-4480-8685-D57BEE386DE2}" type="datetimeFigureOut">
               <a:rPr lang="en-US" smtClean="0"/>
-              <a:t>3/17/2017</a:t>
+              <a:t>3/29/2017</a:t>
             </a:fld>
             <a:endParaRPr lang="en-US"/>
           </a:p>
@@ -2396,7 +2394,7 @@
           <a:p>
             <a:fld id="{916B8C92-D5E3-4480-8685-D57BEE386DE2}" type="datetimeFigureOut">
               <a:rPr lang="en-US" smtClean="0"/>
-              <a:t>3/17/2017</a:t>
+              <a:t>3/29/2017</a:t>
             </a:fld>
             <a:endParaRPr lang="en-US"/>
           </a:p>
@@ -2673,7 +2671,7 @@
           <a:p>
             <a:fld id="{916B8C92-D5E3-4480-8685-D57BEE386DE2}" type="datetimeFigureOut">
               <a:rPr lang="en-US" smtClean="0"/>
-              <a:t>3/17/2017</a:t>
+              <a:t>3/29/2017</a:t>
             </a:fld>
             <a:endParaRPr lang="en-US"/>
           </a:p>
@@ -2926,7 +2924,7 @@
           <a:p>
             <a:fld id="{916B8C92-D5E3-4480-8685-D57BEE386DE2}" type="datetimeFigureOut">
               <a:rPr lang="en-US" smtClean="0"/>
-              <a:t>3/17/2017</a:t>
+              <a:t>3/29/2017</a:t>
             </a:fld>
             <a:endParaRPr lang="en-US"/>
           </a:p>
@@ -3139,7 +3137,7 @@
           <a:p>
             <a:fld id="{916B8C92-D5E3-4480-8685-D57BEE386DE2}" type="datetimeFigureOut">
               <a:rPr lang="en-US" smtClean="0"/>
-              <a:t>3/17/2017</a:t>
+              <a:t>3/29/2017</a:t>
             </a:fld>
             <a:endParaRPr lang="en-US"/>
           </a:p>
@@ -4055,44 +4053,524 @@
           <a:chExt cx="0" cy="0"/>
         </a:xfrm>
       </p:grpSpPr>
+      <p:sp>
+        <p:nvSpPr>
+          <p:cNvPr id="2" name="TextBox 1"/>
+          <p:cNvSpPr txBox="1"/>
+          <p:nvPr/>
+        </p:nvSpPr>
+        <p:spPr>
+          <a:xfrm>
+            <a:off x="320040" y="566928"/>
+            <a:ext cx="1060704" cy="369332"/>
+          </a:xfrm>
+          <a:prstGeom prst="rect">
+            <a:avLst/>
+          </a:prstGeom>
+          <a:noFill/>
+        </p:spPr>
+        <p:txBody>
+          <a:bodyPr wrap="square" rtlCol="0">
+            <a:spAutoFit/>
+          </a:bodyPr>
+          <a:lstStyle/>
+          <a:p>
+            <a:r>
+              <a:rPr lang="en-US" dirty="0" smtClean="0"/>
+              <a:t>Fig 1a-1f</a:t>
+            </a:r>
+            <a:endParaRPr lang="en-US" dirty="0"/>
+          </a:p>
+        </p:txBody>
+      </p:sp>
       <p:grpSp>
         <p:nvGrpSpPr>
-          <p:cNvPr id="8" name="Group 7"/>
+          <p:cNvPr id="40" name="Group 39"/>
           <p:cNvGrpSpPr/>
           <p:nvPr/>
         </p:nvGrpSpPr>
         <p:grpSpPr>
           <a:xfrm>
-            <a:off x="2346384" y="324434"/>
-            <a:ext cx="5316289" cy="3784421"/>
-            <a:chOff x="1291276" y="119864"/>
-            <a:chExt cx="9003587" cy="6222848"/>
+            <a:off x="6793821" y="5254218"/>
+            <a:ext cx="1872544" cy="192467"/>
+            <a:chOff x="2721075" y="6066646"/>
+            <a:chExt cx="2738999" cy="243895"/>
           </a:xfrm>
         </p:grpSpPr>
+        <p:grpSp>
+          <p:nvGrpSpPr>
+            <p:cNvPr id="52" name="Group 51"/>
+            <p:cNvGrpSpPr/>
+            <p:nvPr/>
+          </p:nvGrpSpPr>
+          <p:grpSpPr>
+            <a:xfrm>
+              <a:off x="2721075" y="6066646"/>
+              <a:ext cx="2738999" cy="243895"/>
+              <a:chOff x="2721075" y="6066646"/>
+              <a:chExt cx="2738999" cy="243895"/>
+            </a:xfrm>
+          </p:grpSpPr>
+          <p:grpSp>
+            <p:nvGrpSpPr>
+              <p:cNvPr id="55" name="Group 54"/>
+              <p:cNvGrpSpPr/>
+              <p:nvPr/>
+            </p:nvGrpSpPr>
+            <p:grpSpPr>
+              <a:xfrm>
+                <a:off x="2721075" y="6083191"/>
+                <a:ext cx="2738999" cy="227350"/>
+                <a:chOff x="2887074" y="6083191"/>
+                <a:chExt cx="2738999" cy="227350"/>
+              </a:xfrm>
+            </p:grpSpPr>
+            <p:pic>
+              <p:nvPicPr>
+                <p:cNvPr id="57" name="Picture 56"/>
+                <p:cNvPicPr>
+                  <a:picLocks noChangeAspect="1"/>
+                </p:cNvPicPr>
+                <p:nvPr/>
+              </p:nvPicPr>
+              <p:blipFill>
+                <a:blip r:embed="rId2" cstate="print">
+                  <a:extLst>
+                    <a:ext uri="{28A0092B-C50C-407E-A947-70E740481C1C}">
+                      <a14:useLocalDpi xmlns:a14="http://schemas.microsoft.com/office/drawing/2010/main" val="0"/>
+                    </a:ext>
+                  </a:extLst>
+                </a:blip>
+                <a:stretch>
+                  <a:fillRect/>
+                </a:stretch>
+              </p:blipFill>
+              <p:spPr>
+                <a:xfrm>
+                  <a:off x="4079269" y="6103833"/>
+                  <a:ext cx="325640" cy="161565"/>
+                </a:xfrm>
+                <a:prstGeom prst="rect">
+                  <a:avLst/>
+                </a:prstGeom>
+              </p:spPr>
+            </p:pic>
+            <p:pic>
+              <p:nvPicPr>
+                <p:cNvPr id="58" name="Picture 57"/>
+                <p:cNvPicPr>
+                  <a:picLocks noChangeAspect="1"/>
+                </p:cNvPicPr>
+                <p:nvPr/>
+              </p:nvPicPr>
+              <p:blipFill>
+                <a:blip r:embed="rId3" cstate="print">
+                  <a:extLst>
+                    <a:ext uri="{28A0092B-C50C-407E-A947-70E740481C1C}">
+                      <a14:useLocalDpi xmlns:a14="http://schemas.microsoft.com/office/drawing/2010/main" val="0"/>
+                    </a:ext>
+                  </a:extLst>
+                </a:blip>
+                <a:stretch>
+                  <a:fillRect/>
+                </a:stretch>
+              </p:blipFill>
+              <p:spPr>
+                <a:xfrm>
+                  <a:off x="5345440" y="6084945"/>
+                  <a:ext cx="280633" cy="225596"/>
+                </a:xfrm>
+                <a:prstGeom prst="rect">
+                  <a:avLst/>
+                </a:prstGeom>
+              </p:spPr>
+            </p:pic>
+            <p:pic>
+              <p:nvPicPr>
+                <p:cNvPr id="59" name="Picture 58"/>
+                <p:cNvPicPr>
+                  <a:picLocks noChangeAspect="1"/>
+                </p:cNvPicPr>
+                <p:nvPr/>
+              </p:nvPicPr>
+              <p:blipFill>
+                <a:blip r:embed="rId4" cstate="print">
+                  <a:extLst>
+                    <a:ext uri="{28A0092B-C50C-407E-A947-70E740481C1C}">
+                      <a14:useLocalDpi xmlns:a14="http://schemas.microsoft.com/office/drawing/2010/main" val="0"/>
+                    </a:ext>
+                  </a:extLst>
+                </a:blip>
+                <a:stretch>
+                  <a:fillRect/>
+                </a:stretch>
+              </p:blipFill>
+              <p:spPr>
+                <a:xfrm>
+                  <a:off x="4515280" y="6084945"/>
+                  <a:ext cx="274386" cy="225596"/>
+                </a:xfrm>
+                <a:prstGeom prst="rect">
+                  <a:avLst/>
+                </a:prstGeom>
+              </p:spPr>
+            </p:pic>
+            <p:pic>
+              <p:nvPicPr>
+                <p:cNvPr id="60" name="Picture 59"/>
+                <p:cNvPicPr>
+                  <a:picLocks noChangeAspect="1"/>
+                </p:cNvPicPr>
+                <p:nvPr/>
+              </p:nvPicPr>
+              <p:blipFill>
+                <a:blip r:embed="rId5" cstate="print">
+                  <a:extLst>
+                    <a:ext uri="{28A0092B-C50C-407E-A947-70E740481C1C}">
+                      <a14:useLocalDpi xmlns:a14="http://schemas.microsoft.com/office/drawing/2010/main" val="0"/>
+                    </a:ext>
+                  </a:extLst>
+                </a:blip>
+                <a:stretch>
+                  <a:fillRect/>
+                </a:stretch>
+              </p:blipFill>
+              <p:spPr>
+                <a:xfrm flipH="1">
+                  <a:off x="2887074" y="6083191"/>
+                  <a:ext cx="255789" cy="218495"/>
+                </a:xfrm>
+                <a:prstGeom prst="rect">
+                  <a:avLst/>
+                </a:prstGeom>
+              </p:spPr>
+            </p:pic>
+          </p:grpSp>
+          <p:pic>
+            <p:nvPicPr>
+              <p:cNvPr id="56" name="Picture 55"/>
+              <p:cNvPicPr>
+                <a:picLocks noChangeAspect="1"/>
+              </p:cNvPicPr>
+              <p:nvPr/>
+            </p:nvPicPr>
+            <p:blipFill>
+              <a:blip r:embed="rId6"/>
+              <a:stretch>
+                <a:fillRect/>
+              </a:stretch>
+            </p:blipFill>
+            <p:spPr>
+              <a:xfrm>
+                <a:off x="4734039" y="6066646"/>
+                <a:ext cx="302061" cy="235941"/>
+              </a:xfrm>
+              <a:prstGeom prst="rect">
+                <a:avLst/>
+              </a:prstGeom>
+            </p:spPr>
+          </p:pic>
+        </p:grpSp>
         <p:pic>
           <p:nvPicPr>
-            <p:cNvPr id="4" name="Picture 3"/>
+            <p:cNvPr id="53" name="Picture 52"/>
             <p:cNvPicPr>
               <a:picLocks noChangeAspect="1"/>
             </p:cNvPicPr>
             <p:nvPr/>
           </p:nvPicPr>
           <p:blipFill>
-            <a:blip r:embed="rId2"/>
+            <a:blip r:embed="rId7"/>
             <a:stretch>
               <a:fillRect/>
             </a:stretch>
           </p:blipFill>
           <p:spPr>
             <a:xfrm>
-              <a:off x="1291276" y="119864"/>
-              <a:ext cx="9003587" cy="6196018"/>
+              <a:off x="3506696" y="6098817"/>
+              <a:ext cx="334903" cy="198223"/>
             </a:xfrm>
             <a:prstGeom prst="rect">
               <a:avLst/>
             </a:prstGeom>
           </p:spPr>
         </p:pic>
+        <p:pic>
+          <p:nvPicPr>
+            <p:cNvPr id="54" name="Picture 53"/>
+            <p:cNvPicPr>
+              <a:picLocks noChangeAspect="1"/>
+            </p:cNvPicPr>
+            <p:nvPr/>
+          </p:nvPicPr>
+          <p:blipFill>
+            <a:blip r:embed="rId8"/>
+            <a:stretch>
+              <a:fillRect/>
+            </a:stretch>
+          </p:blipFill>
+          <p:spPr>
+            <a:xfrm>
+              <a:off x="3107726" y="6098817"/>
+              <a:ext cx="327300" cy="196986"/>
+            </a:xfrm>
+            <a:prstGeom prst="rect">
+              <a:avLst/>
+            </a:prstGeom>
+          </p:spPr>
+        </p:pic>
+      </p:grpSp>
+      <p:grpSp>
+        <p:nvGrpSpPr>
+          <p:cNvPr id="41" name="Group 40"/>
+          <p:cNvGrpSpPr/>
+          <p:nvPr/>
+        </p:nvGrpSpPr>
+        <p:grpSpPr>
+          <a:xfrm>
+            <a:off x="9854367" y="5249751"/>
+            <a:ext cx="1872544" cy="192467"/>
+            <a:chOff x="2721075" y="6066646"/>
+            <a:chExt cx="2738999" cy="243895"/>
+          </a:xfrm>
+        </p:grpSpPr>
+        <p:grpSp>
+          <p:nvGrpSpPr>
+            <p:cNvPr id="43" name="Group 42"/>
+            <p:cNvGrpSpPr/>
+            <p:nvPr/>
+          </p:nvGrpSpPr>
+          <p:grpSpPr>
+            <a:xfrm>
+              <a:off x="2721075" y="6066646"/>
+              <a:ext cx="2738999" cy="243895"/>
+              <a:chOff x="2721075" y="6066646"/>
+              <a:chExt cx="2738999" cy="243895"/>
+            </a:xfrm>
+          </p:grpSpPr>
+          <p:grpSp>
+            <p:nvGrpSpPr>
+              <p:cNvPr id="46" name="Group 45"/>
+              <p:cNvGrpSpPr/>
+              <p:nvPr/>
+            </p:nvGrpSpPr>
+            <p:grpSpPr>
+              <a:xfrm>
+                <a:off x="2721075" y="6083191"/>
+                <a:ext cx="2738999" cy="227350"/>
+                <a:chOff x="2887074" y="6083191"/>
+                <a:chExt cx="2738999" cy="227350"/>
+              </a:xfrm>
+            </p:grpSpPr>
+            <p:pic>
+              <p:nvPicPr>
+                <p:cNvPr id="48" name="Picture 47"/>
+                <p:cNvPicPr>
+                  <a:picLocks noChangeAspect="1"/>
+                </p:cNvPicPr>
+                <p:nvPr/>
+              </p:nvPicPr>
+              <p:blipFill>
+                <a:blip r:embed="rId2" cstate="print">
+                  <a:extLst>
+                    <a:ext uri="{28A0092B-C50C-407E-A947-70E740481C1C}">
+                      <a14:useLocalDpi xmlns:a14="http://schemas.microsoft.com/office/drawing/2010/main" val="0"/>
+                    </a:ext>
+                  </a:extLst>
+                </a:blip>
+                <a:stretch>
+                  <a:fillRect/>
+                </a:stretch>
+              </p:blipFill>
+              <p:spPr>
+                <a:xfrm>
+                  <a:off x="4079269" y="6103833"/>
+                  <a:ext cx="325640" cy="161565"/>
+                </a:xfrm>
+                <a:prstGeom prst="rect">
+                  <a:avLst/>
+                </a:prstGeom>
+              </p:spPr>
+            </p:pic>
+            <p:pic>
+              <p:nvPicPr>
+                <p:cNvPr id="49" name="Picture 48"/>
+                <p:cNvPicPr>
+                  <a:picLocks noChangeAspect="1"/>
+                </p:cNvPicPr>
+                <p:nvPr/>
+              </p:nvPicPr>
+              <p:blipFill>
+                <a:blip r:embed="rId3" cstate="print">
+                  <a:extLst>
+                    <a:ext uri="{28A0092B-C50C-407E-A947-70E740481C1C}">
+                      <a14:useLocalDpi xmlns:a14="http://schemas.microsoft.com/office/drawing/2010/main" val="0"/>
+                    </a:ext>
+                  </a:extLst>
+                </a:blip>
+                <a:stretch>
+                  <a:fillRect/>
+                </a:stretch>
+              </p:blipFill>
+              <p:spPr>
+                <a:xfrm>
+                  <a:off x="5345440" y="6084945"/>
+                  <a:ext cx="280633" cy="225596"/>
+                </a:xfrm>
+                <a:prstGeom prst="rect">
+                  <a:avLst/>
+                </a:prstGeom>
+              </p:spPr>
+            </p:pic>
+            <p:pic>
+              <p:nvPicPr>
+                <p:cNvPr id="50" name="Picture 49"/>
+                <p:cNvPicPr>
+                  <a:picLocks noChangeAspect="1"/>
+                </p:cNvPicPr>
+                <p:nvPr/>
+              </p:nvPicPr>
+              <p:blipFill>
+                <a:blip r:embed="rId4" cstate="print">
+                  <a:extLst>
+                    <a:ext uri="{28A0092B-C50C-407E-A947-70E740481C1C}">
+                      <a14:useLocalDpi xmlns:a14="http://schemas.microsoft.com/office/drawing/2010/main" val="0"/>
+                    </a:ext>
+                  </a:extLst>
+                </a:blip>
+                <a:stretch>
+                  <a:fillRect/>
+                </a:stretch>
+              </p:blipFill>
+              <p:spPr>
+                <a:xfrm>
+                  <a:off x="4515280" y="6084945"/>
+                  <a:ext cx="274386" cy="225596"/>
+                </a:xfrm>
+                <a:prstGeom prst="rect">
+                  <a:avLst/>
+                </a:prstGeom>
+              </p:spPr>
+            </p:pic>
+            <p:pic>
+              <p:nvPicPr>
+                <p:cNvPr id="51" name="Picture 50"/>
+                <p:cNvPicPr>
+                  <a:picLocks noChangeAspect="1"/>
+                </p:cNvPicPr>
+                <p:nvPr/>
+              </p:nvPicPr>
+              <p:blipFill>
+                <a:blip r:embed="rId5" cstate="print">
+                  <a:extLst>
+                    <a:ext uri="{28A0092B-C50C-407E-A947-70E740481C1C}">
+                      <a14:useLocalDpi xmlns:a14="http://schemas.microsoft.com/office/drawing/2010/main" val="0"/>
+                    </a:ext>
+                  </a:extLst>
+                </a:blip>
+                <a:stretch>
+                  <a:fillRect/>
+                </a:stretch>
+              </p:blipFill>
+              <p:spPr>
+                <a:xfrm flipH="1">
+                  <a:off x="2887074" y="6083191"/>
+                  <a:ext cx="255789" cy="218495"/>
+                </a:xfrm>
+                <a:prstGeom prst="rect">
+                  <a:avLst/>
+                </a:prstGeom>
+              </p:spPr>
+            </p:pic>
+          </p:grpSp>
+          <p:pic>
+            <p:nvPicPr>
+              <p:cNvPr id="47" name="Picture 46"/>
+              <p:cNvPicPr>
+                <a:picLocks noChangeAspect="1"/>
+              </p:cNvPicPr>
+              <p:nvPr/>
+            </p:nvPicPr>
+            <p:blipFill>
+              <a:blip r:embed="rId6"/>
+              <a:stretch>
+                <a:fillRect/>
+              </a:stretch>
+            </p:blipFill>
+            <p:spPr>
+              <a:xfrm>
+                <a:off x="4734039" y="6066646"/>
+                <a:ext cx="302061" cy="235941"/>
+              </a:xfrm>
+              <a:prstGeom prst="rect">
+                <a:avLst/>
+              </a:prstGeom>
+            </p:spPr>
+          </p:pic>
+        </p:grpSp>
+        <p:pic>
+          <p:nvPicPr>
+            <p:cNvPr id="44" name="Picture 43"/>
+            <p:cNvPicPr>
+              <a:picLocks noChangeAspect="1"/>
+            </p:cNvPicPr>
+            <p:nvPr/>
+          </p:nvPicPr>
+          <p:blipFill>
+            <a:blip r:embed="rId7"/>
+            <a:stretch>
+              <a:fillRect/>
+            </a:stretch>
+          </p:blipFill>
+          <p:spPr>
+            <a:xfrm>
+              <a:off x="3506696" y="6098817"/>
+              <a:ext cx="334903" cy="198223"/>
+            </a:xfrm>
+            <a:prstGeom prst="rect">
+              <a:avLst/>
+            </a:prstGeom>
+          </p:spPr>
+        </p:pic>
+        <p:pic>
+          <p:nvPicPr>
+            <p:cNvPr id="45" name="Picture 44"/>
+            <p:cNvPicPr>
+              <a:picLocks noChangeAspect="1"/>
+            </p:cNvPicPr>
+            <p:nvPr/>
+          </p:nvPicPr>
+          <p:blipFill>
+            <a:blip r:embed="rId8"/>
+            <a:stretch>
+              <a:fillRect/>
+            </a:stretch>
+          </p:blipFill>
+          <p:spPr>
+            <a:xfrm>
+              <a:off x="3107726" y="6098817"/>
+              <a:ext cx="327300" cy="196986"/>
+            </a:xfrm>
+            <a:prstGeom prst="rect">
+              <a:avLst/>
+            </a:prstGeom>
+          </p:spPr>
+        </p:pic>
+      </p:grpSp>
+      <p:grpSp>
+        <p:nvGrpSpPr>
+          <p:cNvPr id="11" name="Group 10"/>
+          <p:cNvGrpSpPr/>
+          <p:nvPr/>
+        </p:nvGrpSpPr>
+        <p:grpSpPr>
+          <a:xfrm>
+            <a:off x="70913" y="1203435"/>
+            <a:ext cx="5659509" cy="4035703"/>
+            <a:chOff x="2366005" y="357098"/>
+            <a:chExt cx="5305184" cy="3751757"/>
+          </a:xfrm>
+        </p:grpSpPr>
         <p:grpSp>
           <p:nvGrpSpPr>
             <p:cNvPr id="7" name="Group 6"/>
@@ -4101,8 +4579,8 @@
           </p:nvGrpSpPr>
           <p:grpSpPr>
             <a:xfrm>
-              <a:off x="2721075" y="6066646"/>
-              <a:ext cx="7348959" cy="276066"/>
+              <a:off x="3190628" y="3940966"/>
+              <a:ext cx="4339292" cy="167889"/>
               <a:chOff x="2721075" y="6066646"/>
               <a:chExt cx="7348959" cy="276066"/>
             </a:xfrm>
@@ -4158,7 +4636,7 @@
                     <p:nvPr/>
                   </p:nvPicPr>
                   <p:blipFill>
-                    <a:blip r:embed="rId3" cstate="print">
+                    <a:blip r:embed="rId2" cstate="print">
                       <a:extLst>
                         <a:ext uri="{28A0092B-C50C-407E-A947-70E740481C1C}">
                           <a14:useLocalDpi xmlns:a14="http://schemas.microsoft.com/office/drawing/2010/main" val="0"/>
@@ -4188,7 +4666,7 @@
                     <p:nvPr/>
                   </p:nvPicPr>
                   <p:blipFill>
-                    <a:blip r:embed="rId4" cstate="print">
+                    <a:blip r:embed="rId3" cstate="print">
                       <a:extLst>
                         <a:ext uri="{28A0092B-C50C-407E-A947-70E740481C1C}">
                           <a14:useLocalDpi xmlns:a14="http://schemas.microsoft.com/office/drawing/2010/main" val="0"/>
@@ -4218,7 +4696,7 @@
                     <p:nvPr/>
                   </p:nvPicPr>
                   <p:blipFill>
-                    <a:blip r:embed="rId5" cstate="print">
+                    <a:blip r:embed="rId4" cstate="print">
                       <a:extLst>
                         <a:ext uri="{28A0092B-C50C-407E-A947-70E740481C1C}">
                           <a14:useLocalDpi xmlns:a14="http://schemas.microsoft.com/office/drawing/2010/main" val="0"/>
@@ -4248,7 +4726,7 @@
                     <p:nvPr/>
                   </p:nvPicPr>
                   <p:blipFill>
-                    <a:blip r:embed="rId6" cstate="print">
+                    <a:blip r:embed="rId5" cstate="print">
                       <a:extLst>
                         <a:ext uri="{28A0092B-C50C-407E-A947-70E740481C1C}">
                           <a14:useLocalDpi xmlns:a14="http://schemas.microsoft.com/office/drawing/2010/main" val="0"/>
@@ -4279,7 +4757,7 @@
                   <p:nvPr/>
                 </p:nvPicPr>
                 <p:blipFill>
-                  <a:blip r:embed="rId7"/>
+                  <a:blip r:embed="rId6"/>
                   <a:stretch>
                     <a:fillRect/>
                   </a:stretch>
@@ -4304,7 +4782,7 @@
                 <p:nvPr/>
               </p:nvPicPr>
               <p:blipFill>
-                <a:blip r:embed="rId8"/>
+                <a:blip r:embed="rId7"/>
                 <a:stretch>
                   <a:fillRect/>
                 </a:stretch>
@@ -4328,7 +4806,7 @@
                 <p:nvPr/>
               </p:nvPicPr>
               <p:blipFill>
-                <a:blip r:embed="rId9"/>
+                <a:blip r:embed="rId8"/>
                 <a:stretch>
                   <a:fillRect/>
                 </a:stretch>
@@ -4395,7 +4873,7 @@
                     <p:nvPr/>
                   </p:nvPicPr>
                   <p:blipFill>
-                    <a:blip r:embed="rId3" cstate="print">
+                    <a:blip r:embed="rId2" cstate="print">
                       <a:extLst>
                         <a:ext uri="{28A0092B-C50C-407E-A947-70E740481C1C}">
                           <a14:useLocalDpi xmlns:a14="http://schemas.microsoft.com/office/drawing/2010/main" val="0"/>
@@ -4425,7 +4903,7 @@
                     <p:nvPr/>
                   </p:nvPicPr>
                   <p:blipFill>
-                    <a:blip r:embed="rId4" cstate="print">
+                    <a:blip r:embed="rId3" cstate="print">
                       <a:extLst>
                         <a:ext uri="{28A0092B-C50C-407E-A947-70E740481C1C}">
                           <a14:useLocalDpi xmlns:a14="http://schemas.microsoft.com/office/drawing/2010/main" val="0"/>
@@ -4455,7 +4933,7 @@
                     <p:nvPr/>
                   </p:nvPicPr>
                   <p:blipFill>
-                    <a:blip r:embed="rId5" cstate="print">
+                    <a:blip r:embed="rId4" cstate="print">
                       <a:extLst>
                         <a:ext uri="{28A0092B-C50C-407E-A947-70E740481C1C}">
                           <a14:useLocalDpi xmlns:a14="http://schemas.microsoft.com/office/drawing/2010/main" val="0"/>
@@ -4485,7 +4963,7 @@
                     <p:nvPr/>
                   </p:nvPicPr>
                   <p:blipFill>
-                    <a:blip r:embed="rId6" cstate="print">
+                    <a:blip r:embed="rId5" cstate="print">
                       <a:extLst>
                         <a:ext uri="{28A0092B-C50C-407E-A947-70E740481C1C}">
                           <a14:useLocalDpi xmlns:a14="http://schemas.microsoft.com/office/drawing/2010/main" val="0"/>
@@ -4516,7 +4994,7 @@
                   <p:nvPr/>
                 </p:nvPicPr>
                 <p:blipFill>
-                  <a:blip r:embed="rId7"/>
+                  <a:blip r:embed="rId6"/>
                   <a:stretch>
                     <a:fillRect/>
                   </a:stretch>
@@ -4541,7 +5019,7 @@
                 <p:nvPr/>
               </p:nvPicPr>
               <p:blipFill>
-                <a:blip r:embed="rId8"/>
+                <a:blip r:embed="rId7"/>
                 <a:stretch>
                   <a:fillRect/>
                 </a:stretch>
@@ -4565,7 +5043,7 @@
                 <p:nvPr/>
               </p:nvPicPr>
               <p:blipFill>
-                <a:blip r:embed="rId9"/>
+                <a:blip r:embed="rId8"/>
                 <a:stretch>
                   <a:fillRect/>
                 </a:stretch>
@@ -4582,567 +5060,24 @@
             </p:pic>
           </p:grpSp>
         </p:grpSp>
-      </p:grpSp>
-      <p:sp>
-        <p:nvSpPr>
-          <p:cNvPr id="2" name="TextBox 1"/>
-          <p:cNvSpPr txBox="1"/>
-          <p:nvPr/>
-        </p:nvSpPr>
-        <p:spPr>
-          <a:xfrm>
-            <a:off x="320040" y="566928"/>
-            <a:ext cx="1060704" cy="369332"/>
-          </a:xfrm>
-          <a:prstGeom prst="rect">
-            <a:avLst/>
-          </a:prstGeom>
-          <a:noFill/>
-        </p:spPr>
-        <p:txBody>
-          <a:bodyPr wrap="square" rtlCol="0">
-            <a:spAutoFit/>
-          </a:bodyPr>
-          <a:lstStyle/>
-          <a:p>
-            <a:r>
-              <a:rPr lang="en-US" dirty="0" smtClean="0"/>
-              <a:t>Fig 1a-1f</a:t>
-            </a:r>
-            <a:endParaRPr lang="en-US" dirty="0"/>
-          </a:p>
-        </p:txBody>
-      </p:sp>
-      <p:grpSp>
-        <p:nvGrpSpPr>
-          <p:cNvPr id="28" name="Group 27"/>
-          <p:cNvGrpSpPr/>
-          <p:nvPr/>
-        </p:nvGrpSpPr>
-        <p:grpSpPr>
-          <a:xfrm>
-            <a:off x="2770004" y="4197096"/>
-            <a:ext cx="4901185" cy="2039112"/>
-            <a:chOff x="402796" y="1109733"/>
-            <a:chExt cx="11119716" cy="4014780"/>
-          </a:xfrm>
-        </p:grpSpPr>
         <p:pic>
           <p:nvPicPr>
-            <p:cNvPr id="39" name="Picture 38"/>
+            <p:cNvPr id="9" name="Picture 8"/>
             <p:cNvPicPr>
               <a:picLocks noChangeAspect="1"/>
             </p:cNvPicPr>
             <p:nvPr/>
           </p:nvPicPr>
           <p:blipFill>
-            <a:blip r:embed="rId10"/>
+            <a:blip r:embed="rId9"/>
             <a:stretch>
               <a:fillRect/>
             </a:stretch>
           </p:blipFill>
           <p:spPr>
             <a:xfrm>
-              <a:off x="402796" y="1160584"/>
-              <a:ext cx="5510030" cy="3578470"/>
-            </a:xfrm>
-            <a:prstGeom prst="rect">
-              <a:avLst/>
-            </a:prstGeom>
-          </p:spPr>
-        </p:pic>
-        <p:grpSp>
-          <p:nvGrpSpPr>
-            <p:cNvPr id="40" name="Group 39"/>
-            <p:cNvGrpSpPr/>
-            <p:nvPr/>
-          </p:nvGrpSpPr>
-          <p:grpSpPr>
-            <a:xfrm>
-              <a:off x="1211629" y="4687790"/>
-              <a:ext cx="4248393" cy="378945"/>
-              <a:chOff x="2721075" y="6066646"/>
-              <a:chExt cx="2738999" cy="243895"/>
-            </a:xfrm>
-          </p:grpSpPr>
-          <p:grpSp>
-            <p:nvGrpSpPr>
-              <p:cNvPr id="52" name="Group 51"/>
-              <p:cNvGrpSpPr/>
-              <p:nvPr/>
-            </p:nvGrpSpPr>
-            <p:grpSpPr>
-              <a:xfrm>
-                <a:off x="2721075" y="6066646"/>
-                <a:ext cx="2738999" cy="243895"/>
-                <a:chOff x="2721075" y="6066646"/>
-                <a:chExt cx="2738999" cy="243895"/>
-              </a:xfrm>
-            </p:grpSpPr>
-            <p:grpSp>
-              <p:nvGrpSpPr>
-                <p:cNvPr id="55" name="Group 54"/>
-                <p:cNvGrpSpPr/>
-                <p:nvPr/>
-              </p:nvGrpSpPr>
-              <p:grpSpPr>
-                <a:xfrm>
-                  <a:off x="2721075" y="6083191"/>
-                  <a:ext cx="2738999" cy="227350"/>
-                  <a:chOff x="2887074" y="6083191"/>
-                  <a:chExt cx="2738999" cy="227350"/>
-                </a:xfrm>
-              </p:grpSpPr>
-              <p:pic>
-                <p:nvPicPr>
-                  <p:cNvPr id="57" name="Picture 56"/>
-                  <p:cNvPicPr>
-                    <a:picLocks noChangeAspect="1"/>
-                  </p:cNvPicPr>
-                  <p:nvPr/>
-                </p:nvPicPr>
-                <p:blipFill>
-                  <a:blip r:embed="rId3" cstate="print">
-                    <a:extLst>
-                      <a:ext uri="{28A0092B-C50C-407E-A947-70E740481C1C}">
-                        <a14:useLocalDpi xmlns:a14="http://schemas.microsoft.com/office/drawing/2010/main" val="0"/>
-                      </a:ext>
-                    </a:extLst>
-                  </a:blip>
-                  <a:stretch>
-                    <a:fillRect/>
-                  </a:stretch>
-                </p:blipFill>
-                <p:spPr>
-                  <a:xfrm>
-                    <a:off x="4079269" y="6103833"/>
-                    <a:ext cx="325640" cy="161565"/>
-                  </a:xfrm>
-                  <a:prstGeom prst="rect">
-                    <a:avLst/>
-                  </a:prstGeom>
-                </p:spPr>
-              </p:pic>
-              <p:pic>
-                <p:nvPicPr>
-                  <p:cNvPr id="58" name="Picture 57"/>
-                  <p:cNvPicPr>
-                    <a:picLocks noChangeAspect="1"/>
-                  </p:cNvPicPr>
-                  <p:nvPr/>
-                </p:nvPicPr>
-                <p:blipFill>
-                  <a:blip r:embed="rId4" cstate="print">
-                    <a:extLst>
-                      <a:ext uri="{28A0092B-C50C-407E-A947-70E740481C1C}">
-                        <a14:useLocalDpi xmlns:a14="http://schemas.microsoft.com/office/drawing/2010/main" val="0"/>
-                      </a:ext>
-                    </a:extLst>
-                  </a:blip>
-                  <a:stretch>
-                    <a:fillRect/>
-                  </a:stretch>
-                </p:blipFill>
-                <p:spPr>
-                  <a:xfrm>
-                    <a:off x="5345440" y="6084945"/>
-                    <a:ext cx="280633" cy="225596"/>
-                  </a:xfrm>
-                  <a:prstGeom prst="rect">
-                    <a:avLst/>
-                  </a:prstGeom>
-                </p:spPr>
-              </p:pic>
-              <p:pic>
-                <p:nvPicPr>
-                  <p:cNvPr id="59" name="Picture 58"/>
-                  <p:cNvPicPr>
-                    <a:picLocks noChangeAspect="1"/>
-                  </p:cNvPicPr>
-                  <p:nvPr/>
-                </p:nvPicPr>
-                <p:blipFill>
-                  <a:blip r:embed="rId5" cstate="print">
-                    <a:extLst>
-                      <a:ext uri="{28A0092B-C50C-407E-A947-70E740481C1C}">
-                        <a14:useLocalDpi xmlns:a14="http://schemas.microsoft.com/office/drawing/2010/main" val="0"/>
-                      </a:ext>
-                    </a:extLst>
-                  </a:blip>
-                  <a:stretch>
-                    <a:fillRect/>
-                  </a:stretch>
-                </p:blipFill>
-                <p:spPr>
-                  <a:xfrm>
-                    <a:off x="4515280" y="6084945"/>
-                    <a:ext cx="274386" cy="225596"/>
-                  </a:xfrm>
-                  <a:prstGeom prst="rect">
-                    <a:avLst/>
-                  </a:prstGeom>
-                </p:spPr>
-              </p:pic>
-              <p:pic>
-                <p:nvPicPr>
-                  <p:cNvPr id="60" name="Picture 59"/>
-                  <p:cNvPicPr>
-                    <a:picLocks noChangeAspect="1"/>
-                  </p:cNvPicPr>
-                  <p:nvPr/>
-                </p:nvPicPr>
-                <p:blipFill>
-                  <a:blip r:embed="rId6" cstate="print">
-                    <a:extLst>
-                      <a:ext uri="{28A0092B-C50C-407E-A947-70E740481C1C}">
-                        <a14:useLocalDpi xmlns:a14="http://schemas.microsoft.com/office/drawing/2010/main" val="0"/>
-                      </a:ext>
-                    </a:extLst>
-                  </a:blip>
-                  <a:stretch>
-                    <a:fillRect/>
-                  </a:stretch>
-                </p:blipFill>
-                <p:spPr>
-                  <a:xfrm flipH="1">
-                    <a:off x="2887074" y="6083191"/>
-                    <a:ext cx="255789" cy="218495"/>
-                  </a:xfrm>
-                  <a:prstGeom prst="rect">
-                    <a:avLst/>
-                  </a:prstGeom>
-                </p:spPr>
-              </p:pic>
-            </p:grpSp>
-            <p:pic>
-              <p:nvPicPr>
-                <p:cNvPr id="56" name="Picture 55"/>
-                <p:cNvPicPr>
-                  <a:picLocks noChangeAspect="1"/>
-                </p:cNvPicPr>
-                <p:nvPr/>
-              </p:nvPicPr>
-              <p:blipFill>
-                <a:blip r:embed="rId7"/>
-                <a:stretch>
-                  <a:fillRect/>
-                </a:stretch>
-              </p:blipFill>
-              <p:spPr>
-                <a:xfrm>
-                  <a:off x="4734039" y="6066646"/>
-                  <a:ext cx="302061" cy="235941"/>
-                </a:xfrm>
-                <a:prstGeom prst="rect">
-                  <a:avLst/>
-                </a:prstGeom>
-              </p:spPr>
-            </p:pic>
-          </p:grpSp>
-          <p:pic>
-            <p:nvPicPr>
-              <p:cNvPr id="53" name="Picture 52"/>
-              <p:cNvPicPr>
-                <a:picLocks noChangeAspect="1"/>
-              </p:cNvPicPr>
-              <p:nvPr/>
-            </p:nvPicPr>
-            <p:blipFill>
-              <a:blip r:embed="rId8"/>
-              <a:stretch>
-                <a:fillRect/>
-              </a:stretch>
-            </p:blipFill>
-            <p:spPr>
-              <a:xfrm>
-                <a:off x="3506696" y="6098817"/>
-                <a:ext cx="334903" cy="198223"/>
-              </a:xfrm>
-              <a:prstGeom prst="rect">
-                <a:avLst/>
-              </a:prstGeom>
-            </p:spPr>
-          </p:pic>
-          <p:pic>
-            <p:nvPicPr>
-              <p:cNvPr id="54" name="Picture 53"/>
-              <p:cNvPicPr>
-                <a:picLocks noChangeAspect="1"/>
-              </p:cNvPicPr>
-              <p:nvPr/>
-            </p:nvPicPr>
-            <p:blipFill>
-              <a:blip r:embed="rId9"/>
-              <a:stretch>
-                <a:fillRect/>
-              </a:stretch>
-            </p:blipFill>
-            <p:spPr>
-              <a:xfrm>
-                <a:off x="3107726" y="6098817"/>
-                <a:ext cx="327300" cy="196986"/>
-              </a:xfrm>
-              <a:prstGeom prst="rect">
-                <a:avLst/>
-              </a:prstGeom>
-            </p:spPr>
-          </p:pic>
-        </p:grpSp>
-        <p:grpSp>
-          <p:nvGrpSpPr>
-            <p:cNvPr id="41" name="Group 40"/>
-            <p:cNvGrpSpPr/>
-            <p:nvPr/>
-          </p:nvGrpSpPr>
-          <p:grpSpPr>
-            <a:xfrm>
-              <a:off x="6788883" y="4745568"/>
-              <a:ext cx="4248393" cy="378945"/>
-              <a:chOff x="2721075" y="6066646"/>
-              <a:chExt cx="2738999" cy="243895"/>
-            </a:xfrm>
-          </p:grpSpPr>
-          <p:grpSp>
-            <p:nvGrpSpPr>
-              <p:cNvPr id="43" name="Group 42"/>
-              <p:cNvGrpSpPr/>
-              <p:nvPr/>
-            </p:nvGrpSpPr>
-            <p:grpSpPr>
-              <a:xfrm>
-                <a:off x="2721075" y="6066646"/>
-                <a:ext cx="2738999" cy="243895"/>
-                <a:chOff x="2721075" y="6066646"/>
-                <a:chExt cx="2738999" cy="243895"/>
-              </a:xfrm>
-            </p:grpSpPr>
-            <p:grpSp>
-              <p:nvGrpSpPr>
-                <p:cNvPr id="46" name="Group 45"/>
-                <p:cNvGrpSpPr/>
-                <p:nvPr/>
-              </p:nvGrpSpPr>
-              <p:grpSpPr>
-                <a:xfrm>
-                  <a:off x="2721075" y="6083191"/>
-                  <a:ext cx="2738999" cy="227350"/>
-                  <a:chOff x="2887074" y="6083191"/>
-                  <a:chExt cx="2738999" cy="227350"/>
-                </a:xfrm>
-              </p:grpSpPr>
-              <p:pic>
-                <p:nvPicPr>
-                  <p:cNvPr id="48" name="Picture 47"/>
-                  <p:cNvPicPr>
-                    <a:picLocks noChangeAspect="1"/>
-                  </p:cNvPicPr>
-                  <p:nvPr/>
-                </p:nvPicPr>
-                <p:blipFill>
-                  <a:blip r:embed="rId3" cstate="print">
-                    <a:extLst>
-                      <a:ext uri="{28A0092B-C50C-407E-A947-70E740481C1C}">
-                        <a14:useLocalDpi xmlns:a14="http://schemas.microsoft.com/office/drawing/2010/main" val="0"/>
-                      </a:ext>
-                    </a:extLst>
-                  </a:blip>
-                  <a:stretch>
-                    <a:fillRect/>
-                  </a:stretch>
-                </p:blipFill>
-                <p:spPr>
-                  <a:xfrm>
-                    <a:off x="4079269" y="6103833"/>
-                    <a:ext cx="325640" cy="161565"/>
-                  </a:xfrm>
-                  <a:prstGeom prst="rect">
-                    <a:avLst/>
-                  </a:prstGeom>
-                </p:spPr>
-              </p:pic>
-              <p:pic>
-                <p:nvPicPr>
-                  <p:cNvPr id="49" name="Picture 48"/>
-                  <p:cNvPicPr>
-                    <a:picLocks noChangeAspect="1"/>
-                  </p:cNvPicPr>
-                  <p:nvPr/>
-                </p:nvPicPr>
-                <p:blipFill>
-                  <a:blip r:embed="rId4" cstate="print">
-                    <a:extLst>
-                      <a:ext uri="{28A0092B-C50C-407E-A947-70E740481C1C}">
-                        <a14:useLocalDpi xmlns:a14="http://schemas.microsoft.com/office/drawing/2010/main" val="0"/>
-                      </a:ext>
-                    </a:extLst>
-                  </a:blip>
-                  <a:stretch>
-                    <a:fillRect/>
-                  </a:stretch>
-                </p:blipFill>
-                <p:spPr>
-                  <a:xfrm>
-                    <a:off x="5345440" y="6084945"/>
-                    <a:ext cx="280633" cy="225596"/>
-                  </a:xfrm>
-                  <a:prstGeom prst="rect">
-                    <a:avLst/>
-                  </a:prstGeom>
-                </p:spPr>
-              </p:pic>
-              <p:pic>
-                <p:nvPicPr>
-                  <p:cNvPr id="50" name="Picture 49"/>
-                  <p:cNvPicPr>
-                    <a:picLocks noChangeAspect="1"/>
-                  </p:cNvPicPr>
-                  <p:nvPr/>
-                </p:nvPicPr>
-                <p:blipFill>
-                  <a:blip r:embed="rId5" cstate="print">
-                    <a:extLst>
-                      <a:ext uri="{28A0092B-C50C-407E-A947-70E740481C1C}">
-                        <a14:useLocalDpi xmlns:a14="http://schemas.microsoft.com/office/drawing/2010/main" val="0"/>
-                      </a:ext>
-                    </a:extLst>
-                  </a:blip>
-                  <a:stretch>
-                    <a:fillRect/>
-                  </a:stretch>
-                </p:blipFill>
-                <p:spPr>
-                  <a:xfrm>
-                    <a:off x="4515280" y="6084945"/>
-                    <a:ext cx="274386" cy="225596"/>
-                  </a:xfrm>
-                  <a:prstGeom prst="rect">
-                    <a:avLst/>
-                  </a:prstGeom>
-                </p:spPr>
-              </p:pic>
-              <p:pic>
-                <p:nvPicPr>
-                  <p:cNvPr id="51" name="Picture 50"/>
-                  <p:cNvPicPr>
-                    <a:picLocks noChangeAspect="1"/>
-                  </p:cNvPicPr>
-                  <p:nvPr/>
-                </p:nvPicPr>
-                <p:blipFill>
-                  <a:blip r:embed="rId6" cstate="print">
-                    <a:extLst>
-                      <a:ext uri="{28A0092B-C50C-407E-A947-70E740481C1C}">
-                        <a14:useLocalDpi xmlns:a14="http://schemas.microsoft.com/office/drawing/2010/main" val="0"/>
-                      </a:ext>
-                    </a:extLst>
-                  </a:blip>
-                  <a:stretch>
-                    <a:fillRect/>
-                  </a:stretch>
-                </p:blipFill>
-                <p:spPr>
-                  <a:xfrm flipH="1">
-                    <a:off x="2887074" y="6083191"/>
-                    <a:ext cx="255789" cy="218495"/>
-                  </a:xfrm>
-                  <a:prstGeom prst="rect">
-                    <a:avLst/>
-                  </a:prstGeom>
-                </p:spPr>
-              </p:pic>
-            </p:grpSp>
-            <p:pic>
-              <p:nvPicPr>
-                <p:cNvPr id="47" name="Picture 46"/>
-                <p:cNvPicPr>
-                  <a:picLocks noChangeAspect="1"/>
-                </p:cNvPicPr>
-                <p:nvPr/>
-              </p:nvPicPr>
-              <p:blipFill>
-                <a:blip r:embed="rId7"/>
-                <a:stretch>
-                  <a:fillRect/>
-                </a:stretch>
-              </p:blipFill>
-              <p:spPr>
-                <a:xfrm>
-                  <a:off x="4734039" y="6066646"/>
-                  <a:ext cx="302061" cy="235941"/>
-                </a:xfrm>
-                <a:prstGeom prst="rect">
-                  <a:avLst/>
-                </a:prstGeom>
-              </p:spPr>
-            </p:pic>
-          </p:grpSp>
-          <p:pic>
-            <p:nvPicPr>
-              <p:cNvPr id="44" name="Picture 43"/>
-              <p:cNvPicPr>
-                <a:picLocks noChangeAspect="1"/>
-              </p:cNvPicPr>
-              <p:nvPr/>
-            </p:nvPicPr>
-            <p:blipFill>
-              <a:blip r:embed="rId8"/>
-              <a:stretch>
-                <a:fillRect/>
-              </a:stretch>
-            </p:blipFill>
-            <p:spPr>
-              <a:xfrm>
-                <a:off x="3506696" y="6098817"/>
-                <a:ext cx="334903" cy="198223"/>
-              </a:xfrm>
-              <a:prstGeom prst="rect">
-                <a:avLst/>
-              </a:prstGeom>
-            </p:spPr>
-          </p:pic>
-          <p:pic>
-            <p:nvPicPr>
-              <p:cNvPr id="45" name="Picture 44"/>
-              <p:cNvPicPr>
-                <a:picLocks noChangeAspect="1"/>
-              </p:cNvPicPr>
-              <p:nvPr/>
-            </p:nvPicPr>
-            <p:blipFill>
-              <a:blip r:embed="rId9"/>
-              <a:stretch>
-                <a:fillRect/>
-              </a:stretch>
-            </p:blipFill>
-            <p:spPr>
-              <a:xfrm>
-                <a:off x="3107726" y="6098817"/>
-                <a:ext cx="327300" cy="196986"/>
-              </a:xfrm>
-              <a:prstGeom prst="rect">
-                <a:avLst/>
-              </a:prstGeom>
-            </p:spPr>
-          </p:pic>
-        </p:grpSp>
-        <p:pic>
-          <p:nvPicPr>
-            <p:cNvPr id="42" name="Picture 41"/>
-            <p:cNvPicPr>
-              <a:picLocks noChangeAspect="1"/>
-            </p:cNvPicPr>
-            <p:nvPr/>
-          </p:nvPicPr>
-          <p:blipFill>
-            <a:blip r:embed="rId11"/>
-            <a:stretch>
-              <a:fillRect/>
-            </a:stretch>
-          </p:blipFill>
-          <p:spPr>
-            <a:xfrm>
-              <a:off x="6023991" y="1109733"/>
-              <a:ext cx="5498521" cy="3628041"/>
+              <a:off x="2366005" y="357098"/>
+              <a:ext cx="5305184" cy="3597548"/>
             </a:xfrm>
             <a:prstGeom prst="rect">
               <a:avLst/>
@@ -5150,36 +5085,30 @@
           </p:spPr>
         </p:pic>
       </p:grpSp>
-      <p:sp>
-        <p:nvSpPr>
-          <p:cNvPr id="10" name="TextBox 9"/>
-          <p:cNvSpPr txBox="1"/>
+      <p:pic>
+        <p:nvPicPr>
+          <p:cNvPr id="13" name="Picture 12"/>
+          <p:cNvPicPr>
+            <a:picLocks noChangeAspect="1"/>
+          </p:cNvPicPr>
           <p:nvPr/>
-        </p:nvSpPr>
+        </p:nvPicPr>
+        <p:blipFill>
+          <a:blip r:embed="rId10"/>
+          <a:stretch>
+            <a:fillRect/>
+          </a:stretch>
+        </p:blipFill>
         <p:spPr>
           <a:xfrm>
-            <a:off x="7948246" y="936260"/>
-            <a:ext cx="2391508" cy="369332"/>
+            <a:off x="6050211" y="1203435"/>
+            <a:ext cx="5830565" cy="4049454"/>
           </a:xfrm>
           <a:prstGeom prst="rect">
             <a:avLst/>
           </a:prstGeom>
-          <a:noFill/>
         </p:spPr>
-        <p:txBody>
-          <a:bodyPr wrap="square" rtlCol="0">
-            <a:spAutoFit/>
-          </a:bodyPr>
-          <a:lstStyle/>
-          <a:p>
-            <a:r>
-              <a:rPr lang="en-US" dirty="0" smtClean="0"/>
-              <a:t>Need to order better</a:t>
-            </a:r>
-            <a:endParaRPr lang="en-US" dirty="0"/>
-          </a:p>
-        </p:txBody>
-      </p:sp>
+      </p:pic>
     </p:spTree>
     <p:extLst>
       <p:ext uri="{BB962C8B-B14F-4D97-AF65-F5344CB8AC3E}">
@@ -5212,21 +5141,21 @@
       </p:grpSpPr>
       <p:grpSp>
         <p:nvGrpSpPr>
-          <p:cNvPr id="2" name="Group 1"/>
+          <p:cNvPr id="6" name="Group 5"/>
           <p:cNvGrpSpPr/>
           <p:nvPr/>
         </p:nvGrpSpPr>
         <p:grpSpPr>
           <a:xfrm>
-            <a:off x="383197" y="193318"/>
-            <a:ext cx="6496050" cy="4371975"/>
-            <a:chOff x="383197" y="193318"/>
-            <a:chExt cx="6496050" cy="4371975"/>
+            <a:off x="1011163" y="65596"/>
+            <a:ext cx="9413888" cy="6414784"/>
+            <a:chOff x="1011163" y="65596"/>
+            <a:chExt cx="9413888" cy="6414784"/>
           </a:xfrm>
         </p:grpSpPr>
         <p:pic>
           <p:nvPicPr>
-            <p:cNvPr id="5" name="Picture 4"/>
+            <p:cNvPr id="4" name="Picture 3"/>
             <p:cNvPicPr>
               <a:picLocks noChangeAspect="1"/>
             </p:cNvPicPr>
@@ -5240,8 +5169,8 @@
           </p:blipFill>
           <p:spPr>
             <a:xfrm>
-              <a:off x="383197" y="193318"/>
-              <a:ext cx="6496050" cy="4371975"/>
+              <a:off x="1011163" y="271073"/>
+              <a:ext cx="9413888" cy="6209307"/>
             </a:xfrm>
             <a:prstGeom prst="rect">
               <a:avLst/>
@@ -5256,10 +5185,10 @@
           </p:nvGrpSpPr>
           <p:grpSpPr>
             <a:xfrm>
-              <a:off x="1484560" y="3929312"/>
-              <a:ext cx="5078346" cy="377620"/>
-              <a:chOff x="4076090" y="5589042"/>
-              <a:chExt cx="3274081" cy="243042"/>
+              <a:off x="1899786" y="5483456"/>
+              <a:ext cx="3544834" cy="310479"/>
+              <a:chOff x="4092064" y="5579770"/>
+              <a:chExt cx="3105944" cy="245213"/>
             </a:xfrm>
           </p:grpSpPr>
           <p:grpSp>
@@ -5270,10 +5199,10 @@
             </p:nvGrpSpPr>
             <p:grpSpPr>
               <a:xfrm>
-                <a:off x="4076090" y="5589042"/>
-                <a:ext cx="3274081" cy="243042"/>
-                <a:chOff x="4076090" y="5589042"/>
-                <a:chExt cx="3274081" cy="243042"/>
+                <a:off x="4092064" y="5579770"/>
+                <a:ext cx="3105944" cy="245213"/>
+                <a:chOff x="4092064" y="5579770"/>
+                <a:chExt cx="3105944" cy="245213"/>
               </a:xfrm>
             </p:grpSpPr>
             <p:grpSp>
@@ -5284,10 +5213,10 @@
               </p:nvGrpSpPr>
               <p:grpSpPr>
                 <a:xfrm>
-                  <a:off x="4076090" y="5589042"/>
-                  <a:ext cx="2768069" cy="243042"/>
-                  <a:chOff x="4242089" y="5589042"/>
-                  <a:chExt cx="2768069" cy="243042"/>
+                  <a:off x="4092064" y="5579770"/>
+                  <a:ext cx="2638534" cy="231317"/>
+                  <a:chOff x="4258063" y="5579770"/>
+                  <a:chExt cx="2638534" cy="231317"/>
                 </a:xfrm>
               </p:grpSpPr>
               <p:pic>
@@ -5312,7 +5241,7 @@
                 </p:blipFill>
                 <p:spPr>
                   <a:xfrm>
-                    <a:off x="4720426" y="5634952"/>
+                    <a:off x="4690969" y="5623587"/>
                     <a:ext cx="325640" cy="161565"/>
                   </a:xfrm>
                   <a:prstGeom prst="rect">
@@ -5342,7 +5271,7 @@
                 </p:blipFill>
                 <p:spPr>
                   <a:xfrm>
-                    <a:off x="5202099" y="5606488"/>
+                    <a:off x="5178545" y="5585491"/>
                     <a:ext cx="280633" cy="225596"/>
                   </a:xfrm>
                   <a:prstGeom prst="rect">
@@ -5372,7 +5301,7 @@
                 </p:blipFill>
                 <p:spPr>
                   <a:xfrm>
-                    <a:off x="4242089" y="5589042"/>
+                    <a:off x="4258063" y="5579770"/>
                     <a:ext cx="274386" cy="225596"/>
                   </a:xfrm>
                   <a:prstGeom prst="rect">
@@ -5402,7 +5331,7 @@
                 </p:blipFill>
                 <p:spPr>
                   <a:xfrm flipH="1">
-                    <a:off x="6754369" y="5606488"/>
+                    <a:off x="6640808" y="5592592"/>
                     <a:ext cx="255789" cy="218495"/>
                   </a:xfrm>
                   <a:prstGeom prst="rect">
@@ -5427,7 +5356,7 @@
               </p:blipFill>
               <p:spPr>
                 <a:xfrm>
-                  <a:off x="7048110" y="5589042"/>
+                  <a:off x="6895947" y="5589042"/>
                   <a:ext cx="302061" cy="235941"/>
                 </a:xfrm>
                 <a:prstGeom prst="rect">
@@ -5452,7 +5381,7 @@
             </p:blipFill>
             <p:spPr>
               <a:xfrm>
-                <a:off x="5531841" y="5598294"/>
+                <a:off x="5470546" y="5589042"/>
                 <a:ext cx="334903" cy="198223"/>
               </a:xfrm>
               <a:prstGeom prst="rect">
@@ -5476,7 +5405,7 @@
             </p:blipFill>
             <p:spPr>
               <a:xfrm>
-                <a:off x="6038358" y="5603347"/>
+                <a:off x="5942690" y="5606488"/>
                 <a:ext cx="327300" cy="196986"/>
               </a:xfrm>
               <a:prstGeom prst="rect">
@@ -5485,6 +5414,29 @@
             </p:spPr>
           </p:pic>
         </p:grpSp>
+        <p:pic>
+          <p:nvPicPr>
+            <p:cNvPr id="18" name="Picture 17"/>
+            <p:cNvPicPr>
+              <a:picLocks noChangeAspect="1"/>
+            </p:cNvPicPr>
+            <p:nvPr/>
+          </p:nvPicPr>
+          <p:blipFill rotWithShape="1">
+            <a:blip r:embed="rId10"/>
+            <a:srcRect l="14954" t="272" r="6404" b="94166"/>
+            <a:stretch/>
+          </p:blipFill>
+          <p:spPr>
+            <a:xfrm>
+              <a:off x="3855283" y="65596"/>
+              <a:ext cx="3520440" cy="347472"/>
+            </a:xfrm>
+            <a:prstGeom prst="rect">
+              <a:avLst/>
+            </a:prstGeom>
+          </p:spPr>
+        </p:pic>
       </p:grpSp>
       <p:sp>
         <p:nvSpPr>
@@ -5515,30 +5467,6 @@
           </a:p>
         </p:txBody>
       </p:sp>
-      <p:pic>
-        <p:nvPicPr>
-          <p:cNvPr id="18" name="Picture 17"/>
-          <p:cNvPicPr>
-            <a:picLocks noChangeAspect="1"/>
-          </p:cNvPicPr>
-          <p:nvPr/>
-        </p:nvPicPr>
-        <p:blipFill>
-          <a:blip r:embed="rId10"/>
-          <a:stretch>
-            <a:fillRect/>
-          </a:stretch>
-        </p:blipFill>
-        <p:spPr>
-          <a:xfrm>
-            <a:off x="7121266" y="193318"/>
-            <a:ext cx="4476535" cy="6247158"/>
-          </a:xfrm>
-          <a:prstGeom prst="rect">
-            <a:avLst/>
-          </a:prstGeom>
-        </p:spPr>
-      </p:pic>
     </p:spTree>
     <p:extLst>
       <p:ext uri="{BB962C8B-B14F-4D97-AF65-F5344CB8AC3E}">
@@ -5577,7 +5505,7 @@
         </p:nvSpPr>
         <p:spPr>
           <a:xfrm>
-            <a:off x="1423895" y="5077841"/>
+            <a:off x="1488545" y="5262479"/>
             <a:ext cx="8805672" cy="646331"/>
           </a:xfrm>
           <a:prstGeom prst="rect">
@@ -5641,14 +5569,402 @@
         </p:blipFill>
         <p:spPr>
           <a:xfrm>
-            <a:off x="2075688" y="134914"/>
-            <a:ext cx="6142199" cy="4780304"/>
+            <a:off x="182764" y="1590112"/>
+            <a:ext cx="3639731" cy="2832702"/>
           </a:xfrm>
           <a:prstGeom prst="rect">
             <a:avLst/>
           </a:prstGeom>
         </p:spPr>
       </p:pic>
+      <p:sp>
+        <p:nvSpPr>
+          <p:cNvPr id="3" name="TextBox 2"/>
+          <p:cNvSpPr txBox="1"/>
+          <p:nvPr/>
+        </p:nvSpPr>
+        <p:spPr>
+          <a:xfrm>
+            <a:off x="1802775" y="1220780"/>
+            <a:ext cx="905608" cy="369332"/>
+          </a:xfrm>
+          <a:prstGeom prst="rect">
+            <a:avLst/>
+          </a:prstGeom>
+          <a:noFill/>
+        </p:spPr>
+        <p:txBody>
+          <a:bodyPr wrap="square" rtlCol="0">
+            <a:spAutoFit/>
+          </a:bodyPr>
+          <a:lstStyle/>
+          <a:p>
+            <a:r>
+              <a:rPr lang="en-US" dirty="0" smtClean="0"/>
+              <a:t>OLD</a:t>
+            </a:r>
+            <a:endParaRPr lang="en-US" dirty="0"/>
+          </a:p>
+        </p:txBody>
+      </p:sp>
+      <p:sp>
+        <p:nvSpPr>
+          <p:cNvPr id="5" name="TextBox 4"/>
+          <p:cNvSpPr txBox="1"/>
+          <p:nvPr/>
+        </p:nvSpPr>
+        <p:spPr>
+          <a:xfrm>
+            <a:off x="117817" y="134914"/>
+            <a:ext cx="1060704" cy="369332"/>
+          </a:xfrm>
+          <a:prstGeom prst="rect">
+            <a:avLst/>
+          </a:prstGeom>
+          <a:noFill/>
+        </p:spPr>
+        <p:txBody>
+          <a:bodyPr wrap="square" rtlCol="0">
+            <a:spAutoFit/>
+          </a:bodyPr>
+          <a:lstStyle/>
+          <a:p>
+            <a:r>
+              <a:rPr lang="en-US" dirty="0" smtClean="0"/>
+              <a:t>Fig </a:t>
+            </a:r>
+            <a:r>
+              <a:rPr lang="en-US" dirty="0" smtClean="0"/>
+              <a:t>3a-3c</a:t>
+            </a:r>
+            <a:endParaRPr lang="en-US" dirty="0"/>
+          </a:p>
+        </p:txBody>
+      </p:sp>
+      <p:sp>
+        <p:nvSpPr>
+          <p:cNvPr id="7" name="Rectangle 6"/>
+          <p:cNvSpPr/>
+          <p:nvPr/>
+        </p:nvSpPr>
+        <p:spPr>
+          <a:xfrm>
+            <a:off x="1488545" y="5771846"/>
+            <a:ext cx="8805672" cy="646331"/>
+          </a:xfrm>
+          <a:prstGeom prst="rect">
+            <a:avLst/>
+          </a:prstGeom>
+        </p:spPr>
+        <p:txBody>
+          <a:bodyPr wrap="square">
+            <a:spAutoFit/>
+          </a:bodyPr>
+          <a:lstStyle/>
+          <a:p>
+            <a:r>
+              <a:rPr lang="en-US" dirty="0" smtClean="0"/>
+              <a:t>Figure3b</a:t>
+            </a:r>
+            <a:r>
+              <a:rPr lang="en-US" dirty="0"/>
+              <a:t>. Proportion of transient </a:t>
+            </a:r>
+            <a:r>
+              <a:rPr lang="en-US" dirty="0" smtClean="0"/>
+              <a:t>species </a:t>
+            </a:r>
+            <a:r>
+              <a:rPr lang="en-US" dirty="0"/>
+              <a:t>by </a:t>
+            </a:r>
+            <a:r>
+              <a:rPr lang="en-US" dirty="0" smtClean="0"/>
+              <a:t>log of community </a:t>
+            </a:r>
+            <a:r>
+              <a:rPr lang="en-US" dirty="0"/>
+              <a:t>size </a:t>
+            </a:r>
+            <a:r>
+              <a:rPr lang="en-US" dirty="0" smtClean="0"/>
+              <a:t>(number of individuals), </a:t>
+            </a:r>
+            <a:r>
+              <a:rPr lang="en-US" dirty="0"/>
+              <a:t>colored by taxa, using the hierarchically scaled </a:t>
+            </a:r>
+            <a:r>
+              <a:rPr lang="en-US" dirty="0" smtClean="0"/>
+              <a:t>count datasets</a:t>
+            </a:r>
+            <a:r>
+              <a:rPr lang="en-US" dirty="0"/>
+              <a:t>.</a:t>
+            </a:r>
+          </a:p>
+        </p:txBody>
+      </p:sp>
+      <p:pic>
+        <p:nvPicPr>
+          <p:cNvPr id="9" name="Picture 8"/>
+          <p:cNvPicPr>
+            <a:picLocks noChangeAspect="1"/>
+          </p:cNvPicPr>
+          <p:nvPr/>
+        </p:nvPicPr>
+        <p:blipFill>
+          <a:blip r:embed="rId3"/>
+          <a:stretch>
+            <a:fillRect/>
+          </a:stretch>
+        </p:blipFill>
+        <p:spPr>
+          <a:xfrm>
+            <a:off x="3794298" y="1554417"/>
+            <a:ext cx="3702031" cy="2904091"/>
+          </a:xfrm>
+          <a:prstGeom prst="rect">
+            <a:avLst/>
+          </a:prstGeom>
+        </p:spPr>
+      </p:pic>
+      <p:sp>
+        <p:nvSpPr>
+          <p:cNvPr id="10" name="Rectangle 9"/>
+          <p:cNvSpPr/>
+          <p:nvPr/>
+        </p:nvSpPr>
+        <p:spPr>
+          <a:xfrm>
+            <a:off x="1488545" y="6418177"/>
+            <a:ext cx="8805672" cy="369332"/>
+          </a:xfrm>
+          <a:prstGeom prst="rect">
+            <a:avLst/>
+          </a:prstGeom>
+        </p:spPr>
+        <p:txBody>
+          <a:bodyPr wrap="square">
+            <a:spAutoFit/>
+          </a:bodyPr>
+          <a:lstStyle/>
+          <a:p>
+            <a:r>
+              <a:rPr lang="en-US" dirty="0" smtClean="0"/>
+              <a:t>Figure3c. Predicted values of hierarchically scaled count datasets by taxa. </a:t>
+            </a:r>
+            <a:endParaRPr lang="en-US" dirty="0"/>
+          </a:p>
+        </p:txBody>
+      </p:sp>
+      <p:grpSp>
+        <p:nvGrpSpPr>
+          <p:cNvPr id="11" name="Group 10"/>
+          <p:cNvGrpSpPr/>
+          <p:nvPr/>
+        </p:nvGrpSpPr>
+        <p:grpSpPr>
+          <a:xfrm>
+            <a:off x="7550900" y="1220780"/>
+            <a:ext cx="4641100" cy="3107842"/>
+            <a:chOff x="2523391" y="2055046"/>
+            <a:chExt cx="5603165" cy="3804378"/>
+          </a:xfrm>
+        </p:grpSpPr>
+        <p:pic>
+          <p:nvPicPr>
+            <p:cNvPr id="12" name="Picture 11"/>
+            <p:cNvPicPr>
+              <a:picLocks noChangeAspect="1"/>
+            </p:cNvPicPr>
+            <p:nvPr/>
+          </p:nvPicPr>
+          <p:blipFill>
+            <a:blip r:embed="rId4"/>
+            <a:stretch>
+              <a:fillRect/>
+            </a:stretch>
+          </p:blipFill>
+          <p:spPr>
+            <a:xfrm>
+              <a:off x="2523391" y="2055046"/>
+              <a:ext cx="5603165" cy="3695431"/>
+            </a:xfrm>
+            <a:prstGeom prst="rect">
+              <a:avLst/>
+            </a:prstGeom>
+          </p:spPr>
+        </p:pic>
+        <p:pic>
+          <p:nvPicPr>
+            <p:cNvPr id="13" name="Picture 12"/>
+            <p:cNvPicPr>
+              <a:picLocks noChangeAspect="1"/>
+            </p:cNvPicPr>
+            <p:nvPr/>
+          </p:nvPicPr>
+          <p:blipFill>
+            <a:blip r:embed="rId5" cstate="print">
+              <a:extLst>
+                <a:ext uri="{28A0092B-C50C-407E-A947-70E740481C1C}">
+                  <a14:useLocalDpi xmlns:a14="http://schemas.microsoft.com/office/drawing/2010/main" val="0"/>
+                </a:ext>
+              </a:extLst>
+            </a:blip>
+            <a:stretch>
+              <a:fillRect/>
+            </a:stretch>
+          </p:blipFill>
+          <p:spPr>
+            <a:xfrm>
+              <a:off x="4087390" y="5509841"/>
+              <a:ext cx="496473" cy="287080"/>
+            </a:xfrm>
+            <a:prstGeom prst="rect">
+              <a:avLst/>
+            </a:prstGeom>
+          </p:spPr>
+        </p:pic>
+        <p:pic>
+          <p:nvPicPr>
+            <p:cNvPr id="14" name="Picture 13"/>
+            <p:cNvPicPr>
+              <a:picLocks noChangeAspect="1"/>
+            </p:cNvPicPr>
+            <p:nvPr/>
+          </p:nvPicPr>
+          <p:blipFill>
+            <a:blip r:embed="rId6" cstate="print">
+              <a:extLst>
+                <a:ext uri="{28A0092B-C50C-407E-A947-70E740481C1C}">
+                  <a14:useLocalDpi xmlns:a14="http://schemas.microsoft.com/office/drawing/2010/main" val="0"/>
+                </a:ext>
+              </a:extLst>
+            </a:blip>
+            <a:stretch>
+              <a:fillRect/>
+            </a:stretch>
+          </p:blipFill>
+          <p:spPr>
+            <a:xfrm>
+              <a:off x="4943339" y="5452954"/>
+              <a:ext cx="427855" cy="400855"/>
+            </a:xfrm>
+            <a:prstGeom prst="rect">
+              <a:avLst/>
+            </a:prstGeom>
+          </p:spPr>
+        </p:pic>
+        <p:pic>
+          <p:nvPicPr>
+            <p:cNvPr id="15" name="Picture 14"/>
+            <p:cNvPicPr>
+              <a:picLocks noChangeAspect="1"/>
+            </p:cNvPicPr>
+            <p:nvPr/>
+          </p:nvPicPr>
+          <p:blipFill>
+            <a:blip r:embed="rId7" cstate="print">
+              <a:extLst>
+                <a:ext uri="{28A0092B-C50C-407E-A947-70E740481C1C}">
+                  <a14:useLocalDpi xmlns:a14="http://schemas.microsoft.com/office/drawing/2010/main" val="0"/>
+                </a:ext>
+              </a:extLst>
+            </a:blip>
+            <a:stretch>
+              <a:fillRect/>
+            </a:stretch>
+          </p:blipFill>
+          <p:spPr>
+            <a:xfrm>
+              <a:off x="3303442" y="5452954"/>
+              <a:ext cx="418331" cy="400855"/>
+            </a:xfrm>
+            <a:prstGeom prst="rect">
+              <a:avLst/>
+            </a:prstGeom>
+          </p:spPr>
+        </p:pic>
+        <p:pic>
+          <p:nvPicPr>
+            <p:cNvPr id="16" name="Picture 15"/>
+            <p:cNvPicPr>
+              <a:picLocks noChangeAspect="1"/>
+            </p:cNvPicPr>
+            <p:nvPr/>
+          </p:nvPicPr>
+          <p:blipFill>
+            <a:blip r:embed="rId8" cstate="print">
+              <a:extLst>
+                <a:ext uri="{28A0092B-C50C-407E-A947-70E740481C1C}">
+                  <a14:useLocalDpi xmlns:a14="http://schemas.microsoft.com/office/drawing/2010/main" val="0"/>
+                </a:ext>
+              </a:extLst>
+            </a:blip>
+            <a:stretch>
+              <a:fillRect/>
+            </a:stretch>
+          </p:blipFill>
+          <p:spPr>
+            <a:xfrm flipH="1">
+              <a:off x="7517388" y="5471187"/>
+              <a:ext cx="389978" cy="388237"/>
+            </a:xfrm>
+            <a:prstGeom prst="rect">
+              <a:avLst/>
+            </a:prstGeom>
+          </p:spPr>
+        </p:pic>
+        <p:pic>
+          <p:nvPicPr>
+            <p:cNvPr id="17" name="Picture 16"/>
+            <p:cNvPicPr>
+              <a:picLocks noChangeAspect="1"/>
+            </p:cNvPicPr>
+            <p:nvPr/>
+          </p:nvPicPr>
+          <p:blipFill>
+            <a:blip r:embed="rId9"/>
+            <a:stretch>
+              <a:fillRect/>
+            </a:stretch>
+          </p:blipFill>
+          <p:spPr>
+            <a:xfrm>
+              <a:off x="5765321" y="5477273"/>
+              <a:ext cx="510596" cy="352216"/>
+            </a:xfrm>
+            <a:prstGeom prst="rect">
+              <a:avLst/>
+            </a:prstGeom>
+          </p:spPr>
+        </p:pic>
+        <p:pic>
+          <p:nvPicPr>
+            <p:cNvPr id="18" name="Picture 17"/>
+            <p:cNvPicPr>
+              <a:picLocks noChangeAspect="1"/>
+            </p:cNvPicPr>
+            <p:nvPr/>
+          </p:nvPicPr>
+          <p:blipFill>
+            <a:blip r:embed="rId10"/>
+            <a:stretch>
+              <a:fillRect/>
+            </a:stretch>
+          </p:blipFill>
+          <p:spPr>
+            <a:xfrm>
+              <a:off x="6577228" y="5479471"/>
+              <a:ext cx="499004" cy="350018"/>
+            </a:xfrm>
+            <a:prstGeom prst="rect">
+              <a:avLst/>
+            </a:prstGeom>
+          </p:spPr>
+        </p:pic>
+      </p:grpSp>
     </p:spTree>
     <p:extLst>
       <p:ext uri="{BB962C8B-B14F-4D97-AF65-F5344CB8AC3E}">
@@ -5679,70 +5995,6 @@
           <a:chExt cx="0" cy="0"/>
         </a:xfrm>
       </p:grpSpPr>
-      <p:sp>
-        <p:nvSpPr>
-          <p:cNvPr id="6" name="Rectangle 5"/>
-          <p:cNvSpPr/>
-          <p:nvPr/>
-        </p:nvSpPr>
-        <p:spPr>
-          <a:xfrm>
-            <a:off x="1432687" y="4348079"/>
-            <a:ext cx="8805672" cy="646331"/>
-          </a:xfrm>
-          <a:prstGeom prst="rect">
-            <a:avLst/>
-          </a:prstGeom>
-        </p:spPr>
-        <p:txBody>
-          <a:bodyPr wrap="square">
-            <a:spAutoFit/>
-          </a:bodyPr>
-          <a:lstStyle/>
-          <a:p>
-            <a:r>
-              <a:rPr lang="en-US" dirty="0" smtClean="0"/>
-              <a:t>Figure3b</a:t>
-            </a:r>
-            <a:r>
-              <a:rPr lang="en-US" dirty="0"/>
-              <a:t>. Proportion of transient </a:t>
-            </a:r>
-            <a:r>
-              <a:rPr lang="en-US" dirty="0" smtClean="0"/>
-              <a:t>species </a:t>
-            </a:r>
-            <a:r>
-              <a:rPr lang="en-US" dirty="0"/>
-              <a:t>by </a:t>
-            </a:r>
-            <a:r>
-              <a:rPr lang="en-US" dirty="0" smtClean="0"/>
-              <a:t>log of community </a:t>
-            </a:r>
-            <a:r>
-              <a:rPr lang="en-US" dirty="0"/>
-              <a:t>size </a:t>
-            </a:r>
-            <a:r>
-              <a:rPr lang="en-US" dirty="0" smtClean="0"/>
-              <a:t>(number of individuals), </a:t>
-            </a:r>
-            <a:r>
-              <a:rPr lang="en-US" dirty="0"/>
-              <a:t>colored by taxa, using the hierarchically scaled </a:t>
-            </a:r>
-            <a:r>
-              <a:rPr lang="en-US" dirty="0" smtClean="0"/>
-              <a:t>count datasets</a:t>
-            </a:r>
-            <a:r>
-              <a:rPr lang="en-US" dirty="0"/>
-              <a:t>.</a:t>
-            </a:r>
-          </a:p>
-        </p:txBody>
-      </p:sp>
       <p:pic>
         <p:nvPicPr>
           <p:cNvPr id="2" name="Picture 1"/>
@@ -5759,449 +6011,8 @@
         </p:blipFill>
         <p:spPr>
           <a:xfrm>
-            <a:off x="9601981" y="4914900"/>
-            <a:ext cx="2315845" cy="1789517"/>
-          </a:xfrm>
-          <a:prstGeom prst="rect">
-            <a:avLst/>
-          </a:prstGeom>
-        </p:spPr>
-      </p:pic>
-      <p:sp>
-        <p:nvSpPr>
-          <p:cNvPr id="4" name="TextBox 3"/>
-          <p:cNvSpPr txBox="1"/>
-          <p:nvPr/>
-        </p:nvSpPr>
-        <p:spPr>
-          <a:xfrm>
-            <a:off x="8765931" y="1757124"/>
-            <a:ext cx="1761764" cy="369332"/>
-          </a:xfrm>
-          <a:prstGeom prst="rect">
-            <a:avLst/>
-          </a:prstGeom>
-          <a:noFill/>
-        </p:spPr>
-        <p:txBody>
-          <a:bodyPr wrap="none" rtlCol="0">
-            <a:spAutoFit/>
-          </a:bodyPr>
-          <a:lstStyle/>
-          <a:p>
-            <a:r>
-              <a:rPr lang="en-US" dirty="0" smtClean="0"/>
-              <a:t>Count data ONLY</a:t>
-            </a:r>
-          </a:p>
-        </p:txBody>
-      </p:sp>
-      <p:pic>
-        <p:nvPicPr>
-          <p:cNvPr id="5" name="Picture 4"/>
-          <p:cNvPicPr>
-            <a:picLocks noChangeAspect="1"/>
-          </p:cNvPicPr>
-          <p:nvPr/>
-        </p:nvPicPr>
-        <p:blipFill>
-          <a:blip r:embed="rId3"/>
-          <a:stretch>
-            <a:fillRect/>
-          </a:stretch>
-        </p:blipFill>
-        <p:spPr>
-          <a:xfrm>
-            <a:off x="2523744" y="129172"/>
-            <a:ext cx="5449824" cy="4218907"/>
-          </a:xfrm>
-          <a:prstGeom prst="rect">
-            <a:avLst/>
-          </a:prstGeom>
-        </p:spPr>
-      </p:pic>
-    </p:spTree>
-    <p:extLst>
-      <p:ext uri="{BB962C8B-B14F-4D97-AF65-F5344CB8AC3E}">
-        <p14:creationId xmlns:p14="http://schemas.microsoft.com/office/powerpoint/2010/main" val="2173986586"/>
-      </p:ext>
-    </p:extLst>
-  </p:cSld>
-  <p:clrMapOvr>
-    <a:masterClrMapping/>
-  </p:clrMapOvr>
-</p:sld>
-</file>
-
-<file path=ppt/slides/slide6.xml><?xml version="1.0" encoding="utf-8"?>
-<p:sld xmlns:a="http://schemas.openxmlformats.org/drawingml/2006/main" xmlns:r="http://schemas.openxmlformats.org/officeDocument/2006/relationships" xmlns:p="http://schemas.openxmlformats.org/presentationml/2006/main">
-  <p:cSld>
-    <p:spTree>
-      <p:nvGrpSpPr>
-        <p:cNvPr id="1" name=""/>
-        <p:cNvGrpSpPr/>
-        <p:nvPr/>
-      </p:nvGrpSpPr>
-      <p:grpSpPr>
-        <a:xfrm>
-          <a:off x="0" y="0"/>
-          <a:ext cx="0" cy="0"/>
-          <a:chOff x="0" y="0"/>
-          <a:chExt cx="0" cy="0"/>
-        </a:xfrm>
-      </p:grpSpPr>
-      <p:sp>
-        <p:nvSpPr>
-          <p:cNvPr id="6" name="Rectangle 5"/>
-          <p:cNvSpPr/>
-          <p:nvPr/>
-        </p:nvSpPr>
-        <p:spPr>
-          <a:xfrm>
-            <a:off x="1318816" y="4130898"/>
-            <a:ext cx="8805672" cy="369332"/>
-          </a:xfrm>
-          <a:prstGeom prst="rect">
-            <a:avLst/>
-          </a:prstGeom>
-        </p:spPr>
-        <p:txBody>
-          <a:bodyPr wrap="square">
-            <a:spAutoFit/>
-          </a:bodyPr>
-          <a:lstStyle/>
-          <a:p>
-            <a:r>
-              <a:rPr lang="en-US" dirty="0" smtClean="0"/>
-              <a:t>Figure3c. Predicted values of hierarchically scaled count datasets by taxa. </a:t>
-            </a:r>
-            <a:endParaRPr lang="en-US" dirty="0"/>
-          </a:p>
-        </p:txBody>
-      </p:sp>
-      <p:grpSp>
-        <p:nvGrpSpPr>
-          <p:cNvPr id="5" name="Group 4"/>
-          <p:cNvGrpSpPr/>
-          <p:nvPr/>
-        </p:nvGrpSpPr>
-        <p:grpSpPr>
-          <a:xfrm>
-            <a:off x="1952223" y="390061"/>
-            <a:ext cx="5336599" cy="3740837"/>
-            <a:chOff x="1952223" y="390061"/>
-            <a:chExt cx="5336599" cy="3740837"/>
-          </a:xfrm>
-        </p:grpSpPr>
-        <p:grpSp>
-          <p:nvGrpSpPr>
-            <p:cNvPr id="3" name="Group 2"/>
-            <p:cNvGrpSpPr/>
-            <p:nvPr/>
-          </p:nvGrpSpPr>
-          <p:grpSpPr>
-            <a:xfrm>
-              <a:off x="1952223" y="390061"/>
-              <a:ext cx="5336599" cy="3385443"/>
-              <a:chOff x="1952223" y="390061"/>
-              <a:chExt cx="5336599" cy="3385443"/>
-            </a:xfrm>
-          </p:grpSpPr>
-          <p:pic>
-            <p:nvPicPr>
-              <p:cNvPr id="2" name="Picture 1"/>
-              <p:cNvPicPr>
-                <a:picLocks noChangeAspect="1"/>
-              </p:cNvPicPr>
-              <p:nvPr/>
-            </p:nvPicPr>
-            <p:blipFill rotWithShape="1">
-              <a:blip r:embed="rId2"/>
-              <a:srcRect b="12443"/>
-              <a:stretch/>
-            </p:blipFill>
-            <p:spPr>
-              <a:xfrm>
-                <a:off x="1952223" y="390061"/>
-                <a:ext cx="5336599" cy="3079154"/>
-              </a:xfrm>
-              <a:prstGeom prst="rect">
-                <a:avLst/>
-              </a:prstGeom>
-            </p:spPr>
-          </p:pic>
-          <p:grpSp>
-            <p:nvGrpSpPr>
-              <p:cNvPr id="7" name="Group 6"/>
-              <p:cNvGrpSpPr/>
-              <p:nvPr/>
-            </p:nvGrpSpPr>
-            <p:grpSpPr>
-              <a:xfrm>
-                <a:off x="2406580" y="3343650"/>
-                <a:ext cx="4744647" cy="431854"/>
-                <a:chOff x="4122147" y="5589042"/>
-                <a:chExt cx="2631740" cy="243042"/>
-              </a:xfrm>
-            </p:grpSpPr>
-            <p:grpSp>
-              <p:nvGrpSpPr>
-                <p:cNvPr id="11" name="Group 10"/>
-                <p:cNvGrpSpPr/>
-                <p:nvPr/>
-              </p:nvGrpSpPr>
-              <p:grpSpPr>
-                <a:xfrm>
-                  <a:off x="4122147" y="5589042"/>
-                  <a:ext cx="2631740" cy="243042"/>
-                  <a:chOff x="4288146" y="5589042"/>
-                  <a:chExt cx="2631740" cy="243042"/>
-                </a:xfrm>
-              </p:grpSpPr>
-              <p:pic>
-                <p:nvPicPr>
-                  <p:cNvPr id="13" name="Picture 12"/>
-                  <p:cNvPicPr>
-                    <a:picLocks noChangeAspect="1"/>
-                  </p:cNvPicPr>
-                  <p:nvPr/>
-                </p:nvPicPr>
-                <p:blipFill>
-                  <a:blip r:embed="rId3" cstate="print">
-                    <a:extLst>
-                      <a:ext uri="{28A0092B-C50C-407E-A947-70E740481C1C}">
-                        <a14:useLocalDpi xmlns:a14="http://schemas.microsoft.com/office/drawing/2010/main" val="0"/>
-                      </a:ext>
-                    </a:extLst>
-                  </a:blip>
-                  <a:stretch>
-                    <a:fillRect/>
-                  </a:stretch>
-                </p:blipFill>
-                <p:spPr>
-                  <a:xfrm>
-                    <a:off x="4720426" y="5634952"/>
-                    <a:ext cx="325640" cy="161565"/>
-                  </a:xfrm>
-                  <a:prstGeom prst="rect">
-                    <a:avLst/>
-                  </a:prstGeom>
-                </p:spPr>
-              </p:pic>
-              <p:pic>
-                <p:nvPicPr>
-                  <p:cNvPr id="14" name="Picture 13"/>
-                  <p:cNvPicPr>
-                    <a:picLocks noChangeAspect="1"/>
-                  </p:cNvPicPr>
-                  <p:nvPr/>
-                </p:nvPicPr>
-                <p:blipFill>
-                  <a:blip r:embed="rId4" cstate="print">
-                    <a:extLst>
-                      <a:ext uri="{28A0092B-C50C-407E-A947-70E740481C1C}">
-                        <a14:useLocalDpi xmlns:a14="http://schemas.microsoft.com/office/drawing/2010/main" val="0"/>
-                      </a:ext>
-                    </a:extLst>
-                  </a:blip>
-                  <a:stretch>
-                    <a:fillRect/>
-                  </a:stretch>
-                </p:blipFill>
-                <p:spPr>
-                  <a:xfrm>
-                    <a:off x="5202099" y="5606488"/>
-                    <a:ext cx="280633" cy="225596"/>
-                  </a:xfrm>
-                  <a:prstGeom prst="rect">
-                    <a:avLst/>
-                  </a:prstGeom>
-                </p:spPr>
-              </p:pic>
-              <p:pic>
-                <p:nvPicPr>
-                  <p:cNvPr id="15" name="Picture 14"/>
-                  <p:cNvPicPr>
-                    <a:picLocks noChangeAspect="1"/>
-                  </p:cNvPicPr>
-                  <p:nvPr/>
-                </p:nvPicPr>
-                <p:blipFill>
-                  <a:blip r:embed="rId5" cstate="print">
-                    <a:extLst>
-                      <a:ext uri="{28A0092B-C50C-407E-A947-70E740481C1C}">
-                        <a14:useLocalDpi xmlns:a14="http://schemas.microsoft.com/office/drawing/2010/main" val="0"/>
-                      </a:ext>
-                    </a:extLst>
-                  </a:blip>
-                  <a:stretch>
-                    <a:fillRect/>
-                  </a:stretch>
-                </p:blipFill>
-                <p:spPr>
-                  <a:xfrm>
-                    <a:off x="4288146" y="5589042"/>
-                    <a:ext cx="274386" cy="225596"/>
-                  </a:xfrm>
-                  <a:prstGeom prst="rect">
-                    <a:avLst/>
-                  </a:prstGeom>
-                </p:spPr>
-              </p:pic>
-              <p:pic>
-                <p:nvPicPr>
-                  <p:cNvPr id="16" name="Picture 15"/>
-                  <p:cNvPicPr>
-                    <a:picLocks noChangeAspect="1"/>
-                  </p:cNvPicPr>
-                  <p:nvPr/>
-                </p:nvPicPr>
-                <p:blipFill>
-                  <a:blip r:embed="rId6" cstate="print">
-                    <a:extLst>
-                      <a:ext uri="{28A0092B-C50C-407E-A947-70E740481C1C}">
-                        <a14:useLocalDpi xmlns:a14="http://schemas.microsoft.com/office/drawing/2010/main" val="0"/>
-                      </a:ext>
-                    </a:extLst>
-                  </a:blip>
-                  <a:stretch>
-                    <a:fillRect/>
-                  </a:stretch>
-                </p:blipFill>
-                <p:spPr>
-                  <a:xfrm flipH="1">
-                    <a:off x="6664097" y="5596143"/>
-                    <a:ext cx="255789" cy="218495"/>
-                  </a:xfrm>
-                  <a:prstGeom prst="rect">
-                    <a:avLst/>
-                  </a:prstGeom>
-                </p:spPr>
-              </p:pic>
-            </p:grpSp>
-            <p:pic>
-              <p:nvPicPr>
-                <p:cNvPr id="9" name="Picture 8"/>
-                <p:cNvPicPr>
-                  <a:picLocks noChangeAspect="1"/>
-                </p:cNvPicPr>
-                <p:nvPr/>
-              </p:nvPicPr>
-              <p:blipFill>
-                <a:blip r:embed="rId7"/>
-                <a:stretch>
-                  <a:fillRect/>
-                </a:stretch>
-              </p:blipFill>
-              <p:spPr>
-                <a:xfrm>
-                  <a:off x="5472766" y="5596143"/>
-                  <a:ext cx="334903" cy="198223"/>
-                </a:xfrm>
-                <a:prstGeom prst="rect">
-                  <a:avLst/>
-                </a:prstGeom>
-              </p:spPr>
-            </p:pic>
-            <p:pic>
-              <p:nvPicPr>
-                <p:cNvPr id="10" name="Picture 9"/>
-                <p:cNvPicPr>
-                  <a:picLocks noChangeAspect="1"/>
-                </p:cNvPicPr>
-                <p:nvPr/>
-              </p:nvPicPr>
-              <p:blipFill>
-                <a:blip r:embed="rId8"/>
-                <a:stretch>
-                  <a:fillRect/>
-                </a:stretch>
-              </p:blipFill>
-              <p:spPr>
-                <a:xfrm>
-                  <a:off x="5965563" y="5603347"/>
-                  <a:ext cx="327300" cy="196986"/>
-                </a:xfrm>
-                <a:prstGeom prst="rect">
-                  <a:avLst/>
-                </a:prstGeom>
-              </p:spPr>
-            </p:pic>
-          </p:grpSp>
-        </p:grpSp>
-        <p:pic>
-          <p:nvPicPr>
-            <p:cNvPr id="4" name="Picture 3"/>
-            <p:cNvPicPr>
-              <a:picLocks noChangeAspect="1"/>
-            </p:cNvPicPr>
-            <p:nvPr/>
-          </p:nvPicPr>
-          <p:blipFill>
-            <a:blip r:embed="rId9"/>
-            <a:stretch>
-              <a:fillRect/>
-            </a:stretch>
-          </p:blipFill>
-          <p:spPr>
-            <a:xfrm>
-              <a:off x="4237588" y="3820904"/>
-              <a:ext cx="765868" cy="309994"/>
-            </a:xfrm>
-            <a:prstGeom prst="rect">
-              <a:avLst/>
-            </a:prstGeom>
-          </p:spPr>
-        </p:pic>
-      </p:grpSp>
-    </p:spTree>
-    <p:extLst>
-      <p:ext uri="{BB962C8B-B14F-4D97-AF65-F5344CB8AC3E}">
-        <p14:creationId xmlns:p14="http://schemas.microsoft.com/office/powerpoint/2010/main" val="894196904"/>
-      </p:ext>
-    </p:extLst>
-  </p:cSld>
-  <p:clrMapOvr>
-    <a:masterClrMapping/>
-  </p:clrMapOvr>
-</p:sld>
-</file>
-
-<file path=ppt/slides/slide7.xml><?xml version="1.0" encoding="utf-8"?>
-<p:sld xmlns:a="http://schemas.openxmlformats.org/drawingml/2006/main" xmlns:r="http://schemas.openxmlformats.org/officeDocument/2006/relationships" xmlns:p="http://schemas.openxmlformats.org/presentationml/2006/main">
-  <p:cSld>
-    <p:spTree>
-      <p:nvGrpSpPr>
-        <p:cNvPr id="1" name=""/>
-        <p:cNvGrpSpPr/>
-        <p:nvPr/>
-      </p:nvGrpSpPr>
-      <p:grpSpPr>
-        <a:xfrm>
-          <a:off x="0" y="0"/>
-          <a:ext cx="0" cy="0"/>
-          <a:chOff x="0" y="0"/>
-          <a:chExt cx="0" cy="0"/>
-        </a:xfrm>
-      </p:grpSpPr>
-      <p:pic>
-        <p:nvPicPr>
-          <p:cNvPr id="5" name="Picture 4"/>
-          <p:cNvPicPr>
-            <a:picLocks noChangeAspect="1"/>
-          </p:cNvPicPr>
-          <p:nvPr/>
-        </p:nvPicPr>
-        <p:blipFill>
-          <a:blip r:embed="rId2"/>
-          <a:stretch>
-            <a:fillRect/>
-          </a:stretch>
-        </p:blipFill>
-        <p:spPr>
-          <a:xfrm>
-            <a:off x="914399" y="3500634"/>
-            <a:ext cx="4192287" cy="2810995"/>
+            <a:off x="0" y="940777"/>
+            <a:ext cx="5667375" cy="390525"/>
           </a:xfrm>
           <a:prstGeom prst="rect">
             <a:avLst/>
@@ -6210,28 +6021,112 @@
       </p:pic>
       <p:pic>
         <p:nvPicPr>
-          <p:cNvPr id="6" name="Picture 5"/>
+          <p:cNvPr id="3" name="Picture 2"/>
+          <p:cNvPicPr>
+            <a:picLocks noChangeAspect="1"/>
+          </p:cNvPicPr>
+          <p:nvPr/>
+        </p:nvPicPr>
+        <p:blipFill rotWithShape="1">
+          <a:blip r:embed="rId3"/>
+          <a:srcRect b="396"/>
+          <a:stretch/>
+        </p:blipFill>
+        <p:spPr>
+          <a:xfrm>
+            <a:off x="195993" y="1331302"/>
+            <a:ext cx="5275387" cy="3918031"/>
+          </a:xfrm>
+          <a:prstGeom prst="rect">
+            <a:avLst/>
+          </a:prstGeom>
+        </p:spPr>
+      </p:pic>
+      <p:pic>
+        <p:nvPicPr>
+          <p:cNvPr id="4" name="Picture 3"/>
+          <p:cNvPicPr>
+            <a:picLocks noChangeAspect="1"/>
+          </p:cNvPicPr>
+          <p:nvPr/>
+        </p:nvPicPr>
+        <p:blipFill rotWithShape="1">
+          <a:blip r:embed="rId4"/>
+          <a:srcRect l="327"/>
+          <a:stretch/>
+        </p:blipFill>
+        <p:spPr>
+          <a:xfrm>
+            <a:off x="6418388" y="1268158"/>
+            <a:ext cx="5349934" cy="3981175"/>
+          </a:xfrm>
+          <a:prstGeom prst="rect">
+            <a:avLst/>
+          </a:prstGeom>
+        </p:spPr>
+      </p:pic>
+      <p:pic>
+        <p:nvPicPr>
+          <p:cNvPr id="7" name="Picture 6"/>
           <p:cNvPicPr>
             <a:picLocks noChangeAspect="1"/>
           </p:cNvPicPr>
           <p:nvPr/>
         </p:nvPicPr>
         <p:blipFill>
-          <a:blip r:embed="rId3"/>
+          <a:blip r:embed="rId5"/>
           <a:stretch>
             <a:fillRect/>
           </a:stretch>
         </p:blipFill>
         <p:spPr>
           <a:xfrm>
-            <a:off x="1106424" y="128913"/>
-            <a:ext cx="3410712" cy="2871164"/>
+            <a:off x="5237288" y="1736282"/>
+            <a:ext cx="1181100" cy="2457450"/>
           </a:xfrm>
           <a:prstGeom prst="rect">
             <a:avLst/>
           </a:prstGeom>
         </p:spPr>
       </p:pic>
+      <p:sp>
+        <p:nvSpPr>
+          <p:cNvPr id="8" name="TextBox 7"/>
+          <p:cNvSpPr txBox="1"/>
+          <p:nvPr/>
+        </p:nvSpPr>
+        <p:spPr>
+          <a:xfrm>
+            <a:off x="117817" y="134914"/>
+            <a:ext cx="1060704" cy="369332"/>
+          </a:xfrm>
+          <a:prstGeom prst="rect">
+            <a:avLst/>
+          </a:prstGeom>
+          <a:noFill/>
+        </p:spPr>
+        <p:txBody>
+          <a:bodyPr wrap="square" rtlCol="0">
+            <a:spAutoFit/>
+          </a:bodyPr>
+          <a:lstStyle/>
+          <a:p>
+            <a:r>
+              <a:rPr lang="en-US" dirty="0" smtClean="0"/>
+              <a:t>Fig </a:t>
+            </a:r>
+            <a:r>
+              <a:rPr lang="en-US" dirty="0"/>
+              <a:t>4</a:t>
+            </a:r>
+            <a:r>
+              <a:rPr lang="en-US" dirty="0" smtClean="0"/>
+              <a:t>a-4d</a:t>
+            </a:r>
+            <a:endParaRPr lang="en-US" dirty="0"/>
+          </a:p>
+        </p:txBody>
+      </p:sp>
     </p:spTree>
     <p:extLst>
       <p:ext uri="{BB962C8B-B14F-4D97-AF65-F5344CB8AC3E}">
@@ -6245,7 +6140,7 @@
 </p:sld>
 </file>
 
-<file path=ppt/slides/slide8.xml><?xml version="1.0" encoding="utf-8"?>
+<file path=ppt/slides/slide6.xml><?xml version="1.0" encoding="utf-8"?>
 <p:sld xmlns:a="http://schemas.openxmlformats.org/drawingml/2006/main" xmlns:r="http://schemas.openxmlformats.org/officeDocument/2006/relationships" xmlns:p="http://schemas.openxmlformats.org/presentationml/2006/main">
   <p:cSld>
     <p:spTree>

--- a/output/plots/all_figs_with_legends.pptx
+++ b/output/plots/all_figs_with_legends.pptx
@@ -5553,60 +5553,6 @@
           </a:p>
         </p:txBody>
       </p:sp>
-      <p:pic>
-        <p:nvPicPr>
-          <p:cNvPr id="2" name="Picture 1"/>
-          <p:cNvPicPr>
-            <a:picLocks noChangeAspect="1"/>
-          </p:cNvPicPr>
-          <p:nvPr/>
-        </p:nvPicPr>
-        <p:blipFill>
-          <a:blip r:embed="rId2"/>
-          <a:stretch>
-            <a:fillRect/>
-          </a:stretch>
-        </p:blipFill>
-        <p:spPr>
-          <a:xfrm>
-            <a:off x="182764" y="1590112"/>
-            <a:ext cx="3639731" cy="2832702"/>
-          </a:xfrm>
-          <a:prstGeom prst="rect">
-            <a:avLst/>
-          </a:prstGeom>
-        </p:spPr>
-      </p:pic>
-      <p:sp>
-        <p:nvSpPr>
-          <p:cNvPr id="3" name="TextBox 2"/>
-          <p:cNvSpPr txBox="1"/>
-          <p:nvPr/>
-        </p:nvSpPr>
-        <p:spPr>
-          <a:xfrm>
-            <a:off x="1802775" y="1220780"/>
-            <a:ext cx="905608" cy="369332"/>
-          </a:xfrm>
-          <a:prstGeom prst="rect">
-            <a:avLst/>
-          </a:prstGeom>
-          <a:noFill/>
-        </p:spPr>
-        <p:txBody>
-          <a:bodyPr wrap="square" rtlCol="0">
-            <a:spAutoFit/>
-          </a:bodyPr>
-          <a:lstStyle/>
-          <a:p>
-            <a:r>
-              <a:rPr lang="en-US" dirty="0" smtClean="0"/>
-              <a:t>OLD</a:t>
-            </a:r>
-            <a:endParaRPr lang="en-US" dirty="0"/>
-          </a:p>
-        </p:txBody>
-      </p:sp>
       <p:sp>
         <p:nvSpPr>
           <p:cNvPr id="5" name="TextBox 4"/>
@@ -5631,11 +5577,7 @@
           <a:p>
             <a:r>
               <a:rPr lang="en-US" dirty="0" smtClean="0"/>
-              <a:t>Fig </a:t>
-            </a:r>
-            <a:r>
-              <a:rPr lang="en-US" dirty="0" smtClean="0"/>
-              <a:t>3a-3c</a:t>
+              <a:t>Fig 3a-3c</a:t>
             </a:r>
             <a:endParaRPr lang="en-US" dirty="0"/>
           </a:p>
@@ -5714,7 +5656,7 @@
           <p:nvPr/>
         </p:nvPicPr>
         <p:blipFill>
-          <a:blip r:embed="rId3"/>
+          <a:blip r:embed="rId2"/>
           <a:stretch>
             <a:fillRect/>
           </a:stretch>
@@ -5781,7 +5723,7 @@
             <p:nvPr/>
           </p:nvPicPr>
           <p:blipFill>
-            <a:blip r:embed="rId4"/>
+            <a:blip r:embed="rId3"/>
             <a:stretch>
               <a:fillRect/>
             </a:stretch>
@@ -5805,7 +5747,7 @@
             <p:nvPr/>
           </p:nvPicPr>
           <p:blipFill>
-            <a:blip r:embed="rId5" cstate="print">
+            <a:blip r:embed="rId4" cstate="print">
               <a:extLst>
                 <a:ext uri="{28A0092B-C50C-407E-A947-70E740481C1C}">
                   <a14:useLocalDpi xmlns:a14="http://schemas.microsoft.com/office/drawing/2010/main" val="0"/>
@@ -5835,7 +5777,7 @@
             <p:nvPr/>
           </p:nvPicPr>
           <p:blipFill>
-            <a:blip r:embed="rId6" cstate="print">
+            <a:blip r:embed="rId5" cstate="print">
               <a:extLst>
                 <a:ext uri="{28A0092B-C50C-407E-A947-70E740481C1C}">
                   <a14:useLocalDpi xmlns:a14="http://schemas.microsoft.com/office/drawing/2010/main" val="0"/>
@@ -5865,7 +5807,7 @@
             <p:nvPr/>
           </p:nvPicPr>
           <p:blipFill>
-            <a:blip r:embed="rId7" cstate="print">
+            <a:blip r:embed="rId6" cstate="print">
               <a:extLst>
                 <a:ext uri="{28A0092B-C50C-407E-A947-70E740481C1C}">
                   <a14:useLocalDpi xmlns:a14="http://schemas.microsoft.com/office/drawing/2010/main" val="0"/>
@@ -5895,7 +5837,7 @@
             <p:nvPr/>
           </p:nvPicPr>
           <p:blipFill>
-            <a:blip r:embed="rId8" cstate="print">
+            <a:blip r:embed="rId7" cstate="print">
               <a:extLst>
                 <a:ext uri="{28A0092B-C50C-407E-A947-70E740481C1C}">
                   <a14:useLocalDpi xmlns:a14="http://schemas.microsoft.com/office/drawing/2010/main" val="0"/>
@@ -5925,7 +5867,7 @@
             <p:nvPr/>
           </p:nvPicPr>
           <p:blipFill>
-            <a:blip r:embed="rId9"/>
+            <a:blip r:embed="rId8"/>
             <a:stretch>
               <a:fillRect/>
             </a:stretch>
@@ -5949,7 +5891,7 @@
             <p:nvPr/>
           </p:nvPicPr>
           <p:blipFill>
-            <a:blip r:embed="rId10"/>
+            <a:blip r:embed="rId9"/>
             <a:stretch>
               <a:fillRect/>
             </a:stretch>
@@ -5965,6 +5907,30 @@
           </p:spPr>
         </p:pic>
       </p:grpSp>
+      <p:pic>
+        <p:nvPicPr>
+          <p:cNvPr id="4" name="Picture 3"/>
+          <p:cNvPicPr>
+            <a:picLocks noChangeAspect="1"/>
+          </p:cNvPicPr>
+          <p:nvPr/>
+        </p:nvPicPr>
+        <p:blipFill>
+          <a:blip r:embed="rId10"/>
+          <a:stretch>
+            <a:fillRect/>
+          </a:stretch>
+        </p:blipFill>
+        <p:spPr>
+          <a:xfrm>
+            <a:off x="36670" y="1554417"/>
+            <a:ext cx="3769065" cy="2904091"/>
+          </a:xfrm>
+          <a:prstGeom prst="rect">
+            <a:avLst/>
+          </a:prstGeom>
+        </p:spPr>
+      </p:pic>
     </p:spTree>
     <p:extLst>
       <p:ext uri="{BB962C8B-B14F-4D97-AF65-F5344CB8AC3E}">

--- a/output/plots/all_figs_with_legends.pptx
+++ b/output/plots/all_figs_with_legends.pptx
@@ -5961,100 +5961,115 @@
           <a:chExt cx="0" cy="0"/>
         </a:xfrm>
       </p:grpSpPr>
-      <p:pic>
-        <p:nvPicPr>
-          <p:cNvPr id="2" name="Picture 1"/>
-          <p:cNvPicPr>
-            <a:picLocks noChangeAspect="1"/>
-          </p:cNvPicPr>
+      <p:grpSp>
+        <p:nvGrpSpPr>
+          <p:cNvPr id="5" name="Group 4"/>
+          <p:cNvGrpSpPr/>
           <p:nvPr/>
-        </p:nvPicPr>
-        <p:blipFill>
-          <a:blip r:embed="rId2"/>
-          <a:stretch>
-            <a:fillRect/>
-          </a:stretch>
-        </p:blipFill>
-        <p:spPr>
+        </p:nvGrpSpPr>
+        <p:grpSpPr>
           <a:xfrm>
             <a:off x="0" y="940777"/>
-            <a:ext cx="5667375" cy="390525"/>
+            <a:ext cx="11768322" cy="4308556"/>
+            <a:chOff x="0" y="940777"/>
+            <a:chExt cx="11768322" cy="4308556"/>
           </a:xfrm>
-          <a:prstGeom prst="rect">
-            <a:avLst/>
-          </a:prstGeom>
-        </p:spPr>
-      </p:pic>
-      <p:pic>
-        <p:nvPicPr>
-          <p:cNvPr id="3" name="Picture 2"/>
-          <p:cNvPicPr>
-            <a:picLocks noChangeAspect="1"/>
-          </p:cNvPicPr>
-          <p:nvPr/>
-        </p:nvPicPr>
-        <p:blipFill rotWithShape="1">
-          <a:blip r:embed="rId3"/>
-          <a:srcRect b="396"/>
-          <a:stretch/>
-        </p:blipFill>
-        <p:spPr>
-          <a:xfrm>
-            <a:off x="195993" y="1331302"/>
-            <a:ext cx="5275387" cy="3918031"/>
-          </a:xfrm>
-          <a:prstGeom prst="rect">
-            <a:avLst/>
-          </a:prstGeom>
-        </p:spPr>
-      </p:pic>
-      <p:pic>
-        <p:nvPicPr>
-          <p:cNvPr id="4" name="Picture 3"/>
-          <p:cNvPicPr>
-            <a:picLocks noChangeAspect="1"/>
-          </p:cNvPicPr>
-          <p:nvPr/>
-        </p:nvPicPr>
-        <p:blipFill rotWithShape="1">
-          <a:blip r:embed="rId4"/>
-          <a:srcRect l="327"/>
-          <a:stretch/>
-        </p:blipFill>
-        <p:spPr>
-          <a:xfrm>
-            <a:off x="6418388" y="1268158"/>
-            <a:ext cx="5349934" cy="3981175"/>
-          </a:xfrm>
-          <a:prstGeom prst="rect">
-            <a:avLst/>
-          </a:prstGeom>
-        </p:spPr>
-      </p:pic>
-      <p:pic>
-        <p:nvPicPr>
-          <p:cNvPr id="7" name="Picture 6"/>
-          <p:cNvPicPr>
-            <a:picLocks noChangeAspect="1"/>
-          </p:cNvPicPr>
-          <p:nvPr/>
-        </p:nvPicPr>
-        <p:blipFill>
-          <a:blip r:embed="rId5"/>
-          <a:stretch>
-            <a:fillRect/>
-          </a:stretch>
-        </p:blipFill>
-        <p:spPr>
-          <a:xfrm>
-            <a:off x="5237288" y="1736282"/>
-            <a:ext cx="1181100" cy="2457450"/>
-          </a:xfrm>
-          <a:prstGeom prst="rect">
-            <a:avLst/>
-          </a:prstGeom>
-        </p:spPr>
-      </p:pic>
+        </p:grpSpPr>
+        <p:pic>
+          <p:nvPicPr>
+            <p:cNvPr id="2" name="Picture 1"/>
+            <p:cNvPicPr>
+              <a:picLocks noChangeAspect="1"/>
+            </p:cNvPicPr>
+            <p:nvPr/>
+          </p:nvPicPr>
+          <p:blipFill>
+            <a:blip r:embed="rId2"/>
+            <a:stretch>
+              <a:fillRect/>
+            </a:stretch>
+          </p:blipFill>
+          <p:spPr>
+            <a:xfrm>
+              <a:off x="0" y="940777"/>
+              <a:ext cx="5667375" cy="390525"/>
+            </a:xfrm>
+            <a:prstGeom prst="rect">
+              <a:avLst/>
+            </a:prstGeom>
+          </p:spPr>
+        </p:pic>
+        <p:pic>
+          <p:nvPicPr>
+            <p:cNvPr id="3" name="Picture 2"/>
+            <p:cNvPicPr>
+              <a:picLocks noChangeAspect="1"/>
+            </p:cNvPicPr>
+            <p:nvPr/>
+          </p:nvPicPr>
+          <p:blipFill rotWithShape="1">
+            <a:blip r:embed="rId3"/>
+            <a:srcRect b="396"/>
+            <a:stretch/>
+          </p:blipFill>
+          <p:spPr>
+            <a:xfrm>
+              <a:off x="195993" y="1331302"/>
+              <a:ext cx="5275387" cy="3918031"/>
+            </a:xfrm>
+            <a:prstGeom prst="rect">
+              <a:avLst/>
+            </a:prstGeom>
+          </p:spPr>
+        </p:pic>
+        <p:pic>
+          <p:nvPicPr>
+            <p:cNvPr id="4" name="Picture 3"/>
+            <p:cNvPicPr>
+              <a:picLocks noChangeAspect="1"/>
+            </p:cNvPicPr>
+            <p:nvPr/>
+          </p:nvPicPr>
+          <p:blipFill rotWithShape="1">
+            <a:blip r:embed="rId4"/>
+            <a:srcRect l="327"/>
+            <a:stretch/>
+          </p:blipFill>
+          <p:spPr>
+            <a:xfrm>
+              <a:off x="6418388" y="1268158"/>
+              <a:ext cx="5349934" cy="3981175"/>
+            </a:xfrm>
+            <a:prstGeom prst="rect">
+              <a:avLst/>
+            </a:prstGeom>
+          </p:spPr>
+        </p:pic>
+        <p:pic>
+          <p:nvPicPr>
+            <p:cNvPr id="7" name="Picture 6"/>
+            <p:cNvPicPr>
+              <a:picLocks noChangeAspect="1"/>
+            </p:cNvPicPr>
+            <p:nvPr/>
+          </p:nvPicPr>
+          <p:blipFill>
+            <a:blip r:embed="rId5"/>
+            <a:stretch>
+              <a:fillRect/>
+            </a:stretch>
+          </p:blipFill>
+          <p:spPr>
+            <a:xfrm>
+              <a:off x="5237288" y="1736282"/>
+              <a:ext cx="1181100" cy="2457450"/>
+            </a:xfrm>
+            <a:prstGeom prst="rect">
+              <a:avLst/>
+            </a:prstGeom>
+          </p:spPr>
+        </p:pic>
+      </p:grpSp>
       <p:sp>
         <p:nvSpPr>
           <p:cNvPr id="8" name="TextBox 7"/>

--- a/output/plots/all_figs_with_legends.pptx
+++ b/output/plots/all_figs_with_legends.pptx
@@ -202,7 +202,7 @@
           <a:p>
             <a:fld id="{7FA21820-D199-4D82-91AF-C50B1D3B111A}" type="datetimeFigureOut">
               <a:rPr lang="en-US" smtClean="0"/>
-              <a:t>3/29/2017</a:t>
+              <a:t>4/3/2017</a:t>
             </a:fld>
             <a:endParaRPr lang="en-US"/>
           </a:p>
@@ -816,7 +816,7 @@
           <a:p>
             <a:fld id="{916B8C92-D5E3-4480-8685-D57BEE386DE2}" type="datetimeFigureOut">
               <a:rPr lang="en-US" smtClean="0"/>
-              <a:t>3/29/2017</a:t>
+              <a:t>4/3/2017</a:t>
             </a:fld>
             <a:endParaRPr lang="en-US"/>
           </a:p>
@@ -986,7 +986,7 @@
           <a:p>
             <a:fld id="{916B8C92-D5E3-4480-8685-D57BEE386DE2}" type="datetimeFigureOut">
               <a:rPr lang="en-US" smtClean="0"/>
-              <a:t>3/29/2017</a:t>
+              <a:t>4/3/2017</a:t>
             </a:fld>
             <a:endParaRPr lang="en-US"/>
           </a:p>
@@ -1166,7 +1166,7 @@
           <a:p>
             <a:fld id="{916B8C92-D5E3-4480-8685-D57BEE386DE2}" type="datetimeFigureOut">
               <a:rPr lang="en-US" smtClean="0"/>
-              <a:t>3/29/2017</a:t>
+              <a:t>4/3/2017</a:t>
             </a:fld>
             <a:endParaRPr lang="en-US"/>
           </a:p>
@@ -1336,7 +1336,7 @@
           <a:p>
             <a:fld id="{916B8C92-D5E3-4480-8685-D57BEE386DE2}" type="datetimeFigureOut">
               <a:rPr lang="en-US" smtClean="0"/>
-              <a:t>3/29/2017</a:t>
+              <a:t>4/3/2017</a:t>
             </a:fld>
             <a:endParaRPr lang="en-US"/>
           </a:p>
@@ -1582,7 +1582,7 @@
           <a:p>
             <a:fld id="{916B8C92-D5E3-4480-8685-D57BEE386DE2}" type="datetimeFigureOut">
               <a:rPr lang="en-US" smtClean="0"/>
-              <a:t>3/29/2017</a:t>
+              <a:t>4/3/2017</a:t>
             </a:fld>
             <a:endParaRPr lang="en-US"/>
           </a:p>
@@ -1814,7 +1814,7 @@
           <a:p>
             <a:fld id="{916B8C92-D5E3-4480-8685-D57BEE386DE2}" type="datetimeFigureOut">
               <a:rPr lang="en-US" smtClean="0"/>
-              <a:t>3/29/2017</a:t>
+              <a:t>4/3/2017</a:t>
             </a:fld>
             <a:endParaRPr lang="en-US"/>
           </a:p>
@@ -2181,7 +2181,7 @@
           <a:p>
             <a:fld id="{916B8C92-D5E3-4480-8685-D57BEE386DE2}" type="datetimeFigureOut">
               <a:rPr lang="en-US" smtClean="0"/>
-              <a:t>3/29/2017</a:t>
+              <a:t>4/3/2017</a:t>
             </a:fld>
             <a:endParaRPr lang="en-US"/>
           </a:p>
@@ -2299,7 +2299,7 @@
           <a:p>
             <a:fld id="{916B8C92-D5E3-4480-8685-D57BEE386DE2}" type="datetimeFigureOut">
               <a:rPr lang="en-US" smtClean="0"/>
-              <a:t>3/29/2017</a:t>
+              <a:t>4/3/2017</a:t>
             </a:fld>
             <a:endParaRPr lang="en-US"/>
           </a:p>
@@ -2394,7 +2394,7 @@
           <a:p>
             <a:fld id="{916B8C92-D5E3-4480-8685-D57BEE386DE2}" type="datetimeFigureOut">
               <a:rPr lang="en-US" smtClean="0"/>
-              <a:t>3/29/2017</a:t>
+              <a:t>4/3/2017</a:t>
             </a:fld>
             <a:endParaRPr lang="en-US"/>
           </a:p>
@@ -2671,7 +2671,7 @@
           <a:p>
             <a:fld id="{916B8C92-D5E3-4480-8685-D57BEE386DE2}" type="datetimeFigureOut">
               <a:rPr lang="en-US" smtClean="0"/>
-              <a:t>3/29/2017</a:t>
+              <a:t>4/3/2017</a:t>
             </a:fld>
             <a:endParaRPr lang="en-US"/>
           </a:p>
@@ -2924,7 +2924,7 @@
           <a:p>
             <a:fld id="{916B8C92-D5E3-4480-8685-D57BEE386DE2}" type="datetimeFigureOut">
               <a:rPr lang="en-US" smtClean="0"/>
-              <a:t>3/29/2017</a:t>
+              <a:t>4/3/2017</a:t>
             </a:fld>
             <a:endParaRPr lang="en-US"/>
           </a:p>
@@ -3137,7 +3137,7 @@
           <a:p>
             <a:fld id="{916B8C92-D5E3-4480-8685-D57BEE386DE2}" type="datetimeFigureOut">
               <a:rPr lang="en-US" smtClean="0"/>
-              <a:t>3/29/2017</a:t>
+              <a:t>4/3/2017</a:t>
             </a:fld>
             <a:endParaRPr lang="en-US"/>
           </a:p>
@@ -3570,14 +3570,14 @@
                 <a:gridCol w="487265">
                   <a:extLst>
                     <a:ext uri="{9D8B030D-6E8A-4147-A177-3AD203B41FA5}">
-                      <a16:colId xmlns:a16="http://schemas.microsoft.com/office/drawing/2014/main" val="1812283001"/>
+                      <a16:colId xmlns:a16="http://schemas.microsoft.com/office/drawing/2014/main" xmlns="" val="1812283001"/>
                     </a:ext>
                   </a:extLst>
                 </a:gridCol>
                 <a:gridCol w="1427585">
                   <a:extLst>
                     <a:ext uri="{9D8B030D-6E8A-4147-A177-3AD203B41FA5}">
-                      <a16:colId xmlns:a16="http://schemas.microsoft.com/office/drawing/2014/main" val="3574134326"/>
+                      <a16:colId xmlns:a16="http://schemas.microsoft.com/office/drawing/2014/main" xmlns="" val="3574134326"/>
                     </a:ext>
                   </a:extLst>
                 </a:gridCol>
@@ -3609,7 +3609,7 @@
                 </a:tc>
                 <a:extLst>
                   <a:ext uri="{0D108BD9-81ED-4DB2-BD59-A6C34878D82A}">
-                    <a16:rowId xmlns:a16="http://schemas.microsoft.com/office/drawing/2014/main" val="34741539"/>
+                    <a16:rowId xmlns:a16="http://schemas.microsoft.com/office/drawing/2014/main" xmlns="" val="34741539"/>
                   </a:ext>
                 </a:extLst>
               </a:tr>
@@ -3640,7 +3640,7 @@
                 </a:tc>
                 <a:extLst>
                   <a:ext uri="{0D108BD9-81ED-4DB2-BD59-A6C34878D82A}">
-                    <a16:rowId xmlns:a16="http://schemas.microsoft.com/office/drawing/2014/main" val="1816204491"/>
+                    <a16:rowId xmlns:a16="http://schemas.microsoft.com/office/drawing/2014/main" xmlns="" val="1816204491"/>
                   </a:ext>
                 </a:extLst>
               </a:tr>
@@ -3671,7 +3671,7 @@
                 </a:tc>
                 <a:extLst>
                   <a:ext uri="{0D108BD9-81ED-4DB2-BD59-A6C34878D82A}">
-                    <a16:rowId xmlns:a16="http://schemas.microsoft.com/office/drawing/2014/main" val="3053943592"/>
+                    <a16:rowId xmlns:a16="http://schemas.microsoft.com/office/drawing/2014/main" xmlns="" val="3053943592"/>
                   </a:ext>
                 </a:extLst>
               </a:tr>
@@ -3702,7 +3702,7 @@
                 </a:tc>
                 <a:extLst>
                   <a:ext uri="{0D108BD9-81ED-4DB2-BD59-A6C34878D82A}">
-                    <a16:rowId xmlns:a16="http://schemas.microsoft.com/office/drawing/2014/main" val="1425409090"/>
+                    <a16:rowId xmlns:a16="http://schemas.microsoft.com/office/drawing/2014/main" xmlns="" val="1425409090"/>
                   </a:ext>
                 </a:extLst>
               </a:tr>
@@ -3733,7 +3733,7 @@
                 </a:tc>
                 <a:extLst>
                   <a:ext uri="{0D108BD9-81ED-4DB2-BD59-A6C34878D82A}">
-                    <a16:rowId xmlns:a16="http://schemas.microsoft.com/office/drawing/2014/main" val="3097088923"/>
+                    <a16:rowId xmlns:a16="http://schemas.microsoft.com/office/drawing/2014/main" xmlns="" val="3097088923"/>
                   </a:ext>
                 </a:extLst>
               </a:tr>
@@ -3764,7 +3764,7 @@
                 </a:tc>
                 <a:extLst>
                   <a:ext uri="{0D108BD9-81ED-4DB2-BD59-A6C34878D82A}">
-                    <a16:rowId xmlns:a16="http://schemas.microsoft.com/office/drawing/2014/main" val="1149511687"/>
+                    <a16:rowId xmlns:a16="http://schemas.microsoft.com/office/drawing/2014/main" xmlns="" val="1149511687"/>
                   </a:ext>
                 </a:extLst>
               </a:tr>
@@ -3795,7 +3795,7 @@
                 </a:tc>
                 <a:extLst>
                   <a:ext uri="{0D108BD9-81ED-4DB2-BD59-A6C34878D82A}">
-                    <a16:rowId xmlns:a16="http://schemas.microsoft.com/office/drawing/2014/main" val="785655806"/>
+                    <a16:rowId xmlns:a16="http://schemas.microsoft.com/office/drawing/2014/main" xmlns="" val="785655806"/>
                   </a:ext>
                 </a:extLst>
               </a:tr>
@@ -5961,115 +5961,75 @@
           <a:chExt cx="0" cy="0"/>
         </a:xfrm>
       </p:grpSpPr>
-      <p:grpSp>
-        <p:nvGrpSpPr>
-          <p:cNvPr id="5" name="Group 4"/>
-          <p:cNvGrpSpPr/>
+      <p:pic>
+        <p:nvPicPr>
+          <p:cNvPr id="3" name="Picture 2"/>
+          <p:cNvPicPr>
+            <a:picLocks noChangeAspect="1"/>
+          </p:cNvPicPr>
           <p:nvPr/>
-        </p:nvGrpSpPr>
-        <p:grpSpPr>
+        </p:nvPicPr>
+        <p:blipFill rotWithShape="1">
+          <a:blip r:embed="rId2"/>
+          <a:srcRect b="396"/>
+          <a:stretch/>
+        </p:blipFill>
+        <p:spPr>
           <a:xfrm>
-            <a:off x="0" y="940777"/>
-            <a:ext cx="11768322" cy="4308556"/>
-            <a:chOff x="0" y="940777"/>
-            <a:chExt cx="11768322" cy="4308556"/>
+            <a:off x="650165" y="950329"/>
+            <a:ext cx="5696690" cy="2391938"/>
           </a:xfrm>
-        </p:grpSpPr>
-        <p:pic>
-          <p:nvPicPr>
-            <p:cNvPr id="2" name="Picture 1"/>
-            <p:cNvPicPr>
-              <a:picLocks noChangeAspect="1"/>
-            </p:cNvPicPr>
-            <p:nvPr/>
-          </p:nvPicPr>
-          <p:blipFill>
-            <a:blip r:embed="rId2"/>
-            <a:stretch>
-              <a:fillRect/>
-            </a:stretch>
-          </p:blipFill>
-          <p:spPr>
-            <a:xfrm>
-              <a:off x="0" y="940777"/>
-              <a:ext cx="5667375" cy="390525"/>
-            </a:xfrm>
-            <a:prstGeom prst="rect">
-              <a:avLst/>
-            </a:prstGeom>
-          </p:spPr>
-        </p:pic>
-        <p:pic>
-          <p:nvPicPr>
-            <p:cNvPr id="3" name="Picture 2"/>
-            <p:cNvPicPr>
-              <a:picLocks noChangeAspect="1"/>
-            </p:cNvPicPr>
-            <p:nvPr/>
-          </p:nvPicPr>
-          <p:blipFill rotWithShape="1">
-            <a:blip r:embed="rId3"/>
-            <a:srcRect b="396"/>
-            <a:stretch/>
-          </p:blipFill>
-          <p:spPr>
-            <a:xfrm>
-              <a:off x="195993" y="1331302"/>
-              <a:ext cx="5275387" cy="3918031"/>
-            </a:xfrm>
-            <a:prstGeom prst="rect">
-              <a:avLst/>
-            </a:prstGeom>
-          </p:spPr>
-        </p:pic>
-        <p:pic>
-          <p:nvPicPr>
-            <p:cNvPr id="4" name="Picture 3"/>
-            <p:cNvPicPr>
-              <a:picLocks noChangeAspect="1"/>
-            </p:cNvPicPr>
-            <p:nvPr/>
-          </p:nvPicPr>
-          <p:blipFill rotWithShape="1">
-            <a:blip r:embed="rId4"/>
-            <a:srcRect l="327"/>
-            <a:stretch/>
-          </p:blipFill>
-          <p:spPr>
-            <a:xfrm>
-              <a:off x="6418388" y="1268158"/>
-              <a:ext cx="5349934" cy="3981175"/>
-            </a:xfrm>
-            <a:prstGeom prst="rect">
-              <a:avLst/>
-            </a:prstGeom>
-          </p:spPr>
-        </p:pic>
-        <p:pic>
-          <p:nvPicPr>
-            <p:cNvPr id="7" name="Picture 6"/>
-            <p:cNvPicPr>
-              <a:picLocks noChangeAspect="1"/>
-            </p:cNvPicPr>
-            <p:nvPr/>
-          </p:nvPicPr>
-          <p:blipFill>
-            <a:blip r:embed="rId5"/>
-            <a:stretch>
-              <a:fillRect/>
-            </a:stretch>
-          </p:blipFill>
-          <p:spPr>
-            <a:xfrm>
-              <a:off x="5237288" y="1736282"/>
-              <a:ext cx="1181100" cy="2457450"/>
-            </a:xfrm>
-            <a:prstGeom prst="rect">
-              <a:avLst/>
-            </a:prstGeom>
-          </p:spPr>
-        </p:pic>
-      </p:grpSp>
+          <a:prstGeom prst="rect">
+            <a:avLst/>
+          </a:prstGeom>
+        </p:spPr>
+      </p:pic>
+      <p:pic>
+        <p:nvPicPr>
+          <p:cNvPr id="4" name="Picture 3"/>
+          <p:cNvPicPr>
+            <a:picLocks noChangeAspect="1"/>
+          </p:cNvPicPr>
+          <p:nvPr/>
+        </p:nvPicPr>
+        <p:blipFill rotWithShape="1">
+          <a:blip r:embed="rId3"/>
+          <a:srcRect l="327"/>
+          <a:stretch/>
+        </p:blipFill>
+        <p:spPr>
+          <a:xfrm>
+            <a:off x="338562" y="3747248"/>
+            <a:ext cx="5603620" cy="2716306"/>
+          </a:xfrm>
+          <a:prstGeom prst="rect">
+            <a:avLst/>
+          </a:prstGeom>
+        </p:spPr>
+      </p:pic>
+      <p:pic>
+        <p:nvPicPr>
+          <p:cNvPr id="7" name="Picture 6"/>
+          <p:cNvPicPr>
+            <a:picLocks noChangeAspect="1"/>
+          </p:cNvPicPr>
+          <p:nvPr/>
+        </p:nvPicPr>
+        <p:blipFill rotWithShape="1">
+          <a:blip r:embed="rId4"/>
+          <a:srcRect b="61580"/>
+          <a:stretch/>
+        </p:blipFill>
+        <p:spPr>
+          <a:xfrm>
+            <a:off x="4761082" y="5241482"/>
+            <a:ext cx="1181100" cy="944165"/>
+          </a:xfrm>
+          <a:prstGeom prst="rect">
+            <a:avLst/>
+          </a:prstGeom>
+        </p:spPr>
+      </p:pic>
       <p:sp>
         <p:nvSpPr>
           <p:cNvPr id="8" name="TextBox 7"/>
@@ -6108,6 +6068,53 @@
           </a:p>
         </p:txBody>
       </p:sp>
+      <p:pic>
+        <p:nvPicPr>
+          <p:cNvPr id="9" name="Picture 8"/>
+          <p:cNvPicPr>
+            <a:picLocks noChangeAspect="1"/>
+          </p:cNvPicPr>
+          <p:nvPr/>
+        </p:nvPicPr>
+        <p:blipFill rotWithShape="1">
+          <a:blip r:embed="rId4"/>
+          <a:srcRect t="40244"/>
+          <a:stretch/>
+        </p:blipFill>
+        <p:spPr>
+          <a:xfrm>
+            <a:off x="754935" y="3836893"/>
+            <a:ext cx="1181100" cy="1468461"/>
+          </a:xfrm>
+          <a:prstGeom prst="rect">
+            <a:avLst/>
+          </a:prstGeom>
+        </p:spPr>
+      </p:pic>
+      <p:pic>
+        <p:nvPicPr>
+          <p:cNvPr id="2" name="Picture 1"/>
+          <p:cNvPicPr>
+            <a:picLocks noChangeAspect="1"/>
+          </p:cNvPicPr>
+          <p:nvPr/>
+        </p:nvPicPr>
+        <p:blipFill>
+          <a:blip r:embed="rId5"/>
+          <a:stretch>
+            <a:fillRect/>
+          </a:stretch>
+        </p:blipFill>
+        <p:spPr>
+          <a:xfrm>
+            <a:off x="4955644" y="950329"/>
+            <a:ext cx="5667375" cy="390525"/>
+          </a:xfrm>
+          <a:prstGeom prst="rect">
+            <a:avLst/>
+          </a:prstGeom>
+        </p:spPr>
+      </p:pic>
     </p:spTree>
     <p:extLst>
       <p:ext uri="{BB962C8B-B14F-4D97-AF65-F5344CB8AC3E}">

--- a/output/plots/all_figs_with_legends.pptx
+++ b/output/plots/all_figs_with_legends.pptx
@@ -202,7 +202,7 @@
           <a:p>
             <a:fld id="{7FA21820-D199-4D82-91AF-C50B1D3B111A}" type="datetimeFigureOut">
               <a:rPr lang="en-US" smtClean="0"/>
-              <a:t>4/3/2017</a:t>
+              <a:t>4/6/2017</a:t>
             </a:fld>
             <a:endParaRPr lang="en-US"/>
           </a:p>
@@ -645,6 +645,41 @@
               <a:rPr lang="en-US" baseline="0" dirty="0" err="1" smtClean="0"/>
               <a:t>Belov</a:t>
             </a:r>
+            <a:endParaRPr lang="en-US" baseline="0" dirty="0" smtClean="0"/>
+          </a:p>
+          <a:p>
+            <a:r>
+              <a:rPr lang="en-US" baseline="0" dirty="0" smtClean="0"/>
+              <a:t>Mountains by </a:t>
+            </a:r>
+            <a:r>
+              <a:rPr lang="en-US" baseline="0" dirty="0" err="1" smtClean="0"/>
+              <a:t>alice</a:t>
+            </a:r>
+            <a:r>
+              <a:rPr lang="en-US" baseline="0" dirty="0" smtClean="0"/>
+              <a:t> noir, ocean by </a:t>
+            </a:r>
+            <a:r>
+              <a:rPr lang="en-US" baseline="0" dirty="0" err="1" smtClean="0"/>
+              <a:t>alex</a:t>
+            </a:r>
+            <a:r>
+              <a:rPr lang="en-US" baseline="0" dirty="0" smtClean="0"/>
+              <a:t> </a:t>
+            </a:r>
+            <a:r>
+              <a:rPr lang="en-US" baseline="0" dirty="0" err="1" smtClean="0"/>
+              <a:t>muravev</a:t>
+            </a:r>
+            <a:r>
+              <a:rPr lang="en-US" baseline="0" dirty="0" smtClean="0"/>
+              <a:t>, lake by Pieter </a:t>
+            </a:r>
+            <a:r>
+              <a:rPr lang="en-US" baseline="0" dirty="0" err="1" smtClean="0"/>
+              <a:t>smits</a:t>
+            </a:r>
             <a:endParaRPr lang="en-US" dirty="0"/>
           </a:p>
         </p:txBody>
@@ -816,7 +851,7 @@
           <a:p>
             <a:fld id="{916B8C92-D5E3-4480-8685-D57BEE386DE2}" type="datetimeFigureOut">
               <a:rPr lang="en-US" smtClean="0"/>
-              <a:t>4/3/2017</a:t>
+              <a:t>4/6/2017</a:t>
             </a:fld>
             <a:endParaRPr lang="en-US"/>
           </a:p>
@@ -986,7 +1021,7 @@
           <a:p>
             <a:fld id="{916B8C92-D5E3-4480-8685-D57BEE386DE2}" type="datetimeFigureOut">
               <a:rPr lang="en-US" smtClean="0"/>
-              <a:t>4/3/2017</a:t>
+              <a:t>4/6/2017</a:t>
             </a:fld>
             <a:endParaRPr lang="en-US"/>
           </a:p>
@@ -1166,7 +1201,7 @@
           <a:p>
             <a:fld id="{916B8C92-D5E3-4480-8685-D57BEE386DE2}" type="datetimeFigureOut">
               <a:rPr lang="en-US" smtClean="0"/>
-              <a:t>4/3/2017</a:t>
+              <a:t>4/6/2017</a:t>
             </a:fld>
             <a:endParaRPr lang="en-US"/>
           </a:p>
@@ -1336,7 +1371,7 @@
           <a:p>
             <a:fld id="{916B8C92-D5E3-4480-8685-D57BEE386DE2}" type="datetimeFigureOut">
               <a:rPr lang="en-US" smtClean="0"/>
-              <a:t>4/3/2017</a:t>
+              <a:t>4/6/2017</a:t>
             </a:fld>
             <a:endParaRPr lang="en-US"/>
           </a:p>
@@ -1582,7 +1617,7 @@
           <a:p>
             <a:fld id="{916B8C92-D5E3-4480-8685-D57BEE386DE2}" type="datetimeFigureOut">
               <a:rPr lang="en-US" smtClean="0"/>
-              <a:t>4/3/2017</a:t>
+              <a:t>4/6/2017</a:t>
             </a:fld>
             <a:endParaRPr lang="en-US"/>
           </a:p>
@@ -1814,7 +1849,7 @@
           <a:p>
             <a:fld id="{916B8C92-D5E3-4480-8685-D57BEE386DE2}" type="datetimeFigureOut">
               <a:rPr lang="en-US" smtClean="0"/>
-              <a:t>4/3/2017</a:t>
+              <a:t>4/6/2017</a:t>
             </a:fld>
             <a:endParaRPr lang="en-US"/>
           </a:p>
@@ -2181,7 +2216,7 @@
           <a:p>
             <a:fld id="{916B8C92-D5E3-4480-8685-D57BEE386DE2}" type="datetimeFigureOut">
               <a:rPr lang="en-US" smtClean="0"/>
-              <a:t>4/3/2017</a:t>
+              <a:t>4/6/2017</a:t>
             </a:fld>
             <a:endParaRPr lang="en-US"/>
           </a:p>
@@ -2299,7 +2334,7 @@
           <a:p>
             <a:fld id="{916B8C92-D5E3-4480-8685-D57BEE386DE2}" type="datetimeFigureOut">
               <a:rPr lang="en-US" smtClean="0"/>
-              <a:t>4/3/2017</a:t>
+              <a:t>4/6/2017</a:t>
             </a:fld>
             <a:endParaRPr lang="en-US"/>
           </a:p>
@@ -2394,7 +2429,7 @@
           <a:p>
             <a:fld id="{916B8C92-D5E3-4480-8685-D57BEE386DE2}" type="datetimeFigureOut">
               <a:rPr lang="en-US" smtClean="0"/>
-              <a:t>4/3/2017</a:t>
+              <a:t>4/6/2017</a:t>
             </a:fld>
             <a:endParaRPr lang="en-US"/>
           </a:p>
@@ -2671,7 +2706,7 @@
           <a:p>
             <a:fld id="{916B8C92-D5E3-4480-8685-D57BEE386DE2}" type="datetimeFigureOut">
               <a:rPr lang="en-US" smtClean="0"/>
-              <a:t>4/3/2017</a:t>
+              <a:t>4/6/2017</a:t>
             </a:fld>
             <a:endParaRPr lang="en-US"/>
           </a:p>
@@ -2924,7 +2959,7 @@
           <a:p>
             <a:fld id="{916B8C92-D5E3-4480-8685-D57BEE386DE2}" type="datetimeFigureOut">
               <a:rPr lang="en-US" smtClean="0"/>
-              <a:t>4/3/2017</a:t>
+              <a:t>4/6/2017</a:t>
             </a:fld>
             <a:endParaRPr lang="en-US"/>
           </a:p>
@@ -3137,7 +3172,7 @@
           <a:p>
             <a:fld id="{916B8C92-D5E3-4480-8685-D57BEE386DE2}" type="datetimeFigureOut">
               <a:rPr lang="en-US" smtClean="0"/>
-              <a:t>4/3/2017</a:t>
+              <a:t>4/6/2017</a:t>
             </a:fld>
             <a:endParaRPr lang="en-US"/>
           </a:p>
@@ -3570,14 +3605,14 @@
                 <a:gridCol w="487265">
                   <a:extLst>
                     <a:ext uri="{9D8B030D-6E8A-4147-A177-3AD203B41FA5}">
-                      <a16:colId xmlns:a16="http://schemas.microsoft.com/office/drawing/2014/main" xmlns="" val="1812283001"/>
+                      <a16:colId xmlns:a16="http://schemas.microsoft.com/office/drawing/2014/main" val="1812283001"/>
                     </a:ext>
                   </a:extLst>
                 </a:gridCol>
                 <a:gridCol w="1427585">
                   <a:extLst>
                     <a:ext uri="{9D8B030D-6E8A-4147-A177-3AD203B41FA5}">
-                      <a16:colId xmlns:a16="http://schemas.microsoft.com/office/drawing/2014/main" xmlns="" val="3574134326"/>
+                      <a16:colId xmlns:a16="http://schemas.microsoft.com/office/drawing/2014/main" val="3574134326"/>
                     </a:ext>
                   </a:extLst>
                 </a:gridCol>
@@ -3609,7 +3644,7 @@
                 </a:tc>
                 <a:extLst>
                   <a:ext uri="{0D108BD9-81ED-4DB2-BD59-A6C34878D82A}">
-                    <a16:rowId xmlns:a16="http://schemas.microsoft.com/office/drawing/2014/main" xmlns="" val="34741539"/>
+                    <a16:rowId xmlns:a16="http://schemas.microsoft.com/office/drawing/2014/main" val="34741539"/>
                   </a:ext>
                 </a:extLst>
               </a:tr>
@@ -3640,7 +3675,7 @@
                 </a:tc>
                 <a:extLst>
                   <a:ext uri="{0D108BD9-81ED-4DB2-BD59-A6C34878D82A}">
-                    <a16:rowId xmlns:a16="http://schemas.microsoft.com/office/drawing/2014/main" xmlns="" val="1816204491"/>
+                    <a16:rowId xmlns:a16="http://schemas.microsoft.com/office/drawing/2014/main" val="1816204491"/>
                   </a:ext>
                 </a:extLst>
               </a:tr>
@@ -3671,7 +3706,7 @@
                 </a:tc>
                 <a:extLst>
                   <a:ext uri="{0D108BD9-81ED-4DB2-BD59-A6C34878D82A}">
-                    <a16:rowId xmlns:a16="http://schemas.microsoft.com/office/drawing/2014/main" xmlns="" val="3053943592"/>
+                    <a16:rowId xmlns:a16="http://schemas.microsoft.com/office/drawing/2014/main" val="3053943592"/>
                   </a:ext>
                 </a:extLst>
               </a:tr>
@@ -3702,7 +3737,7 @@
                 </a:tc>
                 <a:extLst>
                   <a:ext uri="{0D108BD9-81ED-4DB2-BD59-A6C34878D82A}">
-                    <a16:rowId xmlns:a16="http://schemas.microsoft.com/office/drawing/2014/main" xmlns="" val="1425409090"/>
+                    <a16:rowId xmlns:a16="http://schemas.microsoft.com/office/drawing/2014/main" val="1425409090"/>
                   </a:ext>
                 </a:extLst>
               </a:tr>
@@ -3733,7 +3768,7 @@
                 </a:tc>
                 <a:extLst>
                   <a:ext uri="{0D108BD9-81ED-4DB2-BD59-A6C34878D82A}">
-                    <a16:rowId xmlns:a16="http://schemas.microsoft.com/office/drawing/2014/main" xmlns="" val="3097088923"/>
+                    <a16:rowId xmlns:a16="http://schemas.microsoft.com/office/drawing/2014/main" val="3097088923"/>
                   </a:ext>
                 </a:extLst>
               </a:tr>
@@ -3764,7 +3799,7 @@
                 </a:tc>
                 <a:extLst>
                   <a:ext uri="{0D108BD9-81ED-4DB2-BD59-A6C34878D82A}">
-                    <a16:rowId xmlns:a16="http://schemas.microsoft.com/office/drawing/2014/main" xmlns="" val="1149511687"/>
+                    <a16:rowId xmlns:a16="http://schemas.microsoft.com/office/drawing/2014/main" val="1149511687"/>
                   </a:ext>
                 </a:extLst>
               </a:tr>
@@ -3795,7 +3830,7 @@
                 </a:tc>
                 <a:extLst>
                   <a:ext uri="{0D108BD9-81ED-4DB2-BD59-A6C34878D82A}">
-                    <a16:rowId xmlns:a16="http://schemas.microsoft.com/office/drawing/2014/main" xmlns="" val="785655806"/>
+                    <a16:rowId xmlns:a16="http://schemas.microsoft.com/office/drawing/2014/main" val="785655806"/>
                   </a:ext>
                 </a:extLst>
               </a:tr>
@@ -4017,6 +4052,454 @@
           <a:xfrm>
             <a:off x="2060381" y="1551359"/>
             <a:ext cx="413796" cy="244918"/>
+          </a:xfrm>
+          <a:prstGeom prst="rect">
+            <a:avLst/>
+          </a:prstGeom>
+        </p:spPr>
+      </p:pic>
+      <p:graphicFrame>
+        <p:nvGraphicFramePr>
+          <p:cNvPr id="6" name="Table 5"/>
+          <p:cNvGraphicFramePr>
+            <a:graphicFrameLocks noGrp="1"/>
+          </p:cNvGraphicFramePr>
+          <p:nvPr>
+            <p:extLst>
+              <p:ext uri="{D42A27DB-BD31-4B8C-83A1-F6EECF244321}">
+                <p14:modId xmlns:p14="http://schemas.microsoft.com/office/powerpoint/2010/main" val="903193953"/>
+              </p:ext>
+            </p:extLst>
+          </p:nvPr>
+        </p:nvGraphicFramePr>
+        <p:xfrm>
+          <a:off x="5794129" y="719666"/>
+          <a:ext cx="1547448" cy="1274526"/>
+        </p:xfrm>
+        <a:graphic>
+          <a:graphicData uri="http://schemas.openxmlformats.org/drawingml/2006/table">
+            <a:tbl>
+              <a:tblPr firstRow="1" bandRow="1">
+                <a:tableStyleId>{0505E3EF-67EA-436B-97B2-0124C06EBD24}</a:tableStyleId>
+              </a:tblPr>
+              <a:tblGrid>
+                <a:gridCol w="730739">
+                  <a:extLst>
+                    <a:ext uri="{9D8B030D-6E8A-4147-A177-3AD203B41FA5}">
+                      <a16:colId xmlns:a16="http://schemas.microsoft.com/office/drawing/2014/main" val="1963467705"/>
+                    </a:ext>
+                  </a:extLst>
+                </a:gridCol>
+                <a:gridCol w="816709">
+                  <a:extLst>
+                    <a:ext uri="{9D8B030D-6E8A-4147-A177-3AD203B41FA5}">
+                      <a16:colId xmlns:a16="http://schemas.microsoft.com/office/drawing/2014/main" val="464586843"/>
+                    </a:ext>
+                  </a:extLst>
+                </a:gridCol>
+              </a:tblGrid>
+              <a:tr h="424842">
+                <a:tc>
+                  <a:txBody>
+                    <a:bodyPr/>
+                    <a:lstStyle/>
+                    <a:p>
+                      <a:endParaRPr lang="en-US" dirty="0"/>
+                    </a:p>
+                  </a:txBody>
+                  <a:tcPr>
+                    <a:lnL w="12700" cap="flat" cmpd="sng" algn="ctr">
+                      <a:solidFill>
+                        <a:schemeClr val="tx1"/>
+                      </a:solidFill>
+                      <a:prstDash val="solid"/>
+                      <a:round/>
+                      <a:headEnd type="none" w="med" len="med"/>
+                      <a:tailEnd type="none" w="med" len="med"/>
+                    </a:lnL>
+                    <a:lnR w="12700" cap="flat" cmpd="sng" algn="ctr">
+                      <a:solidFill>
+                        <a:schemeClr val="tx1"/>
+                      </a:solidFill>
+                      <a:prstDash val="solid"/>
+                      <a:round/>
+                      <a:headEnd type="none" w="med" len="med"/>
+                      <a:tailEnd type="none" w="med" len="med"/>
+                    </a:lnR>
+                    <a:lnT w="12700" cap="flat" cmpd="sng" algn="ctr">
+                      <a:solidFill>
+                        <a:schemeClr val="tx1"/>
+                      </a:solidFill>
+                      <a:prstDash val="solid"/>
+                      <a:round/>
+                      <a:headEnd type="none" w="med" len="med"/>
+                      <a:tailEnd type="none" w="med" len="med"/>
+                    </a:lnT>
+                    <a:lnB w="12700" cap="flat" cmpd="sng" algn="ctr">
+                      <a:solidFill>
+                        <a:schemeClr val="tx1"/>
+                      </a:solidFill>
+                      <a:prstDash val="solid"/>
+                      <a:round/>
+                      <a:headEnd type="none" w="med" len="med"/>
+                      <a:tailEnd type="none" w="med" len="med"/>
+                    </a:lnB>
+                    <a:noFill/>
+                  </a:tcPr>
+                </a:tc>
+                <a:tc>
+                  <a:txBody>
+                    <a:bodyPr/>
+                    <a:lstStyle/>
+                    <a:p>
+                      <a:endParaRPr lang="en-US" dirty="0"/>
+                    </a:p>
+                  </a:txBody>
+                  <a:tcPr>
+                    <a:lnL w="12700" cap="flat" cmpd="sng" algn="ctr">
+                      <a:solidFill>
+                        <a:schemeClr val="tx1"/>
+                      </a:solidFill>
+                      <a:prstDash val="solid"/>
+                      <a:round/>
+                      <a:headEnd type="none" w="med" len="med"/>
+                      <a:tailEnd type="none" w="med" len="med"/>
+                    </a:lnL>
+                    <a:lnR w="12700" cap="flat" cmpd="sng" algn="ctr">
+                      <a:solidFill>
+                        <a:schemeClr val="tx1"/>
+                      </a:solidFill>
+                      <a:prstDash val="solid"/>
+                      <a:round/>
+                      <a:headEnd type="none" w="med" len="med"/>
+                      <a:tailEnd type="none" w="med" len="med"/>
+                    </a:lnR>
+                    <a:lnT w="12700" cap="flat" cmpd="sng" algn="ctr">
+                      <a:solidFill>
+                        <a:schemeClr val="tx1"/>
+                      </a:solidFill>
+                      <a:prstDash val="solid"/>
+                      <a:round/>
+                      <a:headEnd type="none" w="med" len="med"/>
+                      <a:tailEnd type="none" w="med" len="med"/>
+                    </a:lnT>
+                    <a:lnB w="12700" cap="flat" cmpd="sng" algn="ctr">
+                      <a:solidFill>
+                        <a:schemeClr val="tx1"/>
+                      </a:solidFill>
+                      <a:prstDash val="solid"/>
+                      <a:round/>
+                      <a:headEnd type="none" w="med" len="med"/>
+                      <a:tailEnd type="none" w="med" len="med"/>
+                    </a:lnB>
+                    <a:noFill/>
+                  </a:tcPr>
+                </a:tc>
+                <a:extLst>
+                  <a:ext uri="{0D108BD9-81ED-4DB2-BD59-A6C34878D82A}">
+                    <a16:rowId xmlns:a16="http://schemas.microsoft.com/office/drawing/2014/main" val="1216226580"/>
+                  </a:ext>
+                </a:extLst>
+              </a:tr>
+              <a:tr h="424842">
+                <a:tc>
+                  <a:txBody>
+                    <a:bodyPr/>
+                    <a:lstStyle/>
+                    <a:p>
+                      <a:endParaRPr lang="en-US"/>
+                    </a:p>
+                  </a:txBody>
+                  <a:tcPr>
+                    <a:lnL w="12700" cap="flat" cmpd="sng" algn="ctr">
+                      <a:solidFill>
+                        <a:schemeClr val="tx1"/>
+                      </a:solidFill>
+                      <a:prstDash val="solid"/>
+                      <a:round/>
+                      <a:headEnd type="none" w="med" len="med"/>
+                      <a:tailEnd type="none" w="med" len="med"/>
+                    </a:lnL>
+                    <a:lnR w="12700" cap="flat" cmpd="sng" algn="ctr">
+                      <a:solidFill>
+                        <a:schemeClr val="tx1"/>
+                      </a:solidFill>
+                      <a:prstDash val="solid"/>
+                      <a:round/>
+                      <a:headEnd type="none" w="med" len="med"/>
+                      <a:tailEnd type="none" w="med" len="med"/>
+                    </a:lnR>
+                    <a:lnT w="12700" cap="flat" cmpd="sng" algn="ctr">
+                      <a:solidFill>
+                        <a:schemeClr val="tx1"/>
+                      </a:solidFill>
+                      <a:prstDash val="solid"/>
+                      <a:round/>
+                      <a:headEnd type="none" w="med" len="med"/>
+                      <a:tailEnd type="none" w="med" len="med"/>
+                    </a:lnT>
+                    <a:lnB w="12700" cap="flat" cmpd="sng" algn="ctr">
+                      <a:solidFill>
+                        <a:schemeClr val="tx1"/>
+                      </a:solidFill>
+                      <a:prstDash val="solid"/>
+                      <a:round/>
+                      <a:headEnd type="none" w="med" len="med"/>
+                      <a:tailEnd type="none" w="med" len="med"/>
+                    </a:lnB>
+                    <a:noFill/>
+                  </a:tcPr>
+                </a:tc>
+                <a:tc>
+                  <a:txBody>
+                    <a:bodyPr/>
+                    <a:lstStyle/>
+                    <a:p>
+                      <a:endParaRPr lang="en-US" dirty="0"/>
+                    </a:p>
+                  </a:txBody>
+                  <a:tcPr>
+                    <a:lnL w="12700" cap="flat" cmpd="sng" algn="ctr">
+                      <a:solidFill>
+                        <a:schemeClr val="tx1"/>
+                      </a:solidFill>
+                      <a:prstDash val="solid"/>
+                      <a:round/>
+                      <a:headEnd type="none" w="med" len="med"/>
+                      <a:tailEnd type="none" w="med" len="med"/>
+                    </a:lnL>
+                    <a:lnR w="12700" cap="flat" cmpd="sng" algn="ctr">
+                      <a:solidFill>
+                        <a:schemeClr val="tx1"/>
+                      </a:solidFill>
+                      <a:prstDash val="solid"/>
+                      <a:round/>
+                      <a:headEnd type="none" w="med" len="med"/>
+                      <a:tailEnd type="none" w="med" len="med"/>
+                    </a:lnR>
+                    <a:lnT w="12700" cap="flat" cmpd="sng" algn="ctr">
+                      <a:solidFill>
+                        <a:schemeClr val="tx1"/>
+                      </a:solidFill>
+                      <a:prstDash val="solid"/>
+                      <a:round/>
+                      <a:headEnd type="none" w="med" len="med"/>
+                      <a:tailEnd type="none" w="med" len="med"/>
+                    </a:lnT>
+                    <a:lnB w="12700" cap="flat" cmpd="sng" algn="ctr">
+                      <a:solidFill>
+                        <a:schemeClr val="tx1"/>
+                      </a:solidFill>
+                      <a:prstDash val="solid"/>
+                      <a:round/>
+                      <a:headEnd type="none" w="med" len="med"/>
+                      <a:tailEnd type="none" w="med" len="med"/>
+                    </a:lnB>
+                    <a:noFill/>
+                  </a:tcPr>
+                </a:tc>
+                <a:extLst>
+                  <a:ext uri="{0D108BD9-81ED-4DB2-BD59-A6C34878D82A}">
+                    <a16:rowId xmlns:a16="http://schemas.microsoft.com/office/drawing/2014/main" val="512741848"/>
+                  </a:ext>
+                </a:extLst>
+              </a:tr>
+              <a:tr h="424842">
+                <a:tc>
+                  <a:txBody>
+                    <a:bodyPr/>
+                    <a:lstStyle/>
+                    <a:p>
+                      <a:endParaRPr lang="en-US"/>
+                    </a:p>
+                  </a:txBody>
+                  <a:tcPr>
+                    <a:lnL w="12700" cap="flat" cmpd="sng" algn="ctr">
+                      <a:solidFill>
+                        <a:schemeClr val="tx1"/>
+                      </a:solidFill>
+                      <a:prstDash val="solid"/>
+                      <a:round/>
+                      <a:headEnd type="none" w="med" len="med"/>
+                      <a:tailEnd type="none" w="med" len="med"/>
+                    </a:lnL>
+                    <a:lnR w="12700" cap="flat" cmpd="sng" algn="ctr">
+                      <a:solidFill>
+                        <a:schemeClr val="tx1"/>
+                      </a:solidFill>
+                      <a:prstDash val="solid"/>
+                      <a:round/>
+                      <a:headEnd type="none" w="med" len="med"/>
+                      <a:tailEnd type="none" w="med" len="med"/>
+                    </a:lnR>
+                    <a:lnT w="12700" cap="flat" cmpd="sng" algn="ctr">
+                      <a:solidFill>
+                        <a:schemeClr val="tx1"/>
+                      </a:solidFill>
+                      <a:prstDash val="solid"/>
+                      <a:round/>
+                      <a:headEnd type="none" w="med" len="med"/>
+                      <a:tailEnd type="none" w="med" len="med"/>
+                    </a:lnT>
+                    <a:lnB w="12700" cap="flat" cmpd="sng" algn="ctr">
+                      <a:solidFill>
+                        <a:schemeClr val="tx1"/>
+                      </a:solidFill>
+                      <a:prstDash val="solid"/>
+                      <a:round/>
+                      <a:headEnd type="none" w="med" len="med"/>
+                      <a:tailEnd type="none" w="med" len="med"/>
+                    </a:lnB>
+                    <a:noFill/>
+                  </a:tcPr>
+                </a:tc>
+                <a:tc>
+                  <a:txBody>
+                    <a:bodyPr/>
+                    <a:lstStyle/>
+                    <a:p>
+                      <a:endParaRPr lang="en-US" dirty="0"/>
+                    </a:p>
+                  </a:txBody>
+                  <a:tcPr>
+                    <a:lnL w="12700" cap="flat" cmpd="sng" algn="ctr">
+                      <a:solidFill>
+                        <a:schemeClr val="tx1"/>
+                      </a:solidFill>
+                      <a:prstDash val="solid"/>
+                      <a:round/>
+                      <a:headEnd type="none" w="med" len="med"/>
+                      <a:tailEnd type="none" w="med" len="med"/>
+                    </a:lnL>
+                    <a:lnR w="12700" cap="flat" cmpd="sng" algn="ctr">
+                      <a:solidFill>
+                        <a:schemeClr val="tx1"/>
+                      </a:solidFill>
+                      <a:prstDash val="solid"/>
+                      <a:round/>
+                      <a:headEnd type="none" w="med" len="med"/>
+                      <a:tailEnd type="none" w="med" len="med"/>
+                    </a:lnR>
+                    <a:lnT w="12700" cap="flat" cmpd="sng" algn="ctr">
+                      <a:solidFill>
+                        <a:schemeClr val="tx1"/>
+                      </a:solidFill>
+                      <a:prstDash val="solid"/>
+                      <a:round/>
+                      <a:headEnd type="none" w="med" len="med"/>
+                      <a:tailEnd type="none" w="med" len="med"/>
+                    </a:lnT>
+                    <a:lnB w="12700" cap="flat" cmpd="sng" algn="ctr">
+                      <a:solidFill>
+                        <a:schemeClr val="tx1"/>
+                      </a:solidFill>
+                      <a:prstDash val="solid"/>
+                      <a:round/>
+                      <a:headEnd type="none" w="med" len="med"/>
+                      <a:tailEnd type="none" w="med" len="med"/>
+                    </a:lnB>
+                    <a:noFill/>
+                  </a:tcPr>
+                </a:tc>
+                <a:extLst>
+                  <a:ext uri="{0D108BD9-81ED-4DB2-BD59-A6C34878D82A}">
+                    <a16:rowId xmlns:a16="http://schemas.microsoft.com/office/drawing/2014/main" val="2231260421"/>
+                  </a:ext>
+                </a:extLst>
+              </a:tr>
+            </a:tbl>
+          </a:graphicData>
+        </a:graphic>
+      </p:graphicFrame>
+      <p:pic>
+        <p:nvPicPr>
+          <p:cNvPr id="8" name="Picture 7"/>
+          <p:cNvPicPr>
+            <a:picLocks noChangeAspect="1"/>
+          </p:cNvPicPr>
+          <p:nvPr/>
+        </p:nvPicPr>
+        <p:blipFill>
+          <a:blip r:embed="rId10"/>
+          <a:stretch>
+            <a:fillRect/>
+          </a:stretch>
+        </p:blipFill>
+        <p:spPr>
+          <a:xfrm>
+            <a:off x="6567853" y="733268"/>
+            <a:ext cx="655912" cy="396304"/>
+          </a:xfrm>
+          <a:prstGeom prst="rect">
+            <a:avLst/>
+          </a:prstGeom>
+        </p:spPr>
+      </p:pic>
+      <p:pic>
+        <p:nvPicPr>
+          <p:cNvPr id="13" name="Picture 12"/>
+          <p:cNvPicPr>
+            <a:picLocks noChangeAspect="1"/>
+          </p:cNvPicPr>
+          <p:nvPr/>
+        </p:nvPicPr>
+        <p:blipFill>
+          <a:blip r:embed="rId11"/>
+          <a:stretch>
+            <a:fillRect/>
+          </a:stretch>
+        </p:blipFill>
+        <p:spPr>
+          <a:xfrm>
+            <a:off x="6567852" y="1266093"/>
+            <a:ext cx="728479" cy="293882"/>
+          </a:xfrm>
+          <a:prstGeom prst="rect">
+            <a:avLst/>
+          </a:prstGeom>
+        </p:spPr>
+      </p:pic>
+      <p:pic>
+        <p:nvPicPr>
+          <p:cNvPr id="14" name="Picture 13"/>
+          <p:cNvPicPr>
+            <a:picLocks noChangeAspect="1"/>
+          </p:cNvPicPr>
+          <p:nvPr/>
+        </p:nvPicPr>
+        <p:blipFill rotWithShape="1">
+          <a:blip r:embed="rId12"/>
+          <a:srcRect l="457" r="546" b="636"/>
+          <a:stretch/>
+        </p:blipFill>
+        <p:spPr>
+          <a:xfrm>
+            <a:off x="8521828" y="1623649"/>
+            <a:ext cx="326078" cy="326162"/>
+          </a:xfrm>
+          <a:prstGeom prst="rect">
+            <a:avLst/>
+          </a:prstGeom>
+        </p:spPr>
+      </p:pic>
+      <p:pic>
+        <p:nvPicPr>
+          <p:cNvPr id="15" name="Picture 14"/>
+          <p:cNvPicPr>
+            <a:picLocks noChangeAspect="1"/>
+          </p:cNvPicPr>
+          <p:nvPr/>
+        </p:nvPicPr>
+        <p:blipFill>
+          <a:blip r:embed="rId13"/>
+          <a:stretch>
+            <a:fillRect/>
+          </a:stretch>
+        </p:blipFill>
+        <p:spPr>
+          <a:xfrm>
+            <a:off x="7794737" y="1635934"/>
+            <a:ext cx="404974" cy="369277"/>
           </a:xfrm>
           <a:prstGeom prst="rect">
             <a:avLst/>
@@ -5647,30 +6130,6 @@
           </a:p>
         </p:txBody>
       </p:sp>
-      <p:pic>
-        <p:nvPicPr>
-          <p:cNvPr id="9" name="Picture 8"/>
-          <p:cNvPicPr>
-            <a:picLocks noChangeAspect="1"/>
-          </p:cNvPicPr>
-          <p:nvPr/>
-        </p:nvPicPr>
-        <p:blipFill>
-          <a:blip r:embed="rId2"/>
-          <a:stretch>
-            <a:fillRect/>
-          </a:stretch>
-        </p:blipFill>
-        <p:spPr>
-          <a:xfrm>
-            <a:off x="3794298" y="1554417"/>
-            <a:ext cx="3702031" cy="2904091"/>
-          </a:xfrm>
-          <a:prstGeom prst="rect">
-            <a:avLst/>
-          </a:prstGeom>
-        </p:spPr>
-      </p:pic>
       <p:sp>
         <p:nvSpPr>
           <p:cNvPr id="10" name="Rectangle 9"/>
@@ -5700,216 +6159,225 @@
           </a:p>
         </p:txBody>
       </p:sp>
-      <p:grpSp>
-        <p:nvGrpSpPr>
-          <p:cNvPr id="11" name="Group 10"/>
-          <p:cNvGrpSpPr/>
+      <p:pic>
+        <p:nvPicPr>
+          <p:cNvPr id="13" name="Picture 12"/>
+          <p:cNvPicPr>
+            <a:picLocks noChangeAspect="1"/>
+          </p:cNvPicPr>
           <p:nvPr/>
-        </p:nvGrpSpPr>
-        <p:grpSpPr>
+        </p:nvPicPr>
+        <p:blipFill>
+          <a:blip r:embed="rId2" cstate="print">
+            <a:extLst>
+              <a:ext uri="{28A0092B-C50C-407E-A947-70E740481C1C}">
+                <a14:useLocalDpi xmlns:a14="http://schemas.microsoft.com/office/drawing/2010/main" val="0"/>
+              </a:ext>
+            </a:extLst>
+          </a:blip>
+          <a:stretch>
+            <a:fillRect/>
+          </a:stretch>
+        </p:blipFill>
+        <p:spPr>
           <a:xfrm>
-            <a:off x="7550900" y="1220780"/>
-            <a:ext cx="4641100" cy="3107842"/>
-            <a:chOff x="2523391" y="2055046"/>
-            <a:chExt cx="5603165" cy="3804378"/>
+            <a:off x="8846360" y="4043043"/>
+            <a:ext cx="411228" cy="234519"/>
           </a:xfrm>
-        </p:grpSpPr>
-        <p:pic>
-          <p:nvPicPr>
-            <p:cNvPr id="12" name="Picture 11"/>
-            <p:cNvPicPr>
-              <a:picLocks noChangeAspect="1"/>
-            </p:cNvPicPr>
-            <p:nvPr/>
-          </p:nvPicPr>
-          <p:blipFill>
-            <a:blip r:embed="rId3"/>
-            <a:stretch>
-              <a:fillRect/>
-            </a:stretch>
-          </p:blipFill>
-          <p:spPr>
-            <a:xfrm>
-              <a:off x="2523391" y="2055046"/>
-              <a:ext cx="5603165" cy="3695431"/>
-            </a:xfrm>
-            <a:prstGeom prst="rect">
-              <a:avLst/>
-            </a:prstGeom>
-          </p:spPr>
-        </p:pic>
-        <p:pic>
-          <p:nvPicPr>
-            <p:cNvPr id="13" name="Picture 12"/>
-            <p:cNvPicPr>
-              <a:picLocks noChangeAspect="1"/>
-            </p:cNvPicPr>
-            <p:nvPr/>
-          </p:nvPicPr>
-          <p:blipFill>
-            <a:blip r:embed="rId4" cstate="print">
-              <a:extLst>
-                <a:ext uri="{28A0092B-C50C-407E-A947-70E740481C1C}">
-                  <a14:useLocalDpi xmlns:a14="http://schemas.microsoft.com/office/drawing/2010/main" val="0"/>
-                </a:ext>
-              </a:extLst>
-            </a:blip>
-            <a:stretch>
-              <a:fillRect/>
-            </a:stretch>
-          </p:blipFill>
-          <p:spPr>
-            <a:xfrm>
-              <a:off x="4087390" y="5509841"/>
-              <a:ext cx="496473" cy="287080"/>
-            </a:xfrm>
-            <a:prstGeom prst="rect">
-              <a:avLst/>
-            </a:prstGeom>
-          </p:spPr>
-        </p:pic>
-        <p:pic>
-          <p:nvPicPr>
-            <p:cNvPr id="14" name="Picture 13"/>
-            <p:cNvPicPr>
-              <a:picLocks noChangeAspect="1"/>
-            </p:cNvPicPr>
-            <p:nvPr/>
-          </p:nvPicPr>
-          <p:blipFill>
-            <a:blip r:embed="rId5" cstate="print">
-              <a:extLst>
-                <a:ext uri="{28A0092B-C50C-407E-A947-70E740481C1C}">
-                  <a14:useLocalDpi xmlns:a14="http://schemas.microsoft.com/office/drawing/2010/main" val="0"/>
-                </a:ext>
-              </a:extLst>
-            </a:blip>
-            <a:stretch>
-              <a:fillRect/>
-            </a:stretch>
-          </p:blipFill>
-          <p:spPr>
-            <a:xfrm>
-              <a:off x="4943339" y="5452954"/>
-              <a:ext cx="427855" cy="400855"/>
-            </a:xfrm>
-            <a:prstGeom prst="rect">
-              <a:avLst/>
-            </a:prstGeom>
-          </p:spPr>
-        </p:pic>
-        <p:pic>
-          <p:nvPicPr>
-            <p:cNvPr id="15" name="Picture 14"/>
-            <p:cNvPicPr>
-              <a:picLocks noChangeAspect="1"/>
-            </p:cNvPicPr>
-            <p:nvPr/>
-          </p:nvPicPr>
-          <p:blipFill>
-            <a:blip r:embed="rId6" cstate="print">
-              <a:extLst>
-                <a:ext uri="{28A0092B-C50C-407E-A947-70E740481C1C}">
-                  <a14:useLocalDpi xmlns:a14="http://schemas.microsoft.com/office/drawing/2010/main" val="0"/>
-                </a:ext>
-              </a:extLst>
-            </a:blip>
-            <a:stretch>
-              <a:fillRect/>
-            </a:stretch>
-          </p:blipFill>
-          <p:spPr>
-            <a:xfrm>
-              <a:off x="3303442" y="5452954"/>
-              <a:ext cx="418331" cy="400855"/>
-            </a:xfrm>
-            <a:prstGeom prst="rect">
-              <a:avLst/>
-            </a:prstGeom>
-          </p:spPr>
-        </p:pic>
-        <p:pic>
-          <p:nvPicPr>
-            <p:cNvPr id="16" name="Picture 15"/>
-            <p:cNvPicPr>
-              <a:picLocks noChangeAspect="1"/>
-            </p:cNvPicPr>
-            <p:nvPr/>
-          </p:nvPicPr>
-          <p:blipFill>
-            <a:blip r:embed="rId7" cstate="print">
-              <a:extLst>
-                <a:ext uri="{28A0092B-C50C-407E-A947-70E740481C1C}">
-                  <a14:useLocalDpi xmlns:a14="http://schemas.microsoft.com/office/drawing/2010/main" val="0"/>
-                </a:ext>
-              </a:extLst>
-            </a:blip>
-            <a:stretch>
-              <a:fillRect/>
-            </a:stretch>
-          </p:blipFill>
-          <p:spPr>
-            <a:xfrm flipH="1">
-              <a:off x="7517388" y="5471187"/>
-              <a:ext cx="389978" cy="388237"/>
-            </a:xfrm>
-            <a:prstGeom prst="rect">
-              <a:avLst/>
-            </a:prstGeom>
-          </p:spPr>
-        </p:pic>
-        <p:pic>
-          <p:nvPicPr>
-            <p:cNvPr id="17" name="Picture 16"/>
-            <p:cNvPicPr>
-              <a:picLocks noChangeAspect="1"/>
-            </p:cNvPicPr>
-            <p:nvPr/>
-          </p:nvPicPr>
-          <p:blipFill>
-            <a:blip r:embed="rId8"/>
-            <a:stretch>
-              <a:fillRect/>
-            </a:stretch>
-          </p:blipFill>
-          <p:spPr>
-            <a:xfrm>
-              <a:off x="5765321" y="5477273"/>
-              <a:ext cx="510596" cy="352216"/>
-            </a:xfrm>
-            <a:prstGeom prst="rect">
-              <a:avLst/>
-            </a:prstGeom>
-          </p:spPr>
-        </p:pic>
-        <p:pic>
-          <p:nvPicPr>
-            <p:cNvPr id="18" name="Picture 17"/>
-            <p:cNvPicPr>
-              <a:picLocks noChangeAspect="1"/>
-            </p:cNvPicPr>
-            <p:nvPr/>
-          </p:nvPicPr>
-          <p:blipFill>
-            <a:blip r:embed="rId9"/>
-            <a:stretch>
-              <a:fillRect/>
-            </a:stretch>
-          </p:blipFill>
-          <p:spPr>
-            <a:xfrm>
-              <a:off x="6577228" y="5479471"/>
-              <a:ext cx="499004" cy="350018"/>
-            </a:xfrm>
-            <a:prstGeom prst="rect">
-              <a:avLst/>
-            </a:prstGeom>
-          </p:spPr>
-        </p:pic>
-      </p:grpSp>
+          <a:prstGeom prst="rect">
+            <a:avLst/>
+          </a:prstGeom>
+        </p:spPr>
+      </p:pic>
+      <p:pic>
+        <p:nvPicPr>
+          <p:cNvPr id="14" name="Picture 13"/>
+          <p:cNvPicPr>
+            <a:picLocks noChangeAspect="1"/>
+          </p:cNvPicPr>
+          <p:nvPr/>
+        </p:nvPicPr>
+        <p:blipFill>
+          <a:blip r:embed="rId3" cstate="print">
+            <a:extLst>
+              <a:ext uri="{28A0092B-C50C-407E-A947-70E740481C1C}">
+                <a14:useLocalDpi xmlns:a14="http://schemas.microsoft.com/office/drawing/2010/main" val="0"/>
+              </a:ext>
+            </a:extLst>
+          </a:blip>
+          <a:stretch>
+            <a:fillRect/>
+          </a:stretch>
+        </p:blipFill>
+        <p:spPr>
+          <a:xfrm>
+            <a:off x="9555342" y="3996572"/>
+            <a:ext cx="354392" cy="327463"/>
+          </a:xfrm>
+          <a:prstGeom prst="rect">
+            <a:avLst/>
+          </a:prstGeom>
+        </p:spPr>
+      </p:pic>
+      <p:pic>
+        <p:nvPicPr>
+          <p:cNvPr id="15" name="Picture 14"/>
+          <p:cNvPicPr>
+            <a:picLocks noChangeAspect="1"/>
+          </p:cNvPicPr>
+          <p:nvPr/>
+        </p:nvPicPr>
+        <p:blipFill>
+          <a:blip r:embed="rId4" cstate="print">
+            <a:extLst>
+              <a:ext uri="{28A0092B-C50C-407E-A947-70E740481C1C}">
+                <a14:useLocalDpi xmlns:a14="http://schemas.microsoft.com/office/drawing/2010/main" val="0"/>
+              </a:ext>
+            </a:extLst>
+          </a:blip>
+          <a:stretch>
+            <a:fillRect/>
+          </a:stretch>
+        </p:blipFill>
+        <p:spPr>
+          <a:xfrm>
+            <a:off x="8197016" y="3996572"/>
+            <a:ext cx="346503" cy="327463"/>
+          </a:xfrm>
+          <a:prstGeom prst="rect">
+            <a:avLst/>
+          </a:prstGeom>
+        </p:spPr>
+      </p:pic>
+      <p:pic>
+        <p:nvPicPr>
+          <p:cNvPr id="16" name="Picture 15"/>
+          <p:cNvPicPr>
+            <a:picLocks noChangeAspect="1"/>
+          </p:cNvPicPr>
+          <p:nvPr/>
+        </p:nvPicPr>
+        <p:blipFill>
+          <a:blip r:embed="rId5" cstate="print">
+            <a:extLst>
+              <a:ext uri="{28A0092B-C50C-407E-A947-70E740481C1C}">
+                <a14:useLocalDpi xmlns:a14="http://schemas.microsoft.com/office/drawing/2010/main" val="0"/>
+              </a:ext>
+            </a:extLst>
+          </a:blip>
+          <a:stretch>
+            <a:fillRect/>
+          </a:stretch>
+        </p:blipFill>
+        <p:spPr>
+          <a:xfrm flipH="1">
+            <a:off x="11687426" y="4011467"/>
+            <a:ext cx="323019" cy="317155"/>
+          </a:xfrm>
+          <a:prstGeom prst="rect">
+            <a:avLst/>
+          </a:prstGeom>
+        </p:spPr>
+      </p:pic>
+      <p:pic>
+        <p:nvPicPr>
+          <p:cNvPr id="17" name="Picture 16"/>
+          <p:cNvPicPr>
+            <a:picLocks noChangeAspect="1"/>
+          </p:cNvPicPr>
+          <p:nvPr/>
+        </p:nvPicPr>
+        <p:blipFill>
+          <a:blip r:embed="rId6"/>
+          <a:stretch>
+            <a:fillRect/>
+          </a:stretch>
+        </p:blipFill>
+        <p:spPr>
+          <a:xfrm>
+            <a:off x="10236190" y="4016438"/>
+            <a:ext cx="422927" cy="287729"/>
+          </a:xfrm>
+          <a:prstGeom prst="rect">
+            <a:avLst/>
+          </a:prstGeom>
+        </p:spPr>
+      </p:pic>
+      <p:pic>
+        <p:nvPicPr>
+          <p:cNvPr id="18" name="Picture 17"/>
+          <p:cNvPicPr>
+            <a:picLocks noChangeAspect="1"/>
+          </p:cNvPicPr>
+          <p:nvPr/>
+        </p:nvPicPr>
+        <p:blipFill>
+          <a:blip r:embed="rId7"/>
+          <a:stretch>
+            <a:fillRect/>
+          </a:stretch>
+        </p:blipFill>
+        <p:spPr>
+          <a:xfrm>
+            <a:off x="10908692" y="4018234"/>
+            <a:ext cx="413325" cy="285934"/>
+          </a:xfrm>
+          <a:prstGeom prst="rect">
+            <a:avLst/>
+          </a:prstGeom>
+        </p:spPr>
+      </p:pic>
       <p:pic>
         <p:nvPicPr>
           <p:cNvPr id="4" name="Picture 3"/>
+          <p:cNvPicPr>
+            <a:picLocks noChangeAspect="1"/>
+          </p:cNvPicPr>
+          <p:nvPr/>
+        </p:nvPicPr>
+        <p:blipFill>
+          <a:blip r:embed="rId8"/>
+          <a:stretch>
+            <a:fillRect/>
+          </a:stretch>
+        </p:blipFill>
+        <p:spPr>
+          <a:xfrm>
+            <a:off x="36670" y="1554417"/>
+            <a:ext cx="3769065" cy="2904091"/>
+          </a:xfrm>
+          <a:prstGeom prst="rect">
+            <a:avLst/>
+          </a:prstGeom>
+        </p:spPr>
+      </p:pic>
+      <p:pic>
+        <p:nvPicPr>
+          <p:cNvPr id="2" name="Picture 1"/>
+          <p:cNvPicPr>
+            <a:picLocks noChangeAspect="1"/>
+          </p:cNvPicPr>
+          <p:nvPr/>
+        </p:nvPicPr>
+        <p:blipFill>
+          <a:blip r:embed="rId9"/>
+          <a:stretch>
+            <a:fillRect/>
+          </a:stretch>
+        </p:blipFill>
+        <p:spPr>
+          <a:xfrm>
+            <a:off x="7689930" y="1294997"/>
+            <a:ext cx="4425869" cy="2732465"/>
+          </a:xfrm>
+          <a:prstGeom prst="rect">
+            <a:avLst/>
+          </a:prstGeom>
+        </p:spPr>
+      </p:pic>
+      <p:pic>
+        <p:nvPicPr>
+          <p:cNvPr id="3" name="Picture 2"/>
           <p:cNvPicPr>
             <a:picLocks noChangeAspect="1"/>
           </p:cNvPicPr>
@@ -5923,8 +6391,8 @@
         </p:blipFill>
         <p:spPr>
           <a:xfrm>
-            <a:off x="36670" y="1554417"/>
-            <a:ext cx="3769065" cy="2904091"/>
+            <a:off x="3869222" y="1476921"/>
+            <a:ext cx="3457761" cy="2693123"/>
           </a:xfrm>
           <a:prstGeom prst="rect">
             <a:avLst/>

--- a/output/plots/all_figs_with_legends.pptx
+++ b/output/plots/all_figs_with_legends.pptx
@@ -202,7 +202,7 @@
           <a:p>
             <a:fld id="{7FA21820-D199-4D82-91AF-C50B1D3B111A}" type="datetimeFigureOut">
               <a:rPr lang="en-US" smtClean="0"/>
-              <a:t>4/6/2017</a:t>
+              <a:t>4/11/2017</a:t>
             </a:fld>
             <a:endParaRPr lang="en-US"/>
           </a:p>
@@ -674,11 +674,19 @@
             </a:r>
             <a:r>
               <a:rPr lang="en-US" baseline="0" dirty="0" smtClean="0"/>
-              <a:t>, lake by Pieter </a:t>
+              <a:t>, lake by </a:t>
             </a:r>
             <a:r>
               <a:rPr lang="en-US" baseline="0" dirty="0" err="1" smtClean="0"/>
-              <a:t>smits</a:t>
+              <a:t>By</a:t>
+            </a:r>
+            <a:r>
+              <a:rPr lang="en-US" baseline="0" dirty="0" smtClean="0"/>
+              <a:t> Anton </a:t>
+            </a:r>
+            <a:r>
+              <a:rPr lang="en-US" baseline="0" dirty="0" err="1" smtClean="0"/>
+              <a:t>Gajdosik</a:t>
             </a:r>
             <a:endParaRPr lang="en-US" dirty="0"/>
           </a:p>
@@ -711,6 +719,182 @@
     <p:extLst>
       <p:ext uri="{BB962C8B-B14F-4D97-AF65-F5344CB8AC3E}">
         <p14:creationId xmlns:p14="http://schemas.microsoft.com/office/powerpoint/2010/main" val="3600764841"/>
+      </p:ext>
+    </p:extLst>
+  </p:cSld>
+  <p:clrMapOvr>
+    <a:masterClrMapping/>
+  </p:clrMapOvr>
+</p:notes>
+</file>
+
+<file path=ppt/notesSlides/notesSlide2.xml><?xml version="1.0" encoding="utf-8"?>
+<p:notes xmlns:a="http://schemas.openxmlformats.org/drawingml/2006/main" xmlns:r="http://schemas.openxmlformats.org/officeDocument/2006/relationships" xmlns:p="http://schemas.openxmlformats.org/presentationml/2006/main">
+  <p:cSld>
+    <p:spTree>
+      <p:nvGrpSpPr>
+        <p:cNvPr id="1" name=""/>
+        <p:cNvGrpSpPr/>
+        <p:nvPr/>
+      </p:nvGrpSpPr>
+      <p:grpSpPr>
+        <a:xfrm>
+          <a:off x="0" y="0"/>
+          <a:ext cx="0" cy="0"/>
+          <a:chOff x="0" y="0"/>
+          <a:chExt cx="0" cy="0"/>
+        </a:xfrm>
+      </p:grpSpPr>
+      <p:sp>
+        <p:nvSpPr>
+          <p:cNvPr id="2" name="Slide Image Placeholder 1"/>
+          <p:cNvSpPr>
+            <a:spLocks noGrp="1" noRot="1" noChangeAspect="1"/>
+          </p:cNvSpPr>
+          <p:nvPr>
+            <p:ph type="sldImg"/>
+          </p:nvPr>
+        </p:nvSpPr>
+        <p:spPr/>
+      </p:sp>
+      <p:sp>
+        <p:nvSpPr>
+          <p:cNvPr id="3" name="Notes Placeholder 2"/>
+          <p:cNvSpPr>
+            <a:spLocks noGrp="1"/>
+          </p:cNvSpPr>
+          <p:nvPr>
+            <p:ph type="body" idx="1"/>
+          </p:nvPr>
+        </p:nvSpPr>
+        <p:spPr/>
+        <p:txBody>
+          <a:bodyPr/>
+          <a:lstStyle/>
+          <a:p>
+            <a:r>
+              <a:rPr lang="en-US" dirty="0" smtClean="0"/>
+              <a:t>FIXED – log transformed E</a:t>
+            </a:r>
+            <a:endParaRPr lang="en-US" dirty="0"/>
+          </a:p>
+        </p:txBody>
+      </p:sp>
+      <p:sp>
+        <p:nvSpPr>
+          <p:cNvPr id="4" name="Slide Number Placeholder 3"/>
+          <p:cNvSpPr>
+            <a:spLocks noGrp="1"/>
+          </p:cNvSpPr>
+          <p:nvPr>
+            <p:ph type="sldNum" sz="quarter" idx="10"/>
+          </p:nvPr>
+        </p:nvSpPr>
+        <p:spPr/>
+        <p:txBody>
+          <a:bodyPr/>
+          <a:lstStyle/>
+          <a:p>
+            <a:fld id="{0160E3DB-BCAB-42BD-8DDD-04198F92E62D}" type="slidenum">
+              <a:rPr lang="en-US" smtClean="0"/>
+              <a:t>2</a:t>
+            </a:fld>
+            <a:endParaRPr lang="en-US"/>
+          </a:p>
+        </p:txBody>
+      </p:sp>
+    </p:spTree>
+    <p:extLst>
+      <p:ext uri="{BB962C8B-B14F-4D97-AF65-F5344CB8AC3E}">
+        <p14:creationId xmlns:p14="http://schemas.microsoft.com/office/powerpoint/2010/main" val="2728871139"/>
+      </p:ext>
+    </p:extLst>
+  </p:cSld>
+  <p:clrMapOvr>
+    <a:masterClrMapping/>
+  </p:clrMapOvr>
+</p:notes>
+</file>
+
+<file path=ppt/notesSlides/notesSlide3.xml><?xml version="1.0" encoding="utf-8"?>
+<p:notes xmlns:a="http://schemas.openxmlformats.org/drawingml/2006/main" xmlns:r="http://schemas.openxmlformats.org/officeDocument/2006/relationships" xmlns:p="http://schemas.openxmlformats.org/presentationml/2006/main">
+  <p:cSld>
+    <p:spTree>
+      <p:nvGrpSpPr>
+        <p:cNvPr id="1" name=""/>
+        <p:cNvGrpSpPr/>
+        <p:nvPr/>
+      </p:nvGrpSpPr>
+      <p:grpSpPr>
+        <a:xfrm>
+          <a:off x="0" y="0"/>
+          <a:ext cx="0" cy="0"/>
+          <a:chOff x="0" y="0"/>
+          <a:chExt cx="0" cy="0"/>
+        </a:xfrm>
+      </p:grpSpPr>
+      <p:sp>
+        <p:nvSpPr>
+          <p:cNvPr id="2" name="Slide Image Placeholder 1"/>
+          <p:cNvSpPr>
+            <a:spLocks noGrp="1" noRot="1" noChangeAspect="1"/>
+          </p:cNvSpPr>
+          <p:nvPr>
+            <p:ph type="sldImg"/>
+          </p:nvPr>
+        </p:nvSpPr>
+        <p:spPr/>
+      </p:sp>
+      <p:sp>
+        <p:nvSpPr>
+          <p:cNvPr id="3" name="Notes Placeholder 2"/>
+          <p:cNvSpPr>
+            <a:spLocks noGrp="1"/>
+          </p:cNvSpPr>
+          <p:nvPr>
+            <p:ph type="body" idx="1"/>
+          </p:nvPr>
+        </p:nvSpPr>
+        <p:spPr/>
+        <p:txBody>
+          <a:bodyPr/>
+          <a:lstStyle/>
+          <a:p>
+            <a:r>
+              <a:rPr lang="en-US" dirty="0" smtClean="0"/>
+              <a:t>FIXED</a:t>
+            </a:r>
+            <a:endParaRPr lang="en-US" dirty="0"/>
+          </a:p>
+        </p:txBody>
+      </p:sp>
+      <p:sp>
+        <p:nvSpPr>
+          <p:cNvPr id="4" name="Slide Number Placeholder 3"/>
+          <p:cNvSpPr>
+            <a:spLocks noGrp="1"/>
+          </p:cNvSpPr>
+          <p:nvPr>
+            <p:ph type="sldNum" sz="quarter" idx="10"/>
+          </p:nvPr>
+        </p:nvSpPr>
+        <p:spPr/>
+        <p:txBody>
+          <a:bodyPr/>
+          <a:lstStyle/>
+          <a:p>
+            <a:fld id="{0160E3DB-BCAB-42BD-8DDD-04198F92E62D}" type="slidenum">
+              <a:rPr lang="en-US" smtClean="0"/>
+              <a:t>3</a:t>
+            </a:fld>
+            <a:endParaRPr lang="en-US"/>
+          </a:p>
+        </p:txBody>
+      </p:sp>
+    </p:spTree>
+    <p:extLst>
+      <p:ext uri="{BB962C8B-B14F-4D97-AF65-F5344CB8AC3E}">
+        <p14:creationId xmlns:p14="http://schemas.microsoft.com/office/powerpoint/2010/main" val="494307569"/>
       </p:ext>
     </p:extLst>
   </p:cSld>
@@ -851,7 +1035,7 @@
           <a:p>
             <a:fld id="{916B8C92-D5E3-4480-8685-D57BEE386DE2}" type="datetimeFigureOut">
               <a:rPr lang="en-US" smtClean="0"/>
-              <a:t>4/6/2017</a:t>
+              <a:t>4/11/2017</a:t>
             </a:fld>
             <a:endParaRPr lang="en-US"/>
           </a:p>
@@ -1021,7 +1205,7 @@
           <a:p>
             <a:fld id="{916B8C92-D5E3-4480-8685-D57BEE386DE2}" type="datetimeFigureOut">
               <a:rPr lang="en-US" smtClean="0"/>
-              <a:t>4/6/2017</a:t>
+              <a:t>4/11/2017</a:t>
             </a:fld>
             <a:endParaRPr lang="en-US"/>
           </a:p>
@@ -1201,7 +1385,7 @@
           <a:p>
             <a:fld id="{916B8C92-D5E3-4480-8685-D57BEE386DE2}" type="datetimeFigureOut">
               <a:rPr lang="en-US" smtClean="0"/>
-              <a:t>4/6/2017</a:t>
+              <a:t>4/11/2017</a:t>
             </a:fld>
             <a:endParaRPr lang="en-US"/>
           </a:p>
@@ -1371,7 +1555,7 @@
           <a:p>
             <a:fld id="{916B8C92-D5E3-4480-8685-D57BEE386DE2}" type="datetimeFigureOut">
               <a:rPr lang="en-US" smtClean="0"/>
-              <a:t>4/6/2017</a:t>
+              <a:t>4/11/2017</a:t>
             </a:fld>
             <a:endParaRPr lang="en-US"/>
           </a:p>
@@ -1617,7 +1801,7 @@
           <a:p>
             <a:fld id="{916B8C92-D5E3-4480-8685-D57BEE386DE2}" type="datetimeFigureOut">
               <a:rPr lang="en-US" smtClean="0"/>
-              <a:t>4/6/2017</a:t>
+              <a:t>4/11/2017</a:t>
             </a:fld>
             <a:endParaRPr lang="en-US"/>
           </a:p>
@@ -1849,7 +2033,7 @@
           <a:p>
             <a:fld id="{916B8C92-D5E3-4480-8685-D57BEE386DE2}" type="datetimeFigureOut">
               <a:rPr lang="en-US" smtClean="0"/>
-              <a:t>4/6/2017</a:t>
+              <a:t>4/11/2017</a:t>
             </a:fld>
             <a:endParaRPr lang="en-US"/>
           </a:p>
@@ -2216,7 +2400,7 @@
           <a:p>
             <a:fld id="{916B8C92-D5E3-4480-8685-D57BEE386DE2}" type="datetimeFigureOut">
               <a:rPr lang="en-US" smtClean="0"/>
-              <a:t>4/6/2017</a:t>
+              <a:t>4/11/2017</a:t>
             </a:fld>
             <a:endParaRPr lang="en-US"/>
           </a:p>
@@ -2334,7 +2518,7 @@
           <a:p>
             <a:fld id="{916B8C92-D5E3-4480-8685-D57BEE386DE2}" type="datetimeFigureOut">
               <a:rPr lang="en-US" smtClean="0"/>
-              <a:t>4/6/2017</a:t>
+              <a:t>4/11/2017</a:t>
             </a:fld>
             <a:endParaRPr lang="en-US"/>
           </a:p>
@@ -2429,7 +2613,7 @@
           <a:p>
             <a:fld id="{916B8C92-D5E3-4480-8685-D57BEE386DE2}" type="datetimeFigureOut">
               <a:rPr lang="en-US" smtClean="0"/>
-              <a:t>4/6/2017</a:t>
+              <a:t>4/11/2017</a:t>
             </a:fld>
             <a:endParaRPr lang="en-US"/>
           </a:p>
@@ -2706,7 +2890,7 @@
           <a:p>
             <a:fld id="{916B8C92-D5E3-4480-8685-D57BEE386DE2}" type="datetimeFigureOut">
               <a:rPr lang="en-US" smtClean="0"/>
-              <a:t>4/6/2017</a:t>
+              <a:t>4/11/2017</a:t>
             </a:fld>
             <a:endParaRPr lang="en-US"/>
           </a:p>
@@ -2959,7 +3143,7 @@
           <a:p>
             <a:fld id="{916B8C92-D5E3-4480-8685-D57BEE386DE2}" type="datetimeFigureOut">
               <a:rPr lang="en-US" smtClean="0"/>
-              <a:t>4/6/2017</a:t>
+              <a:t>4/11/2017</a:t>
             </a:fld>
             <a:endParaRPr lang="en-US"/>
           </a:p>
@@ -3172,7 +3356,7 @@
           <a:p>
             <a:fld id="{916B8C92-D5E3-4480-8685-D57BEE386DE2}" type="datetimeFigureOut">
               <a:rPr lang="en-US" smtClean="0"/>
-              <a:t>4/6/2017</a:t>
+              <a:t>4/11/2017</a:t>
             </a:fld>
             <a:endParaRPr lang="en-US"/>
           </a:p>
@@ -3577,6 +3761,30 @@
           <a:chExt cx="0" cy="0"/>
         </a:xfrm>
       </p:grpSpPr>
+      <p:pic>
+        <p:nvPicPr>
+          <p:cNvPr id="16" name="Picture 15"/>
+          <p:cNvPicPr>
+            <a:picLocks noChangeAspect="1"/>
+          </p:cNvPicPr>
+          <p:nvPr/>
+        </p:nvPicPr>
+        <p:blipFill>
+          <a:blip r:embed="rId3"/>
+          <a:stretch>
+            <a:fillRect/>
+          </a:stretch>
+        </p:blipFill>
+        <p:spPr>
+          <a:xfrm>
+            <a:off x="6538467" y="1591805"/>
+            <a:ext cx="640805" cy="408944"/>
+          </a:xfrm>
+          <a:prstGeom prst="rect">
+            <a:avLst/>
+          </a:prstGeom>
+        </p:spPr>
+      </p:pic>
       <p:graphicFrame>
         <p:nvGraphicFramePr>
           <p:cNvPr id="12" name="Table 11"/>
@@ -3847,7 +4055,7 @@
           <p:nvPr/>
         </p:nvPicPr>
         <p:blipFill>
-          <a:blip r:embed="rId3" cstate="print">
+          <a:blip r:embed="rId4" cstate="print">
             <a:extLst>
               <a:ext uri="{28A0092B-C50C-407E-A947-70E740481C1C}">
                 <a14:useLocalDpi xmlns:a14="http://schemas.microsoft.com/office/drawing/2010/main" val="0"/>
@@ -3905,7 +4113,7 @@
           <p:nvPr/>
         </p:nvPicPr>
         <p:blipFill>
-          <a:blip r:embed="rId4" cstate="print">
+          <a:blip r:embed="rId5" cstate="print">
             <a:extLst>
               <a:ext uri="{28A0092B-C50C-407E-A947-70E740481C1C}">
                 <a14:useLocalDpi xmlns:a14="http://schemas.microsoft.com/office/drawing/2010/main" val="0"/>
@@ -3935,7 +4143,7 @@
           <p:nvPr/>
         </p:nvPicPr>
         <p:blipFill>
-          <a:blip r:embed="rId5" cstate="print">
+          <a:blip r:embed="rId6" cstate="print">
             <a:extLst>
               <a:ext uri="{28A0092B-C50C-407E-A947-70E740481C1C}">
                 <a14:useLocalDpi xmlns:a14="http://schemas.microsoft.com/office/drawing/2010/main" val="0"/>
@@ -3965,7 +4173,7 @@
           <p:nvPr/>
         </p:nvPicPr>
         <p:blipFill>
-          <a:blip r:embed="rId6" cstate="print">
+          <a:blip r:embed="rId7" cstate="print">
             <a:extLst>
               <a:ext uri="{28A0092B-C50C-407E-A947-70E740481C1C}">
                 <a14:useLocalDpi xmlns:a14="http://schemas.microsoft.com/office/drawing/2010/main" val="0"/>
@@ -3995,7 +4203,7 @@
           <p:nvPr/>
         </p:nvPicPr>
         <p:blipFill>
-          <a:blip r:embed="rId7"/>
+          <a:blip r:embed="rId8"/>
           <a:stretch>
             <a:fillRect/>
           </a:stretch>
@@ -4019,7 +4227,7 @@
           <p:nvPr/>
         </p:nvPicPr>
         <p:blipFill>
-          <a:blip r:embed="rId8"/>
+          <a:blip r:embed="rId9"/>
           <a:stretch>
             <a:fillRect/>
           </a:stretch>
@@ -4043,7 +4251,7 @@
           <p:nvPr/>
         </p:nvPicPr>
         <p:blipFill>
-          <a:blip r:embed="rId9"/>
+          <a:blip r:embed="rId10"/>
           <a:stretch>
             <a:fillRect/>
           </a:stretch>
@@ -4067,14 +4275,14 @@
           <p:nvPr>
             <p:extLst>
               <p:ext uri="{D42A27DB-BD31-4B8C-83A1-F6EECF244321}">
-                <p14:modId xmlns:p14="http://schemas.microsoft.com/office/powerpoint/2010/main" val="903193953"/>
+                <p14:modId xmlns:p14="http://schemas.microsoft.com/office/powerpoint/2010/main" val="1874564918"/>
               </p:ext>
             </p:extLst>
           </p:nvPr>
         </p:nvGraphicFramePr>
         <p:xfrm>
-          <a:off x="5794129" y="719666"/>
-          <a:ext cx="1547448" cy="1274526"/>
+          <a:off x="5152293" y="719666"/>
+          <a:ext cx="2189284" cy="1274526"/>
         </p:xfrm>
         <a:graphic>
           <a:graphicData uri="http://schemas.openxmlformats.org/drawingml/2006/table">
@@ -4083,14 +4291,14 @@
                 <a:tableStyleId>{0505E3EF-67EA-436B-97B2-0124C06EBD24}</a:tableStyleId>
               </a:tblPr>
               <a:tblGrid>
-                <a:gridCol w="730739">
+                <a:gridCol w="1261110">
                   <a:extLst>
                     <a:ext uri="{9D8B030D-6E8A-4147-A177-3AD203B41FA5}">
                       <a16:colId xmlns:a16="http://schemas.microsoft.com/office/drawing/2014/main" val="1963467705"/>
                     </a:ext>
                   </a:extLst>
                 </a:gridCol>
-                <a:gridCol w="816709">
+                <a:gridCol w="928174">
                   <a:extLst>
                     <a:ext uri="{9D8B030D-6E8A-4147-A177-3AD203B41FA5}">
                       <a16:colId xmlns:a16="http://schemas.microsoft.com/office/drawing/2014/main" val="464586843"/>
@@ -4104,7 +4312,11 @@
                     <a:bodyPr/>
                     <a:lstStyle/>
                     <a:p>
-                      <a:endParaRPr lang="en-US" dirty="0"/>
+                      <a:r>
+                        <a:rPr lang="en-US" b="0" dirty="0" smtClean="0"/>
+                        <a:t>Terrestrial</a:t>
+                      </a:r>
+                      <a:endParaRPr lang="en-US" b="0" dirty="0"/>
                     </a:p>
                   </a:txBody>
                   <a:tcPr>
@@ -4207,7 +4419,11 @@
                     <a:bodyPr/>
                     <a:lstStyle/>
                     <a:p>
-                      <a:endParaRPr lang="en-US"/>
+                      <a:r>
+                        <a:rPr lang="en-US" dirty="0" smtClean="0"/>
+                        <a:t>Marine</a:t>
+                      </a:r>
+                      <a:endParaRPr lang="en-US" dirty="0"/>
                     </a:p>
                   </a:txBody>
                   <a:tcPr>
@@ -4310,7 +4526,11 @@
                     <a:bodyPr/>
                     <a:lstStyle/>
                     <a:p>
-                      <a:endParaRPr lang="en-US"/>
+                      <a:r>
+                        <a:rPr lang="en-US" dirty="0" smtClean="0"/>
+                        <a:t>Freshwater</a:t>
+                      </a:r>
+                      <a:endParaRPr lang="en-US" dirty="0"/>
                     </a:p>
                   </a:txBody>
                   <a:tcPr>
@@ -4420,14 +4640,14 @@
           <p:nvPr/>
         </p:nvPicPr>
         <p:blipFill>
-          <a:blip r:embed="rId10"/>
+          <a:blip r:embed="rId11"/>
           <a:stretch>
             <a:fillRect/>
           </a:stretch>
         </p:blipFill>
         <p:spPr>
           <a:xfrm>
-            <a:off x="6567853" y="733268"/>
+            <a:off x="6494631" y="733268"/>
             <a:ext cx="655912" cy="396304"/>
           </a:xfrm>
           <a:prstGeom prst="rect">
@@ -4444,62 +4664,15 @@
           <p:nvPr/>
         </p:nvPicPr>
         <p:blipFill>
-          <a:blip r:embed="rId11"/>
+          <a:blip r:embed="rId12"/>
           <a:stretch>
             <a:fillRect/>
           </a:stretch>
         </p:blipFill>
         <p:spPr>
           <a:xfrm>
-            <a:off x="6567852" y="1266093"/>
+            <a:off x="6494631" y="1209988"/>
             <a:ext cx="728479" cy="293882"/>
-          </a:xfrm>
-          <a:prstGeom prst="rect">
-            <a:avLst/>
-          </a:prstGeom>
-        </p:spPr>
-      </p:pic>
-      <p:pic>
-        <p:nvPicPr>
-          <p:cNvPr id="14" name="Picture 13"/>
-          <p:cNvPicPr>
-            <a:picLocks noChangeAspect="1"/>
-          </p:cNvPicPr>
-          <p:nvPr/>
-        </p:nvPicPr>
-        <p:blipFill rotWithShape="1">
-          <a:blip r:embed="rId12"/>
-          <a:srcRect l="457" r="546" b="636"/>
-          <a:stretch/>
-        </p:blipFill>
-        <p:spPr>
-          <a:xfrm>
-            <a:off x="8521828" y="1623649"/>
-            <a:ext cx="326078" cy="326162"/>
-          </a:xfrm>
-          <a:prstGeom prst="rect">
-            <a:avLst/>
-          </a:prstGeom>
-        </p:spPr>
-      </p:pic>
-      <p:pic>
-        <p:nvPicPr>
-          <p:cNvPr id="15" name="Picture 14"/>
-          <p:cNvPicPr>
-            <a:picLocks noChangeAspect="1"/>
-          </p:cNvPicPr>
-          <p:nvPr/>
-        </p:nvPicPr>
-        <p:blipFill>
-          <a:blip r:embed="rId13"/>
-          <a:stretch>
-            <a:fillRect/>
-          </a:stretch>
-        </p:blipFill>
-        <p:spPr>
-          <a:xfrm>
-            <a:off x="7794737" y="1635934"/>
-            <a:ext cx="404974" cy="369277"/>
           </a:xfrm>
           <a:prstGeom prst="rect">
             <a:avLst/>
@@ -4536,6 +4709,29 @@
           <a:chExt cx="0" cy="0"/>
         </a:xfrm>
       </p:grpSpPr>
+      <p:pic>
+        <p:nvPicPr>
+          <p:cNvPr id="4" name="Picture 3"/>
+          <p:cNvPicPr>
+            <a:picLocks noChangeAspect="1"/>
+          </p:cNvPicPr>
+          <p:nvPr/>
+        </p:nvPicPr>
+        <p:blipFill rotWithShape="1">
+          <a:blip r:embed="rId3"/>
+          <a:srcRect l="468"/>
+          <a:stretch/>
+        </p:blipFill>
+        <p:spPr>
+          <a:xfrm>
+            <a:off x="1185598" y="0"/>
+            <a:ext cx="8642055" cy="6629400"/>
+          </a:xfrm>
+          <a:prstGeom prst="rect">
+            <a:avLst/>
+          </a:prstGeom>
+        </p:spPr>
+      </p:pic>
       <p:sp>
         <p:nvSpPr>
           <p:cNvPr id="2" name="TextBox 1"/>
@@ -4544,7 +4740,7 @@
         </p:nvSpPr>
         <p:spPr>
           <a:xfrm>
-            <a:off x="320040" y="566928"/>
+            <a:off x="142861" y="192024"/>
             <a:ext cx="1060704" cy="369332"/>
           </a:xfrm>
           <a:prstGeom prst="rect">
@@ -4574,8 +4770,8 @@
         </p:nvGrpSpPr>
         <p:grpSpPr>
           <a:xfrm>
-            <a:off x="6793821" y="5254218"/>
-            <a:ext cx="1872544" cy="192467"/>
+            <a:off x="1955798" y="4009611"/>
+            <a:ext cx="3255436" cy="375380"/>
             <a:chOff x="2721075" y="6066646"/>
             <a:chExt cx="2738999" cy="243895"/>
           </a:xfrm>
@@ -4617,7 +4813,7 @@
                 <p:nvPr/>
               </p:nvPicPr>
               <p:blipFill>
-                <a:blip r:embed="rId2" cstate="print">
+                <a:blip r:embed="rId4" cstate="print">
                   <a:extLst>
                     <a:ext uri="{28A0092B-C50C-407E-A947-70E740481C1C}">
                       <a14:useLocalDpi xmlns:a14="http://schemas.microsoft.com/office/drawing/2010/main" val="0"/>
@@ -4647,7 +4843,7 @@
                 <p:nvPr/>
               </p:nvPicPr>
               <p:blipFill>
-                <a:blip r:embed="rId3" cstate="print">
+                <a:blip r:embed="rId5" cstate="print">
                   <a:extLst>
                     <a:ext uri="{28A0092B-C50C-407E-A947-70E740481C1C}">
                       <a14:useLocalDpi xmlns:a14="http://schemas.microsoft.com/office/drawing/2010/main" val="0"/>
@@ -4677,7 +4873,7 @@
                 <p:nvPr/>
               </p:nvPicPr>
               <p:blipFill>
-                <a:blip r:embed="rId4" cstate="print">
+                <a:blip r:embed="rId6" cstate="print">
                   <a:extLst>
                     <a:ext uri="{28A0092B-C50C-407E-A947-70E740481C1C}">
                       <a14:useLocalDpi xmlns:a14="http://schemas.microsoft.com/office/drawing/2010/main" val="0"/>
@@ -4707,7 +4903,7 @@
                 <p:nvPr/>
               </p:nvPicPr>
               <p:blipFill>
-                <a:blip r:embed="rId5" cstate="print">
+                <a:blip r:embed="rId7" cstate="print">
                   <a:extLst>
                     <a:ext uri="{28A0092B-C50C-407E-A947-70E740481C1C}">
                       <a14:useLocalDpi xmlns:a14="http://schemas.microsoft.com/office/drawing/2010/main" val="0"/>
@@ -4738,7 +4934,7 @@
               <p:nvPr/>
             </p:nvPicPr>
             <p:blipFill>
-              <a:blip r:embed="rId6"/>
+              <a:blip r:embed="rId8"/>
               <a:stretch>
                 <a:fillRect/>
               </a:stretch>
@@ -4763,7 +4959,7 @@
             <p:nvPr/>
           </p:nvPicPr>
           <p:blipFill>
-            <a:blip r:embed="rId7"/>
+            <a:blip r:embed="rId9"/>
             <a:stretch>
               <a:fillRect/>
             </a:stretch>
@@ -4787,7 +4983,7 @@
             <p:nvPr/>
           </p:nvPicPr>
           <p:blipFill>
-            <a:blip r:embed="rId8"/>
+            <a:blip r:embed="rId10"/>
             <a:stretch>
               <a:fillRect/>
             </a:stretch>
@@ -4805,21 +5001,195 @@
       </p:grpSp>
       <p:grpSp>
         <p:nvGrpSpPr>
-          <p:cNvPr id="41" name="Group 40"/>
+          <p:cNvPr id="8" name="Group 7"/>
           <p:cNvGrpSpPr/>
           <p:nvPr/>
         </p:nvGrpSpPr>
         <p:grpSpPr>
           <a:xfrm>
-            <a:off x="9854367" y="5249751"/>
-            <a:ext cx="1872544" cy="192467"/>
+            <a:off x="2066372" y="1693067"/>
+            <a:ext cx="3063411" cy="422147"/>
+            <a:chOff x="2066372" y="1693067"/>
+            <a:chExt cx="3063411" cy="422147"/>
+          </a:xfrm>
+        </p:grpSpPr>
+        <p:pic>
+          <p:nvPicPr>
+            <p:cNvPr id="64" name="Picture 63"/>
+            <p:cNvPicPr>
+              <a:picLocks noChangeAspect="1"/>
+            </p:cNvPicPr>
+            <p:nvPr/>
+          </p:nvPicPr>
+          <p:blipFill>
+            <a:blip r:embed="rId11"/>
+            <a:stretch>
+              <a:fillRect/>
+            </a:stretch>
+          </p:blipFill>
+          <p:spPr>
+            <a:xfrm>
+              <a:off x="2066372" y="1693067"/>
+              <a:ext cx="655912" cy="396304"/>
+            </a:xfrm>
+            <a:prstGeom prst="rect">
+              <a:avLst/>
+            </a:prstGeom>
+          </p:spPr>
+        </p:pic>
+        <p:pic>
+          <p:nvPicPr>
+            <p:cNvPr id="66" name="Picture 65"/>
+            <p:cNvPicPr>
+              <a:picLocks noChangeAspect="1"/>
+            </p:cNvPicPr>
+            <p:nvPr/>
+          </p:nvPicPr>
+          <p:blipFill>
+            <a:blip r:embed="rId12"/>
+            <a:stretch>
+              <a:fillRect/>
+            </a:stretch>
+          </p:blipFill>
+          <p:spPr>
+            <a:xfrm>
+              <a:off x="4401304" y="1744278"/>
+              <a:ext cx="728479" cy="293882"/>
+            </a:xfrm>
+            <a:prstGeom prst="rect">
+              <a:avLst/>
+            </a:prstGeom>
+          </p:spPr>
+        </p:pic>
+        <p:pic>
+          <p:nvPicPr>
+            <p:cNvPr id="67" name="Picture 66"/>
+            <p:cNvPicPr>
+              <a:picLocks noChangeAspect="1"/>
+            </p:cNvPicPr>
+            <p:nvPr/>
+          </p:nvPicPr>
+          <p:blipFill>
+            <a:blip r:embed="rId13"/>
+            <a:stretch>
+              <a:fillRect/>
+            </a:stretch>
+          </p:blipFill>
+          <p:spPr>
+            <a:xfrm>
+              <a:off x="3263114" y="1706270"/>
+              <a:ext cx="640805" cy="408944"/>
+            </a:xfrm>
+            <a:prstGeom prst="rect">
+              <a:avLst/>
+            </a:prstGeom>
+          </p:spPr>
+        </p:pic>
+      </p:grpSp>
+      <p:grpSp>
+        <p:nvGrpSpPr>
+          <p:cNvPr id="68" name="Group 67"/>
+          <p:cNvGrpSpPr/>
+          <p:nvPr/>
+        </p:nvGrpSpPr>
+        <p:grpSpPr>
+          <a:xfrm>
+            <a:off x="6434156" y="1706270"/>
+            <a:ext cx="3063411" cy="422147"/>
+            <a:chOff x="2066372" y="1693067"/>
+            <a:chExt cx="3063411" cy="422147"/>
+          </a:xfrm>
+        </p:grpSpPr>
+        <p:pic>
+          <p:nvPicPr>
+            <p:cNvPr id="69" name="Picture 68"/>
+            <p:cNvPicPr>
+              <a:picLocks noChangeAspect="1"/>
+            </p:cNvPicPr>
+            <p:nvPr/>
+          </p:nvPicPr>
+          <p:blipFill>
+            <a:blip r:embed="rId11"/>
+            <a:stretch>
+              <a:fillRect/>
+            </a:stretch>
+          </p:blipFill>
+          <p:spPr>
+            <a:xfrm>
+              <a:off x="2066372" y="1693067"/>
+              <a:ext cx="655912" cy="396304"/>
+            </a:xfrm>
+            <a:prstGeom prst="rect">
+              <a:avLst/>
+            </a:prstGeom>
+          </p:spPr>
+        </p:pic>
+        <p:pic>
+          <p:nvPicPr>
+            <p:cNvPr id="70" name="Picture 69"/>
+            <p:cNvPicPr>
+              <a:picLocks noChangeAspect="1"/>
+            </p:cNvPicPr>
+            <p:nvPr/>
+          </p:nvPicPr>
+          <p:blipFill>
+            <a:blip r:embed="rId12"/>
+            <a:stretch>
+              <a:fillRect/>
+            </a:stretch>
+          </p:blipFill>
+          <p:spPr>
+            <a:xfrm>
+              <a:off x="4401304" y="1744278"/>
+              <a:ext cx="728479" cy="293882"/>
+            </a:xfrm>
+            <a:prstGeom prst="rect">
+              <a:avLst/>
+            </a:prstGeom>
+          </p:spPr>
+        </p:pic>
+        <p:pic>
+          <p:nvPicPr>
+            <p:cNvPr id="71" name="Picture 70"/>
+            <p:cNvPicPr>
+              <a:picLocks noChangeAspect="1"/>
+            </p:cNvPicPr>
+            <p:nvPr/>
+          </p:nvPicPr>
+          <p:blipFill>
+            <a:blip r:embed="rId13"/>
+            <a:stretch>
+              <a:fillRect/>
+            </a:stretch>
+          </p:blipFill>
+          <p:spPr>
+            <a:xfrm>
+              <a:off x="3263114" y="1706270"/>
+              <a:ext cx="640805" cy="408944"/>
+            </a:xfrm>
+            <a:prstGeom prst="rect">
+              <a:avLst/>
+            </a:prstGeom>
+          </p:spPr>
+        </p:pic>
+      </p:grpSp>
+      <p:grpSp>
+        <p:nvGrpSpPr>
+          <p:cNvPr id="72" name="Group 71"/>
+          <p:cNvGrpSpPr/>
+          <p:nvPr/>
+        </p:nvGrpSpPr>
+        <p:grpSpPr>
+          <a:xfrm>
+            <a:off x="6323582" y="4059126"/>
+            <a:ext cx="3255436" cy="375380"/>
             <a:chOff x="2721075" y="6066646"/>
             <a:chExt cx="2738999" cy="243895"/>
           </a:xfrm>
         </p:grpSpPr>
         <p:grpSp>
           <p:nvGrpSpPr>
-            <p:cNvPr id="43" name="Group 42"/>
+            <p:cNvPr id="73" name="Group 72"/>
             <p:cNvGrpSpPr/>
             <p:nvPr/>
           </p:nvGrpSpPr>
@@ -4833,7 +5203,7 @@
           </p:grpSpPr>
           <p:grpSp>
             <p:nvGrpSpPr>
-              <p:cNvPr id="46" name="Group 45"/>
+              <p:cNvPr id="76" name="Group 75"/>
               <p:cNvGrpSpPr/>
               <p:nvPr/>
             </p:nvGrpSpPr>
@@ -4847,14 +5217,14 @@
             </p:grpSpPr>
             <p:pic>
               <p:nvPicPr>
-                <p:cNvPr id="48" name="Picture 47"/>
+                <p:cNvPr id="78" name="Picture 77"/>
                 <p:cNvPicPr>
                   <a:picLocks noChangeAspect="1"/>
                 </p:cNvPicPr>
                 <p:nvPr/>
               </p:nvPicPr>
               <p:blipFill>
-                <a:blip r:embed="rId2" cstate="print">
+                <a:blip r:embed="rId4" cstate="print">
                   <a:extLst>
                     <a:ext uri="{28A0092B-C50C-407E-A947-70E740481C1C}">
                       <a14:useLocalDpi xmlns:a14="http://schemas.microsoft.com/office/drawing/2010/main" val="0"/>
@@ -4877,14 +5247,14 @@
             </p:pic>
             <p:pic>
               <p:nvPicPr>
-                <p:cNvPr id="49" name="Picture 48"/>
+                <p:cNvPr id="79" name="Picture 78"/>
                 <p:cNvPicPr>
                   <a:picLocks noChangeAspect="1"/>
                 </p:cNvPicPr>
                 <p:nvPr/>
               </p:nvPicPr>
               <p:blipFill>
-                <a:blip r:embed="rId3" cstate="print">
+                <a:blip r:embed="rId5" cstate="print">
                   <a:extLst>
                     <a:ext uri="{28A0092B-C50C-407E-A947-70E740481C1C}">
                       <a14:useLocalDpi xmlns:a14="http://schemas.microsoft.com/office/drawing/2010/main" val="0"/>
@@ -4907,14 +5277,14 @@
             </p:pic>
             <p:pic>
               <p:nvPicPr>
-                <p:cNvPr id="50" name="Picture 49"/>
+                <p:cNvPr id="80" name="Picture 79"/>
                 <p:cNvPicPr>
                   <a:picLocks noChangeAspect="1"/>
                 </p:cNvPicPr>
                 <p:nvPr/>
               </p:nvPicPr>
               <p:blipFill>
-                <a:blip r:embed="rId4" cstate="print">
+                <a:blip r:embed="rId6" cstate="print">
                   <a:extLst>
                     <a:ext uri="{28A0092B-C50C-407E-A947-70E740481C1C}">
                       <a14:useLocalDpi xmlns:a14="http://schemas.microsoft.com/office/drawing/2010/main" val="0"/>
@@ -4937,14 +5307,14 @@
             </p:pic>
             <p:pic>
               <p:nvPicPr>
-                <p:cNvPr id="51" name="Picture 50"/>
+                <p:cNvPr id="81" name="Picture 80"/>
                 <p:cNvPicPr>
                   <a:picLocks noChangeAspect="1"/>
                 </p:cNvPicPr>
                 <p:nvPr/>
               </p:nvPicPr>
               <p:blipFill>
-                <a:blip r:embed="rId5" cstate="print">
+                <a:blip r:embed="rId7" cstate="print">
                   <a:extLst>
                     <a:ext uri="{28A0092B-C50C-407E-A947-70E740481C1C}">
                       <a14:useLocalDpi xmlns:a14="http://schemas.microsoft.com/office/drawing/2010/main" val="0"/>
@@ -4968,14 +5338,14 @@
           </p:grpSp>
           <p:pic>
             <p:nvPicPr>
-              <p:cNvPr id="47" name="Picture 46"/>
+              <p:cNvPr id="77" name="Picture 76"/>
               <p:cNvPicPr>
                 <a:picLocks noChangeAspect="1"/>
               </p:cNvPicPr>
               <p:nvPr/>
             </p:nvPicPr>
             <p:blipFill>
-              <a:blip r:embed="rId6"/>
+              <a:blip r:embed="rId8"/>
               <a:stretch>
                 <a:fillRect/>
               </a:stretch>
@@ -4993,14 +5363,14 @@
         </p:grpSp>
         <p:pic>
           <p:nvPicPr>
-            <p:cNvPr id="44" name="Picture 43"/>
+            <p:cNvPr id="74" name="Picture 73"/>
             <p:cNvPicPr>
               <a:picLocks noChangeAspect="1"/>
             </p:cNvPicPr>
             <p:nvPr/>
           </p:nvPicPr>
           <p:blipFill>
-            <a:blip r:embed="rId7"/>
+            <a:blip r:embed="rId9"/>
             <a:stretch>
               <a:fillRect/>
             </a:stretch>
@@ -5017,14 +5387,14 @@
         </p:pic>
         <p:pic>
           <p:nvPicPr>
-            <p:cNvPr id="45" name="Picture 44"/>
+            <p:cNvPr id="75" name="Picture 74"/>
             <p:cNvPicPr>
               <a:picLocks noChangeAspect="1"/>
             </p:cNvPicPr>
             <p:nvPr/>
           </p:nvPicPr>
           <p:blipFill>
-            <a:blip r:embed="rId8"/>
+            <a:blip r:embed="rId10"/>
             <a:stretch>
               <a:fillRect/>
             </a:stretch>
@@ -5042,238 +5412,70 @@
       </p:grpSp>
       <p:grpSp>
         <p:nvGrpSpPr>
-          <p:cNvPr id="11" name="Group 10"/>
+          <p:cNvPr id="82" name="Group 81"/>
           <p:cNvGrpSpPr/>
           <p:nvPr/>
         </p:nvGrpSpPr>
         <p:grpSpPr>
           <a:xfrm>
-            <a:off x="70913" y="1203435"/>
-            <a:ext cx="5659509" cy="4035703"/>
-            <a:chOff x="2366005" y="357098"/>
-            <a:chExt cx="5305184" cy="3751757"/>
+            <a:off x="1955798" y="6380121"/>
+            <a:ext cx="3255436" cy="375380"/>
+            <a:chOff x="2721075" y="6066646"/>
+            <a:chExt cx="2738999" cy="243895"/>
           </a:xfrm>
         </p:grpSpPr>
         <p:grpSp>
           <p:nvGrpSpPr>
-            <p:cNvPr id="7" name="Group 6"/>
+            <p:cNvPr id="83" name="Group 82"/>
             <p:cNvGrpSpPr/>
             <p:nvPr/>
           </p:nvGrpSpPr>
           <p:grpSpPr>
             <a:xfrm>
-              <a:off x="3190628" y="3940966"/>
-              <a:ext cx="4339292" cy="167889"/>
+              <a:off x="2721075" y="6066646"/>
+              <a:ext cx="2738999" cy="243895"/>
               <a:chOff x="2721075" y="6066646"/>
-              <a:chExt cx="7348959" cy="276066"/>
+              <a:chExt cx="2738999" cy="243895"/>
             </a:xfrm>
           </p:grpSpPr>
           <p:grpSp>
             <p:nvGrpSpPr>
-              <p:cNvPr id="6" name="Group 5"/>
+              <p:cNvPr id="86" name="Group 85"/>
               <p:cNvGrpSpPr/>
               <p:nvPr/>
             </p:nvGrpSpPr>
             <p:grpSpPr>
               <a:xfrm>
-                <a:off x="2721075" y="6066646"/>
-                <a:ext cx="2738999" cy="243895"/>
-                <a:chOff x="2721075" y="6066646"/>
-                <a:chExt cx="2738999" cy="243895"/>
+                <a:off x="2721075" y="6083191"/>
+                <a:ext cx="2738999" cy="227350"/>
+                <a:chOff x="2887074" y="6083191"/>
+                <a:chExt cx="2738999" cy="227350"/>
               </a:xfrm>
             </p:grpSpPr>
-            <p:grpSp>
-              <p:nvGrpSpPr>
-                <p:cNvPr id="5" name="Group 4"/>
-                <p:cNvGrpSpPr/>
-                <p:nvPr/>
-              </p:nvGrpSpPr>
-              <p:grpSpPr>
-                <a:xfrm>
-                  <a:off x="2721075" y="6066646"/>
-                  <a:ext cx="2738999" cy="243895"/>
-                  <a:chOff x="2721075" y="6066646"/>
-                  <a:chExt cx="2738999" cy="243895"/>
-                </a:xfrm>
-              </p:grpSpPr>
-              <p:grpSp>
-                <p:nvGrpSpPr>
-                  <p:cNvPr id="3" name="Group 2"/>
-                  <p:cNvGrpSpPr/>
-                  <p:nvPr/>
-                </p:nvGrpSpPr>
-                <p:grpSpPr>
-                  <a:xfrm>
-                    <a:off x="2721075" y="6083191"/>
-                    <a:ext cx="2738999" cy="227350"/>
-                    <a:chOff x="2887074" y="6083191"/>
-                    <a:chExt cx="2738999" cy="227350"/>
-                  </a:xfrm>
-                </p:grpSpPr>
-                <p:pic>
-                  <p:nvPicPr>
-                    <p:cNvPr id="12" name="Picture 11"/>
-                    <p:cNvPicPr>
-                      <a:picLocks noChangeAspect="1"/>
-                    </p:cNvPicPr>
-                    <p:nvPr/>
-                  </p:nvPicPr>
-                  <p:blipFill>
-                    <a:blip r:embed="rId2" cstate="print">
-                      <a:extLst>
-                        <a:ext uri="{28A0092B-C50C-407E-A947-70E740481C1C}">
-                          <a14:useLocalDpi xmlns:a14="http://schemas.microsoft.com/office/drawing/2010/main" val="0"/>
-                        </a:ext>
-                      </a:extLst>
-                    </a:blip>
-                    <a:stretch>
-                      <a:fillRect/>
-                    </a:stretch>
-                  </p:blipFill>
-                  <p:spPr>
-                    <a:xfrm>
-                      <a:off x="4079269" y="6103833"/>
-                      <a:ext cx="325640" cy="161565"/>
-                    </a:xfrm>
-                    <a:prstGeom prst="rect">
-                      <a:avLst/>
-                    </a:prstGeom>
-                  </p:spPr>
-                </p:pic>
-                <p:pic>
-                  <p:nvPicPr>
-                    <p:cNvPr id="15" name="Picture 14"/>
-                    <p:cNvPicPr>
-                      <a:picLocks noChangeAspect="1"/>
-                    </p:cNvPicPr>
-                    <p:nvPr/>
-                  </p:nvPicPr>
-                  <p:blipFill>
-                    <a:blip r:embed="rId3" cstate="print">
-                      <a:extLst>
-                        <a:ext uri="{28A0092B-C50C-407E-A947-70E740481C1C}">
-                          <a14:useLocalDpi xmlns:a14="http://schemas.microsoft.com/office/drawing/2010/main" val="0"/>
-                        </a:ext>
-                      </a:extLst>
-                    </a:blip>
-                    <a:stretch>
-                      <a:fillRect/>
-                    </a:stretch>
-                  </p:blipFill>
-                  <p:spPr>
-                    <a:xfrm>
-                      <a:off x="5345440" y="6084945"/>
-                      <a:ext cx="280633" cy="225596"/>
-                    </a:xfrm>
-                    <a:prstGeom prst="rect">
-                      <a:avLst/>
-                    </a:prstGeom>
-                  </p:spPr>
-                </p:pic>
-                <p:pic>
-                  <p:nvPicPr>
-                    <p:cNvPr id="17" name="Picture 16"/>
-                    <p:cNvPicPr>
-                      <a:picLocks noChangeAspect="1"/>
-                    </p:cNvPicPr>
-                    <p:nvPr/>
-                  </p:nvPicPr>
-                  <p:blipFill>
-                    <a:blip r:embed="rId4" cstate="print">
-                      <a:extLst>
-                        <a:ext uri="{28A0092B-C50C-407E-A947-70E740481C1C}">
-                          <a14:useLocalDpi xmlns:a14="http://schemas.microsoft.com/office/drawing/2010/main" val="0"/>
-                        </a:ext>
-                      </a:extLst>
-                    </a:blip>
-                    <a:stretch>
-                      <a:fillRect/>
-                    </a:stretch>
-                  </p:blipFill>
-                  <p:spPr>
-                    <a:xfrm>
-                      <a:off x="4515280" y="6084945"/>
-                      <a:ext cx="274386" cy="225596"/>
-                    </a:xfrm>
-                    <a:prstGeom prst="rect">
-                      <a:avLst/>
-                    </a:prstGeom>
-                  </p:spPr>
-                </p:pic>
-                <p:pic>
-                  <p:nvPicPr>
-                    <p:cNvPr id="18" name="Picture 17"/>
-                    <p:cNvPicPr>
-                      <a:picLocks noChangeAspect="1"/>
-                    </p:cNvPicPr>
-                    <p:nvPr/>
-                  </p:nvPicPr>
-                  <p:blipFill>
-                    <a:blip r:embed="rId5" cstate="print">
-                      <a:extLst>
-                        <a:ext uri="{28A0092B-C50C-407E-A947-70E740481C1C}">
-                          <a14:useLocalDpi xmlns:a14="http://schemas.microsoft.com/office/drawing/2010/main" val="0"/>
-                        </a:ext>
-                      </a:extLst>
-                    </a:blip>
-                    <a:stretch>
-                      <a:fillRect/>
-                    </a:stretch>
-                  </p:blipFill>
-                  <p:spPr>
-                    <a:xfrm flipH="1">
-                      <a:off x="2887074" y="6083191"/>
-                      <a:ext cx="255789" cy="218495"/>
-                    </a:xfrm>
-                    <a:prstGeom prst="rect">
-                      <a:avLst/>
-                    </a:prstGeom>
-                  </p:spPr>
-                </p:pic>
-              </p:grpSp>
-              <p:pic>
-                <p:nvPicPr>
-                  <p:cNvPr id="20" name="Picture 19"/>
-                  <p:cNvPicPr>
-                    <a:picLocks noChangeAspect="1"/>
-                  </p:cNvPicPr>
-                  <p:nvPr/>
-                </p:nvPicPr>
-                <p:blipFill>
-                  <a:blip r:embed="rId6"/>
-                  <a:stretch>
-                    <a:fillRect/>
-                  </a:stretch>
-                </p:blipFill>
-                <p:spPr>
-                  <a:xfrm>
-                    <a:off x="4734039" y="6066646"/>
-                    <a:ext cx="302061" cy="235941"/>
-                  </a:xfrm>
-                  <a:prstGeom prst="rect">
-                    <a:avLst/>
-                  </a:prstGeom>
-                </p:spPr>
-              </p:pic>
-            </p:grpSp>
             <p:pic>
               <p:nvPicPr>
-                <p:cNvPr id="26" name="Picture 25"/>
+                <p:cNvPr id="88" name="Picture 87"/>
                 <p:cNvPicPr>
                   <a:picLocks noChangeAspect="1"/>
                 </p:cNvPicPr>
                 <p:nvPr/>
               </p:nvPicPr>
               <p:blipFill>
-                <a:blip r:embed="rId7"/>
+                <a:blip r:embed="rId4" cstate="print">
+                  <a:extLst>
+                    <a:ext uri="{28A0092B-C50C-407E-A947-70E740481C1C}">
+                      <a14:useLocalDpi xmlns:a14="http://schemas.microsoft.com/office/drawing/2010/main" val="0"/>
+                    </a:ext>
+                  </a:extLst>
+                </a:blip>
                 <a:stretch>
                   <a:fillRect/>
                 </a:stretch>
               </p:blipFill>
               <p:spPr>
                 <a:xfrm>
-                  <a:off x="3506696" y="6098817"/>
-                  <a:ext cx="334903" cy="198223"/>
+                  <a:off x="4079269" y="6103833"/>
+                  <a:ext cx="325640" cy="161565"/>
                 </a:xfrm>
                 <a:prstGeom prst="rect">
                   <a:avLst/>
@@ -5282,235 +5484,28 @@
             </p:pic>
             <p:pic>
               <p:nvPicPr>
-                <p:cNvPr id="27" name="Picture 26"/>
+                <p:cNvPr id="89" name="Picture 88"/>
                 <p:cNvPicPr>
                   <a:picLocks noChangeAspect="1"/>
                 </p:cNvPicPr>
                 <p:nvPr/>
               </p:nvPicPr>
               <p:blipFill>
-                <a:blip r:embed="rId8"/>
+                <a:blip r:embed="rId5" cstate="print">
+                  <a:extLst>
+                    <a:ext uri="{28A0092B-C50C-407E-A947-70E740481C1C}">
+                      <a14:useLocalDpi xmlns:a14="http://schemas.microsoft.com/office/drawing/2010/main" val="0"/>
+                    </a:ext>
+                  </a:extLst>
+                </a:blip>
                 <a:stretch>
                   <a:fillRect/>
                 </a:stretch>
               </p:blipFill>
               <p:spPr>
                 <a:xfrm>
-                  <a:off x="3107726" y="6098817"/>
-                  <a:ext cx="327300" cy="196986"/>
-                </a:xfrm>
-                <a:prstGeom prst="rect">
-                  <a:avLst/>
-                </a:prstGeom>
-              </p:spPr>
-            </p:pic>
-          </p:grpSp>
-          <p:grpSp>
-            <p:nvGrpSpPr>
-              <p:cNvPr id="29" name="Group 28"/>
-              <p:cNvGrpSpPr/>
-              <p:nvPr/>
-            </p:nvGrpSpPr>
-            <p:grpSpPr>
-              <a:xfrm>
-                <a:off x="7331035" y="6098817"/>
-                <a:ext cx="2738999" cy="243895"/>
-                <a:chOff x="2721075" y="6066646"/>
-                <a:chExt cx="2738999" cy="243895"/>
-              </a:xfrm>
-            </p:grpSpPr>
-            <p:grpSp>
-              <p:nvGrpSpPr>
-                <p:cNvPr id="30" name="Group 29"/>
-                <p:cNvGrpSpPr/>
-                <p:nvPr/>
-              </p:nvGrpSpPr>
-              <p:grpSpPr>
-                <a:xfrm>
-                  <a:off x="2721075" y="6066646"/>
-                  <a:ext cx="2738999" cy="243895"/>
-                  <a:chOff x="2721075" y="6066646"/>
-                  <a:chExt cx="2738999" cy="243895"/>
-                </a:xfrm>
-              </p:grpSpPr>
-              <p:grpSp>
-                <p:nvGrpSpPr>
-                  <p:cNvPr id="33" name="Group 32"/>
-                  <p:cNvGrpSpPr/>
-                  <p:nvPr/>
-                </p:nvGrpSpPr>
-                <p:grpSpPr>
-                  <a:xfrm>
-                    <a:off x="2721075" y="6083191"/>
-                    <a:ext cx="2738999" cy="227350"/>
-                    <a:chOff x="2887074" y="6083191"/>
-                    <a:chExt cx="2738999" cy="227350"/>
-                  </a:xfrm>
-                </p:grpSpPr>
-                <p:pic>
-                  <p:nvPicPr>
-                    <p:cNvPr id="35" name="Picture 34"/>
-                    <p:cNvPicPr>
-                      <a:picLocks noChangeAspect="1"/>
-                    </p:cNvPicPr>
-                    <p:nvPr/>
-                  </p:nvPicPr>
-                  <p:blipFill>
-                    <a:blip r:embed="rId2" cstate="print">
-                      <a:extLst>
-                        <a:ext uri="{28A0092B-C50C-407E-A947-70E740481C1C}">
-                          <a14:useLocalDpi xmlns:a14="http://schemas.microsoft.com/office/drawing/2010/main" val="0"/>
-                        </a:ext>
-                      </a:extLst>
-                    </a:blip>
-                    <a:stretch>
-                      <a:fillRect/>
-                    </a:stretch>
-                  </p:blipFill>
-                  <p:spPr>
-                    <a:xfrm>
-                      <a:off x="4079269" y="6103833"/>
-                      <a:ext cx="325640" cy="161565"/>
-                    </a:xfrm>
-                    <a:prstGeom prst="rect">
-                      <a:avLst/>
-                    </a:prstGeom>
-                  </p:spPr>
-                </p:pic>
-                <p:pic>
-                  <p:nvPicPr>
-                    <p:cNvPr id="36" name="Picture 35"/>
-                    <p:cNvPicPr>
-                      <a:picLocks noChangeAspect="1"/>
-                    </p:cNvPicPr>
-                    <p:nvPr/>
-                  </p:nvPicPr>
-                  <p:blipFill>
-                    <a:blip r:embed="rId3" cstate="print">
-                      <a:extLst>
-                        <a:ext uri="{28A0092B-C50C-407E-A947-70E740481C1C}">
-                          <a14:useLocalDpi xmlns:a14="http://schemas.microsoft.com/office/drawing/2010/main" val="0"/>
-                        </a:ext>
-                      </a:extLst>
-                    </a:blip>
-                    <a:stretch>
-                      <a:fillRect/>
-                    </a:stretch>
-                  </p:blipFill>
-                  <p:spPr>
-                    <a:xfrm>
-                      <a:off x="5345440" y="6084945"/>
-                      <a:ext cx="280633" cy="225596"/>
-                    </a:xfrm>
-                    <a:prstGeom prst="rect">
-                      <a:avLst/>
-                    </a:prstGeom>
-                  </p:spPr>
-                </p:pic>
-                <p:pic>
-                  <p:nvPicPr>
-                    <p:cNvPr id="37" name="Picture 36"/>
-                    <p:cNvPicPr>
-                      <a:picLocks noChangeAspect="1"/>
-                    </p:cNvPicPr>
-                    <p:nvPr/>
-                  </p:nvPicPr>
-                  <p:blipFill>
-                    <a:blip r:embed="rId4" cstate="print">
-                      <a:extLst>
-                        <a:ext uri="{28A0092B-C50C-407E-A947-70E740481C1C}">
-                          <a14:useLocalDpi xmlns:a14="http://schemas.microsoft.com/office/drawing/2010/main" val="0"/>
-                        </a:ext>
-                      </a:extLst>
-                    </a:blip>
-                    <a:stretch>
-                      <a:fillRect/>
-                    </a:stretch>
-                  </p:blipFill>
-                  <p:spPr>
-                    <a:xfrm>
-                      <a:off x="4515280" y="6084945"/>
-                      <a:ext cx="274386" cy="225596"/>
-                    </a:xfrm>
-                    <a:prstGeom prst="rect">
-                      <a:avLst/>
-                    </a:prstGeom>
-                  </p:spPr>
-                </p:pic>
-                <p:pic>
-                  <p:nvPicPr>
-                    <p:cNvPr id="38" name="Picture 37"/>
-                    <p:cNvPicPr>
-                      <a:picLocks noChangeAspect="1"/>
-                    </p:cNvPicPr>
-                    <p:nvPr/>
-                  </p:nvPicPr>
-                  <p:blipFill>
-                    <a:blip r:embed="rId5" cstate="print">
-                      <a:extLst>
-                        <a:ext uri="{28A0092B-C50C-407E-A947-70E740481C1C}">
-                          <a14:useLocalDpi xmlns:a14="http://schemas.microsoft.com/office/drawing/2010/main" val="0"/>
-                        </a:ext>
-                      </a:extLst>
-                    </a:blip>
-                    <a:stretch>
-                      <a:fillRect/>
-                    </a:stretch>
-                  </p:blipFill>
-                  <p:spPr>
-                    <a:xfrm flipH="1">
-                      <a:off x="2887074" y="6083191"/>
-                      <a:ext cx="255789" cy="218495"/>
-                    </a:xfrm>
-                    <a:prstGeom prst="rect">
-                      <a:avLst/>
-                    </a:prstGeom>
-                  </p:spPr>
-                </p:pic>
-              </p:grpSp>
-              <p:pic>
-                <p:nvPicPr>
-                  <p:cNvPr id="34" name="Picture 33"/>
-                  <p:cNvPicPr>
-                    <a:picLocks noChangeAspect="1"/>
-                  </p:cNvPicPr>
-                  <p:nvPr/>
-                </p:nvPicPr>
-                <p:blipFill>
-                  <a:blip r:embed="rId6"/>
-                  <a:stretch>
-                    <a:fillRect/>
-                  </a:stretch>
-                </p:blipFill>
-                <p:spPr>
-                  <a:xfrm>
-                    <a:off x="4734039" y="6066646"/>
-                    <a:ext cx="302061" cy="235941"/>
-                  </a:xfrm>
-                  <a:prstGeom prst="rect">
-                    <a:avLst/>
-                  </a:prstGeom>
-                </p:spPr>
-              </p:pic>
-            </p:grpSp>
-            <p:pic>
-              <p:nvPicPr>
-                <p:cNvPr id="31" name="Picture 30"/>
-                <p:cNvPicPr>
-                  <a:picLocks noChangeAspect="1"/>
-                </p:cNvPicPr>
-                <p:nvPr/>
-              </p:nvPicPr>
-              <p:blipFill>
-                <a:blip r:embed="rId7"/>
-                <a:stretch>
-                  <a:fillRect/>
-                </a:stretch>
-              </p:blipFill>
-              <p:spPr>
-                <a:xfrm>
-                  <a:off x="3506696" y="6098817"/>
-                  <a:ext cx="334903" cy="198223"/>
+                  <a:off x="5345440" y="6084945"/>
+                  <a:ext cx="280633" cy="225596"/>
                 </a:xfrm>
                 <a:prstGeom prst="rect">
                   <a:avLst/>
@@ -5519,22 +5514,58 @@
             </p:pic>
             <p:pic>
               <p:nvPicPr>
-                <p:cNvPr id="32" name="Picture 31"/>
+                <p:cNvPr id="90" name="Picture 89"/>
                 <p:cNvPicPr>
                   <a:picLocks noChangeAspect="1"/>
                 </p:cNvPicPr>
                 <p:nvPr/>
               </p:nvPicPr>
               <p:blipFill>
-                <a:blip r:embed="rId8"/>
+                <a:blip r:embed="rId6" cstate="print">
+                  <a:extLst>
+                    <a:ext uri="{28A0092B-C50C-407E-A947-70E740481C1C}">
+                      <a14:useLocalDpi xmlns:a14="http://schemas.microsoft.com/office/drawing/2010/main" val="0"/>
+                    </a:ext>
+                  </a:extLst>
+                </a:blip>
                 <a:stretch>
                   <a:fillRect/>
                 </a:stretch>
               </p:blipFill>
               <p:spPr>
                 <a:xfrm>
-                  <a:off x="3107726" y="6098817"/>
-                  <a:ext cx="327300" cy="196986"/>
+                  <a:off x="4515280" y="6084945"/>
+                  <a:ext cx="274386" cy="225596"/>
+                </a:xfrm>
+                <a:prstGeom prst="rect">
+                  <a:avLst/>
+                </a:prstGeom>
+              </p:spPr>
+            </p:pic>
+            <p:pic>
+              <p:nvPicPr>
+                <p:cNvPr id="91" name="Picture 90"/>
+                <p:cNvPicPr>
+                  <a:picLocks noChangeAspect="1"/>
+                </p:cNvPicPr>
+                <p:nvPr/>
+              </p:nvPicPr>
+              <p:blipFill>
+                <a:blip r:embed="rId7" cstate="print">
+                  <a:extLst>
+                    <a:ext uri="{28A0092B-C50C-407E-A947-70E740481C1C}">
+                      <a14:useLocalDpi xmlns:a14="http://schemas.microsoft.com/office/drawing/2010/main" val="0"/>
+                    </a:ext>
+                  </a:extLst>
+                </a:blip>
+                <a:stretch>
+                  <a:fillRect/>
+                </a:stretch>
+              </p:blipFill>
+              <p:spPr>
+                <a:xfrm flipH="1">
+                  <a:off x="2887074" y="6083191"/>
+                  <a:ext cx="255789" cy="218495"/>
                 </a:xfrm>
                 <a:prstGeom prst="rect">
                   <a:avLst/>
@@ -5542,10 +5573,34 @@
               </p:spPr>
             </p:pic>
           </p:grpSp>
+          <p:pic>
+            <p:nvPicPr>
+              <p:cNvPr id="87" name="Picture 86"/>
+              <p:cNvPicPr>
+                <a:picLocks noChangeAspect="1"/>
+              </p:cNvPicPr>
+              <p:nvPr/>
+            </p:nvPicPr>
+            <p:blipFill>
+              <a:blip r:embed="rId8"/>
+              <a:stretch>
+                <a:fillRect/>
+              </a:stretch>
+            </p:blipFill>
+            <p:spPr>
+              <a:xfrm>
+                <a:off x="4734039" y="6066646"/>
+                <a:ext cx="302061" cy="235941"/>
+              </a:xfrm>
+              <a:prstGeom prst="rect">
+                <a:avLst/>
+              </a:prstGeom>
+            </p:spPr>
+          </p:pic>
         </p:grpSp>
         <p:pic>
           <p:nvPicPr>
-            <p:cNvPr id="9" name="Picture 8"/>
+            <p:cNvPr id="84" name="Picture 83"/>
             <p:cNvPicPr>
               <a:picLocks noChangeAspect="1"/>
             </p:cNvPicPr>
@@ -5559,8 +5614,32 @@
           </p:blipFill>
           <p:spPr>
             <a:xfrm>
-              <a:off x="2366005" y="357098"/>
-              <a:ext cx="5305184" cy="3597548"/>
+              <a:off x="3506696" y="6098817"/>
+              <a:ext cx="334903" cy="198223"/>
+            </a:xfrm>
+            <a:prstGeom prst="rect">
+              <a:avLst/>
+            </a:prstGeom>
+          </p:spPr>
+        </p:pic>
+        <p:pic>
+          <p:nvPicPr>
+            <p:cNvPr id="85" name="Picture 84"/>
+            <p:cNvPicPr>
+              <a:picLocks noChangeAspect="1"/>
+            </p:cNvPicPr>
+            <p:nvPr/>
+          </p:nvPicPr>
+          <p:blipFill>
+            <a:blip r:embed="rId10"/>
+            <a:stretch>
+              <a:fillRect/>
+            </a:stretch>
+          </p:blipFill>
+          <p:spPr>
+            <a:xfrm>
+              <a:off x="3107726" y="6098817"/>
+              <a:ext cx="327300" cy="196986"/>
             </a:xfrm>
             <a:prstGeom prst="rect">
               <a:avLst/>
@@ -5568,30 +5647,243 @@
           </p:spPr>
         </p:pic>
       </p:grpSp>
-      <p:pic>
-        <p:nvPicPr>
-          <p:cNvPr id="13" name="Picture 12"/>
-          <p:cNvPicPr>
-            <a:picLocks noChangeAspect="1"/>
-          </p:cNvPicPr>
+      <p:grpSp>
+        <p:nvGrpSpPr>
+          <p:cNvPr id="92" name="Group 91"/>
+          <p:cNvGrpSpPr/>
           <p:nvPr/>
-        </p:nvPicPr>
-        <p:blipFill>
-          <a:blip r:embed="rId10"/>
-          <a:stretch>
-            <a:fillRect/>
-          </a:stretch>
-        </p:blipFill>
-        <p:spPr>
+        </p:nvGrpSpPr>
+        <p:grpSpPr>
           <a:xfrm>
-            <a:off x="6050211" y="1203435"/>
-            <a:ext cx="5830565" cy="4049454"/>
+            <a:off x="6345338" y="6357438"/>
+            <a:ext cx="3255436" cy="375380"/>
+            <a:chOff x="2721075" y="6066646"/>
+            <a:chExt cx="2738999" cy="243895"/>
           </a:xfrm>
-          <a:prstGeom prst="rect">
-            <a:avLst/>
-          </a:prstGeom>
-        </p:spPr>
-      </p:pic>
+        </p:grpSpPr>
+        <p:grpSp>
+          <p:nvGrpSpPr>
+            <p:cNvPr id="93" name="Group 92"/>
+            <p:cNvGrpSpPr/>
+            <p:nvPr/>
+          </p:nvGrpSpPr>
+          <p:grpSpPr>
+            <a:xfrm>
+              <a:off x="2721075" y="6066646"/>
+              <a:ext cx="2738999" cy="243895"/>
+              <a:chOff x="2721075" y="6066646"/>
+              <a:chExt cx="2738999" cy="243895"/>
+            </a:xfrm>
+          </p:grpSpPr>
+          <p:grpSp>
+            <p:nvGrpSpPr>
+              <p:cNvPr id="96" name="Group 95"/>
+              <p:cNvGrpSpPr/>
+              <p:nvPr/>
+            </p:nvGrpSpPr>
+            <p:grpSpPr>
+              <a:xfrm>
+                <a:off x="2721075" y="6083191"/>
+                <a:ext cx="2738999" cy="227350"/>
+                <a:chOff x="2887074" y="6083191"/>
+                <a:chExt cx="2738999" cy="227350"/>
+              </a:xfrm>
+            </p:grpSpPr>
+            <p:pic>
+              <p:nvPicPr>
+                <p:cNvPr id="98" name="Picture 97"/>
+                <p:cNvPicPr>
+                  <a:picLocks noChangeAspect="1"/>
+                </p:cNvPicPr>
+                <p:nvPr/>
+              </p:nvPicPr>
+              <p:blipFill>
+                <a:blip r:embed="rId4" cstate="print">
+                  <a:extLst>
+                    <a:ext uri="{28A0092B-C50C-407E-A947-70E740481C1C}">
+                      <a14:useLocalDpi xmlns:a14="http://schemas.microsoft.com/office/drawing/2010/main" val="0"/>
+                    </a:ext>
+                  </a:extLst>
+                </a:blip>
+                <a:stretch>
+                  <a:fillRect/>
+                </a:stretch>
+              </p:blipFill>
+              <p:spPr>
+                <a:xfrm>
+                  <a:off x="4079269" y="6103833"/>
+                  <a:ext cx="325640" cy="161565"/>
+                </a:xfrm>
+                <a:prstGeom prst="rect">
+                  <a:avLst/>
+                </a:prstGeom>
+              </p:spPr>
+            </p:pic>
+            <p:pic>
+              <p:nvPicPr>
+                <p:cNvPr id="99" name="Picture 98"/>
+                <p:cNvPicPr>
+                  <a:picLocks noChangeAspect="1"/>
+                </p:cNvPicPr>
+                <p:nvPr/>
+              </p:nvPicPr>
+              <p:blipFill>
+                <a:blip r:embed="rId5" cstate="print">
+                  <a:extLst>
+                    <a:ext uri="{28A0092B-C50C-407E-A947-70E740481C1C}">
+                      <a14:useLocalDpi xmlns:a14="http://schemas.microsoft.com/office/drawing/2010/main" val="0"/>
+                    </a:ext>
+                  </a:extLst>
+                </a:blip>
+                <a:stretch>
+                  <a:fillRect/>
+                </a:stretch>
+              </p:blipFill>
+              <p:spPr>
+                <a:xfrm>
+                  <a:off x="5345440" y="6084945"/>
+                  <a:ext cx="280633" cy="225596"/>
+                </a:xfrm>
+                <a:prstGeom prst="rect">
+                  <a:avLst/>
+                </a:prstGeom>
+              </p:spPr>
+            </p:pic>
+            <p:pic>
+              <p:nvPicPr>
+                <p:cNvPr id="100" name="Picture 99"/>
+                <p:cNvPicPr>
+                  <a:picLocks noChangeAspect="1"/>
+                </p:cNvPicPr>
+                <p:nvPr/>
+              </p:nvPicPr>
+              <p:blipFill>
+                <a:blip r:embed="rId6" cstate="print">
+                  <a:extLst>
+                    <a:ext uri="{28A0092B-C50C-407E-A947-70E740481C1C}">
+                      <a14:useLocalDpi xmlns:a14="http://schemas.microsoft.com/office/drawing/2010/main" val="0"/>
+                    </a:ext>
+                  </a:extLst>
+                </a:blip>
+                <a:stretch>
+                  <a:fillRect/>
+                </a:stretch>
+              </p:blipFill>
+              <p:spPr>
+                <a:xfrm>
+                  <a:off x="4515280" y="6084945"/>
+                  <a:ext cx="274386" cy="225596"/>
+                </a:xfrm>
+                <a:prstGeom prst="rect">
+                  <a:avLst/>
+                </a:prstGeom>
+              </p:spPr>
+            </p:pic>
+            <p:pic>
+              <p:nvPicPr>
+                <p:cNvPr id="101" name="Picture 100"/>
+                <p:cNvPicPr>
+                  <a:picLocks noChangeAspect="1"/>
+                </p:cNvPicPr>
+                <p:nvPr/>
+              </p:nvPicPr>
+              <p:blipFill>
+                <a:blip r:embed="rId7" cstate="print">
+                  <a:extLst>
+                    <a:ext uri="{28A0092B-C50C-407E-A947-70E740481C1C}">
+                      <a14:useLocalDpi xmlns:a14="http://schemas.microsoft.com/office/drawing/2010/main" val="0"/>
+                    </a:ext>
+                  </a:extLst>
+                </a:blip>
+                <a:stretch>
+                  <a:fillRect/>
+                </a:stretch>
+              </p:blipFill>
+              <p:spPr>
+                <a:xfrm flipH="1">
+                  <a:off x="2887074" y="6083191"/>
+                  <a:ext cx="255789" cy="218495"/>
+                </a:xfrm>
+                <a:prstGeom prst="rect">
+                  <a:avLst/>
+                </a:prstGeom>
+              </p:spPr>
+            </p:pic>
+          </p:grpSp>
+          <p:pic>
+            <p:nvPicPr>
+              <p:cNvPr id="97" name="Picture 96"/>
+              <p:cNvPicPr>
+                <a:picLocks noChangeAspect="1"/>
+              </p:cNvPicPr>
+              <p:nvPr/>
+            </p:nvPicPr>
+            <p:blipFill>
+              <a:blip r:embed="rId8"/>
+              <a:stretch>
+                <a:fillRect/>
+              </a:stretch>
+            </p:blipFill>
+            <p:spPr>
+              <a:xfrm>
+                <a:off x="4734039" y="6066646"/>
+                <a:ext cx="302061" cy="235941"/>
+              </a:xfrm>
+              <a:prstGeom prst="rect">
+                <a:avLst/>
+              </a:prstGeom>
+            </p:spPr>
+          </p:pic>
+        </p:grpSp>
+        <p:pic>
+          <p:nvPicPr>
+            <p:cNvPr id="94" name="Picture 93"/>
+            <p:cNvPicPr>
+              <a:picLocks noChangeAspect="1"/>
+            </p:cNvPicPr>
+            <p:nvPr/>
+          </p:nvPicPr>
+          <p:blipFill>
+            <a:blip r:embed="rId9"/>
+            <a:stretch>
+              <a:fillRect/>
+            </a:stretch>
+          </p:blipFill>
+          <p:spPr>
+            <a:xfrm>
+              <a:off x="3506696" y="6098817"/>
+              <a:ext cx="334903" cy="198223"/>
+            </a:xfrm>
+            <a:prstGeom prst="rect">
+              <a:avLst/>
+            </a:prstGeom>
+          </p:spPr>
+        </p:pic>
+        <p:pic>
+          <p:nvPicPr>
+            <p:cNvPr id="95" name="Picture 94"/>
+            <p:cNvPicPr>
+              <a:picLocks noChangeAspect="1"/>
+            </p:cNvPicPr>
+            <p:nvPr/>
+          </p:nvPicPr>
+          <p:blipFill>
+            <a:blip r:embed="rId10"/>
+            <a:stretch>
+              <a:fillRect/>
+            </a:stretch>
+          </p:blipFill>
+          <p:spPr>
+            <a:xfrm>
+              <a:off x="3107726" y="6098817"/>
+              <a:ext cx="327300" cy="196986"/>
+            </a:xfrm>
+            <a:prstGeom prst="rect">
+              <a:avLst/>
+            </a:prstGeom>
+          </p:spPr>
+        </p:pic>
+      </p:grpSp>
     </p:spTree>
     <p:extLst>
       <p:ext uri="{BB962C8B-B14F-4D97-AF65-F5344CB8AC3E}">
@@ -5622,225 +5914,215 @@
           <a:chExt cx="0" cy="0"/>
         </a:xfrm>
       </p:grpSpPr>
+      <p:sp>
+        <p:nvSpPr>
+          <p:cNvPr id="17" name="TextBox 16"/>
+          <p:cNvSpPr txBox="1"/>
+          <p:nvPr/>
+        </p:nvSpPr>
+        <p:spPr>
+          <a:xfrm>
+            <a:off x="228600" y="193318"/>
+            <a:ext cx="1060704" cy="369332"/>
+          </a:xfrm>
+          <a:prstGeom prst="rect">
+            <a:avLst/>
+          </a:prstGeom>
+          <a:noFill/>
+        </p:spPr>
+        <p:txBody>
+          <a:bodyPr wrap="square" rtlCol="0">
+            <a:spAutoFit/>
+          </a:bodyPr>
+          <a:lstStyle/>
+          <a:p>
+            <a:r>
+              <a:rPr lang="en-US" dirty="0" smtClean="0"/>
+              <a:t>Fig 2a-2b</a:t>
+            </a:r>
+          </a:p>
+        </p:txBody>
+      </p:sp>
+      <p:pic>
+        <p:nvPicPr>
+          <p:cNvPr id="2" name="Picture 1"/>
+          <p:cNvPicPr>
+            <a:picLocks noChangeAspect="1"/>
+          </p:cNvPicPr>
+          <p:nvPr/>
+        </p:nvPicPr>
+        <p:blipFill>
+          <a:blip r:embed="rId3"/>
+          <a:stretch>
+            <a:fillRect/>
+          </a:stretch>
+        </p:blipFill>
+        <p:spPr>
+          <a:xfrm>
+            <a:off x="1289304" y="70226"/>
+            <a:ext cx="9626664" cy="6427235"/>
+          </a:xfrm>
+          <a:prstGeom prst="rect">
+            <a:avLst/>
+          </a:prstGeom>
+        </p:spPr>
+      </p:pic>
       <p:grpSp>
         <p:nvGrpSpPr>
-          <p:cNvPr id="6" name="Group 5"/>
+          <p:cNvPr id="7" name="Group 6"/>
           <p:cNvGrpSpPr/>
           <p:nvPr/>
         </p:nvGrpSpPr>
         <p:grpSpPr>
           <a:xfrm>
-            <a:off x="1011163" y="65596"/>
-            <a:ext cx="9413888" cy="6414784"/>
-            <a:chOff x="1011163" y="65596"/>
-            <a:chExt cx="9413888" cy="6414784"/>
+            <a:off x="2092569" y="5642156"/>
+            <a:ext cx="3815862" cy="377873"/>
+            <a:chOff x="4092064" y="5579770"/>
+            <a:chExt cx="3105944" cy="245213"/>
           </a:xfrm>
         </p:grpSpPr>
-        <p:pic>
-          <p:nvPicPr>
-            <p:cNvPr id="4" name="Picture 3"/>
-            <p:cNvPicPr>
-              <a:picLocks noChangeAspect="1"/>
-            </p:cNvPicPr>
-            <p:nvPr/>
-          </p:nvPicPr>
-          <p:blipFill>
-            <a:blip r:embed="rId2"/>
-            <a:stretch>
-              <a:fillRect/>
-            </a:stretch>
-          </p:blipFill>
-          <p:spPr>
-            <a:xfrm>
-              <a:off x="1011163" y="271073"/>
-              <a:ext cx="9413888" cy="6209307"/>
-            </a:xfrm>
-            <a:prstGeom prst="rect">
-              <a:avLst/>
-            </a:prstGeom>
-          </p:spPr>
-        </p:pic>
         <p:grpSp>
           <p:nvGrpSpPr>
-            <p:cNvPr id="7" name="Group 6"/>
+            <p:cNvPr id="8" name="Group 7"/>
             <p:cNvGrpSpPr/>
             <p:nvPr/>
           </p:nvGrpSpPr>
           <p:grpSpPr>
             <a:xfrm>
-              <a:off x="1899786" y="5483456"/>
-              <a:ext cx="3544834" cy="310479"/>
+              <a:off x="4092064" y="5579770"/>
+              <a:ext cx="3105944" cy="245213"/>
               <a:chOff x="4092064" y="5579770"/>
               <a:chExt cx="3105944" cy="245213"/>
             </a:xfrm>
           </p:grpSpPr>
           <p:grpSp>
             <p:nvGrpSpPr>
-              <p:cNvPr id="8" name="Group 7"/>
+              <p:cNvPr id="11" name="Group 10"/>
               <p:cNvGrpSpPr/>
               <p:nvPr/>
             </p:nvGrpSpPr>
             <p:grpSpPr>
               <a:xfrm>
                 <a:off x="4092064" y="5579770"/>
-                <a:ext cx="3105944" cy="245213"/>
-                <a:chOff x="4092064" y="5579770"/>
-                <a:chExt cx="3105944" cy="245213"/>
+                <a:ext cx="2638534" cy="231317"/>
+                <a:chOff x="4258063" y="5579770"/>
+                <a:chExt cx="2638534" cy="231317"/>
               </a:xfrm>
             </p:grpSpPr>
-            <p:grpSp>
-              <p:nvGrpSpPr>
-                <p:cNvPr id="11" name="Group 10"/>
-                <p:cNvGrpSpPr/>
-                <p:nvPr/>
-              </p:nvGrpSpPr>
-              <p:grpSpPr>
-                <a:xfrm>
-                  <a:off x="4092064" y="5579770"/>
-                  <a:ext cx="2638534" cy="231317"/>
-                  <a:chOff x="4258063" y="5579770"/>
-                  <a:chExt cx="2638534" cy="231317"/>
-                </a:xfrm>
-              </p:grpSpPr>
-              <p:pic>
-                <p:nvPicPr>
-                  <p:cNvPr id="13" name="Picture 12"/>
-                  <p:cNvPicPr>
-                    <a:picLocks noChangeAspect="1"/>
-                  </p:cNvPicPr>
-                  <p:nvPr/>
-                </p:nvPicPr>
-                <p:blipFill>
-                  <a:blip r:embed="rId3" cstate="print">
-                    <a:extLst>
-                      <a:ext uri="{28A0092B-C50C-407E-A947-70E740481C1C}">
-                        <a14:useLocalDpi xmlns:a14="http://schemas.microsoft.com/office/drawing/2010/main" val="0"/>
-                      </a:ext>
-                    </a:extLst>
-                  </a:blip>
-                  <a:stretch>
-                    <a:fillRect/>
-                  </a:stretch>
-                </p:blipFill>
-                <p:spPr>
-                  <a:xfrm>
-                    <a:off x="4690969" y="5623587"/>
-                    <a:ext cx="325640" cy="161565"/>
-                  </a:xfrm>
-                  <a:prstGeom prst="rect">
-                    <a:avLst/>
-                  </a:prstGeom>
-                </p:spPr>
-              </p:pic>
-              <p:pic>
-                <p:nvPicPr>
-                  <p:cNvPr id="14" name="Picture 13"/>
-                  <p:cNvPicPr>
-                    <a:picLocks noChangeAspect="1"/>
-                  </p:cNvPicPr>
-                  <p:nvPr/>
-                </p:nvPicPr>
-                <p:blipFill>
-                  <a:blip r:embed="rId4" cstate="print">
-                    <a:extLst>
-                      <a:ext uri="{28A0092B-C50C-407E-A947-70E740481C1C}">
-                        <a14:useLocalDpi xmlns:a14="http://schemas.microsoft.com/office/drawing/2010/main" val="0"/>
-                      </a:ext>
-                    </a:extLst>
-                  </a:blip>
-                  <a:stretch>
-                    <a:fillRect/>
-                  </a:stretch>
-                </p:blipFill>
-                <p:spPr>
-                  <a:xfrm>
-                    <a:off x="5178545" y="5585491"/>
-                    <a:ext cx="280633" cy="225596"/>
-                  </a:xfrm>
-                  <a:prstGeom prst="rect">
-                    <a:avLst/>
-                  </a:prstGeom>
-                </p:spPr>
-              </p:pic>
-              <p:pic>
-                <p:nvPicPr>
-                  <p:cNvPr id="15" name="Picture 14"/>
-                  <p:cNvPicPr>
-                    <a:picLocks noChangeAspect="1"/>
-                  </p:cNvPicPr>
-                  <p:nvPr/>
-                </p:nvPicPr>
-                <p:blipFill>
-                  <a:blip r:embed="rId5" cstate="print">
-                    <a:extLst>
-                      <a:ext uri="{28A0092B-C50C-407E-A947-70E740481C1C}">
-                        <a14:useLocalDpi xmlns:a14="http://schemas.microsoft.com/office/drawing/2010/main" val="0"/>
-                      </a:ext>
-                    </a:extLst>
-                  </a:blip>
-                  <a:stretch>
-                    <a:fillRect/>
-                  </a:stretch>
-                </p:blipFill>
-                <p:spPr>
-                  <a:xfrm>
-                    <a:off x="4258063" y="5579770"/>
-                    <a:ext cx="274386" cy="225596"/>
-                  </a:xfrm>
-                  <a:prstGeom prst="rect">
-                    <a:avLst/>
-                  </a:prstGeom>
-                </p:spPr>
-              </p:pic>
-              <p:pic>
-                <p:nvPicPr>
-                  <p:cNvPr id="16" name="Picture 15"/>
-                  <p:cNvPicPr>
-                    <a:picLocks noChangeAspect="1"/>
-                  </p:cNvPicPr>
-                  <p:nvPr/>
-                </p:nvPicPr>
-                <p:blipFill>
-                  <a:blip r:embed="rId6" cstate="print">
-                    <a:extLst>
-                      <a:ext uri="{28A0092B-C50C-407E-A947-70E740481C1C}">
-                        <a14:useLocalDpi xmlns:a14="http://schemas.microsoft.com/office/drawing/2010/main" val="0"/>
-                      </a:ext>
-                    </a:extLst>
-                  </a:blip>
-                  <a:stretch>
-                    <a:fillRect/>
-                  </a:stretch>
-                </p:blipFill>
-                <p:spPr>
-                  <a:xfrm flipH="1">
-                    <a:off x="6640808" y="5592592"/>
-                    <a:ext cx="255789" cy="218495"/>
-                  </a:xfrm>
-                  <a:prstGeom prst="rect">
-                    <a:avLst/>
-                  </a:prstGeom>
-                </p:spPr>
-              </p:pic>
-            </p:grpSp>
             <p:pic>
               <p:nvPicPr>
-                <p:cNvPr id="12" name="Picture 11"/>
+                <p:cNvPr id="13" name="Picture 12"/>
                 <p:cNvPicPr>
                   <a:picLocks noChangeAspect="1"/>
                 </p:cNvPicPr>
                 <p:nvPr/>
               </p:nvPicPr>
               <p:blipFill>
-                <a:blip r:embed="rId7"/>
+                <a:blip r:embed="rId4" cstate="print">
+                  <a:extLst>
+                    <a:ext uri="{28A0092B-C50C-407E-A947-70E740481C1C}">
+                      <a14:useLocalDpi xmlns:a14="http://schemas.microsoft.com/office/drawing/2010/main" val="0"/>
+                    </a:ext>
+                  </a:extLst>
+                </a:blip>
                 <a:stretch>
                   <a:fillRect/>
                 </a:stretch>
               </p:blipFill>
               <p:spPr>
                 <a:xfrm>
-                  <a:off x="6895947" y="5589042"/>
-                  <a:ext cx="302061" cy="235941"/>
+                  <a:off x="4690969" y="5623587"/>
+                  <a:ext cx="325640" cy="161565"/>
+                </a:xfrm>
+                <a:prstGeom prst="rect">
+                  <a:avLst/>
+                </a:prstGeom>
+              </p:spPr>
+            </p:pic>
+            <p:pic>
+              <p:nvPicPr>
+                <p:cNvPr id="14" name="Picture 13"/>
+                <p:cNvPicPr>
+                  <a:picLocks noChangeAspect="1"/>
+                </p:cNvPicPr>
+                <p:nvPr/>
+              </p:nvPicPr>
+              <p:blipFill>
+                <a:blip r:embed="rId5" cstate="print">
+                  <a:extLst>
+                    <a:ext uri="{28A0092B-C50C-407E-A947-70E740481C1C}">
+                      <a14:useLocalDpi xmlns:a14="http://schemas.microsoft.com/office/drawing/2010/main" val="0"/>
+                    </a:ext>
+                  </a:extLst>
+                </a:blip>
+                <a:stretch>
+                  <a:fillRect/>
+                </a:stretch>
+              </p:blipFill>
+              <p:spPr>
+                <a:xfrm>
+                  <a:off x="5178545" y="5585491"/>
+                  <a:ext cx="280633" cy="225596"/>
+                </a:xfrm>
+                <a:prstGeom prst="rect">
+                  <a:avLst/>
+                </a:prstGeom>
+              </p:spPr>
+            </p:pic>
+            <p:pic>
+              <p:nvPicPr>
+                <p:cNvPr id="15" name="Picture 14"/>
+                <p:cNvPicPr>
+                  <a:picLocks noChangeAspect="1"/>
+                </p:cNvPicPr>
+                <p:nvPr/>
+              </p:nvPicPr>
+              <p:blipFill>
+                <a:blip r:embed="rId6" cstate="print">
+                  <a:extLst>
+                    <a:ext uri="{28A0092B-C50C-407E-A947-70E740481C1C}">
+                      <a14:useLocalDpi xmlns:a14="http://schemas.microsoft.com/office/drawing/2010/main" val="0"/>
+                    </a:ext>
+                  </a:extLst>
+                </a:blip>
+                <a:stretch>
+                  <a:fillRect/>
+                </a:stretch>
+              </p:blipFill>
+              <p:spPr>
+                <a:xfrm>
+                  <a:off x="4258063" y="5579770"/>
+                  <a:ext cx="274386" cy="225596"/>
+                </a:xfrm>
+                <a:prstGeom prst="rect">
+                  <a:avLst/>
+                </a:prstGeom>
+              </p:spPr>
+            </p:pic>
+            <p:pic>
+              <p:nvPicPr>
+                <p:cNvPr id="16" name="Picture 15"/>
+                <p:cNvPicPr>
+                  <a:picLocks noChangeAspect="1"/>
+                </p:cNvPicPr>
+                <p:nvPr/>
+              </p:nvPicPr>
+              <p:blipFill>
+                <a:blip r:embed="rId7" cstate="print">
+                  <a:extLst>
+                    <a:ext uri="{28A0092B-C50C-407E-A947-70E740481C1C}">
+                      <a14:useLocalDpi xmlns:a14="http://schemas.microsoft.com/office/drawing/2010/main" val="0"/>
+                    </a:ext>
+                  </a:extLst>
+                </a:blip>
+                <a:stretch>
+                  <a:fillRect/>
+                </a:stretch>
+              </p:blipFill>
+              <p:spPr>
+                <a:xfrm flipH="1">
+                  <a:off x="6640808" y="5592592"/>
+                  <a:ext cx="255789" cy="218495"/>
                 </a:xfrm>
                 <a:prstGeom prst="rect">
                   <a:avLst/>
@@ -5850,7 +6132,7 @@
           </p:grpSp>
           <p:pic>
             <p:nvPicPr>
-              <p:cNvPr id="9" name="Picture 8"/>
+              <p:cNvPr id="12" name="Picture 11"/>
               <p:cNvPicPr>
                 <a:picLocks noChangeAspect="1"/>
               </p:cNvPicPr>
@@ -5864,32 +6146,8 @@
             </p:blipFill>
             <p:spPr>
               <a:xfrm>
-                <a:off x="5470546" y="5589042"/>
-                <a:ext cx="334903" cy="198223"/>
-              </a:xfrm>
-              <a:prstGeom prst="rect">
-                <a:avLst/>
-              </a:prstGeom>
-            </p:spPr>
-          </p:pic>
-          <p:pic>
-            <p:nvPicPr>
-              <p:cNvPr id="10" name="Picture 9"/>
-              <p:cNvPicPr>
-                <a:picLocks noChangeAspect="1"/>
-              </p:cNvPicPr>
-              <p:nvPr/>
-            </p:nvPicPr>
-            <p:blipFill>
-              <a:blip r:embed="rId9"/>
-              <a:stretch>
-                <a:fillRect/>
-              </a:stretch>
-            </p:blipFill>
-            <p:spPr>
-              <a:xfrm>
-                <a:off x="5942690" y="5606488"/>
-                <a:ext cx="327300" cy="196986"/>
+                <a:off x="6895947" y="5589042"/>
+                <a:ext cx="302061" cy="235941"/>
               </a:xfrm>
               <a:prstGeom prst="rect">
                 <a:avLst/>
@@ -5899,21 +6157,46 @@
         </p:grpSp>
         <p:pic>
           <p:nvPicPr>
-            <p:cNvPr id="18" name="Picture 17"/>
+            <p:cNvPr id="9" name="Picture 8"/>
             <p:cNvPicPr>
               <a:picLocks noChangeAspect="1"/>
             </p:cNvPicPr>
             <p:nvPr/>
           </p:nvPicPr>
-          <p:blipFill rotWithShape="1">
-            <a:blip r:embed="rId10"/>
-            <a:srcRect l="14954" t="272" r="6404" b="94166"/>
-            <a:stretch/>
+          <p:blipFill>
+            <a:blip r:embed="rId9"/>
+            <a:stretch>
+              <a:fillRect/>
+            </a:stretch>
           </p:blipFill>
           <p:spPr>
             <a:xfrm>
-              <a:off x="3855283" y="65596"/>
-              <a:ext cx="3520440" cy="347472"/>
+              <a:off x="5470546" y="5589042"/>
+              <a:ext cx="334903" cy="198223"/>
+            </a:xfrm>
+            <a:prstGeom prst="rect">
+              <a:avLst/>
+            </a:prstGeom>
+          </p:spPr>
+        </p:pic>
+        <p:pic>
+          <p:nvPicPr>
+            <p:cNvPr id="10" name="Picture 9"/>
+            <p:cNvPicPr>
+              <a:picLocks noChangeAspect="1"/>
+            </p:cNvPicPr>
+            <p:nvPr/>
+          </p:nvPicPr>
+          <p:blipFill>
+            <a:blip r:embed="rId10"/>
+            <a:stretch>
+              <a:fillRect/>
+            </a:stretch>
+          </p:blipFill>
+          <p:spPr>
+            <a:xfrm>
+              <a:off x="5942690" y="5606488"/>
+              <a:ext cx="327300" cy="196986"/>
             </a:xfrm>
             <a:prstGeom prst="rect">
               <a:avLst/>
@@ -5921,35 +6204,108 @@
           </p:spPr>
         </p:pic>
       </p:grpSp>
-      <p:sp>
-        <p:nvSpPr>
-          <p:cNvPr id="17" name="TextBox 16"/>
-          <p:cNvSpPr txBox="1"/>
+      <p:grpSp>
+        <p:nvGrpSpPr>
+          <p:cNvPr id="23" name="Group 22"/>
+          <p:cNvGrpSpPr/>
           <p:nvPr/>
-        </p:nvSpPr>
-        <p:spPr>
+        </p:nvGrpSpPr>
+        <p:grpSpPr>
           <a:xfrm>
-            <a:off x="228600" y="193318"/>
-            <a:ext cx="1060704" cy="369332"/>
+            <a:off x="7248182" y="5582091"/>
+            <a:ext cx="3201060" cy="408944"/>
+            <a:chOff x="7248182" y="5582091"/>
+            <a:chExt cx="3201060" cy="408944"/>
           </a:xfrm>
-          <a:prstGeom prst="rect">
-            <a:avLst/>
-          </a:prstGeom>
-          <a:noFill/>
-        </p:spPr>
-        <p:txBody>
-          <a:bodyPr wrap="square" rtlCol="0">
-            <a:spAutoFit/>
-          </a:bodyPr>
-          <a:lstStyle/>
-          <a:p>
-            <a:r>
-              <a:rPr lang="en-US" dirty="0" smtClean="0"/>
-              <a:t>Fig 2a-2b</a:t>
-            </a:r>
-          </a:p>
-        </p:txBody>
-      </p:sp>
+        </p:grpSpPr>
+        <p:pic>
+          <p:nvPicPr>
+            <p:cNvPr id="19" name="Picture 18"/>
+            <p:cNvPicPr>
+              <a:picLocks noChangeAspect="1"/>
+            </p:cNvPicPr>
+            <p:nvPr/>
+          </p:nvPicPr>
+          <p:blipFill>
+            <a:blip r:embed="rId11"/>
+            <a:stretch>
+              <a:fillRect/>
+            </a:stretch>
+          </p:blipFill>
+          <p:spPr>
+            <a:xfrm>
+              <a:off x="9793330" y="5588411"/>
+              <a:ext cx="655912" cy="396304"/>
+            </a:xfrm>
+            <a:prstGeom prst="rect">
+              <a:avLst/>
+            </a:prstGeom>
+          </p:spPr>
+        </p:pic>
+        <p:grpSp>
+          <p:nvGrpSpPr>
+            <p:cNvPr id="22" name="Group 21"/>
+            <p:cNvGrpSpPr/>
+            <p:nvPr/>
+          </p:nvGrpSpPr>
+          <p:grpSpPr>
+            <a:xfrm>
+              <a:off x="7248182" y="5582091"/>
+              <a:ext cx="1970903" cy="408944"/>
+              <a:chOff x="7248182" y="5582091"/>
+              <a:chExt cx="1970903" cy="408944"/>
+            </a:xfrm>
+          </p:grpSpPr>
+          <p:pic>
+            <p:nvPicPr>
+              <p:cNvPr id="20" name="Picture 19"/>
+              <p:cNvPicPr>
+                <a:picLocks noChangeAspect="1"/>
+              </p:cNvPicPr>
+              <p:nvPr/>
+            </p:nvPicPr>
+            <p:blipFill>
+              <a:blip r:embed="rId12"/>
+              <a:stretch>
+                <a:fillRect/>
+              </a:stretch>
+            </p:blipFill>
+            <p:spPr>
+              <a:xfrm>
+                <a:off x="8490606" y="5642156"/>
+                <a:ext cx="728479" cy="293882"/>
+              </a:xfrm>
+              <a:prstGeom prst="rect">
+                <a:avLst/>
+              </a:prstGeom>
+            </p:spPr>
+          </p:pic>
+          <p:pic>
+            <p:nvPicPr>
+              <p:cNvPr id="5" name="Picture 4"/>
+              <p:cNvPicPr>
+                <a:picLocks noChangeAspect="1"/>
+              </p:cNvPicPr>
+              <p:nvPr/>
+            </p:nvPicPr>
+            <p:blipFill>
+              <a:blip r:embed="rId13"/>
+              <a:stretch>
+                <a:fillRect/>
+              </a:stretch>
+            </p:blipFill>
+            <p:spPr>
+              <a:xfrm>
+                <a:off x="7248182" y="5582091"/>
+                <a:ext cx="640805" cy="408944"/>
+              </a:xfrm>
+              <a:prstGeom prst="rect">
+                <a:avLst/>
+              </a:prstGeom>
+            </p:spPr>
+          </p:pic>
+        </p:grpSp>
+      </p:grpSp>
     </p:spTree>
     <p:extLst>
       <p:ext uri="{BB962C8B-B14F-4D97-AF65-F5344CB8AC3E}">
@@ -5988,7 +6344,7 @@
         </p:nvSpPr>
         <p:spPr>
           <a:xfrm>
-            <a:off x="1488545" y="5262479"/>
+            <a:off x="1523714" y="4754467"/>
             <a:ext cx="8805672" cy="646331"/>
           </a:xfrm>
           <a:prstGeom prst="rect">
@@ -6074,7 +6430,7 @@
         </p:nvSpPr>
         <p:spPr>
           <a:xfrm>
-            <a:off x="1488545" y="5771846"/>
+            <a:off x="1523714" y="5263834"/>
             <a:ext cx="8805672" cy="646331"/>
           </a:xfrm>
           <a:prstGeom prst="rect">
@@ -6138,8 +6494,8 @@
         </p:nvSpPr>
         <p:spPr>
           <a:xfrm>
-            <a:off x="1488545" y="6418177"/>
-            <a:ext cx="8805672" cy="369332"/>
+            <a:off x="1523714" y="5910165"/>
+            <a:ext cx="8805672" cy="646331"/>
           </a:xfrm>
           <a:prstGeom prst="rect">
             <a:avLst/>
@@ -6153,7 +6509,11 @@
           <a:p>
             <a:r>
               <a:rPr lang="en-US" dirty="0" smtClean="0"/>
-              <a:t>Figure3c. Predicted values of hierarchically scaled count datasets by taxa. </a:t>
+              <a:t>Figure3c. Predicted values of hierarchically scaled count datasets by </a:t>
+            </a:r>
+            <a:r>
+              <a:rPr lang="en-US" dirty="0" smtClean="0"/>
+              <a:t>taxa using average community size XXX. </a:t>
             </a:r>
             <a:endParaRPr lang="en-US" dirty="0"/>
           </a:p>
@@ -6429,75 +6789,6 @@
           <a:chExt cx="0" cy="0"/>
         </a:xfrm>
       </p:grpSpPr>
-      <p:pic>
-        <p:nvPicPr>
-          <p:cNvPr id="3" name="Picture 2"/>
-          <p:cNvPicPr>
-            <a:picLocks noChangeAspect="1"/>
-          </p:cNvPicPr>
-          <p:nvPr/>
-        </p:nvPicPr>
-        <p:blipFill rotWithShape="1">
-          <a:blip r:embed="rId2"/>
-          <a:srcRect b="396"/>
-          <a:stretch/>
-        </p:blipFill>
-        <p:spPr>
-          <a:xfrm>
-            <a:off x="650165" y="950329"/>
-            <a:ext cx="5696690" cy="2391938"/>
-          </a:xfrm>
-          <a:prstGeom prst="rect">
-            <a:avLst/>
-          </a:prstGeom>
-        </p:spPr>
-      </p:pic>
-      <p:pic>
-        <p:nvPicPr>
-          <p:cNvPr id="4" name="Picture 3"/>
-          <p:cNvPicPr>
-            <a:picLocks noChangeAspect="1"/>
-          </p:cNvPicPr>
-          <p:nvPr/>
-        </p:nvPicPr>
-        <p:blipFill rotWithShape="1">
-          <a:blip r:embed="rId3"/>
-          <a:srcRect l="327"/>
-          <a:stretch/>
-        </p:blipFill>
-        <p:spPr>
-          <a:xfrm>
-            <a:off x="338562" y="3747248"/>
-            <a:ext cx="5603620" cy="2716306"/>
-          </a:xfrm>
-          <a:prstGeom prst="rect">
-            <a:avLst/>
-          </a:prstGeom>
-        </p:spPr>
-      </p:pic>
-      <p:pic>
-        <p:nvPicPr>
-          <p:cNvPr id="7" name="Picture 6"/>
-          <p:cNvPicPr>
-            <a:picLocks noChangeAspect="1"/>
-          </p:cNvPicPr>
-          <p:nvPr/>
-        </p:nvPicPr>
-        <p:blipFill rotWithShape="1">
-          <a:blip r:embed="rId4"/>
-          <a:srcRect b="61580"/>
-          <a:stretch/>
-        </p:blipFill>
-        <p:spPr>
-          <a:xfrm>
-            <a:off x="4761082" y="5241482"/>
-            <a:ext cx="1181100" cy="944165"/>
-          </a:xfrm>
-          <a:prstGeom prst="rect">
-            <a:avLst/>
-          </a:prstGeom>
-        </p:spPr>
-      </p:pic>
       <p:sp>
         <p:nvSpPr>
           <p:cNvPr id="8" name="TextBox 7"/>
@@ -6538,21 +6829,21 @@
       </p:sp>
       <p:pic>
         <p:nvPicPr>
-          <p:cNvPr id="9" name="Picture 8"/>
+          <p:cNvPr id="5" name="Picture 4"/>
           <p:cNvPicPr>
             <a:picLocks noChangeAspect="1"/>
           </p:cNvPicPr>
           <p:nvPr/>
         </p:nvPicPr>
         <p:blipFill rotWithShape="1">
-          <a:blip r:embed="rId4"/>
-          <a:srcRect t="40244"/>
+          <a:blip r:embed="rId2"/>
+          <a:srcRect t="480" b="1"/>
           <a:stretch/>
         </p:blipFill>
         <p:spPr>
           <a:xfrm>
-            <a:off x="754935" y="3836893"/>
-            <a:ext cx="1181100" cy="1468461"/>
+            <a:off x="3288322" y="2684890"/>
+            <a:ext cx="5610091" cy="4173110"/>
           </a:xfrm>
           <a:prstGeom prst="rect">
             <a:avLst/>
@@ -6561,22 +6852,22 @@
       </p:pic>
       <p:pic>
         <p:nvPicPr>
-          <p:cNvPr id="2" name="Picture 1"/>
+          <p:cNvPr id="6" name="Picture 5"/>
           <p:cNvPicPr>
             <a:picLocks noChangeAspect="1"/>
           </p:cNvPicPr>
           <p:nvPr/>
         </p:nvPicPr>
         <p:blipFill>
-          <a:blip r:embed="rId5"/>
+          <a:blip r:embed="rId3"/>
           <a:stretch>
             <a:fillRect/>
           </a:stretch>
         </p:blipFill>
         <p:spPr>
           <a:xfrm>
-            <a:off x="4955644" y="950329"/>
-            <a:ext cx="5667375" cy="390525"/>
+            <a:off x="3288322" y="134914"/>
+            <a:ext cx="5613636" cy="2549977"/>
           </a:xfrm>
           <a:prstGeom prst="rect">
             <a:avLst/>

--- a/output/plots/all_figs_with_legends.pptx
+++ b/output/plots/all_figs_with_legends.pptx
@@ -202,7 +202,7 @@
           <a:p>
             <a:fld id="{7FA21820-D199-4D82-91AF-C50B1D3B111A}" type="datetimeFigureOut">
               <a:rPr lang="en-US" smtClean="0"/>
-              <a:t>4/11/2017</a:t>
+              <a:t>4/12/2017</a:t>
             </a:fld>
             <a:endParaRPr lang="en-US"/>
           </a:p>
@@ -1035,7 +1035,7 @@
           <a:p>
             <a:fld id="{916B8C92-D5E3-4480-8685-D57BEE386DE2}" type="datetimeFigureOut">
               <a:rPr lang="en-US" smtClean="0"/>
-              <a:t>4/11/2017</a:t>
+              <a:t>4/12/2017</a:t>
             </a:fld>
             <a:endParaRPr lang="en-US"/>
           </a:p>
@@ -1205,7 +1205,7 @@
           <a:p>
             <a:fld id="{916B8C92-D5E3-4480-8685-D57BEE386DE2}" type="datetimeFigureOut">
               <a:rPr lang="en-US" smtClean="0"/>
-              <a:t>4/11/2017</a:t>
+              <a:t>4/12/2017</a:t>
             </a:fld>
             <a:endParaRPr lang="en-US"/>
           </a:p>
@@ -1385,7 +1385,7 @@
           <a:p>
             <a:fld id="{916B8C92-D5E3-4480-8685-D57BEE386DE2}" type="datetimeFigureOut">
               <a:rPr lang="en-US" smtClean="0"/>
-              <a:t>4/11/2017</a:t>
+              <a:t>4/12/2017</a:t>
             </a:fld>
             <a:endParaRPr lang="en-US"/>
           </a:p>
@@ -1555,7 +1555,7 @@
           <a:p>
             <a:fld id="{916B8C92-D5E3-4480-8685-D57BEE386DE2}" type="datetimeFigureOut">
               <a:rPr lang="en-US" smtClean="0"/>
-              <a:t>4/11/2017</a:t>
+              <a:t>4/12/2017</a:t>
             </a:fld>
             <a:endParaRPr lang="en-US"/>
           </a:p>
@@ -1801,7 +1801,7 @@
           <a:p>
             <a:fld id="{916B8C92-D5E3-4480-8685-D57BEE386DE2}" type="datetimeFigureOut">
               <a:rPr lang="en-US" smtClean="0"/>
-              <a:t>4/11/2017</a:t>
+              <a:t>4/12/2017</a:t>
             </a:fld>
             <a:endParaRPr lang="en-US"/>
           </a:p>
@@ -2033,7 +2033,7 @@
           <a:p>
             <a:fld id="{916B8C92-D5E3-4480-8685-D57BEE386DE2}" type="datetimeFigureOut">
               <a:rPr lang="en-US" smtClean="0"/>
-              <a:t>4/11/2017</a:t>
+              <a:t>4/12/2017</a:t>
             </a:fld>
             <a:endParaRPr lang="en-US"/>
           </a:p>
@@ -2400,7 +2400,7 @@
           <a:p>
             <a:fld id="{916B8C92-D5E3-4480-8685-D57BEE386DE2}" type="datetimeFigureOut">
               <a:rPr lang="en-US" smtClean="0"/>
-              <a:t>4/11/2017</a:t>
+              <a:t>4/12/2017</a:t>
             </a:fld>
             <a:endParaRPr lang="en-US"/>
           </a:p>
@@ -2518,7 +2518,7 @@
           <a:p>
             <a:fld id="{916B8C92-D5E3-4480-8685-D57BEE386DE2}" type="datetimeFigureOut">
               <a:rPr lang="en-US" smtClean="0"/>
-              <a:t>4/11/2017</a:t>
+              <a:t>4/12/2017</a:t>
             </a:fld>
             <a:endParaRPr lang="en-US"/>
           </a:p>
@@ -2613,7 +2613,7 @@
           <a:p>
             <a:fld id="{916B8C92-D5E3-4480-8685-D57BEE386DE2}" type="datetimeFigureOut">
               <a:rPr lang="en-US" smtClean="0"/>
-              <a:t>4/11/2017</a:t>
+              <a:t>4/12/2017</a:t>
             </a:fld>
             <a:endParaRPr lang="en-US"/>
           </a:p>
@@ -2890,7 +2890,7 @@
           <a:p>
             <a:fld id="{916B8C92-D5E3-4480-8685-D57BEE386DE2}" type="datetimeFigureOut">
               <a:rPr lang="en-US" smtClean="0"/>
-              <a:t>4/11/2017</a:t>
+              <a:t>4/12/2017</a:t>
             </a:fld>
             <a:endParaRPr lang="en-US"/>
           </a:p>
@@ -3143,7 +3143,7 @@
           <a:p>
             <a:fld id="{916B8C92-D5E3-4480-8685-D57BEE386DE2}" type="datetimeFigureOut">
               <a:rPr lang="en-US" smtClean="0"/>
-              <a:t>4/11/2017</a:t>
+              <a:t>4/12/2017</a:t>
             </a:fld>
             <a:endParaRPr lang="en-US"/>
           </a:p>
@@ -3356,7 +3356,7 @@
           <a:p>
             <a:fld id="{916B8C92-D5E3-4480-8685-D57BEE386DE2}" type="datetimeFigureOut">
               <a:rPr lang="en-US" smtClean="0"/>
-              <a:t>4/11/2017</a:t>
+              <a:t>4/12/2017</a:t>
             </a:fld>
             <a:endParaRPr lang="en-US"/>
           </a:p>
@@ -6509,11 +6509,7 @@
           <a:p>
             <a:r>
               <a:rPr lang="en-US" dirty="0" smtClean="0"/>
-              <a:t>Figure3c. Predicted values of hierarchically scaled count datasets by </a:t>
-            </a:r>
-            <a:r>
-              <a:rPr lang="en-US" dirty="0" smtClean="0"/>
-              <a:t>taxa using average community size XXX. </a:t>
+              <a:t>Figure3c. Predicted values of hierarchically scaled count datasets by taxa using average community size XXX. </a:t>
             </a:r>
             <a:endParaRPr lang="en-US" dirty="0"/>
           </a:p>
@@ -6829,7 +6825,7 @@
       </p:sp>
       <p:pic>
         <p:nvPicPr>
-          <p:cNvPr id="5" name="Picture 4"/>
+          <p:cNvPr id="3" name="Picture 2"/>
           <p:cNvPicPr>
             <a:picLocks noChangeAspect="1"/>
           </p:cNvPicPr>
@@ -6837,37 +6833,13 @@
         </p:nvPicPr>
         <p:blipFill rotWithShape="1">
           <a:blip r:embed="rId2"/>
-          <a:srcRect t="480" b="1"/>
+          <a:srcRect l="302" r="338"/>
           <a:stretch/>
         </p:blipFill>
         <p:spPr>
           <a:xfrm>
-            <a:off x="3288322" y="2684890"/>
-            <a:ext cx="5610091" cy="4173110"/>
-          </a:xfrm>
-          <a:prstGeom prst="rect">
-            <a:avLst/>
-          </a:prstGeom>
-        </p:spPr>
-      </p:pic>
-      <p:pic>
-        <p:nvPicPr>
-          <p:cNvPr id="6" name="Picture 5"/>
-          <p:cNvPicPr>
-            <a:picLocks noChangeAspect="1"/>
-          </p:cNvPicPr>
-          <p:nvPr/>
-        </p:nvPicPr>
-        <p:blipFill>
-          <a:blip r:embed="rId3"/>
-          <a:stretch>
-            <a:fillRect/>
-          </a:stretch>
-        </p:blipFill>
-        <p:spPr>
-          <a:xfrm>
-            <a:off x="3288322" y="134914"/>
-            <a:ext cx="5613636" cy="2549977"/>
+            <a:off x="1499616" y="134914"/>
+            <a:ext cx="9025128" cy="6723086"/>
           </a:xfrm>
           <a:prstGeom prst="rect">
             <a:avLst/>

--- a/output/plots/all_figs_with_legends.pptx
+++ b/output/plots/all_figs_with_legends.pptx
@@ -6537,7 +6537,7 @@
         </p:blipFill>
         <p:spPr>
           <a:xfrm>
-            <a:off x="8846360" y="4043043"/>
+            <a:off x="8928428" y="4379928"/>
             <a:ext cx="411228" cy="234519"/>
           </a:xfrm>
           <a:prstGeom prst="rect">
@@ -6567,7 +6567,7 @@
         </p:blipFill>
         <p:spPr>
           <a:xfrm>
-            <a:off x="9555342" y="3996572"/>
+            <a:off x="9637410" y="4333457"/>
             <a:ext cx="354392" cy="327463"/>
           </a:xfrm>
           <a:prstGeom prst="rect">
@@ -6597,7 +6597,7 @@
         </p:blipFill>
         <p:spPr>
           <a:xfrm>
-            <a:off x="8197016" y="3996572"/>
+            <a:off x="8279084" y="4333457"/>
             <a:ext cx="346503" cy="327463"/>
           </a:xfrm>
           <a:prstGeom prst="rect">
@@ -6627,7 +6627,7 @@
         </p:blipFill>
         <p:spPr>
           <a:xfrm flipH="1">
-            <a:off x="11687426" y="4011467"/>
+            <a:off x="11769494" y="4348352"/>
             <a:ext cx="323019" cy="317155"/>
           </a:xfrm>
           <a:prstGeom prst="rect">
@@ -6651,7 +6651,7 @@
         </p:blipFill>
         <p:spPr>
           <a:xfrm>
-            <a:off x="10236190" y="4016438"/>
+            <a:off x="10318258" y="4353323"/>
             <a:ext cx="422927" cy="287729"/>
           </a:xfrm>
           <a:prstGeom prst="rect">
@@ -6675,7 +6675,7 @@
         </p:blipFill>
         <p:spPr>
           <a:xfrm>
-            <a:off x="10908692" y="4018234"/>
+            <a:off x="10990760" y="4355119"/>
             <a:ext cx="413325" cy="285934"/>
           </a:xfrm>
           <a:prstGeom prst="rect">
@@ -6685,7 +6685,7 @@
       </p:pic>
       <p:pic>
         <p:nvPicPr>
-          <p:cNvPr id="4" name="Picture 3"/>
+          <p:cNvPr id="8" name="Picture 7"/>
           <p:cNvPicPr>
             <a:picLocks noChangeAspect="1"/>
           </p:cNvPicPr>
@@ -6699,56 +6699,8 @@
         </p:blipFill>
         <p:spPr>
           <a:xfrm>
-            <a:off x="36670" y="1554417"/>
-            <a:ext cx="3769065" cy="2904091"/>
-          </a:xfrm>
-          <a:prstGeom prst="rect">
-            <a:avLst/>
-          </a:prstGeom>
-        </p:spPr>
-      </p:pic>
-      <p:pic>
-        <p:nvPicPr>
-          <p:cNvPr id="2" name="Picture 1"/>
-          <p:cNvPicPr>
-            <a:picLocks noChangeAspect="1"/>
-          </p:cNvPicPr>
-          <p:nvPr/>
-        </p:nvPicPr>
-        <p:blipFill>
-          <a:blip r:embed="rId9"/>
-          <a:stretch>
-            <a:fillRect/>
-          </a:stretch>
-        </p:blipFill>
-        <p:spPr>
-          <a:xfrm>
-            <a:off x="7689930" y="1294997"/>
-            <a:ext cx="4425869" cy="2732465"/>
-          </a:xfrm>
-          <a:prstGeom prst="rect">
-            <a:avLst/>
-          </a:prstGeom>
-        </p:spPr>
-      </p:pic>
-      <p:pic>
-        <p:nvPicPr>
-          <p:cNvPr id="3" name="Picture 2"/>
-          <p:cNvPicPr>
-            <a:picLocks noChangeAspect="1"/>
-          </p:cNvPicPr>
-          <p:nvPr/>
-        </p:nvPicPr>
-        <p:blipFill>
-          <a:blip r:embed="rId10"/>
-          <a:stretch>
-            <a:fillRect/>
-          </a:stretch>
-        </p:blipFill>
-        <p:spPr>
-          <a:xfrm>
-            <a:off x="3869222" y="1476921"/>
-            <a:ext cx="3457761" cy="2693123"/>
+            <a:off x="-77904" y="134914"/>
+            <a:ext cx="12008908" cy="3973222"/>
           </a:xfrm>
           <a:prstGeom prst="rect">
             <a:avLst/>

--- a/output/plots/all_figs_with_legends.pptx
+++ b/output/plots/all_figs_with_legends.pptx
@@ -202,7 +202,7 @@
           <a:p>
             <a:fld id="{7FA21820-D199-4D82-91AF-C50B1D3B111A}" type="datetimeFigureOut">
               <a:rPr lang="en-US" smtClean="0"/>
-              <a:t>4/12/2017</a:t>
+              <a:t>4/13/2017</a:t>
             </a:fld>
             <a:endParaRPr lang="en-US"/>
           </a:p>
@@ -1035,7 +1035,7 @@
           <a:p>
             <a:fld id="{916B8C92-D5E3-4480-8685-D57BEE386DE2}" type="datetimeFigureOut">
               <a:rPr lang="en-US" smtClean="0"/>
-              <a:t>4/12/2017</a:t>
+              <a:t>4/13/2017</a:t>
             </a:fld>
             <a:endParaRPr lang="en-US"/>
           </a:p>
@@ -1205,7 +1205,7 @@
           <a:p>
             <a:fld id="{916B8C92-D5E3-4480-8685-D57BEE386DE2}" type="datetimeFigureOut">
               <a:rPr lang="en-US" smtClean="0"/>
-              <a:t>4/12/2017</a:t>
+              <a:t>4/13/2017</a:t>
             </a:fld>
             <a:endParaRPr lang="en-US"/>
           </a:p>
@@ -1385,7 +1385,7 @@
           <a:p>
             <a:fld id="{916B8C92-D5E3-4480-8685-D57BEE386DE2}" type="datetimeFigureOut">
               <a:rPr lang="en-US" smtClean="0"/>
-              <a:t>4/12/2017</a:t>
+              <a:t>4/13/2017</a:t>
             </a:fld>
             <a:endParaRPr lang="en-US"/>
           </a:p>
@@ -1555,7 +1555,7 @@
           <a:p>
             <a:fld id="{916B8C92-D5E3-4480-8685-D57BEE386DE2}" type="datetimeFigureOut">
               <a:rPr lang="en-US" smtClean="0"/>
-              <a:t>4/12/2017</a:t>
+              <a:t>4/13/2017</a:t>
             </a:fld>
             <a:endParaRPr lang="en-US"/>
           </a:p>
@@ -1801,7 +1801,7 @@
           <a:p>
             <a:fld id="{916B8C92-D5E3-4480-8685-D57BEE386DE2}" type="datetimeFigureOut">
               <a:rPr lang="en-US" smtClean="0"/>
-              <a:t>4/12/2017</a:t>
+              <a:t>4/13/2017</a:t>
             </a:fld>
             <a:endParaRPr lang="en-US"/>
           </a:p>
@@ -2033,7 +2033,7 @@
           <a:p>
             <a:fld id="{916B8C92-D5E3-4480-8685-D57BEE386DE2}" type="datetimeFigureOut">
               <a:rPr lang="en-US" smtClean="0"/>
-              <a:t>4/12/2017</a:t>
+              <a:t>4/13/2017</a:t>
             </a:fld>
             <a:endParaRPr lang="en-US"/>
           </a:p>
@@ -2400,7 +2400,7 @@
           <a:p>
             <a:fld id="{916B8C92-D5E3-4480-8685-D57BEE386DE2}" type="datetimeFigureOut">
               <a:rPr lang="en-US" smtClean="0"/>
-              <a:t>4/12/2017</a:t>
+              <a:t>4/13/2017</a:t>
             </a:fld>
             <a:endParaRPr lang="en-US"/>
           </a:p>
@@ -2518,7 +2518,7 @@
           <a:p>
             <a:fld id="{916B8C92-D5E3-4480-8685-D57BEE386DE2}" type="datetimeFigureOut">
               <a:rPr lang="en-US" smtClean="0"/>
-              <a:t>4/12/2017</a:t>
+              <a:t>4/13/2017</a:t>
             </a:fld>
             <a:endParaRPr lang="en-US"/>
           </a:p>
@@ -2613,7 +2613,7 @@
           <a:p>
             <a:fld id="{916B8C92-D5E3-4480-8685-D57BEE386DE2}" type="datetimeFigureOut">
               <a:rPr lang="en-US" smtClean="0"/>
-              <a:t>4/12/2017</a:t>
+              <a:t>4/13/2017</a:t>
             </a:fld>
             <a:endParaRPr lang="en-US"/>
           </a:p>
@@ -2890,7 +2890,7 @@
           <a:p>
             <a:fld id="{916B8C92-D5E3-4480-8685-D57BEE386DE2}" type="datetimeFigureOut">
               <a:rPr lang="en-US" smtClean="0"/>
-              <a:t>4/12/2017</a:t>
+              <a:t>4/13/2017</a:t>
             </a:fld>
             <a:endParaRPr lang="en-US"/>
           </a:p>
@@ -3143,7 +3143,7 @@
           <a:p>
             <a:fld id="{916B8C92-D5E3-4480-8685-D57BEE386DE2}" type="datetimeFigureOut">
               <a:rPr lang="en-US" smtClean="0"/>
-              <a:t>4/12/2017</a:t>
+              <a:t>4/13/2017</a:t>
             </a:fld>
             <a:endParaRPr lang="en-US"/>
           </a:p>
@@ -3356,7 +3356,7 @@
           <a:p>
             <a:fld id="{916B8C92-D5E3-4480-8685-D57BEE386DE2}" type="datetimeFigureOut">
               <a:rPr lang="en-US" smtClean="0"/>
-              <a:t>4/12/2017</a:t>
+              <a:t>4/13/2017</a:t>
             </a:fld>
             <a:endParaRPr lang="en-US"/>
           </a:p>
@@ -4689,6 +4689,13 @@
   <p:clrMapOvr>
     <a:masterClrMapping/>
   </p:clrMapOvr>
+  <p:timing>
+    <p:tnLst>
+      <p:par>
+        <p:cTn id="1" dur="indefinite" restart="never" nodeType="tmRoot"/>
+      </p:par>
+    </p:tnLst>
+  </p:timing>
 </p:sld>
 </file>
 
@@ -5894,6 +5901,13 @@
   <p:clrMapOvr>
     <a:masterClrMapping/>
   </p:clrMapOvr>
+  <p:timing>
+    <p:tnLst>
+      <p:par>
+        <p:cTn id="1" dur="indefinite" restart="never" nodeType="tmRoot"/>
+      </p:par>
+    </p:tnLst>
+  </p:timing>
 </p:sld>
 </file>
 
@@ -6316,6 +6330,13 @@
   <p:clrMapOvr>
     <a:masterClrMapping/>
   </p:clrMapOvr>
+  <p:timing>
+    <p:tnLst>
+      <p:par>
+        <p:cTn id="1" dur="indefinite" restart="never" nodeType="tmRoot"/>
+      </p:par>
+    </p:tnLst>
+  </p:timing>
 </p:sld>
 </file>
 
@@ -6344,7 +6365,7 @@
         </p:nvSpPr>
         <p:spPr>
           <a:xfrm>
-            <a:off x="1523714" y="4754467"/>
+            <a:off x="1433279" y="5055971"/>
             <a:ext cx="8805672" cy="646331"/>
           </a:xfrm>
           <a:prstGeom prst="rect">
@@ -6392,6 +6413,321 @@
           </a:p>
         </p:txBody>
       </p:sp>
+      <p:sp>
+        <p:nvSpPr>
+          <p:cNvPr id="7" name="Rectangle 6"/>
+          <p:cNvSpPr/>
+          <p:nvPr/>
+        </p:nvSpPr>
+        <p:spPr>
+          <a:xfrm>
+            <a:off x="1433279" y="5565338"/>
+            <a:ext cx="8805672" cy="646331"/>
+          </a:xfrm>
+          <a:prstGeom prst="rect">
+            <a:avLst/>
+          </a:prstGeom>
+        </p:spPr>
+        <p:txBody>
+          <a:bodyPr wrap="square">
+            <a:spAutoFit/>
+          </a:bodyPr>
+          <a:lstStyle/>
+          <a:p>
+            <a:r>
+              <a:rPr lang="en-US" dirty="0" smtClean="0"/>
+              <a:t>Figure3b</a:t>
+            </a:r>
+            <a:r>
+              <a:rPr lang="en-US" dirty="0"/>
+              <a:t>. Proportion of transient </a:t>
+            </a:r>
+            <a:r>
+              <a:rPr lang="en-US" dirty="0" smtClean="0"/>
+              <a:t>species </a:t>
+            </a:r>
+            <a:r>
+              <a:rPr lang="en-US" dirty="0"/>
+              <a:t>by </a:t>
+            </a:r>
+            <a:r>
+              <a:rPr lang="en-US" dirty="0" smtClean="0"/>
+              <a:t>log of community </a:t>
+            </a:r>
+            <a:r>
+              <a:rPr lang="en-US" dirty="0"/>
+              <a:t>size </a:t>
+            </a:r>
+            <a:r>
+              <a:rPr lang="en-US" dirty="0" smtClean="0"/>
+              <a:t>(number of individuals), </a:t>
+            </a:r>
+            <a:r>
+              <a:rPr lang="en-US" dirty="0"/>
+              <a:t>colored by taxa, using the hierarchically scaled </a:t>
+            </a:r>
+            <a:r>
+              <a:rPr lang="en-US" dirty="0" smtClean="0"/>
+              <a:t>count datasets</a:t>
+            </a:r>
+            <a:r>
+              <a:rPr lang="en-US" dirty="0"/>
+              <a:t>.</a:t>
+            </a:r>
+          </a:p>
+        </p:txBody>
+      </p:sp>
+      <p:sp>
+        <p:nvSpPr>
+          <p:cNvPr id="10" name="Rectangle 9"/>
+          <p:cNvSpPr/>
+          <p:nvPr/>
+        </p:nvSpPr>
+        <p:spPr>
+          <a:xfrm>
+            <a:off x="1433279" y="6211669"/>
+            <a:ext cx="8805672" cy="646331"/>
+          </a:xfrm>
+          <a:prstGeom prst="rect">
+            <a:avLst/>
+          </a:prstGeom>
+        </p:spPr>
+        <p:txBody>
+          <a:bodyPr wrap="square">
+            <a:spAutoFit/>
+          </a:bodyPr>
+          <a:lstStyle/>
+          <a:p>
+            <a:r>
+              <a:rPr lang="en-US" dirty="0" smtClean="0"/>
+              <a:t>Figure3c. Predicted values of hierarchically scaled count datasets by taxa using average community size XXX. </a:t>
+            </a:r>
+            <a:endParaRPr lang="en-US" dirty="0"/>
+          </a:p>
+        </p:txBody>
+      </p:sp>
+      <p:grpSp>
+        <p:nvGrpSpPr>
+          <p:cNvPr id="20" name="Group 19"/>
+          <p:cNvGrpSpPr/>
+          <p:nvPr/>
+        </p:nvGrpSpPr>
+        <p:grpSpPr>
+          <a:xfrm>
+            <a:off x="559148" y="0"/>
+            <a:ext cx="10553933" cy="5150007"/>
+            <a:chOff x="559148" y="0"/>
+            <a:chExt cx="10553933" cy="5150007"/>
+          </a:xfrm>
+        </p:grpSpPr>
+        <p:pic>
+          <p:nvPicPr>
+            <p:cNvPr id="12" name="Picture 11"/>
+            <p:cNvPicPr>
+              <a:picLocks noChangeAspect="1"/>
+            </p:cNvPicPr>
+            <p:nvPr/>
+          </p:nvPicPr>
+          <p:blipFill>
+            <a:blip r:embed="rId2"/>
+            <a:stretch>
+              <a:fillRect/>
+            </a:stretch>
+          </p:blipFill>
+          <p:spPr>
+            <a:xfrm>
+              <a:off x="559148" y="0"/>
+              <a:ext cx="10553933" cy="5150007"/>
+            </a:xfrm>
+            <a:prstGeom prst="rect">
+              <a:avLst/>
+            </a:prstGeom>
+          </p:spPr>
+        </p:pic>
+        <p:grpSp>
+          <p:nvGrpSpPr>
+            <p:cNvPr id="9" name="Group 8"/>
+            <p:cNvGrpSpPr/>
+            <p:nvPr/>
+          </p:nvGrpSpPr>
+          <p:grpSpPr>
+            <a:xfrm>
+              <a:off x="8371432" y="4724406"/>
+              <a:ext cx="2559828" cy="326505"/>
+              <a:chOff x="7395844" y="4435501"/>
+              <a:chExt cx="1722234" cy="179225"/>
+            </a:xfrm>
+          </p:grpSpPr>
+          <p:pic>
+            <p:nvPicPr>
+              <p:cNvPr id="13" name="Picture 12"/>
+              <p:cNvPicPr>
+                <a:picLocks noChangeAspect="1"/>
+              </p:cNvPicPr>
+              <p:nvPr/>
+            </p:nvPicPr>
+            <p:blipFill>
+              <a:blip r:embed="rId3" cstate="print">
+                <a:extLst>
+                  <a:ext uri="{28A0092B-C50C-407E-A947-70E740481C1C}">
+                    <a14:useLocalDpi xmlns:a14="http://schemas.microsoft.com/office/drawing/2010/main" val="0"/>
+                  </a:ext>
+                </a:extLst>
+              </a:blip>
+              <a:stretch>
+                <a:fillRect/>
+              </a:stretch>
+            </p:blipFill>
+            <p:spPr>
+              <a:xfrm>
+                <a:off x="7673596" y="4466095"/>
+                <a:ext cx="221584" cy="126367"/>
+              </a:xfrm>
+              <a:prstGeom prst="rect">
+                <a:avLst/>
+              </a:prstGeom>
+            </p:spPr>
+          </p:pic>
+          <p:pic>
+            <p:nvPicPr>
+              <p:cNvPr id="14" name="Picture 13"/>
+              <p:cNvPicPr>
+                <a:picLocks noChangeAspect="1"/>
+              </p:cNvPicPr>
+              <p:nvPr/>
+            </p:nvPicPr>
+            <p:blipFill>
+              <a:blip r:embed="rId4" cstate="print">
+                <a:extLst>
+                  <a:ext uri="{28A0092B-C50C-407E-A947-70E740481C1C}">
+                    <a14:useLocalDpi xmlns:a14="http://schemas.microsoft.com/office/drawing/2010/main" val="0"/>
+                  </a:ext>
+                </a:extLst>
+              </a:blip>
+              <a:stretch>
+                <a:fillRect/>
+              </a:stretch>
+            </p:blipFill>
+            <p:spPr>
+              <a:xfrm>
+                <a:off x="8597159" y="4435501"/>
+                <a:ext cx="190958" cy="176448"/>
+              </a:xfrm>
+              <a:prstGeom prst="rect">
+                <a:avLst/>
+              </a:prstGeom>
+            </p:spPr>
+          </p:pic>
+          <p:pic>
+            <p:nvPicPr>
+              <p:cNvPr id="15" name="Picture 14"/>
+              <p:cNvPicPr>
+                <a:picLocks noChangeAspect="1"/>
+              </p:cNvPicPr>
+              <p:nvPr/>
+            </p:nvPicPr>
+            <p:blipFill>
+              <a:blip r:embed="rId5" cstate="print">
+                <a:extLst>
+                  <a:ext uri="{28A0092B-C50C-407E-A947-70E740481C1C}">
+                    <a14:useLocalDpi xmlns:a14="http://schemas.microsoft.com/office/drawing/2010/main" val="0"/>
+                  </a:ext>
+                </a:extLst>
+              </a:blip>
+              <a:stretch>
+                <a:fillRect/>
+              </a:stretch>
+            </p:blipFill>
+            <p:spPr>
+              <a:xfrm>
+                <a:off x="7998878" y="4438278"/>
+                <a:ext cx="186707" cy="176448"/>
+              </a:xfrm>
+              <a:prstGeom prst="rect">
+                <a:avLst/>
+              </a:prstGeom>
+            </p:spPr>
+          </p:pic>
+          <p:pic>
+            <p:nvPicPr>
+              <p:cNvPr id="16" name="Picture 15"/>
+              <p:cNvPicPr>
+                <a:picLocks noChangeAspect="1"/>
+              </p:cNvPicPr>
+              <p:nvPr/>
+            </p:nvPicPr>
+            <p:blipFill>
+              <a:blip r:embed="rId6" cstate="print">
+                <a:extLst>
+                  <a:ext uri="{28A0092B-C50C-407E-A947-70E740481C1C}">
+                    <a14:useLocalDpi xmlns:a14="http://schemas.microsoft.com/office/drawing/2010/main" val="0"/>
+                  </a:ext>
+                </a:extLst>
+              </a:blip>
+              <a:stretch>
+                <a:fillRect/>
+              </a:stretch>
+            </p:blipFill>
+            <p:spPr>
+              <a:xfrm flipH="1">
+                <a:off x="7395844" y="4441055"/>
+                <a:ext cx="174054" cy="170894"/>
+              </a:xfrm>
+              <a:prstGeom prst="rect">
+                <a:avLst/>
+              </a:prstGeom>
+            </p:spPr>
+          </p:pic>
+          <p:pic>
+            <p:nvPicPr>
+              <p:cNvPr id="17" name="Picture 16"/>
+              <p:cNvPicPr>
+                <a:picLocks noChangeAspect="1"/>
+              </p:cNvPicPr>
+              <p:nvPr/>
+            </p:nvPicPr>
+            <p:blipFill>
+              <a:blip r:embed="rId7"/>
+              <a:stretch>
+                <a:fillRect/>
+              </a:stretch>
+            </p:blipFill>
+            <p:spPr>
+              <a:xfrm>
+                <a:off x="8275535" y="4446578"/>
+                <a:ext cx="227887" cy="155038"/>
+              </a:xfrm>
+              <a:prstGeom prst="rect">
+                <a:avLst/>
+              </a:prstGeom>
+            </p:spPr>
+          </p:pic>
+          <p:pic>
+            <p:nvPicPr>
+              <p:cNvPr id="18" name="Picture 17"/>
+              <p:cNvPicPr>
+                <a:picLocks noChangeAspect="1"/>
+              </p:cNvPicPr>
+              <p:nvPr/>
+            </p:nvPicPr>
+            <p:blipFill>
+              <a:blip r:embed="rId8"/>
+              <a:stretch>
+                <a:fillRect/>
+              </a:stretch>
+            </p:blipFill>
+            <p:spPr>
+              <a:xfrm>
+                <a:off x="8895364" y="4438278"/>
+                <a:ext cx="222714" cy="154071"/>
+              </a:xfrm>
+              <a:prstGeom prst="rect">
+                <a:avLst/>
+              </a:prstGeom>
+            </p:spPr>
+          </p:pic>
+        </p:grpSp>
+      </p:grpSp>
       <p:sp>
         <p:nvSpPr>
           <p:cNvPr id="5" name="TextBox 4"/>
@@ -6422,291 +6758,6 @@
           </a:p>
         </p:txBody>
       </p:sp>
-      <p:sp>
-        <p:nvSpPr>
-          <p:cNvPr id="7" name="Rectangle 6"/>
-          <p:cNvSpPr/>
-          <p:nvPr/>
-        </p:nvSpPr>
-        <p:spPr>
-          <a:xfrm>
-            <a:off x="1523714" y="5263834"/>
-            <a:ext cx="8805672" cy="646331"/>
-          </a:xfrm>
-          <a:prstGeom prst="rect">
-            <a:avLst/>
-          </a:prstGeom>
-        </p:spPr>
-        <p:txBody>
-          <a:bodyPr wrap="square">
-            <a:spAutoFit/>
-          </a:bodyPr>
-          <a:lstStyle/>
-          <a:p>
-            <a:r>
-              <a:rPr lang="en-US" dirty="0" smtClean="0"/>
-              <a:t>Figure3b</a:t>
-            </a:r>
-            <a:r>
-              <a:rPr lang="en-US" dirty="0"/>
-              <a:t>. Proportion of transient </a:t>
-            </a:r>
-            <a:r>
-              <a:rPr lang="en-US" dirty="0" smtClean="0"/>
-              <a:t>species </a:t>
-            </a:r>
-            <a:r>
-              <a:rPr lang="en-US" dirty="0"/>
-              <a:t>by </a:t>
-            </a:r>
-            <a:r>
-              <a:rPr lang="en-US" dirty="0" smtClean="0"/>
-              <a:t>log of community </a:t>
-            </a:r>
-            <a:r>
-              <a:rPr lang="en-US" dirty="0"/>
-              <a:t>size </a:t>
-            </a:r>
-            <a:r>
-              <a:rPr lang="en-US" dirty="0" smtClean="0"/>
-              <a:t>(number of individuals), </a:t>
-            </a:r>
-            <a:r>
-              <a:rPr lang="en-US" dirty="0"/>
-              <a:t>colored by taxa, using the hierarchically scaled </a:t>
-            </a:r>
-            <a:r>
-              <a:rPr lang="en-US" dirty="0" smtClean="0"/>
-              <a:t>count datasets</a:t>
-            </a:r>
-            <a:r>
-              <a:rPr lang="en-US" dirty="0"/>
-              <a:t>.</a:t>
-            </a:r>
-          </a:p>
-        </p:txBody>
-      </p:sp>
-      <p:sp>
-        <p:nvSpPr>
-          <p:cNvPr id="10" name="Rectangle 9"/>
-          <p:cNvSpPr/>
-          <p:nvPr/>
-        </p:nvSpPr>
-        <p:spPr>
-          <a:xfrm>
-            <a:off x="1523714" y="5910165"/>
-            <a:ext cx="8805672" cy="646331"/>
-          </a:xfrm>
-          <a:prstGeom prst="rect">
-            <a:avLst/>
-          </a:prstGeom>
-        </p:spPr>
-        <p:txBody>
-          <a:bodyPr wrap="square">
-            <a:spAutoFit/>
-          </a:bodyPr>
-          <a:lstStyle/>
-          <a:p>
-            <a:r>
-              <a:rPr lang="en-US" dirty="0" smtClean="0"/>
-              <a:t>Figure3c. Predicted values of hierarchically scaled count datasets by taxa using average community size XXX. </a:t>
-            </a:r>
-            <a:endParaRPr lang="en-US" dirty="0"/>
-          </a:p>
-        </p:txBody>
-      </p:sp>
-      <p:pic>
-        <p:nvPicPr>
-          <p:cNvPr id="13" name="Picture 12"/>
-          <p:cNvPicPr>
-            <a:picLocks noChangeAspect="1"/>
-          </p:cNvPicPr>
-          <p:nvPr/>
-        </p:nvPicPr>
-        <p:blipFill>
-          <a:blip r:embed="rId2" cstate="print">
-            <a:extLst>
-              <a:ext uri="{28A0092B-C50C-407E-A947-70E740481C1C}">
-                <a14:useLocalDpi xmlns:a14="http://schemas.microsoft.com/office/drawing/2010/main" val="0"/>
-              </a:ext>
-            </a:extLst>
-          </a:blip>
-          <a:stretch>
-            <a:fillRect/>
-          </a:stretch>
-        </p:blipFill>
-        <p:spPr>
-          <a:xfrm>
-            <a:off x="8928428" y="4379928"/>
-            <a:ext cx="411228" cy="234519"/>
-          </a:xfrm>
-          <a:prstGeom prst="rect">
-            <a:avLst/>
-          </a:prstGeom>
-        </p:spPr>
-      </p:pic>
-      <p:pic>
-        <p:nvPicPr>
-          <p:cNvPr id="14" name="Picture 13"/>
-          <p:cNvPicPr>
-            <a:picLocks noChangeAspect="1"/>
-          </p:cNvPicPr>
-          <p:nvPr/>
-        </p:nvPicPr>
-        <p:blipFill>
-          <a:blip r:embed="rId3" cstate="print">
-            <a:extLst>
-              <a:ext uri="{28A0092B-C50C-407E-A947-70E740481C1C}">
-                <a14:useLocalDpi xmlns:a14="http://schemas.microsoft.com/office/drawing/2010/main" val="0"/>
-              </a:ext>
-            </a:extLst>
-          </a:blip>
-          <a:stretch>
-            <a:fillRect/>
-          </a:stretch>
-        </p:blipFill>
-        <p:spPr>
-          <a:xfrm>
-            <a:off x="9637410" y="4333457"/>
-            <a:ext cx="354392" cy="327463"/>
-          </a:xfrm>
-          <a:prstGeom prst="rect">
-            <a:avLst/>
-          </a:prstGeom>
-        </p:spPr>
-      </p:pic>
-      <p:pic>
-        <p:nvPicPr>
-          <p:cNvPr id="15" name="Picture 14"/>
-          <p:cNvPicPr>
-            <a:picLocks noChangeAspect="1"/>
-          </p:cNvPicPr>
-          <p:nvPr/>
-        </p:nvPicPr>
-        <p:blipFill>
-          <a:blip r:embed="rId4" cstate="print">
-            <a:extLst>
-              <a:ext uri="{28A0092B-C50C-407E-A947-70E740481C1C}">
-                <a14:useLocalDpi xmlns:a14="http://schemas.microsoft.com/office/drawing/2010/main" val="0"/>
-              </a:ext>
-            </a:extLst>
-          </a:blip>
-          <a:stretch>
-            <a:fillRect/>
-          </a:stretch>
-        </p:blipFill>
-        <p:spPr>
-          <a:xfrm>
-            <a:off x="8279084" y="4333457"/>
-            <a:ext cx="346503" cy="327463"/>
-          </a:xfrm>
-          <a:prstGeom prst="rect">
-            <a:avLst/>
-          </a:prstGeom>
-        </p:spPr>
-      </p:pic>
-      <p:pic>
-        <p:nvPicPr>
-          <p:cNvPr id="16" name="Picture 15"/>
-          <p:cNvPicPr>
-            <a:picLocks noChangeAspect="1"/>
-          </p:cNvPicPr>
-          <p:nvPr/>
-        </p:nvPicPr>
-        <p:blipFill>
-          <a:blip r:embed="rId5" cstate="print">
-            <a:extLst>
-              <a:ext uri="{28A0092B-C50C-407E-A947-70E740481C1C}">
-                <a14:useLocalDpi xmlns:a14="http://schemas.microsoft.com/office/drawing/2010/main" val="0"/>
-              </a:ext>
-            </a:extLst>
-          </a:blip>
-          <a:stretch>
-            <a:fillRect/>
-          </a:stretch>
-        </p:blipFill>
-        <p:spPr>
-          <a:xfrm flipH="1">
-            <a:off x="11769494" y="4348352"/>
-            <a:ext cx="323019" cy="317155"/>
-          </a:xfrm>
-          <a:prstGeom prst="rect">
-            <a:avLst/>
-          </a:prstGeom>
-        </p:spPr>
-      </p:pic>
-      <p:pic>
-        <p:nvPicPr>
-          <p:cNvPr id="17" name="Picture 16"/>
-          <p:cNvPicPr>
-            <a:picLocks noChangeAspect="1"/>
-          </p:cNvPicPr>
-          <p:nvPr/>
-        </p:nvPicPr>
-        <p:blipFill>
-          <a:blip r:embed="rId6"/>
-          <a:stretch>
-            <a:fillRect/>
-          </a:stretch>
-        </p:blipFill>
-        <p:spPr>
-          <a:xfrm>
-            <a:off x="10318258" y="4353323"/>
-            <a:ext cx="422927" cy="287729"/>
-          </a:xfrm>
-          <a:prstGeom prst="rect">
-            <a:avLst/>
-          </a:prstGeom>
-        </p:spPr>
-      </p:pic>
-      <p:pic>
-        <p:nvPicPr>
-          <p:cNvPr id="18" name="Picture 17"/>
-          <p:cNvPicPr>
-            <a:picLocks noChangeAspect="1"/>
-          </p:cNvPicPr>
-          <p:nvPr/>
-        </p:nvPicPr>
-        <p:blipFill>
-          <a:blip r:embed="rId7"/>
-          <a:stretch>
-            <a:fillRect/>
-          </a:stretch>
-        </p:blipFill>
-        <p:spPr>
-          <a:xfrm>
-            <a:off x="10990760" y="4355119"/>
-            <a:ext cx="413325" cy="285934"/>
-          </a:xfrm>
-          <a:prstGeom prst="rect">
-            <a:avLst/>
-          </a:prstGeom>
-        </p:spPr>
-      </p:pic>
-      <p:pic>
-        <p:nvPicPr>
-          <p:cNvPr id="8" name="Picture 7"/>
-          <p:cNvPicPr>
-            <a:picLocks noChangeAspect="1"/>
-          </p:cNvPicPr>
-          <p:nvPr/>
-        </p:nvPicPr>
-        <p:blipFill>
-          <a:blip r:embed="rId8"/>
-          <a:stretch>
-            <a:fillRect/>
-          </a:stretch>
-        </p:blipFill>
-        <p:spPr>
-          <a:xfrm>
-            <a:off x="-77904" y="134914"/>
-            <a:ext cx="12008908" cy="3973222"/>
-          </a:xfrm>
-          <a:prstGeom prst="rect">
-            <a:avLst/>
-          </a:prstGeom>
-        </p:spPr>
-      </p:pic>
     </p:spTree>
     <p:extLst>
       <p:ext uri="{BB962C8B-B14F-4D97-AF65-F5344CB8AC3E}">
@@ -6717,6 +6768,13 @@
   <p:clrMapOvr>
     <a:masterClrMapping/>
   </p:clrMapOvr>
+  <p:timing>
+    <p:tnLst>
+      <p:par>
+        <p:cTn id="1" dur="indefinite" restart="never" nodeType="tmRoot"/>
+      </p:par>
+    </p:tnLst>
+  </p:timing>
 </p:sld>
 </file>
 
@@ -6808,6 +6866,13 @@
   <p:clrMapOvr>
     <a:masterClrMapping/>
   </p:clrMapOvr>
+  <p:timing>
+    <p:tnLst>
+      <p:par>
+        <p:cTn id="1" dur="indefinite" restart="never" nodeType="tmRoot"/>
+      </p:par>
+    </p:tnLst>
+  </p:timing>
 </p:sld>
 </file>
 
@@ -7315,6 +7380,13 @@
   <p:clrMapOvr>
     <a:masterClrMapping/>
   </p:clrMapOvr>
+  <p:timing>
+    <p:tnLst>
+      <p:par>
+        <p:cTn id="1" dur="indefinite" restart="never" nodeType="tmRoot"/>
+      </p:par>
+    </p:tnLst>
+  </p:timing>
 </p:sld>
 </file>
 

--- a/output/plots/all_figs_with_legends.pptx
+++ b/output/plots/all_figs_with_legends.pptx
@@ -5957,96 +5957,264 @@
           </a:p>
         </p:txBody>
       </p:sp>
-      <p:pic>
-        <p:nvPicPr>
-          <p:cNvPr id="2" name="Picture 1"/>
-          <p:cNvPicPr>
-            <a:picLocks noChangeAspect="1"/>
-          </p:cNvPicPr>
-          <p:nvPr/>
-        </p:nvPicPr>
-        <p:blipFill>
-          <a:blip r:embed="rId3"/>
-          <a:stretch>
-            <a:fillRect/>
-          </a:stretch>
-        </p:blipFill>
-        <p:spPr>
-          <a:xfrm>
-            <a:off x="1289304" y="70226"/>
-            <a:ext cx="9626664" cy="6427235"/>
-          </a:xfrm>
-          <a:prstGeom prst="rect">
-            <a:avLst/>
-          </a:prstGeom>
-        </p:spPr>
-      </p:pic>
       <p:grpSp>
         <p:nvGrpSpPr>
-          <p:cNvPr id="7" name="Group 6"/>
+          <p:cNvPr id="4" name="Group 3"/>
           <p:cNvGrpSpPr/>
           <p:nvPr/>
         </p:nvGrpSpPr>
         <p:grpSpPr>
           <a:xfrm>
-            <a:off x="2092569" y="5642156"/>
-            <a:ext cx="3815862" cy="377873"/>
-            <a:chOff x="4092064" y="5579770"/>
-            <a:chExt cx="3105944" cy="245213"/>
+            <a:off x="1289304" y="70226"/>
+            <a:ext cx="9626664" cy="6427235"/>
+            <a:chOff x="1289304" y="70226"/>
+            <a:chExt cx="9626664" cy="6427235"/>
           </a:xfrm>
         </p:grpSpPr>
+        <p:pic>
+          <p:nvPicPr>
+            <p:cNvPr id="2" name="Picture 1"/>
+            <p:cNvPicPr>
+              <a:picLocks noChangeAspect="1"/>
+            </p:cNvPicPr>
+            <p:nvPr/>
+          </p:nvPicPr>
+          <p:blipFill>
+            <a:blip r:embed="rId3"/>
+            <a:stretch>
+              <a:fillRect/>
+            </a:stretch>
+          </p:blipFill>
+          <p:spPr>
+            <a:xfrm>
+              <a:off x="1289304" y="70226"/>
+              <a:ext cx="9626664" cy="6427235"/>
+            </a:xfrm>
+            <a:prstGeom prst="rect">
+              <a:avLst/>
+            </a:prstGeom>
+          </p:spPr>
+        </p:pic>
         <p:grpSp>
           <p:nvGrpSpPr>
-            <p:cNvPr id="8" name="Group 7"/>
+            <p:cNvPr id="3" name="Group 2"/>
             <p:cNvGrpSpPr/>
             <p:nvPr/>
           </p:nvGrpSpPr>
           <p:grpSpPr>
             <a:xfrm>
-              <a:off x="4092064" y="5579770"/>
-              <a:ext cx="3105944" cy="245213"/>
-              <a:chOff x="4092064" y="5579770"/>
-              <a:chExt cx="3105944" cy="245213"/>
+              <a:off x="2092569" y="5582091"/>
+              <a:ext cx="8356673" cy="437938"/>
+              <a:chOff x="2092569" y="5582091"/>
+              <a:chExt cx="8356673" cy="437938"/>
             </a:xfrm>
           </p:grpSpPr>
           <p:grpSp>
             <p:nvGrpSpPr>
-              <p:cNvPr id="11" name="Group 10"/>
+              <p:cNvPr id="7" name="Group 6"/>
               <p:cNvGrpSpPr/>
               <p:nvPr/>
             </p:nvGrpSpPr>
             <p:grpSpPr>
               <a:xfrm>
-                <a:off x="4092064" y="5579770"/>
-                <a:ext cx="2638534" cy="231317"/>
-                <a:chOff x="4258063" y="5579770"/>
-                <a:chExt cx="2638534" cy="231317"/>
+                <a:off x="2092569" y="5642156"/>
+                <a:ext cx="3815862" cy="377873"/>
+                <a:chOff x="4092064" y="5579770"/>
+                <a:chExt cx="3105944" cy="245213"/>
               </a:xfrm>
             </p:grpSpPr>
+            <p:grpSp>
+              <p:nvGrpSpPr>
+                <p:cNvPr id="8" name="Group 7"/>
+                <p:cNvGrpSpPr/>
+                <p:nvPr/>
+              </p:nvGrpSpPr>
+              <p:grpSpPr>
+                <a:xfrm>
+                  <a:off x="4092064" y="5579770"/>
+                  <a:ext cx="3105944" cy="245213"/>
+                  <a:chOff x="4092064" y="5579770"/>
+                  <a:chExt cx="3105944" cy="245213"/>
+                </a:xfrm>
+              </p:grpSpPr>
+              <p:grpSp>
+                <p:nvGrpSpPr>
+                  <p:cNvPr id="11" name="Group 10"/>
+                  <p:cNvGrpSpPr/>
+                  <p:nvPr/>
+                </p:nvGrpSpPr>
+                <p:grpSpPr>
+                  <a:xfrm>
+                    <a:off x="4092064" y="5579770"/>
+                    <a:ext cx="2638534" cy="231317"/>
+                    <a:chOff x="4258063" y="5579770"/>
+                    <a:chExt cx="2638534" cy="231317"/>
+                  </a:xfrm>
+                </p:grpSpPr>
+                <p:pic>
+                  <p:nvPicPr>
+                    <p:cNvPr id="13" name="Picture 12"/>
+                    <p:cNvPicPr>
+                      <a:picLocks noChangeAspect="1"/>
+                    </p:cNvPicPr>
+                    <p:nvPr/>
+                  </p:nvPicPr>
+                  <p:blipFill>
+                    <a:blip r:embed="rId4" cstate="print">
+                      <a:extLst>
+                        <a:ext uri="{28A0092B-C50C-407E-A947-70E740481C1C}">
+                          <a14:useLocalDpi xmlns:a14="http://schemas.microsoft.com/office/drawing/2010/main" val="0"/>
+                        </a:ext>
+                      </a:extLst>
+                    </a:blip>
+                    <a:stretch>
+                      <a:fillRect/>
+                    </a:stretch>
+                  </p:blipFill>
+                  <p:spPr>
+                    <a:xfrm>
+                      <a:off x="4690969" y="5623587"/>
+                      <a:ext cx="325640" cy="161565"/>
+                    </a:xfrm>
+                    <a:prstGeom prst="rect">
+                      <a:avLst/>
+                    </a:prstGeom>
+                  </p:spPr>
+                </p:pic>
+                <p:pic>
+                  <p:nvPicPr>
+                    <p:cNvPr id="14" name="Picture 13"/>
+                    <p:cNvPicPr>
+                      <a:picLocks noChangeAspect="1"/>
+                    </p:cNvPicPr>
+                    <p:nvPr/>
+                  </p:nvPicPr>
+                  <p:blipFill>
+                    <a:blip r:embed="rId5" cstate="print">
+                      <a:extLst>
+                        <a:ext uri="{28A0092B-C50C-407E-A947-70E740481C1C}">
+                          <a14:useLocalDpi xmlns:a14="http://schemas.microsoft.com/office/drawing/2010/main" val="0"/>
+                        </a:ext>
+                      </a:extLst>
+                    </a:blip>
+                    <a:stretch>
+                      <a:fillRect/>
+                    </a:stretch>
+                  </p:blipFill>
+                  <p:spPr>
+                    <a:xfrm>
+                      <a:off x="5178545" y="5585491"/>
+                      <a:ext cx="280633" cy="225596"/>
+                    </a:xfrm>
+                    <a:prstGeom prst="rect">
+                      <a:avLst/>
+                    </a:prstGeom>
+                  </p:spPr>
+                </p:pic>
+                <p:pic>
+                  <p:nvPicPr>
+                    <p:cNvPr id="15" name="Picture 14"/>
+                    <p:cNvPicPr>
+                      <a:picLocks noChangeAspect="1"/>
+                    </p:cNvPicPr>
+                    <p:nvPr/>
+                  </p:nvPicPr>
+                  <p:blipFill>
+                    <a:blip r:embed="rId6" cstate="print">
+                      <a:extLst>
+                        <a:ext uri="{28A0092B-C50C-407E-A947-70E740481C1C}">
+                          <a14:useLocalDpi xmlns:a14="http://schemas.microsoft.com/office/drawing/2010/main" val="0"/>
+                        </a:ext>
+                      </a:extLst>
+                    </a:blip>
+                    <a:stretch>
+                      <a:fillRect/>
+                    </a:stretch>
+                  </p:blipFill>
+                  <p:spPr>
+                    <a:xfrm>
+                      <a:off x="4258063" y="5579770"/>
+                      <a:ext cx="274386" cy="225596"/>
+                    </a:xfrm>
+                    <a:prstGeom prst="rect">
+                      <a:avLst/>
+                    </a:prstGeom>
+                  </p:spPr>
+                </p:pic>
+                <p:pic>
+                  <p:nvPicPr>
+                    <p:cNvPr id="16" name="Picture 15"/>
+                    <p:cNvPicPr>
+                      <a:picLocks noChangeAspect="1"/>
+                    </p:cNvPicPr>
+                    <p:nvPr/>
+                  </p:nvPicPr>
+                  <p:blipFill>
+                    <a:blip r:embed="rId7" cstate="print">
+                      <a:extLst>
+                        <a:ext uri="{28A0092B-C50C-407E-A947-70E740481C1C}">
+                          <a14:useLocalDpi xmlns:a14="http://schemas.microsoft.com/office/drawing/2010/main" val="0"/>
+                        </a:ext>
+                      </a:extLst>
+                    </a:blip>
+                    <a:stretch>
+                      <a:fillRect/>
+                    </a:stretch>
+                  </p:blipFill>
+                  <p:spPr>
+                    <a:xfrm flipH="1">
+                      <a:off x="6640808" y="5592592"/>
+                      <a:ext cx="255789" cy="218495"/>
+                    </a:xfrm>
+                    <a:prstGeom prst="rect">
+                      <a:avLst/>
+                    </a:prstGeom>
+                  </p:spPr>
+                </p:pic>
+              </p:grpSp>
+              <p:pic>
+                <p:nvPicPr>
+                  <p:cNvPr id="12" name="Picture 11"/>
+                  <p:cNvPicPr>
+                    <a:picLocks noChangeAspect="1"/>
+                  </p:cNvPicPr>
+                  <p:nvPr/>
+                </p:nvPicPr>
+                <p:blipFill>
+                  <a:blip r:embed="rId8"/>
+                  <a:stretch>
+                    <a:fillRect/>
+                  </a:stretch>
+                </p:blipFill>
+                <p:spPr>
+                  <a:xfrm>
+                    <a:off x="6895947" y="5589042"/>
+                    <a:ext cx="302061" cy="235941"/>
+                  </a:xfrm>
+                  <a:prstGeom prst="rect">
+                    <a:avLst/>
+                  </a:prstGeom>
+                </p:spPr>
+              </p:pic>
+            </p:grpSp>
             <p:pic>
               <p:nvPicPr>
-                <p:cNvPr id="13" name="Picture 12"/>
+                <p:cNvPr id="9" name="Picture 8"/>
                 <p:cNvPicPr>
                   <a:picLocks noChangeAspect="1"/>
                 </p:cNvPicPr>
                 <p:nvPr/>
               </p:nvPicPr>
               <p:blipFill>
-                <a:blip r:embed="rId4" cstate="print">
-                  <a:extLst>
-                    <a:ext uri="{28A0092B-C50C-407E-A947-70E740481C1C}">
-                      <a14:useLocalDpi xmlns:a14="http://schemas.microsoft.com/office/drawing/2010/main" val="0"/>
-                    </a:ext>
-                  </a:extLst>
-                </a:blip>
+                <a:blip r:embed="rId9"/>
                 <a:stretch>
                   <a:fillRect/>
                 </a:stretch>
               </p:blipFill>
               <p:spPr>
                 <a:xfrm>
-                  <a:off x="4690969" y="5623587"/>
-                  <a:ext cx="325640" cy="161565"/>
+                  <a:off x="5470546" y="5589042"/>
+                  <a:ext cx="334903" cy="198223"/>
                 </a:xfrm>
                 <a:prstGeom prst="rect">
                   <a:avLst/>
@@ -6055,88 +6223,22 @@
             </p:pic>
             <p:pic>
               <p:nvPicPr>
-                <p:cNvPr id="14" name="Picture 13"/>
+                <p:cNvPr id="10" name="Picture 9"/>
                 <p:cNvPicPr>
                   <a:picLocks noChangeAspect="1"/>
                 </p:cNvPicPr>
                 <p:nvPr/>
               </p:nvPicPr>
               <p:blipFill>
-                <a:blip r:embed="rId5" cstate="print">
-                  <a:extLst>
-                    <a:ext uri="{28A0092B-C50C-407E-A947-70E740481C1C}">
-                      <a14:useLocalDpi xmlns:a14="http://schemas.microsoft.com/office/drawing/2010/main" val="0"/>
-                    </a:ext>
-                  </a:extLst>
-                </a:blip>
+                <a:blip r:embed="rId10"/>
                 <a:stretch>
                   <a:fillRect/>
                 </a:stretch>
               </p:blipFill>
               <p:spPr>
                 <a:xfrm>
-                  <a:off x="5178545" y="5585491"/>
-                  <a:ext cx="280633" cy="225596"/>
-                </a:xfrm>
-                <a:prstGeom prst="rect">
-                  <a:avLst/>
-                </a:prstGeom>
-              </p:spPr>
-            </p:pic>
-            <p:pic>
-              <p:nvPicPr>
-                <p:cNvPr id="15" name="Picture 14"/>
-                <p:cNvPicPr>
-                  <a:picLocks noChangeAspect="1"/>
-                </p:cNvPicPr>
-                <p:nvPr/>
-              </p:nvPicPr>
-              <p:blipFill>
-                <a:blip r:embed="rId6" cstate="print">
-                  <a:extLst>
-                    <a:ext uri="{28A0092B-C50C-407E-A947-70E740481C1C}">
-                      <a14:useLocalDpi xmlns:a14="http://schemas.microsoft.com/office/drawing/2010/main" val="0"/>
-                    </a:ext>
-                  </a:extLst>
-                </a:blip>
-                <a:stretch>
-                  <a:fillRect/>
-                </a:stretch>
-              </p:blipFill>
-              <p:spPr>
-                <a:xfrm>
-                  <a:off x="4258063" y="5579770"/>
-                  <a:ext cx="274386" cy="225596"/>
-                </a:xfrm>
-                <a:prstGeom prst="rect">
-                  <a:avLst/>
-                </a:prstGeom>
-              </p:spPr>
-            </p:pic>
-            <p:pic>
-              <p:nvPicPr>
-                <p:cNvPr id="16" name="Picture 15"/>
-                <p:cNvPicPr>
-                  <a:picLocks noChangeAspect="1"/>
-                </p:cNvPicPr>
-                <p:nvPr/>
-              </p:nvPicPr>
-              <p:blipFill>
-                <a:blip r:embed="rId7" cstate="print">
-                  <a:extLst>
-                    <a:ext uri="{28A0092B-C50C-407E-A947-70E740481C1C}">
-                      <a14:useLocalDpi xmlns:a14="http://schemas.microsoft.com/office/drawing/2010/main" val="0"/>
-                    </a:ext>
-                  </a:extLst>
-                </a:blip>
-                <a:stretch>
-                  <a:fillRect/>
-                </a:stretch>
-              </p:blipFill>
-              <p:spPr>
-                <a:xfrm flipH="1">
-                  <a:off x="6640808" y="5592592"/>
-                  <a:ext cx="255789" cy="218495"/>
+                  <a:off x="5942690" y="5606488"/>
+                  <a:ext cx="327300" cy="196986"/>
                 </a:xfrm>
                 <a:prstGeom prst="rect">
                   <a:avLst/>
@@ -6144,180 +6246,108 @@
               </p:spPr>
             </p:pic>
           </p:grpSp>
-          <p:pic>
-            <p:nvPicPr>
-              <p:cNvPr id="12" name="Picture 11"/>
-              <p:cNvPicPr>
-                <a:picLocks noChangeAspect="1"/>
-              </p:cNvPicPr>
+          <p:grpSp>
+            <p:nvGrpSpPr>
+              <p:cNvPr id="23" name="Group 22"/>
+              <p:cNvGrpSpPr/>
               <p:nvPr/>
-            </p:nvPicPr>
-            <p:blipFill>
-              <a:blip r:embed="rId8"/>
-              <a:stretch>
-                <a:fillRect/>
-              </a:stretch>
-            </p:blipFill>
-            <p:spPr>
-              <a:xfrm>
-                <a:off x="6895947" y="5589042"/>
-                <a:ext cx="302061" cy="235941"/>
-              </a:xfrm>
-              <a:prstGeom prst="rect">
-                <a:avLst/>
-              </a:prstGeom>
-            </p:spPr>
-          </p:pic>
-        </p:grpSp>
-        <p:pic>
-          <p:nvPicPr>
-            <p:cNvPr id="9" name="Picture 8"/>
-            <p:cNvPicPr>
-              <a:picLocks noChangeAspect="1"/>
-            </p:cNvPicPr>
-            <p:nvPr/>
-          </p:nvPicPr>
-          <p:blipFill>
-            <a:blip r:embed="rId9"/>
-            <a:stretch>
-              <a:fillRect/>
-            </a:stretch>
-          </p:blipFill>
-          <p:spPr>
-            <a:xfrm>
-              <a:off x="5470546" y="5589042"/>
-              <a:ext cx="334903" cy="198223"/>
-            </a:xfrm>
-            <a:prstGeom prst="rect">
-              <a:avLst/>
-            </a:prstGeom>
-          </p:spPr>
-        </p:pic>
-        <p:pic>
-          <p:nvPicPr>
-            <p:cNvPr id="10" name="Picture 9"/>
-            <p:cNvPicPr>
-              <a:picLocks noChangeAspect="1"/>
-            </p:cNvPicPr>
-            <p:nvPr/>
-          </p:nvPicPr>
-          <p:blipFill>
-            <a:blip r:embed="rId10"/>
-            <a:stretch>
-              <a:fillRect/>
-            </a:stretch>
-          </p:blipFill>
-          <p:spPr>
-            <a:xfrm>
-              <a:off x="5942690" y="5606488"/>
-              <a:ext cx="327300" cy="196986"/>
-            </a:xfrm>
-            <a:prstGeom prst="rect">
-              <a:avLst/>
-            </a:prstGeom>
-          </p:spPr>
-        </p:pic>
-      </p:grpSp>
-      <p:grpSp>
-        <p:nvGrpSpPr>
-          <p:cNvPr id="23" name="Group 22"/>
-          <p:cNvGrpSpPr/>
-          <p:nvPr/>
-        </p:nvGrpSpPr>
-        <p:grpSpPr>
-          <a:xfrm>
-            <a:off x="7248182" y="5582091"/>
-            <a:ext cx="3201060" cy="408944"/>
-            <a:chOff x="7248182" y="5582091"/>
-            <a:chExt cx="3201060" cy="408944"/>
-          </a:xfrm>
-        </p:grpSpPr>
-        <p:pic>
-          <p:nvPicPr>
-            <p:cNvPr id="19" name="Picture 18"/>
-            <p:cNvPicPr>
-              <a:picLocks noChangeAspect="1"/>
-            </p:cNvPicPr>
-            <p:nvPr/>
-          </p:nvPicPr>
-          <p:blipFill>
-            <a:blip r:embed="rId11"/>
-            <a:stretch>
-              <a:fillRect/>
-            </a:stretch>
-          </p:blipFill>
-          <p:spPr>
-            <a:xfrm>
-              <a:off x="9793330" y="5588411"/>
-              <a:ext cx="655912" cy="396304"/>
-            </a:xfrm>
-            <a:prstGeom prst="rect">
-              <a:avLst/>
-            </a:prstGeom>
-          </p:spPr>
-        </p:pic>
-        <p:grpSp>
-          <p:nvGrpSpPr>
-            <p:cNvPr id="22" name="Group 21"/>
-            <p:cNvGrpSpPr/>
-            <p:nvPr/>
-          </p:nvGrpSpPr>
-          <p:grpSpPr>
-            <a:xfrm>
-              <a:off x="7248182" y="5582091"/>
-              <a:ext cx="1970903" cy="408944"/>
-              <a:chOff x="7248182" y="5582091"/>
-              <a:chExt cx="1970903" cy="408944"/>
-            </a:xfrm>
-          </p:grpSpPr>
-          <p:pic>
-            <p:nvPicPr>
-              <p:cNvPr id="20" name="Picture 19"/>
-              <p:cNvPicPr>
-                <a:picLocks noChangeAspect="1"/>
-              </p:cNvPicPr>
-              <p:nvPr/>
-            </p:nvPicPr>
-            <p:blipFill>
-              <a:blip r:embed="rId12"/>
-              <a:stretch>
-                <a:fillRect/>
-              </a:stretch>
-            </p:blipFill>
-            <p:spPr>
-              <a:xfrm>
-                <a:off x="8490606" y="5642156"/>
-                <a:ext cx="728479" cy="293882"/>
-              </a:xfrm>
-              <a:prstGeom prst="rect">
-                <a:avLst/>
-              </a:prstGeom>
-            </p:spPr>
-          </p:pic>
-          <p:pic>
-            <p:nvPicPr>
-              <p:cNvPr id="5" name="Picture 4"/>
-              <p:cNvPicPr>
-                <a:picLocks noChangeAspect="1"/>
-              </p:cNvPicPr>
-              <p:nvPr/>
-            </p:nvPicPr>
-            <p:blipFill>
-              <a:blip r:embed="rId13"/>
-              <a:stretch>
-                <a:fillRect/>
-              </a:stretch>
-            </p:blipFill>
-            <p:spPr>
+            </p:nvGrpSpPr>
+            <p:grpSpPr>
               <a:xfrm>
                 <a:off x="7248182" y="5582091"/>
-                <a:ext cx="640805" cy="408944"/>
+                <a:ext cx="3201060" cy="408944"/>
+                <a:chOff x="7248182" y="5582091"/>
+                <a:chExt cx="3201060" cy="408944"/>
               </a:xfrm>
-              <a:prstGeom prst="rect">
-                <a:avLst/>
-              </a:prstGeom>
-            </p:spPr>
-          </p:pic>
+            </p:grpSpPr>
+            <p:pic>
+              <p:nvPicPr>
+                <p:cNvPr id="19" name="Picture 18"/>
+                <p:cNvPicPr>
+                  <a:picLocks noChangeAspect="1"/>
+                </p:cNvPicPr>
+                <p:nvPr/>
+              </p:nvPicPr>
+              <p:blipFill>
+                <a:blip r:embed="rId11"/>
+                <a:stretch>
+                  <a:fillRect/>
+                </a:stretch>
+              </p:blipFill>
+              <p:spPr>
+                <a:xfrm>
+                  <a:off x="9793330" y="5588411"/>
+                  <a:ext cx="655912" cy="396304"/>
+                </a:xfrm>
+                <a:prstGeom prst="rect">
+                  <a:avLst/>
+                </a:prstGeom>
+              </p:spPr>
+            </p:pic>
+            <p:grpSp>
+              <p:nvGrpSpPr>
+                <p:cNvPr id="22" name="Group 21"/>
+                <p:cNvGrpSpPr/>
+                <p:nvPr/>
+              </p:nvGrpSpPr>
+              <p:grpSpPr>
+                <a:xfrm>
+                  <a:off x="7248182" y="5582091"/>
+                  <a:ext cx="1970903" cy="408944"/>
+                  <a:chOff x="7248182" y="5582091"/>
+                  <a:chExt cx="1970903" cy="408944"/>
+                </a:xfrm>
+              </p:grpSpPr>
+              <p:pic>
+                <p:nvPicPr>
+                  <p:cNvPr id="20" name="Picture 19"/>
+                  <p:cNvPicPr>
+                    <a:picLocks noChangeAspect="1"/>
+                  </p:cNvPicPr>
+                  <p:nvPr/>
+                </p:nvPicPr>
+                <p:blipFill>
+                  <a:blip r:embed="rId12"/>
+                  <a:stretch>
+                    <a:fillRect/>
+                  </a:stretch>
+                </p:blipFill>
+                <p:spPr>
+                  <a:xfrm>
+                    <a:off x="8490606" y="5642156"/>
+                    <a:ext cx="728479" cy="293882"/>
+                  </a:xfrm>
+                  <a:prstGeom prst="rect">
+                    <a:avLst/>
+                  </a:prstGeom>
+                </p:spPr>
+              </p:pic>
+              <p:pic>
+                <p:nvPicPr>
+                  <p:cNvPr id="5" name="Picture 4"/>
+                  <p:cNvPicPr>
+                    <a:picLocks noChangeAspect="1"/>
+                  </p:cNvPicPr>
+                  <p:nvPr/>
+                </p:nvPicPr>
+                <p:blipFill>
+                  <a:blip r:embed="rId13"/>
+                  <a:stretch>
+                    <a:fillRect/>
+                  </a:stretch>
+                </p:blipFill>
+                <p:spPr>
+                  <a:xfrm>
+                    <a:off x="7248182" y="5582091"/>
+                    <a:ext cx="640805" cy="408944"/>
+                  </a:xfrm>
+                  <a:prstGeom prst="rect">
+                    <a:avLst/>
+                  </a:prstGeom>
+                </p:spPr>
+              </p:pic>
+            </p:grpSp>
+          </p:grpSp>
         </p:grpSp>
       </p:grpSp>
     </p:spTree>

--- a/output/plots/all_figs_with_legends.pptx
+++ b/output/plots/all_figs_with_legends.pptx
@@ -202,7 +202,7 @@
           <a:p>
             <a:fld id="{7FA21820-D199-4D82-91AF-C50B1D3B111A}" type="datetimeFigureOut">
               <a:rPr lang="en-US" smtClean="0"/>
-              <a:t>4/13/2017</a:t>
+              <a:t>4/17/2017</a:t>
             </a:fld>
             <a:endParaRPr lang="en-US"/>
           </a:p>
@@ -774,7 +774,7 @@
           <a:p>
             <a:r>
               <a:rPr lang="en-US" dirty="0" smtClean="0"/>
-              <a:t>FIXED – log transformed E</a:t>
+              <a:t>Not fixed</a:t>
             </a:r>
             <a:endParaRPr lang="en-US" dirty="0"/>
           </a:p>
@@ -1035,7 +1035,7 @@
           <a:p>
             <a:fld id="{916B8C92-D5E3-4480-8685-D57BEE386DE2}" type="datetimeFigureOut">
               <a:rPr lang="en-US" smtClean="0"/>
-              <a:t>4/13/2017</a:t>
+              <a:t>4/17/2017</a:t>
             </a:fld>
             <a:endParaRPr lang="en-US"/>
           </a:p>
@@ -1205,7 +1205,7 @@
           <a:p>
             <a:fld id="{916B8C92-D5E3-4480-8685-D57BEE386DE2}" type="datetimeFigureOut">
               <a:rPr lang="en-US" smtClean="0"/>
-              <a:t>4/13/2017</a:t>
+              <a:t>4/17/2017</a:t>
             </a:fld>
             <a:endParaRPr lang="en-US"/>
           </a:p>
@@ -1385,7 +1385,7 @@
           <a:p>
             <a:fld id="{916B8C92-D5E3-4480-8685-D57BEE386DE2}" type="datetimeFigureOut">
               <a:rPr lang="en-US" smtClean="0"/>
-              <a:t>4/13/2017</a:t>
+              <a:t>4/17/2017</a:t>
             </a:fld>
             <a:endParaRPr lang="en-US"/>
           </a:p>
@@ -1555,7 +1555,7 @@
           <a:p>
             <a:fld id="{916B8C92-D5E3-4480-8685-D57BEE386DE2}" type="datetimeFigureOut">
               <a:rPr lang="en-US" smtClean="0"/>
-              <a:t>4/13/2017</a:t>
+              <a:t>4/17/2017</a:t>
             </a:fld>
             <a:endParaRPr lang="en-US"/>
           </a:p>
@@ -1801,7 +1801,7 @@
           <a:p>
             <a:fld id="{916B8C92-D5E3-4480-8685-D57BEE386DE2}" type="datetimeFigureOut">
               <a:rPr lang="en-US" smtClean="0"/>
-              <a:t>4/13/2017</a:t>
+              <a:t>4/17/2017</a:t>
             </a:fld>
             <a:endParaRPr lang="en-US"/>
           </a:p>
@@ -2033,7 +2033,7 @@
           <a:p>
             <a:fld id="{916B8C92-D5E3-4480-8685-D57BEE386DE2}" type="datetimeFigureOut">
               <a:rPr lang="en-US" smtClean="0"/>
-              <a:t>4/13/2017</a:t>
+              <a:t>4/17/2017</a:t>
             </a:fld>
             <a:endParaRPr lang="en-US"/>
           </a:p>
@@ -2400,7 +2400,7 @@
           <a:p>
             <a:fld id="{916B8C92-D5E3-4480-8685-D57BEE386DE2}" type="datetimeFigureOut">
               <a:rPr lang="en-US" smtClean="0"/>
-              <a:t>4/13/2017</a:t>
+              <a:t>4/17/2017</a:t>
             </a:fld>
             <a:endParaRPr lang="en-US"/>
           </a:p>
@@ -2518,7 +2518,7 @@
           <a:p>
             <a:fld id="{916B8C92-D5E3-4480-8685-D57BEE386DE2}" type="datetimeFigureOut">
               <a:rPr lang="en-US" smtClean="0"/>
-              <a:t>4/13/2017</a:t>
+              <a:t>4/17/2017</a:t>
             </a:fld>
             <a:endParaRPr lang="en-US"/>
           </a:p>
@@ -2613,7 +2613,7 @@
           <a:p>
             <a:fld id="{916B8C92-D5E3-4480-8685-D57BEE386DE2}" type="datetimeFigureOut">
               <a:rPr lang="en-US" smtClean="0"/>
-              <a:t>4/13/2017</a:t>
+              <a:t>4/17/2017</a:t>
             </a:fld>
             <a:endParaRPr lang="en-US"/>
           </a:p>
@@ -2890,7 +2890,7 @@
           <a:p>
             <a:fld id="{916B8C92-D5E3-4480-8685-D57BEE386DE2}" type="datetimeFigureOut">
               <a:rPr lang="en-US" smtClean="0"/>
-              <a:t>4/13/2017</a:t>
+              <a:t>4/17/2017</a:t>
             </a:fld>
             <a:endParaRPr lang="en-US"/>
           </a:p>
@@ -3143,7 +3143,7 @@
           <a:p>
             <a:fld id="{916B8C92-D5E3-4480-8685-D57BEE386DE2}" type="datetimeFigureOut">
               <a:rPr lang="en-US" smtClean="0"/>
-              <a:t>4/13/2017</a:t>
+              <a:t>4/17/2017</a:t>
             </a:fld>
             <a:endParaRPr lang="en-US"/>
           </a:p>
@@ -3356,7 +3356,7 @@
           <a:p>
             <a:fld id="{916B8C92-D5E3-4480-8685-D57BEE386DE2}" type="datetimeFigureOut">
               <a:rPr lang="en-US" smtClean="0"/>
-              <a:t>4/13/2017</a:t>
+              <a:t>4/17/2017</a:t>
             </a:fld>
             <a:endParaRPr lang="en-US"/>
           </a:p>
@@ -4718,21 +4718,22 @@
       </p:grpSpPr>
       <p:pic>
         <p:nvPicPr>
-          <p:cNvPr id="4" name="Picture 3"/>
+          <p:cNvPr id="3" name="Picture 2"/>
           <p:cNvPicPr>
             <a:picLocks noChangeAspect="1"/>
           </p:cNvPicPr>
           <p:nvPr/>
         </p:nvPicPr>
-        <p:blipFill rotWithShape="1">
+        <p:blipFill>
           <a:blip r:embed="rId3"/>
-          <a:srcRect l="468"/>
-          <a:stretch/>
+          <a:stretch>
+            <a:fillRect/>
+          </a:stretch>
         </p:blipFill>
         <p:spPr>
           <a:xfrm>
-            <a:off x="1185598" y="0"/>
-            <a:ext cx="8642055" cy="6629400"/>
+            <a:off x="1105432" y="422"/>
+            <a:ext cx="8744459" cy="6585429"/>
           </a:xfrm>
           <a:prstGeom prst="rect">
             <a:avLst/>

--- a/output/plots/all_figs_with_legends.pptx
+++ b/output/plots/all_figs_with_legends.pptx
@@ -5937,7 +5937,7 @@
         </p:nvSpPr>
         <p:spPr>
           <a:xfrm>
-            <a:off x="228600" y="193318"/>
+            <a:off x="0" y="118263"/>
             <a:ext cx="1060704" cy="369332"/>
           </a:xfrm>
           <a:prstGeom prst="rect">
@@ -5960,21 +5960,21 @@
       </p:sp>
       <p:grpSp>
         <p:nvGrpSpPr>
-          <p:cNvPr id="4" name="Group 3"/>
+          <p:cNvPr id="18" name="Group 17"/>
           <p:cNvGrpSpPr/>
           <p:nvPr/>
         </p:nvGrpSpPr>
         <p:grpSpPr>
           <a:xfrm>
-            <a:off x="1289304" y="70226"/>
-            <a:ext cx="9626664" cy="6427235"/>
-            <a:chOff x="1289304" y="70226"/>
-            <a:chExt cx="9626664" cy="6427235"/>
+            <a:off x="955248" y="302929"/>
+            <a:ext cx="10438604" cy="6637129"/>
+            <a:chOff x="918672" y="-90263"/>
+            <a:chExt cx="10438604" cy="6637129"/>
           </a:xfrm>
         </p:grpSpPr>
         <p:pic>
           <p:nvPicPr>
-            <p:cNvPr id="2" name="Picture 1"/>
+            <p:cNvPr id="6" name="Picture 5"/>
             <p:cNvPicPr>
               <a:picLocks noChangeAspect="1"/>
             </p:cNvPicPr>
@@ -5988,8 +5988,8 @@
           </p:blipFill>
           <p:spPr>
             <a:xfrm>
-              <a:off x="1289304" y="70226"/>
-              <a:ext cx="9626664" cy="6427235"/>
+              <a:off x="918672" y="-90263"/>
+              <a:ext cx="10438604" cy="6637129"/>
             </a:xfrm>
             <a:prstGeom prst="rect">
               <a:avLst/>
@@ -5998,199 +5998,160 @@
         </p:pic>
         <p:grpSp>
           <p:nvGrpSpPr>
-            <p:cNvPr id="3" name="Group 2"/>
+            <p:cNvPr id="7" name="Group 6"/>
             <p:cNvGrpSpPr/>
             <p:nvPr/>
           </p:nvGrpSpPr>
           <p:grpSpPr>
             <a:xfrm>
-              <a:off x="2092569" y="5582091"/>
-              <a:ext cx="8356673" cy="437938"/>
-              <a:chOff x="2092569" y="5582091"/>
-              <a:chExt cx="8356673" cy="437938"/>
+              <a:off x="2092569" y="5642156"/>
+              <a:ext cx="3815862" cy="377873"/>
+              <a:chOff x="4092064" y="5579770"/>
+              <a:chExt cx="3105944" cy="245213"/>
             </a:xfrm>
           </p:grpSpPr>
           <p:grpSp>
             <p:nvGrpSpPr>
-              <p:cNvPr id="7" name="Group 6"/>
+              <p:cNvPr id="8" name="Group 7"/>
               <p:cNvGrpSpPr/>
               <p:nvPr/>
             </p:nvGrpSpPr>
             <p:grpSpPr>
               <a:xfrm>
-                <a:off x="2092569" y="5642156"/>
-                <a:ext cx="3815862" cy="377873"/>
+                <a:off x="4092064" y="5579770"/>
+                <a:ext cx="3105944" cy="245213"/>
                 <a:chOff x="4092064" y="5579770"/>
                 <a:chExt cx="3105944" cy="245213"/>
               </a:xfrm>
             </p:grpSpPr>
             <p:grpSp>
               <p:nvGrpSpPr>
-                <p:cNvPr id="8" name="Group 7"/>
+                <p:cNvPr id="11" name="Group 10"/>
                 <p:cNvGrpSpPr/>
                 <p:nvPr/>
               </p:nvGrpSpPr>
               <p:grpSpPr>
                 <a:xfrm>
                   <a:off x="4092064" y="5579770"/>
-                  <a:ext cx="3105944" cy="245213"/>
-                  <a:chOff x="4092064" y="5579770"/>
-                  <a:chExt cx="3105944" cy="245213"/>
+                  <a:ext cx="2638534" cy="231317"/>
+                  <a:chOff x="4258063" y="5579770"/>
+                  <a:chExt cx="2638534" cy="231317"/>
                 </a:xfrm>
               </p:grpSpPr>
-              <p:grpSp>
-                <p:nvGrpSpPr>
-                  <p:cNvPr id="11" name="Group 10"/>
-                  <p:cNvGrpSpPr/>
-                  <p:nvPr/>
-                </p:nvGrpSpPr>
-                <p:grpSpPr>
-                  <a:xfrm>
-                    <a:off x="4092064" y="5579770"/>
-                    <a:ext cx="2638534" cy="231317"/>
-                    <a:chOff x="4258063" y="5579770"/>
-                    <a:chExt cx="2638534" cy="231317"/>
-                  </a:xfrm>
-                </p:grpSpPr>
-                <p:pic>
-                  <p:nvPicPr>
-                    <p:cNvPr id="13" name="Picture 12"/>
-                    <p:cNvPicPr>
-                      <a:picLocks noChangeAspect="1"/>
-                    </p:cNvPicPr>
-                    <p:nvPr/>
-                  </p:nvPicPr>
-                  <p:blipFill>
-                    <a:blip r:embed="rId4" cstate="print">
-                      <a:extLst>
-                        <a:ext uri="{28A0092B-C50C-407E-A947-70E740481C1C}">
-                          <a14:useLocalDpi xmlns:a14="http://schemas.microsoft.com/office/drawing/2010/main" val="0"/>
-                        </a:ext>
-                      </a:extLst>
-                    </a:blip>
-                    <a:stretch>
-                      <a:fillRect/>
-                    </a:stretch>
-                  </p:blipFill>
-                  <p:spPr>
-                    <a:xfrm>
-                      <a:off x="4690969" y="5623587"/>
-                      <a:ext cx="325640" cy="161565"/>
-                    </a:xfrm>
-                    <a:prstGeom prst="rect">
-                      <a:avLst/>
-                    </a:prstGeom>
-                  </p:spPr>
-                </p:pic>
-                <p:pic>
-                  <p:nvPicPr>
-                    <p:cNvPr id="14" name="Picture 13"/>
-                    <p:cNvPicPr>
-                      <a:picLocks noChangeAspect="1"/>
-                    </p:cNvPicPr>
-                    <p:nvPr/>
-                  </p:nvPicPr>
-                  <p:blipFill>
-                    <a:blip r:embed="rId5" cstate="print">
-                      <a:extLst>
-                        <a:ext uri="{28A0092B-C50C-407E-A947-70E740481C1C}">
-                          <a14:useLocalDpi xmlns:a14="http://schemas.microsoft.com/office/drawing/2010/main" val="0"/>
-                        </a:ext>
-                      </a:extLst>
-                    </a:blip>
-                    <a:stretch>
-                      <a:fillRect/>
-                    </a:stretch>
-                  </p:blipFill>
-                  <p:spPr>
-                    <a:xfrm>
-                      <a:off x="5178545" y="5585491"/>
-                      <a:ext cx="280633" cy="225596"/>
-                    </a:xfrm>
-                    <a:prstGeom prst="rect">
-                      <a:avLst/>
-                    </a:prstGeom>
-                  </p:spPr>
-                </p:pic>
-                <p:pic>
-                  <p:nvPicPr>
-                    <p:cNvPr id="15" name="Picture 14"/>
-                    <p:cNvPicPr>
-                      <a:picLocks noChangeAspect="1"/>
-                    </p:cNvPicPr>
-                    <p:nvPr/>
-                  </p:nvPicPr>
-                  <p:blipFill>
-                    <a:blip r:embed="rId6" cstate="print">
-                      <a:extLst>
-                        <a:ext uri="{28A0092B-C50C-407E-A947-70E740481C1C}">
-                          <a14:useLocalDpi xmlns:a14="http://schemas.microsoft.com/office/drawing/2010/main" val="0"/>
-                        </a:ext>
-                      </a:extLst>
-                    </a:blip>
-                    <a:stretch>
-                      <a:fillRect/>
-                    </a:stretch>
-                  </p:blipFill>
-                  <p:spPr>
-                    <a:xfrm>
-                      <a:off x="4258063" y="5579770"/>
-                      <a:ext cx="274386" cy="225596"/>
-                    </a:xfrm>
-                    <a:prstGeom prst="rect">
-                      <a:avLst/>
-                    </a:prstGeom>
-                  </p:spPr>
-                </p:pic>
-                <p:pic>
-                  <p:nvPicPr>
-                    <p:cNvPr id="16" name="Picture 15"/>
-                    <p:cNvPicPr>
-                      <a:picLocks noChangeAspect="1"/>
-                    </p:cNvPicPr>
-                    <p:nvPr/>
-                  </p:nvPicPr>
-                  <p:blipFill>
-                    <a:blip r:embed="rId7" cstate="print">
-                      <a:extLst>
-                        <a:ext uri="{28A0092B-C50C-407E-A947-70E740481C1C}">
-                          <a14:useLocalDpi xmlns:a14="http://schemas.microsoft.com/office/drawing/2010/main" val="0"/>
-                        </a:ext>
-                      </a:extLst>
-                    </a:blip>
-                    <a:stretch>
-                      <a:fillRect/>
-                    </a:stretch>
-                  </p:blipFill>
-                  <p:spPr>
-                    <a:xfrm flipH="1">
-                      <a:off x="6640808" y="5592592"/>
-                      <a:ext cx="255789" cy="218495"/>
-                    </a:xfrm>
-                    <a:prstGeom prst="rect">
-                      <a:avLst/>
-                    </a:prstGeom>
-                  </p:spPr>
-                </p:pic>
-              </p:grpSp>
               <p:pic>
                 <p:nvPicPr>
-                  <p:cNvPr id="12" name="Picture 11"/>
+                  <p:cNvPr id="13" name="Picture 12"/>
                   <p:cNvPicPr>
                     <a:picLocks noChangeAspect="1"/>
                   </p:cNvPicPr>
                   <p:nvPr/>
                 </p:nvPicPr>
                 <p:blipFill>
-                  <a:blip r:embed="rId8"/>
+                  <a:blip r:embed="rId4" cstate="print">
+                    <a:extLst>
+                      <a:ext uri="{28A0092B-C50C-407E-A947-70E740481C1C}">
+                        <a14:useLocalDpi xmlns:a14="http://schemas.microsoft.com/office/drawing/2010/main" val="0"/>
+                      </a:ext>
+                    </a:extLst>
+                  </a:blip>
                   <a:stretch>
                     <a:fillRect/>
                   </a:stretch>
                 </p:blipFill>
                 <p:spPr>
                   <a:xfrm>
-                    <a:off x="6895947" y="5589042"/>
-                    <a:ext cx="302061" cy="235941"/>
+                    <a:off x="4690969" y="5623587"/>
+                    <a:ext cx="325640" cy="161565"/>
+                  </a:xfrm>
+                  <a:prstGeom prst="rect">
+                    <a:avLst/>
+                  </a:prstGeom>
+                </p:spPr>
+              </p:pic>
+              <p:pic>
+                <p:nvPicPr>
+                  <p:cNvPr id="14" name="Picture 13"/>
+                  <p:cNvPicPr>
+                    <a:picLocks noChangeAspect="1"/>
+                  </p:cNvPicPr>
+                  <p:nvPr/>
+                </p:nvPicPr>
+                <p:blipFill>
+                  <a:blip r:embed="rId5" cstate="print">
+                    <a:extLst>
+                      <a:ext uri="{28A0092B-C50C-407E-A947-70E740481C1C}">
+                        <a14:useLocalDpi xmlns:a14="http://schemas.microsoft.com/office/drawing/2010/main" val="0"/>
+                      </a:ext>
+                    </a:extLst>
+                  </a:blip>
+                  <a:stretch>
+                    <a:fillRect/>
+                  </a:stretch>
+                </p:blipFill>
+                <p:spPr>
+                  <a:xfrm>
+                    <a:off x="5178545" y="5585491"/>
+                    <a:ext cx="280633" cy="225596"/>
+                  </a:xfrm>
+                  <a:prstGeom prst="rect">
+                    <a:avLst/>
+                  </a:prstGeom>
+                </p:spPr>
+              </p:pic>
+              <p:pic>
+                <p:nvPicPr>
+                  <p:cNvPr id="15" name="Picture 14"/>
+                  <p:cNvPicPr>
+                    <a:picLocks noChangeAspect="1"/>
+                  </p:cNvPicPr>
+                  <p:nvPr/>
+                </p:nvPicPr>
+                <p:blipFill>
+                  <a:blip r:embed="rId6" cstate="print">
+                    <a:extLst>
+                      <a:ext uri="{28A0092B-C50C-407E-A947-70E740481C1C}">
+                        <a14:useLocalDpi xmlns:a14="http://schemas.microsoft.com/office/drawing/2010/main" val="0"/>
+                      </a:ext>
+                    </a:extLst>
+                  </a:blip>
+                  <a:stretch>
+                    <a:fillRect/>
+                  </a:stretch>
+                </p:blipFill>
+                <p:spPr>
+                  <a:xfrm>
+                    <a:off x="4258063" y="5579770"/>
+                    <a:ext cx="274386" cy="225596"/>
+                  </a:xfrm>
+                  <a:prstGeom prst="rect">
+                    <a:avLst/>
+                  </a:prstGeom>
+                </p:spPr>
+              </p:pic>
+              <p:pic>
+                <p:nvPicPr>
+                  <p:cNvPr id="16" name="Picture 15"/>
+                  <p:cNvPicPr>
+                    <a:picLocks noChangeAspect="1"/>
+                  </p:cNvPicPr>
+                  <p:nvPr/>
+                </p:nvPicPr>
+                <p:blipFill>
+                  <a:blip r:embed="rId7" cstate="print">
+                    <a:extLst>
+                      <a:ext uri="{28A0092B-C50C-407E-A947-70E740481C1C}">
+                        <a14:useLocalDpi xmlns:a14="http://schemas.microsoft.com/office/drawing/2010/main" val="0"/>
+                      </a:ext>
+                    </a:extLst>
+                  </a:blip>
+                  <a:stretch>
+                    <a:fillRect/>
+                  </a:stretch>
+                </p:blipFill>
+                <p:spPr>
+                  <a:xfrm flipH="1">
+                    <a:off x="6640808" y="5592592"/>
+                    <a:ext cx="255789" cy="218495"/>
                   </a:xfrm>
                   <a:prstGeom prst="rect">
                     <a:avLst/>
@@ -6200,22 +6161,148 @@
             </p:grpSp>
             <p:pic>
               <p:nvPicPr>
-                <p:cNvPr id="9" name="Picture 8"/>
+                <p:cNvPr id="12" name="Picture 11"/>
                 <p:cNvPicPr>
                   <a:picLocks noChangeAspect="1"/>
                 </p:cNvPicPr>
                 <p:nvPr/>
               </p:nvPicPr>
               <p:blipFill>
-                <a:blip r:embed="rId9"/>
+                <a:blip r:embed="rId8"/>
                 <a:stretch>
                   <a:fillRect/>
                 </a:stretch>
               </p:blipFill>
               <p:spPr>
                 <a:xfrm>
-                  <a:off x="5470546" y="5589042"/>
-                  <a:ext cx="334903" cy="198223"/>
+                  <a:off x="6895947" y="5589042"/>
+                  <a:ext cx="302061" cy="235941"/>
+                </a:xfrm>
+                <a:prstGeom prst="rect">
+                  <a:avLst/>
+                </a:prstGeom>
+              </p:spPr>
+            </p:pic>
+          </p:grpSp>
+          <p:pic>
+            <p:nvPicPr>
+              <p:cNvPr id="9" name="Picture 8"/>
+              <p:cNvPicPr>
+                <a:picLocks noChangeAspect="1"/>
+              </p:cNvPicPr>
+              <p:nvPr/>
+            </p:nvPicPr>
+            <p:blipFill>
+              <a:blip r:embed="rId9"/>
+              <a:stretch>
+                <a:fillRect/>
+              </a:stretch>
+            </p:blipFill>
+            <p:spPr>
+              <a:xfrm>
+                <a:off x="5470546" y="5589042"/>
+                <a:ext cx="334903" cy="198223"/>
+              </a:xfrm>
+              <a:prstGeom prst="rect">
+                <a:avLst/>
+              </a:prstGeom>
+            </p:spPr>
+          </p:pic>
+          <p:pic>
+            <p:nvPicPr>
+              <p:cNvPr id="10" name="Picture 9"/>
+              <p:cNvPicPr>
+                <a:picLocks noChangeAspect="1"/>
+              </p:cNvPicPr>
+              <p:nvPr/>
+            </p:nvPicPr>
+            <p:blipFill>
+              <a:blip r:embed="rId10"/>
+              <a:stretch>
+                <a:fillRect/>
+              </a:stretch>
+            </p:blipFill>
+            <p:spPr>
+              <a:xfrm>
+                <a:off x="5942690" y="5606488"/>
+                <a:ext cx="327300" cy="196986"/>
+              </a:xfrm>
+              <a:prstGeom prst="rect">
+                <a:avLst/>
+              </a:prstGeom>
+            </p:spPr>
+          </p:pic>
+        </p:grpSp>
+        <p:grpSp>
+          <p:nvGrpSpPr>
+            <p:cNvPr id="23" name="Group 22"/>
+            <p:cNvGrpSpPr/>
+            <p:nvPr/>
+          </p:nvGrpSpPr>
+          <p:grpSpPr>
+            <a:xfrm>
+              <a:off x="7643151" y="5628981"/>
+              <a:ext cx="3201060" cy="408944"/>
+              <a:chOff x="7643151" y="5628981"/>
+              <a:chExt cx="3201060" cy="408944"/>
+            </a:xfrm>
+          </p:grpSpPr>
+          <p:pic>
+            <p:nvPicPr>
+              <p:cNvPr id="19" name="Picture 18"/>
+              <p:cNvPicPr>
+                <a:picLocks noChangeAspect="1"/>
+              </p:cNvPicPr>
+              <p:nvPr/>
+            </p:nvPicPr>
+            <p:blipFill>
+              <a:blip r:embed="rId11"/>
+              <a:stretch>
+                <a:fillRect/>
+              </a:stretch>
+            </p:blipFill>
+            <p:spPr>
+              <a:xfrm>
+                <a:off x="10188299" y="5635301"/>
+                <a:ext cx="655912" cy="396304"/>
+              </a:xfrm>
+              <a:prstGeom prst="rect">
+                <a:avLst/>
+              </a:prstGeom>
+            </p:spPr>
+          </p:pic>
+          <p:grpSp>
+            <p:nvGrpSpPr>
+              <p:cNvPr id="22" name="Group 21"/>
+              <p:cNvGrpSpPr/>
+              <p:nvPr/>
+            </p:nvGrpSpPr>
+            <p:grpSpPr>
+              <a:xfrm>
+                <a:off x="7643151" y="5628981"/>
+                <a:ext cx="1970903" cy="408944"/>
+                <a:chOff x="7643151" y="5628981"/>
+                <a:chExt cx="1970903" cy="408944"/>
+              </a:xfrm>
+            </p:grpSpPr>
+            <p:pic>
+              <p:nvPicPr>
+                <p:cNvPr id="20" name="Picture 19"/>
+                <p:cNvPicPr>
+                  <a:picLocks noChangeAspect="1"/>
+                </p:cNvPicPr>
+                <p:nvPr/>
+              </p:nvPicPr>
+              <p:blipFill>
+                <a:blip r:embed="rId12"/>
+                <a:stretch>
+                  <a:fillRect/>
+                </a:stretch>
+              </p:blipFill>
+              <p:spPr>
+                <a:xfrm>
+                  <a:off x="8885575" y="5689046"/>
+                  <a:ext cx="728479" cy="293882"/>
                 </a:xfrm>
                 <a:prstGeom prst="rect">
                   <a:avLst/>
@@ -6224,130 +6311,28 @@
             </p:pic>
             <p:pic>
               <p:nvPicPr>
-                <p:cNvPr id="10" name="Picture 9"/>
+                <p:cNvPr id="5" name="Picture 4"/>
                 <p:cNvPicPr>
                   <a:picLocks noChangeAspect="1"/>
                 </p:cNvPicPr>
                 <p:nvPr/>
               </p:nvPicPr>
               <p:blipFill>
-                <a:blip r:embed="rId10"/>
+                <a:blip r:embed="rId13"/>
                 <a:stretch>
                   <a:fillRect/>
                 </a:stretch>
               </p:blipFill>
               <p:spPr>
                 <a:xfrm>
-                  <a:off x="5942690" y="5606488"/>
-                  <a:ext cx="327300" cy="196986"/>
+                  <a:off x="7643151" y="5628981"/>
+                  <a:ext cx="640805" cy="408944"/>
                 </a:xfrm>
                 <a:prstGeom prst="rect">
                   <a:avLst/>
                 </a:prstGeom>
               </p:spPr>
             </p:pic>
-          </p:grpSp>
-          <p:grpSp>
-            <p:nvGrpSpPr>
-              <p:cNvPr id="23" name="Group 22"/>
-              <p:cNvGrpSpPr/>
-              <p:nvPr/>
-            </p:nvGrpSpPr>
-            <p:grpSpPr>
-              <a:xfrm>
-                <a:off x="7248182" y="5582091"/>
-                <a:ext cx="3201060" cy="408944"/>
-                <a:chOff x="7248182" y="5582091"/>
-                <a:chExt cx="3201060" cy="408944"/>
-              </a:xfrm>
-            </p:grpSpPr>
-            <p:pic>
-              <p:nvPicPr>
-                <p:cNvPr id="19" name="Picture 18"/>
-                <p:cNvPicPr>
-                  <a:picLocks noChangeAspect="1"/>
-                </p:cNvPicPr>
-                <p:nvPr/>
-              </p:nvPicPr>
-              <p:blipFill>
-                <a:blip r:embed="rId11"/>
-                <a:stretch>
-                  <a:fillRect/>
-                </a:stretch>
-              </p:blipFill>
-              <p:spPr>
-                <a:xfrm>
-                  <a:off x="9793330" y="5588411"/>
-                  <a:ext cx="655912" cy="396304"/>
-                </a:xfrm>
-                <a:prstGeom prst="rect">
-                  <a:avLst/>
-                </a:prstGeom>
-              </p:spPr>
-            </p:pic>
-            <p:grpSp>
-              <p:nvGrpSpPr>
-                <p:cNvPr id="22" name="Group 21"/>
-                <p:cNvGrpSpPr/>
-                <p:nvPr/>
-              </p:nvGrpSpPr>
-              <p:grpSpPr>
-                <a:xfrm>
-                  <a:off x="7248182" y="5582091"/>
-                  <a:ext cx="1970903" cy="408944"/>
-                  <a:chOff x="7248182" y="5582091"/>
-                  <a:chExt cx="1970903" cy="408944"/>
-                </a:xfrm>
-              </p:grpSpPr>
-              <p:pic>
-                <p:nvPicPr>
-                  <p:cNvPr id="20" name="Picture 19"/>
-                  <p:cNvPicPr>
-                    <a:picLocks noChangeAspect="1"/>
-                  </p:cNvPicPr>
-                  <p:nvPr/>
-                </p:nvPicPr>
-                <p:blipFill>
-                  <a:blip r:embed="rId12"/>
-                  <a:stretch>
-                    <a:fillRect/>
-                  </a:stretch>
-                </p:blipFill>
-                <p:spPr>
-                  <a:xfrm>
-                    <a:off x="8490606" y="5642156"/>
-                    <a:ext cx="728479" cy="293882"/>
-                  </a:xfrm>
-                  <a:prstGeom prst="rect">
-                    <a:avLst/>
-                  </a:prstGeom>
-                </p:spPr>
-              </p:pic>
-              <p:pic>
-                <p:nvPicPr>
-                  <p:cNvPr id="5" name="Picture 4"/>
-                  <p:cNvPicPr>
-                    <a:picLocks noChangeAspect="1"/>
-                  </p:cNvPicPr>
-                  <p:nvPr/>
-                </p:nvPicPr>
-                <p:blipFill>
-                  <a:blip r:embed="rId13"/>
-                  <a:stretch>
-                    <a:fillRect/>
-                  </a:stretch>
-                </p:blipFill>
-                <p:spPr>
-                  <a:xfrm>
-                    <a:off x="7248182" y="5582091"/>
-                    <a:ext cx="640805" cy="408944"/>
-                  </a:xfrm>
-                  <a:prstGeom prst="rect">
-                    <a:avLst/>
-                  </a:prstGeom>
-                </p:spPr>
-              </p:pic>
-            </p:grpSp>
           </p:grpSp>
         </p:grpSp>
       </p:grpSp>

--- a/output/plots/all_figs_with_legends.pptx
+++ b/output/plots/all_figs_with_legends.pptx
@@ -202,7 +202,7 @@
           <a:p>
             <a:fld id="{7FA21820-D199-4D82-91AF-C50B1D3B111A}" type="datetimeFigureOut">
               <a:rPr lang="en-US" smtClean="0"/>
-              <a:t>4/17/2017</a:t>
+              <a:t>4/19/2017</a:t>
             </a:fld>
             <a:endParaRPr lang="en-US"/>
           </a:p>
@@ -1035,7 +1035,7 @@
           <a:p>
             <a:fld id="{916B8C92-D5E3-4480-8685-D57BEE386DE2}" type="datetimeFigureOut">
               <a:rPr lang="en-US" smtClean="0"/>
-              <a:t>4/17/2017</a:t>
+              <a:t>4/19/2017</a:t>
             </a:fld>
             <a:endParaRPr lang="en-US"/>
           </a:p>
@@ -1205,7 +1205,7 @@
           <a:p>
             <a:fld id="{916B8C92-D5E3-4480-8685-D57BEE386DE2}" type="datetimeFigureOut">
               <a:rPr lang="en-US" smtClean="0"/>
-              <a:t>4/17/2017</a:t>
+              <a:t>4/19/2017</a:t>
             </a:fld>
             <a:endParaRPr lang="en-US"/>
           </a:p>
@@ -1385,7 +1385,7 @@
           <a:p>
             <a:fld id="{916B8C92-D5E3-4480-8685-D57BEE386DE2}" type="datetimeFigureOut">
               <a:rPr lang="en-US" smtClean="0"/>
-              <a:t>4/17/2017</a:t>
+              <a:t>4/19/2017</a:t>
             </a:fld>
             <a:endParaRPr lang="en-US"/>
           </a:p>
@@ -1555,7 +1555,7 @@
           <a:p>
             <a:fld id="{916B8C92-D5E3-4480-8685-D57BEE386DE2}" type="datetimeFigureOut">
               <a:rPr lang="en-US" smtClean="0"/>
-              <a:t>4/17/2017</a:t>
+              <a:t>4/19/2017</a:t>
             </a:fld>
             <a:endParaRPr lang="en-US"/>
           </a:p>
@@ -1801,7 +1801,7 @@
           <a:p>
             <a:fld id="{916B8C92-D5E3-4480-8685-D57BEE386DE2}" type="datetimeFigureOut">
               <a:rPr lang="en-US" smtClean="0"/>
-              <a:t>4/17/2017</a:t>
+              <a:t>4/19/2017</a:t>
             </a:fld>
             <a:endParaRPr lang="en-US"/>
           </a:p>
@@ -2033,7 +2033,7 @@
           <a:p>
             <a:fld id="{916B8C92-D5E3-4480-8685-D57BEE386DE2}" type="datetimeFigureOut">
               <a:rPr lang="en-US" smtClean="0"/>
-              <a:t>4/17/2017</a:t>
+              <a:t>4/19/2017</a:t>
             </a:fld>
             <a:endParaRPr lang="en-US"/>
           </a:p>
@@ -2400,7 +2400,7 @@
           <a:p>
             <a:fld id="{916B8C92-D5E3-4480-8685-D57BEE386DE2}" type="datetimeFigureOut">
               <a:rPr lang="en-US" smtClean="0"/>
-              <a:t>4/17/2017</a:t>
+              <a:t>4/19/2017</a:t>
             </a:fld>
             <a:endParaRPr lang="en-US"/>
           </a:p>
@@ -2518,7 +2518,7 @@
           <a:p>
             <a:fld id="{916B8C92-D5E3-4480-8685-D57BEE386DE2}" type="datetimeFigureOut">
               <a:rPr lang="en-US" smtClean="0"/>
-              <a:t>4/17/2017</a:t>
+              <a:t>4/19/2017</a:t>
             </a:fld>
             <a:endParaRPr lang="en-US"/>
           </a:p>
@@ -2613,7 +2613,7 @@
           <a:p>
             <a:fld id="{916B8C92-D5E3-4480-8685-D57BEE386DE2}" type="datetimeFigureOut">
               <a:rPr lang="en-US" smtClean="0"/>
-              <a:t>4/17/2017</a:t>
+              <a:t>4/19/2017</a:t>
             </a:fld>
             <a:endParaRPr lang="en-US"/>
           </a:p>
@@ -2890,7 +2890,7 @@
           <a:p>
             <a:fld id="{916B8C92-D5E3-4480-8685-D57BEE386DE2}" type="datetimeFigureOut">
               <a:rPr lang="en-US" smtClean="0"/>
-              <a:t>4/17/2017</a:t>
+              <a:t>4/19/2017</a:t>
             </a:fld>
             <a:endParaRPr lang="en-US"/>
           </a:p>
@@ -3143,7 +3143,7 @@
           <a:p>
             <a:fld id="{916B8C92-D5E3-4480-8685-D57BEE386DE2}" type="datetimeFigureOut">
               <a:rPr lang="en-US" smtClean="0"/>
-              <a:t>4/17/2017</a:t>
+              <a:t>4/19/2017</a:t>
             </a:fld>
             <a:endParaRPr lang="en-US"/>
           </a:p>
@@ -3356,7 +3356,7 @@
           <a:p>
             <a:fld id="{916B8C92-D5E3-4480-8685-D57BEE386DE2}" type="datetimeFigureOut">
               <a:rPr lang="en-US" smtClean="0"/>
-              <a:t>4/17/2017</a:t>
+              <a:t>4/19/2017</a:t>
             </a:fld>
             <a:endParaRPr lang="en-US"/>
           </a:p>
@@ -6522,61 +6522,91 @@
           </a:p>
         </p:txBody>
       </p:sp>
+      <p:sp>
+        <p:nvSpPr>
+          <p:cNvPr id="5" name="TextBox 4"/>
+          <p:cNvSpPr txBox="1"/>
+          <p:nvPr/>
+        </p:nvSpPr>
+        <p:spPr>
+          <a:xfrm>
+            <a:off x="117817" y="134914"/>
+            <a:ext cx="1060704" cy="369332"/>
+          </a:xfrm>
+          <a:prstGeom prst="rect">
+            <a:avLst/>
+          </a:prstGeom>
+          <a:noFill/>
+        </p:spPr>
+        <p:txBody>
+          <a:bodyPr wrap="square" rtlCol="0">
+            <a:spAutoFit/>
+          </a:bodyPr>
+          <a:lstStyle/>
+          <a:p>
+            <a:r>
+              <a:rPr lang="en-US" dirty="0" smtClean="0"/>
+              <a:t>Fig 3a-3c</a:t>
+            </a:r>
+            <a:endParaRPr lang="en-US" dirty="0"/>
+          </a:p>
+        </p:txBody>
+      </p:sp>
+      <p:pic>
+        <p:nvPicPr>
+          <p:cNvPr id="2" name="Picture 1"/>
+          <p:cNvPicPr>
+            <a:picLocks noChangeAspect="1"/>
+          </p:cNvPicPr>
+          <p:nvPr/>
+        </p:nvPicPr>
+        <p:blipFill>
+          <a:blip r:embed="rId2"/>
+          <a:stretch>
+            <a:fillRect/>
+          </a:stretch>
+        </p:blipFill>
+        <p:spPr>
+          <a:xfrm>
+            <a:off x="2432303" y="85664"/>
+            <a:ext cx="6161184" cy="4833343"/>
+          </a:xfrm>
+          <a:prstGeom prst="rect">
+            <a:avLst/>
+          </a:prstGeom>
+        </p:spPr>
+      </p:pic>
       <p:grpSp>
         <p:nvGrpSpPr>
-          <p:cNvPr id="20" name="Group 19"/>
+          <p:cNvPr id="19" name="Group 18"/>
           <p:cNvGrpSpPr/>
           <p:nvPr/>
         </p:nvGrpSpPr>
         <p:grpSpPr>
           <a:xfrm>
-            <a:off x="559148" y="0"/>
-            <a:ext cx="10553933" cy="5150007"/>
-            <a:chOff x="559148" y="0"/>
-            <a:chExt cx="10553933" cy="5150007"/>
+            <a:off x="3012760" y="4844242"/>
+            <a:ext cx="2274514" cy="268635"/>
+            <a:chOff x="2760297" y="6062284"/>
+            <a:chExt cx="2569899" cy="225596"/>
           </a:xfrm>
         </p:grpSpPr>
-        <p:pic>
-          <p:nvPicPr>
-            <p:cNvPr id="12" name="Picture 11"/>
-            <p:cNvPicPr>
-              <a:picLocks noChangeAspect="1"/>
-            </p:cNvPicPr>
-            <p:nvPr/>
-          </p:nvPicPr>
-          <p:blipFill>
-            <a:blip r:embed="rId2"/>
-            <a:stretch>
-              <a:fillRect/>
-            </a:stretch>
-          </p:blipFill>
-          <p:spPr>
-            <a:xfrm>
-              <a:off x="559148" y="0"/>
-              <a:ext cx="10553933" cy="5150007"/>
-            </a:xfrm>
-            <a:prstGeom prst="rect">
-              <a:avLst/>
-            </a:prstGeom>
-          </p:spPr>
-        </p:pic>
         <p:grpSp>
           <p:nvGrpSpPr>
-            <p:cNvPr id="9" name="Group 8"/>
+            <p:cNvPr id="24" name="Group 23"/>
             <p:cNvGrpSpPr/>
             <p:nvPr/>
           </p:nvGrpSpPr>
           <p:grpSpPr>
             <a:xfrm>
-              <a:off x="8371432" y="4724406"/>
-              <a:ext cx="2559828" cy="326505"/>
-              <a:chOff x="7395844" y="4435501"/>
-              <a:chExt cx="1722234" cy="179225"/>
+              <a:off x="2760297" y="6062284"/>
+              <a:ext cx="2569899" cy="225596"/>
+              <a:chOff x="2926296" y="6062284"/>
+              <a:chExt cx="2569899" cy="225596"/>
             </a:xfrm>
           </p:grpSpPr>
           <p:pic>
             <p:nvPicPr>
-              <p:cNvPr id="13" name="Picture 12"/>
+              <p:cNvPr id="26" name="Picture 25"/>
               <p:cNvPicPr>
                 <a:picLocks noChangeAspect="1"/>
               </p:cNvPicPr>
@@ -6596,8 +6626,8 @@
             </p:blipFill>
             <p:spPr>
               <a:xfrm>
-                <a:off x="7673596" y="4466095"/>
-                <a:ext cx="221584" cy="126367"/>
+                <a:off x="3371169" y="6099457"/>
+                <a:ext cx="325640" cy="161565"/>
               </a:xfrm>
               <a:prstGeom prst="rect">
                 <a:avLst/>
@@ -6606,7 +6636,7 @@
           </p:pic>
           <p:pic>
             <p:nvPicPr>
-              <p:cNvPr id="14" name="Picture 13"/>
+              <p:cNvPr id="27" name="Picture 26"/>
               <p:cNvPicPr>
                 <a:picLocks noChangeAspect="1"/>
               </p:cNvPicPr>
@@ -6626,8 +6656,8 @@
             </p:blipFill>
             <p:spPr>
               <a:xfrm>
-                <a:off x="8597159" y="4435501"/>
-                <a:ext cx="190958" cy="176448"/>
+                <a:off x="3856521" y="6062284"/>
+                <a:ext cx="280633" cy="225596"/>
               </a:xfrm>
               <a:prstGeom prst="rect">
                 <a:avLst/>
@@ -6636,7 +6666,7 @@
           </p:pic>
           <p:pic>
             <p:nvPicPr>
-              <p:cNvPr id="15" name="Picture 14"/>
+              <p:cNvPr id="28" name="Picture 27"/>
               <p:cNvPicPr>
                 <a:picLocks noChangeAspect="1"/>
               </p:cNvPicPr>
@@ -6656,8 +6686,8 @@
             </p:blipFill>
             <p:spPr>
               <a:xfrm>
-                <a:off x="7998878" y="4438278"/>
-                <a:ext cx="186707" cy="176448"/>
+                <a:off x="2926296" y="6062284"/>
+                <a:ext cx="274386" cy="225596"/>
               </a:xfrm>
               <a:prstGeom prst="rect">
                 <a:avLst/>
@@ -6666,7 +6696,7 @@
           </p:pic>
           <p:pic>
             <p:nvPicPr>
-              <p:cNvPr id="16" name="Picture 15"/>
+              <p:cNvPr id="29" name="Picture 28"/>
               <p:cNvPicPr>
                 <a:picLocks noChangeAspect="1"/>
               </p:cNvPicPr>
@@ -6686,56 +6716,8 @@
             </p:blipFill>
             <p:spPr>
               <a:xfrm flipH="1">
-                <a:off x="7395844" y="4441055"/>
-                <a:ext cx="174054" cy="170894"/>
-              </a:xfrm>
-              <a:prstGeom prst="rect">
-                <a:avLst/>
-              </a:prstGeom>
-            </p:spPr>
-          </p:pic>
-          <p:pic>
-            <p:nvPicPr>
-              <p:cNvPr id="17" name="Picture 16"/>
-              <p:cNvPicPr>
-                <a:picLocks noChangeAspect="1"/>
-              </p:cNvPicPr>
-              <p:nvPr/>
-            </p:nvPicPr>
-            <p:blipFill>
-              <a:blip r:embed="rId7"/>
-              <a:stretch>
-                <a:fillRect/>
-              </a:stretch>
-            </p:blipFill>
-            <p:spPr>
-              <a:xfrm>
-                <a:off x="8275535" y="4446578"/>
-                <a:ext cx="227887" cy="155038"/>
-              </a:xfrm>
-              <a:prstGeom prst="rect">
-                <a:avLst/>
-              </a:prstGeom>
-            </p:spPr>
-          </p:pic>
-          <p:pic>
-            <p:nvPicPr>
-              <p:cNvPr id="18" name="Picture 17"/>
-              <p:cNvPicPr>
-                <a:picLocks noChangeAspect="1"/>
-              </p:cNvPicPr>
-              <p:nvPr/>
-            </p:nvPicPr>
-            <p:blipFill>
-              <a:blip r:embed="rId8"/>
-              <a:stretch>
-                <a:fillRect/>
-              </a:stretch>
-            </p:blipFill>
-            <p:spPr>
-              <a:xfrm>
-                <a:off x="8895364" y="4438278"/>
-                <a:ext cx="222714" cy="154071"/>
+                <a:off x="5240405" y="6067780"/>
+                <a:ext cx="255790" cy="218495"/>
               </a:xfrm>
               <a:prstGeom prst="rect">
                 <a:avLst/>
@@ -6743,37 +6725,55 @@
             </p:spPr>
           </p:pic>
         </p:grpSp>
+        <p:pic>
+          <p:nvPicPr>
+            <p:cNvPr id="22" name="Picture 21"/>
+            <p:cNvPicPr>
+              <a:picLocks noChangeAspect="1"/>
+            </p:cNvPicPr>
+            <p:nvPr/>
+          </p:nvPicPr>
+          <p:blipFill>
+            <a:blip r:embed="rId7"/>
+            <a:stretch>
+              <a:fillRect/>
+            </a:stretch>
+          </p:blipFill>
+          <p:spPr>
+            <a:xfrm>
+              <a:off x="4135248" y="6072277"/>
+              <a:ext cx="334903" cy="198223"/>
+            </a:xfrm>
+            <a:prstGeom prst="rect">
+              <a:avLst/>
+            </a:prstGeom>
+          </p:spPr>
+        </p:pic>
+        <p:pic>
+          <p:nvPicPr>
+            <p:cNvPr id="23" name="Picture 22"/>
+            <p:cNvPicPr>
+              <a:picLocks noChangeAspect="1"/>
+            </p:cNvPicPr>
+            <p:nvPr/>
+          </p:nvPicPr>
+          <p:blipFill>
+            <a:blip r:embed="rId8"/>
+            <a:stretch>
+              <a:fillRect/>
+            </a:stretch>
+          </p:blipFill>
+          <p:spPr>
+            <a:xfrm>
+              <a:off x="4575410" y="6064036"/>
+              <a:ext cx="327300" cy="196986"/>
+            </a:xfrm>
+            <a:prstGeom prst="rect">
+              <a:avLst/>
+            </a:prstGeom>
+          </p:spPr>
+        </p:pic>
       </p:grpSp>
-      <p:sp>
-        <p:nvSpPr>
-          <p:cNvPr id="5" name="TextBox 4"/>
-          <p:cNvSpPr txBox="1"/>
-          <p:nvPr/>
-        </p:nvSpPr>
-        <p:spPr>
-          <a:xfrm>
-            <a:off x="117817" y="134914"/>
-            <a:ext cx="1060704" cy="369332"/>
-          </a:xfrm>
-          <a:prstGeom prst="rect">
-            <a:avLst/>
-          </a:prstGeom>
-          <a:noFill/>
-        </p:spPr>
-        <p:txBody>
-          <a:bodyPr wrap="square" rtlCol="0">
-            <a:spAutoFit/>
-          </a:bodyPr>
-          <a:lstStyle/>
-          <a:p>
-            <a:r>
-              <a:rPr lang="en-US" dirty="0" smtClean="0"/>
-              <a:t>Fig 3a-3c</a:t>
-            </a:r>
-            <a:endParaRPr lang="en-US" dirty="0"/>
-          </a:p>
-        </p:txBody>
-      </p:sp>
     </p:spTree>
     <p:extLst>
       <p:ext uri="{BB962C8B-B14F-4D97-AF65-F5344CB8AC3E}">

--- a/output/plots/all_figs_with_legends.pptx
+++ b/output/plots/all_figs_with_legends.pptx
@@ -202,7 +202,7 @@
           <a:p>
             <a:fld id="{7FA21820-D199-4D82-91AF-C50B1D3B111A}" type="datetimeFigureOut">
               <a:rPr lang="en-US" smtClean="0"/>
-              <a:t>4/19/2017</a:t>
+              <a:t>4/24/2017</a:t>
             </a:fld>
             <a:endParaRPr lang="en-US"/>
           </a:p>
@@ -1035,7 +1035,7 @@
           <a:p>
             <a:fld id="{916B8C92-D5E3-4480-8685-D57BEE386DE2}" type="datetimeFigureOut">
               <a:rPr lang="en-US" smtClean="0"/>
-              <a:t>4/19/2017</a:t>
+              <a:t>4/24/2017</a:t>
             </a:fld>
             <a:endParaRPr lang="en-US"/>
           </a:p>
@@ -1205,7 +1205,7 @@
           <a:p>
             <a:fld id="{916B8C92-D5E3-4480-8685-D57BEE386DE2}" type="datetimeFigureOut">
               <a:rPr lang="en-US" smtClean="0"/>
-              <a:t>4/19/2017</a:t>
+              <a:t>4/24/2017</a:t>
             </a:fld>
             <a:endParaRPr lang="en-US"/>
           </a:p>
@@ -1385,7 +1385,7 @@
           <a:p>
             <a:fld id="{916B8C92-D5E3-4480-8685-D57BEE386DE2}" type="datetimeFigureOut">
               <a:rPr lang="en-US" smtClean="0"/>
-              <a:t>4/19/2017</a:t>
+              <a:t>4/24/2017</a:t>
             </a:fld>
             <a:endParaRPr lang="en-US"/>
           </a:p>
@@ -1555,7 +1555,7 @@
           <a:p>
             <a:fld id="{916B8C92-D5E3-4480-8685-D57BEE386DE2}" type="datetimeFigureOut">
               <a:rPr lang="en-US" smtClean="0"/>
-              <a:t>4/19/2017</a:t>
+              <a:t>4/24/2017</a:t>
             </a:fld>
             <a:endParaRPr lang="en-US"/>
           </a:p>
@@ -1801,7 +1801,7 @@
           <a:p>
             <a:fld id="{916B8C92-D5E3-4480-8685-D57BEE386DE2}" type="datetimeFigureOut">
               <a:rPr lang="en-US" smtClean="0"/>
-              <a:t>4/19/2017</a:t>
+              <a:t>4/24/2017</a:t>
             </a:fld>
             <a:endParaRPr lang="en-US"/>
           </a:p>
@@ -2033,7 +2033,7 @@
           <a:p>
             <a:fld id="{916B8C92-D5E3-4480-8685-D57BEE386DE2}" type="datetimeFigureOut">
               <a:rPr lang="en-US" smtClean="0"/>
-              <a:t>4/19/2017</a:t>
+              <a:t>4/24/2017</a:t>
             </a:fld>
             <a:endParaRPr lang="en-US"/>
           </a:p>
@@ -2400,7 +2400,7 @@
           <a:p>
             <a:fld id="{916B8C92-D5E3-4480-8685-D57BEE386DE2}" type="datetimeFigureOut">
               <a:rPr lang="en-US" smtClean="0"/>
-              <a:t>4/19/2017</a:t>
+              <a:t>4/24/2017</a:t>
             </a:fld>
             <a:endParaRPr lang="en-US"/>
           </a:p>
@@ -2518,7 +2518,7 @@
           <a:p>
             <a:fld id="{916B8C92-D5E3-4480-8685-D57BEE386DE2}" type="datetimeFigureOut">
               <a:rPr lang="en-US" smtClean="0"/>
-              <a:t>4/19/2017</a:t>
+              <a:t>4/24/2017</a:t>
             </a:fld>
             <a:endParaRPr lang="en-US"/>
           </a:p>
@@ -2613,7 +2613,7 @@
           <a:p>
             <a:fld id="{916B8C92-D5E3-4480-8685-D57BEE386DE2}" type="datetimeFigureOut">
               <a:rPr lang="en-US" smtClean="0"/>
-              <a:t>4/19/2017</a:t>
+              <a:t>4/24/2017</a:t>
             </a:fld>
             <a:endParaRPr lang="en-US"/>
           </a:p>
@@ -2890,7 +2890,7 @@
           <a:p>
             <a:fld id="{916B8C92-D5E3-4480-8685-D57BEE386DE2}" type="datetimeFigureOut">
               <a:rPr lang="en-US" smtClean="0"/>
-              <a:t>4/19/2017</a:t>
+              <a:t>4/24/2017</a:t>
             </a:fld>
             <a:endParaRPr lang="en-US"/>
           </a:p>
@@ -3143,7 +3143,7 @@
           <a:p>
             <a:fld id="{916B8C92-D5E3-4480-8685-D57BEE386DE2}" type="datetimeFigureOut">
               <a:rPr lang="en-US" smtClean="0"/>
-              <a:t>4/19/2017</a:t>
+              <a:t>4/24/2017</a:t>
             </a:fld>
             <a:endParaRPr lang="en-US"/>
           </a:p>
@@ -3356,7 +3356,7 @@
           <a:p>
             <a:fld id="{916B8C92-D5E3-4480-8685-D57BEE386DE2}" type="datetimeFigureOut">
               <a:rPr lang="en-US" smtClean="0"/>
-              <a:t>4/19/2017</a:t>
+              <a:t>4/24/2017</a:t>
             </a:fld>
             <a:endParaRPr lang="en-US"/>
           </a:p>
@@ -6373,188 +6373,9 @@
           <a:chExt cx="0" cy="0"/>
         </a:xfrm>
       </p:grpSpPr>
-      <p:sp>
-        <p:nvSpPr>
-          <p:cNvPr id="6" name="Rectangle 5"/>
-          <p:cNvSpPr/>
-          <p:nvPr/>
-        </p:nvSpPr>
-        <p:spPr>
-          <a:xfrm>
-            <a:off x="1433279" y="5055971"/>
-            <a:ext cx="8805672" cy="646331"/>
-          </a:xfrm>
-          <a:prstGeom prst="rect">
-            <a:avLst/>
-          </a:prstGeom>
-        </p:spPr>
-        <p:txBody>
-          <a:bodyPr wrap="square">
-            <a:spAutoFit/>
-          </a:bodyPr>
-          <a:lstStyle/>
-          <a:p>
-            <a:r>
-              <a:rPr lang="en-US" dirty="0" smtClean="0"/>
-              <a:t>Figure3a. </a:t>
-            </a:r>
-            <a:r>
-              <a:rPr lang="en-US" dirty="0"/>
-              <a:t>Proportion of transient </a:t>
-            </a:r>
-            <a:r>
-              <a:rPr lang="en-US" dirty="0" smtClean="0"/>
-              <a:t>species </a:t>
-            </a:r>
-            <a:r>
-              <a:rPr lang="en-US" dirty="0"/>
-              <a:t>by </a:t>
-            </a:r>
-            <a:r>
-              <a:rPr lang="en-US" dirty="0" smtClean="0"/>
-              <a:t>log of area, colored </a:t>
-            </a:r>
-            <a:r>
-              <a:rPr lang="en-US" dirty="0"/>
-              <a:t>by taxa, using the hierarchically </a:t>
-            </a:r>
-            <a:r>
-              <a:rPr lang="en-US" dirty="0" smtClean="0"/>
-              <a:t>scaled count </a:t>
-            </a:r>
-            <a:r>
-              <a:rPr lang="en-US" dirty="0"/>
-              <a:t>datasets.</a:t>
-            </a:r>
-          </a:p>
-        </p:txBody>
-      </p:sp>
-      <p:sp>
-        <p:nvSpPr>
-          <p:cNvPr id="7" name="Rectangle 6"/>
-          <p:cNvSpPr/>
-          <p:nvPr/>
-        </p:nvSpPr>
-        <p:spPr>
-          <a:xfrm>
-            <a:off x="1433279" y="5565338"/>
-            <a:ext cx="8805672" cy="646331"/>
-          </a:xfrm>
-          <a:prstGeom prst="rect">
-            <a:avLst/>
-          </a:prstGeom>
-        </p:spPr>
-        <p:txBody>
-          <a:bodyPr wrap="square">
-            <a:spAutoFit/>
-          </a:bodyPr>
-          <a:lstStyle/>
-          <a:p>
-            <a:r>
-              <a:rPr lang="en-US" dirty="0" smtClean="0"/>
-              <a:t>Figure3b</a:t>
-            </a:r>
-            <a:r>
-              <a:rPr lang="en-US" dirty="0"/>
-              <a:t>. Proportion of transient </a:t>
-            </a:r>
-            <a:r>
-              <a:rPr lang="en-US" dirty="0" smtClean="0"/>
-              <a:t>species </a:t>
-            </a:r>
-            <a:r>
-              <a:rPr lang="en-US" dirty="0"/>
-              <a:t>by </a:t>
-            </a:r>
-            <a:r>
-              <a:rPr lang="en-US" dirty="0" smtClean="0"/>
-              <a:t>log of community </a:t>
-            </a:r>
-            <a:r>
-              <a:rPr lang="en-US" dirty="0"/>
-              <a:t>size </a:t>
-            </a:r>
-            <a:r>
-              <a:rPr lang="en-US" dirty="0" smtClean="0"/>
-              <a:t>(number of individuals), </a:t>
-            </a:r>
-            <a:r>
-              <a:rPr lang="en-US" dirty="0"/>
-              <a:t>colored by taxa, using the hierarchically scaled </a:t>
-            </a:r>
-            <a:r>
-              <a:rPr lang="en-US" dirty="0" smtClean="0"/>
-              <a:t>count datasets</a:t>
-            </a:r>
-            <a:r>
-              <a:rPr lang="en-US" dirty="0"/>
-              <a:t>.</a:t>
-            </a:r>
-          </a:p>
-        </p:txBody>
-      </p:sp>
-      <p:sp>
-        <p:nvSpPr>
-          <p:cNvPr id="10" name="Rectangle 9"/>
-          <p:cNvSpPr/>
-          <p:nvPr/>
-        </p:nvSpPr>
-        <p:spPr>
-          <a:xfrm>
-            <a:off x="1433279" y="6211669"/>
-            <a:ext cx="8805672" cy="646331"/>
-          </a:xfrm>
-          <a:prstGeom prst="rect">
-            <a:avLst/>
-          </a:prstGeom>
-        </p:spPr>
-        <p:txBody>
-          <a:bodyPr wrap="square">
-            <a:spAutoFit/>
-          </a:bodyPr>
-          <a:lstStyle/>
-          <a:p>
-            <a:r>
-              <a:rPr lang="en-US" dirty="0" smtClean="0"/>
-              <a:t>Figure3c. Predicted values of hierarchically scaled count datasets by taxa using average community size XXX. </a:t>
-            </a:r>
-            <a:endParaRPr lang="en-US" dirty="0"/>
-          </a:p>
-        </p:txBody>
-      </p:sp>
-      <p:sp>
-        <p:nvSpPr>
-          <p:cNvPr id="5" name="TextBox 4"/>
-          <p:cNvSpPr txBox="1"/>
-          <p:nvPr/>
-        </p:nvSpPr>
-        <p:spPr>
-          <a:xfrm>
-            <a:off x="117817" y="134914"/>
-            <a:ext cx="1060704" cy="369332"/>
-          </a:xfrm>
-          <a:prstGeom prst="rect">
-            <a:avLst/>
-          </a:prstGeom>
-          <a:noFill/>
-        </p:spPr>
-        <p:txBody>
-          <a:bodyPr wrap="square" rtlCol="0">
-            <a:spAutoFit/>
-          </a:bodyPr>
-          <a:lstStyle/>
-          <a:p>
-            <a:r>
-              <a:rPr lang="en-US" dirty="0" smtClean="0"/>
-              <a:t>Fig 3a-3c</a:t>
-            </a:r>
-            <a:endParaRPr lang="en-US" dirty="0"/>
-          </a:p>
-        </p:txBody>
-      </p:sp>
       <p:pic>
         <p:nvPicPr>
-          <p:cNvPr id="2" name="Picture 1"/>
+          <p:cNvPr id="3" name="Picture 2"/>
           <p:cNvPicPr>
             <a:picLocks noChangeAspect="1"/>
           </p:cNvPicPr>
@@ -6568,14 +6389,193 @@
         </p:blipFill>
         <p:spPr>
           <a:xfrm>
-            <a:off x="2432303" y="85664"/>
-            <a:ext cx="6161184" cy="4833343"/>
+            <a:off x="2431973" y="131617"/>
+            <a:ext cx="6085173" cy="4865881"/>
           </a:xfrm>
           <a:prstGeom prst="rect">
             <a:avLst/>
           </a:prstGeom>
         </p:spPr>
       </p:pic>
+      <p:sp>
+        <p:nvSpPr>
+          <p:cNvPr id="6" name="Rectangle 5"/>
+          <p:cNvSpPr/>
+          <p:nvPr/>
+        </p:nvSpPr>
+        <p:spPr>
+          <a:xfrm>
+            <a:off x="1433279" y="5092181"/>
+            <a:ext cx="8805672" cy="646331"/>
+          </a:xfrm>
+          <a:prstGeom prst="rect">
+            <a:avLst/>
+          </a:prstGeom>
+        </p:spPr>
+        <p:txBody>
+          <a:bodyPr wrap="square">
+            <a:spAutoFit/>
+          </a:bodyPr>
+          <a:lstStyle/>
+          <a:p>
+            <a:r>
+              <a:rPr lang="en-US" dirty="0" smtClean="0"/>
+              <a:t>Figure3a. </a:t>
+            </a:r>
+            <a:r>
+              <a:rPr lang="en-US" dirty="0"/>
+              <a:t>Proportion of transient </a:t>
+            </a:r>
+            <a:r>
+              <a:rPr lang="en-US" dirty="0" smtClean="0"/>
+              <a:t>species </a:t>
+            </a:r>
+            <a:r>
+              <a:rPr lang="en-US" dirty="0"/>
+              <a:t>by </a:t>
+            </a:r>
+            <a:r>
+              <a:rPr lang="en-US" dirty="0" smtClean="0"/>
+              <a:t>log of area, colored </a:t>
+            </a:r>
+            <a:r>
+              <a:rPr lang="en-US" dirty="0"/>
+              <a:t>by taxa, using the hierarchically </a:t>
+            </a:r>
+            <a:r>
+              <a:rPr lang="en-US" dirty="0" smtClean="0"/>
+              <a:t>scaled count </a:t>
+            </a:r>
+            <a:r>
+              <a:rPr lang="en-US" dirty="0"/>
+              <a:t>datasets.</a:t>
+            </a:r>
+          </a:p>
+        </p:txBody>
+      </p:sp>
+      <p:sp>
+        <p:nvSpPr>
+          <p:cNvPr id="7" name="Rectangle 6"/>
+          <p:cNvSpPr/>
+          <p:nvPr/>
+        </p:nvSpPr>
+        <p:spPr>
+          <a:xfrm>
+            <a:off x="1433279" y="5633820"/>
+            <a:ext cx="8805672" cy="646331"/>
+          </a:xfrm>
+          <a:prstGeom prst="rect">
+            <a:avLst/>
+          </a:prstGeom>
+        </p:spPr>
+        <p:txBody>
+          <a:bodyPr wrap="square">
+            <a:spAutoFit/>
+          </a:bodyPr>
+          <a:lstStyle/>
+          <a:p>
+            <a:r>
+              <a:rPr lang="en-US" dirty="0" smtClean="0"/>
+              <a:t>Figure3b</a:t>
+            </a:r>
+            <a:r>
+              <a:rPr lang="en-US" dirty="0"/>
+              <a:t>. Proportion of transient </a:t>
+            </a:r>
+            <a:r>
+              <a:rPr lang="en-US" dirty="0" smtClean="0"/>
+              <a:t>species </a:t>
+            </a:r>
+            <a:r>
+              <a:rPr lang="en-US" dirty="0"/>
+              <a:t>by </a:t>
+            </a:r>
+            <a:r>
+              <a:rPr lang="en-US" dirty="0" smtClean="0"/>
+              <a:t>log of community </a:t>
+            </a:r>
+            <a:r>
+              <a:rPr lang="en-US" dirty="0"/>
+              <a:t>size </a:t>
+            </a:r>
+            <a:r>
+              <a:rPr lang="en-US" dirty="0" smtClean="0"/>
+              <a:t>(number of individuals), </a:t>
+            </a:r>
+            <a:r>
+              <a:rPr lang="en-US" dirty="0"/>
+              <a:t>colored by taxa, using the hierarchically scaled </a:t>
+            </a:r>
+            <a:r>
+              <a:rPr lang="en-US" dirty="0" smtClean="0"/>
+              <a:t>count datasets</a:t>
+            </a:r>
+            <a:r>
+              <a:rPr lang="en-US" dirty="0"/>
+              <a:t>.</a:t>
+            </a:r>
+          </a:p>
+        </p:txBody>
+      </p:sp>
+      <p:sp>
+        <p:nvSpPr>
+          <p:cNvPr id="10" name="Rectangle 9"/>
+          <p:cNvSpPr/>
+          <p:nvPr/>
+        </p:nvSpPr>
+        <p:spPr>
+          <a:xfrm>
+            <a:off x="1433279" y="6211669"/>
+            <a:ext cx="8805672" cy="646331"/>
+          </a:xfrm>
+          <a:prstGeom prst="rect">
+            <a:avLst/>
+          </a:prstGeom>
+        </p:spPr>
+        <p:txBody>
+          <a:bodyPr wrap="square">
+            <a:spAutoFit/>
+          </a:bodyPr>
+          <a:lstStyle/>
+          <a:p>
+            <a:r>
+              <a:rPr lang="en-US" dirty="0" smtClean="0"/>
+              <a:t>Figure3c. Predicted values of hierarchically scaled count datasets by taxa using average community size XXX. </a:t>
+            </a:r>
+            <a:endParaRPr lang="en-US" dirty="0"/>
+          </a:p>
+        </p:txBody>
+      </p:sp>
+      <p:sp>
+        <p:nvSpPr>
+          <p:cNvPr id="5" name="TextBox 4"/>
+          <p:cNvSpPr txBox="1"/>
+          <p:nvPr/>
+        </p:nvSpPr>
+        <p:spPr>
+          <a:xfrm>
+            <a:off x="117817" y="134914"/>
+            <a:ext cx="1060704" cy="369332"/>
+          </a:xfrm>
+          <a:prstGeom prst="rect">
+            <a:avLst/>
+          </a:prstGeom>
+          <a:noFill/>
+        </p:spPr>
+        <p:txBody>
+          <a:bodyPr wrap="square" rtlCol="0">
+            <a:spAutoFit/>
+          </a:bodyPr>
+          <a:lstStyle/>
+          <a:p>
+            <a:r>
+              <a:rPr lang="en-US" dirty="0" smtClean="0"/>
+              <a:t>Fig 3a-3c</a:t>
+            </a:r>
+            <a:endParaRPr lang="en-US" dirty="0"/>
+          </a:p>
+        </p:txBody>
+      </p:sp>
       <p:grpSp>
         <p:nvGrpSpPr>
           <p:cNvPr id="19" name="Group 18"/>
@@ -6584,10 +6584,10 @@
         </p:nvGrpSpPr>
         <p:grpSpPr>
           <a:xfrm>
-            <a:off x="3012760" y="4844242"/>
-            <a:ext cx="2274514" cy="268635"/>
-            <a:chOff x="2760297" y="6062284"/>
-            <a:chExt cx="2569899" cy="225596"/>
+            <a:off x="3012760" y="4831134"/>
+            <a:ext cx="2279540" cy="281753"/>
+            <a:chOff x="2760297" y="6051268"/>
+            <a:chExt cx="2514388" cy="236612"/>
           </a:xfrm>
         </p:grpSpPr>
         <p:grpSp>
@@ -6598,10 +6598,10 @@
           </p:nvGrpSpPr>
           <p:grpSpPr>
             <a:xfrm>
-              <a:off x="2760297" y="6062284"/>
-              <a:ext cx="2569899" cy="225596"/>
-              <a:chOff x="2926296" y="6062284"/>
-              <a:chExt cx="2569899" cy="225596"/>
+              <a:off x="2760297" y="6051268"/>
+              <a:ext cx="2514388" cy="236612"/>
+              <a:chOff x="2926296" y="6051268"/>
+              <a:chExt cx="2514388" cy="236612"/>
             </a:xfrm>
           </p:grpSpPr>
           <p:pic>
@@ -6626,7 +6626,7 @@
             </p:blipFill>
             <p:spPr>
               <a:xfrm>
-                <a:off x="3371169" y="6099457"/>
+                <a:off x="3339990" y="6090606"/>
                 <a:ext cx="325640" cy="161565"/>
               </a:xfrm>
               <a:prstGeom prst="rect">
@@ -6656,7 +6656,7 @@
             </p:blipFill>
             <p:spPr>
               <a:xfrm>
-                <a:off x="3856521" y="6062284"/>
+                <a:off x="3804938" y="6051268"/>
                 <a:ext cx="280633" cy="225596"/>
               </a:xfrm>
               <a:prstGeom prst="rect">
@@ -6716,7 +6716,7 @@
             </p:blipFill>
             <p:spPr>
               <a:xfrm flipH="1">
-                <a:off x="5240405" y="6067780"/>
+                <a:off x="5184894" y="6062284"/>
                 <a:ext cx="255790" cy="218495"/>
               </a:xfrm>
               <a:prstGeom prst="rect">
@@ -6741,8 +6741,8 @@
           </p:blipFill>
           <p:spPr>
             <a:xfrm>
-              <a:off x="4135248" y="6072277"/>
-              <a:ext cx="334903" cy="198223"/>
+              <a:off x="4048209" y="6067448"/>
+              <a:ext cx="334902" cy="198223"/>
             </a:xfrm>
             <a:prstGeom prst="rect">
               <a:avLst/>
@@ -6765,8 +6765,95 @@
           </p:blipFill>
           <p:spPr>
             <a:xfrm>
-              <a:off x="4575410" y="6064036"/>
+              <a:off x="4490815" y="6064345"/>
               <a:ext cx="327300" cy="196986"/>
+            </a:xfrm>
+            <a:prstGeom prst="rect">
+              <a:avLst/>
+            </a:prstGeom>
+          </p:spPr>
+        </p:pic>
+      </p:grpSp>
+      <p:grpSp>
+        <p:nvGrpSpPr>
+          <p:cNvPr id="16" name="Group 15"/>
+          <p:cNvGrpSpPr/>
+          <p:nvPr/>
+        </p:nvGrpSpPr>
+        <p:grpSpPr>
+          <a:xfrm>
+            <a:off x="6155681" y="4824124"/>
+            <a:ext cx="2160055" cy="336541"/>
+            <a:chOff x="2148779" y="1624301"/>
+            <a:chExt cx="2926292" cy="429741"/>
+          </a:xfrm>
+        </p:grpSpPr>
+        <p:pic>
+          <p:nvPicPr>
+            <p:cNvPr id="17" name="Picture 16"/>
+            <p:cNvPicPr>
+              <a:picLocks noChangeAspect="1"/>
+            </p:cNvPicPr>
+            <p:nvPr/>
+          </p:nvPicPr>
+          <p:blipFill>
+            <a:blip r:embed="rId9"/>
+            <a:stretch>
+              <a:fillRect/>
+            </a:stretch>
+          </p:blipFill>
+          <p:spPr>
+            <a:xfrm>
+              <a:off x="2148779" y="1657738"/>
+              <a:ext cx="655912" cy="396304"/>
+            </a:xfrm>
+            <a:prstGeom prst="rect">
+              <a:avLst/>
+            </a:prstGeom>
+          </p:spPr>
+        </p:pic>
+        <p:pic>
+          <p:nvPicPr>
+            <p:cNvPr id="18" name="Picture 17"/>
+            <p:cNvPicPr>
+              <a:picLocks noChangeAspect="1"/>
+            </p:cNvPicPr>
+            <p:nvPr/>
+          </p:nvPicPr>
+          <p:blipFill>
+            <a:blip r:embed="rId10"/>
+            <a:stretch>
+              <a:fillRect/>
+            </a:stretch>
+          </p:blipFill>
+          <p:spPr>
+            <a:xfrm>
+              <a:off x="3258043" y="1708949"/>
+              <a:ext cx="728479" cy="293882"/>
+            </a:xfrm>
+            <a:prstGeom prst="rect">
+              <a:avLst/>
+            </a:prstGeom>
+          </p:spPr>
+        </p:pic>
+        <p:pic>
+          <p:nvPicPr>
+            <p:cNvPr id="20" name="Picture 19"/>
+            <p:cNvPicPr>
+              <a:picLocks noChangeAspect="1"/>
+            </p:cNvPicPr>
+            <p:nvPr/>
+          </p:nvPicPr>
+          <p:blipFill>
+            <a:blip r:embed="rId11"/>
+            <a:stretch>
+              <a:fillRect/>
+            </a:stretch>
+          </p:blipFill>
+          <p:spPr>
+            <a:xfrm>
+              <a:off x="4434266" y="1624301"/>
+              <a:ext cx="640805" cy="408942"/>
             </a:xfrm>
             <a:prstGeom prst="rect">
               <a:avLst/>

--- a/output/plots/all_figs_with_legends.pptx
+++ b/output/plots/all_figs_with_legends.pptx
@@ -202,7 +202,7 @@
           <a:p>
             <a:fld id="{7FA21820-D199-4D82-91AF-C50B1D3B111A}" type="datetimeFigureOut">
               <a:rPr lang="en-US" smtClean="0"/>
-              <a:t>4/24/2017</a:t>
+              <a:t>4/25/2017</a:t>
             </a:fld>
             <a:endParaRPr lang="en-US"/>
           </a:p>
@@ -1035,7 +1035,7 @@
           <a:p>
             <a:fld id="{916B8C92-D5E3-4480-8685-D57BEE386DE2}" type="datetimeFigureOut">
               <a:rPr lang="en-US" smtClean="0"/>
-              <a:t>4/24/2017</a:t>
+              <a:t>4/25/2017</a:t>
             </a:fld>
             <a:endParaRPr lang="en-US"/>
           </a:p>
@@ -1205,7 +1205,7 @@
           <a:p>
             <a:fld id="{916B8C92-D5E3-4480-8685-D57BEE386DE2}" type="datetimeFigureOut">
               <a:rPr lang="en-US" smtClean="0"/>
-              <a:t>4/24/2017</a:t>
+              <a:t>4/25/2017</a:t>
             </a:fld>
             <a:endParaRPr lang="en-US"/>
           </a:p>
@@ -1385,7 +1385,7 @@
           <a:p>
             <a:fld id="{916B8C92-D5E3-4480-8685-D57BEE386DE2}" type="datetimeFigureOut">
               <a:rPr lang="en-US" smtClean="0"/>
-              <a:t>4/24/2017</a:t>
+              <a:t>4/25/2017</a:t>
             </a:fld>
             <a:endParaRPr lang="en-US"/>
           </a:p>
@@ -1555,7 +1555,7 @@
           <a:p>
             <a:fld id="{916B8C92-D5E3-4480-8685-D57BEE386DE2}" type="datetimeFigureOut">
               <a:rPr lang="en-US" smtClean="0"/>
-              <a:t>4/24/2017</a:t>
+              <a:t>4/25/2017</a:t>
             </a:fld>
             <a:endParaRPr lang="en-US"/>
           </a:p>
@@ -1801,7 +1801,7 @@
           <a:p>
             <a:fld id="{916B8C92-D5E3-4480-8685-D57BEE386DE2}" type="datetimeFigureOut">
               <a:rPr lang="en-US" smtClean="0"/>
-              <a:t>4/24/2017</a:t>
+              <a:t>4/25/2017</a:t>
             </a:fld>
             <a:endParaRPr lang="en-US"/>
           </a:p>
@@ -2033,7 +2033,7 @@
           <a:p>
             <a:fld id="{916B8C92-D5E3-4480-8685-D57BEE386DE2}" type="datetimeFigureOut">
               <a:rPr lang="en-US" smtClean="0"/>
-              <a:t>4/24/2017</a:t>
+              <a:t>4/25/2017</a:t>
             </a:fld>
             <a:endParaRPr lang="en-US"/>
           </a:p>
@@ -2400,7 +2400,7 @@
           <a:p>
             <a:fld id="{916B8C92-D5E3-4480-8685-D57BEE386DE2}" type="datetimeFigureOut">
               <a:rPr lang="en-US" smtClean="0"/>
-              <a:t>4/24/2017</a:t>
+              <a:t>4/25/2017</a:t>
             </a:fld>
             <a:endParaRPr lang="en-US"/>
           </a:p>
@@ -2518,7 +2518,7 @@
           <a:p>
             <a:fld id="{916B8C92-D5E3-4480-8685-D57BEE386DE2}" type="datetimeFigureOut">
               <a:rPr lang="en-US" smtClean="0"/>
-              <a:t>4/24/2017</a:t>
+              <a:t>4/25/2017</a:t>
             </a:fld>
             <a:endParaRPr lang="en-US"/>
           </a:p>
@@ -2613,7 +2613,7 @@
           <a:p>
             <a:fld id="{916B8C92-D5E3-4480-8685-D57BEE386DE2}" type="datetimeFigureOut">
               <a:rPr lang="en-US" smtClean="0"/>
-              <a:t>4/24/2017</a:t>
+              <a:t>4/25/2017</a:t>
             </a:fld>
             <a:endParaRPr lang="en-US"/>
           </a:p>
@@ -2890,7 +2890,7 @@
           <a:p>
             <a:fld id="{916B8C92-D5E3-4480-8685-D57BEE386DE2}" type="datetimeFigureOut">
               <a:rPr lang="en-US" smtClean="0"/>
-              <a:t>4/24/2017</a:t>
+              <a:t>4/25/2017</a:t>
             </a:fld>
             <a:endParaRPr lang="en-US"/>
           </a:p>
@@ -3143,7 +3143,7 @@
           <a:p>
             <a:fld id="{916B8C92-D5E3-4480-8685-D57BEE386DE2}" type="datetimeFigureOut">
               <a:rPr lang="en-US" smtClean="0"/>
-              <a:t>4/24/2017</a:t>
+              <a:t>4/25/2017</a:t>
             </a:fld>
             <a:endParaRPr lang="en-US"/>
           </a:p>
@@ -3356,7 +3356,7 @@
           <a:p>
             <a:fld id="{916B8C92-D5E3-4480-8685-D57BEE386DE2}" type="datetimeFigureOut">
               <a:rPr lang="en-US" smtClean="0"/>
-              <a:t>4/24/2017</a:t>
+              <a:t>4/25/2017</a:t>
             </a:fld>
             <a:endParaRPr lang="en-US"/>
           </a:p>

--- a/output/plots/all_figs_with_legends.pptx
+++ b/output/plots/all_figs_with_legends.pptx
@@ -202,7 +202,7 @@
           <a:p>
             <a:fld id="{7FA21820-D199-4D82-91AF-C50B1D3B111A}" type="datetimeFigureOut">
               <a:rPr lang="en-US" smtClean="0"/>
-              <a:t>4/25/2017</a:t>
+              <a:t>4/28/2017</a:t>
             </a:fld>
             <a:endParaRPr lang="en-US"/>
           </a:p>
@@ -1035,7 +1035,7 @@
           <a:p>
             <a:fld id="{916B8C92-D5E3-4480-8685-D57BEE386DE2}" type="datetimeFigureOut">
               <a:rPr lang="en-US" smtClean="0"/>
-              <a:t>4/25/2017</a:t>
+              <a:t>4/28/2017</a:t>
             </a:fld>
             <a:endParaRPr lang="en-US"/>
           </a:p>
@@ -1205,7 +1205,7 @@
           <a:p>
             <a:fld id="{916B8C92-D5E3-4480-8685-D57BEE386DE2}" type="datetimeFigureOut">
               <a:rPr lang="en-US" smtClean="0"/>
-              <a:t>4/25/2017</a:t>
+              <a:t>4/28/2017</a:t>
             </a:fld>
             <a:endParaRPr lang="en-US"/>
           </a:p>
@@ -1385,7 +1385,7 @@
           <a:p>
             <a:fld id="{916B8C92-D5E3-4480-8685-D57BEE386DE2}" type="datetimeFigureOut">
               <a:rPr lang="en-US" smtClean="0"/>
-              <a:t>4/25/2017</a:t>
+              <a:t>4/28/2017</a:t>
             </a:fld>
             <a:endParaRPr lang="en-US"/>
           </a:p>
@@ -1555,7 +1555,7 @@
           <a:p>
             <a:fld id="{916B8C92-D5E3-4480-8685-D57BEE386DE2}" type="datetimeFigureOut">
               <a:rPr lang="en-US" smtClean="0"/>
-              <a:t>4/25/2017</a:t>
+              <a:t>4/28/2017</a:t>
             </a:fld>
             <a:endParaRPr lang="en-US"/>
           </a:p>
@@ -1801,7 +1801,7 @@
           <a:p>
             <a:fld id="{916B8C92-D5E3-4480-8685-D57BEE386DE2}" type="datetimeFigureOut">
               <a:rPr lang="en-US" smtClean="0"/>
-              <a:t>4/25/2017</a:t>
+              <a:t>4/28/2017</a:t>
             </a:fld>
             <a:endParaRPr lang="en-US"/>
           </a:p>
@@ -2033,7 +2033,7 @@
           <a:p>
             <a:fld id="{916B8C92-D5E3-4480-8685-D57BEE386DE2}" type="datetimeFigureOut">
               <a:rPr lang="en-US" smtClean="0"/>
-              <a:t>4/25/2017</a:t>
+              <a:t>4/28/2017</a:t>
             </a:fld>
             <a:endParaRPr lang="en-US"/>
           </a:p>
@@ -2400,7 +2400,7 @@
           <a:p>
             <a:fld id="{916B8C92-D5E3-4480-8685-D57BEE386DE2}" type="datetimeFigureOut">
               <a:rPr lang="en-US" smtClean="0"/>
-              <a:t>4/25/2017</a:t>
+              <a:t>4/28/2017</a:t>
             </a:fld>
             <a:endParaRPr lang="en-US"/>
           </a:p>
@@ -2518,7 +2518,7 @@
           <a:p>
             <a:fld id="{916B8C92-D5E3-4480-8685-D57BEE386DE2}" type="datetimeFigureOut">
               <a:rPr lang="en-US" smtClean="0"/>
-              <a:t>4/25/2017</a:t>
+              <a:t>4/28/2017</a:t>
             </a:fld>
             <a:endParaRPr lang="en-US"/>
           </a:p>
@@ -2613,7 +2613,7 @@
           <a:p>
             <a:fld id="{916B8C92-D5E3-4480-8685-D57BEE386DE2}" type="datetimeFigureOut">
               <a:rPr lang="en-US" smtClean="0"/>
-              <a:t>4/25/2017</a:t>
+              <a:t>4/28/2017</a:t>
             </a:fld>
             <a:endParaRPr lang="en-US"/>
           </a:p>
@@ -2890,7 +2890,7 @@
           <a:p>
             <a:fld id="{916B8C92-D5E3-4480-8685-D57BEE386DE2}" type="datetimeFigureOut">
               <a:rPr lang="en-US" smtClean="0"/>
-              <a:t>4/25/2017</a:t>
+              <a:t>4/28/2017</a:t>
             </a:fld>
             <a:endParaRPr lang="en-US"/>
           </a:p>
@@ -3143,7 +3143,7 @@
           <a:p>
             <a:fld id="{916B8C92-D5E3-4480-8685-D57BEE386DE2}" type="datetimeFigureOut">
               <a:rPr lang="en-US" smtClean="0"/>
-              <a:t>4/25/2017</a:t>
+              <a:t>4/28/2017</a:t>
             </a:fld>
             <a:endParaRPr lang="en-US"/>
           </a:p>
@@ -3356,7 +3356,7 @@
           <a:p>
             <a:fld id="{916B8C92-D5E3-4480-8685-D57BEE386DE2}" type="datetimeFigureOut">
               <a:rPr lang="en-US" smtClean="0"/>
-              <a:t>4/25/2017</a:t>
+              <a:t>4/28/2017</a:t>
             </a:fld>
             <a:endParaRPr lang="en-US"/>
           </a:p>
@@ -6373,30 +6373,6 @@
           <a:chExt cx="0" cy="0"/>
         </a:xfrm>
       </p:grpSpPr>
-      <p:pic>
-        <p:nvPicPr>
-          <p:cNvPr id="3" name="Picture 2"/>
-          <p:cNvPicPr>
-            <a:picLocks noChangeAspect="1"/>
-          </p:cNvPicPr>
-          <p:nvPr/>
-        </p:nvPicPr>
-        <p:blipFill>
-          <a:blip r:embed="rId2"/>
-          <a:stretch>
-            <a:fillRect/>
-          </a:stretch>
-        </p:blipFill>
-        <p:spPr>
-          <a:xfrm>
-            <a:off x="2431973" y="131617"/>
-            <a:ext cx="6085173" cy="4865881"/>
-          </a:xfrm>
-          <a:prstGeom prst="rect">
-            <a:avLst/>
-          </a:prstGeom>
-        </p:spPr>
-      </p:pic>
       <p:sp>
         <p:nvSpPr>
           <p:cNvPr id="6" name="Rectangle 5"/>
@@ -6578,56 +6554,209 @@
       </p:sp>
       <p:grpSp>
         <p:nvGrpSpPr>
-          <p:cNvPr id="19" name="Group 18"/>
+          <p:cNvPr id="2" name="Group 1"/>
           <p:cNvGrpSpPr/>
           <p:nvPr/>
         </p:nvGrpSpPr>
         <p:grpSpPr>
           <a:xfrm>
-            <a:off x="3012760" y="4831134"/>
-            <a:ext cx="2279540" cy="281753"/>
-            <a:chOff x="2760297" y="6051268"/>
-            <a:chExt cx="2514388" cy="236612"/>
+            <a:off x="2431973" y="131617"/>
+            <a:ext cx="6085173" cy="5042934"/>
+            <a:chOff x="2431973" y="131617"/>
+            <a:chExt cx="6085173" cy="5042934"/>
           </a:xfrm>
         </p:grpSpPr>
+        <p:pic>
+          <p:nvPicPr>
+            <p:cNvPr id="3" name="Picture 2"/>
+            <p:cNvPicPr>
+              <a:picLocks noChangeAspect="1"/>
+            </p:cNvPicPr>
+            <p:nvPr/>
+          </p:nvPicPr>
+          <p:blipFill>
+            <a:blip r:embed="rId2"/>
+            <a:stretch>
+              <a:fillRect/>
+            </a:stretch>
+          </p:blipFill>
+          <p:spPr>
+            <a:xfrm>
+              <a:off x="2431973" y="131617"/>
+              <a:ext cx="6085173" cy="4865881"/>
+            </a:xfrm>
+            <a:prstGeom prst="rect">
+              <a:avLst/>
+            </a:prstGeom>
+          </p:spPr>
+        </p:pic>
         <p:grpSp>
           <p:nvGrpSpPr>
-            <p:cNvPr id="24" name="Group 23"/>
+            <p:cNvPr id="19" name="Group 18"/>
             <p:cNvGrpSpPr/>
             <p:nvPr/>
           </p:nvGrpSpPr>
           <p:grpSpPr>
             <a:xfrm>
-              <a:off x="2760297" y="6051268"/>
-              <a:ext cx="2514388" cy="236612"/>
-              <a:chOff x="2926296" y="6051268"/>
+              <a:off x="3012760" y="4831134"/>
+              <a:ext cx="2279540" cy="281753"/>
+              <a:chOff x="2760297" y="6051268"/>
               <a:chExt cx="2514388" cy="236612"/>
             </a:xfrm>
           </p:grpSpPr>
+          <p:grpSp>
+            <p:nvGrpSpPr>
+              <p:cNvPr id="24" name="Group 23"/>
+              <p:cNvGrpSpPr/>
+              <p:nvPr/>
+            </p:nvGrpSpPr>
+            <p:grpSpPr>
+              <a:xfrm>
+                <a:off x="2760297" y="6051268"/>
+                <a:ext cx="2514388" cy="236612"/>
+                <a:chOff x="2926296" y="6051268"/>
+                <a:chExt cx="2514388" cy="236612"/>
+              </a:xfrm>
+            </p:grpSpPr>
+            <p:pic>
+              <p:nvPicPr>
+                <p:cNvPr id="26" name="Picture 25"/>
+                <p:cNvPicPr>
+                  <a:picLocks noChangeAspect="1"/>
+                </p:cNvPicPr>
+                <p:nvPr/>
+              </p:nvPicPr>
+              <p:blipFill>
+                <a:blip r:embed="rId3" cstate="print">
+                  <a:extLst>
+                    <a:ext uri="{28A0092B-C50C-407E-A947-70E740481C1C}">
+                      <a14:useLocalDpi xmlns:a14="http://schemas.microsoft.com/office/drawing/2010/main" val="0"/>
+                    </a:ext>
+                  </a:extLst>
+                </a:blip>
+                <a:stretch>
+                  <a:fillRect/>
+                </a:stretch>
+              </p:blipFill>
+              <p:spPr>
+                <a:xfrm>
+                  <a:off x="3339990" y="6090606"/>
+                  <a:ext cx="325640" cy="161565"/>
+                </a:xfrm>
+                <a:prstGeom prst="rect">
+                  <a:avLst/>
+                </a:prstGeom>
+              </p:spPr>
+            </p:pic>
+            <p:pic>
+              <p:nvPicPr>
+                <p:cNvPr id="27" name="Picture 26"/>
+                <p:cNvPicPr>
+                  <a:picLocks noChangeAspect="1"/>
+                </p:cNvPicPr>
+                <p:nvPr/>
+              </p:nvPicPr>
+              <p:blipFill>
+                <a:blip r:embed="rId4" cstate="print">
+                  <a:extLst>
+                    <a:ext uri="{28A0092B-C50C-407E-A947-70E740481C1C}">
+                      <a14:useLocalDpi xmlns:a14="http://schemas.microsoft.com/office/drawing/2010/main" val="0"/>
+                    </a:ext>
+                  </a:extLst>
+                </a:blip>
+                <a:stretch>
+                  <a:fillRect/>
+                </a:stretch>
+              </p:blipFill>
+              <p:spPr>
+                <a:xfrm>
+                  <a:off x="3804938" y="6051268"/>
+                  <a:ext cx="280633" cy="225596"/>
+                </a:xfrm>
+                <a:prstGeom prst="rect">
+                  <a:avLst/>
+                </a:prstGeom>
+              </p:spPr>
+            </p:pic>
+            <p:pic>
+              <p:nvPicPr>
+                <p:cNvPr id="28" name="Picture 27"/>
+                <p:cNvPicPr>
+                  <a:picLocks noChangeAspect="1"/>
+                </p:cNvPicPr>
+                <p:nvPr/>
+              </p:nvPicPr>
+              <p:blipFill>
+                <a:blip r:embed="rId5" cstate="print">
+                  <a:extLst>
+                    <a:ext uri="{28A0092B-C50C-407E-A947-70E740481C1C}">
+                      <a14:useLocalDpi xmlns:a14="http://schemas.microsoft.com/office/drawing/2010/main" val="0"/>
+                    </a:ext>
+                  </a:extLst>
+                </a:blip>
+                <a:stretch>
+                  <a:fillRect/>
+                </a:stretch>
+              </p:blipFill>
+              <p:spPr>
+                <a:xfrm>
+                  <a:off x="2926296" y="6062284"/>
+                  <a:ext cx="274386" cy="225596"/>
+                </a:xfrm>
+                <a:prstGeom prst="rect">
+                  <a:avLst/>
+                </a:prstGeom>
+              </p:spPr>
+            </p:pic>
+            <p:pic>
+              <p:nvPicPr>
+                <p:cNvPr id="29" name="Picture 28"/>
+                <p:cNvPicPr>
+                  <a:picLocks noChangeAspect="1"/>
+                </p:cNvPicPr>
+                <p:nvPr/>
+              </p:nvPicPr>
+              <p:blipFill>
+                <a:blip r:embed="rId6" cstate="print">
+                  <a:extLst>
+                    <a:ext uri="{28A0092B-C50C-407E-A947-70E740481C1C}">
+                      <a14:useLocalDpi xmlns:a14="http://schemas.microsoft.com/office/drawing/2010/main" val="0"/>
+                    </a:ext>
+                  </a:extLst>
+                </a:blip>
+                <a:stretch>
+                  <a:fillRect/>
+                </a:stretch>
+              </p:blipFill>
+              <p:spPr>
+                <a:xfrm flipH="1">
+                  <a:off x="5184894" y="6062284"/>
+                  <a:ext cx="255790" cy="218495"/>
+                </a:xfrm>
+                <a:prstGeom prst="rect">
+                  <a:avLst/>
+                </a:prstGeom>
+              </p:spPr>
+            </p:pic>
+          </p:grpSp>
           <p:pic>
             <p:nvPicPr>
-              <p:cNvPr id="26" name="Picture 25"/>
+              <p:cNvPr id="22" name="Picture 21"/>
               <p:cNvPicPr>
                 <a:picLocks noChangeAspect="1"/>
               </p:cNvPicPr>
               <p:nvPr/>
             </p:nvPicPr>
             <p:blipFill>
-              <a:blip r:embed="rId3" cstate="print">
-                <a:extLst>
-                  <a:ext uri="{28A0092B-C50C-407E-A947-70E740481C1C}">
-                    <a14:useLocalDpi xmlns:a14="http://schemas.microsoft.com/office/drawing/2010/main" val="0"/>
-                  </a:ext>
-                </a:extLst>
-              </a:blip>
+              <a:blip r:embed="rId7"/>
               <a:stretch>
                 <a:fillRect/>
               </a:stretch>
             </p:blipFill>
             <p:spPr>
               <a:xfrm>
-                <a:off x="3339990" y="6090606"/>
-                <a:ext cx="325640" cy="161565"/>
+                <a:off x="4048209" y="6067448"/>
+                <a:ext cx="334902" cy="198223"/>
               </a:xfrm>
               <a:prstGeom prst="rect">
                 <a:avLst/>
@@ -6636,28 +6765,61 @@
           </p:pic>
           <p:pic>
             <p:nvPicPr>
-              <p:cNvPr id="27" name="Picture 26"/>
+              <p:cNvPr id="23" name="Picture 22"/>
               <p:cNvPicPr>
                 <a:picLocks noChangeAspect="1"/>
               </p:cNvPicPr>
               <p:nvPr/>
             </p:nvPicPr>
             <p:blipFill>
-              <a:blip r:embed="rId4" cstate="print">
-                <a:extLst>
-                  <a:ext uri="{28A0092B-C50C-407E-A947-70E740481C1C}">
-                    <a14:useLocalDpi xmlns:a14="http://schemas.microsoft.com/office/drawing/2010/main" val="0"/>
-                  </a:ext>
-                </a:extLst>
-              </a:blip>
+              <a:blip r:embed="rId8"/>
               <a:stretch>
                 <a:fillRect/>
               </a:stretch>
             </p:blipFill>
             <p:spPr>
               <a:xfrm>
-                <a:off x="3804938" y="6051268"/>
-                <a:ext cx="280633" cy="225596"/>
+                <a:off x="4490815" y="6064345"/>
+                <a:ext cx="327300" cy="196986"/>
+              </a:xfrm>
+              <a:prstGeom prst="rect">
+                <a:avLst/>
+              </a:prstGeom>
+            </p:spPr>
+          </p:pic>
+        </p:grpSp>
+        <p:grpSp>
+          <p:nvGrpSpPr>
+            <p:cNvPr id="16" name="Group 15"/>
+            <p:cNvGrpSpPr/>
+            <p:nvPr/>
+          </p:nvGrpSpPr>
+          <p:grpSpPr>
+            <a:xfrm>
+              <a:off x="6155681" y="4850311"/>
+              <a:ext cx="2164195" cy="324240"/>
+              <a:chOff x="2148779" y="1657738"/>
+              <a:chExt cx="2931901" cy="414033"/>
+            </a:xfrm>
+          </p:grpSpPr>
+          <p:pic>
+            <p:nvPicPr>
+              <p:cNvPr id="17" name="Picture 16"/>
+              <p:cNvPicPr>
+                <a:picLocks noChangeAspect="1"/>
+              </p:cNvPicPr>
+              <p:nvPr/>
+            </p:nvPicPr>
+            <p:blipFill>
+              <a:blip r:embed="rId9"/>
+              <a:stretch>
+                <a:fillRect/>
+              </a:stretch>
+            </p:blipFill>
+            <p:spPr>
+              <a:xfrm>
+                <a:off x="2148779" y="1657738"/>
+                <a:ext cx="655912" cy="396304"/>
               </a:xfrm>
               <a:prstGeom prst="rect">
                 <a:avLst/>
@@ -6666,28 +6828,22 @@
           </p:pic>
           <p:pic>
             <p:nvPicPr>
-              <p:cNvPr id="28" name="Picture 27"/>
+              <p:cNvPr id="18" name="Picture 17"/>
               <p:cNvPicPr>
                 <a:picLocks noChangeAspect="1"/>
               </p:cNvPicPr>
               <p:nvPr/>
             </p:nvPicPr>
             <p:blipFill>
-              <a:blip r:embed="rId5" cstate="print">
-                <a:extLst>
-                  <a:ext uri="{28A0092B-C50C-407E-A947-70E740481C1C}">
-                    <a14:useLocalDpi xmlns:a14="http://schemas.microsoft.com/office/drawing/2010/main" val="0"/>
-                  </a:ext>
-                </a:extLst>
-              </a:blip>
+              <a:blip r:embed="rId10"/>
               <a:stretch>
                 <a:fillRect/>
               </a:stretch>
             </p:blipFill>
             <p:spPr>
               <a:xfrm>
-                <a:off x="2926296" y="6062284"/>
-                <a:ext cx="274386" cy="225596"/>
+                <a:off x="3258043" y="1708949"/>
+                <a:ext cx="728479" cy="293882"/>
               </a:xfrm>
               <a:prstGeom prst="rect">
                 <a:avLst/>
@@ -6696,28 +6852,22 @@
           </p:pic>
           <p:pic>
             <p:nvPicPr>
-              <p:cNvPr id="29" name="Picture 28"/>
+              <p:cNvPr id="20" name="Picture 19"/>
               <p:cNvPicPr>
                 <a:picLocks noChangeAspect="1"/>
               </p:cNvPicPr>
               <p:nvPr/>
             </p:nvPicPr>
             <p:blipFill>
-              <a:blip r:embed="rId6" cstate="print">
-                <a:extLst>
-                  <a:ext uri="{28A0092B-C50C-407E-A947-70E740481C1C}">
-                    <a14:useLocalDpi xmlns:a14="http://schemas.microsoft.com/office/drawing/2010/main" val="0"/>
-                  </a:ext>
-                </a:extLst>
-              </a:blip>
+              <a:blip r:embed="rId11"/>
               <a:stretch>
                 <a:fillRect/>
               </a:stretch>
             </p:blipFill>
             <p:spPr>
-              <a:xfrm flipH="1">
-                <a:off x="5184894" y="6062284"/>
-                <a:ext cx="255790" cy="218495"/>
+              <a:xfrm>
+                <a:off x="4439875" y="1662829"/>
+                <a:ext cx="640805" cy="408942"/>
               </a:xfrm>
               <a:prstGeom prst="rect">
                 <a:avLst/>
@@ -6725,141 +6875,6 @@
             </p:spPr>
           </p:pic>
         </p:grpSp>
-        <p:pic>
-          <p:nvPicPr>
-            <p:cNvPr id="22" name="Picture 21"/>
-            <p:cNvPicPr>
-              <a:picLocks noChangeAspect="1"/>
-            </p:cNvPicPr>
-            <p:nvPr/>
-          </p:nvPicPr>
-          <p:blipFill>
-            <a:blip r:embed="rId7"/>
-            <a:stretch>
-              <a:fillRect/>
-            </a:stretch>
-          </p:blipFill>
-          <p:spPr>
-            <a:xfrm>
-              <a:off x="4048209" y="6067448"/>
-              <a:ext cx="334902" cy="198223"/>
-            </a:xfrm>
-            <a:prstGeom prst="rect">
-              <a:avLst/>
-            </a:prstGeom>
-          </p:spPr>
-        </p:pic>
-        <p:pic>
-          <p:nvPicPr>
-            <p:cNvPr id="23" name="Picture 22"/>
-            <p:cNvPicPr>
-              <a:picLocks noChangeAspect="1"/>
-            </p:cNvPicPr>
-            <p:nvPr/>
-          </p:nvPicPr>
-          <p:blipFill>
-            <a:blip r:embed="rId8"/>
-            <a:stretch>
-              <a:fillRect/>
-            </a:stretch>
-          </p:blipFill>
-          <p:spPr>
-            <a:xfrm>
-              <a:off x="4490815" y="6064345"/>
-              <a:ext cx="327300" cy="196986"/>
-            </a:xfrm>
-            <a:prstGeom prst="rect">
-              <a:avLst/>
-            </a:prstGeom>
-          </p:spPr>
-        </p:pic>
-      </p:grpSp>
-      <p:grpSp>
-        <p:nvGrpSpPr>
-          <p:cNvPr id="16" name="Group 15"/>
-          <p:cNvGrpSpPr/>
-          <p:nvPr/>
-        </p:nvGrpSpPr>
-        <p:grpSpPr>
-          <a:xfrm>
-            <a:off x="6155681" y="4824124"/>
-            <a:ext cx="2160055" cy="336541"/>
-            <a:chOff x="2148779" y="1624301"/>
-            <a:chExt cx="2926292" cy="429741"/>
-          </a:xfrm>
-        </p:grpSpPr>
-        <p:pic>
-          <p:nvPicPr>
-            <p:cNvPr id="17" name="Picture 16"/>
-            <p:cNvPicPr>
-              <a:picLocks noChangeAspect="1"/>
-            </p:cNvPicPr>
-            <p:nvPr/>
-          </p:nvPicPr>
-          <p:blipFill>
-            <a:blip r:embed="rId9"/>
-            <a:stretch>
-              <a:fillRect/>
-            </a:stretch>
-          </p:blipFill>
-          <p:spPr>
-            <a:xfrm>
-              <a:off x="2148779" y="1657738"/>
-              <a:ext cx="655912" cy="396304"/>
-            </a:xfrm>
-            <a:prstGeom prst="rect">
-              <a:avLst/>
-            </a:prstGeom>
-          </p:spPr>
-        </p:pic>
-        <p:pic>
-          <p:nvPicPr>
-            <p:cNvPr id="18" name="Picture 17"/>
-            <p:cNvPicPr>
-              <a:picLocks noChangeAspect="1"/>
-            </p:cNvPicPr>
-            <p:nvPr/>
-          </p:nvPicPr>
-          <p:blipFill>
-            <a:blip r:embed="rId10"/>
-            <a:stretch>
-              <a:fillRect/>
-            </a:stretch>
-          </p:blipFill>
-          <p:spPr>
-            <a:xfrm>
-              <a:off x="3258043" y="1708949"/>
-              <a:ext cx="728479" cy="293882"/>
-            </a:xfrm>
-            <a:prstGeom prst="rect">
-              <a:avLst/>
-            </a:prstGeom>
-          </p:spPr>
-        </p:pic>
-        <p:pic>
-          <p:nvPicPr>
-            <p:cNvPr id="20" name="Picture 19"/>
-            <p:cNvPicPr>
-              <a:picLocks noChangeAspect="1"/>
-            </p:cNvPicPr>
-            <p:nvPr/>
-          </p:nvPicPr>
-          <p:blipFill>
-            <a:blip r:embed="rId11"/>
-            <a:stretch>
-              <a:fillRect/>
-            </a:stretch>
-          </p:blipFill>
-          <p:spPr>
-            <a:xfrm>
-              <a:off x="4434266" y="1624301"/>
-              <a:ext cx="640805" cy="408942"/>
-            </a:xfrm>
-            <a:prstGeom prst="rect">
-              <a:avLst/>
-            </a:prstGeom>
-          </p:spPr>
-        </p:pic>
       </p:grpSp>
     </p:spTree>
     <p:extLst>

--- a/output/plots/all_figs_with_legends.pptx
+++ b/output/plots/all_figs_with_legends.pptx
@@ -5,15 +5,16 @@
     <p:sldMasterId id="2147483648" r:id="rId1"/>
   </p:sldMasterIdLst>
   <p:notesMasterIdLst>
-    <p:notesMasterId r:id="rId8"/>
+    <p:notesMasterId r:id="rId9"/>
   </p:notesMasterIdLst>
   <p:sldIdLst>
     <p:sldId id="258" r:id="rId2"/>
-    <p:sldId id="257" r:id="rId3"/>
-    <p:sldId id="260" r:id="rId4"/>
-    <p:sldId id="262" r:id="rId5"/>
-    <p:sldId id="261" r:id="rId6"/>
-    <p:sldId id="256" r:id="rId7"/>
+    <p:sldId id="263" r:id="rId3"/>
+    <p:sldId id="257" r:id="rId4"/>
+    <p:sldId id="260" r:id="rId5"/>
+    <p:sldId id="262" r:id="rId6"/>
+    <p:sldId id="261" r:id="rId7"/>
+    <p:sldId id="256" r:id="rId8"/>
   </p:sldIdLst>
   <p:sldSz cx="12192000" cy="6858000"/>
   <p:notesSz cx="6858000" cy="9144000"/>
@@ -202,7 +203,7 @@
           <a:p>
             <a:fld id="{7FA21820-D199-4D82-91AF-C50B1D3B111A}" type="datetimeFigureOut">
               <a:rPr lang="en-US" smtClean="0"/>
-              <a:t>4/28/2017</a:t>
+              <a:t>5/1/2017</a:t>
             </a:fld>
             <a:endParaRPr lang="en-US"/>
           </a:p>
@@ -797,7 +798,7 @@
           <a:p>
             <a:fld id="{0160E3DB-BCAB-42BD-8DDD-04198F92E62D}" type="slidenum">
               <a:rPr lang="en-US" smtClean="0"/>
-              <a:t>2</a:t>
+              <a:t>3</a:t>
             </a:fld>
             <a:endParaRPr lang="en-US"/>
           </a:p>
@@ -885,7 +886,7 @@
           <a:p>
             <a:fld id="{0160E3DB-BCAB-42BD-8DDD-04198F92E62D}" type="slidenum">
               <a:rPr lang="en-US" smtClean="0"/>
-              <a:t>3</a:t>
+              <a:t>4</a:t>
             </a:fld>
             <a:endParaRPr lang="en-US"/>
           </a:p>
@@ -1035,7 +1036,7 @@
           <a:p>
             <a:fld id="{916B8C92-D5E3-4480-8685-D57BEE386DE2}" type="datetimeFigureOut">
               <a:rPr lang="en-US" smtClean="0"/>
-              <a:t>4/28/2017</a:t>
+              <a:t>5/1/2017</a:t>
             </a:fld>
             <a:endParaRPr lang="en-US"/>
           </a:p>
@@ -1205,7 +1206,7 @@
           <a:p>
             <a:fld id="{916B8C92-D5E3-4480-8685-D57BEE386DE2}" type="datetimeFigureOut">
               <a:rPr lang="en-US" smtClean="0"/>
-              <a:t>4/28/2017</a:t>
+              <a:t>5/1/2017</a:t>
             </a:fld>
             <a:endParaRPr lang="en-US"/>
           </a:p>
@@ -1385,7 +1386,7 @@
           <a:p>
             <a:fld id="{916B8C92-D5E3-4480-8685-D57BEE386DE2}" type="datetimeFigureOut">
               <a:rPr lang="en-US" smtClean="0"/>
-              <a:t>4/28/2017</a:t>
+              <a:t>5/1/2017</a:t>
             </a:fld>
             <a:endParaRPr lang="en-US"/>
           </a:p>
@@ -1555,7 +1556,7 @@
           <a:p>
             <a:fld id="{916B8C92-D5E3-4480-8685-D57BEE386DE2}" type="datetimeFigureOut">
               <a:rPr lang="en-US" smtClean="0"/>
-              <a:t>4/28/2017</a:t>
+              <a:t>5/1/2017</a:t>
             </a:fld>
             <a:endParaRPr lang="en-US"/>
           </a:p>
@@ -1801,7 +1802,7 @@
           <a:p>
             <a:fld id="{916B8C92-D5E3-4480-8685-D57BEE386DE2}" type="datetimeFigureOut">
               <a:rPr lang="en-US" smtClean="0"/>
-              <a:t>4/28/2017</a:t>
+              <a:t>5/1/2017</a:t>
             </a:fld>
             <a:endParaRPr lang="en-US"/>
           </a:p>
@@ -2033,7 +2034,7 @@
           <a:p>
             <a:fld id="{916B8C92-D5E3-4480-8685-D57BEE386DE2}" type="datetimeFigureOut">
               <a:rPr lang="en-US" smtClean="0"/>
-              <a:t>4/28/2017</a:t>
+              <a:t>5/1/2017</a:t>
             </a:fld>
             <a:endParaRPr lang="en-US"/>
           </a:p>
@@ -2400,7 +2401,7 @@
           <a:p>
             <a:fld id="{916B8C92-D5E3-4480-8685-D57BEE386DE2}" type="datetimeFigureOut">
               <a:rPr lang="en-US" smtClean="0"/>
-              <a:t>4/28/2017</a:t>
+              <a:t>5/1/2017</a:t>
             </a:fld>
             <a:endParaRPr lang="en-US"/>
           </a:p>
@@ -2518,7 +2519,7 @@
           <a:p>
             <a:fld id="{916B8C92-D5E3-4480-8685-D57BEE386DE2}" type="datetimeFigureOut">
               <a:rPr lang="en-US" smtClean="0"/>
-              <a:t>4/28/2017</a:t>
+              <a:t>5/1/2017</a:t>
             </a:fld>
             <a:endParaRPr lang="en-US"/>
           </a:p>
@@ -2613,7 +2614,7 @@
           <a:p>
             <a:fld id="{916B8C92-D5E3-4480-8685-D57BEE386DE2}" type="datetimeFigureOut">
               <a:rPr lang="en-US" smtClean="0"/>
-              <a:t>4/28/2017</a:t>
+              <a:t>5/1/2017</a:t>
             </a:fld>
             <a:endParaRPr lang="en-US"/>
           </a:p>
@@ -2890,7 +2891,7 @@
           <a:p>
             <a:fld id="{916B8C92-D5E3-4480-8685-D57BEE386DE2}" type="datetimeFigureOut">
               <a:rPr lang="en-US" smtClean="0"/>
-              <a:t>4/28/2017</a:t>
+              <a:t>5/1/2017</a:t>
             </a:fld>
             <a:endParaRPr lang="en-US"/>
           </a:p>
@@ -3143,7 +3144,7 @@
           <a:p>
             <a:fld id="{916B8C92-D5E3-4480-8685-D57BEE386DE2}" type="datetimeFigureOut">
               <a:rPr lang="en-US" smtClean="0"/>
-              <a:t>4/28/2017</a:t>
+              <a:t>5/1/2017</a:t>
             </a:fld>
             <a:endParaRPr lang="en-US"/>
           </a:p>
@@ -3356,7 +3357,7 @@
           <a:p>
             <a:fld id="{916B8C92-D5E3-4480-8685-D57BEE386DE2}" type="datetimeFigureOut">
               <a:rPr lang="en-US" smtClean="0"/>
-              <a:t>4/28/2017</a:t>
+              <a:t>5/1/2017</a:t>
             </a:fld>
             <a:endParaRPr lang="en-US"/>
           </a:p>
@@ -4716,6 +4717,3930 @@
           <a:chExt cx="0" cy="0"/>
         </a:xfrm>
       </p:grpSpPr>
+      <p:sp>
+        <p:nvSpPr>
+          <p:cNvPr id="2" name="Title 1"/>
+          <p:cNvSpPr>
+            <a:spLocks noGrp="1"/>
+          </p:cNvSpPr>
+          <p:nvPr>
+            <p:ph type="title"/>
+          </p:nvPr>
+        </p:nvSpPr>
+        <p:spPr>
+          <a:xfrm>
+            <a:off x="7882128" y="125730"/>
+            <a:ext cx="4203192" cy="1042416"/>
+          </a:xfrm>
+        </p:spPr>
+        <p:txBody>
+          <a:bodyPr>
+            <a:normAutofit fontScale="90000"/>
+          </a:bodyPr>
+          <a:lstStyle/>
+          <a:p>
+            <a:r>
+              <a:rPr lang="en-US" dirty="0" smtClean="0"/>
+              <a:t>6 panel conceptual figure</a:t>
+            </a:r>
+            <a:endParaRPr lang="en-US" dirty="0"/>
+          </a:p>
+        </p:txBody>
+      </p:sp>
+      <p:sp>
+        <p:nvSpPr>
+          <p:cNvPr id="4" name="Rectangle 3"/>
+          <p:cNvSpPr/>
+          <p:nvPr/>
+        </p:nvSpPr>
+        <p:spPr>
+          <a:xfrm>
+            <a:off x="182880" y="105918"/>
+            <a:ext cx="3441192" cy="2124456"/>
+          </a:xfrm>
+          <a:prstGeom prst="rect">
+            <a:avLst/>
+          </a:prstGeom>
+          <a:noFill/>
+          <a:ln>
+            <a:solidFill>
+              <a:schemeClr val="tx1"/>
+            </a:solidFill>
+          </a:ln>
+        </p:spPr>
+        <p:style>
+          <a:lnRef idx="2">
+            <a:schemeClr val="accent1">
+              <a:shade val="50000"/>
+            </a:schemeClr>
+          </a:lnRef>
+          <a:fillRef idx="1">
+            <a:schemeClr val="accent1"/>
+          </a:fillRef>
+          <a:effectRef idx="0">
+            <a:schemeClr val="accent1"/>
+          </a:effectRef>
+          <a:fontRef idx="minor">
+            <a:schemeClr val="lt1"/>
+          </a:fontRef>
+        </p:style>
+        <p:txBody>
+          <a:bodyPr rtlCol="0" anchor="ctr"/>
+          <a:lstStyle/>
+          <a:p>
+            <a:pPr algn="ctr"/>
+            <a:endParaRPr lang="en-US"/>
+          </a:p>
+        </p:txBody>
+      </p:sp>
+      <p:sp>
+        <p:nvSpPr>
+          <p:cNvPr id="5" name="Rectangle 4"/>
+          <p:cNvSpPr/>
+          <p:nvPr/>
+        </p:nvSpPr>
+        <p:spPr>
+          <a:xfrm>
+            <a:off x="3709416" y="105918"/>
+            <a:ext cx="3441192" cy="2124456"/>
+          </a:xfrm>
+          <a:prstGeom prst="rect">
+            <a:avLst/>
+          </a:prstGeom>
+          <a:noFill/>
+          <a:ln>
+            <a:solidFill>
+              <a:schemeClr val="tx1"/>
+            </a:solidFill>
+          </a:ln>
+        </p:spPr>
+        <p:style>
+          <a:lnRef idx="2">
+            <a:schemeClr val="accent1">
+              <a:shade val="50000"/>
+            </a:schemeClr>
+          </a:lnRef>
+          <a:fillRef idx="1">
+            <a:schemeClr val="accent1"/>
+          </a:fillRef>
+          <a:effectRef idx="0">
+            <a:schemeClr val="accent1"/>
+          </a:effectRef>
+          <a:fontRef idx="minor">
+            <a:schemeClr val="lt1"/>
+          </a:fontRef>
+        </p:style>
+        <p:txBody>
+          <a:bodyPr rtlCol="0" anchor="ctr"/>
+          <a:lstStyle/>
+          <a:p>
+            <a:pPr algn="ctr"/>
+            <a:endParaRPr lang="en-US"/>
+          </a:p>
+        </p:txBody>
+      </p:sp>
+      <p:sp>
+        <p:nvSpPr>
+          <p:cNvPr id="6" name="Rectangle 5"/>
+          <p:cNvSpPr/>
+          <p:nvPr/>
+        </p:nvSpPr>
+        <p:spPr>
+          <a:xfrm>
+            <a:off x="182880" y="4518659"/>
+            <a:ext cx="3441192" cy="2124456"/>
+          </a:xfrm>
+          <a:prstGeom prst="rect">
+            <a:avLst/>
+          </a:prstGeom>
+          <a:noFill/>
+          <a:ln>
+            <a:solidFill>
+              <a:schemeClr val="tx1"/>
+            </a:solidFill>
+          </a:ln>
+        </p:spPr>
+        <p:style>
+          <a:lnRef idx="2">
+            <a:schemeClr val="accent1">
+              <a:shade val="50000"/>
+            </a:schemeClr>
+          </a:lnRef>
+          <a:fillRef idx="1">
+            <a:schemeClr val="accent1"/>
+          </a:fillRef>
+          <a:effectRef idx="0">
+            <a:schemeClr val="accent1"/>
+          </a:effectRef>
+          <a:fontRef idx="minor">
+            <a:schemeClr val="lt1"/>
+          </a:fontRef>
+        </p:style>
+        <p:txBody>
+          <a:bodyPr rtlCol="0" anchor="ctr"/>
+          <a:lstStyle/>
+          <a:p>
+            <a:pPr algn="ctr"/>
+            <a:endParaRPr lang="en-US"/>
+          </a:p>
+        </p:txBody>
+      </p:sp>
+      <p:sp>
+        <p:nvSpPr>
+          <p:cNvPr id="7" name="Rectangle 6"/>
+          <p:cNvSpPr/>
+          <p:nvPr/>
+        </p:nvSpPr>
+        <p:spPr>
+          <a:xfrm>
+            <a:off x="3709416" y="4518659"/>
+            <a:ext cx="3441192" cy="2124456"/>
+          </a:xfrm>
+          <a:prstGeom prst="rect">
+            <a:avLst/>
+          </a:prstGeom>
+          <a:noFill/>
+          <a:ln>
+            <a:solidFill>
+              <a:schemeClr val="tx1"/>
+            </a:solidFill>
+          </a:ln>
+        </p:spPr>
+        <p:style>
+          <a:lnRef idx="2">
+            <a:schemeClr val="accent1">
+              <a:shade val="50000"/>
+            </a:schemeClr>
+          </a:lnRef>
+          <a:fillRef idx="1">
+            <a:schemeClr val="accent1"/>
+          </a:fillRef>
+          <a:effectRef idx="0">
+            <a:schemeClr val="accent1"/>
+          </a:effectRef>
+          <a:fontRef idx="minor">
+            <a:schemeClr val="lt1"/>
+          </a:fontRef>
+        </p:style>
+        <p:txBody>
+          <a:bodyPr rtlCol="0" anchor="ctr"/>
+          <a:lstStyle/>
+          <a:p>
+            <a:pPr algn="ctr"/>
+            <a:endParaRPr lang="en-US"/>
+          </a:p>
+        </p:txBody>
+      </p:sp>
+      <p:sp>
+        <p:nvSpPr>
+          <p:cNvPr id="8" name="Rectangle 7"/>
+          <p:cNvSpPr/>
+          <p:nvPr/>
+        </p:nvSpPr>
+        <p:spPr>
+          <a:xfrm>
+            <a:off x="182880" y="2304668"/>
+            <a:ext cx="3441192" cy="2124456"/>
+          </a:xfrm>
+          <a:prstGeom prst="rect">
+            <a:avLst/>
+          </a:prstGeom>
+          <a:noFill/>
+          <a:ln>
+            <a:solidFill>
+              <a:schemeClr val="tx1"/>
+            </a:solidFill>
+          </a:ln>
+        </p:spPr>
+        <p:style>
+          <a:lnRef idx="2">
+            <a:schemeClr val="accent1">
+              <a:shade val="50000"/>
+            </a:schemeClr>
+          </a:lnRef>
+          <a:fillRef idx="1">
+            <a:schemeClr val="accent1"/>
+          </a:fillRef>
+          <a:effectRef idx="0">
+            <a:schemeClr val="accent1"/>
+          </a:effectRef>
+          <a:fontRef idx="minor">
+            <a:schemeClr val="lt1"/>
+          </a:fontRef>
+        </p:style>
+        <p:txBody>
+          <a:bodyPr rtlCol="0" anchor="ctr"/>
+          <a:lstStyle/>
+          <a:p>
+            <a:pPr algn="ctr"/>
+            <a:endParaRPr lang="en-US"/>
+          </a:p>
+        </p:txBody>
+      </p:sp>
+      <p:sp>
+        <p:nvSpPr>
+          <p:cNvPr id="9" name="Rectangle 8"/>
+          <p:cNvSpPr/>
+          <p:nvPr/>
+        </p:nvSpPr>
+        <p:spPr>
+          <a:xfrm>
+            <a:off x="3709416" y="2304668"/>
+            <a:ext cx="3441192" cy="2124456"/>
+          </a:xfrm>
+          <a:prstGeom prst="rect">
+            <a:avLst/>
+          </a:prstGeom>
+          <a:noFill/>
+          <a:ln>
+            <a:solidFill>
+              <a:schemeClr val="tx1"/>
+            </a:solidFill>
+          </a:ln>
+        </p:spPr>
+        <p:style>
+          <a:lnRef idx="2">
+            <a:schemeClr val="accent1">
+              <a:shade val="50000"/>
+            </a:schemeClr>
+          </a:lnRef>
+          <a:fillRef idx="1">
+            <a:schemeClr val="accent1"/>
+          </a:fillRef>
+          <a:effectRef idx="0">
+            <a:schemeClr val="accent1"/>
+          </a:effectRef>
+          <a:fontRef idx="minor">
+            <a:schemeClr val="lt1"/>
+          </a:fontRef>
+        </p:style>
+        <p:txBody>
+          <a:bodyPr rtlCol="0" anchor="ctr"/>
+          <a:lstStyle/>
+          <a:p>
+            <a:pPr algn="ctr"/>
+            <a:endParaRPr lang="en-US"/>
+          </a:p>
+        </p:txBody>
+      </p:sp>
+      <p:sp>
+        <p:nvSpPr>
+          <p:cNvPr id="10" name="Freeform 9"/>
+          <p:cNvSpPr/>
+          <p:nvPr/>
+        </p:nvSpPr>
+        <p:spPr>
+          <a:xfrm>
+            <a:off x="408432" y="180544"/>
+            <a:ext cx="2935224" cy="1975203"/>
+          </a:xfrm>
+          <a:custGeom>
+            <a:avLst/>
+            <a:gdLst>
+              <a:gd name="connsiteX0" fmla="*/ 0 w 2770632"/>
+              <a:gd name="connsiteY0" fmla="*/ 0 h 1874619"/>
+              <a:gd name="connsiteX1" fmla="*/ 438912 w 2770632"/>
+              <a:gd name="connsiteY1" fmla="*/ 1627632 h 1874619"/>
+              <a:gd name="connsiteX2" fmla="*/ 2231136 w 2770632"/>
+              <a:gd name="connsiteY2" fmla="*/ 1700784 h 1874619"/>
+              <a:gd name="connsiteX3" fmla="*/ 2770632 w 2770632"/>
+              <a:gd name="connsiteY3" fmla="*/ 9144 h 1874619"/>
+            </a:gdLst>
+            <a:ahLst/>
+            <a:cxnLst>
+              <a:cxn ang="0">
+                <a:pos x="connsiteX0" y="connsiteY0"/>
+              </a:cxn>
+              <a:cxn ang="0">
+                <a:pos x="connsiteX1" y="connsiteY1"/>
+              </a:cxn>
+              <a:cxn ang="0">
+                <a:pos x="connsiteX2" y="connsiteY2"/>
+              </a:cxn>
+              <a:cxn ang="0">
+                <a:pos x="connsiteX3" y="connsiteY3"/>
+              </a:cxn>
+            </a:cxnLst>
+            <a:rect l="l" t="t" r="r" b="b"/>
+            <a:pathLst>
+              <a:path w="2770632" h="1874619">
+                <a:moveTo>
+                  <a:pt x="0" y="0"/>
+                </a:moveTo>
+                <a:cubicBezTo>
+                  <a:pt x="33528" y="672084"/>
+                  <a:pt x="67056" y="1344168"/>
+                  <a:pt x="438912" y="1627632"/>
+                </a:cubicBezTo>
+                <a:cubicBezTo>
+                  <a:pt x="810768" y="1911096"/>
+                  <a:pt x="1842516" y="1970532"/>
+                  <a:pt x="2231136" y="1700784"/>
+                </a:cubicBezTo>
+                <a:cubicBezTo>
+                  <a:pt x="2619756" y="1431036"/>
+                  <a:pt x="2695194" y="720090"/>
+                  <a:pt x="2770632" y="9144"/>
+                </a:cubicBezTo>
+              </a:path>
+            </a:pathLst>
+          </a:custGeom>
+          <a:noFill/>
+          <a:ln w="38100">
+            <a:solidFill>
+              <a:schemeClr val="tx1"/>
+            </a:solidFill>
+          </a:ln>
+        </p:spPr>
+        <p:style>
+          <a:lnRef idx="2">
+            <a:schemeClr val="accent1">
+              <a:shade val="50000"/>
+            </a:schemeClr>
+          </a:lnRef>
+          <a:fillRef idx="1">
+            <a:schemeClr val="accent1"/>
+          </a:fillRef>
+          <a:effectRef idx="0">
+            <a:schemeClr val="accent1"/>
+          </a:effectRef>
+          <a:fontRef idx="minor">
+            <a:schemeClr val="lt1"/>
+          </a:fontRef>
+        </p:style>
+        <p:txBody>
+          <a:bodyPr rtlCol="0" anchor="ctr"/>
+          <a:lstStyle/>
+          <a:p>
+            <a:pPr algn="ctr"/>
+            <a:endParaRPr lang="en-US"/>
+          </a:p>
+        </p:txBody>
+      </p:sp>
+      <p:sp>
+        <p:nvSpPr>
+          <p:cNvPr id="13" name="TextBox 12"/>
+          <p:cNvSpPr txBox="1"/>
+          <p:nvPr/>
+        </p:nvSpPr>
+        <p:spPr>
+          <a:xfrm>
+            <a:off x="2662428" y="1954293"/>
+            <a:ext cx="1101852" cy="246221"/>
+          </a:xfrm>
+          <a:prstGeom prst="rect">
+            <a:avLst/>
+          </a:prstGeom>
+          <a:noFill/>
+        </p:spPr>
+        <p:txBody>
+          <a:bodyPr wrap="square" rtlCol="0">
+            <a:spAutoFit/>
+          </a:bodyPr>
+          <a:lstStyle/>
+          <a:p>
+            <a:r>
+              <a:rPr lang="en-US" sz="1000" dirty="0" smtClean="0"/>
+              <a:t>High occupancy</a:t>
+            </a:r>
+            <a:endParaRPr lang="en-US" sz="1000" dirty="0"/>
+          </a:p>
+        </p:txBody>
+      </p:sp>
+      <p:sp>
+        <p:nvSpPr>
+          <p:cNvPr id="14" name="TextBox 13"/>
+          <p:cNvSpPr txBox="1"/>
+          <p:nvPr/>
+        </p:nvSpPr>
+        <p:spPr>
+          <a:xfrm>
+            <a:off x="128016" y="1949150"/>
+            <a:ext cx="1101852" cy="246221"/>
+          </a:xfrm>
+          <a:prstGeom prst="rect">
+            <a:avLst/>
+          </a:prstGeom>
+          <a:noFill/>
+        </p:spPr>
+        <p:txBody>
+          <a:bodyPr wrap="square" rtlCol="0">
+            <a:spAutoFit/>
+          </a:bodyPr>
+          <a:lstStyle/>
+          <a:p>
+            <a:r>
+              <a:rPr lang="en-US" sz="1000" dirty="0" smtClean="0"/>
+              <a:t>Low occupancy</a:t>
+            </a:r>
+            <a:endParaRPr lang="en-US" sz="1000" dirty="0"/>
+          </a:p>
+        </p:txBody>
+      </p:sp>
+      <p:sp>
+        <p:nvSpPr>
+          <p:cNvPr id="15" name="TextBox 14"/>
+          <p:cNvSpPr txBox="1"/>
+          <p:nvPr/>
+        </p:nvSpPr>
+        <p:spPr>
+          <a:xfrm>
+            <a:off x="4306824" y="512064"/>
+            <a:ext cx="2157984" cy="646331"/>
+          </a:xfrm>
+          <a:prstGeom prst="rect">
+            <a:avLst/>
+          </a:prstGeom>
+          <a:noFill/>
+        </p:spPr>
+        <p:txBody>
+          <a:bodyPr wrap="square" rtlCol="0">
+            <a:spAutoFit/>
+          </a:bodyPr>
+          <a:lstStyle/>
+          <a:p>
+            <a:r>
+              <a:rPr lang="en-US" dirty="0" err="1" smtClean="0"/>
+              <a:t>Magurran</a:t>
+            </a:r>
+            <a:r>
+              <a:rPr lang="en-US" dirty="0" smtClean="0"/>
+              <a:t> and Henderson </a:t>
+            </a:r>
+            <a:r>
+              <a:rPr lang="en-US" dirty="0" err="1" smtClean="0"/>
+              <a:t>hists</a:t>
+            </a:r>
+            <a:endParaRPr lang="en-US" dirty="0"/>
+          </a:p>
+        </p:txBody>
+      </p:sp>
+      <p:sp>
+        <p:nvSpPr>
+          <p:cNvPr id="19" name="Isosceles Triangle 18"/>
+          <p:cNvSpPr/>
+          <p:nvPr/>
+        </p:nvSpPr>
+        <p:spPr>
+          <a:xfrm>
+            <a:off x="5635752" y="5487190"/>
+            <a:ext cx="180746" cy="153690"/>
+          </a:xfrm>
+          <a:prstGeom prst="triangle">
+            <a:avLst/>
+          </a:prstGeom>
+          <a:solidFill>
+            <a:srgbClr val="FF9900"/>
+          </a:solidFill>
+          <a:ln>
+            <a:solidFill>
+              <a:srgbClr val="FF9900"/>
+            </a:solidFill>
+          </a:ln>
+        </p:spPr>
+        <p:style>
+          <a:lnRef idx="2">
+            <a:schemeClr val="accent1">
+              <a:shade val="50000"/>
+            </a:schemeClr>
+          </a:lnRef>
+          <a:fillRef idx="1">
+            <a:schemeClr val="accent1"/>
+          </a:fillRef>
+          <a:effectRef idx="0">
+            <a:schemeClr val="accent1"/>
+          </a:effectRef>
+          <a:fontRef idx="minor">
+            <a:schemeClr val="lt1"/>
+          </a:fontRef>
+        </p:style>
+        <p:txBody>
+          <a:bodyPr rtlCol="0" anchor="ctr"/>
+          <a:lstStyle/>
+          <a:p>
+            <a:pPr algn="ctr"/>
+            <a:endParaRPr lang="en-US"/>
+          </a:p>
+        </p:txBody>
+      </p:sp>
+      <p:sp>
+        <p:nvSpPr>
+          <p:cNvPr id="20" name="Moon 19"/>
+          <p:cNvSpPr/>
+          <p:nvPr/>
+        </p:nvSpPr>
+        <p:spPr>
+          <a:xfrm>
+            <a:off x="4268114" y="4815195"/>
+            <a:ext cx="98450" cy="153690"/>
+          </a:xfrm>
+          <a:prstGeom prst="moon">
+            <a:avLst/>
+          </a:prstGeom>
+          <a:solidFill>
+            <a:srgbClr val="C00000"/>
+          </a:solidFill>
+          <a:ln>
+            <a:solidFill>
+              <a:srgbClr val="C00000"/>
+            </a:solidFill>
+          </a:ln>
+        </p:spPr>
+        <p:style>
+          <a:lnRef idx="2">
+            <a:schemeClr val="accent1">
+              <a:shade val="50000"/>
+            </a:schemeClr>
+          </a:lnRef>
+          <a:fillRef idx="1">
+            <a:schemeClr val="accent1"/>
+          </a:fillRef>
+          <a:effectRef idx="0">
+            <a:schemeClr val="accent1"/>
+          </a:effectRef>
+          <a:fontRef idx="minor">
+            <a:schemeClr val="lt1"/>
+          </a:fontRef>
+        </p:style>
+        <p:txBody>
+          <a:bodyPr rtlCol="0" anchor="ctr"/>
+          <a:lstStyle/>
+          <a:p>
+            <a:pPr algn="ctr"/>
+            <a:endParaRPr lang="en-US"/>
+          </a:p>
+        </p:txBody>
+      </p:sp>
+      <p:sp>
+        <p:nvSpPr>
+          <p:cNvPr id="22" name="Flowchart: Connector 21"/>
+          <p:cNvSpPr/>
+          <p:nvPr/>
+        </p:nvSpPr>
+        <p:spPr>
+          <a:xfrm>
+            <a:off x="5061812" y="5361431"/>
+            <a:ext cx="187452" cy="153690"/>
+          </a:xfrm>
+          <a:prstGeom prst="flowChartConnector">
+            <a:avLst/>
+          </a:prstGeom>
+          <a:solidFill>
+            <a:srgbClr val="7030A0"/>
+          </a:solidFill>
+          <a:ln>
+            <a:solidFill>
+              <a:srgbClr val="7030A0"/>
+            </a:solidFill>
+          </a:ln>
+        </p:spPr>
+        <p:style>
+          <a:lnRef idx="2">
+            <a:schemeClr val="accent1">
+              <a:shade val="50000"/>
+            </a:schemeClr>
+          </a:lnRef>
+          <a:fillRef idx="1">
+            <a:schemeClr val="accent1"/>
+          </a:fillRef>
+          <a:effectRef idx="0">
+            <a:schemeClr val="accent1"/>
+          </a:effectRef>
+          <a:fontRef idx="minor">
+            <a:schemeClr val="lt1"/>
+          </a:fontRef>
+        </p:style>
+        <p:txBody>
+          <a:bodyPr rtlCol="0" anchor="ctr"/>
+          <a:lstStyle/>
+          <a:p>
+            <a:pPr algn="ctr"/>
+            <a:endParaRPr lang="en-US"/>
+          </a:p>
+        </p:txBody>
+      </p:sp>
+      <p:sp>
+        <p:nvSpPr>
+          <p:cNvPr id="27" name="Diamond 26"/>
+          <p:cNvSpPr/>
+          <p:nvPr/>
+        </p:nvSpPr>
+        <p:spPr>
+          <a:xfrm>
+            <a:off x="5861304" y="5023104"/>
+            <a:ext cx="237744" cy="219456"/>
+          </a:xfrm>
+          <a:prstGeom prst="diamond">
+            <a:avLst/>
+          </a:prstGeom>
+          <a:solidFill>
+            <a:schemeClr val="accent6">
+              <a:lumMod val="60000"/>
+              <a:lumOff val="40000"/>
+            </a:schemeClr>
+          </a:solidFill>
+          <a:ln>
+            <a:solidFill>
+              <a:schemeClr val="accent6">
+                <a:lumMod val="60000"/>
+                <a:lumOff val="40000"/>
+              </a:schemeClr>
+            </a:solidFill>
+          </a:ln>
+        </p:spPr>
+        <p:style>
+          <a:lnRef idx="2">
+            <a:schemeClr val="accent1">
+              <a:shade val="50000"/>
+            </a:schemeClr>
+          </a:lnRef>
+          <a:fillRef idx="1">
+            <a:schemeClr val="accent1"/>
+          </a:fillRef>
+          <a:effectRef idx="0">
+            <a:schemeClr val="accent1"/>
+          </a:effectRef>
+          <a:fontRef idx="minor">
+            <a:schemeClr val="lt1"/>
+          </a:fontRef>
+        </p:style>
+        <p:txBody>
+          <a:bodyPr rtlCol="0" anchor="ctr"/>
+          <a:lstStyle/>
+          <a:p>
+            <a:pPr algn="ctr"/>
+            <a:endParaRPr lang="en-US"/>
+          </a:p>
+        </p:txBody>
+      </p:sp>
+      <p:sp>
+        <p:nvSpPr>
+          <p:cNvPr id="28" name="Diamond 27"/>
+          <p:cNvSpPr/>
+          <p:nvPr/>
+        </p:nvSpPr>
+        <p:spPr>
+          <a:xfrm>
+            <a:off x="4709160" y="6025896"/>
+            <a:ext cx="237744" cy="219456"/>
+          </a:xfrm>
+          <a:prstGeom prst="diamond">
+            <a:avLst/>
+          </a:prstGeom>
+          <a:solidFill>
+            <a:schemeClr val="accent6">
+              <a:lumMod val="60000"/>
+              <a:lumOff val="40000"/>
+            </a:schemeClr>
+          </a:solidFill>
+          <a:ln>
+            <a:solidFill>
+              <a:schemeClr val="accent6">
+                <a:lumMod val="60000"/>
+                <a:lumOff val="40000"/>
+              </a:schemeClr>
+            </a:solidFill>
+          </a:ln>
+        </p:spPr>
+        <p:style>
+          <a:lnRef idx="2">
+            <a:schemeClr val="accent1">
+              <a:shade val="50000"/>
+            </a:schemeClr>
+          </a:lnRef>
+          <a:fillRef idx="1">
+            <a:schemeClr val="accent1"/>
+          </a:fillRef>
+          <a:effectRef idx="0">
+            <a:schemeClr val="accent1"/>
+          </a:effectRef>
+          <a:fontRef idx="minor">
+            <a:schemeClr val="lt1"/>
+          </a:fontRef>
+        </p:style>
+        <p:txBody>
+          <a:bodyPr rtlCol="0" anchor="ctr"/>
+          <a:lstStyle/>
+          <a:p>
+            <a:pPr algn="ctr"/>
+            <a:endParaRPr lang="en-US"/>
+          </a:p>
+        </p:txBody>
+      </p:sp>
+      <p:sp>
+        <p:nvSpPr>
+          <p:cNvPr id="30" name="Diamond 29"/>
+          <p:cNvSpPr/>
+          <p:nvPr/>
+        </p:nvSpPr>
+        <p:spPr>
+          <a:xfrm>
+            <a:off x="4303776" y="5242560"/>
+            <a:ext cx="237744" cy="219456"/>
+          </a:xfrm>
+          <a:prstGeom prst="diamond">
+            <a:avLst/>
+          </a:prstGeom>
+          <a:solidFill>
+            <a:schemeClr val="accent6">
+              <a:lumMod val="60000"/>
+              <a:lumOff val="40000"/>
+            </a:schemeClr>
+          </a:solidFill>
+          <a:ln>
+            <a:solidFill>
+              <a:schemeClr val="accent6">
+                <a:lumMod val="60000"/>
+                <a:lumOff val="40000"/>
+              </a:schemeClr>
+            </a:solidFill>
+          </a:ln>
+        </p:spPr>
+        <p:style>
+          <a:lnRef idx="2">
+            <a:schemeClr val="accent1">
+              <a:shade val="50000"/>
+            </a:schemeClr>
+          </a:lnRef>
+          <a:fillRef idx="1">
+            <a:schemeClr val="accent1"/>
+          </a:fillRef>
+          <a:effectRef idx="0">
+            <a:schemeClr val="accent1"/>
+          </a:effectRef>
+          <a:fontRef idx="minor">
+            <a:schemeClr val="lt1"/>
+          </a:fontRef>
+        </p:style>
+        <p:txBody>
+          <a:bodyPr rtlCol="0" anchor="ctr"/>
+          <a:lstStyle/>
+          <a:p>
+            <a:pPr algn="ctr"/>
+            <a:endParaRPr lang="en-US"/>
+          </a:p>
+        </p:txBody>
+      </p:sp>
+      <p:sp>
+        <p:nvSpPr>
+          <p:cNvPr id="33" name="Diamond 32"/>
+          <p:cNvSpPr/>
+          <p:nvPr/>
+        </p:nvSpPr>
+        <p:spPr>
+          <a:xfrm>
+            <a:off x="6464808" y="4639701"/>
+            <a:ext cx="237744" cy="219456"/>
+          </a:xfrm>
+          <a:prstGeom prst="diamond">
+            <a:avLst/>
+          </a:prstGeom>
+          <a:solidFill>
+            <a:schemeClr val="accent6">
+              <a:lumMod val="60000"/>
+              <a:lumOff val="40000"/>
+            </a:schemeClr>
+          </a:solidFill>
+          <a:ln>
+            <a:solidFill>
+              <a:schemeClr val="accent6">
+                <a:lumMod val="60000"/>
+                <a:lumOff val="40000"/>
+              </a:schemeClr>
+            </a:solidFill>
+          </a:ln>
+        </p:spPr>
+        <p:style>
+          <a:lnRef idx="2">
+            <a:schemeClr val="accent1">
+              <a:shade val="50000"/>
+            </a:schemeClr>
+          </a:lnRef>
+          <a:fillRef idx="1">
+            <a:schemeClr val="accent1"/>
+          </a:fillRef>
+          <a:effectRef idx="0">
+            <a:schemeClr val="accent1"/>
+          </a:effectRef>
+          <a:fontRef idx="minor">
+            <a:schemeClr val="lt1"/>
+          </a:fontRef>
+        </p:style>
+        <p:txBody>
+          <a:bodyPr rtlCol="0" anchor="ctr"/>
+          <a:lstStyle/>
+          <a:p>
+            <a:pPr algn="ctr"/>
+            <a:endParaRPr lang="en-US"/>
+          </a:p>
+        </p:txBody>
+      </p:sp>
+      <p:sp>
+        <p:nvSpPr>
+          <p:cNvPr id="35" name="5-Point Star 34"/>
+          <p:cNvSpPr/>
+          <p:nvPr/>
+        </p:nvSpPr>
+        <p:spPr>
+          <a:xfrm>
+            <a:off x="4133392" y="5833109"/>
+            <a:ext cx="229514" cy="219456"/>
+          </a:xfrm>
+          <a:prstGeom prst="star5">
+            <a:avLst/>
+          </a:prstGeom>
+          <a:solidFill>
+            <a:schemeClr val="accent4"/>
+          </a:solidFill>
+          <a:ln>
+            <a:solidFill>
+              <a:schemeClr val="accent4"/>
+            </a:solidFill>
+          </a:ln>
+        </p:spPr>
+        <p:style>
+          <a:lnRef idx="2">
+            <a:schemeClr val="accent1">
+              <a:shade val="50000"/>
+            </a:schemeClr>
+          </a:lnRef>
+          <a:fillRef idx="1">
+            <a:schemeClr val="accent1"/>
+          </a:fillRef>
+          <a:effectRef idx="0">
+            <a:schemeClr val="accent1"/>
+          </a:effectRef>
+          <a:fontRef idx="minor">
+            <a:schemeClr val="lt1"/>
+          </a:fontRef>
+        </p:style>
+        <p:txBody>
+          <a:bodyPr rtlCol="0" anchor="ctr"/>
+          <a:lstStyle/>
+          <a:p>
+            <a:pPr algn="ctr"/>
+            <a:endParaRPr lang="en-US"/>
+          </a:p>
+        </p:txBody>
+      </p:sp>
+      <p:sp>
+        <p:nvSpPr>
+          <p:cNvPr id="36" name="Moon 35"/>
+          <p:cNvSpPr/>
+          <p:nvPr/>
+        </p:nvSpPr>
+        <p:spPr>
+          <a:xfrm>
+            <a:off x="5238900" y="5842487"/>
+            <a:ext cx="98450" cy="153690"/>
+          </a:xfrm>
+          <a:prstGeom prst="moon">
+            <a:avLst/>
+          </a:prstGeom>
+          <a:solidFill>
+            <a:srgbClr val="C00000"/>
+          </a:solidFill>
+          <a:ln>
+            <a:solidFill>
+              <a:srgbClr val="C00000"/>
+            </a:solidFill>
+          </a:ln>
+        </p:spPr>
+        <p:style>
+          <a:lnRef idx="2">
+            <a:schemeClr val="accent1">
+              <a:shade val="50000"/>
+            </a:schemeClr>
+          </a:lnRef>
+          <a:fillRef idx="1">
+            <a:schemeClr val="accent1"/>
+          </a:fillRef>
+          <a:effectRef idx="0">
+            <a:schemeClr val="accent1"/>
+          </a:effectRef>
+          <a:fontRef idx="minor">
+            <a:schemeClr val="lt1"/>
+          </a:fontRef>
+        </p:style>
+        <p:txBody>
+          <a:bodyPr rtlCol="0" anchor="ctr"/>
+          <a:lstStyle/>
+          <a:p>
+            <a:pPr algn="ctr"/>
+            <a:endParaRPr lang="en-US"/>
+          </a:p>
+        </p:txBody>
+      </p:sp>
+      <p:sp>
+        <p:nvSpPr>
+          <p:cNvPr id="37" name="Flowchart: Connector 36"/>
+          <p:cNvSpPr/>
+          <p:nvPr/>
+        </p:nvSpPr>
+        <p:spPr>
+          <a:xfrm>
+            <a:off x="5829300" y="4716545"/>
+            <a:ext cx="187452" cy="153690"/>
+          </a:xfrm>
+          <a:prstGeom prst="flowChartConnector">
+            <a:avLst/>
+          </a:prstGeom>
+          <a:solidFill>
+            <a:srgbClr val="7030A0"/>
+          </a:solidFill>
+          <a:ln>
+            <a:solidFill>
+              <a:srgbClr val="7030A0"/>
+            </a:solidFill>
+          </a:ln>
+        </p:spPr>
+        <p:style>
+          <a:lnRef idx="2">
+            <a:schemeClr val="accent1">
+              <a:shade val="50000"/>
+            </a:schemeClr>
+          </a:lnRef>
+          <a:fillRef idx="1">
+            <a:schemeClr val="accent1"/>
+          </a:fillRef>
+          <a:effectRef idx="0">
+            <a:schemeClr val="accent1"/>
+          </a:effectRef>
+          <a:fontRef idx="minor">
+            <a:schemeClr val="lt1"/>
+          </a:fontRef>
+        </p:style>
+        <p:txBody>
+          <a:bodyPr rtlCol="0" anchor="ctr"/>
+          <a:lstStyle/>
+          <a:p>
+            <a:pPr algn="ctr"/>
+            <a:endParaRPr lang="en-US"/>
+          </a:p>
+        </p:txBody>
+      </p:sp>
+      <p:sp>
+        <p:nvSpPr>
+          <p:cNvPr id="39" name="Flowchart: Connector 38"/>
+          <p:cNvSpPr/>
+          <p:nvPr/>
+        </p:nvSpPr>
+        <p:spPr>
+          <a:xfrm>
+            <a:off x="5673852" y="6192889"/>
+            <a:ext cx="187452" cy="153690"/>
+          </a:xfrm>
+          <a:prstGeom prst="flowChartConnector">
+            <a:avLst/>
+          </a:prstGeom>
+          <a:solidFill>
+            <a:srgbClr val="7030A0"/>
+          </a:solidFill>
+          <a:ln>
+            <a:solidFill>
+              <a:srgbClr val="7030A0"/>
+            </a:solidFill>
+          </a:ln>
+        </p:spPr>
+        <p:style>
+          <a:lnRef idx="2">
+            <a:schemeClr val="accent1">
+              <a:shade val="50000"/>
+            </a:schemeClr>
+          </a:lnRef>
+          <a:fillRef idx="1">
+            <a:schemeClr val="accent1"/>
+          </a:fillRef>
+          <a:effectRef idx="0">
+            <a:schemeClr val="accent1"/>
+          </a:effectRef>
+          <a:fontRef idx="minor">
+            <a:schemeClr val="lt1"/>
+          </a:fontRef>
+        </p:style>
+        <p:txBody>
+          <a:bodyPr rtlCol="0" anchor="ctr"/>
+          <a:lstStyle/>
+          <a:p>
+            <a:pPr algn="ctr"/>
+            <a:endParaRPr lang="en-US"/>
+          </a:p>
+        </p:txBody>
+      </p:sp>
+      <p:sp>
+        <p:nvSpPr>
+          <p:cNvPr id="43" name="Rectangle 42"/>
+          <p:cNvSpPr/>
+          <p:nvPr/>
+        </p:nvSpPr>
+        <p:spPr>
+          <a:xfrm>
+            <a:off x="6461150" y="5765642"/>
+            <a:ext cx="164592" cy="153690"/>
+          </a:xfrm>
+          <a:prstGeom prst="rect">
+            <a:avLst/>
+          </a:prstGeom>
+          <a:solidFill>
+            <a:schemeClr val="accent1">
+              <a:lumMod val="75000"/>
+            </a:schemeClr>
+          </a:solidFill>
+          <a:ln>
+            <a:solidFill>
+              <a:schemeClr val="accent1">
+                <a:lumMod val="75000"/>
+              </a:schemeClr>
+            </a:solidFill>
+          </a:ln>
+        </p:spPr>
+        <p:style>
+          <a:lnRef idx="2">
+            <a:schemeClr val="accent1">
+              <a:shade val="50000"/>
+            </a:schemeClr>
+          </a:lnRef>
+          <a:fillRef idx="1">
+            <a:schemeClr val="accent1"/>
+          </a:fillRef>
+          <a:effectRef idx="0">
+            <a:schemeClr val="accent1"/>
+          </a:effectRef>
+          <a:fontRef idx="minor">
+            <a:schemeClr val="lt1"/>
+          </a:fontRef>
+        </p:style>
+        <p:txBody>
+          <a:bodyPr rtlCol="0" anchor="ctr"/>
+          <a:lstStyle/>
+          <a:p>
+            <a:pPr algn="ctr"/>
+            <a:endParaRPr lang="en-US"/>
+          </a:p>
+        </p:txBody>
+      </p:sp>
+      <p:sp>
+        <p:nvSpPr>
+          <p:cNvPr id="44" name="Rectangle 43"/>
+          <p:cNvSpPr/>
+          <p:nvPr/>
+        </p:nvSpPr>
+        <p:spPr>
+          <a:xfrm>
+            <a:off x="4943246" y="4839431"/>
+            <a:ext cx="164592" cy="153690"/>
+          </a:xfrm>
+          <a:prstGeom prst="rect">
+            <a:avLst/>
+          </a:prstGeom>
+          <a:solidFill>
+            <a:schemeClr val="accent1">
+              <a:lumMod val="75000"/>
+            </a:schemeClr>
+          </a:solidFill>
+          <a:ln>
+            <a:solidFill>
+              <a:schemeClr val="accent1">
+                <a:lumMod val="75000"/>
+              </a:schemeClr>
+            </a:solidFill>
+          </a:ln>
+        </p:spPr>
+        <p:style>
+          <a:lnRef idx="2">
+            <a:schemeClr val="accent1">
+              <a:shade val="50000"/>
+            </a:schemeClr>
+          </a:lnRef>
+          <a:fillRef idx="1">
+            <a:schemeClr val="accent1"/>
+          </a:fillRef>
+          <a:effectRef idx="0">
+            <a:schemeClr val="accent1"/>
+          </a:effectRef>
+          <a:fontRef idx="minor">
+            <a:schemeClr val="lt1"/>
+          </a:fontRef>
+        </p:style>
+        <p:txBody>
+          <a:bodyPr rtlCol="0" anchor="ctr"/>
+          <a:lstStyle/>
+          <a:p>
+            <a:pPr algn="ctr"/>
+            <a:endParaRPr lang="en-US"/>
+          </a:p>
+        </p:txBody>
+      </p:sp>
+      <p:sp>
+        <p:nvSpPr>
+          <p:cNvPr id="46" name="TextBox 45"/>
+          <p:cNvSpPr txBox="1"/>
+          <p:nvPr/>
+        </p:nvSpPr>
+        <p:spPr>
+          <a:xfrm>
+            <a:off x="2932938" y="6296786"/>
+            <a:ext cx="1000201" cy="369332"/>
+          </a:xfrm>
+          <a:prstGeom prst="rect">
+            <a:avLst/>
+          </a:prstGeom>
+          <a:noFill/>
+        </p:spPr>
+        <p:txBody>
+          <a:bodyPr wrap="square" rtlCol="0">
+            <a:spAutoFit/>
+          </a:bodyPr>
+          <a:lstStyle/>
+          <a:p>
+            <a:r>
+              <a:rPr lang="en-US" dirty="0" smtClean="0"/>
+              <a:t>N = 5</a:t>
+            </a:r>
+            <a:endParaRPr lang="en-US" dirty="0"/>
+          </a:p>
+        </p:txBody>
+      </p:sp>
+      <p:sp>
+        <p:nvSpPr>
+          <p:cNvPr id="47" name="TextBox 46"/>
+          <p:cNvSpPr txBox="1"/>
+          <p:nvPr/>
+        </p:nvSpPr>
+        <p:spPr>
+          <a:xfrm>
+            <a:off x="6461150" y="6273783"/>
+            <a:ext cx="1000201" cy="369332"/>
+          </a:xfrm>
+          <a:prstGeom prst="rect">
+            <a:avLst/>
+          </a:prstGeom>
+          <a:noFill/>
+        </p:spPr>
+        <p:txBody>
+          <a:bodyPr wrap="square" rtlCol="0">
+            <a:spAutoFit/>
+          </a:bodyPr>
+          <a:lstStyle/>
+          <a:p>
+            <a:r>
+              <a:rPr lang="en-US" dirty="0" smtClean="0"/>
+              <a:t>N = 6</a:t>
+            </a:r>
+            <a:endParaRPr lang="en-US" dirty="0"/>
+          </a:p>
+        </p:txBody>
+      </p:sp>
+      <p:graphicFrame>
+        <p:nvGraphicFramePr>
+          <p:cNvPr id="50" name="Table 49"/>
+          <p:cNvGraphicFramePr>
+            <a:graphicFrameLocks noGrp="1"/>
+          </p:cNvGraphicFramePr>
+          <p:nvPr>
+            <p:extLst>
+              <p:ext uri="{D42A27DB-BD31-4B8C-83A1-F6EECF244321}">
+                <p14:modId xmlns:p14="http://schemas.microsoft.com/office/powerpoint/2010/main" val="3885029145"/>
+              </p:ext>
+            </p:extLst>
+          </p:nvPr>
+        </p:nvGraphicFramePr>
+        <p:xfrm>
+          <a:off x="7293864" y="4857895"/>
+          <a:ext cx="4822650" cy="1112520"/>
+        </p:xfrm>
+        <a:graphic>
+          <a:graphicData uri="http://schemas.openxmlformats.org/drawingml/2006/table">
+            <a:tbl>
+              <a:tblPr firstRow="1" bandRow="1">
+                <a:tableStyleId>{5C22544A-7EE6-4342-B048-85BDC9FD1C3A}</a:tableStyleId>
+              </a:tblPr>
+              <a:tblGrid>
+                <a:gridCol w="1607550">
+                  <a:extLst>
+                    <a:ext uri="{9D8B030D-6E8A-4147-A177-3AD203B41FA5}">
+                      <a16:colId xmlns:a16="http://schemas.microsoft.com/office/drawing/2014/main" val="2823257951"/>
+                    </a:ext>
+                  </a:extLst>
+                </a:gridCol>
+                <a:gridCol w="1607550">
+                  <a:extLst>
+                    <a:ext uri="{9D8B030D-6E8A-4147-A177-3AD203B41FA5}">
+                      <a16:colId xmlns:a16="http://schemas.microsoft.com/office/drawing/2014/main" val="798530955"/>
+                    </a:ext>
+                  </a:extLst>
+                </a:gridCol>
+                <a:gridCol w="1607550">
+                  <a:extLst>
+                    <a:ext uri="{9D8B030D-6E8A-4147-A177-3AD203B41FA5}">
+                      <a16:colId xmlns:a16="http://schemas.microsoft.com/office/drawing/2014/main" val="3173254901"/>
+                    </a:ext>
+                  </a:extLst>
+                </a:gridCol>
+              </a:tblGrid>
+              <a:tr h="370840">
+                <a:tc>
+                  <a:txBody>
+                    <a:bodyPr/>
+                    <a:lstStyle/>
+                    <a:p>
+                      <a:r>
+                        <a:rPr lang="en-US" sz="1200" dirty="0" smtClean="0">
+                          <a:solidFill>
+                            <a:schemeClr val="tx1"/>
+                          </a:solidFill>
+                        </a:rPr>
+                        <a:t>Turnover</a:t>
+                      </a:r>
+                      <a:endParaRPr lang="en-US" sz="1200" dirty="0">
+                        <a:solidFill>
+                          <a:schemeClr val="tx1"/>
+                        </a:solidFill>
+                      </a:endParaRPr>
+                    </a:p>
+                  </a:txBody>
+                  <a:tcPr>
+                    <a:lnL w="12700" cap="flat" cmpd="sng" algn="ctr">
+                      <a:solidFill>
+                        <a:schemeClr val="tx1"/>
+                      </a:solidFill>
+                      <a:prstDash val="solid"/>
+                      <a:round/>
+                      <a:headEnd type="none" w="med" len="med"/>
+                      <a:tailEnd type="none" w="med" len="med"/>
+                    </a:lnL>
+                    <a:lnR w="12700" cap="flat" cmpd="sng" algn="ctr">
+                      <a:solidFill>
+                        <a:schemeClr val="tx1"/>
+                      </a:solidFill>
+                      <a:prstDash val="solid"/>
+                      <a:round/>
+                      <a:headEnd type="none" w="med" len="med"/>
+                      <a:tailEnd type="none" w="med" len="med"/>
+                    </a:lnR>
+                    <a:lnT w="12700" cap="flat" cmpd="sng" algn="ctr">
+                      <a:solidFill>
+                        <a:schemeClr val="tx1"/>
+                      </a:solidFill>
+                      <a:prstDash val="solid"/>
+                      <a:round/>
+                      <a:headEnd type="none" w="med" len="med"/>
+                      <a:tailEnd type="none" w="med" len="med"/>
+                    </a:lnT>
+                    <a:lnB w="12700" cap="flat" cmpd="sng" algn="ctr">
+                      <a:solidFill>
+                        <a:schemeClr val="tx1"/>
+                      </a:solidFill>
+                      <a:prstDash val="solid"/>
+                      <a:round/>
+                      <a:headEnd type="none" w="med" len="med"/>
+                      <a:tailEnd type="none" w="med" len="med"/>
+                    </a:lnB>
+                    <a:noFill/>
+                  </a:tcPr>
+                </a:tc>
+                <a:tc>
+                  <a:txBody>
+                    <a:bodyPr/>
+                    <a:lstStyle/>
+                    <a:p>
+                      <a:r>
+                        <a:rPr lang="en-US" sz="1200" dirty="0" err="1" smtClean="0">
+                          <a:solidFill>
+                            <a:schemeClr val="tx1"/>
+                          </a:solidFill>
+                        </a:rPr>
+                        <a:t>Jaccard</a:t>
+                      </a:r>
+                      <a:endParaRPr lang="en-US" sz="1200" dirty="0">
+                        <a:solidFill>
+                          <a:schemeClr val="tx1"/>
+                        </a:solidFill>
+                      </a:endParaRPr>
+                    </a:p>
+                  </a:txBody>
+                  <a:tcPr>
+                    <a:lnL w="12700" cap="flat" cmpd="sng" algn="ctr">
+                      <a:solidFill>
+                        <a:schemeClr val="tx1"/>
+                      </a:solidFill>
+                      <a:prstDash val="solid"/>
+                      <a:round/>
+                      <a:headEnd type="none" w="med" len="med"/>
+                      <a:tailEnd type="none" w="med" len="med"/>
+                    </a:lnL>
+                    <a:lnR w="12700" cap="flat" cmpd="sng" algn="ctr">
+                      <a:solidFill>
+                        <a:schemeClr val="tx1"/>
+                      </a:solidFill>
+                      <a:prstDash val="solid"/>
+                      <a:round/>
+                      <a:headEnd type="none" w="med" len="med"/>
+                      <a:tailEnd type="none" w="med" len="med"/>
+                    </a:lnR>
+                    <a:lnT w="12700" cap="flat" cmpd="sng" algn="ctr">
+                      <a:solidFill>
+                        <a:schemeClr val="tx1"/>
+                      </a:solidFill>
+                      <a:prstDash val="solid"/>
+                      <a:round/>
+                      <a:headEnd type="none" w="med" len="med"/>
+                      <a:tailEnd type="none" w="med" len="med"/>
+                    </a:lnT>
+                    <a:lnB w="12700" cap="flat" cmpd="sng" algn="ctr">
+                      <a:solidFill>
+                        <a:schemeClr val="tx1"/>
+                      </a:solidFill>
+                      <a:prstDash val="solid"/>
+                      <a:round/>
+                      <a:headEnd type="none" w="med" len="med"/>
+                      <a:tailEnd type="none" w="med" len="med"/>
+                    </a:lnB>
+                    <a:noFill/>
+                  </a:tcPr>
+                </a:tc>
+                <a:tc>
+                  <a:txBody>
+                    <a:bodyPr/>
+                    <a:lstStyle/>
+                    <a:p>
+                      <a:r>
+                        <a:rPr lang="en-US" sz="1200" dirty="0" smtClean="0">
+                          <a:solidFill>
+                            <a:schemeClr val="tx1"/>
+                          </a:solidFill>
+                        </a:rPr>
+                        <a:t>????</a:t>
+                      </a:r>
+                      <a:endParaRPr lang="en-US" sz="1200" dirty="0">
+                        <a:solidFill>
+                          <a:schemeClr val="tx1"/>
+                        </a:solidFill>
+                      </a:endParaRPr>
+                    </a:p>
+                  </a:txBody>
+                  <a:tcPr>
+                    <a:lnL w="12700" cap="flat" cmpd="sng" algn="ctr">
+                      <a:solidFill>
+                        <a:schemeClr val="tx1"/>
+                      </a:solidFill>
+                      <a:prstDash val="solid"/>
+                      <a:round/>
+                      <a:headEnd type="none" w="med" len="med"/>
+                      <a:tailEnd type="none" w="med" len="med"/>
+                    </a:lnL>
+                    <a:lnR w="12700" cap="flat" cmpd="sng" algn="ctr">
+                      <a:solidFill>
+                        <a:schemeClr val="tx1"/>
+                      </a:solidFill>
+                      <a:prstDash val="solid"/>
+                      <a:round/>
+                      <a:headEnd type="none" w="med" len="med"/>
+                      <a:tailEnd type="none" w="med" len="med"/>
+                    </a:lnR>
+                    <a:lnT w="12700" cap="flat" cmpd="sng" algn="ctr">
+                      <a:solidFill>
+                        <a:schemeClr val="tx1"/>
+                      </a:solidFill>
+                      <a:prstDash val="solid"/>
+                      <a:round/>
+                      <a:headEnd type="none" w="med" len="med"/>
+                      <a:tailEnd type="none" w="med" len="med"/>
+                    </a:lnT>
+                    <a:lnB w="12700" cap="flat" cmpd="sng" algn="ctr">
+                      <a:solidFill>
+                        <a:schemeClr val="tx1"/>
+                      </a:solidFill>
+                      <a:prstDash val="solid"/>
+                      <a:round/>
+                      <a:headEnd type="none" w="med" len="med"/>
+                      <a:tailEnd type="none" w="med" len="med"/>
+                    </a:lnB>
+                    <a:noFill/>
+                  </a:tcPr>
+                </a:tc>
+                <a:extLst>
+                  <a:ext uri="{0D108BD9-81ED-4DB2-BD59-A6C34878D82A}">
+                    <a16:rowId xmlns:a16="http://schemas.microsoft.com/office/drawing/2014/main" val="308749052"/>
+                  </a:ext>
+                </a:extLst>
+              </a:tr>
+              <a:tr h="370840">
+                <a:tc>
+                  <a:txBody>
+                    <a:bodyPr/>
+                    <a:lstStyle/>
+                    <a:p>
+                      <a:r>
+                        <a:rPr lang="en-US" sz="1200" dirty="0" smtClean="0"/>
+                        <a:t>All Species</a:t>
+                      </a:r>
+                      <a:endParaRPr lang="en-US" sz="1200" dirty="0"/>
+                    </a:p>
+                  </a:txBody>
+                  <a:tcPr>
+                    <a:lnL w="12700" cap="flat" cmpd="sng" algn="ctr">
+                      <a:solidFill>
+                        <a:schemeClr val="tx1"/>
+                      </a:solidFill>
+                      <a:prstDash val="solid"/>
+                      <a:round/>
+                      <a:headEnd type="none" w="med" len="med"/>
+                      <a:tailEnd type="none" w="med" len="med"/>
+                    </a:lnL>
+                    <a:lnR w="12700" cap="flat" cmpd="sng" algn="ctr">
+                      <a:solidFill>
+                        <a:schemeClr val="tx1"/>
+                      </a:solidFill>
+                      <a:prstDash val="solid"/>
+                      <a:round/>
+                      <a:headEnd type="none" w="med" len="med"/>
+                      <a:tailEnd type="none" w="med" len="med"/>
+                    </a:lnR>
+                    <a:lnT w="12700" cap="flat" cmpd="sng" algn="ctr">
+                      <a:solidFill>
+                        <a:schemeClr val="tx1"/>
+                      </a:solidFill>
+                      <a:prstDash val="solid"/>
+                      <a:round/>
+                      <a:headEnd type="none" w="med" len="med"/>
+                      <a:tailEnd type="none" w="med" len="med"/>
+                    </a:lnT>
+                    <a:lnB w="12700" cap="flat" cmpd="sng" algn="ctr">
+                      <a:solidFill>
+                        <a:schemeClr val="tx1"/>
+                      </a:solidFill>
+                      <a:prstDash val="solid"/>
+                      <a:round/>
+                      <a:headEnd type="none" w="med" len="med"/>
+                      <a:tailEnd type="none" w="med" len="med"/>
+                    </a:lnB>
+                    <a:noFill/>
+                  </a:tcPr>
+                </a:tc>
+                <a:tc>
+                  <a:txBody>
+                    <a:bodyPr/>
+                    <a:lstStyle/>
+                    <a:p>
+                      <a:r>
+                        <a:rPr lang="en-US" sz="1200" dirty="0" smtClean="0"/>
+                        <a:t>5/7 = 0.714</a:t>
+                      </a:r>
+                      <a:endParaRPr lang="en-US" sz="1200" dirty="0"/>
+                    </a:p>
+                  </a:txBody>
+                  <a:tcPr>
+                    <a:lnL w="12700" cap="flat" cmpd="sng" algn="ctr">
+                      <a:solidFill>
+                        <a:schemeClr val="tx1"/>
+                      </a:solidFill>
+                      <a:prstDash val="solid"/>
+                      <a:round/>
+                      <a:headEnd type="none" w="med" len="med"/>
+                      <a:tailEnd type="none" w="med" len="med"/>
+                    </a:lnL>
+                    <a:lnR w="12700" cap="flat" cmpd="sng" algn="ctr">
+                      <a:solidFill>
+                        <a:schemeClr val="tx1"/>
+                      </a:solidFill>
+                      <a:prstDash val="solid"/>
+                      <a:round/>
+                      <a:headEnd type="none" w="med" len="med"/>
+                      <a:tailEnd type="none" w="med" len="med"/>
+                    </a:lnR>
+                    <a:lnT w="12700" cap="flat" cmpd="sng" algn="ctr">
+                      <a:solidFill>
+                        <a:schemeClr val="tx1"/>
+                      </a:solidFill>
+                      <a:prstDash val="solid"/>
+                      <a:round/>
+                      <a:headEnd type="none" w="med" len="med"/>
+                      <a:tailEnd type="none" w="med" len="med"/>
+                    </a:lnT>
+                    <a:lnB w="12700" cap="flat" cmpd="sng" algn="ctr">
+                      <a:solidFill>
+                        <a:schemeClr val="tx1"/>
+                      </a:solidFill>
+                      <a:prstDash val="solid"/>
+                      <a:round/>
+                      <a:headEnd type="none" w="med" len="med"/>
+                      <a:tailEnd type="none" w="med" len="med"/>
+                    </a:lnB>
+                    <a:noFill/>
+                  </a:tcPr>
+                </a:tc>
+                <a:tc>
+                  <a:txBody>
+                    <a:bodyPr/>
+                    <a:lstStyle/>
+                    <a:p>
+                      <a:endParaRPr lang="en-US" sz="1200"/>
+                    </a:p>
+                  </a:txBody>
+                  <a:tcPr>
+                    <a:lnL w="12700" cap="flat" cmpd="sng" algn="ctr">
+                      <a:solidFill>
+                        <a:schemeClr val="tx1"/>
+                      </a:solidFill>
+                      <a:prstDash val="solid"/>
+                      <a:round/>
+                      <a:headEnd type="none" w="med" len="med"/>
+                      <a:tailEnd type="none" w="med" len="med"/>
+                    </a:lnL>
+                    <a:lnR w="12700" cap="flat" cmpd="sng" algn="ctr">
+                      <a:solidFill>
+                        <a:schemeClr val="tx1"/>
+                      </a:solidFill>
+                      <a:prstDash val="solid"/>
+                      <a:round/>
+                      <a:headEnd type="none" w="med" len="med"/>
+                      <a:tailEnd type="none" w="med" len="med"/>
+                    </a:lnR>
+                    <a:lnT w="12700" cap="flat" cmpd="sng" algn="ctr">
+                      <a:solidFill>
+                        <a:schemeClr val="tx1"/>
+                      </a:solidFill>
+                      <a:prstDash val="solid"/>
+                      <a:round/>
+                      <a:headEnd type="none" w="med" len="med"/>
+                      <a:tailEnd type="none" w="med" len="med"/>
+                    </a:lnT>
+                    <a:lnB w="12700" cap="flat" cmpd="sng" algn="ctr">
+                      <a:solidFill>
+                        <a:schemeClr val="tx1"/>
+                      </a:solidFill>
+                      <a:prstDash val="solid"/>
+                      <a:round/>
+                      <a:headEnd type="none" w="med" len="med"/>
+                      <a:tailEnd type="none" w="med" len="med"/>
+                    </a:lnB>
+                    <a:noFill/>
+                  </a:tcPr>
+                </a:tc>
+                <a:extLst>
+                  <a:ext uri="{0D108BD9-81ED-4DB2-BD59-A6C34878D82A}">
+                    <a16:rowId xmlns:a16="http://schemas.microsoft.com/office/drawing/2014/main" val="1838638201"/>
+                  </a:ext>
+                </a:extLst>
+              </a:tr>
+              <a:tr h="370840">
+                <a:tc>
+                  <a:txBody>
+                    <a:bodyPr/>
+                    <a:lstStyle/>
+                    <a:p>
+                      <a:r>
+                        <a:rPr lang="en-US" sz="1200" dirty="0" smtClean="0"/>
+                        <a:t>Excluding Transients</a:t>
+                      </a:r>
+                      <a:endParaRPr lang="en-US" sz="1200" dirty="0"/>
+                    </a:p>
+                  </a:txBody>
+                  <a:tcPr>
+                    <a:lnL w="12700" cap="flat" cmpd="sng" algn="ctr">
+                      <a:solidFill>
+                        <a:schemeClr val="tx1"/>
+                      </a:solidFill>
+                      <a:prstDash val="solid"/>
+                      <a:round/>
+                      <a:headEnd type="none" w="med" len="med"/>
+                      <a:tailEnd type="none" w="med" len="med"/>
+                    </a:lnL>
+                    <a:lnR w="12700" cap="flat" cmpd="sng" algn="ctr">
+                      <a:solidFill>
+                        <a:schemeClr val="tx1"/>
+                      </a:solidFill>
+                      <a:prstDash val="solid"/>
+                      <a:round/>
+                      <a:headEnd type="none" w="med" len="med"/>
+                      <a:tailEnd type="none" w="med" len="med"/>
+                    </a:lnR>
+                    <a:lnT w="12700" cap="flat" cmpd="sng" algn="ctr">
+                      <a:solidFill>
+                        <a:schemeClr val="tx1"/>
+                      </a:solidFill>
+                      <a:prstDash val="solid"/>
+                      <a:round/>
+                      <a:headEnd type="none" w="med" len="med"/>
+                      <a:tailEnd type="none" w="med" len="med"/>
+                    </a:lnT>
+                    <a:lnB w="12700" cap="flat" cmpd="sng" algn="ctr">
+                      <a:solidFill>
+                        <a:schemeClr val="tx1"/>
+                      </a:solidFill>
+                      <a:prstDash val="solid"/>
+                      <a:round/>
+                      <a:headEnd type="none" w="med" len="med"/>
+                      <a:tailEnd type="none" w="med" len="med"/>
+                    </a:lnB>
+                    <a:noFill/>
+                  </a:tcPr>
+                </a:tc>
+                <a:tc>
+                  <a:txBody>
+                    <a:bodyPr/>
+                    <a:lstStyle/>
+                    <a:p>
+                      <a:r>
+                        <a:rPr lang="en-US" sz="1200" dirty="0" smtClean="0"/>
+                        <a:t>4/4 =1???</a:t>
+                      </a:r>
+                      <a:endParaRPr lang="en-US" sz="1200" dirty="0"/>
+                    </a:p>
+                  </a:txBody>
+                  <a:tcPr>
+                    <a:lnL w="12700" cap="flat" cmpd="sng" algn="ctr">
+                      <a:solidFill>
+                        <a:schemeClr val="tx1"/>
+                      </a:solidFill>
+                      <a:prstDash val="solid"/>
+                      <a:round/>
+                      <a:headEnd type="none" w="med" len="med"/>
+                      <a:tailEnd type="none" w="med" len="med"/>
+                    </a:lnL>
+                    <a:lnR w="12700" cap="flat" cmpd="sng" algn="ctr">
+                      <a:solidFill>
+                        <a:schemeClr val="tx1"/>
+                      </a:solidFill>
+                      <a:prstDash val="solid"/>
+                      <a:round/>
+                      <a:headEnd type="none" w="med" len="med"/>
+                      <a:tailEnd type="none" w="med" len="med"/>
+                    </a:lnR>
+                    <a:lnT w="12700" cap="flat" cmpd="sng" algn="ctr">
+                      <a:solidFill>
+                        <a:schemeClr val="tx1"/>
+                      </a:solidFill>
+                      <a:prstDash val="solid"/>
+                      <a:round/>
+                      <a:headEnd type="none" w="med" len="med"/>
+                      <a:tailEnd type="none" w="med" len="med"/>
+                    </a:lnT>
+                    <a:lnB w="12700" cap="flat" cmpd="sng" algn="ctr">
+                      <a:solidFill>
+                        <a:schemeClr val="tx1"/>
+                      </a:solidFill>
+                      <a:prstDash val="solid"/>
+                      <a:round/>
+                      <a:headEnd type="none" w="med" len="med"/>
+                      <a:tailEnd type="none" w="med" len="med"/>
+                    </a:lnB>
+                    <a:noFill/>
+                  </a:tcPr>
+                </a:tc>
+                <a:tc>
+                  <a:txBody>
+                    <a:bodyPr/>
+                    <a:lstStyle/>
+                    <a:p>
+                      <a:endParaRPr lang="en-US" sz="1200" dirty="0"/>
+                    </a:p>
+                  </a:txBody>
+                  <a:tcPr>
+                    <a:lnL w="12700" cap="flat" cmpd="sng" algn="ctr">
+                      <a:solidFill>
+                        <a:schemeClr val="tx1"/>
+                      </a:solidFill>
+                      <a:prstDash val="solid"/>
+                      <a:round/>
+                      <a:headEnd type="none" w="med" len="med"/>
+                      <a:tailEnd type="none" w="med" len="med"/>
+                    </a:lnL>
+                    <a:lnR w="12700" cap="flat" cmpd="sng" algn="ctr">
+                      <a:solidFill>
+                        <a:schemeClr val="tx1"/>
+                      </a:solidFill>
+                      <a:prstDash val="solid"/>
+                      <a:round/>
+                      <a:headEnd type="none" w="med" len="med"/>
+                      <a:tailEnd type="none" w="med" len="med"/>
+                    </a:lnR>
+                    <a:lnT w="12700" cap="flat" cmpd="sng" algn="ctr">
+                      <a:solidFill>
+                        <a:schemeClr val="tx1"/>
+                      </a:solidFill>
+                      <a:prstDash val="solid"/>
+                      <a:round/>
+                      <a:headEnd type="none" w="med" len="med"/>
+                      <a:tailEnd type="none" w="med" len="med"/>
+                    </a:lnT>
+                    <a:lnB w="12700" cap="flat" cmpd="sng" algn="ctr">
+                      <a:solidFill>
+                        <a:schemeClr val="tx1"/>
+                      </a:solidFill>
+                      <a:prstDash val="solid"/>
+                      <a:round/>
+                      <a:headEnd type="none" w="med" len="med"/>
+                      <a:tailEnd type="none" w="med" len="med"/>
+                    </a:lnB>
+                    <a:noFill/>
+                  </a:tcPr>
+                </a:tc>
+                <a:extLst>
+                  <a:ext uri="{0D108BD9-81ED-4DB2-BD59-A6C34878D82A}">
+                    <a16:rowId xmlns:a16="http://schemas.microsoft.com/office/drawing/2014/main" val="1986560784"/>
+                  </a:ext>
+                </a:extLst>
+              </a:tr>
+            </a:tbl>
+          </a:graphicData>
+        </a:graphic>
+      </p:graphicFrame>
+      <p:sp>
+        <p:nvSpPr>
+          <p:cNvPr id="51" name="Flowchart: Connector 50"/>
+          <p:cNvSpPr/>
+          <p:nvPr/>
+        </p:nvSpPr>
+        <p:spPr>
+          <a:xfrm>
+            <a:off x="408431" y="3051596"/>
+            <a:ext cx="45719" cy="45719"/>
+          </a:xfrm>
+          <a:prstGeom prst="flowChartConnector">
+            <a:avLst/>
+          </a:prstGeom>
+          <a:solidFill>
+            <a:schemeClr val="tx1"/>
+          </a:solidFill>
+          <a:ln>
+            <a:solidFill>
+              <a:schemeClr val="tx1"/>
+            </a:solidFill>
+          </a:ln>
+        </p:spPr>
+        <p:style>
+          <a:lnRef idx="2">
+            <a:schemeClr val="accent1">
+              <a:shade val="50000"/>
+            </a:schemeClr>
+          </a:lnRef>
+          <a:fillRef idx="1">
+            <a:schemeClr val="accent1"/>
+          </a:fillRef>
+          <a:effectRef idx="0">
+            <a:schemeClr val="accent1"/>
+          </a:effectRef>
+          <a:fontRef idx="minor">
+            <a:schemeClr val="lt1"/>
+          </a:fontRef>
+        </p:style>
+        <p:txBody>
+          <a:bodyPr rtlCol="0" anchor="ctr"/>
+          <a:lstStyle/>
+          <a:p>
+            <a:pPr algn="ctr"/>
+            <a:endParaRPr lang="en-US"/>
+          </a:p>
+        </p:txBody>
+      </p:sp>
+      <p:sp>
+        <p:nvSpPr>
+          <p:cNvPr id="52" name="Flowchart: Connector 51"/>
+          <p:cNvSpPr/>
+          <p:nvPr/>
+        </p:nvSpPr>
+        <p:spPr>
+          <a:xfrm>
+            <a:off x="408431" y="3962185"/>
+            <a:ext cx="45719" cy="45719"/>
+          </a:xfrm>
+          <a:prstGeom prst="flowChartConnector">
+            <a:avLst/>
+          </a:prstGeom>
+          <a:solidFill>
+            <a:schemeClr val="tx1"/>
+          </a:solidFill>
+          <a:ln>
+            <a:solidFill>
+              <a:schemeClr val="tx1"/>
+            </a:solidFill>
+          </a:ln>
+        </p:spPr>
+        <p:style>
+          <a:lnRef idx="2">
+            <a:schemeClr val="accent1">
+              <a:shade val="50000"/>
+            </a:schemeClr>
+          </a:lnRef>
+          <a:fillRef idx="1">
+            <a:schemeClr val="accent1"/>
+          </a:fillRef>
+          <a:effectRef idx="0">
+            <a:schemeClr val="accent1"/>
+          </a:effectRef>
+          <a:fontRef idx="minor">
+            <a:schemeClr val="lt1"/>
+          </a:fontRef>
+        </p:style>
+        <p:txBody>
+          <a:bodyPr rtlCol="0" anchor="ctr"/>
+          <a:lstStyle/>
+          <a:p>
+            <a:pPr algn="ctr"/>
+            <a:endParaRPr lang="en-US"/>
+          </a:p>
+        </p:txBody>
+      </p:sp>
+      <p:sp>
+        <p:nvSpPr>
+          <p:cNvPr id="53" name="Flowchart: Connector 52"/>
+          <p:cNvSpPr/>
+          <p:nvPr/>
+        </p:nvSpPr>
+        <p:spPr>
+          <a:xfrm>
+            <a:off x="3200970" y="2529508"/>
+            <a:ext cx="45719" cy="45719"/>
+          </a:xfrm>
+          <a:prstGeom prst="flowChartConnector">
+            <a:avLst/>
+          </a:prstGeom>
+          <a:solidFill>
+            <a:schemeClr val="tx1"/>
+          </a:solidFill>
+          <a:ln>
+            <a:solidFill>
+              <a:schemeClr val="tx1"/>
+            </a:solidFill>
+          </a:ln>
+        </p:spPr>
+        <p:style>
+          <a:lnRef idx="2">
+            <a:schemeClr val="accent1">
+              <a:shade val="50000"/>
+            </a:schemeClr>
+          </a:lnRef>
+          <a:fillRef idx="1">
+            <a:schemeClr val="accent1"/>
+          </a:fillRef>
+          <a:effectRef idx="0">
+            <a:schemeClr val="accent1"/>
+          </a:effectRef>
+          <a:fontRef idx="minor">
+            <a:schemeClr val="lt1"/>
+          </a:fontRef>
+        </p:style>
+        <p:txBody>
+          <a:bodyPr rtlCol="0" anchor="ctr"/>
+          <a:lstStyle/>
+          <a:p>
+            <a:pPr algn="ctr"/>
+            <a:endParaRPr lang="en-US"/>
+          </a:p>
+        </p:txBody>
+      </p:sp>
+      <p:sp>
+        <p:nvSpPr>
+          <p:cNvPr id="54" name="TextBox 53"/>
+          <p:cNvSpPr txBox="1"/>
+          <p:nvPr/>
+        </p:nvSpPr>
+        <p:spPr>
+          <a:xfrm>
+            <a:off x="1527962" y="4192251"/>
+            <a:ext cx="695858" cy="246221"/>
+          </a:xfrm>
+          <a:prstGeom prst="rect">
+            <a:avLst/>
+          </a:prstGeom>
+          <a:noFill/>
+        </p:spPr>
+        <p:txBody>
+          <a:bodyPr wrap="square" rtlCol="0">
+            <a:spAutoFit/>
+          </a:bodyPr>
+          <a:lstStyle/>
+          <a:p>
+            <a:r>
+              <a:rPr lang="en-US" sz="1000" dirty="0" smtClean="0"/>
+              <a:t>Log(area)</a:t>
+            </a:r>
+            <a:endParaRPr lang="en-US" sz="1000" dirty="0"/>
+          </a:p>
+        </p:txBody>
+      </p:sp>
+      <p:sp>
+        <p:nvSpPr>
+          <p:cNvPr id="55" name="TextBox 54"/>
+          <p:cNvSpPr txBox="1"/>
+          <p:nvPr/>
+        </p:nvSpPr>
+        <p:spPr>
+          <a:xfrm rot="16200000">
+            <a:off x="-145818" y="3109816"/>
+            <a:ext cx="848822" cy="246221"/>
+          </a:xfrm>
+          <a:prstGeom prst="rect">
+            <a:avLst/>
+          </a:prstGeom>
+          <a:noFill/>
+        </p:spPr>
+        <p:txBody>
+          <a:bodyPr wrap="square" rtlCol="0">
+            <a:spAutoFit/>
+          </a:bodyPr>
+          <a:lstStyle/>
+          <a:p>
+            <a:r>
+              <a:rPr lang="en-US" sz="1000" dirty="0" smtClean="0"/>
+              <a:t>Log(Species)</a:t>
+            </a:r>
+            <a:endParaRPr lang="en-US" sz="1000" dirty="0"/>
+          </a:p>
+        </p:txBody>
+      </p:sp>
+      <p:sp>
+        <p:nvSpPr>
+          <p:cNvPr id="56" name="TextBox 55"/>
+          <p:cNvSpPr txBox="1"/>
+          <p:nvPr/>
+        </p:nvSpPr>
+        <p:spPr>
+          <a:xfrm>
+            <a:off x="7356348" y="2375942"/>
+            <a:ext cx="2995966" cy="923330"/>
+          </a:xfrm>
+          <a:prstGeom prst="rect">
+            <a:avLst/>
+          </a:prstGeom>
+          <a:noFill/>
+        </p:spPr>
+        <p:txBody>
+          <a:bodyPr wrap="square" rtlCol="0">
+            <a:spAutoFit/>
+          </a:bodyPr>
+          <a:lstStyle/>
+          <a:p>
+            <a:r>
+              <a:rPr lang="en-US" dirty="0" smtClean="0"/>
+              <a:t>Box 1: # </a:t>
+            </a:r>
+            <a:r>
+              <a:rPr lang="en-US" dirty="0" err="1" smtClean="0"/>
+              <a:t>spp</a:t>
+            </a:r>
+            <a:r>
+              <a:rPr lang="en-US" dirty="0" smtClean="0"/>
+              <a:t> =1</a:t>
+            </a:r>
+          </a:p>
+          <a:p>
+            <a:r>
+              <a:rPr lang="en-US" dirty="0" smtClean="0"/>
+              <a:t>Box 2: # </a:t>
+            </a:r>
+            <a:r>
+              <a:rPr lang="en-US" dirty="0" err="1" smtClean="0"/>
+              <a:t>spp</a:t>
+            </a:r>
+            <a:r>
+              <a:rPr lang="en-US" dirty="0" smtClean="0"/>
+              <a:t> = 4</a:t>
+            </a:r>
+          </a:p>
+          <a:p>
+            <a:r>
+              <a:rPr lang="en-US" dirty="0" smtClean="0"/>
+              <a:t>Box 3: # </a:t>
+            </a:r>
+            <a:r>
+              <a:rPr lang="en-US" dirty="0" err="1" smtClean="0"/>
+              <a:t>spp</a:t>
+            </a:r>
+            <a:r>
+              <a:rPr lang="en-US" dirty="0" smtClean="0"/>
+              <a:t> = 5</a:t>
+            </a:r>
+            <a:endParaRPr lang="en-US" dirty="0"/>
+          </a:p>
+        </p:txBody>
+      </p:sp>
+      <p:cxnSp>
+        <p:nvCxnSpPr>
+          <p:cNvPr id="58" name="Straight Connector 57"/>
+          <p:cNvCxnSpPr/>
+          <p:nvPr/>
+        </p:nvCxnSpPr>
+        <p:spPr>
+          <a:xfrm flipV="1">
+            <a:off x="523189" y="2602038"/>
+            <a:ext cx="2645686" cy="1348477"/>
+          </a:xfrm>
+          <a:prstGeom prst="line">
+            <a:avLst/>
+          </a:prstGeom>
+          <a:ln w="19050">
+            <a:solidFill>
+              <a:schemeClr val="tx1"/>
+            </a:solidFill>
+            <a:prstDash val="dash"/>
+          </a:ln>
+        </p:spPr>
+        <p:style>
+          <a:lnRef idx="1">
+            <a:schemeClr val="accent1"/>
+          </a:lnRef>
+          <a:fillRef idx="0">
+            <a:schemeClr val="accent1"/>
+          </a:fillRef>
+          <a:effectRef idx="0">
+            <a:schemeClr val="accent1"/>
+          </a:effectRef>
+          <a:fontRef idx="minor">
+            <a:schemeClr val="tx1"/>
+          </a:fontRef>
+        </p:style>
+      </p:cxnSp>
+      <p:cxnSp>
+        <p:nvCxnSpPr>
+          <p:cNvPr id="60" name="Straight Connector 59"/>
+          <p:cNvCxnSpPr/>
+          <p:nvPr/>
+        </p:nvCxnSpPr>
+        <p:spPr>
+          <a:xfrm flipV="1">
+            <a:off x="491867" y="2584630"/>
+            <a:ext cx="2635642" cy="474268"/>
+          </a:xfrm>
+          <a:prstGeom prst="line">
+            <a:avLst/>
+          </a:prstGeom>
+          <a:ln w="19050">
+            <a:solidFill>
+              <a:schemeClr val="tx1"/>
+            </a:solidFill>
+            <a:prstDash val="dash"/>
+          </a:ln>
+        </p:spPr>
+        <p:style>
+          <a:lnRef idx="1">
+            <a:schemeClr val="accent1"/>
+          </a:lnRef>
+          <a:fillRef idx="0">
+            <a:schemeClr val="accent1"/>
+          </a:fillRef>
+          <a:effectRef idx="0">
+            <a:schemeClr val="accent1"/>
+          </a:effectRef>
+          <a:fontRef idx="minor">
+            <a:schemeClr val="tx1"/>
+          </a:fontRef>
+        </p:style>
+      </p:cxnSp>
+      <p:sp>
+        <p:nvSpPr>
+          <p:cNvPr id="63" name="5-Point Star 62"/>
+          <p:cNvSpPr/>
+          <p:nvPr/>
+        </p:nvSpPr>
+        <p:spPr>
+          <a:xfrm>
+            <a:off x="3847511" y="2463182"/>
+            <a:ext cx="229514" cy="219456"/>
+          </a:xfrm>
+          <a:prstGeom prst="star5">
+            <a:avLst/>
+          </a:prstGeom>
+          <a:solidFill>
+            <a:schemeClr val="accent4"/>
+          </a:solidFill>
+          <a:ln>
+            <a:solidFill>
+              <a:schemeClr val="accent4"/>
+            </a:solidFill>
+          </a:ln>
+        </p:spPr>
+        <p:style>
+          <a:lnRef idx="2">
+            <a:schemeClr val="accent1">
+              <a:shade val="50000"/>
+            </a:schemeClr>
+          </a:lnRef>
+          <a:fillRef idx="1">
+            <a:schemeClr val="accent1"/>
+          </a:fillRef>
+          <a:effectRef idx="0">
+            <a:schemeClr val="accent1"/>
+          </a:effectRef>
+          <a:fontRef idx="minor">
+            <a:schemeClr val="lt1"/>
+          </a:fontRef>
+        </p:style>
+        <p:txBody>
+          <a:bodyPr rtlCol="0" anchor="ctr"/>
+          <a:lstStyle/>
+          <a:p>
+            <a:pPr algn="ctr"/>
+            <a:endParaRPr lang="en-US"/>
+          </a:p>
+        </p:txBody>
+      </p:sp>
+      <p:sp>
+        <p:nvSpPr>
+          <p:cNvPr id="64" name="Rectangle 63"/>
+          <p:cNvSpPr/>
+          <p:nvPr/>
+        </p:nvSpPr>
+        <p:spPr>
+          <a:xfrm>
+            <a:off x="4316903" y="2463182"/>
+            <a:ext cx="164592" cy="153690"/>
+          </a:xfrm>
+          <a:prstGeom prst="rect">
+            <a:avLst/>
+          </a:prstGeom>
+          <a:solidFill>
+            <a:schemeClr val="accent1">
+              <a:lumMod val="75000"/>
+            </a:schemeClr>
+          </a:solidFill>
+          <a:ln>
+            <a:solidFill>
+              <a:schemeClr val="accent1">
+                <a:lumMod val="75000"/>
+              </a:schemeClr>
+            </a:solidFill>
+          </a:ln>
+        </p:spPr>
+        <p:style>
+          <a:lnRef idx="2">
+            <a:schemeClr val="accent1">
+              <a:shade val="50000"/>
+            </a:schemeClr>
+          </a:lnRef>
+          <a:fillRef idx="1">
+            <a:schemeClr val="accent1"/>
+          </a:fillRef>
+          <a:effectRef idx="0">
+            <a:schemeClr val="accent1"/>
+          </a:effectRef>
+          <a:fontRef idx="minor">
+            <a:schemeClr val="lt1"/>
+          </a:fontRef>
+        </p:style>
+        <p:txBody>
+          <a:bodyPr rtlCol="0" anchor="ctr"/>
+          <a:lstStyle/>
+          <a:p>
+            <a:pPr algn="ctr"/>
+            <a:endParaRPr lang="en-US"/>
+          </a:p>
+        </p:txBody>
+      </p:sp>
+      <p:sp>
+        <p:nvSpPr>
+          <p:cNvPr id="65" name="Diamond 64"/>
+          <p:cNvSpPr/>
+          <p:nvPr/>
+        </p:nvSpPr>
+        <p:spPr>
+          <a:xfrm>
+            <a:off x="3993815" y="3814736"/>
+            <a:ext cx="237744" cy="219456"/>
+          </a:xfrm>
+          <a:prstGeom prst="diamond">
+            <a:avLst/>
+          </a:prstGeom>
+          <a:solidFill>
+            <a:schemeClr val="accent6">
+              <a:lumMod val="60000"/>
+              <a:lumOff val="40000"/>
+            </a:schemeClr>
+          </a:solidFill>
+          <a:ln>
+            <a:solidFill>
+              <a:schemeClr val="accent6">
+                <a:lumMod val="60000"/>
+                <a:lumOff val="40000"/>
+              </a:schemeClr>
+            </a:solidFill>
+          </a:ln>
+        </p:spPr>
+        <p:style>
+          <a:lnRef idx="2">
+            <a:schemeClr val="accent1">
+              <a:shade val="50000"/>
+            </a:schemeClr>
+          </a:lnRef>
+          <a:fillRef idx="1">
+            <a:schemeClr val="accent1"/>
+          </a:fillRef>
+          <a:effectRef idx="0">
+            <a:schemeClr val="accent1"/>
+          </a:effectRef>
+          <a:fontRef idx="minor">
+            <a:schemeClr val="lt1"/>
+          </a:fontRef>
+        </p:style>
+        <p:txBody>
+          <a:bodyPr rtlCol="0" anchor="ctr"/>
+          <a:lstStyle/>
+          <a:p>
+            <a:pPr algn="ctr"/>
+            <a:endParaRPr lang="en-US"/>
+          </a:p>
+        </p:txBody>
+      </p:sp>
+      <p:sp>
+        <p:nvSpPr>
+          <p:cNvPr id="66" name="Regular Pentagon 65"/>
+          <p:cNvSpPr/>
+          <p:nvPr/>
+        </p:nvSpPr>
+        <p:spPr>
+          <a:xfrm>
+            <a:off x="5714184" y="3018414"/>
+            <a:ext cx="207872" cy="226053"/>
+          </a:xfrm>
+          <a:prstGeom prst="pentagon">
+            <a:avLst/>
+          </a:prstGeom>
+          <a:solidFill>
+            <a:srgbClr val="FF0066"/>
+          </a:solidFill>
+          <a:ln>
+            <a:solidFill>
+              <a:srgbClr val="FF0066"/>
+            </a:solidFill>
+          </a:ln>
+        </p:spPr>
+        <p:style>
+          <a:lnRef idx="2">
+            <a:schemeClr val="accent1">
+              <a:shade val="50000"/>
+            </a:schemeClr>
+          </a:lnRef>
+          <a:fillRef idx="1">
+            <a:schemeClr val="accent1"/>
+          </a:fillRef>
+          <a:effectRef idx="0">
+            <a:schemeClr val="accent1"/>
+          </a:effectRef>
+          <a:fontRef idx="minor">
+            <a:schemeClr val="lt1"/>
+          </a:fontRef>
+        </p:style>
+        <p:txBody>
+          <a:bodyPr rtlCol="0" anchor="ctr"/>
+          <a:lstStyle/>
+          <a:p>
+            <a:pPr algn="ctr"/>
+            <a:endParaRPr lang="en-US"/>
+          </a:p>
+        </p:txBody>
+      </p:sp>
+      <p:sp>
+        <p:nvSpPr>
+          <p:cNvPr id="67" name="5-Point Star 66"/>
+          <p:cNvSpPr/>
+          <p:nvPr/>
+        </p:nvSpPr>
+        <p:spPr>
+          <a:xfrm>
+            <a:off x="4276843" y="3272100"/>
+            <a:ext cx="229514" cy="219456"/>
+          </a:xfrm>
+          <a:prstGeom prst="star5">
+            <a:avLst/>
+          </a:prstGeom>
+          <a:solidFill>
+            <a:schemeClr val="accent4"/>
+          </a:solidFill>
+          <a:ln>
+            <a:solidFill>
+              <a:schemeClr val="accent4"/>
+            </a:solidFill>
+          </a:ln>
+        </p:spPr>
+        <p:style>
+          <a:lnRef idx="2">
+            <a:schemeClr val="accent1">
+              <a:shade val="50000"/>
+            </a:schemeClr>
+          </a:lnRef>
+          <a:fillRef idx="1">
+            <a:schemeClr val="accent1"/>
+          </a:fillRef>
+          <a:effectRef idx="0">
+            <a:schemeClr val="accent1"/>
+          </a:effectRef>
+          <a:fontRef idx="minor">
+            <a:schemeClr val="lt1"/>
+          </a:fontRef>
+        </p:style>
+        <p:txBody>
+          <a:bodyPr rtlCol="0" anchor="ctr"/>
+          <a:lstStyle/>
+          <a:p>
+            <a:pPr algn="ctr"/>
+            <a:endParaRPr lang="en-US"/>
+          </a:p>
+        </p:txBody>
+      </p:sp>
+      <p:sp>
+        <p:nvSpPr>
+          <p:cNvPr id="68" name="Rectangle 67"/>
+          <p:cNvSpPr/>
+          <p:nvPr/>
+        </p:nvSpPr>
+        <p:spPr>
+          <a:xfrm>
+            <a:off x="3879972" y="3018414"/>
+            <a:ext cx="164592" cy="153690"/>
+          </a:xfrm>
+          <a:prstGeom prst="rect">
+            <a:avLst/>
+          </a:prstGeom>
+          <a:solidFill>
+            <a:schemeClr val="accent1">
+              <a:lumMod val="75000"/>
+            </a:schemeClr>
+          </a:solidFill>
+          <a:ln>
+            <a:solidFill>
+              <a:schemeClr val="accent1">
+                <a:lumMod val="75000"/>
+              </a:schemeClr>
+            </a:solidFill>
+          </a:ln>
+        </p:spPr>
+        <p:style>
+          <a:lnRef idx="2">
+            <a:schemeClr val="accent1">
+              <a:shade val="50000"/>
+            </a:schemeClr>
+          </a:lnRef>
+          <a:fillRef idx="1">
+            <a:schemeClr val="accent1"/>
+          </a:fillRef>
+          <a:effectRef idx="0">
+            <a:schemeClr val="accent1"/>
+          </a:effectRef>
+          <a:fontRef idx="minor">
+            <a:schemeClr val="lt1"/>
+          </a:fontRef>
+        </p:style>
+        <p:txBody>
+          <a:bodyPr rtlCol="0" anchor="ctr"/>
+          <a:lstStyle/>
+          <a:p>
+            <a:pPr algn="ctr"/>
+            <a:endParaRPr lang="en-US"/>
+          </a:p>
+        </p:txBody>
+      </p:sp>
+      <p:sp>
+        <p:nvSpPr>
+          <p:cNvPr id="69" name="Diamond 68"/>
+          <p:cNvSpPr/>
+          <p:nvPr/>
+        </p:nvSpPr>
+        <p:spPr>
+          <a:xfrm>
+            <a:off x="4811593" y="2557996"/>
+            <a:ext cx="237744" cy="219456"/>
+          </a:xfrm>
+          <a:prstGeom prst="diamond">
+            <a:avLst/>
+          </a:prstGeom>
+          <a:solidFill>
+            <a:schemeClr val="accent6">
+              <a:lumMod val="60000"/>
+              <a:lumOff val="40000"/>
+            </a:schemeClr>
+          </a:solidFill>
+          <a:ln>
+            <a:solidFill>
+              <a:schemeClr val="accent6">
+                <a:lumMod val="60000"/>
+                <a:lumOff val="40000"/>
+              </a:schemeClr>
+            </a:solidFill>
+          </a:ln>
+        </p:spPr>
+        <p:style>
+          <a:lnRef idx="2">
+            <a:schemeClr val="accent1">
+              <a:shade val="50000"/>
+            </a:schemeClr>
+          </a:lnRef>
+          <a:fillRef idx="1">
+            <a:schemeClr val="accent1"/>
+          </a:fillRef>
+          <a:effectRef idx="0">
+            <a:schemeClr val="accent1"/>
+          </a:effectRef>
+          <a:fontRef idx="minor">
+            <a:schemeClr val="lt1"/>
+          </a:fontRef>
+        </p:style>
+        <p:txBody>
+          <a:bodyPr rtlCol="0" anchor="ctr"/>
+          <a:lstStyle/>
+          <a:p>
+            <a:pPr algn="ctr"/>
+            <a:endParaRPr lang="en-US"/>
+          </a:p>
+        </p:txBody>
+      </p:sp>
+      <p:sp>
+        <p:nvSpPr>
+          <p:cNvPr id="70" name="Diamond 69"/>
+          <p:cNvSpPr/>
+          <p:nvPr/>
+        </p:nvSpPr>
+        <p:spPr>
+          <a:xfrm>
+            <a:off x="6605516" y="3267146"/>
+            <a:ext cx="237744" cy="219456"/>
+          </a:xfrm>
+          <a:prstGeom prst="diamond">
+            <a:avLst/>
+          </a:prstGeom>
+          <a:solidFill>
+            <a:schemeClr val="accent6">
+              <a:lumMod val="60000"/>
+              <a:lumOff val="40000"/>
+            </a:schemeClr>
+          </a:solidFill>
+          <a:ln>
+            <a:solidFill>
+              <a:schemeClr val="accent6">
+                <a:lumMod val="60000"/>
+                <a:lumOff val="40000"/>
+              </a:schemeClr>
+            </a:solidFill>
+          </a:ln>
+        </p:spPr>
+        <p:style>
+          <a:lnRef idx="2">
+            <a:schemeClr val="accent1">
+              <a:shade val="50000"/>
+            </a:schemeClr>
+          </a:lnRef>
+          <a:fillRef idx="1">
+            <a:schemeClr val="accent1"/>
+          </a:fillRef>
+          <a:effectRef idx="0">
+            <a:schemeClr val="accent1"/>
+          </a:effectRef>
+          <a:fontRef idx="minor">
+            <a:schemeClr val="lt1"/>
+          </a:fontRef>
+        </p:style>
+        <p:txBody>
+          <a:bodyPr rtlCol="0" anchor="ctr"/>
+          <a:lstStyle/>
+          <a:p>
+            <a:pPr algn="ctr"/>
+            <a:endParaRPr lang="en-US"/>
+          </a:p>
+        </p:txBody>
+      </p:sp>
+      <p:sp>
+        <p:nvSpPr>
+          <p:cNvPr id="71" name="Diamond 70"/>
+          <p:cNvSpPr/>
+          <p:nvPr/>
+        </p:nvSpPr>
+        <p:spPr>
+          <a:xfrm>
+            <a:off x="6316391" y="3816494"/>
+            <a:ext cx="237744" cy="219456"/>
+          </a:xfrm>
+          <a:prstGeom prst="diamond">
+            <a:avLst/>
+          </a:prstGeom>
+          <a:solidFill>
+            <a:schemeClr val="accent6">
+              <a:lumMod val="60000"/>
+              <a:lumOff val="40000"/>
+            </a:schemeClr>
+          </a:solidFill>
+          <a:ln>
+            <a:solidFill>
+              <a:schemeClr val="accent6">
+                <a:lumMod val="60000"/>
+                <a:lumOff val="40000"/>
+              </a:schemeClr>
+            </a:solidFill>
+          </a:ln>
+        </p:spPr>
+        <p:style>
+          <a:lnRef idx="2">
+            <a:schemeClr val="accent1">
+              <a:shade val="50000"/>
+            </a:schemeClr>
+          </a:lnRef>
+          <a:fillRef idx="1">
+            <a:schemeClr val="accent1"/>
+          </a:fillRef>
+          <a:effectRef idx="0">
+            <a:schemeClr val="accent1"/>
+          </a:effectRef>
+          <a:fontRef idx="minor">
+            <a:schemeClr val="lt1"/>
+          </a:fontRef>
+        </p:style>
+        <p:txBody>
+          <a:bodyPr rtlCol="0" anchor="ctr"/>
+          <a:lstStyle/>
+          <a:p>
+            <a:pPr algn="ctr"/>
+            <a:endParaRPr lang="en-US"/>
+          </a:p>
+        </p:txBody>
+      </p:sp>
+      <p:sp>
+        <p:nvSpPr>
+          <p:cNvPr id="72" name="Diamond 71"/>
+          <p:cNvSpPr/>
+          <p:nvPr/>
+        </p:nvSpPr>
+        <p:spPr>
+          <a:xfrm>
+            <a:off x="5107838" y="3390665"/>
+            <a:ext cx="237744" cy="219456"/>
+          </a:xfrm>
+          <a:prstGeom prst="diamond">
+            <a:avLst/>
+          </a:prstGeom>
+          <a:solidFill>
+            <a:schemeClr val="accent6">
+              <a:lumMod val="60000"/>
+              <a:lumOff val="40000"/>
+            </a:schemeClr>
+          </a:solidFill>
+          <a:ln>
+            <a:solidFill>
+              <a:schemeClr val="accent6">
+                <a:lumMod val="60000"/>
+                <a:lumOff val="40000"/>
+              </a:schemeClr>
+            </a:solidFill>
+          </a:ln>
+        </p:spPr>
+        <p:style>
+          <a:lnRef idx="2">
+            <a:schemeClr val="accent1">
+              <a:shade val="50000"/>
+            </a:schemeClr>
+          </a:lnRef>
+          <a:fillRef idx="1">
+            <a:schemeClr val="accent1"/>
+          </a:fillRef>
+          <a:effectRef idx="0">
+            <a:schemeClr val="accent1"/>
+          </a:effectRef>
+          <a:fontRef idx="minor">
+            <a:schemeClr val="lt1"/>
+          </a:fontRef>
+        </p:style>
+        <p:txBody>
+          <a:bodyPr rtlCol="0" anchor="ctr"/>
+          <a:lstStyle/>
+          <a:p>
+            <a:pPr algn="ctr"/>
+            <a:endParaRPr lang="en-US"/>
+          </a:p>
+        </p:txBody>
+      </p:sp>
+      <p:sp>
+        <p:nvSpPr>
+          <p:cNvPr id="73" name="5-Point Star 72"/>
+          <p:cNvSpPr/>
+          <p:nvPr/>
+        </p:nvSpPr>
+        <p:spPr>
+          <a:xfrm>
+            <a:off x="5738513" y="3953581"/>
+            <a:ext cx="229514" cy="219456"/>
+          </a:xfrm>
+          <a:prstGeom prst="star5">
+            <a:avLst/>
+          </a:prstGeom>
+          <a:solidFill>
+            <a:schemeClr val="accent4"/>
+          </a:solidFill>
+          <a:ln>
+            <a:solidFill>
+              <a:schemeClr val="accent4"/>
+            </a:solidFill>
+          </a:ln>
+        </p:spPr>
+        <p:style>
+          <a:lnRef idx="2">
+            <a:schemeClr val="accent1">
+              <a:shade val="50000"/>
+            </a:schemeClr>
+          </a:lnRef>
+          <a:fillRef idx="1">
+            <a:schemeClr val="accent1"/>
+          </a:fillRef>
+          <a:effectRef idx="0">
+            <a:schemeClr val="accent1"/>
+          </a:effectRef>
+          <a:fontRef idx="minor">
+            <a:schemeClr val="lt1"/>
+          </a:fontRef>
+        </p:style>
+        <p:txBody>
+          <a:bodyPr rtlCol="0" anchor="ctr"/>
+          <a:lstStyle/>
+          <a:p>
+            <a:pPr algn="ctr"/>
+            <a:endParaRPr lang="en-US"/>
+          </a:p>
+        </p:txBody>
+      </p:sp>
+      <p:sp>
+        <p:nvSpPr>
+          <p:cNvPr id="74" name="Flowchart: Connector 73"/>
+          <p:cNvSpPr/>
+          <p:nvPr/>
+        </p:nvSpPr>
+        <p:spPr>
+          <a:xfrm>
+            <a:off x="4523405" y="3906642"/>
+            <a:ext cx="187452" cy="153690"/>
+          </a:xfrm>
+          <a:prstGeom prst="flowChartConnector">
+            <a:avLst/>
+          </a:prstGeom>
+          <a:solidFill>
+            <a:srgbClr val="7030A0"/>
+          </a:solidFill>
+          <a:ln>
+            <a:solidFill>
+              <a:srgbClr val="7030A0"/>
+            </a:solidFill>
+          </a:ln>
+        </p:spPr>
+        <p:style>
+          <a:lnRef idx="2">
+            <a:schemeClr val="accent1">
+              <a:shade val="50000"/>
+            </a:schemeClr>
+          </a:lnRef>
+          <a:fillRef idx="1">
+            <a:schemeClr val="accent1"/>
+          </a:fillRef>
+          <a:effectRef idx="0">
+            <a:schemeClr val="accent1"/>
+          </a:effectRef>
+          <a:fontRef idx="minor">
+            <a:schemeClr val="lt1"/>
+          </a:fontRef>
+        </p:style>
+        <p:txBody>
+          <a:bodyPr rtlCol="0" anchor="ctr"/>
+          <a:lstStyle/>
+          <a:p>
+            <a:pPr algn="ctr"/>
+            <a:endParaRPr lang="en-US"/>
+          </a:p>
+        </p:txBody>
+      </p:sp>
+      <p:sp>
+        <p:nvSpPr>
+          <p:cNvPr id="75" name="Rectangle 74"/>
+          <p:cNvSpPr/>
+          <p:nvPr/>
+        </p:nvSpPr>
+        <p:spPr>
+          <a:xfrm>
+            <a:off x="4884745" y="2956313"/>
+            <a:ext cx="164592" cy="153690"/>
+          </a:xfrm>
+          <a:prstGeom prst="rect">
+            <a:avLst/>
+          </a:prstGeom>
+          <a:solidFill>
+            <a:schemeClr val="accent1">
+              <a:lumMod val="75000"/>
+            </a:schemeClr>
+          </a:solidFill>
+          <a:ln>
+            <a:solidFill>
+              <a:schemeClr val="accent1">
+                <a:lumMod val="75000"/>
+              </a:schemeClr>
+            </a:solidFill>
+          </a:ln>
+        </p:spPr>
+        <p:style>
+          <a:lnRef idx="2">
+            <a:schemeClr val="accent1">
+              <a:shade val="50000"/>
+            </a:schemeClr>
+          </a:lnRef>
+          <a:fillRef idx="1">
+            <a:schemeClr val="accent1"/>
+          </a:fillRef>
+          <a:effectRef idx="0">
+            <a:schemeClr val="accent1"/>
+          </a:effectRef>
+          <a:fontRef idx="minor">
+            <a:schemeClr val="lt1"/>
+          </a:fontRef>
+        </p:style>
+        <p:txBody>
+          <a:bodyPr rtlCol="0" anchor="ctr"/>
+          <a:lstStyle/>
+          <a:p>
+            <a:pPr algn="ctr"/>
+            <a:endParaRPr lang="en-US"/>
+          </a:p>
+        </p:txBody>
+      </p:sp>
+      <p:sp>
+        <p:nvSpPr>
+          <p:cNvPr id="76" name="Rectangle 75"/>
+          <p:cNvSpPr/>
+          <p:nvPr/>
+        </p:nvSpPr>
+        <p:spPr>
+          <a:xfrm>
+            <a:off x="6440924" y="2644030"/>
+            <a:ext cx="164592" cy="153690"/>
+          </a:xfrm>
+          <a:prstGeom prst="rect">
+            <a:avLst/>
+          </a:prstGeom>
+          <a:solidFill>
+            <a:schemeClr val="accent1">
+              <a:lumMod val="75000"/>
+            </a:schemeClr>
+          </a:solidFill>
+          <a:ln>
+            <a:solidFill>
+              <a:schemeClr val="accent1">
+                <a:lumMod val="75000"/>
+              </a:schemeClr>
+            </a:solidFill>
+          </a:ln>
+        </p:spPr>
+        <p:style>
+          <a:lnRef idx="2">
+            <a:schemeClr val="accent1">
+              <a:shade val="50000"/>
+            </a:schemeClr>
+          </a:lnRef>
+          <a:fillRef idx="1">
+            <a:schemeClr val="accent1"/>
+          </a:fillRef>
+          <a:effectRef idx="0">
+            <a:schemeClr val="accent1"/>
+          </a:effectRef>
+          <a:fontRef idx="minor">
+            <a:schemeClr val="lt1"/>
+          </a:fontRef>
+        </p:style>
+        <p:txBody>
+          <a:bodyPr rtlCol="0" anchor="ctr"/>
+          <a:lstStyle/>
+          <a:p>
+            <a:pPr algn="ctr"/>
+            <a:endParaRPr lang="en-US"/>
+          </a:p>
+        </p:txBody>
+      </p:sp>
+      <p:sp>
+        <p:nvSpPr>
+          <p:cNvPr id="77" name="Rectangle 76"/>
+          <p:cNvSpPr/>
+          <p:nvPr/>
+        </p:nvSpPr>
+        <p:spPr>
+          <a:xfrm>
+            <a:off x="5156604" y="4124441"/>
+            <a:ext cx="164592" cy="153690"/>
+          </a:xfrm>
+          <a:prstGeom prst="rect">
+            <a:avLst/>
+          </a:prstGeom>
+          <a:solidFill>
+            <a:schemeClr val="accent1">
+              <a:lumMod val="75000"/>
+            </a:schemeClr>
+          </a:solidFill>
+          <a:ln>
+            <a:solidFill>
+              <a:schemeClr val="accent1">
+                <a:lumMod val="75000"/>
+              </a:schemeClr>
+            </a:solidFill>
+          </a:ln>
+        </p:spPr>
+        <p:style>
+          <a:lnRef idx="2">
+            <a:schemeClr val="accent1">
+              <a:shade val="50000"/>
+            </a:schemeClr>
+          </a:lnRef>
+          <a:fillRef idx="1">
+            <a:schemeClr val="accent1"/>
+          </a:fillRef>
+          <a:effectRef idx="0">
+            <a:schemeClr val="accent1"/>
+          </a:effectRef>
+          <a:fontRef idx="minor">
+            <a:schemeClr val="lt1"/>
+          </a:fontRef>
+        </p:style>
+        <p:txBody>
+          <a:bodyPr rtlCol="0" anchor="ctr"/>
+          <a:lstStyle/>
+          <a:p>
+            <a:pPr algn="ctr"/>
+            <a:endParaRPr lang="en-US"/>
+          </a:p>
+        </p:txBody>
+      </p:sp>
+      <p:sp>
+        <p:nvSpPr>
+          <p:cNvPr id="78" name="Rectangle 77"/>
+          <p:cNvSpPr/>
+          <p:nvPr/>
+        </p:nvSpPr>
+        <p:spPr>
+          <a:xfrm>
+            <a:off x="5573921" y="2466405"/>
+            <a:ext cx="164592" cy="153690"/>
+          </a:xfrm>
+          <a:prstGeom prst="rect">
+            <a:avLst/>
+          </a:prstGeom>
+          <a:solidFill>
+            <a:schemeClr val="accent1">
+              <a:lumMod val="75000"/>
+            </a:schemeClr>
+          </a:solidFill>
+          <a:ln>
+            <a:solidFill>
+              <a:schemeClr val="accent1">
+                <a:lumMod val="75000"/>
+              </a:schemeClr>
+            </a:solidFill>
+          </a:ln>
+        </p:spPr>
+        <p:style>
+          <a:lnRef idx="2">
+            <a:schemeClr val="accent1">
+              <a:shade val="50000"/>
+            </a:schemeClr>
+          </a:lnRef>
+          <a:fillRef idx="1">
+            <a:schemeClr val="accent1"/>
+          </a:fillRef>
+          <a:effectRef idx="0">
+            <a:schemeClr val="accent1"/>
+          </a:effectRef>
+          <a:fontRef idx="minor">
+            <a:schemeClr val="lt1"/>
+          </a:fontRef>
+        </p:style>
+        <p:txBody>
+          <a:bodyPr rtlCol="0" anchor="ctr"/>
+          <a:lstStyle/>
+          <a:p>
+            <a:pPr algn="ctr"/>
+            <a:endParaRPr lang="en-US"/>
+          </a:p>
+        </p:txBody>
+      </p:sp>
+      <p:sp>
+        <p:nvSpPr>
+          <p:cNvPr id="79" name="Rectangle 78"/>
+          <p:cNvSpPr/>
+          <p:nvPr/>
+        </p:nvSpPr>
+        <p:spPr>
+          <a:xfrm>
+            <a:off x="3709416" y="3716669"/>
+            <a:ext cx="682184" cy="712455"/>
+          </a:xfrm>
+          <a:prstGeom prst="rect">
+            <a:avLst/>
+          </a:prstGeom>
+          <a:noFill/>
+          <a:ln w="19050">
+            <a:solidFill>
+              <a:schemeClr val="tx1"/>
+            </a:solidFill>
+          </a:ln>
+        </p:spPr>
+        <p:style>
+          <a:lnRef idx="2">
+            <a:schemeClr val="accent1">
+              <a:shade val="50000"/>
+            </a:schemeClr>
+          </a:lnRef>
+          <a:fillRef idx="1">
+            <a:schemeClr val="accent1"/>
+          </a:fillRef>
+          <a:effectRef idx="0">
+            <a:schemeClr val="accent1"/>
+          </a:effectRef>
+          <a:fontRef idx="minor">
+            <a:schemeClr val="lt1"/>
+          </a:fontRef>
+        </p:style>
+        <p:txBody>
+          <a:bodyPr rtlCol="0" anchor="ctr"/>
+          <a:lstStyle/>
+          <a:p>
+            <a:pPr algn="ctr"/>
+            <a:endParaRPr lang="en-US"/>
+          </a:p>
+        </p:txBody>
+      </p:sp>
+      <p:sp>
+        <p:nvSpPr>
+          <p:cNvPr id="80" name="Rectangle 79"/>
+          <p:cNvSpPr/>
+          <p:nvPr/>
+        </p:nvSpPr>
+        <p:spPr>
+          <a:xfrm>
+            <a:off x="3709416" y="2913409"/>
+            <a:ext cx="1896486" cy="1515716"/>
+          </a:xfrm>
+          <a:prstGeom prst="rect">
+            <a:avLst/>
+          </a:prstGeom>
+          <a:noFill/>
+          <a:ln w="19050">
+            <a:solidFill>
+              <a:schemeClr val="tx1"/>
+            </a:solidFill>
+          </a:ln>
+        </p:spPr>
+        <p:style>
+          <a:lnRef idx="2">
+            <a:schemeClr val="accent1">
+              <a:shade val="50000"/>
+            </a:schemeClr>
+          </a:lnRef>
+          <a:fillRef idx="1">
+            <a:schemeClr val="accent1"/>
+          </a:fillRef>
+          <a:effectRef idx="0">
+            <a:schemeClr val="accent1"/>
+          </a:effectRef>
+          <a:fontRef idx="minor">
+            <a:schemeClr val="lt1"/>
+          </a:fontRef>
+        </p:style>
+        <p:txBody>
+          <a:bodyPr rtlCol="0" anchor="ctr"/>
+          <a:lstStyle/>
+          <a:p>
+            <a:pPr algn="ctr"/>
+            <a:endParaRPr lang="en-US"/>
+          </a:p>
+        </p:txBody>
+      </p:sp>
+      <p:sp>
+        <p:nvSpPr>
+          <p:cNvPr id="81" name="Rectangle 80"/>
+          <p:cNvSpPr/>
+          <p:nvPr/>
+        </p:nvSpPr>
+        <p:spPr>
+          <a:xfrm>
+            <a:off x="3709415" y="2319910"/>
+            <a:ext cx="3355413" cy="2108286"/>
+          </a:xfrm>
+          <a:prstGeom prst="rect">
+            <a:avLst/>
+          </a:prstGeom>
+          <a:noFill/>
+          <a:ln w="19050">
+            <a:solidFill>
+              <a:schemeClr val="tx1"/>
+            </a:solidFill>
+          </a:ln>
+        </p:spPr>
+        <p:style>
+          <a:lnRef idx="2">
+            <a:schemeClr val="accent1">
+              <a:shade val="50000"/>
+            </a:schemeClr>
+          </a:lnRef>
+          <a:fillRef idx="1">
+            <a:schemeClr val="accent1"/>
+          </a:fillRef>
+          <a:effectRef idx="0">
+            <a:schemeClr val="accent1"/>
+          </a:effectRef>
+          <a:fontRef idx="minor">
+            <a:schemeClr val="lt1"/>
+          </a:fontRef>
+        </p:style>
+        <p:txBody>
+          <a:bodyPr rtlCol="0" anchor="ctr"/>
+          <a:lstStyle/>
+          <a:p>
+            <a:pPr algn="ctr"/>
+            <a:endParaRPr lang="en-US"/>
+          </a:p>
+        </p:txBody>
+      </p:sp>
+      <p:sp>
+        <p:nvSpPr>
+          <p:cNvPr id="82" name="5-Point Star 81"/>
+          <p:cNvSpPr/>
+          <p:nvPr/>
+        </p:nvSpPr>
+        <p:spPr>
+          <a:xfrm>
+            <a:off x="299759" y="4654488"/>
+            <a:ext cx="229514" cy="219456"/>
+          </a:xfrm>
+          <a:prstGeom prst="star5">
+            <a:avLst/>
+          </a:prstGeom>
+          <a:solidFill>
+            <a:schemeClr val="accent4"/>
+          </a:solidFill>
+          <a:ln>
+            <a:solidFill>
+              <a:schemeClr val="accent4"/>
+            </a:solidFill>
+          </a:ln>
+        </p:spPr>
+        <p:style>
+          <a:lnRef idx="2">
+            <a:schemeClr val="accent1">
+              <a:shade val="50000"/>
+            </a:schemeClr>
+          </a:lnRef>
+          <a:fillRef idx="1">
+            <a:schemeClr val="accent1"/>
+          </a:fillRef>
+          <a:effectRef idx="0">
+            <a:schemeClr val="accent1"/>
+          </a:effectRef>
+          <a:fontRef idx="minor">
+            <a:schemeClr val="lt1"/>
+          </a:fontRef>
+        </p:style>
+        <p:txBody>
+          <a:bodyPr rtlCol="0" anchor="ctr"/>
+          <a:lstStyle/>
+          <a:p>
+            <a:pPr algn="ctr"/>
+            <a:endParaRPr lang="en-US"/>
+          </a:p>
+        </p:txBody>
+      </p:sp>
+      <p:sp>
+        <p:nvSpPr>
+          <p:cNvPr id="83" name="Rectangle 82"/>
+          <p:cNvSpPr/>
+          <p:nvPr/>
+        </p:nvSpPr>
+        <p:spPr>
+          <a:xfrm>
+            <a:off x="769151" y="4654488"/>
+            <a:ext cx="164592" cy="153690"/>
+          </a:xfrm>
+          <a:prstGeom prst="rect">
+            <a:avLst/>
+          </a:prstGeom>
+          <a:solidFill>
+            <a:schemeClr val="accent1">
+              <a:lumMod val="75000"/>
+            </a:schemeClr>
+          </a:solidFill>
+          <a:ln>
+            <a:solidFill>
+              <a:schemeClr val="accent1">
+                <a:lumMod val="75000"/>
+              </a:schemeClr>
+            </a:solidFill>
+          </a:ln>
+        </p:spPr>
+        <p:style>
+          <a:lnRef idx="2">
+            <a:schemeClr val="accent1">
+              <a:shade val="50000"/>
+            </a:schemeClr>
+          </a:lnRef>
+          <a:fillRef idx="1">
+            <a:schemeClr val="accent1"/>
+          </a:fillRef>
+          <a:effectRef idx="0">
+            <a:schemeClr val="accent1"/>
+          </a:effectRef>
+          <a:fontRef idx="minor">
+            <a:schemeClr val="lt1"/>
+          </a:fontRef>
+        </p:style>
+        <p:txBody>
+          <a:bodyPr rtlCol="0" anchor="ctr"/>
+          <a:lstStyle/>
+          <a:p>
+            <a:pPr algn="ctr"/>
+            <a:endParaRPr lang="en-US"/>
+          </a:p>
+        </p:txBody>
+      </p:sp>
+      <p:sp>
+        <p:nvSpPr>
+          <p:cNvPr id="84" name="Diamond 83"/>
+          <p:cNvSpPr/>
+          <p:nvPr/>
+        </p:nvSpPr>
+        <p:spPr>
+          <a:xfrm>
+            <a:off x="446063" y="6006042"/>
+            <a:ext cx="237744" cy="219456"/>
+          </a:xfrm>
+          <a:prstGeom prst="diamond">
+            <a:avLst/>
+          </a:prstGeom>
+          <a:solidFill>
+            <a:schemeClr val="accent6">
+              <a:lumMod val="60000"/>
+              <a:lumOff val="40000"/>
+            </a:schemeClr>
+          </a:solidFill>
+          <a:ln>
+            <a:solidFill>
+              <a:schemeClr val="accent6">
+                <a:lumMod val="60000"/>
+                <a:lumOff val="40000"/>
+              </a:schemeClr>
+            </a:solidFill>
+          </a:ln>
+        </p:spPr>
+        <p:style>
+          <a:lnRef idx="2">
+            <a:schemeClr val="accent1">
+              <a:shade val="50000"/>
+            </a:schemeClr>
+          </a:lnRef>
+          <a:fillRef idx="1">
+            <a:schemeClr val="accent1"/>
+          </a:fillRef>
+          <a:effectRef idx="0">
+            <a:schemeClr val="accent1"/>
+          </a:effectRef>
+          <a:fontRef idx="minor">
+            <a:schemeClr val="lt1"/>
+          </a:fontRef>
+        </p:style>
+        <p:txBody>
+          <a:bodyPr rtlCol="0" anchor="ctr"/>
+          <a:lstStyle/>
+          <a:p>
+            <a:pPr algn="ctr"/>
+            <a:endParaRPr lang="en-US"/>
+          </a:p>
+        </p:txBody>
+      </p:sp>
+      <p:sp>
+        <p:nvSpPr>
+          <p:cNvPr id="85" name="Regular Pentagon 84"/>
+          <p:cNvSpPr/>
+          <p:nvPr/>
+        </p:nvSpPr>
+        <p:spPr>
+          <a:xfrm>
+            <a:off x="2166432" y="5209720"/>
+            <a:ext cx="207872" cy="226053"/>
+          </a:xfrm>
+          <a:prstGeom prst="pentagon">
+            <a:avLst/>
+          </a:prstGeom>
+          <a:solidFill>
+            <a:srgbClr val="FF0066"/>
+          </a:solidFill>
+          <a:ln>
+            <a:solidFill>
+              <a:srgbClr val="FF0066"/>
+            </a:solidFill>
+          </a:ln>
+        </p:spPr>
+        <p:style>
+          <a:lnRef idx="2">
+            <a:schemeClr val="accent1">
+              <a:shade val="50000"/>
+            </a:schemeClr>
+          </a:lnRef>
+          <a:fillRef idx="1">
+            <a:schemeClr val="accent1"/>
+          </a:fillRef>
+          <a:effectRef idx="0">
+            <a:schemeClr val="accent1"/>
+          </a:effectRef>
+          <a:fontRef idx="minor">
+            <a:schemeClr val="lt1"/>
+          </a:fontRef>
+        </p:style>
+        <p:txBody>
+          <a:bodyPr rtlCol="0" anchor="ctr"/>
+          <a:lstStyle/>
+          <a:p>
+            <a:pPr algn="ctr"/>
+            <a:endParaRPr lang="en-US"/>
+          </a:p>
+        </p:txBody>
+      </p:sp>
+      <p:sp>
+        <p:nvSpPr>
+          <p:cNvPr id="86" name="5-Point Star 85"/>
+          <p:cNvSpPr/>
+          <p:nvPr/>
+        </p:nvSpPr>
+        <p:spPr>
+          <a:xfrm>
+            <a:off x="729091" y="5463406"/>
+            <a:ext cx="229514" cy="219456"/>
+          </a:xfrm>
+          <a:prstGeom prst="star5">
+            <a:avLst/>
+          </a:prstGeom>
+          <a:solidFill>
+            <a:schemeClr val="accent4"/>
+          </a:solidFill>
+          <a:ln>
+            <a:solidFill>
+              <a:schemeClr val="accent4"/>
+            </a:solidFill>
+          </a:ln>
+        </p:spPr>
+        <p:style>
+          <a:lnRef idx="2">
+            <a:schemeClr val="accent1">
+              <a:shade val="50000"/>
+            </a:schemeClr>
+          </a:lnRef>
+          <a:fillRef idx="1">
+            <a:schemeClr val="accent1"/>
+          </a:fillRef>
+          <a:effectRef idx="0">
+            <a:schemeClr val="accent1"/>
+          </a:effectRef>
+          <a:fontRef idx="minor">
+            <a:schemeClr val="lt1"/>
+          </a:fontRef>
+        </p:style>
+        <p:txBody>
+          <a:bodyPr rtlCol="0" anchor="ctr"/>
+          <a:lstStyle/>
+          <a:p>
+            <a:pPr algn="ctr"/>
+            <a:endParaRPr lang="en-US"/>
+          </a:p>
+        </p:txBody>
+      </p:sp>
+      <p:sp>
+        <p:nvSpPr>
+          <p:cNvPr id="87" name="Rectangle 86"/>
+          <p:cNvSpPr/>
+          <p:nvPr/>
+        </p:nvSpPr>
+        <p:spPr>
+          <a:xfrm>
+            <a:off x="332220" y="5209720"/>
+            <a:ext cx="164592" cy="153690"/>
+          </a:xfrm>
+          <a:prstGeom prst="rect">
+            <a:avLst/>
+          </a:prstGeom>
+          <a:solidFill>
+            <a:schemeClr val="accent1">
+              <a:lumMod val="75000"/>
+            </a:schemeClr>
+          </a:solidFill>
+          <a:ln>
+            <a:solidFill>
+              <a:schemeClr val="accent1">
+                <a:lumMod val="75000"/>
+              </a:schemeClr>
+            </a:solidFill>
+          </a:ln>
+        </p:spPr>
+        <p:style>
+          <a:lnRef idx="2">
+            <a:schemeClr val="accent1">
+              <a:shade val="50000"/>
+            </a:schemeClr>
+          </a:lnRef>
+          <a:fillRef idx="1">
+            <a:schemeClr val="accent1"/>
+          </a:fillRef>
+          <a:effectRef idx="0">
+            <a:schemeClr val="accent1"/>
+          </a:effectRef>
+          <a:fontRef idx="minor">
+            <a:schemeClr val="lt1"/>
+          </a:fontRef>
+        </p:style>
+        <p:txBody>
+          <a:bodyPr rtlCol="0" anchor="ctr"/>
+          <a:lstStyle/>
+          <a:p>
+            <a:pPr algn="ctr"/>
+            <a:endParaRPr lang="en-US"/>
+          </a:p>
+        </p:txBody>
+      </p:sp>
+      <p:sp>
+        <p:nvSpPr>
+          <p:cNvPr id="88" name="Diamond 87"/>
+          <p:cNvSpPr/>
+          <p:nvPr/>
+        </p:nvSpPr>
+        <p:spPr>
+          <a:xfrm>
+            <a:off x="1263841" y="4749302"/>
+            <a:ext cx="237744" cy="219456"/>
+          </a:xfrm>
+          <a:prstGeom prst="diamond">
+            <a:avLst/>
+          </a:prstGeom>
+          <a:solidFill>
+            <a:schemeClr val="accent6">
+              <a:lumMod val="60000"/>
+              <a:lumOff val="40000"/>
+            </a:schemeClr>
+          </a:solidFill>
+          <a:ln>
+            <a:solidFill>
+              <a:schemeClr val="accent6">
+                <a:lumMod val="60000"/>
+                <a:lumOff val="40000"/>
+              </a:schemeClr>
+            </a:solidFill>
+          </a:ln>
+        </p:spPr>
+        <p:style>
+          <a:lnRef idx="2">
+            <a:schemeClr val="accent1">
+              <a:shade val="50000"/>
+            </a:schemeClr>
+          </a:lnRef>
+          <a:fillRef idx="1">
+            <a:schemeClr val="accent1"/>
+          </a:fillRef>
+          <a:effectRef idx="0">
+            <a:schemeClr val="accent1"/>
+          </a:effectRef>
+          <a:fontRef idx="minor">
+            <a:schemeClr val="lt1"/>
+          </a:fontRef>
+        </p:style>
+        <p:txBody>
+          <a:bodyPr rtlCol="0" anchor="ctr"/>
+          <a:lstStyle/>
+          <a:p>
+            <a:pPr algn="ctr"/>
+            <a:endParaRPr lang="en-US"/>
+          </a:p>
+        </p:txBody>
+      </p:sp>
+      <p:sp>
+        <p:nvSpPr>
+          <p:cNvPr id="89" name="Diamond 88"/>
+          <p:cNvSpPr/>
+          <p:nvPr/>
+        </p:nvSpPr>
+        <p:spPr>
+          <a:xfrm>
+            <a:off x="3057764" y="5458452"/>
+            <a:ext cx="237744" cy="219456"/>
+          </a:xfrm>
+          <a:prstGeom prst="diamond">
+            <a:avLst/>
+          </a:prstGeom>
+          <a:solidFill>
+            <a:schemeClr val="accent6">
+              <a:lumMod val="60000"/>
+              <a:lumOff val="40000"/>
+            </a:schemeClr>
+          </a:solidFill>
+          <a:ln>
+            <a:solidFill>
+              <a:schemeClr val="accent6">
+                <a:lumMod val="60000"/>
+                <a:lumOff val="40000"/>
+              </a:schemeClr>
+            </a:solidFill>
+          </a:ln>
+        </p:spPr>
+        <p:style>
+          <a:lnRef idx="2">
+            <a:schemeClr val="accent1">
+              <a:shade val="50000"/>
+            </a:schemeClr>
+          </a:lnRef>
+          <a:fillRef idx="1">
+            <a:schemeClr val="accent1"/>
+          </a:fillRef>
+          <a:effectRef idx="0">
+            <a:schemeClr val="accent1"/>
+          </a:effectRef>
+          <a:fontRef idx="minor">
+            <a:schemeClr val="lt1"/>
+          </a:fontRef>
+        </p:style>
+        <p:txBody>
+          <a:bodyPr rtlCol="0" anchor="ctr"/>
+          <a:lstStyle/>
+          <a:p>
+            <a:pPr algn="ctr"/>
+            <a:endParaRPr lang="en-US"/>
+          </a:p>
+        </p:txBody>
+      </p:sp>
+      <p:sp>
+        <p:nvSpPr>
+          <p:cNvPr id="90" name="Diamond 89"/>
+          <p:cNvSpPr/>
+          <p:nvPr/>
+        </p:nvSpPr>
+        <p:spPr>
+          <a:xfrm>
+            <a:off x="2768639" y="6007800"/>
+            <a:ext cx="237744" cy="219456"/>
+          </a:xfrm>
+          <a:prstGeom prst="diamond">
+            <a:avLst/>
+          </a:prstGeom>
+          <a:solidFill>
+            <a:schemeClr val="accent6">
+              <a:lumMod val="60000"/>
+              <a:lumOff val="40000"/>
+            </a:schemeClr>
+          </a:solidFill>
+          <a:ln>
+            <a:solidFill>
+              <a:schemeClr val="accent6">
+                <a:lumMod val="60000"/>
+                <a:lumOff val="40000"/>
+              </a:schemeClr>
+            </a:solidFill>
+          </a:ln>
+        </p:spPr>
+        <p:style>
+          <a:lnRef idx="2">
+            <a:schemeClr val="accent1">
+              <a:shade val="50000"/>
+            </a:schemeClr>
+          </a:lnRef>
+          <a:fillRef idx="1">
+            <a:schemeClr val="accent1"/>
+          </a:fillRef>
+          <a:effectRef idx="0">
+            <a:schemeClr val="accent1"/>
+          </a:effectRef>
+          <a:fontRef idx="minor">
+            <a:schemeClr val="lt1"/>
+          </a:fontRef>
+        </p:style>
+        <p:txBody>
+          <a:bodyPr rtlCol="0" anchor="ctr"/>
+          <a:lstStyle/>
+          <a:p>
+            <a:pPr algn="ctr"/>
+            <a:endParaRPr lang="en-US"/>
+          </a:p>
+        </p:txBody>
+      </p:sp>
+      <p:sp>
+        <p:nvSpPr>
+          <p:cNvPr id="91" name="Diamond 90"/>
+          <p:cNvSpPr/>
+          <p:nvPr/>
+        </p:nvSpPr>
+        <p:spPr>
+          <a:xfrm>
+            <a:off x="1560086" y="5581971"/>
+            <a:ext cx="237744" cy="219456"/>
+          </a:xfrm>
+          <a:prstGeom prst="diamond">
+            <a:avLst/>
+          </a:prstGeom>
+          <a:solidFill>
+            <a:schemeClr val="accent6">
+              <a:lumMod val="60000"/>
+              <a:lumOff val="40000"/>
+            </a:schemeClr>
+          </a:solidFill>
+          <a:ln>
+            <a:solidFill>
+              <a:schemeClr val="accent6">
+                <a:lumMod val="60000"/>
+                <a:lumOff val="40000"/>
+              </a:schemeClr>
+            </a:solidFill>
+          </a:ln>
+        </p:spPr>
+        <p:style>
+          <a:lnRef idx="2">
+            <a:schemeClr val="accent1">
+              <a:shade val="50000"/>
+            </a:schemeClr>
+          </a:lnRef>
+          <a:fillRef idx="1">
+            <a:schemeClr val="accent1"/>
+          </a:fillRef>
+          <a:effectRef idx="0">
+            <a:schemeClr val="accent1"/>
+          </a:effectRef>
+          <a:fontRef idx="minor">
+            <a:schemeClr val="lt1"/>
+          </a:fontRef>
+        </p:style>
+        <p:txBody>
+          <a:bodyPr rtlCol="0" anchor="ctr"/>
+          <a:lstStyle/>
+          <a:p>
+            <a:pPr algn="ctr"/>
+            <a:endParaRPr lang="en-US"/>
+          </a:p>
+        </p:txBody>
+      </p:sp>
+      <p:sp>
+        <p:nvSpPr>
+          <p:cNvPr id="92" name="5-Point Star 91"/>
+          <p:cNvSpPr/>
+          <p:nvPr/>
+        </p:nvSpPr>
+        <p:spPr>
+          <a:xfrm>
+            <a:off x="2190761" y="6144887"/>
+            <a:ext cx="229514" cy="219456"/>
+          </a:xfrm>
+          <a:prstGeom prst="star5">
+            <a:avLst/>
+          </a:prstGeom>
+          <a:solidFill>
+            <a:schemeClr val="accent4"/>
+          </a:solidFill>
+          <a:ln>
+            <a:solidFill>
+              <a:schemeClr val="accent4"/>
+            </a:solidFill>
+          </a:ln>
+        </p:spPr>
+        <p:style>
+          <a:lnRef idx="2">
+            <a:schemeClr val="accent1">
+              <a:shade val="50000"/>
+            </a:schemeClr>
+          </a:lnRef>
+          <a:fillRef idx="1">
+            <a:schemeClr val="accent1"/>
+          </a:fillRef>
+          <a:effectRef idx="0">
+            <a:schemeClr val="accent1"/>
+          </a:effectRef>
+          <a:fontRef idx="minor">
+            <a:schemeClr val="lt1"/>
+          </a:fontRef>
+        </p:style>
+        <p:txBody>
+          <a:bodyPr rtlCol="0" anchor="ctr"/>
+          <a:lstStyle/>
+          <a:p>
+            <a:pPr algn="ctr"/>
+            <a:endParaRPr lang="en-US"/>
+          </a:p>
+        </p:txBody>
+      </p:sp>
+      <p:sp>
+        <p:nvSpPr>
+          <p:cNvPr id="93" name="Flowchart: Connector 92"/>
+          <p:cNvSpPr/>
+          <p:nvPr/>
+        </p:nvSpPr>
+        <p:spPr>
+          <a:xfrm>
+            <a:off x="975653" y="6097948"/>
+            <a:ext cx="187452" cy="153690"/>
+          </a:xfrm>
+          <a:prstGeom prst="flowChartConnector">
+            <a:avLst/>
+          </a:prstGeom>
+          <a:solidFill>
+            <a:srgbClr val="7030A0"/>
+          </a:solidFill>
+          <a:ln>
+            <a:solidFill>
+              <a:srgbClr val="7030A0"/>
+            </a:solidFill>
+          </a:ln>
+        </p:spPr>
+        <p:style>
+          <a:lnRef idx="2">
+            <a:schemeClr val="accent1">
+              <a:shade val="50000"/>
+            </a:schemeClr>
+          </a:lnRef>
+          <a:fillRef idx="1">
+            <a:schemeClr val="accent1"/>
+          </a:fillRef>
+          <a:effectRef idx="0">
+            <a:schemeClr val="accent1"/>
+          </a:effectRef>
+          <a:fontRef idx="minor">
+            <a:schemeClr val="lt1"/>
+          </a:fontRef>
+        </p:style>
+        <p:txBody>
+          <a:bodyPr rtlCol="0" anchor="ctr"/>
+          <a:lstStyle/>
+          <a:p>
+            <a:pPr algn="ctr"/>
+            <a:endParaRPr lang="en-US"/>
+          </a:p>
+        </p:txBody>
+      </p:sp>
+      <p:sp>
+        <p:nvSpPr>
+          <p:cNvPr id="94" name="Rectangle 93"/>
+          <p:cNvSpPr/>
+          <p:nvPr/>
+        </p:nvSpPr>
+        <p:spPr>
+          <a:xfrm>
+            <a:off x="1336993" y="5147619"/>
+            <a:ext cx="164592" cy="153690"/>
+          </a:xfrm>
+          <a:prstGeom prst="rect">
+            <a:avLst/>
+          </a:prstGeom>
+          <a:solidFill>
+            <a:schemeClr val="accent1">
+              <a:lumMod val="75000"/>
+            </a:schemeClr>
+          </a:solidFill>
+          <a:ln>
+            <a:solidFill>
+              <a:schemeClr val="accent1">
+                <a:lumMod val="75000"/>
+              </a:schemeClr>
+            </a:solidFill>
+          </a:ln>
+        </p:spPr>
+        <p:style>
+          <a:lnRef idx="2">
+            <a:schemeClr val="accent1">
+              <a:shade val="50000"/>
+            </a:schemeClr>
+          </a:lnRef>
+          <a:fillRef idx="1">
+            <a:schemeClr val="accent1"/>
+          </a:fillRef>
+          <a:effectRef idx="0">
+            <a:schemeClr val="accent1"/>
+          </a:effectRef>
+          <a:fontRef idx="minor">
+            <a:schemeClr val="lt1"/>
+          </a:fontRef>
+        </p:style>
+        <p:txBody>
+          <a:bodyPr rtlCol="0" anchor="ctr"/>
+          <a:lstStyle/>
+          <a:p>
+            <a:pPr algn="ctr"/>
+            <a:endParaRPr lang="en-US"/>
+          </a:p>
+        </p:txBody>
+      </p:sp>
+      <p:sp>
+        <p:nvSpPr>
+          <p:cNvPr id="95" name="Rectangle 94"/>
+          <p:cNvSpPr/>
+          <p:nvPr/>
+        </p:nvSpPr>
+        <p:spPr>
+          <a:xfrm>
+            <a:off x="2893172" y="4835336"/>
+            <a:ext cx="164592" cy="153690"/>
+          </a:xfrm>
+          <a:prstGeom prst="rect">
+            <a:avLst/>
+          </a:prstGeom>
+          <a:solidFill>
+            <a:schemeClr val="accent1">
+              <a:lumMod val="75000"/>
+            </a:schemeClr>
+          </a:solidFill>
+          <a:ln>
+            <a:solidFill>
+              <a:schemeClr val="accent1">
+                <a:lumMod val="75000"/>
+              </a:schemeClr>
+            </a:solidFill>
+          </a:ln>
+        </p:spPr>
+        <p:style>
+          <a:lnRef idx="2">
+            <a:schemeClr val="accent1">
+              <a:shade val="50000"/>
+            </a:schemeClr>
+          </a:lnRef>
+          <a:fillRef idx="1">
+            <a:schemeClr val="accent1"/>
+          </a:fillRef>
+          <a:effectRef idx="0">
+            <a:schemeClr val="accent1"/>
+          </a:effectRef>
+          <a:fontRef idx="minor">
+            <a:schemeClr val="lt1"/>
+          </a:fontRef>
+        </p:style>
+        <p:txBody>
+          <a:bodyPr rtlCol="0" anchor="ctr"/>
+          <a:lstStyle/>
+          <a:p>
+            <a:pPr algn="ctr"/>
+            <a:endParaRPr lang="en-US"/>
+          </a:p>
+        </p:txBody>
+      </p:sp>
+      <p:sp>
+        <p:nvSpPr>
+          <p:cNvPr id="96" name="Rectangle 95"/>
+          <p:cNvSpPr/>
+          <p:nvPr/>
+        </p:nvSpPr>
+        <p:spPr>
+          <a:xfrm>
+            <a:off x="1608852" y="6315747"/>
+            <a:ext cx="164592" cy="153690"/>
+          </a:xfrm>
+          <a:prstGeom prst="rect">
+            <a:avLst/>
+          </a:prstGeom>
+          <a:solidFill>
+            <a:schemeClr val="accent1">
+              <a:lumMod val="75000"/>
+            </a:schemeClr>
+          </a:solidFill>
+          <a:ln>
+            <a:solidFill>
+              <a:schemeClr val="accent1">
+                <a:lumMod val="75000"/>
+              </a:schemeClr>
+            </a:solidFill>
+          </a:ln>
+        </p:spPr>
+        <p:style>
+          <a:lnRef idx="2">
+            <a:schemeClr val="accent1">
+              <a:shade val="50000"/>
+            </a:schemeClr>
+          </a:lnRef>
+          <a:fillRef idx="1">
+            <a:schemeClr val="accent1"/>
+          </a:fillRef>
+          <a:effectRef idx="0">
+            <a:schemeClr val="accent1"/>
+          </a:effectRef>
+          <a:fontRef idx="minor">
+            <a:schemeClr val="lt1"/>
+          </a:fontRef>
+        </p:style>
+        <p:txBody>
+          <a:bodyPr rtlCol="0" anchor="ctr"/>
+          <a:lstStyle/>
+          <a:p>
+            <a:pPr algn="ctr"/>
+            <a:endParaRPr lang="en-US"/>
+          </a:p>
+        </p:txBody>
+      </p:sp>
+      <p:sp>
+        <p:nvSpPr>
+          <p:cNvPr id="97" name="Rectangle 96"/>
+          <p:cNvSpPr/>
+          <p:nvPr/>
+        </p:nvSpPr>
+        <p:spPr>
+          <a:xfrm>
+            <a:off x="2026169" y="4657711"/>
+            <a:ext cx="164592" cy="153690"/>
+          </a:xfrm>
+          <a:prstGeom prst="rect">
+            <a:avLst/>
+          </a:prstGeom>
+          <a:solidFill>
+            <a:schemeClr val="accent1">
+              <a:lumMod val="75000"/>
+            </a:schemeClr>
+          </a:solidFill>
+          <a:ln>
+            <a:solidFill>
+              <a:schemeClr val="accent1">
+                <a:lumMod val="75000"/>
+              </a:schemeClr>
+            </a:solidFill>
+          </a:ln>
+        </p:spPr>
+        <p:style>
+          <a:lnRef idx="2">
+            <a:schemeClr val="accent1">
+              <a:shade val="50000"/>
+            </a:schemeClr>
+          </a:lnRef>
+          <a:fillRef idx="1">
+            <a:schemeClr val="accent1"/>
+          </a:fillRef>
+          <a:effectRef idx="0">
+            <a:schemeClr val="accent1"/>
+          </a:effectRef>
+          <a:fontRef idx="minor">
+            <a:schemeClr val="lt1"/>
+          </a:fontRef>
+        </p:style>
+        <p:txBody>
+          <a:bodyPr rtlCol="0" anchor="ctr"/>
+          <a:lstStyle/>
+          <a:p>
+            <a:pPr algn="ctr"/>
+            <a:endParaRPr lang="en-US"/>
+          </a:p>
+        </p:txBody>
+      </p:sp>
+    </p:spTree>
+    <p:extLst>
+      <p:ext uri="{BB962C8B-B14F-4D97-AF65-F5344CB8AC3E}">
+        <p14:creationId xmlns:p14="http://schemas.microsoft.com/office/powerpoint/2010/main" val="2991351660"/>
+      </p:ext>
+    </p:extLst>
+  </p:cSld>
+  <p:clrMapOvr>
+    <a:masterClrMapping/>
+  </p:clrMapOvr>
+</p:sld>
+</file>
+
+<file path=ppt/slides/slide3.xml><?xml version="1.0" encoding="utf-8"?>
+<p:sld xmlns:a="http://schemas.openxmlformats.org/drawingml/2006/main" xmlns:r="http://schemas.openxmlformats.org/officeDocument/2006/relationships" xmlns:p="http://schemas.openxmlformats.org/presentationml/2006/main">
+  <p:cSld>
+    <p:spTree>
+      <p:nvGrpSpPr>
+        <p:cNvPr id="1" name=""/>
+        <p:cNvGrpSpPr/>
+        <p:nvPr/>
+      </p:nvGrpSpPr>
+      <p:grpSpPr>
+        <a:xfrm>
+          <a:off x="0" y="0"/>
+          <a:ext cx="0" cy="0"/>
+          <a:chOff x="0" y="0"/>
+          <a:chExt cx="0" cy="0"/>
+        </a:xfrm>
+      </p:grpSpPr>
       <p:pic>
         <p:nvPicPr>
           <p:cNvPr id="3" name="Picture 2"/>
@@ -5912,7 +9837,7 @@
 </p:sld>
 </file>
 
-<file path=ppt/slides/slide3.xml><?xml version="1.0" encoding="utf-8"?>
+<file path=ppt/slides/slide4.xml><?xml version="1.0" encoding="utf-8"?>
 <p:sld xmlns:a="http://schemas.openxmlformats.org/drawingml/2006/main" xmlns:r="http://schemas.openxmlformats.org/officeDocument/2006/relationships" xmlns:p="http://schemas.openxmlformats.org/presentationml/2006/main">
   <p:cSld>
     <p:spTree>
@@ -6356,7 +10281,7 @@
 </p:sld>
 </file>
 
-<file path=ppt/slides/slide4.xml><?xml version="1.0" encoding="utf-8"?>
+<file path=ppt/slides/slide5.xml><?xml version="1.0" encoding="utf-8"?>
 <p:sld xmlns:a="http://schemas.openxmlformats.org/drawingml/2006/main" xmlns:r="http://schemas.openxmlformats.org/officeDocument/2006/relationships" xmlns:p="http://schemas.openxmlformats.org/presentationml/2006/main">
   <p:cSld>
     <p:spTree>
@@ -6896,7 +10821,7 @@
 </p:sld>
 </file>
 
-<file path=ppt/slides/slide5.xml><?xml version="1.0" encoding="utf-8"?>
+<file path=ppt/slides/slide6.xml><?xml version="1.0" encoding="utf-8"?>
 <p:sld xmlns:a="http://schemas.openxmlformats.org/drawingml/2006/main" xmlns:r="http://schemas.openxmlformats.org/officeDocument/2006/relationships" xmlns:p="http://schemas.openxmlformats.org/presentationml/2006/main">
   <p:cSld>
     <p:spTree>
@@ -6994,7 +10919,7 @@
 </p:sld>
 </file>
 
-<file path=ppt/slides/slide6.xml><?xml version="1.0" encoding="utf-8"?>
+<file path=ppt/slides/slide7.xml><?xml version="1.0" encoding="utf-8"?>
 <p:sld xmlns:a="http://schemas.openxmlformats.org/drawingml/2006/main" xmlns:r="http://schemas.openxmlformats.org/officeDocument/2006/relationships" xmlns:p="http://schemas.openxmlformats.org/presentationml/2006/main">
   <p:cSld>
     <p:spTree>

--- a/output/plots/all_figs_with_legends.pptx
+++ b/output/plots/all_figs_with_legends.pptx
@@ -203,7 +203,7 @@
           <a:p>
             <a:fld id="{7FA21820-D199-4D82-91AF-C50B1D3B111A}" type="datetimeFigureOut">
               <a:rPr lang="en-US" smtClean="0"/>
-              <a:t>5/1/2017</a:t>
+              <a:t>5/2/2017</a:t>
             </a:fld>
             <a:endParaRPr lang="en-US"/>
           </a:p>
@@ -1036,7 +1036,7 @@
           <a:p>
             <a:fld id="{916B8C92-D5E3-4480-8685-D57BEE386DE2}" type="datetimeFigureOut">
               <a:rPr lang="en-US" smtClean="0"/>
-              <a:t>5/1/2017</a:t>
+              <a:t>5/2/2017</a:t>
             </a:fld>
             <a:endParaRPr lang="en-US"/>
           </a:p>
@@ -1206,7 +1206,7 @@
           <a:p>
             <a:fld id="{916B8C92-D5E3-4480-8685-D57BEE386DE2}" type="datetimeFigureOut">
               <a:rPr lang="en-US" smtClean="0"/>
-              <a:t>5/1/2017</a:t>
+              <a:t>5/2/2017</a:t>
             </a:fld>
             <a:endParaRPr lang="en-US"/>
           </a:p>
@@ -1386,7 +1386,7 @@
           <a:p>
             <a:fld id="{916B8C92-D5E3-4480-8685-D57BEE386DE2}" type="datetimeFigureOut">
               <a:rPr lang="en-US" smtClean="0"/>
-              <a:t>5/1/2017</a:t>
+              <a:t>5/2/2017</a:t>
             </a:fld>
             <a:endParaRPr lang="en-US"/>
           </a:p>
@@ -1556,7 +1556,7 @@
           <a:p>
             <a:fld id="{916B8C92-D5E3-4480-8685-D57BEE386DE2}" type="datetimeFigureOut">
               <a:rPr lang="en-US" smtClean="0"/>
-              <a:t>5/1/2017</a:t>
+              <a:t>5/2/2017</a:t>
             </a:fld>
             <a:endParaRPr lang="en-US"/>
           </a:p>
@@ -1802,7 +1802,7 @@
           <a:p>
             <a:fld id="{916B8C92-D5E3-4480-8685-D57BEE386DE2}" type="datetimeFigureOut">
               <a:rPr lang="en-US" smtClean="0"/>
-              <a:t>5/1/2017</a:t>
+              <a:t>5/2/2017</a:t>
             </a:fld>
             <a:endParaRPr lang="en-US"/>
           </a:p>
@@ -2034,7 +2034,7 @@
           <a:p>
             <a:fld id="{916B8C92-D5E3-4480-8685-D57BEE386DE2}" type="datetimeFigureOut">
               <a:rPr lang="en-US" smtClean="0"/>
-              <a:t>5/1/2017</a:t>
+              <a:t>5/2/2017</a:t>
             </a:fld>
             <a:endParaRPr lang="en-US"/>
           </a:p>
@@ -2401,7 +2401,7 @@
           <a:p>
             <a:fld id="{916B8C92-D5E3-4480-8685-D57BEE386DE2}" type="datetimeFigureOut">
               <a:rPr lang="en-US" smtClean="0"/>
-              <a:t>5/1/2017</a:t>
+              <a:t>5/2/2017</a:t>
             </a:fld>
             <a:endParaRPr lang="en-US"/>
           </a:p>
@@ -2519,7 +2519,7 @@
           <a:p>
             <a:fld id="{916B8C92-D5E3-4480-8685-D57BEE386DE2}" type="datetimeFigureOut">
               <a:rPr lang="en-US" smtClean="0"/>
-              <a:t>5/1/2017</a:t>
+              <a:t>5/2/2017</a:t>
             </a:fld>
             <a:endParaRPr lang="en-US"/>
           </a:p>
@@ -2614,7 +2614,7 @@
           <a:p>
             <a:fld id="{916B8C92-D5E3-4480-8685-D57BEE386DE2}" type="datetimeFigureOut">
               <a:rPr lang="en-US" smtClean="0"/>
-              <a:t>5/1/2017</a:t>
+              <a:t>5/2/2017</a:t>
             </a:fld>
             <a:endParaRPr lang="en-US"/>
           </a:p>
@@ -2891,7 +2891,7 @@
           <a:p>
             <a:fld id="{916B8C92-D5E3-4480-8685-D57BEE386DE2}" type="datetimeFigureOut">
               <a:rPr lang="en-US" smtClean="0"/>
-              <a:t>5/1/2017</a:t>
+              <a:t>5/2/2017</a:t>
             </a:fld>
             <a:endParaRPr lang="en-US"/>
           </a:p>
@@ -3144,7 +3144,7 @@
           <a:p>
             <a:fld id="{916B8C92-D5E3-4480-8685-D57BEE386DE2}" type="datetimeFigureOut">
               <a:rPr lang="en-US" smtClean="0"/>
-              <a:t>5/1/2017</a:t>
+              <a:t>5/2/2017</a:t>
             </a:fld>
             <a:endParaRPr lang="en-US"/>
           </a:p>
@@ -3357,7 +3357,7 @@
           <a:p>
             <a:fld id="{916B8C92-D5E3-4480-8685-D57BEE386DE2}" type="datetimeFigureOut">
               <a:rPr lang="en-US" smtClean="0"/>
-              <a:t>5/1/2017</a:t>
+              <a:t>5/2/2017</a:t>
             </a:fld>
             <a:endParaRPr lang="en-US"/>
           </a:p>
@@ -5940,13 +5940,13 @@
           <p:nvPr>
             <p:extLst>
               <p:ext uri="{D42A27DB-BD31-4B8C-83A1-F6EECF244321}">
-                <p14:modId xmlns:p14="http://schemas.microsoft.com/office/powerpoint/2010/main" val="3885029145"/>
+                <p14:modId xmlns:p14="http://schemas.microsoft.com/office/powerpoint/2010/main" val="1776820716"/>
               </p:ext>
             </p:extLst>
           </p:nvPr>
         </p:nvGraphicFramePr>
         <p:xfrm>
-          <a:off x="7293864" y="4857895"/>
+          <a:off x="7235952" y="5032367"/>
           <a:ext cx="4822650" cy="1112520"/>
         </p:xfrm>
         <a:graphic>
@@ -6495,7 +6495,7 @@
         </p:nvSpPr>
         <p:spPr>
           <a:xfrm>
-            <a:off x="408431" y="3051596"/>
+            <a:off x="474197" y="3049678"/>
             <a:ext cx="45719" cy="45719"/>
           </a:xfrm>
           <a:prstGeom prst="flowChartConnector">
@@ -6543,7 +6543,7 @@
         </p:nvSpPr>
         <p:spPr>
           <a:xfrm>
-            <a:off x="408431" y="3962185"/>
+            <a:off x="474197" y="3960267"/>
             <a:ext cx="45719" cy="45719"/>
           </a:xfrm>
           <a:prstGeom prst="flowChartConnector">
@@ -6591,7 +6591,7 @@
         </p:nvSpPr>
         <p:spPr>
           <a:xfrm>
-            <a:off x="3200970" y="2529508"/>
+            <a:off x="3266736" y="2527590"/>
             <a:ext cx="45719" cy="45719"/>
           </a:xfrm>
           <a:prstGeom prst="flowChartConnector">
@@ -6669,7 +6669,7 @@
         </p:nvSpPr>
         <p:spPr>
           <a:xfrm rot="16200000">
-            <a:off x="-145818" y="3109816"/>
+            <a:off x="-136195" y="3285237"/>
             <a:ext cx="848822" cy="246221"/>
           </a:xfrm>
           <a:prstGeom prst="rect">
@@ -6699,7 +6699,7 @@
         </p:nvSpPr>
         <p:spPr>
           <a:xfrm>
-            <a:off x="7356348" y="2375942"/>
+            <a:off x="7218163" y="2983312"/>
             <a:ext cx="2995966" cy="923330"/>
           </a:xfrm>
           <a:prstGeom prst="rect">
@@ -6765,7 +6765,7 @@
         </p:nvCxnSpPr>
         <p:spPr>
           <a:xfrm flipV="1">
-            <a:off x="523189" y="2602038"/>
+            <a:off x="588955" y="2600120"/>
             <a:ext cx="2645686" cy="1348477"/>
           </a:xfrm>
           <a:prstGeom prst="line">
@@ -6801,7 +6801,7 @@
         </p:nvCxnSpPr>
         <p:spPr>
           <a:xfrm flipV="1">
-            <a:off x="491867" y="2584630"/>
+            <a:off x="557633" y="2582712"/>
             <a:ext cx="2635642" cy="474268"/>
           </a:xfrm>
           <a:prstGeom prst="line">
@@ -7752,7 +7752,7 @@
         <p:spPr>
           <a:xfrm>
             <a:off x="3709415" y="2319910"/>
-            <a:ext cx="3355413" cy="2108286"/>
+            <a:ext cx="3441193" cy="2108286"/>
           </a:xfrm>
           <a:prstGeom prst="rect">
             <a:avLst/>
@@ -8611,6 +8611,76 @@
           </a:p>
         </p:txBody>
       </p:sp>
+      <p:cxnSp>
+        <p:nvCxnSpPr>
+          <p:cNvPr id="11" name="Straight Connector 10"/>
+          <p:cNvCxnSpPr/>
+          <p:nvPr/>
+        </p:nvCxnSpPr>
+        <p:spPr>
+          <a:xfrm>
+            <a:off x="406498" y="2436439"/>
+            <a:ext cx="0" cy="1796087"/>
+          </a:xfrm>
+          <a:prstGeom prst="line">
+            <a:avLst/>
+          </a:prstGeom>
+          <a:ln>
+            <a:solidFill>
+              <a:schemeClr val="tx1"/>
+            </a:solidFill>
+          </a:ln>
+        </p:spPr>
+        <p:style>
+          <a:lnRef idx="1">
+            <a:schemeClr val="accent1"/>
+          </a:lnRef>
+          <a:fillRef idx="0">
+            <a:schemeClr val="accent1"/>
+          </a:fillRef>
+          <a:effectRef idx="0">
+            <a:schemeClr val="accent1"/>
+          </a:effectRef>
+          <a:fontRef idx="minor">
+            <a:schemeClr val="tx1"/>
+          </a:fontRef>
+        </p:style>
+      </p:cxnSp>
+      <p:cxnSp>
+        <p:nvCxnSpPr>
+          <p:cNvPr id="98" name="Straight Connector 97"/>
+          <p:cNvCxnSpPr/>
+          <p:nvPr/>
+        </p:nvCxnSpPr>
+        <p:spPr>
+          <a:xfrm flipH="1">
+            <a:off x="406497" y="4234953"/>
+            <a:ext cx="3011434" cy="4068"/>
+          </a:xfrm>
+          <a:prstGeom prst="line">
+            <a:avLst/>
+          </a:prstGeom>
+          <a:ln>
+            <a:solidFill>
+              <a:schemeClr val="tx1"/>
+            </a:solidFill>
+          </a:ln>
+        </p:spPr>
+        <p:style>
+          <a:lnRef idx="1">
+            <a:schemeClr val="accent1"/>
+          </a:lnRef>
+          <a:fillRef idx="0">
+            <a:schemeClr val="accent1"/>
+          </a:fillRef>
+          <a:effectRef idx="0">
+            <a:schemeClr val="accent1"/>
+          </a:effectRef>
+          <a:fontRef idx="minor">
+            <a:schemeClr val="tx1"/>
+          </a:fontRef>
+        </p:style>
+      </p:cxnSp>
     </p:spTree>
     <p:extLst>
       <p:ext uri="{BB962C8B-B14F-4D97-AF65-F5344CB8AC3E}">

--- a/output/plots/all_figs_with_legends.pptx
+++ b/output/plots/all_figs_with_legends.pptx
@@ -203,7 +203,7 @@
           <a:p>
             <a:fld id="{7FA21820-D199-4D82-91AF-C50B1D3B111A}" type="datetimeFigureOut">
               <a:rPr lang="en-US" smtClean="0"/>
-              <a:t>5/2/2017</a:t>
+              <a:t>5/3/2017</a:t>
             </a:fld>
             <a:endParaRPr lang="en-US"/>
           </a:p>
@@ -1036,7 +1036,7 @@
           <a:p>
             <a:fld id="{916B8C92-D5E3-4480-8685-D57BEE386DE2}" type="datetimeFigureOut">
               <a:rPr lang="en-US" smtClean="0"/>
-              <a:t>5/2/2017</a:t>
+              <a:t>5/3/2017</a:t>
             </a:fld>
             <a:endParaRPr lang="en-US"/>
           </a:p>
@@ -1206,7 +1206,7 @@
           <a:p>
             <a:fld id="{916B8C92-D5E3-4480-8685-D57BEE386DE2}" type="datetimeFigureOut">
               <a:rPr lang="en-US" smtClean="0"/>
-              <a:t>5/2/2017</a:t>
+              <a:t>5/3/2017</a:t>
             </a:fld>
             <a:endParaRPr lang="en-US"/>
           </a:p>
@@ -1386,7 +1386,7 @@
           <a:p>
             <a:fld id="{916B8C92-D5E3-4480-8685-D57BEE386DE2}" type="datetimeFigureOut">
               <a:rPr lang="en-US" smtClean="0"/>
-              <a:t>5/2/2017</a:t>
+              <a:t>5/3/2017</a:t>
             </a:fld>
             <a:endParaRPr lang="en-US"/>
           </a:p>
@@ -1556,7 +1556,7 @@
           <a:p>
             <a:fld id="{916B8C92-D5E3-4480-8685-D57BEE386DE2}" type="datetimeFigureOut">
               <a:rPr lang="en-US" smtClean="0"/>
-              <a:t>5/2/2017</a:t>
+              <a:t>5/3/2017</a:t>
             </a:fld>
             <a:endParaRPr lang="en-US"/>
           </a:p>
@@ -1802,7 +1802,7 @@
           <a:p>
             <a:fld id="{916B8C92-D5E3-4480-8685-D57BEE386DE2}" type="datetimeFigureOut">
               <a:rPr lang="en-US" smtClean="0"/>
-              <a:t>5/2/2017</a:t>
+              <a:t>5/3/2017</a:t>
             </a:fld>
             <a:endParaRPr lang="en-US"/>
           </a:p>
@@ -2034,7 +2034,7 @@
           <a:p>
             <a:fld id="{916B8C92-D5E3-4480-8685-D57BEE386DE2}" type="datetimeFigureOut">
               <a:rPr lang="en-US" smtClean="0"/>
-              <a:t>5/2/2017</a:t>
+              <a:t>5/3/2017</a:t>
             </a:fld>
             <a:endParaRPr lang="en-US"/>
           </a:p>
@@ -2401,7 +2401,7 @@
           <a:p>
             <a:fld id="{916B8C92-D5E3-4480-8685-D57BEE386DE2}" type="datetimeFigureOut">
               <a:rPr lang="en-US" smtClean="0"/>
-              <a:t>5/2/2017</a:t>
+              <a:t>5/3/2017</a:t>
             </a:fld>
             <a:endParaRPr lang="en-US"/>
           </a:p>
@@ -2519,7 +2519,7 @@
           <a:p>
             <a:fld id="{916B8C92-D5E3-4480-8685-D57BEE386DE2}" type="datetimeFigureOut">
               <a:rPr lang="en-US" smtClean="0"/>
-              <a:t>5/2/2017</a:t>
+              <a:t>5/3/2017</a:t>
             </a:fld>
             <a:endParaRPr lang="en-US"/>
           </a:p>
@@ -2614,7 +2614,7 @@
           <a:p>
             <a:fld id="{916B8C92-D5E3-4480-8685-D57BEE386DE2}" type="datetimeFigureOut">
               <a:rPr lang="en-US" smtClean="0"/>
-              <a:t>5/2/2017</a:t>
+              <a:t>5/3/2017</a:t>
             </a:fld>
             <a:endParaRPr lang="en-US"/>
           </a:p>
@@ -2891,7 +2891,7 @@
           <a:p>
             <a:fld id="{916B8C92-D5E3-4480-8685-D57BEE386DE2}" type="datetimeFigureOut">
               <a:rPr lang="en-US" smtClean="0"/>
-              <a:t>5/2/2017</a:t>
+              <a:t>5/3/2017</a:t>
             </a:fld>
             <a:endParaRPr lang="en-US"/>
           </a:p>
@@ -3144,7 +3144,7 @@
           <a:p>
             <a:fld id="{916B8C92-D5E3-4480-8685-D57BEE386DE2}" type="datetimeFigureOut">
               <a:rPr lang="en-US" smtClean="0"/>
-              <a:t>5/2/2017</a:t>
+              <a:t>5/3/2017</a:t>
             </a:fld>
             <a:endParaRPr lang="en-US"/>
           </a:p>
@@ -3357,7 +3357,7 @@
           <a:p>
             <a:fld id="{916B8C92-D5E3-4480-8685-D57BEE386DE2}" type="datetimeFigureOut">
               <a:rPr lang="en-US" smtClean="0"/>
-              <a:t>5/2/2017</a:t>
+              <a:t>5/3/2017</a:t>
             </a:fld>
             <a:endParaRPr lang="en-US"/>
           </a:p>
@@ -10948,7 +10948,7 @@
       </p:sp>
       <p:pic>
         <p:nvPicPr>
-          <p:cNvPr id="3" name="Picture 2"/>
+          <p:cNvPr id="2" name="Picture 1"/>
           <p:cNvPicPr>
             <a:picLocks noChangeAspect="1"/>
           </p:cNvPicPr>
@@ -10956,13 +10956,13 @@
         </p:nvPicPr>
         <p:blipFill rotWithShape="1">
           <a:blip r:embed="rId2"/>
-          <a:srcRect l="302" r="338"/>
+          <a:srcRect l="571"/>
           <a:stretch/>
         </p:blipFill>
         <p:spPr>
           <a:xfrm>
-            <a:off x="1499616" y="134914"/>
-            <a:ext cx="9025128" cy="6723086"/>
+            <a:off x="1306285" y="65314"/>
+            <a:ext cx="9094916" cy="6792686"/>
           </a:xfrm>
           <a:prstGeom prst="rect">
             <a:avLst/>

--- a/output/plots/all_figs_with_legends.pptx
+++ b/output/plots/all_figs_with_legends.pptx
@@ -8711,30 +8711,6 @@
           <a:chExt cx="0" cy="0"/>
         </a:xfrm>
       </p:grpSpPr>
-      <p:pic>
-        <p:nvPicPr>
-          <p:cNvPr id="3" name="Picture 2"/>
-          <p:cNvPicPr>
-            <a:picLocks noChangeAspect="1"/>
-          </p:cNvPicPr>
-          <p:nvPr/>
-        </p:nvPicPr>
-        <p:blipFill>
-          <a:blip r:embed="rId3"/>
-          <a:stretch>
-            <a:fillRect/>
-          </a:stretch>
-        </p:blipFill>
-        <p:spPr>
-          <a:xfrm>
-            <a:off x="1105432" y="422"/>
-            <a:ext cx="8744459" cy="6585429"/>
-          </a:xfrm>
-          <a:prstGeom prst="rect">
-            <a:avLst/>
-          </a:prstGeom>
-        </p:spPr>
-      </p:pic>
       <p:sp>
         <p:nvSpPr>
           <p:cNvPr id="2" name="TextBox 1"/>
@@ -8767,160 +8743,223 @@
       </p:sp>
       <p:grpSp>
         <p:nvGrpSpPr>
-          <p:cNvPr id="40" name="Group 39"/>
+          <p:cNvPr id="5" name="Group 4"/>
           <p:cNvGrpSpPr/>
           <p:nvPr/>
         </p:nvGrpSpPr>
         <p:grpSpPr>
           <a:xfrm>
-            <a:off x="1955798" y="4009611"/>
-            <a:ext cx="3255436" cy="375380"/>
-            <a:chOff x="2721075" y="6066646"/>
-            <a:chExt cx="2738999" cy="243895"/>
+            <a:off x="1173289" y="0"/>
+            <a:ext cx="8655352" cy="6864325"/>
+            <a:chOff x="1173289" y="0"/>
+            <a:chExt cx="8655352" cy="6864325"/>
           </a:xfrm>
         </p:grpSpPr>
+        <p:pic>
+          <p:nvPicPr>
+            <p:cNvPr id="4" name="Picture 3"/>
+            <p:cNvPicPr>
+              <a:picLocks noChangeAspect="1"/>
+            </p:cNvPicPr>
+            <p:nvPr/>
+          </p:nvPicPr>
+          <p:blipFill>
+            <a:blip r:embed="rId3"/>
+            <a:stretch>
+              <a:fillRect/>
+            </a:stretch>
+          </p:blipFill>
+          <p:spPr>
+            <a:xfrm>
+              <a:off x="1173289" y="0"/>
+              <a:ext cx="8655352" cy="6864325"/>
+            </a:xfrm>
+            <a:prstGeom prst="rect">
+              <a:avLst/>
+            </a:prstGeom>
+          </p:spPr>
+        </p:pic>
         <p:grpSp>
           <p:nvGrpSpPr>
-            <p:cNvPr id="52" name="Group 51"/>
+            <p:cNvPr id="40" name="Group 39"/>
             <p:cNvGrpSpPr/>
             <p:nvPr/>
           </p:nvGrpSpPr>
           <p:grpSpPr>
             <a:xfrm>
-              <a:off x="2721075" y="6066646"/>
-              <a:ext cx="2738999" cy="243895"/>
+              <a:off x="1955798" y="4009611"/>
+              <a:ext cx="3255436" cy="375380"/>
               <a:chOff x="2721075" y="6066646"/>
               <a:chExt cx="2738999" cy="243895"/>
             </a:xfrm>
           </p:grpSpPr>
           <p:grpSp>
             <p:nvGrpSpPr>
-              <p:cNvPr id="55" name="Group 54"/>
+              <p:cNvPr id="52" name="Group 51"/>
               <p:cNvGrpSpPr/>
               <p:nvPr/>
             </p:nvGrpSpPr>
             <p:grpSpPr>
               <a:xfrm>
-                <a:off x="2721075" y="6083191"/>
-                <a:ext cx="2738999" cy="227350"/>
-                <a:chOff x="2887074" y="6083191"/>
-                <a:chExt cx="2738999" cy="227350"/>
+                <a:off x="2721075" y="6066646"/>
+                <a:ext cx="2738999" cy="243895"/>
+                <a:chOff x="2721075" y="6066646"/>
+                <a:chExt cx="2738999" cy="243895"/>
               </a:xfrm>
             </p:grpSpPr>
+            <p:grpSp>
+              <p:nvGrpSpPr>
+                <p:cNvPr id="55" name="Group 54"/>
+                <p:cNvGrpSpPr/>
+                <p:nvPr/>
+              </p:nvGrpSpPr>
+              <p:grpSpPr>
+                <a:xfrm>
+                  <a:off x="2721075" y="6083191"/>
+                  <a:ext cx="2738999" cy="227350"/>
+                  <a:chOff x="2887074" y="6083191"/>
+                  <a:chExt cx="2738999" cy="227350"/>
+                </a:xfrm>
+              </p:grpSpPr>
+              <p:pic>
+                <p:nvPicPr>
+                  <p:cNvPr id="57" name="Picture 56"/>
+                  <p:cNvPicPr>
+                    <a:picLocks noChangeAspect="1"/>
+                  </p:cNvPicPr>
+                  <p:nvPr/>
+                </p:nvPicPr>
+                <p:blipFill>
+                  <a:blip r:embed="rId4" cstate="print">
+                    <a:extLst>
+                      <a:ext uri="{28A0092B-C50C-407E-A947-70E740481C1C}">
+                        <a14:useLocalDpi xmlns:a14="http://schemas.microsoft.com/office/drawing/2010/main" val="0"/>
+                      </a:ext>
+                    </a:extLst>
+                  </a:blip>
+                  <a:stretch>
+                    <a:fillRect/>
+                  </a:stretch>
+                </p:blipFill>
+                <p:spPr>
+                  <a:xfrm>
+                    <a:off x="4079269" y="6103833"/>
+                    <a:ext cx="325640" cy="161565"/>
+                  </a:xfrm>
+                  <a:prstGeom prst="rect">
+                    <a:avLst/>
+                  </a:prstGeom>
+                </p:spPr>
+              </p:pic>
+              <p:pic>
+                <p:nvPicPr>
+                  <p:cNvPr id="58" name="Picture 57"/>
+                  <p:cNvPicPr>
+                    <a:picLocks noChangeAspect="1"/>
+                  </p:cNvPicPr>
+                  <p:nvPr/>
+                </p:nvPicPr>
+                <p:blipFill>
+                  <a:blip r:embed="rId5" cstate="print">
+                    <a:extLst>
+                      <a:ext uri="{28A0092B-C50C-407E-A947-70E740481C1C}">
+                        <a14:useLocalDpi xmlns:a14="http://schemas.microsoft.com/office/drawing/2010/main" val="0"/>
+                      </a:ext>
+                    </a:extLst>
+                  </a:blip>
+                  <a:stretch>
+                    <a:fillRect/>
+                  </a:stretch>
+                </p:blipFill>
+                <p:spPr>
+                  <a:xfrm>
+                    <a:off x="5345440" y="6084945"/>
+                    <a:ext cx="280633" cy="225596"/>
+                  </a:xfrm>
+                  <a:prstGeom prst="rect">
+                    <a:avLst/>
+                  </a:prstGeom>
+                </p:spPr>
+              </p:pic>
+              <p:pic>
+                <p:nvPicPr>
+                  <p:cNvPr id="59" name="Picture 58"/>
+                  <p:cNvPicPr>
+                    <a:picLocks noChangeAspect="1"/>
+                  </p:cNvPicPr>
+                  <p:nvPr/>
+                </p:nvPicPr>
+                <p:blipFill>
+                  <a:blip r:embed="rId6" cstate="print">
+                    <a:extLst>
+                      <a:ext uri="{28A0092B-C50C-407E-A947-70E740481C1C}">
+                        <a14:useLocalDpi xmlns:a14="http://schemas.microsoft.com/office/drawing/2010/main" val="0"/>
+                      </a:ext>
+                    </a:extLst>
+                  </a:blip>
+                  <a:stretch>
+                    <a:fillRect/>
+                  </a:stretch>
+                </p:blipFill>
+                <p:spPr>
+                  <a:xfrm>
+                    <a:off x="4515280" y="6084945"/>
+                    <a:ext cx="274386" cy="225596"/>
+                  </a:xfrm>
+                  <a:prstGeom prst="rect">
+                    <a:avLst/>
+                  </a:prstGeom>
+                </p:spPr>
+              </p:pic>
+              <p:pic>
+                <p:nvPicPr>
+                  <p:cNvPr id="60" name="Picture 59"/>
+                  <p:cNvPicPr>
+                    <a:picLocks noChangeAspect="1"/>
+                  </p:cNvPicPr>
+                  <p:nvPr/>
+                </p:nvPicPr>
+                <p:blipFill>
+                  <a:blip r:embed="rId7" cstate="print">
+                    <a:extLst>
+                      <a:ext uri="{28A0092B-C50C-407E-A947-70E740481C1C}">
+                        <a14:useLocalDpi xmlns:a14="http://schemas.microsoft.com/office/drawing/2010/main" val="0"/>
+                      </a:ext>
+                    </a:extLst>
+                  </a:blip>
+                  <a:stretch>
+                    <a:fillRect/>
+                  </a:stretch>
+                </p:blipFill>
+                <p:spPr>
+                  <a:xfrm flipH="1">
+                    <a:off x="2887074" y="6083191"/>
+                    <a:ext cx="255789" cy="218495"/>
+                  </a:xfrm>
+                  <a:prstGeom prst="rect">
+                    <a:avLst/>
+                  </a:prstGeom>
+                </p:spPr>
+              </p:pic>
+            </p:grpSp>
             <p:pic>
               <p:nvPicPr>
-                <p:cNvPr id="57" name="Picture 56"/>
+                <p:cNvPr id="56" name="Picture 55"/>
                 <p:cNvPicPr>
                   <a:picLocks noChangeAspect="1"/>
                 </p:cNvPicPr>
                 <p:nvPr/>
               </p:nvPicPr>
               <p:blipFill>
-                <a:blip r:embed="rId4" cstate="print">
-                  <a:extLst>
-                    <a:ext uri="{28A0092B-C50C-407E-A947-70E740481C1C}">
-                      <a14:useLocalDpi xmlns:a14="http://schemas.microsoft.com/office/drawing/2010/main" val="0"/>
-                    </a:ext>
-                  </a:extLst>
-                </a:blip>
+                <a:blip r:embed="rId8"/>
                 <a:stretch>
                   <a:fillRect/>
                 </a:stretch>
               </p:blipFill>
               <p:spPr>
                 <a:xfrm>
-                  <a:off x="4079269" y="6103833"/>
-                  <a:ext cx="325640" cy="161565"/>
-                </a:xfrm>
-                <a:prstGeom prst="rect">
-                  <a:avLst/>
-                </a:prstGeom>
-              </p:spPr>
-            </p:pic>
-            <p:pic>
-              <p:nvPicPr>
-                <p:cNvPr id="58" name="Picture 57"/>
-                <p:cNvPicPr>
-                  <a:picLocks noChangeAspect="1"/>
-                </p:cNvPicPr>
-                <p:nvPr/>
-              </p:nvPicPr>
-              <p:blipFill>
-                <a:blip r:embed="rId5" cstate="print">
-                  <a:extLst>
-                    <a:ext uri="{28A0092B-C50C-407E-A947-70E740481C1C}">
-                      <a14:useLocalDpi xmlns:a14="http://schemas.microsoft.com/office/drawing/2010/main" val="0"/>
-                    </a:ext>
-                  </a:extLst>
-                </a:blip>
-                <a:stretch>
-                  <a:fillRect/>
-                </a:stretch>
-              </p:blipFill>
-              <p:spPr>
-                <a:xfrm>
-                  <a:off x="5345440" y="6084945"/>
-                  <a:ext cx="280633" cy="225596"/>
-                </a:xfrm>
-                <a:prstGeom prst="rect">
-                  <a:avLst/>
-                </a:prstGeom>
-              </p:spPr>
-            </p:pic>
-            <p:pic>
-              <p:nvPicPr>
-                <p:cNvPr id="59" name="Picture 58"/>
-                <p:cNvPicPr>
-                  <a:picLocks noChangeAspect="1"/>
-                </p:cNvPicPr>
-                <p:nvPr/>
-              </p:nvPicPr>
-              <p:blipFill>
-                <a:blip r:embed="rId6" cstate="print">
-                  <a:extLst>
-                    <a:ext uri="{28A0092B-C50C-407E-A947-70E740481C1C}">
-                      <a14:useLocalDpi xmlns:a14="http://schemas.microsoft.com/office/drawing/2010/main" val="0"/>
-                    </a:ext>
-                  </a:extLst>
-                </a:blip>
-                <a:stretch>
-                  <a:fillRect/>
-                </a:stretch>
-              </p:blipFill>
-              <p:spPr>
-                <a:xfrm>
-                  <a:off x="4515280" y="6084945"/>
-                  <a:ext cx="274386" cy="225596"/>
-                </a:xfrm>
-                <a:prstGeom prst="rect">
-                  <a:avLst/>
-                </a:prstGeom>
-              </p:spPr>
-            </p:pic>
-            <p:pic>
-              <p:nvPicPr>
-                <p:cNvPr id="60" name="Picture 59"/>
-                <p:cNvPicPr>
-                  <a:picLocks noChangeAspect="1"/>
-                </p:cNvPicPr>
-                <p:nvPr/>
-              </p:nvPicPr>
-              <p:blipFill>
-                <a:blip r:embed="rId7" cstate="print">
-                  <a:extLst>
-                    <a:ext uri="{28A0092B-C50C-407E-A947-70E740481C1C}">
-                      <a14:useLocalDpi xmlns:a14="http://schemas.microsoft.com/office/drawing/2010/main" val="0"/>
-                    </a:ext>
-                  </a:extLst>
-                </a:blip>
-                <a:stretch>
-                  <a:fillRect/>
-                </a:stretch>
-              </p:blipFill>
-              <p:spPr>
-                <a:xfrm flipH="1">
-                  <a:off x="2887074" y="6083191"/>
-                  <a:ext cx="255789" cy="218495"/>
+                  <a:off x="4734039" y="6066646"/>
+                  <a:ext cx="302061" cy="235941"/>
                 </a:xfrm>
                 <a:prstGeom prst="rect">
                   <a:avLst/>
@@ -8930,22 +8969,46 @@
           </p:grpSp>
           <p:pic>
             <p:nvPicPr>
-              <p:cNvPr id="56" name="Picture 55"/>
+              <p:cNvPr id="53" name="Picture 52"/>
               <p:cNvPicPr>
                 <a:picLocks noChangeAspect="1"/>
               </p:cNvPicPr>
               <p:nvPr/>
             </p:nvPicPr>
             <p:blipFill>
-              <a:blip r:embed="rId8"/>
+              <a:blip r:embed="rId9"/>
               <a:stretch>
                 <a:fillRect/>
               </a:stretch>
             </p:blipFill>
             <p:spPr>
               <a:xfrm>
-                <a:off x="4734039" y="6066646"/>
-                <a:ext cx="302061" cy="235941"/>
+                <a:off x="3506696" y="6098817"/>
+                <a:ext cx="334903" cy="198223"/>
+              </a:xfrm>
+              <a:prstGeom prst="rect">
+                <a:avLst/>
+              </a:prstGeom>
+            </p:spPr>
+          </p:pic>
+          <p:pic>
+            <p:nvPicPr>
+              <p:cNvPr id="54" name="Picture 53"/>
+              <p:cNvPicPr>
+                <a:picLocks noChangeAspect="1"/>
+              </p:cNvPicPr>
+              <p:nvPr/>
+            </p:nvPicPr>
+            <p:blipFill>
+              <a:blip r:embed="rId10"/>
+              <a:stretch>
+                <a:fillRect/>
+              </a:stretch>
+            </p:blipFill>
+            <p:spPr>
+              <a:xfrm>
+                <a:off x="3107726" y="6098817"/>
+                <a:ext cx="327300" cy="196986"/>
               </a:xfrm>
               <a:prstGeom prst="rect">
                 <a:avLst/>
@@ -8953,385 +9016,361 @@
             </p:spPr>
           </p:pic>
         </p:grpSp>
-        <p:pic>
-          <p:nvPicPr>
-            <p:cNvPr id="53" name="Picture 52"/>
-            <p:cNvPicPr>
-              <a:picLocks noChangeAspect="1"/>
-            </p:cNvPicPr>
-            <p:nvPr/>
-          </p:nvPicPr>
-          <p:blipFill>
-            <a:blip r:embed="rId9"/>
-            <a:stretch>
-              <a:fillRect/>
-            </a:stretch>
-          </p:blipFill>
-          <p:spPr>
-            <a:xfrm>
-              <a:off x="3506696" y="6098817"/>
-              <a:ext cx="334903" cy="198223"/>
-            </a:xfrm>
-            <a:prstGeom prst="rect">
-              <a:avLst/>
-            </a:prstGeom>
-          </p:spPr>
-        </p:pic>
-        <p:pic>
-          <p:nvPicPr>
-            <p:cNvPr id="54" name="Picture 53"/>
-            <p:cNvPicPr>
-              <a:picLocks noChangeAspect="1"/>
-            </p:cNvPicPr>
-            <p:nvPr/>
-          </p:nvPicPr>
-          <p:blipFill>
-            <a:blip r:embed="rId10"/>
-            <a:stretch>
-              <a:fillRect/>
-            </a:stretch>
-          </p:blipFill>
-          <p:spPr>
-            <a:xfrm>
-              <a:off x="3107726" y="6098817"/>
-              <a:ext cx="327300" cy="196986"/>
-            </a:xfrm>
-            <a:prstGeom prst="rect">
-              <a:avLst/>
-            </a:prstGeom>
-          </p:spPr>
-        </p:pic>
-      </p:grpSp>
-      <p:grpSp>
-        <p:nvGrpSpPr>
-          <p:cNvPr id="8" name="Group 7"/>
-          <p:cNvGrpSpPr/>
-          <p:nvPr/>
-        </p:nvGrpSpPr>
-        <p:grpSpPr>
-          <a:xfrm>
-            <a:off x="2066372" y="1693067"/>
-            <a:ext cx="3063411" cy="422147"/>
-            <a:chOff x="2066372" y="1693067"/>
-            <a:chExt cx="3063411" cy="422147"/>
-          </a:xfrm>
-        </p:grpSpPr>
-        <p:pic>
-          <p:nvPicPr>
-            <p:cNvPr id="64" name="Picture 63"/>
-            <p:cNvPicPr>
-              <a:picLocks noChangeAspect="1"/>
-            </p:cNvPicPr>
-            <p:nvPr/>
-          </p:nvPicPr>
-          <p:blipFill>
-            <a:blip r:embed="rId11"/>
-            <a:stretch>
-              <a:fillRect/>
-            </a:stretch>
-          </p:blipFill>
-          <p:spPr>
-            <a:xfrm>
-              <a:off x="2066372" y="1693067"/>
-              <a:ext cx="655912" cy="396304"/>
-            </a:xfrm>
-            <a:prstGeom prst="rect">
-              <a:avLst/>
-            </a:prstGeom>
-          </p:spPr>
-        </p:pic>
-        <p:pic>
-          <p:nvPicPr>
-            <p:cNvPr id="66" name="Picture 65"/>
-            <p:cNvPicPr>
-              <a:picLocks noChangeAspect="1"/>
-            </p:cNvPicPr>
-            <p:nvPr/>
-          </p:nvPicPr>
-          <p:blipFill>
-            <a:blip r:embed="rId12"/>
-            <a:stretch>
-              <a:fillRect/>
-            </a:stretch>
-          </p:blipFill>
-          <p:spPr>
-            <a:xfrm>
-              <a:off x="4401304" y="1744278"/>
-              <a:ext cx="728479" cy="293882"/>
-            </a:xfrm>
-            <a:prstGeom prst="rect">
-              <a:avLst/>
-            </a:prstGeom>
-          </p:spPr>
-        </p:pic>
-        <p:pic>
-          <p:nvPicPr>
-            <p:cNvPr id="67" name="Picture 66"/>
-            <p:cNvPicPr>
-              <a:picLocks noChangeAspect="1"/>
-            </p:cNvPicPr>
-            <p:nvPr/>
-          </p:nvPicPr>
-          <p:blipFill>
-            <a:blip r:embed="rId13"/>
-            <a:stretch>
-              <a:fillRect/>
-            </a:stretch>
-          </p:blipFill>
-          <p:spPr>
-            <a:xfrm>
-              <a:off x="3263114" y="1706270"/>
-              <a:ext cx="640805" cy="408944"/>
-            </a:xfrm>
-            <a:prstGeom prst="rect">
-              <a:avLst/>
-            </a:prstGeom>
-          </p:spPr>
-        </p:pic>
-      </p:grpSp>
-      <p:grpSp>
-        <p:nvGrpSpPr>
-          <p:cNvPr id="68" name="Group 67"/>
-          <p:cNvGrpSpPr/>
-          <p:nvPr/>
-        </p:nvGrpSpPr>
-        <p:grpSpPr>
-          <a:xfrm>
-            <a:off x="6434156" y="1706270"/>
-            <a:ext cx="3063411" cy="422147"/>
-            <a:chOff x="2066372" y="1693067"/>
-            <a:chExt cx="3063411" cy="422147"/>
-          </a:xfrm>
-        </p:grpSpPr>
-        <p:pic>
-          <p:nvPicPr>
-            <p:cNvPr id="69" name="Picture 68"/>
-            <p:cNvPicPr>
-              <a:picLocks noChangeAspect="1"/>
-            </p:cNvPicPr>
-            <p:nvPr/>
-          </p:nvPicPr>
-          <p:blipFill>
-            <a:blip r:embed="rId11"/>
-            <a:stretch>
-              <a:fillRect/>
-            </a:stretch>
-          </p:blipFill>
-          <p:spPr>
-            <a:xfrm>
-              <a:off x="2066372" y="1693067"/>
-              <a:ext cx="655912" cy="396304"/>
-            </a:xfrm>
-            <a:prstGeom prst="rect">
-              <a:avLst/>
-            </a:prstGeom>
-          </p:spPr>
-        </p:pic>
-        <p:pic>
-          <p:nvPicPr>
-            <p:cNvPr id="70" name="Picture 69"/>
-            <p:cNvPicPr>
-              <a:picLocks noChangeAspect="1"/>
-            </p:cNvPicPr>
-            <p:nvPr/>
-          </p:nvPicPr>
-          <p:blipFill>
-            <a:blip r:embed="rId12"/>
-            <a:stretch>
-              <a:fillRect/>
-            </a:stretch>
-          </p:blipFill>
-          <p:spPr>
-            <a:xfrm>
-              <a:off x="4401304" y="1744278"/>
-              <a:ext cx="728479" cy="293882"/>
-            </a:xfrm>
-            <a:prstGeom prst="rect">
-              <a:avLst/>
-            </a:prstGeom>
-          </p:spPr>
-        </p:pic>
-        <p:pic>
-          <p:nvPicPr>
-            <p:cNvPr id="71" name="Picture 70"/>
-            <p:cNvPicPr>
-              <a:picLocks noChangeAspect="1"/>
-            </p:cNvPicPr>
-            <p:nvPr/>
-          </p:nvPicPr>
-          <p:blipFill>
-            <a:blip r:embed="rId13"/>
-            <a:stretch>
-              <a:fillRect/>
-            </a:stretch>
-          </p:blipFill>
-          <p:spPr>
-            <a:xfrm>
-              <a:off x="3263114" y="1706270"/>
-              <a:ext cx="640805" cy="408944"/>
-            </a:xfrm>
-            <a:prstGeom prst="rect">
-              <a:avLst/>
-            </a:prstGeom>
-          </p:spPr>
-        </p:pic>
-      </p:grpSp>
-      <p:grpSp>
-        <p:nvGrpSpPr>
-          <p:cNvPr id="72" name="Group 71"/>
-          <p:cNvGrpSpPr/>
-          <p:nvPr/>
-        </p:nvGrpSpPr>
-        <p:grpSpPr>
-          <a:xfrm>
-            <a:off x="6323582" y="4059126"/>
-            <a:ext cx="3255436" cy="375380"/>
-            <a:chOff x="2721075" y="6066646"/>
-            <a:chExt cx="2738999" cy="243895"/>
-          </a:xfrm>
-        </p:grpSpPr>
         <p:grpSp>
           <p:nvGrpSpPr>
-            <p:cNvPr id="73" name="Group 72"/>
+            <p:cNvPr id="8" name="Group 7"/>
             <p:cNvGrpSpPr/>
             <p:nvPr/>
           </p:nvGrpSpPr>
           <p:grpSpPr>
             <a:xfrm>
-              <a:off x="2721075" y="6066646"/>
-              <a:ext cx="2738999" cy="243895"/>
+              <a:off x="2066372" y="1693067"/>
+              <a:ext cx="3063411" cy="422147"/>
+              <a:chOff x="2066372" y="1693067"/>
+              <a:chExt cx="3063411" cy="422147"/>
+            </a:xfrm>
+          </p:grpSpPr>
+          <p:pic>
+            <p:nvPicPr>
+              <p:cNvPr id="64" name="Picture 63"/>
+              <p:cNvPicPr>
+                <a:picLocks noChangeAspect="1"/>
+              </p:cNvPicPr>
+              <p:nvPr/>
+            </p:nvPicPr>
+            <p:blipFill>
+              <a:blip r:embed="rId11"/>
+              <a:stretch>
+                <a:fillRect/>
+              </a:stretch>
+            </p:blipFill>
+            <p:spPr>
+              <a:xfrm>
+                <a:off x="2066372" y="1693067"/>
+                <a:ext cx="655912" cy="396304"/>
+              </a:xfrm>
+              <a:prstGeom prst="rect">
+                <a:avLst/>
+              </a:prstGeom>
+            </p:spPr>
+          </p:pic>
+          <p:pic>
+            <p:nvPicPr>
+              <p:cNvPr id="66" name="Picture 65"/>
+              <p:cNvPicPr>
+                <a:picLocks noChangeAspect="1"/>
+              </p:cNvPicPr>
+              <p:nvPr/>
+            </p:nvPicPr>
+            <p:blipFill>
+              <a:blip r:embed="rId12"/>
+              <a:stretch>
+                <a:fillRect/>
+              </a:stretch>
+            </p:blipFill>
+            <p:spPr>
+              <a:xfrm>
+                <a:off x="4401304" y="1744278"/>
+                <a:ext cx="728479" cy="293882"/>
+              </a:xfrm>
+              <a:prstGeom prst="rect">
+                <a:avLst/>
+              </a:prstGeom>
+            </p:spPr>
+          </p:pic>
+          <p:pic>
+            <p:nvPicPr>
+              <p:cNvPr id="67" name="Picture 66"/>
+              <p:cNvPicPr>
+                <a:picLocks noChangeAspect="1"/>
+              </p:cNvPicPr>
+              <p:nvPr/>
+            </p:nvPicPr>
+            <p:blipFill>
+              <a:blip r:embed="rId13"/>
+              <a:stretch>
+                <a:fillRect/>
+              </a:stretch>
+            </p:blipFill>
+            <p:spPr>
+              <a:xfrm>
+                <a:off x="3263114" y="1706270"/>
+                <a:ext cx="640805" cy="408944"/>
+              </a:xfrm>
+              <a:prstGeom prst="rect">
+                <a:avLst/>
+              </a:prstGeom>
+            </p:spPr>
+          </p:pic>
+        </p:grpSp>
+        <p:grpSp>
+          <p:nvGrpSpPr>
+            <p:cNvPr id="68" name="Group 67"/>
+            <p:cNvGrpSpPr/>
+            <p:nvPr/>
+          </p:nvGrpSpPr>
+          <p:grpSpPr>
+            <a:xfrm>
+              <a:off x="6434156" y="1706270"/>
+              <a:ext cx="3063411" cy="422147"/>
+              <a:chOff x="2066372" y="1693067"/>
+              <a:chExt cx="3063411" cy="422147"/>
+            </a:xfrm>
+          </p:grpSpPr>
+          <p:pic>
+            <p:nvPicPr>
+              <p:cNvPr id="69" name="Picture 68"/>
+              <p:cNvPicPr>
+                <a:picLocks noChangeAspect="1"/>
+              </p:cNvPicPr>
+              <p:nvPr/>
+            </p:nvPicPr>
+            <p:blipFill>
+              <a:blip r:embed="rId11"/>
+              <a:stretch>
+                <a:fillRect/>
+              </a:stretch>
+            </p:blipFill>
+            <p:spPr>
+              <a:xfrm>
+                <a:off x="2066372" y="1693067"/>
+                <a:ext cx="655912" cy="396304"/>
+              </a:xfrm>
+              <a:prstGeom prst="rect">
+                <a:avLst/>
+              </a:prstGeom>
+            </p:spPr>
+          </p:pic>
+          <p:pic>
+            <p:nvPicPr>
+              <p:cNvPr id="70" name="Picture 69"/>
+              <p:cNvPicPr>
+                <a:picLocks noChangeAspect="1"/>
+              </p:cNvPicPr>
+              <p:nvPr/>
+            </p:nvPicPr>
+            <p:blipFill>
+              <a:blip r:embed="rId12"/>
+              <a:stretch>
+                <a:fillRect/>
+              </a:stretch>
+            </p:blipFill>
+            <p:spPr>
+              <a:xfrm>
+                <a:off x="4401304" y="1744278"/>
+                <a:ext cx="728479" cy="293882"/>
+              </a:xfrm>
+              <a:prstGeom prst="rect">
+                <a:avLst/>
+              </a:prstGeom>
+            </p:spPr>
+          </p:pic>
+          <p:pic>
+            <p:nvPicPr>
+              <p:cNvPr id="71" name="Picture 70"/>
+              <p:cNvPicPr>
+                <a:picLocks noChangeAspect="1"/>
+              </p:cNvPicPr>
+              <p:nvPr/>
+            </p:nvPicPr>
+            <p:blipFill>
+              <a:blip r:embed="rId13"/>
+              <a:stretch>
+                <a:fillRect/>
+              </a:stretch>
+            </p:blipFill>
+            <p:spPr>
+              <a:xfrm>
+                <a:off x="3263114" y="1706270"/>
+                <a:ext cx="640805" cy="408944"/>
+              </a:xfrm>
+              <a:prstGeom prst="rect">
+                <a:avLst/>
+              </a:prstGeom>
+            </p:spPr>
+          </p:pic>
+        </p:grpSp>
+        <p:grpSp>
+          <p:nvGrpSpPr>
+            <p:cNvPr id="72" name="Group 71"/>
+            <p:cNvGrpSpPr/>
+            <p:nvPr/>
+          </p:nvGrpSpPr>
+          <p:grpSpPr>
+            <a:xfrm>
+              <a:off x="6323582" y="4059126"/>
+              <a:ext cx="3255436" cy="375380"/>
               <a:chOff x="2721075" y="6066646"/>
               <a:chExt cx="2738999" cy="243895"/>
             </a:xfrm>
           </p:grpSpPr>
           <p:grpSp>
             <p:nvGrpSpPr>
-              <p:cNvPr id="76" name="Group 75"/>
+              <p:cNvPr id="73" name="Group 72"/>
               <p:cNvGrpSpPr/>
               <p:nvPr/>
             </p:nvGrpSpPr>
             <p:grpSpPr>
               <a:xfrm>
-                <a:off x="2721075" y="6083191"/>
-                <a:ext cx="2738999" cy="227350"/>
-                <a:chOff x="2887074" y="6083191"/>
-                <a:chExt cx="2738999" cy="227350"/>
+                <a:off x="2721075" y="6066646"/>
+                <a:ext cx="2738999" cy="243895"/>
+                <a:chOff x="2721075" y="6066646"/>
+                <a:chExt cx="2738999" cy="243895"/>
               </a:xfrm>
             </p:grpSpPr>
+            <p:grpSp>
+              <p:nvGrpSpPr>
+                <p:cNvPr id="76" name="Group 75"/>
+                <p:cNvGrpSpPr/>
+                <p:nvPr/>
+              </p:nvGrpSpPr>
+              <p:grpSpPr>
+                <a:xfrm>
+                  <a:off x="2721075" y="6083191"/>
+                  <a:ext cx="2738999" cy="227350"/>
+                  <a:chOff x="2887074" y="6083191"/>
+                  <a:chExt cx="2738999" cy="227350"/>
+                </a:xfrm>
+              </p:grpSpPr>
+              <p:pic>
+                <p:nvPicPr>
+                  <p:cNvPr id="78" name="Picture 77"/>
+                  <p:cNvPicPr>
+                    <a:picLocks noChangeAspect="1"/>
+                  </p:cNvPicPr>
+                  <p:nvPr/>
+                </p:nvPicPr>
+                <p:blipFill>
+                  <a:blip r:embed="rId4" cstate="print">
+                    <a:extLst>
+                      <a:ext uri="{28A0092B-C50C-407E-A947-70E740481C1C}">
+                        <a14:useLocalDpi xmlns:a14="http://schemas.microsoft.com/office/drawing/2010/main" val="0"/>
+                      </a:ext>
+                    </a:extLst>
+                  </a:blip>
+                  <a:stretch>
+                    <a:fillRect/>
+                  </a:stretch>
+                </p:blipFill>
+                <p:spPr>
+                  <a:xfrm>
+                    <a:off x="4079269" y="6103833"/>
+                    <a:ext cx="325640" cy="161565"/>
+                  </a:xfrm>
+                  <a:prstGeom prst="rect">
+                    <a:avLst/>
+                  </a:prstGeom>
+                </p:spPr>
+              </p:pic>
+              <p:pic>
+                <p:nvPicPr>
+                  <p:cNvPr id="79" name="Picture 78"/>
+                  <p:cNvPicPr>
+                    <a:picLocks noChangeAspect="1"/>
+                  </p:cNvPicPr>
+                  <p:nvPr/>
+                </p:nvPicPr>
+                <p:blipFill>
+                  <a:blip r:embed="rId5" cstate="print">
+                    <a:extLst>
+                      <a:ext uri="{28A0092B-C50C-407E-A947-70E740481C1C}">
+                        <a14:useLocalDpi xmlns:a14="http://schemas.microsoft.com/office/drawing/2010/main" val="0"/>
+                      </a:ext>
+                    </a:extLst>
+                  </a:blip>
+                  <a:stretch>
+                    <a:fillRect/>
+                  </a:stretch>
+                </p:blipFill>
+                <p:spPr>
+                  <a:xfrm>
+                    <a:off x="5345440" y="6084945"/>
+                    <a:ext cx="280633" cy="225596"/>
+                  </a:xfrm>
+                  <a:prstGeom prst="rect">
+                    <a:avLst/>
+                  </a:prstGeom>
+                </p:spPr>
+              </p:pic>
+              <p:pic>
+                <p:nvPicPr>
+                  <p:cNvPr id="80" name="Picture 79"/>
+                  <p:cNvPicPr>
+                    <a:picLocks noChangeAspect="1"/>
+                  </p:cNvPicPr>
+                  <p:nvPr/>
+                </p:nvPicPr>
+                <p:blipFill>
+                  <a:blip r:embed="rId6" cstate="print">
+                    <a:extLst>
+                      <a:ext uri="{28A0092B-C50C-407E-A947-70E740481C1C}">
+                        <a14:useLocalDpi xmlns:a14="http://schemas.microsoft.com/office/drawing/2010/main" val="0"/>
+                      </a:ext>
+                    </a:extLst>
+                  </a:blip>
+                  <a:stretch>
+                    <a:fillRect/>
+                  </a:stretch>
+                </p:blipFill>
+                <p:spPr>
+                  <a:xfrm>
+                    <a:off x="4515280" y="6084945"/>
+                    <a:ext cx="274386" cy="225596"/>
+                  </a:xfrm>
+                  <a:prstGeom prst="rect">
+                    <a:avLst/>
+                  </a:prstGeom>
+                </p:spPr>
+              </p:pic>
+              <p:pic>
+                <p:nvPicPr>
+                  <p:cNvPr id="81" name="Picture 80"/>
+                  <p:cNvPicPr>
+                    <a:picLocks noChangeAspect="1"/>
+                  </p:cNvPicPr>
+                  <p:nvPr/>
+                </p:nvPicPr>
+                <p:blipFill>
+                  <a:blip r:embed="rId7" cstate="print">
+                    <a:extLst>
+                      <a:ext uri="{28A0092B-C50C-407E-A947-70E740481C1C}">
+                        <a14:useLocalDpi xmlns:a14="http://schemas.microsoft.com/office/drawing/2010/main" val="0"/>
+                      </a:ext>
+                    </a:extLst>
+                  </a:blip>
+                  <a:stretch>
+                    <a:fillRect/>
+                  </a:stretch>
+                </p:blipFill>
+                <p:spPr>
+                  <a:xfrm flipH="1">
+                    <a:off x="2887074" y="6083191"/>
+                    <a:ext cx="255789" cy="218495"/>
+                  </a:xfrm>
+                  <a:prstGeom prst="rect">
+                    <a:avLst/>
+                  </a:prstGeom>
+                </p:spPr>
+              </p:pic>
+            </p:grpSp>
             <p:pic>
               <p:nvPicPr>
-                <p:cNvPr id="78" name="Picture 77"/>
+                <p:cNvPr id="77" name="Picture 76"/>
                 <p:cNvPicPr>
                   <a:picLocks noChangeAspect="1"/>
                 </p:cNvPicPr>
                 <p:nvPr/>
               </p:nvPicPr>
               <p:blipFill>
-                <a:blip r:embed="rId4" cstate="print">
-                  <a:extLst>
-                    <a:ext uri="{28A0092B-C50C-407E-A947-70E740481C1C}">
-                      <a14:useLocalDpi xmlns:a14="http://schemas.microsoft.com/office/drawing/2010/main" val="0"/>
-                    </a:ext>
-                  </a:extLst>
-                </a:blip>
+                <a:blip r:embed="rId8"/>
                 <a:stretch>
                   <a:fillRect/>
                 </a:stretch>
               </p:blipFill>
               <p:spPr>
                 <a:xfrm>
-                  <a:off x="4079269" y="6103833"/>
-                  <a:ext cx="325640" cy="161565"/>
-                </a:xfrm>
-                <a:prstGeom prst="rect">
-                  <a:avLst/>
-                </a:prstGeom>
-              </p:spPr>
-            </p:pic>
-            <p:pic>
-              <p:nvPicPr>
-                <p:cNvPr id="79" name="Picture 78"/>
-                <p:cNvPicPr>
-                  <a:picLocks noChangeAspect="1"/>
-                </p:cNvPicPr>
-                <p:nvPr/>
-              </p:nvPicPr>
-              <p:blipFill>
-                <a:blip r:embed="rId5" cstate="print">
-                  <a:extLst>
-                    <a:ext uri="{28A0092B-C50C-407E-A947-70E740481C1C}">
-                      <a14:useLocalDpi xmlns:a14="http://schemas.microsoft.com/office/drawing/2010/main" val="0"/>
-                    </a:ext>
-                  </a:extLst>
-                </a:blip>
-                <a:stretch>
-                  <a:fillRect/>
-                </a:stretch>
-              </p:blipFill>
-              <p:spPr>
-                <a:xfrm>
-                  <a:off x="5345440" y="6084945"/>
-                  <a:ext cx="280633" cy="225596"/>
-                </a:xfrm>
-                <a:prstGeom prst="rect">
-                  <a:avLst/>
-                </a:prstGeom>
-              </p:spPr>
-            </p:pic>
-            <p:pic>
-              <p:nvPicPr>
-                <p:cNvPr id="80" name="Picture 79"/>
-                <p:cNvPicPr>
-                  <a:picLocks noChangeAspect="1"/>
-                </p:cNvPicPr>
-                <p:nvPr/>
-              </p:nvPicPr>
-              <p:blipFill>
-                <a:blip r:embed="rId6" cstate="print">
-                  <a:extLst>
-                    <a:ext uri="{28A0092B-C50C-407E-A947-70E740481C1C}">
-                      <a14:useLocalDpi xmlns:a14="http://schemas.microsoft.com/office/drawing/2010/main" val="0"/>
-                    </a:ext>
-                  </a:extLst>
-                </a:blip>
-                <a:stretch>
-                  <a:fillRect/>
-                </a:stretch>
-              </p:blipFill>
-              <p:spPr>
-                <a:xfrm>
-                  <a:off x="4515280" y="6084945"/>
-                  <a:ext cx="274386" cy="225596"/>
-                </a:xfrm>
-                <a:prstGeom prst="rect">
-                  <a:avLst/>
-                </a:prstGeom>
-              </p:spPr>
-            </p:pic>
-            <p:pic>
-              <p:nvPicPr>
-                <p:cNvPr id="81" name="Picture 80"/>
-                <p:cNvPicPr>
-                  <a:picLocks noChangeAspect="1"/>
-                </p:cNvPicPr>
-                <p:nvPr/>
-              </p:nvPicPr>
-              <p:blipFill>
-                <a:blip r:embed="rId7" cstate="print">
-                  <a:extLst>
-                    <a:ext uri="{28A0092B-C50C-407E-A947-70E740481C1C}">
-                      <a14:useLocalDpi xmlns:a14="http://schemas.microsoft.com/office/drawing/2010/main" val="0"/>
-                    </a:ext>
-                  </a:extLst>
-                </a:blip>
-                <a:stretch>
-                  <a:fillRect/>
-                </a:stretch>
-              </p:blipFill>
-              <p:spPr>
-                <a:xfrm flipH="1">
-                  <a:off x="2887074" y="6083191"/>
-                  <a:ext cx="255789" cy="218495"/>
+                  <a:off x="4734039" y="6066646"/>
+                  <a:ext cx="302061" cy="235941"/>
                 </a:xfrm>
                 <a:prstGeom prst="rect">
                   <a:avLst/>
@@ -9341,22 +9380,46 @@
           </p:grpSp>
           <p:pic>
             <p:nvPicPr>
-              <p:cNvPr id="77" name="Picture 76"/>
+              <p:cNvPr id="74" name="Picture 73"/>
               <p:cNvPicPr>
                 <a:picLocks noChangeAspect="1"/>
               </p:cNvPicPr>
               <p:nvPr/>
             </p:nvPicPr>
             <p:blipFill>
-              <a:blip r:embed="rId8"/>
+              <a:blip r:embed="rId9"/>
               <a:stretch>
                 <a:fillRect/>
               </a:stretch>
             </p:blipFill>
             <p:spPr>
               <a:xfrm>
-                <a:off x="4734039" y="6066646"/>
-                <a:ext cx="302061" cy="235941"/>
+                <a:off x="3506696" y="6098817"/>
+                <a:ext cx="334903" cy="198223"/>
+              </a:xfrm>
+              <a:prstGeom prst="rect">
+                <a:avLst/>
+              </a:prstGeom>
+            </p:spPr>
+          </p:pic>
+          <p:pic>
+            <p:nvPicPr>
+              <p:cNvPr id="75" name="Picture 74"/>
+              <p:cNvPicPr>
+                <a:picLocks noChangeAspect="1"/>
+              </p:cNvPicPr>
+              <p:nvPr/>
+            </p:nvPicPr>
+            <p:blipFill>
+              <a:blip r:embed="rId10"/>
+              <a:stretch>
+                <a:fillRect/>
+              </a:stretch>
+            </p:blipFill>
+            <p:spPr>
+              <a:xfrm>
+                <a:off x="3107726" y="6098817"/>
+                <a:ext cx="327300" cy="196986"/>
               </a:xfrm>
               <a:prstGeom prst="rect">
                 <a:avLst/>
@@ -9364,211 +9427,187 @@
             </p:spPr>
           </p:pic>
         </p:grpSp>
-        <p:pic>
-          <p:nvPicPr>
-            <p:cNvPr id="74" name="Picture 73"/>
-            <p:cNvPicPr>
-              <a:picLocks noChangeAspect="1"/>
-            </p:cNvPicPr>
-            <p:nvPr/>
-          </p:nvPicPr>
-          <p:blipFill>
-            <a:blip r:embed="rId9"/>
-            <a:stretch>
-              <a:fillRect/>
-            </a:stretch>
-          </p:blipFill>
-          <p:spPr>
-            <a:xfrm>
-              <a:off x="3506696" y="6098817"/>
-              <a:ext cx="334903" cy="198223"/>
-            </a:xfrm>
-            <a:prstGeom prst="rect">
-              <a:avLst/>
-            </a:prstGeom>
-          </p:spPr>
-        </p:pic>
-        <p:pic>
-          <p:nvPicPr>
-            <p:cNvPr id="75" name="Picture 74"/>
-            <p:cNvPicPr>
-              <a:picLocks noChangeAspect="1"/>
-            </p:cNvPicPr>
-            <p:nvPr/>
-          </p:nvPicPr>
-          <p:blipFill>
-            <a:blip r:embed="rId10"/>
-            <a:stretch>
-              <a:fillRect/>
-            </a:stretch>
-          </p:blipFill>
-          <p:spPr>
-            <a:xfrm>
-              <a:off x="3107726" y="6098817"/>
-              <a:ext cx="327300" cy="196986"/>
-            </a:xfrm>
-            <a:prstGeom prst="rect">
-              <a:avLst/>
-            </a:prstGeom>
-          </p:spPr>
-        </p:pic>
-      </p:grpSp>
-      <p:grpSp>
-        <p:nvGrpSpPr>
-          <p:cNvPr id="82" name="Group 81"/>
-          <p:cNvGrpSpPr/>
-          <p:nvPr/>
-        </p:nvGrpSpPr>
-        <p:grpSpPr>
-          <a:xfrm>
-            <a:off x="1955798" y="6380121"/>
-            <a:ext cx="3255436" cy="375380"/>
-            <a:chOff x="2721075" y="6066646"/>
-            <a:chExt cx="2738999" cy="243895"/>
-          </a:xfrm>
-        </p:grpSpPr>
         <p:grpSp>
           <p:nvGrpSpPr>
-            <p:cNvPr id="83" name="Group 82"/>
+            <p:cNvPr id="82" name="Group 81"/>
             <p:cNvGrpSpPr/>
             <p:nvPr/>
           </p:nvGrpSpPr>
           <p:grpSpPr>
             <a:xfrm>
-              <a:off x="2721075" y="6066646"/>
-              <a:ext cx="2738999" cy="243895"/>
+              <a:off x="1955798" y="6380121"/>
+              <a:ext cx="3255436" cy="375380"/>
               <a:chOff x="2721075" y="6066646"/>
               <a:chExt cx="2738999" cy="243895"/>
             </a:xfrm>
           </p:grpSpPr>
           <p:grpSp>
             <p:nvGrpSpPr>
-              <p:cNvPr id="86" name="Group 85"/>
+              <p:cNvPr id="83" name="Group 82"/>
               <p:cNvGrpSpPr/>
               <p:nvPr/>
             </p:nvGrpSpPr>
             <p:grpSpPr>
               <a:xfrm>
-                <a:off x="2721075" y="6083191"/>
-                <a:ext cx="2738999" cy="227350"/>
-                <a:chOff x="2887074" y="6083191"/>
-                <a:chExt cx="2738999" cy="227350"/>
+                <a:off x="2721075" y="6066646"/>
+                <a:ext cx="2738999" cy="243895"/>
+                <a:chOff x="2721075" y="6066646"/>
+                <a:chExt cx="2738999" cy="243895"/>
               </a:xfrm>
             </p:grpSpPr>
+            <p:grpSp>
+              <p:nvGrpSpPr>
+                <p:cNvPr id="86" name="Group 85"/>
+                <p:cNvGrpSpPr/>
+                <p:nvPr/>
+              </p:nvGrpSpPr>
+              <p:grpSpPr>
+                <a:xfrm>
+                  <a:off x="2721075" y="6083191"/>
+                  <a:ext cx="2738999" cy="227350"/>
+                  <a:chOff x="2887074" y="6083191"/>
+                  <a:chExt cx="2738999" cy="227350"/>
+                </a:xfrm>
+              </p:grpSpPr>
+              <p:pic>
+                <p:nvPicPr>
+                  <p:cNvPr id="88" name="Picture 87"/>
+                  <p:cNvPicPr>
+                    <a:picLocks noChangeAspect="1"/>
+                  </p:cNvPicPr>
+                  <p:nvPr/>
+                </p:nvPicPr>
+                <p:blipFill>
+                  <a:blip r:embed="rId4" cstate="print">
+                    <a:extLst>
+                      <a:ext uri="{28A0092B-C50C-407E-A947-70E740481C1C}">
+                        <a14:useLocalDpi xmlns:a14="http://schemas.microsoft.com/office/drawing/2010/main" val="0"/>
+                      </a:ext>
+                    </a:extLst>
+                  </a:blip>
+                  <a:stretch>
+                    <a:fillRect/>
+                  </a:stretch>
+                </p:blipFill>
+                <p:spPr>
+                  <a:xfrm>
+                    <a:off x="4079269" y="6103833"/>
+                    <a:ext cx="325640" cy="161565"/>
+                  </a:xfrm>
+                  <a:prstGeom prst="rect">
+                    <a:avLst/>
+                  </a:prstGeom>
+                </p:spPr>
+              </p:pic>
+              <p:pic>
+                <p:nvPicPr>
+                  <p:cNvPr id="89" name="Picture 88"/>
+                  <p:cNvPicPr>
+                    <a:picLocks noChangeAspect="1"/>
+                  </p:cNvPicPr>
+                  <p:nvPr/>
+                </p:nvPicPr>
+                <p:blipFill>
+                  <a:blip r:embed="rId5" cstate="print">
+                    <a:extLst>
+                      <a:ext uri="{28A0092B-C50C-407E-A947-70E740481C1C}">
+                        <a14:useLocalDpi xmlns:a14="http://schemas.microsoft.com/office/drawing/2010/main" val="0"/>
+                      </a:ext>
+                    </a:extLst>
+                  </a:blip>
+                  <a:stretch>
+                    <a:fillRect/>
+                  </a:stretch>
+                </p:blipFill>
+                <p:spPr>
+                  <a:xfrm>
+                    <a:off x="5345440" y="6084945"/>
+                    <a:ext cx="280633" cy="225596"/>
+                  </a:xfrm>
+                  <a:prstGeom prst="rect">
+                    <a:avLst/>
+                  </a:prstGeom>
+                </p:spPr>
+              </p:pic>
+              <p:pic>
+                <p:nvPicPr>
+                  <p:cNvPr id="90" name="Picture 89"/>
+                  <p:cNvPicPr>
+                    <a:picLocks noChangeAspect="1"/>
+                  </p:cNvPicPr>
+                  <p:nvPr/>
+                </p:nvPicPr>
+                <p:blipFill>
+                  <a:blip r:embed="rId6" cstate="print">
+                    <a:extLst>
+                      <a:ext uri="{28A0092B-C50C-407E-A947-70E740481C1C}">
+                        <a14:useLocalDpi xmlns:a14="http://schemas.microsoft.com/office/drawing/2010/main" val="0"/>
+                      </a:ext>
+                    </a:extLst>
+                  </a:blip>
+                  <a:stretch>
+                    <a:fillRect/>
+                  </a:stretch>
+                </p:blipFill>
+                <p:spPr>
+                  <a:xfrm>
+                    <a:off x="4515280" y="6084945"/>
+                    <a:ext cx="274386" cy="225596"/>
+                  </a:xfrm>
+                  <a:prstGeom prst="rect">
+                    <a:avLst/>
+                  </a:prstGeom>
+                </p:spPr>
+              </p:pic>
+              <p:pic>
+                <p:nvPicPr>
+                  <p:cNvPr id="91" name="Picture 90"/>
+                  <p:cNvPicPr>
+                    <a:picLocks noChangeAspect="1"/>
+                  </p:cNvPicPr>
+                  <p:nvPr/>
+                </p:nvPicPr>
+                <p:blipFill>
+                  <a:blip r:embed="rId7" cstate="print">
+                    <a:extLst>
+                      <a:ext uri="{28A0092B-C50C-407E-A947-70E740481C1C}">
+                        <a14:useLocalDpi xmlns:a14="http://schemas.microsoft.com/office/drawing/2010/main" val="0"/>
+                      </a:ext>
+                    </a:extLst>
+                  </a:blip>
+                  <a:stretch>
+                    <a:fillRect/>
+                  </a:stretch>
+                </p:blipFill>
+                <p:spPr>
+                  <a:xfrm flipH="1">
+                    <a:off x="2887074" y="6083191"/>
+                    <a:ext cx="255789" cy="218495"/>
+                  </a:xfrm>
+                  <a:prstGeom prst="rect">
+                    <a:avLst/>
+                  </a:prstGeom>
+                </p:spPr>
+              </p:pic>
+            </p:grpSp>
             <p:pic>
               <p:nvPicPr>
-                <p:cNvPr id="88" name="Picture 87"/>
+                <p:cNvPr id="87" name="Picture 86"/>
                 <p:cNvPicPr>
                   <a:picLocks noChangeAspect="1"/>
                 </p:cNvPicPr>
                 <p:nvPr/>
               </p:nvPicPr>
               <p:blipFill>
-                <a:blip r:embed="rId4" cstate="print">
-                  <a:extLst>
-                    <a:ext uri="{28A0092B-C50C-407E-A947-70E740481C1C}">
-                      <a14:useLocalDpi xmlns:a14="http://schemas.microsoft.com/office/drawing/2010/main" val="0"/>
-                    </a:ext>
-                  </a:extLst>
-                </a:blip>
+                <a:blip r:embed="rId8"/>
                 <a:stretch>
                   <a:fillRect/>
                 </a:stretch>
               </p:blipFill>
               <p:spPr>
                 <a:xfrm>
-                  <a:off x="4079269" y="6103833"/>
-                  <a:ext cx="325640" cy="161565"/>
-                </a:xfrm>
-                <a:prstGeom prst="rect">
-                  <a:avLst/>
-                </a:prstGeom>
-              </p:spPr>
-            </p:pic>
-            <p:pic>
-              <p:nvPicPr>
-                <p:cNvPr id="89" name="Picture 88"/>
-                <p:cNvPicPr>
-                  <a:picLocks noChangeAspect="1"/>
-                </p:cNvPicPr>
-                <p:nvPr/>
-              </p:nvPicPr>
-              <p:blipFill>
-                <a:blip r:embed="rId5" cstate="print">
-                  <a:extLst>
-                    <a:ext uri="{28A0092B-C50C-407E-A947-70E740481C1C}">
-                      <a14:useLocalDpi xmlns:a14="http://schemas.microsoft.com/office/drawing/2010/main" val="0"/>
-                    </a:ext>
-                  </a:extLst>
-                </a:blip>
-                <a:stretch>
-                  <a:fillRect/>
-                </a:stretch>
-              </p:blipFill>
-              <p:spPr>
-                <a:xfrm>
-                  <a:off x="5345440" y="6084945"/>
-                  <a:ext cx="280633" cy="225596"/>
-                </a:xfrm>
-                <a:prstGeom prst="rect">
-                  <a:avLst/>
-                </a:prstGeom>
-              </p:spPr>
-            </p:pic>
-            <p:pic>
-              <p:nvPicPr>
-                <p:cNvPr id="90" name="Picture 89"/>
-                <p:cNvPicPr>
-                  <a:picLocks noChangeAspect="1"/>
-                </p:cNvPicPr>
-                <p:nvPr/>
-              </p:nvPicPr>
-              <p:blipFill>
-                <a:blip r:embed="rId6" cstate="print">
-                  <a:extLst>
-                    <a:ext uri="{28A0092B-C50C-407E-A947-70E740481C1C}">
-                      <a14:useLocalDpi xmlns:a14="http://schemas.microsoft.com/office/drawing/2010/main" val="0"/>
-                    </a:ext>
-                  </a:extLst>
-                </a:blip>
-                <a:stretch>
-                  <a:fillRect/>
-                </a:stretch>
-              </p:blipFill>
-              <p:spPr>
-                <a:xfrm>
-                  <a:off x="4515280" y="6084945"/>
-                  <a:ext cx="274386" cy="225596"/>
-                </a:xfrm>
-                <a:prstGeom prst="rect">
-                  <a:avLst/>
-                </a:prstGeom>
-              </p:spPr>
-            </p:pic>
-            <p:pic>
-              <p:nvPicPr>
-                <p:cNvPr id="91" name="Picture 90"/>
-                <p:cNvPicPr>
-                  <a:picLocks noChangeAspect="1"/>
-                </p:cNvPicPr>
-                <p:nvPr/>
-              </p:nvPicPr>
-              <p:blipFill>
-                <a:blip r:embed="rId7" cstate="print">
-                  <a:extLst>
-                    <a:ext uri="{28A0092B-C50C-407E-A947-70E740481C1C}">
-                      <a14:useLocalDpi xmlns:a14="http://schemas.microsoft.com/office/drawing/2010/main" val="0"/>
-                    </a:ext>
-                  </a:extLst>
-                </a:blip>
-                <a:stretch>
-                  <a:fillRect/>
-                </a:stretch>
-              </p:blipFill>
-              <p:spPr>
-                <a:xfrm flipH="1">
-                  <a:off x="2887074" y="6083191"/>
-                  <a:ext cx="255789" cy="218495"/>
+                  <a:off x="4734039" y="6066646"/>
+                  <a:ext cx="302061" cy="235941"/>
                 </a:xfrm>
                 <a:prstGeom prst="rect">
                   <a:avLst/>
@@ -9578,22 +9617,46 @@
           </p:grpSp>
           <p:pic>
             <p:nvPicPr>
-              <p:cNvPr id="87" name="Picture 86"/>
+              <p:cNvPr id="84" name="Picture 83"/>
               <p:cNvPicPr>
                 <a:picLocks noChangeAspect="1"/>
               </p:cNvPicPr>
               <p:nvPr/>
             </p:nvPicPr>
             <p:blipFill>
-              <a:blip r:embed="rId8"/>
+              <a:blip r:embed="rId9"/>
               <a:stretch>
                 <a:fillRect/>
               </a:stretch>
             </p:blipFill>
             <p:spPr>
               <a:xfrm>
-                <a:off x="4734039" y="6066646"/>
-                <a:ext cx="302061" cy="235941"/>
+                <a:off x="3506696" y="6098817"/>
+                <a:ext cx="334903" cy="198223"/>
+              </a:xfrm>
+              <a:prstGeom prst="rect">
+                <a:avLst/>
+              </a:prstGeom>
+            </p:spPr>
+          </p:pic>
+          <p:pic>
+            <p:nvPicPr>
+              <p:cNvPr id="85" name="Picture 84"/>
+              <p:cNvPicPr>
+                <a:picLocks noChangeAspect="1"/>
+              </p:cNvPicPr>
+              <p:nvPr/>
+            </p:nvPicPr>
+            <p:blipFill>
+              <a:blip r:embed="rId10"/>
+              <a:stretch>
+                <a:fillRect/>
+              </a:stretch>
+            </p:blipFill>
+            <p:spPr>
+              <a:xfrm>
+                <a:off x="3107726" y="6098817"/>
+                <a:ext cx="327300" cy="196986"/>
               </a:xfrm>
               <a:prstGeom prst="rect">
                 <a:avLst/>
@@ -9601,211 +9664,187 @@
             </p:spPr>
           </p:pic>
         </p:grpSp>
-        <p:pic>
-          <p:nvPicPr>
-            <p:cNvPr id="84" name="Picture 83"/>
-            <p:cNvPicPr>
-              <a:picLocks noChangeAspect="1"/>
-            </p:cNvPicPr>
-            <p:nvPr/>
-          </p:nvPicPr>
-          <p:blipFill>
-            <a:blip r:embed="rId9"/>
-            <a:stretch>
-              <a:fillRect/>
-            </a:stretch>
-          </p:blipFill>
-          <p:spPr>
-            <a:xfrm>
-              <a:off x="3506696" y="6098817"/>
-              <a:ext cx="334903" cy="198223"/>
-            </a:xfrm>
-            <a:prstGeom prst="rect">
-              <a:avLst/>
-            </a:prstGeom>
-          </p:spPr>
-        </p:pic>
-        <p:pic>
-          <p:nvPicPr>
-            <p:cNvPr id="85" name="Picture 84"/>
-            <p:cNvPicPr>
-              <a:picLocks noChangeAspect="1"/>
-            </p:cNvPicPr>
-            <p:nvPr/>
-          </p:nvPicPr>
-          <p:blipFill>
-            <a:blip r:embed="rId10"/>
-            <a:stretch>
-              <a:fillRect/>
-            </a:stretch>
-          </p:blipFill>
-          <p:spPr>
-            <a:xfrm>
-              <a:off x="3107726" y="6098817"/>
-              <a:ext cx="327300" cy="196986"/>
-            </a:xfrm>
-            <a:prstGeom prst="rect">
-              <a:avLst/>
-            </a:prstGeom>
-          </p:spPr>
-        </p:pic>
-      </p:grpSp>
-      <p:grpSp>
-        <p:nvGrpSpPr>
-          <p:cNvPr id="92" name="Group 91"/>
-          <p:cNvGrpSpPr/>
-          <p:nvPr/>
-        </p:nvGrpSpPr>
-        <p:grpSpPr>
-          <a:xfrm>
-            <a:off x="6345338" y="6357438"/>
-            <a:ext cx="3255436" cy="375380"/>
-            <a:chOff x="2721075" y="6066646"/>
-            <a:chExt cx="2738999" cy="243895"/>
-          </a:xfrm>
-        </p:grpSpPr>
         <p:grpSp>
           <p:nvGrpSpPr>
-            <p:cNvPr id="93" name="Group 92"/>
+            <p:cNvPr id="92" name="Group 91"/>
             <p:cNvGrpSpPr/>
             <p:nvPr/>
           </p:nvGrpSpPr>
           <p:grpSpPr>
             <a:xfrm>
-              <a:off x="2721075" y="6066646"/>
-              <a:ext cx="2738999" cy="243895"/>
+              <a:off x="6345338" y="6357438"/>
+              <a:ext cx="3255436" cy="375380"/>
               <a:chOff x="2721075" y="6066646"/>
               <a:chExt cx="2738999" cy="243895"/>
             </a:xfrm>
           </p:grpSpPr>
           <p:grpSp>
             <p:nvGrpSpPr>
-              <p:cNvPr id="96" name="Group 95"/>
+              <p:cNvPr id="93" name="Group 92"/>
               <p:cNvGrpSpPr/>
               <p:nvPr/>
             </p:nvGrpSpPr>
             <p:grpSpPr>
               <a:xfrm>
-                <a:off x="2721075" y="6083191"/>
-                <a:ext cx="2738999" cy="227350"/>
-                <a:chOff x="2887074" y="6083191"/>
-                <a:chExt cx="2738999" cy="227350"/>
+                <a:off x="2721075" y="6066646"/>
+                <a:ext cx="2738999" cy="243895"/>
+                <a:chOff x="2721075" y="6066646"/>
+                <a:chExt cx="2738999" cy="243895"/>
               </a:xfrm>
             </p:grpSpPr>
+            <p:grpSp>
+              <p:nvGrpSpPr>
+                <p:cNvPr id="96" name="Group 95"/>
+                <p:cNvGrpSpPr/>
+                <p:nvPr/>
+              </p:nvGrpSpPr>
+              <p:grpSpPr>
+                <a:xfrm>
+                  <a:off x="2721075" y="6083191"/>
+                  <a:ext cx="2738999" cy="227350"/>
+                  <a:chOff x="2887074" y="6083191"/>
+                  <a:chExt cx="2738999" cy="227350"/>
+                </a:xfrm>
+              </p:grpSpPr>
+              <p:pic>
+                <p:nvPicPr>
+                  <p:cNvPr id="98" name="Picture 97"/>
+                  <p:cNvPicPr>
+                    <a:picLocks noChangeAspect="1"/>
+                  </p:cNvPicPr>
+                  <p:nvPr/>
+                </p:nvPicPr>
+                <p:blipFill>
+                  <a:blip r:embed="rId4" cstate="print">
+                    <a:extLst>
+                      <a:ext uri="{28A0092B-C50C-407E-A947-70E740481C1C}">
+                        <a14:useLocalDpi xmlns:a14="http://schemas.microsoft.com/office/drawing/2010/main" val="0"/>
+                      </a:ext>
+                    </a:extLst>
+                  </a:blip>
+                  <a:stretch>
+                    <a:fillRect/>
+                  </a:stretch>
+                </p:blipFill>
+                <p:spPr>
+                  <a:xfrm>
+                    <a:off x="4079269" y="6103833"/>
+                    <a:ext cx="325640" cy="161565"/>
+                  </a:xfrm>
+                  <a:prstGeom prst="rect">
+                    <a:avLst/>
+                  </a:prstGeom>
+                </p:spPr>
+              </p:pic>
+              <p:pic>
+                <p:nvPicPr>
+                  <p:cNvPr id="99" name="Picture 98"/>
+                  <p:cNvPicPr>
+                    <a:picLocks noChangeAspect="1"/>
+                  </p:cNvPicPr>
+                  <p:nvPr/>
+                </p:nvPicPr>
+                <p:blipFill>
+                  <a:blip r:embed="rId5" cstate="print">
+                    <a:extLst>
+                      <a:ext uri="{28A0092B-C50C-407E-A947-70E740481C1C}">
+                        <a14:useLocalDpi xmlns:a14="http://schemas.microsoft.com/office/drawing/2010/main" val="0"/>
+                      </a:ext>
+                    </a:extLst>
+                  </a:blip>
+                  <a:stretch>
+                    <a:fillRect/>
+                  </a:stretch>
+                </p:blipFill>
+                <p:spPr>
+                  <a:xfrm>
+                    <a:off x="5345440" y="6084945"/>
+                    <a:ext cx="280633" cy="225596"/>
+                  </a:xfrm>
+                  <a:prstGeom prst="rect">
+                    <a:avLst/>
+                  </a:prstGeom>
+                </p:spPr>
+              </p:pic>
+              <p:pic>
+                <p:nvPicPr>
+                  <p:cNvPr id="100" name="Picture 99"/>
+                  <p:cNvPicPr>
+                    <a:picLocks noChangeAspect="1"/>
+                  </p:cNvPicPr>
+                  <p:nvPr/>
+                </p:nvPicPr>
+                <p:blipFill>
+                  <a:blip r:embed="rId6" cstate="print">
+                    <a:extLst>
+                      <a:ext uri="{28A0092B-C50C-407E-A947-70E740481C1C}">
+                        <a14:useLocalDpi xmlns:a14="http://schemas.microsoft.com/office/drawing/2010/main" val="0"/>
+                      </a:ext>
+                    </a:extLst>
+                  </a:blip>
+                  <a:stretch>
+                    <a:fillRect/>
+                  </a:stretch>
+                </p:blipFill>
+                <p:spPr>
+                  <a:xfrm>
+                    <a:off x="4515280" y="6084945"/>
+                    <a:ext cx="274386" cy="225596"/>
+                  </a:xfrm>
+                  <a:prstGeom prst="rect">
+                    <a:avLst/>
+                  </a:prstGeom>
+                </p:spPr>
+              </p:pic>
+              <p:pic>
+                <p:nvPicPr>
+                  <p:cNvPr id="101" name="Picture 100"/>
+                  <p:cNvPicPr>
+                    <a:picLocks noChangeAspect="1"/>
+                  </p:cNvPicPr>
+                  <p:nvPr/>
+                </p:nvPicPr>
+                <p:blipFill>
+                  <a:blip r:embed="rId7" cstate="print">
+                    <a:extLst>
+                      <a:ext uri="{28A0092B-C50C-407E-A947-70E740481C1C}">
+                        <a14:useLocalDpi xmlns:a14="http://schemas.microsoft.com/office/drawing/2010/main" val="0"/>
+                      </a:ext>
+                    </a:extLst>
+                  </a:blip>
+                  <a:stretch>
+                    <a:fillRect/>
+                  </a:stretch>
+                </p:blipFill>
+                <p:spPr>
+                  <a:xfrm flipH="1">
+                    <a:off x="2887074" y="6083191"/>
+                    <a:ext cx="255789" cy="218495"/>
+                  </a:xfrm>
+                  <a:prstGeom prst="rect">
+                    <a:avLst/>
+                  </a:prstGeom>
+                </p:spPr>
+              </p:pic>
+            </p:grpSp>
             <p:pic>
               <p:nvPicPr>
-                <p:cNvPr id="98" name="Picture 97"/>
+                <p:cNvPr id="97" name="Picture 96"/>
                 <p:cNvPicPr>
                   <a:picLocks noChangeAspect="1"/>
                 </p:cNvPicPr>
                 <p:nvPr/>
               </p:nvPicPr>
               <p:blipFill>
-                <a:blip r:embed="rId4" cstate="print">
-                  <a:extLst>
-                    <a:ext uri="{28A0092B-C50C-407E-A947-70E740481C1C}">
-                      <a14:useLocalDpi xmlns:a14="http://schemas.microsoft.com/office/drawing/2010/main" val="0"/>
-                    </a:ext>
-                  </a:extLst>
-                </a:blip>
+                <a:blip r:embed="rId8"/>
                 <a:stretch>
                   <a:fillRect/>
                 </a:stretch>
               </p:blipFill>
               <p:spPr>
                 <a:xfrm>
-                  <a:off x="4079269" y="6103833"/>
-                  <a:ext cx="325640" cy="161565"/>
-                </a:xfrm>
-                <a:prstGeom prst="rect">
-                  <a:avLst/>
-                </a:prstGeom>
-              </p:spPr>
-            </p:pic>
-            <p:pic>
-              <p:nvPicPr>
-                <p:cNvPr id="99" name="Picture 98"/>
-                <p:cNvPicPr>
-                  <a:picLocks noChangeAspect="1"/>
-                </p:cNvPicPr>
-                <p:nvPr/>
-              </p:nvPicPr>
-              <p:blipFill>
-                <a:blip r:embed="rId5" cstate="print">
-                  <a:extLst>
-                    <a:ext uri="{28A0092B-C50C-407E-A947-70E740481C1C}">
-                      <a14:useLocalDpi xmlns:a14="http://schemas.microsoft.com/office/drawing/2010/main" val="0"/>
-                    </a:ext>
-                  </a:extLst>
-                </a:blip>
-                <a:stretch>
-                  <a:fillRect/>
-                </a:stretch>
-              </p:blipFill>
-              <p:spPr>
-                <a:xfrm>
-                  <a:off x="5345440" y="6084945"/>
-                  <a:ext cx="280633" cy="225596"/>
-                </a:xfrm>
-                <a:prstGeom prst="rect">
-                  <a:avLst/>
-                </a:prstGeom>
-              </p:spPr>
-            </p:pic>
-            <p:pic>
-              <p:nvPicPr>
-                <p:cNvPr id="100" name="Picture 99"/>
-                <p:cNvPicPr>
-                  <a:picLocks noChangeAspect="1"/>
-                </p:cNvPicPr>
-                <p:nvPr/>
-              </p:nvPicPr>
-              <p:blipFill>
-                <a:blip r:embed="rId6" cstate="print">
-                  <a:extLst>
-                    <a:ext uri="{28A0092B-C50C-407E-A947-70E740481C1C}">
-                      <a14:useLocalDpi xmlns:a14="http://schemas.microsoft.com/office/drawing/2010/main" val="0"/>
-                    </a:ext>
-                  </a:extLst>
-                </a:blip>
-                <a:stretch>
-                  <a:fillRect/>
-                </a:stretch>
-              </p:blipFill>
-              <p:spPr>
-                <a:xfrm>
-                  <a:off x="4515280" y="6084945"/>
-                  <a:ext cx="274386" cy="225596"/>
-                </a:xfrm>
-                <a:prstGeom prst="rect">
-                  <a:avLst/>
-                </a:prstGeom>
-              </p:spPr>
-            </p:pic>
-            <p:pic>
-              <p:nvPicPr>
-                <p:cNvPr id="101" name="Picture 100"/>
-                <p:cNvPicPr>
-                  <a:picLocks noChangeAspect="1"/>
-                </p:cNvPicPr>
-                <p:nvPr/>
-              </p:nvPicPr>
-              <p:blipFill>
-                <a:blip r:embed="rId7" cstate="print">
-                  <a:extLst>
-                    <a:ext uri="{28A0092B-C50C-407E-A947-70E740481C1C}">
-                      <a14:useLocalDpi xmlns:a14="http://schemas.microsoft.com/office/drawing/2010/main" val="0"/>
-                    </a:ext>
-                  </a:extLst>
-                </a:blip>
-                <a:stretch>
-                  <a:fillRect/>
-                </a:stretch>
-              </p:blipFill>
-              <p:spPr>
-                <a:xfrm flipH="1">
-                  <a:off x="2887074" y="6083191"/>
-                  <a:ext cx="255789" cy="218495"/>
+                  <a:off x="4734039" y="6066646"/>
+                  <a:ext cx="302061" cy="235941"/>
                 </a:xfrm>
                 <a:prstGeom prst="rect">
                   <a:avLst/>
@@ -9815,22 +9854,46 @@
           </p:grpSp>
           <p:pic>
             <p:nvPicPr>
-              <p:cNvPr id="97" name="Picture 96"/>
+              <p:cNvPr id="94" name="Picture 93"/>
               <p:cNvPicPr>
                 <a:picLocks noChangeAspect="1"/>
               </p:cNvPicPr>
               <p:nvPr/>
             </p:nvPicPr>
             <p:blipFill>
-              <a:blip r:embed="rId8"/>
+              <a:blip r:embed="rId9"/>
               <a:stretch>
                 <a:fillRect/>
               </a:stretch>
             </p:blipFill>
             <p:spPr>
               <a:xfrm>
-                <a:off x="4734039" y="6066646"/>
-                <a:ext cx="302061" cy="235941"/>
+                <a:off x="3506696" y="6098817"/>
+                <a:ext cx="334903" cy="198223"/>
+              </a:xfrm>
+              <a:prstGeom prst="rect">
+                <a:avLst/>
+              </a:prstGeom>
+            </p:spPr>
+          </p:pic>
+          <p:pic>
+            <p:nvPicPr>
+              <p:cNvPr id="95" name="Picture 94"/>
+              <p:cNvPicPr>
+                <a:picLocks noChangeAspect="1"/>
+              </p:cNvPicPr>
+              <p:nvPr/>
+            </p:nvPicPr>
+            <p:blipFill>
+              <a:blip r:embed="rId10"/>
+              <a:stretch>
+                <a:fillRect/>
+              </a:stretch>
+            </p:blipFill>
+            <p:spPr>
+              <a:xfrm>
+                <a:off x="3107726" y="6098817"/>
+                <a:ext cx="327300" cy="196986"/>
               </a:xfrm>
               <a:prstGeom prst="rect">
                 <a:avLst/>
@@ -9838,54 +9901,6 @@
             </p:spPr>
           </p:pic>
         </p:grpSp>
-        <p:pic>
-          <p:nvPicPr>
-            <p:cNvPr id="94" name="Picture 93"/>
-            <p:cNvPicPr>
-              <a:picLocks noChangeAspect="1"/>
-            </p:cNvPicPr>
-            <p:nvPr/>
-          </p:nvPicPr>
-          <p:blipFill>
-            <a:blip r:embed="rId9"/>
-            <a:stretch>
-              <a:fillRect/>
-            </a:stretch>
-          </p:blipFill>
-          <p:spPr>
-            <a:xfrm>
-              <a:off x="3506696" y="6098817"/>
-              <a:ext cx="334903" cy="198223"/>
-            </a:xfrm>
-            <a:prstGeom prst="rect">
-              <a:avLst/>
-            </a:prstGeom>
-          </p:spPr>
-        </p:pic>
-        <p:pic>
-          <p:nvPicPr>
-            <p:cNvPr id="95" name="Picture 94"/>
-            <p:cNvPicPr>
-              <a:picLocks noChangeAspect="1"/>
-            </p:cNvPicPr>
-            <p:nvPr/>
-          </p:nvPicPr>
-          <p:blipFill>
-            <a:blip r:embed="rId10"/>
-            <a:stretch>
-              <a:fillRect/>
-            </a:stretch>
-          </p:blipFill>
-          <p:spPr>
-            <a:xfrm>
-              <a:off x="3107726" y="6098817"/>
-              <a:ext cx="327300" cy="196986"/>
-            </a:xfrm>
-            <a:prstGeom prst="rect">
-              <a:avLst/>
-            </a:prstGeom>
-          </p:spPr>
-        </p:pic>
       </p:grpSp>
     </p:spTree>
     <p:extLst>

--- a/output/plots/all_figs_with_legends.pptx
+++ b/output/plots/all_figs_with_legends.pptx
@@ -203,7 +203,7 @@
           <a:p>
             <a:fld id="{7FA21820-D199-4D82-91AF-C50B1D3B111A}" type="datetimeFigureOut">
               <a:rPr lang="en-US" smtClean="0"/>
-              <a:t>5/3/2017</a:t>
+              <a:t>5/4/2017</a:t>
             </a:fld>
             <a:endParaRPr lang="en-US"/>
           </a:p>
@@ -1036,7 +1036,7 @@
           <a:p>
             <a:fld id="{916B8C92-D5E3-4480-8685-D57BEE386DE2}" type="datetimeFigureOut">
               <a:rPr lang="en-US" smtClean="0"/>
-              <a:t>5/3/2017</a:t>
+              <a:t>5/4/2017</a:t>
             </a:fld>
             <a:endParaRPr lang="en-US"/>
           </a:p>
@@ -1206,7 +1206,7 @@
           <a:p>
             <a:fld id="{916B8C92-D5E3-4480-8685-D57BEE386DE2}" type="datetimeFigureOut">
               <a:rPr lang="en-US" smtClean="0"/>
-              <a:t>5/3/2017</a:t>
+              <a:t>5/4/2017</a:t>
             </a:fld>
             <a:endParaRPr lang="en-US"/>
           </a:p>
@@ -1386,7 +1386,7 @@
           <a:p>
             <a:fld id="{916B8C92-D5E3-4480-8685-D57BEE386DE2}" type="datetimeFigureOut">
               <a:rPr lang="en-US" smtClean="0"/>
-              <a:t>5/3/2017</a:t>
+              <a:t>5/4/2017</a:t>
             </a:fld>
             <a:endParaRPr lang="en-US"/>
           </a:p>
@@ -1556,7 +1556,7 @@
           <a:p>
             <a:fld id="{916B8C92-D5E3-4480-8685-D57BEE386DE2}" type="datetimeFigureOut">
               <a:rPr lang="en-US" smtClean="0"/>
-              <a:t>5/3/2017</a:t>
+              <a:t>5/4/2017</a:t>
             </a:fld>
             <a:endParaRPr lang="en-US"/>
           </a:p>
@@ -1802,7 +1802,7 @@
           <a:p>
             <a:fld id="{916B8C92-D5E3-4480-8685-D57BEE386DE2}" type="datetimeFigureOut">
               <a:rPr lang="en-US" smtClean="0"/>
-              <a:t>5/3/2017</a:t>
+              <a:t>5/4/2017</a:t>
             </a:fld>
             <a:endParaRPr lang="en-US"/>
           </a:p>
@@ -2034,7 +2034,7 @@
           <a:p>
             <a:fld id="{916B8C92-D5E3-4480-8685-D57BEE386DE2}" type="datetimeFigureOut">
               <a:rPr lang="en-US" smtClean="0"/>
-              <a:t>5/3/2017</a:t>
+              <a:t>5/4/2017</a:t>
             </a:fld>
             <a:endParaRPr lang="en-US"/>
           </a:p>
@@ -2401,7 +2401,7 @@
           <a:p>
             <a:fld id="{916B8C92-D5E3-4480-8685-D57BEE386DE2}" type="datetimeFigureOut">
               <a:rPr lang="en-US" smtClean="0"/>
-              <a:t>5/3/2017</a:t>
+              <a:t>5/4/2017</a:t>
             </a:fld>
             <a:endParaRPr lang="en-US"/>
           </a:p>
@@ -2519,7 +2519,7 @@
           <a:p>
             <a:fld id="{916B8C92-D5E3-4480-8685-D57BEE386DE2}" type="datetimeFigureOut">
               <a:rPr lang="en-US" smtClean="0"/>
-              <a:t>5/3/2017</a:t>
+              <a:t>5/4/2017</a:t>
             </a:fld>
             <a:endParaRPr lang="en-US"/>
           </a:p>
@@ -2614,7 +2614,7 @@
           <a:p>
             <a:fld id="{916B8C92-D5E3-4480-8685-D57BEE386DE2}" type="datetimeFigureOut">
               <a:rPr lang="en-US" smtClean="0"/>
-              <a:t>5/3/2017</a:t>
+              <a:t>5/4/2017</a:t>
             </a:fld>
             <a:endParaRPr lang="en-US"/>
           </a:p>
@@ -2891,7 +2891,7 @@
           <a:p>
             <a:fld id="{916B8C92-D5E3-4480-8685-D57BEE386DE2}" type="datetimeFigureOut">
               <a:rPr lang="en-US" smtClean="0"/>
-              <a:t>5/3/2017</a:t>
+              <a:t>5/4/2017</a:t>
             </a:fld>
             <a:endParaRPr lang="en-US"/>
           </a:p>
@@ -3144,7 +3144,7 @@
           <a:p>
             <a:fld id="{916B8C92-D5E3-4480-8685-D57BEE386DE2}" type="datetimeFigureOut">
               <a:rPr lang="en-US" smtClean="0"/>
-              <a:t>5/3/2017</a:t>
+              <a:t>5/4/2017</a:t>
             </a:fld>
             <a:endParaRPr lang="en-US"/>
           </a:p>
@@ -3357,7 +3357,7 @@
           <a:p>
             <a:fld id="{916B8C92-D5E3-4480-8685-D57BEE386DE2}" type="datetimeFigureOut">
               <a:rPr lang="en-US" smtClean="0"/>
-              <a:t>5/3/2017</a:t>
+              <a:t>5/4/2017</a:t>
             </a:fld>
             <a:endParaRPr lang="en-US"/>
           </a:p>
@@ -5174,44 +5174,6 @@
               <a:t>Low occupancy</a:t>
             </a:r>
             <a:endParaRPr lang="en-US" sz="1000" dirty="0"/>
-          </a:p>
-        </p:txBody>
-      </p:sp>
-      <p:sp>
-        <p:nvSpPr>
-          <p:cNvPr id="15" name="TextBox 14"/>
-          <p:cNvSpPr txBox="1"/>
-          <p:nvPr/>
-        </p:nvSpPr>
-        <p:spPr>
-          <a:xfrm>
-            <a:off x="4306824" y="512064"/>
-            <a:ext cx="2157984" cy="646331"/>
-          </a:xfrm>
-          <a:prstGeom prst="rect">
-            <a:avLst/>
-          </a:prstGeom>
-          <a:noFill/>
-        </p:spPr>
-        <p:txBody>
-          <a:bodyPr wrap="square" rtlCol="0">
-            <a:spAutoFit/>
-          </a:bodyPr>
-          <a:lstStyle/>
-          <a:p>
-            <a:r>
-              <a:rPr lang="en-US" dirty="0" err="1" smtClean="0"/>
-              <a:t>Magurran</a:t>
-            </a:r>
-            <a:r>
-              <a:rPr lang="en-US" dirty="0" smtClean="0"/>
-              <a:t> and Henderson </a:t>
-            </a:r>
-            <a:r>
-              <a:rPr lang="en-US" dirty="0" err="1" smtClean="0"/>
-              <a:t>hists</a:t>
-            </a:r>
-            <a:endParaRPr lang="en-US" dirty="0"/>
           </a:p>
         </p:txBody>
       </p:sp>
@@ -8681,6 +8643,30 @@
           </a:fontRef>
         </p:style>
       </p:cxnSp>
+      <p:pic>
+        <p:nvPicPr>
+          <p:cNvPr id="16" name="Picture 15"/>
+          <p:cNvPicPr>
+            <a:picLocks noChangeAspect="1"/>
+          </p:cNvPicPr>
+          <p:nvPr/>
+        </p:nvPicPr>
+        <p:blipFill>
+          <a:blip r:embed="rId2"/>
+          <a:stretch>
+            <a:fillRect/>
+          </a:stretch>
+        </p:blipFill>
+        <p:spPr>
+          <a:xfrm>
+            <a:off x="3803991" y="125730"/>
+            <a:ext cx="3317355" cy="2087399"/>
+          </a:xfrm>
+          <a:prstGeom prst="rect">
+            <a:avLst/>
+          </a:prstGeom>
+        </p:spPr>
+      </p:pic>
     </p:spTree>
     <p:extLst>
       <p:ext uri="{BB962C8B-B14F-4D97-AF65-F5344CB8AC3E}">

--- a/output/plots/all_figs_with_legends.pptx
+++ b/output/plots/all_figs_with_legends.pptx
@@ -4755,8 +4755,8 @@
         </p:nvSpPr>
         <p:spPr>
           <a:xfrm>
-            <a:off x="182880" y="105918"/>
-            <a:ext cx="3441192" cy="2124456"/>
+            <a:off x="175991" y="89863"/>
+            <a:ext cx="2567210" cy="2136065"/>
           </a:xfrm>
           <a:prstGeom prst="rect">
             <a:avLst/>
@@ -4801,8 +4801,8 @@
         </p:nvSpPr>
         <p:spPr>
           <a:xfrm>
-            <a:off x="3709416" y="105918"/>
-            <a:ext cx="3441192" cy="2124456"/>
+            <a:off x="3406950" y="105273"/>
+            <a:ext cx="2567210" cy="2136065"/>
           </a:xfrm>
           <a:prstGeom prst="rect">
             <a:avLst/>
@@ -4847,8 +4847,8 @@
         </p:nvSpPr>
         <p:spPr>
           <a:xfrm>
-            <a:off x="182880" y="4518659"/>
-            <a:ext cx="3441192" cy="2124456"/>
+            <a:off x="175991" y="4502604"/>
+            <a:ext cx="2567210" cy="2136065"/>
           </a:xfrm>
           <a:prstGeom prst="rect">
             <a:avLst/>
@@ -4893,8 +4893,8 @@
         </p:nvSpPr>
         <p:spPr>
           <a:xfrm>
-            <a:off x="3709416" y="4518659"/>
-            <a:ext cx="3441192" cy="2124456"/>
+            <a:off x="3406950" y="4518014"/>
+            <a:ext cx="2567210" cy="2136065"/>
           </a:xfrm>
           <a:prstGeom prst="rect">
             <a:avLst/>
@@ -4939,8 +4939,8 @@
         </p:nvSpPr>
         <p:spPr>
           <a:xfrm>
-            <a:off x="182880" y="2304668"/>
-            <a:ext cx="3441192" cy="2124456"/>
+            <a:off x="175991" y="2288613"/>
+            <a:ext cx="2567210" cy="2136065"/>
           </a:xfrm>
           <a:prstGeom prst="rect">
             <a:avLst/>
@@ -4985,8 +4985,8 @@
         </p:nvSpPr>
         <p:spPr>
           <a:xfrm>
-            <a:off x="3709416" y="2304668"/>
-            <a:ext cx="3441192" cy="2124456"/>
+            <a:off x="3406949" y="2304023"/>
+            <a:ext cx="2567209" cy="2136065"/>
           </a:xfrm>
           <a:prstGeom prst="rect">
             <a:avLst/>
@@ -5025,730 +5025,20 @@
       </p:sp>
       <p:sp>
         <p:nvSpPr>
-          <p:cNvPr id="10" name="Freeform 9"/>
+          <p:cNvPr id="44" name="Rectangle 43"/>
           <p:cNvSpPr/>
           <p:nvPr/>
         </p:nvSpPr>
         <p:spPr>
           <a:xfrm>
-            <a:off x="408432" y="180544"/>
-            <a:ext cx="2935224" cy="1975203"/>
-          </a:xfrm>
-          <a:custGeom>
-            <a:avLst/>
-            <a:gdLst>
-              <a:gd name="connsiteX0" fmla="*/ 0 w 2770632"/>
-              <a:gd name="connsiteY0" fmla="*/ 0 h 1874619"/>
-              <a:gd name="connsiteX1" fmla="*/ 438912 w 2770632"/>
-              <a:gd name="connsiteY1" fmla="*/ 1627632 h 1874619"/>
-              <a:gd name="connsiteX2" fmla="*/ 2231136 w 2770632"/>
-              <a:gd name="connsiteY2" fmla="*/ 1700784 h 1874619"/>
-              <a:gd name="connsiteX3" fmla="*/ 2770632 w 2770632"/>
-              <a:gd name="connsiteY3" fmla="*/ 9144 h 1874619"/>
-            </a:gdLst>
-            <a:ahLst/>
-            <a:cxnLst>
-              <a:cxn ang="0">
-                <a:pos x="connsiteX0" y="connsiteY0"/>
-              </a:cxn>
-              <a:cxn ang="0">
-                <a:pos x="connsiteX1" y="connsiteY1"/>
-              </a:cxn>
-              <a:cxn ang="0">
-                <a:pos x="connsiteX2" y="connsiteY2"/>
-              </a:cxn>
-              <a:cxn ang="0">
-                <a:pos x="connsiteX3" y="connsiteY3"/>
-              </a:cxn>
-            </a:cxnLst>
-            <a:rect l="l" t="t" r="r" b="b"/>
-            <a:pathLst>
-              <a:path w="2770632" h="1874619">
-                <a:moveTo>
-                  <a:pt x="0" y="0"/>
-                </a:moveTo>
-                <a:cubicBezTo>
-                  <a:pt x="33528" y="672084"/>
-                  <a:pt x="67056" y="1344168"/>
-                  <a:pt x="438912" y="1627632"/>
-                </a:cubicBezTo>
-                <a:cubicBezTo>
-                  <a:pt x="810768" y="1911096"/>
-                  <a:pt x="1842516" y="1970532"/>
-                  <a:pt x="2231136" y="1700784"/>
-                </a:cubicBezTo>
-                <a:cubicBezTo>
-                  <a:pt x="2619756" y="1431036"/>
-                  <a:pt x="2695194" y="720090"/>
-                  <a:pt x="2770632" y="9144"/>
-                </a:cubicBezTo>
-              </a:path>
-            </a:pathLst>
-          </a:custGeom>
-          <a:noFill/>
-          <a:ln w="38100">
-            <a:solidFill>
-              <a:schemeClr val="tx1"/>
-            </a:solidFill>
-          </a:ln>
-        </p:spPr>
-        <p:style>
-          <a:lnRef idx="2">
-            <a:schemeClr val="accent1">
-              <a:shade val="50000"/>
-            </a:schemeClr>
-          </a:lnRef>
-          <a:fillRef idx="1">
-            <a:schemeClr val="accent1"/>
-          </a:fillRef>
-          <a:effectRef idx="0">
-            <a:schemeClr val="accent1"/>
-          </a:effectRef>
-          <a:fontRef idx="minor">
-            <a:schemeClr val="lt1"/>
-          </a:fontRef>
-        </p:style>
-        <p:txBody>
-          <a:bodyPr rtlCol="0" anchor="ctr"/>
-          <a:lstStyle/>
-          <a:p>
-            <a:pPr algn="ctr"/>
-            <a:endParaRPr lang="en-US"/>
-          </a:p>
-        </p:txBody>
-      </p:sp>
-      <p:sp>
-        <p:nvSpPr>
-          <p:cNvPr id="13" name="TextBox 12"/>
-          <p:cNvSpPr txBox="1"/>
-          <p:nvPr/>
-        </p:nvSpPr>
-        <p:spPr>
-          <a:xfrm>
-            <a:off x="2662428" y="1954293"/>
-            <a:ext cx="1101852" cy="246221"/>
+            <a:off x="2053285" y="4627772"/>
+            <a:ext cx="164592" cy="153690"/>
           </a:xfrm>
           <a:prstGeom prst="rect">
             <a:avLst/>
           </a:prstGeom>
           <a:noFill/>
-        </p:spPr>
-        <p:txBody>
-          <a:bodyPr wrap="square" rtlCol="0">
-            <a:spAutoFit/>
-          </a:bodyPr>
-          <a:lstStyle/>
-          <a:p>
-            <a:r>
-              <a:rPr lang="en-US" sz="1000" dirty="0" smtClean="0"/>
-              <a:t>High occupancy</a:t>
-            </a:r>
-            <a:endParaRPr lang="en-US" sz="1000" dirty="0"/>
-          </a:p>
-        </p:txBody>
-      </p:sp>
-      <p:sp>
-        <p:nvSpPr>
-          <p:cNvPr id="14" name="TextBox 13"/>
-          <p:cNvSpPr txBox="1"/>
-          <p:nvPr/>
-        </p:nvSpPr>
-        <p:spPr>
-          <a:xfrm>
-            <a:off x="128016" y="1949150"/>
-            <a:ext cx="1101852" cy="246221"/>
-          </a:xfrm>
-          <a:prstGeom prst="rect">
-            <a:avLst/>
-          </a:prstGeom>
-          <a:noFill/>
-        </p:spPr>
-        <p:txBody>
-          <a:bodyPr wrap="square" rtlCol="0">
-            <a:spAutoFit/>
-          </a:bodyPr>
-          <a:lstStyle/>
-          <a:p>
-            <a:r>
-              <a:rPr lang="en-US" sz="1000" dirty="0" smtClean="0"/>
-              <a:t>Low occupancy</a:t>
-            </a:r>
-            <a:endParaRPr lang="en-US" sz="1000" dirty="0"/>
-          </a:p>
-        </p:txBody>
-      </p:sp>
-      <p:sp>
-        <p:nvSpPr>
-          <p:cNvPr id="19" name="Isosceles Triangle 18"/>
-          <p:cNvSpPr/>
-          <p:nvPr/>
-        </p:nvSpPr>
-        <p:spPr>
-          <a:xfrm>
-            <a:off x="5635752" y="5487190"/>
-            <a:ext cx="180746" cy="153690"/>
-          </a:xfrm>
-          <a:prstGeom prst="triangle">
-            <a:avLst/>
-          </a:prstGeom>
-          <a:solidFill>
-            <a:srgbClr val="FF9900"/>
-          </a:solidFill>
-          <a:ln>
-            <a:solidFill>
-              <a:srgbClr val="FF9900"/>
-            </a:solidFill>
-          </a:ln>
-        </p:spPr>
-        <p:style>
-          <a:lnRef idx="2">
-            <a:schemeClr val="accent1">
-              <a:shade val="50000"/>
-            </a:schemeClr>
-          </a:lnRef>
-          <a:fillRef idx="1">
-            <a:schemeClr val="accent1"/>
-          </a:fillRef>
-          <a:effectRef idx="0">
-            <a:schemeClr val="accent1"/>
-          </a:effectRef>
-          <a:fontRef idx="minor">
-            <a:schemeClr val="lt1"/>
-          </a:fontRef>
-        </p:style>
-        <p:txBody>
-          <a:bodyPr rtlCol="0" anchor="ctr"/>
-          <a:lstStyle/>
-          <a:p>
-            <a:pPr algn="ctr"/>
-            <a:endParaRPr lang="en-US"/>
-          </a:p>
-        </p:txBody>
-      </p:sp>
-      <p:sp>
-        <p:nvSpPr>
-          <p:cNvPr id="20" name="Moon 19"/>
-          <p:cNvSpPr/>
-          <p:nvPr/>
-        </p:nvSpPr>
-        <p:spPr>
-          <a:xfrm>
-            <a:off x="4268114" y="4815195"/>
-            <a:ext cx="98450" cy="153690"/>
-          </a:xfrm>
-          <a:prstGeom prst="moon">
-            <a:avLst/>
-          </a:prstGeom>
-          <a:solidFill>
-            <a:srgbClr val="C00000"/>
-          </a:solidFill>
-          <a:ln>
-            <a:solidFill>
-              <a:srgbClr val="C00000"/>
-            </a:solidFill>
-          </a:ln>
-        </p:spPr>
-        <p:style>
-          <a:lnRef idx="2">
-            <a:schemeClr val="accent1">
-              <a:shade val="50000"/>
-            </a:schemeClr>
-          </a:lnRef>
-          <a:fillRef idx="1">
-            <a:schemeClr val="accent1"/>
-          </a:fillRef>
-          <a:effectRef idx="0">
-            <a:schemeClr val="accent1"/>
-          </a:effectRef>
-          <a:fontRef idx="minor">
-            <a:schemeClr val="lt1"/>
-          </a:fontRef>
-        </p:style>
-        <p:txBody>
-          <a:bodyPr rtlCol="0" anchor="ctr"/>
-          <a:lstStyle/>
-          <a:p>
-            <a:pPr algn="ctr"/>
-            <a:endParaRPr lang="en-US"/>
-          </a:p>
-        </p:txBody>
-      </p:sp>
-      <p:sp>
-        <p:nvSpPr>
-          <p:cNvPr id="22" name="Flowchart: Connector 21"/>
-          <p:cNvSpPr/>
-          <p:nvPr/>
-        </p:nvSpPr>
-        <p:spPr>
-          <a:xfrm>
-            <a:off x="5061812" y="5361431"/>
-            <a:ext cx="187452" cy="153690"/>
-          </a:xfrm>
-          <a:prstGeom prst="flowChartConnector">
-            <a:avLst/>
-          </a:prstGeom>
-          <a:solidFill>
-            <a:srgbClr val="7030A0"/>
-          </a:solidFill>
-          <a:ln>
-            <a:solidFill>
-              <a:srgbClr val="7030A0"/>
-            </a:solidFill>
-          </a:ln>
-        </p:spPr>
-        <p:style>
-          <a:lnRef idx="2">
-            <a:schemeClr val="accent1">
-              <a:shade val="50000"/>
-            </a:schemeClr>
-          </a:lnRef>
-          <a:fillRef idx="1">
-            <a:schemeClr val="accent1"/>
-          </a:fillRef>
-          <a:effectRef idx="0">
-            <a:schemeClr val="accent1"/>
-          </a:effectRef>
-          <a:fontRef idx="minor">
-            <a:schemeClr val="lt1"/>
-          </a:fontRef>
-        </p:style>
-        <p:txBody>
-          <a:bodyPr rtlCol="0" anchor="ctr"/>
-          <a:lstStyle/>
-          <a:p>
-            <a:pPr algn="ctr"/>
-            <a:endParaRPr lang="en-US"/>
-          </a:p>
-        </p:txBody>
-      </p:sp>
-      <p:sp>
-        <p:nvSpPr>
-          <p:cNvPr id="27" name="Diamond 26"/>
-          <p:cNvSpPr/>
-          <p:nvPr/>
-        </p:nvSpPr>
-        <p:spPr>
-          <a:xfrm>
-            <a:off x="5861304" y="5023104"/>
-            <a:ext cx="237744" cy="219456"/>
-          </a:xfrm>
-          <a:prstGeom prst="diamond">
-            <a:avLst/>
-          </a:prstGeom>
-          <a:solidFill>
-            <a:schemeClr val="accent6">
-              <a:lumMod val="60000"/>
-              <a:lumOff val="40000"/>
-            </a:schemeClr>
-          </a:solidFill>
-          <a:ln>
-            <a:solidFill>
-              <a:schemeClr val="accent6">
-                <a:lumMod val="60000"/>
-                <a:lumOff val="40000"/>
-              </a:schemeClr>
-            </a:solidFill>
-          </a:ln>
-        </p:spPr>
-        <p:style>
-          <a:lnRef idx="2">
-            <a:schemeClr val="accent1">
-              <a:shade val="50000"/>
-            </a:schemeClr>
-          </a:lnRef>
-          <a:fillRef idx="1">
-            <a:schemeClr val="accent1"/>
-          </a:fillRef>
-          <a:effectRef idx="0">
-            <a:schemeClr val="accent1"/>
-          </a:effectRef>
-          <a:fontRef idx="minor">
-            <a:schemeClr val="lt1"/>
-          </a:fontRef>
-        </p:style>
-        <p:txBody>
-          <a:bodyPr rtlCol="0" anchor="ctr"/>
-          <a:lstStyle/>
-          <a:p>
-            <a:pPr algn="ctr"/>
-            <a:endParaRPr lang="en-US"/>
-          </a:p>
-        </p:txBody>
-      </p:sp>
-      <p:sp>
-        <p:nvSpPr>
-          <p:cNvPr id="28" name="Diamond 27"/>
-          <p:cNvSpPr/>
-          <p:nvPr/>
-        </p:nvSpPr>
-        <p:spPr>
-          <a:xfrm>
-            <a:off x="4709160" y="6025896"/>
-            <a:ext cx="237744" cy="219456"/>
-          </a:xfrm>
-          <a:prstGeom prst="diamond">
-            <a:avLst/>
-          </a:prstGeom>
-          <a:solidFill>
-            <a:schemeClr val="accent6">
-              <a:lumMod val="60000"/>
-              <a:lumOff val="40000"/>
-            </a:schemeClr>
-          </a:solidFill>
-          <a:ln>
-            <a:solidFill>
-              <a:schemeClr val="accent6">
-                <a:lumMod val="60000"/>
-                <a:lumOff val="40000"/>
-              </a:schemeClr>
-            </a:solidFill>
-          </a:ln>
-        </p:spPr>
-        <p:style>
-          <a:lnRef idx="2">
-            <a:schemeClr val="accent1">
-              <a:shade val="50000"/>
-            </a:schemeClr>
-          </a:lnRef>
-          <a:fillRef idx="1">
-            <a:schemeClr val="accent1"/>
-          </a:fillRef>
-          <a:effectRef idx="0">
-            <a:schemeClr val="accent1"/>
-          </a:effectRef>
-          <a:fontRef idx="minor">
-            <a:schemeClr val="lt1"/>
-          </a:fontRef>
-        </p:style>
-        <p:txBody>
-          <a:bodyPr rtlCol="0" anchor="ctr"/>
-          <a:lstStyle/>
-          <a:p>
-            <a:pPr algn="ctr"/>
-            <a:endParaRPr lang="en-US"/>
-          </a:p>
-        </p:txBody>
-      </p:sp>
-      <p:sp>
-        <p:nvSpPr>
-          <p:cNvPr id="30" name="Diamond 29"/>
-          <p:cNvSpPr/>
-          <p:nvPr/>
-        </p:nvSpPr>
-        <p:spPr>
-          <a:xfrm>
-            <a:off x="4303776" y="5242560"/>
-            <a:ext cx="237744" cy="219456"/>
-          </a:xfrm>
-          <a:prstGeom prst="diamond">
-            <a:avLst/>
-          </a:prstGeom>
-          <a:solidFill>
-            <a:schemeClr val="accent6">
-              <a:lumMod val="60000"/>
-              <a:lumOff val="40000"/>
-            </a:schemeClr>
-          </a:solidFill>
-          <a:ln>
-            <a:solidFill>
-              <a:schemeClr val="accent6">
-                <a:lumMod val="60000"/>
-                <a:lumOff val="40000"/>
-              </a:schemeClr>
-            </a:solidFill>
-          </a:ln>
-        </p:spPr>
-        <p:style>
-          <a:lnRef idx="2">
-            <a:schemeClr val="accent1">
-              <a:shade val="50000"/>
-            </a:schemeClr>
-          </a:lnRef>
-          <a:fillRef idx="1">
-            <a:schemeClr val="accent1"/>
-          </a:fillRef>
-          <a:effectRef idx="0">
-            <a:schemeClr val="accent1"/>
-          </a:effectRef>
-          <a:fontRef idx="minor">
-            <a:schemeClr val="lt1"/>
-          </a:fontRef>
-        </p:style>
-        <p:txBody>
-          <a:bodyPr rtlCol="0" anchor="ctr"/>
-          <a:lstStyle/>
-          <a:p>
-            <a:pPr algn="ctr"/>
-            <a:endParaRPr lang="en-US"/>
-          </a:p>
-        </p:txBody>
-      </p:sp>
-      <p:sp>
-        <p:nvSpPr>
-          <p:cNvPr id="33" name="Diamond 32"/>
-          <p:cNvSpPr/>
-          <p:nvPr/>
-        </p:nvSpPr>
-        <p:spPr>
-          <a:xfrm>
-            <a:off x="6464808" y="4639701"/>
-            <a:ext cx="237744" cy="219456"/>
-          </a:xfrm>
-          <a:prstGeom prst="diamond">
-            <a:avLst/>
-          </a:prstGeom>
-          <a:solidFill>
-            <a:schemeClr val="accent6">
-              <a:lumMod val="60000"/>
-              <a:lumOff val="40000"/>
-            </a:schemeClr>
-          </a:solidFill>
-          <a:ln>
-            <a:solidFill>
-              <a:schemeClr val="accent6">
-                <a:lumMod val="60000"/>
-                <a:lumOff val="40000"/>
-              </a:schemeClr>
-            </a:solidFill>
-          </a:ln>
-        </p:spPr>
-        <p:style>
-          <a:lnRef idx="2">
-            <a:schemeClr val="accent1">
-              <a:shade val="50000"/>
-            </a:schemeClr>
-          </a:lnRef>
-          <a:fillRef idx="1">
-            <a:schemeClr val="accent1"/>
-          </a:fillRef>
-          <a:effectRef idx="0">
-            <a:schemeClr val="accent1"/>
-          </a:effectRef>
-          <a:fontRef idx="minor">
-            <a:schemeClr val="lt1"/>
-          </a:fontRef>
-        </p:style>
-        <p:txBody>
-          <a:bodyPr rtlCol="0" anchor="ctr"/>
-          <a:lstStyle/>
-          <a:p>
-            <a:pPr algn="ctr"/>
-            <a:endParaRPr lang="en-US"/>
-          </a:p>
-        </p:txBody>
-      </p:sp>
-      <p:sp>
-        <p:nvSpPr>
-          <p:cNvPr id="35" name="5-Point Star 34"/>
-          <p:cNvSpPr/>
-          <p:nvPr/>
-        </p:nvSpPr>
-        <p:spPr>
-          <a:xfrm>
-            <a:off x="4133392" y="5833109"/>
-            <a:ext cx="229514" cy="219456"/>
-          </a:xfrm>
-          <a:prstGeom prst="star5">
-            <a:avLst/>
-          </a:prstGeom>
-          <a:solidFill>
-            <a:schemeClr val="accent4"/>
-          </a:solidFill>
-          <a:ln>
-            <a:solidFill>
-              <a:schemeClr val="accent4"/>
-            </a:solidFill>
-          </a:ln>
-        </p:spPr>
-        <p:style>
-          <a:lnRef idx="2">
-            <a:schemeClr val="accent1">
-              <a:shade val="50000"/>
-            </a:schemeClr>
-          </a:lnRef>
-          <a:fillRef idx="1">
-            <a:schemeClr val="accent1"/>
-          </a:fillRef>
-          <a:effectRef idx="0">
-            <a:schemeClr val="accent1"/>
-          </a:effectRef>
-          <a:fontRef idx="minor">
-            <a:schemeClr val="lt1"/>
-          </a:fontRef>
-        </p:style>
-        <p:txBody>
-          <a:bodyPr rtlCol="0" anchor="ctr"/>
-          <a:lstStyle/>
-          <a:p>
-            <a:pPr algn="ctr"/>
-            <a:endParaRPr lang="en-US"/>
-          </a:p>
-        </p:txBody>
-      </p:sp>
-      <p:sp>
-        <p:nvSpPr>
-          <p:cNvPr id="36" name="Moon 35"/>
-          <p:cNvSpPr/>
-          <p:nvPr/>
-        </p:nvSpPr>
-        <p:spPr>
-          <a:xfrm>
-            <a:off x="5238900" y="5842487"/>
-            <a:ext cx="98450" cy="153690"/>
-          </a:xfrm>
-          <a:prstGeom prst="moon">
-            <a:avLst/>
-          </a:prstGeom>
-          <a:solidFill>
-            <a:srgbClr val="C00000"/>
-          </a:solidFill>
-          <a:ln>
-            <a:solidFill>
-              <a:srgbClr val="C00000"/>
-            </a:solidFill>
-          </a:ln>
-        </p:spPr>
-        <p:style>
-          <a:lnRef idx="2">
-            <a:schemeClr val="accent1">
-              <a:shade val="50000"/>
-            </a:schemeClr>
-          </a:lnRef>
-          <a:fillRef idx="1">
-            <a:schemeClr val="accent1"/>
-          </a:fillRef>
-          <a:effectRef idx="0">
-            <a:schemeClr val="accent1"/>
-          </a:effectRef>
-          <a:fontRef idx="minor">
-            <a:schemeClr val="lt1"/>
-          </a:fontRef>
-        </p:style>
-        <p:txBody>
-          <a:bodyPr rtlCol="0" anchor="ctr"/>
-          <a:lstStyle/>
-          <a:p>
-            <a:pPr algn="ctr"/>
-            <a:endParaRPr lang="en-US"/>
-          </a:p>
-        </p:txBody>
-      </p:sp>
-      <p:sp>
-        <p:nvSpPr>
-          <p:cNvPr id="37" name="Flowchart: Connector 36"/>
-          <p:cNvSpPr/>
-          <p:nvPr/>
-        </p:nvSpPr>
-        <p:spPr>
-          <a:xfrm>
-            <a:off x="5829300" y="4716545"/>
-            <a:ext cx="187452" cy="153690"/>
-          </a:xfrm>
-          <a:prstGeom prst="flowChartConnector">
-            <a:avLst/>
-          </a:prstGeom>
-          <a:solidFill>
-            <a:srgbClr val="7030A0"/>
-          </a:solidFill>
-          <a:ln>
-            <a:solidFill>
-              <a:srgbClr val="7030A0"/>
-            </a:solidFill>
-          </a:ln>
-        </p:spPr>
-        <p:style>
-          <a:lnRef idx="2">
-            <a:schemeClr val="accent1">
-              <a:shade val="50000"/>
-            </a:schemeClr>
-          </a:lnRef>
-          <a:fillRef idx="1">
-            <a:schemeClr val="accent1"/>
-          </a:fillRef>
-          <a:effectRef idx="0">
-            <a:schemeClr val="accent1"/>
-          </a:effectRef>
-          <a:fontRef idx="minor">
-            <a:schemeClr val="lt1"/>
-          </a:fontRef>
-        </p:style>
-        <p:txBody>
-          <a:bodyPr rtlCol="0" anchor="ctr"/>
-          <a:lstStyle/>
-          <a:p>
-            <a:pPr algn="ctr"/>
-            <a:endParaRPr lang="en-US"/>
-          </a:p>
-        </p:txBody>
-      </p:sp>
-      <p:sp>
-        <p:nvSpPr>
-          <p:cNvPr id="39" name="Flowchart: Connector 38"/>
-          <p:cNvSpPr/>
-          <p:nvPr/>
-        </p:nvSpPr>
-        <p:spPr>
-          <a:xfrm>
-            <a:off x="5673852" y="6192889"/>
-            <a:ext cx="187452" cy="153690"/>
-          </a:xfrm>
-          <a:prstGeom prst="flowChartConnector">
-            <a:avLst/>
-          </a:prstGeom>
-          <a:solidFill>
-            <a:srgbClr val="7030A0"/>
-          </a:solidFill>
-          <a:ln>
-            <a:solidFill>
-              <a:srgbClr val="7030A0"/>
-            </a:solidFill>
-          </a:ln>
-        </p:spPr>
-        <p:style>
-          <a:lnRef idx="2">
-            <a:schemeClr val="accent1">
-              <a:shade val="50000"/>
-            </a:schemeClr>
-          </a:lnRef>
-          <a:fillRef idx="1">
-            <a:schemeClr val="accent1"/>
-          </a:fillRef>
-          <a:effectRef idx="0">
-            <a:schemeClr val="accent1"/>
-          </a:effectRef>
-          <a:fontRef idx="minor">
-            <a:schemeClr val="lt1"/>
-          </a:fontRef>
-        </p:style>
-        <p:txBody>
-          <a:bodyPr rtlCol="0" anchor="ctr"/>
-          <a:lstStyle/>
-          <a:p>
-            <a:pPr algn="ctr"/>
-            <a:endParaRPr lang="en-US"/>
-          </a:p>
-        </p:txBody>
-      </p:sp>
-      <p:sp>
-        <p:nvSpPr>
-          <p:cNvPr id="43" name="Rectangle 42"/>
-          <p:cNvSpPr/>
-          <p:nvPr/>
-        </p:nvSpPr>
-        <p:spPr>
-          <a:xfrm>
-            <a:off x="6461150" y="5765642"/>
-            <a:ext cx="164592" cy="153690"/>
-          </a:xfrm>
-          <a:prstGeom prst="rect">
-            <a:avLst/>
-          </a:prstGeom>
-          <a:solidFill>
-            <a:schemeClr val="accent1">
-              <a:lumMod val="75000"/>
-            </a:schemeClr>
-          </a:solidFill>
-          <a:ln>
+          <a:ln w="38100">
             <a:solidFill>
               <a:schemeClr val="accent1">
                 <a:lumMod val="75000"/>
@@ -5783,66 +5073,14 @@
       </p:sp>
       <p:sp>
         <p:nvSpPr>
-          <p:cNvPr id="44" name="Rectangle 43"/>
-          <p:cNvSpPr/>
-          <p:nvPr/>
-        </p:nvSpPr>
-        <p:spPr>
-          <a:xfrm>
-            <a:off x="4943246" y="4839431"/>
-            <a:ext cx="164592" cy="153690"/>
-          </a:xfrm>
-          <a:prstGeom prst="rect">
-            <a:avLst/>
-          </a:prstGeom>
-          <a:solidFill>
-            <a:schemeClr val="accent1">
-              <a:lumMod val="75000"/>
-            </a:schemeClr>
-          </a:solidFill>
-          <a:ln>
-            <a:solidFill>
-              <a:schemeClr val="accent1">
-                <a:lumMod val="75000"/>
-              </a:schemeClr>
-            </a:solidFill>
-          </a:ln>
-        </p:spPr>
-        <p:style>
-          <a:lnRef idx="2">
-            <a:schemeClr val="accent1">
-              <a:shade val="50000"/>
-            </a:schemeClr>
-          </a:lnRef>
-          <a:fillRef idx="1">
-            <a:schemeClr val="accent1"/>
-          </a:fillRef>
-          <a:effectRef idx="0">
-            <a:schemeClr val="accent1"/>
-          </a:effectRef>
-          <a:fontRef idx="minor">
-            <a:schemeClr val="lt1"/>
-          </a:fontRef>
-        </p:style>
-        <p:txBody>
-          <a:bodyPr rtlCol="0" anchor="ctr"/>
-          <a:lstStyle/>
-          <a:p>
-            <a:pPr algn="ctr"/>
-            <a:endParaRPr lang="en-US"/>
-          </a:p>
-        </p:txBody>
-      </p:sp>
-      <p:sp>
-        <p:nvSpPr>
           <p:cNvPr id="46" name="TextBox 45"/>
           <p:cNvSpPr txBox="1"/>
           <p:nvPr/>
         </p:nvSpPr>
         <p:spPr>
           <a:xfrm>
-            <a:off x="2932938" y="6296786"/>
-            <a:ext cx="1000201" cy="369332"/>
+            <a:off x="2127010" y="6338754"/>
+            <a:ext cx="686468" cy="369332"/>
           </a:xfrm>
           <a:prstGeom prst="rect">
             <a:avLst/>
@@ -5857,7 +5095,11 @@
           <a:p>
             <a:r>
               <a:rPr lang="en-US" dirty="0" smtClean="0"/>
-              <a:t>N = 5</a:t>
+              <a:t>N = </a:t>
+            </a:r>
+            <a:r>
+              <a:rPr lang="en-US" dirty="0" smtClean="0"/>
+              <a:t>7</a:t>
             </a:r>
             <a:endParaRPr lang="en-US" dirty="0"/>
           </a:p>
@@ -5871,8 +5113,8 @@
         </p:nvSpPr>
         <p:spPr>
           <a:xfrm>
-            <a:off x="6461150" y="6273783"/>
-            <a:ext cx="1000201" cy="369332"/>
+            <a:off x="5371062" y="6368475"/>
+            <a:ext cx="697636" cy="369332"/>
           </a:xfrm>
           <a:prstGeom prst="rect">
             <a:avLst/>
@@ -5887,7 +5129,11 @@
           <a:p>
             <a:r>
               <a:rPr lang="en-US" dirty="0" smtClean="0"/>
-              <a:t>N = 6</a:t>
+              <a:t>N = </a:t>
+            </a:r>
+            <a:r>
+              <a:rPr lang="en-US" dirty="0" smtClean="0"/>
+              <a:t>7</a:t>
             </a:r>
             <a:endParaRPr lang="en-US" dirty="0"/>
           </a:p>
@@ -5902,13 +5148,13 @@
           <p:nvPr>
             <p:extLst>
               <p:ext uri="{D42A27DB-BD31-4B8C-83A1-F6EECF244321}">
-                <p14:modId xmlns:p14="http://schemas.microsoft.com/office/powerpoint/2010/main" val="1776820716"/>
+                <p14:modId xmlns:p14="http://schemas.microsoft.com/office/powerpoint/2010/main" val="3804910580"/>
               </p:ext>
             </p:extLst>
           </p:nvPr>
         </p:nvGraphicFramePr>
         <p:xfrm>
-          <a:off x="7235952" y="5032367"/>
+          <a:off x="6402076" y="4992341"/>
           <a:ext cx="4822650" cy="1112520"/>
         </p:xfrm>
         <a:graphic>
@@ -6066,14 +5312,6 @@
                     <a:bodyPr/>
                     <a:lstStyle/>
                     <a:p>
-                      <a:r>
-                        <a:rPr lang="en-US" sz="1200" dirty="0" smtClean="0">
-                          <a:solidFill>
-                            <a:schemeClr val="tx1"/>
-                          </a:solidFill>
-                        </a:rPr>
-                        <a:t>????</a:t>
-                      </a:r>
                       <a:endParaRPr lang="en-US" sz="1200" dirty="0">
                         <a:solidFill>
                           <a:schemeClr val="tx1"/>
@@ -6187,7 +5425,11 @@
                     <a:p>
                       <a:r>
                         <a:rPr lang="en-US" sz="1200" dirty="0" smtClean="0"/>
-                        <a:t>5/7 = 0.714</a:t>
+                        <a:t>All</a:t>
+                      </a:r>
+                      <a:r>
+                        <a:rPr lang="en-US" sz="1200" baseline="0" dirty="0" smtClean="0"/>
+                        <a:t> different?</a:t>
                       </a:r>
                       <a:endParaRPr lang="en-US" sz="1200" dirty="0"/>
                     </a:p>
@@ -6345,8 +5587,8 @@
                     <a:lstStyle/>
                     <a:p>
                       <a:r>
-                        <a:rPr lang="en-US" sz="1200" dirty="0" smtClean="0"/>
-                        <a:t>4/4 =1???</a:t>
+                        <a:rPr lang="en-US" sz="1200" baseline="0" dirty="0" smtClean="0"/>
+                        <a:t> confused now.</a:t>
                       </a:r>
                       <a:endParaRPr lang="en-US" sz="1200" dirty="0"/>
                     </a:p>
@@ -6553,7 +5795,7 @@
         </p:nvSpPr>
         <p:spPr>
           <a:xfrm>
-            <a:off x="3266736" y="2527590"/>
+            <a:off x="2280866" y="2568523"/>
             <a:ext cx="45719" cy="45719"/>
           </a:xfrm>
           <a:prstGeom prst="flowChartConnector">
@@ -6601,7 +5843,7 @@
         </p:nvSpPr>
         <p:spPr>
           <a:xfrm>
-            <a:off x="1527962" y="4192251"/>
+            <a:off x="1179596" y="4209058"/>
             <a:ext cx="695858" cy="246221"/>
           </a:xfrm>
           <a:prstGeom prst="rect">
@@ -6631,7 +5873,7 @@
         </p:nvSpPr>
         <p:spPr>
           <a:xfrm rot="16200000">
-            <a:off x="-136195" y="3285237"/>
+            <a:off x="-118993" y="3275895"/>
             <a:ext cx="848822" cy="246221"/>
           </a:xfrm>
           <a:prstGeom prst="rect">
@@ -6661,8 +5903,8 @@
         </p:nvSpPr>
         <p:spPr>
           <a:xfrm>
-            <a:off x="7218163" y="2983312"/>
-            <a:ext cx="2995966" cy="923330"/>
+            <a:off x="5941659" y="4097497"/>
+            <a:ext cx="1024176" cy="400110"/>
           </a:xfrm>
           <a:prstGeom prst="rect">
             <a:avLst/>
@@ -6676,46 +5918,44 @@
           <a:lstStyle/>
           <a:p>
             <a:r>
-              <a:rPr lang="en-US" dirty="0" smtClean="0"/>
+              <a:rPr lang="en-US" sz="1000" dirty="0" smtClean="0"/>
               <a:t>Box 1: # </a:t>
             </a:r>
             <a:r>
-              <a:rPr lang="en-US" dirty="0" err="1" smtClean="0"/>
+              <a:rPr lang="en-US" sz="1000" dirty="0" err="1" smtClean="0"/>
               <a:t>spp</a:t>
             </a:r>
             <a:r>
-              <a:rPr lang="en-US" dirty="0" smtClean="0"/>
-              <a:t> =1</a:t>
-            </a:r>
-          </a:p>
-          <a:p>
-            <a:r>
-              <a:rPr lang="en-US" dirty="0" smtClean="0"/>
-              <a:t>Box 2: # </a:t>
-            </a:r>
-            <a:r>
-              <a:rPr lang="en-US" dirty="0" err="1" smtClean="0"/>
+              <a:rPr lang="en-US" sz="1000" dirty="0" smtClean="0"/>
+              <a:t> </a:t>
+            </a:r>
+            <a:r>
+              <a:rPr lang="en-US" sz="1000" dirty="0" smtClean="0"/>
+              <a:t>=3</a:t>
+            </a:r>
+          </a:p>
+          <a:p>
+            <a:r>
+              <a:rPr lang="en-US" sz="1000" dirty="0" smtClean="0"/>
+              <a:t>Box 4: </a:t>
+            </a:r>
+            <a:r>
+              <a:rPr lang="en-US" sz="1000" dirty="0" smtClean="0"/>
+              <a:t># </a:t>
+            </a:r>
+            <a:r>
+              <a:rPr lang="en-US" sz="1000" dirty="0" err="1" smtClean="0"/>
               <a:t>spp</a:t>
             </a:r>
             <a:r>
-              <a:rPr lang="en-US" dirty="0" smtClean="0"/>
-              <a:t> = 4</a:t>
-            </a:r>
-          </a:p>
-          <a:p>
-            <a:r>
-              <a:rPr lang="en-US" dirty="0" smtClean="0"/>
-              <a:t>Box 3: # </a:t>
-            </a:r>
-            <a:r>
-              <a:rPr lang="en-US" dirty="0" err="1" smtClean="0"/>
-              <a:t>spp</a:t>
-            </a:r>
-            <a:r>
-              <a:rPr lang="en-US" dirty="0" smtClean="0"/>
-              <a:t> = 5</a:t>
-            </a:r>
-            <a:endParaRPr lang="en-US" dirty="0"/>
+              <a:rPr lang="en-US" sz="1000" dirty="0" smtClean="0"/>
+              <a:t> = </a:t>
+            </a:r>
+            <a:r>
+              <a:rPr lang="en-US" sz="1000" dirty="0"/>
+              <a:t>7</a:t>
+            </a:r>
+            <a:endParaRPr lang="en-US" sz="1000" dirty="0" smtClean="0"/>
           </a:p>
         </p:txBody>
       </p:sp>
@@ -6727,8 +5967,8 @@
         </p:nvCxnSpPr>
         <p:spPr>
           <a:xfrm flipV="1">
-            <a:off x="588955" y="2600120"/>
-            <a:ext cx="2645686" cy="1348477"/>
+            <a:off x="588955" y="2620002"/>
+            <a:ext cx="1679579" cy="1328597"/>
           </a:xfrm>
           <a:prstGeom prst="line">
             <a:avLst/>
@@ -6763,8 +6003,8 @@
         </p:nvCxnSpPr>
         <p:spPr>
           <a:xfrm flipV="1">
-            <a:off x="557633" y="2582712"/>
-            <a:ext cx="2635642" cy="474268"/>
+            <a:off x="562646" y="2615284"/>
+            <a:ext cx="1691612" cy="454150"/>
           </a:xfrm>
           <a:prstGeom prst="line">
             <a:avLst/>
@@ -6793,836 +6033,14 @@
       </p:cxnSp>
       <p:sp>
         <p:nvSpPr>
-          <p:cNvPr id="63" name="5-Point Star 62"/>
-          <p:cNvSpPr/>
-          <p:nvPr/>
-        </p:nvSpPr>
-        <p:spPr>
-          <a:xfrm>
-            <a:off x="3847511" y="2463182"/>
-            <a:ext cx="229514" cy="219456"/>
-          </a:xfrm>
-          <a:prstGeom prst="star5">
-            <a:avLst/>
-          </a:prstGeom>
-          <a:solidFill>
-            <a:schemeClr val="accent4"/>
-          </a:solidFill>
-          <a:ln>
-            <a:solidFill>
-              <a:schemeClr val="accent4"/>
-            </a:solidFill>
-          </a:ln>
-        </p:spPr>
-        <p:style>
-          <a:lnRef idx="2">
-            <a:schemeClr val="accent1">
-              <a:shade val="50000"/>
-            </a:schemeClr>
-          </a:lnRef>
-          <a:fillRef idx="1">
-            <a:schemeClr val="accent1"/>
-          </a:fillRef>
-          <a:effectRef idx="0">
-            <a:schemeClr val="accent1"/>
-          </a:effectRef>
-          <a:fontRef idx="minor">
-            <a:schemeClr val="lt1"/>
-          </a:fontRef>
-        </p:style>
-        <p:txBody>
-          <a:bodyPr rtlCol="0" anchor="ctr"/>
-          <a:lstStyle/>
-          <a:p>
-            <a:pPr algn="ctr"/>
-            <a:endParaRPr lang="en-US"/>
-          </a:p>
-        </p:txBody>
-      </p:sp>
-      <p:sp>
-        <p:nvSpPr>
-          <p:cNvPr id="64" name="Rectangle 63"/>
-          <p:cNvSpPr/>
-          <p:nvPr/>
-        </p:nvSpPr>
-        <p:spPr>
-          <a:xfrm>
-            <a:off x="4316903" y="2463182"/>
-            <a:ext cx="164592" cy="153690"/>
-          </a:xfrm>
-          <a:prstGeom prst="rect">
-            <a:avLst/>
-          </a:prstGeom>
-          <a:solidFill>
-            <a:schemeClr val="accent1">
-              <a:lumMod val="75000"/>
-            </a:schemeClr>
-          </a:solidFill>
-          <a:ln>
-            <a:solidFill>
-              <a:schemeClr val="accent1">
-                <a:lumMod val="75000"/>
-              </a:schemeClr>
-            </a:solidFill>
-          </a:ln>
-        </p:spPr>
-        <p:style>
-          <a:lnRef idx="2">
-            <a:schemeClr val="accent1">
-              <a:shade val="50000"/>
-            </a:schemeClr>
-          </a:lnRef>
-          <a:fillRef idx="1">
-            <a:schemeClr val="accent1"/>
-          </a:fillRef>
-          <a:effectRef idx="0">
-            <a:schemeClr val="accent1"/>
-          </a:effectRef>
-          <a:fontRef idx="minor">
-            <a:schemeClr val="lt1"/>
-          </a:fontRef>
-        </p:style>
-        <p:txBody>
-          <a:bodyPr rtlCol="0" anchor="ctr"/>
-          <a:lstStyle/>
-          <a:p>
-            <a:pPr algn="ctr"/>
-            <a:endParaRPr lang="en-US"/>
-          </a:p>
-        </p:txBody>
-      </p:sp>
-      <p:sp>
-        <p:nvSpPr>
-          <p:cNvPr id="65" name="Diamond 64"/>
-          <p:cNvSpPr/>
-          <p:nvPr/>
-        </p:nvSpPr>
-        <p:spPr>
-          <a:xfrm>
-            <a:off x="3993815" y="3814736"/>
-            <a:ext cx="237744" cy="219456"/>
-          </a:xfrm>
-          <a:prstGeom prst="diamond">
-            <a:avLst/>
-          </a:prstGeom>
-          <a:solidFill>
-            <a:schemeClr val="accent6">
-              <a:lumMod val="60000"/>
-              <a:lumOff val="40000"/>
-            </a:schemeClr>
-          </a:solidFill>
-          <a:ln>
-            <a:solidFill>
-              <a:schemeClr val="accent6">
-                <a:lumMod val="60000"/>
-                <a:lumOff val="40000"/>
-              </a:schemeClr>
-            </a:solidFill>
-          </a:ln>
-        </p:spPr>
-        <p:style>
-          <a:lnRef idx="2">
-            <a:schemeClr val="accent1">
-              <a:shade val="50000"/>
-            </a:schemeClr>
-          </a:lnRef>
-          <a:fillRef idx="1">
-            <a:schemeClr val="accent1"/>
-          </a:fillRef>
-          <a:effectRef idx="0">
-            <a:schemeClr val="accent1"/>
-          </a:effectRef>
-          <a:fontRef idx="minor">
-            <a:schemeClr val="lt1"/>
-          </a:fontRef>
-        </p:style>
-        <p:txBody>
-          <a:bodyPr rtlCol="0" anchor="ctr"/>
-          <a:lstStyle/>
-          <a:p>
-            <a:pPr algn="ctr"/>
-            <a:endParaRPr lang="en-US"/>
-          </a:p>
-        </p:txBody>
-      </p:sp>
-      <p:sp>
-        <p:nvSpPr>
-          <p:cNvPr id="66" name="Regular Pentagon 65"/>
-          <p:cNvSpPr/>
-          <p:nvPr/>
-        </p:nvSpPr>
-        <p:spPr>
-          <a:xfrm>
-            <a:off x="5714184" y="3018414"/>
-            <a:ext cx="207872" cy="226053"/>
-          </a:xfrm>
-          <a:prstGeom prst="pentagon">
-            <a:avLst/>
-          </a:prstGeom>
-          <a:solidFill>
-            <a:srgbClr val="FF0066"/>
-          </a:solidFill>
-          <a:ln>
-            <a:solidFill>
-              <a:srgbClr val="FF0066"/>
-            </a:solidFill>
-          </a:ln>
-        </p:spPr>
-        <p:style>
-          <a:lnRef idx="2">
-            <a:schemeClr val="accent1">
-              <a:shade val="50000"/>
-            </a:schemeClr>
-          </a:lnRef>
-          <a:fillRef idx="1">
-            <a:schemeClr val="accent1"/>
-          </a:fillRef>
-          <a:effectRef idx="0">
-            <a:schemeClr val="accent1"/>
-          </a:effectRef>
-          <a:fontRef idx="minor">
-            <a:schemeClr val="lt1"/>
-          </a:fontRef>
-        </p:style>
-        <p:txBody>
-          <a:bodyPr rtlCol="0" anchor="ctr"/>
-          <a:lstStyle/>
-          <a:p>
-            <a:pPr algn="ctr"/>
-            <a:endParaRPr lang="en-US"/>
-          </a:p>
-        </p:txBody>
-      </p:sp>
-      <p:sp>
-        <p:nvSpPr>
-          <p:cNvPr id="67" name="5-Point Star 66"/>
-          <p:cNvSpPr/>
-          <p:nvPr/>
-        </p:nvSpPr>
-        <p:spPr>
-          <a:xfrm>
-            <a:off x="4276843" y="3272100"/>
-            <a:ext cx="229514" cy="219456"/>
-          </a:xfrm>
-          <a:prstGeom prst="star5">
-            <a:avLst/>
-          </a:prstGeom>
-          <a:solidFill>
-            <a:schemeClr val="accent4"/>
-          </a:solidFill>
-          <a:ln>
-            <a:solidFill>
-              <a:schemeClr val="accent4"/>
-            </a:solidFill>
-          </a:ln>
-        </p:spPr>
-        <p:style>
-          <a:lnRef idx="2">
-            <a:schemeClr val="accent1">
-              <a:shade val="50000"/>
-            </a:schemeClr>
-          </a:lnRef>
-          <a:fillRef idx="1">
-            <a:schemeClr val="accent1"/>
-          </a:fillRef>
-          <a:effectRef idx="0">
-            <a:schemeClr val="accent1"/>
-          </a:effectRef>
-          <a:fontRef idx="minor">
-            <a:schemeClr val="lt1"/>
-          </a:fontRef>
-        </p:style>
-        <p:txBody>
-          <a:bodyPr rtlCol="0" anchor="ctr"/>
-          <a:lstStyle/>
-          <a:p>
-            <a:pPr algn="ctr"/>
-            <a:endParaRPr lang="en-US"/>
-          </a:p>
-        </p:txBody>
-      </p:sp>
-      <p:sp>
-        <p:nvSpPr>
-          <p:cNvPr id="68" name="Rectangle 67"/>
-          <p:cNvSpPr/>
-          <p:nvPr/>
-        </p:nvSpPr>
-        <p:spPr>
-          <a:xfrm>
-            <a:off x="3879972" y="3018414"/>
-            <a:ext cx="164592" cy="153690"/>
-          </a:xfrm>
-          <a:prstGeom prst="rect">
-            <a:avLst/>
-          </a:prstGeom>
-          <a:solidFill>
-            <a:schemeClr val="accent1">
-              <a:lumMod val="75000"/>
-            </a:schemeClr>
-          </a:solidFill>
-          <a:ln>
-            <a:solidFill>
-              <a:schemeClr val="accent1">
-                <a:lumMod val="75000"/>
-              </a:schemeClr>
-            </a:solidFill>
-          </a:ln>
-        </p:spPr>
-        <p:style>
-          <a:lnRef idx="2">
-            <a:schemeClr val="accent1">
-              <a:shade val="50000"/>
-            </a:schemeClr>
-          </a:lnRef>
-          <a:fillRef idx="1">
-            <a:schemeClr val="accent1"/>
-          </a:fillRef>
-          <a:effectRef idx="0">
-            <a:schemeClr val="accent1"/>
-          </a:effectRef>
-          <a:fontRef idx="minor">
-            <a:schemeClr val="lt1"/>
-          </a:fontRef>
-        </p:style>
-        <p:txBody>
-          <a:bodyPr rtlCol="0" anchor="ctr"/>
-          <a:lstStyle/>
-          <a:p>
-            <a:pPr algn="ctr"/>
-            <a:endParaRPr lang="en-US"/>
-          </a:p>
-        </p:txBody>
-      </p:sp>
-      <p:sp>
-        <p:nvSpPr>
-          <p:cNvPr id="69" name="Diamond 68"/>
-          <p:cNvSpPr/>
-          <p:nvPr/>
-        </p:nvSpPr>
-        <p:spPr>
-          <a:xfrm>
-            <a:off x="4811593" y="2557996"/>
-            <a:ext cx="237744" cy="219456"/>
-          </a:xfrm>
-          <a:prstGeom prst="diamond">
-            <a:avLst/>
-          </a:prstGeom>
-          <a:solidFill>
-            <a:schemeClr val="accent6">
-              <a:lumMod val="60000"/>
-              <a:lumOff val="40000"/>
-            </a:schemeClr>
-          </a:solidFill>
-          <a:ln>
-            <a:solidFill>
-              <a:schemeClr val="accent6">
-                <a:lumMod val="60000"/>
-                <a:lumOff val="40000"/>
-              </a:schemeClr>
-            </a:solidFill>
-          </a:ln>
-        </p:spPr>
-        <p:style>
-          <a:lnRef idx="2">
-            <a:schemeClr val="accent1">
-              <a:shade val="50000"/>
-            </a:schemeClr>
-          </a:lnRef>
-          <a:fillRef idx="1">
-            <a:schemeClr val="accent1"/>
-          </a:fillRef>
-          <a:effectRef idx="0">
-            <a:schemeClr val="accent1"/>
-          </a:effectRef>
-          <a:fontRef idx="minor">
-            <a:schemeClr val="lt1"/>
-          </a:fontRef>
-        </p:style>
-        <p:txBody>
-          <a:bodyPr rtlCol="0" anchor="ctr"/>
-          <a:lstStyle/>
-          <a:p>
-            <a:pPr algn="ctr"/>
-            <a:endParaRPr lang="en-US"/>
-          </a:p>
-        </p:txBody>
-      </p:sp>
-      <p:sp>
-        <p:nvSpPr>
-          <p:cNvPr id="70" name="Diamond 69"/>
-          <p:cNvSpPr/>
-          <p:nvPr/>
-        </p:nvSpPr>
-        <p:spPr>
-          <a:xfrm>
-            <a:off x="6605516" y="3267146"/>
-            <a:ext cx="237744" cy="219456"/>
-          </a:xfrm>
-          <a:prstGeom prst="diamond">
-            <a:avLst/>
-          </a:prstGeom>
-          <a:solidFill>
-            <a:schemeClr val="accent6">
-              <a:lumMod val="60000"/>
-              <a:lumOff val="40000"/>
-            </a:schemeClr>
-          </a:solidFill>
-          <a:ln>
-            <a:solidFill>
-              <a:schemeClr val="accent6">
-                <a:lumMod val="60000"/>
-                <a:lumOff val="40000"/>
-              </a:schemeClr>
-            </a:solidFill>
-          </a:ln>
-        </p:spPr>
-        <p:style>
-          <a:lnRef idx="2">
-            <a:schemeClr val="accent1">
-              <a:shade val="50000"/>
-            </a:schemeClr>
-          </a:lnRef>
-          <a:fillRef idx="1">
-            <a:schemeClr val="accent1"/>
-          </a:fillRef>
-          <a:effectRef idx="0">
-            <a:schemeClr val="accent1"/>
-          </a:effectRef>
-          <a:fontRef idx="minor">
-            <a:schemeClr val="lt1"/>
-          </a:fontRef>
-        </p:style>
-        <p:txBody>
-          <a:bodyPr rtlCol="0" anchor="ctr"/>
-          <a:lstStyle/>
-          <a:p>
-            <a:pPr algn="ctr"/>
-            <a:endParaRPr lang="en-US"/>
-          </a:p>
-        </p:txBody>
-      </p:sp>
-      <p:sp>
-        <p:nvSpPr>
-          <p:cNvPr id="71" name="Diamond 70"/>
-          <p:cNvSpPr/>
-          <p:nvPr/>
-        </p:nvSpPr>
-        <p:spPr>
-          <a:xfrm>
-            <a:off x="6316391" y="3816494"/>
-            <a:ext cx="237744" cy="219456"/>
-          </a:xfrm>
-          <a:prstGeom prst="diamond">
-            <a:avLst/>
-          </a:prstGeom>
-          <a:solidFill>
-            <a:schemeClr val="accent6">
-              <a:lumMod val="60000"/>
-              <a:lumOff val="40000"/>
-            </a:schemeClr>
-          </a:solidFill>
-          <a:ln>
-            <a:solidFill>
-              <a:schemeClr val="accent6">
-                <a:lumMod val="60000"/>
-                <a:lumOff val="40000"/>
-              </a:schemeClr>
-            </a:solidFill>
-          </a:ln>
-        </p:spPr>
-        <p:style>
-          <a:lnRef idx="2">
-            <a:schemeClr val="accent1">
-              <a:shade val="50000"/>
-            </a:schemeClr>
-          </a:lnRef>
-          <a:fillRef idx="1">
-            <a:schemeClr val="accent1"/>
-          </a:fillRef>
-          <a:effectRef idx="0">
-            <a:schemeClr val="accent1"/>
-          </a:effectRef>
-          <a:fontRef idx="minor">
-            <a:schemeClr val="lt1"/>
-          </a:fontRef>
-        </p:style>
-        <p:txBody>
-          <a:bodyPr rtlCol="0" anchor="ctr"/>
-          <a:lstStyle/>
-          <a:p>
-            <a:pPr algn="ctr"/>
-            <a:endParaRPr lang="en-US"/>
-          </a:p>
-        </p:txBody>
-      </p:sp>
-      <p:sp>
-        <p:nvSpPr>
-          <p:cNvPr id="72" name="Diamond 71"/>
-          <p:cNvSpPr/>
-          <p:nvPr/>
-        </p:nvSpPr>
-        <p:spPr>
-          <a:xfrm>
-            <a:off x="5107838" y="3390665"/>
-            <a:ext cx="237744" cy="219456"/>
-          </a:xfrm>
-          <a:prstGeom prst="diamond">
-            <a:avLst/>
-          </a:prstGeom>
-          <a:solidFill>
-            <a:schemeClr val="accent6">
-              <a:lumMod val="60000"/>
-              <a:lumOff val="40000"/>
-            </a:schemeClr>
-          </a:solidFill>
-          <a:ln>
-            <a:solidFill>
-              <a:schemeClr val="accent6">
-                <a:lumMod val="60000"/>
-                <a:lumOff val="40000"/>
-              </a:schemeClr>
-            </a:solidFill>
-          </a:ln>
-        </p:spPr>
-        <p:style>
-          <a:lnRef idx="2">
-            <a:schemeClr val="accent1">
-              <a:shade val="50000"/>
-            </a:schemeClr>
-          </a:lnRef>
-          <a:fillRef idx="1">
-            <a:schemeClr val="accent1"/>
-          </a:fillRef>
-          <a:effectRef idx="0">
-            <a:schemeClr val="accent1"/>
-          </a:effectRef>
-          <a:fontRef idx="minor">
-            <a:schemeClr val="lt1"/>
-          </a:fontRef>
-        </p:style>
-        <p:txBody>
-          <a:bodyPr rtlCol="0" anchor="ctr"/>
-          <a:lstStyle/>
-          <a:p>
-            <a:pPr algn="ctr"/>
-            <a:endParaRPr lang="en-US"/>
-          </a:p>
-        </p:txBody>
-      </p:sp>
-      <p:sp>
-        <p:nvSpPr>
-          <p:cNvPr id="73" name="5-Point Star 72"/>
-          <p:cNvSpPr/>
-          <p:nvPr/>
-        </p:nvSpPr>
-        <p:spPr>
-          <a:xfrm>
-            <a:off x="5738513" y="3953581"/>
-            <a:ext cx="229514" cy="219456"/>
-          </a:xfrm>
-          <a:prstGeom prst="star5">
-            <a:avLst/>
-          </a:prstGeom>
-          <a:solidFill>
-            <a:schemeClr val="accent4"/>
-          </a:solidFill>
-          <a:ln>
-            <a:solidFill>
-              <a:schemeClr val="accent4"/>
-            </a:solidFill>
-          </a:ln>
-        </p:spPr>
-        <p:style>
-          <a:lnRef idx="2">
-            <a:schemeClr val="accent1">
-              <a:shade val="50000"/>
-            </a:schemeClr>
-          </a:lnRef>
-          <a:fillRef idx="1">
-            <a:schemeClr val="accent1"/>
-          </a:fillRef>
-          <a:effectRef idx="0">
-            <a:schemeClr val="accent1"/>
-          </a:effectRef>
-          <a:fontRef idx="minor">
-            <a:schemeClr val="lt1"/>
-          </a:fontRef>
-        </p:style>
-        <p:txBody>
-          <a:bodyPr rtlCol="0" anchor="ctr"/>
-          <a:lstStyle/>
-          <a:p>
-            <a:pPr algn="ctr"/>
-            <a:endParaRPr lang="en-US"/>
-          </a:p>
-        </p:txBody>
-      </p:sp>
-      <p:sp>
-        <p:nvSpPr>
-          <p:cNvPr id="74" name="Flowchart: Connector 73"/>
-          <p:cNvSpPr/>
-          <p:nvPr/>
-        </p:nvSpPr>
-        <p:spPr>
-          <a:xfrm>
-            <a:off x="4523405" y="3906642"/>
-            <a:ext cx="187452" cy="153690"/>
-          </a:xfrm>
-          <a:prstGeom prst="flowChartConnector">
-            <a:avLst/>
-          </a:prstGeom>
-          <a:solidFill>
-            <a:srgbClr val="7030A0"/>
-          </a:solidFill>
-          <a:ln>
-            <a:solidFill>
-              <a:srgbClr val="7030A0"/>
-            </a:solidFill>
-          </a:ln>
-        </p:spPr>
-        <p:style>
-          <a:lnRef idx="2">
-            <a:schemeClr val="accent1">
-              <a:shade val="50000"/>
-            </a:schemeClr>
-          </a:lnRef>
-          <a:fillRef idx="1">
-            <a:schemeClr val="accent1"/>
-          </a:fillRef>
-          <a:effectRef idx="0">
-            <a:schemeClr val="accent1"/>
-          </a:effectRef>
-          <a:fontRef idx="minor">
-            <a:schemeClr val="lt1"/>
-          </a:fontRef>
-        </p:style>
-        <p:txBody>
-          <a:bodyPr rtlCol="0" anchor="ctr"/>
-          <a:lstStyle/>
-          <a:p>
-            <a:pPr algn="ctr"/>
-            <a:endParaRPr lang="en-US"/>
-          </a:p>
-        </p:txBody>
-      </p:sp>
-      <p:sp>
-        <p:nvSpPr>
-          <p:cNvPr id="75" name="Rectangle 74"/>
-          <p:cNvSpPr/>
-          <p:nvPr/>
-        </p:nvSpPr>
-        <p:spPr>
-          <a:xfrm>
-            <a:off x="4884745" y="2956313"/>
-            <a:ext cx="164592" cy="153690"/>
-          </a:xfrm>
-          <a:prstGeom prst="rect">
-            <a:avLst/>
-          </a:prstGeom>
-          <a:solidFill>
-            <a:schemeClr val="accent1">
-              <a:lumMod val="75000"/>
-            </a:schemeClr>
-          </a:solidFill>
-          <a:ln>
-            <a:solidFill>
-              <a:schemeClr val="accent1">
-                <a:lumMod val="75000"/>
-              </a:schemeClr>
-            </a:solidFill>
-          </a:ln>
-        </p:spPr>
-        <p:style>
-          <a:lnRef idx="2">
-            <a:schemeClr val="accent1">
-              <a:shade val="50000"/>
-            </a:schemeClr>
-          </a:lnRef>
-          <a:fillRef idx="1">
-            <a:schemeClr val="accent1"/>
-          </a:fillRef>
-          <a:effectRef idx="0">
-            <a:schemeClr val="accent1"/>
-          </a:effectRef>
-          <a:fontRef idx="minor">
-            <a:schemeClr val="lt1"/>
-          </a:fontRef>
-        </p:style>
-        <p:txBody>
-          <a:bodyPr rtlCol="0" anchor="ctr"/>
-          <a:lstStyle/>
-          <a:p>
-            <a:pPr algn="ctr"/>
-            <a:endParaRPr lang="en-US"/>
-          </a:p>
-        </p:txBody>
-      </p:sp>
-      <p:sp>
-        <p:nvSpPr>
-          <p:cNvPr id="76" name="Rectangle 75"/>
-          <p:cNvSpPr/>
-          <p:nvPr/>
-        </p:nvSpPr>
-        <p:spPr>
-          <a:xfrm>
-            <a:off x="6440924" y="2644030"/>
-            <a:ext cx="164592" cy="153690"/>
-          </a:xfrm>
-          <a:prstGeom prst="rect">
-            <a:avLst/>
-          </a:prstGeom>
-          <a:solidFill>
-            <a:schemeClr val="accent1">
-              <a:lumMod val="75000"/>
-            </a:schemeClr>
-          </a:solidFill>
-          <a:ln>
-            <a:solidFill>
-              <a:schemeClr val="accent1">
-                <a:lumMod val="75000"/>
-              </a:schemeClr>
-            </a:solidFill>
-          </a:ln>
-        </p:spPr>
-        <p:style>
-          <a:lnRef idx="2">
-            <a:schemeClr val="accent1">
-              <a:shade val="50000"/>
-            </a:schemeClr>
-          </a:lnRef>
-          <a:fillRef idx="1">
-            <a:schemeClr val="accent1"/>
-          </a:fillRef>
-          <a:effectRef idx="0">
-            <a:schemeClr val="accent1"/>
-          </a:effectRef>
-          <a:fontRef idx="minor">
-            <a:schemeClr val="lt1"/>
-          </a:fontRef>
-        </p:style>
-        <p:txBody>
-          <a:bodyPr rtlCol="0" anchor="ctr"/>
-          <a:lstStyle/>
-          <a:p>
-            <a:pPr algn="ctr"/>
-            <a:endParaRPr lang="en-US"/>
-          </a:p>
-        </p:txBody>
-      </p:sp>
-      <p:sp>
-        <p:nvSpPr>
-          <p:cNvPr id="77" name="Rectangle 76"/>
-          <p:cNvSpPr/>
-          <p:nvPr/>
-        </p:nvSpPr>
-        <p:spPr>
-          <a:xfrm>
-            <a:off x="5156604" y="4124441"/>
-            <a:ext cx="164592" cy="153690"/>
-          </a:xfrm>
-          <a:prstGeom prst="rect">
-            <a:avLst/>
-          </a:prstGeom>
-          <a:solidFill>
-            <a:schemeClr val="accent1">
-              <a:lumMod val="75000"/>
-            </a:schemeClr>
-          </a:solidFill>
-          <a:ln>
-            <a:solidFill>
-              <a:schemeClr val="accent1">
-                <a:lumMod val="75000"/>
-              </a:schemeClr>
-            </a:solidFill>
-          </a:ln>
-        </p:spPr>
-        <p:style>
-          <a:lnRef idx="2">
-            <a:schemeClr val="accent1">
-              <a:shade val="50000"/>
-            </a:schemeClr>
-          </a:lnRef>
-          <a:fillRef idx="1">
-            <a:schemeClr val="accent1"/>
-          </a:fillRef>
-          <a:effectRef idx="0">
-            <a:schemeClr val="accent1"/>
-          </a:effectRef>
-          <a:fontRef idx="minor">
-            <a:schemeClr val="lt1"/>
-          </a:fontRef>
-        </p:style>
-        <p:txBody>
-          <a:bodyPr rtlCol="0" anchor="ctr"/>
-          <a:lstStyle/>
-          <a:p>
-            <a:pPr algn="ctr"/>
-            <a:endParaRPr lang="en-US"/>
-          </a:p>
-        </p:txBody>
-      </p:sp>
-      <p:sp>
-        <p:nvSpPr>
-          <p:cNvPr id="78" name="Rectangle 77"/>
-          <p:cNvSpPr/>
-          <p:nvPr/>
-        </p:nvSpPr>
-        <p:spPr>
-          <a:xfrm>
-            <a:off x="5573921" y="2466405"/>
-            <a:ext cx="164592" cy="153690"/>
-          </a:xfrm>
-          <a:prstGeom prst="rect">
-            <a:avLst/>
-          </a:prstGeom>
-          <a:solidFill>
-            <a:schemeClr val="accent1">
-              <a:lumMod val="75000"/>
-            </a:schemeClr>
-          </a:solidFill>
-          <a:ln>
-            <a:solidFill>
-              <a:schemeClr val="accent1">
-                <a:lumMod val="75000"/>
-              </a:schemeClr>
-            </a:solidFill>
-          </a:ln>
-        </p:spPr>
-        <p:style>
-          <a:lnRef idx="2">
-            <a:schemeClr val="accent1">
-              <a:shade val="50000"/>
-            </a:schemeClr>
-          </a:lnRef>
-          <a:fillRef idx="1">
-            <a:schemeClr val="accent1"/>
-          </a:fillRef>
-          <a:effectRef idx="0">
-            <a:schemeClr val="accent1"/>
-          </a:effectRef>
-          <a:fontRef idx="minor">
-            <a:schemeClr val="lt1"/>
-          </a:fontRef>
-        </p:style>
-        <p:txBody>
-          <a:bodyPr rtlCol="0" anchor="ctr"/>
-          <a:lstStyle/>
-          <a:p>
-            <a:pPr algn="ctr"/>
-            <a:endParaRPr lang="en-US"/>
-          </a:p>
-        </p:txBody>
-      </p:sp>
-      <p:sp>
-        <p:nvSpPr>
           <p:cNvPr id="79" name="Rectangle 78"/>
           <p:cNvSpPr/>
           <p:nvPr/>
         </p:nvSpPr>
         <p:spPr>
           <a:xfrm>
-            <a:off x="3709416" y="3716669"/>
-            <a:ext cx="682184" cy="712455"/>
+            <a:off x="3418937" y="2304023"/>
+            <a:ext cx="1283179" cy="1069826"/>
           </a:xfrm>
           <a:prstGeom prst="rect">
             <a:avLst/>
@@ -7661,890 +6079,22 @@
       </p:sp>
       <p:sp>
         <p:nvSpPr>
-          <p:cNvPr id="80" name="Rectangle 79"/>
+          <p:cNvPr id="81" name="Rectangle 80"/>
           <p:cNvSpPr/>
           <p:nvPr/>
         </p:nvSpPr>
         <p:spPr>
           <a:xfrm>
-            <a:off x="3709416" y="2913409"/>
-            <a:ext cx="1896486" cy="1515716"/>
+            <a:off x="3415913" y="3375261"/>
+            <a:ext cx="1272043" cy="1067365"/>
           </a:xfrm>
           <a:prstGeom prst="rect">
             <a:avLst/>
           </a:prstGeom>
           <a:noFill/>
-          <a:ln w="19050">
+          <a:ln w="38100">
             <a:solidFill>
               <a:schemeClr val="tx1"/>
-            </a:solidFill>
-          </a:ln>
-        </p:spPr>
-        <p:style>
-          <a:lnRef idx="2">
-            <a:schemeClr val="accent1">
-              <a:shade val="50000"/>
-            </a:schemeClr>
-          </a:lnRef>
-          <a:fillRef idx="1">
-            <a:schemeClr val="accent1"/>
-          </a:fillRef>
-          <a:effectRef idx="0">
-            <a:schemeClr val="accent1"/>
-          </a:effectRef>
-          <a:fontRef idx="minor">
-            <a:schemeClr val="lt1"/>
-          </a:fontRef>
-        </p:style>
-        <p:txBody>
-          <a:bodyPr rtlCol="0" anchor="ctr"/>
-          <a:lstStyle/>
-          <a:p>
-            <a:pPr algn="ctr"/>
-            <a:endParaRPr lang="en-US"/>
-          </a:p>
-        </p:txBody>
-      </p:sp>
-      <p:sp>
-        <p:nvSpPr>
-          <p:cNvPr id="81" name="Rectangle 80"/>
-          <p:cNvSpPr/>
-          <p:nvPr/>
-        </p:nvSpPr>
-        <p:spPr>
-          <a:xfrm>
-            <a:off x="3709415" y="2319910"/>
-            <a:ext cx="3441193" cy="2108286"/>
-          </a:xfrm>
-          <a:prstGeom prst="rect">
-            <a:avLst/>
-          </a:prstGeom>
-          <a:noFill/>
-          <a:ln w="19050">
-            <a:solidFill>
-              <a:schemeClr val="tx1"/>
-            </a:solidFill>
-          </a:ln>
-        </p:spPr>
-        <p:style>
-          <a:lnRef idx="2">
-            <a:schemeClr val="accent1">
-              <a:shade val="50000"/>
-            </a:schemeClr>
-          </a:lnRef>
-          <a:fillRef idx="1">
-            <a:schemeClr val="accent1"/>
-          </a:fillRef>
-          <a:effectRef idx="0">
-            <a:schemeClr val="accent1"/>
-          </a:effectRef>
-          <a:fontRef idx="minor">
-            <a:schemeClr val="lt1"/>
-          </a:fontRef>
-        </p:style>
-        <p:txBody>
-          <a:bodyPr rtlCol="0" anchor="ctr"/>
-          <a:lstStyle/>
-          <a:p>
-            <a:pPr algn="ctr"/>
-            <a:endParaRPr lang="en-US"/>
-          </a:p>
-        </p:txBody>
-      </p:sp>
-      <p:sp>
-        <p:nvSpPr>
-          <p:cNvPr id="82" name="5-Point Star 81"/>
-          <p:cNvSpPr/>
-          <p:nvPr/>
-        </p:nvSpPr>
-        <p:spPr>
-          <a:xfrm>
-            <a:off x="299759" y="4654488"/>
-            <a:ext cx="229514" cy="219456"/>
-          </a:xfrm>
-          <a:prstGeom prst="star5">
-            <a:avLst/>
-          </a:prstGeom>
-          <a:solidFill>
-            <a:schemeClr val="accent4"/>
-          </a:solidFill>
-          <a:ln>
-            <a:solidFill>
-              <a:schemeClr val="accent4"/>
-            </a:solidFill>
-          </a:ln>
-        </p:spPr>
-        <p:style>
-          <a:lnRef idx="2">
-            <a:schemeClr val="accent1">
-              <a:shade val="50000"/>
-            </a:schemeClr>
-          </a:lnRef>
-          <a:fillRef idx="1">
-            <a:schemeClr val="accent1"/>
-          </a:fillRef>
-          <a:effectRef idx="0">
-            <a:schemeClr val="accent1"/>
-          </a:effectRef>
-          <a:fontRef idx="minor">
-            <a:schemeClr val="lt1"/>
-          </a:fontRef>
-        </p:style>
-        <p:txBody>
-          <a:bodyPr rtlCol="0" anchor="ctr"/>
-          <a:lstStyle/>
-          <a:p>
-            <a:pPr algn="ctr"/>
-            <a:endParaRPr lang="en-US"/>
-          </a:p>
-        </p:txBody>
-      </p:sp>
-      <p:sp>
-        <p:nvSpPr>
-          <p:cNvPr id="83" name="Rectangle 82"/>
-          <p:cNvSpPr/>
-          <p:nvPr/>
-        </p:nvSpPr>
-        <p:spPr>
-          <a:xfrm>
-            <a:off x="769151" y="4654488"/>
-            <a:ext cx="164592" cy="153690"/>
-          </a:xfrm>
-          <a:prstGeom prst="rect">
-            <a:avLst/>
-          </a:prstGeom>
-          <a:solidFill>
-            <a:schemeClr val="accent1">
-              <a:lumMod val="75000"/>
-            </a:schemeClr>
-          </a:solidFill>
-          <a:ln>
-            <a:solidFill>
-              <a:schemeClr val="accent1">
-                <a:lumMod val="75000"/>
-              </a:schemeClr>
-            </a:solidFill>
-          </a:ln>
-        </p:spPr>
-        <p:style>
-          <a:lnRef idx="2">
-            <a:schemeClr val="accent1">
-              <a:shade val="50000"/>
-            </a:schemeClr>
-          </a:lnRef>
-          <a:fillRef idx="1">
-            <a:schemeClr val="accent1"/>
-          </a:fillRef>
-          <a:effectRef idx="0">
-            <a:schemeClr val="accent1"/>
-          </a:effectRef>
-          <a:fontRef idx="minor">
-            <a:schemeClr val="lt1"/>
-          </a:fontRef>
-        </p:style>
-        <p:txBody>
-          <a:bodyPr rtlCol="0" anchor="ctr"/>
-          <a:lstStyle/>
-          <a:p>
-            <a:pPr algn="ctr"/>
-            <a:endParaRPr lang="en-US"/>
-          </a:p>
-        </p:txBody>
-      </p:sp>
-      <p:sp>
-        <p:nvSpPr>
-          <p:cNvPr id="84" name="Diamond 83"/>
-          <p:cNvSpPr/>
-          <p:nvPr/>
-        </p:nvSpPr>
-        <p:spPr>
-          <a:xfrm>
-            <a:off x="446063" y="6006042"/>
-            <a:ext cx="237744" cy="219456"/>
-          </a:xfrm>
-          <a:prstGeom prst="diamond">
-            <a:avLst/>
-          </a:prstGeom>
-          <a:solidFill>
-            <a:schemeClr val="accent6">
-              <a:lumMod val="60000"/>
-              <a:lumOff val="40000"/>
-            </a:schemeClr>
-          </a:solidFill>
-          <a:ln>
-            <a:solidFill>
-              <a:schemeClr val="accent6">
-                <a:lumMod val="60000"/>
-                <a:lumOff val="40000"/>
-              </a:schemeClr>
-            </a:solidFill>
-          </a:ln>
-        </p:spPr>
-        <p:style>
-          <a:lnRef idx="2">
-            <a:schemeClr val="accent1">
-              <a:shade val="50000"/>
-            </a:schemeClr>
-          </a:lnRef>
-          <a:fillRef idx="1">
-            <a:schemeClr val="accent1"/>
-          </a:fillRef>
-          <a:effectRef idx="0">
-            <a:schemeClr val="accent1"/>
-          </a:effectRef>
-          <a:fontRef idx="minor">
-            <a:schemeClr val="lt1"/>
-          </a:fontRef>
-        </p:style>
-        <p:txBody>
-          <a:bodyPr rtlCol="0" anchor="ctr"/>
-          <a:lstStyle/>
-          <a:p>
-            <a:pPr algn="ctr"/>
-            <a:endParaRPr lang="en-US"/>
-          </a:p>
-        </p:txBody>
-      </p:sp>
-      <p:sp>
-        <p:nvSpPr>
-          <p:cNvPr id="85" name="Regular Pentagon 84"/>
-          <p:cNvSpPr/>
-          <p:nvPr/>
-        </p:nvSpPr>
-        <p:spPr>
-          <a:xfrm>
-            <a:off x="2166432" y="5209720"/>
-            <a:ext cx="207872" cy="226053"/>
-          </a:xfrm>
-          <a:prstGeom prst="pentagon">
-            <a:avLst/>
-          </a:prstGeom>
-          <a:solidFill>
-            <a:srgbClr val="FF0066"/>
-          </a:solidFill>
-          <a:ln>
-            <a:solidFill>
-              <a:srgbClr val="FF0066"/>
-            </a:solidFill>
-          </a:ln>
-        </p:spPr>
-        <p:style>
-          <a:lnRef idx="2">
-            <a:schemeClr val="accent1">
-              <a:shade val="50000"/>
-            </a:schemeClr>
-          </a:lnRef>
-          <a:fillRef idx="1">
-            <a:schemeClr val="accent1"/>
-          </a:fillRef>
-          <a:effectRef idx="0">
-            <a:schemeClr val="accent1"/>
-          </a:effectRef>
-          <a:fontRef idx="minor">
-            <a:schemeClr val="lt1"/>
-          </a:fontRef>
-        </p:style>
-        <p:txBody>
-          <a:bodyPr rtlCol="0" anchor="ctr"/>
-          <a:lstStyle/>
-          <a:p>
-            <a:pPr algn="ctr"/>
-            <a:endParaRPr lang="en-US"/>
-          </a:p>
-        </p:txBody>
-      </p:sp>
-      <p:sp>
-        <p:nvSpPr>
-          <p:cNvPr id="86" name="5-Point Star 85"/>
-          <p:cNvSpPr/>
-          <p:nvPr/>
-        </p:nvSpPr>
-        <p:spPr>
-          <a:xfrm>
-            <a:off x="729091" y="5463406"/>
-            <a:ext cx="229514" cy="219456"/>
-          </a:xfrm>
-          <a:prstGeom prst="star5">
-            <a:avLst/>
-          </a:prstGeom>
-          <a:solidFill>
-            <a:schemeClr val="accent4"/>
-          </a:solidFill>
-          <a:ln>
-            <a:solidFill>
-              <a:schemeClr val="accent4"/>
-            </a:solidFill>
-          </a:ln>
-        </p:spPr>
-        <p:style>
-          <a:lnRef idx="2">
-            <a:schemeClr val="accent1">
-              <a:shade val="50000"/>
-            </a:schemeClr>
-          </a:lnRef>
-          <a:fillRef idx="1">
-            <a:schemeClr val="accent1"/>
-          </a:fillRef>
-          <a:effectRef idx="0">
-            <a:schemeClr val="accent1"/>
-          </a:effectRef>
-          <a:fontRef idx="minor">
-            <a:schemeClr val="lt1"/>
-          </a:fontRef>
-        </p:style>
-        <p:txBody>
-          <a:bodyPr rtlCol="0" anchor="ctr"/>
-          <a:lstStyle/>
-          <a:p>
-            <a:pPr algn="ctr"/>
-            <a:endParaRPr lang="en-US"/>
-          </a:p>
-        </p:txBody>
-      </p:sp>
-      <p:sp>
-        <p:nvSpPr>
-          <p:cNvPr id="87" name="Rectangle 86"/>
-          <p:cNvSpPr/>
-          <p:nvPr/>
-        </p:nvSpPr>
-        <p:spPr>
-          <a:xfrm>
-            <a:off x="332220" y="5209720"/>
-            <a:ext cx="164592" cy="153690"/>
-          </a:xfrm>
-          <a:prstGeom prst="rect">
-            <a:avLst/>
-          </a:prstGeom>
-          <a:solidFill>
-            <a:schemeClr val="accent1">
-              <a:lumMod val="75000"/>
-            </a:schemeClr>
-          </a:solidFill>
-          <a:ln>
-            <a:solidFill>
-              <a:schemeClr val="accent1">
-                <a:lumMod val="75000"/>
-              </a:schemeClr>
-            </a:solidFill>
-          </a:ln>
-        </p:spPr>
-        <p:style>
-          <a:lnRef idx="2">
-            <a:schemeClr val="accent1">
-              <a:shade val="50000"/>
-            </a:schemeClr>
-          </a:lnRef>
-          <a:fillRef idx="1">
-            <a:schemeClr val="accent1"/>
-          </a:fillRef>
-          <a:effectRef idx="0">
-            <a:schemeClr val="accent1"/>
-          </a:effectRef>
-          <a:fontRef idx="minor">
-            <a:schemeClr val="lt1"/>
-          </a:fontRef>
-        </p:style>
-        <p:txBody>
-          <a:bodyPr rtlCol="0" anchor="ctr"/>
-          <a:lstStyle/>
-          <a:p>
-            <a:pPr algn="ctr"/>
-            <a:endParaRPr lang="en-US"/>
-          </a:p>
-        </p:txBody>
-      </p:sp>
-      <p:sp>
-        <p:nvSpPr>
-          <p:cNvPr id="88" name="Diamond 87"/>
-          <p:cNvSpPr/>
-          <p:nvPr/>
-        </p:nvSpPr>
-        <p:spPr>
-          <a:xfrm>
-            <a:off x="1263841" y="4749302"/>
-            <a:ext cx="237744" cy="219456"/>
-          </a:xfrm>
-          <a:prstGeom prst="diamond">
-            <a:avLst/>
-          </a:prstGeom>
-          <a:solidFill>
-            <a:schemeClr val="accent6">
-              <a:lumMod val="60000"/>
-              <a:lumOff val="40000"/>
-            </a:schemeClr>
-          </a:solidFill>
-          <a:ln>
-            <a:solidFill>
-              <a:schemeClr val="accent6">
-                <a:lumMod val="60000"/>
-                <a:lumOff val="40000"/>
-              </a:schemeClr>
-            </a:solidFill>
-          </a:ln>
-        </p:spPr>
-        <p:style>
-          <a:lnRef idx="2">
-            <a:schemeClr val="accent1">
-              <a:shade val="50000"/>
-            </a:schemeClr>
-          </a:lnRef>
-          <a:fillRef idx="1">
-            <a:schemeClr val="accent1"/>
-          </a:fillRef>
-          <a:effectRef idx="0">
-            <a:schemeClr val="accent1"/>
-          </a:effectRef>
-          <a:fontRef idx="minor">
-            <a:schemeClr val="lt1"/>
-          </a:fontRef>
-        </p:style>
-        <p:txBody>
-          <a:bodyPr rtlCol="0" anchor="ctr"/>
-          <a:lstStyle/>
-          <a:p>
-            <a:pPr algn="ctr"/>
-            <a:endParaRPr lang="en-US"/>
-          </a:p>
-        </p:txBody>
-      </p:sp>
-      <p:sp>
-        <p:nvSpPr>
-          <p:cNvPr id="89" name="Diamond 88"/>
-          <p:cNvSpPr/>
-          <p:nvPr/>
-        </p:nvSpPr>
-        <p:spPr>
-          <a:xfrm>
-            <a:off x="3057764" y="5458452"/>
-            <a:ext cx="237744" cy="219456"/>
-          </a:xfrm>
-          <a:prstGeom prst="diamond">
-            <a:avLst/>
-          </a:prstGeom>
-          <a:solidFill>
-            <a:schemeClr val="accent6">
-              <a:lumMod val="60000"/>
-              <a:lumOff val="40000"/>
-            </a:schemeClr>
-          </a:solidFill>
-          <a:ln>
-            <a:solidFill>
-              <a:schemeClr val="accent6">
-                <a:lumMod val="60000"/>
-                <a:lumOff val="40000"/>
-              </a:schemeClr>
-            </a:solidFill>
-          </a:ln>
-        </p:spPr>
-        <p:style>
-          <a:lnRef idx="2">
-            <a:schemeClr val="accent1">
-              <a:shade val="50000"/>
-            </a:schemeClr>
-          </a:lnRef>
-          <a:fillRef idx="1">
-            <a:schemeClr val="accent1"/>
-          </a:fillRef>
-          <a:effectRef idx="0">
-            <a:schemeClr val="accent1"/>
-          </a:effectRef>
-          <a:fontRef idx="minor">
-            <a:schemeClr val="lt1"/>
-          </a:fontRef>
-        </p:style>
-        <p:txBody>
-          <a:bodyPr rtlCol="0" anchor="ctr"/>
-          <a:lstStyle/>
-          <a:p>
-            <a:pPr algn="ctr"/>
-            <a:endParaRPr lang="en-US"/>
-          </a:p>
-        </p:txBody>
-      </p:sp>
-      <p:sp>
-        <p:nvSpPr>
-          <p:cNvPr id="90" name="Diamond 89"/>
-          <p:cNvSpPr/>
-          <p:nvPr/>
-        </p:nvSpPr>
-        <p:spPr>
-          <a:xfrm>
-            <a:off x="2768639" y="6007800"/>
-            <a:ext cx="237744" cy="219456"/>
-          </a:xfrm>
-          <a:prstGeom prst="diamond">
-            <a:avLst/>
-          </a:prstGeom>
-          <a:solidFill>
-            <a:schemeClr val="accent6">
-              <a:lumMod val="60000"/>
-              <a:lumOff val="40000"/>
-            </a:schemeClr>
-          </a:solidFill>
-          <a:ln>
-            <a:solidFill>
-              <a:schemeClr val="accent6">
-                <a:lumMod val="60000"/>
-                <a:lumOff val="40000"/>
-              </a:schemeClr>
-            </a:solidFill>
-          </a:ln>
-        </p:spPr>
-        <p:style>
-          <a:lnRef idx="2">
-            <a:schemeClr val="accent1">
-              <a:shade val="50000"/>
-            </a:schemeClr>
-          </a:lnRef>
-          <a:fillRef idx="1">
-            <a:schemeClr val="accent1"/>
-          </a:fillRef>
-          <a:effectRef idx="0">
-            <a:schemeClr val="accent1"/>
-          </a:effectRef>
-          <a:fontRef idx="minor">
-            <a:schemeClr val="lt1"/>
-          </a:fontRef>
-        </p:style>
-        <p:txBody>
-          <a:bodyPr rtlCol="0" anchor="ctr"/>
-          <a:lstStyle/>
-          <a:p>
-            <a:pPr algn="ctr"/>
-            <a:endParaRPr lang="en-US"/>
-          </a:p>
-        </p:txBody>
-      </p:sp>
-      <p:sp>
-        <p:nvSpPr>
-          <p:cNvPr id="91" name="Diamond 90"/>
-          <p:cNvSpPr/>
-          <p:nvPr/>
-        </p:nvSpPr>
-        <p:spPr>
-          <a:xfrm>
-            <a:off x="1560086" y="5581971"/>
-            <a:ext cx="237744" cy="219456"/>
-          </a:xfrm>
-          <a:prstGeom prst="diamond">
-            <a:avLst/>
-          </a:prstGeom>
-          <a:solidFill>
-            <a:schemeClr val="accent6">
-              <a:lumMod val="60000"/>
-              <a:lumOff val="40000"/>
-            </a:schemeClr>
-          </a:solidFill>
-          <a:ln>
-            <a:solidFill>
-              <a:schemeClr val="accent6">
-                <a:lumMod val="60000"/>
-                <a:lumOff val="40000"/>
-              </a:schemeClr>
-            </a:solidFill>
-          </a:ln>
-        </p:spPr>
-        <p:style>
-          <a:lnRef idx="2">
-            <a:schemeClr val="accent1">
-              <a:shade val="50000"/>
-            </a:schemeClr>
-          </a:lnRef>
-          <a:fillRef idx="1">
-            <a:schemeClr val="accent1"/>
-          </a:fillRef>
-          <a:effectRef idx="0">
-            <a:schemeClr val="accent1"/>
-          </a:effectRef>
-          <a:fontRef idx="minor">
-            <a:schemeClr val="lt1"/>
-          </a:fontRef>
-        </p:style>
-        <p:txBody>
-          <a:bodyPr rtlCol="0" anchor="ctr"/>
-          <a:lstStyle/>
-          <a:p>
-            <a:pPr algn="ctr"/>
-            <a:endParaRPr lang="en-US"/>
-          </a:p>
-        </p:txBody>
-      </p:sp>
-      <p:sp>
-        <p:nvSpPr>
-          <p:cNvPr id="92" name="5-Point Star 91"/>
-          <p:cNvSpPr/>
-          <p:nvPr/>
-        </p:nvSpPr>
-        <p:spPr>
-          <a:xfrm>
-            <a:off x="2190761" y="6144887"/>
-            <a:ext cx="229514" cy="219456"/>
-          </a:xfrm>
-          <a:prstGeom prst="star5">
-            <a:avLst/>
-          </a:prstGeom>
-          <a:solidFill>
-            <a:schemeClr val="accent4"/>
-          </a:solidFill>
-          <a:ln>
-            <a:solidFill>
-              <a:schemeClr val="accent4"/>
-            </a:solidFill>
-          </a:ln>
-        </p:spPr>
-        <p:style>
-          <a:lnRef idx="2">
-            <a:schemeClr val="accent1">
-              <a:shade val="50000"/>
-            </a:schemeClr>
-          </a:lnRef>
-          <a:fillRef idx="1">
-            <a:schemeClr val="accent1"/>
-          </a:fillRef>
-          <a:effectRef idx="0">
-            <a:schemeClr val="accent1"/>
-          </a:effectRef>
-          <a:fontRef idx="minor">
-            <a:schemeClr val="lt1"/>
-          </a:fontRef>
-        </p:style>
-        <p:txBody>
-          <a:bodyPr rtlCol="0" anchor="ctr"/>
-          <a:lstStyle/>
-          <a:p>
-            <a:pPr algn="ctr"/>
-            <a:endParaRPr lang="en-US"/>
-          </a:p>
-        </p:txBody>
-      </p:sp>
-      <p:sp>
-        <p:nvSpPr>
-          <p:cNvPr id="93" name="Flowchart: Connector 92"/>
-          <p:cNvSpPr/>
-          <p:nvPr/>
-        </p:nvSpPr>
-        <p:spPr>
-          <a:xfrm>
-            <a:off x="975653" y="6097948"/>
-            <a:ext cx="187452" cy="153690"/>
-          </a:xfrm>
-          <a:prstGeom prst="flowChartConnector">
-            <a:avLst/>
-          </a:prstGeom>
-          <a:solidFill>
-            <a:srgbClr val="7030A0"/>
-          </a:solidFill>
-          <a:ln>
-            <a:solidFill>
-              <a:srgbClr val="7030A0"/>
-            </a:solidFill>
-          </a:ln>
-        </p:spPr>
-        <p:style>
-          <a:lnRef idx="2">
-            <a:schemeClr val="accent1">
-              <a:shade val="50000"/>
-            </a:schemeClr>
-          </a:lnRef>
-          <a:fillRef idx="1">
-            <a:schemeClr val="accent1"/>
-          </a:fillRef>
-          <a:effectRef idx="0">
-            <a:schemeClr val="accent1"/>
-          </a:effectRef>
-          <a:fontRef idx="minor">
-            <a:schemeClr val="lt1"/>
-          </a:fontRef>
-        </p:style>
-        <p:txBody>
-          <a:bodyPr rtlCol="0" anchor="ctr"/>
-          <a:lstStyle/>
-          <a:p>
-            <a:pPr algn="ctr"/>
-            <a:endParaRPr lang="en-US"/>
-          </a:p>
-        </p:txBody>
-      </p:sp>
-      <p:sp>
-        <p:nvSpPr>
-          <p:cNvPr id="94" name="Rectangle 93"/>
-          <p:cNvSpPr/>
-          <p:nvPr/>
-        </p:nvSpPr>
-        <p:spPr>
-          <a:xfrm>
-            <a:off x="1336993" y="5147619"/>
-            <a:ext cx="164592" cy="153690"/>
-          </a:xfrm>
-          <a:prstGeom prst="rect">
-            <a:avLst/>
-          </a:prstGeom>
-          <a:solidFill>
-            <a:schemeClr val="accent1">
-              <a:lumMod val="75000"/>
-            </a:schemeClr>
-          </a:solidFill>
-          <a:ln>
-            <a:solidFill>
-              <a:schemeClr val="accent1">
-                <a:lumMod val="75000"/>
-              </a:schemeClr>
-            </a:solidFill>
-          </a:ln>
-        </p:spPr>
-        <p:style>
-          <a:lnRef idx="2">
-            <a:schemeClr val="accent1">
-              <a:shade val="50000"/>
-            </a:schemeClr>
-          </a:lnRef>
-          <a:fillRef idx="1">
-            <a:schemeClr val="accent1"/>
-          </a:fillRef>
-          <a:effectRef idx="0">
-            <a:schemeClr val="accent1"/>
-          </a:effectRef>
-          <a:fontRef idx="minor">
-            <a:schemeClr val="lt1"/>
-          </a:fontRef>
-        </p:style>
-        <p:txBody>
-          <a:bodyPr rtlCol="0" anchor="ctr"/>
-          <a:lstStyle/>
-          <a:p>
-            <a:pPr algn="ctr"/>
-            <a:endParaRPr lang="en-US"/>
-          </a:p>
-        </p:txBody>
-      </p:sp>
-      <p:sp>
-        <p:nvSpPr>
-          <p:cNvPr id="95" name="Rectangle 94"/>
-          <p:cNvSpPr/>
-          <p:nvPr/>
-        </p:nvSpPr>
-        <p:spPr>
-          <a:xfrm>
-            <a:off x="2893172" y="4835336"/>
-            <a:ext cx="164592" cy="153690"/>
-          </a:xfrm>
-          <a:prstGeom prst="rect">
-            <a:avLst/>
-          </a:prstGeom>
-          <a:solidFill>
-            <a:schemeClr val="accent1">
-              <a:lumMod val="75000"/>
-            </a:schemeClr>
-          </a:solidFill>
-          <a:ln>
-            <a:solidFill>
-              <a:schemeClr val="accent1">
-                <a:lumMod val="75000"/>
-              </a:schemeClr>
-            </a:solidFill>
-          </a:ln>
-        </p:spPr>
-        <p:style>
-          <a:lnRef idx="2">
-            <a:schemeClr val="accent1">
-              <a:shade val="50000"/>
-            </a:schemeClr>
-          </a:lnRef>
-          <a:fillRef idx="1">
-            <a:schemeClr val="accent1"/>
-          </a:fillRef>
-          <a:effectRef idx="0">
-            <a:schemeClr val="accent1"/>
-          </a:effectRef>
-          <a:fontRef idx="minor">
-            <a:schemeClr val="lt1"/>
-          </a:fontRef>
-        </p:style>
-        <p:txBody>
-          <a:bodyPr rtlCol="0" anchor="ctr"/>
-          <a:lstStyle/>
-          <a:p>
-            <a:pPr algn="ctr"/>
-            <a:endParaRPr lang="en-US"/>
-          </a:p>
-        </p:txBody>
-      </p:sp>
-      <p:sp>
-        <p:nvSpPr>
-          <p:cNvPr id="96" name="Rectangle 95"/>
-          <p:cNvSpPr/>
-          <p:nvPr/>
-        </p:nvSpPr>
-        <p:spPr>
-          <a:xfrm>
-            <a:off x="1608852" y="6315747"/>
-            <a:ext cx="164592" cy="153690"/>
-          </a:xfrm>
-          <a:prstGeom prst="rect">
-            <a:avLst/>
-          </a:prstGeom>
-          <a:solidFill>
-            <a:schemeClr val="accent1">
-              <a:lumMod val="75000"/>
-            </a:schemeClr>
-          </a:solidFill>
-          <a:ln>
-            <a:solidFill>
-              <a:schemeClr val="accent1">
-                <a:lumMod val="75000"/>
-              </a:schemeClr>
-            </a:solidFill>
-          </a:ln>
-        </p:spPr>
-        <p:style>
-          <a:lnRef idx="2">
-            <a:schemeClr val="accent1">
-              <a:shade val="50000"/>
-            </a:schemeClr>
-          </a:lnRef>
-          <a:fillRef idx="1">
-            <a:schemeClr val="accent1"/>
-          </a:fillRef>
-          <a:effectRef idx="0">
-            <a:schemeClr val="accent1"/>
-          </a:effectRef>
-          <a:fontRef idx="minor">
-            <a:schemeClr val="lt1"/>
-          </a:fontRef>
-        </p:style>
-        <p:txBody>
-          <a:bodyPr rtlCol="0" anchor="ctr"/>
-          <a:lstStyle/>
-          <a:p>
-            <a:pPr algn="ctr"/>
-            <a:endParaRPr lang="en-US"/>
-          </a:p>
-        </p:txBody>
-      </p:sp>
-      <p:sp>
-        <p:nvSpPr>
-          <p:cNvPr id="97" name="Rectangle 96"/>
-          <p:cNvSpPr/>
-          <p:nvPr/>
-        </p:nvSpPr>
-        <p:spPr>
-          <a:xfrm>
-            <a:off x="2026169" y="4657711"/>
-            <a:ext cx="164592" cy="153690"/>
-          </a:xfrm>
-          <a:prstGeom prst="rect">
-            <a:avLst/>
-          </a:prstGeom>
-          <a:solidFill>
-            <a:schemeClr val="accent1">
-              <a:lumMod val="75000"/>
-            </a:schemeClr>
-          </a:solidFill>
-          <a:ln>
-            <a:solidFill>
-              <a:schemeClr val="accent1">
-                <a:lumMod val="75000"/>
-              </a:schemeClr>
             </a:solidFill>
           </a:ln>
         </p:spPr>
@@ -8616,8 +6166,8 @@
         </p:nvCxnSpPr>
         <p:spPr>
           <a:xfrm flipH="1">
-            <a:off x="406497" y="4234953"/>
-            <a:ext cx="3011434" cy="4068"/>
+            <a:off x="406497" y="4236193"/>
+            <a:ext cx="2170131" cy="2828"/>
           </a:xfrm>
           <a:prstGeom prst="line">
             <a:avLst/>
@@ -8643,24 +6193,1941 @@
           </a:fontRef>
         </p:style>
       </p:cxnSp>
+      <p:sp>
+        <p:nvSpPr>
+          <p:cNvPr id="100" name="Rectangle 99"/>
+          <p:cNvSpPr/>
+          <p:nvPr/>
+        </p:nvSpPr>
+        <p:spPr>
+          <a:xfrm>
+            <a:off x="4702117" y="2304023"/>
+            <a:ext cx="1277474" cy="1069826"/>
+          </a:xfrm>
+          <a:prstGeom prst="rect">
+            <a:avLst/>
+          </a:prstGeom>
+          <a:noFill/>
+          <a:ln w="19050">
+            <a:solidFill>
+              <a:schemeClr val="tx1"/>
+            </a:solidFill>
+          </a:ln>
+        </p:spPr>
+        <p:style>
+          <a:lnRef idx="2">
+            <a:schemeClr val="accent1">
+              <a:shade val="50000"/>
+            </a:schemeClr>
+          </a:lnRef>
+          <a:fillRef idx="1">
+            <a:schemeClr val="accent1"/>
+          </a:fillRef>
+          <a:effectRef idx="0">
+            <a:schemeClr val="accent1"/>
+          </a:effectRef>
+          <a:fontRef idx="minor">
+            <a:schemeClr val="lt1"/>
+          </a:fontRef>
+        </p:style>
+        <p:txBody>
+          <a:bodyPr rtlCol="0" anchor="ctr"/>
+          <a:lstStyle/>
+          <a:p>
+            <a:pPr algn="ctr"/>
+            <a:endParaRPr lang="en-US"/>
+          </a:p>
+        </p:txBody>
+      </p:sp>
+      <p:sp>
+        <p:nvSpPr>
+          <p:cNvPr id="102" name="Rectangle 101"/>
+          <p:cNvSpPr/>
+          <p:nvPr/>
+        </p:nvSpPr>
+        <p:spPr>
+          <a:xfrm>
+            <a:off x="4702117" y="3373675"/>
+            <a:ext cx="1277474" cy="1068919"/>
+          </a:xfrm>
+          <a:prstGeom prst="rect">
+            <a:avLst/>
+          </a:prstGeom>
+          <a:noFill/>
+          <a:ln w="19050">
+            <a:solidFill>
+              <a:schemeClr val="tx1"/>
+            </a:solidFill>
+          </a:ln>
+        </p:spPr>
+        <p:style>
+          <a:lnRef idx="2">
+            <a:schemeClr val="accent1">
+              <a:shade val="50000"/>
+            </a:schemeClr>
+          </a:lnRef>
+          <a:fillRef idx="1">
+            <a:schemeClr val="accent1"/>
+          </a:fillRef>
+          <a:effectRef idx="0">
+            <a:schemeClr val="accent1"/>
+          </a:effectRef>
+          <a:fontRef idx="minor">
+            <a:schemeClr val="lt1"/>
+          </a:fontRef>
+        </p:style>
+        <p:txBody>
+          <a:bodyPr rtlCol="0" anchor="ctr"/>
+          <a:lstStyle/>
+          <a:p>
+            <a:pPr algn="ctr"/>
+            <a:endParaRPr lang="en-US"/>
+          </a:p>
+        </p:txBody>
+      </p:sp>
+      <p:sp>
+        <p:nvSpPr>
+          <p:cNvPr id="49" name="Rectangle 48"/>
+          <p:cNvSpPr/>
+          <p:nvPr/>
+        </p:nvSpPr>
+        <p:spPr>
+          <a:xfrm>
+            <a:off x="2165203" y="6244563"/>
+            <a:ext cx="164592" cy="153690"/>
+          </a:xfrm>
+          <a:prstGeom prst="rect">
+            <a:avLst/>
+          </a:prstGeom>
+          <a:noFill/>
+          <a:ln w="38100">
+            <a:solidFill>
+              <a:schemeClr val="accent1">
+                <a:lumMod val="75000"/>
+              </a:schemeClr>
+            </a:solidFill>
+          </a:ln>
+        </p:spPr>
+        <p:style>
+          <a:lnRef idx="2">
+            <a:schemeClr val="accent1">
+              <a:shade val="50000"/>
+            </a:schemeClr>
+          </a:lnRef>
+          <a:fillRef idx="1">
+            <a:schemeClr val="accent1"/>
+          </a:fillRef>
+          <a:effectRef idx="0">
+            <a:schemeClr val="accent1"/>
+          </a:effectRef>
+          <a:fontRef idx="minor">
+            <a:schemeClr val="lt1"/>
+          </a:fontRef>
+        </p:style>
+        <p:txBody>
+          <a:bodyPr rtlCol="0" anchor="ctr"/>
+          <a:lstStyle/>
+          <a:p>
+            <a:pPr algn="ctr"/>
+            <a:endParaRPr lang="en-US"/>
+          </a:p>
+        </p:txBody>
+      </p:sp>
+      <p:sp>
+        <p:nvSpPr>
+          <p:cNvPr id="63" name="Rectangle 62"/>
+          <p:cNvSpPr/>
+          <p:nvPr/>
+        </p:nvSpPr>
+        <p:spPr>
+          <a:xfrm>
+            <a:off x="754539" y="6277319"/>
+            <a:ext cx="164592" cy="153690"/>
+          </a:xfrm>
+          <a:prstGeom prst="rect">
+            <a:avLst/>
+          </a:prstGeom>
+          <a:noFill/>
+          <a:ln w="38100">
+            <a:solidFill>
+              <a:schemeClr val="accent1">
+                <a:lumMod val="75000"/>
+              </a:schemeClr>
+            </a:solidFill>
+          </a:ln>
+        </p:spPr>
+        <p:style>
+          <a:lnRef idx="2">
+            <a:schemeClr val="accent1">
+              <a:shade val="50000"/>
+            </a:schemeClr>
+          </a:lnRef>
+          <a:fillRef idx="1">
+            <a:schemeClr val="accent1"/>
+          </a:fillRef>
+          <a:effectRef idx="0">
+            <a:schemeClr val="accent1"/>
+          </a:effectRef>
+          <a:fontRef idx="minor">
+            <a:schemeClr val="lt1"/>
+          </a:fontRef>
+        </p:style>
+        <p:txBody>
+          <a:bodyPr rtlCol="0" anchor="ctr"/>
+          <a:lstStyle/>
+          <a:p>
+            <a:pPr algn="ctr"/>
+            <a:endParaRPr lang="en-US"/>
+          </a:p>
+        </p:txBody>
+      </p:sp>
+      <p:sp>
+        <p:nvSpPr>
+          <p:cNvPr id="64" name="Diamond 63"/>
+          <p:cNvSpPr/>
+          <p:nvPr/>
+        </p:nvSpPr>
+        <p:spPr>
+          <a:xfrm>
+            <a:off x="2224924" y="5534290"/>
+            <a:ext cx="237744" cy="219456"/>
+          </a:xfrm>
+          <a:prstGeom prst="diamond">
+            <a:avLst/>
+          </a:prstGeom>
+          <a:solidFill>
+            <a:srgbClr val="FF0000"/>
+          </a:solidFill>
+          <a:ln w="38100">
+            <a:solidFill>
+              <a:srgbClr val="FF0000"/>
+            </a:solidFill>
+          </a:ln>
+        </p:spPr>
+        <p:style>
+          <a:lnRef idx="2">
+            <a:schemeClr val="accent1">
+              <a:shade val="50000"/>
+            </a:schemeClr>
+          </a:lnRef>
+          <a:fillRef idx="1">
+            <a:schemeClr val="accent1"/>
+          </a:fillRef>
+          <a:effectRef idx="0">
+            <a:schemeClr val="accent1"/>
+          </a:effectRef>
+          <a:fontRef idx="minor">
+            <a:schemeClr val="lt1"/>
+          </a:fontRef>
+        </p:style>
+        <p:txBody>
+          <a:bodyPr rtlCol="0" anchor="ctr"/>
+          <a:lstStyle/>
+          <a:p>
+            <a:pPr algn="ctr"/>
+            <a:endParaRPr lang="en-US"/>
+          </a:p>
+        </p:txBody>
+      </p:sp>
+      <p:sp>
+        <p:nvSpPr>
+          <p:cNvPr id="65" name="Rectangle 64"/>
+          <p:cNvSpPr/>
+          <p:nvPr/>
+        </p:nvSpPr>
+        <p:spPr>
+          <a:xfrm>
+            <a:off x="1710862" y="5983036"/>
+            <a:ext cx="164592" cy="153690"/>
+          </a:xfrm>
+          <a:prstGeom prst="rect">
+            <a:avLst/>
+          </a:prstGeom>
+          <a:noFill/>
+          <a:ln w="38100">
+            <a:solidFill>
+              <a:schemeClr val="accent1">
+                <a:lumMod val="75000"/>
+              </a:schemeClr>
+            </a:solidFill>
+          </a:ln>
+        </p:spPr>
+        <p:style>
+          <a:lnRef idx="2">
+            <a:schemeClr val="accent1">
+              <a:shade val="50000"/>
+            </a:schemeClr>
+          </a:lnRef>
+          <a:fillRef idx="1">
+            <a:schemeClr val="accent1"/>
+          </a:fillRef>
+          <a:effectRef idx="0">
+            <a:schemeClr val="accent1"/>
+          </a:effectRef>
+          <a:fontRef idx="minor">
+            <a:schemeClr val="lt1"/>
+          </a:fontRef>
+        </p:style>
+        <p:txBody>
+          <a:bodyPr rtlCol="0" anchor="ctr"/>
+          <a:lstStyle/>
+          <a:p>
+            <a:pPr algn="ctr"/>
+            <a:endParaRPr lang="en-US"/>
+          </a:p>
+        </p:txBody>
+      </p:sp>
+      <p:sp>
+        <p:nvSpPr>
+          <p:cNvPr id="66" name="Diamond 65"/>
+          <p:cNvSpPr/>
+          <p:nvPr/>
+        </p:nvSpPr>
+        <p:spPr>
+          <a:xfrm>
+            <a:off x="1110996" y="6054004"/>
+            <a:ext cx="237744" cy="219456"/>
+          </a:xfrm>
+          <a:prstGeom prst="diamond">
+            <a:avLst/>
+          </a:prstGeom>
+          <a:solidFill>
+            <a:srgbClr val="FFC000"/>
+          </a:solidFill>
+          <a:ln w="38100">
+            <a:solidFill>
+              <a:srgbClr val="FFC000"/>
+            </a:solidFill>
+          </a:ln>
+        </p:spPr>
+        <p:style>
+          <a:lnRef idx="2">
+            <a:schemeClr val="accent1">
+              <a:shade val="50000"/>
+            </a:schemeClr>
+          </a:lnRef>
+          <a:fillRef idx="1">
+            <a:schemeClr val="accent1"/>
+          </a:fillRef>
+          <a:effectRef idx="0">
+            <a:schemeClr val="accent1"/>
+          </a:effectRef>
+          <a:fontRef idx="minor">
+            <a:schemeClr val="lt1"/>
+          </a:fontRef>
+        </p:style>
+        <p:txBody>
+          <a:bodyPr rtlCol="0" anchor="ctr"/>
+          <a:lstStyle/>
+          <a:p>
+            <a:pPr algn="ctr"/>
+            <a:endParaRPr lang="en-US"/>
+          </a:p>
+        </p:txBody>
+      </p:sp>
+      <p:sp>
+        <p:nvSpPr>
+          <p:cNvPr id="68" name="Diamond 67"/>
+          <p:cNvSpPr/>
+          <p:nvPr/>
+        </p:nvSpPr>
+        <p:spPr>
+          <a:xfrm>
+            <a:off x="439416" y="5931233"/>
+            <a:ext cx="237744" cy="219456"/>
+          </a:xfrm>
+          <a:prstGeom prst="diamond">
+            <a:avLst/>
+          </a:prstGeom>
+          <a:solidFill>
+            <a:srgbClr val="92D050"/>
+          </a:solidFill>
+          <a:ln w="38100">
+            <a:solidFill>
+              <a:srgbClr val="92D050"/>
+            </a:solidFill>
+          </a:ln>
+        </p:spPr>
+        <p:style>
+          <a:lnRef idx="2">
+            <a:schemeClr val="accent1">
+              <a:shade val="50000"/>
+            </a:schemeClr>
+          </a:lnRef>
+          <a:fillRef idx="1">
+            <a:schemeClr val="accent1"/>
+          </a:fillRef>
+          <a:effectRef idx="0">
+            <a:schemeClr val="accent1"/>
+          </a:effectRef>
+          <a:fontRef idx="minor">
+            <a:schemeClr val="lt1"/>
+          </a:fontRef>
+        </p:style>
+        <p:txBody>
+          <a:bodyPr rtlCol="0" anchor="ctr"/>
+          <a:lstStyle/>
+          <a:p>
+            <a:pPr algn="ctr"/>
+            <a:endParaRPr lang="en-US"/>
+          </a:p>
+        </p:txBody>
+      </p:sp>
+      <p:sp>
+        <p:nvSpPr>
+          <p:cNvPr id="76" name="Diamond 75"/>
+          <p:cNvSpPr/>
+          <p:nvPr/>
+        </p:nvSpPr>
+        <p:spPr>
+          <a:xfrm>
+            <a:off x="1230515" y="5111659"/>
+            <a:ext cx="237744" cy="219456"/>
+          </a:xfrm>
+          <a:prstGeom prst="diamond">
+            <a:avLst/>
+          </a:prstGeom>
+          <a:solidFill>
+            <a:schemeClr val="accent6">
+              <a:lumMod val="75000"/>
+            </a:schemeClr>
+          </a:solidFill>
+          <a:ln w="38100">
+            <a:solidFill>
+              <a:schemeClr val="accent6">
+                <a:lumMod val="75000"/>
+              </a:schemeClr>
+            </a:solidFill>
+          </a:ln>
+        </p:spPr>
+        <p:style>
+          <a:lnRef idx="2">
+            <a:schemeClr val="accent1">
+              <a:shade val="50000"/>
+            </a:schemeClr>
+          </a:lnRef>
+          <a:fillRef idx="1">
+            <a:schemeClr val="accent1"/>
+          </a:fillRef>
+          <a:effectRef idx="0">
+            <a:schemeClr val="accent1"/>
+          </a:effectRef>
+          <a:fontRef idx="minor">
+            <a:schemeClr val="lt1"/>
+          </a:fontRef>
+        </p:style>
+        <p:txBody>
+          <a:bodyPr rtlCol="0" anchor="ctr"/>
+          <a:lstStyle/>
+          <a:p>
+            <a:pPr algn="ctr"/>
+            <a:endParaRPr lang="en-US"/>
+          </a:p>
+        </p:txBody>
+      </p:sp>
+      <p:sp>
+        <p:nvSpPr>
+          <p:cNvPr id="77" name="Diamond 76"/>
+          <p:cNvSpPr/>
+          <p:nvPr/>
+        </p:nvSpPr>
+        <p:spPr>
+          <a:xfrm>
+            <a:off x="919105" y="4662173"/>
+            <a:ext cx="237744" cy="219456"/>
+          </a:xfrm>
+          <a:prstGeom prst="diamond">
+            <a:avLst/>
+          </a:prstGeom>
+          <a:solidFill>
+            <a:srgbClr val="F5A3E5"/>
+          </a:solidFill>
+          <a:ln w="38100">
+            <a:solidFill>
+              <a:srgbClr val="F5A3E5"/>
+            </a:solidFill>
+          </a:ln>
+        </p:spPr>
+        <p:style>
+          <a:lnRef idx="2">
+            <a:schemeClr val="accent1">
+              <a:shade val="50000"/>
+            </a:schemeClr>
+          </a:lnRef>
+          <a:fillRef idx="1">
+            <a:schemeClr val="accent1"/>
+          </a:fillRef>
+          <a:effectRef idx="0">
+            <a:schemeClr val="accent1"/>
+          </a:effectRef>
+          <a:fontRef idx="minor">
+            <a:schemeClr val="lt1"/>
+          </a:fontRef>
+        </p:style>
+        <p:txBody>
+          <a:bodyPr rtlCol="0" anchor="ctr"/>
+          <a:lstStyle/>
+          <a:p>
+            <a:pPr algn="ctr"/>
+            <a:endParaRPr lang="en-US"/>
+          </a:p>
+        </p:txBody>
+      </p:sp>
+      <p:sp>
+        <p:nvSpPr>
+          <p:cNvPr id="95" name="Rectangle 94"/>
+          <p:cNvSpPr/>
+          <p:nvPr/>
+        </p:nvSpPr>
+        <p:spPr>
+          <a:xfrm>
+            <a:off x="1163320" y="5614696"/>
+            <a:ext cx="164592" cy="153690"/>
+          </a:xfrm>
+          <a:prstGeom prst="rect">
+            <a:avLst/>
+          </a:prstGeom>
+          <a:noFill/>
+          <a:ln w="38100">
+            <a:solidFill>
+              <a:schemeClr val="accent1">
+                <a:lumMod val="75000"/>
+              </a:schemeClr>
+            </a:solidFill>
+          </a:ln>
+        </p:spPr>
+        <p:style>
+          <a:lnRef idx="2">
+            <a:schemeClr val="accent1">
+              <a:shade val="50000"/>
+            </a:schemeClr>
+          </a:lnRef>
+          <a:fillRef idx="1">
+            <a:schemeClr val="accent1"/>
+          </a:fillRef>
+          <a:effectRef idx="0">
+            <a:schemeClr val="accent1"/>
+          </a:effectRef>
+          <a:fontRef idx="minor">
+            <a:schemeClr val="lt1"/>
+          </a:fontRef>
+        </p:style>
+        <p:txBody>
+          <a:bodyPr rtlCol="0" anchor="ctr"/>
+          <a:lstStyle/>
+          <a:p>
+            <a:pPr algn="ctr"/>
+            <a:endParaRPr lang="en-US"/>
+          </a:p>
+        </p:txBody>
+      </p:sp>
+      <p:sp>
+        <p:nvSpPr>
+          <p:cNvPr id="96" name="Rectangle 95"/>
+          <p:cNvSpPr/>
+          <p:nvPr/>
+        </p:nvSpPr>
+        <p:spPr>
+          <a:xfrm>
+            <a:off x="1747206" y="4931947"/>
+            <a:ext cx="164592" cy="153690"/>
+          </a:xfrm>
+          <a:prstGeom prst="rect">
+            <a:avLst/>
+          </a:prstGeom>
+          <a:noFill/>
+          <a:ln w="38100">
+            <a:solidFill>
+              <a:schemeClr val="accent1">
+                <a:lumMod val="75000"/>
+              </a:schemeClr>
+            </a:solidFill>
+          </a:ln>
+        </p:spPr>
+        <p:style>
+          <a:lnRef idx="2">
+            <a:schemeClr val="accent1">
+              <a:shade val="50000"/>
+            </a:schemeClr>
+          </a:lnRef>
+          <a:fillRef idx="1">
+            <a:schemeClr val="accent1"/>
+          </a:fillRef>
+          <a:effectRef idx="0">
+            <a:schemeClr val="accent1"/>
+          </a:effectRef>
+          <a:fontRef idx="minor">
+            <a:schemeClr val="lt1"/>
+          </a:fontRef>
+        </p:style>
+        <p:txBody>
+          <a:bodyPr rtlCol="0" anchor="ctr"/>
+          <a:lstStyle/>
+          <a:p>
+            <a:pPr algn="ctr"/>
+            <a:endParaRPr lang="en-US"/>
+          </a:p>
+        </p:txBody>
+      </p:sp>
+      <p:sp>
+        <p:nvSpPr>
+          <p:cNvPr id="97" name="Diamond 96"/>
+          <p:cNvSpPr/>
+          <p:nvPr/>
+        </p:nvSpPr>
+        <p:spPr>
+          <a:xfrm>
+            <a:off x="377127" y="5152203"/>
+            <a:ext cx="237744" cy="219456"/>
+          </a:xfrm>
+          <a:prstGeom prst="diamond">
+            <a:avLst/>
+          </a:prstGeom>
+          <a:solidFill>
+            <a:srgbClr val="00B0F0"/>
+          </a:solidFill>
+          <a:ln w="38100">
+            <a:solidFill>
+              <a:srgbClr val="00B0F0"/>
+            </a:solidFill>
+          </a:ln>
+        </p:spPr>
+        <p:style>
+          <a:lnRef idx="2">
+            <a:schemeClr val="accent1">
+              <a:shade val="50000"/>
+            </a:schemeClr>
+          </a:lnRef>
+          <a:fillRef idx="1">
+            <a:schemeClr val="accent1"/>
+          </a:fillRef>
+          <a:effectRef idx="0">
+            <a:schemeClr val="accent1"/>
+          </a:effectRef>
+          <a:fontRef idx="minor">
+            <a:schemeClr val="lt1"/>
+          </a:fontRef>
+        </p:style>
+        <p:txBody>
+          <a:bodyPr rtlCol="0" anchor="ctr"/>
+          <a:lstStyle/>
+          <a:p>
+            <a:pPr algn="ctr"/>
+            <a:endParaRPr lang="en-US"/>
+          </a:p>
+        </p:txBody>
+      </p:sp>
+      <p:sp>
+        <p:nvSpPr>
+          <p:cNvPr id="101" name="Rectangle 100"/>
+          <p:cNvSpPr/>
+          <p:nvPr/>
+        </p:nvSpPr>
+        <p:spPr>
+          <a:xfrm>
+            <a:off x="5382440" y="4657493"/>
+            <a:ext cx="164592" cy="153690"/>
+          </a:xfrm>
+          <a:prstGeom prst="rect">
+            <a:avLst/>
+          </a:prstGeom>
+          <a:noFill/>
+          <a:ln w="38100">
+            <a:solidFill>
+              <a:schemeClr val="accent1">
+                <a:lumMod val="75000"/>
+              </a:schemeClr>
+            </a:solidFill>
+          </a:ln>
+        </p:spPr>
+        <p:style>
+          <a:lnRef idx="2">
+            <a:schemeClr val="accent1">
+              <a:shade val="50000"/>
+            </a:schemeClr>
+          </a:lnRef>
+          <a:fillRef idx="1">
+            <a:schemeClr val="accent1"/>
+          </a:fillRef>
+          <a:effectRef idx="0">
+            <a:schemeClr val="accent1"/>
+          </a:effectRef>
+          <a:fontRef idx="minor">
+            <a:schemeClr val="lt1"/>
+          </a:fontRef>
+        </p:style>
+        <p:txBody>
+          <a:bodyPr rtlCol="0" anchor="ctr"/>
+          <a:lstStyle/>
+          <a:p>
+            <a:pPr algn="ctr"/>
+            <a:endParaRPr lang="en-US"/>
+          </a:p>
+        </p:txBody>
+      </p:sp>
+      <p:sp>
+        <p:nvSpPr>
+          <p:cNvPr id="103" name="Rectangle 102"/>
+          <p:cNvSpPr/>
+          <p:nvPr/>
+        </p:nvSpPr>
+        <p:spPr>
+          <a:xfrm>
+            <a:off x="5494358" y="6274284"/>
+            <a:ext cx="164592" cy="153690"/>
+          </a:xfrm>
+          <a:prstGeom prst="rect">
+            <a:avLst/>
+          </a:prstGeom>
+          <a:noFill/>
+          <a:ln w="38100">
+            <a:solidFill>
+              <a:schemeClr val="accent1">
+                <a:lumMod val="75000"/>
+              </a:schemeClr>
+            </a:solidFill>
+          </a:ln>
+        </p:spPr>
+        <p:style>
+          <a:lnRef idx="2">
+            <a:schemeClr val="accent1">
+              <a:shade val="50000"/>
+            </a:schemeClr>
+          </a:lnRef>
+          <a:fillRef idx="1">
+            <a:schemeClr val="accent1"/>
+          </a:fillRef>
+          <a:effectRef idx="0">
+            <a:schemeClr val="accent1"/>
+          </a:effectRef>
+          <a:fontRef idx="minor">
+            <a:schemeClr val="lt1"/>
+          </a:fontRef>
+        </p:style>
+        <p:txBody>
+          <a:bodyPr rtlCol="0" anchor="ctr"/>
+          <a:lstStyle/>
+          <a:p>
+            <a:pPr algn="ctr"/>
+            <a:endParaRPr lang="en-US"/>
+          </a:p>
+        </p:txBody>
+      </p:sp>
+      <p:sp>
+        <p:nvSpPr>
+          <p:cNvPr id="104" name="Rectangle 103"/>
+          <p:cNvSpPr/>
+          <p:nvPr/>
+        </p:nvSpPr>
+        <p:spPr>
+          <a:xfrm>
+            <a:off x="4083694" y="6307040"/>
+            <a:ext cx="164592" cy="153690"/>
+          </a:xfrm>
+          <a:prstGeom prst="rect">
+            <a:avLst/>
+          </a:prstGeom>
+          <a:noFill/>
+          <a:ln w="38100">
+            <a:solidFill>
+              <a:schemeClr val="accent1">
+                <a:lumMod val="75000"/>
+              </a:schemeClr>
+            </a:solidFill>
+          </a:ln>
+        </p:spPr>
+        <p:style>
+          <a:lnRef idx="2">
+            <a:schemeClr val="accent1">
+              <a:shade val="50000"/>
+            </a:schemeClr>
+          </a:lnRef>
+          <a:fillRef idx="1">
+            <a:schemeClr val="accent1"/>
+          </a:fillRef>
+          <a:effectRef idx="0">
+            <a:schemeClr val="accent1"/>
+          </a:effectRef>
+          <a:fontRef idx="minor">
+            <a:schemeClr val="lt1"/>
+          </a:fontRef>
+        </p:style>
+        <p:txBody>
+          <a:bodyPr rtlCol="0" anchor="ctr"/>
+          <a:lstStyle/>
+          <a:p>
+            <a:pPr algn="ctr"/>
+            <a:endParaRPr lang="en-US"/>
+          </a:p>
+        </p:txBody>
+      </p:sp>
+      <p:sp>
+        <p:nvSpPr>
+          <p:cNvPr id="106" name="Rectangle 105"/>
+          <p:cNvSpPr/>
+          <p:nvPr/>
+        </p:nvSpPr>
+        <p:spPr>
+          <a:xfrm>
+            <a:off x="5040017" y="6012757"/>
+            <a:ext cx="164592" cy="153690"/>
+          </a:xfrm>
+          <a:prstGeom prst="rect">
+            <a:avLst/>
+          </a:prstGeom>
+          <a:noFill/>
+          <a:ln w="38100">
+            <a:solidFill>
+              <a:schemeClr val="accent1">
+                <a:lumMod val="75000"/>
+              </a:schemeClr>
+            </a:solidFill>
+          </a:ln>
+        </p:spPr>
+        <p:style>
+          <a:lnRef idx="2">
+            <a:schemeClr val="accent1">
+              <a:shade val="50000"/>
+            </a:schemeClr>
+          </a:lnRef>
+          <a:fillRef idx="1">
+            <a:schemeClr val="accent1"/>
+          </a:fillRef>
+          <a:effectRef idx="0">
+            <a:schemeClr val="accent1"/>
+          </a:effectRef>
+          <a:fontRef idx="minor">
+            <a:schemeClr val="lt1"/>
+          </a:fontRef>
+        </p:style>
+        <p:txBody>
+          <a:bodyPr rtlCol="0" anchor="ctr"/>
+          <a:lstStyle/>
+          <a:p>
+            <a:pPr algn="ctr"/>
+            <a:endParaRPr lang="en-US"/>
+          </a:p>
+        </p:txBody>
+      </p:sp>
+      <p:sp>
+        <p:nvSpPr>
+          <p:cNvPr id="111" name="Rectangle 110"/>
+          <p:cNvSpPr/>
+          <p:nvPr/>
+        </p:nvSpPr>
+        <p:spPr>
+          <a:xfrm>
+            <a:off x="4492475" y="5644417"/>
+            <a:ext cx="164592" cy="153690"/>
+          </a:xfrm>
+          <a:prstGeom prst="rect">
+            <a:avLst/>
+          </a:prstGeom>
+          <a:noFill/>
+          <a:ln w="38100">
+            <a:solidFill>
+              <a:schemeClr val="accent1">
+                <a:lumMod val="75000"/>
+              </a:schemeClr>
+            </a:solidFill>
+          </a:ln>
+        </p:spPr>
+        <p:style>
+          <a:lnRef idx="2">
+            <a:schemeClr val="accent1">
+              <a:shade val="50000"/>
+            </a:schemeClr>
+          </a:lnRef>
+          <a:fillRef idx="1">
+            <a:schemeClr val="accent1"/>
+          </a:fillRef>
+          <a:effectRef idx="0">
+            <a:schemeClr val="accent1"/>
+          </a:effectRef>
+          <a:fontRef idx="minor">
+            <a:schemeClr val="lt1"/>
+          </a:fontRef>
+        </p:style>
+        <p:txBody>
+          <a:bodyPr rtlCol="0" anchor="ctr"/>
+          <a:lstStyle/>
+          <a:p>
+            <a:pPr algn="ctr"/>
+            <a:endParaRPr lang="en-US"/>
+          </a:p>
+        </p:txBody>
+      </p:sp>
+      <p:sp>
+        <p:nvSpPr>
+          <p:cNvPr id="112" name="Rectangle 111"/>
+          <p:cNvSpPr/>
+          <p:nvPr/>
+        </p:nvSpPr>
+        <p:spPr>
+          <a:xfrm>
+            <a:off x="5076361" y="4961668"/>
+            <a:ext cx="164592" cy="153690"/>
+          </a:xfrm>
+          <a:prstGeom prst="rect">
+            <a:avLst/>
+          </a:prstGeom>
+          <a:noFill/>
+          <a:ln w="38100">
+            <a:solidFill>
+              <a:schemeClr val="accent1">
+                <a:lumMod val="75000"/>
+              </a:schemeClr>
+            </a:solidFill>
+          </a:ln>
+        </p:spPr>
+        <p:style>
+          <a:lnRef idx="2">
+            <a:schemeClr val="accent1">
+              <a:shade val="50000"/>
+            </a:schemeClr>
+          </a:lnRef>
+          <a:fillRef idx="1">
+            <a:schemeClr val="accent1"/>
+          </a:fillRef>
+          <a:effectRef idx="0">
+            <a:schemeClr val="accent1"/>
+          </a:effectRef>
+          <a:fontRef idx="minor">
+            <a:schemeClr val="lt1"/>
+          </a:fontRef>
+        </p:style>
+        <p:txBody>
+          <a:bodyPr rtlCol="0" anchor="ctr"/>
+          <a:lstStyle/>
+          <a:p>
+            <a:pPr algn="ctr"/>
+            <a:endParaRPr lang="en-US"/>
+          </a:p>
+        </p:txBody>
+      </p:sp>
+      <p:sp>
+        <p:nvSpPr>
+          <p:cNvPr id="23" name="Flowchart: Connector 22"/>
+          <p:cNvSpPr/>
+          <p:nvPr/>
+        </p:nvSpPr>
+        <p:spPr>
+          <a:xfrm>
+            <a:off x="4248260" y="4691894"/>
+            <a:ext cx="216380" cy="205145"/>
+          </a:xfrm>
+          <a:prstGeom prst="flowChartConnector">
+            <a:avLst/>
+          </a:prstGeom>
+          <a:solidFill>
+            <a:srgbClr val="FF0066"/>
+          </a:solidFill>
+          <a:ln>
+            <a:solidFill>
+              <a:srgbClr val="FF0066"/>
+            </a:solidFill>
+          </a:ln>
+        </p:spPr>
+        <p:style>
+          <a:lnRef idx="2">
+            <a:schemeClr val="accent1">
+              <a:shade val="50000"/>
+            </a:schemeClr>
+          </a:lnRef>
+          <a:fillRef idx="1">
+            <a:schemeClr val="accent1"/>
+          </a:fillRef>
+          <a:effectRef idx="0">
+            <a:schemeClr val="accent1"/>
+          </a:effectRef>
+          <a:fontRef idx="minor">
+            <a:schemeClr val="lt1"/>
+          </a:fontRef>
+        </p:style>
+        <p:txBody>
+          <a:bodyPr rtlCol="0" anchor="ctr"/>
+          <a:lstStyle/>
+          <a:p>
+            <a:pPr algn="ctr"/>
+            <a:endParaRPr lang="en-US"/>
+          </a:p>
+        </p:txBody>
+      </p:sp>
+      <p:sp>
+        <p:nvSpPr>
+          <p:cNvPr id="114" name="Flowchart: Connector 113"/>
+          <p:cNvSpPr/>
+          <p:nvPr/>
+        </p:nvSpPr>
+        <p:spPr>
+          <a:xfrm>
+            <a:off x="4568551" y="5134224"/>
+            <a:ext cx="216380" cy="205145"/>
+          </a:xfrm>
+          <a:prstGeom prst="flowChartConnector">
+            <a:avLst/>
+          </a:prstGeom>
+          <a:solidFill>
+            <a:srgbClr val="31AD34"/>
+          </a:solidFill>
+          <a:ln>
+            <a:solidFill>
+              <a:srgbClr val="31AD34"/>
+            </a:solidFill>
+          </a:ln>
+        </p:spPr>
+        <p:style>
+          <a:lnRef idx="2">
+            <a:schemeClr val="accent1">
+              <a:shade val="50000"/>
+            </a:schemeClr>
+          </a:lnRef>
+          <a:fillRef idx="1">
+            <a:schemeClr val="accent1"/>
+          </a:fillRef>
+          <a:effectRef idx="0">
+            <a:schemeClr val="accent1"/>
+          </a:effectRef>
+          <a:fontRef idx="minor">
+            <a:schemeClr val="lt1"/>
+          </a:fontRef>
+        </p:style>
+        <p:txBody>
+          <a:bodyPr rtlCol="0" anchor="ctr"/>
+          <a:lstStyle/>
+          <a:p>
+            <a:pPr algn="ctr"/>
+            <a:endParaRPr lang="en-US"/>
+          </a:p>
+        </p:txBody>
+      </p:sp>
+      <p:sp>
+        <p:nvSpPr>
+          <p:cNvPr id="115" name="Flowchart: Connector 114"/>
+          <p:cNvSpPr/>
+          <p:nvPr/>
+        </p:nvSpPr>
+        <p:spPr>
+          <a:xfrm>
+            <a:off x="3722768" y="5180146"/>
+            <a:ext cx="216380" cy="205145"/>
+          </a:xfrm>
+          <a:prstGeom prst="flowChartConnector">
+            <a:avLst/>
+          </a:prstGeom>
+          <a:solidFill>
+            <a:schemeClr val="accent1">
+              <a:lumMod val="60000"/>
+              <a:lumOff val="40000"/>
+            </a:schemeClr>
+          </a:solidFill>
+          <a:ln>
+            <a:solidFill>
+              <a:schemeClr val="accent1">
+                <a:lumMod val="60000"/>
+                <a:lumOff val="40000"/>
+              </a:schemeClr>
+            </a:solidFill>
+          </a:ln>
+        </p:spPr>
+        <p:style>
+          <a:lnRef idx="2">
+            <a:schemeClr val="accent1">
+              <a:shade val="50000"/>
+            </a:schemeClr>
+          </a:lnRef>
+          <a:fillRef idx="1">
+            <a:schemeClr val="accent1"/>
+          </a:fillRef>
+          <a:effectRef idx="0">
+            <a:schemeClr val="accent1"/>
+          </a:effectRef>
+          <a:fontRef idx="minor">
+            <a:schemeClr val="lt1"/>
+          </a:fontRef>
+        </p:style>
+        <p:txBody>
+          <a:bodyPr rtlCol="0" anchor="ctr"/>
+          <a:lstStyle/>
+          <a:p>
+            <a:pPr algn="ctr"/>
+            <a:endParaRPr lang="en-US"/>
+          </a:p>
+        </p:txBody>
+      </p:sp>
+      <p:sp>
+        <p:nvSpPr>
+          <p:cNvPr id="116" name="Flowchart: Connector 115"/>
+          <p:cNvSpPr/>
+          <p:nvPr/>
+        </p:nvSpPr>
+        <p:spPr>
+          <a:xfrm>
+            <a:off x="3766907" y="5961167"/>
+            <a:ext cx="216380" cy="205145"/>
+          </a:xfrm>
+          <a:prstGeom prst="flowChartConnector">
+            <a:avLst/>
+          </a:prstGeom>
+          <a:solidFill>
+            <a:schemeClr val="accent6">
+              <a:lumMod val="40000"/>
+              <a:lumOff val="60000"/>
+            </a:schemeClr>
+          </a:solidFill>
+          <a:ln>
+            <a:solidFill>
+              <a:schemeClr val="accent6">
+                <a:lumMod val="40000"/>
+                <a:lumOff val="60000"/>
+              </a:schemeClr>
+            </a:solidFill>
+          </a:ln>
+        </p:spPr>
+        <p:style>
+          <a:lnRef idx="2">
+            <a:schemeClr val="accent1">
+              <a:shade val="50000"/>
+            </a:schemeClr>
+          </a:lnRef>
+          <a:fillRef idx="1">
+            <a:schemeClr val="accent1"/>
+          </a:fillRef>
+          <a:effectRef idx="0">
+            <a:schemeClr val="accent1"/>
+          </a:effectRef>
+          <a:fontRef idx="minor">
+            <a:schemeClr val="lt1"/>
+          </a:fontRef>
+        </p:style>
+        <p:txBody>
+          <a:bodyPr rtlCol="0" anchor="ctr"/>
+          <a:lstStyle/>
+          <a:p>
+            <a:pPr algn="ctr"/>
+            <a:endParaRPr lang="en-US"/>
+          </a:p>
+        </p:txBody>
+      </p:sp>
+      <p:sp>
+        <p:nvSpPr>
+          <p:cNvPr id="117" name="Flowchart: Connector 116"/>
+          <p:cNvSpPr/>
+          <p:nvPr/>
+        </p:nvSpPr>
+        <p:spPr>
+          <a:xfrm>
+            <a:off x="4462122" y="6083725"/>
+            <a:ext cx="216380" cy="205145"/>
+          </a:xfrm>
+          <a:prstGeom prst="flowChartConnector">
+            <a:avLst/>
+          </a:prstGeom>
+          <a:solidFill>
+            <a:schemeClr val="accent4">
+              <a:lumMod val="60000"/>
+              <a:lumOff val="40000"/>
+            </a:schemeClr>
+          </a:solidFill>
+          <a:ln>
+            <a:solidFill>
+              <a:schemeClr val="accent4">
+                <a:lumMod val="40000"/>
+                <a:lumOff val="60000"/>
+              </a:schemeClr>
+            </a:solidFill>
+          </a:ln>
+        </p:spPr>
+        <p:style>
+          <a:lnRef idx="2">
+            <a:schemeClr val="accent1">
+              <a:shade val="50000"/>
+            </a:schemeClr>
+          </a:lnRef>
+          <a:fillRef idx="1">
+            <a:schemeClr val="accent1"/>
+          </a:fillRef>
+          <a:effectRef idx="0">
+            <a:schemeClr val="accent1"/>
+          </a:effectRef>
+          <a:fontRef idx="minor">
+            <a:schemeClr val="lt1"/>
+          </a:fontRef>
+        </p:style>
+        <p:txBody>
+          <a:bodyPr rtlCol="0" anchor="ctr"/>
+          <a:lstStyle/>
+          <a:p>
+            <a:pPr algn="ctr"/>
+            <a:endParaRPr lang="en-US"/>
+          </a:p>
+        </p:txBody>
+      </p:sp>
+      <p:sp>
+        <p:nvSpPr>
+          <p:cNvPr id="118" name="Flowchart: Connector 117"/>
+          <p:cNvSpPr/>
+          <p:nvPr/>
+        </p:nvSpPr>
+        <p:spPr>
+          <a:xfrm>
+            <a:off x="5558957" y="5564011"/>
+            <a:ext cx="216380" cy="205145"/>
+          </a:xfrm>
+          <a:prstGeom prst="flowChartConnector">
+            <a:avLst/>
+          </a:prstGeom>
+          <a:solidFill>
+            <a:srgbClr val="C00000"/>
+          </a:solidFill>
+          <a:ln>
+            <a:solidFill>
+              <a:srgbClr val="C00000"/>
+            </a:solidFill>
+          </a:ln>
+        </p:spPr>
+        <p:style>
+          <a:lnRef idx="2">
+            <a:schemeClr val="accent1">
+              <a:shade val="50000"/>
+            </a:schemeClr>
+          </a:lnRef>
+          <a:fillRef idx="1">
+            <a:schemeClr val="accent1"/>
+          </a:fillRef>
+          <a:effectRef idx="0">
+            <a:schemeClr val="accent1"/>
+          </a:effectRef>
+          <a:fontRef idx="minor">
+            <a:schemeClr val="lt1"/>
+          </a:fontRef>
+        </p:style>
+        <p:txBody>
+          <a:bodyPr rtlCol="0" anchor="ctr"/>
+          <a:lstStyle/>
+          <a:p>
+            <a:pPr algn="ctr"/>
+            <a:endParaRPr lang="en-US"/>
+          </a:p>
+        </p:txBody>
+      </p:sp>
+      <p:sp>
+        <p:nvSpPr>
+          <p:cNvPr id="119" name="Rectangle 118"/>
+          <p:cNvSpPr/>
+          <p:nvPr/>
+        </p:nvSpPr>
+        <p:spPr>
+          <a:xfrm>
+            <a:off x="5216780" y="2553448"/>
+            <a:ext cx="164592" cy="153690"/>
+          </a:xfrm>
+          <a:prstGeom prst="rect">
+            <a:avLst/>
+          </a:prstGeom>
+          <a:noFill/>
+          <a:ln w="38100">
+            <a:solidFill>
+              <a:schemeClr val="accent1">
+                <a:lumMod val="75000"/>
+              </a:schemeClr>
+            </a:solidFill>
+          </a:ln>
+        </p:spPr>
+        <p:style>
+          <a:lnRef idx="2">
+            <a:schemeClr val="accent1">
+              <a:shade val="50000"/>
+            </a:schemeClr>
+          </a:lnRef>
+          <a:fillRef idx="1">
+            <a:schemeClr val="accent1"/>
+          </a:fillRef>
+          <a:effectRef idx="0">
+            <a:schemeClr val="accent1"/>
+          </a:effectRef>
+          <a:fontRef idx="minor">
+            <a:schemeClr val="lt1"/>
+          </a:fontRef>
+        </p:style>
+        <p:txBody>
+          <a:bodyPr rtlCol="0" anchor="ctr"/>
+          <a:lstStyle/>
+          <a:p>
+            <a:pPr algn="ctr"/>
+            <a:endParaRPr lang="en-US"/>
+          </a:p>
+        </p:txBody>
+      </p:sp>
+      <p:sp>
+        <p:nvSpPr>
+          <p:cNvPr id="120" name="Rectangle 119"/>
+          <p:cNvSpPr/>
+          <p:nvPr/>
+        </p:nvSpPr>
+        <p:spPr>
+          <a:xfrm>
+            <a:off x="5328698" y="4170239"/>
+            <a:ext cx="164592" cy="153690"/>
+          </a:xfrm>
+          <a:prstGeom prst="rect">
+            <a:avLst/>
+          </a:prstGeom>
+          <a:noFill/>
+          <a:ln w="38100">
+            <a:solidFill>
+              <a:schemeClr val="accent1">
+                <a:lumMod val="75000"/>
+              </a:schemeClr>
+            </a:solidFill>
+          </a:ln>
+        </p:spPr>
+        <p:style>
+          <a:lnRef idx="2">
+            <a:schemeClr val="accent1">
+              <a:shade val="50000"/>
+            </a:schemeClr>
+          </a:lnRef>
+          <a:fillRef idx="1">
+            <a:schemeClr val="accent1"/>
+          </a:fillRef>
+          <a:effectRef idx="0">
+            <a:schemeClr val="accent1"/>
+          </a:effectRef>
+          <a:fontRef idx="minor">
+            <a:schemeClr val="lt1"/>
+          </a:fontRef>
+        </p:style>
+        <p:txBody>
+          <a:bodyPr rtlCol="0" anchor="ctr"/>
+          <a:lstStyle/>
+          <a:p>
+            <a:pPr algn="ctr"/>
+            <a:endParaRPr lang="en-US"/>
+          </a:p>
+        </p:txBody>
+      </p:sp>
+      <p:sp>
+        <p:nvSpPr>
+          <p:cNvPr id="121" name="Rectangle 120"/>
+          <p:cNvSpPr/>
+          <p:nvPr/>
+        </p:nvSpPr>
+        <p:spPr>
+          <a:xfrm>
+            <a:off x="3918034" y="4202995"/>
+            <a:ext cx="164592" cy="153690"/>
+          </a:xfrm>
+          <a:prstGeom prst="rect">
+            <a:avLst/>
+          </a:prstGeom>
+          <a:noFill/>
+          <a:ln w="38100">
+            <a:solidFill>
+              <a:schemeClr val="accent1">
+                <a:lumMod val="75000"/>
+              </a:schemeClr>
+            </a:solidFill>
+          </a:ln>
+        </p:spPr>
+        <p:style>
+          <a:lnRef idx="2">
+            <a:schemeClr val="accent1">
+              <a:shade val="50000"/>
+            </a:schemeClr>
+          </a:lnRef>
+          <a:fillRef idx="1">
+            <a:schemeClr val="accent1"/>
+          </a:fillRef>
+          <a:effectRef idx="0">
+            <a:schemeClr val="accent1"/>
+          </a:effectRef>
+          <a:fontRef idx="minor">
+            <a:schemeClr val="lt1"/>
+          </a:fontRef>
+        </p:style>
+        <p:txBody>
+          <a:bodyPr rtlCol="0" anchor="ctr"/>
+          <a:lstStyle/>
+          <a:p>
+            <a:pPr algn="ctr"/>
+            <a:endParaRPr lang="en-US"/>
+          </a:p>
+        </p:txBody>
+      </p:sp>
+      <p:sp>
+        <p:nvSpPr>
+          <p:cNvPr id="122" name="Diamond 121"/>
+          <p:cNvSpPr/>
+          <p:nvPr/>
+        </p:nvSpPr>
+        <p:spPr>
+          <a:xfrm>
+            <a:off x="5388419" y="3459966"/>
+            <a:ext cx="237744" cy="219456"/>
+          </a:xfrm>
+          <a:prstGeom prst="diamond">
+            <a:avLst/>
+          </a:prstGeom>
+          <a:solidFill>
+            <a:srgbClr val="FF0000"/>
+          </a:solidFill>
+          <a:ln w="38100">
+            <a:solidFill>
+              <a:srgbClr val="FF0000"/>
+            </a:solidFill>
+          </a:ln>
+        </p:spPr>
+        <p:style>
+          <a:lnRef idx="2">
+            <a:schemeClr val="accent1">
+              <a:shade val="50000"/>
+            </a:schemeClr>
+          </a:lnRef>
+          <a:fillRef idx="1">
+            <a:schemeClr val="accent1"/>
+          </a:fillRef>
+          <a:effectRef idx="0">
+            <a:schemeClr val="accent1"/>
+          </a:effectRef>
+          <a:fontRef idx="minor">
+            <a:schemeClr val="lt1"/>
+          </a:fontRef>
+        </p:style>
+        <p:txBody>
+          <a:bodyPr rtlCol="0" anchor="ctr"/>
+          <a:lstStyle/>
+          <a:p>
+            <a:pPr algn="ctr"/>
+            <a:endParaRPr lang="en-US"/>
+          </a:p>
+        </p:txBody>
+      </p:sp>
+      <p:sp>
+        <p:nvSpPr>
+          <p:cNvPr id="123" name="Rectangle 122"/>
+          <p:cNvSpPr/>
+          <p:nvPr/>
+        </p:nvSpPr>
+        <p:spPr>
+          <a:xfrm>
+            <a:off x="4874357" y="3908712"/>
+            <a:ext cx="164592" cy="153690"/>
+          </a:xfrm>
+          <a:prstGeom prst="rect">
+            <a:avLst/>
+          </a:prstGeom>
+          <a:noFill/>
+          <a:ln w="38100">
+            <a:solidFill>
+              <a:schemeClr val="accent1">
+                <a:lumMod val="75000"/>
+              </a:schemeClr>
+            </a:solidFill>
+          </a:ln>
+        </p:spPr>
+        <p:style>
+          <a:lnRef idx="2">
+            <a:schemeClr val="accent1">
+              <a:shade val="50000"/>
+            </a:schemeClr>
+          </a:lnRef>
+          <a:fillRef idx="1">
+            <a:schemeClr val="accent1"/>
+          </a:fillRef>
+          <a:effectRef idx="0">
+            <a:schemeClr val="accent1"/>
+          </a:effectRef>
+          <a:fontRef idx="minor">
+            <a:schemeClr val="lt1"/>
+          </a:fontRef>
+        </p:style>
+        <p:txBody>
+          <a:bodyPr rtlCol="0" anchor="ctr"/>
+          <a:lstStyle/>
+          <a:p>
+            <a:pPr algn="ctr"/>
+            <a:endParaRPr lang="en-US"/>
+          </a:p>
+        </p:txBody>
+      </p:sp>
+      <p:sp>
+        <p:nvSpPr>
+          <p:cNvPr id="124" name="Diamond 123"/>
+          <p:cNvSpPr/>
+          <p:nvPr/>
+        </p:nvSpPr>
+        <p:spPr>
+          <a:xfrm>
+            <a:off x="4274491" y="3979680"/>
+            <a:ext cx="237744" cy="219456"/>
+          </a:xfrm>
+          <a:prstGeom prst="diamond">
+            <a:avLst/>
+          </a:prstGeom>
+          <a:solidFill>
+            <a:srgbClr val="FFC000"/>
+          </a:solidFill>
+          <a:ln w="38100">
+            <a:solidFill>
+              <a:srgbClr val="FFC000"/>
+            </a:solidFill>
+          </a:ln>
+        </p:spPr>
+        <p:style>
+          <a:lnRef idx="2">
+            <a:schemeClr val="accent1">
+              <a:shade val="50000"/>
+            </a:schemeClr>
+          </a:lnRef>
+          <a:fillRef idx="1">
+            <a:schemeClr val="accent1"/>
+          </a:fillRef>
+          <a:effectRef idx="0">
+            <a:schemeClr val="accent1"/>
+          </a:effectRef>
+          <a:fontRef idx="minor">
+            <a:schemeClr val="lt1"/>
+          </a:fontRef>
+        </p:style>
+        <p:txBody>
+          <a:bodyPr rtlCol="0" anchor="ctr"/>
+          <a:lstStyle/>
+          <a:p>
+            <a:pPr algn="ctr"/>
+            <a:endParaRPr lang="en-US"/>
+          </a:p>
+        </p:txBody>
+      </p:sp>
+      <p:sp>
+        <p:nvSpPr>
+          <p:cNvPr id="125" name="Diamond 124"/>
+          <p:cNvSpPr/>
+          <p:nvPr/>
+        </p:nvSpPr>
+        <p:spPr>
+          <a:xfrm>
+            <a:off x="3602911" y="3856909"/>
+            <a:ext cx="237744" cy="219456"/>
+          </a:xfrm>
+          <a:prstGeom prst="diamond">
+            <a:avLst/>
+          </a:prstGeom>
+          <a:solidFill>
+            <a:srgbClr val="92D050"/>
+          </a:solidFill>
+          <a:ln w="38100">
+            <a:solidFill>
+              <a:srgbClr val="92D050"/>
+            </a:solidFill>
+          </a:ln>
+        </p:spPr>
+        <p:style>
+          <a:lnRef idx="2">
+            <a:schemeClr val="accent1">
+              <a:shade val="50000"/>
+            </a:schemeClr>
+          </a:lnRef>
+          <a:fillRef idx="1">
+            <a:schemeClr val="accent1"/>
+          </a:fillRef>
+          <a:effectRef idx="0">
+            <a:schemeClr val="accent1"/>
+          </a:effectRef>
+          <a:fontRef idx="minor">
+            <a:schemeClr val="lt1"/>
+          </a:fontRef>
+        </p:style>
+        <p:txBody>
+          <a:bodyPr rtlCol="0" anchor="ctr"/>
+          <a:lstStyle/>
+          <a:p>
+            <a:pPr algn="ctr"/>
+            <a:endParaRPr lang="en-US"/>
+          </a:p>
+        </p:txBody>
+      </p:sp>
+      <p:sp>
+        <p:nvSpPr>
+          <p:cNvPr id="126" name="Diamond 125"/>
+          <p:cNvSpPr/>
+          <p:nvPr/>
+        </p:nvSpPr>
+        <p:spPr>
+          <a:xfrm>
+            <a:off x="4394010" y="3037335"/>
+            <a:ext cx="237744" cy="219456"/>
+          </a:xfrm>
+          <a:prstGeom prst="diamond">
+            <a:avLst/>
+          </a:prstGeom>
+          <a:solidFill>
+            <a:schemeClr val="accent6">
+              <a:lumMod val="75000"/>
+            </a:schemeClr>
+          </a:solidFill>
+          <a:ln w="38100">
+            <a:solidFill>
+              <a:schemeClr val="accent6">
+                <a:lumMod val="75000"/>
+              </a:schemeClr>
+            </a:solidFill>
+          </a:ln>
+        </p:spPr>
+        <p:style>
+          <a:lnRef idx="2">
+            <a:schemeClr val="accent1">
+              <a:shade val="50000"/>
+            </a:schemeClr>
+          </a:lnRef>
+          <a:fillRef idx="1">
+            <a:schemeClr val="accent1"/>
+          </a:fillRef>
+          <a:effectRef idx="0">
+            <a:schemeClr val="accent1"/>
+          </a:effectRef>
+          <a:fontRef idx="minor">
+            <a:schemeClr val="lt1"/>
+          </a:fontRef>
+        </p:style>
+        <p:txBody>
+          <a:bodyPr rtlCol="0" anchor="ctr"/>
+          <a:lstStyle/>
+          <a:p>
+            <a:pPr algn="ctr"/>
+            <a:endParaRPr lang="en-US"/>
+          </a:p>
+        </p:txBody>
+      </p:sp>
+      <p:sp>
+        <p:nvSpPr>
+          <p:cNvPr id="127" name="Diamond 126"/>
+          <p:cNvSpPr/>
+          <p:nvPr/>
+        </p:nvSpPr>
+        <p:spPr>
+          <a:xfrm>
+            <a:off x="4082600" y="2587849"/>
+            <a:ext cx="237744" cy="219456"/>
+          </a:xfrm>
+          <a:prstGeom prst="diamond">
+            <a:avLst/>
+          </a:prstGeom>
+          <a:solidFill>
+            <a:srgbClr val="F5A3E5"/>
+          </a:solidFill>
+          <a:ln w="38100">
+            <a:solidFill>
+              <a:srgbClr val="F5A3E5"/>
+            </a:solidFill>
+          </a:ln>
+        </p:spPr>
+        <p:style>
+          <a:lnRef idx="2">
+            <a:schemeClr val="accent1">
+              <a:shade val="50000"/>
+            </a:schemeClr>
+          </a:lnRef>
+          <a:fillRef idx="1">
+            <a:schemeClr val="accent1"/>
+          </a:fillRef>
+          <a:effectRef idx="0">
+            <a:schemeClr val="accent1"/>
+          </a:effectRef>
+          <a:fontRef idx="minor">
+            <a:schemeClr val="lt1"/>
+          </a:fontRef>
+        </p:style>
+        <p:txBody>
+          <a:bodyPr rtlCol="0" anchor="ctr"/>
+          <a:lstStyle/>
+          <a:p>
+            <a:pPr algn="ctr"/>
+            <a:endParaRPr lang="en-US"/>
+          </a:p>
+        </p:txBody>
+      </p:sp>
+      <p:sp>
+        <p:nvSpPr>
+          <p:cNvPr id="128" name="Rectangle 127"/>
+          <p:cNvSpPr/>
+          <p:nvPr/>
+        </p:nvSpPr>
+        <p:spPr>
+          <a:xfrm>
+            <a:off x="4326815" y="3540372"/>
+            <a:ext cx="164592" cy="153690"/>
+          </a:xfrm>
+          <a:prstGeom prst="rect">
+            <a:avLst/>
+          </a:prstGeom>
+          <a:noFill/>
+          <a:ln w="38100">
+            <a:solidFill>
+              <a:schemeClr val="accent1">
+                <a:lumMod val="75000"/>
+              </a:schemeClr>
+            </a:solidFill>
+          </a:ln>
+        </p:spPr>
+        <p:style>
+          <a:lnRef idx="2">
+            <a:schemeClr val="accent1">
+              <a:shade val="50000"/>
+            </a:schemeClr>
+          </a:lnRef>
+          <a:fillRef idx="1">
+            <a:schemeClr val="accent1"/>
+          </a:fillRef>
+          <a:effectRef idx="0">
+            <a:schemeClr val="accent1"/>
+          </a:effectRef>
+          <a:fontRef idx="minor">
+            <a:schemeClr val="lt1"/>
+          </a:fontRef>
+        </p:style>
+        <p:txBody>
+          <a:bodyPr rtlCol="0" anchor="ctr"/>
+          <a:lstStyle/>
+          <a:p>
+            <a:pPr algn="ctr"/>
+            <a:endParaRPr lang="en-US"/>
+          </a:p>
+        </p:txBody>
+      </p:sp>
+      <p:sp>
+        <p:nvSpPr>
+          <p:cNvPr id="129" name="Rectangle 128"/>
+          <p:cNvSpPr/>
+          <p:nvPr/>
+        </p:nvSpPr>
+        <p:spPr>
+          <a:xfrm>
+            <a:off x="4910701" y="2857623"/>
+            <a:ext cx="164592" cy="153690"/>
+          </a:xfrm>
+          <a:prstGeom prst="rect">
+            <a:avLst/>
+          </a:prstGeom>
+          <a:noFill/>
+          <a:ln w="38100">
+            <a:solidFill>
+              <a:schemeClr val="accent1">
+                <a:lumMod val="75000"/>
+              </a:schemeClr>
+            </a:solidFill>
+          </a:ln>
+        </p:spPr>
+        <p:style>
+          <a:lnRef idx="2">
+            <a:schemeClr val="accent1">
+              <a:shade val="50000"/>
+            </a:schemeClr>
+          </a:lnRef>
+          <a:fillRef idx="1">
+            <a:schemeClr val="accent1"/>
+          </a:fillRef>
+          <a:effectRef idx="0">
+            <a:schemeClr val="accent1"/>
+          </a:effectRef>
+          <a:fontRef idx="minor">
+            <a:schemeClr val="lt1"/>
+          </a:fontRef>
+        </p:style>
+        <p:txBody>
+          <a:bodyPr rtlCol="0" anchor="ctr"/>
+          <a:lstStyle/>
+          <a:p>
+            <a:pPr algn="ctr"/>
+            <a:endParaRPr lang="en-US"/>
+          </a:p>
+        </p:txBody>
+      </p:sp>
+      <p:sp>
+        <p:nvSpPr>
+          <p:cNvPr id="130" name="Diamond 129"/>
+          <p:cNvSpPr/>
+          <p:nvPr/>
+        </p:nvSpPr>
+        <p:spPr>
+          <a:xfrm>
+            <a:off x="3540622" y="3077879"/>
+            <a:ext cx="237744" cy="219456"/>
+          </a:xfrm>
+          <a:prstGeom prst="diamond">
+            <a:avLst/>
+          </a:prstGeom>
+          <a:solidFill>
+            <a:srgbClr val="00B0F0"/>
+          </a:solidFill>
+          <a:ln w="38100">
+            <a:solidFill>
+              <a:srgbClr val="00B0F0"/>
+            </a:solidFill>
+          </a:ln>
+        </p:spPr>
+        <p:style>
+          <a:lnRef idx="2">
+            <a:schemeClr val="accent1">
+              <a:shade val="50000"/>
+            </a:schemeClr>
+          </a:lnRef>
+          <a:fillRef idx="1">
+            <a:schemeClr val="accent1"/>
+          </a:fillRef>
+          <a:effectRef idx="0">
+            <a:schemeClr val="accent1"/>
+          </a:effectRef>
+          <a:fontRef idx="minor">
+            <a:schemeClr val="lt1"/>
+          </a:fontRef>
+        </p:style>
+        <p:txBody>
+          <a:bodyPr rtlCol="0" anchor="ctr"/>
+          <a:lstStyle/>
+          <a:p>
+            <a:pPr algn="ctr"/>
+            <a:endParaRPr lang="en-US"/>
+          </a:p>
+        </p:txBody>
+      </p:sp>
+      <p:sp>
+        <p:nvSpPr>
+          <p:cNvPr id="131" name="TextBox 130"/>
+          <p:cNvSpPr txBox="1"/>
+          <p:nvPr/>
+        </p:nvSpPr>
+        <p:spPr>
+          <a:xfrm rot="20741648">
+            <a:off x="632017" y="2671142"/>
+            <a:ext cx="1101852" cy="246221"/>
+          </a:xfrm>
+          <a:prstGeom prst="rect">
+            <a:avLst/>
+          </a:prstGeom>
+          <a:noFill/>
+        </p:spPr>
+        <p:txBody>
+          <a:bodyPr wrap="square" rtlCol="0">
+            <a:spAutoFit/>
+          </a:bodyPr>
+          <a:lstStyle/>
+          <a:p>
+            <a:r>
+              <a:rPr lang="en-US" sz="1000" dirty="0" smtClean="0"/>
+              <a:t>All species</a:t>
+            </a:r>
+            <a:endParaRPr lang="en-US" sz="1000" dirty="0"/>
+          </a:p>
+        </p:txBody>
+      </p:sp>
+      <p:sp>
+        <p:nvSpPr>
+          <p:cNvPr id="132" name="TextBox 131"/>
+          <p:cNvSpPr txBox="1"/>
+          <p:nvPr/>
+        </p:nvSpPr>
+        <p:spPr>
+          <a:xfrm rot="19292141">
+            <a:off x="544268" y="3232228"/>
+            <a:ext cx="1282191" cy="246221"/>
+          </a:xfrm>
+          <a:prstGeom prst="rect">
+            <a:avLst/>
+          </a:prstGeom>
+          <a:noFill/>
+        </p:spPr>
+        <p:txBody>
+          <a:bodyPr wrap="square" rtlCol="0">
+            <a:spAutoFit/>
+          </a:bodyPr>
+          <a:lstStyle/>
+          <a:p>
+            <a:r>
+              <a:rPr lang="en-US" sz="1000" dirty="0" smtClean="0"/>
+              <a:t>Excluding transients</a:t>
+            </a:r>
+            <a:endParaRPr lang="en-US" sz="1000" dirty="0"/>
+          </a:p>
+        </p:txBody>
+      </p:sp>
       <p:pic>
         <p:nvPicPr>
-          <p:cNvPr id="16" name="Picture 15"/>
+          <p:cNvPr id="133" name="Picture 132"/>
+          <p:cNvPicPr>
+            <a:picLocks noChangeAspect="1"/>
+          </p:cNvPicPr>
+          <p:nvPr/>
+        </p:nvPicPr>
+        <p:blipFill rotWithShape="1">
+          <a:blip r:embed="rId2"/>
+          <a:srcRect t="13288" b="5627"/>
+          <a:stretch/>
+        </p:blipFill>
+        <p:spPr>
+          <a:xfrm>
+            <a:off x="225537" y="163710"/>
+            <a:ext cx="2485443" cy="2047887"/>
+          </a:xfrm>
+          <a:prstGeom prst="rect">
+            <a:avLst/>
+          </a:prstGeom>
+        </p:spPr>
+      </p:pic>
+      <p:sp>
+        <p:nvSpPr>
+          <p:cNvPr id="134" name="TextBox 133"/>
+          <p:cNvSpPr txBox="1"/>
+          <p:nvPr/>
+        </p:nvSpPr>
+        <p:spPr>
+          <a:xfrm>
+            <a:off x="6022118" y="4544919"/>
+            <a:ext cx="2257335" cy="400110"/>
+          </a:xfrm>
+          <a:prstGeom prst="rect">
+            <a:avLst/>
+          </a:prstGeom>
+          <a:noFill/>
+        </p:spPr>
+        <p:txBody>
+          <a:bodyPr wrap="square" rtlCol="0">
+            <a:spAutoFit/>
+          </a:bodyPr>
+          <a:lstStyle/>
+          <a:p>
+            <a:r>
+              <a:rPr lang="en-US" sz="1000" dirty="0" smtClean="0"/>
+              <a:t>Open square = core,</a:t>
+            </a:r>
+          </a:p>
+          <a:p>
+            <a:r>
+              <a:rPr lang="en-US" sz="1000" dirty="0" smtClean="0"/>
+              <a:t>filled diamond/circle = transients</a:t>
+            </a:r>
+            <a:endParaRPr lang="en-US" sz="1000" dirty="0" smtClean="0"/>
+          </a:p>
+        </p:txBody>
+      </p:sp>
+      <p:pic>
+        <p:nvPicPr>
+          <p:cNvPr id="136" name="Picture 135"/>
           <p:cNvPicPr>
             <a:picLocks noChangeAspect="1"/>
           </p:cNvPicPr>
           <p:nvPr/>
         </p:nvPicPr>
         <p:blipFill>
-          <a:blip r:embed="rId2"/>
+          <a:blip r:embed="rId3"/>
           <a:stretch>
             <a:fillRect/>
           </a:stretch>
         </p:blipFill>
         <p:spPr>
           <a:xfrm>
-            <a:off x="3803991" y="125730"/>
-            <a:ext cx="3317355" cy="2087399"/>
+            <a:off x="3415913" y="319596"/>
+            <a:ext cx="2554822" cy="1909690"/>
           </a:xfrm>
           <a:prstGeom prst="rect">
             <a:avLst/>

--- a/output/plots/all_figs_with_legends.pptx
+++ b/output/plots/all_figs_with_legends.pptx
@@ -203,7 +203,7 @@
           <a:p>
             <a:fld id="{7FA21820-D199-4D82-91AF-C50B1D3B111A}" type="datetimeFigureOut">
               <a:rPr lang="en-US" smtClean="0"/>
-              <a:t>5/4/2017</a:t>
+              <a:t>5/8/2017</a:t>
             </a:fld>
             <a:endParaRPr lang="en-US"/>
           </a:p>
@@ -1036,7 +1036,7 @@
           <a:p>
             <a:fld id="{916B8C92-D5E3-4480-8685-D57BEE386DE2}" type="datetimeFigureOut">
               <a:rPr lang="en-US" smtClean="0"/>
-              <a:t>5/4/2017</a:t>
+              <a:t>5/8/2017</a:t>
             </a:fld>
             <a:endParaRPr lang="en-US"/>
           </a:p>
@@ -1206,7 +1206,7 @@
           <a:p>
             <a:fld id="{916B8C92-D5E3-4480-8685-D57BEE386DE2}" type="datetimeFigureOut">
               <a:rPr lang="en-US" smtClean="0"/>
-              <a:t>5/4/2017</a:t>
+              <a:t>5/8/2017</a:t>
             </a:fld>
             <a:endParaRPr lang="en-US"/>
           </a:p>
@@ -1386,7 +1386,7 @@
           <a:p>
             <a:fld id="{916B8C92-D5E3-4480-8685-D57BEE386DE2}" type="datetimeFigureOut">
               <a:rPr lang="en-US" smtClean="0"/>
-              <a:t>5/4/2017</a:t>
+              <a:t>5/8/2017</a:t>
             </a:fld>
             <a:endParaRPr lang="en-US"/>
           </a:p>
@@ -1556,7 +1556,7 @@
           <a:p>
             <a:fld id="{916B8C92-D5E3-4480-8685-D57BEE386DE2}" type="datetimeFigureOut">
               <a:rPr lang="en-US" smtClean="0"/>
-              <a:t>5/4/2017</a:t>
+              <a:t>5/8/2017</a:t>
             </a:fld>
             <a:endParaRPr lang="en-US"/>
           </a:p>
@@ -1802,7 +1802,7 @@
           <a:p>
             <a:fld id="{916B8C92-D5E3-4480-8685-D57BEE386DE2}" type="datetimeFigureOut">
               <a:rPr lang="en-US" smtClean="0"/>
-              <a:t>5/4/2017</a:t>
+              <a:t>5/8/2017</a:t>
             </a:fld>
             <a:endParaRPr lang="en-US"/>
           </a:p>
@@ -2034,7 +2034,7 @@
           <a:p>
             <a:fld id="{916B8C92-D5E3-4480-8685-D57BEE386DE2}" type="datetimeFigureOut">
               <a:rPr lang="en-US" smtClean="0"/>
-              <a:t>5/4/2017</a:t>
+              <a:t>5/8/2017</a:t>
             </a:fld>
             <a:endParaRPr lang="en-US"/>
           </a:p>
@@ -2401,7 +2401,7 @@
           <a:p>
             <a:fld id="{916B8C92-D5E3-4480-8685-D57BEE386DE2}" type="datetimeFigureOut">
               <a:rPr lang="en-US" smtClean="0"/>
-              <a:t>5/4/2017</a:t>
+              <a:t>5/8/2017</a:t>
             </a:fld>
             <a:endParaRPr lang="en-US"/>
           </a:p>
@@ -2519,7 +2519,7 @@
           <a:p>
             <a:fld id="{916B8C92-D5E3-4480-8685-D57BEE386DE2}" type="datetimeFigureOut">
               <a:rPr lang="en-US" smtClean="0"/>
-              <a:t>5/4/2017</a:t>
+              <a:t>5/8/2017</a:t>
             </a:fld>
             <a:endParaRPr lang="en-US"/>
           </a:p>
@@ -2614,7 +2614,7 @@
           <a:p>
             <a:fld id="{916B8C92-D5E3-4480-8685-D57BEE386DE2}" type="datetimeFigureOut">
               <a:rPr lang="en-US" smtClean="0"/>
-              <a:t>5/4/2017</a:t>
+              <a:t>5/8/2017</a:t>
             </a:fld>
             <a:endParaRPr lang="en-US"/>
           </a:p>
@@ -2891,7 +2891,7 @@
           <a:p>
             <a:fld id="{916B8C92-D5E3-4480-8685-D57BEE386DE2}" type="datetimeFigureOut">
               <a:rPr lang="en-US" smtClean="0"/>
-              <a:t>5/4/2017</a:t>
+              <a:t>5/8/2017</a:t>
             </a:fld>
             <a:endParaRPr lang="en-US"/>
           </a:p>
@@ -3144,7 +3144,7 @@
           <a:p>
             <a:fld id="{916B8C92-D5E3-4480-8685-D57BEE386DE2}" type="datetimeFigureOut">
               <a:rPr lang="en-US" smtClean="0"/>
-              <a:t>5/4/2017</a:t>
+              <a:t>5/8/2017</a:t>
             </a:fld>
             <a:endParaRPr lang="en-US"/>
           </a:p>
@@ -3357,7 +3357,7 @@
           <a:p>
             <a:fld id="{916B8C92-D5E3-4480-8685-D57BEE386DE2}" type="datetimeFigureOut">
               <a:rPr lang="en-US" smtClean="0"/>
-              <a:t>5/4/2017</a:t>
+              <a:t>5/8/2017</a:t>
             </a:fld>
             <a:endParaRPr lang="en-US"/>
           </a:p>
@@ -5025,54 +5025,6 @@
       </p:sp>
       <p:sp>
         <p:nvSpPr>
-          <p:cNvPr id="44" name="Rectangle 43"/>
-          <p:cNvSpPr/>
-          <p:nvPr/>
-        </p:nvSpPr>
-        <p:spPr>
-          <a:xfrm>
-            <a:off x="2053285" y="4627772"/>
-            <a:ext cx="164592" cy="153690"/>
-          </a:xfrm>
-          <a:prstGeom prst="rect">
-            <a:avLst/>
-          </a:prstGeom>
-          <a:noFill/>
-          <a:ln w="38100">
-            <a:solidFill>
-              <a:schemeClr val="accent1">
-                <a:lumMod val="75000"/>
-              </a:schemeClr>
-            </a:solidFill>
-          </a:ln>
-        </p:spPr>
-        <p:style>
-          <a:lnRef idx="2">
-            <a:schemeClr val="accent1">
-              <a:shade val="50000"/>
-            </a:schemeClr>
-          </a:lnRef>
-          <a:fillRef idx="1">
-            <a:schemeClr val="accent1"/>
-          </a:fillRef>
-          <a:effectRef idx="0">
-            <a:schemeClr val="accent1"/>
-          </a:effectRef>
-          <a:fontRef idx="minor">
-            <a:schemeClr val="lt1"/>
-          </a:fontRef>
-        </p:style>
-        <p:txBody>
-          <a:bodyPr rtlCol="0" anchor="ctr"/>
-          <a:lstStyle/>
-          <a:p>
-            <a:pPr algn="ctr"/>
-            <a:endParaRPr lang="en-US"/>
-          </a:p>
-        </p:txBody>
-      </p:sp>
-      <p:sp>
-        <p:nvSpPr>
           <p:cNvPr id="46" name="TextBox 45"/>
           <p:cNvSpPr txBox="1"/>
           <p:nvPr/>
@@ -5099,7 +5051,7 @@
             </a:r>
             <a:r>
               <a:rPr lang="en-US" dirty="0" smtClean="0"/>
-              <a:t>7</a:t>
+              <a:t>5</a:t>
             </a:r>
             <a:endParaRPr lang="en-US" dirty="0"/>
           </a:p>
@@ -5133,7 +5085,7 @@
             </a:r>
             <a:r>
               <a:rPr lang="en-US" dirty="0" smtClean="0"/>
-              <a:t>7</a:t>
+              <a:t>5</a:t>
             </a:r>
             <a:endParaRPr lang="en-US" dirty="0"/>
           </a:p>
@@ -5927,21 +5879,13 @@
             </a:r>
             <a:r>
               <a:rPr lang="en-US" sz="1000" dirty="0" smtClean="0"/>
-              <a:t> </a:t>
-            </a:r>
+              <a:t> =3</a:t>
+            </a:r>
+          </a:p>
+          <a:p>
             <a:r>
               <a:rPr lang="en-US" sz="1000" dirty="0" smtClean="0"/>
-              <a:t>=3</a:t>
-            </a:r>
-          </a:p>
-          <a:p>
-            <a:r>
-              <a:rPr lang="en-US" sz="1000" dirty="0" smtClean="0"/>
-              <a:t>Box 4: </a:t>
-            </a:r>
-            <a:r>
-              <a:rPr lang="en-US" sz="1000" dirty="0" smtClean="0"/>
-              <a:t># </a:t>
+              <a:t>Box 4: # </a:t>
             </a:r>
             <a:r>
               <a:rPr lang="en-US" sz="1000" dirty="0" err="1" smtClean="0"/>
@@ -6287,16 +6231,782 @@
       </p:sp>
       <p:sp>
         <p:nvSpPr>
-          <p:cNvPr id="49" name="Rectangle 48"/>
+          <p:cNvPr id="131" name="TextBox 130"/>
+          <p:cNvSpPr txBox="1"/>
+          <p:nvPr/>
+        </p:nvSpPr>
+        <p:spPr>
+          <a:xfrm rot="20741648">
+            <a:off x="632017" y="2671142"/>
+            <a:ext cx="1101852" cy="246221"/>
+          </a:xfrm>
+          <a:prstGeom prst="rect">
+            <a:avLst/>
+          </a:prstGeom>
+          <a:noFill/>
+        </p:spPr>
+        <p:txBody>
+          <a:bodyPr wrap="square" rtlCol="0">
+            <a:spAutoFit/>
+          </a:bodyPr>
+          <a:lstStyle/>
+          <a:p>
+            <a:r>
+              <a:rPr lang="en-US" sz="1000" dirty="0" smtClean="0"/>
+              <a:t>All species</a:t>
+            </a:r>
+            <a:endParaRPr lang="en-US" sz="1000" dirty="0"/>
+          </a:p>
+        </p:txBody>
+      </p:sp>
+      <p:sp>
+        <p:nvSpPr>
+          <p:cNvPr id="132" name="TextBox 131"/>
+          <p:cNvSpPr txBox="1"/>
+          <p:nvPr/>
+        </p:nvSpPr>
+        <p:spPr>
+          <a:xfrm rot="19292141">
+            <a:off x="544268" y="3232228"/>
+            <a:ext cx="1282191" cy="246221"/>
+          </a:xfrm>
+          <a:prstGeom prst="rect">
+            <a:avLst/>
+          </a:prstGeom>
+          <a:noFill/>
+        </p:spPr>
+        <p:txBody>
+          <a:bodyPr wrap="square" rtlCol="0">
+            <a:spAutoFit/>
+          </a:bodyPr>
+          <a:lstStyle/>
+          <a:p>
+            <a:r>
+              <a:rPr lang="en-US" sz="1000" dirty="0" smtClean="0"/>
+              <a:t>Excluding transients</a:t>
+            </a:r>
+            <a:endParaRPr lang="en-US" sz="1000" dirty="0"/>
+          </a:p>
+        </p:txBody>
+      </p:sp>
+      <p:pic>
+        <p:nvPicPr>
+          <p:cNvPr id="133" name="Picture 132"/>
+          <p:cNvPicPr>
+            <a:picLocks noChangeAspect="1"/>
+          </p:cNvPicPr>
+          <p:nvPr/>
+        </p:nvPicPr>
+        <p:blipFill rotWithShape="1">
+          <a:blip r:embed="rId2"/>
+          <a:srcRect t="13288" b="5627"/>
+          <a:stretch/>
+        </p:blipFill>
+        <p:spPr>
+          <a:xfrm>
+            <a:off x="225537" y="163710"/>
+            <a:ext cx="2485443" cy="2047887"/>
+          </a:xfrm>
+          <a:prstGeom prst="rect">
+            <a:avLst/>
+          </a:prstGeom>
+        </p:spPr>
+      </p:pic>
+      <p:sp>
+        <p:nvSpPr>
+          <p:cNvPr id="134" name="TextBox 133"/>
+          <p:cNvSpPr txBox="1"/>
+          <p:nvPr/>
+        </p:nvSpPr>
+        <p:spPr>
+          <a:xfrm>
+            <a:off x="6022118" y="4544919"/>
+            <a:ext cx="2257335" cy="400110"/>
+          </a:xfrm>
+          <a:prstGeom prst="rect">
+            <a:avLst/>
+          </a:prstGeom>
+          <a:noFill/>
+        </p:spPr>
+        <p:txBody>
+          <a:bodyPr wrap="square" rtlCol="0">
+            <a:spAutoFit/>
+          </a:bodyPr>
+          <a:lstStyle/>
+          <a:p>
+            <a:r>
+              <a:rPr lang="en-US" sz="1000" dirty="0" smtClean="0"/>
+              <a:t>Open square = core,</a:t>
+            </a:r>
+          </a:p>
+          <a:p>
+            <a:r>
+              <a:rPr lang="en-US" sz="1000" dirty="0" smtClean="0"/>
+              <a:t>filled diamond/circle = transients</a:t>
+            </a:r>
+          </a:p>
+        </p:txBody>
+      </p:sp>
+      <p:pic>
+        <p:nvPicPr>
+          <p:cNvPr id="3" name="Picture 2"/>
+          <p:cNvPicPr>
+            <a:picLocks noChangeAspect="1"/>
+          </p:cNvPicPr>
+          <p:nvPr/>
+        </p:nvPicPr>
+        <p:blipFill>
+          <a:blip r:embed="rId3"/>
+          <a:stretch>
+            <a:fillRect/>
+          </a:stretch>
+        </p:blipFill>
+        <p:spPr>
+          <a:xfrm>
+            <a:off x="3415913" y="327224"/>
+            <a:ext cx="2553783" cy="1689043"/>
+          </a:xfrm>
+          <a:prstGeom prst="rect">
+            <a:avLst/>
+          </a:prstGeom>
+        </p:spPr>
+      </p:pic>
+      <p:sp>
+        <p:nvSpPr>
+          <p:cNvPr id="73" name="Diamond 72"/>
           <p:cNvSpPr/>
           <p:nvPr/>
         </p:nvSpPr>
         <p:spPr>
           <a:xfrm>
-            <a:off x="2165203" y="6244563"/>
+            <a:off x="1093471" y="5410930"/>
+            <a:ext cx="237744" cy="219456"/>
+          </a:xfrm>
+          <a:prstGeom prst="diamond">
+            <a:avLst/>
+          </a:prstGeom>
+          <a:solidFill>
+            <a:schemeClr val="accent1">
+              <a:lumMod val="75000"/>
+            </a:schemeClr>
+          </a:solidFill>
+          <a:ln w="38100">
+            <a:solidFill>
+              <a:schemeClr val="accent1">
+                <a:lumMod val="75000"/>
+              </a:schemeClr>
+            </a:solidFill>
+          </a:ln>
+        </p:spPr>
+        <p:style>
+          <a:lnRef idx="2">
+            <a:schemeClr val="accent1">
+              <a:shade val="50000"/>
+            </a:schemeClr>
+          </a:lnRef>
+          <a:fillRef idx="1">
+            <a:schemeClr val="accent1"/>
+          </a:fillRef>
+          <a:effectRef idx="0">
+            <a:schemeClr val="accent1"/>
+          </a:effectRef>
+          <a:fontRef idx="minor">
+            <a:schemeClr val="lt1"/>
+          </a:fontRef>
+        </p:style>
+        <p:txBody>
+          <a:bodyPr rtlCol="0" anchor="ctr"/>
+          <a:lstStyle/>
+          <a:p>
+            <a:pPr algn="ctr"/>
+            <a:endParaRPr lang="en-US"/>
+          </a:p>
+        </p:txBody>
+      </p:sp>
+      <p:sp>
+        <p:nvSpPr>
+          <p:cNvPr id="74" name="Rectangle 73"/>
+          <p:cNvSpPr/>
+          <p:nvPr/>
+        </p:nvSpPr>
+        <p:spPr>
+          <a:xfrm>
+            <a:off x="1710862" y="5777729"/>
             <a:ext cx="164592" cy="153690"/>
           </a:xfrm>
           <a:prstGeom prst="rect">
+            <a:avLst/>
+          </a:prstGeom>
+          <a:solidFill>
+            <a:schemeClr val="accent1">
+              <a:lumMod val="75000"/>
+            </a:schemeClr>
+          </a:solidFill>
+          <a:ln w="38100">
+            <a:solidFill>
+              <a:schemeClr val="accent1">
+                <a:lumMod val="75000"/>
+              </a:schemeClr>
+            </a:solidFill>
+          </a:ln>
+        </p:spPr>
+        <p:style>
+          <a:lnRef idx="2">
+            <a:schemeClr val="accent1">
+              <a:shade val="50000"/>
+            </a:schemeClr>
+          </a:lnRef>
+          <a:fillRef idx="1">
+            <a:schemeClr val="accent1"/>
+          </a:fillRef>
+          <a:effectRef idx="0">
+            <a:schemeClr val="accent1"/>
+          </a:effectRef>
+          <a:fontRef idx="minor">
+            <a:schemeClr val="lt1"/>
+          </a:fontRef>
+        </p:style>
+        <p:txBody>
+          <a:bodyPr rtlCol="0" anchor="ctr"/>
+          <a:lstStyle/>
+          <a:p>
+            <a:pPr algn="ctr"/>
+            <a:endParaRPr lang="en-US"/>
+          </a:p>
+        </p:txBody>
+      </p:sp>
+      <p:sp>
+        <p:nvSpPr>
+          <p:cNvPr id="75" name="Oval 74"/>
+          <p:cNvSpPr/>
+          <p:nvPr/>
+        </p:nvSpPr>
+        <p:spPr>
+          <a:xfrm>
+            <a:off x="2004561" y="4686983"/>
+            <a:ext cx="174451" cy="183765"/>
+          </a:xfrm>
+          <a:prstGeom prst="ellipse">
+            <a:avLst/>
+          </a:prstGeom>
+          <a:solidFill>
+            <a:schemeClr val="accent1">
+              <a:lumMod val="75000"/>
+            </a:schemeClr>
+          </a:solidFill>
+          <a:ln w="38100">
+            <a:solidFill>
+              <a:schemeClr val="accent1">
+                <a:lumMod val="75000"/>
+              </a:schemeClr>
+            </a:solidFill>
+          </a:ln>
+        </p:spPr>
+        <p:style>
+          <a:lnRef idx="2">
+            <a:schemeClr val="accent1">
+              <a:shade val="50000"/>
+            </a:schemeClr>
+          </a:lnRef>
+          <a:fillRef idx="1">
+            <a:schemeClr val="accent1"/>
+          </a:fillRef>
+          <a:effectRef idx="0">
+            <a:schemeClr val="accent1"/>
+          </a:effectRef>
+          <a:fontRef idx="minor">
+            <a:schemeClr val="lt1"/>
+          </a:fontRef>
+        </p:style>
+        <p:txBody>
+          <a:bodyPr rtlCol="0" anchor="ctr"/>
+          <a:lstStyle/>
+          <a:p>
+            <a:pPr algn="ctr"/>
+            <a:endParaRPr lang="en-US"/>
+          </a:p>
+        </p:txBody>
+      </p:sp>
+      <p:sp>
+        <p:nvSpPr>
+          <p:cNvPr id="78" name="Isosceles Triangle 77"/>
+          <p:cNvSpPr/>
+          <p:nvPr/>
+        </p:nvSpPr>
+        <p:spPr>
+          <a:xfrm>
+            <a:off x="519916" y="4693472"/>
+            <a:ext cx="180669" cy="170788"/>
+          </a:xfrm>
+          <a:prstGeom prst="triangle">
+            <a:avLst/>
+          </a:prstGeom>
+          <a:solidFill>
+            <a:schemeClr val="accent1">
+              <a:lumMod val="75000"/>
+            </a:schemeClr>
+          </a:solidFill>
+          <a:ln w="38100">
+            <a:solidFill>
+              <a:schemeClr val="accent1">
+                <a:lumMod val="75000"/>
+              </a:schemeClr>
+            </a:solidFill>
+          </a:ln>
+        </p:spPr>
+        <p:style>
+          <a:lnRef idx="2">
+            <a:schemeClr val="accent1">
+              <a:shade val="50000"/>
+            </a:schemeClr>
+          </a:lnRef>
+          <a:fillRef idx="1">
+            <a:schemeClr val="accent1"/>
+          </a:fillRef>
+          <a:effectRef idx="0">
+            <a:schemeClr val="accent1"/>
+          </a:effectRef>
+          <a:fontRef idx="minor">
+            <a:schemeClr val="lt1"/>
+          </a:fontRef>
+        </p:style>
+        <p:txBody>
+          <a:bodyPr rtlCol="0" anchor="ctr"/>
+          <a:lstStyle/>
+          <a:p>
+            <a:pPr algn="ctr"/>
+            <a:endParaRPr lang="en-US"/>
+          </a:p>
+        </p:txBody>
+      </p:sp>
+      <p:sp>
+        <p:nvSpPr>
+          <p:cNvPr id="80" name="5-Point Star 79"/>
+          <p:cNvSpPr/>
+          <p:nvPr/>
+        </p:nvSpPr>
+        <p:spPr>
+          <a:xfrm>
+            <a:off x="528915" y="6245119"/>
+            <a:ext cx="222222" cy="187270"/>
+          </a:xfrm>
+          <a:prstGeom prst="star5">
+            <a:avLst/>
+          </a:prstGeom>
+          <a:solidFill>
+            <a:schemeClr val="accent1">
+              <a:lumMod val="75000"/>
+            </a:schemeClr>
+          </a:solidFill>
+          <a:ln w="28575">
+            <a:solidFill>
+              <a:schemeClr val="accent1">
+                <a:lumMod val="75000"/>
+              </a:schemeClr>
+            </a:solidFill>
+          </a:ln>
+        </p:spPr>
+        <p:style>
+          <a:lnRef idx="2">
+            <a:schemeClr val="accent1">
+              <a:shade val="50000"/>
+            </a:schemeClr>
+          </a:lnRef>
+          <a:fillRef idx="1">
+            <a:schemeClr val="accent1"/>
+          </a:fillRef>
+          <a:effectRef idx="0">
+            <a:schemeClr val="accent1"/>
+          </a:effectRef>
+          <a:fontRef idx="minor">
+            <a:schemeClr val="lt1"/>
+          </a:fontRef>
+        </p:style>
+        <p:txBody>
+          <a:bodyPr rtlCol="0" anchor="ctr"/>
+          <a:lstStyle/>
+          <a:p>
+            <a:pPr algn="ctr"/>
+            <a:endParaRPr lang="en-US"/>
+          </a:p>
+        </p:txBody>
+      </p:sp>
+      <p:sp>
+        <p:nvSpPr>
+          <p:cNvPr id="82" name="Regular Pentagon 81"/>
+          <p:cNvSpPr/>
+          <p:nvPr/>
+        </p:nvSpPr>
+        <p:spPr>
+          <a:xfrm>
+            <a:off x="1996963" y="6114671"/>
+            <a:ext cx="227701" cy="214650"/>
+          </a:xfrm>
+          <a:prstGeom prst="pentagon">
+            <a:avLst/>
+          </a:prstGeom>
+          <a:solidFill>
+            <a:schemeClr val="accent1">
+              <a:lumMod val="75000"/>
+            </a:schemeClr>
+          </a:solidFill>
+          <a:ln w="38100">
+            <a:solidFill>
+              <a:schemeClr val="accent1">
+                <a:lumMod val="75000"/>
+              </a:schemeClr>
+            </a:solidFill>
+          </a:ln>
+        </p:spPr>
+        <p:style>
+          <a:lnRef idx="2">
+            <a:schemeClr val="accent1">
+              <a:shade val="50000"/>
+            </a:schemeClr>
+          </a:lnRef>
+          <a:fillRef idx="1">
+            <a:schemeClr val="accent1"/>
+          </a:fillRef>
+          <a:effectRef idx="0">
+            <a:schemeClr val="accent1"/>
+          </a:effectRef>
+          <a:fontRef idx="minor">
+            <a:schemeClr val="lt1"/>
+          </a:fontRef>
+        </p:style>
+        <p:txBody>
+          <a:bodyPr rtlCol="0" anchor="ctr"/>
+          <a:lstStyle/>
+          <a:p>
+            <a:pPr algn="ctr"/>
+            <a:endParaRPr lang="en-US"/>
+          </a:p>
+        </p:txBody>
+      </p:sp>
+      <p:sp>
+        <p:nvSpPr>
+          <p:cNvPr id="86" name="Diamond 85"/>
+          <p:cNvSpPr/>
+          <p:nvPr/>
+        </p:nvSpPr>
+        <p:spPr>
+          <a:xfrm>
+            <a:off x="4335319" y="5382841"/>
+            <a:ext cx="237744" cy="219456"/>
+          </a:xfrm>
+          <a:prstGeom prst="diamond">
+            <a:avLst/>
+          </a:prstGeom>
+          <a:solidFill>
+            <a:schemeClr val="accent1">
+              <a:lumMod val="75000"/>
+            </a:schemeClr>
+          </a:solidFill>
+          <a:ln w="38100">
+            <a:solidFill>
+              <a:schemeClr val="accent1">
+                <a:lumMod val="75000"/>
+              </a:schemeClr>
+            </a:solidFill>
+          </a:ln>
+        </p:spPr>
+        <p:style>
+          <a:lnRef idx="2">
+            <a:schemeClr val="accent1">
+              <a:shade val="50000"/>
+            </a:schemeClr>
+          </a:lnRef>
+          <a:fillRef idx="1">
+            <a:schemeClr val="accent1"/>
+          </a:fillRef>
+          <a:effectRef idx="0">
+            <a:schemeClr val="accent1"/>
+          </a:effectRef>
+          <a:fontRef idx="minor">
+            <a:schemeClr val="lt1"/>
+          </a:fontRef>
+        </p:style>
+        <p:txBody>
+          <a:bodyPr rtlCol="0" anchor="ctr"/>
+          <a:lstStyle/>
+          <a:p>
+            <a:pPr algn="ctr"/>
+            <a:endParaRPr lang="en-US"/>
+          </a:p>
+        </p:txBody>
+      </p:sp>
+      <p:sp>
+        <p:nvSpPr>
+          <p:cNvPr id="87" name="Rectangle 86"/>
+          <p:cNvSpPr/>
+          <p:nvPr/>
+        </p:nvSpPr>
+        <p:spPr>
+          <a:xfrm>
+            <a:off x="4968121" y="5777729"/>
+            <a:ext cx="164592" cy="153690"/>
+          </a:xfrm>
+          <a:prstGeom prst="rect">
+            <a:avLst/>
+          </a:prstGeom>
+          <a:solidFill>
+            <a:schemeClr val="accent1">
+              <a:lumMod val="75000"/>
+            </a:schemeClr>
+          </a:solidFill>
+          <a:ln w="38100">
+            <a:solidFill>
+              <a:schemeClr val="accent1">
+                <a:lumMod val="75000"/>
+              </a:schemeClr>
+            </a:solidFill>
+          </a:ln>
+        </p:spPr>
+        <p:style>
+          <a:lnRef idx="2">
+            <a:schemeClr val="accent1">
+              <a:shade val="50000"/>
+            </a:schemeClr>
+          </a:lnRef>
+          <a:fillRef idx="1">
+            <a:schemeClr val="accent1"/>
+          </a:fillRef>
+          <a:effectRef idx="0">
+            <a:schemeClr val="accent1"/>
+          </a:effectRef>
+          <a:fontRef idx="minor">
+            <a:schemeClr val="lt1"/>
+          </a:fontRef>
+        </p:style>
+        <p:txBody>
+          <a:bodyPr rtlCol="0" anchor="ctr"/>
+          <a:lstStyle/>
+          <a:p>
+            <a:pPr algn="ctr"/>
+            <a:endParaRPr lang="en-US"/>
+          </a:p>
+        </p:txBody>
+      </p:sp>
+      <p:sp>
+        <p:nvSpPr>
+          <p:cNvPr id="88" name="Oval 87"/>
+          <p:cNvSpPr/>
+          <p:nvPr/>
+        </p:nvSpPr>
+        <p:spPr>
+          <a:xfrm>
+            <a:off x="5266491" y="4685590"/>
+            <a:ext cx="174451" cy="183765"/>
+          </a:xfrm>
+          <a:prstGeom prst="ellipse">
+            <a:avLst/>
+          </a:prstGeom>
+          <a:solidFill>
+            <a:schemeClr val="accent1">
+              <a:lumMod val="75000"/>
+            </a:schemeClr>
+          </a:solidFill>
+          <a:ln w="38100">
+            <a:solidFill>
+              <a:schemeClr val="accent1">
+                <a:lumMod val="75000"/>
+              </a:schemeClr>
+            </a:solidFill>
+          </a:ln>
+        </p:spPr>
+        <p:style>
+          <a:lnRef idx="2">
+            <a:schemeClr val="accent1">
+              <a:shade val="50000"/>
+            </a:schemeClr>
+          </a:lnRef>
+          <a:fillRef idx="1">
+            <a:schemeClr val="accent1"/>
+          </a:fillRef>
+          <a:effectRef idx="0">
+            <a:schemeClr val="accent1"/>
+          </a:effectRef>
+          <a:fontRef idx="minor">
+            <a:schemeClr val="lt1"/>
+          </a:fontRef>
+        </p:style>
+        <p:txBody>
+          <a:bodyPr rtlCol="0" anchor="ctr"/>
+          <a:lstStyle/>
+          <a:p>
+            <a:pPr algn="ctr"/>
+            <a:endParaRPr lang="en-US"/>
+          </a:p>
+        </p:txBody>
+      </p:sp>
+      <p:sp>
+        <p:nvSpPr>
+          <p:cNvPr id="89" name="Isosceles Triangle 88"/>
+          <p:cNvSpPr/>
+          <p:nvPr/>
+        </p:nvSpPr>
+        <p:spPr>
+          <a:xfrm>
+            <a:off x="3761764" y="4665383"/>
+            <a:ext cx="180669" cy="170788"/>
+          </a:xfrm>
+          <a:prstGeom prst="triangle">
+            <a:avLst/>
+          </a:prstGeom>
+          <a:solidFill>
+            <a:schemeClr val="accent1">
+              <a:lumMod val="75000"/>
+            </a:schemeClr>
+          </a:solidFill>
+          <a:ln w="38100">
+            <a:solidFill>
+              <a:schemeClr val="accent1">
+                <a:lumMod val="75000"/>
+              </a:schemeClr>
+            </a:solidFill>
+          </a:ln>
+        </p:spPr>
+        <p:style>
+          <a:lnRef idx="2">
+            <a:schemeClr val="accent1">
+              <a:shade val="50000"/>
+            </a:schemeClr>
+          </a:lnRef>
+          <a:fillRef idx="1">
+            <a:schemeClr val="accent1"/>
+          </a:fillRef>
+          <a:effectRef idx="0">
+            <a:schemeClr val="accent1"/>
+          </a:effectRef>
+          <a:fontRef idx="minor">
+            <a:schemeClr val="lt1"/>
+          </a:fontRef>
+        </p:style>
+        <p:txBody>
+          <a:bodyPr rtlCol="0" anchor="ctr"/>
+          <a:lstStyle/>
+          <a:p>
+            <a:pPr algn="ctr"/>
+            <a:endParaRPr lang="en-US"/>
+          </a:p>
+        </p:txBody>
+      </p:sp>
+      <p:sp>
+        <p:nvSpPr>
+          <p:cNvPr id="90" name="5-Point Star 89"/>
+          <p:cNvSpPr/>
+          <p:nvPr/>
+        </p:nvSpPr>
+        <p:spPr>
+          <a:xfrm>
+            <a:off x="3770763" y="6217030"/>
+            <a:ext cx="222222" cy="187270"/>
+          </a:xfrm>
+          <a:prstGeom prst="star5">
+            <a:avLst/>
+          </a:prstGeom>
+          <a:solidFill>
+            <a:schemeClr val="accent1">
+              <a:lumMod val="75000"/>
+            </a:schemeClr>
+          </a:solidFill>
+          <a:ln w="28575">
+            <a:solidFill>
+              <a:schemeClr val="accent1">
+                <a:lumMod val="75000"/>
+              </a:schemeClr>
+            </a:solidFill>
+          </a:ln>
+        </p:spPr>
+        <p:style>
+          <a:lnRef idx="2">
+            <a:schemeClr val="accent1">
+              <a:shade val="50000"/>
+            </a:schemeClr>
+          </a:lnRef>
+          <a:fillRef idx="1">
+            <a:schemeClr val="accent1"/>
+          </a:fillRef>
+          <a:effectRef idx="0">
+            <a:schemeClr val="accent1"/>
+          </a:effectRef>
+          <a:fontRef idx="minor">
+            <a:schemeClr val="lt1"/>
+          </a:fontRef>
+        </p:style>
+        <p:txBody>
+          <a:bodyPr rtlCol="0" anchor="ctr"/>
+          <a:lstStyle/>
+          <a:p>
+            <a:pPr algn="ctr"/>
+            <a:endParaRPr lang="en-US"/>
+          </a:p>
+        </p:txBody>
+      </p:sp>
+      <p:sp>
+        <p:nvSpPr>
+          <p:cNvPr id="91" name="Regular Pentagon 90"/>
+          <p:cNvSpPr/>
+          <p:nvPr/>
+        </p:nvSpPr>
+        <p:spPr>
+          <a:xfrm>
+            <a:off x="5238811" y="6086582"/>
+            <a:ext cx="227701" cy="214650"/>
+          </a:xfrm>
+          <a:prstGeom prst="pentagon">
+            <a:avLst/>
+          </a:prstGeom>
+          <a:solidFill>
+            <a:schemeClr val="accent1">
+              <a:lumMod val="75000"/>
+            </a:schemeClr>
+          </a:solidFill>
+          <a:ln w="38100">
+            <a:solidFill>
+              <a:schemeClr val="accent1">
+                <a:lumMod val="75000"/>
+              </a:schemeClr>
+            </a:solidFill>
+          </a:ln>
+        </p:spPr>
+        <p:style>
+          <a:lnRef idx="2">
+            <a:schemeClr val="accent1">
+              <a:shade val="50000"/>
+            </a:schemeClr>
+          </a:lnRef>
+          <a:fillRef idx="1">
+            <a:schemeClr val="accent1"/>
+          </a:fillRef>
+          <a:effectRef idx="0">
+            <a:schemeClr val="accent1"/>
+          </a:effectRef>
+          <a:fontRef idx="minor">
+            <a:schemeClr val="lt1"/>
+          </a:fontRef>
+        </p:style>
+        <p:txBody>
+          <a:bodyPr rtlCol="0" anchor="ctr"/>
+          <a:lstStyle/>
+          <a:p>
+            <a:pPr algn="ctr"/>
+            <a:endParaRPr lang="en-US"/>
+          </a:p>
+        </p:txBody>
+      </p:sp>
+      <p:sp>
+        <p:nvSpPr>
+          <p:cNvPr id="16" name="Cross 15"/>
+          <p:cNvSpPr/>
+          <p:nvPr/>
+        </p:nvSpPr>
+        <p:spPr>
+          <a:xfrm>
+            <a:off x="2072504" y="5223845"/>
+            <a:ext cx="254081" cy="212255"/>
+          </a:xfrm>
+          <a:prstGeom prst="plus">
             <a:avLst/>
           </a:prstGeom>
           <a:noFill/>
@@ -6335,16 +7045,16 @@
       </p:sp>
       <p:sp>
         <p:nvSpPr>
-          <p:cNvPr id="63" name="Rectangle 62"/>
+          <p:cNvPr id="17" name="Right Triangle 16"/>
           <p:cNvSpPr/>
           <p:nvPr/>
         </p:nvSpPr>
         <p:spPr>
           <a:xfrm>
-            <a:off x="754539" y="6277319"/>
-            <a:ext cx="164592" cy="153690"/>
+            <a:off x="657232" y="5777729"/>
+            <a:ext cx="212183" cy="184569"/>
           </a:xfrm>
-          <a:prstGeom prst="rect">
+          <a:prstGeom prst="rtTriangle">
             <a:avLst/>
           </a:prstGeom>
           <a:noFill/>
@@ -6383,64 +7093,16 @@
       </p:sp>
       <p:sp>
         <p:nvSpPr>
-          <p:cNvPr id="64" name="Diamond 63"/>
+          <p:cNvPr id="18" name="Parallelogram 17"/>
           <p:cNvSpPr/>
           <p:nvPr/>
         </p:nvSpPr>
         <p:spPr>
           <a:xfrm>
-            <a:off x="2224924" y="5534290"/>
-            <a:ext cx="237744" cy="219456"/>
+            <a:off x="1020475" y="4817703"/>
+            <a:ext cx="281363" cy="160133"/>
           </a:xfrm>
-          <a:prstGeom prst="diamond">
-            <a:avLst/>
-          </a:prstGeom>
-          <a:solidFill>
-            <a:srgbClr val="FF0000"/>
-          </a:solidFill>
-          <a:ln w="38100">
-            <a:solidFill>
-              <a:srgbClr val="FF0000"/>
-            </a:solidFill>
-          </a:ln>
-        </p:spPr>
-        <p:style>
-          <a:lnRef idx="2">
-            <a:schemeClr val="accent1">
-              <a:shade val="50000"/>
-            </a:schemeClr>
-          </a:lnRef>
-          <a:fillRef idx="1">
-            <a:schemeClr val="accent1"/>
-          </a:fillRef>
-          <a:effectRef idx="0">
-            <a:schemeClr val="accent1"/>
-          </a:effectRef>
-          <a:fontRef idx="minor">
-            <a:schemeClr val="lt1"/>
-          </a:fontRef>
-        </p:style>
-        <p:txBody>
-          <a:bodyPr rtlCol="0" anchor="ctr"/>
-          <a:lstStyle/>
-          <a:p>
-            <a:pPr algn="ctr"/>
-            <a:endParaRPr lang="en-US"/>
-          </a:p>
-        </p:txBody>
-      </p:sp>
-      <p:sp>
-        <p:nvSpPr>
-          <p:cNvPr id="65" name="Rectangle 64"/>
-          <p:cNvSpPr/>
-          <p:nvPr/>
-        </p:nvSpPr>
-        <p:spPr>
-          <a:xfrm>
-            <a:off x="1710862" y="5983036"/>
-            <a:ext cx="164592" cy="153690"/>
-          </a:xfrm>
-          <a:prstGeom prst="rect">
+          <a:prstGeom prst="parallelogram">
             <a:avLst/>
           </a:prstGeom>
           <a:noFill/>
@@ -6479,212 +7141,16 @@
       </p:sp>
       <p:sp>
         <p:nvSpPr>
-          <p:cNvPr id="66" name="Diamond 65"/>
+          <p:cNvPr id="19" name="Hexagon 18"/>
           <p:cNvSpPr/>
           <p:nvPr/>
         </p:nvSpPr>
         <p:spPr>
           <a:xfrm>
-            <a:off x="1110996" y="6054004"/>
-            <a:ext cx="237744" cy="219456"/>
+            <a:off x="4531033" y="4721915"/>
+            <a:ext cx="237744" cy="216145"/>
           </a:xfrm>
-          <a:prstGeom prst="diamond">
-            <a:avLst/>
-          </a:prstGeom>
-          <a:solidFill>
-            <a:srgbClr val="FFC000"/>
-          </a:solidFill>
-          <a:ln w="38100">
-            <a:solidFill>
-              <a:srgbClr val="FFC000"/>
-            </a:solidFill>
-          </a:ln>
-        </p:spPr>
-        <p:style>
-          <a:lnRef idx="2">
-            <a:schemeClr val="accent1">
-              <a:shade val="50000"/>
-            </a:schemeClr>
-          </a:lnRef>
-          <a:fillRef idx="1">
-            <a:schemeClr val="accent1"/>
-          </a:fillRef>
-          <a:effectRef idx="0">
-            <a:schemeClr val="accent1"/>
-          </a:effectRef>
-          <a:fontRef idx="minor">
-            <a:schemeClr val="lt1"/>
-          </a:fontRef>
-        </p:style>
-        <p:txBody>
-          <a:bodyPr rtlCol="0" anchor="ctr"/>
-          <a:lstStyle/>
-          <a:p>
-            <a:pPr algn="ctr"/>
-            <a:endParaRPr lang="en-US"/>
-          </a:p>
-        </p:txBody>
-      </p:sp>
-      <p:sp>
-        <p:nvSpPr>
-          <p:cNvPr id="68" name="Diamond 67"/>
-          <p:cNvSpPr/>
-          <p:nvPr/>
-        </p:nvSpPr>
-        <p:spPr>
-          <a:xfrm>
-            <a:off x="439416" y="5931233"/>
-            <a:ext cx="237744" cy="219456"/>
-          </a:xfrm>
-          <a:prstGeom prst="diamond">
-            <a:avLst/>
-          </a:prstGeom>
-          <a:solidFill>
-            <a:srgbClr val="92D050"/>
-          </a:solidFill>
-          <a:ln w="38100">
-            <a:solidFill>
-              <a:srgbClr val="92D050"/>
-            </a:solidFill>
-          </a:ln>
-        </p:spPr>
-        <p:style>
-          <a:lnRef idx="2">
-            <a:schemeClr val="accent1">
-              <a:shade val="50000"/>
-            </a:schemeClr>
-          </a:lnRef>
-          <a:fillRef idx="1">
-            <a:schemeClr val="accent1"/>
-          </a:fillRef>
-          <a:effectRef idx="0">
-            <a:schemeClr val="accent1"/>
-          </a:effectRef>
-          <a:fontRef idx="minor">
-            <a:schemeClr val="lt1"/>
-          </a:fontRef>
-        </p:style>
-        <p:txBody>
-          <a:bodyPr rtlCol="0" anchor="ctr"/>
-          <a:lstStyle/>
-          <a:p>
-            <a:pPr algn="ctr"/>
-            <a:endParaRPr lang="en-US"/>
-          </a:p>
-        </p:txBody>
-      </p:sp>
-      <p:sp>
-        <p:nvSpPr>
-          <p:cNvPr id="76" name="Diamond 75"/>
-          <p:cNvSpPr/>
-          <p:nvPr/>
-        </p:nvSpPr>
-        <p:spPr>
-          <a:xfrm>
-            <a:off x="1230515" y="5111659"/>
-            <a:ext cx="237744" cy="219456"/>
-          </a:xfrm>
-          <a:prstGeom prst="diamond">
-            <a:avLst/>
-          </a:prstGeom>
-          <a:solidFill>
-            <a:schemeClr val="accent6">
-              <a:lumMod val="75000"/>
-            </a:schemeClr>
-          </a:solidFill>
-          <a:ln w="38100">
-            <a:solidFill>
-              <a:schemeClr val="accent6">
-                <a:lumMod val="75000"/>
-              </a:schemeClr>
-            </a:solidFill>
-          </a:ln>
-        </p:spPr>
-        <p:style>
-          <a:lnRef idx="2">
-            <a:schemeClr val="accent1">
-              <a:shade val="50000"/>
-            </a:schemeClr>
-          </a:lnRef>
-          <a:fillRef idx="1">
-            <a:schemeClr val="accent1"/>
-          </a:fillRef>
-          <a:effectRef idx="0">
-            <a:schemeClr val="accent1"/>
-          </a:effectRef>
-          <a:fontRef idx="minor">
-            <a:schemeClr val="lt1"/>
-          </a:fontRef>
-        </p:style>
-        <p:txBody>
-          <a:bodyPr rtlCol="0" anchor="ctr"/>
-          <a:lstStyle/>
-          <a:p>
-            <a:pPr algn="ctr"/>
-            <a:endParaRPr lang="en-US"/>
-          </a:p>
-        </p:txBody>
-      </p:sp>
-      <p:sp>
-        <p:nvSpPr>
-          <p:cNvPr id="77" name="Diamond 76"/>
-          <p:cNvSpPr/>
-          <p:nvPr/>
-        </p:nvSpPr>
-        <p:spPr>
-          <a:xfrm>
-            <a:off x="919105" y="4662173"/>
-            <a:ext cx="237744" cy="219456"/>
-          </a:xfrm>
-          <a:prstGeom prst="diamond">
-            <a:avLst/>
-          </a:prstGeom>
-          <a:solidFill>
-            <a:srgbClr val="F5A3E5"/>
-          </a:solidFill>
-          <a:ln w="38100">
-            <a:solidFill>
-              <a:srgbClr val="F5A3E5"/>
-            </a:solidFill>
-          </a:ln>
-        </p:spPr>
-        <p:style>
-          <a:lnRef idx="2">
-            <a:schemeClr val="accent1">
-              <a:shade val="50000"/>
-            </a:schemeClr>
-          </a:lnRef>
-          <a:fillRef idx="1">
-            <a:schemeClr val="accent1"/>
-          </a:fillRef>
-          <a:effectRef idx="0">
-            <a:schemeClr val="accent1"/>
-          </a:effectRef>
-          <a:fontRef idx="minor">
-            <a:schemeClr val="lt1"/>
-          </a:fontRef>
-        </p:style>
-        <p:txBody>
-          <a:bodyPr rtlCol="0" anchor="ctr"/>
-          <a:lstStyle/>
-          <a:p>
-            <a:pPr algn="ctr"/>
-            <a:endParaRPr lang="en-US"/>
-          </a:p>
-        </p:txBody>
-      </p:sp>
-      <p:sp>
-        <p:nvSpPr>
-          <p:cNvPr id="95" name="Rectangle 94"/>
-          <p:cNvSpPr/>
-          <p:nvPr/>
-        </p:nvSpPr>
-        <p:spPr>
-          <a:xfrm>
-            <a:off x="1163320" y="5614696"/>
-            <a:ext cx="164592" cy="153690"/>
-          </a:xfrm>
-          <a:prstGeom prst="rect">
+          <a:prstGeom prst="hexagon">
             <a:avLst/>
           </a:prstGeom>
           <a:noFill/>
@@ -6723,16 +7189,64 @@
       </p:sp>
       <p:sp>
         <p:nvSpPr>
-          <p:cNvPr id="96" name="Rectangle 95"/>
+          <p:cNvPr id="20" name="Moon 19"/>
           <p:cNvSpPr/>
           <p:nvPr/>
         </p:nvSpPr>
         <p:spPr>
           <a:xfrm>
-            <a:off x="1747206" y="4931947"/>
-            <a:ext cx="164592" cy="153690"/>
+            <a:off x="3833513" y="5602297"/>
+            <a:ext cx="118578" cy="175637"/>
           </a:xfrm>
-          <a:prstGeom prst="rect">
+          <a:prstGeom prst="moon">
+            <a:avLst/>
+          </a:prstGeom>
+          <a:noFill/>
+          <a:ln w="28575">
+            <a:solidFill>
+              <a:schemeClr val="accent1">
+                <a:lumMod val="75000"/>
+              </a:schemeClr>
+            </a:solidFill>
+          </a:ln>
+        </p:spPr>
+        <p:style>
+          <a:lnRef idx="2">
+            <a:schemeClr val="accent1">
+              <a:shade val="50000"/>
+            </a:schemeClr>
+          </a:lnRef>
+          <a:fillRef idx="1">
+            <a:schemeClr val="accent1"/>
+          </a:fillRef>
+          <a:effectRef idx="0">
+            <a:schemeClr val="accent1"/>
+          </a:effectRef>
+          <a:fontRef idx="minor">
+            <a:schemeClr val="lt1"/>
+          </a:fontRef>
+        </p:style>
+        <p:txBody>
+          <a:bodyPr rtlCol="0" anchor="ctr"/>
+          <a:lstStyle/>
+          <a:p>
+            <a:pPr algn="ctr"/>
+            <a:endParaRPr lang="en-US"/>
+          </a:p>
+        </p:txBody>
+      </p:sp>
+      <p:sp>
+        <p:nvSpPr>
+          <p:cNvPr id="21" name="Trapezoid 20"/>
+          <p:cNvSpPr/>
+          <p:nvPr/>
+        </p:nvSpPr>
+        <p:spPr>
+          <a:xfrm>
+            <a:off x="5056528" y="5347062"/>
+            <a:ext cx="240145" cy="169368"/>
+          </a:xfrm>
+          <a:prstGeom prst="trapezoid">
             <a:avLst/>
           </a:prstGeom>
           <a:noFill/>
@@ -6771,24 +7285,28 @@
       </p:sp>
       <p:sp>
         <p:nvSpPr>
-          <p:cNvPr id="97" name="Diamond 96"/>
+          <p:cNvPr id="138" name="Diamond 137"/>
           <p:cNvSpPr/>
           <p:nvPr/>
         </p:nvSpPr>
         <p:spPr>
           <a:xfrm>
-            <a:off x="377127" y="5152203"/>
+            <a:off x="4200861" y="3091766"/>
             <a:ext cx="237744" cy="219456"/>
           </a:xfrm>
           <a:prstGeom prst="diamond">
             <a:avLst/>
           </a:prstGeom>
           <a:solidFill>
-            <a:srgbClr val="00B0F0"/>
+            <a:schemeClr val="accent1">
+              <a:lumMod val="75000"/>
+            </a:schemeClr>
           </a:solidFill>
           <a:ln w="38100">
             <a:solidFill>
-              <a:srgbClr val="00B0F0"/>
+              <a:schemeClr val="accent1">
+                <a:lumMod val="75000"/>
+              </a:schemeClr>
             </a:solidFill>
           </a:ln>
         </p:spPr>
@@ -6819,16 +7337,276 @@
       </p:sp>
       <p:sp>
         <p:nvSpPr>
-          <p:cNvPr id="101" name="Rectangle 100"/>
+          <p:cNvPr id="139" name="Rectangle 138"/>
           <p:cNvSpPr/>
           <p:nvPr/>
         </p:nvSpPr>
         <p:spPr>
           <a:xfrm>
-            <a:off x="5382440" y="4657493"/>
+            <a:off x="4818252" y="3458565"/>
             <a:ext cx="164592" cy="153690"/>
           </a:xfrm>
           <a:prstGeom prst="rect">
+            <a:avLst/>
+          </a:prstGeom>
+          <a:solidFill>
+            <a:schemeClr val="accent1">
+              <a:lumMod val="75000"/>
+            </a:schemeClr>
+          </a:solidFill>
+          <a:ln w="38100">
+            <a:solidFill>
+              <a:schemeClr val="accent1">
+                <a:lumMod val="75000"/>
+              </a:schemeClr>
+            </a:solidFill>
+          </a:ln>
+        </p:spPr>
+        <p:style>
+          <a:lnRef idx="2">
+            <a:schemeClr val="accent1">
+              <a:shade val="50000"/>
+            </a:schemeClr>
+          </a:lnRef>
+          <a:fillRef idx="1">
+            <a:schemeClr val="accent1"/>
+          </a:fillRef>
+          <a:effectRef idx="0">
+            <a:schemeClr val="accent1"/>
+          </a:effectRef>
+          <a:fontRef idx="minor">
+            <a:schemeClr val="lt1"/>
+          </a:fontRef>
+        </p:style>
+        <p:txBody>
+          <a:bodyPr rtlCol="0" anchor="ctr"/>
+          <a:lstStyle/>
+          <a:p>
+            <a:pPr algn="ctr"/>
+            <a:endParaRPr lang="en-US"/>
+          </a:p>
+        </p:txBody>
+      </p:sp>
+      <p:sp>
+        <p:nvSpPr>
+          <p:cNvPr id="140" name="Oval 139"/>
+          <p:cNvSpPr/>
+          <p:nvPr/>
+        </p:nvSpPr>
+        <p:spPr>
+          <a:xfrm>
+            <a:off x="5111951" y="2367819"/>
+            <a:ext cx="174451" cy="183765"/>
+          </a:xfrm>
+          <a:prstGeom prst="ellipse">
+            <a:avLst/>
+          </a:prstGeom>
+          <a:solidFill>
+            <a:schemeClr val="accent1">
+              <a:lumMod val="75000"/>
+            </a:schemeClr>
+          </a:solidFill>
+          <a:ln w="38100">
+            <a:solidFill>
+              <a:schemeClr val="accent1">
+                <a:lumMod val="75000"/>
+              </a:schemeClr>
+            </a:solidFill>
+          </a:ln>
+        </p:spPr>
+        <p:style>
+          <a:lnRef idx="2">
+            <a:schemeClr val="accent1">
+              <a:shade val="50000"/>
+            </a:schemeClr>
+          </a:lnRef>
+          <a:fillRef idx="1">
+            <a:schemeClr val="accent1"/>
+          </a:fillRef>
+          <a:effectRef idx="0">
+            <a:schemeClr val="accent1"/>
+          </a:effectRef>
+          <a:fontRef idx="minor">
+            <a:schemeClr val="lt1"/>
+          </a:fontRef>
+        </p:style>
+        <p:txBody>
+          <a:bodyPr rtlCol="0" anchor="ctr"/>
+          <a:lstStyle/>
+          <a:p>
+            <a:pPr algn="ctr"/>
+            <a:endParaRPr lang="en-US"/>
+          </a:p>
+        </p:txBody>
+      </p:sp>
+      <p:sp>
+        <p:nvSpPr>
+          <p:cNvPr id="141" name="Isosceles Triangle 140"/>
+          <p:cNvSpPr/>
+          <p:nvPr/>
+        </p:nvSpPr>
+        <p:spPr>
+          <a:xfrm>
+            <a:off x="3627306" y="2374308"/>
+            <a:ext cx="180669" cy="170788"/>
+          </a:xfrm>
+          <a:prstGeom prst="triangle">
+            <a:avLst/>
+          </a:prstGeom>
+          <a:solidFill>
+            <a:schemeClr val="accent1">
+              <a:lumMod val="75000"/>
+            </a:schemeClr>
+          </a:solidFill>
+          <a:ln w="38100">
+            <a:solidFill>
+              <a:schemeClr val="accent1">
+                <a:lumMod val="75000"/>
+              </a:schemeClr>
+            </a:solidFill>
+          </a:ln>
+        </p:spPr>
+        <p:style>
+          <a:lnRef idx="2">
+            <a:schemeClr val="accent1">
+              <a:shade val="50000"/>
+            </a:schemeClr>
+          </a:lnRef>
+          <a:fillRef idx="1">
+            <a:schemeClr val="accent1"/>
+          </a:fillRef>
+          <a:effectRef idx="0">
+            <a:schemeClr val="accent1"/>
+          </a:effectRef>
+          <a:fontRef idx="minor">
+            <a:schemeClr val="lt1"/>
+          </a:fontRef>
+        </p:style>
+        <p:txBody>
+          <a:bodyPr rtlCol="0" anchor="ctr"/>
+          <a:lstStyle/>
+          <a:p>
+            <a:pPr algn="ctr"/>
+            <a:endParaRPr lang="en-US"/>
+          </a:p>
+        </p:txBody>
+      </p:sp>
+      <p:sp>
+        <p:nvSpPr>
+          <p:cNvPr id="142" name="5-Point Star 141"/>
+          <p:cNvSpPr/>
+          <p:nvPr/>
+        </p:nvSpPr>
+        <p:spPr>
+          <a:xfrm>
+            <a:off x="3636305" y="3925955"/>
+            <a:ext cx="222222" cy="187270"/>
+          </a:xfrm>
+          <a:prstGeom prst="star5">
+            <a:avLst/>
+          </a:prstGeom>
+          <a:solidFill>
+            <a:schemeClr val="accent1">
+              <a:lumMod val="75000"/>
+            </a:schemeClr>
+          </a:solidFill>
+          <a:ln w="28575">
+            <a:solidFill>
+              <a:schemeClr val="accent1">
+                <a:lumMod val="75000"/>
+              </a:schemeClr>
+            </a:solidFill>
+          </a:ln>
+        </p:spPr>
+        <p:style>
+          <a:lnRef idx="2">
+            <a:schemeClr val="accent1">
+              <a:shade val="50000"/>
+            </a:schemeClr>
+          </a:lnRef>
+          <a:fillRef idx="1">
+            <a:schemeClr val="accent1"/>
+          </a:fillRef>
+          <a:effectRef idx="0">
+            <a:schemeClr val="accent1"/>
+          </a:effectRef>
+          <a:fontRef idx="minor">
+            <a:schemeClr val="lt1"/>
+          </a:fontRef>
+        </p:style>
+        <p:txBody>
+          <a:bodyPr rtlCol="0" anchor="ctr"/>
+          <a:lstStyle/>
+          <a:p>
+            <a:pPr algn="ctr"/>
+            <a:endParaRPr lang="en-US"/>
+          </a:p>
+        </p:txBody>
+      </p:sp>
+      <p:sp>
+        <p:nvSpPr>
+          <p:cNvPr id="143" name="Regular Pentagon 142"/>
+          <p:cNvSpPr/>
+          <p:nvPr/>
+        </p:nvSpPr>
+        <p:spPr>
+          <a:xfrm>
+            <a:off x="5104353" y="3795507"/>
+            <a:ext cx="227701" cy="214650"/>
+          </a:xfrm>
+          <a:prstGeom prst="pentagon">
+            <a:avLst/>
+          </a:prstGeom>
+          <a:solidFill>
+            <a:schemeClr val="accent1">
+              <a:lumMod val="75000"/>
+            </a:schemeClr>
+          </a:solidFill>
+          <a:ln w="38100">
+            <a:solidFill>
+              <a:schemeClr val="accent1">
+                <a:lumMod val="75000"/>
+              </a:schemeClr>
+            </a:solidFill>
+          </a:ln>
+        </p:spPr>
+        <p:style>
+          <a:lnRef idx="2">
+            <a:schemeClr val="accent1">
+              <a:shade val="50000"/>
+            </a:schemeClr>
+          </a:lnRef>
+          <a:fillRef idx="1">
+            <a:schemeClr val="accent1"/>
+          </a:fillRef>
+          <a:effectRef idx="0">
+            <a:schemeClr val="accent1"/>
+          </a:effectRef>
+          <a:fontRef idx="minor">
+            <a:schemeClr val="lt1"/>
+          </a:fontRef>
+        </p:style>
+        <p:txBody>
+          <a:bodyPr rtlCol="0" anchor="ctr"/>
+          <a:lstStyle/>
+          <a:p>
+            <a:pPr algn="ctr"/>
+            <a:endParaRPr lang="en-US"/>
+          </a:p>
+        </p:txBody>
+      </p:sp>
+      <p:sp>
+        <p:nvSpPr>
+          <p:cNvPr id="144" name="Cross 143"/>
+          <p:cNvSpPr/>
+          <p:nvPr/>
+        </p:nvSpPr>
+        <p:spPr>
+          <a:xfrm>
+            <a:off x="5179894" y="2904681"/>
+            <a:ext cx="254081" cy="212255"/>
+          </a:xfrm>
+          <a:prstGeom prst="plus">
             <a:avLst/>
           </a:prstGeom>
           <a:noFill/>
@@ -6867,16 +7645,16 @@
       </p:sp>
       <p:sp>
         <p:nvSpPr>
-          <p:cNvPr id="103" name="Rectangle 102"/>
+          <p:cNvPr id="145" name="Right Triangle 144"/>
           <p:cNvSpPr/>
           <p:nvPr/>
         </p:nvSpPr>
         <p:spPr>
           <a:xfrm>
-            <a:off x="5494358" y="6274284"/>
-            <a:ext cx="164592" cy="153690"/>
+            <a:off x="3764622" y="3458565"/>
+            <a:ext cx="212183" cy="184569"/>
           </a:xfrm>
-          <a:prstGeom prst="rect">
+          <a:prstGeom prst="rtTriangle">
             <a:avLst/>
           </a:prstGeom>
           <a:noFill/>
@@ -6915,16 +7693,16 @@
       </p:sp>
       <p:sp>
         <p:nvSpPr>
-          <p:cNvPr id="104" name="Rectangle 103"/>
+          <p:cNvPr id="146" name="Parallelogram 145"/>
           <p:cNvSpPr/>
           <p:nvPr/>
         </p:nvSpPr>
         <p:spPr>
           <a:xfrm>
-            <a:off x="4083694" y="6307040"/>
-            <a:ext cx="164592" cy="153690"/>
+            <a:off x="4127865" y="2498539"/>
+            <a:ext cx="281363" cy="160133"/>
           </a:xfrm>
-          <a:prstGeom prst="rect">
+          <a:prstGeom prst="parallelogram">
             <a:avLst/>
           </a:prstGeom>
           <a:noFill/>
@@ -6961,1179 +7739,6 @@
           </a:p>
         </p:txBody>
       </p:sp>
-      <p:sp>
-        <p:nvSpPr>
-          <p:cNvPr id="106" name="Rectangle 105"/>
-          <p:cNvSpPr/>
-          <p:nvPr/>
-        </p:nvSpPr>
-        <p:spPr>
-          <a:xfrm>
-            <a:off x="5040017" y="6012757"/>
-            <a:ext cx="164592" cy="153690"/>
-          </a:xfrm>
-          <a:prstGeom prst="rect">
-            <a:avLst/>
-          </a:prstGeom>
-          <a:noFill/>
-          <a:ln w="38100">
-            <a:solidFill>
-              <a:schemeClr val="accent1">
-                <a:lumMod val="75000"/>
-              </a:schemeClr>
-            </a:solidFill>
-          </a:ln>
-        </p:spPr>
-        <p:style>
-          <a:lnRef idx="2">
-            <a:schemeClr val="accent1">
-              <a:shade val="50000"/>
-            </a:schemeClr>
-          </a:lnRef>
-          <a:fillRef idx="1">
-            <a:schemeClr val="accent1"/>
-          </a:fillRef>
-          <a:effectRef idx="0">
-            <a:schemeClr val="accent1"/>
-          </a:effectRef>
-          <a:fontRef idx="minor">
-            <a:schemeClr val="lt1"/>
-          </a:fontRef>
-        </p:style>
-        <p:txBody>
-          <a:bodyPr rtlCol="0" anchor="ctr"/>
-          <a:lstStyle/>
-          <a:p>
-            <a:pPr algn="ctr"/>
-            <a:endParaRPr lang="en-US"/>
-          </a:p>
-        </p:txBody>
-      </p:sp>
-      <p:sp>
-        <p:nvSpPr>
-          <p:cNvPr id="111" name="Rectangle 110"/>
-          <p:cNvSpPr/>
-          <p:nvPr/>
-        </p:nvSpPr>
-        <p:spPr>
-          <a:xfrm>
-            <a:off x="4492475" y="5644417"/>
-            <a:ext cx="164592" cy="153690"/>
-          </a:xfrm>
-          <a:prstGeom prst="rect">
-            <a:avLst/>
-          </a:prstGeom>
-          <a:noFill/>
-          <a:ln w="38100">
-            <a:solidFill>
-              <a:schemeClr val="accent1">
-                <a:lumMod val="75000"/>
-              </a:schemeClr>
-            </a:solidFill>
-          </a:ln>
-        </p:spPr>
-        <p:style>
-          <a:lnRef idx="2">
-            <a:schemeClr val="accent1">
-              <a:shade val="50000"/>
-            </a:schemeClr>
-          </a:lnRef>
-          <a:fillRef idx="1">
-            <a:schemeClr val="accent1"/>
-          </a:fillRef>
-          <a:effectRef idx="0">
-            <a:schemeClr val="accent1"/>
-          </a:effectRef>
-          <a:fontRef idx="minor">
-            <a:schemeClr val="lt1"/>
-          </a:fontRef>
-        </p:style>
-        <p:txBody>
-          <a:bodyPr rtlCol="0" anchor="ctr"/>
-          <a:lstStyle/>
-          <a:p>
-            <a:pPr algn="ctr"/>
-            <a:endParaRPr lang="en-US"/>
-          </a:p>
-        </p:txBody>
-      </p:sp>
-      <p:sp>
-        <p:nvSpPr>
-          <p:cNvPr id="112" name="Rectangle 111"/>
-          <p:cNvSpPr/>
-          <p:nvPr/>
-        </p:nvSpPr>
-        <p:spPr>
-          <a:xfrm>
-            <a:off x="5076361" y="4961668"/>
-            <a:ext cx="164592" cy="153690"/>
-          </a:xfrm>
-          <a:prstGeom prst="rect">
-            <a:avLst/>
-          </a:prstGeom>
-          <a:noFill/>
-          <a:ln w="38100">
-            <a:solidFill>
-              <a:schemeClr val="accent1">
-                <a:lumMod val="75000"/>
-              </a:schemeClr>
-            </a:solidFill>
-          </a:ln>
-        </p:spPr>
-        <p:style>
-          <a:lnRef idx="2">
-            <a:schemeClr val="accent1">
-              <a:shade val="50000"/>
-            </a:schemeClr>
-          </a:lnRef>
-          <a:fillRef idx="1">
-            <a:schemeClr val="accent1"/>
-          </a:fillRef>
-          <a:effectRef idx="0">
-            <a:schemeClr val="accent1"/>
-          </a:effectRef>
-          <a:fontRef idx="minor">
-            <a:schemeClr val="lt1"/>
-          </a:fontRef>
-        </p:style>
-        <p:txBody>
-          <a:bodyPr rtlCol="0" anchor="ctr"/>
-          <a:lstStyle/>
-          <a:p>
-            <a:pPr algn="ctr"/>
-            <a:endParaRPr lang="en-US"/>
-          </a:p>
-        </p:txBody>
-      </p:sp>
-      <p:sp>
-        <p:nvSpPr>
-          <p:cNvPr id="23" name="Flowchart: Connector 22"/>
-          <p:cNvSpPr/>
-          <p:nvPr/>
-        </p:nvSpPr>
-        <p:spPr>
-          <a:xfrm>
-            <a:off x="4248260" y="4691894"/>
-            <a:ext cx="216380" cy="205145"/>
-          </a:xfrm>
-          <a:prstGeom prst="flowChartConnector">
-            <a:avLst/>
-          </a:prstGeom>
-          <a:solidFill>
-            <a:srgbClr val="FF0066"/>
-          </a:solidFill>
-          <a:ln>
-            <a:solidFill>
-              <a:srgbClr val="FF0066"/>
-            </a:solidFill>
-          </a:ln>
-        </p:spPr>
-        <p:style>
-          <a:lnRef idx="2">
-            <a:schemeClr val="accent1">
-              <a:shade val="50000"/>
-            </a:schemeClr>
-          </a:lnRef>
-          <a:fillRef idx="1">
-            <a:schemeClr val="accent1"/>
-          </a:fillRef>
-          <a:effectRef idx="0">
-            <a:schemeClr val="accent1"/>
-          </a:effectRef>
-          <a:fontRef idx="minor">
-            <a:schemeClr val="lt1"/>
-          </a:fontRef>
-        </p:style>
-        <p:txBody>
-          <a:bodyPr rtlCol="0" anchor="ctr"/>
-          <a:lstStyle/>
-          <a:p>
-            <a:pPr algn="ctr"/>
-            <a:endParaRPr lang="en-US"/>
-          </a:p>
-        </p:txBody>
-      </p:sp>
-      <p:sp>
-        <p:nvSpPr>
-          <p:cNvPr id="114" name="Flowchart: Connector 113"/>
-          <p:cNvSpPr/>
-          <p:nvPr/>
-        </p:nvSpPr>
-        <p:spPr>
-          <a:xfrm>
-            <a:off x="4568551" y="5134224"/>
-            <a:ext cx="216380" cy="205145"/>
-          </a:xfrm>
-          <a:prstGeom prst="flowChartConnector">
-            <a:avLst/>
-          </a:prstGeom>
-          <a:solidFill>
-            <a:srgbClr val="31AD34"/>
-          </a:solidFill>
-          <a:ln>
-            <a:solidFill>
-              <a:srgbClr val="31AD34"/>
-            </a:solidFill>
-          </a:ln>
-        </p:spPr>
-        <p:style>
-          <a:lnRef idx="2">
-            <a:schemeClr val="accent1">
-              <a:shade val="50000"/>
-            </a:schemeClr>
-          </a:lnRef>
-          <a:fillRef idx="1">
-            <a:schemeClr val="accent1"/>
-          </a:fillRef>
-          <a:effectRef idx="0">
-            <a:schemeClr val="accent1"/>
-          </a:effectRef>
-          <a:fontRef idx="minor">
-            <a:schemeClr val="lt1"/>
-          </a:fontRef>
-        </p:style>
-        <p:txBody>
-          <a:bodyPr rtlCol="0" anchor="ctr"/>
-          <a:lstStyle/>
-          <a:p>
-            <a:pPr algn="ctr"/>
-            <a:endParaRPr lang="en-US"/>
-          </a:p>
-        </p:txBody>
-      </p:sp>
-      <p:sp>
-        <p:nvSpPr>
-          <p:cNvPr id="115" name="Flowchart: Connector 114"/>
-          <p:cNvSpPr/>
-          <p:nvPr/>
-        </p:nvSpPr>
-        <p:spPr>
-          <a:xfrm>
-            <a:off x="3722768" y="5180146"/>
-            <a:ext cx="216380" cy="205145"/>
-          </a:xfrm>
-          <a:prstGeom prst="flowChartConnector">
-            <a:avLst/>
-          </a:prstGeom>
-          <a:solidFill>
-            <a:schemeClr val="accent1">
-              <a:lumMod val="60000"/>
-              <a:lumOff val="40000"/>
-            </a:schemeClr>
-          </a:solidFill>
-          <a:ln>
-            <a:solidFill>
-              <a:schemeClr val="accent1">
-                <a:lumMod val="60000"/>
-                <a:lumOff val="40000"/>
-              </a:schemeClr>
-            </a:solidFill>
-          </a:ln>
-        </p:spPr>
-        <p:style>
-          <a:lnRef idx="2">
-            <a:schemeClr val="accent1">
-              <a:shade val="50000"/>
-            </a:schemeClr>
-          </a:lnRef>
-          <a:fillRef idx="1">
-            <a:schemeClr val="accent1"/>
-          </a:fillRef>
-          <a:effectRef idx="0">
-            <a:schemeClr val="accent1"/>
-          </a:effectRef>
-          <a:fontRef idx="minor">
-            <a:schemeClr val="lt1"/>
-          </a:fontRef>
-        </p:style>
-        <p:txBody>
-          <a:bodyPr rtlCol="0" anchor="ctr"/>
-          <a:lstStyle/>
-          <a:p>
-            <a:pPr algn="ctr"/>
-            <a:endParaRPr lang="en-US"/>
-          </a:p>
-        </p:txBody>
-      </p:sp>
-      <p:sp>
-        <p:nvSpPr>
-          <p:cNvPr id="116" name="Flowchart: Connector 115"/>
-          <p:cNvSpPr/>
-          <p:nvPr/>
-        </p:nvSpPr>
-        <p:spPr>
-          <a:xfrm>
-            <a:off x="3766907" y="5961167"/>
-            <a:ext cx="216380" cy="205145"/>
-          </a:xfrm>
-          <a:prstGeom prst="flowChartConnector">
-            <a:avLst/>
-          </a:prstGeom>
-          <a:solidFill>
-            <a:schemeClr val="accent6">
-              <a:lumMod val="40000"/>
-              <a:lumOff val="60000"/>
-            </a:schemeClr>
-          </a:solidFill>
-          <a:ln>
-            <a:solidFill>
-              <a:schemeClr val="accent6">
-                <a:lumMod val="40000"/>
-                <a:lumOff val="60000"/>
-              </a:schemeClr>
-            </a:solidFill>
-          </a:ln>
-        </p:spPr>
-        <p:style>
-          <a:lnRef idx="2">
-            <a:schemeClr val="accent1">
-              <a:shade val="50000"/>
-            </a:schemeClr>
-          </a:lnRef>
-          <a:fillRef idx="1">
-            <a:schemeClr val="accent1"/>
-          </a:fillRef>
-          <a:effectRef idx="0">
-            <a:schemeClr val="accent1"/>
-          </a:effectRef>
-          <a:fontRef idx="minor">
-            <a:schemeClr val="lt1"/>
-          </a:fontRef>
-        </p:style>
-        <p:txBody>
-          <a:bodyPr rtlCol="0" anchor="ctr"/>
-          <a:lstStyle/>
-          <a:p>
-            <a:pPr algn="ctr"/>
-            <a:endParaRPr lang="en-US"/>
-          </a:p>
-        </p:txBody>
-      </p:sp>
-      <p:sp>
-        <p:nvSpPr>
-          <p:cNvPr id="117" name="Flowchart: Connector 116"/>
-          <p:cNvSpPr/>
-          <p:nvPr/>
-        </p:nvSpPr>
-        <p:spPr>
-          <a:xfrm>
-            <a:off x="4462122" y="6083725"/>
-            <a:ext cx="216380" cy="205145"/>
-          </a:xfrm>
-          <a:prstGeom prst="flowChartConnector">
-            <a:avLst/>
-          </a:prstGeom>
-          <a:solidFill>
-            <a:schemeClr val="accent4">
-              <a:lumMod val="60000"/>
-              <a:lumOff val="40000"/>
-            </a:schemeClr>
-          </a:solidFill>
-          <a:ln>
-            <a:solidFill>
-              <a:schemeClr val="accent4">
-                <a:lumMod val="40000"/>
-                <a:lumOff val="60000"/>
-              </a:schemeClr>
-            </a:solidFill>
-          </a:ln>
-        </p:spPr>
-        <p:style>
-          <a:lnRef idx="2">
-            <a:schemeClr val="accent1">
-              <a:shade val="50000"/>
-            </a:schemeClr>
-          </a:lnRef>
-          <a:fillRef idx="1">
-            <a:schemeClr val="accent1"/>
-          </a:fillRef>
-          <a:effectRef idx="0">
-            <a:schemeClr val="accent1"/>
-          </a:effectRef>
-          <a:fontRef idx="minor">
-            <a:schemeClr val="lt1"/>
-          </a:fontRef>
-        </p:style>
-        <p:txBody>
-          <a:bodyPr rtlCol="0" anchor="ctr"/>
-          <a:lstStyle/>
-          <a:p>
-            <a:pPr algn="ctr"/>
-            <a:endParaRPr lang="en-US"/>
-          </a:p>
-        </p:txBody>
-      </p:sp>
-      <p:sp>
-        <p:nvSpPr>
-          <p:cNvPr id="118" name="Flowchart: Connector 117"/>
-          <p:cNvSpPr/>
-          <p:nvPr/>
-        </p:nvSpPr>
-        <p:spPr>
-          <a:xfrm>
-            <a:off x="5558957" y="5564011"/>
-            <a:ext cx="216380" cy="205145"/>
-          </a:xfrm>
-          <a:prstGeom prst="flowChartConnector">
-            <a:avLst/>
-          </a:prstGeom>
-          <a:solidFill>
-            <a:srgbClr val="C00000"/>
-          </a:solidFill>
-          <a:ln>
-            <a:solidFill>
-              <a:srgbClr val="C00000"/>
-            </a:solidFill>
-          </a:ln>
-        </p:spPr>
-        <p:style>
-          <a:lnRef idx="2">
-            <a:schemeClr val="accent1">
-              <a:shade val="50000"/>
-            </a:schemeClr>
-          </a:lnRef>
-          <a:fillRef idx="1">
-            <a:schemeClr val="accent1"/>
-          </a:fillRef>
-          <a:effectRef idx="0">
-            <a:schemeClr val="accent1"/>
-          </a:effectRef>
-          <a:fontRef idx="minor">
-            <a:schemeClr val="lt1"/>
-          </a:fontRef>
-        </p:style>
-        <p:txBody>
-          <a:bodyPr rtlCol="0" anchor="ctr"/>
-          <a:lstStyle/>
-          <a:p>
-            <a:pPr algn="ctr"/>
-            <a:endParaRPr lang="en-US"/>
-          </a:p>
-        </p:txBody>
-      </p:sp>
-      <p:sp>
-        <p:nvSpPr>
-          <p:cNvPr id="119" name="Rectangle 118"/>
-          <p:cNvSpPr/>
-          <p:nvPr/>
-        </p:nvSpPr>
-        <p:spPr>
-          <a:xfrm>
-            <a:off x="5216780" y="2553448"/>
-            <a:ext cx="164592" cy="153690"/>
-          </a:xfrm>
-          <a:prstGeom prst="rect">
-            <a:avLst/>
-          </a:prstGeom>
-          <a:noFill/>
-          <a:ln w="38100">
-            <a:solidFill>
-              <a:schemeClr val="accent1">
-                <a:lumMod val="75000"/>
-              </a:schemeClr>
-            </a:solidFill>
-          </a:ln>
-        </p:spPr>
-        <p:style>
-          <a:lnRef idx="2">
-            <a:schemeClr val="accent1">
-              <a:shade val="50000"/>
-            </a:schemeClr>
-          </a:lnRef>
-          <a:fillRef idx="1">
-            <a:schemeClr val="accent1"/>
-          </a:fillRef>
-          <a:effectRef idx="0">
-            <a:schemeClr val="accent1"/>
-          </a:effectRef>
-          <a:fontRef idx="minor">
-            <a:schemeClr val="lt1"/>
-          </a:fontRef>
-        </p:style>
-        <p:txBody>
-          <a:bodyPr rtlCol="0" anchor="ctr"/>
-          <a:lstStyle/>
-          <a:p>
-            <a:pPr algn="ctr"/>
-            <a:endParaRPr lang="en-US"/>
-          </a:p>
-        </p:txBody>
-      </p:sp>
-      <p:sp>
-        <p:nvSpPr>
-          <p:cNvPr id="120" name="Rectangle 119"/>
-          <p:cNvSpPr/>
-          <p:nvPr/>
-        </p:nvSpPr>
-        <p:spPr>
-          <a:xfrm>
-            <a:off x="5328698" y="4170239"/>
-            <a:ext cx="164592" cy="153690"/>
-          </a:xfrm>
-          <a:prstGeom prst="rect">
-            <a:avLst/>
-          </a:prstGeom>
-          <a:noFill/>
-          <a:ln w="38100">
-            <a:solidFill>
-              <a:schemeClr val="accent1">
-                <a:lumMod val="75000"/>
-              </a:schemeClr>
-            </a:solidFill>
-          </a:ln>
-        </p:spPr>
-        <p:style>
-          <a:lnRef idx="2">
-            <a:schemeClr val="accent1">
-              <a:shade val="50000"/>
-            </a:schemeClr>
-          </a:lnRef>
-          <a:fillRef idx="1">
-            <a:schemeClr val="accent1"/>
-          </a:fillRef>
-          <a:effectRef idx="0">
-            <a:schemeClr val="accent1"/>
-          </a:effectRef>
-          <a:fontRef idx="minor">
-            <a:schemeClr val="lt1"/>
-          </a:fontRef>
-        </p:style>
-        <p:txBody>
-          <a:bodyPr rtlCol="0" anchor="ctr"/>
-          <a:lstStyle/>
-          <a:p>
-            <a:pPr algn="ctr"/>
-            <a:endParaRPr lang="en-US"/>
-          </a:p>
-        </p:txBody>
-      </p:sp>
-      <p:sp>
-        <p:nvSpPr>
-          <p:cNvPr id="121" name="Rectangle 120"/>
-          <p:cNvSpPr/>
-          <p:nvPr/>
-        </p:nvSpPr>
-        <p:spPr>
-          <a:xfrm>
-            <a:off x="3918034" y="4202995"/>
-            <a:ext cx="164592" cy="153690"/>
-          </a:xfrm>
-          <a:prstGeom prst="rect">
-            <a:avLst/>
-          </a:prstGeom>
-          <a:noFill/>
-          <a:ln w="38100">
-            <a:solidFill>
-              <a:schemeClr val="accent1">
-                <a:lumMod val="75000"/>
-              </a:schemeClr>
-            </a:solidFill>
-          </a:ln>
-        </p:spPr>
-        <p:style>
-          <a:lnRef idx="2">
-            <a:schemeClr val="accent1">
-              <a:shade val="50000"/>
-            </a:schemeClr>
-          </a:lnRef>
-          <a:fillRef idx="1">
-            <a:schemeClr val="accent1"/>
-          </a:fillRef>
-          <a:effectRef idx="0">
-            <a:schemeClr val="accent1"/>
-          </a:effectRef>
-          <a:fontRef idx="minor">
-            <a:schemeClr val="lt1"/>
-          </a:fontRef>
-        </p:style>
-        <p:txBody>
-          <a:bodyPr rtlCol="0" anchor="ctr"/>
-          <a:lstStyle/>
-          <a:p>
-            <a:pPr algn="ctr"/>
-            <a:endParaRPr lang="en-US"/>
-          </a:p>
-        </p:txBody>
-      </p:sp>
-      <p:sp>
-        <p:nvSpPr>
-          <p:cNvPr id="122" name="Diamond 121"/>
-          <p:cNvSpPr/>
-          <p:nvPr/>
-        </p:nvSpPr>
-        <p:spPr>
-          <a:xfrm>
-            <a:off x="5388419" y="3459966"/>
-            <a:ext cx="237744" cy="219456"/>
-          </a:xfrm>
-          <a:prstGeom prst="diamond">
-            <a:avLst/>
-          </a:prstGeom>
-          <a:solidFill>
-            <a:srgbClr val="FF0000"/>
-          </a:solidFill>
-          <a:ln w="38100">
-            <a:solidFill>
-              <a:srgbClr val="FF0000"/>
-            </a:solidFill>
-          </a:ln>
-        </p:spPr>
-        <p:style>
-          <a:lnRef idx="2">
-            <a:schemeClr val="accent1">
-              <a:shade val="50000"/>
-            </a:schemeClr>
-          </a:lnRef>
-          <a:fillRef idx="1">
-            <a:schemeClr val="accent1"/>
-          </a:fillRef>
-          <a:effectRef idx="0">
-            <a:schemeClr val="accent1"/>
-          </a:effectRef>
-          <a:fontRef idx="minor">
-            <a:schemeClr val="lt1"/>
-          </a:fontRef>
-        </p:style>
-        <p:txBody>
-          <a:bodyPr rtlCol="0" anchor="ctr"/>
-          <a:lstStyle/>
-          <a:p>
-            <a:pPr algn="ctr"/>
-            <a:endParaRPr lang="en-US"/>
-          </a:p>
-        </p:txBody>
-      </p:sp>
-      <p:sp>
-        <p:nvSpPr>
-          <p:cNvPr id="123" name="Rectangle 122"/>
-          <p:cNvSpPr/>
-          <p:nvPr/>
-        </p:nvSpPr>
-        <p:spPr>
-          <a:xfrm>
-            <a:off x="4874357" y="3908712"/>
-            <a:ext cx="164592" cy="153690"/>
-          </a:xfrm>
-          <a:prstGeom prst="rect">
-            <a:avLst/>
-          </a:prstGeom>
-          <a:noFill/>
-          <a:ln w="38100">
-            <a:solidFill>
-              <a:schemeClr val="accent1">
-                <a:lumMod val="75000"/>
-              </a:schemeClr>
-            </a:solidFill>
-          </a:ln>
-        </p:spPr>
-        <p:style>
-          <a:lnRef idx="2">
-            <a:schemeClr val="accent1">
-              <a:shade val="50000"/>
-            </a:schemeClr>
-          </a:lnRef>
-          <a:fillRef idx="1">
-            <a:schemeClr val="accent1"/>
-          </a:fillRef>
-          <a:effectRef idx="0">
-            <a:schemeClr val="accent1"/>
-          </a:effectRef>
-          <a:fontRef idx="minor">
-            <a:schemeClr val="lt1"/>
-          </a:fontRef>
-        </p:style>
-        <p:txBody>
-          <a:bodyPr rtlCol="0" anchor="ctr"/>
-          <a:lstStyle/>
-          <a:p>
-            <a:pPr algn="ctr"/>
-            <a:endParaRPr lang="en-US"/>
-          </a:p>
-        </p:txBody>
-      </p:sp>
-      <p:sp>
-        <p:nvSpPr>
-          <p:cNvPr id="124" name="Diamond 123"/>
-          <p:cNvSpPr/>
-          <p:nvPr/>
-        </p:nvSpPr>
-        <p:spPr>
-          <a:xfrm>
-            <a:off x="4274491" y="3979680"/>
-            <a:ext cx="237744" cy="219456"/>
-          </a:xfrm>
-          <a:prstGeom prst="diamond">
-            <a:avLst/>
-          </a:prstGeom>
-          <a:solidFill>
-            <a:srgbClr val="FFC000"/>
-          </a:solidFill>
-          <a:ln w="38100">
-            <a:solidFill>
-              <a:srgbClr val="FFC000"/>
-            </a:solidFill>
-          </a:ln>
-        </p:spPr>
-        <p:style>
-          <a:lnRef idx="2">
-            <a:schemeClr val="accent1">
-              <a:shade val="50000"/>
-            </a:schemeClr>
-          </a:lnRef>
-          <a:fillRef idx="1">
-            <a:schemeClr val="accent1"/>
-          </a:fillRef>
-          <a:effectRef idx="0">
-            <a:schemeClr val="accent1"/>
-          </a:effectRef>
-          <a:fontRef idx="minor">
-            <a:schemeClr val="lt1"/>
-          </a:fontRef>
-        </p:style>
-        <p:txBody>
-          <a:bodyPr rtlCol="0" anchor="ctr"/>
-          <a:lstStyle/>
-          <a:p>
-            <a:pPr algn="ctr"/>
-            <a:endParaRPr lang="en-US"/>
-          </a:p>
-        </p:txBody>
-      </p:sp>
-      <p:sp>
-        <p:nvSpPr>
-          <p:cNvPr id="125" name="Diamond 124"/>
-          <p:cNvSpPr/>
-          <p:nvPr/>
-        </p:nvSpPr>
-        <p:spPr>
-          <a:xfrm>
-            <a:off x="3602911" y="3856909"/>
-            <a:ext cx="237744" cy="219456"/>
-          </a:xfrm>
-          <a:prstGeom prst="diamond">
-            <a:avLst/>
-          </a:prstGeom>
-          <a:solidFill>
-            <a:srgbClr val="92D050"/>
-          </a:solidFill>
-          <a:ln w="38100">
-            <a:solidFill>
-              <a:srgbClr val="92D050"/>
-            </a:solidFill>
-          </a:ln>
-        </p:spPr>
-        <p:style>
-          <a:lnRef idx="2">
-            <a:schemeClr val="accent1">
-              <a:shade val="50000"/>
-            </a:schemeClr>
-          </a:lnRef>
-          <a:fillRef idx="1">
-            <a:schemeClr val="accent1"/>
-          </a:fillRef>
-          <a:effectRef idx="0">
-            <a:schemeClr val="accent1"/>
-          </a:effectRef>
-          <a:fontRef idx="minor">
-            <a:schemeClr val="lt1"/>
-          </a:fontRef>
-        </p:style>
-        <p:txBody>
-          <a:bodyPr rtlCol="0" anchor="ctr"/>
-          <a:lstStyle/>
-          <a:p>
-            <a:pPr algn="ctr"/>
-            <a:endParaRPr lang="en-US"/>
-          </a:p>
-        </p:txBody>
-      </p:sp>
-      <p:sp>
-        <p:nvSpPr>
-          <p:cNvPr id="126" name="Diamond 125"/>
-          <p:cNvSpPr/>
-          <p:nvPr/>
-        </p:nvSpPr>
-        <p:spPr>
-          <a:xfrm>
-            <a:off x="4394010" y="3037335"/>
-            <a:ext cx="237744" cy="219456"/>
-          </a:xfrm>
-          <a:prstGeom prst="diamond">
-            <a:avLst/>
-          </a:prstGeom>
-          <a:solidFill>
-            <a:schemeClr val="accent6">
-              <a:lumMod val="75000"/>
-            </a:schemeClr>
-          </a:solidFill>
-          <a:ln w="38100">
-            <a:solidFill>
-              <a:schemeClr val="accent6">
-                <a:lumMod val="75000"/>
-              </a:schemeClr>
-            </a:solidFill>
-          </a:ln>
-        </p:spPr>
-        <p:style>
-          <a:lnRef idx="2">
-            <a:schemeClr val="accent1">
-              <a:shade val="50000"/>
-            </a:schemeClr>
-          </a:lnRef>
-          <a:fillRef idx="1">
-            <a:schemeClr val="accent1"/>
-          </a:fillRef>
-          <a:effectRef idx="0">
-            <a:schemeClr val="accent1"/>
-          </a:effectRef>
-          <a:fontRef idx="minor">
-            <a:schemeClr val="lt1"/>
-          </a:fontRef>
-        </p:style>
-        <p:txBody>
-          <a:bodyPr rtlCol="0" anchor="ctr"/>
-          <a:lstStyle/>
-          <a:p>
-            <a:pPr algn="ctr"/>
-            <a:endParaRPr lang="en-US"/>
-          </a:p>
-        </p:txBody>
-      </p:sp>
-      <p:sp>
-        <p:nvSpPr>
-          <p:cNvPr id="127" name="Diamond 126"/>
-          <p:cNvSpPr/>
-          <p:nvPr/>
-        </p:nvSpPr>
-        <p:spPr>
-          <a:xfrm>
-            <a:off x="4082600" y="2587849"/>
-            <a:ext cx="237744" cy="219456"/>
-          </a:xfrm>
-          <a:prstGeom prst="diamond">
-            <a:avLst/>
-          </a:prstGeom>
-          <a:solidFill>
-            <a:srgbClr val="F5A3E5"/>
-          </a:solidFill>
-          <a:ln w="38100">
-            <a:solidFill>
-              <a:srgbClr val="F5A3E5"/>
-            </a:solidFill>
-          </a:ln>
-        </p:spPr>
-        <p:style>
-          <a:lnRef idx="2">
-            <a:schemeClr val="accent1">
-              <a:shade val="50000"/>
-            </a:schemeClr>
-          </a:lnRef>
-          <a:fillRef idx="1">
-            <a:schemeClr val="accent1"/>
-          </a:fillRef>
-          <a:effectRef idx="0">
-            <a:schemeClr val="accent1"/>
-          </a:effectRef>
-          <a:fontRef idx="minor">
-            <a:schemeClr val="lt1"/>
-          </a:fontRef>
-        </p:style>
-        <p:txBody>
-          <a:bodyPr rtlCol="0" anchor="ctr"/>
-          <a:lstStyle/>
-          <a:p>
-            <a:pPr algn="ctr"/>
-            <a:endParaRPr lang="en-US"/>
-          </a:p>
-        </p:txBody>
-      </p:sp>
-      <p:sp>
-        <p:nvSpPr>
-          <p:cNvPr id="128" name="Rectangle 127"/>
-          <p:cNvSpPr/>
-          <p:nvPr/>
-        </p:nvSpPr>
-        <p:spPr>
-          <a:xfrm>
-            <a:off x="4326815" y="3540372"/>
-            <a:ext cx="164592" cy="153690"/>
-          </a:xfrm>
-          <a:prstGeom prst="rect">
-            <a:avLst/>
-          </a:prstGeom>
-          <a:noFill/>
-          <a:ln w="38100">
-            <a:solidFill>
-              <a:schemeClr val="accent1">
-                <a:lumMod val="75000"/>
-              </a:schemeClr>
-            </a:solidFill>
-          </a:ln>
-        </p:spPr>
-        <p:style>
-          <a:lnRef idx="2">
-            <a:schemeClr val="accent1">
-              <a:shade val="50000"/>
-            </a:schemeClr>
-          </a:lnRef>
-          <a:fillRef idx="1">
-            <a:schemeClr val="accent1"/>
-          </a:fillRef>
-          <a:effectRef idx="0">
-            <a:schemeClr val="accent1"/>
-          </a:effectRef>
-          <a:fontRef idx="minor">
-            <a:schemeClr val="lt1"/>
-          </a:fontRef>
-        </p:style>
-        <p:txBody>
-          <a:bodyPr rtlCol="0" anchor="ctr"/>
-          <a:lstStyle/>
-          <a:p>
-            <a:pPr algn="ctr"/>
-            <a:endParaRPr lang="en-US"/>
-          </a:p>
-        </p:txBody>
-      </p:sp>
-      <p:sp>
-        <p:nvSpPr>
-          <p:cNvPr id="129" name="Rectangle 128"/>
-          <p:cNvSpPr/>
-          <p:nvPr/>
-        </p:nvSpPr>
-        <p:spPr>
-          <a:xfrm>
-            <a:off x="4910701" y="2857623"/>
-            <a:ext cx="164592" cy="153690"/>
-          </a:xfrm>
-          <a:prstGeom prst="rect">
-            <a:avLst/>
-          </a:prstGeom>
-          <a:noFill/>
-          <a:ln w="38100">
-            <a:solidFill>
-              <a:schemeClr val="accent1">
-                <a:lumMod val="75000"/>
-              </a:schemeClr>
-            </a:solidFill>
-          </a:ln>
-        </p:spPr>
-        <p:style>
-          <a:lnRef idx="2">
-            <a:schemeClr val="accent1">
-              <a:shade val="50000"/>
-            </a:schemeClr>
-          </a:lnRef>
-          <a:fillRef idx="1">
-            <a:schemeClr val="accent1"/>
-          </a:fillRef>
-          <a:effectRef idx="0">
-            <a:schemeClr val="accent1"/>
-          </a:effectRef>
-          <a:fontRef idx="minor">
-            <a:schemeClr val="lt1"/>
-          </a:fontRef>
-        </p:style>
-        <p:txBody>
-          <a:bodyPr rtlCol="0" anchor="ctr"/>
-          <a:lstStyle/>
-          <a:p>
-            <a:pPr algn="ctr"/>
-            <a:endParaRPr lang="en-US"/>
-          </a:p>
-        </p:txBody>
-      </p:sp>
-      <p:sp>
-        <p:nvSpPr>
-          <p:cNvPr id="130" name="Diamond 129"/>
-          <p:cNvSpPr/>
-          <p:nvPr/>
-        </p:nvSpPr>
-        <p:spPr>
-          <a:xfrm>
-            <a:off x="3540622" y="3077879"/>
-            <a:ext cx="237744" cy="219456"/>
-          </a:xfrm>
-          <a:prstGeom prst="diamond">
-            <a:avLst/>
-          </a:prstGeom>
-          <a:solidFill>
-            <a:srgbClr val="00B0F0"/>
-          </a:solidFill>
-          <a:ln w="38100">
-            <a:solidFill>
-              <a:srgbClr val="00B0F0"/>
-            </a:solidFill>
-          </a:ln>
-        </p:spPr>
-        <p:style>
-          <a:lnRef idx="2">
-            <a:schemeClr val="accent1">
-              <a:shade val="50000"/>
-            </a:schemeClr>
-          </a:lnRef>
-          <a:fillRef idx="1">
-            <a:schemeClr val="accent1"/>
-          </a:fillRef>
-          <a:effectRef idx="0">
-            <a:schemeClr val="accent1"/>
-          </a:effectRef>
-          <a:fontRef idx="minor">
-            <a:schemeClr val="lt1"/>
-          </a:fontRef>
-        </p:style>
-        <p:txBody>
-          <a:bodyPr rtlCol="0" anchor="ctr"/>
-          <a:lstStyle/>
-          <a:p>
-            <a:pPr algn="ctr"/>
-            <a:endParaRPr lang="en-US"/>
-          </a:p>
-        </p:txBody>
-      </p:sp>
-      <p:sp>
-        <p:nvSpPr>
-          <p:cNvPr id="131" name="TextBox 130"/>
-          <p:cNvSpPr txBox="1"/>
-          <p:nvPr/>
-        </p:nvSpPr>
-        <p:spPr>
-          <a:xfrm rot="20741648">
-            <a:off x="632017" y="2671142"/>
-            <a:ext cx="1101852" cy="246221"/>
-          </a:xfrm>
-          <a:prstGeom prst="rect">
-            <a:avLst/>
-          </a:prstGeom>
-          <a:noFill/>
-        </p:spPr>
-        <p:txBody>
-          <a:bodyPr wrap="square" rtlCol="0">
-            <a:spAutoFit/>
-          </a:bodyPr>
-          <a:lstStyle/>
-          <a:p>
-            <a:r>
-              <a:rPr lang="en-US" sz="1000" dirty="0" smtClean="0"/>
-              <a:t>All species</a:t>
-            </a:r>
-            <a:endParaRPr lang="en-US" sz="1000" dirty="0"/>
-          </a:p>
-        </p:txBody>
-      </p:sp>
-      <p:sp>
-        <p:nvSpPr>
-          <p:cNvPr id="132" name="TextBox 131"/>
-          <p:cNvSpPr txBox="1"/>
-          <p:nvPr/>
-        </p:nvSpPr>
-        <p:spPr>
-          <a:xfrm rot="19292141">
-            <a:off x="544268" y="3232228"/>
-            <a:ext cx="1282191" cy="246221"/>
-          </a:xfrm>
-          <a:prstGeom prst="rect">
-            <a:avLst/>
-          </a:prstGeom>
-          <a:noFill/>
-        </p:spPr>
-        <p:txBody>
-          <a:bodyPr wrap="square" rtlCol="0">
-            <a:spAutoFit/>
-          </a:bodyPr>
-          <a:lstStyle/>
-          <a:p>
-            <a:r>
-              <a:rPr lang="en-US" sz="1000" dirty="0" smtClean="0"/>
-              <a:t>Excluding transients</a:t>
-            </a:r>
-            <a:endParaRPr lang="en-US" sz="1000" dirty="0"/>
-          </a:p>
-        </p:txBody>
-      </p:sp>
-      <p:pic>
-        <p:nvPicPr>
-          <p:cNvPr id="133" name="Picture 132"/>
-          <p:cNvPicPr>
-            <a:picLocks noChangeAspect="1"/>
-          </p:cNvPicPr>
-          <p:nvPr/>
-        </p:nvPicPr>
-        <p:blipFill rotWithShape="1">
-          <a:blip r:embed="rId2"/>
-          <a:srcRect t="13288" b="5627"/>
-          <a:stretch/>
-        </p:blipFill>
-        <p:spPr>
-          <a:xfrm>
-            <a:off x="225537" y="163710"/>
-            <a:ext cx="2485443" cy="2047887"/>
-          </a:xfrm>
-          <a:prstGeom prst="rect">
-            <a:avLst/>
-          </a:prstGeom>
-        </p:spPr>
-      </p:pic>
-      <p:sp>
-        <p:nvSpPr>
-          <p:cNvPr id="134" name="TextBox 133"/>
-          <p:cNvSpPr txBox="1"/>
-          <p:nvPr/>
-        </p:nvSpPr>
-        <p:spPr>
-          <a:xfrm>
-            <a:off x="6022118" y="4544919"/>
-            <a:ext cx="2257335" cy="400110"/>
-          </a:xfrm>
-          <a:prstGeom prst="rect">
-            <a:avLst/>
-          </a:prstGeom>
-          <a:noFill/>
-        </p:spPr>
-        <p:txBody>
-          <a:bodyPr wrap="square" rtlCol="0">
-            <a:spAutoFit/>
-          </a:bodyPr>
-          <a:lstStyle/>
-          <a:p>
-            <a:r>
-              <a:rPr lang="en-US" sz="1000" dirty="0" smtClean="0"/>
-              <a:t>Open square = core,</a:t>
-            </a:r>
-          </a:p>
-          <a:p>
-            <a:r>
-              <a:rPr lang="en-US" sz="1000" dirty="0" smtClean="0"/>
-              <a:t>filled diamond/circle = transients</a:t>
-            </a:r>
-            <a:endParaRPr lang="en-US" sz="1000" dirty="0" smtClean="0"/>
-          </a:p>
-        </p:txBody>
-      </p:sp>
-      <p:pic>
-        <p:nvPicPr>
-          <p:cNvPr id="136" name="Picture 135"/>
-          <p:cNvPicPr>
-            <a:picLocks noChangeAspect="1"/>
-          </p:cNvPicPr>
-          <p:nvPr/>
-        </p:nvPicPr>
-        <p:blipFill>
-          <a:blip r:embed="rId3"/>
-          <a:stretch>
-            <a:fillRect/>
-          </a:stretch>
-        </p:blipFill>
-        <p:spPr>
-          <a:xfrm>
-            <a:off x="3415913" y="319596"/>
-            <a:ext cx="2554822" cy="1909690"/>
-          </a:xfrm>
-          <a:prstGeom prst="rect">
-            <a:avLst/>
-          </a:prstGeom>
-        </p:spPr>
-      </p:pic>
     </p:spTree>
     <p:extLst>
       <p:ext uri="{BB962C8B-B14F-4D97-AF65-F5344CB8AC3E}">

--- a/output/plots/all_figs_with_legends.pptx
+++ b/output/plots/all_figs_with_legends.pptx
@@ -5,7 +5,7 @@
     <p:sldMasterId id="2147483648" r:id="rId1"/>
   </p:sldMasterIdLst>
   <p:notesMasterIdLst>
-    <p:notesMasterId r:id="rId9"/>
+    <p:notesMasterId r:id="rId11"/>
   </p:notesMasterIdLst>
   <p:sldIdLst>
     <p:sldId id="258" r:id="rId2"/>
@@ -15,6 +15,8 @@
     <p:sldId id="262" r:id="rId6"/>
     <p:sldId id="261" r:id="rId7"/>
     <p:sldId id="256" r:id="rId8"/>
+    <p:sldId id="264" r:id="rId9"/>
+    <p:sldId id="265" r:id="rId10"/>
   </p:sldIdLst>
   <p:sldSz cx="12192000" cy="6858000"/>
   <p:notesSz cx="6858000" cy="9144000"/>
@@ -5047,11 +5049,7 @@
           <a:p>
             <a:r>
               <a:rPr lang="en-US" dirty="0" smtClean="0"/>
-              <a:t>N = </a:t>
-            </a:r>
-            <a:r>
-              <a:rPr lang="en-US" dirty="0" smtClean="0"/>
-              <a:t>5</a:t>
+              <a:t>N = 5</a:t>
             </a:r>
             <a:endParaRPr lang="en-US" dirty="0"/>
           </a:p>
@@ -5081,11 +5079,7 @@
           <a:p>
             <a:r>
               <a:rPr lang="en-US" dirty="0" smtClean="0"/>
-              <a:t>N = </a:t>
-            </a:r>
-            <a:r>
-              <a:rPr lang="en-US" dirty="0" smtClean="0"/>
-              <a:t>5</a:t>
+              <a:t>N = 5</a:t>
             </a:r>
             <a:endParaRPr lang="en-US" dirty="0"/>
           </a:p>
@@ -10576,6 +10570,186 @@
 </p:sld>
 </file>
 
+<file path=ppt/slides/slide8.xml><?xml version="1.0" encoding="utf-8"?>
+<p:sld xmlns:a="http://schemas.openxmlformats.org/drawingml/2006/main" xmlns:r="http://schemas.openxmlformats.org/officeDocument/2006/relationships" xmlns:p="http://schemas.openxmlformats.org/presentationml/2006/main">
+  <p:cSld>
+    <p:spTree>
+      <p:nvGrpSpPr>
+        <p:cNvPr id="1" name=""/>
+        <p:cNvGrpSpPr/>
+        <p:nvPr/>
+      </p:nvGrpSpPr>
+      <p:grpSpPr>
+        <a:xfrm>
+          <a:off x="0" y="0"/>
+          <a:ext cx="0" cy="0"/>
+          <a:chOff x="0" y="0"/>
+          <a:chExt cx="0" cy="0"/>
+        </a:xfrm>
+      </p:grpSpPr>
+      <p:sp>
+        <p:nvSpPr>
+          <p:cNvPr id="2" name="Title 1"/>
+          <p:cNvSpPr>
+            <a:spLocks noGrp="1"/>
+          </p:cNvSpPr>
+          <p:nvPr>
+            <p:ph type="title"/>
+          </p:nvPr>
+        </p:nvSpPr>
+        <p:spPr>
+          <a:xfrm>
+            <a:off x="699516" y="0"/>
+            <a:ext cx="10872216" cy="1325563"/>
+          </a:xfrm>
+        </p:spPr>
+        <p:txBody>
+          <a:bodyPr/>
+          <a:lstStyle/>
+          <a:p>
+            <a:r>
+              <a:rPr lang="en-US" dirty="0" smtClean="0"/>
+              <a:t>FIG 3 SUPP 10					FIG </a:t>
+            </a:r>
+            <a:r>
+              <a:rPr lang="en-US" dirty="0"/>
+              <a:t>3 SUPP </a:t>
+            </a:r>
+            <a:r>
+              <a:rPr lang="en-US" dirty="0" smtClean="0"/>
+              <a:t>25</a:t>
+            </a:r>
+            <a:endParaRPr lang="en-US" dirty="0"/>
+          </a:p>
+        </p:txBody>
+      </p:sp>
+      <p:pic>
+        <p:nvPicPr>
+          <p:cNvPr id="4" name="Picture 3"/>
+          <p:cNvPicPr>
+            <a:picLocks noChangeAspect="1"/>
+          </p:cNvPicPr>
+          <p:nvPr/>
+        </p:nvPicPr>
+        <p:blipFill>
+          <a:blip r:embed="rId2"/>
+          <a:stretch>
+            <a:fillRect/>
+          </a:stretch>
+        </p:blipFill>
+        <p:spPr>
+          <a:xfrm>
+            <a:off x="97345" y="988584"/>
+            <a:ext cx="5628737" cy="4514445"/>
+          </a:xfrm>
+          <a:prstGeom prst="rect">
+            <a:avLst/>
+          </a:prstGeom>
+        </p:spPr>
+      </p:pic>
+      <p:pic>
+        <p:nvPicPr>
+          <p:cNvPr id="5" name="Picture 4"/>
+          <p:cNvPicPr>
+            <a:picLocks noChangeAspect="1"/>
+          </p:cNvPicPr>
+          <p:nvPr/>
+        </p:nvPicPr>
+        <p:blipFill>
+          <a:blip r:embed="rId3"/>
+          <a:stretch>
+            <a:fillRect/>
+          </a:stretch>
+        </p:blipFill>
+        <p:spPr>
+          <a:xfrm>
+            <a:off x="6135624" y="988585"/>
+            <a:ext cx="5699950" cy="4514445"/>
+          </a:xfrm>
+          <a:prstGeom prst="rect">
+            <a:avLst/>
+          </a:prstGeom>
+        </p:spPr>
+      </p:pic>
+    </p:spTree>
+    <p:extLst>
+      <p:ext uri="{BB962C8B-B14F-4D97-AF65-F5344CB8AC3E}">
+        <p14:creationId xmlns:p14="http://schemas.microsoft.com/office/powerpoint/2010/main" val="705413285"/>
+      </p:ext>
+    </p:extLst>
+  </p:cSld>
+  <p:clrMapOvr>
+    <a:masterClrMapping/>
+  </p:clrMapOvr>
+</p:sld>
+</file>
+
+<file path=ppt/slides/slide9.xml><?xml version="1.0" encoding="utf-8"?>
+<p:sld xmlns:a="http://schemas.openxmlformats.org/drawingml/2006/main" xmlns:r="http://schemas.openxmlformats.org/officeDocument/2006/relationships" xmlns:p="http://schemas.openxmlformats.org/presentationml/2006/main">
+  <p:cSld>
+    <p:spTree>
+      <p:nvGrpSpPr>
+        <p:cNvPr id="1" name=""/>
+        <p:cNvGrpSpPr/>
+        <p:nvPr/>
+      </p:nvGrpSpPr>
+      <p:grpSpPr>
+        <a:xfrm>
+          <a:off x="0" y="0"/>
+          <a:ext cx="0" cy="0"/>
+          <a:chOff x="0" y="0"/>
+          <a:chExt cx="0" cy="0"/>
+        </a:xfrm>
+      </p:grpSpPr>
+      <p:sp>
+        <p:nvSpPr>
+          <p:cNvPr id="2" name="Title 1"/>
+          <p:cNvSpPr>
+            <a:spLocks noGrp="1"/>
+          </p:cNvSpPr>
+          <p:nvPr>
+            <p:ph type="title"/>
+          </p:nvPr>
+        </p:nvSpPr>
+        <p:spPr>
+          <a:xfrm>
+            <a:off x="699516" y="0"/>
+            <a:ext cx="10872216" cy="1325563"/>
+          </a:xfrm>
+        </p:spPr>
+        <p:txBody>
+          <a:bodyPr/>
+          <a:lstStyle/>
+          <a:p>
+            <a:r>
+              <a:rPr lang="en-US" dirty="0" smtClean="0"/>
+              <a:t>FIG 4 SUPP 10					FIG 4 </a:t>
+            </a:r>
+            <a:r>
+              <a:rPr lang="en-US" dirty="0"/>
+              <a:t>SUPP </a:t>
+            </a:r>
+            <a:r>
+              <a:rPr lang="en-US" dirty="0" smtClean="0"/>
+              <a:t>25</a:t>
+            </a:r>
+            <a:endParaRPr lang="en-US" dirty="0"/>
+          </a:p>
+        </p:txBody>
+      </p:sp>
+    </p:spTree>
+    <p:extLst>
+      <p:ext uri="{BB962C8B-B14F-4D97-AF65-F5344CB8AC3E}">
+        <p14:creationId xmlns:p14="http://schemas.microsoft.com/office/powerpoint/2010/main" val="1876886906"/>
+      </p:ext>
+    </p:extLst>
+  </p:cSld>
+  <p:clrMapOvr>
+    <a:masterClrMapping/>
+  </p:clrMapOvr>
+</p:sld>
+</file>
+
 <file path=ppt/theme/theme1.xml><?xml version="1.0" encoding="utf-8"?>
 <a:theme xmlns:a="http://schemas.openxmlformats.org/drawingml/2006/main" name="Office Theme">
   <a:themeElements>

--- a/output/plots/all_figs_with_legends.pptx
+++ b/output/plots/all_figs_with_legends.pptx
@@ -205,7 +205,7 @@
           <a:p>
             <a:fld id="{7FA21820-D199-4D82-91AF-C50B1D3B111A}" type="datetimeFigureOut">
               <a:rPr lang="en-US" smtClean="0"/>
-              <a:t>5/8/2017</a:t>
+              <a:t>5/9/2017</a:t>
             </a:fld>
             <a:endParaRPr lang="en-US"/>
           </a:p>
@@ -1038,7 +1038,7 @@
           <a:p>
             <a:fld id="{916B8C92-D5E3-4480-8685-D57BEE386DE2}" type="datetimeFigureOut">
               <a:rPr lang="en-US" smtClean="0"/>
-              <a:t>5/8/2017</a:t>
+              <a:t>5/9/2017</a:t>
             </a:fld>
             <a:endParaRPr lang="en-US"/>
           </a:p>
@@ -1208,7 +1208,7 @@
           <a:p>
             <a:fld id="{916B8C92-D5E3-4480-8685-D57BEE386DE2}" type="datetimeFigureOut">
               <a:rPr lang="en-US" smtClean="0"/>
-              <a:t>5/8/2017</a:t>
+              <a:t>5/9/2017</a:t>
             </a:fld>
             <a:endParaRPr lang="en-US"/>
           </a:p>
@@ -1388,7 +1388,7 @@
           <a:p>
             <a:fld id="{916B8C92-D5E3-4480-8685-D57BEE386DE2}" type="datetimeFigureOut">
               <a:rPr lang="en-US" smtClean="0"/>
-              <a:t>5/8/2017</a:t>
+              <a:t>5/9/2017</a:t>
             </a:fld>
             <a:endParaRPr lang="en-US"/>
           </a:p>
@@ -1558,7 +1558,7 @@
           <a:p>
             <a:fld id="{916B8C92-D5E3-4480-8685-D57BEE386DE2}" type="datetimeFigureOut">
               <a:rPr lang="en-US" smtClean="0"/>
-              <a:t>5/8/2017</a:t>
+              <a:t>5/9/2017</a:t>
             </a:fld>
             <a:endParaRPr lang="en-US"/>
           </a:p>
@@ -1804,7 +1804,7 @@
           <a:p>
             <a:fld id="{916B8C92-D5E3-4480-8685-D57BEE386DE2}" type="datetimeFigureOut">
               <a:rPr lang="en-US" smtClean="0"/>
-              <a:t>5/8/2017</a:t>
+              <a:t>5/9/2017</a:t>
             </a:fld>
             <a:endParaRPr lang="en-US"/>
           </a:p>
@@ -2036,7 +2036,7 @@
           <a:p>
             <a:fld id="{916B8C92-D5E3-4480-8685-D57BEE386DE2}" type="datetimeFigureOut">
               <a:rPr lang="en-US" smtClean="0"/>
-              <a:t>5/8/2017</a:t>
+              <a:t>5/9/2017</a:t>
             </a:fld>
             <a:endParaRPr lang="en-US"/>
           </a:p>
@@ -2403,7 +2403,7 @@
           <a:p>
             <a:fld id="{916B8C92-D5E3-4480-8685-D57BEE386DE2}" type="datetimeFigureOut">
               <a:rPr lang="en-US" smtClean="0"/>
-              <a:t>5/8/2017</a:t>
+              <a:t>5/9/2017</a:t>
             </a:fld>
             <a:endParaRPr lang="en-US"/>
           </a:p>
@@ -2521,7 +2521,7 @@
           <a:p>
             <a:fld id="{916B8C92-D5E3-4480-8685-D57BEE386DE2}" type="datetimeFigureOut">
               <a:rPr lang="en-US" smtClean="0"/>
-              <a:t>5/8/2017</a:t>
+              <a:t>5/9/2017</a:t>
             </a:fld>
             <a:endParaRPr lang="en-US"/>
           </a:p>
@@ -2616,7 +2616,7 @@
           <a:p>
             <a:fld id="{916B8C92-D5E3-4480-8685-D57BEE386DE2}" type="datetimeFigureOut">
               <a:rPr lang="en-US" smtClean="0"/>
-              <a:t>5/8/2017</a:t>
+              <a:t>5/9/2017</a:t>
             </a:fld>
             <a:endParaRPr lang="en-US"/>
           </a:p>
@@ -2893,7 +2893,7 @@
           <a:p>
             <a:fld id="{916B8C92-D5E3-4480-8685-D57BEE386DE2}" type="datetimeFigureOut">
               <a:rPr lang="en-US" smtClean="0"/>
-              <a:t>5/8/2017</a:t>
+              <a:t>5/9/2017</a:t>
             </a:fld>
             <a:endParaRPr lang="en-US"/>
           </a:p>
@@ -3146,7 +3146,7 @@
           <a:p>
             <a:fld id="{916B8C92-D5E3-4480-8685-D57BEE386DE2}" type="datetimeFigureOut">
               <a:rPr lang="en-US" smtClean="0"/>
-              <a:t>5/8/2017</a:t>
+              <a:t>5/9/2017</a:t>
             </a:fld>
             <a:endParaRPr lang="en-US"/>
           </a:p>
@@ -3359,7 +3359,7 @@
           <a:p>
             <a:fld id="{916B8C92-D5E3-4480-8685-D57BEE386DE2}" type="datetimeFigureOut">
               <a:rPr lang="en-US" smtClean="0"/>
-              <a:t>5/8/2017</a:t>
+              <a:t>5/9/2017</a:t>
             </a:fld>
             <a:endParaRPr lang="en-US"/>
           </a:p>
@@ -4858,7 +4858,10 @@
           <a:noFill/>
           <a:ln>
             <a:solidFill>
-              <a:schemeClr val="tx1"/>
+              <a:schemeClr val="tx1">
+                <a:lumMod val="50000"/>
+                <a:lumOff val="50000"/>
+              </a:schemeClr>
             </a:solidFill>
           </a:ln>
         </p:spPr>
@@ -4896,6 +4899,55 @@
         <p:spPr>
           <a:xfrm>
             <a:off x="3406950" y="4518014"/>
+            <a:ext cx="2567210" cy="2136065"/>
+          </a:xfrm>
+          <a:prstGeom prst="rect">
+            <a:avLst/>
+          </a:prstGeom>
+          <a:noFill/>
+          <a:ln>
+            <a:solidFill>
+              <a:schemeClr val="tx1">
+                <a:lumMod val="50000"/>
+                <a:lumOff val="50000"/>
+              </a:schemeClr>
+            </a:solidFill>
+          </a:ln>
+        </p:spPr>
+        <p:style>
+          <a:lnRef idx="2">
+            <a:schemeClr val="accent1">
+              <a:shade val="50000"/>
+            </a:schemeClr>
+          </a:lnRef>
+          <a:fillRef idx="1">
+            <a:schemeClr val="accent1"/>
+          </a:fillRef>
+          <a:effectRef idx="0">
+            <a:schemeClr val="accent1"/>
+          </a:effectRef>
+          <a:fontRef idx="minor">
+            <a:schemeClr val="lt1"/>
+          </a:fontRef>
+        </p:style>
+        <p:txBody>
+          <a:bodyPr rtlCol="0" anchor="ctr"/>
+          <a:lstStyle/>
+          <a:p>
+            <a:pPr algn="ctr"/>
+            <a:endParaRPr lang="en-US"/>
+          </a:p>
+        </p:txBody>
+      </p:sp>
+      <p:sp>
+        <p:nvSpPr>
+          <p:cNvPr id="8" name="Rectangle 7"/>
+          <p:cNvSpPr/>
+          <p:nvPr/>
+        </p:nvSpPr>
+        <p:spPr>
+          <a:xfrm>
+            <a:off x="175991" y="2288613"/>
             <a:ext cx="2567210" cy="2136065"/>
           </a:xfrm>
           <a:prstGeom prst="rect">
@@ -4935,14 +4987,14 @@
       </p:sp>
       <p:sp>
         <p:nvSpPr>
-          <p:cNvPr id="8" name="Rectangle 7"/>
+          <p:cNvPr id="9" name="Rectangle 8"/>
           <p:cNvSpPr/>
           <p:nvPr/>
         </p:nvSpPr>
         <p:spPr>
           <a:xfrm>
-            <a:off x="175991" y="2288613"/>
-            <a:ext cx="2567210" cy="2136065"/>
+            <a:off x="3406949" y="2304023"/>
+            <a:ext cx="2567209" cy="2136065"/>
           </a:xfrm>
           <a:prstGeom prst="rect">
             <a:avLst/>
@@ -4976,112 +5028,6 @@
           <a:p>
             <a:pPr algn="ctr"/>
             <a:endParaRPr lang="en-US"/>
-          </a:p>
-        </p:txBody>
-      </p:sp>
-      <p:sp>
-        <p:nvSpPr>
-          <p:cNvPr id="9" name="Rectangle 8"/>
-          <p:cNvSpPr/>
-          <p:nvPr/>
-        </p:nvSpPr>
-        <p:spPr>
-          <a:xfrm>
-            <a:off x="3406949" y="2304023"/>
-            <a:ext cx="2567209" cy="2136065"/>
-          </a:xfrm>
-          <a:prstGeom prst="rect">
-            <a:avLst/>
-          </a:prstGeom>
-          <a:noFill/>
-          <a:ln>
-            <a:solidFill>
-              <a:schemeClr val="tx1"/>
-            </a:solidFill>
-          </a:ln>
-        </p:spPr>
-        <p:style>
-          <a:lnRef idx="2">
-            <a:schemeClr val="accent1">
-              <a:shade val="50000"/>
-            </a:schemeClr>
-          </a:lnRef>
-          <a:fillRef idx="1">
-            <a:schemeClr val="accent1"/>
-          </a:fillRef>
-          <a:effectRef idx="0">
-            <a:schemeClr val="accent1"/>
-          </a:effectRef>
-          <a:fontRef idx="minor">
-            <a:schemeClr val="lt1"/>
-          </a:fontRef>
-        </p:style>
-        <p:txBody>
-          <a:bodyPr rtlCol="0" anchor="ctr"/>
-          <a:lstStyle/>
-          <a:p>
-            <a:pPr algn="ctr"/>
-            <a:endParaRPr lang="en-US"/>
-          </a:p>
-        </p:txBody>
-      </p:sp>
-      <p:sp>
-        <p:nvSpPr>
-          <p:cNvPr id="46" name="TextBox 45"/>
-          <p:cNvSpPr txBox="1"/>
-          <p:nvPr/>
-        </p:nvSpPr>
-        <p:spPr>
-          <a:xfrm>
-            <a:off x="2127010" y="6338754"/>
-            <a:ext cx="686468" cy="369332"/>
-          </a:xfrm>
-          <a:prstGeom prst="rect">
-            <a:avLst/>
-          </a:prstGeom>
-          <a:noFill/>
-        </p:spPr>
-        <p:txBody>
-          <a:bodyPr wrap="square" rtlCol="0">
-            <a:spAutoFit/>
-          </a:bodyPr>
-          <a:lstStyle/>
-          <a:p>
-            <a:r>
-              <a:rPr lang="en-US" dirty="0" smtClean="0"/>
-              <a:t>N = 5</a:t>
-            </a:r>
-            <a:endParaRPr lang="en-US" dirty="0"/>
-          </a:p>
-        </p:txBody>
-      </p:sp>
-      <p:sp>
-        <p:nvSpPr>
-          <p:cNvPr id="47" name="TextBox 46"/>
-          <p:cNvSpPr txBox="1"/>
-          <p:nvPr/>
-        </p:nvSpPr>
-        <p:spPr>
-          <a:xfrm>
-            <a:off x="5371062" y="6368475"/>
-            <a:ext cx="697636" cy="369332"/>
-          </a:xfrm>
-          <a:prstGeom prst="rect">
-            <a:avLst/>
-          </a:prstGeom>
-          <a:noFill/>
-        </p:spPr>
-        <p:txBody>
-          <a:bodyPr wrap="square" rtlCol="0">
-            <a:spAutoFit/>
-          </a:bodyPr>
-          <a:lstStyle/>
-          <a:p>
-            <a:r>
-              <a:rPr lang="en-US" dirty="0" smtClean="0"/>
-              <a:t>N = 5</a:t>
-            </a:r>
-            <a:endParaRPr lang="en-US" dirty="0"/>
           </a:p>
         </p:txBody>
       </p:sp>
@@ -5841,62 +5787,6 @@
           </a:p>
         </p:txBody>
       </p:sp>
-      <p:sp>
-        <p:nvSpPr>
-          <p:cNvPr id="56" name="TextBox 55"/>
-          <p:cNvSpPr txBox="1"/>
-          <p:nvPr/>
-        </p:nvSpPr>
-        <p:spPr>
-          <a:xfrm>
-            <a:off x="5941659" y="4097497"/>
-            <a:ext cx="1024176" cy="400110"/>
-          </a:xfrm>
-          <a:prstGeom prst="rect">
-            <a:avLst/>
-          </a:prstGeom>
-          <a:noFill/>
-        </p:spPr>
-        <p:txBody>
-          <a:bodyPr wrap="square" rtlCol="0">
-            <a:spAutoFit/>
-          </a:bodyPr>
-          <a:lstStyle/>
-          <a:p>
-            <a:r>
-              <a:rPr lang="en-US" sz="1000" dirty="0" smtClean="0"/>
-              <a:t>Box 1: # </a:t>
-            </a:r>
-            <a:r>
-              <a:rPr lang="en-US" sz="1000" dirty="0" err="1" smtClean="0"/>
-              <a:t>spp</a:t>
-            </a:r>
-            <a:r>
-              <a:rPr lang="en-US" sz="1000" dirty="0" smtClean="0"/>
-              <a:t> =3</a:t>
-            </a:r>
-          </a:p>
-          <a:p>
-            <a:r>
-              <a:rPr lang="en-US" sz="1000" dirty="0" smtClean="0"/>
-              <a:t>Box 4: # </a:t>
-            </a:r>
-            <a:r>
-              <a:rPr lang="en-US" sz="1000" dirty="0" err="1" smtClean="0"/>
-              <a:t>spp</a:t>
-            </a:r>
-            <a:r>
-              <a:rPr lang="en-US" sz="1000" dirty="0" smtClean="0"/>
-              <a:t> = </a:t>
-            </a:r>
-            <a:r>
-              <a:rPr lang="en-US" sz="1000" dirty="0"/>
-              <a:t>7</a:t>
-            </a:r>
-            <a:endParaRPr lang="en-US" sz="1000" dirty="0" smtClean="0"/>
-          </a:p>
-        </p:txBody>
-      </p:sp>
       <p:cxnSp>
         <p:nvCxnSpPr>
           <p:cNvPr id="58" name="Straight Connector 57"/>
@@ -5969,52 +5859,6 @@
           </a:fontRef>
         </p:style>
       </p:cxnSp>
-      <p:sp>
-        <p:nvSpPr>
-          <p:cNvPr id="79" name="Rectangle 78"/>
-          <p:cNvSpPr/>
-          <p:nvPr/>
-        </p:nvSpPr>
-        <p:spPr>
-          <a:xfrm>
-            <a:off x="3418937" y="2304023"/>
-            <a:ext cx="1283179" cy="1069826"/>
-          </a:xfrm>
-          <a:prstGeom prst="rect">
-            <a:avLst/>
-          </a:prstGeom>
-          <a:noFill/>
-          <a:ln w="19050">
-            <a:solidFill>
-              <a:schemeClr val="tx1"/>
-            </a:solidFill>
-          </a:ln>
-        </p:spPr>
-        <p:style>
-          <a:lnRef idx="2">
-            <a:schemeClr val="accent1">
-              <a:shade val="50000"/>
-            </a:schemeClr>
-          </a:lnRef>
-          <a:fillRef idx="1">
-            <a:schemeClr val="accent1"/>
-          </a:fillRef>
-          <a:effectRef idx="0">
-            <a:schemeClr val="accent1"/>
-          </a:effectRef>
-          <a:fontRef idx="minor">
-            <a:schemeClr val="lt1"/>
-          </a:fontRef>
-        </p:style>
-        <p:txBody>
-          <a:bodyPr rtlCol="0" anchor="ctr"/>
-          <a:lstStyle/>
-          <a:p>
-            <a:pPr algn="ctr"/>
-            <a:endParaRPr lang="en-US"/>
-          </a:p>
-        </p:txBody>
-      </p:sp>
       <p:sp>
         <p:nvSpPr>
           <p:cNvPr id="81" name="Rectangle 80"/>
@@ -6308,42 +6152,2509 @@
       </p:pic>
       <p:sp>
         <p:nvSpPr>
-          <p:cNvPr id="134" name="TextBox 133"/>
-          <p:cNvSpPr txBox="1"/>
+          <p:cNvPr id="73" name="Diamond 72"/>
+          <p:cNvSpPr/>
           <p:nvPr/>
         </p:nvSpPr>
         <p:spPr>
           <a:xfrm>
-            <a:off x="6022118" y="4544919"/>
-            <a:ext cx="2257335" cy="400110"/>
+            <a:off x="1199734" y="5537050"/>
+            <a:ext cx="237744" cy="219456"/>
+          </a:xfrm>
+          <a:prstGeom prst="diamond">
+            <a:avLst/>
+          </a:prstGeom>
+          <a:solidFill>
+            <a:schemeClr val="tx1">
+              <a:lumMod val="50000"/>
+              <a:lumOff val="50000"/>
+            </a:schemeClr>
+          </a:solidFill>
+          <a:ln w="38100">
+            <a:solidFill>
+              <a:schemeClr val="tx1">
+                <a:lumMod val="50000"/>
+                <a:lumOff val="50000"/>
+              </a:schemeClr>
+            </a:solidFill>
+          </a:ln>
+        </p:spPr>
+        <p:style>
+          <a:lnRef idx="2">
+            <a:schemeClr val="accent1">
+              <a:shade val="50000"/>
+            </a:schemeClr>
+          </a:lnRef>
+          <a:fillRef idx="1">
+            <a:schemeClr val="accent1"/>
+          </a:fillRef>
+          <a:effectRef idx="0">
+            <a:schemeClr val="accent1"/>
+          </a:effectRef>
+          <a:fontRef idx="minor">
+            <a:schemeClr val="lt1"/>
+          </a:fontRef>
+        </p:style>
+        <p:txBody>
+          <a:bodyPr rtlCol="0" anchor="ctr"/>
+          <a:lstStyle/>
+          <a:p>
+            <a:pPr algn="ctr"/>
+            <a:endParaRPr lang="en-US"/>
+          </a:p>
+        </p:txBody>
+      </p:sp>
+      <p:sp>
+        <p:nvSpPr>
+          <p:cNvPr id="74" name="Rectangle 73"/>
+          <p:cNvSpPr/>
+          <p:nvPr/>
+        </p:nvSpPr>
+        <p:spPr>
+          <a:xfrm>
+            <a:off x="2084103" y="5348100"/>
+            <a:ext cx="164592" cy="153690"/>
+          </a:xfrm>
+          <a:prstGeom prst="rect">
+            <a:avLst/>
+          </a:prstGeom>
+          <a:solidFill>
+            <a:schemeClr val="tx1">
+              <a:lumMod val="50000"/>
+              <a:lumOff val="50000"/>
+            </a:schemeClr>
+          </a:solidFill>
+          <a:ln w="38100">
+            <a:solidFill>
+              <a:schemeClr val="tx1">
+                <a:lumMod val="50000"/>
+                <a:lumOff val="50000"/>
+              </a:schemeClr>
+            </a:solidFill>
+          </a:ln>
+        </p:spPr>
+        <p:style>
+          <a:lnRef idx="2">
+            <a:schemeClr val="accent1">
+              <a:shade val="50000"/>
+            </a:schemeClr>
+          </a:lnRef>
+          <a:fillRef idx="1">
+            <a:schemeClr val="accent1"/>
+          </a:fillRef>
+          <a:effectRef idx="0">
+            <a:schemeClr val="accent1"/>
+          </a:effectRef>
+          <a:fontRef idx="minor">
+            <a:schemeClr val="lt1"/>
+          </a:fontRef>
+        </p:style>
+        <p:txBody>
+          <a:bodyPr rtlCol="0" anchor="ctr"/>
+          <a:lstStyle/>
+          <a:p>
+            <a:pPr algn="ctr"/>
+            <a:endParaRPr lang="en-US"/>
+          </a:p>
+        </p:txBody>
+      </p:sp>
+      <p:sp>
+        <p:nvSpPr>
+          <p:cNvPr id="75" name="Oval 74"/>
+          <p:cNvSpPr/>
+          <p:nvPr/>
+        </p:nvSpPr>
+        <p:spPr>
+          <a:xfrm>
+            <a:off x="2004561" y="4686983"/>
+            <a:ext cx="174451" cy="183765"/>
+          </a:xfrm>
+          <a:prstGeom prst="ellipse">
+            <a:avLst/>
+          </a:prstGeom>
+          <a:solidFill>
+            <a:schemeClr val="tx1">
+              <a:lumMod val="50000"/>
+              <a:lumOff val="50000"/>
+            </a:schemeClr>
+          </a:solidFill>
+          <a:ln w="38100">
+            <a:solidFill>
+              <a:schemeClr val="tx1">
+                <a:lumMod val="50000"/>
+                <a:lumOff val="50000"/>
+              </a:schemeClr>
+            </a:solidFill>
+          </a:ln>
+        </p:spPr>
+        <p:style>
+          <a:lnRef idx="2">
+            <a:schemeClr val="accent1">
+              <a:shade val="50000"/>
+            </a:schemeClr>
+          </a:lnRef>
+          <a:fillRef idx="1">
+            <a:schemeClr val="accent1"/>
+          </a:fillRef>
+          <a:effectRef idx="0">
+            <a:schemeClr val="accent1"/>
+          </a:effectRef>
+          <a:fontRef idx="minor">
+            <a:schemeClr val="lt1"/>
+          </a:fontRef>
+        </p:style>
+        <p:txBody>
+          <a:bodyPr rtlCol="0" anchor="ctr"/>
+          <a:lstStyle/>
+          <a:p>
+            <a:pPr algn="ctr"/>
+            <a:endParaRPr lang="en-US"/>
+          </a:p>
+        </p:txBody>
+      </p:sp>
+      <p:sp>
+        <p:nvSpPr>
+          <p:cNvPr id="78" name="Isosceles Triangle 77"/>
+          <p:cNvSpPr/>
+          <p:nvPr/>
+        </p:nvSpPr>
+        <p:spPr>
+          <a:xfrm>
+            <a:off x="519916" y="4693472"/>
+            <a:ext cx="180669" cy="170788"/>
+          </a:xfrm>
+          <a:prstGeom prst="triangle">
+            <a:avLst/>
+          </a:prstGeom>
+          <a:solidFill>
+            <a:schemeClr val="tx1">
+              <a:lumMod val="50000"/>
+              <a:lumOff val="50000"/>
+            </a:schemeClr>
+          </a:solidFill>
+          <a:ln w="38100">
+            <a:solidFill>
+              <a:schemeClr val="tx1">
+                <a:lumMod val="50000"/>
+                <a:lumOff val="50000"/>
+              </a:schemeClr>
+            </a:solidFill>
+          </a:ln>
+        </p:spPr>
+        <p:style>
+          <a:lnRef idx="2">
+            <a:schemeClr val="accent1">
+              <a:shade val="50000"/>
+            </a:schemeClr>
+          </a:lnRef>
+          <a:fillRef idx="1">
+            <a:schemeClr val="accent1"/>
+          </a:fillRef>
+          <a:effectRef idx="0">
+            <a:schemeClr val="accent1"/>
+          </a:effectRef>
+          <a:fontRef idx="minor">
+            <a:schemeClr val="lt1"/>
+          </a:fontRef>
+        </p:style>
+        <p:txBody>
+          <a:bodyPr rtlCol="0" anchor="ctr"/>
+          <a:lstStyle/>
+          <a:p>
+            <a:pPr algn="ctr"/>
+            <a:endParaRPr lang="en-US"/>
+          </a:p>
+        </p:txBody>
+      </p:sp>
+      <p:sp>
+        <p:nvSpPr>
+          <p:cNvPr id="80" name="5-Point Star 79"/>
+          <p:cNvSpPr/>
+          <p:nvPr/>
+        </p:nvSpPr>
+        <p:spPr>
+          <a:xfrm>
+            <a:off x="528915" y="6245119"/>
+            <a:ext cx="222222" cy="187270"/>
+          </a:xfrm>
+          <a:prstGeom prst="star5">
+            <a:avLst/>
+          </a:prstGeom>
+          <a:solidFill>
+            <a:schemeClr val="tx1">
+              <a:lumMod val="50000"/>
+              <a:lumOff val="50000"/>
+            </a:schemeClr>
+          </a:solidFill>
+          <a:ln w="28575">
+            <a:solidFill>
+              <a:schemeClr val="tx1">
+                <a:lumMod val="50000"/>
+                <a:lumOff val="50000"/>
+              </a:schemeClr>
+            </a:solidFill>
+          </a:ln>
+        </p:spPr>
+        <p:style>
+          <a:lnRef idx="2">
+            <a:schemeClr val="accent1">
+              <a:shade val="50000"/>
+            </a:schemeClr>
+          </a:lnRef>
+          <a:fillRef idx="1">
+            <a:schemeClr val="accent1"/>
+          </a:fillRef>
+          <a:effectRef idx="0">
+            <a:schemeClr val="accent1"/>
+          </a:effectRef>
+          <a:fontRef idx="minor">
+            <a:schemeClr val="lt1"/>
+          </a:fontRef>
+        </p:style>
+        <p:txBody>
+          <a:bodyPr rtlCol="0" anchor="ctr"/>
+          <a:lstStyle/>
+          <a:p>
+            <a:pPr algn="ctr"/>
+            <a:endParaRPr lang="en-US"/>
+          </a:p>
+        </p:txBody>
+      </p:sp>
+      <p:sp>
+        <p:nvSpPr>
+          <p:cNvPr id="86" name="Diamond 85"/>
+          <p:cNvSpPr/>
+          <p:nvPr/>
+        </p:nvSpPr>
+        <p:spPr>
+          <a:xfrm>
+            <a:off x="4441582" y="5508961"/>
+            <a:ext cx="237744" cy="219456"/>
+          </a:xfrm>
+          <a:prstGeom prst="diamond">
+            <a:avLst/>
+          </a:prstGeom>
+          <a:solidFill>
+            <a:schemeClr val="tx1">
+              <a:lumMod val="50000"/>
+              <a:lumOff val="50000"/>
+            </a:schemeClr>
+          </a:solidFill>
+          <a:ln w="38100">
+            <a:solidFill>
+              <a:schemeClr val="tx1">
+                <a:lumMod val="50000"/>
+                <a:lumOff val="50000"/>
+              </a:schemeClr>
+            </a:solidFill>
+          </a:ln>
+        </p:spPr>
+        <p:style>
+          <a:lnRef idx="2">
+            <a:schemeClr val="accent1">
+              <a:shade val="50000"/>
+            </a:schemeClr>
+          </a:lnRef>
+          <a:fillRef idx="1">
+            <a:schemeClr val="accent1"/>
+          </a:fillRef>
+          <a:effectRef idx="0">
+            <a:schemeClr val="accent1"/>
+          </a:effectRef>
+          <a:fontRef idx="minor">
+            <a:schemeClr val="lt1"/>
+          </a:fontRef>
+        </p:style>
+        <p:txBody>
+          <a:bodyPr rtlCol="0" anchor="ctr"/>
+          <a:lstStyle/>
+          <a:p>
+            <a:pPr algn="ctr"/>
+            <a:endParaRPr lang="en-US"/>
+          </a:p>
+        </p:txBody>
+      </p:sp>
+      <p:sp>
+        <p:nvSpPr>
+          <p:cNvPr id="87" name="Rectangle 86"/>
+          <p:cNvSpPr/>
+          <p:nvPr/>
+        </p:nvSpPr>
+        <p:spPr>
+          <a:xfrm>
+            <a:off x="5341362" y="5348100"/>
+            <a:ext cx="164592" cy="153690"/>
+          </a:xfrm>
+          <a:prstGeom prst="rect">
+            <a:avLst/>
+          </a:prstGeom>
+          <a:solidFill>
+            <a:schemeClr val="tx1">
+              <a:lumMod val="50000"/>
+              <a:lumOff val="50000"/>
+            </a:schemeClr>
+          </a:solidFill>
+          <a:ln w="38100">
+            <a:solidFill>
+              <a:schemeClr val="tx1">
+                <a:lumMod val="50000"/>
+                <a:lumOff val="50000"/>
+              </a:schemeClr>
+            </a:solidFill>
+          </a:ln>
+        </p:spPr>
+        <p:style>
+          <a:lnRef idx="2">
+            <a:schemeClr val="accent1">
+              <a:shade val="50000"/>
+            </a:schemeClr>
+          </a:lnRef>
+          <a:fillRef idx="1">
+            <a:schemeClr val="accent1"/>
+          </a:fillRef>
+          <a:effectRef idx="0">
+            <a:schemeClr val="accent1"/>
+          </a:effectRef>
+          <a:fontRef idx="minor">
+            <a:schemeClr val="lt1"/>
+          </a:fontRef>
+        </p:style>
+        <p:txBody>
+          <a:bodyPr rtlCol="0" anchor="ctr"/>
+          <a:lstStyle/>
+          <a:p>
+            <a:pPr algn="ctr"/>
+            <a:endParaRPr lang="en-US"/>
+          </a:p>
+        </p:txBody>
+      </p:sp>
+      <p:sp>
+        <p:nvSpPr>
+          <p:cNvPr id="88" name="Oval 87"/>
+          <p:cNvSpPr/>
+          <p:nvPr/>
+        </p:nvSpPr>
+        <p:spPr>
+          <a:xfrm>
+            <a:off x="5266491" y="4685590"/>
+            <a:ext cx="174451" cy="183765"/>
+          </a:xfrm>
+          <a:prstGeom prst="ellipse">
+            <a:avLst/>
+          </a:prstGeom>
+          <a:solidFill>
+            <a:schemeClr val="tx1">
+              <a:lumMod val="50000"/>
+              <a:lumOff val="50000"/>
+            </a:schemeClr>
+          </a:solidFill>
+          <a:ln w="38100">
+            <a:solidFill>
+              <a:schemeClr val="tx1">
+                <a:lumMod val="50000"/>
+                <a:lumOff val="50000"/>
+              </a:schemeClr>
+            </a:solidFill>
+          </a:ln>
+        </p:spPr>
+        <p:style>
+          <a:lnRef idx="2">
+            <a:schemeClr val="accent1">
+              <a:shade val="50000"/>
+            </a:schemeClr>
+          </a:lnRef>
+          <a:fillRef idx="1">
+            <a:schemeClr val="accent1"/>
+          </a:fillRef>
+          <a:effectRef idx="0">
+            <a:schemeClr val="accent1"/>
+          </a:effectRef>
+          <a:fontRef idx="minor">
+            <a:schemeClr val="lt1"/>
+          </a:fontRef>
+        </p:style>
+        <p:txBody>
+          <a:bodyPr rtlCol="0" anchor="ctr"/>
+          <a:lstStyle/>
+          <a:p>
+            <a:pPr algn="ctr"/>
+            <a:endParaRPr lang="en-US"/>
+          </a:p>
+        </p:txBody>
+      </p:sp>
+      <p:sp>
+        <p:nvSpPr>
+          <p:cNvPr id="89" name="Isosceles Triangle 88"/>
+          <p:cNvSpPr/>
+          <p:nvPr/>
+        </p:nvSpPr>
+        <p:spPr>
+          <a:xfrm>
+            <a:off x="3761764" y="4665383"/>
+            <a:ext cx="180669" cy="170788"/>
+          </a:xfrm>
+          <a:prstGeom prst="triangle">
+            <a:avLst/>
+          </a:prstGeom>
+          <a:solidFill>
+            <a:schemeClr val="tx1">
+              <a:lumMod val="50000"/>
+              <a:lumOff val="50000"/>
+            </a:schemeClr>
+          </a:solidFill>
+          <a:ln w="38100">
+            <a:solidFill>
+              <a:schemeClr val="tx1">
+                <a:lumMod val="50000"/>
+                <a:lumOff val="50000"/>
+              </a:schemeClr>
+            </a:solidFill>
+          </a:ln>
+        </p:spPr>
+        <p:style>
+          <a:lnRef idx="2">
+            <a:schemeClr val="accent1">
+              <a:shade val="50000"/>
+            </a:schemeClr>
+          </a:lnRef>
+          <a:fillRef idx="1">
+            <a:schemeClr val="accent1"/>
+          </a:fillRef>
+          <a:effectRef idx="0">
+            <a:schemeClr val="accent1"/>
+          </a:effectRef>
+          <a:fontRef idx="minor">
+            <a:schemeClr val="lt1"/>
+          </a:fontRef>
+        </p:style>
+        <p:txBody>
+          <a:bodyPr rtlCol="0" anchor="ctr"/>
+          <a:lstStyle/>
+          <a:p>
+            <a:pPr algn="ctr"/>
+            <a:endParaRPr lang="en-US"/>
+          </a:p>
+        </p:txBody>
+      </p:sp>
+      <p:sp>
+        <p:nvSpPr>
+          <p:cNvPr id="90" name="5-Point Star 89"/>
+          <p:cNvSpPr/>
+          <p:nvPr/>
+        </p:nvSpPr>
+        <p:spPr>
+          <a:xfrm>
+            <a:off x="3770763" y="6217030"/>
+            <a:ext cx="222222" cy="187270"/>
+          </a:xfrm>
+          <a:prstGeom prst="star5">
+            <a:avLst/>
+          </a:prstGeom>
+          <a:solidFill>
+            <a:schemeClr val="tx1">
+              <a:lumMod val="50000"/>
+              <a:lumOff val="50000"/>
+            </a:schemeClr>
+          </a:solidFill>
+          <a:ln w="28575">
+            <a:solidFill>
+              <a:schemeClr val="tx1">
+                <a:lumMod val="50000"/>
+                <a:lumOff val="50000"/>
+              </a:schemeClr>
+            </a:solidFill>
+          </a:ln>
+        </p:spPr>
+        <p:style>
+          <a:lnRef idx="2">
+            <a:schemeClr val="accent1">
+              <a:shade val="50000"/>
+            </a:schemeClr>
+          </a:lnRef>
+          <a:fillRef idx="1">
+            <a:schemeClr val="accent1"/>
+          </a:fillRef>
+          <a:effectRef idx="0">
+            <a:schemeClr val="accent1"/>
+          </a:effectRef>
+          <a:fontRef idx="minor">
+            <a:schemeClr val="lt1"/>
+          </a:fontRef>
+        </p:style>
+        <p:txBody>
+          <a:bodyPr rtlCol="0" anchor="ctr"/>
+          <a:lstStyle/>
+          <a:p>
+            <a:pPr algn="ctr"/>
+            <a:endParaRPr lang="en-US"/>
+          </a:p>
+        </p:txBody>
+      </p:sp>
+      <p:sp>
+        <p:nvSpPr>
+          <p:cNvPr id="16" name="Cross 15"/>
+          <p:cNvSpPr/>
+          <p:nvPr/>
+        </p:nvSpPr>
+        <p:spPr>
+          <a:xfrm>
+            <a:off x="1875454" y="6054854"/>
+            <a:ext cx="254081" cy="229821"/>
+          </a:xfrm>
+          <a:prstGeom prst="plus">
+            <a:avLst/>
+          </a:prstGeom>
+          <a:noFill/>
+          <a:ln w="38100">
+            <a:solidFill>
+              <a:schemeClr val="tx1">
+                <a:lumMod val="50000"/>
+                <a:lumOff val="50000"/>
+              </a:schemeClr>
+            </a:solidFill>
+          </a:ln>
+        </p:spPr>
+        <p:style>
+          <a:lnRef idx="2">
+            <a:schemeClr val="accent1">
+              <a:shade val="50000"/>
+            </a:schemeClr>
+          </a:lnRef>
+          <a:fillRef idx="1">
+            <a:schemeClr val="accent1"/>
+          </a:fillRef>
+          <a:effectRef idx="0">
+            <a:schemeClr val="accent1"/>
+          </a:effectRef>
+          <a:fontRef idx="minor">
+            <a:schemeClr val="lt1"/>
+          </a:fontRef>
+        </p:style>
+        <p:txBody>
+          <a:bodyPr rtlCol="0" anchor="ctr"/>
+          <a:lstStyle/>
+          <a:p>
+            <a:pPr algn="ctr"/>
+            <a:endParaRPr lang="en-US"/>
+          </a:p>
+        </p:txBody>
+      </p:sp>
+      <p:sp>
+        <p:nvSpPr>
+          <p:cNvPr id="17" name="Right Triangle 16"/>
+          <p:cNvSpPr/>
+          <p:nvPr/>
+        </p:nvSpPr>
+        <p:spPr>
+          <a:xfrm>
+            <a:off x="657232" y="5777729"/>
+            <a:ext cx="212183" cy="184569"/>
+          </a:xfrm>
+          <a:prstGeom prst="rtTriangle">
+            <a:avLst/>
+          </a:prstGeom>
+          <a:noFill/>
+          <a:ln w="38100">
+            <a:solidFill>
+              <a:schemeClr val="tx1">
+                <a:lumMod val="50000"/>
+                <a:lumOff val="50000"/>
+              </a:schemeClr>
+            </a:solidFill>
+          </a:ln>
+        </p:spPr>
+        <p:style>
+          <a:lnRef idx="2">
+            <a:schemeClr val="accent1">
+              <a:shade val="50000"/>
+            </a:schemeClr>
+          </a:lnRef>
+          <a:fillRef idx="1">
+            <a:schemeClr val="accent1"/>
+          </a:fillRef>
+          <a:effectRef idx="0">
+            <a:schemeClr val="accent1"/>
+          </a:effectRef>
+          <a:fontRef idx="minor">
+            <a:schemeClr val="lt1"/>
+          </a:fontRef>
+        </p:style>
+        <p:txBody>
+          <a:bodyPr rtlCol="0" anchor="ctr"/>
+          <a:lstStyle/>
+          <a:p>
+            <a:pPr algn="ctr"/>
+            <a:endParaRPr lang="en-US"/>
+          </a:p>
+        </p:txBody>
+      </p:sp>
+      <p:sp>
+        <p:nvSpPr>
+          <p:cNvPr id="18" name="Parallelogram 17"/>
+          <p:cNvSpPr/>
+          <p:nvPr/>
+        </p:nvSpPr>
+        <p:spPr>
+          <a:xfrm>
+            <a:off x="1020475" y="4817703"/>
+            <a:ext cx="281363" cy="160133"/>
+          </a:xfrm>
+          <a:prstGeom prst="parallelogram">
+            <a:avLst/>
+          </a:prstGeom>
+          <a:noFill/>
+          <a:ln w="38100">
+            <a:solidFill>
+              <a:schemeClr val="tx1">
+                <a:lumMod val="50000"/>
+                <a:lumOff val="50000"/>
+              </a:schemeClr>
+            </a:solidFill>
+          </a:ln>
+        </p:spPr>
+        <p:style>
+          <a:lnRef idx="2">
+            <a:schemeClr val="accent1">
+              <a:shade val="50000"/>
+            </a:schemeClr>
+          </a:lnRef>
+          <a:fillRef idx="1">
+            <a:schemeClr val="accent1"/>
+          </a:fillRef>
+          <a:effectRef idx="0">
+            <a:schemeClr val="accent1"/>
+          </a:effectRef>
+          <a:fontRef idx="minor">
+            <a:schemeClr val="lt1"/>
+          </a:fontRef>
+        </p:style>
+        <p:txBody>
+          <a:bodyPr rtlCol="0" anchor="ctr"/>
+          <a:lstStyle/>
+          <a:p>
+            <a:pPr algn="ctr"/>
+            <a:endParaRPr lang="en-US"/>
+          </a:p>
+        </p:txBody>
+      </p:sp>
+      <p:sp>
+        <p:nvSpPr>
+          <p:cNvPr id="19" name="Hexagon 18"/>
+          <p:cNvSpPr/>
+          <p:nvPr/>
+        </p:nvSpPr>
+        <p:spPr>
+          <a:xfrm>
+            <a:off x="4531033" y="4721915"/>
+            <a:ext cx="237744" cy="216145"/>
+          </a:xfrm>
+          <a:prstGeom prst="hexagon">
+            <a:avLst/>
+          </a:prstGeom>
+          <a:noFill/>
+          <a:ln w="38100">
+            <a:solidFill>
+              <a:schemeClr val="tx1">
+                <a:lumMod val="50000"/>
+                <a:lumOff val="50000"/>
+              </a:schemeClr>
+            </a:solidFill>
+          </a:ln>
+        </p:spPr>
+        <p:style>
+          <a:lnRef idx="2">
+            <a:schemeClr val="accent1">
+              <a:shade val="50000"/>
+            </a:schemeClr>
+          </a:lnRef>
+          <a:fillRef idx="1">
+            <a:schemeClr val="accent1"/>
+          </a:fillRef>
+          <a:effectRef idx="0">
+            <a:schemeClr val="accent1"/>
+          </a:effectRef>
+          <a:fontRef idx="minor">
+            <a:schemeClr val="lt1"/>
+          </a:fontRef>
+        </p:style>
+        <p:txBody>
+          <a:bodyPr rtlCol="0" anchor="ctr"/>
+          <a:lstStyle/>
+          <a:p>
+            <a:pPr algn="ctr"/>
+            <a:endParaRPr lang="en-US"/>
+          </a:p>
+        </p:txBody>
+      </p:sp>
+      <p:sp>
+        <p:nvSpPr>
+          <p:cNvPr id="20" name="Moon 19"/>
+          <p:cNvSpPr/>
+          <p:nvPr/>
+        </p:nvSpPr>
+        <p:spPr>
+          <a:xfrm>
+            <a:off x="3833513" y="5602297"/>
+            <a:ext cx="118578" cy="175637"/>
+          </a:xfrm>
+          <a:prstGeom prst="moon">
+            <a:avLst/>
+          </a:prstGeom>
+          <a:noFill/>
+          <a:ln w="28575">
+            <a:solidFill>
+              <a:schemeClr val="tx1">
+                <a:lumMod val="50000"/>
+                <a:lumOff val="50000"/>
+              </a:schemeClr>
+            </a:solidFill>
+          </a:ln>
+        </p:spPr>
+        <p:style>
+          <a:lnRef idx="2">
+            <a:schemeClr val="accent1">
+              <a:shade val="50000"/>
+            </a:schemeClr>
+          </a:lnRef>
+          <a:fillRef idx="1">
+            <a:schemeClr val="accent1"/>
+          </a:fillRef>
+          <a:effectRef idx="0">
+            <a:schemeClr val="accent1"/>
+          </a:effectRef>
+          <a:fontRef idx="minor">
+            <a:schemeClr val="lt1"/>
+          </a:fontRef>
+        </p:style>
+        <p:txBody>
+          <a:bodyPr rtlCol="0" anchor="ctr"/>
+          <a:lstStyle/>
+          <a:p>
+            <a:pPr algn="ctr"/>
+            <a:endParaRPr lang="en-US"/>
+          </a:p>
+        </p:txBody>
+      </p:sp>
+      <p:sp>
+        <p:nvSpPr>
+          <p:cNvPr id="21" name="Trapezoid 20"/>
+          <p:cNvSpPr/>
+          <p:nvPr/>
+        </p:nvSpPr>
+        <p:spPr>
+          <a:xfrm>
+            <a:off x="4859478" y="6178070"/>
+            <a:ext cx="240145" cy="183385"/>
+          </a:xfrm>
+          <a:prstGeom prst="trapezoid">
+            <a:avLst/>
+          </a:prstGeom>
+          <a:noFill/>
+          <a:ln w="38100">
+            <a:solidFill>
+              <a:schemeClr val="tx1">
+                <a:lumMod val="50000"/>
+                <a:lumOff val="50000"/>
+              </a:schemeClr>
+            </a:solidFill>
+          </a:ln>
+        </p:spPr>
+        <p:style>
+          <a:lnRef idx="2">
+            <a:schemeClr val="accent1">
+              <a:shade val="50000"/>
+            </a:schemeClr>
+          </a:lnRef>
+          <a:fillRef idx="1">
+            <a:schemeClr val="accent1"/>
+          </a:fillRef>
+          <a:effectRef idx="0">
+            <a:schemeClr val="accent1"/>
+          </a:effectRef>
+          <a:fontRef idx="minor">
+            <a:schemeClr val="lt1"/>
+          </a:fontRef>
+        </p:style>
+        <p:txBody>
+          <a:bodyPr rtlCol="0" anchor="ctr"/>
+          <a:lstStyle/>
+          <a:p>
+            <a:pPr algn="ctr"/>
+            <a:endParaRPr lang="en-US"/>
+          </a:p>
+        </p:txBody>
+      </p:sp>
+      <p:sp>
+        <p:nvSpPr>
+          <p:cNvPr id="59" name="Diamond 58"/>
+          <p:cNvSpPr/>
+          <p:nvPr/>
+        </p:nvSpPr>
+        <p:spPr>
+          <a:xfrm>
+            <a:off x="4387705" y="3613493"/>
+            <a:ext cx="85000" cy="95276"/>
+          </a:xfrm>
+          <a:prstGeom prst="diamond">
+            <a:avLst/>
+          </a:prstGeom>
+          <a:solidFill>
+            <a:schemeClr val="tx1">
+              <a:lumMod val="50000"/>
+              <a:lumOff val="50000"/>
+            </a:schemeClr>
+          </a:solidFill>
+          <a:ln w="38100">
+            <a:solidFill>
+              <a:schemeClr val="tx1">
+                <a:lumMod val="50000"/>
+                <a:lumOff val="50000"/>
+              </a:schemeClr>
+            </a:solidFill>
+          </a:ln>
+        </p:spPr>
+        <p:style>
+          <a:lnRef idx="2">
+            <a:schemeClr val="accent1">
+              <a:shade val="50000"/>
+            </a:schemeClr>
+          </a:lnRef>
+          <a:fillRef idx="1">
+            <a:schemeClr val="accent1"/>
+          </a:fillRef>
+          <a:effectRef idx="0">
+            <a:schemeClr val="accent1"/>
+          </a:effectRef>
+          <a:fontRef idx="minor">
+            <a:schemeClr val="lt1"/>
+          </a:fontRef>
+        </p:style>
+        <p:txBody>
+          <a:bodyPr rtlCol="0" anchor="ctr"/>
+          <a:lstStyle/>
+          <a:p>
+            <a:pPr algn="ctr"/>
+            <a:endParaRPr lang="en-US"/>
+          </a:p>
+        </p:txBody>
+      </p:sp>
+      <p:sp>
+        <p:nvSpPr>
+          <p:cNvPr id="61" name="Rectangle 60"/>
+          <p:cNvSpPr/>
+          <p:nvPr/>
+        </p:nvSpPr>
+        <p:spPr>
+          <a:xfrm>
+            <a:off x="3951921" y="4220307"/>
+            <a:ext cx="86448" cy="85572"/>
+          </a:xfrm>
+          <a:prstGeom prst="rect">
+            <a:avLst/>
+          </a:prstGeom>
+          <a:solidFill>
+            <a:schemeClr val="tx1">
+              <a:lumMod val="50000"/>
+              <a:lumOff val="50000"/>
+            </a:schemeClr>
+          </a:solidFill>
+          <a:ln w="38100">
+            <a:solidFill>
+              <a:schemeClr val="tx1">
+                <a:lumMod val="50000"/>
+                <a:lumOff val="50000"/>
+              </a:schemeClr>
+            </a:solidFill>
+          </a:ln>
+        </p:spPr>
+        <p:style>
+          <a:lnRef idx="2">
+            <a:schemeClr val="accent1">
+              <a:shade val="50000"/>
+            </a:schemeClr>
+          </a:lnRef>
+          <a:fillRef idx="1">
+            <a:schemeClr val="accent1"/>
+          </a:fillRef>
+          <a:effectRef idx="0">
+            <a:schemeClr val="accent1"/>
+          </a:effectRef>
+          <a:fontRef idx="minor">
+            <a:schemeClr val="lt1"/>
+          </a:fontRef>
+        </p:style>
+        <p:txBody>
+          <a:bodyPr rtlCol="0" anchor="ctr"/>
+          <a:lstStyle/>
+          <a:p>
+            <a:pPr algn="ctr"/>
+            <a:endParaRPr lang="en-US"/>
+          </a:p>
+        </p:txBody>
+      </p:sp>
+      <p:sp>
+        <p:nvSpPr>
+          <p:cNvPr id="62" name="Oval 61"/>
+          <p:cNvSpPr/>
+          <p:nvPr/>
+        </p:nvSpPr>
+        <p:spPr>
+          <a:xfrm>
+            <a:off x="3734742" y="3913037"/>
+            <a:ext cx="101737" cy="100606"/>
+          </a:xfrm>
+          <a:prstGeom prst="ellipse">
+            <a:avLst/>
+          </a:prstGeom>
+          <a:solidFill>
+            <a:schemeClr val="tx1">
+              <a:lumMod val="50000"/>
+              <a:lumOff val="50000"/>
+            </a:schemeClr>
+          </a:solidFill>
+          <a:ln w="38100">
+            <a:solidFill>
+              <a:schemeClr val="tx1">
+                <a:lumMod val="50000"/>
+                <a:lumOff val="50000"/>
+              </a:schemeClr>
+            </a:solidFill>
+          </a:ln>
+        </p:spPr>
+        <p:style>
+          <a:lnRef idx="2">
+            <a:schemeClr val="accent1">
+              <a:shade val="50000"/>
+            </a:schemeClr>
+          </a:lnRef>
+          <a:fillRef idx="1">
+            <a:schemeClr val="accent1"/>
+          </a:fillRef>
+          <a:effectRef idx="0">
+            <a:schemeClr val="accent1"/>
+          </a:effectRef>
+          <a:fontRef idx="minor">
+            <a:schemeClr val="lt1"/>
+          </a:fontRef>
+        </p:style>
+        <p:txBody>
+          <a:bodyPr rtlCol="0" anchor="ctr"/>
+          <a:lstStyle/>
+          <a:p>
+            <a:pPr algn="ctr"/>
+            <a:endParaRPr lang="en-US"/>
+          </a:p>
+        </p:txBody>
+      </p:sp>
+      <p:sp>
+        <p:nvSpPr>
+          <p:cNvPr id="63" name="Isosceles Triangle 62"/>
+          <p:cNvSpPr/>
+          <p:nvPr/>
+        </p:nvSpPr>
+        <p:spPr>
+          <a:xfrm>
+            <a:off x="3575036" y="3572375"/>
+            <a:ext cx="68090" cy="65387"/>
+          </a:xfrm>
+          <a:prstGeom prst="triangle">
+            <a:avLst/>
+          </a:prstGeom>
+          <a:solidFill>
+            <a:schemeClr val="tx1">
+              <a:lumMod val="50000"/>
+              <a:lumOff val="50000"/>
+            </a:schemeClr>
+          </a:solidFill>
+          <a:ln w="38100">
+            <a:solidFill>
+              <a:schemeClr val="tx1">
+                <a:lumMod val="50000"/>
+                <a:lumOff val="50000"/>
+              </a:schemeClr>
+            </a:solidFill>
+          </a:ln>
+        </p:spPr>
+        <p:style>
+          <a:lnRef idx="2">
+            <a:schemeClr val="accent1">
+              <a:shade val="50000"/>
+            </a:schemeClr>
+          </a:lnRef>
+          <a:fillRef idx="1">
+            <a:schemeClr val="accent1"/>
+          </a:fillRef>
+          <a:effectRef idx="0">
+            <a:schemeClr val="accent1"/>
+          </a:effectRef>
+          <a:fontRef idx="minor">
+            <a:schemeClr val="lt1"/>
+          </a:fontRef>
+        </p:style>
+        <p:txBody>
+          <a:bodyPr rtlCol="0" anchor="ctr"/>
+          <a:lstStyle/>
+          <a:p>
+            <a:pPr algn="ctr"/>
+            <a:endParaRPr lang="en-US"/>
+          </a:p>
+        </p:txBody>
+      </p:sp>
+      <p:sp>
+        <p:nvSpPr>
+          <p:cNvPr id="64" name="5-Point Star 63"/>
+          <p:cNvSpPr/>
+          <p:nvPr/>
+        </p:nvSpPr>
+        <p:spPr>
+          <a:xfrm>
+            <a:off x="4145124" y="3844675"/>
+            <a:ext cx="90516" cy="95344"/>
+          </a:xfrm>
+          <a:prstGeom prst="star5">
+            <a:avLst/>
+          </a:prstGeom>
+          <a:solidFill>
+            <a:schemeClr val="tx1">
+              <a:lumMod val="50000"/>
+              <a:lumOff val="50000"/>
+            </a:schemeClr>
+          </a:solidFill>
+          <a:ln w="28575">
+            <a:solidFill>
+              <a:schemeClr val="tx1">
+                <a:lumMod val="50000"/>
+                <a:lumOff val="50000"/>
+              </a:schemeClr>
+            </a:solidFill>
+          </a:ln>
+        </p:spPr>
+        <p:style>
+          <a:lnRef idx="2">
+            <a:schemeClr val="accent1">
+              <a:shade val="50000"/>
+            </a:schemeClr>
+          </a:lnRef>
+          <a:fillRef idx="1">
+            <a:schemeClr val="accent1"/>
+          </a:fillRef>
+          <a:effectRef idx="0">
+            <a:schemeClr val="accent1"/>
+          </a:effectRef>
+          <a:fontRef idx="minor">
+            <a:schemeClr val="lt1"/>
+          </a:fontRef>
+        </p:style>
+        <p:txBody>
+          <a:bodyPr rtlCol="0" anchor="ctr"/>
+          <a:lstStyle/>
+          <a:p>
+            <a:pPr algn="ctr"/>
+            <a:endParaRPr lang="en-US"/>
+          </a:p>
+        </p:txBody>
+      </p:sp>
+      <p:sp>
+        <p:nvSpPr>
+          <p:cNvPr id="67" name="Right Triangle 66"/>
+          <p:cNvSpPr/>
+          <p:nvPr/>
+        </p:nvSpPr>
+        <p:spPr>
+          <a:xfrm>
+            <a:off x="4371142" y="4106292"/>
+            <a:ext cx="101562" cy="102765"/>
+          </a:xfrm>
+          <a:prstGeom prst="rtTriangle">
+            <a:avLst/>
+          </a:prstGeom>
+          <a:noFill/>
+          <a:ln w="38100">
+            <a:solidFill>
+              <a:schemeClr val="tx1">
+                <a:lumMod val="50000"/>
+                <a:lumOff val="50000"/>
+              </a:schemeClr>
+            </a:solidFill>
+          </a:ln>
+        </p:spPr>
+        <p:style>
+          <a:lnRef idx="2">
+            <a:schemeClr val="accent1">
+              <a:shade val="50000"/>
+            </a:schemeClr>
+          </a:lnRef>
+          <a:fillRef idx="1">
+            <a:schemeClr val="accent1"/>
+          </a:fillRef>
+          <a:effectRef idx="0">
+            <a:schemeClr val="accent1"/>
+          </a:effectRef>
+          <a:fontRef idx="minor">
+            <a:schemeClr val="lt1"/>
+          </a:fontRef>
+        </p:style>
+        <p:txBody>
+          <a:bodyPr rtlCol="0" anchor="ctr"/>
+          <a:lstStyle/>
+          <a:p>
+            <a:pPr algn="ctr"/>
+            <a:endParaRPr lang="en-US"/>
+          </a:p>
+        </p:txBody>
+      </p:sp>
+      <p:sp>
+        <p:nvSpPr>
+          <p:cNvPr id="68" name="Parallelogram 67"/>
+          <p:cNvSpPr/>
+          <p:nvPr/>
+        </p:nvSpPr>
+        <p:spPr>
+          <a:xfrm>
+            <a:off x="3942433" y="3613493"/>
+            <a:ext cx="128865" cy="79688"/>
+          </a:xfrm>
+          <a:prstGeom prst="parallelogram">
+            <a:avLst/>
+          </a:prstGeom>
+          <a:noFill/>
+          <a:ln w="38100">
+            <a:solidFill>
+              <a:schemeClr val="tx1">
+                <a:lumMod val="50000"/>
+                <a:lumOff val="50000"/>
+              </a:schemeClr>
+            </a:solidFill>
+          </a:ln>
+        </p:spPr>
+        <p:style>
+          <a:lnRef idx="2">
+            <a:schemeClr val="accent1">
+              <a:shade val="50000"/>
+            </a:schemeClr>
+          </a:lnRef>
+          <a:fillRef idx="1">
+            <a:schemeClr val="accent1"/>
+          </a:fillRef>
+          <a:effectRef idx="0">
+            <a:schemeClr val="accent1"/>
+          </a:effectRef>
+          <a:fontRef idx="minor">
+            <a:schemeClr val="lt1"/>
+          </a:fontRef>
+        </p:style>
+        <p:txBody>
+          <a:bodyPr rtlCol="0" anchor="ctr"/>
+          <a:lstStyle/>
+          <a:p>
+            <a:pPr algn="ctr"/>
+            <a:endParaRPr lang="en-US"/>
+          </a:p>
+        </p:txBody>
+      </p:sp>
+      <p:sp>
+        <p:nvSpPr>
+          <p:cNvPr id="69" name="Diamond 68"/>
+          <p:cNvSpPr/>
+          <p:nvPr/>
+        </p:nvSpPr>
+        <p:spPr>
+          <a:xfrm>
+            <a:off x="5667446" y="3572375"/>
+            <a:ext cx="85000" cy="96630"/>
+          </a:xfrm>
+          <a:prstGeom prst="diamond">
+            <a:avLst/>
+          </a:prstGeom>
+          <a:solidFill>
+            <a:schemeClr val="tx1">
+              <a:lumMod val="50000"/>
+              <a:lumOff val="50000"/>
+            </a:schemeClr>
+          </a:solidFill>
+          <a:ln w="38100">
+            <a:solidFill>
+              <a:schemeClr val="tx1">
+                <a:lumMod val="50000"/>
+                <a:lumOff val="50000"/>
+              </a:schemeClr>
+            </a:solidFill>
+          </a:ln>
+        </p:spPr>
+        <p:style>
+          <a:lnRef idx="2">
+            <a:schemeClr val="accent1">
+              <a:shade val="50000"/>
+            </a:schemeClr>
+          </a:lnRef>
+          <a:fillRef idx="1">
+            <a:schemeClr val="accent1"/>
+          </a:fillRef>
+          <a:effectRef idx="0">
+            <a:schemeClr val="accent1"/>
+          </a:effectRef>
+          <a:fontRef idx="minor">
+            <a:schemeClr val="lt1"/>
+          </a:fontRef>
+        </p:style>
+        <p:txBody>
+          <a:bodyPr rtlCol="0" anchor="ctr"/>
+          <a:lstStyle/>
+          <a:p>
+            <a:pPr algn="ctr"/>
+            <a:endParaRPr lang="en-US"/>
+          </a:p>
+        </p:txBody>
+      </p:sp>
+      <p:sp>
+        <p:nvSpPr>
+          <p:cNvPr id="70" name="Rectangle 69"/>
+          <p:cNvSpPr/>
+          <p:nvPr/>
+        </p:nvSpPr>
+        <p:spPr>
+          <a:xfrm>
+            <a:off x="5231662" y="4180543"/>
+            <a:ext cx="86448" cy="85572"/>
           </a:xfrm>
           <a:prstGeom prst="rect">
             <a:avLst/>
           </a:prstGeom>
           <a:noFill/>
-        </p:spPr>
-        <p:txBody>
-          <a:bodyPr wrap="square" rtlCol="0">
-            <a:spAutoFit/>
-          </a:bodyPr>
-          <a:lstStyle/>
-          <a:p>
-            <a:r>
-              <a:rPr lang="en-US" sz="1000" dirty="0" smtClean="0"/>
-              <a:t>Open square = core,</a:t>
-            </a:r>
-          </a:p>
-          <a:p>
-            <a:r>
-              <a:rPr lang="en-US" sz="1000" dirty="0" smtClean="0"/>
-              <a:t>filled diamond/circle = transients</a:t>
-            </a:r>
+          <a:ln w="38100">
+            <a:solidFill>
+              <a:schemeClr val="tx1">
+                <a:lumMod val="50000"/>
+                <a:lumOff val="50000"/>
+              </a:schemeClr>
+            </a:solidFill>
+          </a:ln>
+        </p:spPr>
+        <p:style>
+          <a:lnRef idx="2">
+            <a:schemeClr val="accent1">
+              <a:shade val="50000"/>
+            </a:schemeClr>
+          </a:lnRef>
+          <a:fillRef idx="1">
+            <a:schemeClr val="accent1"/>
+          </a:fillRef>
+          <a:effectRef idx="0">
+            <a:schemeClr val="accent1"/>
+          </a:effectRef>
+          <a:fontRef idx="minor">
+            <a:schemeClr val="lt1"/>
+          </a:fontRef>
+        </p:style>
+        <p:txBody>
+          <a:bodyPr rtlCol="0" anchor="ctr"/>
+          <a:lstStyle/>
+          <a:p>
+            <a:pPr algn="ctr"/>
+            <a:endParaRPr lang="en-US"/>
+          </a:p>
+        </p:txBody>
+      </p:sp>
+      <p:sp>
+        <p:nvSpPr>
+          <p:cNvPr id="71" name="Oval 70"/>
+          <p:cNvSpPr/>
+          <p:nvPr/>
+        </p:nvSpPr>
+        <p:spPr>
+          <a:xfrm>
+            <a:off x="5014483" y="3873273"/>
+            <a:ext cx="101737" cy="100606"/>
+          </a:xfrm>
+          <a:prstGeom prst="ellipse">
+            <a:avLst/>
+          </a:prstGeom>
+          <a:solidFill>
+            <a:schemeClr val="tx1">
+              <a:lumMod val="50000"/>
+              <a:lumOff val="50000"/>
+            </a:schemeClr>
+          </a:solidFill>
+          <a:ln w="38100">
+            <a:solidFill>
+              <a:schemeClr val="tx1">
+                <a:lumMod val="50000"/>
+                <a:lumOff val="50000"/>
+              </a:schemeClr>
+            </a:solidFill>
+          </a:ln>
+        </p:spPr>
+        <p:style>
+          <a:lnRef idx="2">
+            <a:schemeClr val="accent1">
+              <a:shade val="50000"/>
+            </a:schemeClr>
+          </a:lnRef>
+          <a:fillRef idx="1">
+            <a:schemeClr val="accent1"/>
+          </a:fillRef>
+          <a:effectRef idx="0">
+            <a:schemeClr val="accent1"/>
+          </a:effectRef>
+          <a:fontRef idx="minor">
+            <a:schemeClr val="lt1"/>
+          </a:fontRef>
+        </p:style>
+        <p:txBody>
+          <a:bodyPr rtlCol="0" anchor="ctr"/>
+          <a:lstStyle/>
+          <a:p>
+            <a:pPr algn="ctr"/>
+            <a:endParaRPr lang="en-US"/>
+          </a:p>
+        </p:txBody>
+      </p:sp>
+      <p:sp>
+        <p:nvSpPr>
+          <p:cNvPr id="72" name="Isosceles Triangle 71"/>
+          <p:cNvSpPr/>
+          <p:nvPr/>
+        </p:nvSpPr>
+        <p:spPr>
+          <a:xfrm>
+            <a:off x="4854776" y="3532611"/>
+            <a:ext cx="83517" cy="80882"/>
+          </a:xfrm>
+          <a:prstGeom prst="triangle">
+            <a:avLst/>
+          </a:prstGeom>
+          <a:noFill/>
+          <a:ln w="28575">
+            <a:solidFill>
+              <a:schemeClr val="tx1">
+                <a:lumMod val="50000"/>
+                <a:lumOff val="50000"/>
+              </a:schemeClr>
+            </a:solidFill>
+          </a:ln>
+        </p:spPr>
+        <p:style>
+          <a:lnRef idx="2">
+            <a:schemeClr val="accent1">
+              <a:shade val="50000"/>
+            </a:schemeClr>
+          </a:lnRef>
+          <a:fillRef idx="1">
+            <a:schemeClr val="accent1"/>
+          </a:fillRef>
+          <a:effectRef idx="0">
+            <a:schemeClr val="accent1"/>
+          </a:effectRef>
+          <a:fontRef idx="minor">
+            <a:schemeClr val="lt1"/>
+          </a:fontRef>
+        </p:style>
+        <p:txBody>
+          <a:bodyPr rtlCol="0" anchor="ctr"/>
+          <a:lstStyle/>
+          <a:p>
+            <a:pPr algn="ctr"/>
+            <a:endParaRPr lang="en-US"/>
+          </a:p>
+        </p:txBody>
+      </p:sp>
+      <p:sp>
+        <p:nvSpPr>
+          <p:cNvPr id="76" name="5-Point Star 75"/>
+          <p:cNvSpPr/>
+          <p:nvPr/>
+        </p:nvSpPr>
+        <p:spPr>
+          <a:xfrm>
+            <a:off x="5424865" y="3804911"/>
+            <a:ext cx="90516" cy="95344"/>
+          </a:xfrm>
+          <a:prstGeom prst="star5">
+            <a:avLst/>
+          </a:prstGeom>
+          <a:solidFill>
+            <a:schemeClr val="tx1">
+              <a:lumMod val="50000"/>
+              <a:lumOff val="50000"/>
+            </a:schemeClr>
+          </a:solidFill>
+          <a:ln w="28575">
+            <a:solidFill>
+              <a:schemeClr val="tx1">
+                <a:lumMod val="50000"/>
+                <a:lumOff val="50000"/>
+              </a:schemeClr>
+            </a:solidFill>
+          </a:ln>
+        </p:spPr>
+        <p:style>
+          <a:lnRef idx="2">
+            <a:schemeClr val="accent1">
+              <a:shade val="50000"/>
+            </a:schemeClr>
+          </a:lnRef>
+          <a:fillRef idx="1">
+            <a:schemeClr val="accent1"/>
+          </a:fillRef>
+          <a:effectRef idx="0">
+            <a:schemeClr val="accent1"/>
+          </a:effectRef>
+          <a:fontRef idx="minor">
+            <a:schemeClr val="lt1"/>
+          </a:fontRef>
+        </p:style>
+        <p:txBody>
+          <a:bodyPr rtlCol="0" anchor="ctr"/>
+          <a:lstStyle/>
+          <a:p>
+            <a:pPr algn="ctr"/>
+            <a:endParaRPr lang="en-US"/>
+          </a:p>
+        </p:txBody>
+      </p:sp>
+      <p:sp>
+        <p:nvSpPr>
+          <p:cNvPr id="83" name="Right Triangle 82"/>
+          <p:cNvSpPr/>
+          <p:nvPr/>
+        </p:nvSpPr>
+        <p:spPr>
+          <a:xfrm>
+            <a:off x="5650883" y="4066528"/>
+            <a:ext cx="101562" cy="102765"/>
+          </a:xfrm>
+          <a:prstGeom prst="rtTriangle">
+            <a:avLst/>
+          </a:prstGeom>
+          <a:noFill/>
+          <a:ln w="38100">
+            <a:solidFill>
+              <a:schemeClr val="tx1">
+                <a:lumMod val="50000"/>
+                <a:lumOff val="50000"/>
+              </a:schemeClr>
+            </a:solidFill>
+          </a:ln>
+        </p:spPr>
+        <p:style>
+          <a:lnRef idx="2">
+            <a:schemeClr val="accent1">
+              <a:shade val="50000"/>
+            </a:schemeClr>
+          </a:lnRef>
+          <a:fillRef idx="1">
+            <a:schemeClr val="accent1"/>
+          </a:fillRef>
+          <a:effectRef idx="0">
+            <a:schemeClr val="accent1"/>
+          </a:effectRef>
+          <a:fontRef idx="minor">
+            <a:schemeClr val="lt1"/>
+          </a:fontRef>
+        </p:style>
+        <p:txBody>
+          <a:bodyPr rtlCol="0" anchor="ctr"/>
+          <a:lstStyle/>
+          <a:p>
+            <a:pPr algn="ctr"/>
+            <a:endParaRPr lang="en-US"/>
+          </a:p>
+        </p:txBody>
+      </p:sp>
+      <p:sp>
+        <p:nvSpPr>
+          <p:cNvPr id="84" name="Parallelogram 83"/>
+          <p:cNvSpPr/>
+          <p:nvPr/>
+        </p:nvSpPr>
+        <p:spPr>
+          <a:xfrm>
+            <a:off x="5222174" y="3573729"/>
+            <a:ext cx="128865" cy="79688"/>
+          </a:xfrm>
+          <a:prstGeom prst="parallelogram">
+            <a:avLst/>
+          </a:prstGeom>
+          <a:solidFill>
+            <a:schemeClr val="tx1">
+              <a:lumMod val="50000"/>
+              <a:lumOff val="50000"/>
+            </a:schemeClr>
+          </a:solidFill>
+          <a:ln w="38100">
+            <a:solidFill>
+              <a:schemeClr val="tx1">
+                <a:lumMod val="50000"/>
+                <a:lumOff val="50000"/>
+              </a:schemeClr>
+            </a:solidFill>
+          </a:ln>
+        </p:spPr>
+        <p:style>
+          <a:lnRef idx="2">
+            <a:schemeClr val="accent1">
+              <a:shade val="50000"/>
+            </a:schemeClr>
+          </a:lnRef>
+          <a:fillRef idx="1">
+            <a:schemeClr val="accent1"/>
+          </a:fillRef>
+          <a:effectRef idx="0">
+            <a:schemeClr val="accent1"/>
+          </a:effectRef>
+          <a:fontRef idx="minor">
+            <a:schemeClr val="lt1"/>
+          </a:fontRef>
+        </p:style>
+        <p:txBody>
+          <a:bodyPr rtlCol="0" anchor="ctr"/>
+          <a:lstStyle/>
+          <a:p>
+            <a:pPr algn="ctr"/>
+            <a:endParaRPr lang="en-US"/>
+          </a:p>
+        </p:txBody>
+      </p:sp>
+      <p:sp>
+        <p:nvSpPr>
+          <p:cNvPr id="85" name="Diamond 84"/>
+          <p:cNvSpPr/>
+          <p:nvPr/>
+        </p:nvSpPr>
+        <p:spPr>
+          <a:xfrm>
+            <a:off x="4419208" y="2479570"/>
+            <a:ext cx="110396" cy="97728"/>
+          </a:xfrm>
+          <a:prstGeom prst="diamond">
+            <a:avLst/>
+          </a:prstGeom>
+          <a:noFill/>
+          <a:ln w="28575">
+            <a:solidFill>
+              <a:schemeClr val="tx1">
+                <a:lumMod val="50000"/>
+                <a:lumOff val="50000"/>
+              </a:schemeClr>
+            </a:solidFill>
+          </a:ln>
+        </p:spPr>
+        <p:style>
+          <a:lnRef idx="2">
+            <a:schemeClr val="accent1">
+              <a:shade val="50000"/>
+            </a:schemeClr>
+          </a:lnRef>
+          <a:fillRef idx="1">
+            <a:schemeClr val="accent1"/>
+          </a:fillRef>
+          <a:effectRef idx="0">
+            <a:schemeClr val="accent1"/>
+          </a:effectRef>
+          <a:fontRef idx="minor">
+            <a:schemeClr val="lt1"/>
+          </a:fontRef>
+        </p:style>
+        <p:txBody>
+          <a:bodyPr rtlCol="0" anchor="ctr"/>
+          <a:lstStyle/>
+          <a:p>
+            <a:pPr algn="ctr"/>
+            <a:endParaRPr lang="en-US"/>
+          </a:p>
+        </p:txBody>
+      </p:sp>
+      <p:sp>
+        <p:nvSpPr>
+          <p:cNvPr id="92" name="Rectangle 91"/>
+          <p:cNvSpPr/>
+          <p:nvPr/>
+        </p:nvSpPr>
+        <p:spPr>
+          <a:xfrm>
+            <a:off x="3983424" y="3088837"/>
+            <a:ext cx="87874" cy="85572"/>
+          </a:xfrm>
+          <a:prstGeom prst="rect">
+            <a:avLst/>
+          </a:prstGeom>
+          <a:solidFill>
+            <a:schemeClr val="tx1">
+              <a:lumMod val="50000"/>
+              <a:lumOff val="50000"/>
+            </a:schemeClr>
+          </a:solidFill>
+          <a:ln w="38100">
+            <a:solidFill>
+              <a:schemeClr val="tx1">
+                <a:lumMod val="50000"/>
+                <a:lumOff val="50000"/>
+              </a:schemeClr>
+            </a:solidFill>
+          </a:ln>
+        </p:spPr>
+        <p:style>
+          <a:lnRef idx="2">
+            <a:schemeClr val="accent1">
+              <a:shade val="50000"/>
+            </a:schemeClr>
+          </a:lnRef>
+          <a:fillRef idx="1">
+            <a:schemeClr val="accent1"/>
+          </a:fillRef>
+          <a:effectRef idx="0">
+            <a:schemeClr val="accent1"/>
+          </a:effectRef>
+          <a:fontRef idx="minor">
+            <a:schemeClr val="lt1"/>
+          </a:fontRef>
+        </p:style>
+        <p:txBody>
+          <a:bodyPr rtlCol="0" anchor="ctr"/>
+          <a:lstStyle/>
+          <a:p>
+            <a:pPr algn="ctr"/>
+            <a:endParaRPr lang="en-US"/>
+          </a:p>
+        </p:txBody>
+      </p:sp>
+      <p:sp>
+        <p:nvSpPr>
+          <p:cNvPr id="93" name="Oval 92"/>
+          <p:cNvSpPr/>
+          <p:nvPr/>
+        </p:nvSpPr>
+        <p:spPr>
+          <a:xfrm>
+            <a:off x="3766245" y="2781567"/>
+            <a:ext cx="101737" cy="100606"/>
+          </a:xfrm>
+          <a:prstGeom prst="ellipse">
+            <a:avLst/>
+          </a:prstGeom>
+          <a:solidFill>
+            <a:schemeClr val="tx1">
+              <a:lumMod val="50000"/>
+              <a:lumOff val="50000"/>
+            </a:schemeClr>
+          </a:solidFill>
+          <a:ln w="38100">
+            <a:solidFill>
+              <a:schemeClr val="tx1">
+                <a:lumMod val="50000"/>
+                <a:lumOff val="50000"/>
+              </a:schemeClr>
+            </a:solidFill>
+          </a:ln>
+        </p:spPr>
+        <p:style>
+          <a:lnRef idx="2">
+            <a:schemeClr val="accent1">
+              <a:shade val="50000"/>
+            </a:schemeClr>
+          </a:lnRef>
+          <a:fillRef idx="1">
+            <a:schemeClr val="accent1"/>
+          </a:fillRef>
+          <a:effectRef idx="0">
+            <a:schemeClr val="accent1"/>
+          </a:effectRef>
+          <a:fontRef idx="minor">
+            <a:schemeClr val="lt1"/>
+          </a:fontRef>
+        </p:style>
+        <p:txBody>
+          <a:bodyPr rtlCol="0" anchor="ctr"/>
+          <a:lstStyle/>
+          <a:p>
+            <a:pPr algn="ctr"/>
+            <a:endParaRPr lang="en-US"/>
+          </a:p>
+        </p:txBody>
+      </p:sp>
+      <p:sp>
+        <p:nvSpPr>
+          <p:cNvPr id="94" name="Isosceles Triangle 93"/>
+          <p:cNvSpPr/>
+          <p:nvPr/>
+        </p:nvSpPr>
+        <p:spPr>
+          <a:xfrm>
+            <a:off x="3606539" y="2440905"/>
+            <a:ext cx="68090" cy="65387"/>
+          </a:xfrm>
+          <a:prstGeom prst="triangle">
+            <a:avLst/>
+          </a:prstGeom>
+          <a:solidFill>
+            <a:schemeClr val="tx1">
+              <a:lumMod val="50000"/>
+              <a:lumOff val="50000"/>
+            </a:schemeClr>
+          </a:solidFill>
+          <a:ln w="38100">
+            <a:solidFill>
+              <a:schemeClr val="tx1">
+                <a:lumMod val="50000"/>
+                <a:lumOff val="50000"/>
+              </a:schemeClr>
+            </a:solidFill>
+          </a:ln>
+        </p:spPr>
+        <p:style>
+          <a:lnRef idx="2">
+            <a:schemeClr val="accent1">
+              <a:shade val="50000"/>
+            </a:schemeClr>
+          </a:lnRef>
+          <a:fillRef idx="1">
+            <a:schemeClr val="accent1"/>
+          </a:fillRef>
+          <a:effectRef idx="0">
+            <a:schemeClr val="accent1"/>
+          </a:effectRef>
+          <a:fontRef idx="minor">
+            <a:schemeClr val="lt1"/>
+          </a:fontRef>
+        </p:style>
+        <p:txBody>
+          <a:bodyPr rtlCol="0" anchor="ctr"/>
+          <a:lstStyle/>
+          <a:p>
+            <a:pPr algn="ctr"/>
+            <a:endParaRPr lang="en-US"/>
+          </a:p>
+        </p:txBody>
+      </p:sp>
+      <p:sp>
+        <p:nvSpPr>
+          <p:cNvPr id="95" name="5-Point Star 94"/>
+          <p:cNvSpPr/>
+          <p:nvPr/>
+        </p:nvSpPr>
+        <p:spPr>
+          <a:xfrm>
+            <a:off x="4176627" y="2713205"/>
+            <a:ext cx="126084" cy="116612"/>
+          </a:xfrm>
+          <a:prstGeom prst="star5">
+            <a:avLst/>
+          </a:prstGeom>
+          <a:noFill/>
+          <a:ln w="19050">
+            <a:solidFill>
+              <a:schemeClr val="tx1">
+                <a:lumMod val="50000"/>
+                <a:lumOff val="50000"/>
+              </a:schemeClr>
+            </a:solidFill>
+          </a:ln>
+        </p:spPr>
+        <p:style>
+          <a:lnRef idx="2">
+            <a:schemeClr val="accent1">
+              <a:shade val="50000"/>
+            </a:schemeClr>
+          </a:lnRef>
+          <a:fillRef idx="1">
+            <a:schemeClr val="accent1"/>
+          </a:fillRef>
+          <a:effectRef idx="0">
+            <a:schemeClr val="accent1"/>
+          </a:effectRef>
+          <a:fontRef idx="minor">
+            <a:schemeClr val="lt1"/>
+          </a:fontRef>
+        </p:style>
+        <p:txBody>
+          <a:bodyPr rtlCol="0" anchor="ctr"/>
+          <a:lstStyle/>
+          <a:p>
+            <a:pPr algn="ctr"/>
+            <a:endParaRPr lang="en-US"/>
+          </a:p>
+        </p:txBody>
+      </p:sp>
+      <p:sp>
+        <p:nvSpPr>
+          <p:cNvPr id="97" name="Right Triangle 96"/>
+          <p:cNvSpPr/>
+          <p:nvPr/>
+        </p:nvSpPr>
+        <p:spPr>
+          <a:xfrm>
+            <a:off x="4402645" y="2974822"/>
+            <a:ext cx="101562" cy="102765"/>
+          </a:xfrm>
+          <a:prstGeom prst="rtTriangle">
+            <a:avLst/>
+          </a:prstGeom>
+          <a:solidFill>
+            <a:schemeClr val="tx1">
+              <a:lumMod val="50000"/>
+              <a:lumOff val="50000"/>
+            </a:schemeClr>
+          </a:solidFill>
+          <a:ln w="38100">
+            <a:solidFill>
+              <a:schemeClr val="tx1">
+                <a:lumMod val="50000"/>
+                <a:lumOff val="50000"/>
+              </a:schemeClr>
+            </a:solidFill>
+          </a:ln>
+        </p:spPr>
+        <p:style>
+          <a:lnRef idx="2">
+            <a:schemeClr val="accent1">
+              <a:shade val="50000"/>
+            </a:schemeClr>
+          </a:lnRef>
+          <a:fillRef idx="1">
+            <a:schemeClr val="accent1"/>
+          </a:fillRef>
+          <a:effectRef idx="0">
+            <a:schemeClr val="accent1"/>
+          </a:effectRef>
+          <a:fontRef idx="minor">
+            <a:schemeClr val="lt1"/>
+          </a:fontRef>
+        </p:style>
+        <p:txBody>
+          <a:bodyPr rtlCol="0" anchor="ctr"/>
+          <a:lstStyle/>
+          <a:p>
+            <a:pPr algn="ctr"/>
+            <a:endParaRPr lang="en-US"/>
+          </a:p>
+        </p:txBody>
+      </p:sp>
+      <p:sp>
+        <p:nvSpPr>
+          <p:cNvPr id="99" name="Parallelogram 98"/>
+          <p:cNvSpPr/>
+          <p:nvPr/>
+        </p:nvSpPr>
+        <p:spPr>
+          <a:xfrm>
+            <a:off x="3973936" y="2482023"/>
+            <a:ext cx="128865" cy="79688"/>
+          </a:xfrm>
+          <a:prstGeom prst="parallelogram">
+            <a:avLst/>
+          </a:prstGeom>
+          <a:solidFill>
+            <a:schemeClr val="tx1">
+              <a:lumMod val="50000"/>
+              <a:lumOff val="50000"/>
+            </a:schemeClr>
+          </a:solidFill>
+          <a:ln w="38100">
+            <a:solidFill>
+              <a:schemeClr val="tx1">
+                <a:lumMod val="50000"/>
+                <a:lumOff val="50000"/>
+              </a:schemeClr>
+            </a:solidFill>
+          </a:ln>
+        </p:spPr>
+        <p:style>
+          <a:lnRef idx="2">
+            <a:schemeClr val="accent1">
+              <a:shade val="50000"/>
+            </a:schemeClr>
+          </a:lnRef>
+          <a:fillRef idx="1">
+            <a:schemeClr val="accent1"/>
+          </a:fillRef>
+          <a:effectRef idx="0">
+            <a:schemeClr val="accent1"/>
+          </a:effectRef>
+          <a:fontRef idx="minor">
+            <a:schemeClr val="lt1"/>
+          </a:fontRef>
+        </p:style>
+        <p:txBody>
+          <a:bodyPr rtlCol="0" anchor="ctr"/>
+          <a:lstStyle/>
+          <a:p>
+            <a:pPr algn="ctr"/>
+            <a:endParaRPr lang="en-US"/>
+          </a:p>
+        </p:txBody>
+      </p:sp>
+      <p:sp>
+        <p:nvSpPr>
+          <p:cNvPr id="103" name="Rectangle 102"/>
+          <p:cNvSpPr/>
+          <p:nvPr/>
+        </p:nvSpPr>
+        <p:spPr>
+          <a:xfrm>
+            <a:off x="5210822" y="3082661"/>
+            <a:ext cx="86448" cy="85572"/>
+          </a:xfrm>
+          <a:prstGeom prst="rect">
+            <a:avLst/>
+          </a:prstGeom>
+          <a:solidFill>
+            <a:schemeClr val="tx1">
+              <a:lumMod val="50000"/>
+              <a:lumOff val="50000"/>
+            </a:schemeClr>
+          </a:solidFill>
+          <a:ln w="38100">
+            <a:solidFill>
+              <a:schemeClr val="tx1">
+                <a:lumMod val="50000"/>
+                <a:lumOff val="50000"/>
+              </a:schemeClr>
+            </a:solidFill>
+          </a:ln>
+        </p:spPr>
+        <p:style>
+          <a:lnRef idx="2">
+            <a:schemeClr val="accent1">
+              <a:shade val="50000"/>
+            </a:schemeClr>
+          </a:lnRef>
+          <a:fillRef idx="1">
+            <a:schemeClr val="accent1"/>
+          </a:fillRef>
+          <a:effectRef idx="0">
+            <a:schemeClr val="accent1"/>
+          </a:effectRef>
+          <a:fontRef idx="minor">
+            <a:schemeClr val="lt1"/>
+          </a:fontRef>
+        </p:style>
+        <p:txBody>
+          <a:bodyPr rtlCol="0" anchor="ctr"/>
+          <a:lstStyle/>
+          <a:p>
+            <a:pPr algn="ctr"/>
+            <a:endParaRPr lang="en-US"/>
+          </a:p>
+        </p:txBody>
+      </p:sp>
+      <p:sp>
+        <p:nvSpPr>
+          <p:cNvPr id="104" name="Oval 103"/>
+          <p:cNvSpPr/>
+          <p:nvPr/>
+        </p:nvSpPr>
+        <p:spPr>
+          <a:xfrm>
+            <a:off x="4993643" y="2775391"/>
+            <a:ext cx="101737" cy="100606"/>
+          </a:xfrm>
+          <a:prstGeom prst="ellipse">
+            <a:avLst/>
+          </a:prstGeom>
+          <a:noFill/>
+          <a:ln w="38100">
+            <a:solidFill>
+              <a:schemeClr val="tx1">
+                <a:lumMod val="50000"/>
+                <a:lumOff val="50000"/>
+              </a:schemeClr>
+            </a:solidFill>
+          </a:ln>
+        </p:spPr>
+        <p:style>
+          <a:lnRef idx="2">
+            <a:schemeClr val="accent1">
+              <a:shade val="50000"/>
+            </a:schemeClr>
+          </a:lnRef>
+          <a:fillRef idx="1">
+            <a:schemeClr val="accent1"/>
+          </a:fillRef>
+          <a:effectRef idx="0">
+            <a:schemeClr val="accent1"/>
+          </a:effectRef>
+          <a:fontRef idx="minor">
+            <a:schemeClr val="lt1"/>
+          </a:fontRef>
+        </p:style>
+        <p:txBody>
+          <a:bodyPr rtlCol="0" anchor="ctr"/>
+          <a:lstStyle/>
+          <a:p>
+            <a:pPr algn="ctr"/>
+            <a:endParaRPr lang="en-US"/>
+          </a:p>
+        </p:txBody>
+      </p:sp>
+      <p:sp>
+        <p:nvSpPr>
+          <p:cNvPr id="106" name="5-Point Star 105"/>
+          <p:cNvSpPr/>
+          <p:nvPr/>
+        </p:nvSpPr>
+        <p:spPr>
+          <a:xfrm>
+            <a:off x="5404025" y="2707029"/>
+            <a:ext cx="90516" cy="95344"/>
+          </a:xfrm>
+          <a:prstGeom prst="star5">
+            <a:avLst/>
+          </a:prstGeom>
+          <a:solidFill>
+            <a:schemeClr val="tx1">
+              <a:lumMod val="50000"/>
+              <a:lumOff val="50000"/>
+            </a:schemeClr>
+          </a:solidFill>
+          <a:ln w="28575">
+            <a:solidFill>
+              <a:schemeClr val="tx1">
+                <a:lumMod val="50000"/>
+                <a:lumOff val="50000"/>
+              </a:schemeClr>
+            </a:solidFill>
+          </a:ln>
+        </p:spPr>
+        <p:style>
+          <a:lnRef idx="2">
+            <a:schemeClr val="accent1">
+              <a:shade val="50000"/>
+            </a:schemeClr>
+          </a:lnRef>
+          <a:fillRef idx="1">
+            <a:schemeClr val="accent1"/>
+          </a:fillRef>
+          <a:effectRef idx="0">
+            <a:schemeClr val="accent1"/>
+          </a:effectRef>
+          <a:fontRef idx="minor">
+            <a:schemeClr val="lt1"/>
+          </a:fontRef>
+        </p:style>
+        <p:txBody>
+          <a:bodyPr rtlCol="0" anchor="ctr"/>
+          <a:lstStyle/>
+          <a:p>
+            <a:pPr algn="ctr"/>
+            <a:endParaRPr lang="en-US"/>
+          </a:p>
+        </p:txBody>
+      </p:sp>
+      <p:sp>
+        <p:nvSpPr>
+          <p:cNvPr id="108" name="Right Triangle 107"/>
+          <p:cNvSpPr/>
+          <p:nvPr/>
+        </p:nvSpPr>
+        <p:spPr>
+          <a:xfrm>
+            <a:off x="5630043" y="2968646"/>
+            <a:ext cx="101562" cy="102765"/>
+          </a:xfrm>
+          <a:prstGeom prst="rtTriangle">
+            <a:avLst/>
+          </a:prstGeom>
+          <a:solidFill>
+            <a:schemeClr val="tx1">
+              <a:lumMod val="50000"/>
+              <a:lumOff val="50000"/>
+            </a:schemeClr>
+          </a:solidFill>
+          <a:ln w="38100">
+            <a:solidFill>
+              <a:schemeClr val="tx1">
+                <a:lumMod val="50000"/>
+                <a:lumOff val="50000"/>
+              </a:schemeClr>
+            </a:solidFill>
+          </a:ln>
+        </p:spPr>
+        <p:style>
+          <a:lnRef idx="2">
+            <a:schemeClr val="accent1">
+              <a:shade val="50000"/>
+            </a:schemeClr>
+          </a:lnRef>
+          <a:fillRef idx="1">
+            <a:schemeClr val="accent1"/>
+          </a:fillRef>
+          <a:effectRef idx="0">
+            <a:schemeClr val="accent1"/>
+          </a:effectRef>
+          <a:fontRef idx="minor">
+            <a:schemeClr val="lt1"/>
+          </a:fontRef>
+        </p:style>
+        <p:txBody>
+          <a:bodyPr rtlCol="0" anchor="ctr"/>
+          <a:lstStyle/>
+          <a:p>
+            <a:pPr algn="ctr"/>
+            <a:endParaRPr lang="en-US"/>
+          </a:p>
+        </p:txBody>
+      </p:sp>
+      <p:sp>
+        <p:nvSpPr>
+          <p:cNvPr id="109" name="Parallelogram 108"/>
+          <p:cNvSpPr/>
+          <p:nvPr/>
+        </p:nvSpPr>
+        <p:spPr>
+          <a:xfrm>
+            <a:off x="5201334" y="2475847"/>
+            <a:ext cx="128865" cy="79688"/>
+          </a:xfrm>
+          <a:prstGeom prst="parallelogram">
+            <a:avLst/>
+          </a:prstGeom>
+          <a:solidFill>
+            <a:schemeClr val="tx1">
+              <a:lumMod val="50000"/>
+              <a:lumOff val="50000"/>
+            </a:schemeClr>
+          </a:solidFill>
+          <a:ln w="38100">
+            <a:solidFill>
+              <a:schemeClr val="tx1">
+                <a:lumMod val="50000"/>
+                <a:lumOff val="50000"/>
+              </a:schemeClr>
+            </a:solidFill>
+          </a:ln>
+        </p:spPr>
+        <p:style>
+          <a:lnRef idx="2">
+            <a:schemeClr val="accent1">
+              <a:shade val="50000"/>
+            </a:schemeClr>
+          </a:lnRef>
+          <a:fillRef idx="1">
+            <a:schemeClr val="accent1"/>
+          </a:fillRef>
+          <a:effectRef idx="0">
+            <a:schemeClr val="accent1"/>
+          </a:effectRef>
+          <a:fontRef idx="minor">
+            <a:schemeClr val="lt1"/>
+          </a:fontRef>
+        </p:style>
+        <p:txBody>
+          <a:bodyPr rtlCol="0" anchor="ctr"/>
+          <a:lstStyle/>
+          <a:p>
+            <a:pPr algn="ctr"/>
+            <a:endParaRPr lang="en-US"/>
+          </a:p>
+        </p:txBody>
+      </p:sp>
+      <p:sp>
+        <p:nvSpPr>
+          <p:cNvPr id="110" name="Isosceles Triangle 109"/>
+          <p:cNvSpPr/>
+          <p:nvPr/>
+        </p:nvSpPr>
+        <p:spPr>
+          <a:xfrm>
+            <a:off x="4811730" y="2430568"/>
+            <a:ext cx="83517" cy="80882"/>
+          </a:xfrm>
+          <a:prstGeom prst="triangle">
+            <a:avLst/>
+          </a:prstGeom>
+          <a:noFill/>
+          <a:ln w="28575">
+            <a:solidFill>
+              <a:schemeClr val="tx1">
+                <a:lumMod val="50000"/>
+                <a:lumOff val="50000"/>
+              </a:schemeClr>
+            </a:solidFill>
+          </a:ln>
+        </p:spPr>
+        <p:style>
+          <a:lnRef idx="2">
+            <a:schemeClr val="accent1">
+              <a:shade val="50000"/>
+            </a:schemeClr>
+          </a:lnRef>
+          <a:fillRef idx="1">
+            <a:schemeClr val="accent1"/>
+          </a:fillRef>
+          <a:effectRef idx="0">
+            <a:schemeClr val="accent1"/>
+          </a:effectRef>
+          <a:fontRef idx="minor">
+            <a:schemeClr val="lt1"/>
+          </a:fontRef>
+        </p:style>
+        <p:txBody>
+          <a:bodyPr rtlCol="0" anchor="ctr"/>
+          <a:lstStyle/>
+          <a:p>
+            <a:pPr algn="ctr"/>
+            <a:endParaRPr lang="en-US"/>
+          </a:p>
+        </p:txBody>
+      </p:sp>
+      <p:sp>
+        <p:nvSpPr>
+          <p:cNvPr id="111" name="Diamond 110"/>
+          <p:cNvSpPr/>
+          <p:nvPr/>
+        </p:nvSpPr>
+        <p:spPr>
+          <a:xfrm>
+            <a:off x="5667446" y="2475858"/>
+            <a:ext cx="110396" cy="97728"/>
+          </a:xfrm>
+          <a:prstGeom prst="diamond">
+            <a:avLst/>
+          </a:prstGeom>
+          <a:noFill/>
+          <a:ln w="28575">
+            <a:solidFill>
+              <a:schemeClr val="tx1">
+                <a:lumMod val="50000"/>
+                <a:lumOff val="50000"/>
+              </a:schemeClr>
+            </a:solidFill>
+          </a:ln>
+        </p:spPr>
+        <p:style>
+          <a:lnRef idx="2">
+            <a:schemeClr val="accent1">
+              <a:shade val="50000"/>
+            </a:schemeClr>
+          </a:lnRef>
+          <a:fillRef idx="1">
+            <a:schemeClr val="accent1"/>
+          </a:fillRef>
+          <a:effectRef idx="0">
+            <a:schemeClr val="accent1"/>
+          </a:effectRef>
+          <a:fontRef idx="minor">
+            <a:schemeClr val="lt1"/>
+          </a:fontRef>
+        </p:style>
+        <p:txBody>
+          <a:bodyPr rtlCol="0" anchor="ctr"/>
+          <a:lstStyle/>
+          <a:p>
+            <a:pPr algn="ctr"/>
+            <a:endParaRPr lang="en-US"/>
+          </a:p>
+        </p:txBody>
+      </p:sp>
+      <p:sp>
+        <p:nvSpPr>
+          <p:cNvPr id="112" name="Hexagon 111"/>
+          <p:cNvSpPr/>
+          <p:nvPr/>
+        </p:nvSpPr>
+        <p:spPr>
+          <a:xfrm>
+            <a:off x="4827787" y="3132161"/>
+            <a:ext cx="110506" cy="87657"/>
+          </a:xfrm>
+          <a:prstGeom prst="hexagon">
+            <a:avLst/>
+          </a:prstGeom>
+          <a:solidFill>
+            <a:schemeClr val="tx1">
+              <a:lumMod val="50000"/>
+              <a:lumOff val="50000"/>
+            </a:schemeClr>
+          </a:solidFill>
+          <a:ln w="38100">
+            <a:solidFill>
+              <a:schemeClr val="tx1">
+                <a:lumMod val="50000"/>
+                <a:lumOff val="50000"/>
+              </a:schemeClr>
+            </a:solidFill>
+          </a:ln>
+        </p:spPr>
+        <p:style>
+          <a:lnRef idx="2">
+            <a:schemeClr val="accent1">
+              <a:shade val="50000"/>
+            </a:schemeClr>
+          </a:lnRef>
+          <a:fillRef idx="1">
+            <a:schemeClr val="accent1"/>
+          </a:fillRef>
+          <a:effectRef idx="0">
+            <a:schemeClr val="accent1"/>
+          </a:effectRef>
+          <a:fontRef idx="minor">
+            <a:schemeClr val="lt1"/>
+          </a:fontRef>
+        </p:style>
+        <p:txBody>
+          <a:bodyPr rtlCol="0" anchor="ctr"/>
+          <a:lstStyle/>
+          <a:p>
+            <a:pPr algn="ctr"/>
+            <a:endParaRPr lang="en-US"/>
+          </a:p>
+        </p:txBody>
+      </p:sp>
+      <p:sp>
+        <p:nvSpPr>
+          <p:cNvPr id="113" name="Hexagon 112"/>
+          <p:cNvSpPr/>
+          <p:nvPr/>
+        </p:nvSpPr>
+        <p:spPr>
+          <a:xfrm>
+            <a:off x="4827787" y="4221989"/>
+            <a:ext cx="110506" cy="87657"/>
+          </a:xfrm>
+          <a:prstGeom prst="hexagon">
+            <a:avLst/>
+          </a:prstGeom>
+          <a:solidFill>
+            <a:schemeClr val="tx1">
+              <a:lumMod val="50000"/>
+              <a:lumOff val="50000"/>
+            </a:schemeClr>
+          </a:solidFill>
+          <a:ln w="38100">
+            <a:solidFill>
+              <a:schemeClr val="tx1">
+                <a:lumMod val="50000"/>
+                <a:lumOff val="50000"/>
+              </a:schemeClr>
+            </a:solidFill>
+          </a:ln>
+        </p:spPr>
+        <p:style>
+          <a:lnRef idx="2">
+            <a:schemeClr val="accent1">
+              <a:shade val="50000"/>
+            </a:schemeClr>
+          </a:lnRef>
+          <a:fillRef idx="1">
+            <a:schemeClr val="accent1"/>
+          </a:fillRef>
+          <a:effectRef idx="0">
+            <a:schemeClr val="accent1"/>
+          </a:effectRef>
+          <a:fontRef idx="minor">
+            <a:schemeClr val="lt1"/>
+          </a:fontRef>
+        </p:style>
+        <p:txBody>
+          <a:bodyPr rtlCol="0" anchor="ctr"/>
+          <a:lstStyle/>
+          <a:p>
+            <a:pPr algn="ctr"/>
+            <a:endParaRPr lang="en-US"/>
+          </a:p>
+        </p:txBody>
+      </p:sp>
+      <p:sp>
+        <p:nvSpPr>
+          <p:cNvPr id="114" name="Hexagon 113"/>
+          <p:cNvSpPr/>
+          <p:nvPr/>
+        </p:nvSpPr>
+        <p:spPr>
+          <a:xfrm>
+            <a:off x="3526619" y="3111932"/>
+            <a:ext cx="110506" cy="87657"/>
+          </a:xfrm>
+          <a:prstGeom prst="hexagon">
+            <a:avLst/>
+          </a:prstGeom>
+          <a:noFill/>
+          <a:ln w="28575">
+            <a:solidFill>
+              <a:schemeClr val="tx1">
+                <a:lumMod val="50000"/>
+                <a:lumOff val="50000"/>
+              </a:schemeClr>
+            </a:solidFill>
+          </a:ln>
+        </p:spPr>
+        <p:style>
+          <a:lnRef idx="2">
+            <a:schemeClr val="accent1">
+              <a:shade val="50000"/>
+            </a:schemeClr>
+          </a:lnRef>
+          <a:fillRef idx="1">
+            <a:schemeClr val="accent1"/>
+          </a:fillRef>
+          <a:effectRef idx="0">
+            <a:schemeClr val="accent1"/>
+          </a:effectRef>
+          <a:fontRef idx="minor">
+            <a:schemeClr val="lt1"/>
+          </a:fontRef>
+        </p:style>
+        <p:txBody>
+          <a:bodyPr rtlCol="0" anchor="ctr"/>
+          <a:lstStyle/>
+          <a:p>
+            <a:pPr algn="ctr"/>
+            <a:endParaRPr lang="en-US"/>
+          </a:p>
+        </p:txBody>
+      </p:sp>
+      <p:sp>
+        <p:nvSpPr>
+          <p:cNvPr id="115" name="Hexagon 114"/>
+          <p:cNvSpPr/>
+          <p:nvPr/>
+        </p:nvSpPr>
+        <p:spPr>
+          <a:xfrm>
+            <a:off x="3526619" y="4201760"/>
+            <a:ext cx="110506" cy="87657"/>
+          </a:xfrm>
+          <a:prstGeom prst="hexagon">
+            <a:avLst/>
+          </a:prstGeom>
+          <a:noFill/>
+          <a:ln w="28575">
+            <a:solidFill>
+              <a:schemeClr val="tx1">
+                <a:lumMod val="50000"/>
+                <a:lumOff val="50000"/>
+              </a:schemeClr>
+            </a:solidFill>
+          </a:ln>
+        </p:spPr>
+        <p:style>
+          <a:lnRef idx="2">
+            <a:schemeClr val="accent1">
+              <a:shade val="50000"/>
+            </a:schemeClr>
+          </a:lnRef>
+          <a:fillRef idx="1">
+            <a:schemeClr val="accent1"/>
+          </a:fillRef>
+          <a:effectRef idx="0">
+            <a:schemeClr val="accent1"/>
+          </a:effectRef>
+          <a:fontRef idx="minor">
+            <a:schemeClr val="lt1"/>
+          </a:fontRef>
+        </p:style>
+        <p:txBody>
+          <a:bodyPr rtlCol="0" anchor="ctr"/>
+          <a:lstStyle/>
+          <a:p>
+            <a:pPr algn="ctr"/>
+            <a:endParaRPr lang="en-US"/>
           </a:p>
         </p:txBody>
       </p:sp>
       <p:pic>
         <p:nvPicPr>
-          <p:cNvPr id="3" name="Picture 2"/>
+          <p:cNvPr id="10" name="Picture 9"/>
           <p:cNvPicPr>
             <a:picLocks noChangeAspect="1"/>
           </p:cNvPicPr>
@@ -6357,1382 +8668,14 @@
         </p:blipFill>
         <p:spPr>
           <a:xfrm>
-            <a:off x="3415913" y="327224"/>
-            <a:ext cx="2553783" cy="1689043"/>
+            <a:off x="3437875" y="349628"/>
+            <a:ext cx="2536284" cy="1677469"/>
           </a:xfrm>
           <a:prstGeom prst="rect">
             <a:avLst/>
           </a:prstGeom>
         </p:spPr>
       </p:pic>
-      <p:sp>
-        <p:nvSpPr>
-          <p:cNvPr id="73" name="Diamond 72"/>
-          <p:cNvSpPr/>
-          <p:nvPr/>
-        </p:nvSpPr>
-        <p:spPr>
-          <a:xfrm>
-            <a:off x="1093471" y="5410930"/>
-            <a:ext cx="237744" cy="219456"/>
-          </a:xfrm>
-          <a:prstGeom prst="diamond">
-            <a:avLst/>
-          </a:prstGeom>
-          <a:solidFill>
-            <a:schemeClr val="accent1">
-              <a:lumMod val="75000"/>
-            </a:schemeClr>
-          </a:solidFill>
-          <a:ln w="38100">
-            <a:solidFill>
-              <a:schemeClr val="accent1">
-                <a:lumMod val="75000"/>
-              </a:schemeClr>
-            </a:solidFill>
-          </a:ln>
-        </p:spPr>
-        <p:style>
-          <a:lnRef idx="2">
-            <a:schemeClr val="accent1">
-              <a:shade val="50000"/>
-            </a:schemeClr>
-          </a:lnRef>
-          <a:fillRef idx="1">
-            <a:schemeClr val="accent1"/>
-          </a:fillRef>
-          <a:effectRef idx="0">
-            <a:schemeClr val="accent1"/>
-          </a:effectRef>
-          <a:fontRef idx="minor">
-            <a:schemeClr val="lt1"/>
-          </a:fontRef>
-        </p:style>
-        <p:txBody>
-          <a:bodyPr rtlCol="0" anchor="ctr"/>
-          <a:lstStyle/>
-          <a:p>
-            <a:pPr algn="ctr"/>
-            <a:endParaRPr lang="en-US"/>
-          </a:p>
-        </p:txBody>
-      </p:sp>
-      <p:sp>
-        <p:nvSpPr>
-          <p:cNvPr id="74" name="Rectangle 73"/>
-          <p:cNvSpPr/>
-          <p:nvPr/>
-        </p:nvSpPr>
-        <p:spPr>
-          <a:xfrm>
-            <a:off x="1710862" y="5777729"/>
-            <a:ext cx="164592" cy="153690"/>
-          </a:xfrm>
-          <a:prstGeom prst="rect">
-            <a:avLst/>
-          </a:prstGeom>
-          <a:solidFill>
-            <a:schemeClr val="accent1">
-              <a:lumMod val="75000"/>
-            </a:schemeClr>
-          </a:solidFill>
-          <a:ln w="38100">
-            <a:solidFill>
-              <a:schemeClr val="accent1">
-                <a:lumMod val="75000"/>
-              </a:schemeClr>
-            </a:solidFill>
-          </a:ln>
-        </p:spPr>
-        <p:style>
-          <a:lnRef idx="2">
-            <a:schemeClr val="accent1">
-              <a:shade val="50000"/>
-            </a:schemeClr>
-          </a:lnRef>
-          <a:fillRef idx="1">
-            <a:schemeClr val="accent1"/>
-          </a:fillRef>
-          <a:effectRef idx="0">
-            <a:schemeClr val="accent1"/>
-          </a:effectRef>
-          <a:fontRef idx="minor">
-            <a:schemeClr val="lt1"/>
-          </a:fontRef>
-        </p:style>
-        <p:txBody>
-          <a:bodyPr rtlCol="0" anchor="ctr"/>
-          <a:lstStyle/>
-          <a:p>
-            <a:pPr algn="ctr"/>
-            <a:endParaRPr lang="en-US"/>
-          </a:p>
-        </p:txBody>
-      </p:sp>
-      <p:sp>
-        <p:nvSpPr>
-          <p:cNvPr id="75" name="Oval 74"/>
-          <p:cNvSpPr/>
-          <p:nvPr/>
-        </p:nvSpPr>
-        <p:spPr>
-          <a:xfrm>
-            <a:off x="2004561" y="4686983"/>
-            <a:ext cx="174451" cy="183765"/>
-          </a:xfrm>
-          <a:prstGeom prst="ellipse">
-            <a:avLst/>
-          </a:prstGeom>
-          <a:solidFill>
-            <a:schemeClr val="accent1">
-              <a:lumMod val="75000"/>
-            </a:schemeClr>
-          </a:solidFill>
-          <a:ln w="38100">
-            <a:solidFill>
-              <a:schemeClr val="accent1">
-                <a:lumMod val="75000"/>
-              </a:schemeClr>
-            </a:solidFill>
-          </a:ln>
-        </p:spPr>
-        <p:style>
-          <a:lnRef idx="2">
-            <a:schemeClr val="accent1">
-              <a:shade val="50000"/>
-            </a:schemeClr>
-          </a:lnRef>
-          <a:fillRef idx="1">
-            <a:schemeClr val="accent1"/>
-          </a:fillRef>
-          <a:effectRef idx="0">
-            <a:schemeClr val="accent1"/>
-          </a:effectRef>
-          <a:fontRef idx="minor">
-            <a:schemeClr val="lt1"/>
-          </a:fontRef>
-        </p:style>
-        <p:txBody>
-          <a:bodyPr rtlCol="0" anchor="ctr"/>
-          <a:lstStyle/>
-          <a:p>
-            <a:pPr algn="ctr"/>
-            <a:endParaRPr lang="en-US"/>
-          </a:p>
-        </p:txBody>
-      </p:sp>
-      <p:sp>
-        <p:nvSpPr>
-          <p:cNvPr id="78" name="Isosceles Triangle 77"/>
-          <p:cNvSpPr/>
-          <p:nvPr/>
-        </p:nvSpPr>
-        <p:spPr>
-          <a:xfrm>
-            <a:off x="519916" y="4693472"/>
-            <a:ext cx="180669" cy="170788"/>
-          </a:xfrm>
-          <a:prstGeom prst="triangle">
-            <a:avLst/>
-          </a:prstGeom>
-          <a:solidFill>
-            <a:schemeClr val="accent1">
-              <a:lumMod val="75000"/>
-            </a:schemeClr>
-          </a:solidFill>
-          <a:ln w="38100">
-            <a:solidFill>
-              <a:schemeClr val="accent1">
-                <a:lumMod val="75000"/>
-              </a:schemeClr>
-            </a:solidFill>
-          </a:ln>
-        </p:spPr>
-        <p:style>
-          <a:lnRef idx="2">
-            <a:schemeClr val="accent1">
-              <a:shade val="50000"/>
-            </a:schemeClr>
-          </a:lnRef>
-          <a:fillRef idx="1">
-            <a:schemeClr val="accent1"/>
-          </a:fillRef>
-          <a:effectRef idx="0">
-            <a:schemeClr val="accent1"/>
-          </a:effectRef>
-          <a:fontRef idx="minor">
-            <a:schemeClr val="lt1"/>
-          </a:fontRef>
-        </p:style>
-        <p:txBody>
-          <a:bodyPr rtlCol="0" anchor="ctr"/>
-          <a:lstStyle/>
-          <a:p>
-            <a:pPr algn="ctr"/>
-            <a:endParaRPr lang="en-US"/>
-          </a:p>
-        </p:txBody>
-      </p:sp>
-      <p:sp>
-        <p:nvSpPr>
-          <p:cNvPr id="80" name="5-Point Star 79"/>
-          <p:cNvSpPr/>
-          <p:nvPr/>
-        </p:nvSpPr>
-        <p:spPr>
-          <a:xfrm>
-            <a:off x="528915" y="6245119"/>
-            <a:ext cx="222222" cy="187270"/>
-          </a:xfrm>
-          <a:prstGeom prst="star5">
-            <a:avLst/>
-          </a:prstGeom>
-          <a:solidFill>
-            <a:schemeClr val="accent1">
-              <a:lumMod val="75000"/>
-            </a:schemeClr>
-          </a:solidFill>
-          <a:ln w="28575">
-            <a:solidFill>
-              <a:schemeClr val="accent1">
-                <a:lumMod val="75000"/>
-              </a:schemeClr>
-            </a:solidFill>
-          </a:ln>
-        </p:spPr>
-        <p:style>
-          <a:lnRef idx="2">
-            <a:schemeClr val="accent1">
-              <a:shade val="50000"/>
-            </a:schemeClr>
-          </a:lnRef>
-          <a:fillRef idx="1">
-            <a:schemeClr val="accent1"/>
-          </a:fillRef>
-          <a:effectRef idx="0">
-            <a:schemeClr val="accent1"/>
-          </a:effectRef>
-          <a:fontRef idx="minor">
-            <a:schemeClr val="lt1"/>
-          </a:fontRef>
-        </p:style>
-        <p:txBody>
-          <a:bodyPr rtlCol="0" anchor="ctr"/>
-          <a:lstStyle/>
-          <a:p>
-            <a:pPr algn="ctr"/>
-            <a:endParaRPr lang="en-US"/>
-          </a:p>
-        </p:txBody>
-      </p:sp>
-      <p:sp>
-        <p:nvSpPr>
-          <p:cNvPr id="82" name="Regular Pentagon 81"/>
-          <p:cNvSpPr/>
-          <p:nvPr/>
-        </p:nvSpPr>
-        <p:spPr>
-          <a:xfrm>
-            <a:off x="1996963" y="6114671"/>
-            <a:ext cx="227701" cy="214650"/>
-          </a:xfrm>
-          <a:prstGeom prst="pentagon">
-            <a:avLst/>
-          </a:prstGeom>
-          <a:solidFill>
-            <a:schemeClr val="accent1">
-              <a:lumMod val="75000"/>
-            </a:schemeClr>
-          </a:solidFill>
-          <a:ln w="38100">
-            <a:solidFill>
-              <a:schemeClr val="accent1">
-                <a:lumMod val="75000"/>
-              </a:schemeClr>
-            </a:solidFill>
-          </a:ln>
-        </p:spPr>
-        <p:style>
-          <a:lnRef idx="2">
-            <a:schemeClr val="accent1">
-              <a:shade val="50000"/>
-            </a:schemeClr>
-          </a:lnRef>
-          <a:fillRef idx="1">
-            <a:schemeClr val="accent1"/>
-          </a:fillRef>
-          <a:effectRef idx="0">
-            <a:schemeClr val="accent1"/>
-          </a:effectRef>
-          <a:fontRef idx="minor">
-            <a:schemeClr val="lt1"/>
-          </a:fontRef>
-        </p:style>
-        <p:txBody>
-          <a:bodyPr rtlCol="0" anchor="ctr"/>
-          <a:lstStyle/>
-          <a:p>
-            <a:pPr algn="ctr"/>
-            <a:endParaRPr lang="en-US"/>
-          </a:p>
-        </p:txBody>
-      </p:sp>
-      <p:sp>
-        <p:nvSpPr>
-          <p:cNvPr id="86" name="Diamond 85"/>
-          <p:cNvSpPr/>
-          <p:nvPr/>
-        </p:nvSpPr>
-        <p:spPr>
-          <a:xfrm>
-            <a:off x="4335319" y="5382841"/>
-            <a:ext cx="237744" cy="219456"/>
-          </a:xfrm>
-          <a:prstGeom prst="diamond">
-            <a:avLst/>
-          </a:prstGeom>
-          <a:solidFill>
-            <a:schemeClr val="accent1">
-              <a:lumMod val="75000"/>
-            </a:schemeClr>
-          </a:solidFill>
-          <a:ln w="38100">
-            <a:solidFill>
-              <a:schemeClr val="accent1">
-                <a:lumMod val="75000"/>
-              </a:schemeClr>
-            </a:solidFill>
-          </a:ln>
-        </p:spPr>
-        <p:style>
-          <a:lnRef idx="2">
-            <a:schemeClr val="accent1">
-              <a:shade val="50000"/>
-            </a:schemeClr>
-          </a:lnRef>
-          <a:fillRef idx="1">
-            <a:schemeClr val="accent1"/>
-          </a:fillRef>
-          <a:effectRef idx="0">
-            <a:schemeClr val="accent1"/>
-          </a:effectRef>
-          <a:fontRef idx="minor">
-            <a:schemeClr val="lt1"/>
-          </a:fontRef>
-        </p:style>
-        <p:txBody>
-          <a:bodyPr rtlCol="0" anchor="ctr"/>
-          <a:lstStyle/>
-          <a:p>
-            <a:pPr algn="ctr"/>
-            <a:endParaRPr lang="en-US"/>
-          </a:p>
-        </p:txBody>
-      </p:sp>
-      <p:sp>
-        <p:nvSpPr>
-          <p:cNvPr id="87" name="Rectangle 86"/>
-          <p:cNvSpPr/>
-          <p:nvPr/>
-        </p:nvSpPr>
-        <p:spPr>
-          <a:xfrm>
-            <a:off x="4968121" y="5777729"/>
-            <a:ext cx="164592" cy="153690"/>
-          </a:xfrm>
-          <a:prstGeom prst="rect">
-            <a:avLst/>
-          </a:prstGeom>
-          <a:solidFill>
-            <a:schemeClr val="accent1">
-              <a:lumMod val="75000"/>
-            </a:schemeClr>
-          </a:solidFill>
-          <a:ln w="38100">
-            <a:solidFill>
-              <a:schemeClr val="accent1">
-                <a:lumMod val="75000"/>
-              </a:schemeClr>
-            </a:solidFill>
-          </a:ln>
-        </p:spPr>
-        <p:style>
-          <a:lnRef idx="2">
-            <a:schemeClr val="accent1">
-              <a:shade val="50000"/>
-            </a:schemeClr>
-          </a:lnRef>
-          <a:fillRef idx="1">
-            <a:schemeClr val="accent1"/>
-          </a:fillRef>
-          <a:effectRef idx="0">
-            <a:schemeClr val="accent1"/>
-          </a:effectRef>
-          <a:fontRef idx="minor">
-            <a:schemeClr val="lt1"/>
-          </a:fontRef>
-        </p:style>
-        <p:txBody>
-          <a:bodyPr rtlCol="0" anchor="ctr"/>
-          <a:lstStyle/>
-          <a:p>
-            <a:pPr algn="ctr"/>
-            <a:endParaRPr lang="en-US"/>
-          </a:p>
-        </p:txBody>
-      </p:sp>
-      <p:sp>
-        <p:nvSpPr>
-          <p:cNvPr id="88" name="Oval 87"/>
-          <p:cNvSpPr/>
-          <p:nvPr/>
-        </p:nvSpPr>
-        <p:spPr>
-          <a:xfrm>
-            <a:off x="5266491" y="4685590"/>
-            <a:ext cx="174451" cy="183765"/>
-          </a:xfrm>
-          <a:prstGeom prst="ellipse">
-            <a:avLst/>
-          </a:prstGeom>
-          <a:solidFill>
-            <a:schemeClr val="accent1">
-              <a:lumMod val="75000"/>
-            </a:schemeClr>
-          </a:solidFill>
-          <a:ln w="38100">
-            <a:solidFill>
-              <a:schemeClr val="accent1">
-                <a:lumMod val="75000"/>
-              </a:schemeClr>
-            </a:solidFill>
-          </a:ln>
-        </p:spPr>
-        <p:style>
-          <a:lnRef idx="2">
-            <a:schemeClr val="accent1">
-              <a:shade val="50000"/>
-            </a:schemeClr>
-          </a:lnRef>
-          <a:fillRef idx="1">
-            <a:schemeClr val="accent1"/>
-          </a:fillRef>
-          <a:effectRef idx="0">
-            <a:schemeClr val="accent1"/>
-          </a:effectRef>
-          <a:fontRef idx="minor">
-            <a:schemeClr val="lt1"/>
-          </a:fontRef>
-        </p:style>
-        <p:txBody>
-          <a:bodyPr rtlCol="0" anchor="ctr"/>
-          <a:lstStyle/>
-          <a:p>
-            <a:pPr algn="ctr"/>
-            <a:endParaRPr lang="en-US"/>
-          </a:p>
-        </p:txBody>
-      </p:sp>
-      <p:sp>
-        <p:nvSpPr>
-          <p:cNvPr id="89" name="Isosceles Triangle 88"/>
-          <p:cNvSpPr/>
-          <p:nvPr/>
-        </p:nvSpPr>
-        <p:spPr>
-          <a:xfrm>
-            <a:off x="3761764" y="4665383"/>
-            <a:ext cx="180669" cy="170788"/>
-          </a:xfrm>
-          <a:prstGeom prst="triangle">
-            <a:avLst/>
-          </a:prstGeom>
-          <a:solidFill>
-            <a:schemeClr val="accent1">
-              <a:lumMod val="75000"/>
-            </a:schemeClr>
-          </a:solidFill>
-          <a:ln w="38100">
-            <a:solidFill>
-              <a:schemeClr val="accent1">
-                <a:lumMod val="75000"/>
-              </a:schemeClr>
-            </a:solidFill>
-          </a:ln>
-        </p:spPr>
-        <p:style>
-          <a:lnRef idx="2">
-            <a:schemeClr val="accent1">
-              <a:shade val="50000"/>
-            </a:schemeClr>
-          </a:lnRef>
-          <a:fillRef idx="1">
-            <a:schemeClr val="accent1"/>
-          </a:fillRef>
-          <a:effectRef idx="0">
-            <a:schemeClr val="accent1"/>
-          </a:effectRef>
-          <a:fontRef idx="minor">
-            <a:schemeClr val="lt1"/>
-          </a:fontRef>
-        </p:style>
-        <p:txBody>
-          <a:bodyPr rtlCol="0" anchor="ctr"/>
-          <a:lstStyle/>
-          <a:p>
-            <a:pPr algn="ctr"/>
-            <a:endParaRPr lang="en-US"/>
-          </a:p>
-        </p:txBody>
-      </p:sp>
-      <p:sp>
-        <p:nvSpPr>
-          <p:cNvPr id="90" name="5-Point Star 89"/>
-          <p:cNvSpPr/>
-          <p:nvPr/>
-        </p:nvSpPr>
-        <p:spPr>
-          <a:xfrm>
-            <a:off x="3770763" y="6217030"/>
-            <a:ext cx="222222" cy="187270"/>
-          </a:xfrm>
-          <a:prstGeom prst="star5">
-            <a:avLst/>
-          </a:prstGeom>
-          <a:solidFill>
-            <a:schemeClr val="accent1">
-              <a:lumMod val="75000"/>
-            </a:schemeClr>
-          </a:solidFill>
-          <a:ln w="28575">
-            <a:solidFill>
-              <a:schemeClr val="accent1">
-                <a:lumMod val="75000"/>
-              </a:schemeClr>
-            </a:solidFill>
-          </a:ln>
-        </p:spPr>
-        <p:style>
-          <a:lnRef idx="2">
-            <a:schemeClr val="accent1">
-              <a:shade val="50000"/>
-            </a:schemeClr>
-          </a:lnRef>
-          <a:fillRef idx="1">
-            <a:schemeClr val="accent1"/>
-          </a:fillRef>
-          <a:effectRef idx="0">
-            <a:schemeClr val="accent1"/>
-          </a:effectRef>
-          <a:fontRef idx="minor">
-            <a:schemeClr val="lt1"/>
-          </a:fontRef>
-        </p:style>
-        <p:txBody>
-          <a:bodyPr rtlCol="0" anchor="ctr"/>
-          <a:lstStyle/>
-          <a:p>
-            <a:pPr algn="ctr"/>
-            <a:endParaRPr lang="en-US"/>
-          </a:p>
-        </p:txBody>
-      </p:sp>
-      <p:sp>
-        <p:nvSpPr>
-          <p:cNvPr id="91" name="Regular Pentagon 90"/>
-          <p:cNvSpPr/>
-          <p:nvPr/>
-        </p:nvSpPr>
-        <p:spPr>
-          <a:xfrm>
-            <a:off x="5238811" y="6086582"/>
-            <a:ext cx="227701" cy="214650"/>
-          </a:xfrm>
-          <a:prstGeom prst="pentagon">
-            <a:avLst/>
-          </a:prstGeom>
-          <a:solidFill>
-            <a:schemeClr val="accent1">
-              <a:lumMod val="75000"/>
-            </a:schemeClr>
-          </a:solidFill>
-          <a:ln w="38100">
-            <a:solidFill>
-              <a:schemeClr val="accent1">
-                <a:lumMod val="75000"/>
-              </a:schemeClr>
-            </a:solidFill>
-          </a:ln>
-        </p:spPr>
-        <p:style>
-          <a:lnRef idx="2">
-            <a:schemeClr val="accent1">
-              <a:shade val="50000"/>
-            </a:schemeClr>
-          </a:lnRef>
-          <a:fillRef idx="1">
-            <a:schemeClr val="accent1"/>
-          </a:fillRef>
-          <a:effectRef idx="0">
-            <a:schemeClr val="accent1"/>
-          </a:effectRef>
-          <a:fontRef idx="minor">
-            <a:schemeClr val="lt1"/>
-          </a:fontRef>
-        </p:style>
-        <p:txBody>
-          <a:bodyPr rtlCol="0" anchor="ctr"/>
-          <a:lstStyle/>
-          <a:p>
-            <a:pPr algn="ctr"/>
-            <a:endParaRPr lang="en-US"/>
-          </a:p>
-        </p:txBody>
-      </p:sp>
-      <p:sp>
-        <p:nvSpPr>
-          <p:cNvPr id="16" name="Cross 15"/>
-          <p:cNvSpPr/>
-          <p:nvPr/>
-        </p:nvSpPr>
-        <p:spPr>
-          <a:xfrm>
-            <a:off x="2072504" y="5223845"/>
-            <a:ext cx="254081" cy="212255"/>
-          </a:xfrm>
-          <a:prstGeom prst="plus">
-            <a:avLst/>
-          </a:prstGeom>
-          <a:noFill/>
-          <a:ln w="38100">
-            <a:solidFill>
-              <a:schemeClr val="accent1">
-                <a:lumMod val="75000"/>
-              </a:schemeClr>
-            </a:solidFill>
-          </a:ln>
-        </p:spPr>
-        <p:style>
-          <a:lnRef idx="2">
-            <a:schemeClr val="accent1">
-              <a:shade val="50000"/>
-            </a:schemeClr>
-          </a:lnRef>
-          <a:fillRef idx="1">
-            <a:schemeClr val="accent1"/>
-          </a:fillRef>
-          <a:effectRef idx="0">
-            <a:schemeClr val="accent1"/>
-          </a:effectRef>
-          <a:fontRef idx="minor">
-            <a:schemeClr val="lt1"/>
-          </a:fontRef>
-        </p:style>
-        <p:txBody>
-          <a:bodyPr rtlCol="0" anchor="ctr"/>
-          <a:lstStyle/>
-          <a:p>
-            <a:pPr algn="ctr"/>
-            <a:endParaRPr lang="en-US"/>
-          </a:p>
-        </p:txBody>
-      </p:sp>
-      <p:sp>
-        <p:nvSpPr>
-          <p:cNvPr id="17" name="Right Triangle 16"/>
-          <p:cNvSpPr/>
-          <p:nvPr/>
-        </p:nvSpPr>
-        <p:spPr>
-          <a:xfrm>
-            <a:off x="657232" y="5777729"/>
-            <a:ext cx="212183" cy="184569"/>
-          </a:xfrm>
-          <a:prstGeom prst="rtTriangle">
-            <a:avLst/>
-          </a:prstGeom>
-          <a:noFill/>
-          <a:ln w="38100">
-            <a:solidFill>
-              <a:schemeClr val="accent1">
-                <a:lumMod val="75000"/>
-              </a:schemeClr>
-            </a:solidFill>
-          </a:ln>
-        </p:spPr>
-        <p:style>
-          <a:lnRef idx="2">
-            <a:schemeClr val="accent1">
-              <a:shade val="50000"/>
-            </a:schemeClr>
-          </a:lnRef>
-          <a:fillRef idx="1">
-            <a:schemeClr val="accent1"/>
-          </a:fillRef>
-          <a:effectRef idx="0">
-            <a:schemeClr val="accent1"/>
-          </a:effectRef>
-          <a:fontRef idx="minor">
-            <a:schemeClr val="lt1"/>
-          </a:fontRef>
-        </p:style>
-        <p:txBody>
-          <a:bodyPr rtlCol="0" anchor="ctr"/>
-          <a:lstStyle/>
-          <a:p>
-            <a:pPr algn="ctr"/>
-            <a:endParaRPr lang="en-US"/>
-          </a:p>
-        </p:txBody>
-      </p:sp>
-      <p:sp>
-        <p:nvSpPr>
-          <p:cNvPr id="18" name="Parallelogram 17"/>
-          <p:cNvSpPr/>
-          <p:nvPr/>
-        </p:nvSpPr>
-        <p:spPr>
-          <a:xfrm>
-            <a:off x="1020475" y="4817703"/>
-            <a:ext cx="281363" cy="160133"/>
-          </a:xfrm>
-          <a:prstGeom prst="parallelogram">
-            <a:avLst/>
-          </a:prstGeom>
-          <a:noFill/>
-          <a:ln w="38100">
-            <a:solidFill>
-              <a:schemeClr val="accent1">
-                <a:lumMod val="75000"/>
-              </a:schemeClr>
-            </a:solidFill>
-          </a:ln>
-        </p:spPr>
-        <p:style>
-          <a:lnRef idx="2">
-            <a:schemeClr val="accent1">
-              <a:shade val="50000"/>
-            </a:schemeClr>
-          </a:lnRef>
-          <a:fillRef idx="1">
-            <a:schemeClr val="accent1"/>
-          </a:fillRef>
-          <a:effectRef idx="0">
-            <a:schemeClr val="accent1"/>
-          </a:effectRef>
-          <a:fontRef idx="minor">
-            <a:schemeClr val="lt1"/>
-          </a:fontRef>
-        </p:style>
-        <p:txBody>
-          <a:bodyPr rtlCol="0" anchor="ctr"/>
-          <a:lstStyle/>
-          <a:p>
-            <a:pPr algn="ctr"/>
-            <a:endParaRPr lang="en-US"/>
-          </a:p>
-        </p:txBody>
-      </p:sp>
-      <p:sp>
-        <p:nvSpPr>
-          <p:cNvPr id="19" name="Hexagon 18"/>
-          <p:cNvSpPr/>
-          <p:nvPr/>
-        </p:nvSpPr>
-        <p:spPr>
-          <a:xfrm>
-            <a:off x="4531033" y="4721915"/>
-            <a:ext cx="237744" cy="216145"/>
-          </a:xfrm>
-          <a:prstGeom prst="hexagon">
-            <a:avLst/>
-          </a:prstGeom>
-          <a:noFill/>
-          <a:ln w="38100">
-            <a:solidFill>
-              <a:schemeClr val="accent1">
-                <a:lumMod val="75000"/>
-              </a:schemeClr>
-            </a:solidFill>
-          </a:ln>
-        </p:spPr>
-        <p:style>
-          <a:lnRef idx="2">
-            <a:schemeClr val="accent1">
-              <a:shade val="50000"/>
-            </a:schemeClr>
-          </a:lnRef>
-          <a:fillRef idx="1">
-            <a:schemeClr val="accent1"/>
-          </a:fillRef>
-          <a:effectRef idx="0">
-            <a:schemeClr val="accent1"/>
-          </a:effectRef>
-          <a:fontRef idx="minor">
-            <a:schemeClr val="lt1"/>
-          </a:fontRef>
-        </p:style>
-        <p:txBody>
-          <a:bodyPr rtlCol="0" anchor="ctr"/>
-          <a:lstStyle/>
-          <a:p>
-            <a:pPr algn="ctr"/>
-            <a:endParaRPr lang="en-US"/>
-          </a:p>
-        </p:txBody>
-      </p:sp>
-      <p:sp>
-        <p:nvSpPr>
-          <p:cNvPr id="20" name="Moon 19"/>
-          <p:cNvSpPr/>
-          <p:nvPr/>
-        </p:nvSpPr>
-        <p:spPr>
-          <a:xfrm>
-            <a:off x="3833513" y="5602297"/>
-            <a:ext cx="118578" cy="175637"/>
-          </a:xfrm>
-          <a:prstGeom prst="moon">
-            <a:avLst/>
-          </a:prstGeom>
-          <a:noFill/>
-          <a:ln w="28575">
-            <a:solidFill>
-              <a:schemeClr val="accent1">
-                <a:lumMod val="75000"/>
-              </a:schemeClr>
-            </a:solidFill>
-          </a:ln>
-        </p:spPr>
-        <p:style>
-          <a:lnRef idx="2">
-            <a:schemeClr val="accent1">
-              <a:shade val="50000"/>
-            </a:schemeClr>
-          </a:lnRef>
-          <a:fillRef idx="1">
-            <a:schemeClr val="accent1"/>
-          </a:fillRef>
-          <a:effectRef idx="0">
-            <a:schemeClr val="accent1"/>
-          </a:effectRef>
-          <a:fontRef idx="minor">
-            <a:schemeClr val="lt1"/>
-          </a:fontRef>
-        </p:style>
-        <p:txBody>
-          <a:bodyPr rtlCol="0" anchor="ctr"/>
-          <a:lstStyle/>
-          <a:p>
-            <a:pPr algn="ctr"/>
-            <a:endParaRPr lang="en-US"/>
-          </a:p>
-        </p:txBody>
-      </p:sp>
-      <p:sp>
-        <p:nvSpPr>
-          <p:cNvPr id="21" name="Trapezoid 20"/>
-          <p:cNvSpPr/>
-          <p:nvPr/>
-        </p:nvSpPr>
-        <p:spPr>
-          <a:xfrm>
-            <a:off x="5056528" y="5347062"/>
-            <a:ext cx="240145" cy="169368"/>
-          </a:xfrm>
-          <a:prstGeom prst="trapezoid">
-            <a:avLst/>
-          </a:prstGeom>
-          <a:noFill/>
-          <a:ln w="38100">
-            <a:solidFill>
-              <a:schemeClr val="accent1">
-                <a:lumMod val="75000"/>
-              </a:schemeClr>
-            </a:solidFill>
-          </a:ln>
-        </p:spPr>
-        <p:style>
-          <a:lnRef idx="2">
-            <a:schemeClr val="accent1">
-              <a:shade val="50000"/>
-            </a:schemeClr>
-          </a:lnRef>
-          <a:fillRef idx="1">
-            <a:schemeClr val="accent1"/>
-          </a:fillRef>
-          <a:effectRef idx="0">
-            <a:schemeClr val="accent1"/>
-          </a:effectRef>
-          <a:fontRef idx="minor">
-            <a:schemeClr val="lt1"/>
-          </a:fontRef>
-        </p:style>
-        <p:txBody>
-          <a:bodyPr rtlCol="0" anchor="ctr"/>
-          <a:lstStyle/>
-          <a:p>
-            <a:pPr algn="ctr"/>
-            <a:endParaRPr lang="en-US"/>
-          </a:p>
-        </p:txBody>
-      </p:sp>
-      <p:sp>
-        <p:nvSpPr>
-          <p:cNvPr id="138" name="Diamond 137"/>
-          <p:cNvSpPr/>
-          <p:nvPr/>
-        </p:nvSpPr>
-        <p:spPr>
-          <a:xfrm>
-            <a:off x="4200861" y="3091766"/>
-            <a:ext cx="237744" cy="219456"/>
-          </a:xfrm>
-          <a:prstGeom prst="diamond">
-            <a:avLst/>
-          </a:prstGeom>
-          <a:solidFill>
-            <a:schemeClr val="accent1">
-              <a:lumMod val="75000"/>
-            </a:schemeClr>
-          </a:solidFill>
-          <a:ln w="38100">
-            <a:solidFill>
-              <a:schemeClr val="accent1">
-                <a:lumMod val="75000"/>
-              </a:schemeClr>
-            </a:solidFill>
-          </a:ln>
-        </p:spPr>
-        <p:style>
-          <a:lnRef idx="2">
-            <a:schemeClr val="accent1">
-              <a:shade val="50000"/>
-            </a:schemeClr>
-          </a:lnRef>
-          <a:fillRef idx="1">
-            <a:schemeClr val="accent1"/>
-          </a:fillRef>
-          <a:effectRef idx="0">
-            <a:schemeClr val="accent1"/>
-          </a:effectRef>
-          <a:fontRef idx="minor">
-            <a:schemeClr val="lt1"/>
-          </a:fontRef>
-        </p:style>
-        <p:txBody>
-          <a:bodyPr rtlCol="0" anchor="ctr"/>
-          <a:lstStyle/>
-          <a:p>
-            <a:pPr algn="ctr"/>
-            <a:endParaRPr lang="en-US"/>
-          </a:p>
-        </p:txBody>
-      </p:sp>
-      <p:sp>
-        <p:nvSpPr>
-          <p:cNvPr id="139" name="Rectangle 138"/>
-          <p:cNvSpPr/>
-          <p:nvPr/>
-        </p:nvSpPr>
-        <p:spPr>
-          <a:xfrm>
-            <a:off x="4818252" y="3458565"/>
-            <a:ext cx="164592" cy="153690"/>
-          </a:xfrm>
-          <a:prstGeom prst="rect">
-            <a:avLst/>
-          </a:prstGeom>
-          <a:solidFill>
-            <a:schemeClr val="accent1">
-              <a:lumMod val="75000"/>
-            </a:schemeClr>
-          </a:solidFill>
-          <a:ln w="38100">
-            <a:solidFill>
-              <a:schemeClr val="accent1">
-                <a:lumMod val="75000"/>
-              </a:schemeClr>
-            </a:solidFill>
-          </a:ln>
-        </p:spPr>
-        <p:style>
-          <a:lnRef idx="2">
-            <a:schemeClr val="accent1">
-              <a:shade val="50000"/>
-            </a:schemeClr>
-          </a:lnRef>
-          <a:fillRef idx="1">
-            <a:schemeClr val="accent1"/>
-          </a:fillRef>
-          <a:effectRef idx="0">
-            <a:schemeClr val="accent1"/>
-          </a:effectRef>
-          <a:fontRef idx="minor">
-            <a:schemeClr val="lt1"/>
-          </a:fontRef>
-        </p:style>
-        <p:txBody>
-          <a:bodyPr rtlCol="0" anchor="ctr"/>
-          <a:lstStyle/>
-          <a:p>
-            <a:pPr algn="ctr"/>
-            <a:endParaRPr lang="en-US"/>
-          </a:p>
-        </p:txBody>
-      </p:sp>
-      <p:sp>
-        <p:nvSpPr>
-          <p:cNvPr id="140" name="Oval 139"/>
-          <p:cNvSpPr/>
-          <p:nvPr/>
-        </p:nvSpPr>
-        <p:spPr>
-          <a:xfrm>
-            <a:off x="5111951" y="2367819"/>
-            <a:ext cx="174451" cy="183765"/>
-          </a:xfrm>
-          <a:prstGeom prst="ellipse">
-            <a:avLst/>
-          </a:prstGeom>
-          <a:solidFill>
-            <a:schemeClr val="accent1">
-              <a:lumMod val="75000"/>
-            </a:schemeClr>
-          </a:solidFill>
-          <a:ln w="38100">
-            <a:solidFill>
-              <a:schemeClr val="accent1">
-                <a:lumMod val="75000"/>
-              </a:schemeClr>
-            </a:solidFill>
-          </a:ln>
-        </p:spPr>
-        <p:style>
-          <a:lnRef idx="2">
-            <a:schemeClr val="accent1">
-              <a:shade val="50000"/>
-            </a:schemeClr>
-          </a:lnRef>
-          <a:fillRef idx="1">
-            <a:schemeClr val="accent1"/>
-          </a:fillRef>
-          <a:effectRef idx="0">
-            <a:schemeClr val="accent1"/>
-          </a:effectRef>
-          <a:fontRef idx="minor">
-            <a:schemeClr val="lt1"/>
-          </a:fontRef>
-        </p:style>
-        <p:txBody>
-          <a:bodyPr rtlCol="0" anchor="ctr"/>
-          <a:lstStyle/>
-          <a:p>
-            <a:pPr algn="ctr"/>
-            <a:endParaRPr lang="en-US"/>
-          </a:p>
-        </p:txBody>
-      </p:sp>
-      <p:sp>
-        <p:nvSpPr>
-          <p:cNvPr id="141" name="Isosceles Triangle 140"/>
-          <p:cNvSpPr/>
-          <p:nvPr/>
-        </p:nvSpPr>
-        <p:spPr>
-          <a:xfrm>
-            <a:off x="3627306" y="2374308"/>
-            <a:ext cx="180669" cy="170788"/>
-          </a:xfrm>
-          <a:prstGeom prst="triangle">
-            <a:avLst/>
-          </a:prstGeom>
-          <a:solidFill>
-            <a:schemeClr val="accent1">
-              <a:lumMod val="75000"/>
-            </a:schemeClr>
-          </a:solidFill>
-          <a:ln w="38100">
-            <a:solidFill>
-              <a:schemeClr val="accent1">
-                <a:lumMod val="75000"/>
-              </a:schemeClr>
-            </a:solidFill>
-          </a:ln>
-        </p:spPr>
-        <p:style>
-          <a:lnRef idx="2">
-            <a:schemeClr val="accent1">
-              <a:shade val="50000"/>
-            </a:schemeClr>
-          </a:lnRef>
-          <a:fillRef idx="1">
-            <a:schemeClr val="accent1"/>
-          </a:fillRef>
-          <a:effectRef idx="0">
-            <a:schemeClr val="accent1"/>
-          </a:effectRef>
-          <a:fontRef idx="minor">
-            <a:schemeClr val="lt1"/>
-          </a:fontRef>
-        </p:style>
-        <p:txBody>
-          <a:bodyPr rtlCol="0" anchor="ctr"/>
-          <a:lstStyle/>
-          <a:p>
-            <a:pPr algn="ctr"/>
-            <a:endParaRPr lang="en-US"/>
-          </a:p>
-        </p:txBody>
-      </p:sp>
-      <p:sp>
-        <p:nvSpPr>
-          <p:cNvPr id="142" name="5-Point Star 141"/>
-          <p:cNvSpPr/>
-          <p:nvPr/>
-        </p:nvSpPr>
-        <p:spPr>
-          <a:xfrm>
-            <a:off x="3636305" y="3925955"/>
-            <a:ext cx="222222" cy="187270"/>
-          </a:xfrm>
-          <a:prstGeom prst="star5">
-            <a:avLst/>
-          </a:prstGeom>
-          <a:solidFill>
-            <a:schemeClr val="accent1">
-              <a:lumMod val="75000"/>
-            </a:schemeClr>
-          </a:solidFill>
-          <a:ln w="28575">
-            <a:solidFill>
-              <a:schemeClr val="accent1">
-                <a:lumMod val="75000"/>
-              </a:schemeClr>
-            </a:solidFill>
-          </a:ln>
-        </p:spPr>
-        <p:style>
-          <a:lnRef idx="2">
-            <a:schemeClr val="accent1">
-              <a:shade val="50000"/>
-            </a:schemeClr>
-          </a:lnRef>
-          <a:fillRef idx="1">
-            <a:schemeClr val="accent1"/>
-          </a:fillRef>
-          <a:effectRef idx="0">
-            <a:schemeClr val="accent1"/>
-          </a:effectRef>
-          <a:fontRef idx="minor">
-            <a:schemeClr val="lt1"/>
-          </a:fontRef>
-        </p:style>
-        <p:txBody>
-          <a:bodyPr rtlCol="0" anchor="ctr"/>
-          <a:lstStyle/>
-          <a:p>
-            <a:pPr algn="ctr"/>
-            <a:endParaRPr lang="en-US"/>
-          </a:p>
-        </p:txBody>
-      </p:sp>
-      <p:sp>
-        <p:nvSpPr>
-          <p:cNvPr id="143" name="Regular Pentagon 142"/>
-          <p:cNvSpPr/>
-          <p:nvPr/>
-        </p:nvSpPr>
-        <p:spPr>
-          <a:xfrm>
-            <a:off x="5104353" y="3795507"/>
-            <a:ext cx="227701" cy="214650"/>
-          </a:xfrm>
-          <a:prstGeom prst="pentagon">
-            <a:avLst/>
-          </a:prstGeom>
-          <a:solidFill>
-            <a:schemeClr val="accent1">
-              <a:lumMod val="75000"/>
-            </a:schemeClr>
-          </a:solidFill>
-          <a:ln w="38100">
-            <a:solidFill>
-              <a:schemeClr val="accent1">
-                <a:lumMod val="75000"/>
-              </a:schemeClr>
-            </a:solidFill>
-          </a:ln>
-        </p:spPr>
-        <p:style>
-          <a:lnRef idx="2">
-            <a:schemeClr val="accent1">
-              <a:shade val="50000"/>
-            </a:schemeClr>
-          </a:lnRef>
-          <a:fillRef idx="1">
-            <a:schemeClr val="accent1"/>
-          </a:fillRef>
-          <a:effectRef idx="0">
-            <a:schemeClr val="accent1"/>
-          </a:effectRef>
-          <a:fontRef idx="minor">
-            <a:schemeClr val="lt1"/>
-          </a:fontRef>
-        </p:style>
-        <p:txBody>
-          <a:bodyPr rtlCol="0" anchor="ctr"/>
-          <a:lstStyle/>
-          <a:p>
-            <a:pPr algn="ctr"/>
-            <a:endParaRPr lang="en-US"/>
-          </a:p>
-        </p:txBody>
-      </p:sp>
-      <p:sp>
-        <p:nvSpPr>
-          <p:cNvPr id="144" name="Cross 143"/>
-          <p:cNvSpPr/>
-          <p:nvPr/>
-        </p:nvSpPr>
-        <p:spPr>
-          <a:xfrm>
-            <a:off x="5179894" y="2904681"/>
-            <a:ext cx="254081" cy="212255"/>
-          </a:xfrm>
-          <a:prstGeom prst="plus">
-            <a:avLst/>
-          </a:prstGeom>
-          <a:noFill/>
-          <a:ln w="38100">
-            <a:solidFill>
-              <a:schemeClr val="accent1">
-                <a:lumMod val="75000"/>
-              </a:schemeClr>
-            </a:solidFill>
-          </a:ln>
-        </p:spPr>
-        <p:style>
-          <a:lnRef idx="2">
-            <a:schemeClr val="accent1">
-              <a:shade val="50000"/>
-            </a:schemeClr>
-          </a:lnRef>
-          <a:fillRef idx="1">
-            <a:schemeClr val="accent1"/>
-          </a:fillRef>
-          <a:effectRef idx="0">
-            <a:schemeClr val="accent1"/>
-          </a:effectRef>
-          <a:fontRef idx="minor">
-            <a:schemeClr val="lt1"/>
-          </a:fontRef>
-        </p:style>
-        <p:txBody>
-          <a:bodyPr rtlCol="0" anchor="ctr"/>
-          <a:lstStyle/>
-          <a:p>
-            <a:pPr algn="ctr"/>
-            <a:endParaRPr lang="en-US"/>
-          </a:p>
-        </p:txBody>
-      </p:sp>
-      <p:sp>
-        <p:nvSpPr>
-          <p:cNvPr id="145" name="Right Triangle 144"/>
-          <p:cNvSpPr/>
-          <p:nvPr/>
-        </p:nvSpPr>
-        <p:spPr>
-          <a:xfrm>
-            <a:off x="3764622" y="3458565"/>
-            <a:ext cx="212183" cy="184569"/>
-          </a:xfrm>
-          <a:prstGeom prst="rtTriangle">
-            <a:avLst/>
-          </a:prstGeom>
-          <a:noFill/>
-          <a:ln w="38100">
-            <a:solidFill>
-              <a:schemeClr val="accent1">
-                <a:lumMod val="75000"/>
-              </a:schemeClr>
-            </a:solidFill>
-          </a:ln>
-        </p:spPr>
-        <p:style>
-          <a:lnRef idx="2">
-            <a:schemeClr val="accent1">
-              <a:shade val="50000"/>
-            </a:schemeClr>
-          </a:lnRef>
-          <a:fillRef idx="1">
-            <a:schemeClr val="accent1"/>
-          </a:fillRef>
-          <a:effectRef idx="0">
-            <a:schemeClr val="accent1"/>
-          </a:effectRef>
-          <a:fontRef idx="minor">
-            <a:schemeClr val="lt1"/>
-          </a:fontRef>
-        </p:style>
-        <p:txBody>
-          <a:bodyPr rtlCol="0" anchor="ctr"/>
-          <a:lstStyle/>
-          <a:p>
-            <a:pPr algn="ctr"/>
-            <a:endParaRPr lang="en-US"/>
-          </a:p>
-        </p:txBody>
-      </p:sp>
-      <p:sp>
-        <p:nvSpPr>
-          <p:cNvPr id="146" name="Parallelogram 145"/>
-          <p:cNvSpPr/>
-          <p:nvPr/>
-        </p:nvSpPr>
-        <p:spPr>
-          <a:xfrm>
-            <a:off x="4127865" y="2498539"/>
-            <a:ext cx="281363" cy="160133"/>
-          </a:xfrm>
-          <a:prstGeom prst="parallelogram">
-            <a:avLst/>
-          </a:prstGeom>
-          <a:noFill/>
-          <a:ln w="38100">
-            <a:solidFill>
-              <a:schemeClr val="accent1">
-                <a:lumMod val="75000"/>
-              </a:schemeClr>
-            </a:solidFill>
-          </a:ln>
-        </p:spPr>
-        <p:style>
-          <a:lnRef idx="2">
-            <a:schemeClr val="accent1">
-              <a:shade val="50000"/>
-            </a:schemeClr>
-          </a:lnRef>
-          <a:fillRef idx="1">
-            <a:schemeClr val="accent1"/>
-          </a:fillRef>
-          <a:effectRef idx="0">
-            <a:schemeClr val="accent1"/>
-          </a:effectRef>
-          <a:fontRef idx="minor">
-            <a:schemeClr val="lt1"/>
-          </a:fontRef>
-        </p:style>
-        <p:txBody>
-          <a:bodyPr rtlCol="0" anchor="ctr"/>
-          <a:lstStyle/>
-          <a:p>
-            <a:pPr algn="ctr"/>
-            <a:endParaRPr lang="en-US"/>
-          </a:p>
-        </p:txBody>
-      </p:sp>
     </p:spTree>
     <p:extLst>
       <p:ext uri="{BB962C8B-B14F-4D97-AF65-F5344CB8AC3E}">

--- a/output/plots/all_figs_with_legends.pptx
+++ b/output/plots/all_figs_with_legends.pptx
@@ -4803,7 +4803,7 @@
         </p:nvSpPr>
         <p:spPr>
           <a:xfrm>
-            <a:off x="3406950" y="105273"/>
+            <a:off x="2831775" y="89863"/>
             <a:ext cx="2567210" cy="2136065"/>
           </a:xfrm>
           <a:prstGeom prst="rect">
@@ -4898,7 +4898,7 @@
         </p:nvSpPr>
         <p:spPr>
           <a:xfrm>
-            <a:off x="3406950" y="4518014"/>
+            <a:off x="2831775" y="4502604"/>
             <a:ext cx="2567210" cy="2136065"/>
           </a:xfrm>
           <a:prstGeom prst="rect">
@@ -4993,7 +4993,7 @@
         </p:nvSpPr>
         <p:spPr>
           <a:xfrm>
-            <a:off x="3406949" y="2304023"/>
+            <a:off x="2831774" y="2288613"/>
             <a:ext cx="2567209" cy="2136065"/>
           </a:xfrm>
           <a:prstGeom prst="rect">
@@ -5867,7 +5867,7 @@
         </p:nvSpPr>
         <p:spPr>
           <a:xfrm>
-            <a:off x="3415913" y="3375261"/>
+            <a:off x="2840738" y="3359851"/>
             <a:ext cx="1272043" cy="1067365"/>
           </a:xfrm>
           <a:prstGeom prst="rect">
@@ -5983,7 +5983,7 @@
         </p:nvSpPr>
         <p:spPr>
           <a:xfrm>
-            <a:off x="4702117" y="2304023"/>
+            <a:off x="4126942" y="2288613"/>
             <a:ext cx="1277474" cy="1069826"/>
           </a:xfrm>
           <a:prstGeom prst="rect">
@@ -6029,7 +6029,7 @@
         </p:nvSpPr>
         <p:spPr>
           <a:xfrm>
-            <a:off x="4702117" y="3373675"/>
+            <a:off x="4126942" y="3358265"/>
             <a:ext cx="1277474" cy="1068919"/>
           </a:xfrm>
           <a:prstGeom prst="rect">
@@ -6428,7 +6428,7 @@
         </p:nvSpPr>
         <p:spPr>
           <a:xfrm>
-            <a:off x="4441582" y="5508961"/>
+            <a:off x="3866407" y="5493551"/>
             <a:ext cx="237744" cy="219456"/>
           </a:xfrm>
           <a:prstGeom prst="diamond">
@@ -6482,7 +6482,7 @@
         </p:nvSpPr>
         <p:spPr>
           <a:xfrm>
-            <a:off x="5341362" y="5348100"/>
+            <a:off x="4766187" y="5332690"/>
             <a:ext cx="164592" cy="153690"/>
           </a:xfrm>
           <a:prstGeom prst="rect">
@@ -6536,7 +6536,7 @@
         </p:nvSpPr>
         <p:spPr>
           <a:xfrm>
-            <a:off x="5266491" y="4685590"/>
+            <a:off x="4691316" y="4670180"/>
             <a:ext cx="174451" cy="183765"/>
           </a:xfrm>
           <a:prstGeom prst="ellipse">
@@ -6590,7 +6590,7 @@
         </p:nvSpPr>
         <p:spPr>
           <a:xfrm>
-            <a:off x="3761764" y="4665383"/>
+            <a:off x="3186589" y="4649973"/>
             <a:ext cx="180669" cy="170788"/>
           </a:xfrm>
           <a:prstGeom prst="triangle">
@@ -6644,7 +6644,7 @@
         </p:nvSpPr>
         <p:spPr>
           <a:xfrm>
-            <a:off x="3770763" y="6217030"/>
+            <a:off x="3195588" y="6201620"/>
             <a:ext cx="222222" cy="187270"/>
           </a:xfrm>
           <a:prstGeom prst="star5">
@@ -6845,7 +6845,7 @@
         </p:nvSpPr>
         <p:spPr>
           <a:xfrm>
-            <a:off x="4531033" y="4721915"/>
+            <a:off x="3955858" y="4706505"/>
             <a:ext cx="237744" cy="216145"/>
           </a:xfrm>
           <a:prstGeom prst="hexagon">
@@ -6894,7 +6894,7 @@
         </p:nvSpPr>
         <p:spPr>
           <a:xfrm>
-            <a:off x="3833513" y="5602297"/>
+            <a:off x="3258338" y="5586887"/>
             <a:ext cx="118578" cy="175637"/>
           </a:xfrm>
           <a:prstGeom prst="moon">
@@ -6943,7 +6943,7 @@
         </p:nvSpPr>
         <p:spPr>
           <a:xfrm>
-            <a:off x="4859478" y="6178070"/>
+            <a:off x="4284303" y="6162660"/>
             <a:ext cx="240145" cy="183385"/>
           </a:xfrm>
           <a:prstGeom prst="trapezoid">
@@ -6992,8 +6992,8 @@
         </p:nvSpPr>
         <p:spPr>
           <a:xfrm>
-            <a:off x="4387705" y="3613493"/>
-            <a:ext cx="85000" cy="95276"/>
+            <a:off x="3812529" y="3554040"/>
+            <a:ext cx="143736" cy="139320"/>
           </a:xfrm>
           <a:prstGeom prst="diamond">
             <a:avLst/>
@@ -7046,8 +7046,8 @@
         </p:nvSpPr>
         <p:spPr>
           <a:xfrm>
-            <a:off x="3951921" y="4220307"/>
-            <a:ext cx="86448" cy="85572"/>
+            <a:off x="3313902" y="3958913"/>
+            <a:ext cx="104821" cy="101211"/>
           </a:xfrm>
           <a:prstGeom prst="rect">
             <a:avLst/>
@@ -7100,7 +7100,7 @@
         </p:nvSpPr>
         <p:spPr>
           <a:xfrm>
-            <a:off x="3734742" y="3913037"/>
+            <a:off x="3753971" y="4102471"/>
             <a:ext cx="101737" cy="100606"/>
           </a:xfrm>
           <a:prstGeom prst="ellipse">
@@ -7154,8 +7154,8 @@
         </p:nvSpPr>
         <p:spPr>
           <a:xfrm>
-            <a:off x="3575036" y="3572375"/>
-            <a:ext cx="68090" cy="65387"/>
+            <a:off x="3044607" y="3562840"/>
+            <a:ext cx="104173" cy="103235"/>
           </a:xfrm>
           <a:prstGeom prst="triangle">
             <a:avLst/>
@@ -7202,166 +7202,14 @@
       </p:sp>
       <p:sp>
         <p:nvSpPr>
-          <p:cNvPr id="64" name="5-Point Star 63"/>
-          <p:cNvSpPr/>
-          <p:nvPr/>
-        </p:nvSpPr>
-        <p:spPr>
-          <a:xfrm>
-            <a:off x="4145124" y="3844675"/>
-            <a:ext cx="90516" cy="95344"/>
-          </a:xfrm>
-          <a:prstGeom prst="star5">
-            <a:avLst/>
-          </a:prstGeom>
-          <a:solidFill>
-            <a:schemeClr val="tx1">
-              <a:lumMod val="50000"/>
-              <a:lumOff val="50000"/>
-            </a:schemeClr>
-          </a:solidFill>
-          <a:ln w="28575">
-            <a:solidFill>
-              <a:schemeClr val="tx1">
-                <a:lumMod val="50000"/>
-                <a:lumOff val="50000"/>
-              </a:schemeClr>
-            </a:solidFill>
-          </a:ln>
-        </p:spPr>
-        <p:style>
-          <a:lnRef idx="2">
-            <a:schemeClr val="accent1">
-              <a:shade val="50000"/>
-            </a:schemeClr>
-          </a:lnRef>
-          <a:fillRef idx="1">
-            <a:schemeClr val="accent1"/>
-          </a:fillRef>
-          <a:effectRef idx="0">
-            <a:schemeClr val="accent1"/>
-          </a:effectRef>
-          <a:fontRef idx="minor">
-            <a:schemeClr val="lt1"/>
-          </a:fontRef>
-        </p:style>
-        <p:txBody>
-          <a:bodyPr rtlCol="0" anchor="ctr"/>
-          <a:lstStyle/>
-          <a:p>
-            <a:pPr algn="ctr"/>
-            <a:endParaRPr lang="en-US"/>
-          </a:p>
-        </p:txBody>
-      </p:sp>
-      <p:sp>
-        <p:nvSpPr>
-          <p:cNvPr id="67" name="Right Triangle 66"/>
-          <p:cNvSpPr/>
-          <p:nvPr/>
-        </p:nvSpPr>
-        <p:spPr>
-          <a:xfrm>
-            <a:off x="4371142" y="4106292"/>
-            <a:ext cx="101562" cy="102765"/>
-          </a:xfrm>
-          <a:prstGeom prst="rtTriangle">
-            <a:avLst/>
-          </a:prstGeom>
-          <a:noFill/>
-          <a:ln w="38100">
-            <a:solidFill>
-              <a:schemeClr val="tx1">
-                <a:lumMod val="50000"/>
-                <a:lumOff val="50000"/>
-              </a:schemeClr>
-            </a:solidFill>
-          </a:ln>
-        </p:spPr>
-        <p:style>
-          <a:lnRef idx="2">
-            <a:schemeClr val="accent1">
-              <a:shade val="50000"/>
-            </a:schemeClr>
-          </a:lnRef>
-          <a:fillRef idx="1">
-            <a:schemeClr val="accent1"/>
-          </a:fillRef>
-          <a:effectRef idx="0">
-            <a:schemeClr val="accent1"/>
-          </a:effectRef>
-          <a:fontRef idx="minor">
-            <a:schemeClr val="lt1"/>
-          </a:fontRef>
-        </p:style>
-        <p:txBody>
-          <a:bodyPr rtlCol="0" anchor="ctr"/>
-          <a:lstStyle/>
-          <a:p>
-            <a:pPr algn="ctr"/>
-            <a:endParaRPr lang="en-US"/>
-          </a:p>
-        </p:txBody>
-      </p:sp>
-      <p:sp>
-        <p:nvSpPr>
-          <p:cNvPr id="68" name="Parallelogram 67"/>
-          <p:cNvSpPr/>
-          <p:nvPr/>
-        </p:nvSpPr>
-        <p:spPr>
-          <a:xfrm>
-            <a:off x="3942433" y="3613493"/>
-            <a:ext cx="128865" cy="79688"/>
-          </a:xfrm>
-          <a:prstGeom prst="parallelogram">
-            <a:avLst/>
-          </a:prstGeom>
-          <a:noFill/>
-          <a:ln w="38100">
-            <a:solidFill>
-              <a:schemeClr val="tx1">
-                <a:lumMod val="50000"/>
-                <a:lumOff val="50000"/>
-              </a:schemeClr>
-            </a:solidFill>
-          </a:ln>
-        </p:spPr>
-        <p:style>
-          <a:lnRef idx="2">
-            <a:schemeClr val="accent1">
-              <a:shade val="50000"/>
-            </a:schemeClr>
-          </a:lnRef>
-          <a:fillRef idx="1">
-            <a:schemeClr val="accent1"/>
-          </a:fillRef>
-          <a:effectRef idx="0">
-            <a:schemeClr val="accent1"/>
-          </a:effectRef>
-          <a:fontRef idx="minor">
-            <a:schemeClr val="lt1"/>
-          </a:fontRef>
-        </p:style>
-        <p:txBody>
-          <a:bodyPr rtlCol="0" anchor="ctr"/>
-          <a:lstStyle/>
-          <a:p>
-            <a:pPr algn="ctr"/>
-            <a:endParaRPr lang="en-US"/>
-          </a:p>
-        </p:txBody>
-      </p:sp>
-      <p:sp>
-        <p:nvSpPr>
           <p:cNvPr id="69" name="Diamond 68"/>
           <p:cNvSpPr/>
           <p:nvPr/>
         </p:nvSpPr>
         <p:spPr>
           <a:xfrm>
-            <a:off x="5667446" y="3572375"/>
-            <a:ext cx="85000" cy="96630"/>
+            <a:off x="5092270" y="3512296"/>
+            <a:ext cx="143736" cy="141299"/>
           </a:xfrm>
           <a:prstGeom prst="diamond">
             <a:avLst/>
@@ -7414,14 +7262,14 @@
         </p:nvSpPr>
         <p:spPr>
           <a:xfrm>
-            <a:off x="5231662" y="4180543"/>
-            <a:ext cx="86448" cy="85572"/>
+            <a:off x="4593643" y="3919149"/>
+            <a:ext cx="104821" cy="101211"/>
           </a:xfrm>
           <a:prstGeom prst="rect">
             <a:avLst/>
           </a:prstGeom>
           <a:noFill/>
-          <a:ln w="38100">
+          <a:ln w="19050">
             <a:solidFill>
               <a:schemeClr val="tx1">
                 <a:lumMod val="50000"/>
@@ -7463,7 +7311,7 @@
         </p:nvSpPr>
         <p:spPr>
           <a:xfrm>
-            <a:off x="5014483" y="3873273"/>
+            <a:off x="5033712" y="4062707"/>
             <a:ext cx="101737" cy="100606"/>
           </a:xfrm>
           <a:prstGeom prst="ellipse">
@@ -7517,14 +7365,14 @@
         </p:nvSpPr>
         <p:spPr>
           <a:xfrm>
-            <a:off x="4854776" y="3532611"/>
-            <a:ext cx="83517" cy="80882"/>
+            <a:off x="4324348" y="3514107"/>
+            <a:ext cx="127775" cy="127699"/>
           </a:xfrm>
           <a:prstGeom prst="triangle">
             <a:avLst/>
           </a:prstGeom>
           <a:noFill/>
-          <a:ln w="28575">
+          <a:ln w="19050">
             <a:solidFill>
               <a:schemeClr val="tx1">
                 <a:lumMod val="50000"/>
@@ -7560,25 +7408,20 @@
       </p:sp>
       <p:sp>
         <p:nvSpPr>
-          <p:cNvPr id="76" name="5-Point Star 75"/>
+          <p:cNvPr id="85" name="Diamond 84"/>
           <p:cNvSpPr/>
           <p:nvPr/>
         </p:nvSpPr>
         <p:spPr>
           <a:xfrm>
-            <a:off x="5424865" y="3804911"/>
-            <a:ext cx="90516" cy="95344"/>
+            <a:off x="3844032" y="2435082"/>
+            <a:ext cx="143736" cy="126805"/>
           </a:xfrm>
-          <a:prstGeom prst="star5">
+          <a:prstGeom prst="diamond">
             <a:avLst/>
           </a:prstGeom>
-          <a:solidFill>
-            <a:schemeClr val="tx1">
-              <a:lumMod val="50000"/>
-              <a:lumOff val="50000"/>
-            </a:schemeClr>
-          </a:solidFill>
-          <a:ln w="28575">
+          <a:noFill/>
+          <a:ln w="19050">
             <a:solidFill>
               <a:schemeClr val="tx1">
                 <a:lumMod val="50000"/>
@@ -7614,166 +7457,14 @@
       </p:sp>
       <p:sp>
         <p:nvSpPr>
-          <p:cNvPr id="83" name="Right Triangle 82"/>
-          <p:cNvSpPr/>
-          <p:nvPr/>
-        </p:nvSpPr>
-        <p:spPr>
-          <a:xfrm>
-            <a:off x="5650883" y="4066528"/>
-            <a:ext cx="101562" cy="102765"/>
-          </a:xfrm>
-          <a:prstGeom prst="rtTriangle">
-            <a:avLst/>
-          </a:prstGeom>
-          <a:noFill/>
-          <a:ln w="38100">
-            <a:solidFill>
-              <a:schemeClr val="tx1">
-                <a:lumMod val="50000"/>
-                <a:lumOff val="50000"/>
-              </a:schemeClr>
-            </a:solidFill>
-          </a:ln>
-        </p:spPr>
-        <p:style>
-          <a:lnRef idx="2">
-            <a:schemeClr val="accent1">
-              <a:shade val="50000"/>
-            </a:schemeClr>
-          </a:lnRef>
-          <a:fillRef idx="1">
-            <a:schemeClr val="accent1"/>
-          </a:fillRef>
-          <a:effectRef idx="0">
-            <a:schemeClr val="accent1"/>
-          </a:effectRef>
-          <a:fontRef idx="minor">
-            <a:schemeClr val="lt1"/>
-          </a:fontRef>
-        </p:style>
-        <p:txBody>
-          <a:bodyPr rtlCol="0" anchor="ctr"/>
-          <a:lstStyle/>
-          <a:p>
-            <a:pPr algn="ctr"/>
-            <a:endParaRPr lang="en-US"/>
-          </a:p>
-        </p:txBody>
-      </p:sp>
-      <p:sp>
-        <p:nvSpPr>
-          <p:cNvPr id="84" name="Parallelogram 83"/>
-          <p:cNvSpPr/>
-          <p:nvPr/>
-        </p:nvSpPr>
-        <p:spPr>
-          <a:xfrm>
-            <a:off x="5222174" y="3573729"/>
-            <a:ext cx="128865" cy="79688"/>
-          </a:xfrm>
-          <a:prstGeom prst="parallelogram">
-            <a:avLst/>
-          </a:prstGeom>
-          <a:solidFill>
-            <a:schemeClr val="tx1">
-              <a:lumMod val="50000"/>
-              <a:lumOff val="50000"/>
-            </a:schemeClr>
-          </a:solidFill>
-          <a:ln w="38100">
-            <a:solidFill>
-              <a:schemeClr val="tx1">
-                <a:lumMod val="50000"/>
-                <a:lumOff val="50000"/>
-              </a:schemeClr>
-            </a:solidFill>
-          </a:ln>
-        </p:spPr>
-        <p:style>
-          <a:lnRef idx="2">
-            <a:schemeClr val="accent1">
-              <a:shade val="50000"/>
-            </a:schemeClr>
-          </a:lnRef>
-          <a:fillRef idx="1">
-            <a:schemeClr val="accent1"/>
-          </a:fillRef>
-          <a:effectRef idx="0">
-            <a:schemeClr val="accent1"/>
-          </a:effectRef>
-          <a:fontRef idx="minor">
-            <a:schemeClr val="lt1"/>
-          </a:fontRef>
-        </p:style>
-        <p:txBody>
-          <a:bodyPr rtlCol="0" anchor="ctr"/>
-          <a:lstStyle/>
-          <a:p>
-            <a:pPr algn="ctr"/>
-            <a:endParaRPr lang="en-US"/>
-          </a:p>
-        </p:txBody>
-      </p:sp>
-      <p:sp>
-        <p:nvSpPr>
-          <p:cNvPr id="85" name="Diamond 84"/>
-          <p:cNvSpPr/>
-          <p:nvPr/>
-        </p:nvSpPr>
-        <p:spPr>
-          <a:xfrm>
-            <a:off x="4419208" y="2479570"/>
-            <a:ext cx="110396" cy="97728"/>
-          </a:xfrm>
-          <a:prstGeom prst="diamond">
-            <a:avLst/>
-          </a:prstGeom>
-          <a:noFill/>
-          <a:ln w="28575">
-            <a:solidFill>
-              <a:schemeClr val="tx1">
-                <a:lumMod val="50000"/>
-                <a:lumOff val="50000"/>
-              </a:schemeClr>
-            </a:solidFill>
-          </a:ln>
-        </p:spPr>
-        <p:style>
-          <a:lnRef idx="2">
-            <a:schemeClr val="accent1">
-              <a:shade val="50000"/>
-            </a:schemeClr>
-          </a:lnRef>
-          <a:fillRef idx="1">
-            <a:schemeClr val="accent1"/>
-          </a:fillRef>
-          <a:effectRef idx="0">
-            <a:schemeClr val="accent1"/>
-          </a:effectRef>
-          <a:fontRef idx="minor">
-            <a:schemeClr val="lt1"/>
-          </a:fontRef>
-        </p:style>
-        <p:txBody>
-          <a:bodyPr rtlCol="0" anchor="ctr"/>
-          <a:lstStyle/>
-          <a:p>
-            <a:pPr algn="ctr"/>
-            <a:endParaRPr lang="en-US"/>
-          </a:p>
-        </p:txBody>
-      </p:sp>
-      <p:sp>
-        <p:nvSpPr>
           <p:cNvPr id="92" name="Rectangle 91"/>
           <p:cNvSpPr/>
           <p:nvPr/>
         </p:nvSpPr>
         <p:spPr>
           <a:xfrm>
-            <a:off x="3983424" y="3088837"/>
-            <a:ext cx="87874" cy="85572"/>
+            <a:off x="3345406" y="2827443"/>
+            <a:ext cx="106550" cy="101211"/>
           </a:xfrm>
           <a:prstGeom prst="rect">
             <a:avLst/>
@@ -7826,7 +7517,7 @@
         </p:nvSpPr>
         <p:spPr>
           <a:xfrm>
-            <a:off x="3766245" y="2781567"/>
+            <a:off x="3785474" y="2971001"/>
             <a:ext cx="101737" cy="100606"/>
           </a:xfrm>
           <a:prstGeom prst="ellipse">
@@ -7880,8 +7571,8 @@
         </p:nvSpPr>
         <p:spPr>
           <a:xfrm>
-            <a:off x="3606539" y="2440905"/>
-            <a:ext cx="68090" cy="65387"/>
+            <a:off x="3076110" y="2431370"/>
+            <a:ext cx="104173" cy="103235"/>
           </a:xfrm>
           <a:prstGeom prst="triangle">
             <a:avLst/>
@@ -7928,171 +7619,14 @@
       </p:sp>
       <p:sp>
         <p:nvSpPr>
-          <p:cNvPr id="95" name="5-Point Star 94"/>
-          <p:cNvSpPr/>
-          <p:nvPr/>
-        </p:nvSpPr>
-        <p:spPr>
-          <a:xfrm>
-            <a:off x="4176627" y="2713205"/>
-            <a:ext cx="126084" cy="116612"/>
-          </a:xfrm>
-          <a:prstGeom prst="star5">
-            <a:avLst/>
-          </a:prstGeom>
-          <a:noFill/>
-          <a:ln w="19050">
-            <a:solidFill>
-              <a:schemeClr val="tx1">
-                <a:lumMod val="50000"/>
-                <a:lumOff val="50000"/>
-              </a:schemeClr>
-            </a:solidFill>
-          </a:ln>
-        </p:spPr>
-        <p:style>
-          <a:lnRef idx="2">
-            <a:schemeClr val="accent1">
-              <a:shade val="50000"/>
-            </a:schemeClr>
-          </a:lnRef>
-          <a:fillRef idx="1">
-            <a:schemeClr val="accent1"/>
-          </a:fillRef>
-          <a:effectRef idx="0">
-            <a:schemeClr val="accent1"/>
-          </a:effectRef>
-          <a:fontRef idx="minor">
-            <a:schemeClr val="lt1"/>
-          </a:fontRef>
-        </p:style>
-        <p:txBody>
-          <a:bodyPr rtlCol="0" anchor="ctr"/>
-          <a:lstStyle/>
-          <a:p>
-            <a:pPr algn="ctr"/>
-            <a:endParaRPr lang="en-US"/>
-          </a:p>
-        </p:txBody>
-      </p:sp>
-      <p:sp>
-        <p:nvSpPr>
-          <p:cNvPr id="97" name="Right Triangle 96"/>
-          <p:cNvSpPr/>
-          <p:nvPr/>
-        </p:nvSpPr>
-        <p:spPr>
-          <a:xfrm>
-            <a:off x="4402645" y="2974822"/>
-            <a:ext cx="101562" cy="102765"/>
-          </a:xfrm>
-          <a:prstGeom prst="rtTriangle">
-            <a:avLst/>
-          </a:prstGeom>
-          <a:solidFill>
-            <a:schemeClr val="tx1">
-              <a:lumMod val="50000"/>
-              <a:lumOff val="50000"/>
-            </a:schemeClr>
-          </a:solidFill>
-          <a:ln w="38100">
-            <a:solidFill>
-              <a:schemeClr val="tx1">
-                <a:lumMod val="50000"/>
-                <a:lumOff val="50000"/>
-              </a:schemeClr>
-            </a:solidFill>
-          </a:ln>
-        </p:spPr>
-        <p:style>
-          <a:lnRef idx="2">
-            <a:schemeClr val="accent1">
-              <a:shade val="50000"/>
-            </a:schemeClr>
-          </a:lnRef>
-          <a:fillRef idx="1">
-            <a:schemeClr val="accent1"/>
-          </a:fillRef>
-          <a:effectRef idx="0">
-            <a:schemeClr val="accent1"/>
-          </a:effectRef>
-          <a:fontRef idx="minor">
-            <a:schemeClr val="lt1"/>
-          </a:fontRef>
-        </p:style>
-        <p:txBody>
-          <a:bodyPr rtlCol="0" anchor="ctr"/>
-          <a:lstStyle/>
-          <a:p>
-            <a:pPr algn="ctr"/>
-            <a:endParaRPr lang="en-US"/>
-          </a:p>
-        </p:txBody>
-      </p:sp>
-      <p:sp>
-        <p:nvSpPr>
-          <p:cNvPr id="99" name="Parallelogram 98"/>
-          <p:cNvSpPr/>
-          <p:nvPr/>
-        </p:nvSpPr>
-        <p:spPr>
-          <a:xfrm>
-            <a:off x="3973936" y="2482023"/>
-            <a:ext cx="128865" cy="79688"/>
-          </a:xfrm>
-          <a:prstGeom prst="parallelogram">
-            <a:avLst/>
-          </a:prstGeom>
-          <a:solidFill>
-            <a:schemeClr val="tx1">
-              <a:lumMod val="50000"/>
-              <a:lumOff val="50000"/>
-            </a:schemeClr>
-          </a:solidFill>
-          <a:ln w="38100">
-            <a:solidFill>
-              <a:schemeClr val="tx1">
-                <a:lumMod val="50000"/>
-                <a:lumOff val="50000"/>
-              </a:schemeClr>
-            </a:solidFill>
-          </a:ln>
-        </p:spPr>
-        <p:style>
-          <a:lnRef idx="2">
-            <a:schemeClr val="accent1">
-              <a:shade val="50000"/>
-            </a:schemeClr>
-          </a:lnRef>
-          <a:fillRef idx="1">
-            <a:schemeClr val="accent1"/>
-          </a:fillRef>
-          <a:effectRef idx="0">
-            <a:schemeClr val="accent1"/>
-          </a:effectRef>
-          <a:fontRef idx="minor">
-            <a:schemeClr val="lt1"/>
-          </a:fontRef>
-        </p:style>
-        <p:txBody>
-          <a:bodyPr rtlCol="0" anchor="ctr"/>
-          <a:lstStyle/>
-          <a:p>
-            <a:pPr algn="ctr"/>
-            <a:endParaRPr lang="en-US"/>
-          </a:p>
-        </p:txBody>
-      </p:sp>
-      <p:sp>
-        <p:nvSpPr>
           <p:cNvPr id="103" name="Rectangle 102"/>
           <p:cNvSpPr/>
           <p:nvPr/>
         </p:nvSpPr>
         <p:spPr>
           <a:xfrm>
-            <a:off x="5210822" y="3082661"/>
-            <a:ext cx="86448" cy="85572"/>
+            <a:off x="4572803" y="2821267"/>
+            <a:ext cx="104821" cy="101211"/>
           </a:xfrm>
           <a:prstGeom prst="rect">
             <a:avLst/>
@@ -8145,14 +7679,14 @@
         </p:nvSpPr>
         <p:spPr>
           <a:xfrm>
-            <a:off x="4993643" y="2775391"/>
-            <a:ext cx="101737" cy="100606"/>
+            <a:off x="5012872" y="2952453"/>
+            <a:ext cx="122577" cy="112978"/>
           </a:xfrm>
           <a:prstGeom prst="ellipse">
             <a:avLst/>
           </a:prstGeom>
           <a:noFill/>
-          <a:ln w="38100">
+          <a:ln w="19050">
             <a:solidFill>
               <a:schemeClr val="tx1">
                 <a:lumMod val="50000"/>
@@ -8188,25 +7722,20 @@
       </p:sp>
       <p:sp>
         <p:nvSpPr>
-          <p:cNvPr id="106" name="5-Point Star 105"/>
+          <p:cNvPr id="110" name="Isosceles Triangle 109"/>
           <p:cNvSpPr/>
           <p:nvPr/>
         </p:nvSpPr>
         <p:spPr>
           <a:xfrm>
-            <a:off x="5404025" y="2707029"/>
-            <a:ext cx="90516" cy="95344"/>
+            <a:off x="4281302" y="2412064"/>
+            <a:ext cx="127775" cy="127699"/>
           </a:xfrm>
-          <a:prstGeom prst="star5">
+          <a:prstGeom prst="triangle">
             <a:avLst/>
           </a:prstGeom>
-          <a:solidFill>
-            <a:schemeClr val="tx1">
-              <a:lumMod val="50000"/>
-              <a:lumOff val="50000"/>
-            </a:schemeClr>
-          </a:solidFill>
-          <a:ln w="28575">
+          <a:noFill/>
+          <a:ln w="19050">
             <a:solidFill>
               <a:schemeClr val="tx1">
                 <a:lumMod val="50000"/>
@@ -8242,25 +7771,20 @@
       </p:sp>
       <p:sp>
         <p:nvSpPr>
-          <p:cNvPr id="108" name="Right Triangle 107"/>
+          <p:cNvPr id="111" name="Diamond 110"/>
           <p:cNvSpPr/>
           <p:nvPr/>
         </p:nvSpPr>
         <p:spPr>
           <a:xfrm>
-            <a:off x="5630043" y="2968646"/>
-            <a:ext cx="101562" cy="102765"/>
+            <a:off x="5092270" y="2431370"/>
+            <a:ext cx="143736" cy="126805"/>
           </a:xfrm>
-          <a:prstGeom prst="rtTriangle">
+          <a:prstGeom prst="diamond">
             <a:avLst/>
           </a:prstGeom>
-          <a:solidFill>
-            <a:schemeClr val="tx1">
-              <a:lumMod val="50000"/>
-              <a:lumOff val="50000"/>
-            </a:schemeClr>
-          </a:solidFill>
-          <a:ln w="38100">
+          <a:noFill/>
+          <a:ln w="19050">
             <a:solidFill>
               <a:schemeClr val="tx1">
                 <a:lumMod val="50000"/>
@@ -8296,166 +7820,14 @@
       </p:sp>
       <p:sp>
         <p:nvSpPr>
-          <p:cNvPr id="109" name="Parallelogram 108"/>
-          <p:cNvSpPr/>
-          <p:nvPr/>
-        </p:nvSpPr>
-        <p:spPr>
-          <a:xfrm>
-            <a:off x="5201334" y="2475847"/>
-            <a:ext cx="128865" cy="79688"/>
-          </a:xfrm>
-          <a:prstGeom prst="parallelogram">
-            <a:avLst/>
-          </a:prstGeom>
-          <a:solidFill>
-            <a:schemeClr val="tx1">
-              <a:lumMod val="50000"/>
-              <a:lumOff val="50000"/>
-            </a:schemeClr>
-          </a:solidFill>
-          <a:ln w="38100">
-            <a:solidFill>
-              <a:schemeClr val="tx1">
-                <a:lumMod val="50000"/>
-                <a:lumOff val="50000"/>
-              </a:schemeClr>
-            </a:solidFill>
-          </a:ln>
-        </p:spPr>
-        <p:style>
-          <a:lnRef idx="2">
-            <a:schemeClr val="accent1">
-              <a:shade val="50000"/>
-            </a:schemeClr>
-          </a:lnRef>
-          <a:fillRef idx="1">
-            <a:schemeClr val="accent1"/>
-          </a:fillRef>
-          <a:effectRef idx="0">
-            <a:schemeClr val="accent1"/>
-          </a:effectRef>
-          <a:fontRef idx="minor">
-            <a:schemeClr val="lt1"/>
-          </a:fontRef>
-        </p:style>
-        <p:txBody>
-          <a:bodyPr rtlCol="0" anchor="ctr"/>
-          <a:lstStyle/>
-          <a:p>
-            <a:pPr algn="ctr"/>
-            <a:endParaRPr lang="en-US"/>
-          </a:p>
-        </p:txBody>
-      </p:sp>
-      <p:sp>
-        <p:nvSpPr>
-          <p:cNvPr id="110" name="Isosceles Triangle 109"/>
-          <p:cNvSpPr/>
-          <p:nvPr/>
-        </p:nvSpPr>
-        <p:spPr>
-          <a:xfrm>
-            <a:off x="4811730" y="2430568"/>
-            <a:ext cx="83517" cy="80882"/>
-          </a:xfrm>
-          <a:prstGeom prst="triangle">
-            <a:avLst/>
-          </a:prstGeom>
-          <a:noFill/>
-          <a:ln w="28575">
-            <a:solidFill>
-              <a:schemeClr val="tx1">
-                <a:lumMod val="50000"/>
-                <a:lumOff val="50000"/>
-              </a:schemeClr>
-            </a:solidFill>
-          </a:ln>
-        </p:spPr>
-        <p:style>
-          <a:lnRef idx="2">
-            <a:schemeClr val="accent1">
-              <a:shade val="50000"/>
-            </a:schemeClr>
-          </a:lnRef>
-          <a:fillRef idx="1">
-            <a:schemeClr val="accent1"/>
-          </a:fillRef>
-          <a:effectRef idx="0">
-            <a:schemeClr val="accent1"/>
-          </a:effectRef>
-          <a:fontRef idx="minor">
-            <a:schemeClr val="lt1"/>
-          </a:fontRef>
-        </p:style>
-        <p:txBody>
-          <a:bodyPr rtlCol="0" anchor="ctr"/>
-          <a:lstStyle/>
-          <a:p>
-            <a:pPr algn="ctr"/>
-            <a:endParaRPr lang="en-US"/>
-          </a:p>
-        </p:txBody>
-      </p:sp>
-      <p:sp>
-        <p:nvSpPr>
-          <p:cNvPr id="111" name="Diamond 110"/>
-          <p:cNvSpPr/>
-          <p:nvPr/>
-        </p:nvSpPr>
-        <p:spPr>
-          <a:xfrm>
-            <a:off x="5667446" y="2475858"/>
-            <a:ext cx="110396" cy="97728"/>
-          </a:xfrm>
-          <a:prstGeom prst="diamond">
-            <a:avLst/>
-          </a:prstGeom>
-          <a:noFill/>
-          <a:ln w="28575">
-            <a:solidFill>
-              <a:schemeClr val="tx1">
-                <a:lumMod val="50000"/>
-                <a:lumOff val="50000"/>
-              </a:schemeClr>
-            </a:solidFill>
-          </a:ln>
-        </p:spPr>
-        <p:style>
-          <a:lnRef idx="2">
-            <a:schemeClr val="accent1">
-              <a:shade val="50000"/>
-            </a:schemeClr>
-          </a:lnRef>
-          <a:fillRef idx="1">
-            <a:schemeClr val="accent1"/>
-          </a:fillRef>
-          <a:effectRef idx="0">
-            <a:schemeClr val="accent1"/>
-          </a:effectRef>
-          <a:fontRef idx="minor">
-            <a:schemeClr val="lt1"/>
-          </a:fontRef>
-        </p:style>
-        <p:txBody>
-          <a:bodyPr rtlCol="0" anchor="ctr"/>
-          <a:lstStyle/>
-          <a:p>
-            <a:pPr algn="ctr"/>
-            <a:endParaRPr lang="en-US"/>
-          </a:p>
-        </p:txBody>
-      </p:sp>
-      <p:sp>
-        <p:nvSpPr>
           <p:cNvPr id="112" name="Hexagon 111"/>
           <p:cNvSpPr/>
           <p:nvPr/>
         </p:nvSpPr>
         <p:spPr>
           <a:xfrm>
-            <a:off x="4827787" y="3132161"/>
-            <a:ext cx="110506" cy="87657"/>
+            <a:off x="4252611" y="3071403"/>
+            <a:ext cx="163241" cy="133005"/>
           </a:xfrm>
           <a:prstGeom prst="hexagon">
             <a:avLst/>
@@ -8508,8 +7880,8 @@
         </p:nvSpPr>
         <p:spPr>
           <a:xfrm>
-            <a:off x="4827787" y="4221989"/>
-            <a:ext cx="110506" cy="87657"/>
+            <a:off x="4252611" y="4161231"/>
+            <a:ext cx="163241" cy="133005"/>
           </a:xfrm>
           <a:prstGeom prst="hexagon">
             <a:avLst/>
@@ -8562,14 +7934,14 @@
         </p:nvSpPr>
         <p:spPr>
           <a:xfrm>
-            <a:off x="3526619" y="3111932"/>
-            <a:ext cx="110506" cy="87657"/>
+            <a:off x="2951443" y="3051174"/>
+            <a:ext cx="163241" cy="133005"/>
           </a:xfrm>
           <a:prstGeom prst="hexagon">
             <a:avLst/>
           </a:prstGeom>
           <a:noFill/>
-          <a:ln w="28575">
+          <a:ln w="19050">
             <a:solidFill>
               <a:schemeClr val="tx1">
                 <a:lumMod val="50000"/>
@@ -8611,14 +7983,14 @@
         </p:nvSpPr>
         <p:spPr>
           <a:xfrm>
-            <a:off x="3526619" y="4201760"/>
-            <a:ext cx="110506" cy="87657"/>
+            <a:off x="2951443" y="4141002"/>
+            <a:ext cx="163241" cy="133005"/>
           </a:xfrm>
           <a:prstGeom prst="hexagon">
             <a:avLst/>
           </a:prstGeom>
           <a:noFill/>
-          <a:ln w="28575">
+          <a:ln w="19050">
             <a:solidFill>
               <a:schemeClr val="tx1">
                 <a:lumMod val="50000"/>
@@ -8654,7 +8026,7 @@
       </p:sp>
       <p:pic>
         <p:nvPicPr>
-          <p:cNvPr id="10" name="Picture 9"/>
+          <p:cNvPr id="3" name="Picture 2"/>
           <p:cNvPicPr>
             <a:picLocks noChangeAspect="1"/>
           </p:cNvPicPr>
@@ -8668,8 +8040,8 @@
         </p:blipFill>
         <p:spPr>
           <a:xfrm>
-            <a:off x="3437875" y="349628"/>
-            <a:ext cx="2536284" cy="1677469"/>
+            <a:off x="2903627" y="297019"/>
+            <a:ext cx="2495356" cy="1650400"/>
           </a:xfrm>
           <a:prstGeom prst="rect">
             <a:avLst/>

--- a/output/plots/all_figs_with_legends.pptx
+++ b/output/plots/all_figs_with_legends.pptx
@@ -205,7 +205,7 @@
           <a:p>
             <a:fld id="{7FA21820-D199-4D82-91AF-C50B1D3B111A}" type="datetimeFigureOut">
               <a:rPr lang="en-US" smtClean="0"/>
-              <a:t>5/9/2017</a:t>
+              <a:t>5/16/2017</a:t>
             </a:fld>
             <a:endParaRPr lang="en-US"/>
           </a:p>
@@ -1038,7 +1038,7 @@
           <a:p>
             <a:fld id="{916B8C92-D5E3-4480-8685-D57BEE386DE2}" type="datetimeFigureOut">
               <a:rPr lang="en-US" smtClean="0"/>
-              <a:t>5/9/2017</a:t>
+              <a:t>5/16/2017</a:t>
             </a:fld>
             <a:endParaRPr lang="en-US"/>
           </a:p>
@@ -1208,7 +1208,7 @@
           <a:p>
             <a:fld id="{916B8C92-D5E3-4480-8685-D57BEE386DE2}" type="datetimeFigureOut">
               <a:rPr lang="en-US" smtClean="0"/>
-              <a:t>5/9/2017</a:t>
+              <a:t>5/16/2017</a:t>
             </a:fld>
             <a:endParaRPr lang="en-US"/>
           </a:p>
@@ -1388,7 +1388,7 @@
           <a:p>
             <a:fld id="{916B8C92-D5E3-4480-8685-D57BEE386DE2}" type="datetimeFigureOut">
               <a:rPr lang="en-US" smtClean="0"/>
-              <a:t>5/9/2017</a:t>
+              <a:t>5/16/2017</a:t>
             </a:fld>
             <a:endParaRPr lang="en-US"/>
           </a:p>
@@ -1558,7 +1558,7 @@
           <a:p>
             <a:fld id="{916B8C92-D5E3-4480-8685-D57BEE386DE2}" type="datetimeFigureOut">
               <a:rPr lang="en-US" smtClean="0"/>
-              <a:t>5/9/2017</a:t>
+              <a:t>5/16/2017</a:t>
             </a:fld>
             <a:endParaRPr lang="en-US"/>
           </a:p>
@@ -1804,7 +1804,7 @@
           <a:p>
             <a:fld id="{916B8C92-D5E3-4480-8685-D57BEE386DE2}" type="datetimeFigureOut">
               <a:rPr lang="en-US" smtClean="0"/>
-              <a:t>5/9/2017</a:t>
+              <a:t>5/16/2017</a:t>
             </a:fld>
             <a:endParaRPr lang="en-US"/>
           </a:p>
@@ -2036,7 +2036,7 @@
           <a:p>
             <a:fld id="{916B8C92-D5E3-4480-8685-D57BEE386DE2}" type="datetimeFigureOut">
               <a:rPr lang="en-US" smtClean="0"/>
-              <a:t>5/9/2017</a:t>
+              <a:t>5/16/2017</a:t>
             </a:fld>
             <a:endParaRPr lang="en-US"/>
           </a:p>
@@ -2403,7 +2403,7 @@
           <a:p>
             <a:fld id="{916B8C92-D5E3-4480-8685-D57BEE386DE2}" type="datetimeFigureOut">
               <a:rPr lang="en-US" smtClean="0"/>
-              <a:t>5/9/2017</a:t>
+              <a:t>5/16/2017</a:t>
             </a:fld>
             <a:endParaRPr lang="en-US"/>
           </a:p>
@@ -2521,7 +2521,7 @@
           <a:p>
             <a:fld id="{916B8C92-D5E3-4480-8685-D57BEE386DE2}" type="datetimeFigureOut">
               <a:rPr lang="en-US" smtClean="0"/>
-              <a:t>5/9/2017</a:t>
+              <a:t>5/16/2017</a:t>
             </a:fld>
             <a:endParaRPr lang="en-US"/>
           </a:p>
@@ -2616,7 +2616,7 @@
           <a:p>
             <a:fld id="{916B8C92-D5E3-4480-8685-D57BEE386DE2}" type="datetimeFigureOut">
               <a:rPr lang="en-US" smtClean="0"/>
-              <a:t>5/9/2017</a:t>
+              <a:t>5/16/2017</a:t>
             </a:fld>
             <a:endParaRPr lang="en-US"/>
           </a:p>
@@ -2893,7 +2893,7 @@
           <a:p>
             <a:fld id="{916B8C92-D5E3-4480-8685-D57BEE386DE2}" type="datetimeFigureOut">
               <a:rPr lang="en-US" smtClean="0"/>
-              <a:t>5/9/2017</a:t>
+              <a:t>5/16/2017</a:t>
             </a:fld>
             <a:endParaRPr lang="en-US"/>
           </a:p>
@@ -3146,7 +3146,7 @@
           <a:p>
             <a:fld id="{916B8C92-D5E3-4480-8685-D57BEE386DE2}" type="datetimeFigureOut">
               <a:rPr lang="en-US" smtClean="0"/>
-              <a:t>5/9/2017</a:t>
+              <a:t>5/16/2017</a:t>
             </a:fld>
             <a:endParaRPr lang="en-US"/>
           </a:p>
@@ -3359,7 +3359,7 @@
           <a:p>
             <a:fld id="{916B8C92-D5E3-4480-8685-D57BEE386DE2}" type="datetimeFigureOut">
               <a:rPr lang="en-US" smtClean="0"/>
-              <a:t>5/9/2017</a:t>
+              <a:t>5/16/2017</a:t>
             </a:fld>
             <a:endParaRPr lang="en-US"/>
           </a:p>
@@ -4985,52 +4985,6 @@
           </a:p>
         </p:txBody>
       </p:sp>
-      <p:sp>
-        <p:nvSpPr>
-          <p:cNvPr id="9" name="Rectangle 8"/>
-          <p:cNvSpPr/>
-          <p:nvPr/>
-        </p:nvSpPr>
-        <p:spPr>
-          <a:xfrm>
-            <a:off x="2831774" y="2288613"/>
-            <a:ext cx="2567209" cy="2136065"/>
-          </a:xfrm>
-          <a:prstGeom prst="rect">
-            <a:avLst/>
-          </a:prstGeom>
-          <a:noFill/>
-          <a:ln>
-            <a:solidFill>
-              <a:schemeClr val="tx1"/>
-            </a:solidFill>
-          </a:ln>
-        </p:spPr>
-        <p:style>
-          <a:lnRef idx="2">
-            <a:schemeClr val="accent1">
-              <a:shade val="50000"/>
-            </a:schemeClr>
-          </a:lnRef>
-          <a:fillRef idx="1">
-            <a:schemeClr val="accent1"/>
-          </a:fillRef>
-          <a:effectRef idx="0">
-            <a:schemeClr val="accent1"/>
-          </a:effectRef>
-          <a:fontRef idx="minor">
-            <a:schemeClr val="lt1"/>
-          </a:fontRef>
-        </p:style>
-        <p:txBody>
-          <a:bodyPr rtlCol="0" anchor="ctr"/>
-          <a:lstStyle/>
-          <a:p>
-            <a:pPr algn="ctr"/>
-            <a:endParaRPr lang="en-US"/>
-          </a:p>
-        </p:txBody>
-      </p:sp>
       <p:graphicFrame>
         <p:nvGraphicFramePr>
           <p:cNvPr id="50" name="Table 49"/>
@@ -5990,7 +5944,7 @@
             <a:avLst/>
           </a:prstGeom>
           <a:noFill/>
-          <a:ln w="19050">
+          <a:ln w="6350">
             <a:solidFill>
               <a:schemeClr val="tx1"/>
             </a:solidFill>
@@ -6036,7 +5990,7 @@
             <a:avLst/>
           </a:prstGeom>
           <a:noFill/>
-          <a:ln w="19050">
+          <a:ln w="6350">
             <a:solidFill>
               <a:schemeClr val="tx1"/>
             </a:solidFill>
@@ -6142,8 +6096,8 @@
         </p:blipFill>
         <p:spPr>
           <a:xfrm>
-            <a:off x="225537" y="163710"/>
-            <a:ext cx="2485443" cy="2047887"/>
+            <a:off x="268764" y="163711"/>
+            <a:ext cx="2442216" cy="2012270"/>
           </a:xfrm>
           <a:prstGeom prst="rect">
             <a:avLst/>
@@ -8048,6 +8002,52 @@
           </a:prstGeom>
         </p:spPr>
       </p:pic>
+      <p:sp>
+        <p:nvSpPr>
+          <p:cNvPr id="64" name="Rectangle 63"/>
+          <p:cNvSpPr/>
+          <p:nvPr/>
+        </p:nvSpPr>
+        <p:spPr>
+          <a:xfrm>
+            <a:off x="2849468" y="2288526"/>
+            <a:ext cx="1277474" cy="1069826"/>
+          </a:xfrm>
+          <a:prstGeom prst="rect">
+            <a:avLst/>
+          </a:prstGeom>
+          <a:noFill/>
+          <a:ln w="6350">
+            <a:solidFill>
+              <a:schemeClr val="tx1"/>
+            </a:solidFill>
+          </a:ln>
+        </p:spPr>
+        <p:style>
+          <a:lnRef idx="2">
+            <a:schemeClr val="accent1">
+              <a:shade val="50000"/>
+            </a:schemeClr>
+          </a:lnRef>
+          <a:fillRef idx="1">
+            <a:schemeClr val="accent1"/>
+          </a:fillRef>
+          <a:effectRef idx="0">
+            <a:schemeClr val="accent1"/>
+          </a:effectRef>
+          <a:fontRef idx="minor">
+            <a:schemeClr val="lt1"/>
+          </a:fontRef>
+        </p:style>
+        <p:txBody>
+          <a:bodyPr rtlCol="0" anchor="ctr"/>
+          <a:lstStyle/>
+          <a:p>
+            <a:pPr algn="ctr"/>
+            <a:endParaRPr lang="en-US"/>
+          </a:p>
+        </p:txBody>
+      </p:sp>
     </p:spTree>
     <p:extLst>
       <p:ext uri="{BB962C8B-B14F-4D97-AF65-F5344CB8AC3E}">

--- a/output/plots/all_figs_with_legends.pptx
+++ b/output/plots/all_figs_with_legends.pptx
@@ -205,7 +205,7 @@
           <a:p>
             <a:fld id="{7FA21820-D199-4D82-91AF-C50B1D3B111A}" type="datetimeFigureOut">
               <a:rPr lang="en-US" smtClean="0"/>
-              <a:t>5/16/2017</a:t>
+              <a:t>5/17/2017</a:t>
             </a:fld>
             <a:endParaRPr lang="en-US"/>
           </a:p>
@@ -1038,7 +1038,7 @@
           <a:p>
             <a:fld id="{916B8C92-D5E3-4480-8685-D57BEE386DE2}" type="datetimeFigureOut">
               <a:rPr lang="en-US" smtClean="0"/>
-              <a:t>5/16/2017</a:t>
+              <a:t>5/17/2017</a:t>
             </a:fld>
             <a:endParaRPr lang="en-US"/>
           </a:p>
@@ -1208,7 +1208,7 @@
           <a:p>
             <a:fld id="{916B8C92-D5E3-4480-8685-D57BEE386DE2}" type="datetimeFigureOut">
               <a:rPr lang="en-US" smtClean="0"/>
-              <a:t>5/16/2017</a:t>
+              <a:t>5/17/2017</a:t>
             </a:fld>
             <a:endParaRPr lang="en-US"/>
           </a:p>
@@ -1388,7 +1388,7 @@
           <a:p>
             <a:fld id="{916B8C92-D5E3-4480-8685-D57BEE386DE2}" type="datetimeFigureOut">
               <a:rPr lang="en-US" smtClean="0"/>
-              <a:t>5/16/2017</a:t>
+              <a:t>5/17/2017</a:t>
             </a:fld>
             <a:endParaRPr lang="en-US"/>
           </a:p>
@@ -1558,7 +1558,7 @@
           <a:p>
             <a:fld id="{916B8C92-D5E3-4480-8685-D57BEE386DE2}" type="datetimeFigureOut">
               <a:rPr lang="en-US" smtClean="0"/>
-              <a:t>5/16/2017</a:t>
+              <a:t>5/17/2017</a:t>
             </a:fld>
             <a:endParaRPr lang="en-US"/>
           </a:p>
@@ -1804,7 +1804,7 @@
           <a:p>
             <a:fld id="{916B8C92-D5E3-4480-8685-D57BEE386DE2}" type="datetimeFigureOut">
               <a:rPr lang="en-US" smtClean="0"/>
-              <a:t>5/16/2017</a:t>
+              <a:t>5/17/2017</a:t>
             </a:fld>
             <a:endParaRPr lang="en-US"/>
           </a:p>
@@ -2036,7 +2036,7 @@
           <a:p>
             <a:fld id="{916B8C92-D5E3-4480-8685-D57BEE386DE2}" type="datetimeFigureOut">
               <a:rPr lang="en-US" smtClean="0"/>
-              <a:t>5/16/2017</a:t>
+              <a:t>5/17/2017</a:t>
             </a:fld>
             <a:endParaRPr lang="en-US"/>
           </a:p>
@@ -2403,7 +2403,7 @@
           <a:p>
             <a:fld id="{916B8C92-D5E3-4480-8685-D57BEE386DE2}" type="datetimeFigureOut">
               <a:rPr lang="en-US" smtClean="0"/>
-              <a:t>5/16/2017</a:t>
+              <a:t>5/17/2017</a:t>
             </a:fld>
             <a:endParaRPr lang="en-US"/>
           </a:p>
@@ -2521,7 +2521,7 @@
           <a:p>
             <a:fld id="{916B8C92-D5E3-4480-8685-D57BEE386DE2}" type="datetimeFigureOut">
               <a:rPr lang="en-US" smtClean="0"/>
-              <a:t>5/16/2017</a:t>
+              <a:t>5/17/2017</a:t>
             </a:fld>
             <a:endParaRPr lang="en-US"/>
           </a:p>
@@ -2616,7 +2616,7 @@
           <a:p>
             <a:fld id="{916B8C92-D5E3-4480-8685-D57BEE386DE2}" type="datetimeFigureOut">
               <a:rPr lang="en-US" smtClean="0"/>
-              <a:t>5/16/2017</a:t>
+              <a:t>5/17/2017</a:t>
             </a:fld>
             <a:endParaRPr lang="en-US"/>
           </a:p>
@@ -2893,7 +2893,7 @@
           <a:p>
             <a:fld id="{916B8C92-D5E3-4480-8685-D57BEE386DE2}" type="datetimeFigureOut">
               <a:rPr lang="en-US" smtClean="0"/>
-              <a:t>5/16/2017</a:t>
+              <a:t>5/17/2017</a:t>
             </a:fld>
             <a:endParaRPr lang="en-US"/>
           </a:p>
@@ -3146,7 +3146,7 @@
           <a:p>
             <a:fld id="{916B8C92-D5E3-4480-8685-D57BEE386DE2}" type="datetimeFigureOut">
               <a:rPr lang="en-US" smtClean="0"/>
-              <a:t>5/16/2017</a:t>
+              <a:t>5/17/2017</a:t>
             </a:fld>
             <a:endParaRPr lang="en-US"/>
           </a:p>
@@ -3359,7 +3359,7 @@
           <a:p>
             <a:fld id="{916B8C92-D5E3-4480-8685-D57BEE386DE2}" type="datetimeFigureOut">
               <a:rPr lang="en-US" smtClean="0"/>
-              <a:t>5/16/2017</a:t>
+              <a:t>5/17/2017</a:t>
             </a:fld>
             <a:endParaRPr lang="en-US"/>
           </a:p>
@@ -10388,482 +10388,235 @@
           <a:chExt cx="0" cy="0"/>
         </a:xfrm>
       </p:grpSpPr>
+      <p:pic>
+        <p:nvPicPr>
+          <p:cNvPr id="5" name="Picture 4"/>
+          <p:cNvPicPr>
+            <a:picLocks noChangeAspect="1"/>
+          </p:cNvPicPr>
+          <p:nvPr/>
+        </p:nvPicPr>
+        <p:blipFill rotWithShape="1">
+          <a:blip r:embed="rId2"/>
+          <a:srcRect b="7630"/>
+          <a:stretch/>
+        </p:blipFill>
+        <p:spPr>
+          <a:xfrm>
+            <a:off x="926371" y="146304"/>
+            <a:ext cx="10336164" cy="6199632"/>
+          </a:xfrm>
+          <a:prstGeom prst="rect">
+            <a:avLst/>
+          </a:prstGeom>
+        </p:spPr>
+      </p:pic>
       <p:grpSp>
         <p:nvGrpSpPr>
-          <p:cNvPr id="8" name="Group 7"/>
+          <p:cNvPr id="7" name="Group 6"/>
           <p:cNvGrpSpPr/>
           <p:nvPr/>
         </p:nvGrpSpPr>
         <p:grpSpPr>
           <a:xfrm>
-            <a:off x="0" y="1201890"/>
-            <a:ext cx="12006617" cy="4320831"/>
-            <a:chOff x="97985" y="1201890"/>
-            <a:chExt cx="11908632" cy="4320831"/>
+            <a:off x="2330313" y="6345936"/>
+            <a:ext cx="8304158" cy="487093"/>
+            <a:chOff x="2376033" y="6324830"/>
+            <a:chExt cx="8304158" cy="487093"/>
           </a:xfrm>
         </p:grpSpPr>
         <p:pic>
           <p:nvPicPr>
-            <p:cNvPr id="4" name="Picture 3"/>
+            <p:cNvPr id="21" name="Picture 20"/>
             <p:cNvPicPr>
               <a:picLocks noChangeAspect="1"/>
             </p:cNvPicPr>
             <p:nvPr/>
           </p:nvPicPr>
           <p:blipFill>
-            <a:blip r:embed="rId2"/>
+            <a:blip r:embed="rId3" cstate="print">
+              <a:extLst>
+                <a:ext uri="{28A0092B-C50C-407E-A947-70E740481C1C}">
+                  <a14:useLocalDpi xmlns:a14="http://schemas.microsoft.com/office/drawing/2010/main" val="0"/>
+                </a:ext>
+              </a:extLst>
+            </a:blip>
             <a:stretch>
               <a:fillRect/>
             </a:stretch>
           </p:blipFill>
           <p:spPr>
             <a:xfrm>
-              <a:off x="97985" y="1201890"/>
-              <a:ext cx="11908632" cy="4320831"/>
+              <a:off x="3575399" y="6383536"/>
+              <a:ext cx="512410" cy="318881"/>
             </a:xfrm>
             <a:prstGeom prst="rect">
               <a:avLst/>
             </a:prstGeom>
           </p:spPr>
         </p:pic>
-        <p:grpSp>
-          <p:nvGrpSpPr>
-            <p:cNvPr id="2" name="Group 1"/>
-            <p:cNvGrpSpPr/>
+        <p:pic>
+          <p:nvPicPr>
+            <p:cNvPr id="22" name="Picture 21"/>
+            <p:cNvPicPr>
+              <a:picLocks noChangeAspect="1"/>
+            </p:cNvPicPr>
             <p:nvPr/>
-          </p:nvGrpSpPr>
-          <p:grpSpPr>
+          </p:nvPicPr>
+          <p:blipFill>
+            <a:blip r:embed="rId4" cstate="print">
+              <a:extLst>
+                <a:ext uri="{28A0092B-C50C-407E-A947-70E740481C1C}">
+                  <a14:useLocalDpi xmlns:a14="http://schemas.microsoft.com/office/drawing/2010/main" val="0"/>
+                </a:ext>
+              </a:extLst>
+            </a:blip>
+            <a:stretch>
+              <a:fillRect/>
+            </a:stretch>
+          </p:blipFill>
+          <p:spPr>
             <a:xfrm>
-              <a:off x="1032989" y="4782853"/>
-              <a:ext cx="4738636" cy="471890"/>
-              <a:chOff x="1032989" y="4782853"/>
-              <a:chExt cx="4738636" cy="471890"/>
+              <a:off x="4905939" y="6324830"/>
+              <a:ext cx="441590" cy="445261"/>
             </a:xfrm>
-          </p:grpSpPr>
-          <p:pic>
-            <p:nvPicPr>
-              <p:cNvPr id="6" name="Picture 5"/>
-              <p:cNvPicPr>
-                <a:picLocks noChangeAspect="1"/>
-              </p:cNvPicPr>
-              <p:nvPr/>
-            </p:nvPicPr>
-            <p:blipFill>
-              <a:blip r:embed="rId3" cstate="print">
-                <a:extLst>
-                  <a:ext uri="{28A0092B-C50C-407E-A947-70E740481C1C}">
-                    <a14:useLocalDpi xmlns:a14="http://schemas.microsoft.com/office/drawing/2010/main" val="0"/>
-                  </a:ext>
-                </a:extLst>
-              </a:blip>
-              <a:stretch>
-                <a:fillRect/>
-              </a:stretch>
-            </p:blipFill>
-            <p:spPr>
-              <a:xfrm>
-                <a:off x="1761029" y="4932898"/>
-                <a:ext cx="541407" cy="268617"/>
-              </a:xfrm>
-              <a:prstGeom prst="rect">
-                <a:avLst/>
-              </a:prstGeom>
-            </p:spPr>
-          </p:pic>
-          <p:pic>
-            <p:nvPicPr>
-              <p:cNvPr id="9" name="Picture 8"/>
-              <p:cNvPicPr>
-                <a:picLocks noChangeAspect="1"/>
-              </p:cNvPicPr>
-              <p:nvPr/>
-            </p:nvPicPr>
-            <p:blipFill>
-              <a:blip r:embed="rId4" cstate="print">
-                <a:extLst>
-                  <a:ext uri="{28A0092B-C50C-407E-A947-70E740481C1C}">
-                    <a14:useLocalDpi xmlns:a14="http://schemas.microsoft.com/office/drawing/2010/main" val="0"/>
-                  </a:ext>
-                </a:extLst>
-              </a:blip>
-              <a:stretch>
-                <a:fillRect/>
-              </a:stretch>
-            </p:blipFill>
-            <p:spPr>
-              <a:xfrm>
-                <a:off x="3244448" y="4782853"/>
-                <a:ext cx="371522" cy="375075"/>
-              </a:xfrm>
-              <a:prstGeom prst="rect">
-                <a:avLst/>
-              </a:prstGeom>
-            </p:spPr>
-          </p:pic>
-          <p:pic>
-            <p:nvPicPr>
-              <p:cNvPr id="10" name="Picture 9"/>
-              <p:cNvPicPr>
-                <a:picLocks noChangeAspect="1"/>
-              </p:cNvPicPr>
-              <p:nvPr/>
-            </p:nvPicPr>
-            <p:blipFill>
-              <a:blip r:embed="rId5" cstate="print">
-                <a:extLst>
-                  <a:ext uri="{28A0092B-C50C-407E-A947-70E740481C1C}">
-                    <a14:useLocalDpi xmlns:a14="http://schemas.microsoft.com/office/drawing/2010/main" val="0"/>
-                  </a:ext>
-                </a:extLst>
-              </a:blip>
-              <a:stretch>
-                <a:fillRect/>
-              </a:stretch>
-            </p:blipFill>
-            <p:spPr>
-              <a:xfrm>
-                <a:off x="2523564" y="4879668"/>
-                <a:ext cx="466579" cy="375075"/>
-              </a:xfrm>
-              <a:prstGeom prst="rect">
-                <a:avLst/>
-              </a:prstGeom>
-            </p:spPr>
-          </p:pic>
-          <p:pic>
-            <p:nvPicPr>
-              <p:cNvPr id="11" name="Picture 10"/>
-              <p:cNvPicPr>
-                <a:picLocks noChangeAspect="1"/>
-              </p:cNvPicPr>
-              <p:nvPr/>
-            </p:nvPicPr>
-            <p:blipFill>
-              <a:blip r:embed="rId6" cstate="print">
-                <a:extLst>
-                  <a:ext uri="{28A0092B-C50C-407E-A947-70E740481C1C}">
-                    <a14:useLocalDpi xmlns:a14="http://schemas.microsoft.com/office/drawing/2010/main" val="0"/>
-                  </a:ext>
-                </a:extLst>
-              </a:blip>
-              <a:stretch>
-                <a:fillRect/>
-              </a:stretch>
-            </p:blipFill>
-            <p:spPr>
-              <a:xfrm>
-                <a:off x="3935548" y="4810694"/>
-                <a:ext cx="422871" cy="372587"/>
-              </a:xfrm>
-              <a:prstGeom prst="rect">
-                <a:avLst/>
-              </a:prstGeom>
-            </p:spPr>
-          </p:pic>
-          <p:pic>
-            <p:nvPicPr>
-              <p:cNvPr id="3" name="Picture 2"/>
-              <p:cNvPicPr>
-                <a:picLocks noChangeAspect="1"/>
-              </p:cNvPicPr>
-              <p:nvPr/>
-            </p:nvPicPr>
-            <p:blipFill>
-              <a:blip r:embed="rId7" cstate="print">
-                <a:extLst>
-                  <a:ext uri="{28A0092B-C50C-407E-A947-70E740481C1C}">
-                    <a14:useLocalDpi xmlns:a14="http://schemas.microsoft.com/office/drawing/2010/main" val="0"/>
-                  </a:ext>
-                </a:extLst>
-              </a:blip>
-              <a:stretch>
-                <a:fillRect/>
-              </a:stretch>
-            </p:blipFill>
-            <p:spPr>
-              <a:xfrm>
-                <a:off x="1032989" y="4855194"/>
-                <a:ext cx="456193" cy="375075"/>
-              </a:xfrm>
-              <a:prstGeom prst="rect">
-                <a:avLst/>
-              </a:prstGeom>
-            </p:spPr>
-          </p:pic>
-          <p:pic>
-            <p:nvPicPr>
-              <p:cNvPr id="39" name="Picture 38"/>
-              <p:cNvPicPr>
-                <a:picLocks noChangeAspect="1"/>
-              </p:cNvPicPr>
-              <p:nvPr/>
-            </p:nvPicPr>
-            <p:blipFill>
-              <a:blip r:embed="rId8" cstate="print">
-                <a:extLst>
-                  <a:ext uri="{28A0092B-C50C-407E-A947-70E740481C1C}">
-                    <a14:useLocalDpi xmlns:a14="http://schemas.microsoft.com/office/drawing/2010/main" val="0"/>
-                  </a:ext>
-                </a:extLst>
-              </a:blip>
-              <a:stretch>
-                <a:fillRect/>
-              </a:stretch>
-            </p:blipFill>
-            <p:spPr>
-              <a:xfrm flipH="1">
-                <a:off x="4682639" y="4815353"/>
-                <a:ext cx="425272" cy="363268"/>
-              </a:xfrm>
-              <a:prstGeom prst="rect">
-                <a:avLst/>
-              </a:prstGeom>
-            </p:spPr>
-          </p:pic>
-          <p:pic>
-            <p:nvPicPr>
-              <p:cNvPr id="20" name="Picture 19"/>
-              <p:cNvPicPr>
-                <a:picLocks noChangeAspect="1"/>
-              </p:cNvPicPr>
-              <p:nvPr/>
-            </p:nvPicPr>
-            <p:blipFill>
-              <a:blip r:embed="rId9"/>
-              <a:stretch>
-                <a:fillRect/>
-              </a:stretch>
-            </p:blipFill>
-            <p:spPr>
-              <a:xfrm>
-                <a:off x="5374751" y="4868621"/>
-                <a:ext cx="396874" cy="310000"/>
-              </a:xfrm>
-              <a:prstGeom prst="rect">
-                <a:avLst/>
-              </a:prstGeom>
-            </p:spPr>
-          </p:pic>
-        </p:grpSp>
-        <p:grpSp>
-          <p:nvGrpSpPr>
-            <p:cNvPr id="25" name="Group 24"/>
-            <p:cNvGrpSpPr/>
+            <a:prstGeom prst="rect">
+              <a:avLst/>
+            </a:prstGeom>
+          </p:spPr>
+        </p:pic>
+        <p:pic>
+          <p:nvPicPr>
+            <p:cNvPr id="23" name="Picture 22"/>
+            <p:cNvPicPr>
+              <a:picLocks noChangeAspect="1"/>
+            </p:cNvPicPr>
             <p:nvPr/>
-          </p:nvGrpSpPr>
-          <p:grpSpPr>
+          </p:nvPicPr>
+          <p:blipFill>
+            <a:blip r:embed="rId5" cstate="print">
+              <a:extLst>
+                <a:ext uri="{28A0092B-C50C-407E-A947-70E740481C1C}">
+                  <a14:useLocalDpi xmlns:a14="http://schemas.microsoft.com/office/drawing/2010/main" val="0"/>
+                </a:ext>
+              </a:extLst>
+            </a:blip>
+            <a:stretch>
+              <a:fillRect/>
+            </a:stretch>
+          </p:blipFill>
+          <p:spPr>
             <a:xfrm>
-              <a:off x="7074125" y="4706731"/>
-              <a:ext cx="4738636" cy="471890"/>
-              <a:chOff x="1032989" y="4782853"/>
-              <a:chExt cx="4738636" cy="471890"/>
+              <a:off x="2376033" y="6346244"/>
+              <a:ext cx="431760" cy="445261"/>
             </a:xfrm>
-          </p:grpSpPr>
-          <p:pic>
-            <p:nvPicPr>
-              <p:cNvPr id="27" name="Picture 26"/>
-              <p:cNvPicPr>
-                <a:picLocks noChangeAspect="1"/>
-              </p:cNvPicPr>
-              <p:nvPr/>
-            </p:nvPicPr>
-            <p:blipFill>
-              <a:blip r:embed="rId3" cstate="print">
-                <a:extLst>
-                  <a:ext uri="{28A0092B-C50C-407E-A947-70E740481C1C}">
-                    <a14:useLocalDpi xmlns:a14="http://schemas.microsoft.com/office/drawing/2010/main" val="0"/>
-                  </a:ext>
-                </a:extLst>
-              </a:blip>
-              <a:stretch>
-                <a:fillRect/>
-              </a:stretch>
-            </p:blipFill>
-            <p:spPr>
-              <a:xfrm>
-                <a:off x="1761029" y="4932898"/>
-                <a:ext cx="541407" cy="268617"/>
-              </a:xfrm>
-              <a:prstGeom prst="rect">
-                <a:avLst/>
-              </a:prstGeom>
-            </p:spPr>
-          </p:pic>
-          <p:pic>
-            <p:nvPicPr>
-              <p:cNvPr id="33" name="Picture 32"/>
-              <p:cNvPicPr>
-                <a:picLocks noChangeAspect="1"/>
-              </p:cNvPicPr>
-              <p:nvPr/>
-            </p:nvPicPr>
-            <p:blipFill>
-              <a:blip r:embed="rId4" cstate="print">
-                <a:extLst>
-                  <a:ext uri="{28A0092B-C50C-407E-A947-70E740481C1C}">
-                    <a14:useLocalDpi xmlns:a14="http://schemas.microsoft.com/office/drawing/2010/main" val="0"/>
-                  </a:ext>
-                </a:extLst>
-              </a:blip>
-              <a:stretch>
-                <a:fillRect/>
-              </a:stretch>
-            </p:blipFill>
-            <p:spPr>
-              <a:xfrm>
-                <a:off x="3244448" y="4782853"/>
-                <a:ext cx="371522" cy="375075"/>
-              </a:xfrm>
-              <a:prstGeom prst="rect">
-                <a:avLst/>
-              </a:prstGeom>
-            </p:spPr>
-          </p:pic>
-          <p:pic>
-            <p:nvPicPr>
-              <p:cNvPr id="34" name="Picture 33"/>
-              <p:cNvPicPr>
-                <a:picLocks noChangeAspect="1"/>
-              </p:cNvPicPr>
-              <p:nvPr/>
-            </p:nvPicPr>
-            <p:blipFill>
-              <a:blip r:embed="rId5" cstate="print">
-                <a:extLst>
-                  <a:ext uri="{28A0092B-C50C-407E-A947-70E740481C1C}">
-                    <a14:useLocalDpi xmlns:a14="http://schemas.microsoft.com/office/drawing/2010/main" val="0"/>
-                  </a:ext>
-                </a:extLst>
-              </a:blip>
-              <a:stretch>
-                <a:fillRect/>
-              </a:stretch>
-            </p:blipFill>
-            <p:spPr>
-              <a:xfrm>
-                <a:off x="2523564" y="4879668"/>
-                <a:ext cx="466579" cy="375075"/>
-              </a:xfrm>
-              <a:prstGeom prst="rect">
-                <a:avLst/>
-              </a:prstGeom>
-            </p:spPr>
-          </p:pic>
-          <p:pic>
-            <p:nvPicPr>
-              <p:cNvPr id="35" name="Picture 34"/>
-              <p:cNvPicPr>
-                <a:picLocks noChangeAspect="1"/>
-              </p:cNvPicPr>
-              <p:nvPr/>
-            </p:nvPicPr>
-            <p:blipFill>
-              <a:blip r:embed="rId6" cstate="print">
-                <a:extLst>
-                  <a:ext uri="{28A0092B-C50C-407E-A947-70E740481C1C}">
-                    <a14:useLocalDpi xmlns:a14="http://schemas.microsoft.com/office/drawing/2010/main" val="0"/>
-                  </a:ext>
-                </a:extLst>
-              </a:blip>
-              <a:stretch>
-                <a:fillRect/>
-              </a:stretch>
-            </p:blipFill>
-            <p:spPr>
-              <a:xfrm>
-                <a:off x="3935548" y="4810694"/>
-                <a:ext cx="422871" cy="372587"/>
-              </a:xfrm>
-              <a:prstGeom prst="rect">
-                <a:avLst/>
-              </a:prstGeom>
-            </p:spPr>
-          </p:pic>
-          <p:pic>
-            <p:nvPicPr>
-              <p:cNvPr id="36" name="Picture 35"/>
-              <p:cNvPicPr>
-                <a:picLocks noChangeAspect="1"/>
-              </p:cNvPicPr>
-              <p:nvPr/>
-            </p:nvPicPr>
-            <p:blipFill>
-              <a:blip r:embed="rId7" cstate="print">
-                <a:extLst>
-                  <a:ext uri="{28A0092B-C50C-407E-A947-70E740481C1C}">
-                    <a14:useLocalDpi xmlns:a14="http://schemas.microsoft.com/office/drawing/2010/main" val="0"/>
-                  </a:ext>
-                </a:extLst>
-              </a:blip>
-              <a:stretch>
-                <a:fillRect/>
-              </a:stretch>
-            </p:blipFill>
-            <p:spPr>
-              <a:xfrm>
-                <a:off x="1032989" y="4855194"/>
-                <a:ext cx="456193" cy="375075"/>
-              </a:xfrm>
-              <a:prstGeom prst="rect">
-                <a:avLst/>
-              </a:prstGeom>
-            </p:spPr>
-          </p:pic>
-          <p:pic>
-            <p:nvPicPr>
-              <p:cNvPr id="37" name="Picture 36"/>
-              <p:cNvPicPr>
-                <a:picLocks noChangeAspect="1"/>
-              </p:cNvPicPr>
-              <p:nvPr/>
-            </p:nvPicPr>
-            <p:blipFill>
-              <a:blip r:embed="rId8" cstate="print">
-                <a:extLst>
-                  <a:ext uri="{28A0092B-C50C-407E-A947-70E740481C1C}">
-                    <a14:useLocalDpi xmlns:a14="http://schemas.microsoft.com/office/drawing/2010/main" val="0"/>
-                  </a:ext>
-                </a:extLst>
-              </a:blip>
-              <a:stretch>
-                <a:fillRect/>
-              </a:stretch>
-            </p:blipFill>
-            <p:spPr>
-              <a:xfrm flipH="1">
-                <a:off x="4682639" y="4815353"/>
-                <a:ext cx="425272" cy="363268"/>
-              </a:xfrm>
-              <a:prstGeom prst="rect">
-                <a:avLst/>
-              </a:prstGeom>
-            </p:spPr>
-          </p:pic>
-          <p:pic>
-            <p:nvPicPr>
-              <p:cNvPr id="38" name="Picture 37"/>
-              <p:cNvPicPr>
-                <a:picLocks noChangeAspect="1"/>
-              </p:cNvPicPr>
-              <p:nvPr/>
-            </p:nvPicPr>
-            <p:blipFill>
-              <a:blip r:embed="rId9"/>
-              <a:stretch>
-                <a:fillRect/>
-              </a:stretch>
-            </p:blipFill>
-            <p:spPr>
-              <a:xfrm>
-                <a:off x="5374751" y="4868621"/>
-                <a:ext cx="396874" cy="310000"/>
-              </a:xfrm>
-              <a:prstGeom prst="rect">
-                <a:avLst/>
-              </a:prstGeom>
-            </p:spPr>
-          </p:pic>
-        </p:grpSp>
+            <a:prstGeom prst="rect">
+              <a:avLst/>
+            </a:prstGeom>
+          </p:spPr>
+        </p:pic>
+        <p:pic>
+          <p:nvPicPr>
+            <p:cNvPr id="24" name="Picture 23"/>
+            <p:cNvPicPr>
+              <a:picLocks noChangeAspect="1"/>
+            </p:cNvPicPr>
+            <p:nvPr/>
+          </p:nvPicPr>
+          <p:blipFill>
+            <a:blip r:embed="rId6" cstate="print">
+              <a:extLst>
+                <a:ext uri="{28A0092B-C50C-407E-A947-70E740481C1C}">
+                  <a14:useLocalDpi xmlns:a14="http://schemas.microsoft.com/office/drawing/2010/main" val="0"/>
+                </a:ext>
+              </a:extLst>
+            </a:blip>
+            <a:stretch>
+              <a:fillRect/>
+            </a:stretch>
+          </p:blipFill>
+          <p:spPr>
+            <a:xfrm flipH="1">
+              <a:off x="9029020" y="6351714"/>
+              <a:ext cx="402496" cy="431245"/>
+            </a:xfrm>
+            <a:prstGeom prst="rect">
+              <a:avLst/>
+            </a:prstGeom>
+          </p:spPr>
+        </p:pic>
+        <p:pic>
+          <p:nvPicPr>
+            <p:cNvPr id="26" name="Picture 25"/>
+            <p:cNvPicPr>
+              <a:picLocks noChangeAspect="1"/>
+            </p:cNvPicPr>
+            <p:nvPr/>
+          </p:nvPicPr>
+          <p:blipFill>
+            <a:blip r:embed="rId7"/>
+            <a:stretch>
+              <a:fillRect/>
+            </a:stretch>
+          </p:blipFill>
+          <p:spPr>
+            <a:xfrm>
+              <a:off x="10204884" y="6346244"/>
+              <a:ext cx="475307" cy="465679"/>
+            </a:xfrm>
+            <a:prstGeom prst="rect">
+              <a:avLst/>
+            </a:prstGeom>
+          </p:spPr>
+        </p:pic>
+        <p:pic>
+          <p:nvPicPr>
+            <p:cNvPr id="28" name="Picture 27"/>
+            <p:cNvPicPr>
+              <a:picLocks noChangeAspect="1"/>
+            </p:cNvPicPr>
+            <p:nvPr/>
+          </p:nvPicPr>
+          <p:blipFill>
+            <a:blip r:embed="rId8"/>
+            <a:stretch>
+              <a:fillRect/>
+            </a:stretch>
+          </p:blipFill>
+          <p:spPr>
+            <a:xfrm>
+              <a:off x="6203836" y="6330302"/>
+              <a:ext cx="526986" cy="391234"/>
+            </a:xfrm>
+            <a:prstGeom prst="rect">
+              <a:avLst/>
+            </a:prstGeom>
+          </p:spPr>
+        </p:pic>
+        <p:pic>
+          <p:nvPicPr>
+            <p:cNvPr id="29" name="Picture 28"/>
+            <p:cNvPicPr>
+              <a:picLocks noChangeAspect="1"/>
+            </p:cNvPicPr>
+            <p:nvPr/>
+          </p:nvPicPr>
+          <p:blipFill>
+            <a:blip r:embed="rId9"/>
+            <a:stretch>
+              <a:fillRect/>
+            </a:stretch>
+          </p:blipFill>
+          <p:spPr>
+            <a:xfrm>
+              <a:off x="7579748" y="6357186"/>
+              <a:ext cx="515022" cy="388793"/>
+            </a:xfrm>
+            <a:prstGeom prst="rect">
+              <a:avLst/>
+            </a:prstGeom>
+          </p:spPr>
+        </p:pic>
       </p:grpSp>
     </p:spTree>
     <p:extLst>
@@ -11052,6 +10805,53 @@
           </a:p>
         </p:txBody>
       </p:sp>
+      <p:pic>
+        <p:nvPicPr>
+          <p:cNvPr id="3" name="Picture 2"/>
+          <p:cNvPicPr>
+            <a:picLocks noChangeAspect="1"/>
+          </p:cNvPicPr>
+          <p:nvPr/>
+        </p:nvPicPr>
+        <p:blipFill rotWithShape="1">
+          <a:blip r:embed="rId2"/>
+          <a:srcRect l="666"/>
+          <a:stretch/>
+        </p:blipFill>
+        <p:spPr>
+          <a:xfrm>
+            <a:off x="6096118" y="1079929"/>
+            <a:ext cx="5956753" cy="4483977"/>
+          </a:xfrm>
+          <a:prstGeom prst="rect">
+            <a:avLst/>
+          </a:prstGeom>
+        </p:spPr>
+      </p:pic>
+      <p:pic>
+        <p:nvPicPr>
+          <p:cNvPr id="4" name="Picture 3"/>
+          <p:cNvPicPr>
+            <a:picLocks noChangeAspect="1"/>
+          </p:cNvPicPr>
+          <p:nvPr/>
+        </p:nvPicPr>
+        <p:blipFill>
+          <a:blip r:embed="rId3"/>
+          <a:stretch>
+            <a:fillRect/>
+          </a:stretch>
+        </p:blipFill>
+        <p:spPr>
+          <a:xfrm>
+            <a:off x="0" y="1079929"/>
+            <a:ext cx="5991820" cy="4483977"/>
+          </a:xfrm>
+          <a:prstGeom prst="rect">
+            <a:avLst/>
+          </a:prstGeom>
+        </p:spPr>
+      </p:pic>
     </p:spTree>
     <p:extLst>
       <p:ext uri="{BB962C8B-B14F-4D97-AF65-F5344CB8AC3E}">

--- a/output/plots/all_figs_with_legends.pptx
+++ b/output/plots/all_figs_with_legends.pptx
@@ -3764,9 +3764,935 @@
           <a:chExt cx="0" cy="0"/>
         </a:xfrm>
       </p:grpSpPr>
+      <p:graphicFrame>
+        <p:nvGraphicFramePr>
+          <p:cNvPr id="14" name="Table 13"/>
+          <p:cNvGraphicFramePr>
+            <a:graphicFrameLocks noGrp="1"/>
+          </p:cNvGraphicFramePr>
+          <p:nvPr>
+            <p:extLst>
+              <p:ext uri="{D42A27DB-BD31-4B8C-83A1-F6EECF244321}">
+                <p14:modId xmlns:p14="http://schemas.microsoft.com/office/powerpoint/2010/main" val="523485171"/>
+              </p:ext>
+            </p:extLst>
+          </p:nvPr>
+        </p:nvGraphicFramePr>
+        <p:xfrm>
+          <a:off x="2492626" y="3745150"/>
+          <a:ext cx="4202089" cy="1960028"/>
+        </p:xfrm>
+        <a:graphic>
+          <a:graphicData uri="http://schemas.openxmlformats.org/drawingml/2006/table">
+            <a:tbl>
+              <a:tblPr firstRow="1" bandRow="1">
+                <a:tableStyleId>{5C22544A-7EE6-4342-B048-85BDC9FD1C3A}</a:tableStyleId>
+              </a:tblPr>
+              <a:tblGrid>
+                <a:gridCol w="802944">
+                  <a:extLst>
+                    <a:ext uri="{9D8B030D-6E8A-4147-A177-3AD203B41FA5}">
+                      <a16:colId xmlns:a16="http://schemas.microsoft.com/office/drawing/2014/main" val="3777247511"/>
+                    </a:ext>
+                  </a:extLst>
+                </a:gridCol>
+                <a:gridCol w="1200230">
+                  <a:extLst>
+                    <a:ext uri="{9D8B030D-6E8A-4147-A177-3AD203B41FA5}">
+                      <a16:colId xmlns:a16="http://schemas.microsoft.com/office/drawing/2014/main" val="3565287180"/>
+                    </a:ext>
+                  </a:extLst>
+                </a:gridCol>
+                <a:gridCol w="710503">
+                  <a:extLst>
+                    <a:ext uri="{9D8B030D-6E8A-4147-A177-3AD203B41FA5}">
+                      <a16:colId xmlns:a16="http://schemas.microsoft.com/office/drawing/2014/main" val="310175345"/>
+                    </a:ext>
+                  </a:extLst>
+                </a:gridCol>
+                <a:gridCol w="1488412">
+                  <a:extLst>
+                    <a:ext uri="{9D8B030D-6E8A-4147-A177-3AD203B41FA5}">
+                      <a16:colId xmlns:a16="http://schemas.microsoft.com/office/drawing/2014/main" val="2991616883"/>
+                    </a:ext>
+                  </a:extLst>
+                </a:gridCol>
+              </a:tblGrid>
+              <a:tr h="490007">
+                <a:tc>
+                  <a:txBody>
+                    <a:bodyPr/>
+                    <a:lstStyle/>
+                    <a:p>
+                      <a:endParaRPr lang="en-US" dirty="0"/>
+                    </a:p>
+                  </a:txBody>
+                  <a:tcPr>
+                    <a:lnL w="12700" cap="flat" cmpd="sng" algn="ctr">
+                      <a:solidFill>
+                        <a:schemeClr val="tx1"/>
+                      </a:solidFill>
+                      <a:prstDash val="solid"/>
+                      <a:round/>
+                      <a:headEnd type="none" w="med" len="med"/>
+                      <a:tailEnd type="none" w="med" len="med"/>
+                    </a:lnL>
+                    <a:lnR w="12700" cap="flat" cmpd="sng" algn="ctr">
+                      <a:solidFill>
+                        <a:schemeClr val="tx1"/>
+                      </a:solidFill>
+                      <a:prstDash val="solid"/>
+                      <a:round/>
+                      <a:headEnd type="none" w="med" len="med"/>
+                      <a:tailEnd type="none" w="med" len="med"/>
+                    </a:lnR>
+                    <a:lnT w="12700" cap="flat" cmpd="sng" algn="ctr">
+                      <a:solidFill>
+                        <a:schemeClr val="tx1"/>
+                      </a:solidFill>
+                      <a:prstDash val="solid"/>
+                      <a:round/>
+                      <a:headEnd type="none" w="med" len="med"/>
+                      <a:tailEnd type="none" w="med" len="med"/>
+                    </a:lnT>
+                    <a:lnB w="12700" cap="flat" cmpd="sng" algn="ctr">
+                      <a:solidFill>
+                        <a:schemeClr val="tx1"/>
+                      </a:solidFill>
+                      <a:prstDash val="solid"/>
+                      <a:round/>
+                      <a:headEnd type="none" w="med" len="med"/>
+                      <a:tailEnd type="none" w="med" len="med"/>
+                    </a:lnB>
+                    <a:noFill/>
+                  </a:tcPr>
+                </a:tc>
+                <a:tc>
+                  <a:txBody>
+                    <a:bodyPr/>
+                    <a:lstStyle/>
+                    <a:p>
+                      <a:r>
+                        <a:rPr lang="en-US" b="0" dirty="0" smtClean="0">
+                          <a:solidFill>
+                            <a:schemeClr val="tx1"/>
+                          </a:solidFill>
+                        </a:rPr>
+                        <a:t>Birds</a:t>
+                      </a:r>
+                      <a:endParaRPr lang="en-US" b="0" dirty="0">
+                        <a:solidFill>
+                          <a:schemeClr val="tx1"/>
+                        </a:solidFill>
+                      </a:endParaRPr>
+                    </a:p>
+                  </a:txBody>
+                  <a:tcPr>
+                    <a:lnL w="12700" cap="flat" cmpd="sng" algn="ctr">
+                      <a:solidFill>
+                        <a:schemeClr val="tx1"/>
+                      </a:solidFill>
+                      <a:prstDash val="solid"/>
+                      <a:round/>
+                      <a:headEnd type="none" w="med" len="med"/>
+                      <a:tailEnd type="none" w="med" len="med"/>
+                    </a:lnL>
+                    <a:lnR w="12700" cap="flat" cmpd="sng" algn="ctr">
+                      <a:solidFill>
+                        <a:schemeClr val="tx1"/>
+                      </a:solidFill>
+                      <a:prstDash val="solid"/>
+                      <a:round/>
+                      <a:headEnd type="none" w="med" len="med"/>
+                      <a:tailEnd type="none" w="med" len="med"/>
+                    </a:lnR>
+                    <a:lnT w="12700" cap="flat" cmpd="sng" algn="ctr">
+                      <a:solidFill>
+                        <a:schemeClr val="tx1"/>
+                      </a:solidFill>
+                      <a:prstDash val="solid"/>
+                      <a:round/>
+                      <a:headEnd type="none" w="med" len="med"/>
+                      <a:tailEnd type="none" w="med" len="med"/>
+                    </a:lnT>
+                    <a:lnB w="12700" cap="flat" cmpd="sng" algn="ctr">
+                      <a:solidFill>
+                        <a:schemeClr val="tx1"/>
+                      </a:solidFill>
+                      <a:prstDash val="solid"/>
+                      <a:round/>
+                      <a:headEnd type="none" w="med" len="med"/>
+                      <a:tailEnd type="none" w="med" len="med"/>
+                    </a:lnB>
+                    <a:noFill/>
+                  </a:tcPr>
+                </a:tc>
+                <a:tc>
+                  <a:txBody>
+                    <a:bodyPr/>
+                    <a:lstStyle/>
+                    <a:p>
+                      <a:endParaRPr lang="en-US" b="0" dirty="0">
+                        <a:solidFill>
+                          <a:schemeClr val="tx1"/>
+                        </a:solidFill>
+                      </a:endParaRPr>
+                    </a:p>
+                  </a:txBody>
+                  <a:tcPr>
+                    <a:lnL w="12700" cap="flat" cmpd="sng" algn="ctr">
+                      <a:solidFill>
+                        <a:schemeClr val="tx1"/>
+                      </a:solidFill>
+                      <a:prstDash val="solid"/>
+                      <a:round/>
+                      <a:headEnd type="none" w="med" len="med"/>
+                      <a:tailEnd type="none" w="med" len="med"/>
+                    </a:lnL>
+                    <a:lnR w="12700" cap="flat" cmpd="sng" algn="ctr">
+                      <a:solidFill>
+                        <a:schemeClr val="tx1"/>
+                      </a:solidFill>
+                      <a:prstDash val="solid"/>
+                      <a:round/>
+                      <a:headEnd type="none" w="med" len="med"/>
+                      <a:tailEnd type="none" w="med" len="med"/>
+                    </a:lnR>
+                    <a:lnT w="12700" cap="flat" cmpd="sng" algn="ctr">
+                      <a:solidFill>
+                        <a:schemeClr val="tx1"/>
+                      </a:solidFill>
+                      <a:prstDash val="solid"/>
+                      <a:round/>
+                      <a:headEnd type="none" w="med" len="med"/>
+                      <a:tailEnd type="none" w="med" len="med"/>
+                    </a:lnT>
+                    <a:lnB w="12700" cap="flat" cmpd="sng" algn="ctr">
+                      <a:solidFill>
+                        <a:schemeClr val="tx1"/>
+                      </a:solidFill>
+                      <a:prstDash val="solid"/>
+                      <a:round/>
+                      <a:headEnd type="none" w="med" len="med"/>
+                      <a:tailEnd type="none" w="med" len="med"/>
+                    </a:lnB>
+                    <a:noFill/>
+                  </a:tcPr>
+                </a:tc>
+                <a:tc>
+                  <a:txBody>
+                    <a:bodyPr/>
+                    <a:lstStyle/>
+                    <a:p>
+                      <a:r>
+                        <a:rPr lang="en-US" b="0" dirty="0" smtClean="0">
+                          <a:solidFill>
+                            <a:schemeClr val="tx1"/>
+                          </a:solidFill>
+                        </a:rPr>
+                        <a:t>Invertebrates</a:t>
+                      </a:r>
+                      <a:endParaRPr lang="en-US" b="0" dirty="0">
+                        <a:solidFill>
+                          <a:schemeClr val="tx1"/>
+                        </a:solidFill>
+                      </a:endParaRPr>
+                    </a:p>
+                  </a:txBody>
+                  <a:tcPr>
+                    <a:lnL w="12700" cap="flat" cmpd="sng" algn="ctr">
+                      <a:solidFill>
+                        <a:schemeClr val="tx1"/>
+                      </a:solidFill>
+                      <a:prstDash val="solid"/>
+                      <a:round/>
+                      <a:headEnd type="none" w="med" len="med"/>
+                      <a:tailEnd type="none" w="med" len="med"/>
+                    </a:lnL>
+                    <a:lnR w="12700" cap="flat" cmpd="sng" algn="ctr">
+                      <a:solidFill>
+                        <a:schemeClr val="tx1"/>
+                      </a:solidFill>
+                      <a:prstDash val="solid"/>
+                      <a:round/>
+                      <a:headEnd type="none" w="med" len="med"/>
+                      <a:tailEnd type="none" w="med" len="med"/>
+                    </a:lnR>
+                    <a:lnT w="12700" cap="flat" cmpd="sng" algn="ctr">
+                      <a:solidFill>
+                        <a:schemeClr val="tx1"/>
+                      </a:solidFill>
+                      <a:prstDash val="solid"/>
+                      <a:round/>
+                      <a:headEnd type="none" w="med" len="med"/>
+                      <a:tailEnd type="none" w="med" len="med"/>
+                    </a:lnT>
+                    <a:lnB w="12700" cap="flat" cmpd="sng" algn="ctr">
+                      <a:solidFill>
+                        <a:schemeClr val="tx1"/>
+                      </a:solidFill>
+                      <a:prstDash val="solid"/>
+                      <a:round/>
+                      <a:headEnd type="none" w="med" len="med"/>
+                      <a:tailEnd type="none" w="med" len="med"/>
+                    </a:lnB>
+                    <a:noFill/>
+                  </a:tcPr>
+                </a:tc>
+                <a:extLst>
+                  <a:ext uri="{0D108BD9-81ED-4DB2-BD59-A6C34878D82A}">
+                    <a16:rowId xmlns:a16="http://schemas.microsoft.com/office/drawing/2014/main" val="3689353912"/>
+                  </a:ext>
+                </a:extLst>
+              </a:tr>
+              <a:tr h="490007">
+                <a:tc>
+                  <a:txBody>
+                    <a:bodyPr/>
+                    <a:lstStyle/>
+                    <a:p>
+                      <a:endParaRPr lang="en-US" dirty="0"/>
+                    </a:p>
+                  </a:txBody>
+                  <a:tcPr>
+                    <a:lnL w="12700" cap="flat" cmpd="sng" algn="ctr">
+                      <a:solidFill>
+                        <a:schemeClr val="tx1"/>
+                      </a:solidFill>
+                      <a:prstDash val="solid"/>
+                      <a:round/>
+                      <a:headEnd type="none" w="med" len="med"/>
+                      <a:tailEnd type="none" w="med" len="med"/>
+                    </a:lnL>
+                    <a:lnR w="12700" cap="flat" cmpd="sng" algn="ctr">
+                      <a:solidFill>
+                        <a:schemeClr val="tx1"/>
+                      </a:solidFill>
+                      <a:prstDash val="solid"/>
+                      <a:round/>
+                      <a:headEnd type="none" w="med" len="med"/>
+                      <a:tailEnd type="none" w="med" len="med"/>
+                    </a:lnR>
+                    <a:lnT w="12700" cap="flat" cmpd="sng" algn="ctr">
+                      <a:solidFill>
+                        <a:schemeClr val="tx1"/>
+                      </a:solidFill>
+                      <a:prstDash val="solid"/>
+                      <a:round/>
+                      <a:headEnd type="none" w="med" len="med"/>
+                      <a:tailEnd type="none" w="med" len="med"/>
+                    </a:lnT>
+                    <a:lnB w="12700" cap="flat" cmpd="sng" algn="ctr">
+                      <a:solidFill>
+                        <a:schemeClr val="tx1"/>
+                      </a:solidFill>
+                      <a:prstDash val="solid"/>
+                      <a:round/>
+                      <a:headEnd type="none" w="med" len="med"/>
+                      <a:tailEnd type="none" w="med" len="med"/>
+                    </a:lnB>
+                    <a:noFill/>
+                  </a:tcPr>
+                </a:tc>
+                <a:tc>
+                  <a:txBody>
+                    <a:bodyPr/>
+                    <a:lstStyle/>
+                    <a:p>
+                      <a:r>
+                        <a:rPr lang="en-US" dirty="0" smtClean="0">
+                          <a:solidFill>
+                            <a:schemeClr val="tx1"/>
+                          </a:solidFill>
+                        </a:rPr>
+                        <a:t>Plants</a:t>
+                      </a:r>
+                      <a:endParaRPr lang="en-US" dirty="0">
+                        <a:solidFill>
+                          <a:schemeClr val="tx1"/>
+                        </a:solidFill>
+                      </a:endParaRPr>
+                    </a:p>
+                  </a:txBody>
+                  <a:tcPr>
+                    <a:lnL w="12700" cap="flat" cmpd="sng" algn="ctr">
+                      <a:solidFill>
+                        <a:schemeClr val="tx1"/>
+                      </a:solidFill>
+                      <a:prstDash val="solid"/>
+                      <a:round/>
+                      <a:headEnd type="none" w="med" len="med"/>
+                      <a:tailEnd type="none" w="med" len="med"/>
+                    </a:lnL>
+                    <a:lnR w="12700" cap="flat" cmpd="sng" algn="ctr">
+                      <a:solidFill>
+                        <a:schemeClr val="tx1"/>
+                      </a:solidFill>
+                      <a:prstDash val="solid"/>
+                      <a:round/>
+                      <a:headEnd type="none" w="med" len="med"/>
+                      <a:tailEnd type="none" w="med" len="med"/>
+                    </a:lnR>
+                    <a:lnT w="12700" cap="flat" cmpd="sng" algn="ctr">
+                      <a:solidFill>
+                        <a:schemeClr val="tx1"/>
+                      </a:solidFill>
+                      <a:prstDash val="solid"/>
+                      <a:round/>
+                      <a:headEnd type="none" w="med" len="med"/>
+                      <a:tailEnd type="none" w="med" len="med"/>
+                    </a:lnT>
+                    <a:lnB w="12700" cap="flat" cmpd="sng" algn="ctr">
+                      <a:solidFill>
+                        <a:schemeClr val="tx1"/>
+                      </a:solidFill>
+                      <a:prstDash val="solid"/>
+                      <a:round/>
+                      <a:headEnd type="none" w="med" len="med"/>
+                      <a:tailEnd type="none" w="med" len="med"/>
+                    </a:lnB>
+                    <a:noFill/>
+                  </a:tcPr>
+                </a:tc>
+                <a:tc>
+                  <a:txBody>
+                    <a:bodyPr/>
+                    <a:lstStyle/>
+                    <a:p>
+                      <a:endParaRPr lang="en-US" dirty="0"/>
+                    </a:p>
+                  </a:txBody>
+                  <a:tcPr>
+                    <a:lnL w="12700" cap="flat" cmpd="sng" algn="ctr">
+                      <a:solidFill>
+                        <a:schemeClr val="tx1"/>
+                      </a:solidFill>
+                      <a:prstDash val="solid"/>
+                      <a:round/>
+                      <a:headEnd type="none" w="med" len="med"/>
+                      <a:tailEnd type="none" w="med" len="med"/>
+                    </a:lnL>
+                    <a:lnR w="12700" cap="flat" cmpd="sng" algn="ctr">
+                      <a:solidFill>
+                        <a:schemeClr val="tx1"/>
+                      </a:solidFill>
+                      <a:prstDash val="solid"/>
+                      <a:round/>
+                      <a:headEnd type="none" w="med" len="med"/>
+                      <a:tailEnd type="none" w="med" len="med"/>
+                    </a:lnR>
+                    <a:lnT w="12700" cap="flat" cmpd="sng" algn="ctr">
+                      <a:solidFill>
+                        <a:schemeClr val="tx1"/>
+                      </a:solidFill>
+                      <a:prstDash val="solid"/>
+                      <a:round/>
+                      <a:headEnd type="none" w="med" len="med"/>
+                      <a:tailEnd type="none" w="med" len="med"/>
+                    </a:lnT>
+                    <a:lnB w="12700" cap="flat" cmpd="sng" algn="ctr">
+                      <a:solidFill>
+                        <a:schemeClr val="tx1"/>
+                      </a:solidFill>
+                      <a:prstDash val="solid"/>
+                      <a:round/>
+                      <a:headEnd type="none" w="med" len="med"/>
+                      <a:tailEnd type="none" w="med" len="med"/>
+                    </a:lnB>
+                    <a:noFill/>
+                  </a:tcPr>
+                </a:tc>
+                <a:tc>
+                  <a:txBody>
+                    <a:bodyPr/>
+                    <a:lstStyle/>
+                    <a:p>
+                      <a:r>
+                        <a:rPr lang="en-US" dirty="0" smtClean="0"/>
+                        <a:t>Benthos</a:t>
+                      </a:r>
+                      <a:endParaRPr lang="en-US" dirty="0"/>
+                    </a:p>
+                  </a:txBody>
+                  <a:tcPr>
+                    <a:lnL w="12700" cap="flat" cmpd="sng" algn="ctr">
+                      <a:solidFill>
+                        <a:schemeClr val="tx1"/>
+                      </a:solidFill>
+                      <a:prstDash val="solid"/>
+                      <a:round/>
+                      <a:headEnd type="none" w="med" len="med"/>
+                      <a:tailEnd type="none" w="med" len="med"/>
+                    </a:lnL>
+                    <a:lnR w="12700" cap="flat" cmpd="sng" algn="ctr">
+                      <a:solidFill>
+                        <a:schemeClr val="tx1"/>
+                      </a:solidFill>
+                      <a:prstDash val="solid"/>
+                      <a:round/>
+                      <a:headEnd type="none" w="med" len="med"/>
+                      <a:tailEnd type="none" w="med" len="med"/>
+                    </a:lnR>
+                    <a:lnT w="12700" cap="flat" cmpd="sng" algn="ctr">
+                      <a:solidFill>
+                        <a:schemeClr val="tx1"/>
+                      </a:solidFill>
+                      <a:prstDash val="solid"/>
+                      <a:round/>
+                      <a:headEnd type="none" w="med" len="med"/>
+                      <a:tailEnd type="none" w="med" len="med"/>
+                    </a:lnT>
+                    <a:lnB w="12700" cap="flat" cmpd="sng" algn="ctr">
+                      <a:solidFill>
+                        <a:schemeClr val="tx1"/>
+                      </a:solidFill>
+                      <a:prstDash val="solid"/>
+                      <a:round/>
+                      <a:headEnd type="none" w="med" len="med"/>
+                      <a:tailEnd type="none" w="med" len="med"/>
+                    </a:lnB>
+                    <a:noFill/>
+                  </a:tcPr>
+                </a:tc>
+                <a:extLst>
+                  <a:ext uri="{0D108BD9-81ED-4DB2-BD59-A6C34878D82A}">
+                    <a16:rowId xmlns:a16="http://schemas.microsoft.com/office/drawing/2014/main" val="3236650058"/>
+                  </a:ext>
+                </a:extLst>
+              </a:tr>
+              <a:tr h="490007">
+                <a:tc>
+                  <a:txBody>
+                    <a:bodyPr/>
+                    <a:lstStyle/>
+                    <a:p>
+                      <a:endParaRPr lang="en-US"/>
+                    </a:p>
+                  </a:txBody>
+                  <a:tcPr>
+                    <a:lnL w="12700" cap="flat" cmpd="sng" algn="ctr">
+                      <a:solidFill>
+                        <a:schemeClr val="tx1"/>
+                      </a:solidFill>
+                      <a:prstDash val="solid"/>
+                      <a:round/>
+                      <a:headEnd type="none" w="med" len="med"/>
+                      <a:tailEnd type="none" w="med" len="med"/>
+                    </a:lnL>
+                    <a:lnR w="12700" cap="flat" cmpd="sng" algn="ctr">
+                      <a:solidFill>
+                        <a:schemeClr val="tx1"/>
+                      </a:solidFill>
+                      <a:prstDash val="solid"/>
+                      <a:round/>
+                      <a:headEnd type="none" w="med" len="med"/>
+                      <a:tailEnd type="none" w="med" len="med"/>
+                    </a:lnR>
+                    <a:lnT w="12700" cap="flat" cmpd="sng" algn="ctr">
+                      <a:solidFill>
+                        <a:schemeClr val="tx1"/>
+                      </a:solidFill>
+                      <a:prstDash val="solid"/>
+                      <a:round/>
+                      <a:headEnd type="none" w="med" len="med"/>
+                      <a:tailEnd type="none" w="med" len="med"/>
+                    </a:lnT>
+                    <a:lnB w="12700" cap="flat" cmpd="sng" algn="ctr">
+                      <a:solidFill>
+                        <a:schemeClr val="tx1"/>
+                      </a:solidFill>
+                      <a:prstDash val="solid"/>
+                      <a:round/>
+                      <a:headEnd type="none" w="med" len="med"/>
+                      <a:tailEnd type="none" w="med" len="med"/>
+                    </a:lnB>
+                    <a:noFill/>
+                  </a:tcPr>
+                </a:tc>
+                <a:tc>
+                  <a:txBody>
+                    <a:bodyPr/>
+                    <a:lstStyle/>
+                    <a:p>
+                      <a:r>
+                        <a:rPr lang="en-US" dirty="0" smtClean="0">
+                          <a:solidFill>
+                            <a:schemeClr val="tx1"/>
+                          </a:solidFill>
+                        </a:rPr>
+                        <a:t>Mammals</a:t>
+                      </a:r>
+                      <a:endParaRPr lang="en-US" dirty="0">
+                        <a:solidFill>
+                          <a:schemeClr val="tx1"/>
+                        </a:solidFill>
+                      </a:endParaRPr>
+                    </a:p>
+                  </a:txBody>
+                  <a:tcPr>
+                    <a:lnL w="12700" cap="flat" cmpd="sng" algn="ctr">
+                      <a:solidFill>
+                        <a:schemeClr val="tx1"/>
+                      </a:solidFill>
+                      <a:prstDash val="solid"/>
+                      <a:round/>
+                      <a:headEnd type="none" w="med" len="med"/>
+                      <a:tailEnd type="none" w="med" len="med"/>
+                    </a:lnL>
+                    <a:lnR w="12700" cap="flat" cmpd="sng" algn="ctr">
+                      <a:solidFill>
+                        <a:schemeClr val="tx1"/>
+                      </a:solidFill>
+                      <a:prstDash val="solid"/>
+                      <a:round/>
+                      <a:headEnd type="none" w="med" len="med"/>
+                      <a:tailEnd type="none" w="med" len="med"/>
+                    </a:lnR>
+                    <a:lnT w="12700" cap="flat" cmpd="sng" algn="ctr">
+                      <a:solidFill>
+                        <a:schemeClr val="tx1"/>
+                      </a:solidFill>
+                      <a:prstDash val="solid"/>
+                      <a:round/>
+                      <a:headEnd type="none" w="med" len="med"/>
+                      <a:tailEnd type="none" w="med" len="med"/>
+                    </a:lnT>
+                    <a:lnB w="12700" cap="flat" cmpd="sng" algn="ctr">
+                      <a:solidFill>
+                        <a:schemeClr val="tx1"/>
+                      </a:solidFill>
+                      <a:prstDash val="solid"/>
+                      <a:round/>
+                      <a:headEnd type="none" w="med" len="med"/>
+                      <a:tailEnd type="none" w="med" len="med"/>
+                    </a:lnB>
+                    <a:noFill/>
+                  </a:tcPr>
+                </a:tc>
+                <a:tc>
+                  <a:txBody>
+                    <a:bodyPr/>
+                    <a:lstStyle/>
+                    <a:p>
+                      <a:endParaRPr lang="en-US"/>
+                    </a:p>
+                  </a:txBody>
+                  <a:tcPr>
+                    <a:lnL w="12700" cap="flat" cmpd="sng" algn="ctr">
+                      <a:solidFill>
+                        <a:schemeClr val="tx1"/>
+                      </a:solidFill>
+                      <a:prstDash val="solid"/>
+                      <a:round/>
+                      <a:headEnd type="none" w="med" len="med"/>
+                      <a:tailEnd type="none" w="med" len="med"/>
+                    </a:lnL>
+                    <a:lnR w="12700" cap="flat" cmpd="sng" algn="ctr">
+                      <a:solidFill>
+                        <a:schemeClr val="tx1"/>
+                      </a:solidFill>
+                      <a:prstDash val="solid"/>
+                      <a:round/>
+                      <a:headEnd type="none" w="med" len="med"/>
+                      <a:tailEnd type="none" w="med" len="med"/>
+                    </a:lnR>
+                    <a:lnT w="12700" cap="flat" cmpd="sng" algn="ctr">
+                      <a:solidFill>
+                        <a:schemeClr val="tx1"/>
+                      </a:solidFill>
+                      <a:prstDash val="solid"/>
+                      <a:round/>
+                      <a:headEnd type="none" w="med" len="med"/>
+                      <a:tailEnd type="none" w="med" len="med"/>
+                    </a:lnT>
+                    <a:lnB w="12700" cap="flat" cmpd="sng" algn="ctr">
+                      <a:solidFill>
+                        <a:schemeClr val="tx1"/>
+                      </a:solidFill>
+                      <a:prstDash val="solid"/>
+                      <a:round/>
+                      <a:headEnd type="none" w="med" len="med"/>
+                      <a:tailEnd type="none" w="med" len="med"/>
+                    </a:lnB>
+                    <a:noFill/>
+                  </a:tcPr>
+                </a:tc>
+                <a:tc>
+                  <a:txBody>
+                    <a:bodyPr/>
+                    <a:lstStyle/>
+                    <a:p>
+                      <a:r>
+                        <a:rPr lang="en-US" dirty="0" smtClean="0"/>
+                        <a:t>Plankton</a:t>
+                      </a:r>
+                      <a:endParaRPr lang="en-US" dirty="0"/>
+                    </a:p>
+                  </a:txBody>
+                  <a:tcPr>
+                    <a:lnL w="12700" cap="flat" cmpd="sng" algn="ctr">
+                      <a:solidFill>
+                        <a:schemeClr val="tx1"/>
+                      </a:solidFill>
+                      <a:prstDash val="solid"/>
+                      <a:round/>
+                      <a:headEnd type="none" w="med" len="med"/>
+                      <a:tailEnd type="none" w="med" len="med"/>
+                    </a:lnL>
+                    <a:lnR w="12700" cap="flat" cmpd="sng" algn="ctr">
+                      <a:solidFill>
+                        <a:schemeClr val="tx1"/>
+                      </a:solidFill>
+                      <a:prstDash val="solid"/>
+                      <a:round/>
+                      <a:headEnd type="none" w="med" len="med"/>
+                      <a:tailEnd type="none" w="med" len="med"/>
+                    </a:lnR>
+                    <a:lnT w="12700" cap="flat" cmpd="sng" algn="ctr">
+                      <a:solidFill>
+                        <a:schemeClr val="tx1"/>
+                      </a:solidFill>
+                      <a:prstDash val="solid"/>
+                      <a:round/>
+                      <a:headEnd type="none" w="med" len="med"/>
+                      <a:tailEnd type="none" w="med" len="med"/>
+                    </a:lnT>
+                    <a:lnB w="12700" cap="flat" cmpd="sng" algn="ctr">
+                      <a:solidFill>
+                        <a:schemeClr val="tx1"/>
+                      </a:solidFill>
+                      <a:prstDash val="solid"/>
+                      <a:round/>
+                      <a:headEnd type="none" w="med" len="med"/>
+                      <a:tailEnd type="none" w="med" len="med"/>
+                    </a:lnB>
+                    <a:noFill/>
+                  </a:tcPr>
+                </a:tc>
+                <a:extLst>
+                  <a:ext uri="{0D108BD9-81ED-4DB2-BD59-A6C34878D82A}">
+                    <a16:rowId xmlns:a16="http://schemas.microsoft.com/office/drawing/2014/main" val="848586666"/>
+                  </a:ext>
+                </a:extLst>
+              </a:tr>
+              <a:tr h="490007">
+                <a:tc>
+                  <a:txBody>
+                    <a:bodyPr/>
+                    <a:lstStyle/>
+                    <a:p>
+                      <a:endParaRPr lang="en-US" dirty="0"/>
+                    </a:p>
+                  </a:txBody>
+                  <a:tcPr>
+                    <a:lnL w="12700" cap="flat" cmpd="sng" algn="ctr">
+                      <a:solidFill>
+                        <a:schemeClr val="tx1"/>
+                      </a:solidFill>
+                      <a:prstDash val="solid"/>
+                      <a:round/>
+                      <a:headEnd type="none" w="med" len="med"/>
+                      <a:tailEnd type="none" w="med" len="med"/>
+                    </a:lnL>
+                    <a:lnR w="12700" cap="flat" cmpd="sng" algn="ctr">
+                      <a:solidFill>
+                        <a:schemeClr val="tx1"/>
+                      </a:solidFill>
+                      <a:prstDash val="solid"/>
+                      <a:round/>
+                      <a:headEnd type="none" w="med" len="med"/>
+                      <a:tailEnd type="none" w="med" len="med"/>
+                    </a:lnR>
+                    <a:lnT w="12700" cap="flat" cmpd="sng" algn="ctr">
+                      <a:solidFill>
+                        <a:schemeClr val="tx1"/>
+                      </a:solidFill>
+                      <a:prstDash val="solid"/>
+                      <a:round/>
+                      <a:headEnd type="none" w="med" len="med"/>
+                      <a:tailEnd type="none" w="med" len="med"/>
+                    </a:lnT>
+                    <a:lnB w="12700" cap="flat" cmpd="sng" algn="ctr">
+                      <a:solidFill>
+                        <a:schemeClr val="tx1"/>
+                      </a:solidFill>
+                      <a:prstDash val="solid"/>
+                      <a:round/>
+                      <a:headEnd type="none" w="med" len="med"/>
+                      <a:tailEnd type="none" w="med" len="med"/>
+                    </a:lnB>
+                    <a:noFill/>
+                  </a:tcPr>
+                </a:tc>
+                <a:tc>
+                  <a:txBody>
+                    <a:bodyPr/>
+                    <a:lstStyle/>
+                    <a:p>
+                      <a:r>
+                        <a:rPr lang="en-US" dirty="0" smtClean="0">
+                          <a:solidFill>
+                            <a:schemeClr val="tx1"/>
+                          </a:solidFill>
+                        </a:rPr>
+                        <a:t>Fish</a:t>
+                      </a:r>
+                      <a:endParaRPr lang="en-US" dirty="0">
+                        <a:solidFill>
+                          <a:schemeClr val="tx1"/>
+                        </a:solidFill>
+                      </a:endParaRPr>
+                    </a:p>
+                  </a:txBody>
+                  <a:tcPr>
+                    <a:lnL w="12700" cap="flat" cmpd="sng" algn="ctr">
+                      <a:solidFill>
+                        <a:schemeClr val="tx1"/>
+                      </a:solidFill>
+                      <a:prstDash val="solid"/>
+                      <a:round/>
+                      <a:headEnd type="none" w="med" len="med"/>
+                      <a:tailEnd type="none" w="med" len="med"/>
+                    </a:lnL>
+                    <a:lnR w="12700" cap="flat" cmpd="sng" algn="ctr">
+                      <a:solidFill>
+                        <a:schemeClr val="tx1"/>
+                      </a:solidFill>
+                      <a:prstDash val="solid"/>
+                      <a:round/>
+                      <a:headEnd type="none" w="med" len="med"/>
+                      <a:tailEnd type="none" w="med" len="med"/>
+                    </a:lnR>
+                    <a:lnT w="12700" cap="flat" cmpd="sng" algn="ctr">
+                      <a:solidFill>
+                        <a:schemeClr val="tx1"/>
+                      </a:solidFill>
+                      <a:prstDash val="solid"/>
+                      <a:round/>
+                      <a:headEnd type="none" w="med" len="med"/>
+                      <a:tailEnd type="none" w="med" len="med"/>
+                    </a:lnT>
+                    <a:lnB w="12700" cap="flat" cmpd="sng" algn="ctr">
+                      <a:solidFill>
+                        <a:schemeClr val="tx1"/>
+                      </a:solidFill>
+                      <a:prstDash val="solid"/>
+                      <a:round/>
+                      <a:headEnd type="none" w="med" len="med"/>
+                      <a:tailEnd type="none" w="med" len="med"/>
+                    </a:lnB>
+                    <a:noFill/>
+                  </a:tcPr>
+                </a:tc>
+                <a:tc>
+                  <a:txBody>
+                    <a:bodyPr/>
+                    <a:lstStyle/>
+                    <a:p>
+                      <a:endParaRPr lang="en-US"/>
+                    </a:p>
+                  </a:txBody>
+                  <a:tcPr>
+                    <a:lnL w="12700" cap="flat" cmpd="sng" algn="ctr">
+                      <a:solidFill>
+                        <a:schemeClr val="tx1"/>
+                      </a:solidFill>
+                      <a:prstDash val="solid"/>
+                      <a:round/>
+                      <a:headEnd type="none" w="med" len="med"/>
+                      <a:tailEnd type="none" w="med" len="med"/>
+                    </a:lnL>
+                    <a:lnR w="12700" cap="flat" cmpd="sng" algn="ctr">
+                      <a:solidFill>
+                        <a:schemeClr val="tx1"/>
+                      </a:solidFill>
+                      <a:prstDash val="solid"/>
+                      <a:round/>
+                      <a:headEnd type="none" w="med" len="med"/>
+                      <a:tailEnd type="none" w="med" len="med"/>
+                    </a:lnR>
+                    <a:lnT w="12700" cap="flat" cmpd="sng" algn="ctr">
+                      <a:solidFill>
+                        <a:schemeClr val="tx1"/>
+                      </a:solidFill>
+                      <a:prstDash val="solid"/>
+                      <a:round/>
+                      <a:headEnd type="none" w="med" len="med"/>
+                      <a:tailEnd type="none" w="med" len="med"/>
+                    </a:lnT>
+                    <a:lnB w="12700" cap="flat" cmpd="sng" algn="ctr">
+                      <a:solidFill>
+                        <a:schemeClr val="tx1"/>
+                      </a:solidFill>
+                      <a:prstDash val="solid"/>
+                      <a:round/>
+                      <a:headEnd type="none" w="med" len="med"/>
+                      <a:tailEnd type="none" w="med" len="med"/>
+                    </a:lnB>
+                    <a:noFill/>
+                  </a:tcPr>
+                </a:tc>
+                <a:tc>
+                  <a:txBody>
+                    <a:bodyPr/>
+                    <a:lstStyle/>
+                    <a:p>
+                      <a:endParaRPr lang="en-US" dirty="0"/>
+                    </a:p>
+                  </a:txBody>
+                  <a:tcPr>
+                    <a:lnL w="12700" cap="flat" cmpd="sng" algn="ctr">
+                      <a:solidFill>
+                        <a:schemeClr val="tx1"/>
+                      </a:solidFill>
+                      <a:prstDash val="solid"/>
+                      <a:round/>
+                      <a:headEnd type="none" w="med" len="med"/>
+                      <a:tailEnd type="none" w="med" len="med"/>
+                    </a:lnL>
+                    <a:lnR w="12700" cap="flat" cmpd="sng" algn="ctr">
+                      <a:solidFill>
+                        <a:schemeClr val="tx1"/>
+                      </a:solidFill>
+                      <a:prstDash val="solid"/>
+                      <a:round/>
+                      <a:headEnd type="none" w="med" len="med"/>
+                      <a:tailEnd type="none" w="med" len="med"/>
+                    </a:lnR>
+                    <a:lnT w="12700" cap="flat" cmpd="sng" algn="ctr">
+                      <a:solidFill>
+                        <a:schemeClr val="tx1"/>
+                      </a:solidFill>
+                      <a:prstDash val="solid"/>
+                      <a:round/>
+                      <a:headEnd type="none" w="med" len="med"/>
+                      <a:tailEnd type="none" w="med" len="med"/>
+                    </a:lnT>
+                    <a:lnB w="12700" cap="flat" cmpd="sng" algn="ctr">
+                      <a:solidFill>
+                        <a:schemeClr val="tx1"/>
+                      </a:solidFill>
+                      <a:prstDash val="solid"/>
+                      <a:round/>
+                      <a:headEnd type="none" w="med" len="med"/>
+                      <a:tailEnd type="none" w="med" len="med"/>
+                    </a:lnB>
+                    <a:noFill/>
+                  </a:tcPr>
+                </a:tc>
+                <a:extLst>
+                  <a:ext uri="{0D108BD9-81ED-4DB2-BD59-A6C34878D82A}">
+                    <a16:rowId xmlns:a16="http://schemas.microsoft.com/office/drawing/2014/main" val="366495031"/>
+                  </a:ext>
+                </a:extLst>
+              </a:tr>
+            </a:tbl>
+          </a:graphicData>
+        </a:graphic>
+      </p:graphicFrame>
       <p:pic>
         <p:nvPicPr>
-          <p:cNvPr id="16" name="Picture 15"/>
+          <p:cNvPr id="18" name="Picture 17"/>
           <p:cNvPicPr>
             <a:picLocks noChangeAspect="1"/>
           </p:cNvPicPr>
@@ -3780,7 +4706,31 @@
         </p:blipFill>
         <p:spPr>
           <a:xfrm>
-            <a:off x="6538467" y="1591805"/>
+            <a:off x="2545327" y="4277386"/>
+            <a:ext cx="682287" cy="410634"/>
+          </a:xfrm>
+          <a:prstGeom prst="rect">
+            <a:avLst/>
+          </a:prstGeom>
+        </p:spPr>
+      </p:pic>
+      <p:pic>
+        <p:nvPicPr>
+          <p:cNvPr id="16" name="Picture 15"/>
+          <p:cNvPicPr>
+            <a:picLocks noChangeAspect="1"/>
+          </p:cNvPicPr>
+          <p:nvPr/>
+        </p:nvPicPr>
+        <p:blipFill>
+          <a:blip r:embed="rId4"/>
+          <a:stretch>
+            <a:fillRect/>
+          </a:stretch>
+        </p:blipFill>
+        <p:spPr>
+          <a:xfrm>
+            <a:off x="8207068" y="4617289"/>
             <a:ext cx="640805" cy="408944"/>
           </a:xfrm>
           <a:prstGeom prst="rect">
@@ -4058,64 +5008,6 @@
           <p:nvPr/>
         </p:nvPicPr>
         <p:blipFill>
-          <a:blip r:embed="rId4" cstate="print">
-            <a:extLst>
-              <a:ext uri="{28A0092B-C50C-407E-A947-70E740481C1C}">
-                <a14:useLocalDpi xmlns:a14="http://schemas.microsoft.com/office/drawing/2010/main" val="0"/>
-              </a:ext>
-            </a:extLst>
-          </a:blip>
-          <a:stretch>
-            <a:fillRect/>
-          </a:stretch>
-        </p:blipFill>
-        <p:spPr>
-          <a:xfrm>
-            <a:off x="2045043" y="1924865"/>
-            <a:ext cx="429134" cy="212913"/>
-          </a:xfrm>
-          <a:prstGeom prst="rect">
-            <a:avLst/>
-          </a:prstGeom>
-        </p:spPr>
-      </p:pic>
-      <p:sp>
-        <p:nvSpPr>
-          <p:cNvPr id="2" name="Title 1"/>
-          <p:cNvSpPr>
-            <a:spLocks noGrp="1"/>
-          </p:cNvSpPr>
-          <p:nvPr>
-            <p:ph type="title"/>
-          </p:nvPr>
-        </p:nvSpPr>
-        <p:spPr>
-          <a:xfrm>
-            <a:off x="10354235" y="60801"/>
-            <a:ext cx="1380392" cy="1325563"/>
-          </a:xfrm>
-        </p:spPr>
-        <p:txBody>
-          <a:bodyPr/>
-          <a:lstStyle/>
-          <a:p>
-            <a:r>
-              <a:rPr lang="en-US" dirty="0" smtClean="0"/>
-              <a:t>Key</a:t>
-            </a:r>
-            <a:endParaRPr lang="en-US" dirty="0"/>
-          </a:p>
-        </p:txBody>
-      </p:sp>
-      <p:pic>
-        <p:nvPicPr>
-          <p:cNvPr id="7" name="Picture 6"/>
-          <p:cNvPicPr>
-            <a:picLocks noChangeAspect="1"/>
-          </p:cNvPicPr>
-          <p:nvPr/>
-        </p:nvPicPr>
-        <p:blipFill>
           <a:blip r:embed="rId5" cstate="print">
             <a:extLst>
               <a:ext uri="{28A0092B-C50C-407E-A947-70E740481C1C}">
@@ -4129,17 +5021,45 @@
         </p:blipFill>
         <p:spPr>
           <a:xfrm>
-            <a:off x="2069651" y="2970153"/>
-            <a:ext cx="370436" cy="297787"/>
+            <a:off x="2045043" y="1924865"/>
+            <a:ext cx="429134" cy="212913"/>
           </a:xfrm>
           <a:prstGeom prst="rect">
             <a:avLst/>
           </a:prstGeom>
         </p:spPr>
       </p:pic>
+      <p:sp>
+        <p:nvSpPr>
+          <p:cNvPr id="2" name="Title 1"/>
+          <p:cNvSpPr>
+            <a:spLocks noGrp="1"/>
+          </p:cNvSpPr>
+          <p:nvPr>
+            <p:ph type="title"/>
+          </p:nvPr>
+        </p:nvSpPr>
+        <p:spPr>
+          <a:xfrm>
+            <a:off x="10354235" y="60801"/>
+            <a:ext cx="1380392" cy="1325563"/>
+          </a:xfrm>
+        </p:spPr>
+        <p:txBody>
+          <a:bodyPr/>
+          <a:lstStyle/>
+          <a:p>
+            <a:r>
+              <a:rPr lang="en-US" dirty="0" smtClean="0"/>
+              <a:t>Key</a:t>
+            </a:r>
+            <a:endParaRPr lang="en-US" dirty="0"/>
+          </a:p>
+        </p:txBody>
+      </p:sp>
       <p:pic>
         <p:nvPicPr>
-          <p:cNvPr id="9" name="Picture 8"/>
+          <p:cNvPr id="7" name="Picture 6"/>
           <p:cNvPicPr>
             <a:picLocks noChangeAspect="1"/>
           </p:cNvPicPr>
@@ -4159,8 +5079,8 @@
         </p:blipFill>
         <p:spPr>
           <a:xfrm>
-            <a:off x="2078832" y="2237652"/>
-            <a:ext cx="395345" cy="325047"/>
+            <a:off x="2069651" y="2970153"/>
+            <a:ext cx="370436" cy="297787"/>
           </a:xfrm>
           <a:prstGeom prst="rect">
             <a:avLst/>
@@ -4169,7 +5089,7 @@
       </p:pic>
       <p:pic>
         <p:nvPicPr>
-          <p:cNvPr id="10" name="Picture 9"/>
+          <p:cNvPr id="9" name="Picture 8"/>
           <p:cNvPicPr>
             <a:picLocks noChangeAspect="1"/>
           </p:cNvPicPr>
@@ -4188,6 +5108,36 @@
           </a:stretch>
         </p:blipFill>
         <p:spPr>
+          <a:xfrm>
+            <a:off x="2078832" y="2237652"/>
+            <a:ext cx="395345" cy="325047"/>
+          </a:xfrm>
+          <a:prstGeom prst="rect">
+            <a:avLst/>
+          </a:prstGeom>
+        </p:spPr>
+      </p:pic>
+      <p:pic>
+        <p:nvPicPr>
+          <p:cNvPr id="10" name="Picture 9"/>
+          <p:cNvPicPr>
+            <a:picLocks noChangeAspect="1"/>
+          </p:cNvPicPr>
+          <p:nvPr/>
+        </p:nvPicPr>
+        <p:blipFill>
+          <a:blip r:embed="rId8" cstate="print">
+            <a:extLst>
+              <a:ext uri="{28A0092B-C50C-407E-A947-70E740481C1C}">
+                <a14:useLocalDpi xmlns:a14="http://schemas.microsoft.com/office/drawing/2010/main" val="0"/>
+              </a:ext>
+            </a:extLst>
+          </a:blip>
+          <a:stretch>
+            <a:fillRect/>
+          </a:stretch>
+        </p:blipFill>
+        <p:spPr>
           <a:xfrm flipH="1">
             <a:off x="2080256" y="733268"/>
             <a:ext cx="386064" cy="329776"/>
@@ -4206,7 +5156,7 @@
           <p:nvPr/>
         </p:nvPicPr>
         <p:blipFill>
-          <a:blip r:embed="rId8"/>
+          <a:blip r:embed="rId9"/>
           <a:stretch>
             <a:fillRect/>
           </a:stretch>
@@ -4230,7 +5180,7 @@
           <p:nvPr/>
         </p:nvPicPr>
         <p:blipFill>
-          <a:blip r:embed="rId9"/>
+          <a:blip r:embed="rId3"/>
           <a:stretch>
             <a:fillRect/>
           </a:stretch>
@@ -4278,13 +5228,13 @@
           <p:nvPr>
             <p:extLst>
               <p:ext uri="{D42A27DB-BD31-4B8C-83A1-F6EECF244321}">
-                <p14:modId xmlns:p14="http://schemas.microsoft.com/office/powerpoint/2010/main" val="1874564918"/>
+                <p14:modId xmlns:p14="http://schemas.microsoft.com/office/powerpoint/2010/main" val="2571090630"/>
               </p:ext>
             </p:extLst>
           </p:nvPr>
         </p:nvGraphicFramePr>
         <p:xfrm>
-          <a:off x="5152293" y="719666"/>
+          <a:off x="6820894" y="3745150"/>
           <a:ext cx="2189284" cy="1274526"/>
         </p:xfrm>
         <a:graphic>
@@ -4650,7 +5600,7 @@
         </p:blipFill>
         <p:spPr>
           <a:xfrm>
-            <a:off x="6494631" y="733268"/>
+            <a:off x="8163232" y="3758752"/>
             <a:ext cx="655912" cy="396304"/>
           </a:xfrm>
           <a:prstGeom prst="rect">
@@ -4674,8 +5624,176 @@
         </p:blipFill>
         <p:spPr>
           <a:xfrm>
-            <a:off x="6494631" y="1209988"/>
+            <a:off x="8163232" y="4235472"/>
             <a:ext cx="728479" cy="293882"/>
+          </a:xfrm>
+          <a:prstGeom prst="rect">
+            <a:avLst/>
+          </a:prstGeom>
+        </p:spPr>
+      </p:pic>
+      <p:pic>
+        <p:nvPicPr>
+          <p:cNvPr id="17" name="Picture 16"/>
+          <p:cNvPicPr>
+            <a:picLocks noChangeAspect="1"/>
+          </p:cNvPicPr>
+          <p:nvPr/>
+        </p:nvPicPr>
+        <p:blipFill>
+          <a:blip r:embed="rId8" cstate="print">
+            <a:extLst>
+              <a:ext uri="{28A0092B-C50C-407E-A947-70E740481C1C}">
+                <a14:useLocalDpi xmlns:a14="http://schemas.microsoft.com/office/drawing/2010/main" val="0"/>
+              </a:ext>
+            </a:extLst>
+          </a:blip>
+          <a:stretch>
+            <a:fillRect/>
+          </a:stretch>
+        </p:blipFill>
+        <p:spPr>
+          <a:xfrm flipH="1">
+            <a:off x="2618805" y="3756919"/>
+            <a:ext cx="535330" cy="457280"/>
+          </a:xfrm>
+          <a:prstGeom prst="rect">
+            <a:avLst/>
+          </a:prstGeom>
+        </p:spPr>
+      </p:pic>
+      <p:pic>
+        <p:nvPicPr>
+          <p:cNvPr id="19" name="Picture 18"/>
+          <p:cNvPicPr>
+            <a:picLocks noChangeAspect="1"/>
+          </p:cNvPicPr>
+          <p:nvPr/>
+        </p:nvPicPr>
+        <p:blipFill>
+          <a:blip r:embed="rId10"/>
+          <a:stretch>
+            <a:fillRect/>
+          </a:stretch>
+        </p:blipFill>
+        <p:spPr>
+          <a:xfrm>
+            <a:off x="2518111" y="4738385"/>
+            <a:ext cx="709503" cy="419942"/>
+          </a:xfrm>
+          <a:prstGeom prst="rect">
+            <a:avLst/>
+          </a:prstGeom>
+        </p:spPr>
+      </p:pic>
+      <p:pic>
+        <p:nvPicPr>
+          <p:cNvPr id="20" name="Picture 19"/>
+          <p:cNvPicPr>
+            <a:picLocks noChangeAspect="1"/>
+          </p:cNvPicPr>
+          <p:nvPr/>
+        </p:nvPicPr>
+        <p:blipFill>
+          <a:blip r:embed="rId5" cstate="print">
+            <a:extLst>
+              <a:ext uri="{28A0092B-C50C-407E-A947-70E740481C1C}">
+                <a14:useLocalDpi xmlns:a14="http://schemas.microsoft.com/office/drawing/2010/main" val="0"/>
+              </a:ext>
+            </a:extLst>
+          </a:blip>
+          <a:stretch>
+            <a:fillRect/>
+          </a:stretch>
+        </p:blipFill>
+        <p:spPr>
+          <a:xfrm>
+            <a:off x="2545327" y="5316298"/>
+            <a:ext cx="682288" cy="338515"/>
+          </a:xfrm>
+          <a:prstGeom prst="rect">
+            <a:avLst/>
+          </a:prstGeom>
+        </p:spPr>
+      </p:pic>
+      <p:pic>
+        <p:nvPicPr>
+          <p:cNvPr id="21" name="Picture 20"/>
+          <p:cNvPicPr>
+            <a:picLocks noChangeAspect="1"/>
+          </p:cNvPicPr>
+          <p:nvPr/>
+        </p:nvPicPr>
+        <p:blipFill>
+          <a:blip r:embed="rId7" cstate="print">
+            <a:extLst>
+              <a:ext uri="{28A0092B-C50C-407E-A947-70E740481C1C}">
+                <a14:useLocalDpi xmlns:a14="http://schemas.microsoft.com/office/drawing/2010/main" val="0"/>
+              </a:ext>
+            </a:extLst>
+          </a:blip>
+          <a:stretch>
+            <a:fillRect/>
+          </a:stretch>
+        </p:blipFill>
+        <p:spPr>
+          <a:xfrm>
+            <a:off x="4537703" y="3761069"/>
+            <a:ext cx="551129" cy="453130"/>
+          </a:xfrm>
+          <a:prstGeom prst="rect">
+            <a:avLst/>
+          </a:prstGeom>
+        </p:spPr>
+      </p:pic>
+      <p:pic>
+        <p:nvPicPr>
+          <p:cNvPr id="22" name="Picture 21"/>
+          <p:cNvPicPr>
+            <a:picLocks noChangeAspect="1"/>
+          </p:cNvPicPr>
+          <p:nvPr/>
+        </p:nvPicPr>
+        <p:blipFill>
+          <a:blip r:embed="rId9"/>
+          <a:stretch>
+            <a:fillRect/>
+          </a:stretch>
+        </p:blipFill>
+        <p:spPr>
+          <a:xfrm>
+            <a:off x="4551840" y="4266416"/>
+            <a:ext cx="522854" cy="408404"/>
+          </a:xfrm>
+          <a:prstGeom prst="rect">
+            <a:avLst/>
+          </a:prstGeom>
+        </p:spPr>
+      </p:pic>
+      <p:pic>
+        <p:nvPicPr>
+          <p:cNvPr id="23" name="Picture 22"/>
+          <p:cNvPicPr>
+            <a:picLocks noChangeAspect="1"/>
+          </p:cNvPicPr>
+          <p:nvPr/>
+        </p:nvPicPr>
+        <p:blipFill>
+          <a:blip r:embed="rId6" cstate="print">
+            <a:extLst>
+              <a:ext uri="{28A0092B-C50C-407E-A947-70E740481C1C}">
+                <a14:useLocalDpi xmlns:a14="http://schemas.microsoft.com/office/drawing/2010/main" val="0"/>
+              </a:ext>
+            </a:extLst>
+          </a:blip>
+          <a:stretch>
+            <a:fillRect/>
+          </a:stretch>
+        </p:blipFill>
+        <p:spPr>
+          <a:xfrm>
+            <a:off x="4553621" y="4769685"/>
+            <a:ext cx="522854" cy="420313"/>
           </a:xfrm>
           <a:prstGeom prst="rect">
             <a:avLst/>
@@ -4849,8 +5967,8 @@
         </p:nvSpPr>
         <p:spPr>
           <a:xfrm>
-            <a:off x="175991" y="4502604"/>
-            <a:ext cx="2567210" cy="2136065"/>
+            <a:off x="175991" y="4502605"/>
+            <a:ext cx="2567210" cy="1741496"/>
           </a:xfrm>
           <a:prstGeom prst="rect">
             <a:avLst/>
@@ -4898,8 +6016,8 @@
         </p:nvSpPr>
         <p:spPr>
           <a:xfrm>
-            <a:off x="2831775" y="4502604"/>
-            <a:ext cx="2567210" cy="2136065"/>
+            <a:off x="2831775" y="4502605"/>
+            <a:ext cx="2567210" cy="1741496"/>
           </a:xfrm>
           <a:prstGeom prst="rect">
             <a:avLst/>
@@ -4939,22 +6057,626 @@
           </a:p>
         </p:txBody>
       </p:sp>
-      <p:sp>
-        <p:nvSpPr>
-          <p:cNvPr id="8" name="Rectangle 7"/>
+      <p:graphicFrame>
+        <p:nvGraphicFramePr>
+          <p:cNvPr id="50" name="Table 49"/>
+          <p:cNvGraphicFramePr>
+            <a:graphicFrameLocks noGrp="1"/>
+          </p:cNvGraphicFramePr>
+          <p:nvPr>
+            <p:extLst>
+              <p:ext uri="{D42A27DB-BD31-4B8C-83A1-F6EECF244321}">
+                <p14:modId xmlns:p14="http://schemas.microsoft.com/office/powerpoint/2010/main" val="3600710221"/>
+              </p:ext>
+            </p:extLst>
+          </p:nvPr>
+        </p:nvGraphicFramePr>
+        <p:xfrm>
+          <a:off x="175991" y="6303796"/>
+          <a:ext cx="5222992" cy="515537"/>
+        </p:xfrm>
+        <a:graphic>
+          <a:graphicData uri="http://schemas.openxmlformats.org/drawingml/2006/table">
+            <a:tbl>
+              <a:tblPr firstRow="1" bandRow="1">
+                <a:tableStyleId>{5C22544A-7EE6-4342-B048-85BDC9FD1C3A}</a:tableStyleId>
+              </a:tblPr>
+              <a:tblGrid>
+                <a:gridCol w="2643014">
+                  <a:extLst>
+                    <a:ext uri="{9D8B030D-6E8A-4147-A177-3AD203B41FA5}">
+                      <a16:colId xmlns:a16="http://schemas.microsoft.com/office/drawing/2014/main" val="2823257951"/>
+                    </a:ext>
+                  </a:extLst>
+                </a:gridCol>
+                <a:gridCol w="1241002">
+                  <a:extLst>
+                    <a:ext uri="{9D8B030D-6E8A-4147-A177-3AD203B41FA5}">
+                      <a16:colId xmlns:a16="http://schemas.microsoft.com/office/drawing/2014/main" val="798530955"/>
+                    </a:ext>
+                  </a:extLst>
+                </a:gridCol>
+                <a:gridCol w="1338976">
+                  <a:extLst>
+                    <a:ext uri="{9D8B030D-6E8A-4147-A177-3AD203B41FA5}">
+                      <a16:colId xmlns:a16="http://schemas.microsoft.com/office/drawing/2014/main" val="3173254901"/>
+                    </a:ext>
+                  </a:extLst>
+                </a:gridCol>
+              </a:tblGrid>
+              <a:tr h="159094">
+                <a:tc>
+                  <a:txBody>
+                    <a:bodyPr/>
+                    <a:lstStyle/>
+                    <a:p>
+                      <a:pPr algn="ctr"/>
+                      <a:r>
+                        <a:rPr lang="en-US" sz="1000" dirty="0" smtClean="0">
+                          <a:solidFill>
+                            <a:schemeClr val="tx1"/>
+                          </a:solidFill>
+                        </a:rPr>
+                        <a:t>Turnover</a:t>
+                      </a:r>
+                      <a:endParaRPr lang="en-US" sz="1000" dirty="0">
+                        <a:solidFill>
+                          <a:schemeClr val="tx1"/>
+                        </a:solidFill>
+                      </a:endParaRPr>
+                    </a:p>
+                  </a:txBody>
+                  <a:tcPr marT="0" marB="0">
+                    <a:lnL w="12700" cap="flat" cmpd="sng" algn="ctr">
+                      <a:solidFill>
+                        <a:schemeClr val="tx1"/>
+                      </a:solidFill>
+                      <a:prstDash val="solid"/>
+                      <a:round/>
+                      <a:headEnd type="none" w="med" len="med"/>
+                      <a:tailEnd type="none" w="med" len="med"/>
+                    </a:lnL>
+                    <a:lnR w="12700" cap="flat" cmpd="sng" algn="ctr">
+                      <a:solidFill>
+                        <a:schemeClr val="tx1"/>
+                      </a:solidFill>
+                      <a:prstDash val="solid"/>
+                      <a:round/>
+                      <a:headEnd type="none" w="med" len="med"/>
+                      <a:tailEnd type="none" w="med" len="med"/>
+                    </a:lnR>
+                    <a:lnT w="12700" cap="flat" cmpd="sng" algn="ctr">
+                      <a:solidFill>
+                        <a:schemeClr val="tx1"/>
+                      </a:solidFill>
+                      <a:prstDash val="solid"/>
+                      <a:round/>
+                      <a:headEnd type="none" w="med" len="med"/>
+                      <a:tailEnd type="none" w="med" len="med"/>
+                    </a:lnT>
+                    <a:lnB w="12700" cap="flat" cmpd="sng" algn="ctr">
+                      <a:solidFill>
+                        <a:schemeClr val="tx1"/>
+                      </a:solidFill>
+                      <a:prstDash val="solid"/>
+                      <a:round/>
+                      <a:headEnd type="none" w="med" len="med"/>
+                      <a:tailEnd type="none" w="med" len="med"/>
+                    </a:lnB>
+                    <a:noFill/>
+                  </a:tcPr>
+                </a:tc>
+                <a:tc>
+                  <a:txBody>
+                    <a:bodyPr/>
+                    <a:lstStyle/>
+                    <a:p>
+                      <a:pPr algn="ctr"/>
+                      <a:r>
+                        <a:rPr lang="en-US" sz="1000" dirty="0" smtClean="0">
+                          <a:solidFill>
+                            <a:schemeClr val="tx1"/>
+                          </a:solidFill>
+                        </a:rPr>
+                        <a:t>Time</a:t>
+                      </a:r>
+                      <a:r>
+                        <a:rPr lang="en-US" sz="1000" baseline="0" dirty="0" smtClean="0">
+                          <a:solidFill>
+                            <a:schemeClr val="tx1"/>
+                          </a:solidFill>
+                        </a:rPr>
+                        <a:t> 1</a:t>
+                      </a:r>
+                      <a:endParaRPr lang="en-US" sz="1000" dirty="0">
+                        <a:solidFill>
+                          <a:schemeClr val="tx1"/>
+                        </a:solidFill>
+                      </a:endParaRPr>
+                    </a:p>
+                  </a:txBody>
+                  <a:tcPr marT="0" marB="0">
+                    <a:lnL w="12700" cap="flat" cmpd="sng" algn="ctr">
+                      <a:solidFill>
+                        <a:schemeClr val="tx1"/>
+                      </a:solidFill>
+                      <a:prstDash val="solid"/>
+                      <a:round/>
+                      <a:headEnd type="none" w="med" len="med"/>
+                      <a:tailEnd type="none" w="med" len="med"/>
+                    </a:lnL>
+                    <a:lnR w="12700" cap="flat" cmpd="sng" algn="ctr">
+                      <a:solidFill>
+                        <a:schemeClr val="tx1"/>
+                      </a:solidFill>
+                      <a:prstDash val="solid"/>
+                      <a:round/>
+                      <a:headEnd type="none" w="med" len="med"/>
+                      <a:tailEnd type="none" w="med" len="med"/>
+                    </a:lnR>
+                    <a:lnT w="12700" cap="flat" cmpd="sng" algn="ctr">
+                      <a:solidFill>
+                        <a:schemeClr val="tx1"/>
+                      </a:solidFill>
+                      <a:prstDash val="solid"/>
+                      <a:round/>
+                      <a:headEnd type="none" w="med" len="med"/>
+                      <a:tailEnd type="none" w="med" len="med"/>
+                    </a:lnT>
+                    <a:lnB w="12700" cap="flat" cmpd="sng" algn="ctr">
+                      <a:solidFill>
+                        <a:schemeClr val="tx1"/>
+                      </a:solidFill>
+                      <a:prstDash val="solid"/>
+                      <a:round/>
+                      <a:headEnd type="none" w="med" len="med"/>
+                      <a:tailEnd type="none" w="med" len="med"/>
+                    </a:lnB>
+                    <a:noFill/>
+                  </a:tcPr>
+                </a:tc>
+                <a:tc>
+                  <a:txBody>
+                    <a:bodyPr/>
+                    <a:lstStyle/>
+                    <a:p>
+                      <a:pPr algn="ctr"/>
+                      <a:r>
+                        <a:rPr lang="en-US" sz="1000" dirty="0" smtClean="0">
+                          <a:solidFill>
+                            <a:schemeClr val="tx1"/>
+                          </a:solidFill>
+                        </a:rPr>
+                        <a:t>Time</a:t>
+                      </a:r>
+                      <a:r>
+                        <a:rPr lang="en-US" sz="1000" baseline="0" dirty="0" smtClean="0">
+                          <a:solidFill>
+                            <a:schemeClr val="tx1"/>
+                          </a:solidFill>
+                        </a:rPr>
+                        <a:t> 2</a:t>
+                      </a:r>
+                      <a:endParaRPr lang="en-US" sz="1000" dirty="0">
+                        <a:solidFill>
+                          <a:schemeClr val="tx1"/>
+                        </a:solidFill>
+                      </a:endParaRPr>
+                    </a:p>
+                  </a:txBody>
+                  <a:tcPr marT="0" marB="0">
+                    <a:lnL w="12700" cap="flat" cmpd="sng" algn="ctr">
+                      <a:solidFill>
+                        <a:schemeClr val="tx1"/>
+                      </a:solidFill>
+                      <a:prstDash val="solid"/>
+                      <a:round/>
+                      <a:headEnd type="none" w="med" len="med"/>
+                      <a:tailEnd type="none" w="med" len="med"/>
+                    </a:lnL>
+                    <a:lnR w="12700" cap="flat" cmpd="sng" algn="ctr">
+                      <a:solidFill>
+                        <a:schemeClr val="tx1"/>
+                      </a:solidFill>
+                      <a:prstDash val="solid"/>
+                      <a:round/>
+                      <a:headEnd type="none" w="med" len="med"/>
+                      <a:tailEnd type="none" w="med" len="med"/>
+                    </a:lnR>
+                    <a:lnT w="12700" cap="flat" cmpd="sng" algn="ctr">
+                      <a:solidFill>
+                        <a:schemeClr val="tx1"/>
+                      </a:solidFill>
+                      <a:prstDash val="solid"/>
+                      <a:round/>
+                      <a:headEnd type="none" w="med" len="med"/>
+                      <a:tailEnd type="none" w="med" len="med"/>
+                    </a:lnT>
+                    <a:lnB w="12700" cap="flat" cmpd="sng" algn="ctr">
+                      <a:solidFill>
+                        <a:schemeClr val="tx1"/>
+                      </a:solidFill>
+                      <a:prstDash val="solid"/>
+                      <a:round/>
+                      <a:headEnd type="none" w="med" len="med"/>
+                      <a:tailEnd type="none" w="med" len="med"/>
+                    </a:lnB>
+                    <a:noFill/>
+                  </a:tcPr>
+                </a:tc>
+                <a:extLst>
+                  <a:ext uri="{0D108BD9-81ED-4DB2-BD59-A6C34878D82A}">
+                    <a16:rowId xmlns:a16="http://schemas.microsoft.com/office/drawing/2014/main" val="308749052"/>
+                  </a:ext>
+                </a:extLst>
+              </a:tr>
+              <a:tr h="159094">
+                <a:tc>
+                  <a:txBody>
+                    <a:bodyPr/>
+                    <a:lstStyle/>
+                    <a:p>
+                      <a:pPr algn="ctr"/>
+                      <a:r>
+                        <a:rPr lang="en-US" sz="1000" dirty="0" smtClean="0"/>
+                        <a:t>All Species</a:t>
+                      </a:r>
+                      <a:endParaRPr lang="en-US" sz="1000" dirty="0"/>
+                    </a:p>
+                  </a:txBody>
+                  <a:tcPr marT="0" marB="0">
+                    <a:lnL w="12700" cap="flat" cmpd="sng" algn="ctr">
+                      <a:solidFill>
+                        <a:schemeClr val="tx1"/>
+                      </a:solidFill>
+                      <a:prstDash val="solid"/>
+                      <a:round/>
+                      <a:headEnd type="none" w="med" len="med"/>
+                      <a:tailEnd type="none" w="med" len="med"/>
+                    </a:lnL>
+                    <a:lnR w="12700" cap="flat" cmpd="sng" algn="ctr">
+                      <a:solidFill>
+                        <a:schemeClr val="tx1"/>
+                      </a:solidFill>
+                      <a:prstDash val="solid"/>
+                      <a:round/>
+                      <a:headEnd type="none" w="med" len="med"/>
+                      <a:tailEnd type="none" w="med" len="med"/>
+                    </a:lnR>
+                    <a:lnT w="12700" cap="flat" cmpd="sng" algn="ctr">
+                      <a:solidFill>
+                        <a:schemeClr val="tx1"/>
+                      </a:solidFill>
+                      <a:prstDash val="solid"/>
+                      <a:round/>
+                      <a:headEnd type="none" w="med" len="med"/>
+                      <a:tailEnd type="none" w="med" len="med"/>
+                    </a:lnT>
+                    <a:lnB w="12700" cap="flat" cmpd="sng" algn="ctr">
+                      <a:solidFill>
+                        <a:schemeClr val="tx1"/>
+                      </a:solidFill>
+                      <a:prstDash val="solid"/>
+                      <a:round/>
+                      <a:headEnd type="none" w="med" len="med"/>
+                      <a:tailEnd type="none" w="med" len="med"/>
+                    </a:lnB>
+                    <a:noFill/>
+                  </a:tcPr>
+                </a:tc>
+                <a:tc>
+                  <a:txBody>
+                    <a:bodyPr/>
+                    <a:lstStyle/>
+                    <a:p>
+                      <a:pPr algn="ctr"/>
+                      <a:r>
+                        <a:rPr lang="en-US" sz="1000" dirty="0" smtClean="0"/>
+                        <a:t>??</a:t>
+                      </a:r>
+                      <a:endParaRPr lang="en-US" sz="1000" dirty="0"/>
+                    </a:p>
+                  </a:txBody>
+                  <a:tcPr marT="0" marB="0">
+                    <a:lnL w="12700" cap="flat" cmpd="sng" algn="ctr">
+                      <a:solidFill>
+                        <a:schemeClr val="tx1"/>
+                      </a:solidFill>
+                      <a:prstDash val="solid"/>
+                      <a:round/>
+                      <a:headEnd type="none" w="med" len="med"/>
+                      <a:tailEnd type="none" w="med" len="med"/>
+                    </a:lnL>
+                    <a:lnR w="12700" cap="flat" cmpd="sng" algn="ctr">
+                      <a:solidFill>
+                        <a:schemeClr val="tx1"/>
+                      </a:solidFill>
+                      <a:prstDash val="solid"/>
+                      <a:round/>
+                      <a:headEnd type="none" w="med" len="med"/>
+                      <a:tailEnd type="none" w="med" len="med"/>
+                    </a:lnR>
+                    <a:lnT w="12700" cap="flat" cmpd="sng" algn="ctr">
+                      <a:solidFill>
+                        <a:schemeClr val="tx1"/>
+                      </a:solidFill>
+                      <a:prstDash val="solid"/>
+                      <a:round/>
+                      <a:headEnd type="none" w="med" len="med"/>
+                      <a:tailEnd type="none" w="med" len="med"/>
+                    </a:lnT>
+                    <a:lnB w="12700" cap="flat" cmpd="sng" algn="ctr">
+                      <a:solidFill>
+                        <a:schemeClr val="tx1"/>
+                      </a:solidFill>
+                      <a:prstDash val="solid"/>
+                      <a:round/>
+                      <a:headEnd type="none" w="med" len="med"/>
+                      <a:tailEnd type="none" w="med" len="med"/>
+                    </a:lnB>
+                    <a:noFill/>
+                  </a:tcPr>
+                </a:tc>
+                <a:tc>
+                  <a:txBody>
+                    <a:bodyPr/>
+                    <a:lstStyle/>
+                    <a:p>
+                      <a:pPr algn="ctr"/>
+                      <a:r>
+                        <a:rPr lang="en-US" sz="1000" dirty="0" smtClean="0"/>
+                        <a:t>5/11</a:t>
+                      </a:r>
+                      <a:endParaRPr lang="en-US" sz="1000" dirty="0"/>
+                    </a:p>
+                  </a:txBody>
+                  <a:tcPr marT="0" marB="0">
+                    <a:lnL w="12700" cap="flat" cmpd="sng" algn="ctr">
+                      <a:solidFill>
+                        <a:schemeClr val="tx1"/>
+                      </a:solidFill>
+                      <a:prstDash val="solid"/>
+                      <a:round/>
+                      <a:headEnd type="none" w="med" len="med"/>
+                      <a:tailEnd type="none" w="med" len="med"/>
+                    </a:lnL>
+                    <a:lnR w="12700" cap="flat" cmpd="sng" algn="ctr">
+                      <a:solidFill>
+                        <a:schemeClr val="tx1"/>
+                      </a:solidFill>
+                      <a:prstDash val="solid"/>
+                      <a:round/>
+                      <a:headEnd type="none" w="med" len="med"/>
+                      <a:tailEnd type="none" w="med" len="med"/>
+                    </a:lnR>
+                    <a:lnT w="12700" cap="flat" cmpd="sng" algn="ctr">
+                      <a:solidFill>
+                        <a:schemeClr val="tx1"/>
+                      </a:solidFill>
+                      <a:prstDash val="solid"/>
+                      <a:round/>
+                      <a:headEnd type="none" w="med" len="med"/>
+                      <a:tailEnd type="none" w="med" len="med"/>
+                    </a:lnT>
+                    <a:lnB w="12700" cap="flat" cmpd="sng" algn="ctr">
+                      <a:solidFill>
+                        <a:schemeClr val="tx1"/>
+                      </a:solidFill>
+                      <a:prstDash val="solid"/>
+                      <a:round/>
+                      <a:headEnd type="none" w="med" len="med"/>
+                      <a:tailEnd type="none" w="med" len="med"/>
+                    </a:lnB>
+                    <a:noFill/>
+                  </a:tcPr>
+                </a:tc>
+                <a:extLst>
+                  <a:ext uri="{0D108BD9-81ED-4DB2-BD59-A6C34878D82A}">
+                    <a16:rowId xmlns:a16="http://schemas.microsoft.com/office/drawing/2014/main" val="1838638201"/>
+                  </a:ext>
+                </a:extLst>
+              </a:tr>
+              <a:tr h="197349">
+                <a:tc>
+                  <a:txBody>
+                    <a:bodyPr/>
+                    <a:lstStyle/>
+                    <a:p>
+                      <a:pPr algn="ctr"/>
+                      <a:r>
+                        <a:rPr lang="en-US" sz="1000" dirty="0" smtClean="0"/>
+                        <a:t>Excluding Transients</a:t>
+                      </a:r>
+                      <a:endParaRPr lang="en-US" sz="1000" dirty="0"/>
+                    </a:p>
+                  </a:txBody>
+                  <a:tcPr marT="0" marB="0">
+                    <a:lnL w="12700" cap="flat" cmpd="sng" algn="ctr">
+                      <a:solidFill>
+                        <a:schemeClr val="tx1"/>
+                      </a:solidFill>
+                      <a:prstDash val="solid"/>
+                      <a:round/>
+                      <a:headEnd type="none" w="med" len="med"/>
+                      <a:tailEnd type="none" w="med" len="med"/>
+                    </a:lnL>
+                    <a:lnR w="12700" cap="flat" cmpd="sng" algn="ctr">
+                      <a:solidFill>
+                        <a:schemeClr val="tx1"/>
+                      </a:solidFill>
+                      <a:prstDash val="solid"/>
+                      <a:round/>
+                      <a:headEnd type="none" w="med" len="med"/>
+                      <a:tailEnd type="none" w="med" len="med"/>
+                    </a:lnR>
+                    <a:lnT w="12700" cap="flat" cmpd="sng" algn="ctr">
+                      <a:solidFill>
+                        <a:schemeClr val="tx1"/>
+                      </a:solidFill>
+                      <a:prstDash val="solid"/>
+                      <a:round/>
+                      <a:headEnd type="none" w="med" len="med"/>
+                      <a:tailEnd type="none" w="med" len="med"/>
+                    </a:lnT>
+                    <a:lnB w="12700" cap="flat" cmpd="sng" algn="ctr">
+                      <a:solidFill>
+                        <a:schemeClr val="tx1"/>
+                      </a:solidFill>
+                      <a:prstDash val="solid"/>
+                      <a:round/>
+                      <a:headEnd type="none" w="med" len="med"/>
+                      <a:tailEnd type="none" w="med" len="med"/>
+                    </a:lnB>
+                    <a:noFill/>
+                  </a:tcPr>
+                </a:tc>
+                <a:tc>
+                  <a:txBody>
+                    <a:bodyPr/>
+                    <a:lstStyle/>
+                    <a:p>
+                      <a:pPr algn="ctr"/>
+                      <a:r>
+                        <a:rPr lang="en-US" sz="1000" dirty="0" smtClean="0"/>
+                        <a:t>??</a:t>
+                      </a:r>
+                      <a:endParaRPr lang="en-US" sz="1000" dirty="0"/>
+                    </a:p>
+                  </a:txBody>
+                  <a:tcPr marT="0" marB="0">
+                    <a:lnL w="12700" cap="flat" cmpd="sng" algn="ctr">
+                      <a:solidFill>
+                        <a:schemeClr val="tx1"/>
+                      </a:solidFill>
+                      <a:prstDash val="solid"/>
+                      <a:round/>
+                      <a:headEnd type="none" w="med" len="med"/>
+                      <a:tailEnd type="none" w="med" len="med"/>
+                    </a:lnL>
+                    <a:lnR w="12700" cap="flat" cmpd="sng" algn="ctr">
+                      <a:solidFill>
+                        <a:schemeClr val="tx1"/>
+                      </a:solidFill>
+                      <a:prstDash val="solid"/>
+                      <a:round/>
+                      <a:headEnd type="none" w="med" len="med"/>
+                      <a:tailEnd type="none" w="med" len="med"/>
+                    </a:lnR>
+                    <a:lnT w="12700" cap="flat" cmpd="sng" algn="ctr">
+                      <a:solidFill>
+                        <a:schemeClr val="tx1"/>
+                      </a:solidFill>
+                      <a:prstDash val="solid"/>
+                      <a:round/>
+                      <a:headEnd type="none" w="med" len="med"/>
+                      <a:tailEnd type="none" w="med" len="med"/>
+                    </a:lnT>
+                    <a:lnB w="12700" cap="flat" cmpd="sng" algn="ctr">
+                      <a:solidFill>
+                        <a:schemeClr val="tx1"/>
+                      </a:solidFill>
+                      <a:prstDash val="solid"/>
+                      <a:round/>
+                      <a:headEnd type="none" w="med" len="med"/>
+                      <a:tailEnd type="none" w="med" len="med"/>
+                    </a:lnB>
+                    <a:noFill/>
+                  </a:tcPr>
+                </a:tc>
+                <a:tc>
+                  <a:txBody>
+                    <a:bodyPr/>
+                    <a:lstStyle/>
+                    <a:p>
+                      <a:pPr marL="0" marR="0" lvl="0" indent="0" algn="ctr" defTabSz="914400" rtl="0" eaLnBrk="1" fontAlgn="auto" latinLnBrk="0" hangingPunct="1">
+                        <a:lnSpc>
+                          <a:spcPct val="100000"/>
+                        </a:lnSpc>
+                        <a:spcBef>
+                          <a:spcPts val="0"/>
+                        </a:spcBef>
+                        <a:spcAft>
+                          <a:spcPts val="0"/>
+                        </a:spcAft>
+                        <a:buClrTx/>
+                        <a:buSzTx/>
+                        <a:buFontTx/>
+                        <a:buNone/>
+                        <a:tabLst/>
+                        <a:defRPr/>
+                      </a:pPr>
+                      <a:r>
+                        <a:rPr lang="en-US" sz="1000" dirty="0" smtClean="0"/>
+                        <a:t>5/5</a:t>
+                      </a:r>
+                    </a:p>
+                  </a:txBody>
+                  <a:tcPr marT="0" marB="0">
+                    <a:lnL w="12700" cap="flat" cmpd="sng" algn="ctr">
+                      <a:solidFill>
+                        <a:schemeClr val="tx1"/>
+                      </a:solidFill>
+                      <a:prstDash val="solid"/>
+                      <a:round/>
+                      <a:headEnd type="none" w="med" len="med"/>
+                      <a:tailEnd type="none" w="med" len="med"/>
+                    </a:lnL>
+                    <a:lnR w="12700" cap="flat" cmpd="sng" algn="ctr">
+                      <a:solidFill>
+                        <a:schemeClr val="tx1"/>
+                      </a:solidFill>
+                      <a:prstDash val="solid"/>
+                      <a:round/>
+                      <a:headEnd type="none" w="med" len="med"/>
+                      <a:tailEnd type="none" w="med" len="med"/>
+                    </a:lnR>
+                    <a:lnT w="12700" cap="flat" cmpd="sng" algn="ctr">
+                      <a:solidFill>
+                        <a:schemeClr val="tx1"/>
+                      </a:solidFill>
+                      <a:prstDash val="solid"/>
+                      <a:round/>
+                      <a:headEnd type="none" w="med" len="med"/>
+                      <a:tailEnd type="none" w="med" len="med"/>
+                    </a:lnT>
+                    <a:lnB w="12700" cap="flat" cmpd="sng" algn="ctr">
+                      <a:solidFill>
+                        <a:schemeClr val="tx1"/>
+                      </a:solidFill>
+                      <a:prstDash val="solid"/>
+                      <a:round/>
+                      <a:headEnd type="none" w="med" len="med"/>
+                      <a:tailEnd type="none" w="med" len="med"/>
+                    </a:lnB>
+                    <a:noFill/>
+                  </a:tcPr>
+                </a:tc>
+                <a:extLst>
+                  <a:ext uri="{0D108BD9-81ED-4DB2-BD59-A6C34878D82A}">
+                    <a16:rowId xmlns:a16="http://schemas.microsoft.com/office/drawing/2014/main" val="1986560784"/>
+                  </a:ext>
+                </a:extLst>
+              </a:tr>
+            </a:tbl>
+          </a:graphicData>
+        </a:graphic>
+      </p:graphicFrame>
+      <p:sp>
+        <p:nvSpPr>
+          <p:cNvPr id="81" name="Rectangle 80"/>
           <p:cNvSpPr/>
           <p:nvPr/>
         </p:nvSpPr>
         <p:spPr>
           <a:xfrm>
-            <a:off x="175991" y="2288613"/>
-            <a:ext cx="2567210" cy="2136065"/>
+            <a:off x="175991" y="3350245"/>
+            <a:ext cx="1272043" cy="1067365"/>
           </a:xfrm>
           <a:prstGeom prst="rect">
             <a:avLst/>
           </a:prstGeom>
           <a:noFill/>
-          <a:ln>
+          <a:ln w="38100">
             <a:solidFill>
               <a:schemeClr val="tx1"/>
             </a:solidFill>
@@ -4985,576 +6707,22 @@
           </a:p>
         </p:txBody>
       </p:sp>
-      <p:graphicFrame>
-        <p:nvGraphicFramePr>
-          <p:cNvPr id="50" name="Table 49"/>
-          <p:cNvGraphicFramePr>
-            <a:graphicFrameLocks noGrp="1"/>
-          </p:cNvGraphicFramePr>
-          <p:nvPr>
-            <p:extLst>
-              <p:ext uri="{D42A27DB-BD31-4B8C-83A1-F6EECF244321}">
-                <p14:modId xmlns:p14="http://schemas.microsoft.com/office/powerpoint/2010/main" val="3804910580"/>
-              </p:ext>
-            </p:extLst>
-          </p:nvPr>
-        </p:nvGraphicFramePr>
-        <p:xfrm>
-          <a:off x="6402076" y="4992341"/>
-          <a:ext cx="4822650" cy="1112520"/>
-        </p:xfrm>
-        <a:graphic>
-          <a:graphicData uri="http://schemas.openxmlformats.org/drawingml/2006/table">
-            <a:tbl>
-              <a:tblPr firstRow="1" bandRow="1">
-                <a:tableStyleId>{5C22544A-7EE6-4342-B048-85BDC9FD1C3A}</a:tableStyleId>
-              </a:tblPr>
-              <a:tblGrid>
-                <a:gridCol w="1607550">
-                  <a:extLst>
-                    <a:ext uri="{9D8B030D-6E8A-4147-A177-3AD203B41FA5}">
-                      <a16:colId xmlns:a16="http://schemas.microsoft.com/office/drawing/2014/main" val="2823257951"/>
-                    </a:ext>
-                  </a:extLst>
-                </a:gridCol>
-                <a:gridCol w="1607550">
-                  <a:extLst>
-                    <a:ext uri="{9D8B030D-6E8A-4147-A177-3AD203B41FA5}">
-                      <a16:colId xmlns:a16="http://schemas.microsoft.com/office/drawing/2014/main" val="798530955"/>
-                    </a:ext>
-                  </a:extLst>
-                </a:gridCol>
-                <a:gridCol w="1607550">
-                  <a:extLst>
-                    <a:ext uri="{9D8B030D-6E8A-4147-A177-3AD203B41FA5}">
-                      <a16:colId xmlns:a16="http://schemas.microsoft.com/office/drawing/2014/main" val="3173254901"/>
-                    </a:ext>
-                  </a:extLst>
-                </a:gridCol>
-              </a:tblGrid>
-              <a:tr h="370840">
-                <a:tc>
-                  <a:txBody>
-                    <a:bodyPr/>
-                    <a:lstStyle/>
-                    <a:p>
-                      <a:r>
-                        <a:rPr lang="en-US" sz="1200" dirty="0" smtClean="0">
-                          <a:solidFill>
-                            <a:schemeClr val="tx1"/>
-                          </a:solidFill>
-                        </a:rPr>
-                        <a:t>Turnover</a:t>
-                      </a:r>
-                      <a:endParaRPr lang="en-US" sz="1200" dirty="0">
-                        <a:solidFill>
-                          <a:schemeClr val="tx1"/>
-                        </a:solidFill>
-                      </a:endParaRPr>
-                    </a:p>
-                  </a:txBody>
-                  <a:tcPr>
-                    <a:lnL w="12700" cap="flat" cmpd="sng" algn="ctr">
-                      <a:solidFill>
-                        <a:schemeClr val="tx1"/>
-                      </a:solidFill>
-                      <a:prstDash val="solid"/>
-                      <a:round/>
-                      <a:headEnd type="none" w="med" len="med"/>
-                      <a:tailEnd type="none" w="med" len="med"/>
-                    </a:lnL>
-                    <a:lnR w="12700" cap="flat" cmpd="sng" algn="ctr">
-                      <a:solidFill>
-                        <a:schemeClr val="tx1"/>
-                      </a:solidFill>
-                      <a:prstDash val="solid"/>
-                      <a:round/>
-                      <a:headEnd type="none" w="med" len="med"/>
-                      <a:tailEnd type="none" w="med" len="med"/>
-                    </a:lnR>
-                    <a:lnT w="12700" cap="flat" cmpd="sng" algn="ctr">
-                      <a:solidFill>
-                        <a:schemeClr val="tx1"/>
-                      </a:solidFill>
-                      <a:prstDash val="solid"/>
-                      <a:round/>
-                      <a:headEnd type="none" w="med" len="med"/>
-                      <a:tailEnd type="none" w="med" len="med"/>
-                    </a:lnT>
-                    <a:lnB w="12700" cap="flat" cmpd="sng" algn="ctr">
-                      <a:solidFill>
-                        <a:schemeClr val="tx1"/>
-                      </a:solidFill>
-                      <a:prstDash val="solid"/>
-                      <a:round/>
-                      <a:headEnd type="none" w="med" len="med"/>
-                      <a:tailEnd type="none" w="med" len="med"/>
-                    </a:lnB>
-                    <a:noFill/>
-                  </a:tcPr>
-                </a:tc>
-                <a:tc>
-                  <a:txBody>
-                    <a:bodyPr/>
-                    <a:lstStyle/>
-                    <a:p>
-                      <a:r>
-                        <a:rPr lang="en-US" sz="1200" dirty="0" err="1" smtClean="0">
-                          <a:solidFill>
-                            <a:schemeClr val="tx1"/>
-                          </a:solidFill>
-                        </a:rPr>
-                        <a:t>Jaccard</a:t>
-                      </a:r>
-                      <a:endParaRPr lang="en-US" sz="1200" dirty="0">
-                        <a:solidFill>
-                          <a:schemeClr val="tx1"/>
-                        </a:solidFill>
-                      </a:endParaRPr>
-                    </a:p>
-                  </a:txBody>
-                  <a:tcPr>
-                    <a:lnL w="12700" cap="flat" cmpd="sng" algn="ctr">
-                      <a:solidFill>
-                        <a:schemeClr val="tx1"/>
-                      </a:solidFill>
-                      <a:prstDash val="solid"/>
-                      <a:round/>
-                      <a:headEnd type="none" w="med" len="med"/>
-                      <a:tailEnd type="none" w="med" len="med"/>
-                    </a:lnL>
-                    <a:lnR w="12700" cap="flat" cmpd="sng" algn="ctr">
-                      <a:solidFill>
-                        <a:schemeClr val="tx1"/>
-                      </a:solidFill>
-                      <a:prstDash val="solid"/>
-                      <a:round/>
-                      <a:headEnd type="none" w="med" len="med"/>
-                      <a:tailEnd type="none" w="med" len="med"/>
-                    </a:lnR>
-                    <a:lnT w="12700" cap="flat" cmpd="sng" algn="ctr">
-                      <a:solidFill>
-                        <a:schemeClr val="tx1"/>
-                      </a:solidFill>
-                      <a:prstDash val="solid"/>
-                      <a:round/>
-                      <a:headEnd type="none" w="med" len="med"/>
-                      <a:tailEnd type="none" w="med" len="med"/>
-                    </a:lnT>
-                    <a:lnB w="12700" cap="flat" cmpd="sng" algn="ctr">
-                      <a:solidFill>
-                        <a:schemeClr val="tx1"/>
-                      </a:solidFill>
-                      <a:prstDash val="solid"/>
-                      <a:round/>
-                      <a:headEnd type="none" w="med" len="med"/>
-                      <a:tailEnd type="none" w="med" len="med"/>
-                    </a:lnB>
-                    <a:noFill/>
-                  </a:tcPr>
-                </a:tc>
-                <a:tc>
-                  <a:txBody>
-                    <a:bodyPr/>
-                    <a:lstStyle/>
-                    <a:p>
-                      <a:endParaRPr lang="en-US" sz="1200" dirty="0">
-                        <a:solidFill>
-                          <a:schemeClr val="tx1"/>
-                        </a:solidFill>
-                      </a:endParaRPr>
-                    </a:p>
-                  </a:txBody>
-                  <a:tcPr>
-                    <a:lnL w="12700" cap="flat" cmpd="sng" algn="ctr">
-                      <a:solidFill>
-                        <a:schemeClr val="tx1"/>
-                      </a:solidFill>
-                      <a:prstDash val="solid"/>
-                      <a:round/>
-                      <a:headEnd type="none" w="med" len="med"/>
-                      <a:tailEnd type="none" w="med" len="med"/>
-                    </a:lnL>
-                    <a:lnR w="12700" cap="flat" cmpd="sng" algn="ctr">
-                      <a:solidFill>
-                        <a:schemeClr val="tx1"/>
-                      </a:solidFill>
-                      <a:prstDash val="solid"/>
-                      <a:round/>
-                      <a:headEnd type="none" w="med" len="med"/>
-                      <a:tailEnd type="none" w="med" len="med"/>
-                    </a:lnR>
-                    <a:lnT w="12700" cap="flat" cmpd="sng" algn="ctr">
-                      <a:solidFill>
-                        <a:schemeClr val="tx1"/>
-                      </a:solidFill>
-                      <a:prstDash val="solid"/>
-                      <a:round/>
-                      <a:headEnd type="none" w="med" len="med"/>
-                      <a:tailEnd type="none" w="med" len="med"/>
-                    </a:lnT>
-                    <a:lnB w="12700" cap="flat" cmpd="sng" algn="ctr">
-                      <a:solidFill>
-                        <a:schemeClr val="tx1"/>
-                      </a:solidFill>
-                      <a:prstDash val="solid"/>
-                      <a:round/>
-                      <a:headEnd type="none" w="med" len="med"/>
-                      <a:tailEnd type="none" w="med" len="med"/>
-                    </a:lnB>
-                    <a:noFill/>
-                  </a:tcPr>
-                </a:tc>
-                <a:extLst>
-                  <a:ext uri="{0D108BD9-81ED-4DB2-BD59-A6C34878D82A}">
-                    <a16:rowId xmlns:a16="http://schemas.microsoft.com/office/drawing/2014/main" val="308749052"/>
-                  </a:ext>
-                </a:extLst>
-              </a:tr>
-              <a:tr h="370840">
-                <a:tc>
-                  <a:txBody>
-                    <a:bodyPr/>
-                    <a:lstStyle/>
-                    <a:p>
-                      <a:r>
-                        <a:rPr lang="en-US" sz="1200" dirty="0" smtClean="0"/>
-                        <a:t>All Species</a:t>
-                      </a:r>
-                      <a:endParaRPr lang="en-US" sz="1200" dirty="0"/>
-                    </a:p>
-                  </a:txBody>
-                  <a:tcPr>
-                    <a:lnL w="12700" cap="flat" cmpd="sng" algn="ctr">
-                      <a:solidFill>
-                        <a:schemeClr val="tx1"/>
-                      </a:solidFill>
-                      <a:prstDash val="solid"/>
-                      <a:round/>
-                      <a:headEnd type="none" w="med" len="med"/>
-                      <a:tailEnd type="none" w="med" len="med"/>
-                    </a:lnL>
-                    <a:lnR w="12700" cap="flat" cmpd="sng" algn="ctr">
-                      <a:solidFill>
-                        <a:schemeClr val="tx1"/>
-                      </a:solidFill>
-                      <a:prstDash val="solid"/>
-                      <a:round/>
-                      <a:headEnd type="none" w="med" len="med"/>
-                      <a:tailEnd type="none" w="med" len="med"/>
-                    </a:lnR>
-                    <a:lnT w="12700" cap="flat" cmpd="sng" algn="ctr">
-                      <a:solidFill>
-                        <a:schemeClr val="tx1"/>
-                      </a:solidFill>
-                      <a:prstDash val="solid"/>
-                      <a:round/>
-                      <a:headEnd type="none" w="med" len="med"/>
-                      <a:tailEnd type="none" w="med" len="med"/>
-                    </a:lnT>
-                    <a:lnB w="12700" cap="flat" cmpd="sng" algn="ctr">
-                      <a:solidFill>
-                        <a:schemeClr val="tx1"/>
-                      </a:solidFill>
-                      <a:prstDash val="solid"/>
-                      <a:round/>
-                      <a:headEnd type="none" w="med" len="med"/>
-                      <a:tailEnd type="none" w="med" len="med"/>
-                    </a:lnB>
-                    <a:noFill/>
-                  </a:tcPr>
-                </a:tc>
-                <a:tc>
-                  <a:txBody>
-                    <a:bodyPr/>
-                    <a:lstStyle/>
-                    <a:p>
-                      <a:r>
-                        <a:rPr lang="en-US" sz="1200" dirty="0" smtClean="0"/>
-                        <a:t>All</a:t>
-                      </a:r>
-                      <a:r>
-                        <a:rPr lang="en-US" sz="1200" baseline="0" dirty="0" smtClean="0"/>
-                        <a:t> different?</a:t>
-                      </a:r>
-                      <a:endParaRPr lang="en-US" sz="1200" dirty="0"/>
-                    </a:p>
-                  </a:txBody>
-                  <a:tcPr>
-                    <a:lnL w="12700" cap="flat" cmpd="sng" algn="ctr">
-                      <a:solidFill>
-                        <a:schemeClr val="tx1"/>
-                      </a:solidFill>
-                      <a:prstDash val="solid"/>
-                      <a:round/>
-                      <a:headEnd type="none" w="med" len="med"/>
-                      <a:tailEnd type="none" w="med" len="med"/>
-                    </a:lnL>
-                    <a:lnR w="12700" cap="flat" cmpd="sng" algn="ctr">
-                      <a:solidFill>
-                        <a:schemeClr val="tx1"/>
-                      </a:solidFill>
-                      <a:prstDash val="solid"/>
-                      <a:round/>
-                      <a:headEnd type="none" w="med" len="med"/>
-                      <a:tailEnd type="none" w="med" len="med"/>
-                    </a:lnR>
-                    <a:lnT w="12700" cap="flat" cmpd="sng" algn="ctr">
-                      <a:solidFill>
-                        <a:schemeClr val="tx1"/>
-                      </a:solidFill>
-                      <a:prstDash val="solid"/>
-                      <a:round/>
-                      <a:headEnd type="none" w="med" len="med"/>
-                      <a:tailEnd type="none" w="med" len="med"/>
-                    </a:lnT>
-                    <a:lnB w="12700" cap="flat" cmpd="sng" algn="ctr">
-                      <a:solidFill>
-                        <a:schemeClr val="tx1"/>
-                      </a:solidFill>
-                      <a:prstDash val="solid"/>
-                      <a:round/>
-                      <a:headEnd type="none" w="med" len="med"/>
-                      <a:tailEnd type="none" w="med" len="med"/>
-                    </a:lnB>
-                    <a:noFill/>
-                  </a:tcPr>
-                </a:tc>
-                <a:tc>
-                  <a:txBody>
-                    <a:bodyPr/>
-                    <a:lstStyle/>
-                    <a:p>
-                      <a:endParaRPr lang="en-US" sz="1200"/>
-                    </a:p>
-                  </a:txBody>
-                  <a:tcPr>
-                    <a:lnL w="12700" cap="flat" cmpd="sng" algn="ctr">
-                      <a:solidFill>
-                        <a:schemeClr val="tx1"/>
-                      </a:solidFill>
-                      <a:prstDash val="solid"/>
-                      <a:round/>
-                      <a:headEnd type="none" w="med" len="med"/>
-                      <a:tailEnd type="none" w="med" len="med"/>
-                    </a:lnL>
-                    <a:lnR w="12700" cap="flat" cmpd="sng" algn="ctr">
-                      <a:solidFill>
-                        <a:schemeClr val="tx1"/>
-                      </a:solidFill>
-                      <a:prstDash val="solid"/>
-                      <a:round/>
-                      <a:headEnd type="none" w="med" len="med"/>
-                      <a:tailEnd type="none" w="med" len="med"/>
-                    </a:lnR>
-                    <a:lnT w="12700" cap="flat" cmpd="sng" algn="ctr">
-                      <a:solidFill>
-                        <a:schemeClr val="tx1"/>
-                      </a:solidFill>
-                      <a:prstDash val="solid"/>
-                      <a:round/>
-                      <a:headEnd type="none" w="med" len="med"/>
-                      <a:tailEnd type="none" w="med" len="med"/>
-                    </a:lnT>
-                    <a:lnB w="12700" cap="flat" cmpd="sng" algn="ctr">
-                      <a:solidFill>
-                        <a:schemeClr val="tx1"/>
-                      </a:solidFill>
-                      <a:prstDash val="solid"/>
-                      <a:round/>
-                      <a:headEnd type="none" w="med" len="med"/>
-                      <a:tailEnd type="none" w="med" len="med"/>
-                    </a:lnB>
-                    <a:noFill/>
-                  </a:tcPr>
-                </a:tc>
-                <a:extLst>
-                  <a:ext uri="{0D108BD9-81ED-4DB2-BD59-A6C34878D82A}">
-                    <a16:rowId xmlns:a16="http://schemas.microsoft.com/office/drawing/2014/main" val="1838638201"/>
-                  </a:ext>
-                </a:extLst>
-              </a:tr>
-              <a:tr h="370840">
-                <a:tc>
-                  <a:txBody>
-                    <a:bodyPr/>
-                    <a:lstStyle/>
-                    <a:p>
-                      <a:r>
-                        <a:rPr lang="en-US" sz="1200" dirty="0" smtClean="0"/>
-                        <a:t>Excluding Transients</a:t>
-                      </a:r>
-                      <a:endParaRPr lang="en-US" sz="1200" dirty="0"/>
-                    </a:p>
-                  </a:txBody>
-                  <a:tcPr>
-                    <a:lnL w="12700" cap="flat" cmpd="sng" algn="ctr">
-                      <a:solidFill>
-                        <a:schemeClr val="tx1"/>
-                      </a:solidFill>
-                      <a:prstDash val="solid"/>
-                      <a:round/>
-                      <a:headEnd type="none" w="med" len="med"/>
-                      <a:tailEnd type="none" w="med" len="med"/>
-                    </a:lnL>
-                    <a:lnR w="12700" cap="flat" cmpd="sng" algn="ctr">
-                      <a:solidFill>
-                        <a:schemeClr val="tx1"/>
-                      </a:solidFill>
-                      <a:prstDash val="solid"/>
-                      <a:round/>
-                      <a:headEnd type="none" w="med" len="med"/>
-                      <a:tailEnd type="none" w="med" len="med"/>
-                    </a:lnR>
-                    <a:lnT w="12700" cap="flat" cmpd="sng" algn="ctr">
-                      <a:solidFill>
-                        <a:schemeClr val="tx1"/>
-                      </a:solidFill>
-                      <a:prstDash val="solid"/>
-                      <a:round/>
-                      <a:headEnd type="none" w="med" len="med"/>
-                      <a:tailEnd type="none" w="med" len="med"/>
-                    </a:lnT>
-                    <a:lnB w="12700" cap="flat" cmpd="sng" algn="ctr">
-                      <a:solidFill>
-                        <a:schemeClr val="tx1"/>
-                      </a:solidFill>
-                      <a:prstDash val="solid"/>
-                      <a:round/>
-                      <a:headEnd type="none" w="med" len="med"/>
-                      <a:tailEnd type="none" w="med" len="med"/>
-                    </a:lnB>
-                    <a:noFill/>
-                  </a:tcPr>
-                </a:tc>
-                <a:tc>
-                  <a:txBody>
-                    <a:bodyPr/>
-                    <a:lstStyle/>
-                    <a:p>
-                      <a:r>
-                        <a:rPr lang="en-US" sz="1200" baseline="0" dirty="0" smtClean="0"/>
-                        <a:t> confused now.</a:t>
-                      </a:r>
-                      <a:endParaRPr lang="en-US" sz="1200" dirty="0"/>
-                    </a:p>
-                  </a:txBody>
-                  <a:tcPr>
-                    <a:lnL w="12700" cap="flat" cmpd="sng" algn="ctr">
-                      <a:solidFill>
-                        <a:schemeClr val="tx1"/>
-                      </a:solidFill>
-                      <a:prstDash val="solid"/>
-                      <a:round/>
-                      <a:headEnd type="none" w="med" len="med"/>
-                      <a:tailEnd type="none" w="med" len="med"/>
-                    </a:lnL>
-                    <a:lnR w="12700" cap="flat" cmpd="sng" algn="ctr">
-                      <a:solidFill>
-                        <a:schemeClr val="tx1"/>
-                      </a:solidFill>
-                      <a:prstDash val="solid"/>
-                      <a:round/>
-                      <a:headEnd type="none" w="med" len="med"/>
-                      <a:tailEnd type="none" w="med" len="med"/>
-                    </a:lnR>
-                    <a:lnT w="12700" cap="flat" cmpd="sng" algn="ctr">
-                      <a:solidFill>
-                        <a:schemeClr val="tx1"/>
-                      </a:solidFill>
-                      <a:prstDash val="solid"/>
-                      <a:round/>
-                      <a:headEnd type="none" w="med" len="med"/>
-                      <a:tailEnd type="none" w="med" len="med"/>
-                    </a:lnT>
-                    <a:lnB w="12700" cap="flat" cmpd="sng" algn="ctr">
-                      <a:solidFill>
-                        <a:schemeClr val="tx1"/>
-                      </a:solidFill>
-                      <a:prstDash val="solid"/>
-                      <a:round/>
-                      <a:headEnd type="none" w="med" len="med"/>
-                      <a:tailEnd type="none" w="med" len="med"/>
-                    </a:lnB>
-                    <a:noFill/>
-                  </a:tcPr>
-                </a:tc>
-                <a:tc>
-                  <a:txBody>
-                    <a:bodyPr/>
-                    <a:lstStyle/>
-                    <a:p>
-                      <a:endParaRPr lang="en-US" sz="1200" dirty="0"/>
-                    </a:p>
-                  </a:txBody>
-                  <a:tcPr>
-                    <a:lnL w="12700" cap="flat" cmpd="sng" algn="ctr">
-                      <a:solidFill>
-                        <a:schemeClr val="tx1"/>
-                      </a:solidFill>
-                      <a:prstDash val="solid"/>
-                      <a:round/>
-                      <a:headEnd type="none" w="med" len="med"/>
-                      <a:tailEnd type="none" w="med" len="med"/>
-                    </a:lnL>
-                    <a:lnR w="12700" cap="flat" cmpd="sng" algn="ctr">
-                      <a:solidFill>
-                        <a:schemeClr val="tx1"/>
-                      </a:solidFill>
-                      <a:prstDash val="solid"/>
-                      <a:round/>
-                      <a:headEnd type="none" w="med" len="med"/>
-                      <a:tailEnd type="none" w="med" len="med"/>
-                    </a:lnR>
-                    <a:lnT w="12700" cap="flat" cmpd="sng" algn="ctr">
-                      <a:solidFill>
-                        <a:schemeClr val="tx1"/>
-                      </a:solidFill>
-                      <a:prstDash val="solid"/>
-                      <a:round/>
-                      <a:headEnd type="none" w="med" len="med"/>
-                      <a:tailEnd type="none" w="med" len="med"/>
-                    </a:lnT>
-                    <a:lnB w="12700" cap="flat" cmpd="sng" algn="ctr">
-                      <a:solidFill>
-                        <a:schemeClr val="tx1"/>
-                      </a:solidFill>
-                      <a:prstDash val="solid"/>
-                      <a:round/>
-                      <a:headEnd type="none" w="med" len="med"/>
-                      <a:tailEnd type="none" w="med" len="med"/>
-                    </a:lnB>
-                    <a:noFill/>
-                  </a:tcPr>
-                </a:tc>
-                <a:extLst>
-                  <a:ext uri="{0D108BD9-81ED-4DB2-BD59-A6C34878D82A}">
-                    <a16:rowId xmlns:a16="http://schemas.microsoft.com/office/drawing/2014/main" val="1986560784"/>
-                  </a:ext>
-                </a:extLst>
-              </a:tr>
-            </a:tbl>
-          </a:graphicData>
-        </a:graphic>
-      </p:graphicFrame>
-      <p:sp>
-        <p:nvSpPr>
-          <p:cNvPr id="51" name="Flowchart: Connector 50"/>
+      <p:sp>
+        <p:nvSpPr>
+          <p:cNvPr id="100" name="Rectangle 99"/>
           <p:cNvSpPr/>
           <p:nvPr/>
         </p:nvSpPr>
         <p:spPr>
           <a:xfrm>
-            <a:off x="474197" y="3049678"/>
-            <a:ext cx="45719" cy="45719"/>
-          </a:xfrm>
-          <a:prstGeom prst="flowChartConnector">
+            <a:off x="1462195" y="2279007"/>
+            <a:ext cx="1277474" cy="1069826"/>
+          </a:xfrm>
+          <a:prstGeom prst="rect">
             <a:avLst/>
           </a:prstGeom>
-          <a:solidFill>
-            <a:schemeClr val="tx1"/>
-          </a:solidFill>
-          <a:ln>
+          <a:noFill/>
+          <a:ln w="6350">
             <a:solidFill>
               <a:schemeClr val="tx1"/>
             </a:solidFill>
@@ -5587,22 +6755,20 @@
       </p:sp>
       <p:sp>
         <p:nvSpPr>
-          <p:cNvPr id="52" name="Flowchart: Connector 51"/>
+          <p:cNvPr id="102" name="Rectangle 101"/>
           <p:cNvSpPr/>
           <p:nvPr/>
         </p:nvSpPr>
         <p:spPr>
           <a:xfrm>
-            <a:off x="474197" y="3960267"/>
-            <a:ext cx="45719" cy="45719"/>
-          </a:xfrm>
-          <a:prstGeom prst="flowChartConnector">
+            <a:off x="1462195" y="3348659"/>
+            <a:ext cx="1277474" cy="1068919"/>
+          </a:xfrm>
+          <a:prstGeom prst="rect">
             <a:avLst/>
           </a:prstGeom>
-          <a:solidFill>
-            <a:schemeClr val="tx1"/>
-          </a:solidFill>
-          <a:ln>
+          <a:noFill/>
+          <a:ln w="6350">
             <a:solidFill>
               <a:schemeClr val="tx1"/>
             </a:solidFill>
@@ -5633,26 +6799,55 @@
           </a:p>
         </p:txBody>
       </p:sp>
-      <p:sp>
-        <p:nvSpPr>
-          <p:cNvPr id="53" name="Flowchart: Connector 52"/>
+      <p:pic>
+        <p:nvPicPr>
+          <p:cNvPr id="133" name="Picture 132"/>
+          <p:cNvPicPr>
+            <a:picLocks noChangeAspect="1"/>
+          </p:cNvPicPr>
+          <p:nvPr/>
+        </p:nvPicPr>
+        <p:blipFill rotWithShape="1">
+          <a:blip r:embed="rId2"/>
+          <a:srcRect t="13288" b="5627"/>
+          <a:stretch/>
+        </p:blipFill>
+        <p:spPr>
+          <a:xfrm>
+            <a:off x="268764" y="163711"/>
+            <a:ext cx="2442216" cy="2012270"/>
+          </a:xfrm>
+          <a:prstGeom prst="rect">
+            <a:avLst/>
+          </a:prstGeom>
+        </p:spPr>
+      </p:pic>
+      <p:sp>
+        <p:nvSpPr>
+          <p:cNvPr id="73" name="Diamond 72"/>
           <p:cNvSpPr/>
           <p:nvPr/>
         </p:nvSpPr>
         <p:spPr>
           <a:xfrm>
-            <a:off x="2280866" y="2568523"/>
-            <a:ext cx="45719" cy="45719"/>
-          </a:xfrm>
-          <a:prstGeom prst="flowChartConnector">
+            <a:off x="1169636" y="5243206"/>
+            <a:ext cx="237744" cy="219456"/>
+          </a:xfrm>
+          <a:prstGeom prst="diamond">
             <a:avLst/>
           </a:prstGeom>
           <a:solidFill>
-            <a:schemeClr val="tx1"/>
+            <a:schemeClr val="tx1">
+              <a:lumMod val="50000"/>
+              <a:lumOff val="50000"/>
+            </a:schemeClr>
           </a:solidFill>
-          <a:ln>
+          <a:ln w="38100">
             <a:solidFill>
-              <a:schemeClr val="tx1"/>
+              <a:schemeClr val="tx1">
+                <a:lumMod val="50000"/>
+                <a:lumOff val="50000"/>
+              </a:schemeClr>
             </a:solidFill>
           </a:ln>
         </p:spPr>
@@ -5683,13 +6878,1053 @@
       </p:sp>
       <p:sp>
         <p:nvSpPr>
-          <p:cNvPr id="54" name="TextBox 53"/>
+          <p:cNvPr id="74" name="Rectangle 73"/>
+          <p:cNvSpPr/>
+          <p:nvPr/>
+        </p:nvSpPr>
+        <p:spPr>
+          <a:xfrm>
+            <a:off x="2084103" y="5348100"/>
+            <a:ext cx="164592" cy="153690"/>
+          </a:xfrm>
+          <a:prstGeom prst="rect">
+            <a:avLst/>
+          </a:prstGeom>
+          <a:solidFill>
+            <a:schemeClr val="tx1">
+              <a:lumMod val="50000"/>
+              <a:lumOff val="50000"/>
+            </a:schemeClr>
+          </a:solidFill>
+          <a:ln w="38100">
+            <a:solidFill>
+              <a:schemeClr val="tx1">
+                <a:lumMod val="50000"/>
+                <a:lumOff val="50000"/>
+              </a:schemeClr>
+            </a:solidFill>
+          </a:ln>
+        </p:spPr>
+        <p:style>
+          <a:lnRef idx="2">
+            <a:schemeClr val="accent1">
+              <a:shade val="50000"/>
+            </a:schemeClr>
+          </a:lnRef>
+          <a:fillRef idx="1">
+            <a:schemeClr val="accent1"/>
+          </a:fillRef>
+          <a:effectRef idx="0">
+            <a:schemeClr val="accent1"/>
+          </a:effectRef>
+          <a:fontRef idx="minor">
+            <a:schemeClr val="lt1"/>
+          </a:fontRef>
+        </p:style>
+        <p:txBody>
+          <a:bodyPr rtlCol="0" anchor="ctr"/>
+          <a:lstStyle/>
+          <a:p>
+            <a:pPr algn="ctr"/>
+            <a:endParaRPr lang="en-US"/>
+          </a:p>
+        </p:txBody>
+      </p:sp>
+      <p:sp>
+        <p:nvSpPr>
+          <p:cNvPr id="75" name="Oval 74"/>
+          <p:cNvSpPr/>
+          <p:nvPr/>
+        </p:nvSpPr>
+        <p:spPr>
+          <a:xfrm>
+            <a:off x="1992206" y="4778050"/>
+            <a:ext cx="174451" cy="183765"/>
+          </a:xfrm>
+          <a:prstGeom prst="ellipse">
+            <a:avLst/>
+          </a:prstGeom>
+          <a:solidFill>
+            <a:schemeClr val="tx1">
+              <a:lumMod val="50000"/>
+              <a:lumOff val="50000"/>
+            </a:schemeClr>
+          </a:solidFill>
+          <a:ln w="38100">
+            <a:solidFill>
+              <a:schemeClr val="tx1">
+                <a:lumMod val="50000"/>
+                <a:lumOff val="50000"/>
+              </a:schemeClr>
+            </a:solidFill>
+          </a:ln>
+        </p:spPr>
+        <p:style>
+          <a:lnRef idx="2">
+            <a:schemeClr val="accent1">
+              <a:shade val="50000"/>
+            </a:schemeClr>
+          </a:lnRef>
+          <a:fillRef idx="1">
+            <a:schemeClr val="accent1"/>
+          </a:fillRef>
+          <a:effectRef idx="0">
+            <a:schemeClr val="accent1"/>
+          </a:effectRef>
+          <a:fontRef idx="minor">
+            <a:schemeClr val="lt1"/>
+          </a:fontRef>
+        </p:style>
+        <p:txBody>
+          <a:bodyPr rtlCol="0" anchor="ctr"/>
+          <a:lstStyle/>
+          <a:p>
+            <a:pPr algn="ctr"/>
+            <a:endParaRPr lang="en-US"/>
+          </a:p>
+        </p:txBody>
+      </p:sp>
+      <p:sp>
+        <p:nvSpPr>
+          <p:cNvPr id="78" name="Isosceles Triangle 77"/>
+          <p:cNvSpPr/>
+          <p:nvPr/>
+        </p:nvSpPr>
+        <p:spPr>
+          <a:xfrm>
+            <a:off x="507561" y="4784539"/>
+            <a:ext cx="180669" cy="170788"/>
+          </a:xfrm>
+          <a:prstGeom prst="triangle">
+            <a:avLst/>
+          </a:prstGeom>
+          <a:solidFill>
+            <a:schemeClr val="tx1">
+              <a:lumMod val="50000"/>
+              <a:lumOff val="50000"/>
+            </a:schemeClr>
+          </a:solidFill>
+          <a:ln w="38100">
+            <a:solidFill>
+              <a:schemeClr val="tx1">
+                <a:lumMod val="50000"/>
+                <a:lumOff val="50000"/>
+              </a:schemeClr>
+            </a:solidFill>
+          </a:ln>
+        </p:spPr>
+        <p:style>
+          <a:lnRef idx="2">
+            <a:schemeClr val="accent1">
+              <a:shade val="50000"/>
+            </a:schemeClr>
+          </a:lnRef>
+          <a:fillRef idx="1">
+            <a:schemeClr val="accent1"/>
+          </a:fillRef>
+          <a:effectRef idx="0">
+            <a:schemeClr val="accent1"/>
+          </a:effectRef>
+          <a:fontRef idx="minor">
+            <a:schemeClr val="lt1"/>
+          </a:fontRef>
+        </p:style>
+        <p:txBody>
+          <a:bodyPr rtlCol="0" anchor="ctr"/>
+          <a:lstStyle/>
+          <a:p>
+            <a:pPr algn="ctr"/>
+            <a:endParaRPr lang="en-US"/>
+          </a:p>
+        </p:txBody>
+      </p:sp>
+      <p:sp>
+        <p:nvSpPr>
+          <p:cNvPr id="80" name="5-Point Star 79"/>
+          <p:cNvSpPr/>
+          <p:nvPr/>
+        </p:nvSpPr>
+        <p:spPr>
+          <a:xfrm>
+            <a:off x="498817" y="5951275"/>
+            <a:ext cx="222222" cy="187270"/>
+          </a:xfrm>
+          <a:prstGeom prst="star5">
+            <a:avLst/>
+          </a:prstGeom>
+          <a:solidFill>
+            <a:schemeClr val="tx1">
+              <a:lumMod val="50000"/>
+              <a:lumOff val="50000"/>
+            </a:schemeClr>
+          </a:solidFill>
+          <a:ln w="28575">
+            <a:solidFill>
+              <a:schemeClr val="tx1">
+                <a:lumMod val="50000"/>
+                <a:lumOff val="50000"/>
+              </a:schemeClr>
+            </a:solidFill>
+          </a:ln>
+        </p:spPr>
+        <p:style>
+          <a:lnRef idx="2">
+            <a:schemeClr val="accent1">
+              <a:shade val="50000"/>
+            </a:schemeClr>
+          </a:lnRef>
+          <a:fillRef idx="1">
+            <a:schemeClr val="accent1"/>
+          </a:fillRef>
+          <a:effectRef idx="0">
+            <a:schemeClr val="accent1"/>
+          </a:effectRef>
+          <a:fontRef idx="minor">
+            <a:schemeClr val="lt1"/>
+          </a:fontRef>
+        </p:style>
+        <p:txBody>
+          <a:bodyPr rtlCol="0" anchor="ctr"/>
+          <a:lstStyle/>
+          <a:p>
+            <a:pPr algn="ctr"/>
+            <a:endParaRPr lang="en-US"/>
+          </a:p>
+        </p:txBody>
+      </p:sp>
+      <p:sp>
+        <p:nvSpPr>
+          <p:cNvPr id="86" name="Diamond 85"/>
+          <p:cNvSpPr/>
+          <p:nvPr/>
+        </p:nvSpPr>
+        <p:spPr>
+          <a:xfrm>
+            <a:off x="3836309" y="5199707"/>
+            <a:ext cx="237744" cy="219456"/>
+          </a:xfrm>
+          <a:prstGeom prst="diamond">
+            <a:avLst/>
+          </a:prstGeom>
+          <a:solidFill>
+            <a:schemeClr val="tx1">
+              <a:lumMod val="50000"/>
+              <a:lumOff val="50000"/>
+            </a:schemeClr>
+          </a:solidFill>
+          <a:ln w="38100">
+            <a:solidFill>
+              <a:schemeClr val="tx1">
+                <a:lumMod val="50000"/>
+                <a:lumOff val="50000"/>
+              </a:schemeClr>
+            </a:solidFill>
+          </a:ln>
+        </p:spPr>
+        <p:style>
+          <a:lnRef idx="2">
+            <a:schemeClr val="accent1">
+              <a:shade val="50000"/>
+            </a:schemeClr>
+          </a:lnRef>
+          <a:fillRef idx="1">
+            <a:schemeClr val="accent1"/>
+          </a:fillRef>
+          <a:effectRef idx="0">
+            <a:schemeClr val="accent1"/>
+          </a:effectRef>
+          <a:fontRef idx="minor">
+            <a:schemeClr val="lt1"/>
+          </a:fontRef>
+        </p:style>
+        <p:txBody>
+          <a:bodyPr rtlCol="0" anchor="ctr"/>
+          <a:lstStyle/>
+          <a:p>
+            <a:pPr algn="ctr"/>
+            <a:endParaRPr lang="en-US"/>
+          </a:p>
+        </p:txBody>
+      </p:sp>
+      <p:sp>
+        <p:nvSpPr>
+          <p:cNvPr id="87" name="Rectangle 86"/>
+          <p:cNvSpPr/>
+          <p:nvPr/>
+        </p:nvSpPr>
+        <p:spPr>
+          <a:xfrm>
+            <a:off x="4766187" y="5332690"/>
+            <a:ext cx="164592" cy="153690"/>
+          </a:xfrm>
+          <a:prstGeom prst="rect">
+            <a:avLst/>
+          </a:prstGeom>
+          <a:solidFill>
+            <a:schemeClr val="tx1">
+              <a:lumMod val="50000"/>
+              <a:lumOff val="50000"/>
+            </a:schemeClr>
+          </a:solidFill>
+          <a:ln w="38100">
+            <a:solidFill>
+              <a:schemeClr val="tx1">
+                <a:lumMod val="50000"/>
+                <a:lumOff val="50000"/>
+              </a:schemeClr>
+            </a:solidFill>
+          </a:ln>
+        </p:spPr>
+        <p:style>
+          <a:lnRef idx="2">
+            <a:schemeClr val="accent1">
+              <a:shade val="50000"/>
+            </a:schemeClr>
+          </a:lnRef>
+          <a:fillRef idx="1">
+            <a:schemeClr val="accent1"/>
+          </a:fillRef>
+          <a:effectRef idx="0">
+            <a:schemeClr val="accent1"/>
+          </a:effectRef>
+          <a:fontRef idx="minor">
+            <a:schemeClr val="lt1"/>
+          </a:fontRef>
+        </p:style>
+        <p:txBody>
+          <a:bodyPr rtlCol="0" anchor="ctr"/>
+          <a:lstStyle/>
+          <a:p>
+            <a:pPr algn="ctr"/>
+            <a:endParaRPr lang="en-US"/>
+          </a:p>
+        </p:txBody>
+      </p:sp>
+      <p:sp>
+        <p:nvSpPr>
+          <p:cNvPr id="88" name="Oval 87"/>
+          <p:cNvSpPr/>
+          <p:nvPr/>
+        </p:nvSpPr>
+        <p:spPr>
+          <a:xfrm>
+            <a:off x="4678961" y="4761247"/>
+            <a:ext cx="174451" cy="183765"/>
+          </a:xfrm>
+          <a:prstGeom prst="ellipse">
+            <a:avLst/>
+          </a:prstGeom>
+          <a:solidFill>
+            <a:schemeClr val="tx1">
+              <a:lumMod val="50000"/>
+              <a:lumOff val="50000"/>
+            </a:schemeClr>
+          </a:solidFill>
+          <a:ln w="38100">
+            <a:solidFill>
+              <a:schemeClr val="tx1">
+                <a:lumMod val="50000"/>
+                <a:lumOff val="50000"/>
+              </a:schemeClr>
+            </a:solidFill>
+          </a:ln>
+        </p:spPr>
+        <p:style>
+          <a:lnRef idx="2">
+            <a:schemeClr val="accent1">
+              <a:shade val="50000"/>
+            </a:schemeClr>
+          </a:lnRef>
+          <a:fillRef idx="1">
+            <a:schemeClr val="accent1"/>
+          </a:fillRef>
+          <a:effectRef idx="0">
+            <a:schemeClr val="accent1"/>
+          </a:effectRef>
+          <a:fontRef idx="minor">
+            <a:schemeClr val="lt1"/>
+          </a:fontRef>
+        </p:style>
+        <p:txBody>
+          <a:bodyPr rtlCol="0" anchor="ctr"/>
+          <a:lstStyle/>
+          <a:p>
+            <a:pPr algn="ctr"/>
+            <a:endParaRPr lang="en-US"/>
+          </a:p>
+        </p:txBody>
+      </p:sp>
+      <p:sp>
+        <p:nvSpPr>
+          <p:cNvPr id="89" name="Isosceles Triangle 88"/>
+          <p:cNvSpPr/>
+          <p:nvPr/>
+        </p:nvSpPr>
+        <p:spPr>
+          <a:xfrm>
+            <a:off x="3174234" y="4741040"/>
+            <a:ext cx="180669" cy="170788"/>
+          </a:xfrm>
+          <a:prstGeom prst="triangle">
+            <a:avLst/>
+          </a:prstGeom>
+          <a:solidFill>
+            <a:schemeClr val="tx1">
+              <a:lumMod val="50000"/>
+              <a:lumOff val="50000"/>
+            </a:schemeClr>
+          </a:solidFill>
+          <a:ln w="38100">
+            <a:solidFill>
+              <a:schemeClr val="tx1">
+                <a:lumMod val="50000"/>
+                <a:lumOff val="50000"/>
+              </a:schemeClr>
+            </a:solidFill>
+          </a:ln>
+        </p:spPr>
+        <p:style>
+          <a:lnRef idx="2">
+            <a:schemeClr val="accent1">
+              <a:shade val="50000"/>
+            </a:schemeClr>
+          </a:lnRef>
+          <a:fillRef idx="1">
+            <a:schemeClr val="accent1"/>
+          </a:fillRef>
+          <a:effectRef idx="0">
+            <a:schemeClr val="accent1"/>
+          </a:effectRef>
+          <a:fontRef idx="minor">
+            <a:schemeClr val="lt1"/>
+          </a:fontRef>
+        </p:style>
+        <p:txBody>
+          <a:bodyPr rtlCol="0" anchor="ctr"/>
+          <a:lstStyle/>
+          <a:p>
+            <a:pPr algn="ctr"/>
+            <a:endParaRPr lang="en-US"/>
+          </a:p>
+        </p:txBody>
+      </p:sp>
+      <p:sp>
+        <p:nvSpPr>
+          <p:cNvPr id="90" name="5-Point Star 89"/>
+          <p:cNvSpPr/>
+          <p:nvPr/>
+        </p:nvSpPr>
+        <p:spPr>
+          <a:xfrm>
+            <a:off x="3165490" y="5907776"/>
+            <a:ext cx="222222" cy="187270"/>
+          </a:xfrm>
+          <a:prstGeom prst="star5">
+            <a:avLst/>
+          </a:prstGeom>
+          <a:solidFill>
+            <a:schemeClr val="tx1">
+              <a:lumMod val="50000"/>
+              <a:lumOff val="50000"/>
+            </a:schemeClr>
+          </a:solidFill>
+          <a:ln w="28575">
+            <a:solidFill>
+              <a:schemeClr val="tx1">
+                <a:lumMod val="50000"/>
+                <a:lumOff val="50000"/>
+              </a:schemeClr>
+            </a:solidFill>
+          </a:ln>
+        </p:spPr>
+        <p:style>
+          <a:lnRef idx="2">
+            <a:schemeClr val="accent1">
+              <a:shade val="50000"/>
+            </a:schemeClr>
+          </a:lnRef>
+          <a:fillRef idx="1">
+            <a:schemeClr val="accent1"/>
+          </a:fillRef>
+          <a:effectRef idx="0">
+            <a:schemeClr val="accent1"/>
+          </a:effectRef>
+          <a:fontRef idx="minor">
+            <a:schemeClr val="lt1"/>
+          </a:fontRef>
+        </p:style>
+        <p:txBody>
+          <a:bodyPr rtlCol="0" anchor="ctr"/>
+          <a:lstStyle/>
+          <a:p>
+            <a:pPr algn="ctr"/>
+            <a:endParaRPr lang="en-US"/>
+          </a:p>
+        </p:txBody>
+      </p:sp>
+      <p:sp>
+        <p:nvSpPr>
+          <p:cNvPr id="16" name="Cross 15"/>
+          <p:cNvSpPr/>
+          <p:nvPr/>
+        </p:nvSpPr>
+        <p:spPr>
+          <a:xfrm>
+            <a:off x="1845356" y="5761010"/>
+            <a:ext cx="254081" cy="229821"/>
+          </a:xfrm>
+          <a:prstGeom prst="plus">
+            <a:avLst/>
+          </a:prstGeom>
+          <a:noFill/>
+          <a:ln w="38100">
+            <a:solidFill>
+              <a:schemeClr val="tx1">
+                <a:lumMod val="50000"/>
+                <a:lumOff val="50000"/>
+              </a:schemeClr>
+            </a:solidFill>
+          </a:ln>
+        </p:spPr>
+        <p:style>
+          <a:lnRef idx="2">
+            <a:schemeClr val="accent1">
+              <a:shade val="50000"/>
+            </a:schemeClr>
+          </a:lnRef>
+          <a:fillRef idx="1">
+            <a:schemeClr val="accent1"/>
+          </a:fillRef>
+          <a:effectRef idx="0">
+            <a:schemeClr val="accent1"/>
+          </a:effectRef>
+          <a:fontRef idx="minor">
+            <a:schemeClr val="lt1"/>
+          </a:fontRef>
+        </p:style>
+        <p:txBody>
+          <a:bodyPr rtlCol="0" anchor="ctr"/>
+          <a:lstStyle/>
+          <a:p>
+            <a:pPr algn="ctr"/>
+            <a:endParaRPr lang="en-US"/>
+          </a:p>
+        </p:txBody>
+      </p:sp>
+      <p:sp>
+        <p:nvSpPr>
+          <p:cNvPr id="17" name="Right Triangle 16"/>
+          <p:cNvSpPr/>
+          <p:nvPr/>
+        </p:nvSpPr>
+        <p:spPr>
+          <a:xfrm>
+            <a:off x="627134" y="5483885"/>
+            <a:ext cx="212183" cy="184569"/>
+          </a:xfrm>
+          <a:prstGeom prst="rtTriangle">
+            <a:avLst/>
+          </a:prstGeom>
+          <a:noFill/>
+          <a:ln w="38100">
+            <a:solidFill>
+              <a:schemeClr val="tx1">
+                <a:lumMod val="50000"/>
+                <a:lumOff val="50000"/>
+              </a:schemeClr>
+            </a:solidFill>
+          </a:ln>
+        </p:spPr>
+        <p:style>
+          <a:lnRef idx="2">
+            <a:schemeClr val="accent1">
+              <a:shade val="50000"/>
+            </a:schemeClr>
+          </a:lnRef>
+          <a:fillRef idx="1">
+            <a:schemeClr val="accent1"/>
+          </a:fillRef>
+          <a:effectRef idx="0">
+            <a:schemeClr val="accent1"/>
+          </a:effectRef>
+          <a:fontRef idx="minor">
+            <a:schemeClr val="lt1"/>
+          </a:fontRef>
+        </p:style>
+        <p:txBody>
+          <a:bodyPr rtlCol="0" anchor="ctr"/>
+          <a:lstStyle/>
+          <a:p>
+            <a:pPr algn="ctr"/>
+            <a:endParaRPr lang="en-US"/>
+          </a:p>
+        </p:txBody>
+      </p:sp>
+      <p:sp>
+        <p:nvSpPr>
+          <p:cNvPr id="18" name="Parallelogram 17"/>
+          <p:cNvSpPr/>
+          <p:nvPr/>
+        </p:nvSpPr>
+        <p:spPr>
+          <a:xfrm>
+            <a:off x="1008120" y="4908770"/>
+            <a:ext cx="281363" cy="160133"/>
+          </a:xfrm>
+          <a:prstGeom prst="parallelogram">
+            <a:avLst/>
+          </a:prstGeom>
+          <a:noFill/>
+          <a:ln w="38100">
+            <a:solidFill>
+              <a:schemeClr val="tx1">
+                <a:lumMod val="50000"/>
+                <a:lumOff val="50000"/>
+              </a:schemeClr>
+            </a:solidFill>
+          </a:ln>
+        </p:spPr>
+        <p:style>
+          <a:lnRef idx="2">
+            <a:schemeClr val="accent1">
+              <a:shade val="50000"/>
+            </a:schemeClr>
+          </a:lnRef>
+          <a:fillRef idx="1">
+            <a:schemeClr val="accent1"/>
+          </a:fillRef>
+          <a:effectRef idx="0">
+            <a:schemeClr val="accent1"/>
+          </a:effectRef>
+          <a:fontRef idx="minor">
+            <a:schemeClr val="lt1"/>
+          </a:fontRef>
+        </p:style>
+        <p:txBody>
+          <a:bodyPr rtlCol="0" anchor="ctr"/>
+          <a:lstStyle/>
+          <a:p>
+            <a:pPr algn="ctr"/>
+            <a:endParaRPr lang="en-US"/>
+          </a:p>
+        </p:txBody>
+      </p:sp>
+      <p:sp>
+        <p:nvSpPr>
+          <p:cNvPr id="19" name="Hexagon 18"/>
+          <p:cNvSpPr/>
+          <p:nvPr/>
+        </p:nvSpPr>
+        <p:spPr>
+          <a:xfrm>
+            <a:off x="3943503" y="4797572"/>
+            <a:ext cx="237744" cy="216145"/>
+          </a:xfrm>
+          <a:prstGeom prst="hexagon">
+            <a:avLst/>
+          </a:prstGeom>
+          <a:noFill/>
+          <a:ln w="38100">
+            <a:solidFill>
+              <a:schemeClr val="tx1">
+                <a:lumMod val="50000"/>
+                <a:lumOff val="50000"/>
+              </a:schemeClr>
+            </a:solidFill>
+          </a:ln>
+        </p:spPr>
+        <p:style>
+          <a:lnRef idx="2">
+            <a:schemeClr val="accent1">
+              <a:shade val="50000"/>
+            </a:schemeClr>
+          </a:lnRef>
+          <a:fillRef idx="1">
+            <a:schemeClr val="accent1"/>
+          </a:fillRef>
+          <a:effectRef idx="0">
+            <a:schemeClr val="accent1"/>
+          </a:effectRef>
+          <a:fontRef idx="minor">
+            <a:schemeClr val="lt1"/>
+          </a:fontRef>
+        </p:style>
+        <p:txBody>
+          <a:bodyPr rtlCol="0" anchor="ctr"/>
+          <a:lstStyle/>
+          <a:p>
+            <a:pPr algn="ctr"/>
+            <a:endParaRPr lang="en-US"/>
+          </a:p>
+        </p:txBody>
+      </p:sp>
+      <p:sp>
+        <p:nvSpPr>
+          <p:cNvPr id="20" name="Moon 19"/>
+          <p:cNvSpPr/>
+          <p:nvPr/>
+        </p:nvSpPr>
+        <p:spPr>
+          <a:xfrm>
+            <a:off x="3228240" y="5293043"/>
+            <a:ext cx="118578" cy="175637"/>
+          </a:xfrm>
+          <a:prstGeom prst="moon">
+            <a:avLst/>
+          </a:prstGeom>
+          <a:noFill/>
+          <a:ln w="28575">
+            <a:solidFill>
+              <a:schemeClr val="tx1">
+                <a:lumMod val="50000"/>
+                <a:lumOff val="50000"/>
+              </a:schemeClr>
+            </a:solidFill>
+          </a:ln>
+        </p:spPr>
+        <p:style>
+          <a:lnRef idx="2">
+            <a:schemeClr val="accent1">
+              <a:shade val="50000"/>
+            </a:schemeClr>
+          </a:lnRef>
+          <a:fillRef idx="1">
+            <a:schemeClr val="accent1"/>
+          </a:fillRef>
+          <a:effectRef idx="0">
+            <a:schemeClr val="accent1"/>
+          </a:effectRef>
+          <a:fontRef idx="minor">
+            <a:schemeClr val="lt1"/>
+          </a:fontRef>
+        </p:style>
+        <p:txBody>
+          <a:bodyPr rtlCol="0" anchor="ctr"/>
+          <a:lstStyle/>
+          <a:p>
+            <a:pPr algn="ctr"/>
+            <a:endParaRPr lang="en-US"/>
+          </a:p>
+        </p:txBody>
+      </p:sp>
+      <p:sp>
+        <p:nvSpPr>
+          <p:cNvPr id="21" name="Trapezoid 20"/>
+          <p:cNvSpPr/>
+          <p:nvPr/>
+        </p:nvSpPr>
+        <p:spPr>
+          <a:xfrm>
+            <a:off x="4254205" y="5868816"/>
+            <a:ext cx="240145" cy="183385"/>
+          </a:xfrm>
+          <a:prstGeom prst="trapezoid">
+            <a:avLst/>
+          </a:prstGeom>
+          <a:noFill/>
+          <a:ln w="38100">
+            <a:solidFill>
+              <a:schemeClr val="tx1">
+                <a:lumMod val="50000"/>
+                <a:lumOff val="50000"/>
+              </a:schemeClr>
+            </a:solidFill>
+          </a:ln>
+        </p:spPr>
+        <p:style>
+          <a:lnRef idx="2">
+            <a:schemeClr val="accent1">
+              <a:shade val="50000"/>
+            </a:schemeClr>
+          </a:lnRef>
+          <a:fillRef idx="1">
+            <a:schemeClr val="accent1"/>
+          </a:fillRef>
+          <a:effectRef idx="0">
+            <a:schemeClr val="accent1"/>
+          </a:effectRef>
+          <a:fontRef idx="minor">
+            <a:schemeClr val="lt1"/>
+          </a:fontRef>
+        </p:style>
+        <p:txBody>
+          <a:bodyPr rtlCol="0" anchor="ctr"/>
+          <a:lstStyle/>
+          <a:p>
+            <a:pPr algn="ctr"/>
+            <a:endParaRPr lang="en-US"/>
+          </a:p>
+        </p:txBody>
+      </p:sp>
+      <p:pic>
+        <p:nvPicPr>
+          <p:cNvPr id="3" name="Picture 2"/>
+          <p:cNvPicPr>
+            <a:picLocks noChangeAspect="1"/>
+          </p:cNvPicPr>
+          <p:nvPr/>
+        </p:nvPicPr>
+        <p:blipFill>
+          <a:blip r:embed="rId3"/>
+          <a:stretch>
+            <a:fillRect/>
+          </a:stretch>
+        </p:blipFill>
+        <p:spPr>
+          <a:xfrm>
+            <a:off x="2903627" y="297019"/>
+            <a:ext cx="2495356" cy="1650400"/>
+          </a:xfrm>
+          <a:prstGeom prst="rect">
+            <a:avLst/>
+          </a:prstGeom>
+        </p:spPr>
+      </p:pic>
+      <p:sp>
+        <p:nvSpPr>
+          <p:cNvPr id="64" name="Rectangle 63"/>
+          <p:cNvSpPr/>
+          <p:nvPr/>
+        </p:nvSpPr>
+        <p:spPr>
+          <a:xfrm>
+            <a:off x="184721" y="2278920"/>
+            <a:ext cx="1277474" cy="1069826"/>
+          </a:xfrm>
+          <a:prstGeom prst="rect">
+            <a:avLst/>
+          </a:prstGeom>
+          <a:noFill/>
+          <a:ln w="6350">
+            <a:solidFill>
+              <a:schemeClr val="tx1"/>
+            </a:solidFill>
+          </a:ln>
+        </p:spPr>
+        <p:style>
+          <a:lnRef idx="2">
+            <a:schemeClr val="accent1">
+              <a:shade val="50000"/>
+            </a:schemeClr>
+          </a:lnRef>
+          <a:fillRef idx="1">
+            <a:schemeClr val="accent1"/>
+          </a:fillRef>
+          <a:effectRef idx="0">
+            <a:schemeClr val="accent1"/>
+          </a:effectRef>
+          <a:fontRef idx="minor">
+            <a:schemeClr val="lt1"/>
+          </a:fontRef>
+        </p:style>
+        <p:txBody>
+          <a:bodyPr rtlCol="0" anchor="ctr"/>
+          <a:lstStyle/>
+          <a:p>
+            <a:pPr algn="ctr"/>
+            <a:endParaRPr lang="en-US"/>
+          </a:p>
+        </p:txBody>
+      </p:sp>
+      <p:sp>
+        <p:nvSpPr>
+          <p:cNvPr id="65" name="Rectangle 64"/>
+          <p:cNvSpPr/>
+          <p:nvPr/>
+        </p:nvSpPr>
+        <p:spPr>
+          <a:xfrm>
+            <a:off x="2832704" y="2292332"/>
+            <a:ext cx="2567210" cy="2136065"/>
+          </a:xfrm>
+          <a:prstGeom prst="rect">
+            <a:avLst/>
+          </a:prstGeom>
+          <a:noFill/>
+          <a:ln>
+            <a:solidFill>
+              <a:schemeClr val="tx1"/>
+            </a:solidFill>
+          </a:ln>
+        </p:spPr>
+        <p:style>
+          <a:lnRef idx="2">
+            <a:schemeClr val="accent1">
+              <a:shade val="50000"/>
+            </a:schemeClr>
+          </a:lnRef>
+          <a:fillRef idx="1">
+            <a:schemeClr val="accent1"/>
+          </a:fillRef>
+          <a:effectRef idx="0">
+            <a:schemeClr val="accent1"/>
+          </a:effectRef>
+          <a:fontRef idx="minor">
+            <a:schemeClr val="lt1"/>
+          </a:fontRef>
+        </p:style>
+        <p:txBody>
+          <a:bodyPr rtlCol="0" anchor="ctr"/>
+          <a:lstStyle/>
+          <a:p>
+            <a:pPr algn="ctr"/>
+            <a:endParaRPr lang="en-US"/>
+          </a:p>
+        </p:txBody>
+      </p:sp>
+      <p:sp>
+        <p:nvSpPr>
+          <p:cNvPr id="66" name="Flowchart: Connector 65"/>
+          <p:cNvSpPr/>
+          <p:nvPr/>
+        </p:nvSpPr>
+        <p:spPr>
+          <a:xfrm>
+            <a:off x="3356632" y="2968970"/>
+            <a:ext cx="45719" cy="45719"/>
+          </a:xfrm>
+          <a:prstGeom prst="flowChartConnector">
+            <a:avLst/>
+          </a:prstGeom>
+          <a:solidFill>
+            <a:schemeClr val="tx1"/>
+          </a:solidFill>
+          <a:ln>
+            <a:solidFill>
+              <a:schemeClr val="tx1"/>
+            </a:solidFill>
+          </a:ln>
+        </p:spPr>
+        <p:style>
+          <a:lnRef idx="2">
+            <a:schemeClr val="accent1">
+              <a:shade val="50000"/>
+            </a:schemeClr>
+          </a:lnRef>
+          <a:fillRef idx="1">
+            <a:schemeClr val="accent1"/>
+          </a:fillRef>
+          <a:effectRef idx="0">
+            <a:schemeClr val="accent1"/>
+          </a:effectRef>
+          <a:fontRef idx="minor">
+            <a:schemeClr val="lt1"/>
+          </a:fontRef>
+        </p:style>
+        <p:txBody>
+          <a:bodyPr rtlCol="0" anchor="ctr"/>
+          <a:lstStyle/>
+          <a:p>
+            <a:pPr algn="ctr"/>
+            <a:endParaRPr lang="en-US"/>
+          </a:p>
+        </p:txBody>
+      </p:sp>
+      <p:sp>
+        <p:nvSpPr>
+          <p:cNvPr id="67" name="Flowchart: Connector 66"/>
+          <p:cNvSpPr/>
+          <p:nvPr/>
+        </p:nvSpPr>
+        <p:spPr>
+          <a:xfrm>
+            <a:off x="3356632" y="3879559"/>
+            <a:ext cx="45719" cy="45719"/>
+          </a:xfrm>
+          <a:prstGeom prst="flowChartConnector">
+            <a:avLst/>
+          </a:prstGeom>
+          <a:solidFill>
+            <a:schemeClr val="tx1"/>
+          </a:solidFill>
+          <a:ln>
+            <a:solidFill>
+              <a:schemeClr val="tx1"/>
+            </a:solidFill>
+          </a:ln>
+        </p:spPr>
+        <p:style>
+          <a:lnRef idx="2">
+            <a:schemeClr val="accent1">
+              <a:shade val="50000"/>
+            </a:schemeClr>
+          </a:lnRef>
+          <a:fillRef idx="1">
+            <a:schemeClr val="accent1"/>
+          </a:fillRef>
+          <a:effectRef idx="0">
+            <a:schemeClr val="accent1"/>
+          </a:effectRef>
+          <a:fontRef idx="minor">
+            <a:schemeClr val="lt1"/>
+          </a:fontRef>
+        </p:style>
+        <p:txBody>
+          <a:bodyPr rtlCol="0" anchor="ctr"/>
+          <a:lstStyle/>
+          <a:p>
+            <a:pPr algn="ctr"/>
+            <a:endParaRPr lang="en-US"/>
+          </a:p>
+        </p:txBody>
+      </p:sp>
+      <p:sp>
+        <p:nvSpPr>
+          <p:cNvPr id="68" name="Flowchart: Connector 67"/>
+          <p:cNvSpPr/>
+          <p:nvPr/>
+        </p:nvSpPr>
+        <p:spPr>
+          <a:xfrm>
+            <a:off x="5163301" y="2487815"/>
+            <a:ext cx="45719" cy="45719"/>
+          </a:xfrm>
+          <a:prstGeom prst="flowChartConnector">
+            <a:avLst/>
+          </a:prstGeom>
+          <a:solidFill>
+            <a:schemeClr val="tx1"/>
+          </a:solidFill>
+          <a:ln>
+            <a:solidFill>
+              <a:schemeClr val="tx1"/>
+            </a:solidFill>
+          </a:ln>
+        </p:spPr>
+        <p:style>
+          <a:lnRef idx="2">
+            <a:schemeClr val="accent1">
+              <a:shade val="50000"/>
+            </a:schemeClr>
+          </a:lnRef>
+          <a:fillRef idx="1">
+            <a:schemeClr val="accent1"/>
+          </a:fillRef>
+          <a:effectRef idx="0">
+            <a:schemeClr val="accent1"/>
+          </a:effectRef>
+          <a:fontRef idx="minor">
+            <a:schemeClr val="lt1"/>
+          </a:fontRef>
+        </p:style>
+        <p:txBody>
+          <a:bodyPr rtlCol="0" anchor="ctr"/>
+          <a:lstStyle/>
+          <a:p>
+            <a:pPr algn="ctr"/>
+            <a:endParaRPr lang="en-US"/>
+          </a:p>
+        </p:txBody>
+      </p:sp>
+      <p:sp>
+        <p:nvSpPr>
+          <p:cNvPr id="76" name="TextBox 75"/>
           <p:cNvSpPr txBox="1"/>
           <p:nvPr/>
         </p:nvSpPr>
         <p:spPr>
           <a:xfrm>
-            <a:off x="1179596" y="4209058"/>
+            <a:off x="3836309" y="4212777"/>
             <a:ext cx="695858" cy="246221"/>
           </a:xfrm>
           <a:prstGeom prst="rect">
@@ -5713,13 +7948,13 @@
       </p:sp>
       <p:sp>
         <p:nvSpPr>
-          <p:cNvPr id="55" name="TextBox 54"/>
+          <p:cNvPr id="77" name="TextBox 76"/>
           <p:cNvSpPr txBox="1"/>
           <p:nvPr/>
         </p:nvSpPr>
         <p:spPr>
           <a:xfrm rot="16200000">
-            <a:off x="-118993" y="3275895"/>
+            <a:off x="2537720" y="3279614"/>
             <a:ext cx="848822" cy="246221"/>
           </a:xfrm>
           <a:prstGeom prst="rect">
@@ -5743,13 +7978,13 @@
       </p:sp>
       <p:cxnSp>
         <p:nvCxnSpPr>
-          <p:cNvPr id="58" name="Straight Connector 57"/>
+          <p:cNvPr id="79" name="Straight Connector 78"/>
           <p:cNvCxnSpPr/>
           <p:nvPr/>
         </p:nvCxnSpPr>
         <p:spPr>
           <a:xfrm flipV="1">
-            <a:off x="588955" y="2620002"/>
+            <a:off x="3471390" y="2539294"/>
             <a:ext cx="1679579" cy="1328597"/>
           </a:xfrm>
           <a:prstGeom prst="line">
@@ -5779,13 +8014,13 @@
       </p:cxnSp>
       <p:cxnSp>
         <p:nvCxnSpPr>
-          <p:cNvPr id="60" name="Straight Connector 59"/>
+          <p:cNvPr id="82" name="Straight Connector 81"/>
           <p:cNvCxnSpPr/>
           <p:nvPr/>
         </p:nvCxnSpPr>
         <p:spPr>
           <a:xfrm flipV="1">
-            <a:off x="562646" y="2615284"/>
+            <a:off x="3445081" y="2534576"/>
             <a:ext cx="1691612" cy="454150"/>
           </a:xfrm>
           <a:prstGeom prst="line">
@@ -5796,87 +8031,6 @@
               <a:schemeClr val="tx1"/>
             </a:solidFill>
             <a:prstDash val="dash"/>
-          </a:ln>
-        </p:spPr>
-        <p:style>
-          <a:lnRef idx="1">
-            <a:schemeClr val="accent1"/>
-          </a:lnRef>
-          <a:fillRef idx="0">
-            <a:schemeClr val="accent1"/>
-          </a:fillRef>
-          <a:effectRef idx="0">
-            <a:schemeClr val="accent1"/>
-          </a:effectRef>
-          <a:fontRef idx="minor">
-            <a:schemeClr val="tx1"/>
-          </a:fontRef>
-        </p:style>
-      </p:cxnSp>
-      <p:sp>
-        <p:nvSpPr>
-          <p:cNvPr id="81" name="Rectangle 80"/>
-          <p:cNvSpPr/>
-          <p:nvPr/>
-        </p:nvSpPr>
-        <p:spPr>
-          <a:xfrm>
-            <a:off x="2840738" y="3359851"/>
-            <a:ext cx="1272043" cy="1067365"/>
-          </a:xfrm>
-          <a:prstGeom prst="rect">
-            <a:avLst/>
-          </a:prstGeom>
-          <a:noFill/>
-          <a:ln w="38100">
-            <a:solidFill>
-              <a:schemeClr val="tx1"/>
-            </a:solidFill>
-          </a:ln>
-        </p:spPr>
-        <p:style>
-          <a:lnRef idx="2">
-            <a:schemeClr val="accent1">
-              <a:shade val="50000"/>
-            </a:schemeClr>
-          </a:lnRef>
-          <a:fillRef idx="1">
-            <a:schemeClr val="accent1"/>
-          </a:fillRef>
-          <a:effectRef idx="0">
-            <a:schemeClr val="accent1"/>
-          </a:effectRef>
-          <a:fontRef idx="minor">
-            <a:schemeClr val="lt1"/>
-          </a:fontRef>
-        </p:style>
-        <p:txBody>
-          <a:bodyPr rtlCol="0" anchor="ctr"/>
-          <a:lstStyle/>
-          <a:p>
-            <a:pPr algn="ctr"/>
-            <a:endParaRPr lang="en-US"/>
-          </a:p>
-        </p:txBody>
-      </p:sp>
-      <p:cxnSp>
-        <p:nvCxnSpPr>
-          <p:cNvPr id="11" name="Straight Connector 10"/>
-          <p:cNvCxnSpPr/>
-          <p:nvPr/>
-        </p:nvCxnSpPr>
-        <p:spPr>
-          <a:xfrm>
-            <a:off x="406498" y="2436439"/>
-            <a:ext cx="0" cy="1796087"/>
-          </a:xfrm>
-          <a:prstGeom prst="line">
-            <a:avLst/>
-          </a:prstGeom>
-          <a:ln>
-            <a:solidFill>
-              <a:schemeClr val="tx1"/>
-            </a:solidFill>
           </a:ln>
         </p:spPr>
         <p:style>
@@ -5896,14 +8050,14 @@
       </p:cxnSp>
       <p:cxnSp>
         <p:nvCxnSpPr>
-          <p:cNvPr id="98" name="Straight Connector 97"/>
+          <p:cNvPr id="83" name="Straight Connector 82"/>
           <p:cNvCxnSpPr/>
           <p:nvPr/>
         </p:nvCxnSpPr>
         <p:spPr>
-          <a:xfrm flipH="1">
-            <a:off x="406497" y="4236193"/>
-            <a:ext cx="2170131" cy="2828"/>
+          <a:xfrm>
+            <a:off x="3063211" y="2440158"/>
+            <a:ext cx="0" cy="1796087"/>
           </a:xfrm>
           <a:prstGeom prst="line">
             <a:avLst/>
@@ -5929,107 +8083,50 @@
           </a:fontRef>
         </p:style>
       </p:cxnSp>
-      <p:sp>
-        <p:nvSpPr>
-          <p:cNvPr id="100" name="Rectangle 99"/>
-          <p:cNvSpPr/>
+      <p:cxnSp>
+        <p:nvCxnSpPr>
+          <p:cNvPr id="84" name="Straight Connector 83"/>
+          <p:cNvCxnSpPr/>
           <p:nvPr/>
-        </p:nvSpPr>
-        <p:spPr>
-          <a:xfrm>
-            <a:off x="4126942" y="2288613"/>
-            <a:ext cx="1277474" cy="1069826"/>
-          </a:xfrm>
-          <a:prstGeom prst="rect">
+        </p:nvCxnSpPr>
+        <p:spPr>
+          <a:xfrm flipH="1">
+            <a:off x="3063210" y="4239912"/>
+            <a:ext cx="2170131" cy="2828"/>
+          </a:xfrm>
+          <a:prstGeom prst="line">
             <a:avLst/>
           </a:prstGeom>
-          <a:noFill/>
-          <a:ln w="6350">
+          <a:ln>
             <a:solidFill>
               <a:schemeClr val="tx1"/>
             </a:solidFill>
           </a:ln>
         </p:spPr>
         <p:style>
-          <a:lnRef idx="2">
-            <a:schemeClr val="accent1">
-              <a:shade val="50000"/>
-            </a:schemeClr>
+          <a:lnRef idx="1">
+            <a:schemeClr val="accent1"/>
           </a:lnRef>
-          <a:fillRef idx="1">
+          <a:fillRef idx="0">
             <a:schemeClr val="accent1"/>
           </a:fillRef>
           <a:effectRef idx="0">
             <a:schemeClr val="accent1"/>
           </a:effectRef>
           <a:fontRef idx="minor">
-            <a:schemeClr val="lt1"/>
+            <a:schemeClr val="tx1"/>
           </a:fontRef>
         </p:style>
-        <p:txBody>
-          <a:bodyPr rtlCol="0" anchor="ctr"/>
-          <a:lstStyle/>
-          <a:p>
-            <a:pPr algn="ctr"/>
-            <a:endParaRPr lang="en-US"/>
-          </a:p>
-        </p:txBody>
-      </p:sp>
-      <p:sp>
-        <p:nvSpPr>
-          <p:cNvPr id="102" name="Rectangle 101"/>
-          <p:cNvSpPr/>
-          <p:nvPr/>
-        </p:nvSpPr>
-        <p:spPr>
-          <a:xfrm>
-            <a:off x="4126942" y="3358265"/>
-            <a:ext cx="1277474" cy="1068919"/>
-          </a:xfrm>
-          <a:prstGeom prst="rect">
-            <a:avLst/>
-          </a:prstGeom>
-          <a:noFill/>
-          <a:ln w="6350">
-            <a:solidFill>
-              <a:schemeClr val="tx1"/>
-            </a:solidFill>
-          </a:ln>
-        </p:spPr>
-        <p:style>
-          <a:lnRef idx="2">
-            <a:schemeClr val="accent1">
-              <a:shade val="50000"/>
-            </a:schemeClr>
-          </a:lnRef>
-          <a:fillRef idx="1">
-            <a:schemeClr val="accent1"/>
-          </a:fillRef>
-          <a:effectRef idx="0">
-            <a:schemeClr val="accent1"/>
-          </a:effectRef>
-          <a:fontRef idx="minor">
-            <a:schemeClr val="lt1"/>
-          </a:fontRef>
-        </p:style>
-        <p:txBody>
-          <a:bodyPr rtlCol="0" anchor="ctr"/>
-          <a:lstStyle/>
-          <a:p>
-            <a:pPr algn="ctr"/>
-            <a:endParaRPr lang="en-US"/>
-          </a:p>
-        </p:txBody>
-      </p:sp>
-      <p:sp>
-        <p:nvSpPr>
-          <p:cNvPr id="131" name="TextBox 130"/>
+      </p:cxnSp>
+      <p:sp>
+        <p:nvSpPr>
+          <p:cNvPr id="91" name="TextBox 90"/>
           <p:cNvSpPr txBox="1"/>
           <p:nvPr/>
         </p:nvSpPr>
         <p:spPr>
           <a:xfrm rot="20741648">
-            <a:off x="632017" y="2671142"/>
+            <a:off x="3514452" y="2590434"/>
             <a:ext cx="1101852" cy="246221"/>
           </a:xfrm>
           <a:prstGeom prst="rect">
@@ -6053,13 +8150,13 @@
       </p:sp>
       <p:sp>
         <p:nvSpPr>
-          <p:cNvPr id="132" name="TextBox 131"/>
+          <p:cNvPr id="95" name="TextBox 94"/>
           <p:cNvSpPr txBox="1"/>
           <p:nvPr/>
         </p:nvSpPr>
         <p:spPr>
           <a:xfrm rot="19292141">
-            <a:off x="544268" y="3232228"/>
+            <a:off x="3426703" y="3151520"/>
             <a:ext cx="1282191" cy="246221"/>
           </a:xfrm>
           <a:prstGeom prst="rect">
@@ -6081,39 +8178,16 @@
           </a:p>
         </p:txBody>
       </p:sp>
-      <p:pic>
-        <p:nvPicPr>
-          <p:cNvPr id="133" name="Picture 132"/>
-          <p:cNvPicPr>
-            <a:picLocks noChangeAspect="1"/>
-          </p:cNvPicPr>
-          <p:nvPr/>
-        </p:nvPicPr>
-        <p:blipFill rotWithShape="1">
-          <a:blip r:embed="rId2"/>
-          <a:srcRect t="13288" b="5627"/>
-          <a:stretch/>
-        </p:blipFill>
-        <p:spPr>
-          <a:xfrm>
-            <a:off x="268764" y="163711"/>
-            <a:ext cx="2442216" cy="2012270"/>
-          </a:xfrm>
-          <a:prstGeom prst="rect">
-            <a:avLst/>
-          </a:prstGeom>
-        </p:spPr>
-      </p:pic>
-      <p:sp>
-        <p:nvSpPr>
-          <p:cNvPr id="73" name="Diamond 72"/>
+      <p:sp>
+        <p:nvSpPr>
+          <p:cNvPr id="97" name="Diamond 96"/>
           <p:cNvSpPr/>
           <p:nvPr/>
         </p:nvSpPr>
         <p:spPr>
           <a:xfrm>
-            <a:off x="1199734" y="5537050"/>
-            <a:ext cx="237744" cy="219456"/>
+            <a:off x="3271908" y="3940698"/>
+            <a:ext cx="45719" cy="45719"/>
           </a:xfrm>
           <a:prstGeom prst="diamond">
             <a:avLst/>
@@ -6160,68 +8234,14 @@
       </p:sp>
       <p:sp>
         <p:nvSpPr>
-          <p:cNvPr id="74" name="Rectangle 73"/>
+          <p:cNvPr id="99" name="Oval 98"/>
           <p:cNvSpPr/>
           <p:nvPr/>
         </p:nvSpPr>
         <p:spPr>
           <a:xfrm>
-            <a:off x="2084103" y="5348100"/>
-            <a:ext cx="164592" cy="153690"/>
-          </a:xfrm>
-          <a:prstGeom prst="rect">
-            <a:avLst/>
-          </a:prstGeom>
-          <a:solidFill>
-            <a:schemeClr val="tx1">
-              <a:lumMod val="50000"/>
-              <a:lumOff val="50000"/>
-            </a:schemeClr>
-          </a:solidFill>
-          <a:ln w="38100">
-            <a:solidFill>
-              <a:schemeClr val="tx1">
-                <a:lumMod val="50000"/>
-                <a:lumOff val="50000"/>
-              </a:schemeClr>
-            </a:solidFill>
-          </a:ln>
-        </p:spPr>
-        <p:style>
-          <a:lnRef idx="2">
-            <a:schemeClr val="accent1">
-              <a:shade val="50000"/>
-            </a:schemeClr>
-          </a:lnRef>
-          <a:fillRef idx="1">
-            <a:schemeClr val="accent1"/>
-          </a:fillRef>
-          <a:effectRef idx="0">
-            <a:schemeClr val="accent1"/>
-          </a:effectRef>
-          <a:fontRef idx="minor">
-            <a:schemeClr val="lt1"/>
-          </a:fontRef>
-        </p:style>
-        <p:txBody>
-          <a:bodyPr rtlCol="0" anchor="ctr"/>
-          <a:lstStyle/>
-          <a:p>
-            <a:pPr algn="ctr"/>
-            <a:endParaRPr lang="en-US"/>
-          </a:p>
-        </p:txBody>
-      </p:sp>
-      <p:sp>
-        <p:nvSpPr>
-          <p:cNvPr id="75" name="Oval 74"/>
-          <p:cNvSpPr/>
-          <p:nvPr/>
-        </p:nvSpPr>
-        <p:spPr>
-          <a:xfrm>
-            <a:off x="2004561" y="4686983"/>
-            <a:ext cx="174451" cy="183765"/>
+            <a:off x="3416308" y="3964946"/>
+            <a:ext cx="45719" cy="45719"/>
           </a:xfrm>
           <a:prstGeom prst="ellipse">
             <a:avLst/>
@@ -6268,14 +8288,14 @@
       </p:sp>
       <p:sp>
         <p:nvSpPr>
-          <p:cNvPr id="78" name="Isosceles Triangle 77"/>
+          <p:cNvPr id="101" name="Isosceles Triangle 100"/>
           <p:cNvSpPr/>
           <p:nvPr/>
         </p:nvSpPr>
         <p:spPr>
           <a:xfrm>
-            <a:off x="519916" y="4693472"/>
-            <a:ext cx="180669" cy="170788"/>
+            <a:off x="3335320" y="4026928"/>
+            <a:ext cx="45719" cy="45719"/>
           </a:xfrm>
           <a:prstGeom prst="triangle">
             <a:avLst/>
@@ -6322,14 +8342,542 @@
       </p:sp>
       <p:sp>
         <p:nvSpPr>
-          <p:cNvPr id="80" name="5-Point Star 79"/>
+          <p:cNvPr id="105" name="Hexagon 104"/>
           <p:cNvSpPr/>
           <p:nvPr/>
         </p:nvSpPr>
         <p:spPr>
           <a:xfrm>
-            <a:off x="528915" y="6245119"/>
-            <a:ext cx="222222" cy="187270"/>
+            <a:off x="3292527" y="2911045"/>
+            <a:ext cx="70648" cy="57645"/>
+          </a:xfrm>
+          <a:prstGeom prst="hexagon">
+            <a:avLst/>
+          </a:prstGeom>
+          <a:noFill/>
+          <a:ln w="6350">
+            <a:solidFill>
+              <a:schemeClr val="tx1">
+                <a:lumMod val="50000"/>
+                <a:lumOff val="50000"/>
+              </a:schemeClr>
+            </a:solidFill>
+          </a:ln>
+        </p:spPr>
+        <p:style>
+          <a:lnRef idx="2">
+            <a:schemeClr val="accent1">
+              <a:shade val="50000"/>
+            </a:schemeClr>
+          </a:lnRef>
+          <a:fillRef idx="1">
+            <a:schemeClr val="accent1"/>
+          </a:fillRef>
+          <a:effectRef idx="0">
+            <a:schemeClr val="accent1"/>
+          </a:effectRef>
+          <a:fontRef idx="minor">
+            <a:schemeClr val="lt1"/>
+          </a:fontRef>
+        </p:style>
+        <p:txBody>
+          <a:bodyPr rtlCol="0" anchor="ctr"/>
+          <a:lstStyle/>
+          <a:p>
+            <a:pPr algn="ctr"/>
+            <a:endParaRPr lang="en-US"/>
+          </a:p>
+        </p:txBody>
+      </p:sp>
+      <p:sp>
+        <p:nvSpPr>
+          <p:cNvPr id="106" name="Rectangle 105"/>
+          <p:cNvSpPr/>
+          <p:nvPr/>
+        </p:nvSpPr>
+        <p:spPr>
+          <a:xfrm>
+            <a:off x="3397654" y="2894764"/>
+            <a:ext cx="57025" cy="52352"/>
+          </a:xfrm>
+          <a:prstGeom prst="rect">
+            <a:avLst/>
+          </a:prstGeom>
+          <a:noFill/>
+          <a:ln w="6350">
+            <a:solidFill>
+              <a:schemeClr val="tx1">
+                <a:lumMod val="50000"/>
+                <a:lumOff val="50000"/>
+              </a:schemeClr>
+            </a:solidFill>
+          </a:ln>
+        </p:spPr>
+        <p:style>
+          <a:lnRef idx="2">
+            <a:schemeClr val="accent1">
+              <a:shade val="50000"/>
+            </a:schemeClr>
+          </a:lnRef>
+          <a:fillRef idx="1">
+            <a:schemeClr val="accent1"/>
+          </a:fillRef>
+          <a:effectRef idx="0">
+            <a:schemeClr val="accent1"/>
+          </a:effectRef>
+          <a:fontRef idx="minor">
+            <a:schemeClr val="lt1"/>
+          </a:fontRef>
+        </p:style>
+        <p:txBody>
+          <a:bodyPr rtlCol="0" anchor="ctr"/>
+          <a:lstStyle/>
+          <a:p>
+            <a:pPr algn="ctr"/>
+            <a:endParaRPr lang="en-US"/>
+          </a:p>
+        </p:txBody>
+      </p:sp>
+      <p:sp>
+        <p:nvSpPr>
+          <p:cNvPr id="107" name="Diamond 106"/>
+          <p:cNvSpPr/>
+          <p:nvPr/>
+        </p:nvSpPr>
+        <p:spPr>
+          <a:xfrm>
+            <a:off x="3276904" y="3013552"/>
+            <a:ext cx="45719" cy="45719"/>
+          </a:xfrm>
+          <a:prstGeom prst="diamond">
+            <a:avLst/>
+          </a:prstGeom>
+          <a:solidFill>
+            <a:schemeClr val="tx1">
+              <a:lumMod val="50000"/>
+              <a:lumOff val="50000"/>
+            </a:schemeClr>
+          </a:solidFill>
+          <a:ln w="38100">
+            <a:solidFill>
+              <a:schemeClr val="tx1">
+                <a:lumMod val="50000"/>
+                <a:lumOff val="50000"/>
+              </a:schemeClr>
+            </a:solidFill>
+          </a:ln>
+        </p:spPr>
+        <p:style>
+          <a:lnRef idx="2">
+            <a:schemeClr val="accent1">
+              <a:shade val="50000"/>
+            </a:schemeClr>
+          </a:lnRef>
+          <a:fillRef idx="1">
+            <a:schemeClr val="accent1"/>
+          </a:fillRef>
+          <a:effectRef idx="0">
+            <a:schemeClr val="accent1"/>
+          </a:effectRef>
+          <a:fontRef idx="minor">
+            <a:schemeClr val="lt1"/>
+          </a:fontRef>
+        </p:style>
+        <p:txBody>
+          <a:bodyPr rtlCol="0" anchor="ctr"/>
+          <a:lstStyle/>
+          <a:p>
+            <a:pPr algn="ctr"/>
+            <a:endParaRPr lang="en-US"/>
+          </a:p>
+        </p:txBody>
+      </p:sp>
+      <p:sp>
+        <p:nvSpPr>
+          <p:cNvPr id="108" name="Oval 107"/>
+          <p:cNvSpPr/>
+          <p:nvPr/>
+        </p:nvSpPr>
+        <p:spPr>
+          <a:xfrm>
+            <a:off x="3421304" y="3037800"/>
+            <a:ext cx="45719" cy="45719"/>
+          </a:xfrm>
+          <a:prstGeom prst="ellipse">
+            <a:avLst/>
+          </a:prstGeom>
+          <a:solidFill>
+            <a:schemeClr val="tx1">
+              <a:lumMod val="50000"/>
+              <a:lumOff val="50000"/>
+            </a:schemeClr>
+          </a:solidFill>
+          <a:ln w="38100">
+            <a:solidFill>
+              <a:schemeClr val="tx1">
+                <a:lumMod val="50000"/>
+                <a:lumOff val="50000"/>
+              </a:schemeClr>
+            </a:solidFill>
+          </a:ln>
+        </p:spPr>
+        <p:style>
+          <a:lnRef idx="2">
+            <a:schemeClr val="accent1">
+              <a:shade val="50000"/>
+            </a:schemeClr>
+          </a:lnRef>
+          <a:fillRef idx="1">
+            <a:schemeClr val="accent1"/>
+          </a:fillRef>
+          <a:effectRef idx="0">
+            <a:schemeClr val="accent1"/>
+          </a:effectRef>
+          <a:fontRef idx="minor">
+            <a:schemeClr val="lt1"/>
+          </a:fontRef>
+        </p:style>
+        <p:txBody>
+          <a:bodyPr rtlCol="0" anchor="ctr"/>
+          <a:lstStyle/>
+          <a:p>
+            <a:pPr algn="ctr"/>
+            <a:endParaRPr lang="en-US"/>
+          </a:p>
+        </p:txBody>
+      </p:sp>
+      <p:sp>
+        <p:nvSpPr>
+          <p:cNvPr id="109" name="Isosceles Triangle 108"/>
+          <p:cNvSpPr/>
+          <p:nvPr/>
+        </p:nvSpPr>
+        <p:spPr>
+          <a:xfrm>
+            <a:off x="3340316" y="3099782"/>
+            <a:ext cx="45719" cy="45719"/>
+          </a:xfrm>
+          <a:prstGeom prst="triangle">
+            <a:avLst/>
+          </a:prstGeom>
+          <a:solidFill>
+            <a:schemeClr val="tx1">
+              <a:lumMod val="50000"/>
+              <a:lumOff val="50000"/>
+            </a:schemeClr>
+          </a:solidFill>
+          <a:ln w="38100">
+            <a:solidFill>
+              <a:schemeClr val="tx1">
+                <a:lumMod val="50000"/>
+                <a:lumOff val="50000"/>
+              </a:schemeClr>
+            </a:solidFill>
+          </a:ln>
+        </p:spPr>
+        <p:style>
+          <a:lnRef idx="2">
+            <a:schemeClr val="accent1">
+              <a:shade val="50000"/>
+            </a:schemeClr>
+          </a:lnRef>
+          <a:fillRef idx="1">
+            <a:schemeClr val="accent1"/>
+          </a:fillRef>
+          <a:effectRef idx="0">
+            <a:schemeClr val="accent1"/>
+          </a:effectRef>
+          <a:fontRef idx="minor">
+            <a:schemeClr val="lt1"/>
+          </a:fontRef>
+        </p:style>
+        <p:txBody>
+          <a:bodyPr rtlCol="0" anchor="ctr"/>
+          <a:lstStyle/>
+          <a:p>
+            <a:pPr algn="ctr"/>
+            <a:endParaRPr lang="en-US"/>
+          </a:p>
+        </p:txBody>
+      </p:sp>
+      <p:sp>
+        <p:nvSpPr>
+          <p:cNvPr id="117" name="Hexagon 116"/>
+          <p:cNvSpPr/>
+          <p:nvPr/>
+        </p:nvSpPr>
+        <p:spPr>
+          <a:xfrm>
+            <a:off x="5127977" y="2334912"/>
+            <a:ext cx="70648" cy="57645"/>
+          </a:xfrm>
+          <a:prstGeom prst="hexagon">
+            <a:avLst/>
+          </a:prstGeom>
+          <a:solidFill>
+            <a:schemeClr val="bg1">
+              <a:lumMod val="50000"/>
+            </a:schemeClr>
+          </a:solidFill>
+          <a:ln w="6350">
+            <a:solidFill>
+              <a:schemeClr val="tx1">
+                <a:lumMod val="50000"/>
+                <a:lumOff val="50000"/>
+              </a:schemeClr>
+            </a:solidFill>
+          </a:ln>
+        </p:spPr>
+        <p:style>
+          <a:lnRef idx="2">
+            <a:schemeClr val="accent1">
+              <a:shade val="50000"/>
+            </a:schemeClr>
+          </a:lnRef>
+          <a:fillRef idx="1">
+            <a:schemeClr val="accent1"/>
+          </a:fillRef>
+          <a:effectRef idx="0">
+            <a:schemeClr val="accent1"/>
+          </a:effectRef>
+          <a:fontRef idx="minor">
+            <a:schemeClr val="lt1"/>
+          </a:fontRef>
+        </p:style>
+        <p:txBody>
+          <a:bodyPr rtlCol="0" anchor="ctr"/>
+          <a:lstStyle/>
+          <a:p>
+            <a:pPr algn="ctr"/>
+            <a:endParaRPr lang="en-US"/>
+          </a:p>
+        </p:txBody>
+      </p:sp>
+      <p:sp>
+        <p:nvSpPr>
+          <p:cNvPr id="118" name="Rectangle 117"/>
+          <p:cNvSpPr/>
+          <p:nvPr/>
+        </p:nvSpPr>
+        <p:spPr>
+          <a:xfrm>
+            <a:off x="5207811" y="2402458"/>
+            <a:ext cx="57025" cy="52352"/>
+          </a:xfrm>
+          <a:prstGeom prst="rect">
+            <a:avLst/>
+          </a:prstGeom>
+          <a:solidFill>
+            <a:schemeClr val="bg1">
+              <a:lumMod val="50000"/>
+            </a:schemeClr>
+          </a:solidFill>
+          <a:ln w="6350">
+            <a:solidFill>
+              <a:schemeClr val="tx1">
+                <a:lumMod val="50000"/>
+                <a:lumOff val="50000"/>
+              </a:schemeClr>
+            </a:solidFill>
+          </a:ln>
+        </p:spPr>
+        <p:style>
+          <a:lnRef idx="2">
+            <a:schemeClr val="accent1">
+              <a:shade val="50000"/>
+            </a:schemeClr>
+          </a:lnRef>
+          <a:fillRef idx="1">
+            <a:schemeClr val="accent1"/>
+          </a:fillRef>
+          <a:effectRef idx="0">
+            <a:schemeClr val="accent1"/>
+          </a:effectRef>
+          <a:fontRef idx="minor">
+            <a:schemeClr val="lt1"/>
+          </a:fontRef>
+        </p:style>
+        <p:txBody>
+          <a:bodyPr rtlCol="0" anchor="ctr"/>
+          <a:lstStyle/>
+          <a:p>
+            <a:pPr algn="ctr"/>
+            <a:endParaRPr lang="en-US"/>
+          </a:p>
+        </p:txBody>
+      </p:sp>
+      <p:sp>
+        <p:nvSpPr>
+          <p:cNvPr id="119" name="Diamond 118"/>
+          <p:cNvSpPr/>
+          <p:nvPr/>
+        </p:nvSpPr>
+        <p:spPr>
+          <a:xfrm>
+            <a:off x="5299315" y="2454810"/>
+            <a:ext cx="45719" cy="45719"/>
+          </a:xfrm>
+          <a:prstGeom prst="diamond">
+            <a:avLst/>
+          </a:prstGeom>
+          <a:solidFill>
+            <a:schemeClr val="tx1">
+              <a:lumMod val="50000"/>
+              <a:lumOff val="50000"/>
+            </a:schemeClr>
+          </a:solidFill>
+          <a:ln w="38100">
+            <a:solidFill>
+              <a:schemeClr val="tx1">
+                <a:lumMod val="50000"/>
+                <a:lumOff val="50000"/>
+              </a:schemeClr>
+            </a:solidFill>
+          </a:ln>
+        </p:spPr>
+        <p:style>
+          <a:lnRef idx="2">
+            <a:schemeClr val="accent1">
+              <a:shade val="50000"/>
+            </a:schemeClr>
+          </a:lnRef>
+          <a:fillRef idx="1">
+            <a:schemeClr val="accent1"/>
+          </a:fillRef>
+          <a:effectRef idx="0">
+            <a:schemeClr val="accent1"/>
+          </a:effectRef>
+          <a:fontRef idx="minor">
+            <a:schemeClr val="lt1"/>
+          </a:fontRef>
+        </p:style>
+        <p:txBody>
+          <a:bodyPr rtlCol="0" anchor="ctr"/>
+          <a:lstStyle/>
+          <a:p>
+            <a:pPr algn="ctr"/>
+            <a:endParaRPr lang="en-US"/>
+          </a:p>
+        </p:txBody>
+      </p:sp>
+      <p:sp>
+        <p:nvSpPr>
+          <p:cNvPr id="120" name="Oval 119"/>
+          <p:cNvSpPr/>
+          <p:nvPr/>
+        </p:nvSpPr>
+        <p:spPr>
+          <a:xfrm>
+            <a:off x="5231461" y="2545494"/>
+            <a:ext cx="45719" cy="45719"/>
+          </a:xfrm>
+          <a:prstGeom prst="ellipse">
+            <a:avLst/>
+          </a:prstGeom>
+          <a:solidFill>
+            <a:schemeClr val="tx1">
+              <a:lumMod val="50000"/>
+              <a:lumOff val="50000"/>
+            </a:schemeClr>
+          </a:solidFill>
+          <a:ln w="38100">
+            <a:solidFill>
+              <a:schemeClr val="tx1">
+                <a:lumMod val="50000"/>
+                <a:lumOff val="50000"/>
+              </a:schemeClr>
+            </a:solidFill>
+          </a:ln>
+        </p:spPr>
+        <p:style>
+          <a:lnRef idx="2">
+            <a:schemeClr val="accent1">
+              <a:shade val="50000"/>
+            </a:schemeClr>
+          </a:lnRef>
+          <a:fillRef idx="1">
+            <a:schemeClr val="accent1"/>
+          </a:fillRef>
+          <a:effectRef idx="0">
+            <a:schemeClr val="accent1"/>
+          </a:effectRef>
+          <a:fontRef idx="minor">
+            <a:schemeClr val="lt1"/>
+          </a:fontRef>
+        </p:style>
+        <p:txBody>
+          <a:bodyPr rtlCol="0" anchor="ctr"/>
+          <a:lstStyle/>
+          <a:p>
+            <a:pPr algn="ctr"/>
+            <a:endParaRPr lang="en-US"/>
+          </a:p>
+        </p:txBody>
+      </p:sp>
+      <p:sp>
+        <p:nvSpPr>
+          <p:cNvPr id="121" name="Isosceles Triangle 120"/>
+          <p:cNvSpPr/>
+          <p:nvPr/>
+        </p:nvSpPr>
+        <p:spPr>
+          <a:xfrm>
+            <a:off x="5150473" y="2607476"/>
+            <a:ext cx="45719" cy="45719"/>
+          </a:xfrm>
+          <a:prstGeom prst="triangle">
+            <a:avLst/>
+          </a:prstGeom>
+          <a:solidFill>
+            <a:schemeClr val="tx1">
+              <a:lumMod val="50000"/>
+              <a:lumOff val="50000"/>
+            </a:schemeClr>
+          </a:solidFill>
+          <a:ln w="38100">
+            <a:solidFill>
+              <a:schemeClr val="tx1">
+                <a:lumMod val="50000"/>
+                <a:lumOff val="50000"/>
+              </a:schemeClr>
+            </a:solidFill>
+          </a:ln>
+        </p:spPr>
+        <p:style>
+          <a:lnRef idx="2">
+            <a:schemeClr val="accent1">
+              <a:shade val="50000"/>
+            </a:schemeClr>
+          </a:lnRef>
+          <a:fillRef idx="1">
+            <a:schemeClr val="accent1"/>
+          </a:fillRef>
+          <a:effectRef idx="0">
+            <a:schemeClr val="accent1"/>
+          </a:effectRef>
+          <a:fontRef idx="minor">
+            <a:schemeClr val="lt1"/>
+          </a:fontRef>
+        </p:style>
+        <p:txBody>
+          <a:bodyPr rtlCol="0" anchor="ctr"/>
+          <a:lstStyle/>
+          <a:p>
+            <a:pPr algn="ctr"/>
+            <a:endParaRPr lang="en-US"/>
+          </a:p>
+        </p:txBody>
+      </p:sp>
+      <p:sp>
+        <p:nvSpPr>
+          <p:cNvPr id="122" name="5-Point Star 121"/>
+          <p:cNvSpPr/>
+          <p:nvPr/>
+        </p:nvSpPr>
+        <p:spPr>
+          <a:xfrm>
+            <a:off x="5076384" y="2427735"/>
+            <a:ext cx="45720" cy="45719"/>
           </a:xfrm>
           <a:prstGeom prst="star5">
             <a:avLst/>
@@ -6376,14 +8924,379 @@
       </p:sp>
       <p:sp>
         <p:nvSpPr>
-          <p:cNvPr id="86" name="Diamond 85"/>
+          <p:cNvPr id="125" name="Parallelogram 124"/>
           <p:cNvSpPr/>
           <p:nvPr/>
         </p:nvSpPr>
         <p:spPr>
           <a:xfrm>
-            <a:off x="3866407" y="5493551"/>
-            <a:ext cx="237744" cy="219456"/>
+            <a:off x="5318912" y="2605174"/>
+            <a:ext cx="45719" cy="45719"/>
+          </a:xfrm>
+          <a:prstGeom prst="parallelogram">
+            <a:avLst/>
+          </a:prstGeom>
+          <a:solidFill>
+            <a:schemeClr val="bg1">
+              <a:lumMod val="50000"/>
+            </a:schemeClr>
+          </a:solidFill>
+          <a:ln w="38100">
+            <a:solidFill>
+              <a:schemeClr val="tx1">
+                <a:lumMod val="50000"/>
+                <a:lumOff val="50000"/>
+              </a:schemeClr>
+            </a:solidFill>
+          </a:ln>
+        </p:spPr>
+        <p:style>
+          <a:lnRef idx="2">
+            <a:schemeClr val="accent1">
+              <a:shade val="50000"/>
+            </a:schemeClr>
+          </a:lnRef>
+          <a:fillRef idx="1">
+            <a:schemeClr val="accent1"/>
+          </a:fillRef>
+          <a:effectRef idx="0">
+            <a:schemeClr val="accent1"/>
+          </a:effectRef>
+          <a:fontRef idx="minor">
+            <a:schemeClr val="lt1"/>
+          </a:fontRef>
+        </p:style>
+        <p:txBody>
+          <a:bodyPr rtlCol="0" anchor="ctr"/>
+          <a:lstStyle/>
+          <a:p>
+            <a:pPr algn="ctr"/>
+            <a:endParaRPr lang="en-US"/>
+          </a:p>
+        </p:txBody>
+      </p:sp>
+      <p:sp>
+        <p:nvSpPr>
+          <p:cNvPr id="126" name="Trapezoid 125"/>
+          <p:cNvSpPr/>
+          <p:nvPr/>
+        </p:nvSpPr>
+        <p:spPr>
+          <a:xfrm>
+            <a:off x="5318912" y="2346985"/>
+            <a:ext cx="45719" cy="45719"/>
+          </a:xfrm>
+          <a:prstGeom prst="trapezoid">
+            <a:avLst/>
+          </a:prstGeom>
+          <a:solidFill>
+            <a:schemeClr val="bg1">
+              <a:lumMod val="50000"/>
+            </a:schemeClr>
+          </a:solidFill>
+          <a:ln w="38100">
+            <a:solidFill>
+              <a:schemeClr val="tx1">
+                <a:lumMod val="50000"/>
+                <a:lumOff val="50000"/>
+              </a:schemeClr>
+            </a:solidFill>
+          </a:ln>
+        </p:spPr>
+        <p:style>
+          <a:lnRef idx="2">
+            <a:schemeClr val="accent1">
+              <a:shade val="50000"/>
+            </a:schemeClr>
+          </a:lnRef>
+          <a:fillRef idx="1">
+            <a:schemeClr val="accent1"/>
+          </a:fillRef>
+          <a:effectRef idx="0">
+            <a:schemeClr val="accent1"/>
+          </a:effectRef>
+          <a:fontRef idx="minor">
+            <a:schemeClr val="lt1"/>
+          </a:fontRef>
+        </p:style>
+        <p:txBody>
+          <a:bodyPr rtlCol="0" anchor="ctr"/>
+          <a:lstStyle/>
+          <a:p>
+            <a:pPr algn="ctr"/>
+            <a:endParaRPr lang="en-US"/>
+          </a:p>
+        </p:txBody>
+      </p:sp>
+      <p:sp>
+        <p:nvSpPr>
+          <p:cNvPr id="134" name="Oval 133"/>
+          <p:cNvSpPr/>
+          <p:nvPr/>
+        </p:nvSpPr>
+        <p:spPr>
+          <a:xfrm>
+            <a:off x="2450292" y="3088067"/>
+            <a:ext cx="119733" cy="108597"/>
+          </a:xfrm>
+          <a:prstGeom prst="ellipse">
+            <a:avLst/>
+          </a:prstGeom>
+          <a:solidFill>
+            <a:schemeClr val="tx1">
+              <a:lumMod val="50000"/>
+              <a:lumOff val="50000"/>
+            </a:schemeClr>
+          </a:solidFill>
+          <a:ln w="38100">
+            <a:solidFill>
+              <a:schemeClr val="tx1">
+                <a:lumMod val="50000"/>
+                <a:lumOff val="50000"/>
+              </a:schemeClr>
+            </a:solidFill>
+          </a:ln>
+        </p:spPr>
+        <p:style>
+          <a:lnRef idx="2">
+            <a:schemeClr val="accent1">
+              <a:shade val="50000"/>
+            </a:schemeClr>
+          </a:lnRef>
+          <a:fillRef idx="1">
+            <a:schemeClr val="accent1"/>
+          </a:fillRef>
+          <a:effectRef idx="0">
+            <a:schemeClr val="accent1"/>
+          </a:effectRef>
+          <a:fontRef idx="minor">
+            <a:schemeClr val="lt1"/>
+          </a:fontRef>
+        </p:style>
+        <p:txBody>
+          <a:bodyPr rtlCol="0" anchor="ctr"/>
+          <a:lstStyle/>
+          <a:p>
+            <a:pPr algn="ctr"/>
+            <a:endParaRPr lang="en-US"/>
+          </a:p>
+        </p:txBody>
+      </p:sp>
+      <p:sp>
+        <p:nvSpPr>
+          <p:cNvPr id="135" name="Isosceles Triangle 134"/>
+          <p:cNvSpPr/>
+          <p:nvPr/>
+        </p:nvSpPr>
+        <p:spPr>
+          <a:xfrm>
+            <a:off x="1630372" y="2492536"/>
+            <a:ext cx="103106" cy="98071"/>
+          </a:xfrm>
+          <a:prstGeom prst="triangle">
+            <a:avLst/>
+          </a:prstGeom>
+          <a:noFill/>
+          <a:ln w="19050">
+            <a:solidFill>
+              <a:schemeClr val="tx1">
+                <a:lumMod val="50000"/>
+                <a:lumOff val="50000"/>
+              </a:schemeClr>
+            </a:solidFill>
+          </a:ln>
+        </p:spPr>
+        <p:style>
+          <a:lnRef idx="2">
+            <a:schemeClr val="accent1">
+              <a:shade val="50000"/>
+            </a:schemeClr>
+          </a:lnRef>
+          <a:fillRef idx="1">
+            <a:schemeClr val="accent1"/>
+          </a:fillRef>
+          <a:effectRef idx="0">
+            <a:schemeClr val="accent1"/>
+          </a:effectRef>
+          <a:fontRef idx="minor">
+            <a:schemeClr val="lt1"/>
+          </a:fontRef>
+        </p:style>
+        <p:txBody>
+          <a:bodyPr rtlCol="0" anchor="ctr"/>
+          <a:lstStyle/>
+          <a:p>
+            <a:pPr algn="ctr"/>
+            <a:endParaRPr lang="en-US"/>
+          </a:p>
+        </p:txBody>
+      </p:sp>
+      <p:sp>
+        <p:nvSpPr>
+          <p:cNvPr id="136" name="5-Point Star 135"/>
+          <p:cNvSpPr/>
+          <p:nvPr/>
+        </p:nvSpPr>
+        <p:spPr>
+          <a:xfrm>
+            <a:off x="2285862" y="2687584"/>
+            <a:ext cx="168605" cy="165114"/>
+          </a:xfrm>
+          <a:prstGeom prst="star5">
+            <a:avLst/>
+          </a:prstGeom>
+          <a:solidFill>
+            <a:schemeClr val="tx1">
+              <a:lumMod val="50000"/>
+              <a:lumOff val="50000"/>
+            </a:schemeClr>
+          </a:solidFill>
+          <a:ln w="28575">
+            <a:solidFill>
+              <a:schemeClr val="tx1">
+                <a:lumMod val="50000"/>
+                <a:lumOff val="50000"/>
+              </a:schemeClr>
+            </a:solidFill>
+          </a:ln>
+        </p:spPr>
+        <p:style>
+          <a:lnRef idx="2">
+            <a:schemeClr val="accent1">
+              <a:shade val="50000"/>
+            </a:schemeClr>
+          </a:lnRef>
+          <a:fillRef idx="1">
+            <a:schemeClr val="accent1"/>
+          </a:fillRef>
+          <a:effectRef idx="0">
+            <a:schemeClr val="accent1"/>
+          </a:effectRef>
+          <a:fontRef idx="minor">
+            <a:schemeClr val="lt1"/>
+          </a:fontRef>
+        </p:style>
+        <p:txBody>
+          <a:bodyPr rtlCol="0" anchor="ctr"/>
+          <a:lstStyle/>
+          <a:p>
+            <a:pPr algn="ctr"/>
+            <a:endParaRPr lang="en-US"/>
+          </a:p>
+        </p:txBody>
+      </p:sp>
+      <p:sp>
+        <p:nvSpPr>
+          <p:cNvPr id="137" name="Parallelogram 136"/>
+          <p:cNvSpPr/>
+          <p:nvPr/>
+        </p:nvSpPr>
+        <p:spPr>
+          <a:xfrm>
+            <a:off x="1944733" y="2510674"/>
+            <a:ext cx="186647" cy="106640"/>
+          </a:xfrm>
+          <a:prstGeom prst="parallelogram">
+            <a:avLst/>
+          </a:prstGeom>
+          <a:noFill/>
+          <a:ln w="19050">
+            <a:solidFill>
+              <a:schemeClr val="tx1">
+                <a:lumMod val="50000"/>
+                <a:lumOff val="50000"/>
+              </a:schemeClr>
+            </a:solidFill>
+          </a:ln>
+        </p:spPr>
+        <p:style>
+          <a:lnRef idx="2">
+            <a:schemeClr val="accent1">
+              <a:shade val="50000"/>
+            </a:schemeClr>
+          </a:lnRef>
+          <a:fillRef idx="1">
+            <a:schemeClr val="accent1"/>
+          </a:fillRef>
+          <a:effectRef idx="0">
+            <a:schemeClr val="accent1"/>
+          </a:effectRef>
+          <a:fontRef idx="minor">
+            <a:schemeClr val="lt1"/>
+          </a:fontRef>
+        </p:style>
+        <p:txBody>
+          <a:bodyPr rtlCol="0" anchor="ctr"/>
+          <a:lstStyle/>
+          <a:p>
+            <a:pPr algn="ctr"/>
+            <a:endParaRPr lang="en-US"/>
+          </a:p>
+        </p:txBody>
+      </p:sp>
+      <p:sp>
+        <p:nvSpPr>
+          <p:cNvPr id="138" name="Trapezoid 137"/>
+          <p:cNvSpPr/>
+          <p:nvPr/>
+        </p:nvSpPr>
+        <p:spPr>
+          <a:xfrm>
+            <a:off x="1650116" y="2742807"/>
+            <a:ext cx="145405" cy="119699"/>
+          </a:xfrm>
+          <a:prstGeom prst="trapezoid">
+            <a:avLst/>
+          </a:prstGeom>
+          <a:solidFill>
+            <a:schemeClr val="bg1">
+              <a:lumMod val="50000"/>
+            </a:schemeClr>
+          </a:solidFill>
+          <a:ln w="38100">
+            <a:solidFill>
+              <a:schemeClr val="tx1">
+                <a:lumMod val="50000"/>
+                <a:lumOff val="50000"/>
+              </a:schemeClr>
+            </a:solidFill>
+          </a:ln>
+        </p:spPr>
+        <p:style>
+          <a:lnRef idx="2">
+            <a:schemeClr val="accent1">
+              <a:shade val="50000"/>
+            </a:schemeClr>
+          </a:lnRef>
+          <a:fillRef idx="1">
+            <a:schemeClr val="accent1"/>
+          </a:fillRef>
+          <a:effectRef idx="0">
+            <a:schemeClr val="accent1"/>
+          </a:effectRef>
+          <a:fontRef idx="minor">
+            <a:schemeClr val="lt1"/>
+          </a:fontRef>
+        </p:style>
+        <p:txBody>
+          <a:bodyPr rtlCol="0" anchor="ctr"/>
+          <a:lstStyle/>
+          <a:p>
+            <a:pPr algn="ctr"/>
+            <a:endParaRPr lang="en-US"/>
+          </a:p>
+        </p:txBody>
+      </p:sp>
+      <p:sp>
+        <p:nvSpPr>
+          <p:cNvPr id="139" name="Diamond 138"/>
+          <p:cNvSpPr/>
+          <p:nvPr/>
+        </p:nvSpPr>
+        <p:spPr>
+          <a:xfrm>
+            <a:off x="2449900" y="2360391"/>
+            <a:ext cx="143736" cy="139320"/>
           </a:xfrm>
           <a:prstGeom prst="diamond">
             <a:avLst/>
@@ -6430,16 +9343,477 @@
       </p:sp>
       <p:sp>
         <p:nvSpPr>
-          <p:cNvPr id="87" name="Rectangle 86"/>
+          <p:cNvPr id="140" name="Hexagon 139"/>
           <p:cNvSpPr/>
           <p:nvPr/>
         </p:nvSpPr>
         <p:spPr>
           <a:xfrm>
-            <a:off x="4766187" y="5332690"/>
-            <a:ext cx="164592" cy="153690"/>
+            <a:off x="1556207" y="4194864"/>
+            <a:ext cx="170932" cy="151439"/>
+          </a:xfrm>
+          <a:prstGeom prst="hexagon">
+            <a:avLst/>
+          </a:prstGeom>
+          <a:solidFill>
+            <a:schemeClr val="bg1">
+              <a:lumMod val="50000"/>
+            </a:schemeClr>
+          </a:solidFill>
+          <a:ln w="6350">
+            <a:solidFill>
+              <a:schemeClr val="tx1">
+                <a:lumMod val="50000"/>
+                <a:lumOff val="50000"/>
+              </a:schemeClr>
+            </a:solidFill>
+          </a:ln>
+        </p:spPr>
+        <p:style>
+          <a:lnRef idx="2">
+            <a:schemeClr val="accent1">
+              <a:shade val="50000"/>
+            </a:schemeClr>
+          </a:lnRef>
+          <a:fillRef idx="1">
+            <a:schemeClr val="accent1"/>
+          </a:fillRef>
+          <a:effectRef idx="0">
+            <a:schemeClr val="accent1"/>
+          </a:effectRef>
+          <a:fontRef idx="minor">
+            <a:schemeClr val="lt1"/>
+          </a:fontRef>
+        </p:style>
+        <p:txBody>
+          <a:bodyPr rtlCol="0" anchor="ctr"/>
+          <a:lstStyle/>
+          <a:p>
+            <a:pPr algn="ctr"/>
+            <a:endParaRPr lang="en-US"/>
+          </a:p>
+        </p:txBody>
+      </p:sp>
+      <p:sp>
+        <p:nvSpPr>
+          <p:cNvPr id="141" name="Rectangle 140"/>
+          <p:cNvSpPr/>
+          <p:nvPr/>
+        </p:nvSpPr>
+        <p:spPr>
+          <a:xfrm>
+            <a:off x="1996180" y="3997372"/>
+            <a:ext cx="142869" cy="135226"/>
           </a:xfrm>
           <a:prstGeom prst="rect">
+            <a:avLst/>
+          </a:prstGeom>
+          <a:solidFill>
+            <a:schemeClr val="bg1">
+              <a:lumMod val="50000"/>
+            </a:schemeClr>
+          </a:solidFill>
+          <a:ln w="6350">
+            <a:solidFill>
+              <a:schemeClr val="tx1">
+                <a:lumMod val="50000"/>
+                <a:lumOff val="50000"/>
+              </a:schemeClr>
+            </a:solidFill>
+          </a:ln>
+        </p:spPr>
+        <p:style>
+          <a:lnRef idx="2">
+            <a:schemeClr val="accent1">
+              <a:shade val="50000"/>
+            </a:schemeClr>
+          </a:lnRef>
+          <a:fillRef idx="1">
+            <a:schemeClr val="accent1"/>
+          </a:fillRef>
+          <a:effectRef idx="0">
+            <a:schemeClr val="accent1"/>
+          </a:effectRef>
+          <a:fontRef idx="minor">
+            <a:schemeClr val="lt1"/>
+          </a:fontRef>
+        </p:style>
+        <p:txBody>
+          <a:bodyPr rtlCol="0" anchor="ctr"/>
+          <a:lstStyle/>
+          <a:p>
+            <a:pPr algn="ctr"/>
+            <a:endParaRPr lang="en-US"/>
+          </a:p>
+        </p:txBody>
+      </p:sp>
+      <p:sp>
+        <p:nvSpPr>
+          <p:cNvPr id="142" name="Oval 141"/>
+          <p:cNvSpPr/>
+          <p:nvPr/>
+        </p:nvSpPr>
+        <p:spPr>
+          <a:xfrm>
+            <a:off x="2484729" y="4145824"/>
+            <a:ext cx="119733" cy="108597"/>
+          </a:xfrm>
+          <a:prstGeom prst="ellipse">
+            <a:avLst/>
+          </a:prstGeom>
+          <a:noFill/>
+          <a:ln w="19050">
+            <a:solidFill>
+              <a:schemeClr val="tx1">
+                <a:lumMod val="50000"/>
+                <a:lumOff val="50000"/>
+              </a:schemeClr>
+            </a:solidFill>
+          </a:ln>
+        </p:spPr>
+        <p:style>
+          <a:lnRef idx="2">
+            <a:schemeClr val="accent1">
+              <a:shade val="50000"/>
+            </a:schemeClr>
+          </a:lnRef>
+          <a:fillRef idx="1">
+            <a:schemeClr val="accent1"/>
+          </a:fillRef>
+          <a:effectRef idx="0">
+            <a:schemeClr val="accent1"/>
+          </a:effectRef>
+          <a:fontRef idx="minor">
+            <a:schemeClr val="lt1"/>
+          </a:fontRef>
+        </p:style>
+        <p:txBody>
+          <a:bodyPr rtlCol="0" anchor="ctr"/>
+          <a:lstStyle/>
+          <a:p>
+            <a:pPr algn="ctr"/>
+            <a:endParaRPr lang="en-US"/>
+          </a:p>
+        </p:txBody>
+      </p:sp>
+      <p:sp>
+        <p:nvSpPr>
+          <p:cNvPr id="146" name="Trapezoid 145"/>
+          <p:cNvSpPr/>
+          <p:nvPr/>
+        </p:nvSpPr>
+        <p:spPr>
+          <a:xfrm>
+            <a:off x="1684553" y="3800564"/>
+            <a:ext cx="145405" cy="119699"/>
+          </a:xfrm>
+          <a:prstGeom prst="trapezoid">
+            <a:avLst/>
+          </a:prstGeom>
+          <a:solidFill>
+            <a:schemeClr val="bg1">
+              <a:lumMod val="50000"/>
+            </a:schemeClr>
+          </a:solidFill>
+          <a:ln w="38100">
+            <a:solidFill>
+              <a:schemeClr val="tx1">
+                <a:lumMod val="50000"/>
+                <a:lumOff val="50000"/>
+              </a:schemeClr>
+            </a:solidFill>
+          </a:ln>
+        </p:spPr>
+        <p:style>
+          <a:lnRef idx="2">
+            <a:schemeClr val="accent1">
+              <a:shade val="50000"/>
+            </a:schemeClr>
+          </a:lnRef>
+          <a:fillRef idx="1">
+            <a:schemeClr val="accent1"/>
+          </a:fillRef>
+          <a:effectRef idx="0">
+            <a:schemeClr val="accent1"/>
+          </a:effectRef>
+          <a:fontRef idx="minor">
+            <a:schemeClr val="lt1"/>
+          </a:fontRef>
+        </p:style>
+        <p:txBody>
+          <a:bodyPr rtlCol="0" anchor="ctr"/>
+          <a:lstStyle/>
+          <a:p>
+            <a:pPr algn="ctr"/>
+            <a:endParaRPr lang="en-US"/>
+          </a:p>
+        </p:txBody>
+      </p:sp>
+      <p:sp>
+        <p:nvSpPr>
+          <p:cNvPr id="147" name="Diamond 146"/>
+          <p:cNvSpPr/>
+          <p:nvPr/>
+        </p:nvSpPr>
+        <p:spPr>
+          <a:xfrm>
+            <a:off x="2484337" y="3418148"/>
+            <a:ext cx="143736" cy="139320"/>
+          </a:xfrm>
+          <a:prstGeom prst="diamond">
+            <a:avLst/>
+          </a:prstGeom>
+          <a:noFill/>
+          <a:ln w="19050">
+            <a:solidFill>
+              <a:schemeClr val="tx1">
+                <a:lumMod val="50000"/>
+                <a:lumOff val="50000"/>
+              </a:schemeClr>
+            </a:solidFill>
+          </a:ln>
+        </p:spPr>
+        <p:style>
+          <a:lnRef idx="2">
+            <a:schemeClr val="accent1">
+              <a:shade val="50000"/>
+            </a:schemeClr>
+          </a:lnRef>
+          <a:fillRef idx="1">
+            <a:schemeClr val="accent1"/>
+          </a:fillRef>
+          <a:effectRef idx="0">
+            <a:schemeClr val="accent1"/>
+          </a:effectRef>
+          <a:fontRef idx="minor">
+            <a:schemeClr val="lt1"/>
+          </a:fontRef>
+        </p:style>
+        <p:txBody>
+          <a:bodyPr rtlCol="0" anchor="ctr"/>
+          <a:lstStyle/>
+          <a:p>
+            <a:pPr algn="ctr"/>
+            <a:endParaRPr lang="en-US"/>
+          </a:p>
+        </p:txBody>
+      </p:sp>
+      <p:sp>
+        <p:nvSpPr>
+          <p:cNvPr id="149" name="Rectangle 148"/>
+          <p:cNvSpPr/>
+          <p:nvPr/>
+        </p:nvSpPr>
+        <p:spPr>
+          <a:xfrm>
+            <a:off x="712745" y="2927927"/>
+            <a:ext cx="142869" cy="135226"/>
+          </a:xfrm>
+          <a:prstGeom prst="rect">
+            <a:avLst/>
+          </a:prstGeom>
+          <a:solidFill>
+            <a:schemeClr val="bg1">
+              <a:lumMod val="50000"/>
+            </a:schemeClr>
+          </a:solidFill>
+          <a:ln w="6350">
+            <a:solidFill>
+              <a:schemeClr val="tx1">
+                <a:lumMod val="50000"/>
+                <a:lumOff val="50000"/>
+              </a:schemeClr>
+            </a:solidFill>
+          </a:ln>
+        </p:spPr>
+        <p:style>
+          <a:lnRef idx="2">
+            <a:schemeClr val="accent1">
+              <a:shade val="50000"/>
+            </a:schemeClr>
+          </a:lnRef>
+          <a:fillRef idx="1">
+            <a:schemeClr val="accent1"/>
+          </a:fillRef>
+          <a:effectRef idx="0">
+            <a:schemeClr val="accent1"/>
+          </a:effectRef>
+          <a:fontRef idx="minor">
+            <a:schemeClr val="lt1"/>
+          </a:fontRef>
+        </p:style>
+        <p:txBody>
+          <a:bodyPr rtlCol="0" anchor="ctr"/>
+          <a:lstStyle/>
+          <a:p>
+            <a:pPr algn="ctr"/>
+            <a:endParaRPr lang="en-US"/>
+          </a:p>
+        </p:txBody>
+      </p:sp>
+      <p:sp>
+        <p:nvSpPr>
+          <p:cNvPr id="151" name="Isosceles Triangle 150"/>
+          <p:cNvSpPr/>
+          <p:nvPr/>
+        </p:nvSpPr>
+        <p:spPr>
+          <a:xfrm>
+            <a:off x="381374" y="2480848"/>
+            <a:ext cx="103106" cy="98071"/>
+          </a:xfrm>
+          <a:prstGeom prst="triangle">
+            <a:avLst/>
+          </a:prstGeom>
+          <a:noFill/>
+          <a:ln w="19050">
+            <a:solidFill>
+              <a:schemeClr val="tx1">
+                <a:lumMod val="50000"/>
+                <a:lumOff val="50000"/>
+              </a:schemeClr>
+            </a:solidFill>
+          </a:ln>
+        </p:spPr>
+        <p:style>
+          <a:lnRef idx="2">
+            <a:schemeClr val="accent1">
+              <a:shade val="50000"/>
+            </a:schemeClr>
+          </a:lnRef>
+          <a:fillRef idx="1">
+            <a:schemeClr val="accent1"/>
+          </a:fillRef>
+          <a:effectRef idx="0">
+            <a:schemeClr val="accent1"/>
+          </a:effectRef>
+          <a:fontRef idx="minor">
+            <a:schemeClr val="lt1"/>
+          </a:fontRef>
+        </p:style>
+        <p:txBody>
+          <a:bodyPr rtlCol="0" anchor="ctr"/>
+          <a:lstStyle/>
+          <a:p>
+            <a:pPr algn="ctr"/>
+            <a:endParaRPr lang="en-US"/>
+          </a:p>
+        </p:txBody>
+      </p:sp>
+      <p:sp>
+        <p:nvSpPr>
+          <p:cNvPr id="152" name="5-Point Star 151"/>
+          <p:cNvSpPr/>
+          <p:nvPr/>
+        </p:nvSpPr>
+        <p:spPr>
+          <a:xfrm>
+            <a:off x="1036864" y="2675896"/>
+            <a:ext cx="168605" cy="165114"/>
+          </a:xfrm>
+          <a:prstGeom prst="star5">
+            <a:avLst/>
+          </a:prstGeom>
+          <a:noFill/>
+          <a:ln w="19050">
+            <a:solidFill>
+              <a:schemeClr val="tx1">
+                <a:lumMod val="50000"/>
+                <a:lumOff val="50000"/>
+              </a:schemeClr>
+            </a:solidFill>
+          </a:ln>
+        </p:spPr>
+        <p:style>
+          <a:lnRef idx="2">
+            <a:schemeClr val="accent1">
+              <a:shade val="50000"/>
+            </a:schemeClr>
+          </a:lnRef>
+          <a:fillRef idx="1">
+            <a:schemeClr val="accent1"/>
+          </a:fillRef>
+          <a:effectRef idx="0">
+            <a:schemeClr val="accent1"/>
+          </a:effectRef>
+          <a:fontRef idx="minor">
+            <a:schemeClr val="lt1"/>
+          </a:fontRef>
+        </p:style>
+        <p:txBody>
+          <a:bodyPr rtlCol="0" anchor="ctr"/>
+          <a:lstStyle/>
+          <a:p>
+            <a:pPr algn="ctr"/>
+            <a:endParaRPr lang="en-US"/>
+          </a:p>
+        </p:txBody>
+      </p:sp>
+      <p:sp>
+        <p:nvSpPr>
+          <p:cNvPr id="153" name="Parallelogram 152"/>
+          <p:cNvSpPr/>
+          <p:nvPr/>
+        </p:nvSpPr>
+        <p:spPr>
+          <a:xfrm>
+            <a:off x="695735" y="2498986"/>
+            <a:ext cx="186647" cy="106640"/>
+          </a:xfrm>
+          <a:prstGeom prst="parallelogram">
+            <a:avLst/>
+          </a:prstGeom>
+          <a:solidFill>
+            <a:schemeClr val="bg1">
+              <a:lumMod val="50000"/>
+            </a:schemeClr>
+          </a:solidFill>
+          <a:ln w="38100">
+            <a:solidFill>
+              <a:schemeClr val="tx1">
+                <a:lumMod val="50000"/>
+                <a:lumOff val="50000"/>
+              </a:schemeClr>
+            </a:solidFill>
+          </a:ln>
+        </p:spPr>
+        <p:style>
+          <a:lnRef idx="2">
+            <a:schemeClr val="accent1">
+              <a:shade val="50000"/>
+            </a:schemeClr>
+          </a:lnRef>
+          <a:fillRef idx="1">
+            <a:schemeClr val="accent1"/>
+          </a:fillRef>
+          <a:effectRef idx="0">
+            <a:schemeClr val="accent1"/>
+          </a:effectRef>
+          <a:fontRef idx="minor">
+            <a:schemeClr val="lt1"/>
+          </a:fontRef>
+        </p:style>
+        <p:txBody>
+          <a:bodyPr rtlCol="0" anchor="ctr"/>
+          <a:lstStyle/>
+          <a:p>
+            <a:pPr algn="ctr"/>
+            <a:endParaRPr lang="en-US"/>
+          </a:p>
+        </p:txBody>
+      </p:sp>
+      <p:sp>
+        <p:nvSpPr>
+          <p:cNvPr id="155" name="Diamond 154"/>
+          <p:cNvSpPr/>
+          <p:nvPr/>
+        </p:nvSpPr>
+        <p:spPr>
+          <a:xfrm>
+            <a:off x="1200902" y="2348703"/>
+            <a:ext cx="143736" cy="139320"/>
+          </a:xfrm>
+          <a:prstGeom prst="diamond">
             <a:avLst/>
           </a:prstGeom>
           <a:solidFill>
@@ -6484,14 +9858,112 @@
       </p:sp>
       <p:sp>
         <p:nvSpPr>
-          <p:cNvPr id="88" name="Oval 87"/>
+          <p:cNvPr id="156" name="Hexagon 155"/>
           <p:cNvSpPr/>
           <p:nvPr/>
         </p:nvSpPr>
         <p:spPr>
           <a:xfrm>
-            <a:off x="4691316" y="4670180"/>
-            <a:ext cx="174451" cy="183765"/>
+            <a:off x="253999" y="4203038"/>
+            <a:ext cx="170932" cy="151439"/>
+          </a:xfrm>
+          <a:prstGeom prst="hexagon">
+            <a:avLst/>
+          </a:prstGeom>
+          <a:noFill/>
+          <a:ln w="19050">
+            <a:solidFill>
+              <a:schemeClr val="tx1">
+                <a:lumMod val="50000"/>
+                <a:lumOff val="50000"/>
+              </a:schemeClr>
+            </a:solidFill>
+          </a:ln>
+        </p:spPr>
+        <p:style>
+          <a:lnRef idx="2">
+            <a:schemeClr val="accent1">
+              <a:shade val="50000"/>
+            </a:schemeClr>
+          </a:lnRef>
+          <a:fillRef idx="1">
+            <a:schemeClr val="accent1"/>
+          </a:fillRef>
+          <a:effectRef idx="0">
+            <a:schemeClr val="accent1"/>
+          </a:effectRef>
+          <a:fontRef idx="minor">
+            <a:schemeClr val="lt1"/>
+          </a:fontRef>
+        </p:style>
+        <p:txBody>
+          <a:bodyPr rtlCol="0" anchor="ctr"/>
+          <a:lstStyle/>
+          <a:p>
+            <a:pPr algn="ctr"/>
+            <a:endParaRPr lang="en-US"/>
+          </a:p>
+        </p:txBody>
+      </p:sp>
+      <p:sp>
+        <p:nvSpPr>
+          <p:cNvPr id="157" name="Rectangle 156"/>
+          <p:cNvSpPr/>
+          <p:nvPr/>
+        </p:nvSpPr>
+        <p:spPr>
+          <a:xfrm>
+            <a:off x="693972" y="4005546"/>
+            <a:ext cx="142869" cy="135226"/>
+          </a:xfrm>
+          <a:prstGeom prst="rect">
+            <a:avLst/>
+          </a:prstGeom>
+          <a:noFill/>
+          <a:ln w="19050">
+            <a:solidFill>
+              <a:schemeClr val="tx1">
+                <a:lumMod val="50000"/>
+                <a:lumOff val="50000"/>
+              </a:schemeClr>
+            </a:solidFill>
+          </a:ln>
+        </p:spPr>
+        <p:style>
+          <a:lnRef idx="2">
+            <a:schemeClr val="accent1">
+              <a:shade val="50000"/>
+            </a:schemeClr>
+          </a:lnRef>
+          <a:fillRef idx="1">
+            <a:schemeClr val="accent1"/>
+          </a:fillRef>
+          <a:effectRef idx="0">
+            <a:schemeClr val="accent1"/>
+          </a:effectRef>
+          <a:fontRef idx="minor">
+            <a:schemeClr val="lt1"/>
+          </a:fontRef>
+        </p:style>
+        <p:txBody>
+          <a:bodyPr rtlCol="0" anchor="ctr"/>
+          <a:lstStyle/>
+          <a:p>
+            <a:pPr algn="ctr"/>
+            <a:endParaRPr lang="en-US"/>
+          </a:p>
+        </p:txBody>
+      </p:sp>
+      <p:sp>
+        <p:nvSpPr>
+          <p:cNvPr id="158" name="Oval 157"/>
+          <p:cNvSpPr/>
+          <p:nvPr/>
+        </p:nvSpPr>
+        <p:spPr>
+          <a:xfrm>
+            <a:off x="1182521" y="4153998"/>
+            <a:ext cx="119733" cy="108597"/>
           </a:xfrm>
           <a:prstGeom prst="ellipse">
             <a:avLst/>
@@ -6538,14 +10010,14 @@
       </p:sp>
       <p:sp>
         <p:nvSpPr>
-          <p:cNvPr id="89" name="Isosceles Triangle 88"/>
+          <p:cNvPr id="159" name="Isosceles Triangle 158"/>
           <p:cNvSpPr/>
           <p:nvPr/>
         </p:nvSpPr>
         <p:spPr>
           <a:xfrm>
-            <a:off x="3186589" y="4649973"/>
-            <a:ext cx="180669" cy="170788"/>
+            <a:off x="362601" y="3558467"/>
+            <a:ext cx="103106" cy="98071"/>
           </a:xfrm>
           <a:prstGeom prst="triangle">
             <a:avLst/>
@@ -6592,361 +10064,13 @@
       </p:sp>
       <p:sp>
         <p:nvSpPr>
-          <p:cNvPr id="90" name="5-Point Star 89"/>
+          <p:cNvPr id="163" name="Diamond 162"/>
           <p:cNvSpPr/>
           <p:nvPr/>
         </p:nvSpPr>
         <p:spPr>
           <a:xfrm>
-            <a:off x="3195588" y="6201620"/>
-            <a:ext cx="222222" cy="187270"/>
-          </a:xfrm>
-          <a:prstGeom prst="star5">
-            <a:avLst/>
-          </a:prstGeom>
-          <a:solidFill>
-            <a:schemeClr val="tx1">
-              <a:lumMod val="50000"/>
-              <a:lumOff val="50000"/>
-            </a:schemeClr>
-          </a:solidFill>
-          <a:ln w="28575">
-            <a:solidFill>
-              <a:schemeClr val="tx1">
-                <a:lumMod val="50000"/>
-                <a:lumOff val="50000"/>
-              </a:schemeClr>
-            </a:solidFill>
-          </a:ln>
-        </p:spPr>
-        <p:style>
-          <a:lnRef idx="2">
-            <a:schemeClr val="accent1">
-              <a:shade val="50000"/>
-            </a:schemeClr>
-          </a:lnRef>
-          <a:fillRef idx="1">
-            <a:schemeClr val="accent1"/>
-          </a:fillRef>
-          <a:effectRef idx="0">
-            <a:schemeClr val="accent1"/>
-          </a:effectRef>
-          <a:fontRef idx="minor">
-            <a:schemeClr val="lt1"/>
-          </a:fontRef>
-        </p:style>
-        <p:txBody>
-          <a:bodyPr rtlCol="0" anchor="ctr"/>
-          <a:lstStyle/>
-          <a:p>
-            <a:pPr algn="ctr"/>
-            <a:endParaRPr lang="en-US"/>
-          </a:p>
-        </p:txBody>
-      </p:sp>
-      <p:sp>
-        <p:nvSpPr>
-          <p:cNvPr id="16" name="Cross 15"/>
-          <p:cNvSpPr/>
-          <p:nvPr/>
-        </p:nvSpPr>
-        <p:spPr>
-          <a:xfrm>
-            <a:off x="1875454" y="6054854"/>
-            <a:ext cx="254081" cy="229821"/>
-          </a:xfrm>
-          <a:prstGeom prst="plus">
-            <a:avLst/>
-          </a:prstGeom>
-          <a:noFill/>
-          <a:ln w="38100">
-            <a:solidFill>
-              <a:schemeClr val="tx1">
-                <a:lumMod val="50000"/>
-                <a:lumOff val="50000"/>
-              </a:schemeClr>
-            </a:solidFill>
-          </a:ln>
-        </p:spPr>
-        <p:style>
-          <a:lnRef idx="2">
-            <a:schemeClr val="accent1">
-              <a:shade val="50000"/>
-            </a:schemeClr>
-          </a:lnRef>
-          <a:fillRef idx="1">
-            <a:schemeClr val="accent1"/>
-          </a:fillRef>
-          <a:effectRef idx="0">
-            <a:schemeClr val="accent1"/>
-          </a:effectRef>
-          <a:fontRef idx="minor">
-            <a:schemeClr val="lt1"/>
-          </a:fontRef>
-        </p:style>
-        <p:txBody>
-          <a:bodyPr rtlCol="0" anchor="ctr"/>
-          <a:lstStyle/>
-          <a:p>
-            <a:pPr algn="ctr"/>
-            <a:endParaRPr lang="en-US"/>
-          </a:p>
-        </p:txBody>
-      </p:sp>
-      <p:sp>
-        <p:nvSpPr>
-          <p:cNvPr id="17" name="Right Triangle 16"/>
-          <p:cNvSpPr/>
-          <p:nvPr/>
-        </p:nvSpPr>
-        <p:spPr>
-          <a:xfrm>
-            <a:off x="657232" y="5777729"/>
-            <a:ext cx="212183" cy="184569"/>
-          </a:xfrm>
-          <a:prstGeom prst="rtTriangle">
-            <a:avLst/>
-          </a:prstGeom>
-          <a:noFill/>
-          <a:ln w="38100">
-            <a:solidFill>
-              <a:schemeClr val="tx1">
-                <a:lumMod val="50000"/>
-                <a:lumOff val="50000"/>
-              </a:schemeClr>
-            </a:solidFill>
-          </a:ln>
-        </p:spPr>
-        <p:style>
-          <a:lnRef idx="2">
-            <a:schemeClr val="accent1">
-              <a:shade val="50000"/>
-            </a:schemeClr>
-          </a:lnRef>
-          <a:fillRef idx="1">
-            <a:schemeClr val="accent1"/>
-          </a:fillRef>
-          <a:effectRef idx="0">
-            <a:schemeClr val="accent1"/>
-          </a:effectRef>
-          <a:fontRef idx="minor">
-            <a:schemeClr val="lt1"/>
-          </a:fontRef>
-        </p:style>
-        <p:txBody>
-          <a:bodyPr rtlCol="0" anchor="ctr"/>
-          <a:lstStyle/>
-          <a:p>
-            <a:pPr algn="ctr"/>
-            <a:endParaRPr lang="en-US"/>
-          </a:p>
-        </p:txBody>
-      </p:sp>
-      <p:sp>
-        <p:nvSpPr>
-          <p:cNvPr id="18" name="Parallelogram 17"/>
-          <p:cNvSpPr/>
-          <p:nvPr/>
-        </p:nvSpPr>
-        <p:spPr>
-          <a:xfrm>
-            <a:off x="1020475" y="4817703"/>
-            <a:ext cx="281363" cy="160133"/>
-          </a:xfrm>
-          <a:prstGeom prst="parallelogram">
-            <a:avLst/>
-          </a:prstGeom>
-          <a:noFill/>
-          <a:ln w="38100">
-            <a:solidFill>
-              <a:schemeClr val="tx1">
-                <a:lumMod val="50000"/>
-                <a:lumOff val="50000"/>
-              </a:schemeClr>
-            </a:solidFill>
-          </a:ln>
-        </p:spPr>
-        <p:style>
-          <a:lnRef idx="2">
-            <a:schemeClr val="accent1">
-              <a:shade val="50000"/>
-            </a:schemeClr>
-          </a:lnRef>
-          <a:fillRef idx="1">
-            <a:schemeClr val="accent1"/>
-          </a:fillRef>
-          <a:effectRef idx="0">
-            <a:schemeClr val="accent1"/>
-          </a:effectRef>
-          <a:fontRef idx="minor">
-            <a:schemeClr val="lt1"/>
-          </a:fontRef>
-        </p:style>
-        <p:txBody>
-          <a:bodyPr rtlCol="0" anchor="ctr"/>
-          <a:lstStyle/>
-          <a:p>
-            <a:pPr algn="ctr"/>
-            <a:endParaRPr lang="en-US"/>
-          </a:p>
-        </p:txBody>
-      </p:sp>
-      <p:sp>
-        <p:nvSpPr>
-          <p:cNvPr id="19" name="Hexagon 18"/>
-          <p:cNvSpPr/>
-          <p:nvPr/>
-        </p:nvSpPr>
-        <p:spPr>
-          <a:xfrm>
-            <a:off x="3955858" y="4706505"/>
-            <a:ext cx="237744" cy="216145"/>
-          </a:xfrm>
-          <a:prstGeom prst="hexagon">
-            <a:avLst/>
-          </a:prstGeom>
-          <a:noFill/>
-          <a:ln w="38100">
-            <a:solidFill>
-              <a:schemeClr val="tx1">
-                <a:lumMod val="50000"/>
-                <a:lumOff val="50000"/>
-              </a:schemeClr>
-            </a:solidFill>
-          </a:ln>
-        </p:spPr>
-        <p:style>
-          <a:lnRef idx="2">
-            <a:schemeClr val="accent1">
-              <a:shade val="50000"/>
-            </a:schemeClr>
-          </a:lnRef>
-          <a:fillRef idx="1">
-            <a:schemeClr val="accent1"/>
-          </a:fillRef>
-          <a:effectRef idx="0">
-            <a:schemeClr val="accent1"/>
-          </a:effectRef>
-          <a:fontRef idx="minor">
-            <a:schemeClr val="lt1"/>
-          </a:fontRef>
-        </p:style>
-        <p:txBody>
-          <a:bodyPr rtlCol="0" anchor="ctr"/>
-          <a:lstStyle/>
-          <a:p>
-            <a:pPr algn="ctr"/>
-            <a:endParaRPr lang="en-US"/>
-          </a:p>
-        </p:txBody>
-      </p:sp>
-      <p:sp>
-        <p:nvSpPr>
-          <p:cNvPr id="20" name="Moon 19"/>
-          <p:cNvSpPr/>
-          <p:nvPr/>
-        </p:nvSpPr>
-        <p:spPr>
-          <a:xfrm>
-            <a:off x="3258338" y="5586887"/>
-            <a:ext cx="118578" cy="175637"/>
-          </a:xfrm>
-          <a:prstGeom prst="moon">
-            <a:avLst/>
-          </a:prstGeom>
-          <a:noFill/>
-          <a:ln w="28575">
-            <a:solidFill>
-              <a:schemeClr val="tx1">
-                <a:lumMod val="50000"/>
-                <a:lumOff val="50000"/>
-              </a:schemeClr>
-            </a:solidFill>
-          </a:ln>
-        </p:spPr>
-        <p:style>
-          <a:lnRef idx="2">
-            <a:schemeClr val="accent1">
-              <a:shade val="50000"/>
-            </a:schemeClr>
-          </a:lnRef>
-          <a:fillRef idx="1">
-            <a:schemeClr val="accent1"/>
-          </a:fillRef>
-          <a:effectRef idx="0">
-            <a:schemeClr val="accent1"/>
-          </a:effectRef>
-          <a:fontRef idx="minor">
-            <a:schemeClr val="lt1"/>
-          </a:fontRef>
-        </p:style>
-        <p:txBody>
-          <a:bodyPr rtlCol="0" anchor="ctr"/>
-          <a:lstStyle/>
-          <a:p>
-            <a:pPr algn="ctr"/>
-            <a:endParaRPr lang="en-US"/>
-          </a:p>
-        </p:txBody>
-      </p:sp>
-      <p:sp>
-        <p:nvSpPr>
-          <p:cNvPr id="21" name="Trapezoid 20"/>
-          <p:cNvSpPr/>
-          <p:nvPr/>
-        </p:nvSpPr>
-        <p:spPr>
-          <a:xfrm>
-            <a:off x="4284303" y="6162660"/>
-            <a:ext cx="240145" cy="183385"/>
-          </a:xfrm>
-          <a:prstGeom prst="trapezoid">
-            <a:avLst/>
-          </a:prstGeom>
-          <a:noFill/>
-          <a:ln w="38100">
-            <a:solidFill>
-              <a:schemeClr val="tx1">
-                <a:lumMod val="50000"/>
-                <a:lumOff val="50000"/>
-              </a:schemeClr>
-            </a:solidFill>
-          </a:ln>
-        </p:spPr>
-        <p:style>
-          <a:lnRef idx="2">
-            <a:schemeClr val="accent1">
-              <a:shade val="50000"/>
-            </a:schemeClr>
-          </a:lnRef>
-          <a:fillRef idx="1">
-            <a:schemeClr val="accent1"/>
-          </a:fillRef>
-          <a:effectRef idx="0">
-            <a:schemeClr val="accent1"/>
-          </a:effectRef>
-          <a:fontRef idx="minor">
-            <a:schemeClr val="lt1"/>
-          </a:fontRef>
-        </p:style>
-        <p:txBody>
-          <a:bodyPr rtlCol="0" anchor="ctr"/>
-          <a:lstStyle/>
-          <a:p>
-            <a:pPr algn="ctr"/>
-            <a:endParaRPr lang="en-US"/>
-          </a:p>
-        </p:txBody>
-      </p:sp>
-      <p:sp>
-        <p:nvSpPr>
-          <p:cNvPr id="59" name="Diamond 58"/>
-          <p:cNvSpPr/>
-          <p:nvPr/>
-        </p:nvSpPr>
-        <p:spPr>
-          <a:xfrm>
-            <a:off x="3812529" y="3554040"/>
+            <a:off x="1182129" y="3426322"/>
             <a:ext cx="143736" cy="139320"/>
           </a:xfrm>
           <a:prstGeom prst="diamond">
@@ -6994,30 +10118,24 @@
       </p:sp>
       <p:sp>
         <p:nvSpPr>
-          <p:cNvPr id="61" name="Rectangle 60"/>
+          <p:cNvPr id="9" name="Right Arrow 8"/>
           <p:cNvSpPr/>
           <p:nvPr/>
         </p:nvSpPr>
         <p:spPr>
           <a:xfrm>
-            <a:off x="3313902" y="3958913"/>
-            <a:ext cx="104821" cy="101211"/>
-          </a:xfrm>
-          <a:prstGeom prst="rect">
+            <a:off x="2484337" y="5415032"/>
+            <a:ext cx="578873" cy="171855"/>
+          </a:xfrm>
+          <a:prstGeom prst="rightArrow">
             <a:avLst/>
           </a:prstGeom>
           <a:solidFill>
-            <a:schemeClr val="tx1">
-              <a:lumMod val="50000"/>
-              <a:lumOff val="50000"/>
-            </a:schemeClr>
+            <a:schemeClr val="tx1"/>
           </a:solidFill>
-          <a:ln w="38100">
+          <a:ln>
             <a:solidFill>
-              <a:schemeClr val="tx1">
-                <a:lumMod val="50000"/>
-                <a:lumOff val="50000"/>
-              </a:schemeClr>
+              <a:schemeClr val="tx1"/>
             </a:solidFill>
           </a:ln>
         </p:spPr>
@@ -7048,1003 +10166,181 @@
       </p:sp>
       <p:sp>
         <p:nvSpPr>
-          <p:cNvPr id="62" name="Oval 61"/>
-          <p:cNvSpPr/>
+          <p:cNvPr id="13" name="TextBox 12"/>
+          <p:cNvSpPr txBox="1"/>
           <p:nvPr/>
         </p:nvSpPr>
         <p:spPr>
           <a:xfrm>
-            <a:off x="3753971" y="4102471"/>
-            <a:ext cx="101737" cy="100606"/>
-          </a:xfrm>
-          <a:prstGeom prst="ellipse">
-            <a:avLst/>
-          </a:prstGeom>
-          <a:solidFill>
-            <a:schemeClr val="tx1">
-              <a:lumMod val="50000"/>
-              <a:lumOff val="50000"/>
-            </a:schemeClr>
-          </a:solidFill>
-          <a:ln w="38100">
-            <a:solidFill>
-              <a:schemeClr val="tx1">
-                <a:lumMod val="50000"/>
-                <a:lumOff val="50000"/>
-              </a:schemeClr>
-            </a:solidFill>
-          </a:ln>
-        </p:spPr>
-        <p:style>
-          <a:lnRef idx="2">
-            <a:schemeClr val="accent1">
-              <a:shade val="50000"/>
-            </a:schemeClr>
-          </a:lnRef>
-          <a:fillRef idx="1">
-            <a:schemeClr val="accent1"/>
-          </a:fillRef>
-          <a:effectRef idx="0">
-            <a:schemeClr val="accent1"/>
-          </a:effectRef>
-          <a:fontRef idx="minor">
-            <a:schemeClr val="lt1"/>
-          </a:fontRef>
-        </p:style>
-        <p:txBody>
-          <a:bodyPr rtlCol="0" anchor="ctr"/>
-          <a:lstStyle/>
-          <a:p>
-            <a:pPr algn="ctr"/>
-            <a:endParaRPr lang="en-US"/>
-          </a:p>
-        </p:txBody>
-      </p:sp>
-      <p:sp>
-        <p:nvSpPr>
-          <p:cNvPr id="63" name="Isosceles Triangle 62"/>
-          <p:cNvSpPr/>
-          <p:nvPr/>
-        </p:nvSpPr>
-        <p:spPr>
-          <a:xfrm>
-            <a:off x="3044607" y="3562840"/>
-            <a:ext cx="104173" cy="103235"/>
-          </a:xfrm>
-          <a:prstGeom prst="triangle">
-            <a:avLst/>
-          </a:prstGeom>
-          <a:solidFill>
-            <a:schemeClr val="tx1">
-              <a:lumMod val="50000"/>
-              <a:lumOff val="50000"/>
-            </a:schemeClr>
-          </a:solidFill>
-          <a:ln w="38100">
-            <a:solidFill>
-              <a:schemeClr val="tx1">
-                <a:lumMod val="50000"/>
-                <a:lumOff val="50000"/>
-              </a:schemeClr>
-            </a:solidFill>
-          </a:ln>
-        </p:spPr>
-        <p:style>
-          <a:lnRef idx="2">
-            <a:schemeClr val="accent1">
-              <a:shade val="50000"/>
-            </a:schemeClr>
-          </a:lnRef>
-          <a:fillRef idx="1">
-            <a:schemeClr val="accent1"/>
-          </a:fillRef>
-          <a:effectRef idx="0">
-            <a:schemeClr val="accent1"/>
-          </a:effectRef>
-          <a:fontRef idx="minor">
-            <a:schemeClr val="lt1"/>
-          </a:fontRef>
-        </p:style>
-        <p:txBody>
-          <a:bodyPr rtlCol="0" anchor="ctr"/>
-          <a:lstStyle/>
-          <a:p>
-            <a:pPr algn="ctr"/>
-            <a:endParaRPr lang="en-US"/>
-          </a:p>
-        </p:txBody>
-      </p:sp>
-      <p:sp>
-        <p:nvSpPr>
-          <p:cNvPr id="69" name="Diamond 68"/>
-          <p:cNvSpPr/>
-          <p:nvPr/>
-        </p:nvSpPr>
-        <p:spPr>
-          <a:xfrm>
-            <a:off x="5092270" y="3512296"/>
-            <a:ext cx="143736" cy="141299"/>
-          </a:xfrm>
-          <a:prstGeom prst="diamond">
-            <a:avLst/>
-          </a:prstGeom>
-          <a:solidFill>
-            <a:schemeClr val="tx1">
-              <a:lumMod val="50000"/>
-              <a:lumOff val="50000"/>
-            </a:schemeClr>
-          </a:solidFill>
-          <a:ln w="38100">
-            <a:solidFill>
-              <a:schemeClr val="tx1">
-                <a:lumMod val="50000"/>
-                <a:lumOff val="50000"/>
-              </a:schemeClr>
-            </a:solidFill>
-          </a:ln>
-        </p:spPr>
-        <p:style>
-          <a:lnRef idx="2">
-            <a:schemeClr val="accent1">
-              <a:shade val="50000"/>
-            </a:schemeClr>
-          </a:lnRef>
-          <a:fillRef idx="1">
-            <a:schemeClr val="accent1"/>
-          </a:fillRef>
-          <a:effectRef idx="0">
-            <a:schemeClr val="accent1"/>
-          </a:effectRef>
-          <a:fontRef idx="minor">
-            <a:schemeClr val="lt1"/>
-          </a:fontRef>
-        </p:style>
-        <p:txBody>
-          <a:bodyPr rtlCol="0" anchor="ctr"/>
-          <a:lstStyle/>
-          <a:p>
-            <a:pPr algn="ctr"/>
-            <a:endParaRPr lang="en-US"/>
-          </a:p>
-        </p:txBody>
-      </p:sp>
-      <p:sp>
-        <p:nvSpPr>
-          <p:cNvPr id="70" name="Rectangle 69"/>
-          <p:cNvSpPr/>
-          <p:nvPr/>
-        </p:nvSpPr>
-        <p:spPr>
-          <a:xfrm>
-            <a:off x="4593643" y="3919149"/>
-            <a:ext cx="104821" cy="101211"/>
+            <a:off x="2796616" y="26730"/>
+            <a:ext cx="329184" cy="369332"/>
           </a:xfrm>
           <a:prstGeom prst="rect">
             <a:avLst/>
           </a:prstGeom>
           <a:noFill/>
-          <a:ln w="19050">
-            <a:solidFill>
-              <a:schemeClr val="tx1">
-                <a:lumMod val="50000"/>
-                <a:lumOff val="50000"/>
-              </a:schemeClr>
-            </a:solidFill>
-          </a:ln>
-        </p:spPr>
-        <p:style>
-          <a:lnRef idx="2">
-            <a:schemeClr val="accent1">
-              <a:shade val="50000"/>
-            </a:schemeClr>
-          </a:lnRef>
-          <a:fillRef idx="1">
-            <a:schemeClr val="accent1"/>
-          </a:fillRef>
-          <a:effectRef idx="0">
-            <a:schemeClr val="accent1"/>
-          </a:effectRef>
-          <a:fontRef idx="minor">
-            <a:schemeClr val="lt1"/>
-          </a:fontRef>
-        </p:style>
-        <p:txBody>
-          <a:bodyPr rtlCol="0" anchor="ctr"/>
+        </p:spPr>
+        <p:txBody>
+          <a:bodyPr wrap="square" rtlCol="0">
+            <a:spAutoFit/>
+          </a:bodyPr>
           <a:lstStyle/>
           <a:p>
-            <a:pPr algn="ctr"/>
-            <a:endParaRPr lang="en-US"/>
-          </a:p>
-        </p:txBody>
-      </p:sp>
-      <p:sp>
-        <p:nvSpPr>
-          <p:cNvPr id="71" name="Oval 70"/>
-          <p:cNvSpPr/>
+            <a:r>
+              <a:rPr lang="en-US" b="1" dirty="0"/>
+              <a:t>B</a:t>
+            </a:r>
+            <a:endParaRPr lang="en-US" b="1" dirty="0"/>
+          </a:p>
+        </p:txBody>
+      </p:sp>
+      <p:sp>
+        <p:nvSpPr>
+          <p:cNvPr id="165" name="TextBox 164"/>
+          <p:cNvSpPr txBox="1"/>
           <p:nvPr/>
         </p:nvSpPr>
         <p:spPr>
           <a:xfrm>
-            <a:off x="5033712" y="4062707"/>
-            <a:ext cx="101737" cy="100606"/>
-          </a:xfrm>
-          <a:prstGeom prst="ellipse">
-            <a:avLst/>
-          </a:prstGeom>
-          <a:solidFill>
-            <a:schemeClr val="tx1">
-              <a:lumMod val="50000"/>
-              <a:lumOff val="50000"/>
-            </a:schemeClr>
-          </a:solidFill>
-          <a:ln w="38100">
-            <a:solidFill>
-              <a:schemeClr val="tx1">
-                <a:lumMod val="50000"/>
-                <a:lumOff val="50000"/>
-              </a:schemeClr>
-            </a:solidFill>
-          </a:ln>
-        </p:spPr>
-        <p:style>
-          <a:lnRef idx="2">
-            <a:schemeClr val="accent1">
-              <a:shade val="50000"/>
-            </a:schemeClr>
-          </a:lnRef>
-          <a:fillRef idx="1">
-            <a:schemeClr val="accent1"/>
-          </a:fillRef>
-          <a:effectRef idx="0">
-            <a:schemeClr val="accent1"/>
-          </a:effectRef>
-          <a:fontRef idx="minor">
-            <a:schemeClr val="lt1"/>
-          </a:fontRef>
-        </p:style>
-        <p:txBody>
-          <a:bodyPr rtlCol="0" anchor="ctr"/>
-          <a:lstStyle/>
-          <a:p>
-            <a:pPr algn="ctr"/>
-            <a:endParaRPr lang="en-US"/>
-          </a:p>
-        </p:txBody>
-      </p:sp>
-      <p:sp>
-        <p:nvSpPr>
-          <p:cNvPr id="72" name="Isosceles Triangle 71"/>
-          <p:cNvSpPr/>
-          <p:nvPr/>
-        </p:nvSpPr>
-        <p:spPr>
-          <a:xfrm>
-            <a:off x="4324348" y="3514107"/>
-            <a:ext cx="127775" cy="127699"/>
-          </a:xfrm>
-          <a:prstGeom prst="triangle">
-            <a:avLst/>
-          </a:prstGeom>
-          <a:noFill/>
-          <a:ln w="19050">
-            <a:solidFill>
-              <a:schemeClr val="tx1">
-                <a:lumMod val="50000"/>
-                <a:lumOff val="50000"/>
-              </a:schemeClr>
-            </a:solidFill>
-          </a:ln>
-        </p:spPr>
-        <p:style>
-          <a:lnRef idx="2">
-            <a:schemeClr val="accent1">
-              <a:shade val="50000"/>
-            </a:schemeClr>
-          </a:lnRef>
-          <a:fillRef idx="1">
-            <a:schemeClr val="accent1"/>
-          </a:fillRef>
-          <a:effectRef idx="0">
-            <a:schemeClr val="accent1"/>
-          </a:effectRef>
-          <a:fontRef idx="minor">
-            <a:schemeClr val="lt1"/>
-          </a:fontRef>
-        </p:style>
-        <p:txBody>
-          <a:bodyPr rtlCol="0" anchor="ctr"/>
-          <a:lstStyle/>
-          <a:p>
-            <a:pPr algn="ctr"/>
-            <a:endParaRPr lang="en-US"/>
-          </a:p>
-        </p:txBody>
-      </p:sp>
-      <p:sp>
-        <p:nvSpPr>
-          <p:cNvPr id="85" name="Diamond 84"/>
-          <p:cNvSpPr/>
-          <p:nvPr/>
-        </p:nvSpPr>
-        <p:spPr>
-          <a:xfrm>
-            <a:off x="3844032" y="2435082"/>
-            <a:ext cx="143736" cy="126805"/>
-          </a:xfrm>
-          <a:prstGeom prst="diamond">
-            <a:avLst/>
-          </a:prstGeom>
-          <a:noFill/>
-          <a:ln w="19050">
-            <a:solidFill>
-              <a:schemeClr val="tx1">
-                <a:lumMod val="50000"/>
-                <a:lumOff val="50000"/>
-              </a:schemeClr>
-            </a:solidFill>
-          </a:ln>
-        </p:spPr>
-        <p:style>
-          <a:lnRef idx="2">
-            <a:schemeClr val="accent1">
-              <a:shade val="50000"/>
-            </a:schemeClr>
-          </a:lnRef>
-          <a:fillRef idx="1">
-            <a:schemeClr val="accent1"/>
-          </a:fillRef>
-          <a:effectRef idx="0">
-            <a:schemeClr val="accent1"/>
-          </a:effectRef>
-          <a:fontRef idx="minor">
-            <a:schemeClr val="lt1"/>
-          </a:fontRef>
-        </p:style>
-        <p:txBody>
-          <a:bodyPr rtlCol="0" anchor="ctr"/>
-          <a:lstStyle/>
-          <a:p>
-            <a:pPr algn="ctr"/>
-            <a:endParaRPr lang="en-US"/>
-          </a:p>
-        </p:txBody>
-      </p:sp>
-      <p:sp>
-        <p:nvSpPr>
-          <p:cNvPr id="92" name="Rectangle 91"/>
-          <p:cNvSpPr/>
-          <p:nvPr/>
-        </p:nvSpPr>
-        <p:spPr>
-          <a:xfrm>
-            <a:off x="3345406" y="2827443"/>
-            <a:ext cx="106550" cy="101211"/>
-          </a:xfrm>
-          <a:prstGeom prst="rect">
-            <a:avLst/>
-          </a:prstGeom>
-          <a:solidFill>
-            <a:schemeClr val="tx1">
-              <a:lumMod val="50000"/>
-              <a:lumOff val="50000"/>
-            </a:schemeClr>
-          </a:solidFill>
-          <a:ln w="38100">
-            <a:solidFill>
-              <a:schemeClr val="tx1">
-                <a:lumMod val="50000"/>
-                <a:lumOff val="50000"/>
-              </a:schemeClr>
-            </a:solidFill>
-          </a:ln>
-        </p:spPr>
-        <p:style>
-          <a:lnRef idx="2">
-            <a:schemeClr val="accent1">
-              <a:shade val="50000"/>
-            </a:schemeClr>
-          </a:lnRef>
-          <a:fillRef idx="1">
-            <a:schemeClr val="accent1"/>
-          </a:fillRef>
-          <a:effectRef idx="0">
-            <a:schemeClr val="accent1"/>
-          </a:effectRef>
-          <a:fontRef idx="minor">
-            <a:schemeClr val="lt1"/>
-          </a:fontRef>
-        </p:style>
-        <p:txBody>
-          <a:bodyPr rtlCol="0" anchor="ctr"/>
-          <a:lstStyle/>
-          <a:p>
-            <a:pPr algn="ctr"/>
-            <a:endParaRPr lang="en-US"/>
-          </a:p>
-        </p:txBody>
-      </p:sp>
-      <p:sp>
-        <p:nvSpPr>
-          <p:cNvPr id="93" name="Oval 92"/>
-          <p:cNvSpPr/>
-          <p:nvPr/>
-        </p:nvSpPr>
-        <p:spPr>
-          <a:xfrm>
-            <a:off x="3785474" y="2971001"/>
-            <a:ext cx="101737" cy="100606"/>
-          </a:xfrm>
-          <a:prstGeom prst="ellipse">
-            <a:avLst/>
-          </a:prstGeom>
-          <a:solidFill>
-            <a:schemeClr val="tx1">
-              <a:lumMod val="50000"/>
-              <a:lumOff val="50000"/>
-            </a:schemeClr>
-          </a:solidFill>
-          <a:ln w="38100">
-            <a:solidFill>
-              <a:schemeClr val="tx1">
-                <a:lumMod val="50000"/>
-                <a:lumOff val="50000"/>
-              </a:schemeClr>
-            </a:solidFill>
-          </a:ln>
-        </p:spPr>
-        <p:style>
-          <a:lnRef idx="2">
-            <a:schemeClr val="accent1">
-              <a:shade val="50000"/>
-            </a:schemeClr>
-          </a:lnRef>
-          <a:fillRef idx="1">
-            <a:schemeClr val="accent1"/>
-          </a:fillRef>
-          <a:effectRef idx="0">
-            <a:schemeClr val="accent1"/>
-          </a:effectRef>
-          <a:fontRef idx="minor">
-            <a:schemeClr val="lt1"/>
-          </a:fontRef>
-        </p:style>
-        <p:txBody>
-          <a:bodyPr rtlCol="0" anchor="ctr"/>
-          <a:lstStyle/>
-          <a:p>
-            <a:pPr algn="ctr"/>
-            <a:endParaRPr lang="en-US"/>
-          </a:p>
-        </p:txBody>
-      </p:sp>
-      <p:sp>
-        <p:nvSpPr>
-          <p:cNvPr id="94" name="Isosceles Triangle 93"/>
-          <p:cNvSpPr/>
-          <p:nvPr/>
-        </p:nvSpPr>
-        <p:spPr>
-          <a:xfrm>
-            <a:off x="3076110" y="2431370"/>
-            <a:ext cx="104173" cy="103235"/>
-          </a:xfrm>
-          <a:prstGeom prst="triangle">
-            <a:avLst/>
-          </a:prstGeom>
-          <a:solidFill>
-            <a:schemeClr val="tx1">
-              <a:lumMod val="50000"/>
-              <a:lumOff val="50000"/>
-            </a:schemeClr>
-          </a:solidFill>
-          <a:ln w="38100">
-            <a:solidFill>
-              <a:schemeClr val="tx1">
-                <a:lumMod val="50000"/>
-                <a:lumOff val="50000"/>
-              </a:schemeClr>
-            </a:solidFill>
-          </a:ln>
-        </p:spPr>
-        <p:style>
-          <a:lnRef idx="2">
-            <a:schemeClr val="accent1">
-              <a:shade val="50000"/>
-            </a:schemeClr>
-          </a:lnRef>
-          <a:fillRef idx="1">
-            <a:schemeClr val="accent1"/>
-          </a:fillRef>
-          <a:effectRef idx="0">
-            <a:schemeClr val="accent1"/>
-          </a:effectRef>
-          <a:fontRef idx="minor">
-            <a:schemeClr val="lt1"/>
-          </a:fontRef>
-        </p:style>
-        <p:txBody>
-          <a:bodyPr rtlCol="0" anchor="ctr"/>
-          <a:lstStyle/>
-          <a:p>
-            <a:pPr algn="ctr"/>
-            <a:endParaRPr lang="en-US"/>
-          </a:p>
-        </p:txBody>
-      </p:sp>
-      <p:sp>
-        <p:nvSpPr>
-          <p:cNvPr id="103" name="Rectangle 102"/>
-          <p:cNvSpPr/>
-          <p:nvPr/>
-        </p:nvSpPr>
-        <p:spPr>
-          <a:xfrm>
-            <a:off x="4572803" y="2821267"/>
-            <a:ext cx="104821" cy="101211"/>
-          </a:xfrm>
-          <a:prstGeom prst="rect">
-            <a:avLst/>
-          </a:prstGeom>
-          <a:solidFill>
-            <a:schemeClr val="tx1">
-              <a:lumMod val="50000"/>
-              <a:lumOff val="50000"/>
-            </a:schemeClr>
-          </a:solidFill>
-          <a:ln w="38100">
-            <a:solidFill>
-              <a:schemeClr val="tx1">
-                <a:lumMod val="50000"/>
-                <a:lumOff val="50000"/>
-              </a:schemeClr>
-            </a:solidFill>
-          </a:ln>
-        </p:spPr>
-        <p:style>
-          <a:lnRef idx="2">
-            <a:schemeClr val="accent1">
-              <a:shade val="50000"/>
-            </a:schemeClr>
-          </a:lnRef>
-          <a:fillRef idx="1">
-            <a:schemeClr val="accent1"/>
-          </a:fillRef>
-          <a:effectRef idx="0">
-            <a:schemeClr val="accent1"/>
-          </a:effectRef>
-          <a:fontRef idx="minor">
-            <a:schemeClr val="lt1"/>
-          </a:fontRef>
-        </p:style>
-        <p:txBody>
-          <a:bodyPr rtlCol="0" anchor="ctr"/>
-          <a:lstStyle/>
-          <a:p>
-            <a:pPr algn="ctr"/>
-            <a:endParaRPr lang="en-US"/>
-          </a:p>
-        </p:txBody>
-      </p:sp>
-      <p:sp>
-        <p:nvSpPr>
-          <p:cNvPr id="104" name="Oval 103"/>
-          <p:cNvSpPr/>
-          <p:nvPr/>
-        </p:nvSpPr>
-        <p:spPr>
-          <a:xfrm>
-            <a:off x="5012872" y="2952453"/>
-            <a:ext cx="122577" cy="112978"/>
-          </a:xfrm>
-          <a:prstGeom prst="ellipse">
-            <a:avLst/>
-          </a:prstGeom>
-          <a:noFill/>
-          <a:ln w="19050">
-            <a:solidFill>
-              <a:schemeClr val="tx1">
-                <a:lumMod val="50000"/>
-                <a:lumOff val="50000"/>
-              </a:schemeClr>
-            </a:solidFill>
-          </a:ln>
-        </p:spPr>
-        <p:style>
-          <a:lnRef idx="2">
-            <a:schemeClr val="accent1">
-              <a:shade val="50000"/>
-            </a:schemeClr>
-          </a:lnRef>
-          <a:fillRef idx="1">
-            <a:schemeClr val="accent1"/>
-          </a:fillRef>
-          <a:effectRef idx="0">
-            <a:schemeClr val="accent1"/>
-          </a:effectRef>
-          <a:fontRef idx="minor">
-            <a:schemeClr val="lt1"/>
-          </a:fontRef>
-        </p:style>
-        <p:txBody>
-          <a:bodyPr rtlCol="0" anchor="ctr"/>
-          <a:lstStyle/>
-          <a:p>
-            <a:pPr algn="ctr"/>
-            <a:endParaRPr lang="en-US"/>
-          </a:p>
-        </p:txBody>
-      </p:sp>
-      <p:sp>
-        <p:nvSpPr>
-          <p:cNvPr id="110" name="Isosceles Triangle 109"/>
-          <p:cNvSpPr/>
-          <p:nvPr/>
-        </p:nvSpPr>
-        <p:spPr>
-          <a:xfrm>
-            <a:off x="4281302" y="2412064"/>
-            <a:ext cx="127775" cy="127699"/>
-          </a:xfrm>
-          <a:prstGeom prst="triangle">
-            <a:avLst/>
-          </a:prstGeom>
-          <a:noFill/>
-          <a:ln w="19050">
-            <a:solidFill>
-              <a:schemeClr val="tx1">
-                <a:lumMod val="50000"/>
-                <a:lumOff val="50000"/>
-              </a:schemeClr>
-            </a:solidFill>
-          </a:ln>
-        </p:spPr>
-        <p:style>
-          <a:lnRef idx="2">
-            <a:schemeClr val="accent1">
-              <a:shade val="50000"/>
-            </a:schemeClr>
-          </a:lnRef>
-          <a:fillRef idx="1">
-            <a:schemeClr val="accent1"/>
-          </a:fillRef>
-          <a:effectRef idx="0">
-            <a:schemeClr val="accent1"/>
-          </a:effectRef>
-          <a:fontRef idx="minor">
-            <a:schemeClr val="lt1"/>
-          </a:fontRef>
-        </p:style>
-        <p:txBody>
-          <a:bodyPr rtlCol="0" anchor="ctr"/>
-          <a:lstStyle/>
-          <a:p>
-            <a:pPr algn="ctr"/>
-            <a:endParaRPr lang="en-US"/>
-          </a:p>
-        </p:txBody>
-      </p:sp>
-      <p:sp>
-        <p:nvSpPr>
-          <p:cNvPr id="111" name="Diamond 110"/>
-          <p:cNvSpPr/>
-          <p:nvPr/>
-        </p:nvSpPr>
-        <p:spPr>
-          <a:xfrm>
-            <a:off x="5092270" y="2431370"/>
-            <a:ext cx="143736" cy="126805"/>
-          </a:xfrm>
-          <a:prstGeom prst="diamond">
-            <a:avLst/>
-          </a:prstGeom>
-          <a:noFill/>
-          <a:ln w="19050">
-            <a:solidFill>
-              <a:schemeClr val="tx1">
-                <a:lumMod val="50000"/>
-                <a:lumOff val="50000"/>
-              </a:schemeClr>
-            </a:solidFill>
-          </a:ln>
-        </p:spPr>
-        <p:style>
-          <a:lnRef idx="2">
-            <a:schemeClr val="accent1">
-              <a:shade val="50000"/>
-            </a:schemeClr>
-          </a:lnRef>
-          <a:fillRef idx="1">
-            <a:schemeClr val="accent1"/>
-          </a:fillRef>
-          <a:effectRef idx="0">
-            <a:schemeClr val="accent1"/>
-          </a:effectRef>
-          <a:fontRef idx="minor">
-            <a:schemeClr val="lt1"/>
-          </a:fontRef>
-        </p:style>
-        <p:txBody>
-          <a:bodyPr rtlCol="0" anchor="ctr"/>
-          <a:lstStyle/>
-          <a:p>
-            <a:pPr algn="ctr"/>
-            <a:endParaRPr lang="en-US"/>
-          </a:p>
-        </p:txBody>
-      </p:sp>
-      <p:sp>
-        <p:nvSpPr>
-          <p:cNvPr id="112" name="Hexagon 111"/>
-          <p:cNvSpPr/>
-          <p:nvPr/>
-        </p:nvSpPr>
-        <p:spPr>
-          <a:xfrm>
-            <a:off x="4252611" y="3071403"/>
-            <a:ext cx="163241" cy="133005"/>
-          </a:xfrm>
-          <a:prstGeom prst="hexagon">
-            <a:avLst/>
-          </a:prstGeom>
-          <a:solidFill>
-            <a:schemeClr val="tx1">
-              <a:lumMod val="50000"/>
-              <a:lumOff val="50000"/>
-            </a:schemeClr>
-          </a:solidFill>
-          <a:ln w="38100">
-            <a:solidFill>
-              <a:schemeClr val="tx1">
-                <a:lumMod val="50000"/>
-                <a:lumOff val="50000"/>
-              </a:schemeClr>
-            </a:solidFill>
-          </a:ln>
-        </p:spPr>
-        <p:style>
-          <a:lnRef idx="2">
-            <a:schemeClr val="accent1">
-              <a:shade val="50000"/>
-            </a:schemeClr>
-          </a:lnRef>
-          <a:fillRef idx="1">
-            <a:schemeClr val="accent1"/>
-          </a:fillRef>
-          <a:effectRef idx="0">
-            <a:schemeClr val="accent1"/>
-          </a:effectRef>
-          <a:fontRef idx="minor">
-            <a:schemeClr val="lt1"/>
-          </a:fontRef>
-        </p:style>
-        <p:txBody>
-          <a:bodyPr rtlCol="0" anchor="ctr"/>
-          <a:lstStyle/>
-          <a:p>
-            <a:pPr algn="ctr"/>
-            <a:endParaRPr lang="en-US"/>
-          </a:p>
-        </p:txBody>
-      </p:sp>
-      <p:sp>
-        <p:nvSpPr>
-          <p:cNvPr id="113" name="Hexagon 112"/>
-          <p:cNvSpPr/>
-          <p:nvPr/>
-        </p:nvSpPr>
-        <p:spPr>
-          <a:xfrm>
-            <a:off x="4252611" y="4161231"/>
-            <a:ext cx="163241" cy="133005"/>
-          </a:xfrm>
-          <a:prstGeom prst="hexagon">
-            <a:avLst/>
-          </a:prstGeom>
-          <a:solidFill>
-            <a:schemeClr val="tx1">
-              <a:lumMod val="50000"/>
-              <a:lumOff val="50000"/>
-            </a:schemeClr>
-          </a:solidFill>
-          <a:ln w="38100">
-            <a:solidFill>
-              <a:schemeClr val="tx1">
-                <a:lumMod val="50000"/>
-                <a:lumOff val="50000"/>
-              </a:schemeClr>
-            </a:solidFill>
-          </a:ln>
-        </p:spPr>
-        <p:style>
-          <a:lnRef idx="2">
-            <a:schemeClr val="accent1">
-              <a:shade val="50000"/>
-            </a:schemeClr>
-          </a:lnRef>
-          <a:fillRef idx="1">
-            <a:schemeClr val="accent1"/>
-          </a:fillRef>
-          <a:effectRef idx="0">
-            <a:schemeClr val="accent1"/>
-          </a:effectRef>
-          <a:fontRef idx="minor">
-            <a:schemeClr val="lt1"/>
-          </a:fontRef>
-        </p:style>
-        <p:txBody>
-          <a:bodyPr rtlCol="0" anchor="ctr"/>
-          <a:lstStyle/>
-          <a:p>
-            <a:pPr algn="ctr"/>
-            <a:endParaRPr lang="en-US"/>
-          </a:p>
-        </p:txBody>
-      </p:sp>
-      <p:sp>
-        <p:nvSpPr>
-          <p:cNvPr id="114" name="Hexagon 113"/>
-          <p:cNvSpPr/>
-          <p:nvPr/>
-        </p:nvSpPr>
-        <p:spPr>
-          <a:xfrm>
-            <a:off x="2951443" y="3051174"/>
-            <a:ext cx="163241" cy="133005"/>
-          </a:xfrm>
-          <a:prstGeom prst="hexagon">
-            <a:avLst/>
-          </a:prstGeom>
-          <a:noFill/>
-          <a:ln w="19050">
-            <a:solidFill>
-              <a:schemeClr val="tx1">
-                <a:lumMod val="50000"/>
-                <a:lumOff val="50000"/>
-              </a:schemeClr>
-            </a:solidFill>
-          </a:ln>
-        </p:spPr>
-        <p:style>
-          <a:lnRef idx="2">
-            <a:schemeClr val="accent1">
-              <a:shade val="50000"/>
-            </a:schemeClr>
-          </a:lnRef>
-          <a:fillRef idx="1">
-            <a:schemeClr val="accent1"/>
-          </a:fillRef>
-          <a:effectRef idx="0">
-            <a:schemeClr val="accent1"/>
-          </a:effectRef>
-          <a:fontRef idx="minor">
-            <a:schemeClr val="lt1"/>
-          </a:fontRef>
-        </p:style>
-        <p:txBody>
-          <a:bodyPr rtlCol="0" anchor="ctr"/>
-          <a:lstStyle/>
-          <a:p>
-            <a:pPr algn="ctr"/>
-            <a:endParaRPr lang="en-US"/>
-          </a:p>
-        </p:txBody>
-      </p:sp>
-      <p:sp>
-        <p:nvSpPr>
-          <p:cNvPr id="115" name="Hexagon 114"/>
-          <p:cNvSpPr/>
-          <p:nvPr/>
-        </p:nvSpPr>
-        <p:spPr>
-          <a:xfrm>
-            <a:off x="2951443" y="4141002"/>
-            <a:ext cx="163241" cy="133005"/>
-          </a:xfrm>
-          <a:prstGeom prst="hexagon">
-            <a:avLst/>
-          </a:prstGeom>
-          <a:noFill/>
-          <a:ln w="19050">
-            <a:solidFill>
-              <a:schemeClr val="tx1">
-                <a:lumMod val="50000"/>
-                <a:lumOff val="50000"/>
-              </a:schemeClr>
-            </a:solidFill>
-          </a:ln>
-        </p:spPr>
-        <p:style>
-          <a:lnRef idx="2">
-            <a:schemeClr val="accent1">
-              <a:shade val="50000"/>
-            </a:schemeClr>
-          </a:lnRef>
-          <a:fillRef idx="1">
-            <a:schemeClr val="accent1"/>
-          </a:fillRef>
-          <a:effectRef idx="0">
-            <a:schemeClr val="accent1"/>
-          </a:effectRef>
-          <a:fontRef idx="minor">
-            <a:schemeClr val="lt1"/>
-          </a:fontRef>
-        </p:style>
-        <p:txBody>
-          <a:bodyPr rtlCol="0" anchor="ctr"/>
-          <a:lstStyle/>
-          <a:p>
-            <a:pPr algn="ctr"/>
-            <a:endParaRPr lang="en-US"/>
-          </a:p>
-        </p:txBody>
-      </p:sp>
-      <p:pic>
-        <p:nvPicPr>
-          <p:cNvPr id="3" name="Picture 2"/>
-          <p:cNvPicPr>
-            <a:picLocks noChangeAspect="1"/>
-          </p:cNvPicPr>
-          <p:nvPr/>
-        </p:nvPicPr>
-        <p:blipFill>
-          <a:blip r:embed="rId3"/>
-          <a:stretch>
-            <a:fillRect/>
-          </a:stretch>
-        </p:blipFill>
-        <p:spPr>
-          <a:xfrm>
-            <a:off x="2903627" y="297019"/>
-            <a:ext cx="2495356" cy="1650400"/>
-          </a:xfrm>
-          <a:prstGeom prst="rect">
-            <a:avLst/>
-          </a:prstGeom>
-        </p:spPr>
-      </p:pic>
-      <p:sp>
-        <p:nvSpPr>
-          <p:cNvPr id="64" name="Rectangle 63"/>
-          <p:cNvSpPr/>
-          <p:nvPr/>
-        </p:nvSpPr>
-        <p:spPr>
-          <a:xfrm>
-            <a:off x="2849468" y="2288526"/>
-            <a:ext cx="1277474" cy="1069826"/>
+            <a:off x="148881" y="26730"/>
+            <a:ext cx="329184" cy="369332"/>
           </a:xfrm>
           <a:prstGeom prst="rect">
             <a:avLst/>
           </a:prstGeom>
           <a:noFill/>
-          <a:ln w="6350">
-            <a:solidFill>
-              <a:schemeClr val="tx1"/>
-            </a:solidFill>
-          </a:ln>
-        </p:spPr>
-        <p:style>
-          <a:lnRef idx="2">
-            <a:schemeClr val="accent1">
-              <a:shade val="50000"/>
-            </a:schemeClr>
-          </a:lnRef>
-          <a:fillRef idx="1">
-            <a:schemeClr val="accent1"/>
-          </a:fillRef>
-          <a:effectRef idx="0">
-            <a:schemeClr val="accent1"/>
-          </a:effectRef>
-          <a:fontRef idx="minor">
-            <a:schemeClr val="lt1"/>
-          </a:fontRef>
-        </p:style>
-        <p:txBody>
-          <a:bodyPr rtlCol="0" anchor="ctr"/>
+        </p:spPr>
+        <p:txBody>
+          <a:bodyPr wrap="square" rtlCol="0">
+            <a:spAutoFit/>
+          </a:bodyPr>
           <a:lstStyle/>
           <a:p>
-            <a:pPr algn="ctr"/>
-            <a:endParaRPr lang="en-US"/>
+            <a:r>
+              <a:rPr lang="en-US" b="1" dirty="0" smtClean="0"/>
+              <a:t>A</a:t>
+            </a:r>
+            <a:endParaRPr lang="en-US" b="1" dirty="0"/>
+          </a:p>
+        </p:txBody>
+      </p:sp>
+      <p:sp>
+        <p:nvSpPr>
+          <p:cNvPr id="166" name="TextBox 165"/>
+          <p:cNvSpPr txBox="1"/>
+          <p:nvPr/>
+        </p:nvSpPr>
+        <p:spPr>
+          <a:xfrm flipH="1">
+            <a:off x="134462" y="2208311"/>
+            <a:ext cx="240792" cy="369332"/>
+          </a:xfrm>
+          <a:prstGeom prst="rect">
+            <a:avLst/>
+          </a:prstGeom>
+          <a:noFill/>
+        </p:spPr>
+        <p:txBody>
+          <a:bodyPr wrap="square" rtlCol="0">
+            <a:spAutoFit/>
+          </a:bodyPr>
+          <a:lstStyle/>
+          <a:p>
+            <a:r>
+              <a:rPr lang="en-US" b="1" dirty="0"/>
+              <a:t>C</a:t>
+            </a:r>
+            <a:endParaRPr lang="en-US" b="1" dirty="0"/>
+          </a:p>
+        </p:txBody>
+      </p:sp>
+      <p:sp>
+        <p:nvSpPr>
+          <p:cNvPr id="167" name="TextBox 166"/>
+          <p:cNvSpPr txBox="1"/>
+          <p:nvPr/>
+        </p:nvSpPr>
+        <p:spPr>
+          <a:xfrm>
+            <a:off x="2795703" y="2229595"/>
+            <a:ext cx="329184" cy="369332"/>
+          </a:xfrm>
+          <a:prstGeom prst="rect">
+            <a:avLst/>
+          </a:prstGeom>
+          <a:noFill/>
+        </p:spPr>
+        <p:txBody>
+          <a:bodyPr wrap="square" rtlCol="0">
+            <a:spAutoFit/>
+          </a:bodyPr>
+          <a:lstStyle/>
+          <a:p>
+            <a:r>
+              <a:rPr lang="en-US" b="1" dirty="0" smtClean="0"/>
+              <a:t>D</a:t>
+            </a:r>
+            <a:endParaRPr lang="en-US" b="1" dirty="0"/>
+          </a:p>
+        </p:txBody>
+      </p:sp>
+      <p:sp>
+        <p:nvSpPr>
+          <p:cNvPr id="168" name="TextBox 167"/>
+          <p:cNvSpPr txBox="1"/>
+          <p:nvPr/>
+        </p:nvSpPr>
+        <p:spPr>
+          <a:xfrm>
+            <a:off x="134462" y="4440977"/>
+            <a:ext cx="2044550" cy="369332"/>
+          </a:xfrm>
+          <a:prstGeom prst="rect">
+            <a:avLst/>
+          </a:prstGeom>
+          <a:noFill/>
+        </p:spPr>
+        <p:txBody>
+          <a:bodyPr wrap="square" rtlCol="0">
+            <a:spAutoFit/>
+          </a:bodyPr>
+          <a:lstStyle/>
+          <a:p>
+            <a:r>
+              <a:rPr lang="en-US" b="1" dirty="0" smtClean="0"/>
+              <a:t>E – Time T1</a:t>
+            </a:r>
+            <a:endParaRPr lang="en-US" b="1" dirty="0"/>
+          </a:p>
+        </p:txBody>
+      </p:sp>
+      <p:sp>
+        <p:nvSpPr>
+          <p:cNvPr id="169" name="TextBox 168"/>
+          <p:cNvSpPr txBox="1"/>
+          <p:nvPr/>
+        </p:nvSpPr>
+        <p:spPr>
+          <a:xfrm>
+            <a:off x="2803804" y="4438296"/>
+            <a:ext cx="2044550" cy="369332"/>
+          </a:xfrm>
+          <a:prstGeom prst="rect">
+            <a:avLst/>
+          </a:prstGeom>
+          <a:noFill/>
+        </p:spPr>
+        <p:txBody>
+          <a:bodyPr wrap="square" rtlCol="0">
+            <a:spAutoFit/>
+          </a:bodyPr>
+          <a:lstStyle/>
+          <a:p>
+            <a:r>
+              <a:rPr lang="en-US" b="1" dirty="0" smtClean="0"/>
+              <a:t>E – Time T2</a:t>
+            </a:r>
+            <a:endParaRPr lang="en-US" b="1" dirty="0"/>
           </a:p>
         </p:txBody>
       </p:sp>
@@ -8078,6 +10374,932 @@
           <a:chExt cx="0" cy="0"/>
         </a:xfrm>
       </p:grpSpPr>
+      <p:graphicFrame>
+        <p:nvGraphicFramePr>
+          <p:cNvPr id="61" name="Table 60"/>
+          <p:cNvGraphicFramePr>
+            <a:graphicFrameLocks noGrp="1"/>
+          </p:cNvGraphicFramePr>
+          <p:nvPr>
+            <p:extLst>
+              <p:ext uri="{D42A27DB-BD31-4B8C-83A1-F6EECF244321}">
+                <p14:modId xmlns:p14="http://schemas.microsoft.com/office/powerpoint/2010/main" val="5985574"/>
+              </p:ext>
+            </p:extLst>
+          </p:nvPr>
+        </p:nvGraphicFramePr>
+        <p:xfrm>
+          <a:off x="2741119" y="65331"/>
+          <a:ext cx="3496250" cy="1463040"/>
+        </p:xfrm>
+        <a:graphic>
+          <a:graphicData uri="http://schemas.openxmlformats.org/drawingml/2006/table">
+            <a:tbl>
+              <a:tblPr firstRow="1" bandRow="1">
+                <a:tableStyleId>{5C22544A-7EE6-4342-B048-85BDC9FD1C3A}</a:tableStyleId>
+              </a:tblPr>
+              <a:tblGrid>
+                <a:gridCol w="668071">
+                  <a:extLst>
+                    <a:ext uri="{9D8B030D-6E8A-4147-A177-3AD203B41FA5}">
+                      <a16:colId xmlns:a16="http://schemas.microsoft.com/office/drawing/2014/main" val="3777247511"/>
+                    </a:ext>
+                  </a:extLst>
+                </a:gridCol>
+                <a:gridCol w="998623">
+                  <a:extLst>
+                    <a:ext uri="{9D8B030D-6E8A-4147-A177-3AD203B41FA5}">
+                      <a16:colId xmlns:a16="http://schemas.microsoft.com/office/drawing/2014/main" val="3565287180"/>
+                    </a:ext>
+                  </a:extLst>
+                </a:gridCol>
+                <a:gridCol w="591157">
+                  <a:extLst>
+                    <a:ext uri="{9D8B030D-6E8A-4147-A177-3AD203B41FA5}">
+                      <a16:colId xmlns:a16="http://schemas.microsoft.com/office/drawing/2014/main" val="310175345"/>
+                    </a:ext>
+                  </a:extLst>
+                </a:gridCol>
+                <a:gridCol w="1238399">
+                  <a:extLst>
+                    <a:ext uri="{9D8B030D-6E8A-4147-A177-3AD203B41FA5}">
+                      <a16:colId xmlns:a16="http://schemas.microsoft.com/office/drawing/2014/main" val="2991616883"/>
+                    </a:ext>
+                  </a:extLst>
+                </a:gridCol>
+              </a:tblGrid>
+              <a:tr h="315669">
+                <a:tc>
+                  <a:txBody>
+                    <a:bodyPr/>
+                    <a:lstStyle/>
+                    <a:p>
+                      <a:endParaRPr lang="en-US" dirty="0"/>
+                    </a:p>
+                  </a:txBody>
+                  <a:tcPr>
+                    <a:lnL w="12700" cap="flat" cmpd="sng" algn="ctr">
+                      <a:solidFill>
+                        <a:schemeClr val="tx1"/>
+                      </a:solidFill>
+                      <a:prstDash val="solid"/>
+                      <a:round/>
+                      <a:headEnd type="none" w="med" len="med"/>
+                      <a:tailEnd type="none" w="med" len="med"/>
+                    </a:lnL>
+                    <a:lnR w="12700" cap="flat" cmpd="sng" algn="ctr">
+                      <a:solidFill>
+                        <a:schemeClr val="tx1"/>
+                      </a:solidFill>
+                      <a:prstDash val="solid"/>
+                      <a:round/>
+                      <a:headEnd type="none" w="med" len="med"/>
+                      <a:tailEnd type="none" w="med" len="med"/>
+                    </a:lnR>
+                    <a:lnT w="12700" cap="flat" cmpd="sng" algn="ctr">
+                      <a:solidFill>
+                        <a:schemeClr val="tx1"/>
+                      </a:solidFill>
+                      <a:prstDash val="solid"/>
+                      <a:round/>
+                      <a:headEnd type="none" w="med" len="med"/>
+                      <a:tailEnd type="none" w="med" len="med"/>
+                    </a:lnT>
+                    <a:lnB w="12700" cap="flat" cmpd="sng" algn="ctr">
+                      <a:solidFill>
+                        <a:schemeClr val="tx1"/>
+                      </a:solidFill>
+                      <a:prstDash val="solid"/>
+                      <a:round/>
+                      <a:headEnd type="none" w="med" len="med"/>
+                      <a:tailEnd type="none" w="med" len="med"/>
+                    </a:lnB>
+                    <a:noFill/>
+                  </a:tcPr>
+                </a:tc>
+                <a:tc>
+                  <a:txBody>
+                    <a:bodyPr/>
+                    <a:lstStyle/>
+                    <a:p>
+                      <a:r>
+                        <a:rPr lang="en-US" sz="1200" b="0" dirty="0" smtClean="0">
+                          <a:solidFill>
+                            <a:schemeClr val="tx1"/>
+                          </a:solidFill>
+                        </a:rPr>
+                        <a:t>Birds</a:t>
+                      </a:r>
+                      <a:endParaRPr lang="en-US" sz="1200" b="0" dirty="0">
+                        <a:solidFill>
+                          <a:schemeClr val="tx1"/>
+                        </a:solidFill>
+                      </a:endParaRPr>
+                    </a:p>
+                  </a:txBody>
+                  <a:tcPr>
+                    <a:lnL w="12700" cap="flat" cmpd="sng" algn="ctr">
+                      <a:solidFill>
+                        <a:schemeClr val="tx1"/>
+                      </a:solidFill>
+                      <a:prstDash val="solid"/>
+                      <a:round/>
+                      <a:headEnd type="none" w="med" len="med"/>
+                      <a:tailEnd type="none" w="med" len="med"/>
+                    </a:lnL>
+                    <a:lnR w="12700" cap="flat" cmpd="sng" algn="ctr">
+                      <a:solidFill>
+                        <a:schemeClr val="tx1"/>
+                      </a:solidFill>
+                      <a:prstDash val="solid"/>
+                      <a:round/>
+                      <a:headEnd type="none" w="med" len="med"/>
+                      <a:tailEnd type="none" w="med" len="med"/>
+                    </a:lnR>
+                    <a:lnT w="12700" cap="flat" cmpd="sng" algn="ctr">
+                      <a:solidFill>
+                        <a:schemeClr val="tx1"/>
+                      </a:solidFill>
+                      <a:prstDash val="solid"/>
+                      <a:round/>
+                      <a:headEnd type="none" w="med" len="med"/>
+                      <a:tailEnd type="none" w="med" len="med"/>
+                    </a:lnT>
+                    <a:lnB w="12700" cap="flat" cmpd="sng" algn="ctr">
+                      <a:solidFill>
+                        <a:schemeClr val="tx1"/>
+                      </a:solidFill>
+                      <a:prstDash val="solid"/>
+                      <a:round/>
+                      <a:headEnd type="none" w="med" len="med"/>
+                      <a:tailEnd type="none" w="med" len="med"/>
+                    </a:lnB>
+                    <a:noFill/>
+                  </a:tcPr>
+                </a:tc>
+                <a:tc>
+                  <a:txBody>
+                    <a:bodyPr/>
+                    <a:lstStyle/>
+                    <a:p>
+                      <a:endParaRPr lang="en-US" sz="1200" b="0" dirty="0">
+                        <a:solidFill>
+                          <a:schemeClr val="tx1"/>
+                        </a:solidFill>
+                      </a:endParaRPr>
+                    </a:p>
+                  </a:txBody>
+                  <a:tcPr>
+                    <a:lnL w="12700" cap="flat" cmpd="sng" algn="ctr">
+                      <a:solidFill>
+                        <a:schemeClr val="tx1"/>
+                      </a:solidFill>
+                      <a:prstDash val="solid"/>
+                      <a:round/>
+                      <a:headEnd type="none" w="med" len="med"/>
+                      <a:tailEnd type="none" w="med" len="med"/>
+                    </a:lnL>
+                    <a:lnR w="12700" cap="flat" cmpd="sng" algn="ctr">
+                      <a:solidFill>
+                        <a:schemeClr val="tx1"/>
+                      </a:solidFill>
+                      <a:prstDash val="solid"/>
+                      <a:round/>
+                      <a:headEnd type="none" w="med" len="med"/>
+                      <a:tailEnd type="none" w="med" len="med"/>
+                    </a:lnR>
+                    <a:lnT w="12700" cap="flat" cmpd="sng" algn="ctr">
+                      <a:solidFill>
+                        <a:schemeClr val="tx1"/>
+                      </a:solidFill>
+                      <a:prstDash val="solid"/>
+                      <a:round/>
+                      <a:headEnd type="none" w="med" len="med"/>
+                      <a:tailEnd type="none" w="med" len="med"/>
+                    </a:lnT>
+                    <a:lnB w="12700" cap="flat" cmpd="sng" algn="ctr">
+                      <a:solidFill>
+                        <a:schemeClr val="tx1"/>
+                      </a:solidFill>
+                      <a:prstDash val="solid"/>
+                      <a:round/>
+                      <a:headEnd type="none" w="med" len="med"/>
+                      <a:tailEnd type="none" w="med" len="med"/>
+                    </a:lnB>
+                    <a:noFill/>
+                  </a:tcPr>
+                </a:tc>
+                <a:tc>
+                  <a:txBody>
+                    <a:bodyPr/>
+                    <a:lstStyle/>
+                    <a:p>
+                      <a:r>
+                        <a:rPr lang="en-US" sz="1200" b="0" dirty="0" smtClean="0">
+                          <a:solidFill>
+                            <a:schemeClr val="tx1"/>
+                          </a:solidFill>
+                        </a:rPr>
+                        <a:t>Invertebrates</a:t>
+                      </a:r>
+                      <a:endParaRPr lang="en-US" sz="1200" b="0" dirty="0">
+                        <a:solidFill>
+                          <a:schemeClr val="tx1"/>
+                        </a:solidFill>
+                      </a:endParaRPr>
+                    </a:p>
+                  </a:txBody>
+                  <a:tcPr>
+                    <a:lnL w="12700" cap="flat" cmpd="sng" algn="ctr">
+                      <a:solidFill>
+                        <a:schemeClr val="tx1"/>
+                      </a:solidFill>
+                      <a:prstDash val="solid"/>
+                      <a:round/>
+                      <a:headEnd type="none" w="med" len="med"/>
+                      <a:tailEnd type="none" w="med" len="med"/>
+                    </a:lnL>
+                    <a:lnR w="12700" cap="flat" cmpd="sng" algn="ctr">
+                      <a:solidFill>
+                        <a:schemeClr val="tx1"/>
+                      </a:solidFill>
+                      <a:prstDash val="solid"/>
+                      <a:round/>
+                      <a:headEnd type="none" w="med" len="med"/>
+                      <a:tailEnd type="none" w="med" len="med"/>
+                    </a:lnR>
+                    <a:lnT w="12700" cap="flat" cmpd="sng" algn="ctr">
+                      <a:solidFill>
+                        <a:schemeClr val="tx1"/>
+                      </a:solidFill>
+                      <a:prstDash val="solid"/>
+                      <a:round/>
+                      <a:headEnd type="none" w="med" len="med"/>
+                      <a:tailEnd type="none" w="med" len="med"/>
+                    </a:lnT>
+                    <a:lnB w="12700" cap="flat" cmpd="sng" algn="ctr">
+                      <a:solidFill>
+                        <a:schemeClr val="tx1"/>
+                      </a:solidFill>
+                      <a:prstDash val="solid"/>
+                      <a:round/>
+                      <a:headEnd type="none" w="med" len="med"/>
+                      <a:tailEnd type="none" w="med" len="med"/>
+                    </a:lnB>
+                    <a:noFill/>
+                  </a:tcPr>
+                </a:tc>
+                <a:extLst>
+                  <a:ext uri="{0D108BD9-81ED-4DB2-BD59-A6C34878D82A}">
+                    <a16:rowId xmlns:a16="http://schemas.microsoft.com/office/drawing/2014/main" val="3689353912"/>
+                  </a:ext>
+                </a:extLst>
+              </a:tr>
+              <a:tr h="334992">
+                <a:tc>
+                  <a:txBody>
+                    <a:bodyPr/>
+                    <a:lstStyle/>
+                    <a:p>
+                      <a:endParaRPr lang="en-US" dirty="0"/>
+                    </a:p>
+                  </a:txBody>
+                  <a:tcPr>
+                    <a:lnL w="12700" cap="flat" cmpd="sng" algn="ctr">
+                      <a:solidFill>
+                        <a:schemeClr val="tx1"/>
+                      </a:solidFill>
+                      <a:prstDash val="solid"/>
+                      <a:round/>
+                      <a:headEnd type="none" w="med" len="med"/>
+                      <a:tailEnd type="none" w="med" len="med"/>
+                    </a:lnL>
+                    <a:lnR w="12700" cap="flat" cmpd="sng" algn="ctr">
+                      <a:solidFill>
+                        <a:schemeClr val="tx1"/>
+                      </a:solidFill>
+                      <a:prstDash val="solid"/>
+                      <a:round/>
+                      <a:headEnd type="none" w="med" len="med"/>
+                      <a:tailEnd type="none" w="med" len="med"/>
+                    </a:lnR>
+                    <a:lnT w="12700" cap="flat" cmpd="sng" algn="ctr">
+                      <a:solidFill>
+                        <a:schemeClr val="tx1"/>
+                      </a:solidFill>
+                      <a:prstDash val="solid"/>
+                      <a:round/>
+                      <a:headEnd type="none" w="med" len="med"/>
+                      <a:tailEnd type="none" w="med" len="med"/>
+                    </a:lnT>
+                    <a:lnB w="12700" cap="flat" cmpd="sng" algn="ctr">
+                      <a:solidFill>
+                        <a:schemeClr val="tx1"/>
+                      </a:solidFill>
+                      <a:prstDash val="solid"/>
+                      <a:round/>
+                      <a:headEnd type="none" w="med" len="med"/>
+                      <a:tailEnd type="none" w="med" len="med"/>
+                    </a:lnB>
+                    <a:noFill/>
+                  </a:tcPr>
+                </a:tc>
+                <a:tc>
+                  <a:txBody>
+                    <a:bodyPr/>
+                    <a:lstStyle/>
+                    <a:p>
+                      <a:r>
+                        <a:rPr lang="en-US" sz="1200" dirty="0" smtClean="0">
+                          <a:solidFill>
+                            <a:schemeClr val="tx1"/>
+                          </a:solidFill>
+                        </a:rPr>
+                        <a:t>Plants</a:t>
+                      </a:r>
+                      <a:endParaRPr lang="en-US" sz="1200" dirty="0">
+                        <a:solidFill>
+                          <a:schemeClr val="tx1"/>
+                        </a:solidFill>
+                      </a:endParaRPr>
+                    </a:p>
+                  </a:txBody>
+                  <a:tcPr>
+                    <a:lnL w="12700" cap="flat" cmpd="sng" algn="ctr">
+                      <a:solidFill>
+                        <a:schemeClr val="tx1"/>
+                      </a:solidFill>
+                      <a:prstDash val="solid"/>
+                      <a:round/>
+                      <a:headEnd type="none" w="med" len="med"/>
+                      <a:tailEnd type="none" w="med" len="med"/>
+                    </a:lnL>
+                    <a:lnR w="12700" cap="flat" cmpd="sng" algn="ctr">
+                      <a:solidFill>
+                        <a:schemeClr val="tx1"/>
+                      </a:solidFill>
+                      <a:prstDash val="solid"/>
+                      <a:round/>
+                      <a:headEnd type="none" w="med" len="med"/>
+                      <a:tailEnd type="none" w="med" len="med"/>
+                    </a:lnR>
+                    <a:lnT w="12700" cap="flat" cmpd="sng" algn="ctr">
+                      <a:solidFill>
+                        <a:schemeClr val="tx1"/>
+                      </a:solidFill>
+                      <a:prstDash val="solid"/>
+                      <a:round/>
+                      <a:headEnd type="none" w="med" len="med"/>
+                      <a:tailEnd type="none" w="med" len="med"/>
+                    </a:lnT>
+                    <a:lnB w="12700" cap="flat" cmpd="sng" algn="ctr">
+                      <a:solidFill>
+                        <a:schemeClr val="tx1"/>
+                      </a:solidFill>
+                      <a:prstDash val="solid"/>
+                      <a:round/>
+                      <a:headEnd type="none" w="med" len="med"/>
+                      <a:tailEnd type="none" w="med" len="med"/>
+                    </a:lnB>
+                    <a:noFill/>
+                  </a:tcPr>
+                </a:tc>
+                <a:tc>
+                  <a:txBody>
+                    <a:bodyPr/>
+                    <a:lstStyle/>
+                    <a:p>
+                      <a:endParaRPr lang="en-US" sz="1200" dirty="0"/>
+                    </a:p>
+                  </a:txBody>
+                  <a:tcPr>
+                    <a:lnL w="12700" cap="flat" cmpd="sng" algn="ctr">
+                      <a:solidFill>
+                        <a:schemeClr val="tx1"/>
+                      </a:solidFill>
+                      <a:prstDash val="solid"/>
+                      <a:round/>
+                      <a:headEnd type="none" w="med" len="med"/>
+                      <a:tailEnd type="none" w="med" len="med"/>
+                    </a:lnL>
+                    <a:lnR w="12700" cap="flat" cmpd="sng" algn="ctr">
+                      <a:solidFill>
+                        <a:schemeClr val="tx1"/>
+                      </a:solidFill>
+                      <a:prstDash val="solid"/>
+                      <a:round/>
+                      <a:headEnd type="none" w="med" len="med"/>
+                      <a:tailEnd type="none" w="med" len="med"/>
+                    </a:lnR>
+                    <a:lnT w="12700" cap="flat" cmpd="sng" algn="ctr">
+                      <a:solidFill>
+                        <a:schemeClr val="tx1"/>
+                      </a:solidFill>
+                      <a:prstDash val="solid"/>
+                      <a:round/>
+                      <a:headEnd type="none" w="med" len="med"/>
+                      <a:tailEnd type="none" w="med" len="med"/>
+                    </a:lnT>
+                    <a:lnB w="12700" cap="flat" cmpd="sng" algn="ctr">
+                      <a:solidFill>
+                        <a:schemeClr val="tx1"/>
+                      </a:solidFill>
+                      <a:prstDash val="solid"/>
+                      <a:round/>
+                      <a:headEnd type="none" w="med" len="med"/>
+                      <a:tailEnd type="none" w="med" len="med"/>
+                    </a:lnB>
+                    <a:noFill/>
+                  </a:tcPr>
+                </a:tc>
+                <a:tc>
+                  <a:txBody>
+                    <a:bodyPr/>
+                    <a:lstStyle/>
+                    <a:p>
+                      <a:r>
+                        <a:rPr lang="en-US" sz="1200" dirty="0" smtClean="0"/>
+                        <a:t>Benthos</a:t>
+                      </a:r>
+                      <a:endParaRPr lang="en-US" sz="1200" dirty="0"/>
+                    </a:p>
+                  </a:txBody>
+                  <a:tcPr>
+                    <a:lnL w="12700" cap="flat" cmpd="sng" algn="ctr">
+                      <a:solidFill>
+                        <a:schemeClr val="tx1"/>
+                      </a:solidFill>
+                      <a:prstDash val="solid"/>
+                      <a:round/>
+                      <a:headEnd type="none" w="med" len="med"/>
+                      <a:tailEnd type="none" w="med" len="med"/>
+                    </a:lnL>
+                    <a:lnR w="12700" cap="flat" cmpd="sng" algn="ctr">
+                      <a:solidFill>
+                        <a:schemeClr val="tx1"/>
+                      </a:solidFill>
+                      <a:prstDash val="solid"/>
+                      <a:round/>
+                      <a:headEnd type="none" w="med" len="med"/>
+                      <a:tailEnd type="none" w="med" len="med"/>
+                    </a:lnR>
+                    <a:lnT w="12700" cap="flat" cmpd="sng" algn="ctr">
+                      <a:solidFill>
+                        <a:schemeClr val="tx1"/>
+                      </a:solidFill>
+                      <a:prstDash val="solid"/>
+                      <a:round/>
+                      <a:headEnd type="none" w="med" len="med"/>
+                      <a:tailEnd type="none" w="med" len="med"/>
+                    </a:lnT>
+                    <a:lnB w="12700" cap="flat" cmpd="sng" algn="ctr">
+                      <a:solidFill>
+                        <a:schemeClr val="tx1"/>
+                      </a:solidFill>
+                      <a:prstDash val="solid"/>
+                      <a:round/>
+                      <a:headEnd type="none" w="med" len="med"/>
+                      <a:tailEnd type="none" w="med" len="med"/>
+                    </a:lnB>
+                    <a:noFill/>
+                  </a:tcPr>
+                </a:tc>
+                <a:extLst>
+                  <a:ext uri="{0D108BD9-81ED-4DB2-BD59-A6C34878D82A}">
+                    <a16:rowId xmlns:a16="http://schemas.microsoft.com/office/drawing/2014/main" val="3236650058"/>
+                  </a:ext>
+                </a:extLst>
+              </a:tr>
+              <a:tr h="334992">
+                <a:tc>
+                  <a:txBody>
+                    <a:bodyPr/>
+                    <a:lstStyle/>
+                    <a:p>
+                      <a:endParaRPr lang="en-US"/>
+                    </a:p>
+                  </a:txBody>
+                  <a:tcPr>
+                    <a:lnL w="12700" cap="flat" cmpd="sng" algn="ctr">
+                      <a:solidFill>
+                        <a:schemeClr val="tx1"/>
+                      </a:solidFill>
+                      <a:prstDash val="solid"/>
+                      <a:round/>
+                      <a:headEnd type="none" w="med" len="med"/>
+                      <a:tailEnd type="none" w="med" len="med"/>
+                    </a:lnL>
+                    <a:lnR w="12700" cap="flat" cmpd="sng" algn="ctr">
+                      <a:solidFill>
+                        <a:schemeClr val="tx1"/>
+                      </a:solidFill>
+                      <a:prstDash val="solid"/>
+                      <a:round/>
+                      <a:headEnd type="none" w="med" len="med"/>
+                      <a:tailEnd type="none" w="med" len="med"/>
+                    </a:lnR>
+                    <a:lnT w="12700" cap="flat" cmpd="sng" algn="ctr">
+                      <a:solidFill>
+                        <a:schemeClr val="tx1"/>
+                      </a:solidFill>
+                      <a:prstDash val="solid"/>
+                      <a:round/>
+                      <a:headEnd type="none" w="med" len="med"/>
+                      <a:tailEnd type="none" w="med" len="med"/>
+                    </a:lnT>
+                    <a:lnB w="12700" cap="flat" cmpd="sng" algn="ctr">
+                      <a:solidFill>
+                        <a:schemeClr val="tx1"/>
+                      </a:solidFill>
+                      <a:prstDash val="solid"/>
+                      <a:round/>
+                      <a:headEnd type="none" w="med" len="med"/>
+                      <a:tailEnd type="none" w="med" len="med"/>
+                    </a:lnB>
+                    <a:noFill/>
+                  </a:tcPr>
+                </a:tc>
+                <a:tc>
+                  <a:txBody>
+                    <a:bodyPr/>
+                    <a:lstStyle/>
+                    <a:p>
+                      <a:r>
+                        <a:rPr lang="en-US" sz="1200" dirty="0" smtClean="0">
+                          <a:solidFill>
+                            <a:schemeClr val="tx1"/>
+                          </a:solidFill>
+                        </a:rPr>
+                        <a:t>Mammals</a:t>
+                      </a:r>
+                      <a:endParaRPr lang="en-US" sz="1200" dirty="0">
+                        <a:solidFill>
+                          <a:schemeClr val="tx1"/>
+                        </a:solidFill>
+                      </a:endParaRPr>
+                    </a:p>
+                  </a:txBody>
+                  <a:tcPr>
+                    <a:lnL w="12700" cap="flat" cmpd="sng" algn="ctr">
+                      <a:solidFill>
+                        <a:schemeClr val="tx1"/>
+                      </a:solidFill>
+                      <a:prstDash val="solid"/>
+                      <a:round/>
+                      <a:headEnd type="none" w="med" len="med"/>
+                      <a:tailEnd type="none" w="med" len="med"/>
+                    </a:lnL>
+                    <a:lnR w="12700" cap="flat" cmpd="sng" algn="ctr">
+                      <a:solidFill>
+                        <a:schemeClr val="tx1"/>
+                      </a:solidFill>
+                      <a:prstDash val="solid"/>
+                      <a:round/>
+                      <a:headEnd type="none" w="med" len="med"/>
+                      <a:tailEnd type="none" w="med" len="med"/>
+                    </a:lnR>
+                    <a:lnT w="12700" cap="flat" cmpd="sng" algn="ctr">
+                      <a:solidFill>
+                        <a:schemeClr val="tx1"/>
+                      </a:solidFill>
+                      <a:prstDash val="solid"/>
+                      <a:round/>
+                      <a:headEnd type="none" w="med" len="med"/>
+                      <a:tailEnd type="none" w="med" len="med"/>
+                    </a:lnT>
+                    <a:lnB w="12700" cap="flat" cmpd="sng" algn="ctr">
+                      <a:solidFill>
+                        <a:schemeClr val="tx1"/>
+                      </a:solidFill>
+                      <a:prstDash val="solid"/>
+                      <a:round/>
+                      <a:headEnd type="none" w="med" len="med"/>
+                      <a:tailEnd type="none" w="med" len="med"/>
+                    </a:lnB>
+                    <a:noFill/>
+                  </a:tcPr>
+                </a:tc>
+                <a:tc>
+                  <a:txBody>
+                    <a:bodyPr/>
+                    <a:lstStyle/>
+                    <a:p>
+                      <a:endParaRPr lang="en-US" sz="1200"/>
+                    </a:p>
+                  </a:txBody>
+                  <a:tcPr>
+                    <a:lnL w="12700" cap="flat" cmpd="sng" algn="ctr">
+                      <a:solidFill>
+                        <a:schemeClr val="tx1"/>
+                      </a:solidFill>
+                      <a:prstDash val="solid"/>
+                      <a:round/>
+                      <a:headEnd type="none" w="med" len="med"/>
+                      <a:tailEnd type="none" w="med" len="med"/>
+                    </a:lnL>
+                    <a:lnR w="12700" cap="flat" cmpd="sng" algn="ctr">
+                      <a:solidFill>
+                        <a:schemeClr val="tx1"/>
+                      </a:solidFill>
+                      <a:prstDash val="solid"/>
+                      <a:round/>
+                      <a:headEnd type="none" w="med" len="med"/>
+                      <a:tailEnd type="none" w="med" len="med"/>
+                    </a:lnR>
+                    <a:lnT w="12700" cap="flat" cmpd="sng" algn="ctr">
+                      <a:solidFill>
+                        <a:schemeClr val="tx1"/>
+                      </a:solidFill>
+                      <a:prstDash val="solid"/>
+                      <a:round/>
+                      <a:headEnd type="none" w="med" len="med"/>
+                      <a:tailEnd type="none" w="med" len="med"/>
+                    </a:lnT>
+                    <a:lnB w="12700" cap="flat" cmpd="sng" algn="ctr">
+                      <a:solidFill>
+                        <a:schemeClr val="tx1"/>
+                      </a:solidFill>
+                      <a:prstDash val="solid"/>
+                      <a:round/>
+                      <a:headEnd type="none" w="med" len="med"/>
+                      <a:tailEnd type="none" w="med" len="med"/>
+                    </a:lnB>
+                    <a:noFill/>
+                  </a:tcPr>
+                </a:tc>
+                <a:tc>
+                  <a:txBody>
+                    <a:bodyPr/>
+                    <a:lstStyle/>
+                    <a:p>
+                      <a:r>
+                        <a:rPr lang="en-US" sz="1200" dirty="0" smtClean="0"/>
+                        <a:t>Plankton</a:t>
+                      </a:r>
+                      <a:endParaRPr lang="en-US" sz="1200" dirty="0"/>
+                    </a:p>
+                  </a:txBody>
+                  <a:tcPr>
+                    <a:lnL w="12700" cap="flat" cmpd="sng" algn="ctr">
+                      <a:solidFill>
+                        <a:schemeClr val="tx1"/>
+                      </a:solidFill>
+                      <a:prstDash val="solid"/>
+                      <a:round/>
+                      <a:headEnd type="none" w="med" len="med"/>
+                      <a:tailEnd type="none" w="med" len="med"/>
+                    </a:lnL>
+                    <a:lnR w="12700" cap="flat" cmpd="sng" algn="ctr">
+                      <a:solidFill>
+                        <a:schemeClr val="tx1"/>
+                      </a:solidFill>
+                      <a:prstDash val="solid"/>
+                      <a:round/>
+                      <a:headEnd type="none" w="med" len="med"/>
+                      <a:tailEnd type="none" w="med" len="med"/>
+                    </a:lnR>
+                    <a:lnT w="12700" cap="flat" cmpd="sng" algn="ctr">
+                      <a:solidFill>
+                        <a:schemeClr val="tx1"/>
+                      </a:solidFill>
+                      <a:prstDash val="solid"/>
+                      <a:round/>
+                      <a:headEnd type="none" w="med" len="med"/>
+                      <a:tailEnd type="none" w="med" len="med"/>
+                    </a:lnT>
+                    <a:lnB w="12700" cap="flat" cmpd="sng" algn="ctr">
+                      <a:solidFill>
+                        <a:schemeClr val="tx1"/>
+                      </a:solidFill>
+                      <a:prstDash val="solid"/>
+                      <a:round/>
+                      <a:headEnd type="none" w="med" len="med"/>
+                      <a:tailEnd type="none" w="med" len="med"/>
+                    </a:lnB>
+                    <a:noFill/>
+                  </a:tcPr>
+                </a:tc>
+                <a:extLst>
+                  <a:ext uri="{0D108BD9-81ED-4DB2-BD59-A6C34878D82A}">
+                    <a16:rowId xmlns:a16="http://schemas.microsoft.com/office/drawing/2014/main" val="848586666"/>
+                  </a:ext>
+                </a:extLst>
+              </a:tr>
+              <a:tr h="334992">
+                <a:tc>
+                  <a:txBody>
+                    <a:bodyPr/>
+                    <a:lstStyle/>
+                    <a:p>
+                      <a:endParaRPr lang="en-US" dirty="0"/>
+                    </a:p>
+                  </a:txBody>
+                  <a:tcPr>
+                    <a:lnL w="12700" cap="flat" cmpd="sng" algn="ctr">
+                      <a:solidFill>
+                        <a:schemeClr val="tx1"/>
+                      </a:solidFill>
+                      <a:prstDash val="solid"/>
+                      <a:round/>
+                      <a:headEnd type="none" w="med" len="med"/>
+                      <a:tailEnd type="none" w="med" len="med"/>
+                    </a:lnL>
+                    <a:lnR w="12700" cap="flat" cmpd="sng" algn="ctr">
+                      <a:solidFill>
+                        <a:schemeClr val="tx1"/>
+                      </a:solidFill>
+                      <a:prstDash val="solid"/>
+                      <a:round/>
+                      <a:headEnd type="none" w="med" len="med"/>
+                      <a:tailEnd type="none" w="med" len="med"/>
+                    </a:lnR>
+                    <a:lnT w="12700" cap="flat" cmpd="sng" algn="ctr">
+                      <a:solidFill>
+                        <a:schemeClr val="tx1"/>
+                      </a:solidFill>
+                      <a:prstDash val="solid"/>
+                      <a:round/>
+                      <a:headEnd type="none" w="med" len="med"/>
+                      <a:tailEnd type="none" w="med" len="med"/>
+                    </a:lnT>
+                    <a:lnB w="12700" cap="flat" cmpd="sng" algn="ctr">
+                      <a:solidFill>
+                        <a:schemeClr val="tx1"/>
+                      </a:solidFill>
+                      <a:prstDash val="solid"/>
+                      <a:round/>
+                      <a:headEnd type="none" w="med" len="med"/>
+                      <a:tailEnd type="none" w="med" len="med"/>
+                    </a:lnB>
+                    <a:noFill/>
+                  </a:tcPr>
+                </a:tc>
+                <a:tc>
+                  <a:txBody>
+                    <a:bodyPr/>
+                    <a:lstStyle/>
+                    <a:p>
+                      <a:r>
+                        <a:rPr lang="en-US" sz="1200" dirty="0" smtClean="0">
+                          <a:solidFill>
+                            <a:schemeClr val="tx1"/>
+                          </a:solidFill>
+                        </a:rPr>
+                        <a:t>Fish</a:t>
+                      </a:r>
+                      <a:endParaRPr lang="en-US" sz="1200" dirty="0">
+                        <a:solidFill>
+                          <a:schemeClr val="tx1"/>
+                        </a:solidFill>
+                      </a:endParaRPr>
+                    </a:p>
+                  </a:txBody>
+                  <a:tcPr>
+                    <a:lnL w="12700" cap="flat" cmpd="sng" algn="ctr">
+                      <a:solidFill>
+                        <a:schemeClr val="tx1"/>
+                      </a:solidFill>
+                      <a:prstDash val="solid"/>
+                      <a:round/>
+                      <a:headEnd type="none" w="med" len="med"/>
+                      <a:tailEnd type="none" w="med" len="med"/>
+                    </a:lnL>
+                    <a:lnR w="12700" cap="flat" cmpd="sng" algn="ctr">
+                      <a:solidFill>
+                        <a:schemeClr val="tx1"/>
+                      </a:solidFill>
+                      <a:prstDash val="solid"/>
+                      <a:round/>
+                      <a:headEnd type="none" w="med" len="med"/>
+                      <a:tailEnd type="none" w="med" len="med"/>
+                    </a:lnR>
+                    <a:lnT w="12700" cap="flat" cmpd="sng" algn="ctr">
+                      <a:solidFill>
+                        <a:schemeClr val="tx1"/>
+                      </a:solidFill>
+                      <a:prstDash val="solid"/>
+                      <a:round/>
+                      <a:headEnd type="none" w="med" len="med"/>
+                      <a:tailEnd type="none" w="med" len="med"/>
+                    </a:lnT>
+                    <a:lnB w="12700" cap="flat" cmpd="sng" algn="ctr">
+                      <a:solidFill>
+                        <a:schemeClr val="tx1"/>
+                      </a:solidFill>
+                      <a:prstDash val="solid"/>
+                      <a:round/>
+                      <a:headEnd type="none" w="med" len="med"/>
+                      <a:tailEnd type="none" w="med" len="med"/>
+                    </a:lnB>
+                    <a:noFill/>
+                  </a:tcPr>
+                </a:tc>
+                <a:tc>
+                  <a:txBody>
+                    <a:bodyPr/>
+                    <a:lstStyle/>
+                    <a:p>
+                      <a:endParaRPr lang="en-US" sz="1200"/>
+                    </a:p>
+                  </a:txBody>
+                  <a:tcPr>
+                    <a:lnL w="12700" cap="flat" cmpd="sng" algn="ctr">
+                      <a:solidFill>
+                        <a:schemeClr val="tx1"/>
+                      </a:solidFill>
+                      <a:prstDash val="solid"/>
+                      <a:round/>
+                      <a:headEnd type="none" w="med" len="med"/>
+                      <a:tailEnd type="none" w="med" len="med"/>
+                    </a:lnL>
+                    <a:lnR w="12700" cap="flat" cmpd="sng" algn="ctr">
+                      <a:solidFill>
+                        <a:schemeClr val="tx1"/>
+                      </a:solidFill>
+                      <a:prstDash val="solid"/>
+                      <a:round/>
+                      <a:headEnd type="none" w="med" len="med"/>
+                      <a:tailEnd type="none" w="med" len="med"/>
+                    </a:lnR>
+                    <a:lnT w="12700" cap="flat" cmpd="sng" algn="ctr">
+                      <a:solidFill>
+                        <a:schemeClr val="tx1"/>
+                      </a:solidFill>
+                      <a:prstDash val="solid"/>
+                      <a:round/>
+                      <a:headEnd type="none" w="med" len="med"/>
+                      <a:tailEnd type="none" w="med" len="med"/>
+                    </a:lnT>
+                    <a:lnB w="12700" cap="flat" cmpd="sng" algn="ctr">
+                      <a:solidFill>
+                        <a:schemeClr val="tx1"/>
+                      </a:solidFill>
+                      <a:prstDash val="solid"/>
+                      <a:round/>
+                      <a:headEnd type="none" w="med" len="med"/>
+                      <a:tailEnd type="none" w="med" len="med"/>
+                    </a:lnB>
+                    <a:noFill/>
+                  </a:tcPr>
+                </a:tc>
+                <a:tc>
+                  <a:txBody>
+                    <a:bodyPr/>
+                    <a:lstStyle/>
+                    <a:p>
+                      <a:endParaRPr lang="en-US" sz="1200" dirty="0"/>
+                    </a:p>
+                  </a:txBody>
+                  <a:tcPr>
+                    <a:lnL w="12700" cap="flat" cmpd="sng" algn="ctr">
+                      <a:solidFill>
+                        <a:schemeClr val="tx1"/>
+                      </a:solidFill>
+                      <a:prstDash val="solid"/>
+                      <a:round/>
+                      <a:headEnd type="none" w="med" len="med"/>
+                      <a:tailEnd type="none" w="med" len="med"/>
+                    </a:lnL>
+                    <a:lnR w="12700" cap="flat" cmpd="sng" algn="ctr">
+                      <a:solidFill>
+                        <a:schemeClr val="tx1"/>
+                      </a:solidFill>
+                      <a:prstDash val="solid"/>
+                      <a:round/>
+                      <a:headEnd type="none" w="med" len="med"/>
+                      <a:tailEnd type="none" w="med" len="med"/>
+                    </a:lnR>
+                    <a:lnT w="12700" cap="flat" cmpd="sng" algn="ctr">
+                      <a:solidFill>
+                        <a:schemeClr val="tx1"/>
+                      </a:solidFill>
+                      <a:prstDash val="solid"/>
+                      <a:round/>
+                      <a:headEnd type="none" w="med" len="med"/>
+                      <a:tailEnd type="none" w="med" len="med"/>
+                    </a:lnT>
+                    <a:lnB w="12700" cap="flat" cmpd="sng" algn="ctr">
+                      <a:solidFill>
+                        <a:schemeClr val="tx1"/>
+                      </a:solidFill>
+                      <a:prstDash val="solid"/>
+                      <a:round/>
+                      <a:headEnd type="none" w="med" len="med"/>
+                      <a:tailEnd type="none" w="med" len="med"/>
+                    </a:lnB>
+                    <a:noFill/>
+                  </a:tcPr>
+                </a:tc>
+                <a:extLst>
+                  <a:ext uri="{0D108BD9-81ED-4DB2-BD59-A6C34878D82A}">
+                    <a16:rowId xmlns:a16="http://schemas.microsoft.com/office/drawing/2014/main" val="366495031"/>
+                  </a:ext>
+                </a:extLst>
+              </a:tr>
+            </a:tbl>
+          </a:graphicData>
+        </a:graphic>
+      </p:graphicFrame>
       <p:sp>
         <p:nvSpPr>
           <p:cNvPr id="2" name="TextBox 1"/>
@@ -8116,8 +11338,8 @@
         </p:nvGrpSpPr>
         <p:grpSpPr>
           <a:xfrm>
-            <a:off x="1173289" y="0"/>
-            <a:ext cx="8655352" cy="6864325"/>
+            <a:off x="2449286" y="1580125"/>
+            <a:ext cx="6172200" cy="5277875"/>
             <a:chOff x="1173289" y="0"/>
             <a:chExt cx="8655352" cy="6864325"/>
           </a:xfrm>
@@ -9269,6 +12491,635 @@
           </p:pic>
         </p:grpSp>
       </p:grpSp>
+      <p:pic>
+        <p:nvPicPr>
+          <p:cNvPr id="62" name="Picture 61"/>
+          <p:cNvPicPr>
+            <a:picLocks noChangeAspect="1"/>
+          </p:cNvPicPr>
+          <p:nvPr/>
+        </p:nvPicPr>
+        <p:blipFill>
+          <a:blip r:embed="rId10"/>
+          <a:stretch>
+            <a:fillRect/>
+          </a:stretch>
+        </p:blipFill>
+        <p:spPr>
+          <a:xfrm>
+            <a:off x="2776739" y="482844"/>
+            <a:ext cx="477444" cy="250454"/>
+          </a:xfrm>
+          <a:prstGeom prst="rect">
+            <a:avLst/>
+          </a:prstGeom>
+        </p:spPr>
+      </p:pic>
+      <p:graphicFrame>
+        <p:nvGraphicFramePr>
+          <p:cNvPr id="65" name="Table 64"/>
+          <p:cNvGraphicFramePr>
+            <a:graphicFrameLocks noGrp="1"/>
+          </p:cNvGraphicFramePr>
+          <p:nvPr>
+            <p:extLst>
+              <p:ext uri="{D42A27DB-BD31-4B8C-83A1-F6EECF244321}">
+                <p14:modId xmlns:p14="http://schemas.microsoft.com/office/powerpoint/2010/main" val="1856073638"/>
+              </p:ext>
+            </p:extLst>
+          </p:nvPr>
+        </p:nvGraphicFramePr>
+        <p:xfrm>
+          <a:off x="6454108" y="65332"/>
+          <a:ext cx="1646076" cy="1097280"/>
+        </p:xfrm>
+        <a:graphic>
+          <a:graphicData uri="http://schemas.openxmlformats.org/drawingml/2006/table">
+            <a:tbl>
+              <a:tblPr firstRow="1" bandRow="1">
+                <a:tableStyleId>{0505E3EF-67EA-436B-97B2-0124C06EBD24}</a:tableStyleId>
+              </a:tblPr>
+              <a:tblGrid>
+                <a:gridCol w="931315">
+                  <a:extLst>
+                    <a:ext uri="{9D8B030D-6E8A-4147-A177-3AD203B41FA5}">
+                      <a16:colId xmlns:a16="http://schemas.microsoft.com/office/drawing/2014/main" val="1963467705"/>
+                    </a:ext>
+                  </a:extLst>
+                </a:gridCol>
+                <a:gridCol w="714761">
+                  <a:extLst>
+                    <a:ext uri="{9D8B030D-6E8A-4147-A177-3AD203B41FA5}">
+                      <a16:colId xmlns:a16="http://schemas.microsoft.com/office/drawing/2014/main" val="464586843"/>
+                    </a:ext>
+                  </a:extLst>
+                </a:gridCol>
+              </a:tblGrid>
+              <a:tr h="294939">
+                <a:tc>
+                  <a:txBody>
+                    <a:bodyPr/>
+                    <a:lstStyle/>
+                    <a:p>
+                      <a:r>
+                        <a:rPr lang="en-US" sz="1200" b="0" dirty="0" smtClean="0"/>
+                        <a:t>Terrestrial</a:t>
+                      </a:r>
+                      <a:endParaRPr lang="en-US" sz="1200" b="0" dirty="0"/>
+                    </a:p>
+                  </a:txBody>
+                  <a:tcPr>
+                    <a:lnL w="12700" cap="flat" cmpd="sng" algn="ctr">
+                      <a:solidFill>
+                        <a:schemeClr val="tx1"/>
+                      </a:solidFill>
+                      <a:prstDash val="solid"/>
+                      <a:round/>
+                      <a:headEnd type="none" w="med" len="med"/>
+                      <a:tailEnd type="none" w="med" len="med"/>
+                    </a:lnL>
+                    <a:lnR w="12700" cap="flat" cmpd="sng" algn="ctr">
+                      <a:solidFill>
+                        <a:schemeClr val="tx1"/>
+                      </a:solidFill>
+                      <a:prstDash val="solid"/>
+                      <a:round/>
+                      <a:headEnd type="none" w="med" len="med"/>
+                      <a:tailEnd type="none" w="med" len="med"/>
+                    </a:lnR>
+                    <a:lnT w="12700" cap="flat" cmpd="sng" algn="ctr">
+                      <a:solidFill>
+                        <a:schemeClr val="tx1"/>
+                      </a:solidFill>
+                      <a:prstDash val="solid"/>
+                      <a:round/>
+                      <a:headEnd type="none" w="med" len="med"/>
+                      <a:tailEnd type="none" w="med" len="med"/>
+                    </a:lnT>
+                    <a:lnB w="12700" cap="flat" cmpd="sng" algn="ctr">
+                      <a:solidFill>
+                        <a:schemeClr val="tx1"/>
+                      </a:solidFill>
+                      <a:prstDash val="solid"/>
+                      <a:round/>
+                      <a:headEnd type="none" w="med" len="med"/>
+                      <a:tailEnd type="none" w="med" len="med"/>
+                    </a:lnB>
+                    <a:noFill/>
+                  </a:tcPr>
+                </a:tc>
+                <a:tc>
+                  <a:txBody>
+                    <a:bodyPr/>
+                    <a:lstStyle/>
+                    <a:p>
+                      <a:endParaRPr lang="en-US" dirty="0"/>
+                    </a:p>
+                  </a:txBody>
+                  <a:tcPr>
+                    <a:lnL w="12700" cap="flat" cmpd="sng" algn="ctr">
+                      <a:solidFill>
+                        <a:schemeClr val="tx1"/>
+                      </a:solidFill>
+                      <a:prstDash val="solid"/>
+                      <a:round/>
+                      <a:headEnd type="none" w="med" len="med"/>
+                      <a:tailEnd type="none" w="med" len="med"/>
+                    </a:lnL>
+                    <a:lnR w="12700" cap="flat" cmpd="sng" algn="ctr">
+                      <a:solidFill>
+                        <a:schemeClr val="tx1"/>
+                      </a:solidFill>
+                      <a:prstDash val="solid"/>
+                      <a:round/>
+                      <a:headEnd type="none" w="med" len="med"/>
+                      <a:tailEnd type="none" w="med" len="med"/>
+                    </a:lnR>
+                    <a:lnT w="12700" cap="flat" cmpd="sng" algn="ctr">
+                      <a:solidFill>
+                        <a:schemeClr val="tx1"/>
+                      </a:solidFill>
+                      <a:prstDash val="solid"/>
+                      <a:round/>
+                      <a:headEnd type="none" w="med" len="med"/>
+                      <a:tailEnd type="none" w="med" len="med"/>
+                    </a:lnT>
+                    <a:lnB w="12700" cap="flat" cmpd="sng" algn="ctr">
+                      <a:solidFill>
+                        <a:schemeClr val="tx1"/>
+                      </a:solidFill>
+                      <a:prstDash val="solid"/>
+                      <a:round/>
+                      <a:headEnd type="none" w="med" len="med"/>
+                      <a:tailEnd type="none" w="med" len="med"/>
+                    </a:lnB>
+                    <a:noFill/>
+                  </a:tcPr>
+                </a:tc>
+                <a:extLst>
+                  <a:ext uri="{0D108BD9-81ED-4DB2-BD59-A6C34878D82A}">
+                    <a16:rowId xmlns:a16="http://schemas.microsoft.com/office/drawing/2014/main" val="1216226580"/>
+                  </a:ext>
+                </a:extLst>
+              </a:tr>
+              <a:tr h="294939">
+                <a:tc>
+                  <a:txBody>
+                    <a:bodyPr/>
+                    <a:lstStyle/>
+                    <a:p>
+                      <a:r>
+                        <a:rPr lang="en-US" sz="1200" dirty="0" smtClean="0"/>
+                        <a:t>Marine</a:t>
+                      </a:r>
+                      <a:endParaRPr lang="en-US" sz="1200" dirty="0"/>
+                    </a:p>
+                  </a:txBody>
+                  <a:tcPr>
+                    <a:lnL w="12700" cap="flat" cmpd="sng" algn="ctr">
+                      <a:solidFill>
+                        <a:schemeClr val="tx1"/>
+                      </a:solidFill>
+                      <a:prstDash val="solid"/>
+                      <a:round/>
+                      <a:headEnd type="none" w="med" len="med"/>
+                      <a:tailEnd type="none" w="med" len="med"/>
+                    </a:lnL>
+                    <a:lnR w="12700" cap="flat" cmpd="sng" algn="ctr">
+                      <a:solidFill>
+                        <a:schemeClr val="tx1"/>
+                      </a:solidFill>
+                      <a:prstDash val="solid"/>
+                      <a:round/>
+                      <a:headEnd type="none" w="med" len="med"/>
+                      <a:tailEnd type="none" w="med" len="med"/>
+                    </a:lnR>
+                    <a:lnT w="12700" cap="flat" cmpd="sng" algn="ctr">
+                      <a:solidFill>
+                        <a:schemeClr val="tx1"/>
+                      </a:solidFill>
+                      <a:prstDash val="solid"/>
+                      <a:round/>
+                      <a:headEnd type="none" w="med" len="med"/>
+                      <a:tailEnd type="none" w="med" len="med"/>
+                    </a:lnT>
+                    <a:lnB w="12700" cap="flat" cmpd="sng" algn="ctr">
+                      <a:solidFill>
+                        <a:schemeClr val="tx1"/>
+                      </a:solidFill>
+                      <a:prstDash val="solid"/>
+                      <a:round/>
+                      <a:headEnd type="none" w="med" len="med"/>
+                      <a:tailEnd type="none" w="med" len="med"/>
+                    </a:lnB>
+                    <a:noFill/>
+                  </a:tcPr>
+                </a:tc>
+                <a:tc>
+                  <a:txBody>
+                    <a:bodyPr/>
+                    <a:lstStyle/>
+                    <a:p>
+                      <a:endParaRPr lang="en-US" dirty="0"/>
+                    </a:p>
+                  </a:txBody>
+                  <a:tcPr>
+                    <a:lnL w="12700" cap="flat" cmpd="sng" algn="ctr">
+                      <a:solidFill>
+                        <a:schemeClr val="tx1"/>
+                      </a:solidFill>
+                      <a:prstDash val="solid"/>
+                      <a:round/>
+                      <a:headEnd type="none" w="med" len="med"/>
+                      <a:tailEnd type="none" w="med" len="med"/>
+                    </a:lnL>
+                    <a:lnR w="12700" cap="flat" cmpd="sng" algn="ctr">
+                      <a:solidFill>
+                        <a:schemeClr val="tx1"/>
+                      </a:solidFill>
+                      <a:prstDash val="solid"/>
+                      <a:round/>
+                      <a:headEnd type="none" w="med" len="med"/>
+                      <a:tailEnd type="none" w="med" len="med"/>
+                    </a:lnR>
+                    <a:lnT w="12700" cap="flat" cmpd="sng" algn="ctr">
+                      <a:solidFill>
+                        <a:schemeClr val="tx1"/>
+                      </a:solidFill>
+                      <a:prstDash val="solid"/>
+                      <a:round/>
+                      <a:headEnd type="none" w="med" len="med"/>
+                      <a:tailEnd type="none" w="med" len="med"/>
+                    </a:lnT>
+                    <a:lnB w="12700" cap="flat" cmpd="sng" algn="ctr">
+                      <a:solidFill>
+                        <a:schemeClr val="tx1"/>
+                      </a:solidFill>
+                      <a:prstDash val="solid"/>
+                      <a:round/>
+                      <a:headEnd type="none" w="med" len="med"/>
+                      <a:tailEnd type="none" w="med" len="med"/>
+                    </a:lnB>
+                    <a:noFill/>
+                  </a:tcPr>
+                </a:tc>
+                <a:extLst>
+                  <a:ext uri="{0D108BD9-81ED-4DB2-BD59-A6C34878D82A}">
+                    <a16:rowId xmlns:a16="http://schemas.microsoft.com/office/drawing/2014/main" val="512741848"/>
+                  </a:ext>
+                </a:extLst>
+              </a:tr>
+              <a:tr h="294939">
+                <a:tc>
+                  <a:txBody>
+                    <a:bodyPr/>
+                    <a:lstStyle/>
+                    <a:p>
+                      <a:r>
+                        <a:rPr lang="en-US" sz="1200" dirty="0" smtClean="0"/>
+                        <a:t>Freshwater</a:t>
+                      </a:r>
+                      <a:endParaRPr lang="en-US" sz="1200" dirty="0"/>
+                    </a:p>
+                  </a:txBody>
+                  <a:tcPr>
+                    <a:lnL w="12700" cap="flat" cmpd="sng" algn="ctr">
+                      <a:solidFill>
+                        <a:schemeClr val="tx1"/>
+                      </a:solidFill>
+                      <a:prstDash val="solid"/>
+                      <a:round/>
+                      <a:headEnd type="none" w="med" len="med"/>
+                      <a:tailEnd type="none" w="med" len="med"/>
+                    </a:lnL>
+                    <a:lnR w="12700" cap="flat" cmpd="sng" algn="ctr">
+                      <a:solidFill>
+                        <a:schemeClr val="tx1"/>
+                      </a:solidFill>
+                      <a:prstDash val="solid"/>
+                      <a:round/>
+                      <a:headEnd type="none" w="med" len="med"/>
+                      <a:tailEnd type="none" w="med" len="med"/>
+                    </a:lnR>
+                    <a:lnT w="12700" cap="flat" cmpd="sng" algn="ctr">
+                      <a:solidFill>
+                        <a:schemeClr val="tx1"/>
+                      </a:solidFill>
+                      <a:prstDash val="solid"/>
+                      <a:round/>
+                      <a:headEnd type="none" w="med" len="med"/>
+                      <a:tailEnd type="none" w="med" len="med"/>
+                    </a:lnT>
+                    <a:lnB w="12700" cap="flat" cmpd="sng" algn="ctr">
+                      <a:solidFill>
+                        <a:schemeClr val="tx1"/>
+                      </a:solidFill>
+                      <a:prstDash val="solid"/>
+                      <a:round/>
+                      <a:headEnd type="none" w="med" len="med"/>
+                      <a:tailEnd type="none" w="med" len="med"/>
+                    </a:lnB>
+                    <a:noFill/>
+                  </a:tcPr>
+                </a:tc>
+                <a:tc>
+                  <a:txBody>
+                    <a:bodyPr/>
+                    <a:lstStyle/>
+                    <a:p>
+                      <a:endParaRPr lang="en-US" dirty="0"/>
+                    </a:p>
+                  </a:txBody>
+                  <a:tcPr>
+                    <a:lnL w="12700" cap="flat" cmpd="sng" algn="ctr">
+                      <a:solidFill>
+                        <a:schemeClr val="tx1"/>
+                      </a:solidFill>
+                      <a:prstDash val="solid"/>
+                      <a:round/>
+                      <a:headEnd type="none" w="med" len="med"/>
+                      <a:tailEnd type="none" w="med" len="med"/>
+                    </a:lnL>
+                    <a:lnR w="12700" cap="flat" cmpd="sng" algn="ctr">
+                      <a:solidFill>
+                        <a:schemeClr val="tx1"/>
+                      </a:solidFill>
+                      <a:prstDash val="solid"/>
+                      <a:round/>
+                      <a:headEnd type="none" w="med" len="med"/>
+                      <a:tailEnd type="none" w="med" len="med"/>
+                    </a:lnR>
+                    <a:lnT w="12700" cap="flat" cmpd="sng" algn="ctr">
+                      <a:solidFill>
+                        <a:schemeClr val="tx1"/>
+                      </a:solidFill>
+                      <a:prstDash val="solid"/>
+                      <a:round/>
+                      <a:headEnd type="none" w="med" len="med"/>
+                      <a:tailEnd type="none" w="med" len="med"/>
+                    </a:lnT>
+                    <a:lnB w="12700" cap="flat" cmpd="sng" algn="ctr">
+                      <a:solidFill>
+                        <a:schemeClr val="tx1"/>
+                      </a:solidFill>
+                      <a:prstDash val="solid"/>
+                      <a:round/>
+                      <a:headEnd type="none" w="med" len="med"/>
+                      <a:tailEnd type="none" w="med" len="med"/>
+                    </a:lnB>
+                    <a:noFill/>
+                  </a:tcPr>
+                </a:tc>
+                <a:extLst>
+                  <a:ext uri="{0D108BD9-81ED-4DB2-BD59-A6C34878D82A}">
+                    <a16:rowId xmlns:a16="http://schemas.microsoft.com/office/drawing/2014/main" val="2231260421"/>
+                  </a:ext>
+                </a:extLst>
+              </a:tr>
+            </a:tbl>
+          </a:graphicData>
+        </a:graphic>
+      </p:graphicFrame>
+      <p:pic>
+        <p:nvPicPr>
+          <p:cNvPr id="104" name="Picture 103"/>
+          <p:cNvPicPr>
+            <a:picLocks noChangeAspect="1"/>
+          </p:cNvPicPr>
+          <p:nvPr/>
+        </p:nvPicPr>
+        <p:blipFill>
+          <a:blip r:embed="rId7" cstate="print">
+            <a:extLst>
+              <a:ext uri="{28A0092B-C50C-407E-A947-70E740481C1C}">
+                <a14:useLocalDpi xmlns:a14="http://schemas.microsoft.com/office/drawing/2010/main" val="0"/>
+              </a:ext>
+            </a:extLst>
+          </a:blip>
+          <a:stretch>
+            <a:fillRect/>
+          </a:stretch>
+        </p:blipFill>
+        <p:spPr>
+          <a:xfrm flipH="1">
+            <a:off x="2846720" y="98118"/>
+            <a:ext cx="374608" cy="278904"/>
+          </a:xfrm>
+          <a:prstGeom prst="rect">
+            <a:avLst/>
+          </a:prstGeom>
+        </p:spPr>
+      </p:pic>
+      <p:pic>
+        <p:nvPicPr>
+          <p:cNvPr id="105" name="Picture 104"/>
+          <p:cNvPicPr>
+            <a:picLocks noChangeAspect="1"/>
+          </p:cNvPicPr>
+          <p:nvPr/>
+        </p:nvPicPr>
+        <p:blipFill>
+          <a:blip r:embed="rId9"/>
+          <a:stretch>
+            <a:fillRect/>
+          </a:stretch>
+        </p:blipFill>
+        <p:spPr>
+          <a:xfrm>
+            <a:off x="2799155" y="819371"/>
+            <a:ext cx="496489" cy="256131"/>
+          </a:xfrm>
+          <a:prstGeom prst="rect">
+            <a:avLst/>
+          </a:prstGeom>
+        </p:spPr>
+      </p:pic>
+      <p:pic>
+        <p:nvPicPr>
+          <p:cNvPr id="106" name="Picture 105"/>
+          <p:cNvPicPr>
+            <a:picLocks noChangeAspect="1"/>
+          </p:cNvPicPr>
+          <p:nvPr/>
+        </p:nvPicPr>
+        <p:blipFill>
+          <a:blip r:embed="rId4" cstate="print">
+            <a:extLst>
+              <a:ext uri="{28A0092B-C50C-407E-A947-70E740481C1C}">
+                <a14:useLocalDpi xmlns:a14="http://schemas.microsoft.com/office/drawing/2010/main" val="0"/>
+              </a:ext>
+            </a:extLst>
+          </a:blip>
+          <a:stretch>
+            <a:fillRect/>
+          </a:stretch>
+        </p:blipFill>
+        <p:spPr>
+          <a:xfrm>
+            <a:off x="2808676" y="1216619"/>
+            <a:ext cx="477445" cy="206467"/>
+          </a:xfrm>
+          <a:prstGeom prst="rect">
+            <a:avLst/>
+          </a:prstGeom>
+        </p:spPr>
+      </p:pic>
+      <p:pic>
+        <p:nvPicPr>
+          <p:cNvPr id="107" name="Picture 106"/>
+          <p:cNvPicPr>
+            <a:picLocks noChangeAspect="1"/>
+          </p:cNvPicPr>
+          <p:nvPr/>
+        </p:nvPicPr>
+        <p:blipFill>
+          <a:blip r:embed="rId6" cstate="print">
+            <a:extLst>
+              <a:ext uri="{28A0092B-C50C-407E-A947-70E740481C1C}">
+                <a14:useLocalDpi xmlns:a14="http://schemas.microsoft.com/office/drawing/2010/main" val="0"/>
+              </a:ext>
+            </a:extLst>
+          </a:blip>
+          <a:stretch>
+            <a:fillRect/>
+          </a:stretch>
+        </p:blipFill>
+        <p:spPr>
+          <a:xfrm>
+            <a:off x="4505979" y="94923"/>
+            <a:ext cx="415769" cy="297946"/>
+          </a:xfrm>
+          <a:prstGeom prst="rect">
+            <a:avLst/>
+          </a:prstGeom>
+        </p:spPr>
+      </p:pic>
+      <p:pic>
+        <p:nvPicPr>
+          <p:cNvPr id="108" name="Picture 107"/>
+          <p:cNvPicPr>
+            <a:picLocks noChangeAspect="1"/>
+          </p:cNvPicPr>
+          <p:nvPr/>
+        </p:nvPicPr>
+        <p:blipFill>
+          <a:blip r:embed="rId8"/>
+          <a:stretch>
+            <a:fillRect/>
+          </a:stretch>
+        </p:blipFill>
+        <p:spPr>
+          <a:xfrm>
+            <a:off x="4513338" y="500880"/>
+            <a:ext cx="394437" cy="268537"/>
+          </a:xfrm>
+          <a:prstGeom prst="rect">
+            <a:avLst/>
+          </a:prstGeom>
+        </p:spPr>
+      </p:pic>
+      <p:pic>
+        <p:nvPicPr>
+          <p:cNvPr id="109" name="Picture 108"/>
+          <p:cNvPicPr>
+            <a:picLocks noChangeAspect="1"/>
+          </p:cNvPicPr>
+          <p:nvPr/>
+        </p:nvPicPr>
+        <p:blipFill>
+          <a:blip r:embed="rId5" cstate="print">
+            <a:extLst>
+              <a:ext uri="{28A0092B-C50C-407E-A947-70E740481C1C}">
+                <a14:useLocalDpi xmlns:a14="http://schemas.microsoft.com/office/drawing/2010/main" val="0"/>
+              </a:ext>
+            </a:extLst>
+          </a:blip>
+          <a:stretch>
+            <a:fillRect/>
+          </a:stretch>
+        </p:blipFill>
+        <p:spPr>
+          <a:xfrm>
+            <a:off x="4513338" y="833636"/>
+            <a:ext cx="394437" cy="276368"/>
+          </a:xfrm>
+          <a:prstGeom prst="rect">
+            <a:avLst/>
+          </a:prstGeom>
+        </p:spPr>
+      </p:pic>
+      <p:pic>
+        <p:nvPicPr>
+          <p:cNvPr id="63" name="Picture 62"/>
+          <p:cNvPicPr>
+            <a:picLocks noChangeAspect="1"/>
+          </p:cNvPicPr>
+          <p:nvPr/>
+        </p:nvPicPr>
+        <p:blipFill>
+          <a:blip r:embed="rId13"/>
+          <a:stretch>
+            <a:fillRect/>
+          </a:stretch>
+        </p:blipFill>
+        <p:spPr>
+          <a:xfrm>
+            <a:off x="7450682" y="864446"/>
+            <a:ext cx="478886" cy="266371"/>
+          </a:xfrm>
+          <a:prstGeom prst="rect">
+            <a:avLst/>
+          </a:prstGeom>
+        </p:spPr>
+      </p:pic>
+      <p:pic>
+        <p:nvPicPr>
+          <p:cNvPr id="102" name="Picture 101"/>
+          <p:cNvPicPr>
+            <a:picLocks noChangeAspect="1"/>
+          </p:cNvPicPr>
+          <p:nvPr/>
+        </p:nvPicPr>
+        <p:blipFill>
+          <a:blip r:embed="rId11"/>
+          <a:stretch>
+            <a:fillRect/>
+          </a:stretch>
+        </p:blipFill>
+        <p:spPr>
+          <a:xfrm>
+            <a:off x="7479061" y="94923"/>
+            <a:ext cx="490175" cy="258138"/>
+          </a:xfrm>
+          <a:prstGeom prst="rect">
+            <a:avLst/>
+          </a:prstGeom>
+        </p:spPr>
+      </p:pic>
+      <p:pic>
+        <p:nvPicPr>
+          <p:cNvPr id="103" name="Picture 102"/>
+          <p:cNvPicPr>
+            <a:picLocks noChangeAspect="1"/>
+          </p:cNvPicPr>
+          <p:nvPr/>
+        </p:nvPicPr>
+        <p:blipFill>
+          <a:blip r:embed="rId12"/>
+          <a:stretch>
+            <a:fillRect/>
+          </a:stretch>
+        </p:blipFill>
+        <p:spPr>
+          <a:xfrm>
+            <a:off x="7450682" y="504462"/>
+            <a:ext cx="544407" cy="191424"/>
+          </a:xfrm>
+          <a:prstGeom prst="rect">
+            <a:avLst/>
+          </a:prstGeom>
+        </p:spPr>
+      </p:pic>
     </p:spTree>
     <p:extLst>
       <p:ext uri="{BB962C8B-B14F-4D97-AF65-F5344CB8AC3E}">
@@ -9314,7 +13165,7 @@
         </p:nvSpPr>
         <p:spPr>
           <a:xfrm>
-            <a:off x="0" y="118263"/>
+            <a:off x="11080036" y="-16321"/>
             <a:ext cx="1060704" cy="369332"/>
           </a:xfrm>
           <a:prstGeom prst="rect">
@@ -9330,43 +13181,47 @@
           <a:p>
             <a:r>
               <a:rPr lang="en-US" dirty="0" smtClean="0"/>
-              <a:t>Fig 2a-2b</a:t>
+              <a:t>Fig </a:t>
             </a:r>
+            <a:r>
+              <a:rPr lang="en-US" dirty="0" smtClean="0"/>
+              <a:t>3a-3b</a:t>
+            </a:r>
+            <a:endParaRPr lang="en-US" dirty="0" smtClean="0"/>
           </a:p>
         </p:txBody>
       </p:sp>
       <p:grpSp>
         <p:nvGrpSpPr>
-          <p:cNvPr id="18" name="Group 17"/>
+          <p:cNvPr id="37" name="Group 36"/>
           <p:cNvGrpSpPr/>
           <p:nvPr/>
         </p:nvGrpSpPr>
         <p:grpSpPr>
           <a:xfrm>
-            <a:off x="955248" y="302929"/>
-            <a:ext cx="10438604" cy="6637129"/>
-            <a:chOff x="918672" y="-90263"/>
-            <a:chExt cx="10438604" cy="6637129"/>
+            <a:off x="74646" y="0"/>
+            <a:ext cx="12072613" cy="6694182"/>
+            <a:chOff x="74646" y="0"/>
+            <a:chExt cx="12072613" cy="6694182"/>
           </a:xfrm>
         </p:grpSpPr>
         <p:pic>
           <p:nvPicPr>
-            <p:cNvPr id="6" name="Picture 5"/>
+            <p:cNvPr id="4" name="Picture 3"/>
             <p:cNvPicPr>
               <a:picLocks noChangeAspect="1"/>
             </p:cNvPicPr>
             <p:nvPr/>
           </p:nvPicPr>
-          <p:blipFill>
+          <p:blipFill rotWithShape="1">
             <a:blip r:embed="rId3"/>
-            <a:stretch>
-              <a:fillRect/>
-            </a:stretch>
+            <a:srcRect l="703"/>
+            <a:stretch/>
           </p:blipFill>
           <p:spPr>
             <a:xfrm>
-              <a:off x="918672" y="-90263"/>
-              <a:ext cx="10438604" cy="6637129"/>
+              <a:off x="74646" y="0"/>
+              <a:ext cx="12072613" cy="6391469"/>
             </a:xfrm>
             <a:prstGeom prst="rect">
               <a:avLst/>
@@ -9381,10 +13236,10 @@
           </p:nvGrpSpPr>
           <p:grpSpPr>
             <a:xfrm>
-              <a:off x="2092569" y="5642156"/>
-              <a:ext cx="3815862" cy="377873"/>
-              <a:chOff x="4092064" y="5579770"/>
-              <a:chExt cx="3105944" cy="245213"/>
+              <a:off x="1143210" y="6285238"/>
+              <a:ext cx="3652360" cy="363585"/>
+              <a:chOff x="4092064" y="5570340"/>
+              <a:chExt cx="2972860" cy="235941"/>
             </a:xfrm>
           </p:grpSpPr>
           <p:grpSp>
@@ -9395,10 +13250,10 @@
             </p:nvGrpSpPr>
             <p:grpSpPr>
               <a:xfrm>
-                <a:off x="4092064" y="5579770"/>
-                <a:ext cx="3105944" cy="245213"/>
-                <a:chOff x="4092064" y="5579770"/>
-                <a:chExt cx="3105944" cy="245213"/>
+                <a:off x="4092064" y="5570340"/>
+                <a:ext cx="2972860" cy="235941"/>
+                <a:chOff x="4092064" y="5570340"/>
+                <a:chExt cx="2972860" cy="235941"/>
               </a:xfrm>
             </p:grpSpPr>
             <p:grpSp>
@@ -9409,10 +13264,10 @@
               </p:nvGrpSpPr>
               <p:grpSpPr>
                 <a:xfrm>
-                  <a:off x="4092064" y="5579770"/>
-                  <a:ext cx="2638534" cy="231317"/>
-                  <a:chOff x="4258063" y="5579770"/>
-                  <a:chExt cx="2638534" cy="231317"/>
+                  <a:off x="4092064" y="5572051"/>
+                  <a:ext cx="2509730" cy="233315"/>
+                  <a:chOff x="4258063" y="5572051"/>
+                  <a:chExt cx="2509730" cy="233315"/>
                 </a:xfrm>
               </p:grpSpPr>
               <p:pic>
@@ -9437,7 +13292,7 @@
                 </p:blipFill>
                 <p:spPr>
                   <a:xfrm>
-                    <a:off x="4690969" y="5623587"/>
+                    <a:off x="4669690" y="5625700"/>
                     <a:ext cx="325640" cy="161565"/>
                   </a:xfrm>
                   <a:prstGeom prst="rect">
@@ -9467,7 +13322,7 @@
                 </p:blipFill>
                 <p:spPr>
                   <a:xfrm>
-                    <a:off x="5178545" y="5585491"/>
+                    <a:off x="5132920" y="5579769"/>
                     <a:ext cx="280633" cy="225596"/>
                   </a:xfrm>
                   <a:prstGeom prst="rect">
@@ -9527,7 +13382,7 @@
                 </p:blipFill>
                 <p:spPr>
                   <a:xfrm flipH="1">
-                    <a:off x="6640808" y="5592592"/>
+                    <a:off x="6512004" y="5572051"/>
                     <a:ext cx="255789" cy="218495"/>
                   </a:xfrm>
                   <a:prstGeom prst="rect">
@@ -9552,7 +13407,7 @@
               </p:blipFill>
               <p:spPr>
                 <a:xfrm>
-                  <a:off x="6895947" y="5589042"/>
+                  <a:off x="6762863" y="5570340"/>
                   <a:ext cx="302061" cy="235941"/>
                 </a:xfrm>
                 <a:prstGeom prst="rect">
@@ -9577,7 +13432,7 @@
             </p:blipFill>
             <p:spPr>
               <a:xfrm>
-                <a:off x="5470546" y="5589042"/>
+                <a:off x="5385144" y="5585568"/>
                 <a:ext cx="334903" cy="198223"/>
               </a:xfrm>
               <a:prstGeom prst="rect">
@@ -9601,7 +13456,7 @@
             </p:blipFill>
             <p:spPr>
               <a:xfrm>
-                <a:off x="5942690" y="5606488"/>
+                <a:off x="5857636" y="5593561"/>
                 <a:ext cx="327300" cy="196986"/>
               </a:xfrm>
               <a:prstGeom prst="rect">
@@ -9618,7 +13473,7 @@
           </p:nvGrpSpPr>
           <p:grpSpPr>
             <a:xfrm>
-              <a:off x="7643151" y="5628981"/>
+              <a:off x="6301897" y="6285238"/>
               <a:ext cx="3201060" cy="408944"/>
               <a:chOff x="7643151" y="5628981"/>
               <a:chExt cx="3201060" cy="408944"/>

--- a/output/plots/all_figs_with_legends.pptx
+++ b/output/plots/all_figs_with_legends.pptx
@@ -205,7 +205,7 @@
           <a:p>
             <a:fld id="{7FA21820-D199-4D82-91AF-C50B1D3B111A}" type="datetimeFigureOut">
               <a:rPr lang="en-US" smtClean="0"/>
-              <a:t>5/17/2017</a:t>
+              <a:t>5/18/2017</a:t>
             </a:fld>
             <a:endParaRPr lang="en-US"/>
           </a:p>
@@ -1038,7 +1038,7 @@
           <a:p>
             <a:fld id="{916B8C92-D5E3-4480-8685-D57BEE386DE2}" type="datetimeFigureOut">
               <a:rPr lang="en-US" smtClean="0"/>
-              <a:t>5/17/2017</a:t>
+              <a:t>5/18/2017</a:t>
             </a:fld>
             <a:endParaRPr lang="en-US"/>
           </a:p>
@@ -1208,7 +1208,7 @@
           <a:p>
             <a:fld id="{916B8C92-D5E3-4480-8685-D57BEE386DE2}" type="datetimeFigureOut">
               <a:rPr lang="en-US" smtClean="0"/>
-              <a:t>5/17/2017</a:t>
+              <a:t>5/18/2017</a:t>
             </a:fld>
             <a:endParaRPr lang="en-US"/>
           </a:p>
@@ -1388,7 +1388,7 @@
           <a:p>
             <a:fld id="{916B8C92-D5E3-4480-8685-D57BEE386DE2}" type="datetimeFigureOut">
               <a:rPr lang="en-US" smtClean="0"/>
-              <a:t>5/17/2017</a:t>
+              <a:t>5/18/2017</a:t>
             </a:fld>
             <a:endParaRPr lang="en-US"/>
           </a:p>
@@ -1558,7 +1558,7 @@
           <a:p>
             <a:fld id="{916B8C92-D5E3-4480-8685-D57BEE386DE2}" type="datetimeFigureOut">
               <a:rPr lang="en-US" smtClean="0"/>
-              <a:t>5/17/2017</a:t>
+              <a:t>5/18/2017</a:t>
             </a:fld>
             <a:endParaRPr lang="en-US"/>
           </a:p>
@@ -1804,7 +1804,7 @@
           <a:p>
             <a:fld id="{916B8C92-D5E3-4480-8685-D57BEE386DE2}" type="datetimeFigureOut">
               <a:rPr lang="en-US" smtClean="0"/>
-              <a:t>5/17/2017</a:t>
+              <a:t>5/18/2017</a:t>
             </a:fld>
             <a:endParaRPr lang="en-US"/>
           </a:p>
@@ -2036,7 +2036,7 @@
           <a:p>
             <a:fld id="{916B8C92-D5E3-4480-8685-D57BEE386DE2}" type="datetimeFigureOut">
               <a:rPr lang="en-US" smtClean="0"/>
-              <a:t>5/17/2017</a:t>
+              <a:t>5/18/2017</a:t>
             </a:fld>
             <a:endParaRPr lang="en-US"/>
           </a:p>
@@ -2403,7 +2403,7 @@
           <a:p>
             <a:fld id="{916B8C92-D5E3-4480-8685-D57BEE386DE2}" type="datetimeFigureOut">
               <a:rPr lang="en-US" smtClean="0"/>
-              <a:t>5/17/2017</a:t>
+              <a:t>5/18/2017</a:t>
             </a:fld>
             <a:endParaRPr lang="en-US"/>
           </a:p>
@@ -2521,7 +2521,7 @@
           <a:p>
             <a:fld id="{916B8C92-D5E3-4480-8685-D57BEE386DE2}" type="datetimeFigureOut">
               <a:rPr lang="en-US" smtClean="0"/>
-              <a:t>5/17/2017</a:t>
+              <a:t>5/18/2017</a:t>
             </a:fld>
             <a:endParaRPr lang="en-US"/>
           </a:p>
@@ -2616,7 +2616,7 @@
           <a:p>
             <a:fld id="{916B8C92-D5E3-4480-8685-D57BEE386DE2}" type="datetimeFigureOut">
               <a:rPr lang="en-US" smtClean="0"/>
-              <a:t>5/17/2017</a:t>
+              <a:t>5/18/2017</a:t>
             </a:fld>
             <a:endParaRPr lang="en-US"/>
           </a:p>
@@ -2893,7 +2893,7 @@
           <a:p>
             <a:fld id="{916B8C92-D5E3-4480-8685-D57BEE386DE2}" type="datetimeFigureOut">
               <a:rPr lang="en-US" smtClean="0"/>
-              <a:t>5/17/2017</a:t>
+              <a:t>5/18/2017</a:t>
             </a:fld>
             <a:endParaRPr lang="en-US"/>
           </a:p>
@@ -3146,7 +3146,7 @@
           <a:p>
             <a:fld id="{916B8C92-D5E3-4480-8685-D57BEE386DE2}" type="datetimeFigureOut">
               <a:rPr lang="en-US" smtClean="0"/>
-              <a:t>5/17/2017</a:t>
+              <a:t>5/18/2017</a:t>
             </a:fld>
             <a:endParaRPr lang="en-US"/>
           </a:p>
@@ -3359,7 +3359,7 @@
           <a:p>
             <a:fld id="{916B8C92-D5E3-4480-8685-D57BEE386DE2}" type="datetimeFigureOut">
               <a:rPr lang="en-US" smtClean="0"/>
-              <a:t>5/17/2017</a:t>
+              <a:t>5/18/2017</a:t>
             </a:fld>
             <a:endParaRPr lang="en-US"/>
           </a:p>
@@ -6992,7 +6992,7 @@
         </p:nvSpPr>
         <p:spPr>
           <a:xfrm>
-            <a:off x="507561" y="4784539"/>
+            <a:off x="339760" y="5013883"/>
             <a:ext cx="180669" cy="170788"/>
           </a:xfrm>
           <a:prstGeom prst="triangle">
@@ -7262,7 +7262,7 @@
         </p:nvSpPr>
         <p:spPr>
           <a:xfrm>
-            <a:off x="3174234" y="4741040"/>
+            <a:off x="3006433" y="4970384"/>
             <a:ext cx="180669" cy="170788"/>
           </a:xfrm>
           <a:prstGeom prst="triangle">
@@ -7615,7 +7615,7 @@
         </p:nvSpPr>
         <p:spPr>
           <a:xfrm>
-            <a:off x="4254205" y="5868816"/>
+            <a:off x="4324154" y="5784227"/>
             <a:ext cx="240145" cy="183385"/>
           </a:xfrm>
           <a:prstGeom prst="trapezoid">
@@ -7780,7 +7780,7 @@
         </p:nvSpPr>
         <p:spPr>
           <a:xfrm>
-            <a:off x="3356632" y="2968970"/>
+            <a:off x="3386362" y="2974800"/>
             <a:ext cx="45719" cy="45719"/>
           </a:xfrm>
           <a:prstGeom prst="flowChartConnector">
@@ -7828,7 +7828,7 @@
         </p:nvSpPr>
         <p:spPr>
           <a:xfrm>
-            <a:off x="3356632" y="3879559"/>
+            <a:off x="3416308" y="3880706"/>
             <a:ext cx="45719" cy="45719"/>
           </a:xfrm>
           <a:prstGeom prst="flowChartConnector">
@@ -8186,7 +8186,7 @@
         </p:nvSpPr>
         <p:spPr>
           <a:xfrm>
-            <a:off x="3271908" y="3940698"/>
+            <a:off x="3336894" y="3916387"/>
             <a:ext cx="45719" cy="45719"/>
           </a:xfrm>
           <a:prstGeom prst="diamond">
@@ -8240,7 +8240,7 @@
         </p:nvSpPr>
         <p:spPr>
           <a:xfrm>
-            <a:off x="3416308" y="3964946"/>
+            <a:off x="3481294" y="3940635"/>
             <a:ext cx="45719" cy="45719"/>
           </a:xfrm>
           <a:prstGeom prst="ellipse">
@@ -8294,7 +8294,7 @@
         </p:nvSpPr>
         <p:spPr>
           <a:xfrm>
-            <a:off x="3335320" y="4026928"/>
+            <a:off x="3400306" y="4002617"/>
             <a:ext cx="45719" cy="45719"/>
           </a:xfrm>
           <a:prstGeom prst="triangle">
@@ -8348,7 +8348,7 @@
         </p:nvSpPr>
         <p:spPr>
           <a:xfrm>
-            <a:off x="3292527" y="2911045"/>
+            <a:off x="3322257" y="2916875"/>
             <a:ext cx="70648" cy="57645"/>
           </a:xfrm>
           <a:prstGeom prst="hexagon">
@@ -8397,7 +8397,7 @@
         </p:nvSpPr>
         <p:spPr>
           <a:xfrm>
-            <a:off x="3397654" y="2894764"/>
+            <a:off x="3427384" y="2900594"/>
             <a:ext cx="57025" cy="52352"/>
           </a:xfrm>
           <a:prstGeom prst="rect">
@@ -8446,7 +8446,7 @@
         </p:nvSpPr>
         <p:spPr>
           <a:xfrm>
-            <a:off x="3276904" y="3013552"/>
+            <a:off x="3306634" y="3019382"/>
             <a:ext cx="45719" cy="45719"/>
           </a:xfrm>
           <a:prstGeom prst="diamond">
@@ -8500,7 +8500,7 @@
         </p:nvSpPr>
         <p:spPr>
           <a:xfrm>
-            <a:off x="3421304" y="3037800"/>
+            <a:off x="3451034" y="3043630"/>
             <a:ext cx="45719" cy="45719"/>
           </a:xfrm>
           <a:prstGeom prst="ellipse">
@@ -8554,7 +8554,7 @@
         </p:nvSpPr>
         <p:spPr>
           <a:xfrm>
-            <a:off x="3340316" y="3099782"/>
+            <a:off x="3370046" y="3105612"/>
             <a:ext cx="45719" cy="45719"/>
           </a:xfrm>
           <a:prstGeom prst="triangle">
@@ -8768,7 +8768,7 @@
         </p:nvSpPr>
         <p:spPr>
           <a:xfrm>
-            <a:off x="5231461" y="2545494"/>
+            <a:off x="5232702" y="2541134"/>
             <a:ext cx="45719" cy="45719"/>
           </a:xfrm>
           <a:prstGeom prst="ellipse">
@@ -8930,7 +8930,7 @@
         </p:nvSpPr>
         <p:spPr>
           <a:xfrm>
-            <a:off x="5318912" y="2605174"/>
+            <a:off x="5308515" y="2600023"/>
             <a:ext cx="45719" cy="45719"/>
           </a:xfrm>
           <a:prstGeom prst="parallelogram">
@@ -8983,7 +8983,7 @@
         </p:nvSpPr>
         <p:spPr>
           <a:xfrm>
-            <a:off x="5318912" y="2346985"/>
+            <a:off x="5304824" y="2349511"/>
             <a:ext cx="45719" cy="45719"/>
           </a:xfrm>
           <a:prstGeom prst="trapezoid">
@@ -9289,13 +9289,474 @@
       </p:sp>
       <p:sp>
         <p:nvSpPr>
-          <p:cNvPr id="139" name="Diamond 138"/>
+          <p:cNvPr id="140" name="Hexagon 139"/>
           <p:cNvSpPr/>
           <p:nvPr/>
         </p:nvSpPr>
         <p:spPr>
           <a:xfrm>
-            <a:off x="2449900" y="2360391"/>
+            <a:off x="1556207" y="4194864"/>
+            <a:ext cx="170932" cy="151439"/>
+          </a:xfrm>
+          <a:prstGeom prst="hexagon">
+            <a:avLst/>
+          </a:prstGeom>
+          <a:solidFill>
+            <a:schemeClr val="bg1">
+              <a:lumMod val="50000"/>
+            </a:schemeClr>
+          </a:solidFill>
+          <a:ln w="6350">
+            <a:solidFill>
+              <a:schemeClr val="tx1">
+                <a:lumMod val="50000"/>
+                <a:lumOff val="50000"/>
+              </a:schemeClr>
+            </a:solidFill>
+          </a:ln>
+        </p:spPr>
+        <p:style>
+          <a:lnRef idx="2">
+            <a:schemeClr val="accent1">
+              <a:shade val="50000"/>
+            </a:schemeClr>
+          </a:lnRef>
+          <a:fillRef idx="1">
+            <a:schemeClr val="accent1"/>
+          </a:fillRef>
+          <a:effectRef idx="0">
+            <a:schemeClr val="accent1"/>
+          </a:effectRef>
+          <a:fontRef idx="minor">
+            <a:schemeClr val="lt1"/>
+          </a:fontRef>
+        </p:style>
+        <p:txBody>
+          <a:bodyPr rtlCol="0" anchor="ctr"/>
+          <a:lstStyle/>
+          <a:p>
+            <a:pPr algn="ctr"/>
+            <a:endParaRPr lang="en-US"/>
+          </a:p>
+        </p:txBody>
+      </p:sp>
+      <p:sp>
+        <p:nvSpPr>
+          <p:cNvPr id="141" name="Rectangle 140"/>
+          <p:cNvSpPr/>
+          <p:nvPr/>
+        </p:nvSpPr>
+        <p:spPr>
+          <a:xfrm>
+            <a:off x="1996180" y="3997372"/>
+            <a:ext cx="142869" cy="135226"/>
+          </a:xfrm>
+          <a:prstGeom prst="rect">
+            <a:avLst/>
+          </a:prstGeom>
+          <a:solidFill>
+            <a:schemeClr val="bg1">
+              <a:lumMod val="50000"/>
+            </a:schemeClr>
+          </a:solidFill>
+          <a:ln w="6350">
+            <a:solidFill>
+              <a:schemeClr val="tx1">
+                <a:lumMod val="50000"/>
+                <a:lumOff val="50000"/>
+              </a:schemeClr>
+            </a:solidFill>
+          </a:ln>
+        </p:spPr>
+        <p:style>
+          <a:lnRef idx="2">
+            <a:schemeClr val="accent1">
+              <a:shade val="50000"/>
+            </a:schemeClr>
+          </a:lnRef>
+          <a:fillRef idx="1">
+            <a:schemeClr val="accent1"/>
+          </a:fillRef>
+          <a:effectRef idx="0">
+            <a:schemeClr val="accent1"/>
+          </a:effectRef>
+          <a:fontRef idx="minor">
+            <a:schemeClr val="lt1"/>
+          </a:fontRef>
+        </p:style>
+        <p:txBody>
+          <a:bodyPr rtlCol="0" anchor="ctr"/>
+          <a:lstStyle/>
+          <a:p>
+            <a:pPr algn="ctr"/>
+            <a:endParaRPr lang="en-US"/>
+          </a:p>
+        </p:txBody>
+      </p:sp>
+      <p:sp>
+        <p:nvSpPr>
+          <p:cNvPr id="142" name="Oval 141"/>
+          <p:cNvSpPr/>
+          <p:nvPr/>
+        </p:nvSpPr>
+        <p:spPr>
+          <a:xfrm>
+            <a:off x="2484729" y="4145824"/>
+            <a:ext cx="119733" cy="108597"/>
+          </a:xfrm>
+          <a:prstGeom prst="ellipse">
+            <a:avLst/>
+          </a:prstGeom>
+          <a:noFill/>
+          <a:ln w="19050">
+            <a:solidFill>
+              <a:schemeClr val="tx1">
+                <a:lumMod val="50000"/>
+                <a:lumOff val="50000"/>
+              </a:schemeClr>
+            </a:solidFill>
+          </a:ln>
+        </p:spPr>
+        <p:style>
+          <a:lnRef idx="2">
+            <a:schemeClr val="accent1">
+              <a:shade val="50000"/>
+            </a:schemeClr>
+          </a:lnRef>
+          <a:fillRef idx="1">
+            <a:schemeClr val="accent1"/>
+          </a:fillRef>
+          <a:effectRef idx="0">
+            <a:schemeClr val="accent1"/>
+          </a:effectRef>
+          <a:fontRef idx="minor">
+            <a:schemeClr val="lt1"/>
+          </a:fontRef>
+        </p:style>
+        <p:txBody>
+          <a:bodyPr rtlCol="0" anchor="ctr"/>
+          <a:lstStyle/>
+          <a:p>
+            <a:pPr algn="ctr"/>
+            <a:endParaRPr lang="en-US"/>
+          </a:p>
+        </p:txBody>
+      </p:sp>
+      <p:sp>
+        <p:nvSpPr>
+          <p:cNvPr id="146" name="Trapezoid 145"/>
+          <p:cNvSpPr/>
+          <p:nvPr/>
+        </p:nvSpPr>
+        <p:spPr>
+          <a:xfrm>
+            <a:off x="1684553" y="3800564"/>
+            <a:ext cx="145405" cy="119699"/>
+          </a:xfrm>
+          <a:prstGeom prst="trapezoid">
+            <a:avLst/>
+          </a:prstGeom>
+          <a:solidFill>
+            <a:schemeClr val="bg1">
+              <a:lumMod val="50000"/>
+            </a:schemeClr>
+          </a:solidFill>
+          <a:ln w="38100">
+            <a:solidFill>
+              <a:schemeClr val="tx1">
+                <a:lumMod val="50000"/>
+                <a:lumOff val="50000"/>
+              </a:schemeClr>
+            </a:solidFill>
+          </a:ln>
+        </p:spPr>
+        <p:style>
+          <a:lnRef idx="2">
+            <a:schemeClr val="accent1">
+              <a:shade val="50000"/>
+            </a:schemeClr>
+          </a:lnRef>
+          <a:fillRef idx="1">
+            <a:schemeClr val="accent1"/>
+          </a:fillRef>
+          <a:effectRef idx="0">
+            <a:schemeClr val="accent1"/>
+          </a:effectRef>
+          <a:fontRef idx="minor">
+            <a:schemeClr val="lt1"/>
+          </a:fontRef>
+        </p:style>
+        <p:txBody>
+          <a:bodyPr rtlCol="0" anchor="ctr"/>
+          <a:lstStyle/>
+          <a:p>
+            <a:pPr algn="ctr"/>
+            <a:endParaRPr lang="en-US"/>
+          </a:p>
+        </p:txBody>
+      </p:sp>
+      <p:sp>
+        <p:nvSpPr>
+          <p:cNvPr id="147" name="Diamond 146"/>
+          <p:cNvSpPr/>
+          <p:nvPr/>
+        </p:nvSpPr>
+        <p:spPr>
+          <a:xfrm>
+            <a:off x="2484337" y="3418148"/>
+            <a:ext cx="143736" cy="139320"/>
+          </a:xfrm>
+          <a:prstGeom prst="diamond">
+            <a:avLst/>
+          </a:prstGeom>
+          <a:noFill/>
+          <a:ln w="19050">
+            <a:solidFill>
+              <a:schemeClr val="tx1">
+                <a:lumMod val="50000"/>
+                <a:lumOff val="50000"/>
+              </a:schemeClr>
+            </a:solidFill>
+          </a:ln>
+        </p:spPr>
+        <p:style>
+          <a:lnRef idx="2">
+            <a:schemeClr val="accent1">
+              <a:shade val="50000"/>
+            </a:schemeClr>
+          </a:lnRef>
+          <a:fillRef idx="1">
+            <a:schemeClr val="accent1"/>
+          </a:fillRef>
+          <a:effectRef idx="0">
+            <a:schemeClr val="accent1"/>
+          </a:effectRef>
+          <a:fontRef idx="minor">
+            <a:schemeClr val="lt1"/>
+          </a:fontRef>
+        </p:style>
+        <p:txBody>
+          <a:bodyPr rtlCol="0" anchor="ctr"/>
+          <a:lstStyle/>
+          <a:p>
+            <a:pPr algn="ctr"/>
+            <a:endParaRPr lang="en-US"/>
+          </a:p>
+        </p:txBody>
+      </p:sp>
+      <p:sp>
+        <p:nvSpPr>
+          <p:cNvPr id="149" name="Rectangle 148"/>
+          <p:cNvSpPr/>
+          <p:nvPr/>
+        </p:nvSpPr>
+        <p:spPr>
+          <a:xfrm>
+            <a:off x="712745" y="2927927"/>
+            <a:ext cx="142869" cy="135226"/>
+          </a:xfrm>
+          <a:prstGeom prst="rect">
+            <a:avLst/>
+          </a:prstGeom>
+          <a:solidFill>
+            <a:schemeClr val="bg1">
+              <a:lumMod val="50000"/>
+            </a:schemeClr>
+          </a:solidFill>
+          <a:ln w="6350">
+            <a:solidFill>
+              <a:schemeClr val="tx1">
+                <a:lumMod val="50000"/>
+                <a:lumOff val="50000"/>
+              </a:schemeClr>
+            </a:solidFill>
+          </a:ln>
+        </p:spPr>
+        <p:style>
+          <a:lnRef idx="2">
+            <a:schemeClr val="accent1">
+              <a:shade val="50000"/>
+            </a:schemeClr>
+          </a:lnRef>
+          <a:fillRef idx="1">
+            <a:schemeClr val="accent1"/>
+          </a:fillRef>
+          <a:effectRef idx="0">
+            <a:schemeClr val="accent1"/>
+          </a:effectRef>
+          <a:fontRef idx="minor">
+            <a:schemeClr val="lt1"/>
+          </a:fontRef>
+        </p:style>
+        <p:txBody>
+          <a:bodyPr rtlCol="0" anchor="ctr"/>
+          <a:lstStyle/>
+          <a:p>
+            <a:pPr algn="ctr"/>
+            <a:endParaRPr lang="en-US"/>
+          </a:p>
+        </p:txBody>
+      </p:sp>
+      <p:sp>
+        <p:nvSpPr>
+          <p:cNvPr id="151" name="Isosceles Triangle 150"/>
+          <p:cNvSpPr/>
+          <p:nvPr/>
+        </p:nvSpPr>
+        <p:spPr>
+          <a:xfrm>
+            <a:off x="381374" y="2480848"/>
+            <a:ext cx="103106" cy="98071"/>
+          </a:xfrm>
+          <a:prstGeom prst="triangle">
+            <a:avLst/>
+          </a:prstGeom>
+          <a:noFill/>
+          <a:ln w="19050">
+            <a:solidFill>
+              <a:schemeClr val="tx1">
+                <a:lumMod val="50000"/>
+                <a:lumOff val="50000"/>
+              </a:schemeClr>
+            </a:solidFill>
+          </a:ln>
+        </p:spPr>
+        <p:style>
+          <a:lnRef idx="2">
+            <a:schemeClr val="accent1">
+              <a:shade val="50000"/>
+            </a:schemeClr>
+          </a:lnRef>
+          <a:fillRef idx="1">
+            <a:schemeClr val="accent1"/>
+          </a:fillRef>
+          <a:effectRef idx="0">
+            <a:schemeClr val="accent1"/>
+          </a:effectRef>
+          <a:fontRef idx="minor">
+            <a:schemeClr val="lt1"/>
+          </a:fontRef>
+        </p:style>
+        <p:txBody>
+          <a:bodyPr rtlCol="0" anchor="ctr"/>
+          <a:lstStyle/>
+          <a:p>
+            <a:pPr algn="ctr"/>
+            <a:endParaRPr lang="en-US"/>
+          </a:p>
+        </p:txBody>
+      </p:sp>
+      <p:sp>
+        <p:nvSpPr>
+          <p:cNvPr id="152" name="5-Point Star 151"/>
+          <p:cNvSpPr/>
+          <p:nvPr/>
+        </p:nvSpPr>
+        <p:spPr>
+          <a:xfrm>
+            <a:off x="1036864" y="2675896"/>
+            <a:ext cx="168605" cy="165114"/>
+          </a:xfrm>
+          <a:prstGeom prst="star5">
+            <a:avLst/>
+          </a:prstGeom>
+          <a:noFill/>
+          <a:ln w="19050">
+            <a:solidFill>
+              <a:schemeClr val="tx1">
+                <a:lumMod val="50000"/>
+                <a:lumOff val="50000"/>
+              </a:schemeClr>
+            </a:solidFill>
+          </a:ln>
+        </p:spPr>
+        <p:style>
+          <a:lnRef idx="2">
+            <a:schemeClr val="accent1">
+              <a:shade val="50000"/>
+            </a:schemeClr>
+          </a:lnRef>
+          <a:fillRef idx="1">
+            <a:schemeClr val="accent1"/>
+          </a:fillRef>
+          <a:effectRef idx="0">
+            <a:schemeClr val="accent1"/>
+          </a:effectRef>
+          <a:fontRef idx="minor">
+            <a:schemeClr val="lt1"/>
+          </a:fontRef>
+        </p:style>
+        <p:txBody>
+          <a:bodyPr rtlCol="0" anchor="ctr"/>
+          <a:lstStyle/>
+          <a:p>
+            <a:pPr algn="ctr"/>
+            <a:endParaRPr lang="en-US"/>
+          </a:p>
+        </p:txBody>
+      </p:sp>
+      <p:sp>
+        <p:nvSpPr>
+          <p:cNvPr id="153" name="Parallelogram 152"/>
+          <p:cNvSpPr/>
+          <p:nvPr/>
+        </p:nvSpPr>
+        <p:spPr>
+          <a:xfrm>
+            <a:off x="695735" y="2498986"/>
+            <a:ext cx="186647" cy="106640"/>
+          </a:xfrm>
+          <a:prstGeom prst="parallelogram">
+            <a:avLst/>
+          </a:prstGeom>
+          <a:solidFill>
+            <a:schemeClr val="bg1">
+              <a:lumMod val="50000"/>
+            </a:schemeClr>
+          </a:solidFill>
+          <a:ln w="38100">
+            <a:solidFill>
+              <a:schemeClr val="tx1">
+                <a:lumMod val="50000"/>
+                <a:lumOff val="50000"/>
+              </a:schemeClr>
+            </a:solidFill>
+          </a:ln>
+        </p:spPr>
+        <p:style>
+          <a:lnRef idx="2">
+            <a:schemeClr val="accent1">
+              <a:shade val="50000"/>
+            </a:schemeClr>
+          </a:lnRef>
+          <a:fillRef idx="1">
+            <a:schemeClr val="accent1"/>
+          </a:fillRef>
+          <a:effectRef idx="0">
+            <a:schemeClr val="accent1"/>
+          </a:effectRef>
+          <a:fontRef idx="minor">
+            <a:schemeClr val="lt1"/>
+          </a:fontRef>
+        </p:style>
+        <p:txBody>
+          <a:bodyPr rtlCol="0" anchor="ctr"/>
+          <a:lstStyle/>
+          <a:p>
+            <a:pPr algn="ctr"/>
+            <a:endParaRPr lang="en-US"/>
+          </a:p>
+        </p:txBody>
+      </p:sp>
+      <p:sp>
+        <p:nvSpPr>
+          <p:cNvPr id="155" name="Diamond 154"/>
+          <p:cNvSpPr/>
+          <p:nvPr/>
+        </p:nvSpPr>
+        <p:spPr>
+          <a:xfrm>
+            <a:off x="1200902" y="2348703"/>
             <a:ext cx="143736" cy="139320"/>
           </a:xfrm>
           <a:prstGeom prst="diamond">
@@ -9343,24 +9804,20 @@
       </p:sp>
       <p:sp>
         <p:nvSpPr>
-          <p:cNvPr id="140" name="Hexagon 139"/>
+          <p:cNvPr id="156" name="Hexagon 155"/>
           <p:cNvSpPr/>
           <p:nvPr/>
         </p:nvSpPr>
         <p:spPr>
           <a:xfrm>
-            <a:off x="1556207" y="4194864"/>
+            <a:off x="253999" y="4203038"/>
             <a:ext cx="170932" cy="151439"/>
           </a:xfrm>
           <a:prstGeom prst="hexagon">
             <a:avLst/>
           </a:prstGeom>
-          <a:solidFill>
-            <a:schemeClr val="bg1">
-              <a:lumMod val="50000"/>
-            </a:schemeClr>
-          </a:solidFill>
-          <a:ln w="6350">
+          <a:noFill/>
+          <a:ln w="19050">
             <a:solidFill>
               <a:schemeClr val="tx1">
                 <a:lumMod val="50000"/>
@@ -9396,24 +9853,20 @@
       </p:sp>
       <p:sp>
         <p:nvSpPr>
-          <p:cNvPr id="141" name="Rectangle 140"/>
+          <p:cNvPr id="157" name="Rectangle 156"/>
           <p:cNvSpPr/>
           <p:nvPr/>
         </p:nvSpPr>
         <p:spPr>
           <a:xfrm>
-            <a:off x="1996180" y="3997372"/>
+            <a:off x="693972" y="4005546"/>
             <a:ext cx="142869" cy="135226"/>
           </a:xfrm>
           <a:prstGeom prst="rect">
             <a:avLst/>
           </a:prstGeom>
-          <a:solidFill>
-            <a:schemeClr val="bg1">
-              <a:lumMod val="50000"/>
-            </a:schemeClr>
-          </a:solidFill>
-          <a:ln w="6350">
+          <a:noFill/>
+          <a:ln w="19050">
             <a:solidFill>
               <a:schemeClr val="tx1">
                 <a:lumMod val="50000"/>
@@ -9449,20 +9902,25 @@
       </p:sp>
       <p:sp>
         <p:nvSpPr>
-          <p:cNvPr id="142" name="Oval 141"/>
+          <p:cNvPr id="158" name="Oval 157"/>
           <p:cNvSpPr/>
           <p:nvPr/>
         </p:nvSpPr>
         <p:spPr>
           <a:xfrm>
-            <a:off x="2484729" y="4145824"/>
+            <a:off x="1182521" y="4153998"/>
             <a:ext cx="119733" cy="108597"/>
           </a:xfrm>
           <a:prstGeom prst="ellipse">
             <a:avLst/>
           </a:prstGeom>
-          <a:noFill/>
-          <a:ln w="19050">
+          <a:solidFill>
+            <a:schemeClr val="tx1">
+              <a:lumMod val="50000"/>
+              <a:lumOff val="50000"/>
+            </a:schemeClr>
+          </a:solidFill>
+          <a:ln w="38100">
             <a:solidFill>
               <a:schemeClr val="tx1">
                 <a:lumMod val="50000"/>
@@ -9498,21 +9956,22 @@
       </p:sp>
       <p:sp>
         <p:nvSpPr>
-          <p:cNvPr id="146" name="Trapezoid 145"/>
+          <p:cNvPr id="159" name="Isosceles Triangle 158"/>
           <p:cNvSpPr/>
           <p:nvPr/>
         </p:nvSpPr>
         <p:spPr>
           <a:xfrm>
-            <a:off x="1684553" y="3800564"/>
-            <a:ext cx="145405" cy="119699"/>
-          </a:xfrm>
-          <a:prstGeom prst="trapezoid">
+            <a:off x="362601" y="3558467"/>
+            <a:ext cx="103106" cy="98071"/>
+          </a:xfrm>
+          <a:prstGeom prst="triangle">
             <a:avLst/>
           </a:prstGeom>
           <a:solidFill>
-            <a:schemeClr val="bg1">
+            <a:schemeClr val="tx1">
               <a:lumMod val="50000"/>
+              <a:lumOff val="50000"/>
             </a:schemeClr>
           </a:solidFill>
           <a:ln w="38100">
@@ -9551,266 +10010,13 @@
       </p:sp>
       <p:sp>
         <p:nvSpPr>
-          <p:cNvPr id="147" name="Diamond 146"/>
+          <p:cNvPr id="163" name="Diamond 162"/>
           <p:cNvSpPr/>
           <p:nvPr/>
         </p:nvSpPr>
         <p:spPr>
           <a:xfrm>
-            <a:off x="2484337" y="3418148"/>
-            <a:ext cx="143736" cy="139320"/>
-          </a:xfrm>
-          <a:prstGeom prst="diamond">
-            <a:avLst/>
-          </a:prstGeom>
-          <a:noFill/>
-          <a:ln w="19050">
-            <a:solidFill>
-              <a:schemeClr val="tx1">
-                <a:lumMod val="50000"/>
-                <a:lumOff val="50000"/>
-              </a:schemeClr>
-            </a:solidFill>
-          </a:ln>
-        </p:spPr>
-        <p:style>
-          <a:lnRef idx="2">
-            <a:schemeClr val="accent1">
-              <a:shade val="50000"/>
-            </a:schemeClr>
-          </a:lnRef>
-          <a:fillRef idx="1">
-            <a:schemeClr val="accent1"/>
-          </a:fillRef>
-          <a:effectRef idx="0">
-            <a:schemeClr val="accent1"/>
-          </a:effectRef>
-          <a:fontRef idx="minor">
-            <a:schemeClr val="lt1"/>
-          </a:fontRef>
-        </p:style>
-        <p:txBody>
-          <a:bodyPr rtlCol="0" anchor="ctr"/>
-          <a:lstStyle/>
-          <a:p>
-            <a:pPr algn="ctr"/>
-            <a:endParaRPr lang="en-US"/>
-          </a:p>
-        </p:txBody>
-      </p:sp>
-      <p:sp>
-        <p:nvSpPr>
-          <p:cNvPr id="149" name="Rectangle 148"/>
-          <p:cNvSpPr/>
-          <p:nvPr/>
-        </p:nvSpPr>
-        <p:spPr>
-          <a:xfrm>
-            <a:off x="712745" y="2927927"/>
-            <a:ext cx="142869" cy="135226"/>
-          </a:xfrm>
-          <a:prstGeom prst="rect">
-            <a:avLst/>
-          </a:prstGeom>
-          <a:solidFill>
-            <a:schemeClr val="bg1">
-              <a:lumMod val="50000"/>
-            </a:schemeClr>
-          </a:solidFill>
-          <a:ln w="6350">
-            <a:solidFill>
-              <a:schemeClr val="tx1">
-                <a:lumMod val="50000"/>
-                <a:lumOff val="50000"/>
-              </a:schemeClr>
-            </a:solidFill>
-          </a:ln>
-        </p:spPr>
-        <p:style>
-          <a:lnRef idx="2">
-            <a:schemeClr val="accent1">
-              <a:shade val="50000"/>
-            </a:schemeClr>
-          </a:lnRef>
-          <a:fillRef idx="1">
-            <a:schemeClr val="accent1"/>
-          </a:fillRef>
-          <a:effectRef idx="0">
-            <a:schemeClr val="accent1"/>
-          </a:effectRef>
-          <a:fontRef idx="minor">
-            <a:schemeClr val="lt1"/>
-          </a:fontRef>
-        </p:style>
-        <p:txBody>
-          <a:bodyPr rtlCol="0" anchor="ctr"/>
-          <a:lstStyle/>
-          <a:p>
-            <a:pPr algn="ctr"/>
-            <a:endParaRPr lang="en-US"/>
-          </a:p>
-        </p:txBody>
-      </p:sp>
-      <p:sp>
-        <p:nvSpPr>
-          <p:cNvPr id="151" name="Isosceles Triangle 150"/>
-          <p:cNvSpPr/>
-          <p:nvPr/>
-        </p:nvSpPr>
-        <p:spPr>
-          <a:xfrm>
-            <a:off x="381374" y="2480848"/>
-            <a:ext cx="103106" cy="98071"/>
-          </a:xfrm>
-          <a:prstGeom prst="triangle">
-            <a:avLst/>
-          </a:prstGeom>
-          <a:noFill/>
-          <a:ln w="19050">
-            <a:solidFill>
-              <a:schemeClr val="tx1">
-                <a:lumMod val="50000"/>
-                <a:lumOff val="50000"/>
-              </a:schemeClr>
-            </a:solidFill>
-          </a:ln>
-        </p:spPr>
-        <p:style>
-          <a:lnRef idx="2">
-            <a:schemeClr val="accent1">
-              <a:shade val="50000"/>
-            </a:schemeClr>
-          </a:lnRef>
-          <a:fillRef idx="1">
-            <a:schemeClr val="accent1"/>
-          </a:fillRef>
-          <a:effectRef idx="0">
-            <a:schemeClr val="accent1"/>
-          </a:effectRef>
-          <a:fontRef idx="minor">
-            <a:schemeClr val="lt1"/>
-          </a:fontRef>
-        </p:style>
-        <p:txBody>
-          <a:bodyPr rtlCol="0" anchor="ctr"/>
-          <a:lstStyle/>
-          <a:p>
-            <a:pPr algn="ctr"/>
-            <a:endParaRPr lang="en-US"/>
-          </a:p>
-        </p:txBody>
-      </p:sp>
-      <p:sp>
-        <p:nvSpPr>
-          <p:cNvPr id="152" name="5-Point Star 151"/>
-          <p:cNvSpPr/>
-          <p:nvPr/>
-        </p:nvSpPr>
-        <p:spPr>
-          <a:xfrm>
-            <a:off x="1036864" y="2675896"/>
-            <a:ext cx="168605" cy="165114"/>
-          </a:xfrm>
-          <a:prstGeom prst="star5">
-            <a:avLst/>
-          </a:prstGeom>
-          <a:noFill/>
-          <a:ln w="19050">
-            <a:solidFill>
-              <a:schemeClr val="tx1">
-                <a:lumMod val="50000"/>
-                <a:lumOff val="50000"/>
-              </a:schemeClr>
-            </a:solidFill>
-          </a:ln>
-        </p:spPr>
-        <p:style>
-          <a:lnRef idx="2">
-            <a:schemeClr val="accent1">
-              <a:shade val="50000"/>
-            </a:schemeClr>
-          </a:lnRef>
-          <a:fillRef idx="1">
-            <a:schemeClr val="accent1"/>
-          </a:fillRef>
-          <a:effectRef idx="0">
-            <a:schemeClr val="accent1"/>
-          </a:effectRef>
-          <a:fontRef idx="minor">
-            <a:schemeClr val="lt1"/>
-          </a:fontRef>
-        </p:style>
-        <p:txBody>
-          <a:bodyPr rtlCol="0" anchor="ctr"/>
-          <a:lstStyle/>
-          <a:p>
-            <a:pPr algn="ctr"/>
-            <a:endParaRPr lang="en-US"/>
-          </a:p>
-        </p:txBody>
-      </p:sp>
-      <p:sp>
-        <p:nvSpPr>
-          <p:cNvPr id="153" name="Parallelogram 152"/>
-          <p:cNvSpPr/>
-          <p:nvPr/>
-        </p:nvSpPr>
-        <p:spPr>
-          <a:xfrm>
-            <a:off x="695735" y="2498986"/>
-            <a:ext cx="186647" cy="106640"/>
-          </a:xfrm>
-          <a:prstGeom prst="parallelogram">
-            <a:avLst/>
-          </a:prstGeom>
-          <a:solidFill>
-            <a:schemeClr val="bg1">
-              <a:lumMod val="50000"/>
-            </a:schemeClr>
-          </a:solidFill>
-          <a:ln w="38100">
-            <a:solidFill>
-              <a:schemeClr val="tx1">
-                <a:lumMod val="50000"/>
-                <a:lumOff val="50000"/>
-              </a:schemeClr>
-            </a:solidFill>
-          </a:ln>
-        </p:spPr>
-        <p:style>
-          <a:lnRef idx="2">
-            <a:schemeClr val="accent1">
-              <a:shade val="50000"/>
-            </a:schemeClr>
-          </a:lnRef>
-          <a:fillRef idx="1">
-            <a:schemeClr val="accent1"/>
-          </a:fillRef>
-          <a:effectRef idx="0">
-            <a:schemeClr val="accent1"/>
-          </a:effectRef>
-          <a:fontRef idx="minor">
-            <a:schemeClr val="lt1"/>
-          </a:fontRef>
-        </p:style>
-        <p:txBody>
-          <a:bodyPr rtlCol="0" anchor="ctr"/>
-          <a:lstStyle/>
-          <a:p>
-            <a:pPr algn="ctr"/>
-            <a:endParaRPr lang="en-US"/>
-          </a:p>
-        </p:txBody>
-      </p:sp>
-      <p:sp>
-        <p:nvSpPr>
-          <p:cNvPr id="155" name="Diamond 154"/>
-          <p:cNvSpPr/>
-          <p:nvPr/>
-        </p:nvSpPr>
-        <p:spPr>
-          <a:xfrm>
-            <a:off x="1200902" y="2348703"/>
+            <a:off x="1182129" y="3426322"/>
             <a:ext cx="143736" cy="139320"/>
           </a:xfrm>
           <a:prstGeom prst="diamond">
@@ -9858,25 +10064,24 @@
       </p:sp>
       <p:sp>
         <p:nvSpPr>
-          <p:cNvPr id="156" name="Hexagon 155"/>
+          <p:cNvPr id="9" name="Right Arrow 8"/>
           <p:cNvSpPr/>
           <p:nvPr/>
         </p:nvSpPr>
         <p:spPr>
           <a:xfrm>
-            <a:off x="253999" y="4203038"/>
-            <a:ext cx="170932" cy="151439"/>
-          </a:xfrm>
-          <a:prstGeom prst="hexagon">
+            <a:off x="2514367" y="5270686"/>
+            <a:ext cx="578873" cy="323041"/>
+          </a:xfrm>
+          <a:prstGeom prst="rightArrow">
             <a:avLst/>
           </a:prstGeom>
-          <a:noFill/>
-          <a:ln w="19050">
+          <a:solidFill>
+            <a:schemeClr val="tx1"/>
+          </a:solidFill>
+          <a:ln>
             <a:solidFill>
-              <a:schemeClr val="tx1">
-                <a:lumMod val="50000"/>
-                <a:lumOff val="50000"/>
-              </a:schemeClr>
+              <a:schemeClr val="tx1"/>
             </a:solidFill>
           </a:ln>
         </p:spPr>
@@ -9907,278 +10112,19 @@
       </p:sp>
       <p:sp>
         <p:nvSpPr>
-          <p:cNvPr id="157" name="Rectangle 156"/>
-          <p:cNvSpPr/>
+          <p:cNvPr id="13" name="TextBox 12"/>
+          <p:cNvSpPr txBox="1"/>
           <p:nvPr/>
         </p:nvSpPr>
         <p:spPr>
           <a:xfrm>
-            <a:off x="693972" y="4005546"/>
-            <a:ext cx="142869" cy="135226"/>
+            <a:off x="2796616" y="26730"/>
+            <a:ext cx="329184" cy="369332"/>
           </a:xfrm>
           <a:prstGeom prst="rect">
             <a:avLst/>
           </a:prstGeom>
           <a:noFill/>
-          <a:ln w="19050">
-            <a:solidFill>
-              <a:schemeClr val="tx1">
-                <a:lumMod val="50000"/>
-                <a:lumOff val="50000"/>
-              </a:schemeClr>
-            </a:solidFill>
-          </a:ln>
-        </p:spPr>
-        <p:style>
-          <a:lnRef idx="2">
-            <a:schemeClr val="accent1">
-              <a:shade val="50000"/>
-            </a:schemeClr>
-          </a:lnRef>
-          <a:fillRef idx="1">
-            <a:schemeClr val="accent1"/>
-          </a:fillRef>
-          <a:effectRef idx="0">
-            <a:schemeClr val="accent1"/>
-          </a:effectRef>
-          <a:fontRef idx="minor">
-            <a:schemeClr val="lt1"/>
-          </a:fontRef>
-        </p:style>
-        <p:txBody>
-          <a:bodyPr rtlCol="0" anchor="ctr"/>
-          <a:lstStyle/>
-          <a:p>
-            <a:pPr algn="ctr"/>
-            <a:endParaRPr lang="en-US"/>
-          </a:p>
-        </p:txBody>
-      </p:sp>
-      <p:sp>
-        <p:nvSpPr>
-          <p:cNvPr id="158" name="Oval 157"/>
-          <p:cNvSpPr/>
-          <p:nvPr/>
-        </p:nvSpPr>
-        <p:spPr>
-          <a:xfrm>
-            <a:off x="1182521" y="4153998"/>
-            <a:ext cx="119733" cy="108597"/>
-          </a:xfrm>
-          <a:prstGeom prst="ellipse">
-            <a:avLst/>
-          </a:prstGeom>
-          <a:solidFill>
-            <a:schemeClr val="tx1">
-              <a:lumMod val="50000"/>
-              <a:lumOff val="50000"/>
-            </a:schemeClr>
-          </a:solidFill>
-          <a:ln w="38100">
-            <a:solidFill>
-              <a:schemeClr val="tx1">
-                <a:lumMod val="50000"/>
-                <a:lumOff val="50000"/>
-              </a:schemeClr>
-            </a:solidFill>
-          </a:ln>
-        </p:spPr>
-        <p:style>
-          <a:lnRef idx="2">
-            <a:schemeClr val="accent1">
-              <a:shade val="50000"/>
-            </a:schemeClr>
-          </a:lnRef>
-          <a:fillRef idx="1">
-            <a:schemeClr val="accent1"/>
-          </a:fillRef>
-          <a:effectRef idx="0">
-            <a:schemeClr val="accent1"/>
-          </a:effectRef>
-          <a:fontRef idx="minor">
-            <a:schemeClr val="lt1"/>
-          </a:fontRef>
-        </p:style>
-        <p:txBody>
-          <a:bodyPr rtlCol="0" anchor="ctr"/>
-          <a:lstStyle/>
-          <a:p>
-            <a:pPr algn="ctr"/>
-            <a:endParaRPr lang="en-US"/>
-          </a:p>
-        </p:txBody>
-      </p:sp>
-      <p:sp>
-        <p:nvSpPr>
-          <p:cNvPr id="159" name="Isosceles Triangle 158"/>
-          <p:cNvSpPr/>
-          <p:nvPr/>
-        </p:nvSpPr>
-        <p:spPr>
-          <a:xfrm>
-            <a:off x="362601" y="3558467"/>
-            <a:ext cx="103106" cy="98071"/>
-          </a:xfrm>
-          <a:prstGeom prst="triangle">
-            <a:avLst/>
-          </a:prstGeom>
-          <a:solidFill>
-            <a:schemeClr val="tx1">
-              <a:lumMod val="50000"/>
-              <a:lumOff val="50000"/>
-            </a:schemeClr>
-          </a:solidFill>
-          <a:ln w="38100">
-            <a:solidFill>
-              <a:schemeClr val="tx1">
-                <a:lumMod val="50000"/>
-                <a:lumOff val="50000"/>
-              </a:schemeClr>
-            </a:solidFill>
-          </a:ln>
-        </p:spPr>
-        <p:style>
-          <a:lnRef idx="2">
-            <a:schemeClr val="accent1">
-              <a:shade val="50000"/>
-            </a:schemeClr>
-          </a:lnRef>
-          <a:fillRef idx="1">
-            <a:schemeClr val="accent1"/>
-          </a:fillRef>
-          <a:effectRef idx="0">
-            <a:schemeClr val="accent1"/>
-          </a:effectRef>
-          <a:fontRef idx="minor">
-            <a:schemeClr val="lt1"/>
-          </a:fontRef>
-        </p:style>
-        <p:txBody>
-          <a:bodyPr rtlCol="0" anchor="ctr"/>
-          <a:lstStyle/>
-          <a:p>
-            <a:pPr algn="ctr"/>
-            <a:endParaRPr lang="en-US"/>
-          </a:p>
-        </p:txBody>
-      </p:sp>
-      <p:sp>
-        <p:nvSpPr>
-          <p:cNvPr id="163" name="Diamond 162"/>
-          <p:cNvSpPr/>
-          <p:nvPr/>
-        </p:nvSpPr>
-        <p:spPr>
-          <a:xfrm>
-            <a:off x="1182129" y="3426322"/>
-            <a:ext cx="143736" cy="139320"/>
-          </a:xfrm>
-          <a:prstGeom prst="diamond">
-            <a:avLst/>
-          </a:prstGeom>
-          <a:solidFill>
-            <a:schemeClr val="tx1">
-              <a:lumMod val="50000"/>
-              <a:lumOff val="50000"/>
-            </a:schemeClr>
-          </a:solidFill>
-          <a:ln w="38100">
-            <a:solidFill>
-              <a:schemeClr val="tx1">
-                <a:lumMod val="50000"/>
-                <a:lumOff val="50000"/>
-              </a:schemeClr>
-            </a:solidFill>
-          </a:ln>
-        </p:spPr>
-        <p:style>
-          <a:lnRef idx="2">
-            <a:schemeClr val="accent1">
-              <a:shade val="50000"/>
-            </a:schemeClr>
-          </a:lnRef>
-          <a:fillRef idx="1">
-            <a:schemeClr val="accent1"/>
-          </a:fillRef>
-          <a:effectRef idx="0">
-            <a:schemeClr val="accent1"/>
-          </a:effectRef>
-          <a:fontRef idx="minor">
-            <a:schemeClr val="lt1"/>
-          </a:fontRef>
-        </p:style>
-        <p:txBody>
-          <a:bodyPr rtlCol="0" anchor="ctr"/>
-          <a:lstStyle/>
-          <a:p>
-            <a:pPr algn="ctr"/>
-            <a:endParaRPr lang="en-US"/>
-          </a:p>
-        </p:txBody>
-      </p:sp>
-      <p:sp>
-        <p:nvSpPr>
-          <p:cNvPr id="9" name="Right Arrow 8"/>
-          <p:cNvSpPr/>
-          <p:nvPr/>
-        </p:nvSpPr>
-        <p:spPr>
-          <a:xfrm>
-            <a:off x="2484337" y="5415032"/>
-            <a:ext cx="578873" cy="171855"/>
-          </a:xfrm>
-          <a:prstGeom prst="rightArrow">
-            <a:avLst/>
-          </a:prstGeom>
-          <a:solidFill>
-            <a:schemeClr val="tx1"/>
-          </a:solidFill>
-          <a:ln>
-            <a:solidFill>
-              <a:schemeClr val="tx1"/>
-            </a:solidFill>
-          </a:ln>
-        </p:spPr>
-        <p:style>
-          <a:lnRef idx="2">
-            <a:schemeClr val="accent1">
-              <a:shade val="50000"/>
-            </a:schemeClr>
-          </a:lnRef>
-          <a:fillRef idx="1">
-            <a:schemeClr val="accent1"/>
-          </a:fillRef>
-          <a:effectRef idx="0">
-            <a:schemeClr val="accent1"/>
-          </a:effectRef>
-          <a:fontRef idx="minor">
-            <a:schemeClr val="lt1"/>
-          </a:fontRef>
-        </p:style>
-        <p:txBody>
-          <a:bodyPr rtlCol="0" anchor="ctr"/>
-          <a:lstStyle/>
-          <a:p>
-            <a:pPr algn="ctr"/>
-            <a:endParaRPr lang="en-US"/>
-          </a:p>
-        </p:txBody>
-      </p:sp>
-      <p:sp>
-        <p:nvSpPr>
-          <p:cNvPr id="13" name="TextBox 12"/>
-          <p:cNvSpPr txBox="1"/>
-          <p:nvPr/>
-        </p:nvSpPr>
-        <p:spPr>
-          <a:xfrm>
-            <a:off x="2796616" y="26730"/>
-            <a:ext cx="329184" cy="369332"/>
-          </a:xfrm>
-          <a:prstGeom prst="rect">
-            <a:avLst/>
-          </a:prstGeom>
-          <a:noFill/>
         </p:spPr>
         <p:txBody>
           <a:bodyPr wrap="square" rtlCol="0">
@@ -10190,7 +10136,6 @@
               <a:rPr lang="en-US" b="1" dirty="0"/>
               <a:t>B</a:t>
             </a:r>
-            <a:endParaRPr lang="en-US" b="1" dirty="0"/>
           </a:p>
         </p:txBody>
       </p:sp>
@@ -10250,7 +10195,6 @@
               <a:rPr lang="en-US" b="1" dirty="0"/>
               <a:t>C</a:t>
             </a:r>
-            <a:endParaRPr lang="en-US" b="1" dirty="0"/>
           </a:p>
         </p:txBody>
       </p:sp>
@@ -13181,13 +13125,8 @@
           <a:p>
             <a:r>
               <a:rPr lang="en-US" dirty="0" smtClean="0"/>
-              <a:t>Fig </a:t>
+              <a:t>Fig 3a-3b</a:t>
             </a:r>
-            <a:r>
-              <a:rPr lang="en-US" dirty="0" smtClean="0"/>
-              <a:t>3a-3b</a:t>
-            </a:r>
-            <a:endParaRPr lang="en-US" dirty="0" smtClean="0"/>
           </a:p>
         </p:txBody>
       </p:sp>
@@ -13613,8 +13552,8 @@
         </p:nvSpPr>
         <p:spPr>
           <a:xfrm>
-            <a:off x="1433279" y="5092181"/>
-            <a:ext cx="8805672" cy="646331"/>
+            <a:off x="1405847" y="6019661"/>
+            <a:ext cx="8805672" cy="707886"/>
           </a:xfrm>
           <a:prstGeom prst="rect">
             <a:avLst/>
@@ -13627,130 +13566,60 @@
           <a:lstStyle/>
           <a:p>
             <a:r>
-              <a:rPr lang="en-US" dirty="0" smtClean="0"/>
+              <a:rPr lang="en-US" sz="1000" dirty="0" smtClean="0"/>
               <a:t>Figure3a. </a:t>
             </a:r>
             <a:r>
-              <a:rPr lang="en-US" dirty="0"/>
+              <a:rPr lang="en-US" sz="1000" dirty="0"/>
               <a:t>Proportion of transient </a:t>
             </a:r>
             <a:r>
-              <a:rPr lang="en-US" dirty="0" smtClean="0"/>
+              <a:rPr lang="en-US" sz="1000" dirty="0" smtClean="0"/>
               <a:t>species </a:t>
             </a:r>
             <a:r>
-              <a:rPr lang="en-US" dirty="0"/>
+              <a:rPr lang="en-US" sz="1000" dirty="0"/>
               <a:t>by </a:t>
             </a:r>
             <a:r>
-              <a:rPr lang="en-US" dirty="0" smtClean="0"/>
+              <a:rPr lang="en-US" sz="1000" dirty="0" smtClean="0"/>
               <a:t>log of area, colored </a:t>
             </a:r>
             <a:r>
-              <a:rPr lang="en-US" dirty="0"/>
+              <a:rPr lang="en-US" sz="1000" dirty="0"/>
               <a:t>by taxa, using the hierarchically </a:t>
             </a:r>
             <a:r>
-              <a:rPr lang="en-US" dirty="0" smtClean="0"/>
+              <a:rPr lang="en-US" sz="1000" dirty="0" smtClean="0"/>
               <a:t>scaled count </a:t>
             </a:r>
             <a:r>
-              <a:rPr lang="en-US" dirty="0"/>
-              <a:t>datasets.</a:t>
-            </a:r>
-          </a:p>
-        </p:txBody>
-      </p:sp>
-      <p:sp>
-        <p:nvSpPr>
-          <p:cNvPr id="7" name="Rectangle 6"/>
-          <p:cNvSpPr/>
-          <p:nvPr/>
-        </p:nvSpPr>
-        <p:spPr>
-          <a:xfrm>
-            <a:off x="1433279" y="5633820"/>
-            <a:ext cx="8805672" cy="646331"/>
-          </a:xfrm>
-          <a:prstGeom prst="rect">
-            <a:avLst/>
-          </a:prstGeom>
-        </p:spPr>
-        <p:txBody>
-          <a:bodyPr wrap="square">
-            <a:spAutoFit/>
-          </a:bodyPr>
-          <a:lstStyle/>
-          <a:p>
-            <a:r>
-              <a:rPr lang="en-US" dirty="0" smtClean="0"/>
-              <a:t>Figure3b</a:t>
+              <a:rPr lang="en-US" sz="1000" dirty="0"/>
+              <a:t>datasets</a:t>
             </a:r>
             <a:r>
-              <a:rPr lang="en-US" dirty="0"/>
-              <a:t>. Proportion of transient </a:t>
+              <a:rPr lang="en-US" sz="1000" dirty="0" smtClean="0"/>
+              <a:t>.</a:t>
+            </a:r>
+          </a:p>
+          <a:p>
+            <a:r>
+              <a:rPr lang="en-US" sz="1000" dirty="0"/>
+              <a:t>Figure3b. Proportion of transient species by log of community size (number of individuals), colored by taxa, using the hierarchically scaled count datasets</a:t>
             </a:r>
             <a:r>
-              <a:rPr lang="en-US" dirty="0" smtClean="0"/>
-              <a:t>species </a:t>
-            </a:r>
-            <a:r>
-              <a:rPr lang="en-US" dirty="0"/>
-              <a:t>by </a:t>
-            </a:r>
-            <a:r>
-              <a:rPr lang="en-US" dirty="0" smtClean="0"/>
-              <a:t>log of community </a:t>
-            </a:r>
-            <a:r>
-              <a:rPr lang="en-US" dirty="0"/>
-              <a:t>size </a:t>
-            </a:r>
-            <a:r>
-              <a:rPr lang="en-US" dirty="0" smtClean="0"/>
-              <a:t>(number of individuals), </a:t>
-            </a:r>
-            <a:r>
-              <a:rPr lang="en-US" dirty="0"/>
-              <a:t>colored by taxa, using the hierarchically scaled </a:t>
-            </a:r>
-            <a:r>
-              <a:rPr lang="en-US" dirty="0" smtClean="0"/>
-              <a:t>count datasets</a:t>
-            </a:r>
-            <a:r>
-              <a:rPr lang="en-US" dirty="0"/>
+              <a:rPr lang="en-US" sz="1000" dirty="0" smtClean="0"/>
               <a:t>.</a:t>
             </a:r>
           </a:p>
-        </p:txBody>
-      </p:sp>
-      <p:sp>
-        <p:nvSpPr>
-          <p:cNvPr id="10" name="Rectangle 9"/>
-          <p:cNvSpPr/>
-          <p:nvPr/>
-        </p:nvSpPr>
-        <p:spPr>
-          <a:xfrm>
-            <a:off x="1433279" y="6211669"/>
-            <a:ext cx="8805672" cy="646331"/>
-          </a:xfrm>
-          <a:prstGeom prst="rect">
-            <a:avLst/>
-          </a:prstGeom>
-        </p:spPr>
-        <p:txBody>
-          <a:bodyPr wrap="square">
-            <a:spAutoFit/>
-          </a:bodyPr>
-          <a:lstStyle/>
           <a:p>
             <a:r>
-              <a:rPr lang="en-US" dirty="0" smtClean="0"/>
+              <a:rPr lang="en-US" sz="1000" dirty="0"/>
               <a:t>Figure3c. Predicted values of hierarchically scaled count datasets by taxa using average community size XXX. </a:t>
             </a:r>
-            <a:endParaRPr lang="en-US" dirty="0"/>
+          </a:p>
+          <a:p>
+            <a:endParaRPr lang="en-US" sz="1000" dirty="0"/>
           </a:p>
         </p:txBody>
       </p:sp>
@@ -13786,21 +13655,21 @@
       </p:sp>
       <p:grpSp>
         <p:nvGrpSpPr>
-          <p:cNvPr id="2" name="Group 1"/>
+          <p:cNvPr id="8" name="Group 7"/>
           <p:cNvGrpSpPr/>
           <p:nvPr/>
         </p:nvGrpSpPr>
         <p:grpSpPr>
           <a:xfrm>
-            <a:off x="2431973" y="131617"/>
-            <a:ext cx="6085173" cy="5042934"/>
-            <a:chOff x="2431973" y="131617"/>
-            <a:chExt cx="6085173" cy="5042934"/>
+            <a:off x="1818898" y="134914"/>
+            <a:ext cx="6973681" cy="5803521"/>
+            <a:chOff x="1882906" y="0"/>
+            <a:chExt cx="6973681" cy="5803521"/>
           </a:xfrm>
         </p:grpSpPr>
         <p:pic>
           <p:nvPicPr>
-            <p:cNvPr id="3" name="Picture 2"/>
+            <p:cNvPr id="4" name="Picture 3"/>
             <p:cNvPicPr>
               <a:picLocks noChangeAspect="1"/>
             </p:cNvPicPr>
@@ -13814,8 +13683,8 @@
           </p:blipFill>
           <p:spPr>
             <a:xfrm>
-              <a:off x="2431973" y="131617"/>
-              <a:ext cx="6085173" cy="4865881"/>
+              <a:off x="1882906" y="0"/>
+              <a:ext cx="6973681" cy="5474242"/>
             </a:xfrm>
             <a:prstGeom prst="rect">
               <a:avLst/>
@@ -13830,10 +13699,10 @@
           </p:nvGrpSpPr>
           <p:grpSpPr>
             <a:xfrm>
-              <a:off x="3012760" y="4831134"/>
-              <a:ext cx="2279540" cy="281753"/>
-              <a:chOff x="2760297" y="6051268"/>
-              <a:chExt cx="2514388" cy="236612"/>
+              <a:off x="2573781" y="5458065"/>
+              <a:ext cx="2577809" cy="336933"/>
+              <a:chOff x="2725734" y="6040009"/>
+              <a:chExt cx="2431519" cy="233554"/>
             </a:xfrm>
           </p:grpSpPr>
           <p:grpSp>
@@ -13844,10 +13713,10 @@
             </p:nvGrpSpPr>
             <p:grpSpPr>
               <a:xfrm>
-                <a:off x="2760297" y="6051268"/>
-                <a:ext cx="2514388" cy="236612"/>
-                <a:chOff x="2926296" y="6051268"/>
-                <a:chExt cx="2514388" cy="236612"/>
+                <a:off x="2725734" y="6040009"/>
+                <a:ext cx="2431519" cy="233554"/>
+                <a:chOff x="2891733" y="6040009"/>
+                <a:chExt cx="2431519" cy="233554"/>
               </a:xfrm>
             </p:grpSpPr>
             <p:pic>
@@ -13872,7 +13741,7 @@
               </p:blipFill>
               <p:spPr>
                 <a:xfrm>
-                  <a:off x="3339990" y="6090606"/>
+                  <a:off x="3290816" y="6072439"/>
                   <a:ext cx="325640" cy="161565"/>
                 </a:xfrm>
                 <a:prstGeom prst="rect">
@@ -13902,7 +13771,7 @@
               </p:blipFill>
               <p:spPr>
                 <a:xfrm>
-                  <a:off x="3804938" y="6051268"/>
+                  <a:off x="3741153" y="6047967"/>
                   <a:ext cx="280633" cy="225596"/>
                 </a:xfrm>
                 <a:prstGeom prst="rect">
@@ -13932,7 +13801,7 @@
               </p:blipFill>
               <p:spPr>
                 <a:xfrm>
-                  <a:off x="2926296" y="6062284"/>
+                  <a:off x="2891733" y="6043973"/>
                   <a:ext cx="274386" cy="225596"/>
                 </a:xfrm>
                 <a:prstGeom prst="rect">
@@ -13962,7 +13831,7 @@
               </p:blipFill>
               <p:spPr>
                 <a:xfrm flipH="1">
-                  <a:off x="5184894" y="6062284"/>
+                  <a:off x="5067462" y="6040009"/>
                   <a:ext cx="255790" cy="218495"/>
                 </a:xfrm>
                 <a:prstGeom prst="rect">
@@ -13987,7 +13856,7 @@
             </p:blipFill>
             <p:spPr>
               <a:xfrm>
-                <a:off x="4048209" y="6067448"/>
+                <a:off x="3985391" y="6056054"/>
                 <a:ext cx="334902" cy="198223"/>
               </a:xfrm>
               <a:prstGeom prst="rect">
@@ -14011,7 +13880,7 @@
             </p:blipFill>
             <p:spPr>
               <a:xfrm>
-                <a:off x="4490815" y="6064345"/>
+                <a:off x="4396641" y="6042431"/>
                 <a:ext cx="327300" cy="196986"/>
               </a:xfrm>
               <a:prstGeom prst="rect">
@@ -14028,9 +13897,9 @@
           </p:nvGrpSpPr>
           <p:grpSpPr>
             <a:xfrm>
-              <a:off x="6155681" y="4850311"/>
-              <a:ext cx="2164195" cy="324240"/>
-              <a:chOff x="2148779" y="1657738"/>
+              <a:off x="6172751" y="5427766"/>
+              <a:ext cx="2448054" cy="375755"/>
+              <a:chOff x="2148779" y="1628632"/>
               <a:chExt cx="2931901" cy="414033"/>
             </a:xfrm>
           </p:grpSpPr>
@@ -14050,7 +13919,7 @@
             </p:blipFill>
             <p:spPr>
               <a:xfrm>
-                <a:off x="2148779" y="1657738"/>
+                <a:off x="2148779" y="1628632"/>
                 <a:ext cx="655912" cy="396304"/>
               </a:xfrm>
               <a:prstGeom prst="rect">
@@ -14074,7 +13943,7 @@
             </p:blipFill>
             <p:spPr>
               <a:xfrm>
-                <a:off x="3258043" y="1708949"/>
+                <a:off x="3258043" y="1679844"/>
                 <a:ext cx="728479" cy="293882"/>
               </a:xfrm>
               <a:prstGeom prst="rect">
@@ -14098,7 +13967,7 @@
             </p:blipFill>
             <p:spPr>
               <a:xfrm>
-                <a:off x="4439875" y="1662829"/>
+                <a:off x="4439875" y="1633723"/>
                 <a:ext cx="640805" cy="408942"/>
               </a:xfrm>
               <a:prstGeom prst="rect">

--- a/output/plots/all_figs_with_legends.pptx
+++ b/output/plots/all_figs_with_legends.pptx
@@ -14054,21 +14054,22 @@
       </p:sp>
       <p:pic>
         <p:nvPicPr>
-          <p:cNvPr id="2" name="Picture 1"/>
+          <p:cNvPr id="3" name="Picture 2"/>
           <p:cNvPicPr>
             <a:picLocks noChangeAspect="1"/>
           </p:cNvPicPr>
           <p:nvPr/>
         </p:nvPicPr>
-        <p:blipFill rotWithShape="1">
+        <p:blipFill>
           <a:blip r:embed="rId2"/>
-          <a:srcRect l="571"/>
-          <a:stretch/>
+          <a:stretch>
+            <a:fillRect/>
+          </a:stretch>
         </p:blipFill>
         <p:spPr>
           <a:xfrm>
-            <a:off x="1306285" y="65314"/>
-            <a:ext cx="9094916" cy="6792686"/>
+            <a:off x="1581911" y="0"/>
+            <a:ext cx="8771405" cy="6793992"/>
           </a:xfrm>
           <a:prstGeom prst="rect">
             <a:avLst/>

--- a/output/plots/all_figs_with_legends.pptx
+++ b/output/plots/all_figs_with_legends.pptx
@@ -13,7 +13,7 @@
     <p:sldId id="257" r:id="rId4"/>
     <p:sldId id="260" r:id="rId5"/>
     <p:sldId id="262" r:id="rId6"/>
-    <p:sldId id="261" r:id="rId7"/>
+    <p:sldId id="266" r:id="rId7"/>
     <p:sldId id="256" r:id="rId8"/>
     <p:sldId id="264" r:id="rId9"/>
     <p:sldId id="265" r:id="rId10"/>
@@ -205,7 +205,7 @@
           <a:p>
             <a:fld id="{7FA21820-D199-4D82-91AF-C50B1D3B111A}" type="datetimeFigureOut">
               <a:rPr lang="en-US" smtClean="0"/>
-              <a:t>5/18/2017</a:t>
+              <a:t>5/23/2017</a:t>
             </a:fld>
             <a:endParaRPr lang="en-US"/>
           </a:p>
@@ -1038,7 +1038,7 @@
           <a:p>
             <a:fld id="{916B8C92-D5E3-4480-8685-D57BEE386DE2}" type="datetimeFigureOut">
               <a:rPr lang="en-US" smtClean="0"/>
-              <a:t>5/18/2017</a:t>
+              <a:t>5/23/2017</a:t>
             </a:fld>
             <a:endParaRPr lang="en-US"/>
           </a:p>
@@ -1208,7 +1208,7 @@
           <a:p>
             <a:fld id="{916B8C92-D5E3-4480-8685-D57BEE386DE2}" type="datetimeFigureOut">
               <a:rPr lang="en-US" smtClean="0"/>
-              <a:t>5/18/2017</a:t>
+              <a:t>5/23/2017</a:t>
             </a:fld>
             <a:endParaRPr lang="en-US"/>
           </a:p>
@@ -1388,7 +1388,7 @@
           <a:p>
             <a:fld id="{916B8C92-D5E3-4480-8685-D57BEE386DE2}" type="datetimeFigureOut">
               <a:rPr lang="en-US" smtClean="0"/>
-              <a:t>5/18/2017</a:t>
+              <a:t>5/23/2017</a:t>
             </a:fld>
             <a:endParaRPr lang="en-US"/>
           </a:p>
@@ -1558,7 +1558,7 @@
           <a:p>
             <a:fld id="{916B8C92-D5E3-4480-8685-D57BEE386DE2}" type="datetimeFigureOut">
               <a:rPr lang="en-US" smtClean="0"/>
-              <a:t>5/18/2017</a:t>
+              <a:t>5/23/2017</a:t>
             </a:fld>
             <a:endParaRPr lang="en-US"/>
           </a:p>
@@ -1804,7 +1804,7 @@
           <a:p>
             <a:fld id="{916B8C92-D5E3-4480-8685-D57BEE386DE2}" type="datetimeFigureOut">
               <a:rPr lang="en-US" smtClean="0"/>
-              <a:t>5/18/2017</a:t>
+              <a:t>5/23/2017</a:t>
             </a:fld>
             <a:endParaRPr lang="en-US"/>
           </a:p>
@@ -2036,7 +2036,7 @@
           <a:p>
             <a:fld id="{916B8C92-D5E3-4480-8685-D57BEE386DE2}" type="datetimeFigureOut">
               <a:rPr lang="en-US" smtClean="0"/>
-              <a:t>5/18/2017</a:t>
+              <a:t>5/23/2017</a:t>
             </a:fld>
             <a:endParaRPr lang="en-US"/>
           </a:p>
@@ -2403,7 +2403,7 @@
           <a:p>
             <a:fld id="{916B8C92-D5E3-4480-8685-D57BEE386DE2}" type="datetimeFigureOut">
               <a:rPr lang="en-US" smtClean="0"/>
-              <a:t>5/18/2017</a:t>
+              <a:t>5/23/2017</a:t>
             </a:fld>
             <a:endParaRPr lang="en-US"/>
           </a:p>
@@ -2521,7 +2521,7 @@
           <a:p>
             <a:fld id="{916B8C92-D5E3-4480-8685-D57BEE386DE2}" type="datetimeFigureOut">
               <a:rPr lang="en-US" smtClean="0"/>
-              <a:t>5/18/2017</a:t>
+              <a:t>5/23/2017</a:t>
             </a:fld>
             <a:endParaRPr lang="en-US"/>
           </a:p>
@@ -2616,7 +2616,7 @@
           <a:p>
             <a:fld id="{916B8C92-D5E3-4480-8685-D57BEE386DE2}" type="datetimeFigureOut">
               <a:rPr lang="en-US" smtClean="0"/>
-              <a:t>5/18/2017</a:t>
+              <a:t>5/23/2017</a:t>
             </a:fld>
             <a:endParaRPr lang="en-US"/>
           </a:p>
@@ -2893,7 +2893,7 @@
           <a:p>
             <a:fld id="{916B8C92-D5E3-4480-8685-D57BEE386DE2}" type="datetimeFigureOut">
               <a:rPr lang="en-US" smtClean="0"/>
-              <a:t>5/18/2017</a:t>
+              <a:t>5/23/2017</a:t>
             </a:fld>
             <a:endParaRPr lang="en-US"/>
           </a:p>
@@ -3146,7 +3146,7 @@
           <a:p>
             <a:fld id="{916B8C92-D5E3-4480-8685-D57BEE386DE2}" type="datetimeFigureOut">
               <a:rPr lang="en-US" smtClean="0"/>
-              <a:t>5/18/2017</a:t>
+              <a:t>5/23/2017</a:t>
             </a:fld>
             <a:endParaRPr lang="en-US"/>
           </a:p>
@@ -3359,7 +3359,7 @@
           <a:p>
             <a:fld id="{916B8C92-D5E3-4480-8685-D57BEE386DE2}" type="datetimeFigureOut">
               <a:rPr lang="en-US" smtClean="0"/>
-              <a:t>5/18/2017</a:t>
+              <a:t>5/23/2017</a:t>
             </a:fld>
             <a:endParaRPr lang="en-US"/>
           </a:p>
@@ -7780,7 +7780,7 @@
         </p:nvSpPr>
         <p:spPr>
           <a:xfrm>
-            <a:off x="3386362" y="2974800"/>
+            <a:off x="3234716" y="2981951"/>
             <a:ext cx="45719" cy="45719"/>
           </a:xfrm>
           <a:prstGeom prst="flowChartConnector">
@@ -7828,7 +7828,7 @@
         </p:nvSpPr>
         <p:spPr>
           <a:xfrm>
-            <a:off x="3416308" y="3880706"/>
+            <a:off x="3264662" y="3887857"/>
             <a:ext cx="45719" cy="45719"/>
           </a:xfrm>
           <a:prstGeom prst="flowChartConnector">
@@ -7876,7 +7876,7 @@
         </p:nvSpPr>
         <p:spPr>
           <a:xfrm>
-            <a:off x="5163301" y="2487815"/>
+            <a:off x="5011655" y="2494966"/>
             <a:ext cx="45719" cy="45719"/>
           </a:xfrm>
           <a:prstGeom prst="flowChartConnector">
@@ -7984,7 +7984,7 @@
         </p:nvCxnSpPr>
         <p:spPr>
           <a:xfrm flipV="1">
-            <a:off x="3471390" y="2539294"/>
+            <a:off x="3319744" y="2546445"/>
             <a:ext cx="1679579" cy="1328597"/>
           </a:xfrm>
           <a:prstGeom prst="line">
@@ -8020,7 +8020,7 @@
         </p:nvCxnSpPr>
         <p:spPr>
           <a:xfrm flipV="1">
-            <a:off x="3445081" y="2534576"/>
+            <a:off x="3293435" y="2541727"/>
             <a:ext cx="1691612" cy="454150"/>
           </a:xfrm>
           <a:prstGeom prst="line">
@@ -8126,7 +8126,7 @@
         </p:nvSpPr>
         <p:spPr>
           <a:xfrm rot="20741648">
-            <a:off x="3514452" y="2590434"/>
+            <a:off x="3362806" y="2597585"/>
             <a:ext cx="1101852" cy="246221"/>
           </a:xfrm>
           <a:prstGeom prst="rect">
@@ -8156,7 +8156,7 @@
         </p:nvSpPr>
         <p:spPr>
           <a:xfrm rot="19292141">
-            <a:off x="3426703" y="3151520"/>
+            <a:off x="3275057" y="3158671"/>
             <a:ext cx="1282191" cy="246221"/>
           </a:xfrm>
           <a:prstGeom prst="rect">
@@ -8186,7 +8186,7 @@
         </p:nvSpPr>
         <p:spPr>
           <a:xfrm>
-            <a:off x="3336894" y="3916387"/>
+            <a:off x="3185248" y="3923538"/>
             <a:ext cx="45719" cy="45719"/>
           </a:xfrm>
           <a:prstGeom prst="diamond">
@@ -8240,7 +8240,7 @@
         </p:nvSpPr>
         <p:spPr>
           <a:xfrm>
-            <a:off x="3481294" y="3940635"/>
+            <a:off x="3329648" y="3947786"/>
             <a:ext cx="45719" cy="45719"/>
           </a:xfrm>
           <a:prstGeom prst="ellipse">
@@ -8294,7 +8294,7 @@
         </p:nvSpPr>
         <p:spPr>
           <a:xfrm>
-            <a:off x="3400306" y="4002617"/>
+            <a:off x="3248660" y="4009768"/>
             <a:ext cx="45719" cy="45719"/>
           </a:xfrm>
           <a:prstGeom prst="triangle">
@@ -8348,7 +8348,7 @@
         </p:nvSpPr>
         <p:spPr>
           <a:xfrm>
-            <a:off x="3322257" y="2916875"/>
+            <a:off x="3170611" y="2924026"/>
             <a:ext cx="70648" cy="57645"/>
           </a:xfrm>
           <a:prstGeom prst="hexagon">
@@ -8397,7 +8397,7 @@
         </p:nvSpPr>
         <p:spPr>
           <a:xfrm>
-            <a:off x="3427384" y="2900594"/>
+            <a:off x="3275738" y="2907745"/>
             <a:ext cx="57025" cy="52352"/>
           </a:xfrm>
           <a:prstGeom prst="rect">
@@ -8446,7 +8446,7 @@
         </p:nvSpPr>
         <p:spPr>
           <a:xfrm>
-            <a:off x="3306634" y="3019382"/>
+            <a:off x="3154988" y="3026533"/>
             <a:ext cx="45719" cy="45719"/>
           </a:xfrm>
           <a:prstGeom prst="diamond">
@@ -8500,7 +8500,7 @@
         </p:nvSpPr>
         <p:spPr>
           <a:xfrm>
-            <a:off x="3451034" y="3043630"/>
+            <a:off x="3299388" y="3050781"/>
             <a:ext cx="45719" cy="45719"/>
           </a:xfrm>
           <a:prstGeom prst="ellipse">
@@ -8554,7 +8554,7 @@
         </p:nvSpPr>
         <p:spPr>
           <a:xfrm>
-            <a:off x="3370046" y="3105612"/>
+            <a:off x="3218400" y="3112763"/>
             <a:ext cx="45719" cy="45719"/>
           </a:xfrm>
           <a:prstGeom prst="triangle">
@@ -8608,7 +8608,7 @@
         </p:nvSpPr>
         <p:spPr>
           <a:xfrm>
-            <a:off x="5127977" y="2334912"/>
+            <a:off x="4976331" y="2342063"/>
             <a:ext cx="70648" cy="57645"/>
           </a:xfrm>
           <a:prstGeom prst="hexagon">
@@ -8661,7 +8661,7 @@
         </p:nvSpPr>
         <p:spPr>
           <a:xfrm>
-            <a:off x="5207811" y="2402458"/>
+            <a:off x="5056165" y="2409609"/>
             <a:ext cx="57025" cy="52352"/>
           </a:xfrm>
           <a:prstGeom prst="rect">
@@ -8714,7 +8714,7 @@
         </p:nvSpPr>
         <p:spPr>
           <a:xfrm>
-            <a:off x="5299315" y="2454810"/>
+            <a:off x="5147669" y="2461961"/>
             <a:ext cx="45719" cy="45719"/>
           </a:xfrm>
           <a:prstGeom prst="diamond">
@@ -8768,7 +8768,7 @@
         </p:nvSpPr>
         <p:spPr>
           <a:xfrm>
-            <a:off x="5232702" y="2541134"/>
+            <a:off x="5081056" y="2548285"/>
             <a:ext cx="45719" cy="45719"/>
           </a:xfrm>
           <a:prstGeom prst="ellipse">
@@ -8822,7 +8822,7 @@
         </p:nvSpPr>
         <p:spPr>
           <a:xfrm>
-            <a:off x="5150473" y="2607476"/>
+            <a:off x="4998827" y="2614627"/>
             <a:ext cx="45719" cy="45719"/>
           </a:xfrm>
           <a:prstGeom prst="triangle">
@@ -8876,7 +8876,7 @@
         </p:nvSpPr>
         <p:spPr>
           <a:xfrm>
-            <a:off x="5076384" y="2427735"/>
+            <a:off x="4924738" y="2434886"/>
             <a:ext cx="45720" cy="45719"/>
           </a:xfrm>
           <a:prstGeom prst="star5">
@@ -8930,7 +8930,7 @@
         </p:nvSpPr>
         <p:spPr>
           <a:xfrm>
-            <a:off x="5308515" y="2600023"/>
+            <a:off x="5156869" y="2607174"/>
             <a:ext cx="45719" cy="45719"/>
           </a:xfrm>
           <a:prstGeom prst="parallelogram">
@@ -8983,7 +8983,7 @@
         </p:nvSpPr>
         <p:spPr>
           <a:xfrm>
-            <a:off x="5304824" y="2349511"/>
+            <a:off x="5153178" y="2356662"/>
             <a:ext cx="45719" cy="45719"/>
           </a:xfrm>
           <a:prstGeom prst="trapezoid">
@@ -14014,85 +14014,248 @@
           <a:chExt cx="0" cy="0"/>
         </a:xfrm>
       </p:grpSpPr>
-      <p:sp>
-        <p:nvSpPr>
-          <p:cNvPr id="8" name="TextBox 7"/>
-          <p:cNvSpPr txBox="1"/>
+      <p:grpSp>
+        <p:nvGrpSpPr>
+          <p:cNvPr id="19" name="Group 18"/>
+          <p:cNvGrpSpPr/>
           <p:nvPr/>
-        </p:nvSpPr>
-        <p:spPr>
+        </p:nvGrpSpPr>
+        <p:grpSpPr>
           <a:xfrm>
-            <a:off x="117817" y="134914"/>
-            <a:ext cx="1060704" cy="369332"/>
-          </a:xfrm>
-          <a:prstGeom prst="rect">
-            <a:avLst/>
-          </a:prstGeom>
-          <a:noFill/>
-        </p:spPr>
-        <p:txBody>
-          <a:bodyPr wrap="square" rtlCol="0">
-            <a:spAutoFit/>
-          </a:bodyPr>
-          <a:lstStyle/>
-          <a:p>
-            <a:r>
-              <a:rPr lang="en-US" dirty="0" smtClean="0"/>
-              <a:t>Fig </a:t>
-            </a:r>
-            <a:r>
-              <a:rPr lang="en-US" dirty="0"/>
-              <a:t>4</a:t>
-            </a:r>
-            <a:r>
-              <a:rPr lang="en-US" dirty="0" smtClean="0"/>
-              <a:t>a-4d</a:t>
-            </a:r>
-            <a:endParaRPr lang="en-US" dirty="0"/>
-          </a:p>
-        </p:txBody>
-      </p:sp>
-      <p:pic>
-        <p:nvPicPr>
-          <p:cNvPr id="3" name="Picture 2"/>
-          <p:cNvPicPr>
-            <a:picLocks noChangeAspect="1"/>
-          </p:cNvPicPr>
-          <p:nvPr/>
-        </p:nvPicPr>
-        <p:blipFill>
-          <a:blip r:embed="rId2"/>
-          <a:stretch>
-            <a:fillRect/>
-          </a:stretch>
-        </p:blipFill>
-        <p:spPr>
-          <a:xfrm>
-            <a:off x="1581911" y="0"/>
-            <a:ext cx="8771405" cy="6793992"/>
-          </a:xfrm>
-          <a:prstGeom prst="rect">
-            <a:avLst/>
-          </a:prstGeom>
-        </p:spPr>
-      </p:pic>
+            <a:off x="994298" y="-1"/>
+            <a:ext cx="9321554" cy="6866083"/>
+            <a:chOff x="994298" y="-1"/>
+            <a:chExt cx="9321554" cy="6866083"/>
+          </a:xfrm>
+        </p:grpSpPr>
+        <p:pic>
+          <p:nvPicPr>
+            <p:cNvPr id="17" name="Picture 16"/>
+            <p:cNvPicPr>
+              <a:picLocks noChangeAspect="1"/>
+            </p:cNvPicPr>
+            <p:nvPr/>
+          </p:nvPicPr>
+          <p:blipFill>
+            <a:blip r:embed="rId2"/>
+            <a:stretch>
+              <a:fillRect/>
+            </a:stretch>
+          </p:blipFill>
+          <p:spPr>
+            <a:xfrm>
+              <a:off x="994298" y="-1"/>
+              <a:ext cx="9321554" cy="6866083"/>
+            </a:xfrm>
+            <a:prstGeom prst="rect">
+              <a:avLst/>
+            </a:prstGeom>
+          </p:spPr>
+        </p:pic>
+        <p:grpSp>
+          <p:nvGrpSpPr>
+            <p:cNvPr id="9" name="Group 8"/>
+            <p:cNvGrpSpPr/>
+            <p:nvPr/>
+          </p:nvGrpSpPr>
+          <p:grpSpPr>
+            <a:xfrm>
+              <a:off x="3133104" y="-1"/>
+              <a:ext cx="535771" cy="1990083"/>
+              <a:chOff x="3359573" y="-81232"/>
+              <a:chExt cx="535771" cy="1990083"/>
+            </a:xfrm>
+          </p:grpSpPr>
+          <p:sp>
+            <p:nvSpPr>
+              <p:cNvPr id="10" name="Rectangle 9"/>
+              <p:cNvSpPr/>
+              <p:nvPr/>
+            </p:nvSpPr>
+            <p:spPr>
+              <a:xfrm>
+                <a:off x="3438144" y="134914"/>
+                <a:ext cx="457200" cy="1639022"/>
+              </a:xfrm>
+              <a:prstGeom prst="rect">
+                <a:avLst/>
+              </a:prstGeom>
+              <a:solidFill>
+                <a:schemeClr val="bg1"/>
+              </a:solidFill>
+              <a:ln>
+                <a:noFill/>
+              </a:ln>
+            </p:spPr>
+            <p:style>
+              <a:lnRef idx="2">
+                <a:schemeClr val="accent1">
+                  <a:shade val="50000"/>
+                </a:schemeClr>
+              </a:lnRef>
+              <a:fillRef idx="1">
+                <a:schemeClr val="accent1"/>
+              </a:fillRef>
+              <a:effectRef idx="0">
+                <a:schemeClr val="accent1"/>
+              </a:effectRef>
+              <a:fontRef idx="minor">
+                <a:schemeClr val="lt1"/>
+              </a:fontRef>
+            </p:style>
+            <p:txBody>
+              <a:bodyPr rtlCol="0" anchor="ctr"/>
+              <a:lstStyle/>
+              <a:p>
+                <a:pPr algn="ctr"/>
+                <a:endParaRPr lang="en-US"/>
+              </a:p>
+            </p:txBody>
+          </p:sp>
+          <p:cxnSp>
+            <p:nvCxnSpPr>
+              <p:cNvPr id="11" name="Straight Arrow Connector 10"/>
+              <p:cNvCxnSpPr/>
+              <p:nvPr/>
+            </p:nvCxnSpPr>
+            <p:spPr>
+              <a:xfrm flipV="1">
+                <a:off x="3647429" y="224987"/>
+                <a:ext cx="0" cy="608132"/>
+              </a:xfrm>
+              <a:prstGeom prst="straightConnector1">
+                <a:avLst/>
+              </a:prstGeom>
+              <a:ln>
+                <a:solidFill>
+                  <a:schemeClr val="tx1"/>
+                </a:solidFill>
+                <a:tailEnd type="triangle"/>
+              </a:ln>
+            </p:spPr>
+            <p:style>
+              <a:lnRef idx="1">
+                <a:schemeClr val="accent1"/>
+              </a:lnRef>
+              <a:fillRef idx="0">
+                <a:schemeClr val="accent1"/>
+              </a:fillRef>
+              <a:effectRef idx="0">
+                <a:schemeClr val="accent1"/>
+              </a:effectRef>
+              <a:fontRef idx="minor">
+                <a:schemeClr val="tx1"/>
+              </a:fontRef>
+            </p:style>
+          </p:cxnSp>
+          <p:sp>
+            <p:nvSpPr>
+              <p:cNvPr id="12" name="TextBox 11"/>
+              <p:cNvSpPr txBox="1"/>
+              <p:nvPr/>
+            </p:nvSpPr>
+            <p:spPr>
+              <a:xfrm rot="16200000">
+                <a:off x="3001131" y="277210"/>
+                <a:ext cx="1024662" cy="307777"/>
+              </a:xfrm>
+              <a:prstGeom prst="rect">
+                <a:avLst/>
+              </a:prstGeom>
+              <a:noFill/>
+            </p:spPr>
+            <p:txBody>
+              <a:bodyPr wrap="square" rtlCol="0">
+                <a:spAutoFit/>
+              </a:bodyPr>
+              <a:lstStyle/>
+              <a:p>
+                <a:r>
+                  <a:rPr lang="en-US" sz="1400" dirty="0" smtClean="0"/>
+                  <a:t>Log-series</a:t>
+                </a:r>
+                <a:endParaRPr lang="en-US" sz="1400" dirty="0"/>
+              </a:p>
+            </p:txBody>
+          </p:sp>
+          <p:cxnSp>
+            <p:nvCxnSpPr>
+              <p:cNvPr id="13" name="Straight Arrow Connector 12"/>
+              <p:cNvCxnSpPr/>
+              <p:nvPr/>
+            </p:nvCxnSpPr>
+            <p:spPr>
+              <a:xfrm>
+                <a:off x="3643466" y="1150782"/>
+                <a:ext cx="1" cy="604518"/>
+              </a:xfrm>
+              <a:prstGeom prst="straightConnector1">
+                <a:avLst/>
+              </a:prstGeom>
+              <a:ln>
+                <a:solidFill>
+                  <a:schemeClr val="tx1"/>
+                </a:solidFill>
+                <a:tailEnd type="triangle"/>
+              </a:ln>
+            </p:spPr>
+            <p:style>
+              <a:lnRef idx="1">
+                <a:schemeClr val="accent1"/>
+              </a:lnRef>
+              <a:fillRef idx="0">
+                <a:schemeClr val="accent1"/>
+              </a:fillRef>
+              <a:effectRef idx="0">
+                <a:schemeClr val="accent1"/>
+              </a:effectRef>
+              <a:fontRef idx="minor">
+                <a:schemeClr val="tx1"/>
+              </a:fontRef>
+            </p:style>
+          </p:cxnSp>
+          <p:sp>
+            <p:nvSpPr>
+              <p:cNvPr id="14" name="TextBox 13"/>
+              <p:cNvSpPr txBox="1"/>
+              <p:nvPr/>
+            </p:nvSpPr>
+            <p:spPr>
+              <a:xfrm rot="16200000">
+                <a:off x="2975596" y="1217096"/>
+                <a:ext cx="1075732" cy="307777"/>
+              </a:xfrm>
+              <a:prstGeom prst="rect">
+                <a:avLst/>
+              </a:prstGeom>
+              <a:noFill/>
+            </p:spPr>
+            <p:txBody>
+              <a:bodyPr wrap="square" rtlCol="0">
+                <a:spAutoFit/>
+              </a:bodyPr>
+              <a:lstStyle/>
+              <a:p>
+                <a:r>
+                  <a:rPr lang="en-US" sz="1400" dirty="0" smtClean="0"/>
+                  <a:t>Log-normal</a:t>
+                </a:r>
+                <a:endParaRPr lang="en-US" sz="1400" dirty="0"/>
+              </a:p>
+            </p:txBody>
+          </p:sp>
+        </p:grpSp>
+      </p:grpSp>
     </p:spTree>
     <p:extLst>
       <p:ext uri="{BB962C8B-B14F-4D97-AF65-F5344CB8AC3E}">
-        <p14:creationId xmlns:p14="http://schemas.microsoft.com/office/powerpoint/2010/main" val="3384467380"/>
+        <p14:creationId xmlns:p14="http://schemas.microsoft.com/office/powerpoint/2010/main" val="2102410935"/>
       </p:ext>
     </p:extLst>
   </p:cSld>
   <p:clrMapOvr>
     <a:masterClrMapping/>
   </p:clrMapOvr>
-  <p:timing>
-    <p:tnLst>
-      <p:par>
-        <p:cTn id="1" dur="indefinite" restart="never" nodeType="tmRoot"/>
-      </p:par>
-    </p:tnLst>
-  </p:timing>
 </p:sld>
 </file>
 
@@ -14113,235 +14276,250 @@
           <a:chExt cx="0" cy="0"/>
         </a:xfrm>
       </p:grpSpPr>
-      <p:pic>
-        <p:nvPicPr>
-          <p:cNvPr id="5" name="Picture 4"/>
-          <p:cNvPicPr>
-            <a:picLocks noChangeAspect="1"/>
-          </p:cNvPicPr>
-          <p:nvPr/>
-        </p:nvPicPr>
-        <p:blipFill rotWithShape="1">
-          <a:blip r:embed="rId2"/>
-          <a:srcRect b="7630"/>
-          <a:stretch/>
-        </p:blipFill>
-        <p:spPr>
-          <a:xfrm>
-            <a:off x="926371" y="146304"/>
-            <a:ext cx="10336164" cy="6199632"/>
-          </a:xfrm>
-          <a:prstGeom prst="rect">
-            <a:avLst/>
-          </a:prstGeom>
-        </p:spPr>
-      </p:pic>
       <p:grpSp>
         <p:nvGrpSpPr>
-          <p:cNvPr id="7" name="Group 6"/>
+          <p:cNvPr id="2" name="Group 1"/>
           <p:cNvGrpSpPr/>
           <p:nvPr/>
         </p:nvGrpSpPr>
         <p:grpSpPr>
           <a:xfrm>
-            <a:off x="2330313" y="6345936"/>
-            <a:ext cx="8304158" cy="487093"/>
-            <a:chOff x="2376033" y="6324830"/>
-            <a:chExt cx="8304158" cy="487093"/>
+            <a:off x="926371" y="146304"/>
+            <a:ext cx="10336164" cy="6686725"/>
+            <a:chOff x="926371" y="146304"/>
+            <a:chExt cx="10336164" cy="6686725"/>
           </a:xfrm>
         </p:grpSpPr>
         <p:pic>
           <p:nvPicPr>
-            <p:cNvPr id="21" name="Picture 20"/>
+            <p:cNvPr id="5" name="Picture 4"/>
             <p:cNvPicPr>
               <a:picLocks noChangeAspect="1"/>
             </p:cNvPicPr>
             <p:nvPr/>
           </p:nvPicPr>
-          <p:blipFill>
-            <a:blip r:embed="rId3" cstate="print">
-              <a:extLst>
-                <a:ext uri="{28A0092B-C50C-407E-A947-70E740481C1C}">
-                  <a14:useLocalDpi xmlns:a14="http://schemas.microsoft.com/office/drawing/2010/main" val="0"/>
-                </a:ext>
-              </a:extLst>
-            </a:blip>
-            <a:stretch>
-              <a:fillRect/>
-            </a:stretch>
+          <p:blipFill rotWithShape="1">
+            <a:blip r:embed="rId2"/>
+            <a:srcRect b="7630"/>
+            <a:stretch/>
           </p:blipFill>
           <p:spPr>
             <a:xfrm>
-              <a:off x="3575399" y="6383536"/>
-              <a:ext cx="512410" cy="318881"/>
+              <a:off x="926371" y="146304"/>
+              <a:ext cx="10336164" cy="6199632"/>
             </a:xfrm>
             <a:prstGeom prst="rect">
               <a:avLst/>
             </a:prstGeom>
           </p:spPr>
         </p:pic>
-        <p:pic>
-          <p:nvPicPr>
-            <p:cNvPr id="22" name="Picture 21"/>
-            <p:cNvPicPr>
-              <a:picLocks noChangeAspect="1"/>
-            </p:cNvPicPr>
+        <p:grpSp>
+          <p:nvGrpSpPr>
+            <p:cNvPr id="7" name="Group 6"/>
+            <p:cNvGrpSpPr/>
             <p:nvPr/>
-          </p:nvPicPr>
-          <p:blipFill>
-            <a:blip r:embed="rId4" cstate="print">
-              <a:extLst>
-                <a:ext uri="{28A0092B-C50C-407E-A947-70E740481C1C}">
-                  <a14:useLocalDpi xmlns:a14="http://schemas.microsoft.com/office/drawing/2010/main" val="0"/>
-                </a:ext>
-              </a:extLst>
-            </a:blip>
-            <a:stretch>
-              <a:fillRect/>
-            </a:stretch>
-          </p:blipFill>
-          <p:spPr>
+          </p:nvGrpSpPr>
+          <p:grpSpPr>
             <a:xfrm>
-              <a:off x="4905939" y="6324830"/>
-              <a:ext cx="441590" cy="445261"/>
+              <a:off x="2330313" y="6345936"/>
+              <a:ext cx="8304158" cy="487093"/>
+              <a:chOff x="2376033" y="6324830"/>
+              <a:chExt cx="8304158" cy="487093"/>
             </a:xfrm>
-            <a:prstGeom prst="rect">
-              <a:avLst/>
-            </a:prstGeom>
-          </p:spPr>
-        </p:pic>
-        <p:pic>
-          <p:nvPicPr>
-            <p:cNvPr id="23" name="Picture 22"/>
-            <p:cNvPicPr>
-              <a:picLocks noChangeAspect="1"/>
-            </p:cNvPicPr>
-            <p:nvPr/>
-          </p:nvPicPr>
-          <p:blipFill>
-            <a:blip r:embed="rId5" cstate="print">
-              <a:extLst>
-                <a:ext uri="{28A0092B-C50C-407E-A947-70E740481C1C}">
-                  <a14:useLocalDpi xmlns:a14="http://schemas.microsoft.com/office/drawing/2010/main" val="0"/>
-                </a:ext>
-              </a:extLst>
-            </a:blip>
-            <a:stretch>
-              <a:fillRect/>
-            </a:stretch>
-          </p:blipFill>
-          <p:spPr>
-            <a:xfrm>
-              <a:off x="2376033" y="6346244"/>
-              <a:ext cx="431760" cy="445261"/>
-            </a:xfrm>
-            <a:prstGeom prst="rect">
-              <a:avLst/>
-            </a:prstGeom>
-          </p:spPr>
-        </p:pic>
-        <p:pic>
-          <p:nvPicPr>
-            <p:cNvPr id="24" name="Picture 23"/>
-            <p:cNvPicPr>
-              <a:picLocks noChangeAspect="1"/>
-            </p:cNvPicPr>
-            <p:nvPr/>
-          </p:nvPicPr>
-          <p:blipFill>
-            <a:blip r:embed="rId6" cstate="print">
-              <a:extLst>
-                <a:ext uri="{28A0092B-C50C-407E-A947-70E740481C1C}">
-                  <a14:useLocalDpi xmlns:a14="http://schemas.microsoft.com/office/drawing/2010/main" val="0"/>
-                </a:ext>
-              </a:extLst>
-            </a:blip>
-            <a:stretch>
-              <a:fillRect/>
-            </a:stretch>
-          </p:blipFill>
-          <p:spPr>
-            <a:xfrm flipH="1">
-              <a:off x="9029020" y="6351714"/>
-              <a:ext cx="402496" cy="431245"/>
-            </a:xfrm>
-            <a:prstGeom prst="rect">
-              <a:avLst/>
-            </a:prstGeom>
-          </p:spPr>
-        </p:pic>
-        <p:pic>
-          <p:nvPicPr>
-            <p:cNvPr id="26" name="Picture 25"/>
-            <p:cNvPicPr>
-              <a:picLocks noChangeAspect="1"/>
-            </p:cNvPicPr>
-            <p:nvPr/>
-          </p:nvPicPr>
-          <p:blipFill>
-            <a:blip r:embed="rId7"/>
-            <a:stretch>
-              <a:fillRect/>
-            </a:stretch>
-          </p:blipFill>
-          <p:spPr>
-            <a:xfrm>
-              <a:off x="10204884" y="6346244"/>
-              <a:ext cx="475307" cy="465679"/>
-            </a:xfrm>
-            <a:prstGeom prst="rect">
-              <a:avLst/>
-            </a:prstGeom>
-          </p:spPr>
-        </p:pic>
-        <p:pic>
-          <p:nvPicPr>
-            <p:cNvPr id="28" name="Picture 27"/>
-            <p:cNvPicPr>
-              <a:picLocks noChangeAspect="1"/>
-            </p:cNvPicPr>
-            <p:nvPr/>
-          </p:nvPicPr>
-          <p:blipFill>
-            <a:blip r:embed="rId8"/>
-            <a:stretch>
-              <a:fillRect/>
-            </a:stretch>
-          </p:blipFill>
-          <p:spPr>
-            <a:xfrm>
-              <a:off x="6203836" y="6330302"/>
-              <a:ext cx="526986" cy="391234"/>
-            </a:xfrm>
-            <a:prstGeom prst="rect">
-              <a:avLst/>
-            </a:prstGeom>
-          </p:spPr>
-        </p:pic>
-        <p:pic>
-          <p:nvPicPr>
-            <p:cNvPr id="29" name="Picture 28"/>
-            <p:cNvPicPr>
-              <a:picLocks noChangeAspect="1"/>
-            </p:cNvPicPr>
-            <p:nvPr/>
-          </p:nvPicPr>
-          <p:blipFill>
-            <a:blip r:embed="rId9"/>
-            <a:stretch>
-              <a:fillRect/>
-            </a:stretch>
-          </p:blipFill>
-          <p:spPr>
-            <a:xfrm>
-              <a:off x="7579748" y="6357186"/>
-              <a:ext cx="515022" cy="388793"/>
-            </a:xfrm>
-            <a:prstGeom prst="rect">
-              <a:avLst/>
-            </a:prstGeom>
-          </p:spPr>
-        </p:pic>
+          </p:grpSpPr>
+          <p:pic>
+            <p:nvPicPr>
+              <p:cNvPr id="21" name="Picture 20"/>
+              <p:cNvPicPr>
+                <a:picLocks noChangeAspect="1"/>
+              </p:cNvPicPr>
+              <p:nvPr/>
+            </p:nvPicPr>
+            <p:blipFill>
+              <a:blip r:embed="rId3" cstate="print">
+                <a:extLst>
+                  <a:ext uri="{28A0092B-C50C-407E-A947-70E740481C1C}">
+                    <a14:useLocalDpi xmlns:a14="http://schemas.microsoft.com/office/drawing/2010/main" val="0"/>
+                  </a:ext>
+                </a:extLst>
+              </a:blip>
+              <a:stretch>
+                <a:fillRect/>
+              </a:stretch>
+            </p:blipFill>
+            <p:spPr>
+              <a:xfrm>
+                <a:off x="3575399" y="6383536"/>
+                <a:ext cx="512410" cy="318881"/>
+              </a:xfrm>
+              <a:prstGeom prst="rect">
+                <a:avLst/>
+              </a:prstGeom>
+            </p:spPr>
+          </p:pic>
+          <p:pic>
+            <p:nvPicPr>
+              <p:cNvPr id="22" name="Picture 21"/>
+              <p:cNvPicPr>
+                <a:picLocks noChangeAspect="1"/>
+              </p:cNvPicPr>
+              <p:nvPr/>
+            </p:nvPicPr>
+            <p:blipFill>
+              <a:blip r:embed="rId4" cstate="print">
+                <a:extLst>
+                  <a:ext uri="{28A0092B-C50C-407E-A947-70E740481C1C}">
+                    <a14:useLocalDpi xmlns:a14="http://schemas.microsoft.com/office/drawing/2010/main" val="0"/>
+                  </a:ext>
+                </a:extLst>
+              </a:blip>
+              <a:stretch>
+                <a:fillRect/>
+              </a:stretch>
+            </p:blipFill>
+            <p:spPr>
+              <a:xfrm>
+                <a:off x="4905939" y="6324830"/>
+                <a:ext cx="441590" cy="445261"/>
+              </a:xfrm>
+              <a:prstGeom prst="rect">
+                <a:avLst/>
+              </a:prstGeom>
+            </p:spPr>
+          </p:pic>
+          <p:pic>
+            <p:nvPicPr>
+              <p:cNvPr id="23" name="Picture 22"/>
+              <p:cNvPicPr>
+                <a:picLocks noChangeAspect="1"/>
+              </p:cNvPicPr>
+              <p:nvPr/>
+            </p:nvPicPr>
+            <p:blipFill>
+              <a:blip r:embed="rId5" cstate="print">
+                <a:extLst>
+                  <a:ext uri="{28A0092B-C50C-407E-A947-70E740481C1C}">
+                    <a14:useLocalDpi xmlns:a14="http://schemas.microsoft.com/office/drawing/2010/main" val="0"/>
+                  </a:ext>
+                </a:extLst>
+              </a:blip>
+              <a:stretch>
+                <a:fillRect/>
+              </a:stretch>
+            </p:blipFill>
+            <p:spPr>
+              <a:xfrm>
+                <a:off x="2376033" y="6346244"/>
+                <a:ext cx="431760" cy="445261"/>
+              </a:xfrm>
+              <a:prstGeom prst="rect">
+                <a:avLst/>
+              </a:prstGeom>
+            </p:spPr>
+          </p:pic>
+          <p:pic>
+            <p:nvPicPr>
+              <p:cNvPr id="24" name="Picture 23"/>
+              <p:cNvPicPr>
+                <a:picLocks noChangeAspect="1"/>
+              </p:cNvPicPr>
+              <p:nvPr/>
+            </p:nvPicPr>
+            <p:blipFill>
+              <a:blip r:embed="rId6" cstate="print">
+                <a:extLst>
+                  <a:ext uri="{28A0092B-C50C-407E-A947-70E740481C1C}">
+                    <a14:useLocalDpi xmlns:a14="http://schemas.microsoft.com/office/drawing/2010/main" val="0"/>
+                  </a:ext>
+                </a:extLst>
+              </a:blip>
+              <a:stretch>
+                <a:fillRect/>
+              </a:stretch>
+            </p:blipFill>
+            <p:spPr>
+              <a:xfrm flipH="1">
+                <a:off x="9029020" y="6351714"/>
+                <a:ext cx="402496" cy="431245"/>
+              </a:xfrm>
+              <a:prstGeom prst="rect">
+                <a:avLst/>
+              </a:prstGeom>
+            </p:spPr>
+          </p:pic>
+          <p:pic>
+            <p:nvPicPr>
+              <p:cNvPr id="26" name="Picture 25"/>
+              <p:cNvPicPr>
+                <a:picLocks noChangeAspect="1"/>
+              </p:cNvPicPr>
+              <p:nvPr/>
+            </p:nvPicPr>
+            <p:blipFill>
+              <a:blip r:embed="rId7"/>
+              <a:stretch>
+                <a:fillRect/>
+              </a:stretch>
+            </p:blipFill>
+            <p:spPr>
+              <a:xfrm>
+                <a:off x="10204884" y="6346244"/>
+                <a:ext cx="475307" cy="465679"/>
+              </a:xfrm>
+              <a:prstGeom prst="rect">
+                <a:avLst/>
+              </a:prstGeom>
+            </p:spPr>
+          </p:pic>
+          <p:pic>
+            <p:nvPicPr>
+              <p:cNvPr id="28" name="Picture 27"/>
+              <p:cNvPicPr>
+                <a:picLocks noChangeAspect="1"/>
+              </p:cNvPicPr>
+              <p:nvPr/>
+            </p:nvPicPr>
+            <p:blipFill>
+              <a:blip r:embed="rId8"/>
+              <a:stretch>
+                <a:fillRect/>
+              </a:stretch>
+            </p:blipFill>
+            <p:spPr>
+              <a:xfrm>
+                <a:off x="6203836" y="6330302"/>
+                <a:ext cx="526986" cy="391234"/>
+              </a:xfrm>
+              <a:prstGeom prst="rect">
+                <a:avLst/>
+              </a:prstGeom>
+            </p:spPr>
+          </p:pic>
+          <p:pic>
+            <p:nvPicPr>
+              <p:cNvPr id="29" name="Picture 28"/>
+              <p:cNvPicPr>
+                <a:picLocks noChangeAspect="1"/>
+              </p:cNvPicPr>
+              <p:nvPr/>
+            </p:nvPicPr>
+            <p:blipFill>
+              <a:blip r:embed="rId9"/>
+              <a:stretch>
+                <a:fillRect/>
+              </a:stretch>
+            </p:blipFill>
+            <p:spPr>
+              <a:xfrm>
+                <a:off x="7579748" y="6357186"/>
+                <a:ext cx="515022" cy="388793"/>
+              </a:xfrm>
+              <a:prstGeom prst="rect">
+                <a:avLst/>
+              </a:prstGeom>
+            </p:spPr>
+          </p:pic>
+        </p:grpSp>
       </p:grpSp>
     </p:spTree>
     <p:extLst>

--- a/output/plots/all_figs_with_legends.pptx
+++ b/output/plots/all_figs_with_legends.pptx
@@ -205,7 +205,7 @@
           <a:p>
             <a:fld id="{7FA21820-D199-4D82-91AF-C50B1D3B111A}" type="datetimeFigureOut">
               <a:rPr lang="en-US" smtClean="0"/>
-              <a:t>5/23/2017</a:t>
+              <a:t>5/25/2017</a:t>
             </a:fld>
             <a:endParaRPr lang="en-US"/>
           </a:p>
@@ -1038,7 +1038,7 @@
           <a:p>
             <a:fld id="{916B8C92-D5E3-4480-8685-D57BEE386DE2}" type="datetimeFigureOut">
               <a:rPr lang="en-US" smtClean="0"/>
-              <a:t>5/23/2017</a:t>
+              <a:t>5/25/2017</a:t>
             </a:fld>
             <a:endParaRPr lang="en-US"/>
           </a:p>
@@ -1208,7 +1208,7 @@
           <a:p>
             <a:fld id="{916B8C92-D5E3-4480-8685-D57BEE386DE2}" type="datetimeFigureOut">
               <a:rPr lang="en-US" smtClean="0"/>
-              <a:t>5/23/2017</a:t>
+              <a:t>5/25/2017</a:t>
             </a:fld>
             <a:endParaRPr lang="en-US"/>
           </a:p>
@@ -1388,7 +1388,7 @@
           <a:p>
             <a:fld id="{916B8C92-D5E3-4480-8685-D57BEE386DE2}" type="datetimeFigureOut">
               <a:rPr lang="en-US" smtClean="0"/>
-              <a:t>5/23/2017</a:t>
+              <a:t>5/25/2017</a:t>
             </a:fld>
             <a:endParaRPr lang="en-US"/>
           </a:p>
@@ -1558,7 +1558,7 @@
           <a:p>
             <a:fld id="{916B8C92-D5E3-4480-8685-D57BEE386DE2}" type="datetimeFigureOut">
               <a:rPr lang="en-US" smtClean="0"/>
-              <a:t>5/23/2017</a:t>
+              <a:t>5/25/2017</a:t>
             </a:fld>
             <a:endParaRPr lang="en-US"/>
           </a:p>
@@ -1804,7 +1804,7 @@
           <a:p>
             <a:fld id="{916B8C92-D5E3-4480-8685-D57BEE386DE2}" type="datetimeFigureOut">
               <a:rPr lang="en-US" smtClean="0"/>
-              <a:t>5/23/2017</a:t>
+              <a:t>5/25/2017</a:t>
             </a:fld>
             <a:endParaRPr lang="en-US"/>
           </a:p>
@@ -2036,7 +2036,7 @@
           <a:p>
             <a:fld id="{916B8C92-D5E3-4480-8685-D57BEE386DE2}" type="datetimeFigureOut">
               <a:rPr lang="en-US" smtClean="0"/>
-              <a:t>5/23/2017</a:t>
+              <a:t>5/25/2017</a:t>
             </a:fld>
             <a:endParaRPr lang="en-US"/>
           </a:p>
@@ -2403,7 +2403,7 @@
           <a:p>
             <a:fld id="{916B8C92-D5E3-4480-8685-D57BEE386DE2}" type="datetimeFigureOut">
               <a:rPr lang="en-US" smtClean="0"/>
-              <a:t>5/23/2017</a:t>
+              <a:t>5/25/2017</a:t>
             </a:fld>
             <a:endParaRPr lang="en-US"/>
           </a:p>
@@ -2521,7 +2521,7 @@
           <a:p>
             <a:fld id="{916B8C92-D5E3-4480-8685-D57BEE386DE2}" type="datetimeFigureOut">
               <a:rPr lang="en-US" smtClean="0"/>
-              <a:t>5/23/2017</a:t>
+              <a:t>5/25/2017</a:t>
             </a:fld>
             <a:endParaRPr lang="en-US"/>
           </a:p>
@@ -2616,7 +2616,7 @@
           <a:p>
             <a:fld id="{916B8C92-D5E3-4480-8685-D57BEE386DE2}" type="datetimeFigureOut">
               <a:rPr lang="en-US" smtClean="0"/>
-              <a:t>5/23/2017</a:t>
+              <a:t>5/25/2017</a:t>
             </a:fld>
             <a:endParaRPr lang="en-US"/>
           </a:p>
@@ -2893,7 +2893,7 @@
           <a:p>
             <a:fld id="{916B8C92-D5E3-4480-8685-D57BEE386DE2}" type="datetimeFigureOut">
               <a:rPr lang="en-US" smtClean="0"/>
-              <a:t>5/23/2017</a:t>
+              <a:t>5/25/2017</a:t>
             </a:fld>
             <a:endParaRPr lang="en-US"/>
           </a:p>
@@ -3146,7 +3146,7 @@
           <a:p>
             <a:fld id="{916B8C92-D5E3-4480-8685-D57BEE386DE2}" type="datetimeFigureOut">
               <a:rPr lang="en-US" smtClean="0"/>
-              <a:t>5/23/2017</a:t>
+              <a:t>5/25/2017</a:t>
             </a:fld>
             <a:endParaRPr lang="en-US"/>
           </a:p>
@@ -3359,7 +3359,7 @@
           <a:p>
             <a:fld id="{916B8C92-D5E3-4480-8685-D57BEE386DE2}" type="datetimeFigureOut">
               <a:rPr lang="en-US" smtClean="0"/>
-              <a:t>5/23/2017</a:t>
+              <a:t>5/25/2017</a:t>
             </a:fld>
             <a:endParaRPr lang="en-US"/>
           </a:p>
@@ -5961,25 +5961,22 @@
       </p:sp>
       <p:sp>
         <p:nvSpPr>
-          <p:cNvPr id="6" name="Rectangle 5"/>
+          <p:cNvPr id="81" name="Rectangle 80"/>
           <p:cNvSpPr/>
           <p:nvPr/>
         </p:nvSpPr>
         <p:spPr>
           <a:xfrm>
-            <a:off x="175991" y="4502605"/>
-            <a:ext cx="2567210" cy="1741496"/>
+            <a:off x="175991" y="3350245"/>
+            <a:ext cx="1272043" cy="1067365"/>
           </a:xfrm>
           <a:prstGeom prst="rect">
             <a:avLst/>
           </a:prstGeom>
           <a:noFill/>
-          <a:ln>
+          <a:ln w="38100">
             <a:solidFill>
-              <a:schemeClr val="tx1">
-                <a:lumMod val="50000"/>
-                <a:lumOff val="50000"/>
-              </a:schemeClr>
+              <a:schemeClr val="tx1"/>
             </a:solidFill>
           </a:ln>
         </p:spPr>
@@ -6010,25 +6007,22 @@
       </p:sp>
       <p:sp>
         <p:nvSpPr>
-          <p:cNvPr id="7" name="Rectangle 6"/>
+          <p:cNvPr id="100" name="Rectangle 99"/>
           <p:cNvSpPr/>
           <p:nvPr/>
         </p:nvSpPr>
         <p:spPr>
           <a:xfrm>
-            <a:off x="2831775" y="4502605"/>
-            <a:ext cx="2567210" cy="1741496"/>
+            <a:off x="1462195" y="2279007"/>
+            <a:ext cx="1277474" cy="1069826"/>
           </a:xfrm>
           <a:prstGeom prst="rect">
             <a:avLst/>
           </a:prstGeom>
           <a:noFill/>
-          <a:ln>
+          <a:ln w="6350">
             <a:solidFill>
-              <a:schemeClr val="tx1">
-                <a:lumMod val="50000"/>
-                <a:lumOff val="50000"/>
-              </a:schemeClr>
+              <a:schemeClr val="tx1"/>
             </a:solidFill>
           </a:ln>
         </p:spPr>
@@ -6057,626 +6051,22 @@
           </a:p>
         </p:txBody>
       </p:sp>
-      <p:graphicFrame>
-        <p:nvGraphicFramePr>
-          <p:cNvPr id="50" name="Table 49"/>
-          <p:cNvGraphicFramePr>
-            <a:graphicFrameLocks noGrp="1"/>
-          </p:cNvGraphicFramePr>
-          <p:nvPr>
-            <p:extLst>
-              <p:ext uri="{D42A27DB-BD31-4B8C-83A1-F6EECF244321}">
-                <p14:modId xmlns:p14="http://schemas.microsoft.com/office/powerpoint/2010/main" val="3600710221"/>
-              </p:ext>
-            </p:extLst>
-          </p:nvPr>
-        </p:nvGraphicFramePr>
-        <p:xfrm>
-          <a:off x="175991" y="6303796"/>
-          <a:ext cx="5222992" cy="515537"/>
-        </p:xfrm>
-        <a:graphic>
-          <a:graphicData uri="http://schemas.openxmlformats.org/drawingml/2006/table">
-            <a:tbl>
-              <a:tblPr firstRow="1" bandRow="1">
-                <a:tableStyleId>{5C22544A-7EE6-4342-B048-85BDC9FD1C3A}</a:tableStyleId>
-              </a:tblPr>
-              <a:tblGrid>
-                <a:gridCol w="2643014">
-                  <a:extLst>
-                    <a:ext uri="{9D8B030D-6E8A-4147-A177-3AD203B41FA5}">
-                      <a16:colId xmlns:a16="http://schemas.microsoft.com/office/drawing/2014/main" val="2823257951"/>
-                    </a:ext>
-                  </a:extLst>
-                </a:gridCol>
-                <a:gridCol w="1241002">
-                  <a:extLst>
-                    <a:ext uri="{9D8B030D-6E8A-4147-A177-3AD203B41FA5}">
-                      <a16:colId xmlns:a16="http://schemas.microsoft.com/office/drawing/2014/main" val="798530955"/>
-                    </a:ext>
-                  </a:extLst>
-                </a:gridCol>
-                <a:gridCol w="1338976">
-                  <a:extLst>
-                    <a:ext uri="{9D8B030D-6E8A-4147-A177-3AD203B41FA5}">
-                      <a16:colId xmlns:a16="http://schemas.microsoft.com/office/drawing/2014/main" val="3173254901"/>
-                    </a:ext>
-                  </a:extLst>
-                </a:gridCol>
-              </a:tblGrid>
-              <a:tr h="159094">
-                <a:tc>
-                  <a:txBody>
-                    <a:bodyPr/>
-                    <a:lstStyle/>
-                    <a:p>
-                      <a:pPr algn="ctr"/>
-                      <a:r>
-                        <a:rPr lang="en-US" sz="1000" dirty="0" smtClean="0">
-                          <a:solidFill>
-                            <a:schemeClr val="tx1"/>
-                          </a:solidFill>
-                        </a:rPr>
-                        <a:t>Turnover</a:t>
-                      </a:r>
-                      <a:endParaRPr lang="en-US" sz="1000" dirty="0">
-                        <a:solidFill>
-                          <a:schemeClr val="tx1"/>
-                        </a:solidFill>
-                      </a:endParaRPr>
-                    </a:p>
-                  </a:txBody>
-                  <a:tcPr marT="0" marB="0">
-                    <a:lnL w="12700" cap="flat" cmpd="sng" algn="ctr">
-                      <a:solidFill>
-                        <a:schemeClr val="tx1"/>
-                      </a:solidFill>
-                      <a:prstDash val="solid"/>
-                      <a:round/>
-                      <a:headEnd type="none" w="med" len="med"/>
-                      <a:tailEnd type="none" w="med" len="med"/>
-                    </a:lnL>
-                    <a:lnR w="12700" cap="flat" cmpd="sng" algn="ctr">
-                      <a:solidFill>
-                        <a:schemeClr val="tx1"/>
-                      </a:solidFill>
-                      <a:prstDash val="solid"/>
-                      <a:round/>
-                      <a:headEnd type="none" w="med" len="med"/>
-                      <a:tailEnd type="none" w="med" len="med"/>
-                    </a:lnR>
-                    <a:lnT w="12700" cap="flat" cmpd="sng" algn="ctr">
-                      <a:solidFill>
-                        <a:schemeClr val="tx1"/>
-                      </a:solidFill>
-                      <a:prstDash val="solid"/>
-                      <a:round/>
-                      <a:headEnd type="none" w="med" len="med"/>
-                      <a:tailEnd type="none" w="med" len="med"/>
-                    </a:lnT>
-                    <a:lnB w="12700" cap="flat" cmpd="sng" algn="ctr">
-                      <a:solidFill>
-                        <a:schemeClr val="tx1"/>
-                      </a:solidFill>
-                      <a:prstDash val="solid"/>
-                      <a:round/>
-                      <a:headEnd type="none" w="med" len="med"/>
-                      <a:tailEnd type="none" w="med" len="med"/>
-                    </a:lnB>
-                    <a:noFill/>
-                  </a:tcPr>
-                </a:tc>
-                <a:tc>
-                  <a:txBody>
-                    <a:bodyPr/>
-                    <a:lstStyle/>
-                    <a:p>
-                      <a:pPr algn="ctr"/>
-                      <a:r>
-                        <a:rPr lang="en-US" sz="1000" dirty="0" smtClean="0">
-                          <a:solidFill>
-                            <a:schemeClr val="tx1"/>
-                          </a:solidFill>
-                        </a:rPr>
-                        <a:t>Time</a:t>
-                      </a:r>
-                      <a:r>
-                        <a:rPr lang="en-US" sz="1000" baseline="0" dirty="0" smtClean="0">
-                          <a:solidFill>
-                            <a:schemeClr val="tx1"/>
-                          </a:solidFill>
-                        </a:rPr>
-                        <a:t> 1</a:t>
-                      </a:r>
-                      <a:endParaRPr lang="en-US" sz="1000" dirty="0">
-                        <a:solidFill>
-                          <a:schemeClr val="tx1"/>
-                        </a:solidFill>
-                      </a:endParaRPr>
-                    </a:p>
-                  </a:txBody>
-                  <a:tcPr marT="0" marB="0">
-                    <a:lnL w="12700" cap="flat" cmpd="sng" algn="ctr">
-                      <a:solidFill>
-                        <a:schemeClr val="tx1"/>
-                      </a:solidFill>
-                      <a:prstDash val="solid"/>
-                      <a:round/>
-                      <a:headEnd type="none" w="med" len="med"/>
-                      <a:tailEnd type="none" w="med" len="med"/>
-                    </a:lnL>
-                    <a:lnR w="12700" cap="flat" cmpd="sng" algn="ctr">
-                      <a:solidFill>
-                        <a:schemeClr val="tx1"/>
-                      </a:solidFill>
-                      <a:prstDash val="solid"/>
-                      <a:round/>
-                      <a:headEnd type="none" w="med" len="med"/>
-                      <a:tailEnd type="none" w="med" len="med"/>
-                    </a:lnR>
-                    <a:lnT w="12700" cap="flat" cmpd="sng" algn="ctr">
-                      <a:solidFill>
-                        <a:schemeClr val="tx1"/>
-                      </a:solidFill>
-                      <a:prstDash val="solid"/>
-                      <a:round/>
-                      <a:headEnd type="none" w="med" len="med"/>
-                      <a:tailEnd type="none" w="med" len="med"/>
-                    </a:lnT>
-                    <a:lnB w="12700" cap="flat" cmpd="sng" algn="ctr">
-                      <a:solidFill>
-                        <a:schemeClr val="tx1"/>
-                      </a:solidFill>
-                      <a:prstDash val="solid"/>
-                      <a:round/>
-                      <a:headEnd type="none" w="med" len="med"/>
-                      <a:tailEnd type="none" w="med" len="med"/>
-                    </a:lnB>
-                    <a:noFill/>
-                  </a:tcPr>
-                </a:tc>
-                <a:tc>
-                  <a:txBody>
-                    <a:bodyPr/>
-                    <a:lstStyle/>
-                    <a:p>
-                      <a:pPr algn="ctr"/>
-                      <a:r>
-                        <a:rPr lang="en-US" sz="1000" dirty="0" smtClean="0">
-                          <a:solidFill>
-                            <a:schemeClr val="tx1"/>
-                          </a:solidFill>
-                        </a:rPr>
-                        <a:t>Time</a:t>
-                      </a:r>
-                      <a:r>
-                        <a:rPr lang="en-US" sz="1000" baseline="0" dirty="0" smtClean="0">
-                          <a:solidFill>
-                            <a:schemeClr val="tx1"/>
-                          </a:solidFill>
-                        </a:rPr>
-                        <a:t> 2</a:t>
-                      </a:r>
-                      <a:endParaRPr lang="en-US" sz="1000" dirty="0">
-                        <a:solidFill>
-                          <a:schemeClr val="tx1"/>
-                        </a:solidFill>
-                      </a:endParaRPr>
-                    </a:p>
-                  </a:txBody>
-                  <a:tcPr marT="0" marB="0">
-                    <a:lnL w="12700" cap="flat" cmpd="sng" algn="ctr">
-                      <a:solidFill>
-                        <a:schemeClr val="tx1"/>
-                      </a:solidFill>
-                      <a:prstDash val="solid"/>
-                      <a:round/>
-                      <a:headEnd type="none" w="med" len="med"/>
-                      <a:tailEnd type="none" w="med" len="med"/>
-                    </a:lnL>
-                    <a:lnR w="12700" cap="flat" cmpd="sng" algn="ctr">
-                      <a:solidFill>
-                        <a:schemeClr val="tx1"/>
-                      </a:solidFill>
-                      <a:prstDash val="solid"/>
-                      <a:round/>
-                      <a:headEnd type="none" w="med" len="med"/>
-                      <a:tailEnd type="none" w="med" len="med"/>
-                    </a:lnR>
-                    <a:lnT w="12700" cap="flat" cmpd="sng" algn="ctr">
-                      <a:solidFill>
-                        <a:schemeClr val="tx1"/>
-                      </a:solidFill>
-                      <a:prstDash val="solid"/>
-                      <a:round/>
-                      <a:headEnd type="none" w="med" len="med"/>
-                      <a:tailEnd type="none" w="med" len="med"/>
-                    </a:lnT>
-                    <a:lnB w="12700" cap="flat" cmpd="sng" algn="ctr">
-                      <a:solidFill>
-                        <a:schemeClr val="tx1"/>
-                      </a:solidFill>
-                      <a:prstDash val="solid"/>
-                      <a:round/>
-                      <a:headEnd type="none" w="med" len="med"/>
-                      <a:tailEnd type="none" w="med" len="med"/>
-                    </a:lnB>
-                    <a:noFill/>
-                  </a:tcPr>
-                </a:tc>
-                <a:extLst>
-                  <a:ext uri="{0D108BD9-81ED-4DB2-BD59-A6C34878D82A}">
-                    <a16:rowId xmlns:a16="http://schemas.microsoft.com/office/drawing/2014/main" val="308749052"/>
-                  </a:ext>
-                </a:extLst>
-              </a:tr>
-              <a:tr h="159094">
-                <a:tc>
-                  <a:txBody>
-                    <a:bodyPr/>
-                    <a:lstStyle/>
-                    <a:p>
-                      <a:pPr algn="ctr"/>
-                      <a:r>
-                        <a:rPr lang="en-US" sz="1000" dirty="0" smtClean="0"/>
-                        <a:t>All Species</a:t>
-                      </a:r>
-                      <a:endParaRPr lang="en-US" sz="1000" dirty="0"/>
-                    </a:p>
-                  </a:txBody>
-                  <a:tcPr marT="0" marB="0">
-                    <a:lnL w="12700" cap="flat" cmpd="sng" algn="ctr">
-                      <a:solidFill>
-                        <a:schemeClr val="tx1"/>
-                      </a:solidFill>
-                      <a:prstDash val="solid"/>
-                      <a:round/>
-                      <a:headEnd type="none" w="med" len="med"/>
-                      <a:tailEnd type="none" w="med" len="med"/>
-                    </a:lnL>
-                    <a:lnR w="12700" cap="flat" cmpd="sng" algn="ctr">
-                      <a:solidFill>
-                        <a:schemeClr val="tx1"/>
-                      </a:solidFill>
-                      <a:prstDash val="solid"/>
-                      <a:round/>
-                      <a:headEnd type="none" w="med" len="med"/>
-                      <a:tailEnd type="none" w="med" len="med"/>
-                    </a:lnR>
-                    <a:lnT w="12700" cap="flat" cmpd="sng" algn="ctr">
-                      <a:solidFill>
-                        <a:schemeClr val="tx1"/>
-                      </a:solidFill>
-                      <a:prstDash val="solid"/>
-                      <a:round/>
-                      <a:headEnd type="none" w="med" len="med"/>
-                      <a:tailEnd type="none" w="med" len="med"/>
-                    </a:lnT>
-                    <a:lnB w="12700" cap="flat" cmpd="sng" algn="ctr">
-                      <a:solidFill>
-                        <a:schemeClr val="tx1"/>
-                      </a:solidFill>
-                      <a:prstDash val="solid"/>
-                      <a:round/>
-                      <a:headEnd type="none" w="med" len="med"/>
-                      <a:tailEnd type="none" w="med" len="med"/>
-                    </a:lnB>
-                    <a:noFill/>
-                  </a:tcPr>
-                </a:tc>
-                <a:tc>
-                  <a:txBody>
-                    <a:bodyPr/>
-                    <a:lstStyle/>
-                    <a:p>
-                      <a:pPr algn="ctr"/>
-                      <a:r>
-                        <a:rPr lang="en-US" sz="1000" dirty="0" smtClean="0"/>
-                        <a:t>??</a:t>
-                      </a:r>
-                      <a:endParaRPr lang="en-US" sz="1000" dirty="0"/>
-                    </a:p>
-                  </a:txBody>
-                  <a:tcPr marT="0" marB="0">
-                    <a:lnL w="12700" cap="flat" cmpd="sng" algn="ctr">
-                      <a:solidFill>
-                        <a:schemeClr val="tx1"/>
-                      </a:solidFill>
-                      <a:prstDash val="solid"/>
-                      <a:round/>
-                      <a:headEnd type="none" w="med" len="med"/>
-                      <a:tailEnd type="none" w="med" len="med"/>
-                    </a:lnL>
-                    <a:lnR w="12700" cap="flat" cmpd="sng" algn="ctr">
-                      <a:solidFill>
-                        <a:schemeClr val="tx1"/>
-                      </a:solidFill>
-                      <a:prstDash val="solid"/>
-                      <a:round/>
-                      <a:headEnd type="none" w="med" len="med"/>
-                      <a:tailEnd type="none" w="med" len="med"/>
-                    </a:lnR>
-                    <a:lnT w="12700" cap="flat" cmpd="sng" algn="ctr">
-                      <a:solidFill>
-                        <a:schemeClr val="tx1"/>
-                      </a:solidFill>
-                      <a:prstDash val="solid"/>
-                      <a:round/>
-                      <a:headEnd type="none" w="med" len="med"/>
-                      <a:tailEnd type="none" w="med" len="med"/>
-                    </a:lnT>
-                    <a:lnB w="12700" cap="flat" cmpd="sng" algn="ctr">
-                      <a:solidFill>
-                        <a:schemeClr val="tx1"/>
-                      </a:solidFill>
-                      <a:prstDash val="solid"/>
-                      <a:round/>
-                      <a:headEnd type="none" w="med" len="med"/>
-                      <a:tailEnd type="none" w="med" len="med"/>
-                    </a:lnB>
-                    <a:noFill/>
-                  </a:tcPr>
-                </a:tc>
-                <a:tc>
-                  <a:txBody>
-                    <a:bodyPr/>
-                    <a:lstStyle/>
-                    <a:p>
-                      <a:pPr algn="ctr"/>
-                      <a:r>
-                        <a:rPr lang="en-US" sz="1000" dirty="0" smtClean="0"/>
-                        <a:t>5/11</a:t>
-                      </a:r>
-                      <a:endParaRPr lang="en-US" sz="1000" dirty="0"/>
-                    </a:p>
-                  </a:txBody>
-                  <a:tcPr marT="0" marB="0">
-                    <a:lnL w="12700" cap="flat" cmpd="sng" algn="ctr">
-                      <a:solidFill>
-                        <a:schemeClr val="tx1"/>
-                      </a:solidFill>
-                      <a:prstDash val="solid"/>
-                      <a:round/>
-                      <a:headEnd type="none" w="med" len="med"/>
-                      <a:tailEnd type="none" w="med" len="med"/>
-                    </a:lnL>
-                    <a:lnR w="12700" cap="flat" cmpd="sng" algn="ctr">
-                      <a:solidFill>
-                        <a:schemeClr val="tx1"/>
-                      </a:solidFill>
-                      <a:prstDash val="solid"/>
-                      <a:round/>
-                      <a:headEnd type="none" w="med" len="med"/>
-                      <a:tailEnd type="none" w="med" len="med"/>
-                    </a:lnR>
-                    <a:lnT w="12700" cap="flat" cmpd="sng" algn="ctr">
-                      <a:solidFill>
-                        <a:schemeClr val="tx1"/>
-                      </a:solidFill>
-                      <a:prstDash val="solid"/>
-                      <a:round/>
-                      <a:headEnd type="none" w="med" len="med"/>
-                      <a:tailEnd type="none" w="med" len="med"/>
-                    </a:lnT>
-                    <a:lnB w="12700" cap="flat" cmpd="sng" algn="ctr">
-                      <a:solidFill>
-                        <a:schemeClr val="tx1"/>
-                      </a:solidFill>
-                      <a:prstDash val="solid"/>
-                      <a:round/>
-                      <a:headEnd type="none" w="med" len="med"/>
-                      <a:tailEnd type="none" w="med" len="med"/>
-                    </a:lnB>
-                    <a:noFill/>
-                  </a:tcPr>
-                </a:tc>
-                <a:extLst>
-                  <a:ext uri="{0D108BD9-81ED-4DB2-BD59-A6C34878D82A}">
-                    <a16:rowId xmlns:a16="http://schemas.microsoft.com/office/drawing/2014/main" val="1838638201"/>
-                  </a:ext>
-                </a:extLst>
-              </a:tr>
-              <a:tr h="197349">
-                <a:tc>
-                  <a:txBody>
-                    <a:bodyPr/>
-                    <a:lstStyle/>
-                    <a:p>
-                      <a:pPr algn="ctr"/>
-                      <a:r>
-                        <a:rPr lang="en-US" sz="1000" dirty="0" smtClean="0"/>
-                        <a:t>Excluding Transients</a:t>
-                      </a:r>
-                      <a:endParaRPr lang="en-US" sz="1000" dirty="0"/>
-                    </a:p>
-                  </a:txBody>
-                  <a:tcPr marT="0" marB="0">
-                    <a:lnL w="12700" cap="flat" cmpd="sng" algn="ctr">
-                      <a:solidFill>
-                        <a:schemeClr val="tx1"/>
-                      </a:solidFill>
-                      <a:prstDash val="solid"/>
-                      <a:round/>
-                      <a:headEnd type="none" w="med" len="med"/>
-                      <a:tailEnd type="none" w="med" len="med"/>
-                    </a:lnL>
-                    <a:lnR w="12700" cap="flat" cmpd="sng" algn="ctr">
-                      <a:solidFill>
-                        <a:schemeClr val="tx1"/>
-                      </a:solidFill>
-                      <a:prstDash val="solid"/>
-                      <a:round/>
-                      <a:headEnd type="none" w="med" len="med"/>
-                      <a:tailEnd type="none" w="med" len="med"/>
-                    </a:lnR>
-                    <a:lnT w="12700" cap="flat" cmpd="sng" algn="ctr">
-                      <a:solidFill>
-                        <a:schemeClr val="tx1"/>
-                      </a:solidFill>
-                      <a:prstDash val="solid"/>
-                      <a:round/>
-                      <a:headEnd type="none" w="med" len="med"/>
-                      <a:tailEnd type="none" w="med" len="med"/>
-                    </a:lnT>
-                    <a:lnB w="12700" cap="flat" cmpd="sng" algn="ctr">
-                      <a:solidFill>
-                        <a:schemeClr val="tx1"/>
-                      </a:solidFill>
-                      <a:prstDash val="solid"/>
-                      <a:round/>
-                      <a:headEnd type="none" w="med" len="med"/>
-                      <a:tailEnd type="none" w="med" len="med"/>
-                    </a:lnB>
-                    <a:noFill/>
-                  </a:tcPr>
-                </a:tc>
-                <a:tc>
-                  <a:txBody>
-                    <a:bodyPr/>
-                    <a:lstStyle/>
-                    <a:p>
-                      <a:pPr algn="ctr"/>
-                      <a:r>
-                        <a:rPr lang="en-US" sz="1000" dirty="0" smtClean="0"/>
-                        <a:t>??</a:t>
-                      </a:r>
-                      <a:endParaRPr lang="en-US" sz="1000" dirty="0"/>
-                    </a:p>
-                  </a:txBody>
-                  <a:tcPr marT="0" marB="0">
-                    <a:lnL w="12700" cap="flat" cmpd="sng" algn="ctr">
-                      <a:solidFill>
-                        <a:schemeClr val="tx1"/>
-                      </a:solidFill>
-                      <a:prstDash val="solid"/>
-                      <a:round/>
-                      <a:headEnd type="none" w="med" len="med"/>
-                      <a:tailEnd type="none" w="med" len="med"/>
-                    </a:lnL>
-                    <a:lnR w="12700" cap="flat" cmpd="sng" algn="ctr">
-                      <a:solidFill>
-                        <a:schemeClr val="tx1"/>
-                      </a:solidFill>
-                      <a:prstDash val="solid"/>
-                      <a:round/>
-                      <a:headEnd type="none" w="med" len="med"/>
-                      <a:tailEnd type="none" w="med" len="med"/>
-                    </a:lnR>
-                    <a:lnT w="12700" cap="flat" cmpd="sng" algn="ctr">
-                      <a:solidFill>
-                        <a:schemeClr val="tx1"/>
-                      </a:solidFill>
-                      <a:prstDash val="solid"/>
-                      <a:round/>
-                      <a:headEnd type="none" w="med" len="med"/>
-                      <a:tailEnd type="none" w="med" len="med"/>
-                    </a:lnT>
-                    <a:lnB w="12700" cap="flat" cmpd="sng" algn="ctr">
-                      <a:solidFill>
-                        <a:schemeClr val="tx1"/>
-                      </a:solidFill>
-                      <a:prstDash val="solid"/>
-                      <a:round/>
-                      <a:headEnd type="none" w="med" len="med"/>
-                      <a:tailEnd type="none" w="med" len="med"/>
-                    </a:lnB>
-                    <a:noFill/>
-                  </a:tcPr>
-                </a:tc>
-                <a:tc>
-                  <a:txBody>
-                    <a:bodyPr/>
-                    <a:lstStyle/>
-                    <a:p>
-                      <a:pPr marL="0" marR="0" lvl="0" indent="0" algn="ctr" defTabSz="914400" rtl="0" eaLnBrk="1" fontAlgn="auto" latinLnBrk="0" hangingPunct="1">
-                        <a:lnSpc>
-                          <a:spcPct val="100000"/>
-                        </a:lnSpc>
-                        <a:spcBef>
-                          <a:spcPts val="0"/>
-                        </a:spcBef>
-                        <a:spcAft>
-                          <a:spcPts val="0"/>
-                        </a:spcAft>
-                        <a:buClrTx/>
-                        <a:buSzTx/>
-                        <a:buFontTx/>
-                        <a:buNone/>
-                        <a:tabLst/>
-                        <a:defRPr/>
-                      </a:pPr>
-                      <a:r>
-                        <a:rPr lang="en-US" sz="1000" dirty="0" smtClean="0"/>
-                        <a:t>5/5</a:t>
-                      </a:r>
-                    </a:p>
-                  </a:txBody>
-                  <a:tcPr marT="0" marB="0">
-                    <a:lnL w="12700" cap="flat" cmpd="sng" algn="ctr">
-                      <a:solidFill>
-                        <a:schemeClr val="tx1"/>
-                      </a:solidFill>
-                      <a:prstDash val="solid"/>
-                      <a:round/>
-                      <a:headEnd type="none" w="med" len="med"/>
-                      <a:tailEnd type="none" w="med" len="med"/>
-                    </a:lnL>
-                    <a:lnR w="12700" cap="flat" cmpd="sng" algn="ctr">
-                      <a:solidFill>
-                        <a:schemeClr val="tx1"/>
-                      </a:solidFill>
-                      <a:prstDash val="solid"/>
-                      <a:round/>
-                      <a:headEnd type="none" w="med" len="med"/>
-                      <a:tailEnd type="none" w="med" len="med"/>
-                    </a:lnR>
-                    <a:lnT w="12700" cap="flat" cmpd="sng" algn="ctr">
-                      <a:solidFill>
-                        <a:schemeClr val="tx1"/>
-                      </a:solidFill>
-                      <a:prstDash val="solid"/>
-                      <a:round/>
-                      <a:headEnd type="none" w="med" len="med"/>
-                      <a:tailEnd type="none" w="med" len="med"/>
-                    </a:lnT>
-                    <a:lnB w="12700" cap="flat" cmpd="sng" algn="ctr">
-                      <a:solidFill>
-                        <a:schemeClr val="tx1"/>
-                      </a:solidFill>
-                      <a:prstDash val="solid"/>
-                      <a:round/>
-                      <a:headEnd type="none" w="med" len="med"/>
-                      <a:tailEnd type="none" w="med" len="med"/>
-                    </a:lnB>
-                    <a:noFill/>
-                  </a:tcPr>
-                </a:tc>
-                <a:extLst>
-                  <a:ext uri="{0D108BD9-81ED-4DB2-BD59-A6C34878D82A}">
-                    <a16:rowId xmlns:a16="http://schemas.microsoft.com/office/drawing/2014/main" val="1986560784"/>
-                  </a:ext>
-                </a:extLst>
-              </a:tr>
-            </a:tbl>
-          </a:graphicData>
-        </a:graphic>
-      </p:graphicFrame>
-      <p:sp>
-        <p:nvSpPr>
-          <p:cNvPr id="81" name="Rectangle 80"/>
+      <p:sp>
+        <p:nvSpPr>
+          <p:cNvPr id="102" name="Rectangle 101"/>
           <p:cNvSpPr/>
           <p:nvPr/>
         </p:nvSpPr>
         <p:spPr>
           <a:xfrm>
-            <a:off x="175991" y="3350245"/>
-            <a:ext cx="1272043" cy="1067365"/>
+            <a:off x="1462195" y="3348659"/>
+            <a:ext cx="1277474" cy="1068919"/>
           </a:xfrm>
           <a:prstGeom prst="rect">
             <a:avLst/>
           </a:prstGeom>
           <a:noFill/>
-          <a:ln w="38100">
+          <a:ln w="6350">
             <a:solidFill>
               <a:schemeClr val="tx1"/>
             </a:solidFill>
@@ -6709,128 +6099,13 @@
       </p:sp>
       <p:sp>
         <p:nvSpPr>
-          <p:cNvPr id="100" name="Rectangle 99"/>
-          <p:cNvSpPr/>
-          <p:nvPr/>
-        </p:nvSpPr>
-        <p:spPr>
-          <a:xfrm>
-            <a:off x="1462195" y="2279007"/>
-            <a:ext cx="1277474" cy="1069826"/>
-          </a:xfrm>
-          <a:prstGeom prst="rect">
-            <a:avLst/>
-          </a:prstGeom>
-          <a:noFill/>
-          <a:ln w="6350">
-            <a:solidFill>
-              <a:schemeClr val="tx1"/>
-            </a:solidFill>
-          </a:ln>
-        </p:spPr>
-        <p:style>
-          <a:lnRef idx="2">
-            <a:schemeClr val="accent1">
-              <a:shade val="50000"/>
-            </a:schemeClr>
-          </a:lnRef>
-          <a:fillRef idx="1">
-            <a:schemeClr val="accent1"/>
-          </a:fillRef>
-          <a:effectRef idx="0">
-            <a:schemeClr val="accent1"/>
-          </a:effectRef>
-          <a:fontRef idx="minor">
-            <a:schemeClr val="lt1"/>
-          </a:fontRef>
-        </p:style>
-        <p:txBody>
-          <a:bodyPr rtlCol="0" anchor="ctr"/>
-          <a:lstStyle/>
-          <a:p>
-            <a:pPr algn="ctr"/>
-            <a:endParaRPr lang="en-US"/>
-          </a:p>
-        </p:txBody>
-      </p:sp>
-      <p:sp>
-        <p:nvSpPr>
-          <p:cNvPr id="102" name="Rectangle 101"/>
-          <p:cNvSpPr/>
-          <p:nvPr/>
-        </p:nvSpPr>
-        <p:spPr>
-          <a:xfrm>
-            <a:off x="1462195" y="3348659"/>
-            <a:ext cx="1277474" cy="1068919"/>
-          </a:xfrm>
-          <a:prstGeom prst="rect">
-            <a:avLst/>
-          </a:prstGeom>
-          <a:noFill/>
-          <a:ln w="6350">
-            <a:solidFill>
-              <a:schemeClr val="tx1"/>
-            </a:solidFill>
-          </a:ln>
-        </p:spPr>
-        <p:style>
-          <a:lnRef idx="2">
-            <a:schemeClr val="accent1">
-              <a:shade val="50000"/>
-            </a:schemeClr>
-          </a:lnRef>
-          <a:fillRef idx="1">
-            <a:schemeClr val="accent1"/>
-          </a:fillRef>
-          <a:effectRef idx="0">
-            <a:schemeClr val="accent1"/>
-          </a:effectRef>
-          <a:fontRef idx="minor">
-            <a:schemeClr val="lt1"/>
-          </a:fontRef>
-        </p:style>
-        <p:txBody>
-          <a:bodyPr rtlCol="0" anchor="ctr"/>
-          <a:lstStyle/>
-          <a:p>
-            <a:pPr algn="ctr"/>
-            <a:endParaRPr lang="en-US"/>
-          </a:p>
-        </p:txBody>
-      </p:sp>
-      <p:pic>
-        <p:nvPicPr>
-          <p:cNvPr id="133" name="Picture 132"/>
-          <p:cNvPicPr>
-            <a:picLocks noChangeAspect="1"/>
-          </p:cNvPicPr>
-          <p:nvPr/>
-        </p:nvPicPr>
-        <p:blipFill rotWithShape="1">
-          <a:blip r:embed="rId2"/>
-          <a:srcRect t="13288" b="5627"/>
-          <a:stretch/>
-        </p:blipFill>
-        <p:spPr>
-          <a:xfrm>
-            <a:off x="268764" y="163711"/>
-            <a:ext cx="2442216" cy="2012270"/>
-          </a:xfrm>
-          <a:prstGeom prst="rect">
-            <a:avLst/>
-          </a:prstGeom>
-        </p:spPr>
-      </p:pic>
-      <p:sp>
-        <p:nvSpPr>
           <p:cNvPr id="73" name="Diamond 72"/>
           <p:cNvSpPr/>
           <p:nvPr/>
         </p:nvSpPr>
         <p:spPr>
           <a:xfrm>
-            <a:off x="1169636" y="5243206"/>
+            <a:off x="1262363" y="5551835"/>
             <a:ext cx="237744" cy="219456"/>
           </a:xfrm>
           <a:prstGeom prst="diamond">
@@ -6884,7 +6159,7 @@
         </p:nvSpPr>
         <p:spPr>
           <a:xfrm>
-            <a:off x="2084103" y="5348100"/>
+            <a:off x="1810662" y="5283838"/>
             <a:ext cx="164592" cy="153690"/>
           </a:xfrm>
           <a:prstGeom prst="rect">
@@ -6938,7 +6213,7 @@
         </p:nvSpPr>
         <p:spPr>
           <a:xfrm>
-            <a:off x="1992206" y="4778050"/>
+            <a:off x="1982537" y="4811779"/>
             <a:ext cx="174451" cy="183765"/>
           </a:xfrm>
           <a:prstGeom prst="ellipse">
@@ -6992,7 +6267,7 @@
         </p:nvSpPr>
         <p:spPr>
           <a:xfrm>
-            <a:off x="339760" y="5013883"/>
+            <a:off x="668568" y="4940079"/>
             <a:ext cx="180669" cy="170788"/>
           </a:xfrm>
           <a:prstGeom prst="triangle">
@@ -7046,7 +6321,7 @@
         </p:nvSpPr>
         <p:spPr>
           <a:xfrm>
-            <a:off x="498817" y="5951275"/>
+            <a:off x="590569" y="5886892"/>
             <a:ext cx="222222" cy="187270"/>
           </a:xfrm>
           <a:prstGeom prst="star5">
@@ -7100,7 +6375,7 @@
         </p:nvSpPr>
         <p:spPr>
           <a:xfrm>
-            <a:off x="3836309" y="5199707"/>
+            <a:off x="3913539" y="5537134"/>
             <a:ext cx="237744" cy="219456"/>
           </a:xfrm>
           <a:prstGeom prst="diamond">
@@ -7154,7 +6429,7 @@
         </p:nvSpPr>
         <p:spPr>
           <a:xfrm>
-            <a:off x="4766187" y="5332690"/>
+            <a:off x="4477249" y="5297226"/>
             <a:ext cx="164592" cy="153690"/>
           </a:xfrm>
           <a:prstGeom prst="rect">
@@ -7208,7 +6483,7 @@
         </p:nvSpPr>
         <p:spPr>
           <a:xfrm>
-            <a:off x="4678961" y="4761247"/>
+            <a:off x="4653795" y="4823774"/>
             <a:ext cx="174451" cy="183765"/>
           </a:xfrm>
           <a:prstGeom prst="ellipse">
@@ -7262,7 +6537,7 @@
         </p:nvSpPr>
         <p:spPr>
           <a:xfrm>
-            <a:off x="3006433" y="4970384"/>
+            <a:off x="3319744" y="4925378"/>
             <a:ext cx="180669" cy="170788"/>
           </a:xfrm>
           <a:prstGeom prst="triangle">
@@ -7316,7 +6591,7 @@
         </p:nvSpPr>
         <p:spPr>
           <a:xfrm>
-            <a:off x="3165490" y="5907776"/>
+            <a:off x="3241745" y="5872191"/>
             <a:ext cx="222222" cy="187270"/>
           </a:xfrm>
           <a:prstGeom prst="star5">
@@ -7370,7 +6645,7 @@
         </p:nvSpPr>
         <p:spPr>
           <a:xfrm>
-            <a:off x="1845356" y="5761010"/>
+            <a:off x="1937108" y="5696627"/>
             <a:ext cx="254081" cy="229821"/>
           </a:xfrm>
           <a:prstGeom prst="plus">
@@ -7419,7 +6694,7 @@
         </p:nvSpPr>
         <p:spPr>
           <a:xfrm>
-            <a:off x="627134" y="5483885"/>
+            <a:off x="718886" y="5419502"/>
             <a:ext cx="212183" cy="184569"/>
           </a:xfrm>
           <a:prstGeom prst="rtTriangle">
@@ -7468,7 +6743,7 @@
         </p:nvSpPr>
         <p:spPr>
           <a:xfrm>
-            <a:off x="1008120" y="4908770"/>
+            <a:off x="1099872" y="4844387"/>
             <a:ext cx="281363" cy="160133"/>
           </a:xfrm>
           <a:prstGeom prst="parallelogram">
@@ -7517,7 +6792,7 @@
         </p:nvSpPr>
         <p:spPr>
           <a:xfrm>
-            <a:off x="3943503" y="4797572"/>
+            <a:off x="3839360" y="4851948"/>
             <a:ext cx="237744" cy="216145"/>
           </a:xfrm>
           <a:prstGeom prst="hexagon">
@@ -7566,7 +6841,7 @@
         </p:nvSpPr>
         <p:spPr>
           <a:xfrm>
-            <a:off x="3228240" y="5293043"/>
+            <a:off x="3462376" y="5462061"/>
             <a:ext cx="118578" cy="175637"/>
           </a:xfrm>
           <a:prstGeom prst="moon">
@@ -7615,7 +6890,7 @@
         </p:nvSpPr>
         <p:spPr>
           <a:xfrm>
-            <a:off x="4324154" y="5784227"/>
+            <a:off x="4400409" y="5748642"/>
             <a:ext cx="240145" cy="183385"/>
           </a:xfrm>
           <a:prstGeom prst="trapezoid">
@@ -7656,30 +6931,6 @@
           </a:p>
         </p:txBody>
       </p:sp>
-      <p:pic>
-        <p:nvPicPr>
-          <p:cNvPr id="3" name="Picture 2"/>
-          <p:cNvPicPr>
-            <a:picLocks noChangeAspect="1"/>
-          </p:cNvPicPr>
-          <p:nvPr/>
-        </p:nvPicPr>
-        <p:blipFill>
-          <a:blip r:embed="rId3"/>
-          <a:stretch>
-            <a:fillRect/>
-          </a:stretch>
-        </p:blipFill>
-        <p:spPr>
-          <a:xfrm>
-            <a:off x="2903627" y="297019"/>
-            <a:ext cx="2495356" cy="1650400"/>
-          </a:xfrm>
-          <a:prstGeom prst="rect">
-            <a:avLst/>
-          </a:prstGeom>
-        </p:spPr>
-      </p:pic>
       <p:sp>
         <p:nvSpPr>
           <p:cNvPr id="64" name="Rectangle 63"/>
@@ -10064,13 +9315,375 @@
       </p:sp>
       <p:sp>
         <p:nvSpPr>
-          <p:cNvPr id="9" name="Right Arrow 8"/>
+          <p:cNvPr id="13" name="TextBox 12"/>
+          <p:cNvSpPr txBox="1"/>
+          <p:nvPr/>
+        </p:nvSpPr>
+        <p:spPr>
+          <a:xfrm>
+            <a:off x="2796616" y="26730"/>
+            <a:ext cx="329184" cy="369332"/>
+          </a:xfrm>
+          <a:prstGeom prst="rect">
+            <a:avLst/>
+          </a:prstGeom>
+          <a:noFill/>
+        </p:spPr>
+        <p:txBody>
+          <a:bodyPr wrap="square" rtlCol="0">
+            <a:spAutoFit/>
+          </a:bodyPr>
+          <a:lstStyle/>
+          <a:p>
+            <a:r>
+              <a:rPr lang="en-US" b="1" dirty="0"/>
+              <a:t>B</a:t>
+            </a:r>
+          </a:p>
+        </p:txBody>
+      </p:sp>
+      <p:sp>
+        <p:nvSpPr>
+          <p:cNvPr id="165" name="TextBox 164"/>
+          <p:cNvSpPr txBox="1"/>
+          <p:nvPr/>
+        </p:nvSpPr>
+        <p:spPr>
+          <a:xfrm>
+            <a:off x="148881" y="26730"/>
+            <a:ext cx="329184" cy="369332"/>
+          </a:xfrm>
+          <a:prstGeom prst="rect">
+            <a:avLst/>
+          </a:prstGeom>
+          <a:noFill/>
+        </p:spPr>
+        <p:txBody>
+          <a:bodyPr wrap="square" rtlCol="0">
+            <a:spAutoFit/>
+          </a:bodyPr>
+          <a:lstStyle/>
+          <a:p>
+            <a:r>
+              <a:rPr lang="en-US" b="1" dirty="0" smtClean="0"/>
+              <a:t>A</a:t>
+            </a:r>
+            <a:endParaRPr lang="en-US" b="1" dirty="0"/>
+          </a:p>
+        </p:txBody>
+      </p:sp>
+      <p:sp>
+        <p:nvSpPr>
+          <p:cNvPr id="166" name="TextBox 165"/>
+          <p:cNvSpPr txBox="1"/>
+          <p:nvPr/>
+        </p:nvSpPr>
+        <p:spPr>
+          <a:xfrm flipH="1">
+            <a:off x="134462" y="2208311"/>
+            <a:ext cx="240792" cy="369332"/>
+          </a:xfrm>
+          <a:prstGeom prst="rect">
+            <a:avLst/>
+          </a:prstGeom>
+          <a:noFill/>
+        </p:spPr>
+        <p:txBody>
+          <a:bodyPr wrap="square" rtlCol="0">
+            <a:spAutoFit/>
+          </a:bodyPr>
+          <a:lstStyle/>
+          <a:p>
+            <a:r>
+              <a:rPr lang="en-US" b="1" dirty="0"/>
+              <a:t>C</a:t>
+            </a:r>
+          </a:p>
+        </p:txBody>
+      </p:sp>
+      <p:sp>
+        <p:nvSpPr>
+          <p:cNvPr id="167" name="TextBox 166"/>
+          <p:cNvSpPr txBox="1"/>
+          <p:nvPr/>
+        </p:nvSpPr>
+        <p:spPr>
+          <a:xfrm>
+            <a:off x="2795703" y="2229595"/>
+            <a:ext cx="329184" cy="369332"/>
+          </a:xfrm>
+          <a:prstGeom prst="rect">
+            <a:avLst/>
+          </a:prstGeom>
+          <a:noFill/>
+        </p:spPr>
+        <p:txBody>
+          <a:bodyPr wrap="square" rtlCol="0">
+            <a:spAutoFit/>
+          </a:bodyPr>
+          <a:lstStyle/>
+          <a:p>
+            <a:r>
+              <a:rPr lang="en-US" b="1" dirty="0" smtClean="0"/>
+              <a:t>D</a:t>
+            </a:r>
+            <a:endParaRPr lang="en-US" b="1" dirty="0"/>
+          </a:p>
+        </p:txBody>
+      </p:sp>
+      <p:sp>
+        <p:nvSpPr>
+          <p:cNvPr id="92" name="Rectangle 91"/>
           <p:cNvSpPr/>
           <p:nvPr/>
         </p:nvSpPr>
         <p:spPr>
           <a:xfrm>
-            <a:off x="2514367" y="5270686"/>
+            <a:off x="171619" y="4468418"/>
+            <a:ext cx="5227364" cy="1778106"/>
+          </a:xfrm>
+          <a:prstGeom prst="rect">
+            <a:avLst/>
+          </a:prstGeom>
+          <a:noFill/>
+          <a:ln>
+            <a:solidFill>
+              <a:schemeClr val="tx1"/>
+            </a:solidFill>
+          </a:ln>
+        </p:spPr>
+        <p:style>
+          <a:lnRef idx="2">
+            <a:schemeClr val="accent1">
+              <a:shade val="50000"/>
+            </a:schemeClr>
+          </a:lnRef>
+          <a:fillRef idx="1">
+            <a:schemeClr val="accent1"/>
+          </a:fillRef>
+          <a:effectRef idx="0">
+            <a:schemeClr val="accent1"/>
+          </a:effectRef>
+          <a:fontRef idx="minor">
+            <a:schemeClr val="lt1"/>
+          </a:fontRef>
+        </p:style>
+        <p:txBody>
+          <a:bodyPr rtlCol="0" anchor="ctr"/>
+          <a:lstStyle/>
+          <a:p>
+            <a:pPr algn="ctr"/>
+            <a:endParaRPr lang="en-US"/>
+          </a:p>
+        </p:txBody>
+      </p:sp>
+      <p:sp>
+        <p:nvSpPr>
+          <p:cNvPr id="93" name="Rectangle 92"/>
+          <p:cNvSpPr/>
+          <p:nvPr/>
+        </p:nvSpPr>
+        <p:spPr>
+          <a:xfrm>
+            <a:off x="403851" y="4696769"/>
+            <a:ext cx="1933055" cy="1456715"/>
+          </a:xfrm>
+          <a:prstGeom prst="rect">
+            <a:avLst/>
+          </a:prstGeom>
+          <a:noFill/>
+          <a:ln>
+            <a:solidFill>
+              <a:schemeClr val="tx1">
+                <a:lumMod val="50000"/>
+                <a:lumOff val="50000"/>
+              </a:schemeClr>
+            </a:solidFill>
+          </a:ln>
+        </p:spPr>
+        <p:style>
+          <a:lnRef idx="2">
+            <a:schemeClr val="accent1">
+              <a:shade val="50000"/>
+            </a:schemeClr>
+          </a:lnRef>
+          <a:fillRef idx="1">
+            <a:schemeClr val="accent1"/>
+          </a:fillRef>
+          <a:effectRef idx="0">
+            <a:schemeClr val="accent1"/>
+          </a:effectRef>
+          <a:fontRef idx="minor">
+            <a:schemeClr val="lt1"/>
+          </a:fontRef>
+        </p:style>
+        <p:txBody>
+          <a:bodyPr rtlCol="0" anchor="ctr"/>
+          <a:lstStyle/>
+          <a:p>
+            <a:pPr algn="ctr"/>
+            <a:endParaRPr lang="en-US"/>
+          </a:p>
+        </p:txBody>
+      </p:sp>
+      <p:sp>
+        <p:nvSpPr>
+          <p:cNvPr id="94" name="Rectangle 93"/>
+          <p:cNvSpPr/>
+          <p:nvPr/>
+        </p:nvSpPr>
+        <p:spPr>
+          <a:xfrm>
+            <a:off x="3059635" y="4696769"/>
+            <a:ext cx="1933055" cy="1456715"/>
+          </a:xfrm>
+          <a:prstGeom prst="rect">
+            <a:avLst/>
+          </a:prstGeom>
+          <a:noFill/>
+          <a:ln>
+            <a:solidFill>
+              <a:schemeClr val="tx1">
+                <a:lumMod val="50000"/>
+                <a:lumOff val="50000"/>
+              </a:schemeClr>
+            </a:solidFill>
+          </a:ln>
+        </p:spPr>
+        <p:style>
+          <a:lnRef idx="2">
+            <a:schemeClr val="accent1">
+              <a:shade val="50000"/>
+            </a:schemeClr>
+          </a:lnRef>
+          <a:fillRef idx="1">
+            <a:schemeClr val="accent1"/>
+          </a:fillRef>
+          <a:effectRef idx="0">
+            <a:schemeClr val="accent1"/>
+          </a:effectRef>
+          <a:fontRef idx="minor">
+            <a:schemeClr val="lt1"/>
+          </a:fontRef>
+        </p:style>
+        <p:txBody>
+          <a:bodyPr rtlCol="0" anchor="ctr"/>
+          <a:lstStyle/>
+          <a:p>
+            <a:pPr algn="ctr"/>
+            <a:endParaRPr lang="en-US"/>
+          </a:p>
+        </p:txBody>
+      </p:sp>
+      <p:sp>
+        <p:nvSpPr>
+          <p:cNvPr id="96" name="TextBox 95"/>
+          <p:cNvSpPr txBox="1"/>
+          <p:nvPr/>
+        </p:nvSpPr>
+        <p:spPr>
+          <a:xfrm>
+            <a:off x="336157" y="4398162"/>
+            <a:ext cx="2044550" cy="369332"/>
+          </a:xfrm>
+          <a:prstGeom prst="rect">
+            <a:avLst/>
+          </a:prstGeom>
+          <a:noFill/>
+        </p:spPr>
+        <p:txBody>
+          <a:bodyPr wrap="square" rtlCol="0">
+            <a:spAutoFit/>
+          </a:bodyPr>
+          <a:lstStyle/>
+          <a:p>
+            <a:r>
+              <a:rPr lang="en-US" b="1" dirty="0" smtClean="0"/>
+              <a:t>E – </a:t>
+            </a:r>
+            <a:r>
+              <a:rPr lang="en-US" b="1" dirty="0"/>
+              <a:t>t</a:t>
+            </a:r>
+            <a:r>
+              <a:rPr lang="en-US" b="1" dirty="0" smtClean="0"/>
+              <a:t>ime </a:t>
+            </a:r>
+            <a:r>
+              <a:rPr lang="en-US" b="1" i="1" dirty="0" smtClean="0"/>
+              <a:t>t</a:t>
+            </a:r>
+            <a:r>
+              <a:rPr lang="en-US" sz="1400" b="1" i="1" dirty="0" smtClean="0"/>
+              <a:t>1</a:t>
+            </a:r>
+            <a:endParaRPr lang="en-US" sz="1600" b="1" dirty="0"/>
+          </a:p>
+        </p:txBody>
+      </p:sp>
+      <p:sp>
+        <p:nvSpPr>
+          <p:cNvPr id="98" name="TextBox 97"/>
+          <p:cNvSpPr txBox="1"/>
+          <p:nvPr/>
+        </p:nvSpPr>
+        <p:spPr>
+          <a:xfrm>
+            <a:off x="3001096" y="4391285"/>
+            <a:ext cx="2044550" cy="369332"/>
+          </a:xfrm>
+          <a:prstGeom prst="rect">
+            <a:avLst/>
+          </a:prstGeom>
+          <a:noFill/>
+        </p:spPr>
+        <p:txBody>
+          <a:bodyPr wrap="square" rtlCol="0">
+            <a:spAutoFit/>
+          </a:bodyPr>
+          <a:lstStyle/>
+          <a:p>
+            <a:r>
+              <a:rPr lang="en-US" b="1" dirty="0"/>
+              <a:t>F</a:t>
+            </a:r>
+            <a:r>
+              <a:rPr lang="en-US" b="1" dirty="0" smtClean="0"/>
+              <a:t> </a:t>
+            </a:r>
+            <a:r>
+              <a:rPr lang="en-US" b="1" dirty="0" smtClean="0"/>
+              <a:t>– </a:t>
+            </a:r>
+            <a:r>
+              <a:rPr lang="en-US" b="1" dirty="0"/>
+              <a:t>t</a:t>
+            </a:r>
+            <a:r>
+              <a:rPr lang="en-US" b="1" dirty="0" smtClean="0"/>
+              <a:t>ime </a:t>
+            </a:r>
+            <a:r>
+              <a:rPr lang="en-US" b="1" i="1" dirty="0" smtClean="0"/>
+              <a:t>t</a:t>
+            </a:r>
+            <a:r>
+              <a:rPr lang="en-US" sz="1400" b="1" i="1" dirty="0"/>
+              <a:t>2</a:t>
+            </a:r>
+            <a:endParaRPr lang="en-US" sz="1600" b="1" dirty="0"/>
+          </a:p>
+        </p:txBody>
+      </p:sp>
+      <p:sp>
+        <p:nvSpPr>
+          <p:cNvPr id="103" name="Right Arrow 102"/>
+          <p:cNvSpPr/>
+          <p:nvPr/>
+        </p:nvSpPr>
+        <p:spPr>
+          <a:xfrm>
+            <a:off x="2415871" y="5218774"/>
             <a:ext cx="578873" cy="323041"/>
           </a:xfrm>
           <a:prstGeom prst="rightArrow">
@@ -10112,14 +9725,14 @@
       </p:sp>
       <p:sp>
         <p:nvSpPr>
-          <p:cNvPr id="13" name="TextBox 12"/>
+          <p:cNvPr id="8" name="TextBox 7"/>
           <p:cNvSpPr txBox="1"/>
           <p:nvPr/>
         </p:nvSpPr>
         <p:spPr>
           <a:xfrm>
-            <a:off x="2796616" y="26730"/>
-            <a:ext cx="329184" cy="369332"/>
+            <a:off x="171619" y="6206853"/>
+            <a:ext cx="5227364" cy="553998"/>
           </a:xfrm>
           <a:prstGeom prst="rect">
             <a:avLst/>
@@ -10133,161 +9746,119 @@
           <a:lstStyle/>
           <a:p>
             <a:r>
-              <a:rPr lang="en-US" b="1" dirty="0"/>
-              <a:t>B</a:t>
-            </a:r>
-          </a:p>
-        </p:txBody>
-      </p:sp>
-      <p:sp>
-        <p:nvSpPr>
-          <p:cNvPr id="165" name="TextBox 164"/>
-          <p:cNvSpPr txBox="1"/>
+              <a:rPr lang="en-US" sz="1000" b="1" dirty="0" smtClean="0"/>
+              <a:t>Turnover</a:t>
+            </a:r>
+          </a:p>
+          <a:p>
+            <a:r>
+              <a:rPr lang="en-US" sz="1000" dirty="0" smtClean="0"/>
+              <a:t>All species = 5/11</a:t>
+            </a:r>
+          </a:p>
+          <a:p>
+            <a:r>
+              <a:rPr lang="en-US" sz="1000" dirty="0" smtClean="0"/>
+              <a:t>Excluding transients = 5/5</a:t>
+            </a:r>
+            <a:endParaRPr lang="en-US" sz="1000" dirty="0"/>
+          </a:p>
+        </p:txBody>
+      </p:sp>
+      <p:pic>
+        <p:nvPicPr>
+          <p:cNvPr id="12" name="Picture 11"/>
+          <p:cNvPicPr>
+            <a:picLocks noChangeAspect="1"/>
+          </p:cNvPicPr>
           <p:nvPr/>
-        </p:nvSpPr>
-        <p:spPr>
-          <a:xfrm>
-            <a:off x="148881" y="26730"/>
-            <a:ext cx="329184" cy="369332"/>
+        </p:nvPicPr>
+        <p:blipFill>
+          <a:blip r:embed="rId2"/>
+          <a:stretch>
+            <a:fillRect/>
+          </a:stretch>
+        </p:blipFill>
+        <p:spPr>
+          <a:xfrm>
+            <a:off x="2873809" y="507881"/>
+            <a:ext cx="2491454" cy="1322479"/>
           </a:xfrm>
           <a:prstGeom prst="rect">
             <a:avLst/>
           </a:prstGeom>
-          <a:noFill/>
-        </p:spPr>
-        <p:txBody>
-          <a:bodyPr wrap="square" rtlCol="0">
-            <a:spAutoFit/>
-          </a:bodyPr>
-          <a:lstStyle/>
-          <a:p>
-            <a:r>
-              <a:rPr lang="en-US" b="1" dirty="0" smtClean="0"/>
-              <a:t>A</a:t>
-            </a:r>
-            <a:endParaRPr lang="en-US" b="1" dirty="0"/>
-          </a:p>
-        </p:txBody>
-      </p:sp>
-      <p:sp>
-        <p:nvSpPr>
-          <p:cNvPr id="166" name="TextBox 165"/>
-          <p:cNvSpPr txBox="1"/>
+        </p:spPr>
+      </p:pic>
+      <p:sp>
+        <p:nvSpPr>
+          <p:cNvPr id="14" name="Rectangle 13"/>
+          <p:cNvSpPr/>
           <p:nvPr/>
         </p:nvSpPr>
         <p:spPr>
-          <a:xfrm flipH="1">
-            <a:off x="134462" y="2208311"/>
-            <a:ext cx="240792" cy="369332"/>
+          <a:xfrm>
+            <a:off x="5253879" y="963103"/>
+            <a:ext cx="123610" cy="207984"/>
           </a:xfrm>
           <a:prstGeom prst="rect">
             <a:avLst/>
           </a:prstGeom>
-          <a:noFill/>
-        </p:spPr>
-        <p:txBody>
-          <a:bodyPr wrap="square" rtlCol="0">
-            <a:spAutoFit/>
-          </a:bodyPr>
-          <a:lstStyle/>
-          <a:p>
-            <a:r>
-              <a:rPr lang="en-US" b="1" dirty="0"/>
-              <a:t>C</a:t>
-            </a:r>
-          </a:p>
-        </p:txBody>
-      </p:sp>
-      <p:sp>
-        <p:nvSpPr>
-          <p:cNvPr id="167" name="TextBox 166"/>
-          <p:cNvSpPr txBox="1"/>
+          <a:solidFill>
+            <a:schemeClr val="bg1"/>
+          </a:solidFill>
+          <a:ln>
+            <a:noFill/>
+          </a:ln>
+        </p:spPr>
+        <p:style>
+          <a:lnRef idx="2">
+            <a:schemeClr val="accent1">
+              <a:shade val="50000"/>
+            </a:schemeClr>
+          </a:lnRef>
+          <a:fillRef idx="1">
+            <a:schemeClr val="accent1"/>
+          </a:fillRef>
+          <a:effectRef idx="0">
+            <a:schemeClr val="accent1"/>
+          </a:effectRef>
+          <a:fontRef idx="minor">
+            <a:schemeClr val="lt1"/>
+          </a:fontRef>
+        </p:style>
+        <p:txBody>
+          <a:bodyPr rtlCol="0" anchor="ctr"/>
+          <a:lstStyle/>
+          <a:p>
+            <a:pPr algn="ctr"/>
+            <a:endParaRPr lang="en-US"/>
+          </a:p>
+        </p:txBody>
+      </p:sp>
+      <p:pic>
+        <p:nvPicPr>
+          <p:cNvPr id="11" name="Picture 10"/>
+          <p:cNvPicPr>
+            <a:picLocks noChangeAspect="1"/>
+          </p:cNvPicPr>
           <p:nvPr/>
-        </p:nvSpPr>
-        <p:spPr>
-          <a:xfrm>
-            <a:off x="2795703" y="2229595"/>
-            <a:ext cx="329184" cy="369332"/>
+        </p:nvPicPr>
+        <p:blipFill>
+          <a:blip r:embed="rId3"/>
+          <a:stretch>
+            <a:fillRect/>
+          </a:stretch>
+        </p:blipFill>
+        <p:spPr>
+          <a:xfrm>
+            <a:off x="3728589" y="328164"/>
+            <a:ext cx="830956" cy="319414"/>
           </a:xfrm>
           <a:prstGeom prst="rect">
             <a:avLst/>
           </a:prstGeom>
-          <a:noFill/>
-        </p:spPr>
-        <p:txBody>
-          <a:bodyPr wrap="square" rtlCol="0">
-            <a:spAutoFit/>
-          </a:bodyPr>
-          <a:lstStyle/>
-          <a:p>
-            <a:r>
-              <a:rPr lang="en-US" b="1" dirty="0" smtClean="0"/>
-              <a:t>D</a:t>
-            </a:r>
-            <a:endParaRPr lang="en-US" b="1" dirty="0"/>
-          </a:p>
-        </p:txBody>
-      </p:sp>
-      <p:sp>
-        <p:nvSpPr>
-          <p:cNvPr id="168" name="TextBox 167"/>
-          <p:cNvSpPr txBox="1"/>
-          <p:nvPr/>
-        </p:nvSpPr>
-        <p:spPr>
-          <a:xfrm>
-            <a:off x="134462" y="4440977"/>
-            <a:ext cx="2044550" cy="369332"/>
-          </a:xfrm>
-          <a:prstGeom prst="rect">
-            <a:avLst/>
-          </a:prstGeom>
-          <a:noFill/>
-        </p:spPr>
-        <p:txBody>
-          <a:bodyPr wrap="square" rtlCol="0">
-            <a:spAutoFit/>
-          </a:bodyPr>
-          <a:lstStyle/>
-          <a:p>
-            <a:r>
-              <a:rPr lang="en-US" b="1" dirty="0" smtClean="0"/>
-              <a:t>E – Time T1</a:t>
-            </a:r>
-            <a:endParaRPr lang="en-US" b="1" dirty="0"/>
-          </a:p>
-        </p:txBody>
-      </p:sp>
-      <p:sp>
-        <p:nvSpPr>
-          <p:cNvPr id="169" name="TextBox 168"/>
-          <p:cNvSpPr txBox="1"/>
-          <p:nvPr/>
-        </p:nvSpPr>
-        <p:spPr>
-          <a:xfrm>
-            <a:off x="2803804" y="4438296"/>
-            <a:ext cx="2044550" cy="369332"/>
-          </a:xfrm>
-          <a:prstGeom prst="rect">
-            <a:avLst/>
-          </a:prstGeom>
-          <a:noFill/>
-        </p:spPr>
-        <p:txBody>
-          <a:bodyPr wrap="square" rtlCol="0">
-            <a:spAutoFit/>
-          </a:bodyPr>
-          <a:lstStyle/>
-          <a:p>
-            <a:r>
-              <a:rPr lang="en-US" b="1" dirty="0" smtClean="0"/>
-              <a:t>E – Time T2</a:t>
-            </a:r>
-            <a:endParaRPr lang="en-US" b="1" dirty="0"/>
-          </a:p>
-        </p:txBody>
-      </p:sp>
+        </p:spPr>
+      </p:pic>
     </p:spTree>
     <p:extLst>
       <p:ext uri="{BB962C8B-B14F-4D97-AF65-F5344CB8AC3E}">
@@ -10318,932 +9889,6 @@
           <a:chExt cx="0" cy="0"/>
         </a:xfrm>
       </p:grpSpPr>
-      <p:graphicFrame>
-        <p:nvGraphicFramePr>
-          <p:cNvPr id="61" name="Table 60"/>
-          <p:cNvGraphicFramePr>
-            <a:graphicFrameLocks noGrp="1"/>
-          </p:cNvGraphicFramePr>
-          <p:nvPr>
-            <p:extLst>
-              <p:ext uri="{D42A27DB-BD31-4B8C-83A1-F6EECF244321}">
-                <p14:modId xmlns:p14="http://schemas.microsoft.com/office/powerpoint/2010/main" val="5985574"/>
-              </p:ext>
-            </p:extLst>
-          </p:nvPr>
-        </p:nvGraphicFramePr>
-        <p:xfrm>
-          <a:off x="2741119" y="65331"/>
-          <a:ext cx="3496250" cy="1463040"/>
-        </p:xfrm>
-        <a:graphic>
-          <a:graphicData uri="http://schemas.openxmlformats.org/drawingml/2006/table">
-            <a:tbl>
-              <a:tblPr firstRow="1" bandRow="1">
-                <a:tableStyleId>{5C22544A-7EE6-4342-B048-85BDC9FD1C3A}</a:tableStyleId>
-              </a:tblPr>
-              <a:tblGrid>
-                <a:gridCol w="668071">
-                  <a:extLst>
-                    <a:ext uri="{9D8B030D-6E8A-4147-A177-3AD203B41FA5}">
-                      <a16:colId xmlns:a16="http://schemas.microsoft.com/office/drawing/2014/main" val="3777247511"/>
-                    </a:ext>
-                  </a:extLst>
-                </a:gridCol>
-                <a:gridCol w="998623">
-                  <a:extLst>
-                    <a:ext uri="{9D8B030D-6E8A-4147-A177-3AD203B41FA5}">
-                      <a16:colId xmlns:a16="http://schemas.microsoft.com/office/drawing/2014/main" val="3565287180"/>
-                    </a:ext>
-                  </a:extLst>
-                </a:gridCol>
-                <a:gridCol w="591157">
-                  <a:extLst>
-                    <a:ext uri="{9D8B030D-6E8A-4147-A177-3AD203B41FA5}">
-                      <a16:colId xmlns:a16="http://schemas.microsoft.com/office/drawing/2014/main" val="310175345"/>
-                    </a:ext>
-                  </a:extLst>
-                </a:gridCol>
-                <a:gridCol w="1238399">
-                  <a:extLst>
-                    <a:ext uri="{9D8B030D-6E8A-4147-A177-3AD203B41FA5}">
-                      <a16:colId xmlns:a16="http://schemas.microsoft.com/office/drawing/2014/main" val="2991616883"/>
-                    </a:ext>
-                  </a:extLst>
-                </a:gridCol>
-              </a:tblGrid>
-              <a:tr h="315669">
-                <a:tc>
-                  <a:txBody>
-                    <a:bodyPr/>
-                    <a:lstStyle/>
-                    <a:p>
-                      <a:endParaRPr lang="en-US" dirty="0"/>
-                    </a:p>
-                  </a:txBody>
-                  <a:tcPr>
-                    <a:lnL w="12700" cap="flat" cmpd="sng" algn="ctr">
-                      <a:solidFill>
-                        <a:schemeClr val="tx1"/>
-                      </a:solidFill>
-                      <a:prstDash val="solid"/>
-                      <a:round/>
-                      <a:headEnd type="none" w="med" len="med"/>
-                      <a:tailEnd type="none" w="med" len="med"/>
-                    </a:lnL>
-                    <a:lnR w="12700" cap="flat" cmpd="sng" algn="ctr">
-                      <a:solidFill>
-                        <a:schemeClr val="tx1"/>
-                      </a:solidFill>
-                      <a:prstDash val="solid"/>
-                      <a:round/>
-                      <a:headEnd type="none" w="med" len="med"/>
-                      <a:tailEnd type="none" w="med" len="med"/>
-                    </a:lnR>
-                    <a:lnT w="12700" cap="flat" cmpd="sng" algn="ctr">
-                      <a:solidFill>
-                        <a:schemeClr val="tx1"/>
-                      </a:solidFill>
-                      <a:prstDash val="solid"/>
-                      <a:round/>
-                      <a:headEnd type="none" w="med" len="med"/>
-                      <a:tailEnd type="none" w="med" len="med"/>
-                    </a:lnT>
-                    <a:lnB w="12700" cap="flat" cmpd="sng" algn="ctr">
-                      <a:solidFill>
-                        <a:schemeClr val="tx1"/>
-                      </a:solidFill>
-                      <a:prstDash val="solid"/>
-                      <a:round/>
-                      <a:headEnd type="none" w="med" len="med"/>
-                      <a:tailEnd type="none" w="med" len="med"/>
-                    </a:lnB>
-                    <a:noFill/>
-                  </a:tcPr>
-                </a:tc>
-                <a:tc>
-                  <a:txBody>
-                    <a:bodyPr/>
-                    <a:lstStyle/>
-                    <a:p>
-                      <a:r>
-                        <a:rPr lang="en-US" sz="1200" b="0" dirty="0" smtClean="0">
-                          <a:solidFill>
-                            <a:schemeClr val="tx1"/>
-                          </a:solidFill>
-                        </a:rPr>
-                        <a:t>Birds</a:t>
-                      </a:r>
-                      <a:endParaRPr lang="en-US" sz="1200" b="0" dirty="0">
-                        <a:solidFill>
-                          <a:schemeClr val="tx1"/>
-                        </a:solidFill>
-                      </a:endParaRPr>
-                    </a:p>
-                  </a:txBody>
-                  <a:tcPr>
-                    <a:lnL w="12700" cap="flat" cmpd="sng" algn="ctr">
-                      <a:solidFill>
-                        <a:schemeClr val="tx1"/>
-                      </a:solidFill>
-                      <a:prstDash val="solid"/>
-                      <a:round/>
-                      <a:headEnd type="none" w="med" len="med"/>
-                      <a:tailEnd type="none" w="med" len="med"/>
-                    </a:lnL>
-                    <a:lnR w="12700" cap="flat" cmpd="sng" algn="ctr">
-                      <a:solidFill>
-                        <a:schemeClr val="tx1"/>
-                      </a:solidFill>
-                      <a:prstDash val="solid"/>
-                      <a:round/>
-                      <a:headEnd type="none" w="med" len="med"/>
-                      <a:tailEnd type="none" w="med" len="med"/>
-                    </a:lnR>
-                    <a:lnT w="12700" cap="flat" cmpd="sng" algn="ctr">
-                      <a:solidFill>
-                        <a:schemeClr val="tx1"/>
-                      </a:solidFill>
-                      <a:prstDash val="solid"/>
-                      <a:round/>
-                      <a:headEnd type="none" w="med" len="med"/>
-                      <a:tailEnd type="none" w="med" len="med"/>
-                    </a:lnT>
-                    <a:lnB w="12700" cap="flat" cmpd="sng" algn="ctr">
-                      <a:solidFill>
-                        <a:schemeClr val="tx1"/>
-                      </a:solidFill>
-                      <a:prstDash val="solid"/>
-                      <a:round/>
-                      <a:headEnd type="none" w="med" len="med"/>
-                      <a:tailEnd type="none" w="med" len="med"/>
-                    </a:lnB>
-                    <a:noFill/>
-                  </a:tcPr>
-                </a:tc>
-                <a:tc>
-                  <a:txBody>
-                    <a:bodyPr/>
-                    <a:lstStyle/>
-                    <a:p>
-                      <a:endParaRPr lang="en-US" sz="1200" b="0" dirty="0">
-                        <a:solidFill>
-                          <a:schemeClr val="tx1"/>
-                        </a:solidFill>
-                      </a:endParaRPr>
-                    </a:p>
-                  </a:txBody>
-                  <a:tcPr>
-                    <a:lnL w="12700" cap="flat" cmpd="sng" algn="ctr">
-                      <a:solidFill>
-                        <a:schemeClr val="tx1"/>
-                      </a:solidFill>
-                      <a:prstDash val="solid"/>
-                      <a:round/>
-                      <a:headEnd type="none" w="med" len="med"/>
-                      <a:tailEnd type="none" w="med" len="med"/>
-                    </a:lnL>
-                    <a:lnR w="12700" cap="flat" cmpd="sng" algn="ctr">
-                      <a:solidFill>
-                        <a:schemeClr val="tx1"/>
-                      </a:solidFill>
-                      <a:prstDash val="solid"/>
-                      <a:round/>
-                      <a:headEnd type="none" w="med" len="med"/>
-                      <a:tailEnd type="none" w="med" len="med"/>
-                    </a:lnR>
-                    <a:lnT w="12700" cap="flat" cmpd="sng" algn="ctr">
-                      <a:solidFill>
-                        <a:schemeClr val="tx1"/>
-                      </a:solidFill>
-                      <a:prstDash val="solid"/>
-                      <a:round/>
-                      <a:headEnd type="none" w="med" len="med"/>
-                      <a:tailEnd type="none" w="med" len="med"/>
-                    </a:lnT>
-                    <a:lnB w="12700" cap="flat" cmpd="sng" algn="ctr">
-                      <a:solidFill>
-                        <a:schemeClr val="tx1"/>
-                      </a:solidFill>
-                      <a:prstDash val="solid"/>
-                      <a:round/>
-                      <a:headEnd type="none" w="med" len="med"/>
-                      <a:tailEnd type="none" w="med" len="med"/>
-                    </a:lnB>
-                    <a:noFill/>
-                  </a:tcPr>
-                </a:tc>
-                <a:tc>
-                  <a:txBody>
-                    <a:bodyPr/>
-                    <a:lstStyle/>
-                    <a:p>
-                      <a:r>
-                        <a:rPr lang="en-US" sz="1200" b="0" dirty="0" smtClean="0">
-                          <a:solidFill>
-                            <a:schemeClr val="tx1"/>
-                          </a:solidFill>
-                        </a:rPr>
-                        <a:t>Invertebrates</a:t>
-                      </a:r>
-                      <a:endParaRPr lang="en-US" sz="1200" b="0" dirty="0">
-                        <a:solidFill>
-                          <a:schemeClr val="tx1"/>
-                        </a:solidFill>
-                      </a:endParaRPr>
-                    </a:p>
-                  </a:txBody>
-                  <a:tcPr>
-                    <a:lnL w="12700" cap="flat" cmpd="sng" algn="ctr">
-                      <a:solidFill>
-                        <a:schemeClr val="tx1"/>
-                      </a:solidFill>
-                      <a:prstDash val="solid"/>
-                      <a:round/>
-                      <a:headEnd type="none" w="med" len="med"/>
-                      <a:tailEnd type="none" w="med" len="med"/>
-                    </a:lnL>
-                    <a:lnR w="12700" cap="flat" cmpd="sng" algn="ctr">
-                      <a:solidFill>
-                        <a:schemeClr val="tx1"/>
-                      </a:solidFill>
-                      <a:prstDash val="solid"/>
-                      <a:round/>
-                      <a:headEnd type="none" w="med" len="med"/>
-                      <a:tailEnd type="none" w="med" len="med"/>
-                    </a:lnR>
-                    <a:lnT w="12700" cap="flat" cmpd="sng" algn="ctr">
-                      <a:solidFill>
-                        <a:schemeClr val="tx1"/>
-                      </a:solidFill>
-                      <a:prstDash val="solid"/>
-                      <a:round/>
-                      <a:headEnd type="none" w="med" len="med"/>
-                      <a:tailEnd type="none" w="med" len="med"/>
-                    </a:lnT>
-                    <a:lnB w="12700" cap="flat" cmpd="sng" algn="ctr">
-                      <a:solidFill>
-                        <a:schemeClr val="tx1"/>
-                      </a:solidFill>
-                      <a:prstDash val="solid"/>
-                      <a:round/>
-                      <a:headEnd type="none" w="med" len="med"/>
-                      <a:tailEnd type="none" w="med" len="med"/>
-                    </a:lnB>
-                    <a:noFill/>
-                  </a:tcPr>
-                </a:tc>
-                <a:extLst>
-                  <a:ext uri="{0D108BD9-81ED-4DB2-BD59-A6C34878D82A}">
-                    <a16:rowId xmlns:a16="http://schemas.microsoft.com/office/drawing/2014/main" val="3689353912"/>
-                  </a:ext>
-                </a:extLst>
-              </a:tr>
-              <a:tr h="334992">
-                <a:tc>
-                  <a:txBody>
-                    <a:bodyPr/>
-                    <a:lstStyle/>
-                    <a:p>
-                      <a:endParaRPr lang="en-US" dirty="0"/>
-                    </a:p>
-                  </a:txBody>
-                  <a:tcPr>
-                    <a:lnL w="12700" cap="flat" cmpd="sng" algn="ctr">
-                      <a:solidFill>
-                        <a:schemeClr val="tx1"/>
-                      </a:solidFill>
-                      <a:prstDash val="solid"/>
-                      <a:round/>
-                      <a:headEnd type="none" w="med" len="med"/>
-                      <a:tailEnd type="none" w="med" len="med"/>
-                    </a:lnL>
-                    <a:lnR w="12700" cap="flat" cmpd="sng" algn="ctr">
-                      <a:solidFill>
-                        <a:schemeClr val="tx1"/>
-                      </a:solidFill>
-                      <a:prstDash val="solid"/>
-                      <a:round/>
-                      <a:headEnd type="none" w="med" len="med"/>
-                      <a:tailEnd type="none" w="med" len="med"/>
-                    </a:lnR>
-                    <a:lnT w="12700" cap="flat" cmpd="sng" algn="ctr">
-                      <a:solidFill>
-                        <a:schemeClr val="tx1"/>
-                      </a:solidFill>
-                      <a:prstDash val="solid"/>
-                      <a:round/>
-                      <a:headEnd type="none" w="med" len="med"/>
-                      <a:tailEnd type="none" w="med" len="med"/>
-                    </a:lnT>
-                    <a:lnB w="12700" cap="flat" cmpd="sng" algn="ctr">
-                      <a:solidFill>
-                        <a:schemeClr val="tx1"/>
-                      </a:solidFill>
-                      <a:prstDash val="solid"/>
-                      <a:round/>
-                      <a:headEnd type="none" w="med" len="med"/>
-                      <a:tailEnd type="none" w="med" len="med"/>
-                    </a:lnB>
-                    <a:noFill/>
-                  </a:tcPr>
-                </a:tc>
-                <a:tc>
-                  <a:txBody>
-                    <a:bodyPr/>
-                    <a:lstStyle/>
-                    <a:p>
-                      <a:r>
-                        <a:rPr lang="en-US" sz="1200" dirty="0" smtClean="0">
-                          <a:solidFill>
-                            <a:schemeClr val="tx1"/>
-                          </a:solidFill>
-                        </a:rPr>
-                        <a:t>Plants</a:t>
-                      </a:r>
-                      <a:endParaRPr lang="en-US" sz="1200" dirty="0">
-                        <a:solidFill>
-                          <a:schemeClr val="tx1"/>
-                        </a:solidFill>
-                      </a:endParaRPr>
-                    </a:p>
-                  </a:txBody>
-                  <a:tcPr>
-                    <a:lnL w="12700" cap="flat" cmpd="sng" algn="ctr">
-                      <a:solidFill>
-                        <a:schemeClr val="tx1"/>
-                      </a:solidFill>
-                      <a:prstDash val="solid"/>
-                      <a:round/>
-                      <a:headEnd type="none" w="med" len="med"/>
-                      <a:tailEnd type="none" w="med" len="med"/>
-                    </a:lnL>
-                    <a:lnR w="12700" cap="flat" cmpd="sng" algn="ctr">
-                      <a:solidFill>
-                        <a:schemeClr val="tx1"/>
-                      </a:solidFill>
-                      <a:prstDash val="solid"/>
-                      <a:round/>
-                      <a:headEnd type="none" w="med" len="med"/>
-                      <a:tailEnd type="none" w="med" len="med"/>
-                    </a:lnR>
-                    <a:lnT w="12700" cap="flat" cmpd="sng" algn="ctr">
-                      <a:solidFill>
-                        <a:schemeClr val="tx1"/>
-                      </a:solidFill>
-                      <a:prstDash val="solid"/>
-                      <a:round/>
-                      <a:headEnd type="none" w="med" len="med"/>
-                      <a:tailEnd type="none" w="med" len="med"/>
-                    </a:lnT>
-                    <a:lnB w="12700" cap="flat" cmpd="sng" algn="ctr">
-                      <a:solidFill>
-                        <a:schemeClr val="tx1"/>
-                      </a:solidFill>
-                      <a:prstDash val="solid"/>
-                      <a:round/>
-                      <a:headEnd type="none" w="med" len="med"/>
-                      <a:tailEnd type="none" w="med" len="med"/>
-                    </a:lnB>
-                    <a:noFill/>
-                  </a:tcPr>
-                </a:tc>
-                <a:tc>
-                  <a:txBody>
-                    <a:bodyPr/>
-                    <a:lstStyle/>
-                    <a:p>
-                      <a:endParaRPr lang="en-US" sz="1200" dirty="0"/>
-                    </a:p>
-                  </a:txBody>
-                  <a:tcPr>
-                    <a:lnL w="12700" cap="flat" cmpd="sng" algn="ctr">
-                      <a:solidFill>
-                        <a:schemeClr val="tx1"/>
-                      </a:solidFill>
-                      <a:prstDash val="solid"/>
-                      <a:round/>
-                      <a:headEnd type="none" w="med" len="med"/>
-                      <a:tailEnd type="none" w="med" len="med"/>
-                    </a:lnL>
-                    <a:lnR w="12700" cap="flat" cmpd="sng" algn="ctr">
-                      <a:solidFill>
-                        <a:schemeClr val="tx1"/>
-                      </a:solidFill>
-                      <a:prstDash val="solid"/>
-                      <a:round/>
-                      <a:headEnd type="none" w="med" len="med"/>
-                      <a:tailEnd type="none" w="med" len="med"/>
-                    </a:lnR>
-                    <a:lnT w="12700" cap="flat" cmpd="sng" algn="ctr">
-                      <a:solidFill>
-                        <a:schemeClr val="tx1"/>
-                      </a:solidFill>
-                      <a:prstDash val="solid"/>
-                      <a:round/>
-                      <a:headEnd type="none" w="med" len="med"/>
-                      <a:tailEnd type="none" w="med" len="med"/>
-                    </a:lnT>
-                    <a:lnB w="12700" cap="flat" cmpd="sng" algn="ctr">
-                      <a:solidFill>
-                        <a:schemeClr val="tx1"/>
-                      </a:solidFill>
-                      <a:prstDash val="solid"/>
-                      <a:round/>
-                      <a:headEnd type="none" w="med" len="med"/>
-                      <a:tailEnd type="none" w="med" len="med"/>
-                    </a:lnB>
-                    <a:noFill/>
-                  </a:tcPr>
-                </a:tc>
-                <a:tc>
-                  <a:txBody>
-                    <a:bodyPr/>
-                    <a:lstStyle/>
-                    <a:p>
-                      <a:r>
-                        <a:rPr lang="en-US" sz="1200" dirty="0" smtClean="0"/>
-                        <a:t>Benthos</a:t>
-                      </a:r>
-                      <a:endParaRPr lang="en-US" sz="1200" dirty="0"/>
-                    </a:p>
-                  </a:txBody>
-                  <a:tcPr>
-                    <a:lnL w="12700" cap="flat" cmpd="sng" algn="ctr">
-                      <a:solidFill>
-                        <a:schemeClr val="tx1"/>
-                      </a:solidFill>
-                      <a:prstDash val="solid"/>
-                      <a:round/>
-                      <a:headEnd type="none" w="med" len="med"/>
-                      <a:tailEnd type="none" w="med" len="med"/>
-                    </a:lnL>
-                    <a:lnR w="12700" cap="flat" cmpd="sng" algn="ctr">
-                      <a:solidFill>
-                        <a:schemeClr val="tx1"/>
-                      </a:solidFill>
-                      <a:prstDash val="solid"/>
-                      <a:round/>
-                      <a:headEnd type="none" w="med" len="med"/>
-                      <a:tailEnd type="none" w="med" len="med"/>
-                    </a:lnR>
-                    <a:lnT w="12700" cap="flat" cmpd="sng" algn="ctr">
-                      <a:solidFill>
-                        <a:schemeClr val="tx1"/>
-                      </a:solidFill>
-                      <a:prstDash val="solid"/>
-                      <a:round/>
-                      <a:headEnd type="none" w="med" len="med"/>
-                      <a:tailEnd type="none" w="med" len="med"/>
-                    </a:lnT>
-                    <a:lnB w="12700" cap="flat" cmpd="sng" algn="ctr">
-                      <a:solidFill>
-                        <a:schemeClr val="tx1"/>
-                      </a:solidFill>
-                      <a:prstDash val="solid"/>
-                      <a:round/>
-                      <a:headEnd type="none" w="med" len="med"/>
-                      <a:tailEnd type="none" w="med" len="med"/>
-                    </a:lnB>
-                    <a:noFill/>
-                  </a:tcPr>
-                </a:tc>
-                <a:extLst>
-                  <a:ext uri="{0D108BD9-81ED-4DB2-BD59-A6C34878D82A}">
-                    <a16:rowId xmlns:a16="http://schemas.microsoft.com/office/drawing/2014/main" val="3236650058"/>
-                  </a:ext>
-                </a:extLst>
-              </a:tr>
-              <a:tr h="334992">
-                <a:tc>
-                  <a:txBody>
-                    <a:bodyPr/>
-                    <a:lstStyle/>
-                    <a:p>
-                      <a:endParaRPr lang="en-US"/>
-                    </a:p>
-                  </a:txBody>
-                  <a:tcPr>
-                    <a:lnL w="12700" cap="flat" cmpd="sng" algn="ctr">
-                      <a:solidFill>
-                        <a:schemeClr val="tx1"/>
-                      </a:solidFill>
-                      <a:prstDash val="solid"/>
-                      <a:round/>
-                      <a:headEnd type="none" w="med" len="med"/>
-                      <a:tailEnd type="none" w="med" len="med"/>
-                    </a:lnL>
-                    <a:lnR w="12700" cap="flat" cmpd="sng" algn="ctr">
-                      <a:solidFill>
-                        <a:schemeClr val="tx1"/>
-                      </a:solidFill>
-                      <a:prstDash val="solid"/>
-                      <a:round/>
-                      <a:headEnd type="none" w="med" len="med"/>
-                      <a:tailEnd type="none" w="med" len="med"/>
-                    </a:lnR>
-                    <a:lnT w="12700" cap="flat" cmpd="sng" algn="ctr">
-                      <a:solidFill>
-                        <a:schemeClr val="tx1"/>
-                      </a:solidFill>
-                      <a:prstDash val="solid"/>
-                      <a:round/>
-                      <a:headEnd type="none" w="med" len="med"/>
-                      <a:tailEnd type="none" w="med" len="med"/>
-                    </a:lnT>
-                    <a:lnB w="12700" cap="flat" cmpd="sng" algn="ctr">
-                      <a:solidFill>
-                        <a:schemeClr val="tx1"/>
-                      </a:solidFill>
-                      <a:prstDash val="solid"/>
-                      <a:round/>
-                      <a:headEnd type="none" w="med" len="med"/>
-                      <a:tailEnd type="none" w="med" len="med"/>
-                    </a:lnB>
-                    <a:noFill/>
-                  </a:tcPr>
-                </a:tc>
-                <a:tc>
-                  <a:txBody>
-                    <a:bodyPr/>
-                    <a:lstStyle/>
-                    <a:p>
-                      <a:r>
-                        <a:rPr lang="en-US" sz="1200" dirty="0" smtClean="0">
-                          <a:solidFill>
-                            <a:schemeClr val="tx1"/>
-                          </a:solidFill>
-                        </a:rPr>
-                        <a:t>Mammals</a:t>
-                      </a:r>
-                      <a:endParaRPr lang="en-US" sz="1200" dirty="0">
-                        <a:solidFill>
-                          <a:schemeClr val="tx1"/>
-                        </a:solidFill>
-                      </a:endParaRPr>
-                    </a:p>
-                  </a:txBody>
-                  <a:tcPr>
-                    <a:lnL w="12700" cap="flat" cmpd="sng" algn="ctr">
-                      <a:solidFill>
-                        <a:schemeClr val="tx1"/>
-                      </a:solidFill>
-                      <a:prstDash val="solid"/>
-                      <a:round/>
-                      <a:headEnd type="none" w="med" len="med"/>
-                      <a:tailEnd type="none" w="med" len="med"/>
-                    </a:lnL>
-                    <a:lnR w="12700" cap="flat" cmpd="sng" algn="ctr">
-                      <a:solidFill>
-                        <a:schemeClr val="tx1"/>
-                      </a:solidFill>
-                      <a:prstDash val="solid"/>
-                      <a:round/>
-                      <a:headEnd type="none" w="med" len="med"/>
-                      <a:tailEnd type="none" w="med" len="med"/>
-                    </a:lnR>
-                    <a:lnT w="12700" cap="flat" cmpd="sng" algn="ctr">
-                      <a:solidFill>
-                        <a:schemeClr val="tx1"/>
-                      </a:solidFill>
-                      <a:prstDash val="solid"/>
-                      <a:round/>
-                      <a:headEnd type="none" w="med" len="med"/>
-                      <a:tailEnd type="none" w="med" len="med"/>
-                    </a:lnT>
-                    <a:lnB w="12700" cap="flat" cmpd="sng" algn="ctr">
-                      <a:solidFill>
-                        <a:schemeClr val="tx1"/>
-                      </a:solidFill>
-                      <a:prstDash val="solid"/>
-                      <a:round/>
-                      <a:headEnd type="none" w="med" len="med"/>
-                      <a:tailEnd type="none" w="med" len="med"/>
-                    </a:lnB>
-                    <a:noFill/>
-                  </a:tcPr>
-                </a:tc>
-                <a:tc>
-                  <a:txBody>
-                    <a:bodyPr/>
-                    <a:lstStyle/>
-                    <a:p>
-                      <a:endParaRPr lang="en-US" sz="1200"/>
-                    </a:p>
-                  </a:txBody>
-                  <a:tcPr>
-                    <a:lnL w="12700" cap="flat" cmpd="sng" algn="ctr">
-                      <a:solidFill>
-                        <a:schemeClr val="tx1"/>
-                      </a:solidFill>
-                      <a:prstDash val="solid"/>
-                      <a:round/>
-                      <a:headEnd type="none" w="med" len="med"/>
-                      <a:tailEnd type="none" w="med" len="med"/>
-                    </a:lnL>
-                    <a:lnR w="12700" cap="flat" cmpd="sng" algn="ctr">
-                      <a:solidFill>
-                        <a:schemeClr val="tx1"/>
-                      </a:solidFill>
-                      <a:prstDash val="solid"/>
-                      <a:round/>
-                      <a:headEnd type="none" w="med" len="med"/>
-                      <a:tailEnd type="none" w="med" len="med"/>
-                    </a:lnR>
-                    <a:lnT w="12700" cap="flat" cmpd="sng" algn="ctr">
-                      <a:solidFill>
-                        <a:schemeClr val="tx1"/>
-                      </a:solidFill>
-                      <a:prstDash val="solid"/>
-                      <a:round/>
-                      <a:headEnd type="none" w="med" len="med"/>
-                      <a:tailEnd type="none" w="med" len="med"/>
-                    </a:lnT>
-                    <a:lnB w="12700" cap="flat" cmpd="sng" algn="ctr">
-                      <a:solidFill>
-                        <a:schemeClr val="tx1"/>
-                      </a:solidFill>
-                      <a:prstDash val="solid"/>
-                      <a:round/>
-                      <a:headEnd type="none" w="med" len="med"/>
-                      <a:tailEnd type="none" w="med" len="med"/>
-                    </a:lnB>
-                    <a:noFill/>
-                  </a:tcPr>
-                </a:tc>
-                <a:tc>
-                  <a:txBody>
-                    <a:bodyPr/>
-                    <a:lstStyle/>
-                    <a:p>
-                      <a:r>
-                        <a:rPr lang="en-US" sz="1200" dirty="0" smtClean="0"/>
-                        <a:t>Plankton</a:t>
-                      </a:r>
-                      <a:endParaRPr lang="en-US" sz="1200" dirty="0"/>
-                    </a:p>
-                  </a:txBody>
-                  <a:tcPr>
-                    <a:lnL w="12700" cap="flat" cmpd="sng" algn="ctr">
-                      <a:solidFill>
-                        <a:schemeClr val="tx1"/>
-                      </a:solidFill>
-                      <a:prstDash val="solid"/>
-                      <a:round/>
-                      <a:headEnd type="none" w="med" len="med"/>
-                      <a:tailEnd type="none" w="med" len="med"/>
-                    </a:lnL>
-                    <a:lnR w="12700" cap="flat" cmpd="sng" algn="ctr">
-                      <a:solidFill>
-                        <a:schemeClr val="tx1"/>
-                      </a:solidFill>
-                      <a:prstDash val="solid"/>
-                      <a:round/>
-                      <a:headEnd type="none" w="med" len="med"/>
-                      <a:tailEnd type="none" w="med" len="med"/>
-                    </a:lnR>
-                    <a:lnT w="12700" cap="flat" cmpd="sng" algn="ctr">
-                      <a:solidFill>
-                        <a:schemeClr val="tx1"/>
-                      </a:solidFill>
-                      <a:prstDash val="solid"/>
-                      <a:round/>
-                      <a:headEnd type="none" w="med" len="med"/>
-                      <a:tailEnd type="none" w="med" len="med"/>
-                    </a:lnT>
-                    <a:lnB w="12700" cap="flat" cmpd="sng" algn="ctr">
-                      <a:solidFill>
-                        <a:schemeClr val="tx1"/>
-                      </a:solidFill>
-                      <a:prstDash val="solid"/>
-                      <a:round/>
-                      <a:headEnd type="none" w="med" len="med"/>
-                      <a:tailEnd type="none" w="med" len="med"/>
-                    </a:lnB>
-                    <a:noFill/>
-                  </a:tcPr>
-                </a:tc>
-                <a:extLst>
-                  <a:ext uri="{0D108BD9-81ED-4DB2-BD59-A6C34878D82A}">
-                    <a16:rowId xmlns:a16="http://schemas.microsoft.com/office/drawing/2014/main" val="848586666"/>
-                  </a:ext>
-                </a:extLst>
-              </a:tr>
-              <a:tr h="334992">
-                <a:tc>
-                  <a:txBody>
-                    <a:bodyPr/>
-                    <a:lstStyle/>
-                    <a:p>
-                      <a:endParaRPr lang="en-US" dirty="0"/>
-                    </a:p>
-                  </a:txBody>
-                  <a:tcPr>
-                    <a:lnL w="12700" cap="flat" cmpd="sng" algn="ctr">
-                      <a:solidFill>
-                        <a:schemeClr val="tx1"/>
-                      </a:solidFill>
-                      <a:prstDash val="solid"/>
-                      <a:round/>
-                      <a:headEnd type="none" w="med" len="med"/>
-                      <a:tailEnd type="none" w="med" len="med"/>
-                    </a:lnL>
-                    <a:lnR w="12700" cap="flat" cmpd="sng" algn="ctr">
-                      <a:solidFill>
-                        <a:schemeClr val="tx1"/>
-                      </a:solidFill>
-                      <a:prstDash val="solid"/>
-                      <a:round/>
-                      <a:headEnd type="none" w="med" len="med"/>
-                      <a:tailEnd type="none" w="med" len="med"/>
-                    </a:lnR>
-                    <a:lnT w="12700" cap="flat" cmpd="sng" algn="ctr">
-                      <a:solidFill>
-                        <a:schemeClr val="tx1"/>
-                      </a:solidFill>
-                      <a:prstDash val="solid"/>
-                      <a:round/>
-                      <a:headEnd type="none" w="med" len="med"/>
-                      <a:tailEnd type="none" w="med" len="med"/>
-                    </a:lnT>
-                    <a:lnB w="12700" cap="flat" cmpd="sng" algn="ctr">
-                      <a:solidFill>
-                        <a:schemeClr val="tx1"/>
-                      </a:solidFill>
-                      <a:prstDash val="solid"/>
-                      <a:round/>
-                      <a:headEnd type="none" w="med" len="med"/>
-                      <a:tailEnd type="none" w="med" len="med"/>
-                    </a:lnB>
-                    <a:noFill/>
-                  </a:tcPr>
-                </a:tc>
-                <a:tc>
-                  <a:txBody>
-                    <a:bodyPr/>
-                    <a:lstStyle/>
-                    <a:p>
-                      <a:r>
-                        <a:rPr lang="en-US" sz="1200" dirty="0" smtClean="0">
-                          <a:solidFill>
-                            <a:schemeClr val="tx1"/>
-                          </a:solidFill>
-                        </a:rPr>
-                        <a:t>Fish</a:t>
-                      </a:r>
-                      <a:endParaRPr lang="en-US" sz="1200" dirty="0">
-                        <a:solidFill>
-                          <a:schemeClr val="tx1"/>
-                        </a:solidFill>
-                      </a:endParaRPr>
-                    </a:p>
-                  </a:txBody>
-                  <a:tcPr>
-                    <a:lnL w="12700" cap="flat" cmpd="sng" algn="ctr">
-                      <a:solidFill>
-                        <a:schemeClr val="tx1"/>
-                      </a:solidFill>
-                      <a:prstDash val="solid"/>
-                      <a:round/>
-                      <a:headEnd type="none" w="med" len="med"/>
-                      <a:tailEnd type="none" w="med" len="med"/>
-                    </a:lnL>
-                    <a:lnR w="12700" cap="flat" cmpd="sng" algn="ctr">
-                      <a:solidFill>
-                        <a:schemeClr val="tx1"/>
-                      </a:solidFill>
-                      <a:prstDash val="solid"/>
-                      <a:round/>
-                      <a:headEnd type="none" w="med" len="med"/>
-                      <a:tailEnd type="none" w="med" len="med"/>
-                    </a:lnR>
-                    <a:lnT w="12700" cap="flat" cmpd="sng" algn="ctr">
-                      <a:solidFill>
-                        <a:schemeClr val="tx1"/>
-                      </a:solidFill>
-                      <a:prstDash val="solid"/>
-                      <a:round/>
-                      <a:headEnd type="none" w="med" len="med"/>
-                      <a:tailEnd type="none" w="med" len="med"/>
-                    </a:lnT>
-                    <a:lnB w="12700" cap="flat" cmpd="sng" algn="ctr">
-                      <a:solidFill>
-                        <a:schemeClr val="tx1"/>
-                      </a:solidFill>
-                      <a:prstDash val="solid"/>
-                      <a:round/>
-                      <a:headEnd type="none" w="med" len="med"/>
-                      <a:tailEnd type="none" w="med" len="med"/>
-                    </a:lnB>
-                    <a:noFill/>
-                  </a:tcPr>
-                </a:tc>
-                <a:tc>
-                  <a:txBody>
-                    <a:bodyPr/>
-                    <a:lstStyle/>
-                    <a:p>
-                      <a:endParaRPr lang="en-US" sz="1200"/>
-                    </a:p>
-                  </a:txBody>
-                  <a:tcPr>
-                    <a:lnL w="12700" cap="flat" cmpd="sng" algn="ctr">
-                      <a:solidFill>
-                        <a:schemeClr val="tx1"/>
-                      </a:solidFill>
-                      <a:prstDash val="solid"/>
-                      <a:round/>
-                      <a:headEnd type="none" w="med" len="med"/>
-                      <a:tailEnd type="none" w="med" len="med"/>
-                    </a:lnL>
-                    <a:lnR w="12700" cap="flat" cmpd="sng" algn="ctr">
-                      <a:solidFill>
-                        <a:schemeClr val="tx1"/>
-                      </a:solidFill>
-                      <a:prstDash val="solid"/>
-                      <a:round/>
-                      <a:headEnd type="none" w="med" len="med"/>
-                      <a:tailEnd type="none" w="med" len="med"/>
-                    </a:lnR>
-                    <a:lnT w="12700" cap="flat" cmpd="sng" algn="ctr">
-                      <a:solidFill>
-                        <a:schemeClr val="tx1"/>
-                      </a:solidFill>
-                      <a:prstDash val="solid"/>
-                      <a:round/>
-                      <a:headEnd type="none" w="med" len="med"/>
-                      <a:tailEnd type="none" w="med" len="med"/>
-                    </a:lnT>
-                    <a:lnB w="12700" cap="flat" cmpd="sng" algn="ctr">
-                      <a:solidFill>
-                        <a:schemeClr val="tx1"/>
-                      </a:solidFill>
-                      <a:prstDash val="solid"/>
-                      <a:round/>
-                      <a:headEnd type="none" w="med" len="med"/>
-                      <a:tailEnd type="none" w="med" len="med"/>
-                    </a:lnB>
-                    <a:noFill/>
-                  </a:tcPr>
-                </a:tc>
-                <a:tc>
-                  <a:txBody>
-                    <a:bodyPr/>
-                    <a:lstStyle/>
-                    <a:p>
-                      <a:endParaRPr lang="en-US" sz="1200" dirty="0"/>
-                    </a:p>
-                  </a:txBody>
-                  <a:tcPr>
-                    <a:lnL w="12700" cap="flat" cmpd="sng" algn="ctr">
-                      <a:solidFill>
-                        <a:schemeClr val="tx1"/>
-                      </a:solidFill>
-                      <a:prstDash val="solid"/>
-                      <a:round/>
-                      <a:headEnd type="none" w="med" len="med"/>
-                      <a:tailEnd type="none" w="med" len="med"/>
-                    </a:lnL>
-                    <a:lnR w="12700" cap="flat" cmpd="sng" algn="ctr">
-                      <a:solidFill>
-                        <a:schemeClr val="tx1"/>
-                      </a:solidFill>
-                      <a:prstDash val="solid"/>
-                      <a:round/>
-                      <a:headEnd type="none" w="med" len="med"/>
-                      <a:tailEnd type="none" w="med" len="med"/>
-                    </a:lnR>
-                    <a:lnT w="12700" cap="flat" cmpd="sng" algn="ctr">
-                      <a:solidFill>
-                        <a:schemeClr val="tx1"/>
-                      </a:solidFill>
-                      <a:prstDash val="solid"/>
-                      <a:round/>
-                      <a:headEnd type="none" w="med" len="med"/>
-                      <a:tailEnd type="none" w="med" len="med"/>
-                    </a:lnT>
-                    <a:lnB w="12700" cap="flat" cmpd="sng" algn="ctr">
-                      <a:solidFill>
-                        <a:schemeClr val="tx1"/>
-                      </a:solidFill>
-                      <a:prstDash val="solid"/>
-                      <a:round/>
-                      <a:headEnd type="none" w="med" len="med"/>
-                      <a:tailEnd type="none" w="med" len="med"/>
-                    </a:lnB>
-                    <a:noFill/>
-                  </a:tcPr>
-                </a:tc>
-                <a:extLst>
-                  <a:ext uri="{0D108BD9-81ED-4DB2-BD59-A6C34878D82A}">
-                    <a16:rowId xmlns:a16="http://schemas.microsoft.com/office/drawing/2014/main" val="366495031"/>
-                  </a:ext>
-                </a:extLst>
-              </a:tr>
-            </a:tbl>
-          </a:graphicData>
-        </a:graphic>
-      </p:graphicFrame>
       <p:sp>
         <p:nvSpPr>
           <p:cNvPr id="2" name="TextBox 1"/>
@@ -11276,21 +9921,21 @@
       </p:sp>
       <p:grpSp>
         <p:nvGrpSpPr>
-          <p:cNvPr id="5" name="Group 4"/>
+          <p:cNvPr id="7" name="Group 6"/>
           <p:cNvGrpSpPr/>
           <p:nvPr/>
         </p:nvGrpSpPr>
         <p:grpSpPr>
           <a:xfrm>
-            <a:off x="2449286" y="1580125"/>
-            <a:ext cx="6172200" cy="5277875"/>
-            <a:chOff x="1173289" y="0"/>
-            <a:chExt cx="8655352" cy="6864325"/>
+            <a:off x="2413340" y="1423086"/>
+            <a:ext cx="6302027" cy="4872260"/>
+            <a:chOff x="2296213" y="1592590"/>
+            <a:chExt cx="6302027" cy="4872260"/>
           </a:xfrm>
         </p:grpSpPr>
         <p:pic>
           <p:nvPicPr>
-            <p:cNvPr id="4" name="Picture 3"/>
+            <p:cNvPr id="3" name="Picture 2"/>
             <p:cNvPicPr>
               <a:picLocks noChangeAspect="1"/>
             </p:cNvPicPr>
@@ -11304,8 +9949,8 @@
           </p:blipFill>
           <p:spPr>
             <a:xfrm>
-              <a:off x="1173289" y="0"/>
-              <a:ext cx="8655352" cy="6864325"/>
+              <a:off x="2296213" y="1592590"/>
+              <a:ext cx="6302027" cy="4697267"/>
             </a:xfrm>
             <a:prstGeom prst="rect">
               <a:avLst/>
@@ -11314,160 +9959,199 @@
         </p:pic>
         <p:grpSp>
           <p:nvGrpSpPr>
-            <p:cNvPr id="40" name="Group 39"/>
+            <p:cNvPr id="6" name="Group 5"/>
             <p:cNvGrpSpPr/>
             <p:nvPr/>
           </p:nvGrpSpPr>
           <p:grpSpPr>
             <a:xfrm>
-              <a:off x="1955798" y="4009611"/>
-              <a:ext cx="3255436" cy="375380"/>
-              <a:chOff x="2721075" y="6066646"/>
-              <a:chExt cx="2738999" cy="243895"/>
+              <a:off x="2900512" y="2800272"/>
+              <a:ext cx="5537372" cy="3664578"/>
+              <a:chOff x="2900512" y="2800272"/>
+              <a:chExt cx="5537372" cy="3664578"/>
             </a:xfrm>
           </p:grpSpPr>
           <p:grpSp>
             <p:nvGrpSpPr>
-              <p:cNvPr id="52" name="Group 51"/>
+              <p:cNvPr id="40" name="Group 39"/>
               <p:cNvGrpSpPr/>
               <p:nvPr/>
             </p:nvGrpSpPr>
             <p:grpSpPr>
               <a:xfrm>
-                <a:off x="2721075" y="6066646"/>
-                <a:ext cx="2738999" cy="243895"/>
+                <a:off x="2903357" y="4533692"/>
+                <a:ext cx="2321477" cy="288624"/>
                 <a:chOff x="2721075" y="6066646"/>
                 <a:chExt cx="2738999" cy="243895"/>
               </a:xfrm>
             </p:grpSpPr>
             <p:grpSp>
               <p:nvGrpSpPr>
-                <p:cNvPr id="55" name="Group 54"/>
+                <p:cNvPr id="52" name="Group 51"/>
                 <p:cNvGrpSpPr/>
                 <p:nvPr/>
               </p:nvGrpSpPr>
               <p:grpSpPr>
                 <a:xfrm>
-                  <a:off x="2721075" y="6083191"/>
-                  <a:ext cx="2738999" cy="227350"/>
-                  <a:chOff x="2887074" y="6083191"/>
-                  <a:chExt cx="2738999" cy="227350"/>
+                  <a:off x="2721075" y="6066646"/>
+                  <a:ext cx="2738999" cy="243895"/>
+                  <a:chOff x="2721075" y="6066646"/>
+                  <a:chExt cx="2738999" cy="243895"/>
                 </a:xfrm>
               </p:grpSpPr>
+              <p:grpSp>
+                <p:nvGrpSpPr>
+                  <p:cNvPr id="55" name="Group 54"/>
+                  <p:cNvGrpSpPr/>
+                  <p:nvPr/>
+                </p:nvGrpSpPr>
+                <p:grpSpPr>
+                  <a:xfrm>
+                    <a:off x="2721075" y="6083191"/>
+                    <a:ext cx="2738999" cy="227350"/>
+                    <a:chOff x="2887074" y="6083191"/>
+                    <a:chExt cx="2738999" cy="227350"/>
+                  </a:xfrm>
+                </p:grpSpPr>
+                <p:pic>
+                  <p:nvPicPr>
+                    <p:cNvPr id="57" name="Picture 56"/>
+                    <p:cNvPicPr>
+                      <a:picLocks noChangeAspect="1"/>
+                    </p:cNvPicPr>
+                    <p:nvPr/>
+                  </p:nvPicPr>
+                  <p:blipFill>
+                    <a:blip r:embed="rId4" cstate="print">
+                      <a:extLst>
+                        <a:ext uri="{28A0092B-C50C-407E-A947-70E740481C1C}">
+                          <a14:useLocalDpi xmlns:a14="http://schemas.microsoft.com/office/drawing/2010/main" val="0"/>
+                        </a:ext>
+                      </a:extLst>
+                    </a:blip>
+                    <a:stretch>
+                      <a:fillRect/>
+                    </a:stretch>
+                  </p:blipFill>
+                  <p:spPr>
+                    <a:xfrm>
+                      <a:off x="4079269" y="6103833"/>
+                      <a:ext cx="325640" cy="161565"/>
+                    </a:xfrm>
+                    <a:prstGeom prst="rect">
+                      <a:avLst/>
+                    </a:prstGeom>
+                  </p:spPr>
+                </p:pic>
+                <p:pic>
+                  <p:nvPicPr>
+                    <p:cNvPr id="58" name="Picture 57"/>
+                    <p:cNvPicPr>
+                      <a:picLocks noChangeAspect="1"/>
+                    </p:cNvPicPr>
+                    <p:nvPr/>
+                  </p:nvPicPr>
+                  <p:blipFill>
+                    <a:blip r:embed="rId5" cstate="print">
+                      <a:extLst>
+                        <a:ext uri="{28A0092B-C50C-407E-A947-70E740481C1C}">
+                          <a14:useLocalDpi xmlns:a14="http://schemas.microsoft.com/office/drawing/2010/main" val="0"/>
+                        </a:ext>
+                      </a:extLst>
+                    </a:blip>
+                    <a:stretch>
+                      <a:fillRect/>
+                    </a:stretch>
+                  </p:blipFill>
+                  <p:spPr>
+                    <a:xfrm>
+                      <a:off x="5345440" y="6084945"/>
+                      <a:ext cx="280633" cy="225596"/>
+                    </a:xfrm>
+                    <a:prstGeom prst="rect">
+                      <a:avLst/>
+                    </a:prstGeom>
+                  </p:spPr>
+                </p:pic>
+                <p:pic>
+                  <p:nvPicPr>
+                    <p:cNvPr id="59" name="Picture 58"/>
+                    <p:cNvPicPr>
+                      <a:picLocks noChangeAspect="1"/>
+                    </p:cNvPicPr>
+                    <p:nvPr/>
+                  </p:nvPicPr>
+                  <p:blipFill>
+                    <a:blip r:embed="rId6" cstate="print">
+                      <a:extLst>
+                        <a:ext uri="{28A0092B-C50C-407E-A947-70E740481C1C}">
+                          <a14:useLocalDpi xmlns:a14="http://schemas.microsoft.com/office/drawing/2010/main" val="0"/>
+                        </a:ext>
+                      </a:extLst>
+                    </a:blip>
+                    <a:stretch>
+                      <a:fillRect/>
+                    </a:stretch>
+                  </p:blipFill>
+                  <p:spPr>
+                    <a:xfrm>
+                      <a:off x="4515280" y="6084945"/>
+                      <a:ext cx="274386" cy="225596"/>
+                    </a:xfrm>
+                    <a:prstGeom prst="rect">
+                      <a:avLst/>
+                    </a:prstGeom>
+                  </p:spPr>
+                </p:pic>
+                <p:pic>
+                  <p:nvPicPr>
+                    <p:cNvPr id="60" name="Picture 59"/>
+                    <p:cNvPicPr>
+                      <a:picLocks noChangeAspect="1"/>
+                    </p:cNvPicPr>
+                    <p:nvPr/>
+                  </p:nvPicPr>
+                  <p:blipFill>
+                    <a:blip r:embed="rId7" cstate="print">
+                      <a:extLst>
+                        <a:ext uri="{28A0092B-C50C-407E-A947-70E740481C1C}">
+                          <a14:useLocalDpi xmlns:a14="http://schemas.microsoft.com/office/drawing/2010/main" val="0"/>
+                        </a:ext>
+                      </a:extLst>
+                    </a:blip>
+                    <a:stretch>
+                      <a:fillRect/>
+                    </a:stretch>
+                  </p:blipFill>
+                  <p:spPr>
+                    <a:xfrm flipH="1">
+                      <a:off x="2887074" y="6083191"/>
+                      <a:ext cx="255789" cy="218495"/>
+                    </a:xfrm>
+                    <a:prstGeom prst="rect">
+                      <a:avLst/>
+                    </a:prstGeom>
+                  </p:spPr>
+                </p:pic>
+              </p:grpSp>
               <p:pic>
                 <p:nvPicPr>
-                  <p:cNvPr id="57" name="Picture 56"/>
+                  <p:cNvPr id="56" name="Picture 55"/>
                   <p:cNvPicPr>
                     <a:picLocks noChangeAspect="1"/>
                   </p:cNvPicPr>
                   <p:nvPr/>
                 </p:nvPicPr>
                 <p:blipFill>
-                  <a:blip r:embed="rId4" cstate="print">
-                    <a:extLst>
-                      <a:ext uri="{28A0092B-C50C-407E-A947-70E740481C1C}">
-                        <a14:useLocalDpi xmlns:a14="http://schemas.microsoft.com/office/drawing/2010/main" val="0"/>
-                      </a:ext>
-                    </a:extLst>
-                  </a:blip>
+                  <a:blip r:embed="rId8"/>
                   <a:stretch>
                     <a:fillRect/>
                   </a:stretch>
                 </p:blipFill>
                 <p:spPr>
                   <a:xfrm>
-                    <a:off x="4079269" y="6103833"/>
-                    <a:ext cx="325640" cy="161565"/>
-                  </a:xfrm>
-                  <a:prstGeom prst="rect">
-                    <a:avLst/>
-                  </a:prstGeom>
-                </p:spPr>
-              </p:pic>
-              <p:pic>
-                <p:nvPicPr>
-                  <p:cNvPr id="58" name="Picture 57"/>
-                  <p:cNvPicPr>
-                    <a:picLocks noChangeAspect="1"/>
-                  </p:cNvPicPr>
-                  <p:nvPr/>
-                </p:nvPicPr>
-                <p:blipFill>
-                  <a:blip r:embed="rId5" cstate="print">
-                    <a:extLst>
-                      <a:ext uri="{28A0092B-C50C-407E-A947-70E740481C1C}">
-                        <a14:useLocalDpi xmlns:a14="http://schemas.microsoft.com/office/drawing/2010/main" val="0"/>
-                      </a:ext>
-                    </a:extLst>
-                  </a:blip>
-                  <a:stretch>
-                    <a:fillRect/>
-                  </a:stretch>
-                </p:blipFill>
-                <p:spPr>
-                  <a:xfrm>
-                    <a:off x="5345440" y="6084945"/>
-                    <a:ext cx="280633" cy="225596"/>
-                  </a:xfrm>
-                  <a:prstGeom prst="rect">
-                    <a:avLst/>
-                  </a:prstGeom>
-                </p:spPr>
-              </p:pic>
-              <p:pic>
-                <p:nvPicPr>
-                  <p:cNvPr id="59" name="Picture 58"/>
-                  <p:cNvPicPr>
-                    <a:picLocks noChangeAspect="1"/>
-                  </p:cNvPicPr>
-                  <p:nvPr/>
-                </p:nvPicPr>
-                <p:blipFill>
-                  <a:blip r:embed="rId6" cstate="print">
-                    <a:extLst>
-                      <a:ext uri="{28A0092B-C50C-407E-A947-70E740481C1C}">
-                        <a14:useLocalDpi xmlns:a14="http://schemas.microsoft.com/office/drawing/2010/main" val="0"/>
-                      </a:ext>
-                    </a:extLst>
-                  </a:blip>
-                  <a:stretch>
-                    <a:fillRect/>
-                  </a:stretch>
-                </p:blipFill>
-                <p:spPr>
-                  <a:xfrm>
-                    <a:off x="4515280" y="6084945"/>
-                    <a:ext cx="274386" cy="225596"/>
-                  </a:xfrm>
-                  <a:prstGeom prst="rect">
-                    <a:avLst/>
-                  </a:prstGeom>
-                </p:spPr>
-              </p:pic>
-              <p:pic>
-                <p:nvPicPr>
-                  <p:cNvPr id="60" name="Picture 59"/>
-                  <p:cNvPicPr>
-                    <a:picLocks noChangeAspect="1"/>
-                  </p:cNvPicPr>
-                  <p:nvPr/>
-                </p:nvPicPr>
-                <p:blipFill>
-                  <a:blip r:embed="rId7" cstate="print">
-                    <a:extLst>
-                      <a:ext uri="{28A0092B-C50C-407E-A947-70E740481C1C}">
-                        <a14:useLocalDpi xmlns:a14="http://schemas.microsoft.com/office/drawing/2010/main" val="0"/>
-                      </a:ext>
-                    </a:extLst>
-                  </a:blip>
-                  <a:stretch>
-                    <a:fillRect/>
-                  </a:stretch>
-                </p:blipFill>
-                <p:spPr>
-                  <a:xfrm flipH="1">
-                    <a:off x="2887074" y="6083191"/>
-                    <a:ext cx="255789" cy="218495"/>
+                    <a:off x="4734039" y="6066646"/>
+                    <a:ext cx="302061" cy="235941"/>
                   </a:xfrm>
                   <a:prstGeom prst="rect">
                     <a:avLst/>
@@ -11477,22 +10161,46 @@
             </p:grpSp>
             <p:pic>
               <p:nvPicPr>
-                <p:cNvPr id="56" name="Picture 55"/>
+                <p:cNvPr id="53" name="Picture 52"/>
                 <p:cNvPicPr>
                   <a:picLocks noChangeAspect="1"/>
                 </p:cNvPicPr>
                 <p:nvPr/>
               </p:nvPicPr>
               <p:blipFill>
-                <a:blip r:embed="rId8"/>
+                <a:blip r:embed="rId9"/>
                 <a:stretch>
                   <a:fillRect/>
                 </a:stretch>
               </p:blipFill>
               <p:spPr>
                 <a:xfrm>
-                  <a:off x="4734039" y="6066646"/>
-                  <a:ext cx="302061" cy="235941"/>
+                  <a:off x="3506696" y="6098817"/>
+                  <a:ext cx="334903" cy="198223"/>
+                </a:xfrm>
+                <a:prstGeom prst="rect">
+                  <a:avLst/>
+                </a:prstGeom>
+              </p:spPr>
+            </p:pic>
+            <p:pic>
+              <p:nvPicPr>
+                <p:cNvPr id="54" name="Picture 53"/>
+                <p:cNvPicPr>
+                  <a:picLocks noChangeAspect="1"/>
+                </p:cNvPicPr>
+                <p:nvPr/>
+              </p:nvPicPr>
+              <p:blipFill>
+                <a:blip r:embed="rId10"/>
+                <a:stretch>
+                  <a:fillRect/>
+                </a:stretch>
+              </p:blipFill>
+              <p:spPr>
+                <a:xfrm>
+                  <a:off x="3107726" y="6098817"/>
+                  <a:ext cx="327300" cy="196986"/>
                 </a:xfrm>
                 <a:prstGeom prst="rect">
                   <a:avLst/>
@@ -11500,385 +10208,361 @@
               </p:spPr>
             </p:pic>
           </p:grpSp>
-          <p:pic>
-            <p:nvPicPr>
-              <p:cNvPr id="53" name="Picture 52"/>
-              <p:cNvPicPr>
-                <a:picLocks noChangeAspect="1"/>
-              </p:cNvPicPr>
-              <p:nvPr/>
-            </p:nvPicPr>
-            <p:blipFill>
-              <a:blip r:embed="rId9"/>
-              <a:stretch>
-                <a:fillRect/>
-              </a:stretch>
-            </p:blipFill>
-            <p:spPr>
-              <a:xfrm>
-                <a:off x="3506696" y="6098817"/>
-                <a:ext cx="334903" cy="198223"/>
-              </a:xfrm>
-              <a:prstGeom prst="rect">
-                <a:avLst/>
-              </a:prstGeom>
-            </p:spPr>
-          </p:pic>
-          <p:pic>
-            <p:nvPicPr>
-              <p:cNvPr id="54" name="Picture 53"/>
-              <p:cNvPicPr>
-                <a:picLocks noChangeAspect="1"/>
-              </p:cNvPicPr>
-              <p:nvPr/>
-            </p:nvPicPr>
-            <p:blipFill>
-              <a:blip r:embed="rId10"/>
-              <a:stretch>
-                <a:fillRect/>
-              </a:stretch>
-            </p:blipFill>
-            <p:spPr>
-              <a:xfrm>
-                <a:off x="3107726" y="6098817"/>
-                <a:ext cx="327300" cy="196986"/>
-              </a:xfrm>
-              <a:prstGeom prst="rect">
-                <a:avLst/>
-              </a:prstGeom>
-            </p:spPr>
-          </p:pic>
-        </p:grpSp>
-        <p:grpSp>
-          <p:nvGrpSpPr>
-            <p:cNvPr id="8" name="Group 7"/>
-            <p:cNvGrpSpPr/>
-            <p:nvPr/>
-          </p:nvGrpSpPr>
-          <p:grpSpPr>
-            <a:xfrm>
-              <a:off x="2066372" y="1693067"/>
-              <a:ext cx="3063411" cy="422147"/>
-              <a:chOff x="2066372" y="1693067"/>
-              <a:chExt cx="3063411" cy="422147"/>
-            </a:xfrm>
-          </p:grpSpPr>
-          <p:pic>
-            <p:nvPicPr>
-              <p:cNvPr id="64" name="Picture 63"/>
-              <p:cNvPicPr>
-                <a:picLocks noChangeAspect="1"/>
-              </p:cNvPicPr>
-              <p:nvPr/>
-            </p:nvPicPr>
-            <p:blipFill>
-              <a:blip r:embed="rId11"/>
-              <a:stretch>
-                <a:fillRect/>
-              </a:stretch>
-            </p:blipFill>
-            <p:spPr>
-              <a:xfrm>
-                <a:off x="2066372" y="1693067"/>
-                <a:ext cx="655912" cy="396304"/>
-              </a:xfrm>
-              <a:prstGeom prst="rect">
-                <a:avLst/>
-              </a:prstGeom>
-            </p:spPr>
-          </p:pic>
-          <p:pic>
-            <p:nvPicPr>
-              <p:cNvPr id="66" name="Picture 65"/>
-              <p:cNvPicPr>
-                <a:picLocks noChangeAspect="1"/>
-              </p:cNvPicPr>
-              <p:nvPr/>
-            </p:nvPicPr>
-            <p:blipFill>
-              <a:blip r:embed="rId12"/>
-              <a:stretch>
-                <a:fillRect/>
-              </a:stretch>
-            </p:blipFill>
-            <p:spPr>
-              <a:xfrm>
-                <a:off x="4401304" y="1744278"/>
-                <a:ext cx="728479" cy="293882"/>
-              </a:xfrm>
-              <a:prstGeom prst="rect">
-                <a:avLst/>
-              </a:prstGeom>
-            </p:spPr>
-          </p:pic>
-          <p:pic>
-            <p:nvPicPr>
-              <p:cNvPr id="67" name="Picture 66"/>
-              <p:cNvPicPr>
-                <a:picLocks noChangeAspect="1"/>
-              </p:cNvPicPr>
-              <p:nvPr/>
-            </p:nvPicPr>
-            <p:blipFill>
-              <a:blip r:embed="rId13"/>
-              <a:stretch>
-                <a:fillRect/>
-              </a:stretch>
-            </p:blipFill>
-            <p:spPr>
-              <a:xfrm>
-                <a:off x="3263114" y="1706270"/>
-                <a:ext cx="640805" cy="408944"/>
-              </a:xfrm>
-              <a:prstGeom prst="rect">
-                <a:avLst/>
-              </a:prstGeom>
-            </p:spPr>
-          </p:pic>
-        </p:grpSp>
-        <p:grpSp>
-          <p:nvGrpSpPr>
-            <p:cNvPr id="68" name="Group 67"/>
-            <p:cNvGrpSpPr/>
-            <p:nvPr/>
-          </p:nvGrpSpPr>
-          <p:grpSpPr>
-            <a:xfrm>
-              <a:off x="6434156" y="1706270"/>
-              <a:ext cx="3063411" cy="422147"/>
-              <a:chOff x="2066372" y="1693067"/>
-              <a:chExt cx="3063411" cy="422147"/>
-            </a:xfrm>
-          </p:grpSpPr>
-          <p:pic>
-            <p:nvPicPr>
-              <p:cNvPr id="69" name="Picture 68"/>
-              <p:cNvPicPr>
-                <a:picLocks noChangeAspect="1"/>
-              </p:cNvPicPr>
-              <p:nvPr/>
-            </p:nvPicPr>
-            <p:blipFill>
-              <a:blip r:embed="rId11"/>
-              <a:stretch>
-                <a:fillRect/>
-              </a:stretch>
-            </p:blipFill>
-            <p:spPr>
-              <a:xfrm>
-                <a:off x="2066372" y="1693067"/>
-                <a:ext cx="655912" cy="396304"/>
-              </a:xfrm>
-              <a:prstGeom prst="rect">
-                <a:avLst/>
-              </a:prstGeom>
-            </p:spPr>
-          </p:pic>
-          <p:pic>
-            <p:nvPicPr>
-              <p:cNvPr id="70" name="Picture 69"/>
-              <p:cNvPicPr>
-                <a:picLocks noChangeAspect="1"/>
-              </p:cNvPicPr>
-              <p:nvPr/>
-            </p:nvPicPr>
-            <p:blipFill>
-              <a:blip r:embed="rId12"/>
-              <a:stretch>
-                <a:fillRect/>
-              </a:stretch>
-            </p:blipFill>
-            <p:spPr>
-              <a:xfrm>
-                <a:off x="4401304" y="1744278"/>
-                <a:ext cx="728479" cy="293882"/>
-              </a:xfrm>
-              <a:prstGeom prst="rect">
-                <a:avLst/>
-              </a:prstGeom>
-            </p:spPr>
-          </p:pic>
-          <p:pic>
-            <p:nvPicPr>
-              <p:cNvPr id="71" name="Picture 70"/>
-              <p:cNvPicPr>
-                <a:picLocks noChangeAspect="1"/>
-              </p:cNvPicPr>
-              <p:nvPr/>
-            </p:nvPicPr>
-            <p:blipFill>
-              <a:blip r:embed="rId13"/>
-              <a:stretch>
-                <a:fillRect/>
-              </a:stretch>
-            </p:blipFill>
-            <p:spPr>
-              <a:xfrm>
-                <a:off x="3263114" y="1706270"/>
-                <a:ext cx="640805" cy="408944"/>
-              </a:xfrm>
-              <a:prstGeom prst="rect">
-                <a:avLst/>
-              </a:prstGeom>
-            </p:spPr>
-          </p:pic>
-        </p:grpSp>
-        <p:grpSp>
-          <p:nvGrpSpPr>
-            <p:cNvPr id="72" name="Group 71"/>
-            <p:cNvGrpSpPr/>
-            <p:nvPr/>
-          </p:nvGrpSpPr>
-          <p:grpSpPr>
-            <a:xfrm>
-              <a:off x="6323582" y="4059126"/>
-              <a:ext cx="3255436" cy="375380"/>
-              <a:chOff x="2721075" y="6066646"/>
-              <a:chExt cx="2738999" cy="243895"/>
-            </a:xfrm>
-          </p:grpSpPr>
           <p:grpSp>
             <p:nvGrpSpPr>
-              <p:cNvPr id="73" name="Group 72"/>
+              <p:cNvPr id="8" name="Group 7"/>
               <p:cNvGrpSpPr/>
               <p:nvPr/>
             </p:nvGrpSpPr>
             <p:grpSpPr>
               <a:xfrm>
-                <a:off x="2721075" y="6066646"/>
-                <a:ext cx="2738999" cy="243895"/>
+                <a:off x="3007299" y="2800816"/>
+                <a:ext cx="2184543" cy="324582"/>
+                <a:chOff x="2066372" y="1693067"/>
+                <a:chExt cx="3063411" cy="422147"/>
+              </a:xfrm>
+            </p:grpSpPr>
+            <p:pic>
+              <p:nvPicPr>
+                <p:cNvPr id="64" name="Picture 63"/>
+                <p:cNvPicPr>
+                  <a:picLocks noChangeAspect="1"/>
+                </p:cNvPicPr>
+                <p:nvPr/>
+              </p:nvPicPr>
+              <p:blipFill>
+                <a:blip r:embed="rId11"/>
+                <a:stretch>
+                  <a:fillRect/>
+                </a:stretch>
+              </p:blipFill>
+              <p:spPr>
+                <a:xfrm>
+                  <a:off x="2066372" y="1693067"/>
+                  <a:ext cx="655912" cy="396304"/>
+                </a:xfrm>
+                <a:prstGeom prst="rect">
+                  <a:avLst/>
+                </a:prstGeom>
+              </p:spPr>
+            </p:pic>
+            <p:pic>
+              <p:nvPicPr>
+                <p:cNvPr id="66" name="Picture 65"/>
+                <p:cNvPicPr>
+                  <a:picLocks noChangeAspect="1"/>
+                </p:cNvPicPr>
+                <p:nvPr/>
+              </p:nvPicPr>
+              <p:blipFill>
+                <a:blip r:embed="rId12"/>
+                <a:stretch>
+                  <a:fillRect/>
+                </a:stretch>
+              </p:blipFill>
+              <p:spPr>
+                <a:xfrm>
+                  <a:off x="4401304" y="1744278"/>
+                  <a:ext cx="728479" cy="293882"/>
+                </a:xfrm>
+                <a:prstGeom prst="rect">
+                  <a:avLst/>
+                </a:prstGeom>
+              </p:spPr>
+            </p:pic>
+            <p:pic>
+              <p:nvPicPr>
+                <p:cNvPr id="67" name="Picture 66"/>
+                <p:cNvPicPr>
+                  <a:picLocks noChangeAspect="1"/>
+                </p:cNvPicPr>
+                <p:nvPr/>
+              </p:nvPicPr>
+              <p:blipFill>
+                <a:blip r:embed="rId13"/>
+                <a:stretch>
+                  <a:fillRect/>
+                </a:stretch>
+              </p:blipFill>
+              <p:spPr>
+                <a:xfrm>
+                  <a:off x="3263114" y="1706270"/>
+                  <a:ext cx="640805" cy="408944"/>
+                </a:xfrm>
+                <a:prstGeom prst="rect">
+                  <a:avLst/>
+                </a:prstGeom>
+              </p:spPr>
+            </p:pic>
+          </p:grpSp>
+          <p:grpSp>
+            <p:nvGrpSpPr>
+              <p:cNvPr id="68" name="Group 67"/>
+              <p:cNvGrpSpPr/>
+              <p:nvPr/>
+            </p:nvGrpSpPr>
+            <p:grpSpPr>
+              <a:xfrm>
+                <a:off x="6178191" y="2800272"/>
+                <a:ext cx="2184543" cy="324582"/>
+                <a:chOff x="2066372" y="1693067"/>
+                <a:chExt cx="3063411" cy="422147"/>
+              </a:xfrm>
+            </p:grpSpPr>
+            <p:pic>
+              <p:nvPicPr>
+                <p:cNvPr id="69" name="Picture 68"/>
+                <p:cNvPicPr>
+                  <a:picLocks noChangeAspect="1"/>
+                </p:cNvPicPr>
+                <p:nvPr/>
+              </p:nvPicPr>
+              <p:blipFill>
+                <a:blip r:embed="rId11"/>
+                <a:stretch>
+                  <a:fillRect/>
+                </a:stretch>
+              </p:blipFill>
+              <p:spPr>
+                <a:xfrm>
+                  <a:off x="2066372" y="1693067"/>
+                  <a:ext cx="655912" cy="396304"/>
+                </a:xfrm>
+                <a:prstGeom prst="rect">
+                  <a:avLst/>
+                </a:prstGeom>
+              </p:spPr>
+            </p:pic>
+            <p:pic>
+              <p:nvPicPr>
+                <p:cNvPr id="70" name="Picture 69"/>
+                <p:cNvPicPr>
+                  <a:picLocks noChangeAspect="1"/>
+                </p:cNvPicPr>
+                <p:nvPr/>
+              </p:nvPicPr>
+              <p:blipFill>
+                <a:blip r:embed="rId12"/>
+                <a:stretch>
+                  <a:fillRect/>
+                </a:stretch>
+              </p:blipFill>
+              <p:spPr>
+                <a:xfrm>
+                  <a:off x="4401304" y="1744278"/>
+                  <a:ext cx="728479" cy="293882"/>
+                </a:xfrm>
+                <a:prstGeom prst="rect">
+                  <a:avLst/>
+                </a:prstGeom>
+              </p:spPr>
+            </p:pic>
+            <p:pic>
+              <p:nvPicPr>
+                <p:cNvPr id="71" name="Picture 70"/>
+                <p:cNvPicPr>
+                  <a:picLocks noChangeAspect="1"/>
+                </p:cNvPicPr>
+                <p:nvPr/>
+              </p:nvPicPr>
+              <p:blipFill>
+                <a:blip r:embed="rId13"/>
+                <a:stretch>
+                  <a:fillRect/>
+                </a:stretch>
+              </p:blipFill>
+              <p:spPr>
+                <a:xfrm>
+                  <a:off x="3263114" y="1706270"/>
+                  <a:ext cx="640805" cy="408944"/>
+                </a:xfrm>
+                <a:prstGeom prst="rect">
+                  <a:avLst/>
+                </a:prstGeom>
+              </p:spPr>
+            </p:pic>
+          </p:grpSp>
+          <p:grpSp>
+            <p:nvGrpSpPr>
+              <p:cNvPr id="72" name="Group 71"/>
+              <p:cNvGrpSpPr/>
+              <p:nvPr/>
+            </p:nvGrpSpPr>
+            <p:grpSpPr>
+              <a:xfrm>
+                <a:off x="6096094" y="4543173"/>
+                <a:ext cx="2321477" cy="288624"/>
                 <a:chOff x="2721075" y="6066646"/>
                 <a:chExt cx="2738999" cy="243895"/>
               </a:xfrm>
             </p:grpSpPr>
             <p:grpSp>
               <p:nvGrpSpPr>
-                <p:cNvPr id="76" name="Group 75"/>
+                <p:cNvPr id="73" name="Group 72"/>
                 <p:cNvGrpSpPr/>
                 <p:nvPr/>
               </p:nvGrpSpPr>
               <p:grpSpPr>
                 <a:xfrm>
-                  <a:off x="2721075" y="6083191"/>
-                  <a:ext cx="2738999" cy="227350"/>
-                  <a:chOff x="2887074" y="6083191"/>
-                  <a:chExt cx="2738999" cy="227350"/>
+                  <a:off x="2721075" y="6066646"/>
+                  <a:ext cx="2738999" cy="243895"/>
+                  <a:chOff x="2721075" y="6066646"/>
+                  <a:chExt cx="2738999" cy="243895"/>
                 </a:xfrm>
               </p:grpSpPr>
+              <p:grpSp>
+                <p:nvGrpSpPr>
+                  <p:cNvPr id="76" name="Group 75"/>
+                  <p:cNvGrpSpPr/>
+                  <p:nvPr/>
+                </p:nvGrpSpPr>
+                <p:grpSpPr>
+                  <a:xfrm>
+                    <a:off x="2721075" y="6083191"/>
+                    <a:ext cx="2738999" cy="227350"/>
+                    <a:chOff x="2887074" y="6083191"/>
+                    <a:chExt cx="2738999" cy="227350"/>
+                  </a:xfrm>
+                </p:grpSpPr>
+                <p:pic>
+                  <p:nvPicPr>
+                    <p:cNvPr id="78" name="Picture 77"/>
+                    <p:cNvPicPr>
+                      <a:picLocks noChangeAspect="1"/>
+                    </p:cNvPicPr>
+                    <p:nvPr/>
+                  </p:nvPicPr>
+                  <p:blipFill>
+                    <a:blip r:embed="rId4" cstate="print">
+                      <a:extLst>
+                        <a:ext uri="{28A0092B-C50C-407E-A947-70E740481C1C}">
+                          <a14:useLocalDpi xmlns:a14="http://schemas.microsoft.com/office/drawing/2010/main" val="0"/>
+                        </a:ext>
+                      </a:extLst>
+                    </a:blip>
+                    <a:stretch>
+                      <a:fillRect/>
+                    </a:stretch>
+                  </p:blipFill>
+                  <p:spPr>
+                    <a:xfrm>
+                      <a:off x="4079269" y="6103833"/>
+                      <a:ext cx="325640" cy="161565"/>
+                    </a:xfrm>
+                    <a:prstGeom prst="rect">
+                      <a:avLst/>
+                    </a:prstGeom>
+                  </p:spPr>
+                </p:pic>
+                <p:pic>
+                  <p:nvPicPr>
+                    <p:cNvPr id="79" name="Picture 78"/>
+                    <p:cNvPicPr>
+                      <a:picLocks noChangeAspect="1"/>
+                    </p:cNvPicPr>
+                    <p:nvPr/>
+                  </p:nvPicPr>
+                  <p:blipFill>
+                    <a:blip r:embed="rId5" cstate="print">
+                      <a:extLst>
+                        <a:ext uri="{28A0092B-C50C-407E-A947-70E740481C1C}">
+                          <a14:useLocalDpi xmlns:a14="http://schemas.microsoft.com/office/drawing/2010/main" val="0"/>
+                        </a:ext>
+                      </a:extLst>
+                    </a:blip>
+                    <a:stretch>
+                      <a:fillRect/>
+                    </a:stretch>
+                  </p:blipFill>
+                  <p:spPr>
+                    <a:xfrm>
+                      <a:off x="5345440" y="6084945"/>
+                      <a:ext cx="280633" cy="225596"/>
+                    </a:xfrm>
+                    <a:prstGeom prst="rect">
+                      <a:avLst/>
+                    </a:prstGeom>
+                  </p:spPr>
+                </p:pic>
+                <p:pic>
+                  <p:nvPicPr>
+                    <p:cNvPr id="80" name="Picture 79"/>
+                    <p:cNvPicPr>
+                      <a:picLocks noChangeAspect="1"/>
+                    </p:cNvPicPr>
+                    <p:nvPr/>
+                  </p:nvPicPr>
+                  <p:blipFill>
+                    <a:blip r:embed="rId6" cstate="print">
+                      <a:extLst>
+                        <a:ext uri="{28A0092B-C50C-407E-A947-70E740481C1C}">
+                          <a14:useLocalDpi xmlns:a14="http://schemas.microsoft.com/office/drawing/2010/main" val="0"/>
+                        </a:ext>
+                      </a:extLst>
+                    </a:blip>
+                    <a:stretch>
+                      <a:fillRect/>
+                    </a:stretch>
+                  </p:blipFill>
+                  <p:spPr>
+                    <a:xfrm>
+                      <a:off x="4515280" y="6084945"/>
+                      <a:ext cx="274386" cy="225596"/>
+                    </a:xfrm>
+                    <a:prstGeom prst="rect">
+                      <a:avLst/>
+                    </a:prstGeom>
+                  </p:spPr>
+                </p:pic>
+                <p:pic>
+                  <p:nvPicPr>
+                    <p:cNvPr id="81" name="Picture 80"/>
+                    <p:cNvPicPr>
+                      <a:picLocks noChangeAspect="1"/>
+                    </p:cNvPicPr>
+                    <p:nvPr/>
+                  </p:nvPicPr>
+                  <p:blipFill>
+                    <a:blip r:embed="rId7" cstate="print">
+                      <a:extLst>
+                        <a:ext uri="{28A0092B-C50C-407E-A947-70E740481C1C}">
+                          <a14:useLocalDpi xmlns:a14="http://schemas.microsoft.com/office/drawing/2010/main" val="0"/>
+                        </a:ext>
+                      </a:extLst>
+                    </a:blip>
+                    <a:stretch>
+                      <a:fillRect/>
+                    </a:stretch>
+                  </p:blipFill>
+                  <p:spPr>
+                    <a:xfrm flipH="1">
+                      <a:off x="2887074" y="6083191"/>
+                      <a:ext cx="255789" cy="218495"/>
+                    </a:xfrm>
+                    <a:prstGeom prst="rect">
+                      <a:avLst/>
+                    </a:prstGeom>
+                  </p:spPr>
+                </p:pic>
+              </p:grpSp>
               <p:pic>
                 <p:nvPicPr>
-                  <p:cNvPr id="78" name="Picture 77"/>
+                  <p:cNvPr id="77" name="Picture 76"/>
                   <p:cNvPicPr>
                     <a:picLocks noChangeAspect="1"/>
                   </p:cNvPicPr>
                   <p:nvPr/>
                 </p:nvPicPr>
                 <p:blipFill>
-                  <a:blip r:embed="rId4" cstate="print">
-                    <a:extLst>
-                      <a:ext uri="{28A0092B-C50C-407E-A947-70E740481C1C}">
-                        <a14:useLocalDpi xmlns:a14="http://schemas.microsoft.com/office/drawing/2010/main" val="0"/>
-                      </a:ext>
-                    </a:extLst>
-                  </a:blip>
+                  <a:blip r:embed="rId8"/>
                   <a:stretch>
                     <a:fillRect/>
                   </a:stretch>
                 </p:blipFill>
                 <p:spPr>
                   <a:xfrm>
-                    <a:off x="4079269" y="6103833"/>
-                    <a:ext cx="325640" cy="161565"/>
-                  </a:xfrm>
-                  <a:prstGeom prst="rect">
-                    <a:avLst/>
-                  </a:prstGeom>
-                </p:spPr>
-              </p:pic>
-              <p:pic>
-                <p:nvPicPr>
-                  <p:cNvPr id="79" name="Picture 78"/>
-                  <p:cNvPicPr>
-                    <a:picLocks noChangeAspect="1"/>
-                  </p:cNvPicPr>
-                  <p:nvPr/>
-                </p:nvPicPr>
-                <p:blipFill>
-                  <a:blip r:embed="rId5" cstate="print">
-                    <a:extLst>
-                      <a:ext uri="{28A0092B-C50C-407E-A947-70E740481C1C}">
-                        <a14:useLocalDpi xmlns:a14="http://schemas.microsoft.com/office/drawing/2010/main" val="0"/>
-                      </a:ext>
-                    </a:extLst>
-                  </a:blip>
-                  <a:stretch>
-                    <a:fillRect/>
-                  </a:stretch>
-                </p:blipFill>
-                <p:spPr>
-                  <a:xfrm>
-                    <a:off x="5345440" y="6084945"/>
-                    <a:ext cx="280633" cy="225596"/>
-                  </a:xfrm>
-                  <a:prstGeom prst="rect">
-                    <a:avLst/>
-                  </a:prstGeom>
-                </p:spPr>
-              </p:pic>
-              <p:pic>
-                <p:nvPicPr>
-                  <p:cNvPr id="80" name="Picture 79"/>
-                  <p:cNvPicPr>
-                    <a:picLocks noChangeAspect="1"/>
-                  </p:cNvPicPr>
-                  <p:nvPr/>
-                </p:nvPicPr>
-                <p:blipFill>
-                  <a:blip r:embed="rId6" cstate="print">
-                    <a:extLst>
-                      <a:ext uri="{28A0092B-C50C-407E-A947-70E740481C1C}">
-                        <a14:useLocalDpi xmlns:a14="http://schemas.microsoft.com/office/drawing/2010/main" val="0"/>
-                      </a:ext>
-                    </a:extLst>
-                  </a:blip>
-                  <a:stretch>
-                    <a:fillRect/>
-                  </a:stretch>
-                </p:blipFill>
-                <p:spPr>
-                  <a:xfrm>
-                    <a:off x="4515280" y="6084945"/>
-                    <a:ext cx="274386" cy="225596"/>
-                  </a:xfrm>
-                  <a:prstGeom prst="rect">
-                    <a:avLst/>
-                  </a:prstGeom>
-                </p:spPr>
-              </p:pic>
-              <p:pic>
-                <p:nvPicPr>
-                  <p:cNvPr id="81" name="Picture 80"/>
-                  <p:cNvPicPr>
-                    <a:picLocks noChangeAspect="1"/>
-                  </p:cNvPicPr>
-                  <p:nvPr/>
-                </p:nvPicPr>
-                <p:blipFill>
-                  <a:blip r:embed="rId7" cstate="print">
-                    <a:extLst>
-                      <a:ext uri="{28A0092B-C50C-407E-A947-70E740481C1C}">
-                        <a14:useLocalDpi xmlns:a14="http://schemas.microsoft.com/office/drawing/2010/main" val="0"/>
-                      </a:ext>
-                    </a:extLst>
-                  </a:blip>
-                  <a:stretch>
-                    <a:fillRect/>
-                  </a:stretch>
-                </p:blipFill>
-                <p:spPr>
-                  <a:xfrm flipH="1">
-                    <a:off x="2887074" y="6083191"/>
-                    <a:ext cx="255789" cy="218495"/>
+                    <a:off x="4734039" y="6066646"/>
+                    <a:ext cx="302061" cy="235941"/>
                   </a:xfrm>
                   <a:prstGeom prst="rect">
                     <a:avLst/>
@@ -11888,22 +10572,46 @@
             </p:grpSp>
             <p:pic>
               <p:nvPicPr>
-                <p:cNvPr id="77" name="Picture 76"/>
+                <p:cNvPr id="74" name="Picture 73"/>
                 <p:cNvPicPr>
                   <a:picLocks noChangeAspect="1"/>
                 </p:cNvPicPr>
                 <p:nvPr/>
               </p:nvPicPr>
               <p:blipFill>
-                <a:blip r:embed="rId8"/>
+                <a:blip r:embed="rId9"/>
                 <a:stretch>
                   <a:fillRect/>
                 </a:stretch>
               </p:blipFill>
               <p:spPr>
                 <a:xfrm>
-                  <a:off x="4734039" y="6066646"/>
-                  <a:ext cx="302061" cy="235941"/>
+                  <a:off x="3506696" y="6098817"/>
+                  <a:ext cx="334903" cy="198223"/>
+                </a:xfrm>
+                <a:prstGeom prst="rect">
+                  <a:avLst/>
+                </a:prstGeom>
+              </p:spPr>
+            </p:pic>
+            <p:pic>
+              <p:nvPicPr>
+                <p:cNvPr id="75" name="Picture 74"/>
+                <p:cNvPicPr>
+                  <a:picLocks noChangeAspect="1"/>
+                </p:cNvPicPr>
+                <p:nvPr/>
+              </p:nvPicPr>
+              <p:blipFill>
+                <a:blip r:embed="rId10"/>
+                <a:stretch>
+                  <a:fillRect/>
+                </a:stretch>
+              </p:blipFill>
+              <p:spPr>
+                <a:xfrm>
+                  <a:off x="3107726" y="6098817"/>
+                  <a:ext cx="327300" cy="196986"/>
                 </a:xfrm>
                 <a:prstGeom prst="rect">
                   <a:avLst/>
@@ -11911,211 +10619,187 @@
               </p:spPr>
             </p:pic>
           </p:grpSp>
-          <p:pic>
-            <p:nvPicPr>
-              <p:cNvPr id="74" name="Picture 73"/>
-              <p:cNvPicPr>
-                <a:picLocks noChangeAspect="1"/>
-              </p:cNvPicPr>
-              <p:nvPr/>
-            </p:nvPicPr>
-            <p:blipFill>
-              <a:blip r:embed="rId9"/>
-              <a:stretch>
-                <a:fillRect/>
-              </a:stretch>
-            </p:blipFill>
-            <p:spPr>
-              <a:xfrm>
-                <a:off x="3506696" y="6098817"/>
-                <a:ext cx="334903" cy="198223"/>
-              </a:xfrm>
-              <a:prstGeom prst="rect">
-                <a:avLst/>
-              </a:prstGeom>
-            </p:spPr>
-          </p:pic>
-          <p:pic>
-            <p:nvPicPr>
-              <p:cNvPr id="75" name="Picture 74"/>
-              <p:cNvPicPr>
-                <a:picLocks noChangeAspect="1"/>
-              </p:cNvPicPr>
-              <p:nvPr/>
-            </p:nvPicPr>
-            <p:blipFill>
-              <a:blip r:embed="rId10"/>
-              <a:stretch>
-                <a:fillRect/>
-              </a:stretch>
-            </p:blipFill>
-            <p:spPr>
-              <a:xfrm>
-                <a:off x="3107726" y="6098817"/>
-                <a:ext cx="327300" cy="196986"/>
-              </a:xfrm>
-              <a:prstGeom prst="rect">
-                <a:avLst/>
-              </a:prstGeom>
-            </p:spPr>
-          </p:pic>
-        </p:grpSp>
-        <p:grpSp>
-          <p:nvGrpSpPr>
-            <p:cNvPr id="82" name="Group 81"/>
-            <p:cNvGrpSpPr/>
-            <p:nvPr/>
-          </p:nvGrpSpPr>
-          <p:grpSpPr>
-            <a:xfrm>
-              <a:off x="1955798" y="6380121"/>
-              <a:ext cx="3255436" cy="375380"/>
-              <a:chOff x="2721075" y="6066646"/>
-              <a:chExt cx="2738999" cy="243895"/>
-            </a:xfrm>
-          </p:grpSpPr>
           <p:grpSp>
             <p:nvGrpSpPr>
-              <p:cNvPr id="83" name="Group 82"/>
+              <p:cNvPr id="82" name="Group 81"/>
               <p:cNvGrpSpPr/>
               <p:nvPr/>
             </p:nvGrpSpPr>
             <p:grpSpPr>
               <a:xfrm>
-                <a:off x="2721075" y="6066646"/>
-                <a:ext cx="2738999" cy="243895"/>
+                <a:off x="2900512" y="6176226"/>
+                <a:ext cx="2321477" cy="288624"/>
                 <a:chOff x="2721075" y="6066646"/>
                 <a:chExt cx="2738999" cy="243895"/>
               </a:xfrm>
             </p:grpSpPr>
             <p:grpSp>
               <p:nvGrpSpPr>
-                <p:cNvPr id="86" name="Group 85"/>
+                <p:cNvPr id="83" name="Group 82"/>
                 <p:cNvGrpSpPr/>
                 <p:nvPr/>
               </p:nvGrpSpPr>
               <p:grpSpPr>
                 <a:xfrm>
-                  <a:off x="2721075" y="6083191"/>
-                  <a:ext cx="2738999" cy="227350"/>
-                  <a:chOff x="2887074" y="6083191"/>
-                  <a:chExt cx="2738999" cy="227350"/>
+                  <a:off x="2721075" y="6066646"/>
+                  <a:ext cx="2738999" cy="243895"/>
+                  <a:chOff x="2721075" y="6066646"/>
+                  <a:chExt cx="2738999" cy="243895"/>
                 </a:xfrm>
               </p:grpSpPr>
+              <p:grpSp>
+                <p:nvGrpSpPr>
+                  <p:cNvPr id="86" name="Group 85"/>
+                  <p:cNvGrpSpPr/>
+                  <p:nvPr/>
+                </p:nvGrpSpPr>
+                <p:grpSpPr>
+                  <a:xfrm>
+                    <a:off x="2721075" y="6083191"/>
+                    <a:ext cx="2738999" cy="227350"/>
+                    <a:chOff x="2887074" y="6083191"/>
+                    <a:chExt cx="2738999" cy="227350"/>
+                  </a:xfrm>
+                </p:grpSpPr>
+                <p:pic>
+                  <p:nvPicPr>
+                    <p:cNvPr id="88" name="Picture 87"/>
+                    <p:cNvPicPr>
+                      <a:picLocks noChangeAspect="1"/>
+                    </p:cNvPicPr>
+                    <p:nvPr/>
+                  </p:nvPicPr>
+                  <p:blipFill>
+                    <a:blip r:embed="rId4" cstate="print">
+                      <a:extLst>
+                        <a:ext uri="{28A0092B-C50C-407E-A947-70E740481C1C}">
+                          <a14:useLocalDpi xmlns:a14="http://schemas.microsoft.com/office/drawing/2010/main" val="0"/>
+                        </a:ext>
+                      </a:extLst>
+                    </a:blip>
+                    <a:stretch>
+                      <a:fillRect/>
+                    </a:stretch>
+                  </p:blipFill>
+                  <p:spPr>
+                    <a:xfrm>
+                      <a:off x="4079269" y="6103833"/>
+                      <a:ext cx="325640" cy="161565"/>
+                    </a:xfrm>
+                    <a:prstGeom prst="rect">
+                      <a:avLst/>
+                    </a:prstGeom>
+                  </p:spPr>
+                </p:pic>
+                <p:pic>
+                  <p:nvPicPr>
+                    <p:cNvPr id="89" name="Picture 88"/>
+                    <p:cNvPicPr>
+                      <a:picLocks noChangeAspect="1"/>
+                    </p:cNvPicPr>
+                    <p:nvPr/>
+                  </p:nvPicPr>
+                  <p:blipFill>
+                    <a:blip r:embed="rId5" cstate="print">
+                      <a:extLst>
+                        <a:ext uri="{28A0092B-C50C-407E-A947-70E740481C1C}">
+                          <a14:useLocalDpi xmlns:a14="http://schemas.microsoft.com/office/drawing/2010/main" val="0"/>
+                        </a:ext>
+                      </a:extLst>
+                    </a:blip>
+                    <a:stretch>
+                      <a:fillRect/>
+                    </a:stretch>
+                  </p:blipFill>
+                  <p:spPr>
+                    <a:xfrm>
+                      <a:off x="5345440" y="6084945"/>
+                      <a:ext cx="280633" cy="225596"/>
+                    </a:xfrm>
+                    <a:prstGeom prst="rect">
+                      <a:avLst/>
+                    </a:prstGeom>
+                  </p:spPr>
+                </p:pic>
+                <p:pic>
+                  <p:nvPicPr>
+                    <p:cNvPr id="90" name="Picture 89"/>
+                    <p:cNvPicPr>
+                      <a:picLocks noChangeAspect="1"/>
+                    </p:cNvPicPr>
+                    <p:nvPr/>
+                  </p:nvPicPr>
+                  <p:blipFill>
+                    <a:blip r:embed="rId6" cstate="print">
+                      <a:extLst>
+                        <a:ext uri="{28A0092B-C50C-407E-A947-70E740481C1C}">
+                          <a14:useLocalDpi xmlns:a14="http://schemas.microsoft.com/office/drawing/2010/main" val="0"/>
+                        </a:ext>
+                      </a:extLst>
+                    </a:blip>
+                    <a:stretch>
+                      <a:fillRect/>
+                    </a:stretch>
+                  </p:blipFill>
+                  <p:spPr>
+                    <a:xfrm>
+                      <a:off x="4515280" y="6084945"/>
+                      <a:ext cx="274386" cy="225596"/>
+                    </a:xfrm>
+                    <a:prstGeom prst="rect">
+                      <a:avLst/>
+                    </a:prstGeom>
+                  </p:spPr>
+                </p:pic>
+                <p:pic>
+                  <p:nvPicPr>
+                    <p:cNvPr id="91" name="Picture 90"/>
+                    <p:cNvPicPr>
+                      <a:picLocks noChangeAspect="1"/>
+                    </p:cNvPicPr>
+                    <p:nvPr/>
+                  </p:nvPicPr>
+                  <p:blipFill>
+                    <a:blip r:embed="rId7" cstate="print">
+                      <a:extLst>
+                        <a:ext uri="{28A0092B-C50C-407E-A947-70E740481C1C}">
+                          <a14:useLocalDpi xmlns:a14="http://schemas.microsoft.com/office/drawing/2010/main" val="0"/>
+                        </a:ext>
+                      </a:extLst>
+                    </a:blip>
+                    <a:stretch>
+                      <a:fillRect/>
+                    </a:stretch>
+                  </p:blipFill>
+                  <p:spPr>
+                    <a:xfrm flipH="1">
+                      <a:off x="2887074" y="6083191"/>
+                      <a:ext cx="255789" cy="218495"/>
+                    </a:xfrm>
+                    <a:prstGeom prst="rect">
+                      <a:avLst/>
+                    </a:prstGeom>
+                  </p:spPr>
+                </p:pic>
+              </p:grpSp>
               <p:pic>
                 <p:nvPicPr>
-                  <p:cNvPr id="88" name="Picture 87"/>
+                  <p:cNvPr id="87" name="Picture 86"/>
                   <p:cNvPicPr>
                     <a:picLocks noChangeAspect="1"/>
                   </p:cNvPicPr>
                   <p:nvPr/>
                 </p:nvPicPr>
                 <p:blipFill>
-                  <a:blip r:embed="rId4" cstate="print">
-                    <a:extLst>
-                      <a:ext uri="{28A0092B-C50C-407E-A947-70E740481C1C}">
-                        <a14:useLocalDpi xmlns:a14="http://schemas.microsoft.com/office/drawing/2010/main" val="0"/>
-                      </a:ext>
-                    </a:extLst>
-                  </a:blip>
+                  <a:blip r:embed="rId8"/>
                   <a:stretch>
                     <a:fillRect/>
                   </a:stretch>
                 </p:blipFill>
                 <p:spPr>
                   <a:xfrm>
-                    <a:off x="4079269" y="6103833"/>
-                    <a:ext cx="325640" cy="161565"/>
-                  </a:xfrm>
-                  <a:prstGeom prst="rect">
-                    <a:avLst/>
-                  </a:prstGeom>
-                </p:spPr>
-              </p:pic>
-              <p:pic>
-                <p:nvPicPr>
-                  <p:cNvPr id="89" name="Picture 88"/>
-                  <p:cNvPicPr>
-                    <a:picLocks noChangeAspect="1"/>
-                  </p:cNvPicPr>
-                  <p:nvPr/>
-                </p:nvPicPr>
-                <p:blipFill>
-                  <a:blip r:embed="rId5" cstate="print">
-                    <a:extLst>
-                      <a:ext uri="{28A0092B-C50C-407E-A947-70E740481C1C}">
-                        <a14:useLocalDpi xmlns:a14="http://schemas.microsoft.com/office/drawing/2010/main" val="0"/>
-                      </a:ext>
-                    </a:extLst>
-                  </a:blip>
-                  <a:stretch>
-                    <a:fillRect/>
-                  </a:stretch>
-                </p:blipFill>
-                <p:spPr>
-                  <a:xfrm>
-                    <a:off x="5345440" y="6084945"/>
-                    <a:ext cx="280633" cy="225596"/>
-                  </a:xfrm>
-                  <a:prstGeom prst="rect">
-                    <a:avLst/>
-                  </a:prstGeom>
-                </p:spPr>
-              </p:pic>
-              <p:pic>
-                <p:nvPicPr>
-                  <p:cNvPr id="90" name="Picture 89"/>
-                  <p:cNvPicPr>
-                    <a:picLocks noChangeAspect="1"/>
-                  </p:cNvPicPr>
-                  <p:nvPr/>
-                </p:nvPicPr>
-                <p:blipFill>
-                  <a:blip r:embed="rId6" cstate="print">
-                    <a:extLst>
-                      <a:ext uri="{28A0092B-C50C-407E-A947-70E740481C1C}">
-                        <a14:useLocalDpi xmlns:a14="http://schemas.microsoft.com/office/drawing/2010/main" val="0"/>
-                      </a:ext>
-                    </a:extLst>
-                  </a:blip>
-                  <a:stretch>
-                    <a:fillRect/>
-                  </a:stretch>
-                </p:blipFill>
-                <p:spPr>
-                  <a:xfrm>
-                    <a:off x="4515280" y="6084945"/>
-                    <a:ext cx="274386" cy="225596"/>
-                  </a:xfrm>
-                  <a:prstGeom prst="rect">
-                    <a:avLst/>
-                  </a:prstGeom>
-                </p:spPr>
-              </p:pic>
-              <p:pic>
-                <p:nvPicPr>
-                  <p:cNvPr id="91" name="Picture 90"/>
-                  <p:cNvPicPr>
-                    <a:picLocks noChangeAspect="1"/>
-                  </p:cNvPicPr>
-                  <p:nvPr/>
-                </p:nvPicPr>
-                <p:blipFill>
-                  <a:blip r:embed="rId7" cstate="print">
-                    <a:extLst>
-                      <a:ext uri="{28A0092B-C50C-407E-A947-70E740481C1C}">
-                        <a14:useLocalDpi xmlns:a14="http://schemas.microsoft.com/office/drawing/2010/main" val="0"/>
-                      </a:ext>
-                    </a:extLst>
-                  </a:blip>
-                  <a:stretch>
-                    <a:fillRect/>
-                  </a:stretch>
-                </p:blipFill>
-                <p:spPr>
-                  <a:xfrm flipH="1">
-                    <a:off x="2887074" y="6083191"/>
-                    <a:ext cx="255789" cy="218495"/>
+                    <a:off x="4734039" y="6066646"/>
+                    <a:ext cx="302061" cy="235941"/>
                   </a:xfrm>
                   <a:prstGeom prst="rect">
                     <a:avLst/>
@@ -12125,22 +10809,46 @@
             </p:grpSp>
             <p:pic>
               <p:nvPicPr>
-                <p:cNvPr id="87" name="Picture 86"/>
+                <p:cNvPr id="84" name="Picture 83"/>
                 <p:cNvPicPr>
                   <a:picLocks noChangeAspect="1"/>
                 </p:cNvPicPr>
                 <p:nvPr/>
               </p:nvPicPr>
               <p:blipFill>
-                <a:blip r:embed="rId8"/>
+                <a:blip r:embed="rId9"/>
                 <a:stretch>
                   <a:fillRect/>
                 </a:stretch>
               </p:blipFill>
               <p:spPr>
                 <a:xfrm>
-                  <a:off x="4734039" y="6066646"/>
-                  <a:ext cx="302061" cy="235941"/>
+                  <a:off x="3506696" y="6098817"/>
+                  <a:ext cx="334903" cy="198223"/>
+                </a:xfrm>
+                <a:prstGeom prst="rect">
+                  <a:avLst/>
+                </a:prstGeom>
+              </p:spPr>
+            </p:pic>
+            <p:pic>
+              <p:nvPicPr>
+                <p:cNvPr id="85" name="Picture 84"/>
+                <p:cNvPicPr>
+                  <a:picLocks noChangeAspect="1"/>
+                </p:cNvPicPr>
+                <p:nvPr/>
+              </p:nvPicPr>
+              <p:blipFill>
+                <a:blip r:embed="rId10"/>
+                <a:stretch>
+                  <a:fillRect/>
+                </a:stretch>
+              </p:blipFill>
+              <p:spPr>
+                <a:xfrm>
+                  <a:off x="3107726" y="6098817"/>
+                  <a:ext cx="327300" cy="196986"/>
                 </a:xfrm>
                 <a:prstGeom prst="rect">
                   <a:avLst/>
@@ -12148,211 +10856,187 @@
               </p:spPr>
             </p:pic>
           </p:grpSp>
-          <p:pic>
-            <p:nvPicPr>
-              <p:cNvPr id="84" name="Picture 83"/>
-              <p:cNvPicPr>
-                <a:picLocks noChangeAspect="1"/>
-              </p:cNvPicPr>
-              <p:nvPr/>
-            </p:nvPicPr>
-            <p:blipFill>
-              <a:blip r:embed="rId9"/>
-              <a:stretch>
-                <a:fillRect/>
-              </a:stretch>
-            </p:blipFill>
-            <p:spPr>
-              <a:xfrm>
-                <a:off x="3506696" y="6098817"/>
-                <a:ext cx="334903" cy="198223"/>
-              </a:xfrm>
-              <a:prstGeom prst="rect">
-                <a:avLst/>
-              </a:prstGeom>
-            </p:spPr>
-          </p:pic>
-          <p:pic>
-            <p:nvPicPr>
-              <p:cNvPr id="85" name="Picture 84"/>
-              <p:cNvPicPr>
-                <a:picLocks noChangeAspect="1"/>
-              </p:cNvPicPr>
-              <p:nvPr/>
-            </p:nvPicPr>
-            <p:blipFill>
-              <a:blip r:embed="rId10"/>
-              <a:stretch>
-                <a:fillRect/>
-              </a:stretch>
-            </p:blipFill>
-            <p:spPr>
-              <a:xfrm>
-                <a:off x="3107726" y="6098817"/>
-                <a:ext cx="327300" cy="196986"/>
-              </a:xfrm>
-              <a:prstGeom prst="rect">
-                <a:avLst/>
-              </a:prstGeom>
-            </p:spPr>
-          </p:pic>
-        </p:grpSp>
-        <p:grpSp>
-          <p:nvGrpSpPr>
-            <p:cNvPr id="92" name="Group 91"/>
-            <p:cNvGrpSpPr/>
-            <p:nvPr/>
-          </p:nvGrpSpPr>
-          <p:grpSpPr>
-            <a:xfrm>
-              <a:off x="6345338" y="6357438"/>
-              <a:ext cx="3255436" cy="375380"/>
-              <a:chOff x="2721075" y="6066646"/>
-              <a:chExt cx="2738999" cy="243895"/>
-            </a:xfrm>
-          </p:grpSpPr>
           <p:grpSp>
             <p:nvGrpSpPr>
-              <p:cNvPr id="93" name="Group 92"/>
+              <p:cNvPr id="92" name="Group 91"/>
               <p:cNvGrpSpPr/>
               <p:nvPr/>
             </p:nvGrpSpPr>
             <p:grpSpPr>
               <a:xfrm>
-                <a:off x="2721075" y="6066646"/>
-                <a:ext cx="2738999" cy="243895"/>
+                <a:off x="6116407" y="6176226"/>
+                <a:ext cx="2321477" cy="288624"/>
                 <a:chOff x="2721075" y="6066646"/>
                 <a:chExt cx="2738999" cy="243895"/>
               </a:xfrm>
             </p:grpSpPr>
             <p:grpSp>
               <p:nvGrpSpPr>
-                <p:cNvPr id="96" name="Group 95"/>
+                <p:cNvPr id="93" name="Group 92"/>
                 <p:cNvGrpSpPr/>
                 <p:nvPr/>
               </p:nvGrpSpPr>
               <p:grpSpPr>
                 <a:xfrm>
-                  <a:off x="2721075" y="6083191"/>
-                  <a:ext cx="2738999" cy="227350"/>
-                  <a:chOff x="2887074" y="6083191"/>
-                  <a:chExt cx="2738999" cy="227350"/>
+                  <a:off x="2721075" y="6066646"/>
+                  <a:ext cx="2738999" cy="243895"/>
+                  <a:chOff x="2721075" y="6066646"/>
+                  <a:chExt cx="2738999" cy="243895"/>
                 </a:xfrm>
               </p:grpSpPr>
+              <p:grpSp>
+                <p:nvGrpSpPr>
+                  <p:cNvPr id="96" name="Group 95"/>
+                  <p:cNvGrpSpPr/>
+                  <p:nvPr/>
+                </p:nvGrpSpPr>
+                <p:grpSpPr>
+                  <a:xfrm>
+                    <a:off x="2721075" y="6083191"/>
+                    <a:ext cx="2738999" cy="227350"/>
+                    <a:chOff x="2887074" y="6083191"/>
+                    <a:chExt cx="2738999" cy="227350"/>
+                  </a:xfrm>
+                </p:grpSpPr>
+                <p:pic>
+                  <p:nvPicPr>
+                    <p:cNvPr id="98" name="Picture 97"/>
+                    <p:cNvPicPr>
+                      <a:picLocks noChangeAspect="1"/>
+                    </p:cNvPicPr>
+                    <p:nvPr/>
+                  </p:nvPicPr>
+                  <p:blipFill>
+                    <a:blip r:embed="rId4" cstate="print">
+                      <a:extLst>
+                        <a:ext uri="{28A0092B-C50C-407E-A947-70E740481C1C}">
+                          <a14:useLocalDpi xmlns:a14="http://schemas.microsoft.com/office/drawing/2010/main" val="0"/>
+                        </a:ext>
+                      </a:extLst>
+                    </a:blip>
+                    <a:stretch>
+                      <a:fillRect/>
+                    </a:stretch>
+                  </p:blipFill>
+                  <p:spPr>
+                    <a:xfrm>
+                      <a:off x="4079269" y="6103833"/>
+                      <a:ext cx="325640" cy="161565"/>
+                    </a:xfrm>
+                    <a:prstGeom prst="rect">
+                      <a:avLst/>
+                    </a:prstGeom>
+                  </p:spPr>
+                </p:pic>
+                <p:pic>
+                  <p:nvPicPr>
+                    <p:cNvPr id="99" name="Picture 98"/>
+                    <p:cNvPicPr>
+                      <a:picLocks noChangeAspect="1"/>
+                    </p:cNvPicPr>
+                    <p:nvPr/>
+                  </p:nvPicPr>
+                  <p:blipFill>
+                    <a:blip r:embed="rId5" cstate="print">
+                      <a:extLst>
+                        <a:ext uri="{28A0092B-C50C-407E-A947-70E740481C1C}">
+                          <a14:useLocalDpi xmlns:a14="http://schemas.microsoft.com/office/drawing/2010/main" val="0"/>
+                        </a:ext>
+                      </a:extLst>
+                    </a:blip>
+                    <a:stretch>
+                      <a:fillRect/>
+                    </a:stretch>
+                  </p:blipFill>
+                  <p:spPr>
+                    <a:xfrm>
+                      <a:off x="5345440" y="6084945"/>
+                      <a:ext cx="280633" cy="225596"/>
+                    </a:xfrm>
+                    <a:prstGeom prst="rect">
+                      <a:avLst/>
+                    </a:prstGeom>
+                  </p:spPr>
+                </p:pic>
+                <p:pic>
+                  <p:nvPicPr>
+                    <p:cNvPr id="100" name="Picture 99"/>
+                    <p:cNvPicPr>
+                      <a:picLocks noChangeAspect="1"/>
+                    </p:cNvPicPr>
+                    <p:nvPr/>
+                  </p:nvPicPr>
+                  <p:blipFill>
+                    <a:blip r:embed="rId6" cstate="print">
+                      <a:extLst>
+                        <a:ext uri="{28A0092B-C50C-407E-A947-70E740481C1C}">
+                          <a14:useLocalDpi xmlns:a14="http://schemas.microsoft.com/office/drawing/2010/main" val="0"/>
+                        </a:ext>
+                      </a:extLst>
+                    </a:blip>
+                    <a:stretch>
+                      <a:fillRect/>
+                    </a:stretch>
+                  </p:blipFill>
+                  <p:spPr>
+                    <a:xfrm>
+                      <a:off x="4515280" y="6084945"/>
+                      <a:ext cx="274386" cy="225596"/>
+                    </a:xfrm>
+                    <a:prstGeom prst="rect">
+                      <a:avLst/>
+                    </a:prstGeom>
+                  </p:spPr>
+                </p:pic>
+                <p:pic>
+                  <p:nvPicPr>
+                    <p:cNvPr id="101" name="Picture 100"/>
+                    <p:cNvPicPr>
+                      <a:picLocks noChangeAspect="1"/>
+                    </p:cNvPicPr>
+                    <p:nvPr/>
+                  </p:nvPicPr>
+                  <p:blipFill>
+                    <a:blip r:embed="rId7" cstate="print">
+                      <a:extLst>
+                        <a:ext uri="{28A0092B-C50C-407E-A947-70E740481C1C}">
+                          <a14:useLocalDpi xmlns:a14="http://schemas.microsoft.com/office/drawing/2010/main" val="0"/>
+                        </a:ext>
+                      </a:extLst>
+                    </a:blip>
+                    <a:stretch>
+                      <a:fillRect/>
+                    </a:stretch>
+                  </p:blipFill>
+                  <p:spPr>
+                    <a:xfrm flipH="1">
+                      <a:off x="2887074" y="6083191"/>
+                      <a:ext cx="255789" cy="218495"/>
+                    </a:xfrm>
+                    <a:prstGeom prst="rect">
+                      <a:avLst/>
+                    </a:prstGeom>
+                  </p:spPr>
+                </p:pic>
+              </p:grpSp>
               <p:pic>
                 <p:nvPicPr>
-                  <p:cNvPr id="98" name="Picture 97"/>
+                  <p:cNvPr id="97" name="Picture 96"/>
                   <p:cNvPicPr>
                     <a:picLocks noChangeAspect="1"/>
                   </p:cNvPicPr>
                   <p:nvPr/>
                 </p:nvPicPr>
                 <p:blipFill>
-                  <a:blip r:embed="rId4" cstate="print">
-                    <a:extLst>
-                      <a:ext uri="{28A0092B-C50C-407E-A947-70E740481C1C}">
-                        <a14:useLocalDpi xmlns:a14="http://schemas.microsoft.com/office/drawing/2010/main" val="0"/>
-                      </a:ext>
-                    </a:extLst>
-                  </a:blip>
+                  <a:blip r:embed="rId8"/>
                   <a:stretch>
                     <a:fillRect/>
                   </a:stretch>
                 </p:blipFill>
                 <p:spPr>
                   <a:xfrm>
-                    <a:off x="4079269" y="6103833"/>
-                    <a:ext cx="325640" cy="161565"/>
-                  </a:xfrm>
-                  <a:prstGeom prst="rect">
-                    <a:avLst/>
-                  </a:prstGeom>
-                </p:spPr>
-              </p:pic>
-              <p:pic>
-                <p:nvPicPr>
-                  <p:cNvPr id="99" name="Picture 98"/>
-                  <p:cNvPicPr>
-                    <a:picLocks noChangeAspect="1"/>
-                  </p:cNvPicPr>
-                  <p:nvPr/>
-                </p:nvPicPr>
-                <p:blipFill>
-                  <a:blip r:embed="rId5" cstate="print">
-                    <a:extLst>
-                      <a:ext uri="{28A0092B-C50C-407E-A947-70E740481C1C}">
-                        <a14:useLocalDpi xmlns:a14="http://schemas.microsoft.com/office/drawing/2010/main" val="0"/>
-                      </a:ext>
-                    </a:extLst>
-                  </a:blip>
-                  <a:stretch>
-                    <a:fillRect/>
-                  </a:stretch>
-                </p:blipFill>
-                <p:spPr>
-                  <a:xfrm>
-                    <a:off x="5345440" y="6084945"/>
-                    <a:ext cx="280633" cy="225596"/>
-                  </a:xfrm>
-                  <a:prstGeom prst="rect">
-                    <a:avLst/>
-                  </a:prstGeom>
-                </p:spPr>
-              </p:pic>
-              <p:pic>
-                <p:nvPicPr>
-                  <p:cNvPr id="100" name="Picture 99"/>
-                  <p:cNvPicPr>
-                    <a:picLocks noChangeAspect="1"/>
-                  </p:cNvPicPr>
-                  <p:nvPr/>
-                </p:nvPicPr>
-                <p:blipFill>
-                  <a:blip r:embed="rId6" cstate="print">
-                    <a:extLst>
-                      <a:ext uri="{28A0092B-C50C-407E-A947-70E740481C1C}">
-                        <a14:useLocalDpi xmlns:a14="http://schemas.microsoft.com/office/drawing/2010/main" val="0"/>
-                      </a:ext>
-                    </a:extLst>
-                  </a:blip>
-                  <a:stretch>
-                    <a:fillRect/>
-                  </a:stretch>
-                </p:blipFill>
-                <p:spPr>
-                  <a:xfrm>
-                    <a:off x="4515280" y="6084945"/>
-                    <a:ext cx="274386" cy="225596"/>
-                  </a:xfrm>
-                  <a:prstGeom prst="rect">
-                    <a:avLst/>
-                  </a:prstGeom>
-                </p:spPr>
-              </p:pic>
-              <p:pic>
-                <p:nvPicPr>
-                  <p:cNvPr id="101" name="Picture 100"/>
-                  <p:cNvPicPr>
-                    <a:picLocks noChangeAspect="1"/>
-                  </p:cNvPicPr>
-                  <p:nvPr/>
-                </p:nvPicPr>
-                <p:blipFill>
-                  <a:blip r:embed="rId7" cstate="print">
-                    <a:extLst>
-                      <a:ext uri="{28A0092B-C50C-407E-A947-70E740481C1C}">
-                        <a14:useLocalDpi xmlns:a14="http://schemas.microsoft.com/office/drawing/2010/main" val="0"/>
-                      </a:ext>
-                    </a:extLst>
-                  </a:blip>
-                  <a:stretch>
-                    <a:fillRect/>
-                  </a:stretch>
-                </p:blipFill>
-                <p:spPr>
-                  <a:xfrm flipH="1">
-                    <a:off x="2887074" y="6083191"/>
-                    <a:ext cx="255789" cy="218495"/>
+                    <a:off x="4734039" y="6066646"/>
+                    <a:ext cx="302061" cy="235941"/>
                   </a:xfrm>
                   <a:prstGeom prst="rect">
                     <a:avLst/>
@@ -12362,22 +11046,46 @@
             </p:grpSp>
             <p:pic>
               <p:nvPicPr>
-                <p:cNvPr id="97" name="Picture 96"/>
+                <p:cNvPr id="94" name="Picture 93"/>
                 <p:cNvPicPr>
                   <a:picLocks noChangeAspect="1"/>
                 </p:cNvPicPr>
                 <p:nvPr/>
               </p:nvPicPr>
               <p:blipFill>
-                <a:blip r:embed="rId8"/>
+                <a:blip r:embed="rId9"/>
                 <a:stretch>
                   <a:fillRect/>
                 </a:stretch>
               </p:blipFill>
               <p:spPr>
                 <a:xfrm>
-                  <a:off x="4734039" y="6066646"/>
-                  <a:ext cx="302061" cy="235941"/>
+                  <a:off x="3506696" y="6098817"/>
+                  <a:ext cx="334903" cy="198223"/>
+                </a:xfrm>
+                <a:prstGeom prst="rect">
+                  <a:avLst/>
+                </a:prstGeom>
+              </p:spPr>
+            </p:pic>
+            <p:pic>
+              <p:nvPicPr>
+                <p:cNvPr id="95" name="Picture 94"/>
+                <p:cNvPicPr>
+                  <a:picLocks noChangeAspect="1"/>
+                </p:cNvPicPr>
+                <p:nvPr/>
+              </p:nvPicPr>
+              <p:blipFill>
+                <a:blip r:embed="rId10"/>
+                <a:stretch>
+                  <a:fillRect/>
+                </a:stretch>
+              </p:blipFill>
+              <p:spPr>
+                <a:xfrm>
+                  <a:off x="3107726" y="6098817"/>
+                  <a:ext cx="327300" cy="196986"/>
                 </a:xfrm>
                 <a:prstGeom prst="rect">
                   <a:avLst/>
@@ -12385,54 +11093,6 @@
               </p:spPr>
             </p:pic>
           </p:grpSp>
-          <p:pic>
-            <p:nvPicPr>
-              <p:cNvPr id="94" name="Picture 93"/>
-              <p:cNvPicPr>
-                <a:picLocks noChangeAspect="1"/>
-              </p:cNvPicPr>
-              <p:nvPr/>
-            </p:nvPicPr>
-            <p:blipFill>
-              <a:blip r:embed="rId9"/>
-              <a:stretch>
-                <a:fillRect/>
-              </a:stretch>
-            </p:blipFill>
-            <p:spPr>
-              <a:xfrm>
-                <a:off x="3506696" y="6098817"/>
-                <a:ext cx="334903" cy="198223"/>
-              </a:xfrm>
-              <a:prstGeom prst="rect">
-                <a:avLst/>
-              </a:prstGeom>
-            </p:spPr>
-          </p:pic>
-          <p:pic>
-            <p:nvPicPr>
-              <p:cNvPr id="95" name="Picture 94"/>
-              <p:cNvPicPr>
-                <a:picLocks noChangeAspect="1"/>
-              </p:cNvPicPr>
-              <p:nvPr/>
-            </p:nvPicPr>
-            <p:blipFill>
-              <a:blip r:embed="rId10"/>
-              <a:stretch>
-                <a:fillRect/>
-              </a:stretch>
-            </p:blipFill>
-            <p:spPr>
-              <a:xfrm>
-                <a:off x="3107726" y="6098817"/>
-                <a:ext cx="327300" cy="196986"/>
-              </a:xfrm>
-              <a:prstGeom prst="rect">
-                <a:avLst/>
-              </a:prstGeom>
-            </p:spPr>
-          </p:pic>
         </p:grpSp>
       </p:grpSp>
       <p:pic>
@@ -12451,7 +11111,7 @@
         </p:blipFill>
         <p:spPr>
           <a:xfrm>
-            <a:off x="2776739" y="482844"/>
+            <a:off x="3582567" y="564020"/>
             <a:ext cx="477444" cy="250454"/>
           </a:xfrm>
           <a:prstGeom prst="rect">
@@ -12459,371 +11119,6 @@
           </a:prstGeom>
         </p:spPr>
       </p:pic>
-      <p:graphicFrame>
-        <p:nvGraphicFramePr>
-          <p:cNvPr id="65" name="Table 64"/>
-          <p:cNvGraphicFramePr>
-            <a:graphicFrameLocks noGrp="1"/>
-          </p:cNvGraphicFramePr>
-          <p:nvPr>
-            <p:extLst>
-              <p:ext uri="{D42A27DB-BD31-4B8C-83A1-F6EECF244321}">
-                <p14:modId xmlns:p14="http://schemas.microsoft.com/office/powerpoint/2010/main" val="1856073638"/>
-              </p:ext>
-            </p:extLst>
-          </p:nvPr>
-        </p:nvGraphicFramePr>
-        <p:xfrm>
-          <a:off x="6454108" y="65332"/>
-          <a:ext cx="1646076" cy="1097280"/>
-        </p:xfrm>
-        <a:graphic>
-          <a:graphicData uri="http://schemas.openxmlformats.org/drawingml/2006/table">
-            <a:tbl>
-              <a:tblPr firstRow="1" bandRow="1">
-                <a:tableStyleId>{0505E3EF-67EA-436B-97B2-0124C06EBD24}</a:tableStyleId>
-              </a:tblPr>
-              <a:tblGrid>
-                <a:gridCol w="931315">
-                  <a:extLst>
-                    <a:ext uri="{9D8B030D-6E8A-4147-A177-3AD203B41FA5}">
-                      <a16:colId xmlns:a16="http://schemas.microsoft.com/office/drawing/2014/main" val="1963467705"/>
-                    </a:ext>
-                  </a:extLst>
-                </a:gridCol>
-                <a:gridCol w="714761">
-                  <a:extLst>
-                    <a:ext uri="{9D8B030D-6E8A-4147-A177-3AD203B41FA5}">
-                      <a16:colId xmlns:a16="http://schemas.microsoft.com/office/drawing/2014/main" val="464586843"/>
-                    </a:ext>
-                  </a:extLst>
-                </a:gridCol>
-              </a:tblGrid>
-              <a:tr h="294939">
-                <a:tc>
-                  <a:txBody>
-                    <a:bodyPr/>
-                    <a:lstStyle/>
-                    <a:p>
-                      <a:r>
-                        <a:rPr lang="en-US" sz="1200" b="0" dirty="0" smtClean="0"/>
-                        <a:t>Terrestrial</a:t>
-                      </a:r>
-                      <a:endParaRPr lang="en-US" sz="1200" b="0" dirty="0"/>
-                    </a:p>
-                  </a:txBody>
-                  <a:tcPr>
-                    <a:lnL w="12700" cap="flat" cmpd="sng" algn="ctr">
-                      <a:solidFill>
-                        <a:schemeClr val="tx1"/>
-                      </a:solidFill>
-                      <a:prstDash val="solid"/>
-                      <a:round/>
-                      <a:headEnd type="none" w="med" len="med"/>
-                      <a:tailEnd type="none" w="med" len="med"/>
-                    </a:lnL>
-                    <a:lnR w="12700" cap="flat" cmpd="sng" algn="ctr">
-                      <a:solidFill>
-                        <a:schemeClr val="tx1"/>
-                      </a:solidFill>
-                      <a:prstDash val="solid"/>
-                      <a:round/>
-                      <a:headEnd type="none" w="med" len="med"/>
-                      <a:tailEnd type="none" w="med" len="med"/>
-                    </a:lnR>
-                    <a:lnT w="12700" cap="flat" cmpd="sng" algn="ctr">
-                      <a:solidFill>
-                        <a:schemeClr val="tx1"/>
-                      </a:solidFill>
-                      <a:prstDash val="solid"/>
-                      <a:round/>
-                      <a:headEnd type="none" w="med" len="med"/>
-                      <a:tailEnd type="none" w="med" len="med"/>
-                    </a:lnT>
-                    <a:lnB w="12700" cap="flat" cmpd="sng" algn="ctr">
-                      <a:solidFill>
-                        <a:schemeClr val="tx1"/>
-                      </a:solidFill>
-                      <a:prstDash val="solid"/>
-                      <a:round/>
-                      <a:headEnd type="none" w="med" len="med"/>
-                      <a:tailEnd type="none" w="med" len="med"/>
-                    </a:lnB>
-                    <a:noFill/>
-                  </a:tcPr>
-                </a:tc>
-                <a:tc>
-                  <a:txBody>
-                    <a:bodyPr/>
-                    <a:lstStyle/>
-                    <a:p>
-                      <a:endParaRPr lang="en-US" dirty="0"/>
-                    </a:p>
-                  </a:txBody>
-                  <a:tcPr>
-                    <a:lnL w="12700" cap="flat" cmpd="sng" algn="ctr">
-                      <a:solidFill>
-                        <a:schemeClr val="tx1"/>
-                      </a:solidFill>
-                      <a:prstDash val="solid"/>
-                      <a:round/>
-                      <a:headEnd type="none" w="med" len="med"/>
-                      <a:tailEnd type="none" w="med" len="med"/>
-                    </a:lnL>
-                    <a:lnR w="12700" cap="flat" cmpd="sng" algn="ctr">
-                      <a:solidFill>
-                        <a:schemeClr val="tx1"/>
-                      </a:solidFill>
-                      <a:prstDash val="solid"/>
-                      <a:round/>
-                      <a:headEnd type="none" w="med" len="med"/>
-                      <a:tailEnd type="none" w="med" len="med"/>
-                    </a:lnR>
-                    <a:lnT w="12700" cap="flat" cmpd="sng" algn="ctr">
-                      <a:solidFill>
-                        <a:schemeClr val="tx1"/>
-                      </a:solidFill>
-                      <a:prstDash val="solid"/>
-                      <a:round/>
-                      <a:headEnd type="none" w="med" len="med"/>
-                      <a:tailEnd type="none" w="med" len="med"/>
-                    </a:lnT>
-                    <a:lnB w="12700" cap="flat" cmpd="sng" algn="ctr">
-                      <a:solidFill>
-                        <a:schemeClr val="tx1"/>
-                      </a:solidFill>
-                      <a:prstDash val="solid"/>
-                      <a:round/>
-                      <a:headEnd type="none" w="med" len="med"/>
-                      <a:tailEnd type="none" w="med" len="med"/>
-                    </a:lnB>
-                    <a:noFill/>
-                  </a:tcPr>
-                </a:tc>
-                <a:extLst>
-                  <a:ext uri="{0D108BD9-81ED-4DB2-BD59-A6C34878D82A}">
-                    <a16:rowId xmlns:a16="http://schemas.microsoft.com/office/drawing/2014/main" val="1216226580"/>
-                  </a:ext>
-                </a:extLst>
-              </a:tr>
-              <a:tr h="294939">
-                <a:tc>
-                  <a:txBody>
-                    <a:bodyPr/>
-                    <a:lstStyle/>
-                    <a:p>
-                      <a:r>
-                        <a:rPr lang="en-US" sz="1200" dirty="0" smtClean="0"/>
-                        <a:t>Marine</a:t>
-                      </a:r>
-                      <a:endParaRPr lang="en-US" sz="1200" dirty="0"/>
-                    </a:p>
-                  </a:txBody>
-                  <a:tcPr>
-                    <a:lnL w="12700" cap="flat" cmpd="sng" algn="ctr">
-                      <a:solidFill>
-                        <a:schemeClr val="tx1"/>
-                      </a:solidFill>
-                      <a:prstDash val="solid"/>
-                      <a:round/>
-                      <a:headEnd type="none" w="med" len="med"/>
-                      <a:tailEnd type="none" w="med" len="med"/>
-                    </a:lnL>
-                    <a:lnR w="12700" cap="flat" cmpd="sng" algn="ctr">
-                      <a:solidFill>
-                        <a:schemeClr val="tx1"/>
-                      </a:solidFill>
-                      <a:prstDash val="solid"/>
-                      <a:round/>
-                      <a:headEnd type="none" w="med" len="med"/>
-                      <a:tailEnd type="none" w="med" len="med"/>
-                    </a:lnR>
-                    <a:lnT w="12700" cap="flat" cmpd="sng" algn="ctr">
-                      <a:solidFill>
-                        <a:schemeClr val="tx1"/>
-                      </a:solidFill>
-                      <a:prstDash val="solid"/>
-                      <a:round/>
-                      <a:headEnd type="none" w="med" len="med"/>
-                      <a:tailEnd type="none" w="med" len="med"/>
-                    </a:lnT>
-                    <a:lnB w="12700" cap="flat" cmpd="sng" algn="ctr">
-                      <a:solidFill>
-                        <a:schemeClr val="tx1"/>
-                      </a:solidFill>
-                      <a:prstDash val="solid"/>
-                      <a:round/>
-                      <a:headEnd type="none" w="med" len="med"/>
-                      <a:tailEnd type="none" w="med" len="med"/>
-                    </a:lnB>
-                    <a:noFill/>
-                  </a:tcPr>
-                </a:tc>
-                <a:tc>
-                  <a:txBody>
-                    <a:bodyPr/>
-                    <a:lstStyle/>
-                    <a:p>
-                      <a:endParaRPr lang="en-US" dirty="0"/>
-                    </a:p>
-                  </a:txBody>
-                  <a:tcPr>
-                    <a:lnL w="12700" cap="flat" cmpd="sng" algn="ctr">
-                      <a:solidFill>
-                        <a:schemeClr val="tx1"/>
-                      </a:solidFill>
-                      <a:prstDash val="solid"/>
-                      <a:round/>
-                      <a:headEnd type="none" w="med" len="med"/>
-                      <a:tailEnd type="none" w="med" len="med"/>
-                    </a:lnL>
-                    <a:lnR w="12700" cap="flat" cmpd="sng" algn="ctr">
-                      <a:solidFill>
-                        <a:schemeClr val="tx1"/>
-                      </a:solidFill>
-                      <a:prstDash val="solid"/>
-                      <a:round/>
-                      <a:headEnd type="none" w="med" len="med"/>
-                      <a:tailEnd type="none" w="med" len="med"/>
-                    </a:lnR>
-                    <a:lnT w="12700" cap="flat" cmpd="sng" algn="ctr">
-                      <a:solidFill>
-                        <a:schemeClr val="tx1"/>
-                      </a:solidFill>
-                      <a:prstDash val="solid"/>
-                      <a:round/>
-                      <a:headEnd type="none" w="med" len="med"/>
-                      <a:tailEnd type="none" w="med" len="med"/>
-                    </a:lnT>
-                    <a:lnB w="12700" cap="flat" cmpd="sng" algn="ctr">
-                      <a:solidFill>
-                        <a:schemeClr val="tx1"/>
-                      </a:solidFill>
-                      <a:prstDash val="solid"/>
-                      <a:round/>
-                      <a:headEnd type="none" w="med" len="med"/>
-                      <a:tailEnd type="none" w="med" len="med"/>
-                    </a:lnB>
-                    <a:noFill/>
-                  </a:tcPr>
-                </a:tc>
-                <a:extLst>
-                  <a:ext uri="{0D108BD9-81ED-4DB2-BD59-A6C34878D82A}">
-                    <a16:rowId xmlns:a16="http://schemas.microsoft.com/office/drawing/2014/main" val="512741848"/>
-                  </a:ext>
-                </a:extLst>
-              </a:tr>
-              <a:tr h="294939">
-                <a:tc>
-                  <a:txBody>
-                    <a:bodyPr/>
-                    <a:lstStyle/>
-                    <a:p>
-                      <a:r>
-                        <a:rPr lang="en-US" sz="1200" dirty="0" smtClean="0"/>
-                        <a:t>Freshwater</a:t>
-                      </a:r>
-                      <a:endParaRPr lang="en-US" sz="1200" dirty="0"/>
-                    </a:p>
-                  </a:txBody>
-                  <a:tcPr>
-                    <a:lnL w="12700" cap="flat" cmpd="sng" algn="ctr">
-                      <a:solidFill>
-                        <a:schemeClr val="tx1"/>
-                      </a:solidFill>
-                      <a:prstDash val="solid"/>
-                      <a:round/>
-                      <a:headEnd type="none" w="med" len="med"/>
-                      <a:tailEnd type="none" w="med" len="med"/>
-                    </a:lnL>
-                    <a:lnR w="12700" cap="flat" cmpd="sng" algn="ctr">
-                      <a:solidFill>
-                        <a:schemeClr val="tx1"/>
-                      </a:solidFill>
-                      <a:prstDash val="solid"/>
-                      <a:round/>
-                      <a:headEnd type="none" w="med" len="med"/>
-                      <a:tailEnd type="none" w="med" len="med"/>
-                    </a:lnR>
-                    <a:lnT w="12700" cap="flat" cmpd="sng" algn="ctr">
-                      <a:solidFill>
-                        <a:schemeClr val="tx1"/>
-                      </a:solidFill>
-                      <a:prstDash val="solid"/>
-                      <a:round/>
-                      <a:headEnd type="none" w="med" len="med"/>
-                      <a:tailEnd type="none" w="med" len="med"/>
-                    </a:lnT>
-                    <a:lnB w="12700" cap="flat" cmpd="sng" algn="ctr">
-                      <a:solidFill>
-                        <a:schemeClr val="tx1"/>
-                      </a:solidFill>
-                      <a:prstDash val="solid"/>
-                      <a:round/>
-                      <a:headEnd type="none" w="med" len="med"/>
-                      <a:tailEnd type="none" w="med" len="med"/>
-                    </a:lnB>
-                    <a:noFill/>
-                  </a:tcPr>
-                </a:tc>
-                <a:tc>
-                  <a:txBody>
-                    <a:bodyPr/>
-                    <a:lstStyle/>
-                    <a:p>
-                      <a:endParaRPr lang="en-US" dirty="0"/>
-                    </a:p>
-                  </a:txBody>
-                  <a:tcPr>
-                    <a:lnL w="12700" cap="flat" cmpd="sng" algn="ctr">
-                      <a:solidFill>
-                        <a:schemeClr val="tx1"/>
-                      </a:solidFill>
-                      <a:prstDash val="solid"/>
-                      <a:round/>
-                      <a:headEnd type="none" w="med" len="med"/>
-                      <a:tailEnd type="none" w="med" len="med"/>
-                    </a:lnL>
-                    <a:lnR w="12700" cap="flat" cmpd="sng" algn="ctr">
-                      <a:solidFill>
-                        <a:schemeClr val="tx1"/>
-                      </a:solidFill>
-                      <a:prstDash val="solid"/>
-                      <a:round/>
-                      <a:headEnd type="none" w="med" len="med"/>
-                      <a:tailEnd type="none" w="med" len="med"/>
-                    </a:lnR>
-                    <a:lnT w="12700" cap="flat" cmpd="sng" algn="ctr">
-                      <a:solidFill>
-                        <a:schemeClr val="tx1"/>
-                      </a:solidFill>
-                      <a:prstDash val="solid"/>
-                      <a:round/>
-                      <a:headEnd type="none" w="med" len="med"/>
-                      <a:tailEnd type="none" w="med" len="med"/>
-                    </a:lnT>
-                    <a:lnB w="12700" cap="flat" cmpd="sng" algn="ctr">
-                      <a:solidFill>
-                        <a:schemeClr val="tx1"/>
-                      </a:solidFill>
-                      <a:prstDash val="solid"/>
-                      <a:round/>
-                      <a:headEnd type="none" w="med" len="med"/>
-                      <a:tailEnd type="none" w="med" len="med"/>
-                    </a:lnB>
-                    <a:noFill/>
-                  </a:tcPr>
-                </a:tc>
-                <a:extLst>
-                  <a:ext uri="{0D108BD9-81ED-4DB2-BD59-A6C34878D82A}">
-                    <a16:rowId xmlns:a16="http://schemas.microsoft.com/office/drawing/2014/main" val="2231260421"/>
-                  </a:ext>
-                </a:extLst>
-              </a:tr>
-            </a:tbl>
-          </a:graphicData>
-        </a:graphic>
-      </p:graphicFrame>
       <p:pic>
         <p:nvPicPr>
           <p:cNvPr id="104" name="Picture 103"/>
@@ -12846,7 +11141,7 @@
         </p:blipFill>
         <p:spPr>
           <a:xfrm flipH="1">
-            <a:off x="2846720" y="98118"/>
+            <a:off x="3652152" y="253354"/>
             <a:ext cx="374608" cy="278904"/>
           </a:xfrm>
           <a:prstGeom prst="rect">
@@ -12870,7 +11165,7 @@
         </p:blipFill>
         <p:spPr>
           <a:xfrm>
-            <a:off x="2799155" y="819371"/>
+            <a:off x="3570725" y="1174766"/>
             <a:ext cx="496489" cy="256131"/>
           </a:xfrm>
           <a:prstGeom prst="rect">
@@ -12900,7 +11195,7 @@
         </p:blipFill>
         <p:spPr>
           <a:xfrm>
-            <a:off x="2808676" y="1216619"/>
+            <a:off x="3582567" y="929976"/>
             <a:ext cx="477445" cy="206467"/>
           </a:xfrm>
           <a:prstGeom prst="rect">
@@ -12930,7 +11225,7 @@
         </p:blipFill>
         <p:spPr>
           <a:xfrm>
-            <a:off x="4505979" y="94923"/>
+            <a:off x="4873128" y="253106"/>
             <a:ext cx="415769" cy="297946"/>
           </a:xfrm>
           <a:prstGeom prst="rect">
@@ -12954,7 +11249,7 @@
         </p:blipFill>
         <p:spPr>
           <a:xfrm>
-            <a:off x="4513338" y="500880"/>
+            <a:off x="4873128" y="532105"/>
             <a:ext cx="394437" cy="268537"/>
           </a:xfrm>
           <a:prstGeom prst="rect">
@@ -12984,7 +11279,7 @@
         </p:blipFill>
         <p:spPr>
           <a:xfrm>
-            <a:off x="4513338" y="833636"/>
+            <a:off x="4873128" y="814255"/>
             <a:ext cx="394437" cy="276368"/>
           </a:xfrm>
           <a:prstGeom prst="rect">
@@ -13008,7 +11303,7 @@
         </p:blipFill>
         <p:spPr>
           <a:xfrm>
-            <a:off x="7450682" y="864446"/>
+            <a:off x="6286051" y="778857"/>
             <a:ext cx="478886" cy="266371"/>
           </a:xfrm>
           <a:prstGeom prst="rect">
@@ -13032,7 +11327,7 @@
         </p:blipFill>
         <p:spPr>
           <a:xfrm>
-            <a:off x="7479061" y="94923"/>
+            <a:off x="6271499" y="256050"/>
             <a:ext cx="490175" cy="258138"/>
           </a:xfrm>
           <a:prstGeom prst="rect">
@@ -13056,7 +11351,7 @@
         </p:blipFill>
         <p:spPr>
           <a:xfrm>
-            <a:off x="7450682" y="504462"/>
+            <a:off x="6244382" y="559572"/>
             <a:ext cx="544407" cy="191424"/>
           </a:xfrm>
           <a:prstGeom prst="rect">
@@ -13064,6 +11359,306 @@
           </a:prstGeom>
         </p:spPr>
       </p:pic>
+      <p:sp>
+        <p:nvSpPr>
+          <p:cNvPr id="9" name="TextBox 8"/>
+          <p:cNvSpPr txBox="1"/>
+          <p:nvPr/>
+        </p:nvSpPr>
+        <p:spPr>
+          <a:xfrm>
+            <a:off x="4117710" y="253562"/>
+            <a:ext cx="718472" cy="276999"/>
+          </a:xfrm>
+          <a:prstGeom prst="rect">
+            <a:avLst/>
+          </a:prstGeom>
+          <a:noFill/>
+        </p:spPr>
+        <p:txBody>
+          <a:bodyPr wrap="square" rtlCol="0">
+            <a:spAutoFit/>
+          </a:bodyPr>
+          <a:lstStyle/>
+          <a:p>
+            <a:r>
+              <a:rPr lang="en-US" sz="1200" dirty="0" smtClean="0"/>
+              <a:t>Birds</a:t>
+            </a:r>
+            <a:endParaRPr lang="en-US" sz="1200" dirty="0"/>
+          </a:p>
+        </p:txBody>
+      </p:sp>
+      <p:sp>
+        <p:nvSpPr>
+          <p:cNvPr id="110" name="TextBox 109"/>
+          <p:cNvSpPr txBox="1"/>
+          <p:nvPr/>
+        </p:nvSpPr>
+        <p:spPr>
+          <a:xfrm>
+            <a:off x="4114289" y="583817"/>
+            <a:ext cx="859893" cy="276999"/>
+          </a:xfrm>
+          <a:prstGeom prst="rect">
+            <a:avLst/>
+          </a:prstGeom>
+          <a:noFill/>
+        </p:spPr>
+        <p:txBody>
+          <a:bodyPr wrap="square" rtlCol="0">
+            <a:spAutoFit/>
+          </a:bodyPr>
+          <a:lstStyle/>
+          <a:p>
+            <a:r>
+              <a:rPr lang="en-US" sz="1200" dirty="0" smtClean="0"/>
+              <a:t>Plants</a:t>
+            </a:r>
+            <a:endParaRPr lang="en-US" sz="1200" dirty="0"/>
+          </a:p>
+        </p:txBody>
+      </p:sp>
+      <p:sp>
+        <p:nvSpPr>
+          <p:cNvPr id="111" name="TextBox 110"/>
+          <p:cNvSpPr txBox="1"/>
+          <p:nvPr/>
+        </p:nvSpPr>
+        <p:spPr>
+          <a:xfrm>
+            <a:off x="4097831" y="1139377"/>
+            <a:ext cx="1176734" cy="276999"/>
+          </a:xfrm>
+          <a:prstGeom prst="rect">
+            <a:avLst/>
+          </a:prstGeom>
+          <a:noFill/>
+        </p:spPr>
+        <p:txBody>
+          <a:bodyPr wrap="square" rtlCol="0">
+            <a:spAutoFit/>
+          </a:bodyPr>
+          <a:lstStyle/>
+          <a:p>
+            <a:r>
+              <a:rPr lang="en-US" sz="1200" dirty="0" smtClean="0"/>
+              <a:t>Mammals</a:t>
+            </a:r>
+            <a:endParaRPr lang="en-US" sz="1200" dirty="0"/>
+          </a:p>
+        </p:txBody>
+      </p:sp>
+      <p:sp>
+        <p:nvSpPr>
+          <p:cNvPr id="112" name="TextBox 111"/>
+          <p:cNvSpPr txBox="1"/>
+          <p:nvPr/>
+        </p:nvSpPr>
+        <p:spPr>
+          <a:xfrm>
+            <a:off x="4117710" y="856029"/>
+            <a:ext cx="718472" cy="276999"/>
+          </a:xfrm>
+          <a:prstGeom prst="rect">
+            <a:avLst/>
+          </a:prstGeom>
+          <a:noFill/>
+        </p:spPr>
+        <p:txBody>
+          <a:bodyPr wrap="square" rtlCol="0">
+            <a:spAutoFit/>
+          </a:bodyPr>
+          <a:lstStyle/>
+          <a:p>
+            <a:r>
+              <a:rPr lang="en-US" sz="1200" dirty="0" smtClean="0"/>
+              <a:t>Fish</a:t>
+            </a:r>
+            <a:endParaRPr lang="en-US" sz="1200" dirty="0"/>
+          </a:p>
+        </p:txBody>
+      </p:sp>
+      <p:sp>
+        <p:nvSpPr>
+          <p:cNvPr id="113" name="TextBox 112"/>
+          <p:cNvSpPr txBox="1"/>
+          <p:nvPr/>
+        </p:nvSpPr>
+        <p:spPr>
+          <a:xfrm>
+            <a:off x="5288897" y="259168"/>
+            <a:ext cx="1042648" cy="276999"/>
+          </a:xfrm>
+          <a:prstGeom prst="rect">
+            <a:avLst/>
+          </a:prstGeom>
+          <a:noFill/>
+        </p:spPr>
+        <p:txBody>
+          <a:bodyPr wrap="square" rtlCol="0">
+            <a:spAutoFit/>
+          </a:bodyPr>
+          <a:lstStyle/>
+          <a:p>
+            <a:r>
+              <a:rPr lang="en-US" sz="1200" dirty="0" smtClean="0"/>
+              <a:t>Invertebrates</a:t>
+            </a:r>
+            <a:endParaRPr lang="en-US" sz="1200" dirty="0"/>
+          </a:p>
+        </p:txBody>
+      </p:sp>
+      <p:sp>
+        <p:nvSpPr>
+          <p:cNvPr id="114" name="TextBox 113"/>
+          <p:cNvSpPr txBox="1"/>
+          <p:nvPr/>
+        </p:nvSpPr>
+        <p:spPr>
+          <a:xfrm>
+            <a:off x="5274565" y="530561"/>
+            <a:ext cx="1019843" cy="276999"/>
+          </a:xfrm>
+          <a:prstGeom prst="rect">
+            <a:avLst/>
+          </a:prstGeom>
+          <a:noFill/>
+        </p:spPr>
+        <p:txBody>
+          <a:bodyPr wrap="square" rtlCol="0">
+            <a:spAutoFit/>
+          </a:bodyPr>
+          <a:lstStyle/>
+          <a:p>
+            <a:r>
+              <a:rPr lang="en-US" sz="1200" dirty="0" smtClean="0"/>
+              <a:t>Benthos</a:t>
+            </a:r>
+            <a:endParaRPr lang="en-US" sz="1200" dirty="0"/>
+          </a:p>
+        </p:txBody>
+      </p:sp>
+      <p:sp>
+        <p:nvSpPr>
+          <p:cNvPr id="115" name="TextBox 114"/>
+          <p:cNvSpPr txBox="1"/>
+          <p:nvPr/>
+        </p:nvSpPr>
+        <p:spPr>
+          <a:xfrm>
+            <a:off x="5276654" y="820963"/>
+            <a:ext cx="1063477" cy="276999"/>
+          </a:xfrm>
+          <a:prstGeom prst="rect">
+            <a:avLst/>
+          </a:prstGeom>
+          <a:noFill/>
+        </p:spPr>
+        <p:txBody>
+          <a:bodyPr wrap="square" rtlCol="0">
+            <a:spAutoFit/>
+          </a:bodyPr>
+          <a:lstStyle/>
+          <a:p>
+            <a:r>
+              <a:rPr lang="en-US" sz="1200" dirty="0" smtClean="0"/>
+              <a:t>Plankton</a:t>
+            </a:r>
+            <a:endParaRPr lang="en-US" sz="1200" dirty="0"/>
+          </a:p>
+        </p:txBody>
+      </p:sp>
+      <p:sp>
+        <p:nvSpPr>
+          <p:cNvPr id="116" name="TextBox 115"/>
+          <p:cNvSpPr txBox="1"/>
+          <p:nvPr/>
+        </p:nvSpPr>
+        <p:spPr>
+          <a:xfrm>
+            <a:off x="6803566" y="268007"/>
+            <a:ext cx="1136084" cy="276999"/>
+          </a:xfrm>
+          <a:prstGeom prst="rect">
+            <a:avLst/>
+          </a:prstGeom>
+          <a:noFill/>
+        </p:spPr>
+        <p:txBody>
+          <a:bodyPr wrap="square" rtlCol="0">
+            <a:spAutoFit/>
+          </a:bodyPr>
+          <a:lstStyle/>
+          <a:p>
+            <a:r>
+              <a:rPr lang="en-US" sz="1200" dirty="0" smtClean="0"/>
+              <a:t>Terrestrial</a:t>
+            </a:r>
+            <a:endParaRPr lang="en-US" sz="1200" dirty="0"/>
+          </a:p>
+        </p:txBody>
+      </p:sp>
+      <p:sp>
+        <p:nvSpPr>
+          <p:cNvPr id="117" name="TextBox 116"/>
+          <p:cNvSpPr txBox="1"/>
+          <p:nvPr/>
+        </p:nvSpPr>
+        <p:spPr>
+          <a:xfrm>
+            <a:off x="6793268" y="527873"/>
+            <a:ext cx="908370" cy="276999"/>
+          </a:xfrm>
+          <a:prstGeom prst="rect">
+            <a:avLst/>
+          </a:prstGeom>
+          <a:noFill/>
+        </p:spPr>
+        <p:txBody>
+          <a:bodyPr wrap="square" rtlCol="0">
+            <a:spAutoFit/>
+          </a:bodyPr>
+          <a:lstStyle/>
+          <a:p>
+            <a:r>
+              <a:rPr lang="en-US" sz="1200" dirty="0" smtClean="0"/>
+              <a:t>Marine</a:t>
+            </a:r>
+            <a:endParaRPr lang="en-US" sz="1200" dirty="0"/>
+          </a:p>
+        </p:txBody>
+      </p:sp>
+      <p:sp>
+        <p:nvSpPr>
+          <p:cNvPr id="118" name="TextBox 117"/>
+          <p:cNvSpPr txBox="1"/>
+          <p:nvPr/>
+        </p:nvSpPr>
+        <p:spPr>
+          <a:xfrm>
+            <a:off x="6795164" y="778661"/>
+            <a:ext cx="1236259" cy="276999"/>
+          </a:xfrm>
+          <a:prstGeom prst="rect">
+            <a:avLst/>
+          </a:prstGeom>
+          <a:noFill/>
+        </p:spPr>
+        <p:txBody>
+          <a:bodyPr wrap="square" rtlCol="0">
+            <a:spAutoFit/>
+          </a:bodyPr>
+          <a:lstStyle/>
+          <a:p>
+            <a:r>
+              <a:rPr lang="en-US" sz="1200" dirty="0" smtClean="0"/>
+              <a:t>Freshwater</a:t>
+            </a:r>
+            <a:endParaRPr lang="en-US" sz="1200" dirty="0"/>
+          </a:p>
+        </p:txBody>
+      </p:sp>
     </p:spTree>
     <p:extLst>
       <p:ext uri="{BB962C8B-B14F-4D97-AF65-F5344CB8AC3E}">
@@ -14016,21 +12611,21 @@
       </p:grpSpPr>
       <p:grpSp>
         <p:nvGrpSpPr>
-          <p:cNvPr id="19" name="Group 18"/>
+          <p:cNvPr id="4" name="Group 3"/>
           <p:cNvGrpSpPr/>
           <p:nvPr/>
         </p:nvGrpSpPr>
         <p:grpSpPr>
           <a:xfrm>
-            <a:off x="994298" y="-1"/>
-            <a:ext cx="9321554" cy="6866083"/>
-            <a:chOff x="994298" y="-1"/>
-            <a:chExt cx="9321554" cy="6866083"/>
+            <a:off x="1029811" y="-173073"/>
+            <a:ext cx="9402464" cy="7031075"/>
+            <a:chOff x="1029811" y="-173073"/>
+            <a:chExt cx="9402464" cy="7031075"/>
           </a:xfrm>
         </p:grpSpPr>
         <p:pic>
           <p:nvPicPr>
-            <p:cNvPr id="17" name="Picture 16"/>
+            <p:cNvPr id="3" name="Picture 2"/>
             <p:cNvPicPr>
               <a:picLocks noChangeAspect="1"/>
             </p:cNvPicPr>
@@ -14044,8 +12639,8 @@
           </p:blipFill>
           <p:spPr>
             <a:xfrm>
-              <a:off x="994298" y="-1"/>
-              <a:ext cx="9321554" cy="6866083"/>
+              <a:off x="1029811" y="0"/>
+              <a:ext cx="9402464" cy="6858002"/>
             </a:xfrm>
             <a:prstGeom prst="rect">
               <a:avLst/>
@@ -14060,10 +12655,10 @@
           </p:nvGrpSpPr>
           <p:grpSpPr>
             <a:xfrm>
-              <a:off x="3133104" y="-1"/>
-              <a:ext cx="535771" cy="1990083"/>
-              <a:chOff x="3359573" y="-81232"/>
-              <a:chExt cx="535771" cy="1990083"/>
+              <a:off x="3024652" y="-173073"/>
+              <a:ext cx="671659" cy="2201662"/>
+              <a:chOff x="3418463" y="-81231"/>
+              <a:chExt cx="476881" cy="1990083"/>
             </a:xfrm>
           </p:grpSpPr>
           <p:sp>
@@ -14156,7 +12751,7 @@
             </p:nvSpPr>
             <p:spPr>
               <a:xfrm rot="16200000">
-                <a:off x="3001131" y="277210"/>
+                <a:off x="3060021" y="277211"/>
                 <a:ext cx="1024662" cy="307777"/>
               </a:xfrm>
               <a:prstGeom prst="rect">
@@ -14222,7 +12817,7 @@
             </p:nvSpPr>
             <p:spPr>
               <a:xfrm rot="16200000">
-                <a:off x="2975596" y="1217096"/>
+                <a:off x="3034486" y="1217097"/>
                 <a:ext cx="1075732" cy="307777"/>
               </a:xfrm>
               <a:prstGeom prst="rect">

--- a/output/plots/all_figs_with_legends.pptx
+++ b/output/plots/all_figs_with_legends.pptx
@@ -205,7 +205,7 @@
           <a:p>
             <a:fld id="{7FA21820-D199-4D82-91AF-C50B1D3B111A}" type="datetimeFigureOut">
               <a:rPr lang="en-US" smtClean="0"/>
-              <a:t>5/25/2017</a:t>
+              <a:t>5/26/2017</a:t>
             </a:fld>
             <a:endParaRPr lang="en-US"/>
           </a:p>
@@ -1038,7 +1038,7 @@
           <a:p>
             <a:fld id="{916B8C92-D5E3-4480-8685-D57BEE386DE2}" type="datetimeFigureOut">
               <a:rPr lang="en-US" smtClean="0"/>
-              <a:t>5/25/2017</a:t>
+              <a:t>5/26/2017</a:t>
             </a:fld>
             <a:endParaRPr lang="en-US"/>
           </a:p>
@@ -1208,7 +1208,7 @@
           <a:p>
             <a:fld id="{916B8C92-D5E3-4480-8685-D57BEE386DE2}" type="datetimeFigureOut">
               <a:rPr lang="en-US" smtClean="0"/>
-              <a:t>5/25/2017</a:t>
+              <a:t>5/26/2017</a:t>
             </a:fld>
             <a:endParaRPr lang="en-US"/>
           </a:p>
@@ -1388,7 +1388,7 @@
           <a:p>
             <a:fld id="{916B8C92-D5E3-4480-8685-D57BEE386DE2}" type="datetimeFigureOut">
               <a:rPr lang="en-US" smtClean="0"/>
-              <a:t>5/25/2017</a:t>
+              <a:t>5/26/2017</a:t>
             </a:fld>
             <a:endParaRPr lang="en-US"/>
           </a:p>
@@ -1558,7 +1558,7 @@
           <a:p>
             <a:fld id="{916B8C92-D5E3-4480-8685-D57BEE386DE2}" type="datetimeFigureOut">
               <a:rPr lang="en-US" smtClean="0"/>
-              <a:t>5/25/2017</a:t>
+              <a:t>5/26/2017</a:t>
             </a:fld>
             <a:endParaRPr lang="en-US"/>
           </a:p>
@@ -1804,7 +1804,7 @@
           <a:p>
             <a:fld id="{916B8C92-D5E3-4480-8685-D57BEE386DE2}" type="datetimeFigureOut">
               <a:rPr lang="en-US" smtClean="0"/>
-              <a:t>5/25/2017</a:t>
+              <a:t>5/26/2017</a:t>
             </a:fld>
             <a:endParaRPr lang="en-US"/>
           </a:p>
@@ -2036,7 +2036,7 @@
           <a:p>
             <a:fld id="{916B8C92-D5E3-4480-8685-D57BEE386DE2}" type="datetimeFigureOut">
               <a:rPr lang="en-US" smtClean="0"/>
-              <a:t>5/25/2017</a:t>
+              <a:t>5/26/2017</a:t>
             </a:fld>
             <a:endParaRPr lang="en-US"/>
           </a:p>
@@ -2403,7 +2403,7 @@
           <a:p>
             <a:fld id="{916B8C92-D5E3-4480-8685-D57BEE386DE2}" type="datetimeFigureOut">
               <a:rPr lang="en-US" smtClean="0"/>
-              <a:t>5/25/2017</a:t>
+              <a:t>5/26/2017</a:t>
             </a:fld>
             <a:endParaRPr lang="en-US"/>
           </a:p>
@@ -2521,7 +2521,7 @@
           <a:p>
             <a:fld id="{916B8C92-D5E3-4480-8685-D57BEE386DE2}" type="datetimeFigureOut">
               <a:rPr lang="en-US" smtClean="0"/>
-              <a:t>5/25/2017</a:t>
+              <a:t>5/26/2017</a:t>
             </a:fld>
             <a:endParaRPr lang="en-US"/>
           </a:p>
@@ -2616,7 +2616,7 @@
           <a:p>
             <a:fld id="{916B8C92-D5E3-4480-8685-D57BEE386DE2}" type="datetimeFigureOut">
               <a:rPr lang="en-US" smtClean="0"/>
-              <a:t>5/25/2017</a:t>
+              <a:t>5/26/2017</a:t>
             </a:fld>
             <a:endParaRPr lang="en-US"/>
           </a:p>
@@ -2893,7 +2893,7 @@
           <a:p>
             <a:fld id="{916B8C92-D5E3-4480-8685-D57BEE386DE2}" type="datetimeFigureOut">
               <a:rPr lang="en-US" smtClean="0"/>
-              <a:t>5/25/2017</a:t>
+              <a:t>5/26/2017</a:t>
             </a:fld>
             <a:endParaRPr lang="en-US"/>
           </a:p>
@@ -3146,7 +3146,7 @@
           <a:p>
             <a:fld id="{916B8C92-D5E3-4480-8685-D57BEE386DE2}" type="datetimeFigureOut">
               <a:rPr lang="en-US" smtClean="0"/>
-              <a:t>5/25/2017</a:t>
+              <a:t>5/26/2017</a:t>
             </a:fld>
             <a:endParaRPr lang="en-US"/>
           </a:p>
@@ -3359,7 +3359,7 @@
           <a:p>
             <a:fld id="{916B8C92-D5E3-4480-8685-D57BEE386DE2}" type="datetimeFigureOut">
               <a:rPr lang="en-US" smtClean="0"/>
-              <a:t>5/25/2017</a:t>
+              <a:t>5/26/2017</a:t>
             </a:fld>
             <a:endParaRPr lang="en-US"/>
           </a:p>
@@ -5837,6 +5837,30 @@
           <a:chExt cx="0" cy="0"/>
         </a:xfrm>
       </p:grpSpPr>
+      <p:pic>
+        <p:nvPicPr>
+          <p:cNvPr id="6" name="Picture 5"/>
+          <p:cNvPicPr>
+            <a:picLocks noChangeAspect="1"/>
+          </p:cNvPicPr>
+          <p:nvPr/>
+        </p:nvPicPr>
+        <p:blipFill>
+          <a:blip r:embed="rId2"/>
+          <a:stretch>
+            <a:fillRect/>
+          </a:stretch>
+        </p:blipFill>
+        <p:spPr>
+          <a:xfrm>
+            <a:off x="184721" y="357096"/>
+            <a:ext cx="2574012" cy="1833255"/>
+          </a:xfrm>
+          <a:prstGeom prst="rect">
+            <a:avLst/>
+          </a:prstGeom>
+        </p:spPr>
+      </p:pic>
       <p:sp>
         <p:nvSpPr>
           <p:cNvPr id="2" name="Title 1"/>
@@ -7175,8 +7199,8 @@
         </p:nvSpPr>
         <p:spPr>
           <a:xfrm>
-            <a:off x="3836309" y="4212777"/>
-            <a:ext cx="695858" cy="246221"/>
+            <a:off x="3836308" y="4212777"/>
+            <a:ext cx="804245" cy="261610"/>
           </a:xfrm>
           <a:prstGeom prst="rect">
             <a:avLst/>
@@ -7190,10 +7214,10 @@
           <a:lstStyle/>
           <a:p>
             <a:r>
-              <a:rPr lang="en-US" sz="1000" dirty="0" smtClean="0"/>
+              <a:rPr lang="en-US" sz="1100" dirty="0" smtClean="0"/>
               <a:t>Log(area)</a:t>
             </a:r>
-            <a:endParaRPr lang="en-US" sz="1000" dirty="0"/>
+            <a:endParaRPr lang="en-US" sz="1100" dirty="0"/>
           </a:p>
         </p:txBody>
       </p:sp>
@@ -7205,8 +7229,8 @@
         </p:nvSpPr>
         <p:spPr>
           <a:xfrm rot="16200000">
-            <a:off x="2537720" y="3279614"/>
-            <a:ext cx="848822" cy="246221"/>
+            <a:off x="2484501" y="3325139"/>
+            <a:ext cx="955262" cy="261610"/>
           </a:xfrm>
           <a:prstGeom prst="rect">
             <a:avLst/>
@@ -7220,10 +7244,10 @@
           <a:lstStyle/>
           <a:p>
             <a:r>
-              <a:rPr lang="en-US" sz="1000" dirty="0" smtClean="0"/>
+              <a:rPr lang="en-US" sz="1100" dirty="0" smtClean="0"/>
               <a:t>Log(Species)</a:t>
             </a:r>
-            <a:endParaRPr lang="en-US" sz="1000" dirty="0"/>
+            <a:endParaRPr lang="en-US" sz="1100" dirty="0"/>
           </a:p>
         </p:txBody>
       </p:sp>
@@ -7377,8 +7401,8 @@
         </p:nvSpPr>
         <p:spPr>
           <a:xfrm rot="20741648">
-            <a:off x="3362806" y="2597585"/>
-            <a:ext cx="1101852" cy="246221"/>
+            <a:off x="3362806" y="2589891"/>
+            <a:ext cx="1101852" cy="261610"/>
           </a:xfrm>
           <a:prstGeom prst="rect">
             <a:avLst/>
@@ -7392,10 +7416,10 @@
           <a:lstStyle/>
           <a:p>
             <a:r>
-              <a:rPr lang="en-US" sz="1000" dirty="0" smtClean="0"/>
+              <a:rPr lang="en-US" sz="1100" dirty="0" smtClean="0"/>
               <a:t>All species</a:t>
             </a:r>
-            <a:endParaRPr lang="en-US" sz="1000" dirty="0"/>
+            <a:endParaRPr lang="en-US" sz="1100" dirty="0"/>
           </a:p>
         </p:txBody>
       </p:sp>
@@ -7407,8 +7431,8 @@
         </p:nvSpPr>
         <p:spPr>
           <a:xfrm rot="19292141">
-            <a:off x="3275057" y="3158671"/>
-            <a:ext cx="1282191" cy="246221"/>
+            <a:off x="3245778" y="3067049"/>
+            <a:ext cx="1552041" cy="261610"/>
           </a:xfrm>
           <a:prstGeom prst="rect">
             <a:avLst/>
@@ -7422,10 +7446,10 @@
           <a:lstStyle/>
           <a:p>
             <a:r>
-              <a:rPr lang="en-US" sz="1000" dirty="0" smtClean="0"/>
+              <a:rPr lang="en-US" sz="1100" dirty="0" smtClean="0"/>
               <a:t>Excluding transients</a:t>
             </a:r>
-            <a:endParaRPr lang="en-US" sz="1000" dirty="0"/>
+            <a:endParaRPr lang="en-US" sz="1100" dirty="0"/>
           </a:p>
         </p:txBody>
       </p:sp>
@@ -9583,7 +9607,7 @@
         </p:nvSpPr>
         <p:spPr>
           <a:xfrm>
-            <a:off x="336157" y="4398162"/>
+            <a:off x="108573" y="4398162"/>
             <a:ext cx="2044550" cy="369332"/>
           </a:xfrm>
           <a:prstGeom prst="rect">
@@ -9629,7 +9653,7 @@
         </p:nvSpPr>
         <p:spPr>
           <a:xfrm>
-            <a:off x="3001096" y="4391285"/>
+            <a:off x="2783696" y="4400082"/>
             <a:ext cx="2044550" cy="369332"/>
           </a:xfrm>
           <a:prstGeom prst="rect">
@@ -9649,11 +9673,7 @@
             </a:r>
             <a:r>
               <a:rPr lang="en-US" b="1" dirty="0" smtClean="0"/>
-              <a:t> </a:t>
-            </a:r>
-            <a:r>
-              <a:rPr lang="en-US" b="1" dirty="0" smtClean="0"/>
-              <a:t>– </a:t>
+              <a:t> – </a:t>
             </a:r>
             <a:r>
               <a:rPr lang="en-US" b="1" dirty="0"/>
@@ -9768,76 +9788,6 @@
       <p:pic>
         <p:nvPicPr>
           <p:cNvPr id="12" name="Picture 11"/>
-          <p:cNvPicPr>
-            <a:picLocks noChangeAspect="1"/>
-          </p:cNvPicPr>
-          <p:nvPr/>
-        </p:nvPicPr>
-        <p:blipFill>
-          <a:blip r:embed="rId2"/>
-          <a:stretch>
-            <a:fillRect/>
-          </a:stretch>
-        </p:blipFill>
-        <p:spPr>
-          <a:xfrm>
-            <a:off x="2873809" y="507881"/>
-            <a:ext cx="2491454" cy="1322479"/>
-          </a:xfrm>
-          <a:prstGeom prst="rect">
-            <a:avLst/>
-          </a:prstGeom>
-        </p:spPr>
-      </p:pic>
-      <p:sp>
-        <p:nvSpPr>
-          <p:cNvPr id="14" name="Rectangle 13"/>
-          <p:cNvSpPr/>
-          <p:nvPr/>
-        </p:nvSpPr>
-        <p:spPr>
-          <a:xfrm>
-            <a:off x="5253879" y="963103"/>
-            <a:ext cx="123610" cy="207984"/>
-          </a:xfrm>
-          <a:prstGeom prst="rect">
-            <a:avLst/>
-          </a:prstGeom>
-          <a:solidFill>
-            <a:schemeClr val="bg1"/>
-          </a:solidFill>
-          <a:ln>
-            <a:noFill/>
-          </a:ln>
-        </p:spPr>
-        <p:style>
-          <a:lnRef idx="2">
-            <a:schemeClr val="accent1">
-              <a:shade val="50000"/>
-            </a:schemeClr>
-          </a:lnRef>
-          <a:fillRef idx="1">
-            <a:schemeClr val="accent1"/>
-          </a:fillRef>
-          <a:effectRef idx="0">
-            <a:schemeClr val="accent1"/>
-          </a:effectRef>
-          <a:fontRef idx="minor">
-            <a:schemeClr val="lt1"/>
-          </a:fontRef>
-        </p:style>
-        <p:txBody>
-          <a:bodyPr rtlCol="0" anchor="ctr"/>
-          <a:lstStyle/>
-          <a:p>
-            <a:pPr algn="ctr"/>
-            <a:endParaRPr lang="en-US"/>
-          </a:p>
-        </p:txBody>
-      </p:sp>
-      <p:pic>
-        <p:nvPicPr>
-          <p:cNvPr id="11" name="Picture 10"/>
           <p:cNvPicPr>
             <a:picLocks noChangeAspect="1"/>
           </p:cNvPicPr>
@@ -9851,7 +9801,77 @@
         </p:blipFill>
         <p:spPr>
           <a:xfrm>
-            <a:off x="3728589" y="328164"/>
+            <a:off x="2893514" y="816004"/>
+            <a:ext cx="2491454" cy="1322479"/>
+          </a:xfrm>
+          <a:prstGeom prst="rect">
+            <a:avLst/>
+          </a:prstGeom>
+        </p:spPr>
+      </p:pic>
+      <p:sp>
+        <p:nvSpPr>
+          <p:cNvPr id="14" name="Rectangle 13"/>
+          <p:cNvSpPr/>
+          <p:nvPr/>
+        </p:nvSpPr>
+        <p:spPr>
+          <a:xfrm>
+            <a:off x="5275373" y="1292238"/>
+            <a:ext cx="123610" cy="207984"/>
+          </a:xfrm>
+          <a:prstGeom prst="rect">
+            <a:avLst/>
+          </a:prstGeom>
+          <a:solidFill>
+            <a:schemeClr val="bg1"/>
+          </a:solidFill>
+          <a:ln>
+            <a:noFill/>
+          </a:ln>
+        </p:spPr>
+        <p:style>
+          <a:lnRef idx="2">
+            <a:schemeClr val="accent1">
+              <a:shade val="50000"/>
+            </a:schemeClr>
+          </a:lnRef>
+          <a:fillRef idx="1">
+            <a:schemeClr val="accent1"/>
+          </a:fillRef>
+          <a:effectRef idx="0">
+            <a:schemeClr val="accent1"/>
+          </a:effectRef>
+          <a:fontRef idx="minor">
+            <a:schemeClr val="lt1"/>
+          </a:fontRef>
+        </p:style>
+        <p:txBody>
+          <a:bodyPr rtlCol="0" anchor="ctr"/>
+          <a:lstStyle/>
+          <a:p>
+            <a:pPr algn="ctr"/>
+            <a:endParaRPr lang="en-US"/>
+          </a:p>
+        </p:txBody>
+      </p:sp>
+      <p:pic>
+        <p:nvPicPr>
+          <p:cNvPr id="11" name="Picture 10"/>
+          <p:cNvPicPr>
+            <a:picLocks noChangeAspect="1"/>
+          </p:cNvPicPr>
+          <p:nvPr/>
+        </p:nvPicPr>
+        <p:blipFill>
+          <a:blip r:embed="rId4"/>
+          <a:stretch>
+            <a:fillRect/>
+          </a:stretch>
+        </p:blipFill>
+        <p:spPr>
+          <a:xfrm>
+            <a:off x="3768760" y="470087"/>
             <a:ext cx="830956" cy="319414"/>
           </a:xfrm>
           <a:prstGeom prst="rect">

--- a/output/plots/all_figs_with_legends.pptx
+++ b/output/plots/all_figs_with_legends.pptx
@@ -205,7 +205,7 @@
           <a:p>
             <a:fld id="{7FA21820-D199-4D82-91AF-C50B1D3B111A}" type="datetimeFigureOut">
               <a:rPr lang="en-US" smtClean="0"/>
-              <a:t>5/26/2017</a:t>
+              <a:t>6/1/2017</a:t>
             </a:fld>
             <a:endParaRPr lang="en-US"/>
           </a:p>
@@ -1038,7 +1038,7 @@
           <a:p>
             <a:fld id="{916B8C92-D5E3-4480-8685-D57BEE386DE2}" type="datetimeFigureOut">
               <a:rPr lang="en-US" smtClean="0"/>
-              <a:t>5/26/2017</a:t>
+              <a:t>6/1/2017</a:t>
             </a:fld>
             <a:endParaRPr lang="en-US"/>
           </a:p>
@@ -1208,7 +1208,7 @@
           <a:p>
             <a:fld id="{916B8C92-D5E3-4480-8685-D57BEE386DE2}" type="datetimeFigureOut">
               <a:rPr lang="en-US" smtClean="0"/>
-              <a:t>5/26/2017</a:t>
+              <a:t>6/1/2017</a:t>
             </a:fld>
             <a:endParaRPr lang="en-US"/>
           </a:p>
@@ -1388,7 +1388,7 @@
           <a:p>
             <a:fld id="{916B8C92-D5E3-4480-8685-D57BEE386DE2}" type="datetimeFigureOut">
               <a:rPr lang="en-US" smtClean="0"/>
-              <a:t>5/26/2017</a:t>
+              <a:t>6/1/2017</a:t>
             </a:fld>
             <a:endParaRPr lang="en-US"/>
           </a:p>
@@ -1558,7 +1558,7 @@
           <a:p>
             <a:fld id="{916B8C92-D5E3-4480-8685-D57BEE386DE2}" type="datetimeFigureOut">
               <a:rPr lang="en-US" smtClean="0"/>
-              <a:t>5/26/2017</a:t>
+              <a:t>6/1/2017</a:t>
             </a:fld>
             <a:endParaRPr lang="en-US"/>
           </a:p>
@@ -1804,7 +1804,7 @@
           <a:p>
             <a:fld id="{916B8C92-D5E3-4480-8685-D57BEE386DE2}" type="datetimeFigureOut">
               <a:rPr lang="en-US" smtClean="0"/>
-              <a:t>5/26/2017</a:t>
+              <a:t>6/1/2017</a:t>
             </a:fld>
             <a:endParaRPr lang="en-US"/>
           </a:p>
@@ -2036,7 +2036,7 @@
           <a:p>
             <a:fld id="{916B8C92-D5E3-4480-8685-D57BEE386DE2}" type="datetimeFigureOut">
               <a:rPr lang="en-US" smtClean="0"/>
-              <a:t>5/26/2017</a:t>
+              <a:t>6/1/2017</a:t>
             </a:fld>
             <a:endParaRPr lang="en-US"/>
           </a:p>
@@ -2403,7 +2403,7 @@
           <a:p>
             <a:fld id="{916B8C92-D5E3-4480-8685-D57BEE386DE2}" type="datetimeFigureOut">
               <a:rPr lang="en-US" smtClean="0"/>
-              <a:t>5/26/2017</a:t>
+              <a:t>6/1/2017</a:t>
             </a:fld>
             <a:endParaRPr lang="en-US"/>
           </a:p>
@@ -2521,7 +2521,7 @@
           <a:p>
             <a:fld id="{916B8C92-D5E3-4480-8685-D57BEE386DE2}" type="datetimeFigureOut">
               <a:rPr lang="en-US" smtClean="0"/>
-              <a:t>5/26/2017</a:t>
+              <a:t>6/1/2017</a:t>
             </a:fld>
             <a:endParaRPr lang="en-US"/>
           </a:p>
@@ -2616,7 +2616,7 @@
           <a:p>
             <a:fld id="{916B8C92-D5E3-4480-8685-D57BEE386DE2}" type="datetimeFigureOut">
               <a:rPr lang="en-US" smtClean="0"/>
-              <a:t>5/26/2017</a:t>
+              <a:t>6/1/2017</a:t>
             </a:fld>
             <a:endParaRPr lang="en-US"/>
           </a:p>
@@ -2893,7 +2893,7 @@
           <a:p>
             <a:fld id="{916B8C92-D5E3-4480-8685-D57BEE386DE2}" type="datetimeFigureOut">
               <a:rPr lang="en-US" smtClean="0"/>
-              <a:t>5/26/2017</a:t>
+              <a:t>6/1/2017</a:t>
             </a:fld>
             <a:endParaRPr lang="en-US"/>
           </a:p>
@@ -3146,7 +3146,7 @@
           <a:p>
             <a:fld id="{916B8C92-D5E3-4480-8685-D57BEE386DE2}" type="datetimeFigureOut">
               <a:rPr lang="en-US" smtClean="0"/>
-              <a:t>5/26/2017</a:t>
+              <a:t>6/1/2017</a:t>
             </a:fld>
             <a:endParaRPr lang="en-US"/>
           </a:p>
@@ -3359,7 +3359,7 @@
           <a:p>
             <a:fld id="{916B8C92-D5E3-4480-8685-D57BEE386DE2}" type="datetimeFigureOut">
               <a:rPr lang="en-US" smtClean="0"/>
-              <a:t>5/26/2017</a:t>
+              <a:t>6/1/2017</a:t>
             </a:fld>
             <a:endParaRPr lang="en-US"/>
           </a:p>
@@ -9463,8 +9463,8 @@
         </p:nvSpPr>
         <p:spPr>
           <a:xfrm>
-            <a:off x="171619" y="4468418"/>
-            <a:ext cx="5227364" cy="1778106"/>
+            <a:off x="171619" y="4468417"/>
+            <a:ext cx="5227364" cy="2188495"/>
           </a:xfrm>
           <a:prstGeom prst="rect">
             <a:avLst/>
@@ -9599,102 +9599,228 @@
           </a:p>
         </p:txBody>
       </p:sp>
-      <p:sp>
-        <p:nvSpPr>
-          <p:cNvPr id="96" name="TextBox 95"/>
-          <p:cNvSpPr txBox="1"/>
-          <p:nvPr/>
-        </p:nvSpPr>
-        <p:spPr>
-          <a:xfrm>
-            <a:off x="108573" y="4398162"/>
-            <a:ext cx="2044550" cy="369332"/>
-          </a:xfrm>
-          <a:prstGeom prst="rect">
-            <a:avLst/>
-          </a:prstGeom>
-          <a:noFill/>
-        </p:spPr>
-        <p:txBody>
-          <a:bodyPr wrap="square" rtlCol="0">
-            <a:spAutoFit/>
-          </a:bodyPr>
-          <a:lstStyle/>
-          <a:p>
-            <a:r>
-              <a:rPr lang="en-US" b="1" dirty="0" smtClean="0"/>
-              <a:t>E – </a:t>
-            </a:r>
-            <a:r>
-              <a:rPr lang="en-US" b="1" dirty="0"/>
-              <a:t>t</a:t>
-            </a:r>
-            <a:r>
-              <a:rPr lang="en-US" b="1" dirty="0" smtClean="0"/>
-              <a:t>ime </a:t>
-            </a:r>
-            <a:r>
-              <a:rPr lang="en-US" b="1" i="1" dirty="0" smtClean="0"/>
-              <a:t>t</a:t>
-            </a:r>
-            <a:r>
-              <a:rPr lang="en-US" sz="1400" b="1" i="1" dirty="0" smtClean="0"/>
-              <a:t>1</a:t>
-            </a:r>
-            <a:endParaRPr lang="en-US" sz="1600" b="1" dirty="0"/>
-          </a:p>
-        </p:txBody>
-      </p:sp>
-      <p:sp>
-        <p:nvSpPr>
-          <p:cNvPr id="98" name="TextBox 97"/>
-          <p:cNvSpPr txBox="1"/>
-          <p:nvPr/>
-        </p:nvSpPr>
-        <p:spPr>
-          <a:xfrm>
-            <a:off x="2783696" y="4400082"/>
-            <a:ext cx="2044550" cy="369332"/>
-          </a:xfrm>
-          <a:prstGeom prst="rect">
-            <a:avLst/>
-          </a:prstGeom>
-          <a:noFill/>
-        </p:spPr>
-        <p:txBody>
-          <a:bodyPr wrap="square" rtlCol="0">
-            <a:spAutoFit/>
-          </a:bodyPr>
-          <a:lstStyle/>
-          <a:p>
-            <a:r>
-              <a:rPr lang="en-US" b="1" dirty="0"/>
-              <a:t>F</a:t>
-            </a:r>
-            <a:r>
-              <a:rPr lang="en-US" b="1" dirty="0" smtClean="0"/>
-              <a:t> – </a:t>
-            </a:r>
-            <a:r>
-              <a:rPr lang="en-US" b="1" dirty="0"/>
-              <a:t>t</a:t>
-            </a:r>
-            <a:r>
-              <a:rPr lang="en-US" b="1" dirty="0" smtClean="0"/>
-              <a:t>ime </a:t>
-            </a:r>
-            <a:r>
-              <a:rPr lang="en-US" b="1" i="1" dirty="0" smtClean="0"/>
-              <a:t>t</a:t>
-            </a:r>
-            <a:r>
-              <a:rPr lang="en-US" sz="1400" b="1" i="1" dirty="0"/>
-              <a:t>2</a:t>
-            </a:r>
-            <a:endParaRPr lang="en-US" sz="1600" b="1" dirty="0"/>
-          </a:p>
-        </p:txBody>
-      </p:sp>
+      <mc:AlternateContent xmlns:mc="http://schemas.openxmlformats.org/markup-compatibility/2006">
+        <mc:Choice xmlns:a14="http://schemas.microsoft.com/office/drawing/2010/main" Requires="a14">
+          <p:sp>
+            <p:nvSpPr>
+              <p:cNvPr id="96" name="TextBox 95"/>
+              <p:cNvSpPr txBox="1"/>
+              <p:nvPr/>
+            </p:nvSpPr>
+            <p:spPr>
+              <a:xfrm>
+                <a:off x="120580" y="4379753"/>
+                <a:ext cx="2044550" cy="369332"/>
+              </a:xfrm>
+              <a:prstGeom prst="rect">
+                <a:avLst/>
+              </a:prstGeom>
+              <a:noFill/>
+            </p:spPr>
+            <p:txBody>
+              <a:bodyPr wrap="square" rtlCol="0">
+                <a:spAutoFit/>
+              </a:bodyPr>
+              <a:lstStyle/>
+              <a:p>
+                <a:r>
+                  <a:rPr lang="en-US" b="1" dirty="0" smtClean="0"/>
+                  <a:t>E – </a:t>
+                </a:r>
+                <a:r>
+                  <a:rPr lang="en-US" sz="1400" b="1" dirty="0"/>
+                  <a:t>t</a:t>
+                </a:r>
+                <a:r>
+                  <a:rPr lang="en-US" sz="1400" b="1" dirty="0" smtClean="0"/>
+                  <a:t>ime </a:t>
+                </a:r>
+                <a14:m>
+                  <m:oMath xmlns:m="http://schemas.openxmlformats.org/officeDocument/2006/math">
+                    <m:sSub>
+                      <m:sSubPr>
+                        <m:ctrlPr>
+                          <a:rPr lang="en-US" sz="1400" b="1" i="1" smtClean="0">
+                            <a:latin typeface="Cambria Math" panose="02040503050406030204" pitchFamily="18" charset="0"/>
+                          </a:rPr>
+                        </m:ctrlPr>
+                      </m:sSubPr>
+                      <m:e>
+                        <m:r>
+                          <a:rPr lang="en-US" sz="1400" b="1" i="1" smtClean="0">
+                            <a:latin typeface="Cambria Math" panose="02040503050406030204" pitchFamily="18" charset="0"/>
+                          </a:rPr>
+                          <m:t>𝒕</m:t>
+                        </m:r>
+                      </m:e>
+                      <m:sub>
+                        <m:r>
+                          <a:rPr lang="en-US" sz="1400" b="1" i="1" smtClean="0">
+                            <a:latin typeface="Cambria Math" panose="02040503050406030204" pitchFamily="18" charset="0"/>
+                          </a:rPr>
+                          <m:t>𝟏</m:t>
+                        </m:r>
+                      </m:sub>
+                    </m:sSub>
+                  </m:oMath>
+                </a14:m>
+                <a:endParaRPr lang="en-US" sz="1400" b="1" dirty="0"/>
+              </a:p>
+            </p:txBody>
+          </p:sp>
+        </mc:Choice>
+        <mc:Fallback>
+          <p:sp>
+            <p:nvSpPr>
+              <p:cNvPr id="96" name="TextBox 95"/>
+              <p:cNvSpPr txBox="1">
+                <a:spLocks noRot="1" noChangeAspect="1" noMove="1" noResize="1" noEditPoints="1" noAdjustHandles="1" noChangeArrowheads="1" noChangeShapeType="1" noTextEdit="1"/>
+              </p:cNvSpPr>
+              <p:nvPr/>
+            </p:nvSpPr>
+            <p:spPr>
+              <a:xfrm>
+                <a:off x="120580" y="4379753"/>
+                <a:ext cx="2044550" cy="369332"/>
+              </a:xfrm>
+              <a:prstGeom prst="rect">
+                <a:avLst/>
+              </a:prstGeom>
+              <a:blipFill>
+                <a:blip r:embed="rId3"/>
+                <a:stretch>
+                  <a:fillRect l="-2687" t="-8197" b="-24590"/>
+                </a:stretch>
+              </a:blipFill>
+            </p:spPr>
+            <p:txBody>
+              <a:bodyPr/>
+              <a:lstStyle/>
+              <a:p>
+                <a:r>
+                  <a:rPr lang="en-US">
+                    <a:noFill/>
+                  </a:rPr>
+                  <a:t> </a:t>
+                </a:r>
+              </a:p>
+            </p:txBody>
+          </p:sp>
+        </mc:Fallback>
+      </mc:AlternateContent>
+      <mc:AlternateContent xmlns:mc="http://schemas.openxmlformats.org/markup-compatibility/2006">
+        <mc:Choice xmlns:a14="http://schemas.microsoft.com/office/drawing/2010/main" Requires="a14">
+          <p:sp>
+            <p:nvSpPr>
+              <p:cNvPr id="98" name="TextBox 97"/>
+              <p:cNvSpPr txBox="1"/>
+              <p:nvPr/>
+            </p:nvSpPr>
+            <p:spPr>
+              <a:xfrm>
+                <a:off x="2795703" y="4381673"/>
+                <a:ext cx="2044550" cy="369332"/>
+              </a:xfrm>
+              <a:prstGeom prst="rect">
+                <a:avLst/>
+              </a:prstGeom>
+              <a:noFill/>
+            </p:spPr>
+            <p:txBody>
+              <a:bodyPr wrap="square" rtlCol="0">
+                <a:spAutoFit/>
+              </a:bodyPr>
+              <a:lstStyle/>
+              <a:p>
+                <a:r>
+                  <a:rPr lang="en-US" b="1" dirty="0" smtClean="0"/>
+                  <a:t>F</a:t>
+                </a:r>
+                <a:r>
+                  <a:rPr lang="en-US" b="1" dirty="0" smtClean="0"/>
+                  <a:t> – </a:t>
+                </a:r>
+                <a:r>
+                  <a:rPr lang="en-US" sz="1400" b="1" dirty="0"/>
+                  <a:t>t</a:t>
+                </a:r>
+                <a:r>
+                  <a:rPr lang="en-US" sz="1400" b="1" dirty="0" smtClean="0"/>
+                  <a:t>ime </a:t>
+                </a:r>
+                <a14:m>
+                  <m:oMath xmlns:m="http://schemas.openxmlformats.org/officeDocument/2006/math">
+                    <m:sSub>
+                      <m:sSubPr>
+                        <m:ctrlPr>
+                          <a:rPr lang="en-US" sz="1400" b="1" i="1" smtClean="0">
+                            <a:latin typeface="Cambria Math" panose="02040503050406030204" pitchFamily="18" charset="0"/>
+                          </a:rPr>
+                        </m:ctrlPr>
+                      </m:sSubPr>
+                      <m:e>
+                        <m:r>
+                          <a:rPr lang="en-US" sz="1400" b="1" i="1">
+                            <a:latin typeface="Cambria Math" panose="02040503050406030204" pitchFamily="18" charset="0"/>
+                          </a:rPr>
+                          <m:t>𝒕</m:t>
+                        </m:r>
+                      </m:e>
+                      <m:sub>
+                        <m:r>
+                          <a:rPr lang="en-US" sz="1400" b="1" i="1" smtClean="0">
+                            <a:latin typeface="Cambria Math" panose="02040503050406030204" pitchFamily="18" charset="0"/>
+                          </a:rPr>
+                          <m:t>𝟐</m:t>
+                        </m:r>
+                      </m:sub>
+                    </m:sSub>
+                  </m:oMath>
+                </a14:m>
+                <a:endParaRPr lang="en-US" sz="1400" b="1" dirty="0"/>
+              </a:p>
+            </p:txBody>
+          </p:sp>
+        </mc:Choice>
+        <mc:Fallback>
+          <p:sp>
+            <p:nvSpPr>
+              <p:cNvPr id="98" name="TextBox 97"/>
+              <p:cNvSpPr txBox="1">
+                <a:spLocks noRot="1" noChangeAspect="1" noMove="1" noResize="1" noEditPoints="1" noAdjustHandles="1" noChangeArrowheads="1" noChangeShapeType="1" noTextEdit="1"/>
+              </p:cNvSpPr>
+              <p:nvPr/>
+            </p:nvSpPr>
+            <p:spPr>
+              <a:xfrm>
+                <a:off x="2795703" y="4381673"/>
+                <a:ext cx="2044550" cy="369332"/>
+              </a:xfrm>
+              <a:prstGeom prst="rect">
+                <a:avLst/>
+              </a:prstGeom>
+              <a:blipFill>
+                <a:blip r:embed="rId4"/>
+                <a:stretch>
+                  <a:fillRect l="-2687" t="-10000" b="-26667"/>
+                </a:stretch>
+              </a:blipFill>
+            </p:spPr>
+            <p:txBody>
+              <a:bodyPr/>
+              <a:lstStyle/>
+              <a:p>
+                <a:r>
+                  <a:rPr lang="en-US">
+                    <a:noFill/>
+                  </a:rPr>
+                  <a:t> </a:t>
+                </a:r>
+              </a:p>
+            </p:txBody>
+          </p:sp>
+        </mc:Fallback>
+      </mc:AlternateContent>
       <p:sp>
         <p:nvSpPr>
           <p:cNvPr id="103" name="Right Arrow 102"/>
@@ -9751,8 +9877,8 @@
         </p:nvSpPr>
         <p:spPr>
           <a:xfrm>
-            <a:off x="171619" y="6206853"/>
-            <a:ext cx="5227364" cy="553998"/>
+            <a:off x="344908" y="6100126"/>
+            <a:ext cx="4654415" cy="600164"/>
           </a:xfrm>
           <a:prstGeom prst="rect">
             <a:avLst/>
@@ -9766,22 +9892,34 @@
           <a:lstStyle/>
           <a:p>
             <a:r>
-              <a:rPr lang="en-US" sz="1000" b="1" dirty="0" smtClean="0"/>
+              <a:rPr lang="en-US" sz="1100" b="1" dirty="0" smtClean="0"/>
               <a:t>Turnover</a:t>
             </a:r>
           </a:p>
           <a:p>
             <a:r>
-              <a:rPr lang="en-US" sz="1000" dirty="0" smtClean="0"/>
-              <a:t>All species = 5/11</a:t>
-            </a:r>
-          </a:p>
-          <a:p>
-            <a:r>
-              <a:rPr lang="en-US" sz="1000" dirty="0" smtClean="0"/>
-              <a:t>Excluding transients = 5/5</a:t>
-            </a:r>
-            <a:endParaRPr lang="en-US" sz="1000" dirty="0"/>
+              <a:rPr lang="en-US" sz="1100" dirty="0" smtClean="0"/>
+              <a:t>All species = </a:t>
+            </a:r>
+            <a:r>
+              <a:rPr lang="en-US" sz="1100" dirty="0" smtClean="0"/>
+              <a:t>6/11, number of unique species/total number of species</a:t>
+            </a:r>
+          </a:p>
+          <a:p>
+            <a:r>
+              <a:rPr lang="en-US" sz="1100" dirty="0" smtClean="0"/>
+              <a:t>Excluding transients </a:t>
+            </a:r>
+            <a:r>
+              <a:rPr lang="en-US" sz="1100" dirty="0"/>
+              <a:t>= 0/5, number of unique species/total number of </a:t>
+            </a:r>
+            <a:r>
+              <a:rPr lang="en-US" sz="1100" dirty="0" smtClean="0"/>
+              <a:t>species</a:t>
+            </a:r>
+            <a:endParaRPr lang="en-US" sz="1100" dirty="0"/>
           </a:p>
         </p:txBody>
       </p:sp>
@@ -9794,7 +9932,7 @@
           <p:nvPr/>
         </p:nvPicPr>
         <p:blipFill>
-          <a:blip r:embed="rId3"/>
+          <a:blip r:embed="rId5"/>
           <a:stretch>
             <a:fillRect/>
           </a:stretch>
@@ -9864,7 +10002,7 @@
           <p:nvPr/>
         </p:nvPicPr>
         <p:blipFill>
-          <a:blip r:embed="rId4"/>
+          <a:blip r:embed="rId6"/>
           <a:stretch>
             <a:fillRect/>
           </a:stretch>

--- a/output/plots/all_figs_with_legends.pptx
+++ b/output/plots/all_figs_with_legends.pptx
@@ -205,7 +205,7 @@
           <a:p>
             <a:fld id="{7FA21820-D199-4D82-91AF-C50B1D3B111A}" type="datetimeFigureOut">
               <a:rPr lang="en-US" smtClean="0"/>
-              <a:t>6/1/2017</a:t>
+              <a:t>6/8/2017</a:t>
             </a:fld>
             <a:endParaRPr lang="en-US"/>
           </a:p>
@@ -1038,7 +1038,7 @@
           <a:p>
             <a:fld id="{916B8C92-D5E3-4480-8685-D57BEE386DE2}" type="datetimeFigureOut">
               <a:rPr lang="en-US" smtClean="0"/>
-              <a:t>6/1/2017</a:t>
+              <a:t>6/8/2017</a:t>
             </a:fld>
             <a:endParaRPr lang="en-US"/>
           </a:p>
@@ -1208,7 +1208,7 @@
           <a:p>
             <a:fld id="{916B8C92-D5E3-4480-8685-D57BEE386DE2}" type="datetimeFigureOut">
               <a:rPr lang="en-US" smtClean="0"/>
-              <a:t>6/1/2017</a:t>
+              <a:t>6/8/2017</a:t>
             </a:fld>
             <a:endParaRPr lang="en-US"/>
           </a:p>
@@ -1388,7 +1388,7 @@
           <a:p>
             <a:fld id="{916B8C92-D5E3-4480-8685-D57BEE386DE2}" type="datetimeFigureOut">
               <a:rPr lang="en-US" smtClean="0"/>
-              <a:t>6/1/2017</a:t>
+              <a:t>6/8/2017</a:t>
             </a:fld>
             <a:endParaRPr lang="en-US"/>
           </a:p>
@@ -1558,7 +1558,7 @@
           <a:p>
             <a:fld id="{916B8C92-D5E3-4480-8685-D57BEE386DE2}" type="datetimeFigureOut">
               <a:rPr lang="en-US" smtClean="0"/>
-              <a:t>6/1/2017</a:t>
+              <a:t>6/8/2017</a:t>
             </a:fld>
             <a:endParaRPr lang="en-US"/>
           </a:p>
@@ -1804,7 +1804,7 @@
           <a:p>
             <a:fld id="{916B8C92-D5E3-4480-8685-D57BEE386DE2}" type="datetimeFigureOut">
               <a:rPr lang="en-US" smtClean="0"/>
-              <a:t>6/1/2017</a:t>
+              <a:t>6/8/2017</a:t>
             </a:fld>
             <a:endParaRPr lang="en-US"/>
           </a:p>
@@ -2036,7 +2036,7 @@
           <a:p>
             <a:fld id="{916B8C92-D5E3-4480-8685-D57BEE386DE2}" type="datetimeFigureOut">
               <a:rPr lang="en-US" smtClean="0"/>
-              <a:t>6/1/2017</a:t>
+              <a:t>6/8/2017</a:t>
             </a:fld>
             <a:endParaRPr lang="en-US"/>
           </a:p>
@@ -2403,7 +2403,7 @@
           <a:p>
             <a:fld id="{916B8C92-D5E3-4480-8685-D57BEE386DE2}" type="datetimeFigureOut">
               <a:rPr lang="en-US" smtClean="0"/>
-              <a:t>6/1/2017</a:t>
+              <a:t>6/8/2017</a:t>
             </a:fld>
             <a:endParaRPr lang="en-US"/>
           </a:p>
@@ -2521,7 +2521,7 @@
           <a:p>
             <a:fld id="{916B8C92-D5E3-4480-8685-D57BEE386DE2}" type="datetimeFigureOut">
               <a:rPr lang="en-US" smtClean="0"/>
-              <a:t>6/1/2017</a:t>
+              <a:t>6/8/2017</a:t>
             </a:fld>
             <a:endParaRPr lang="en-US"/>
           </a:p>
@@ -2616,7 +2616,7 @@
           <a:p>
             <a:fld id="{916B8C92-D5E3-4480-8685-D57BEE386DE2}" type="datetimeFigureOut">
               <a:rPr lang="en-US" smtClean="0"/>
-              <a:t>6/1/2017</a:t>
+              <a:t>6/8/2017</a:t>
             </a:fld>
             <a:endParaRPr lang="en-US"/>
           </a:p>
@@ -2893,7 +2893,7 @@
           <a:p>
             <a:fld id="{916B8C92-D5E3-4480-8685-D57BEE386DE2}" type="datetimeFigureOut">
               <a:rPr lang="en-US" smtClean="0"/>
-              <a:t>6/1/2017</a:t>
+              <a:t>6/8/2017</a:t>
             </a:fld>
             <a:endParaRPr lang="en-US"/>
           </a:p>
@@ -3146,7 +3146,7 @@
           <a:p>
             <a:fld id="{916B8C92-D5E3-4480-8685-D57BEE386DE2}" type="datetimeFigureOut">
               <a:rPr lang="en-US" smtClean="0"/>
-              <a:t>6/1/2017</a:t>
+              <a:t>6/8/2017</a:t>
             </a:fld>
             <a:endParaRPr lang="en-US"/>
           </a:p>
@@ -3359,7 +3359,7 @@
           <a:p>
             <a:fld id="{916B8C92-D5E3-4480-8685-D57BEE386DE2}" type="datetimeFigureOut">
               <a:rPr lang="en-US" smtClean="0"/>
-              <a:t>6/1/2017</a:t>
+              <a:t>6/8/2017</a:t>
             </a:fld>
             <a:endParaRPr lang="en-US"/>
           </a:p>
@@ -5839,7 +5839,7 @@
       </p:grpSpPr>
       <p:pic>
         <p:nvPicPr>
-          <p:cNvPr id="6" name="Picture 5"/>
+          <p:cNvPr id="25" name="Picture 24"/>
           <p:cNvPicPr>
             <a:picLocks noChangeAspect="1"/>
           </p:cNvPicPr>
@@ -5853,8 +5853,8 @@
         </p:blipFill>
         <p:spPr>
           <a:xfrm>
-            <a:off x="184721" y="357096"/>
-            <a:ext cx="2574012" cy="1833255"/>
+            <a:off x="2892787" y="120120"/>
+            <a:ext cx="2437076" cy="2083010"/>
           </a:xfrm>
           <a:prstGeom prst="rect">
             <a:avLst/>
@@ -9599,8 +9599,8 @@
           </a:p>
         </p:txBody>
       </p:sp>
-      <mc:AlternateContent xmlns:mc="http://schemas.openxmlformats.org/markup-compatibility/2006">
-        <mc:Choice xmlns:a14="http://schemas.microsoft.com/office/drawing/2010/main" Requires="a14">
+      <mc:AlternateContent xmlns:mc="http://schemas.openxmlformats.org/markup-compatibility/2006" xmlns:a14="http://schemas.microsoft.com/office/drawing/2010/main">
+        <mc:Choice Requires="a14">
           <p:sp>
             <p:nvSpPr>
               <p:cNvPr id="96" name="TextBox 95"/>
@@ -9669,7 +9669,7 @@
             </p:txBody>
           </p:sp>
         </mc:Choice>
-        <mc:Fallback>
+        <mc:Fallback xmlns="">
           <p:sp>
             <p:nvSpPr>
               <p:cNvPr id="96" name="TextBox 95"/>
@@ -9708,8 +9708,8 @@
           </p:sp>
         </mc:Fallback>
       </mc:AlternateContent>
-      <mc:AlternateContent xmlns:mc="http://schemas.openxmlformats.org/markup-compatibility/2006">
-        <mc:Choice xmlns:a14="http://schemas.microsoft.com/office/drawing/2010/main" Requires="a14">
+      <mc:AlternateContent xmlns:mc="http://schemas.openxmlformats.org/markup-compatibility/2006" xmlns:a14="http://schemas.microsoft.com/office/drawing/2010/main">
+        <mc:Choice Requires="a14">
           <p:sp>
             <p:nvSpPr>
               <p:cNvPr id="98" name="TextBox 97"/>
@@ -9734,11 +9734,7 @@
               <a:p>
                 <a:r>
                   <a:rPr lang="en-US" b="1" dirty="0" smtClean="0"/>
-                  <a:t>F</a:t>
-                </a:r>
-                <a:r>
-                  <a:rPr lang="en-US" b="1" dirty="0" smtClean="0"/>
-                  <a:t> – </a:t>
+                  <a:t>F – </a:t>
                 </a:r>
                 <a:r>
                   <a:rPr lang="en-US" sz="1400" b="1" dirty="0"/>
@@ -9782,7 +9778,7 @@
             </p:txBody>
           </p:sp>
         </mc:Choice>
-        <mc:Fallback>
+        <mc:Fallback xmlns="">
           <p:sp>
             <p:nvSpPr>
               <p:cNvPr id="98" name="TextBox 97"/>
@@ -9899,11 +9895,7 @@
           <a:p>
             <a:r>
               <a:rPr lang="en-US" sz="1100" dirty="0" smtClean="0"/>
-              <a:t>All species = </a:t>
-            </a:r>
-            <a:r>
-              <a:rPr lang="en-US" sz="1100" dirty="0" smtClean="0"/>
-              <a:t>6/11, number of unique species/total number of species</a:t>
+              <a:t>All species = 6/11, number of unique species/total number of species</a:t>
             </a:r>
           </a:p>
           <a:p>
@@ -9923,9 +9915,55 @@
           </a:p>
         </p:txBody>
       </p:sp>
+      <p:sp>
+        <p:nvSpPr>
+          <p:cNvPr id="14" name="Rectangle 13"/>
+          <p:cNvSpPr/>
+          <p:nvPr/>
+        </p:nvSpPr>
+        <p:spPr>
+          <a:xfrm>
+            <a:off x="5240814" y="960162"/>
+            <a:ext cx="123610" cy="207984"/>
+          </a:xfrm>
+          <a:prstGeom prst="rect">
+            <a:avLst/>
+          </a:prstGeom>
+          <a:solidFill>
+            <a:schemeClr val="bg1"/>
+          </a:solidFill>
+          <a:ln>
+            <a:noFill/>
+          </a:ln>
+        </p:spPr>
+        <p:style>
+          <a:lnRef idx="2">
+            <a:schemeClr val="accent1">
+              <a:shade val="50000"/>
+            </a:schemeClr>
+          </a:lnRef>
+          <a:fillRef idx="1">
+            <a:schemeClr val="accent1"/>
+          </a:fillRef>
+          <a:effectRef idx="0">
+            <a:schemeClr val="accent1"/>
+          </a:effectRef>
+          <a:fontRef idx="minor">
+            <a:schemeClr val="lt1"/>
+          </a:fontRef>
+        </p:style>
+        <p:txBody>
+          <a:bodyPr rtlCol="0" anchor="ctr"/>
+          <a:lstStyle/>
+          <a:p>
+            <a:pPr algn="ctr"/>
+            <a:endParaRPr lang="en-US"/>
+          </a:p>
+        </p:txBody>
+      </p:sp>
       <p:pic>
         <p:nvPicPr>
-          <p:cNvPr id="12" name="Picture 11"/>
+          <p:cNvPr id="11" name="Picture 10"/>
           <p:cNvPicPr>
             <a:picLocks noChangeAspect="1"/>
           </p:cNvPicPr>
@@ -9939,63 +9977,17 @@
         </p:blipFill>
         <p:spPr>
           <a:xfrm>
-            <a:off x="2893514" y="816004"/>
-            <a:ext cx="2491454" cy="1322479"/>
+            <a:off x="4424775" y="186136"/>
+            <a:ext cx="830956" cy="319414"/>
           </a:xfrm>
           <a:prstGeom prst="rect">
             <a:avLst/>
           </a:prstGeom>
         </p:spPr>
       </p:pic>
-      <p:sp>
-        <p:nvSpPr>
-          <p:cNvPr id="14" name="Rectangle 13"/>
-          <p:cNvSpPr/>
-          <p:nvPr/>
-        </p:nvSpPr>
-        <p:spPr>
-          <a:xfrm>
-            <a:off x="5275373" y="1292238"/>
-            <a:ext cx="123610" cy="207984"/>
-          </a:xfrm>
-          <a:prstGeom prst="rect">
-            <a:avLst/>
-          </a:prstGeom>
-          <a:solidFill>
-            <a:schemeClr val="bg1"/>
-          </a:solidFill>
-          <a:ln>
-            <a:noFill/>
-          </a:ln>
-        </p:spPr>
-        <p:style>
-          <a:lnRef idx="2">
-            <a:schemeClr val="accent1">
-              <a:shade val="50000"/>
-            </a:schemeClr>
-          </a:lnRef>
-          <a:fillRef idx="1">
-            <a:schemeClr val="accent1"/>
-          </a:fillRef>
-          <a:effectRef idx="0">
-            <a:schemeClr val="accent1"/>
-          </a:effectRef>
-          <a:fontRef idx="minor">
-            <a:schemeClr val="lt1"/>
-          </a:fontRef>
-        </p:style>
-        <p:txBody>
-          <a:bodyPr rtlCol="0" anchor="ctr"/>
-          <a:lstStyle/>
-          <a:p>
-            <a:pPr algn="ctr"/>
-            <a:endParaRPr lang="en-US"/>
-          </a:p>
-        </p:txBody>
-      </p:sp>
       <p:pic>
         <p:nvPicPr>
-          <p:cNvPr id="11" name="Picture 10"/>
+          <p:cNvPr id="22" name="Picture 21"/>
           <p:cNvPicPr>
             <a:picLocks noChangeAspect="1"/>
           </p:cNvPicPr>
@@ -10009,8 +10001,8 @@
         </p:blipFill>
         <p:spPr>
           <a:xfrm>
-            <a:off x="3768760" y="470087"/>
-            <a:ext cx="830956" cy="319414"/>
+            <a:off x="203894" y="284418"/>
+            <a:ext cx="2520586" cy="1939579"/>
           </a:xfrm>
           <a:prstGeom prst="rect">
             <a:avLst/>
@@ -12769,16 +12761,16 @@
       </p:grpSpPr>
       <p:grpSp>
         <p:nvGrpSpPr>
-          <p:cNvPr id="4" name="Group 3"/>
+          <p:cNvPr id="6" name="Group 5"/>
           <p:cNvGrpSpPr/>
           <p:nvPr/>
         </p:nvGrpSpPr>
         <p:grpSpPr>
           <a:xfrm>
             <a:off x="1029811" y="-173073"/>
-            <a:ext cx="9402464" cy="7031075"/>
+            <a:ext cx="8059760" cy="7031075"/>
             <a:chOff x="1029811" y="-173073"/>
-            <a:chExt cx="9402464" cy="7031075"/>
+            <a:chExt cx="8059760" cy="7031075"/>
           </a:xfrm>
         </p:grpSpPr>
         <p:pic>
@@ -12789,16 +12781,15 @@
             </p:cNvPicPr>
             <p:nvPr/>
           </p:nvPicPr>
-          <p:blipFill>
+          <p:blipFill rotWithShape="1">
             <a:blip r:embed="rId2"/>
-            <a:stretch>
-              <a:fillRect/>
-            </a:stretch>
+            <a:srcRect r="14281"/>
+            <a:stretch/>
           </p:blipFill>
           <p:spPr>
             <a:xfrm>
               <a:off x="1029811" y="0"/>
-              <a:ext cx="9402464" cy="6858002"/>
+              <a:ext cx="8059760" cy="6858002"/>
             </a:xfrm>
             <a:prstGeom prst="rect">
               <a:avLst/>
@@ -12813,10 +12804,10 @@
           </p:nvGrpSpPr>
           <p:grpSpPr>
             <a:xfrm>
-              <a:off x="3024652" y="-173073"/>
-              <a:ext cx="671659" cy="2201662"/>
-              <a:chOff x="3418463" y="-81231"/>
-              <a:chExt cx="476881" cy="1990083"/>
+              <a:off x="3052368" y="-173073"/>
+              <a:ext cx="643939" cy="2201661"/>
+              <a:chOff x="3438144" y="-81231"/>
+              <a:chExt cx="457200" cy="1990082"/>
             </a:xfrm>
           </p:grpSpPr>
           <p:sp>
@@ -12909,8 +12900,8 @@
             </p:nvSpPr>
             <p:spPr>
               <a:xfrm rot="16200000">
-                <a:off x="3060021" y="277211"/>
-                <a:ext cx="1024662" cy="307777"/>
+                <a:off x="3060021" y="321838"/>
+                <a:ext cx="1024662" cy="218523"/>
               </a:xfrm>
               <a:prstGeom prst="rect">
                 <a:avLst/>
@@ -12975,8 +12966,8 @@
             </p:nvSpPr>
             <p:spPr>
               <a:xfrm rot="16200000">
-                <a:off x="3034486" y="1217097"/>
-                <a:ext cx="1075732" cy="307777"/>
+                <a:off x="3034486" y="1261723"/>
+                <a:ext cx="1075732" cy="218523"/>
               </a:xfrm>
               <a:prstGeom prst="rect">
                 <a:avLst/>
@@ -12998,6 +12989,53 @@
             </p:txBody>
           </p:sp>
         </p:grpSp>
+        <p:pic>
+          <p:nvPicPr>
+            <p:cNvPr id="2" name="Picture 1"/>
+            <p:cNvPicPr>
+              <a:picLocks noChangeAspect="1"/>
+            </p:cNvPicPr>
+            <p:nvPr/>
+          </p:nvPicPr>
+          <p:blipFill rotWithShape="1">
+            <a:blip r:embed="rId3"/>
+            <a:srcRect b="30245"/>
+            <a:stretch/>
+          </p:blipFill>
+          <p:spPr>
+            <a:xfrm>
+              <a:off x="6896446" y="0"/>
+              <a:ext cx="2026437" cy="652405"/>
+            </a:xfrm>
+            <a:prstGeom prst="rect">
+              <a:avLst/>
+            </a:prstGeom>
+          </p:spPr>
+        </p:pic>
+        <p:pic>
+          <p:nvPicPr>
+            <p:cNvPr id="5" name="Picture 4"/>
+            <p:cNvPicPr>
+              <a:picLocks noChangeAspect="1"/>
+            </p:cNvPicPr>
+            <p:nvPr/>
+          </p:nvPicPr>
+          <p:blipFill>
+            <a:blip r:embed="rId4"/>
+            <a:stretch>
+              <a:fillRect/>
+            </a:stretch>
+          </p:blipFill>
+          <p:spPr>
+            <a:xfrm>
+              <a:off x="7732258" y="4126366"/>
+              <a:ext cx="1190625" cy="2219325"/>
+            </a:xfrm>
+            <a:prstGeom prst="rect">
+              <a:avLst/>
+            </a:prstGeom>
+          </p:spPr>
+        </p:pic>
       </p:grpSp>
     </p:spTree>
     <p:extLst>

--- a/output/plots/all_figs_with_legends.pptx
+++ b/output/plots/all_figs_with_legends.pptx
@@ -205,7 +205,7 @@
           <a:p>
             <a:fld id="{7FA21820-D199-4D82-91AF-C50B1D3B111A}" type="datetimeFigureOut">
               <a:rPr lang="en-US" smtClean="0"/>
-              <a:t>6/1/2017</a:t>
+              <a:t>6/7/2017</a:t>
             </a:fld>
             <a:endParaRPr lang="en-US"/>
           </a:p>
@@ -775,10 +775,6 @@
           <a:bodyPr/>
           <a:lstStyle/>
           <a:p>
-            <a:r>
-              <a:rPr lang="en-US" dirty="0" smtClean="0"/>
-              <a:t>Not fixed</a:t>
-            </a:r>
             <a:endParaRPr lang="en-US" dirty="0"/>
           </a:p>
         </p:txBody>
@@ -800,6 +796,94 @@
           <a:p>
             <a:fld id="{0160E3DB-BCAB-42BD-8DDD-04198F92E62D}" type="slidenum">
               <a:rPr lang="en-US" smtClean="0"/>
+              <a:t>2</a:t>
+            </a:fld>
+            <a:endParaRPr lang="en-US"/>
+          </a:p>
+        </p:txBody>
+      </p:sp>
+    </p:spTree>
+    <p:extLst>
+      <p:ext uri="{BB962C8B-B14F-4D97-AF65-F5344CB8AC3E}">
+        <p14:creationId xmlns:p14="http://schemas.microsoft.com/office/powerpoint/2010/main" val="1983498944"/>
+      </p:ext>
+    </p:extLst>
+  </p:cSld>
+  <p:clrMapOvr>
+    <a:masterClrMapping/>
+  </p:clrMapOvr>
+</p:notes>
+</file>
+
+<file path=ppt/notesSlides/notesSlide3.xml><?xml version="1.0" encoding="utf-8"?>
+<p:notes xmlns:a="http://schemas.openxmlformats.org/drawingml/2006/main" xmlns:r="http://schemas.openxmlformats.org/officeDocument/2006/relationships" xmlns:p="http://schemas.openxmlformats.org/presentationml/2006/main">
+  <p:cSld>
+    <p:spTree>
+      <p:nvGrpSpPr>
+        <p:cNvPr id="1" name=""/>
+        <p:cNvGrpSpPr/>
+        <p:nvPr/>
+      </p:nvGrpSpPr>
+      <p:grpSpPr>
+        <a:xfrm>
+          <a:off x="0" y="0"/>
+          <a:ext cx="0" cy="0"/>
+          <a:chOff x="0" y="0"/>
+          <a:chExt cx="0" cy="0"/>
+        </a:xfrm>
+      </p:grpSpPr>
+      <p:sp>
+        <p:nvSpPr>
+          <p:cNvPr id="2" name="Slide Image Placeholder 1"/>
+          <p:cNvSpPr>
+            <a:spLocks noGrp="1" noRot="1" noChangeAspect="1"/>
+          </p:cNvSpPr>
+          <p:nvPr>
+            <p:ph type="sldImg"/>
+          </p:nvPr>
+        </p:nvSpPr>
+        <p:spPr/>
+      </p:sp>
+      <p:sp>
+        <p:nvSpPr>
+          <p:cNvPr id="3" name="Notes Placeholder 2"/>
+          <p:cNvSpPr>
+            <a:spLocks noGrp="1"/>
+          </p:cNvSpPr>
+          <p:nvPr>
+            <p:ph type="body" idx="1"/>
+          </p:nvPr>
+        </p:nvSpPr>
+        <p:spPr/>
+        <p:txBody>
+          <a:bodyPr/>
+          <a:lstStyle/>
+          <a:p>
+            <a:r>
+              <a:rPr lang="en-US" dirty="0" smtClean="0"/>
+              <a:t>Not fixed</a:t>
+            </a:r>
+            <a:endParaRPr lang="en-US" dirty="0"/>
+          </a:p>
+        </p:txBody>
+      </p:sp>
+      <p:sp>
+        <p:nvSpPr>
+          <p:cNvPr id="4" name="Slide Number Placeholder 3"/>
+          <p:cNvSpPr>
+            <a:spLocks noGrp="1"/>
+          </p:cNvSpPr>
+          <p:nvPr>
+            <p:ph type="sldNum" sz="quarter" idx="10"/>
+          </p:nvPr>
+        </p:nvSpPr>
+        <p:spPr/>
+        <p:txBody>
+          <a:bodyPr/>
+          <a:lstStyle/>
+          <a:p>
+            <a:fld id="{0160E3DB-BCAB-42BD-8DDD-04198F92E62D}" type="slidenum">
+              <a:rPr lang="en-US" smtClean="0"/>
               <a:t>3</a:t>
             </a:fld>
             <a:endParaRPr lang="en-US"/>
@@ -819,7 +903,7 @@
 </p:notes>
 </file>
 
-<file path=ppt/notesSlides/notesSlide3.xml><?xml version="1.0" encoding="utf-8"?>
+<file path=ppt/notesSlides/notesSlide4.xml><?xml version="1.0" encoding="utf-8"?>
 <p:notes xmlns:a="http://schemas.openxmlformats.org/drawingml/2006/main" xmlns:r="http://schemas.openxmlformats.org/officeDocument/2006/relationships" xmlns:p="http://schemas.openxmlformats.org/presentationml/2006/main">
   <p:cSld>
     <p:spTree>
@@ -1038,7 +1122,7 @@
           <a:p>
             <a:fld id="{916B8C92-D5E3-4480-8685-D57BEE386DE2}" type="datetimeFigureOut">
               <a:rPr lang="en-US" smtClean="0"/>
-              <a:t>6/1/2017</a:t>
+              <a:t>6/7/2017</a:t>
             </a:fld>
             <a:endParaRPr lang="en-US"/>
           </a:p>
@@ -1208,7 +1292,7 @@
           <a:p>
             <a:fld id="{916B8C92-D5E3-4480-8685-D57BEE386DE2}" type="datetimeFigureOut">
               <a:rPr lang="en-US" smtClean="0"/>
-              <a:t>6/1/2017</a:t>
+              <a:t>6/7/2017</a:t>
             </a:fld>
             <a:endParaRPr lang="en-US"/>
           </a:p>
@@ -1388,7 +1472,7 @@
           <a:p>
             <a:fld id="{916B8C92-D5E3-4480-8685-D57BEE386DE2}" type="datetimeFigureOut">
               <a:rPr lang="en-US" smtClean="0"/>
-              <a:t>6/1/2017</a:t>
+              <a:t>6/7/2017</a:t>
             </a:fld>
             <a:endParaRPr lang="en-US"/>
           </a:p>
@@ -1558,7 +1642,7 @@
           <a:p>
             <a:fld id="{916B8C92-D5E3-4480-8685-D57BEE386DE2}" type="datetimeFigureOut">
               <a:rPr lang="en-US" smtClean="0"/>
-              <a:t>6/1/2017</a:t>
+              <a:t>6/7/2017</a:t>
             </a:fld>
             <a:endParaRPr lang="en-US"/>
           </a:p>
@@ -1804,7 +1888,7 @@
           <a:p>
             <a:fld id="{916B8C92-D5E3-4480-8685-D57BEE386DE2}" type="datetimeFigureOut">
               <a:rPr lang="en-US" smtClean="0"/>
-              <a:t>6/1/2017</a:t>
+              <a:t>6/7/2017</a:t>
             </a:fld>
             <a:endParaRPr lang="en-US"/>
           </a:p>
@@ -2036,7 +2120,7 @@
           <a:p>
             <a:fld id="{916B8C92-D5E3-4480-8685-D57BEE386DE2}" type="datetimeFigureOut">
               <a:rPr lang="en-US" smtClean="0"/>
-              <a:t>6/1/2017</a:t>
+              <a:t>6/7/2017</a:t>
             </a:fld>
             <a:endParaRPr lang="en-US"/>
           </a:p>
@@ -2403,7 +2487,7 @@
           <a:p>
             <a:fld id="{916B8C92-D5E3-4480-8685-D57BEE386DE2}" type="datetimeFigureOut">
               <a:rPr lang="en-US" smtClean="0"/>
-              <a:t>6/1/2017</a:t>
+              <a:t>6/7/2017</a:t>
             </a:fld>
             <a:endParaRPr lang="en-US"/>
           </a:p>
@@ -2521,7 +2605,7 @@
           <a:p>
             <a:fld id="{916B8C92-D5E3-4480-8685-D57BEE386DE2}" type="datetimeFigureOut">
               <a:rPr lang="en-US" smtClean="0"/>
-              <a:t>6/1/2017</a:t>
+              <a:t>6/7/2017</a:t>
             </a:fld>
             <a:endParaRPr lang="en-US"/>
           </a:p>
@@ -2616,7 +2700,7 @@
           <a:p>
             <a:fld id="{916B8C92-D5E3-4480-8685-D57BEE386DE2}" type="datetimeFigureOut">
               <a:rPr lang="en-US" smtClean="0"/>
-              <a:t>6/1/2017</a:t>
+              <a:t>6/7/2017</a:t>
             </a:fld>
             <a:endParaRPr lang="en-US"/>
           </a:p>
@@ -2893,7 +2977,7 @@
           <a:p>
             <a:fld id="{916B8C92-D5E3-4480-8685-D57BEE386DE2}" type="datetimeFigureOut">
               <a:rPr lang="en-US" smtClean="0"/>
-              <a:t>6/1/2017</a:t>
+              <a:t>6/7/2017</a:t>
             </a:fld>
             <a:endParaRPr lang="en-US"/>
           </a:p>
@@ -3146,7 +3230,7 @@
           <a:p>
             <a:fld id="{916B8C92-D5E3-4480-8685-D57BEE386DE2}" type="datetimeFigureOut">
               <a:rPr lang="en-US" smtClean="0"/>
-              <a:t>6/1/2017</a:t>
+              <a:t>6/7/2017</a:t>
             </a:fld>
             <a:endParaRPr lang="en-US"/>
           </a:p>
@@ -3359,7 +3443,7 @@
           <a:p>
             <a:fld id="{916B8C92-D5E3-4480-8685-D57BEE386DE2}" type="datetimeFigureOut">
               <a:rPr lang="en-US" smtClean="0"/>
-              <a:t>6/1/2017</a:t>
+              <a:t>6/7/2017</a:t>
             </a:fld>
             <a:endParaRPr lang="en-US"/>
           </a:p>
@@ -3792,28 +3876,28 @@
                 <a:gridCol w="802944">
                   <a:extLst>
                     <a:ext uri="{9D8B030D-6E8A-4147-A177-3AD203B41FA5}">
-                      <a16:colId xmlns:a16="http://schemas.microsoft.com/office/drawing/2014/main" val="3777247511"/>
+                      <a16:colId xmlns:a16="http://schemas.microsoft.com/office/drawing/2014/main" xmlns="" val="3777247511"/>
                     </a:ext>
                   </a:extLst>
                 </a:gridCol>
                 <a:gridCol w="1200230">
                   <a:extLst>
                     <a:ext uri="{9D8B030D-6E8A-4147-A177-3AD203B41FA5}">
-                      <a16:colId xmlns:a16="http://schemas.microsoft.com/office/drawing/2014/main" val="3565287180"/>
+                      <a16:colId xmlns:a16="http://schemas.microsoft.com/office/drawing/2014/main" xmlns="" val="3565287180"/>
                     </a:ext>
                   </a:extLst>
                 </a:gridCol>
                 <a:gridCol w="710503">
                   <a:extLst>
                     <a:ext uri="{9D8B030D-6E8A-4147-A177-3AD203B41FA5}">
-                      <a16:colId xmlns:a16="http://schemas.microsoft.com/office/drawing/2014/main" val="310175345"/>
+                      <a16:colId xmlns:a16="http://schemas.microsoft.com/office/drawing/2014/main" xmlns="" val="310175345"/>
                     </a:ext>
                   </a:extLst>
                 </a:gridCol>
                 <a:gridCol w="1488412">
                   <a:extLst>
                     <a:ext uri="{9D8B030D-6E8A-4147-A177-3AD203B41FA5}">
-                      <a16:colId xmlns:a16="http://schemas.microsoft.com/office/drawing/2014/main" val="2991616883"/>
+                      <a16:colId xmlns:a16="http://schemas.microsoft.com/office/drawing/2014/main" xmlns="" val="2991616883"/>
                     </a:ext>
                   </a:extLst>
                 </a:gridCol>
@@ -4041,7 +4125,7 @@
                 </a:tc>
                 <a:extLst>
                   <a:ext uri="{0D108BD9-81ED-4DB2-BD59-A6C34878D82A}">
-                    <a16:rowId xmlns:a16="http://schemas.microsoft.com/office/drawing/2014/main" val="3689353912"/>
+                    <a16:rowId xmlns:a16="http://schemas.microsoft.com/office/drawing/2014/main" xmlns="" val="3689353912"/>
                   </a:ext>
                 </a:extLst>
               </a:tr>
@@ -4256,7 +4340,7 @@
                 </a:tc>
                 <a:extLst>
                   <a:ext uri="{0D108BD9-81ED-4DB2-BD59-A6C34878D82A}">
-                    <a16:rowId xmlns:a16="http://schemas.microsoft.com/office/drawing/2014/main" val="3236650058"/>
+                    <a16:rowId xmlns:a16="http://schemas.microsoft.com/office/drawing/2014/main" xmlns="" val="3236650058"/>
                   </a:ext>
                 </a:extLst>
               </a:tr>
@@ -4471,7 +4555,7 @@
                 </a:tc>
                 <a:extLst>
                   <a:ext uri="{0D108BD9-81ED-4DB2-BD59-A6C34878D82A}">
-                    <a16:rowId xmlns:a16="http://schemas.microsoft.com/office/drawing/2014/main" val="848586666"/>
+                    <a16:rowId xmlns:a16="http://schemas.microsoft.com/office/drawing/2014/main" xmlns="" val="848586666"/>
                   </a:ext>
                 </a:extLst>
               </a:tr>
@@ -4682,7 +4766,7 @@
                 </a:tc>
                 <a:extLst>
                   <a:ext uri="{0D108BD9-81ED-4DB2-BD59-A6C34878D82A}">
-                    <a16:rowId xmlns:a16="http://schemas.microsoft.com/office/drawing/2014/main" val="366495031"/>
+                    <a16:rowId xmlns:a16="http://schemas.microsoft.com/office/drawing/2014/main" xmlns="" val="366495031"/>
                   </a:ext>
                 </a:extLst>
               </a:tr>
@@ -4766,14 +4850,14 @@
                 <a:gridCol w="487265">
                   <a:extLst>
                     <a:ext uri="{9D8B030D-6E8A-4147-A177-3AD203B41FA5}">
-                      <a16:colId xmlns:a16="http://schemas.microsoft.com/office/drawing/2014/main" val="1812283001"/>
+                      <a16:colId xmlns:a16="http://schemas.microsoft.com/office/drawing/2014/main" xmlns="" val="1812283001"/>
                     </a:ext>
                   </a:extLst>
                 </a:gridCol>
                 <a:gridCol w="1427585">
                   <a:extLst>
                     <a:ext uri="{9D8B030D-6E8A-4147-A177-3AD203B41FA5}">
-                      <a16:colId xmlns:a16="http://schemas.microsoft.com/office/drawing/2014/main" val="3574134326"/>
+                      <a16:colId xmlns:a16="http://schemas.microsoft.com/office/drawing/2014/main" xmlns="" val="3574134326"/>
                     </a:ext>
                   </a:extLst>
                 </a:gridCol>
@@ -4805,7 +4889,7 @@
                 </a:tc>
                 <a:extLst>
                   <a:ext uri="{0D108BD9-81ED-4DB2-BD59-A6C34878D82A}">
-                    <a16:rowId xmlns:a16="http://schemas.microsoft.com/office/drawing/2014/main" val="34741539"/>
+                    <a16:rowId xmlns:a16="http://schemas.microsoft.com/office/drawing/2014/main" xmlns="" val="34741539"/>
                   </a:ext>
                 </a:extLst>
               </a:tr>
@@ -4836,7 +4920,7 @@
                 </a:tc>
                 <a:extLst>
                   <a:ext uri="{0D108BD9-81ED-4DB2-BD59-A6C34878D82A}">
-                    <a16:rowId xmlns:a16="http://schemas.microsoft.com/office/drawing/2014/main" val="1816204491"/>
+                    <a16:rowId xmlns:a16="http://schemas.microsoft.com/office/drawing/2014/main" xmlns="" val="1816204491"/>
                   </a:ext>
                 </a:extLst>
               </a:tr>
@@ -4867,7 +4951,7 @@
                 </a:tc>
                 <a:extLst>
                   <a:ext uri="{0D108BD9-81ED-4DB2-BD59-A6C34878D82A}">
-                    <a16:rowId xmlns:a16="http://schemas.microsoft.com/office/drawing/2014/main" val="3053943592"/>
+                    <a16:rowId xmlns:a16="http://schemas.microsoft.com/office/drawing/2014/main" xmlns="" val="3053943592"/>
                   </a:ext>
                 </a:extLst>
               </a:tr>
@@ -4898,7 +4982,7 @@
                 </a:tc>
                 <a:extLst>
                   <a:ext uri="{0D108BD9-81ED-4DB2-BD59-A6C34878D82A}">
-                    <a16:rowId xmlns:a16="http://schemas.microsoft.com/office/drawing/2014/main" val="1425409090"/>
+                    <a16:rowId xmlns:a16="http://schemas.microsoft.com/office/drawing/2014/main" xmlns="" val="1425409090"/>
                   </a:ext>
                 </a:extLst>
               </a:tr>
@@ -4929,7 +5013,7 @@
                 </a:tc>
                 <a:extLst>
                   <a:ext uri="{0D108BD9-81ED-4DB2-BD59-A6C34878D82A}">
-                    <a16:rowId xmlns:a16="http://schemas.microsoft.com/office/drawing/2014/main" val="3097088923"/>
+                    <a16:rowId xmlns:a16="http://schemas.microsoft.com/office/drawing/2014/main" xmlns="" val="3097088923"/>
                   </a:ext>
                 </a:extLst>
               </a:tr>
@@ -4960,7 +5044,7 @@
                 </a:tc>
                 <a:extLst>
                   <a:ext uri="{0D108BD9-81ED-4DB2-BD59-A6C34878D82A}">
-                    <a16:rowId xmlns:a16="http://schemas.microsoft.com/office/drawing/2014/main" val="1149511687"/>
+                    <a16:rowId xmlns:a16="http://schemas.microsoft.com/office/drawing/2014/main" xmlns="" val="1149511687"/>
                   </a:ext>
                 </a:extLst>
               </a:tr>
@@ -4991,7 +5075,7 @@
                 </a:tc>
                 <a:extLst>
                   <a:ext uri="{0D108BD9-81ED-4DB2-BD59-A6C34878D82A}">
-                    <a16:rowId xmlns:a16="http://schemas.microsoft.com/office/drawing/2014/main" val="785655806"/>
+                    <a16:rowId xmlns:a16="http://schemas.microsoft.com/office/drawing/2014/main" xmlns="" val="785655806"/>
                   </a:ext>
                 </a:extLst>
               </a:tr>
@@ -5247,14 +5331,14 @@
                 <a:gridCol w="1261110">
                   <a:extLst>
                     <a:ext uri="{9D8B030D-6E8A-4147-A177-3AD203B41FA5}">
-                      <a16:colId xmlns:a16="http://schemas.microsoft.com/office/drawing/2014/main" val="1963467705"/>
+                      <a16:colId xmlns:a16="http://schemas.microsoft.com/office/drawing/2014/main" xmlns="" val="1963467705"/>
                     </a:ext>
                   </a:extLst>
                 </a:gridCol>
                 <a:gridCol w="928174">
                   <a:extLst>
                     <a:ext uri="{9D8B030D-6E8A-4147-A177-3AD203B41FA5}">
-                      <a16:colId xmlns:a16="http://schemas.microsoft.com/office/drawing/2014/main" val="464586843"/>
+                      <a16:colId xmlns:a16="http://schemas.microsoft.com/office/drawing/2014/main" xmlns="" val="464586843"/>
                     </a:ext>
                   </a:extLst>
                 </a:gridCol>
@@ -5362,7 +5446,7 @@
                 </a:tc>
                 <a:extLst>
                   <a:ext uri="{0D108BD9-81ED-4DB2-BD59-A6C34878D82A}">
-                    <a16:rowId xmlns:a16="http://schemas.microsoft.com/office/drawing/2014/main" val="1216226580"/>
+                    <a16:rowId xmlns:a16="http://schemas.microsoft.com/office/drawing/2014/main" xmlns="" val="1216226580"/>
                   </a:ext>
                 </a:extLst>
               </a:tr>
@@ -5469,7 +5553,7 @@
                 </a:tc>
                 <a:extLst>
                   <a:ext uri="{0D108BD9-81ED-4DB2-BD59-A6C34878D82A}">
-                    <a16:rowId xmlns:a16="http://schemas.microsoft.com/office/drawing/2014/main" val="512741848"/>
+                    <a16:rowId xmlns:a16="http://schemas.microsoft.com/office/drawing/2014/main" xmlns="" val="512741848"/>
                   </a:ext>
                 </a:extLst>
               </a:tr>
@@ -5576,7 +5660,7 @@
                 </a:tc>
                 <a:extLst>
                   <a:ext uri="{0D108BD9-81ED-4DB2-BD59-A6C34878D82A}">
-                    <a16:rowId xmlns:a16="http://schemas.microsoft.com/office/drawing/2014/main" val="2231260421"/>
+                    <a16:rowId xmlns:a16="http://schemas.microsoft.com/office/drawing/2014/main" xmlns="" val="2231260421"/>
                   </a:ext>
                 </a:extLst>
               </a:tr>
@@ -5837,30 +5921,6 @@
           <a:chExt cx="0" cy="0"/>
         </a:xfrm>
       </p:grpSpPr>
-      <p:pic>
-        <p:nvPicPr>
-          <p:cNvPr id="6" name="Picture 5"/>
-          <p:cNvPicPr>
-            <a:picLocks noChangeAspect="1"/>
-          </p:cNvPicPr>
-          <p:nvPr/>
-        </p:nvPicPr>
-        <p:blipFill>
-          <a:blip r:embed="rId2"/>
-          <a:stretch>
-            <a:fillRect/>
-          </a:stretch>
-        </p:blipFill>
-        <p:spPr>
-          <a:xfrm>
-            <a:off x="184721" y="357096"/>
-            <a:ext cx="2574012" cy="1833255"/>
-          </a:xfrm>
-          <a:prstGeom prst="rect">
-            <a:avLst/>
-          </a:prstGeom>
-        </p:spPr>
-      </p:pic>
       <p:sp>
         <p:nvSpPr>
           <p:cNvPr id="2" name="Title 1"/>
@@ -5891,4132 +5951,4195 @@
           </a:p>
         </p:txBody>
       </p:sp>
-      <p:sp>
-        <p:nvSpPr>
-          <p:cNvPr id="4" name="Rectangle 3"/>
-          <p:cNvSpPr/>
+      <p:grpSp>
+        <p:nvGrpSpPr>
+          <p:cNvPr id="7" name="Group 6"/>
+          <p:cNvGrpSpPr/>
           <p:nvPr/>
-        </p:nvSpPr>
-        <p:spPr>
+        </p:nvGrpSpPr>
+        <p:grpSpPr>
           <a:xfrm>
-            <a:off x="175991" y="89863"/>
-            <a:ext cx="2567210" cy="2136065"/>
+            <a:off x="120580" y="26730"/>
+            <a:ext cx="5555490" cy="6793906"/>
+            <a:chOff x="120580" y="26730"/>
+            <a:chExt cx="5555490" cy="6793906"/>
           </a:xfrm>
-          <a:prstGeom prst="rect">
-            <a:avLst/>
-          </a:prstGeom>
-          <a:noFill/>
-          <a:ln>
-            <a:solidFill>
-              <a:schemeClr val="tx1"/>
-            </a:solidFill>
-          </a:ln>
-        </p:spPr>
-        <p:style>
-          <a:lnRef idx="2">
-            <a:schemeClr val="accent1">
-              <a:shade val="50000"/>
-            </a:schemeClr>
-          </a:lnRef>
-          <a:fillRef idx="1">
-            <a:schemeClr val="accent1"/>
-          </a:fillRef>
-          <a:effectRef idx="0">
-            <a:schemeClr val="accent1"/>
-          </a:effectRef>
-          <a:fontRef idx="minor">
-            <a:schemeClr val="lt1"/>
-          </a:fontRef>
-        </p:style>
-        <p:txBody>
-          <a:bodyPr rtlCol="0" anchor="ctr"/>
-          <a:lstStyle/>
-          <a:p>
-            <a:pPr algn="ctr"/>
-            <a:endParaRPr lang="en-US"/>
-          </a:p>
-        </p:txBody>
-      </p:sp>
-      <p:sp>
-        <p:nvSpPr>
-          <p:cNvPr id="5" name="Rectangle 4"/>
-          <p:cNvSpPr/>
-          <p:nvPr/>
-        </p:nvSpPr>
-        <p:spPr>
-          <a:xfrm>
-            <a:off x="2831775" y="89863"/>
-            <a:ext cx="2567210" cy="2136065"/>
-          </a:xfrm>
-          <a:prstGeom prst="rect">
-            <a:avLst/>
-          </a:prstGeom>
-          <a:noFill/>
-          <a:ln>
-            <a:solidFill>
-              <a:schemeClr val="tx1"/>
-            </a:solidFill>
-          </a:ln>
-        </p:spPr>
-        <p:style>
-          <a:lnRef idx="2">
-            <a:schemeClr val="accent1">
-              <a:shade val="50000"/>
-            </a:schemeClr>
-          </a:lnRef>
-          <a:fillRef idx="1">
-            <a:schemeClr val="accent1"/>
-          </a:fillRef>
-          <a:effectRef idx="0">
-            <a:schemeClr val="accent1"/>
-          </a:effectRef>
-          <a:fontRef idx="minor">
-            <a:schemeClr val="lt1"/>
-          </a:fontRef>
-        </p:style>
-        <p:txBody>
-          <a:bodyPr rtlCol="0" anchor="ctr"/>
-          <a:lstStyle/>
-          <a:p>
-            <a:pPr algn="ctr"/>
-            <a:endParaRPr lang="en-US"/>
-          </a:p>
-        </p:txBody>
-      </p:sp>
-      <p:sp>
-        <p:nvSpPr>
-          <p:cNvPr id="81" name="Rectangle 80"/>
-          <p:cNvSpPr/>
-          <p:nvPr/>
-        </p:nvSpPr>
-        <p:spPr>
-          <a:xfrm>
-            <a:off x="175991" y="3350245"/>
-            <a:ext cx="1272043" cy="1067365"/>
-          </a:xfrm>
-          <a:prstGeom prst="rect">
-            <a:avLst/>
-          </a:prstGeom>
-          <a:noFill/>
-          <a:ln w="38100">
-            <a:solidFill>
-              <a:schemeClr val="tx1"/>
-            </a:solidFill>
-          </a:ln>
-        </p:spPr>
-        <p:style>
-          <a:lnRef idx="2">
-            <a:schemeClr val="accent1">
-              <a:shade val="50000"/>
-            </a:schemeClr>
-          </a:lnRef>
-          <a:fillRef idx="1">
-            <a:schemeClr val="accent1"/>
-          </a:fillRef>
-          <a:effectRef idx="0">
-            <a:schemeClr val="accent1"/>
-          </a:effectRef>
-          <a:fontRef idx="minor">
-            <a:schemeClr val="lt1"/>
-          </a:fontRef>
-        </p:style>
-        <p:txBody>
-          <a:bodyPr rtlCol="0" anchor="ctr"/>
-          <a:lstStyle/>
-          <a:p>
-            <a:pPr algn="ctr"/>
-            <a:endParaRPr lang="en-US"/>
-          </a:p>
-        </p:txBody>
-      </p:sp>
-      <p:sp>
-        <p:nvSpPr>
-          <p:cNvPr id="100" name="Rectangle 99"/>
-          <p:cNvSpPr/>
-          <p:nvPr/>
-        </p:nvSpPr>
-        <p:spPr>
-          <a:xfrm>
-            <a:off x="1462195" y="2279007"/>
-            <a:ext cx="1277474" cy="1069826"/>
-          </a:xfrm>
-          <a:prstGeom prst="rect">
-            <a:avLst/>
-          </a:prstGeom>
-          <a:noFill/>
-          <a:ln w="6350">
-            <a:solidFill>
-              <a:schemeClr val="tx1"/>
-            </a:solidFill>
-          </a:ln>
-        </p:spPr>
-        <p:style>
-          <a:lnRef idx="2">
-            <a:schemeClr val="accent1">
-              <a:shade val="50000"/>
-            </a:schemeClr>
-          </a:lnRef>
-          <a:fillRef idx="1">
-            <a:schemeClr val="accent1"/>
-          </a:fillRef>
-          <a:effectRef idx="0">
-            <a:schemeClr val="accent1"/>
-          </a:effectRef>
-          <a:fontRef idx="minor">
-            <a:schemeClr val="lt1"/>
-          </a:fontRef>
-        </p:style>
-        <p:txBody>
-          <a:bodyPr rtlCol="0" anchor="ctr"/>
-          <a:lstStyle/>
-          <a:p>
-            <a:pPr algn="ctr"/>
-            <a:endParaRPr lang="en-US"/>
-          </a:p>
-        </p:txBody>
-      </p:sp>
-      <p:sp>
-        <p:nvSpPr>
-          <p:cNvPr id="102" name="Rectangle 101"/>
-          <p:cNvSpPr/>
-          <p:nvPr/>
-        </p:nvSpPr>
-        <p:spPr>
-          <a:xfrm>
-            <a:off x="1462195" y="3348659"/>
-            <a:ext cx="1277474" cy="1068919"/>
-          </a:xfrm>
-          <a:prstGeom prst="rect">
-            <a:avLst/>
-          </a:prstGeom>
-          <a:noFill/>
-          <a:ln w="6350">
-            <a:solidFill>
-              <a:schemeClr val="tx1"/>
-            </a:solidFill>
-          </a:ln>
-        </p:spPr>
-        <p:style>
-          <a:lnRef idx="2">
-            <a:schemeClr val="accent1">
-              <a:shade val="50000"/>
-            </a:schemeClr>
-          </a:lnRef>
-          <a:fillRef idx="1">
-            <a:schemeClr val="accent1"/>
-          </a:fillRef>
-          <a:effectRef idx="0">
-            <a:schemeClr val="accent1"/>
-          </a:effectRef>
-          <a:fontRef idx="minor">
-            <a:schemeClr val="lt1"/>
-          </a:fontRef>
-        </p:style>
-        <p:txBody>
-          <a:bodyPr rtlCol="0" anchor="ctr"/>
-          <a:lstStyle/>
-          <a:p>
-            <a:pPr algn="ctr"/>
-            <a:endParaRPr lang="en-US"/>
-          </a:p>
-        </p:txBody>
-      </p:sp>
-      <p:sp>
-        <p:nvSpPr>
-          <p:cNvPr id="73" name="Diamond 72"/>
-          <p:cNvSpPr/>
-          <p:nvPr/>
-        </p:nvSpPr>
-        <p:spPr>
-          <a:xfrm>
-            <a:off x="1262363" y="5551835"/>
-            <a:ext cx="237744" cy="219456"/>
-          </a:xfrm>
-          <a:prstGeom prst="diamond">
-            <a:avLst/>
-          </a:prstGeom>
-          <a:solidFill>
-            <a:schemeClr val="tx1">
-              <a:lumMod val="50000"/>
-              <a:lumOff val="50000"/>
-            </a:schemeClr>
-          </a:solidFill>
-          <a:ln w="38100">
+        </p:grpSpPr>
+        <p:pic>
+          <p:nvPicPr>
+            <p:cNvPr id="6" name="Picture 5"/>
+            <p:cNvPicPr>
+              <a:picLocks noChangeAspect="1"/>
+            </p:cNvPicPr>
+            <p:nvPr/>
+          </p:nvPicPr>
+          <p:blipFill>
+            <a:blip r:embed="rId3"/>
+            <a:stretch>
+              <a:fillRect/>
+            </a:stretch>
+          </p:blipFill>
+          <p:spPr>
+            <a:xfrm>
+              <a:off x="184721" y="357096"/>
+              <a:ext cx="2574012" cy="1833255"/>
+            </a:xfrm>
+            <a:prstGeom prst="rect">
+              <a:avLst/>
+            </a:prstGeom>
+          </p:spPr>
+        </p:pic>
+        <p:sp>
+          <p:nvSpPr>
+            <p:cNvPr id="4" name="Rectangle 3"/>
+            <p:cNvSpPr/>
+            <p:nvPr/>
+          </p:nvSpPr>
+          <p:spPr>
+            <a:xfrm>
+              <a:off x="175991" y="89863"/>
+              <a:ext cx="2567210" cy="2136065"/>
+            </a:xfrm>
+            <a:prstGeom prst="rect">
+              <a:avLst/>
+            </a:prstGeom>
+            <a:noFill/>
+            <a:ln>
+              <a:solidFill>
+                <a:schemeClr val="tx1"/>
+              </a:solidFill>
+            </a:ln>
+          </p:spPr>
+          <p:style>
+            <a:lnRef idx="2">
+              <a:schemeClr val="accent1">
+                <a:shade val="50000"/>
+              </a:schemeClr>
+            </a:lnRef>
+            <a:fillRef idx="1">
+              <a:schemeClr val="accent1"/>
+            </a:fillRef>
+            <a:effectRef idx="0">
+              <a:schemeClr val="accent1"/>
+            </a:effectRef>
+            <a:fontRef idx="minor">
+              <a:schemeClr val="lt1"/>
+            </a:fontRef>
+          </p:style>
+          <p:txBody>
+            <a:bodyPr rtlCol="0" anchor="ctr"/>
+            <a:lstStyle/>
+            <a:p>
+              <a:pPr algn="ctr"/>
+              <a:endParaRPr lang="en-US"/>
+            </a:p>
+          </p:txBody>
+        </p:sp>
+        <p:sp>
+          <p:nvSpPr>
+            <p:cNvPr id="5" name="Rectangle 4"/>
+            <p:cNvSpPr/>
+            <p:nvPr/>
+          </p:nvSpPr>
+          <p:spPr>
+            <a:xfrm>
+              <a:off x="2831775" y="89863"/>
+              <a:ext cx="2567210" cy="2136065"/>
+            </a:xfrm>
+            <a:prstGeom prst="rect">
+              <a:avLst/>
+            </a:prstGeom>
+            <a:noFill/>
+            <a:ln>
+              <a:solidFill>
+                <a:schemeClr val="tx1"/>
+              </a:solidFill>
+            </a:ln>
+          </p:spPr>
+          <p:style>
+            <a:lnRef idx="2">
+              <a:schemeClr val="accent1">
+                <a:shade val="50000"/>
+              </a:schemeClr>
+            </a:lnRef>
+            <a:fillRef idx="1">
+              <a:schemeClr val="accent1"/>
+            </a:fillRef>
+            <a:effectRef idx="0">
+              <a:schemeClr val="accent1"/>
+            </a:effectRef>
+            <a:fontRef idx="minor">
+              <a:schemeClr val="lt1"/>
+            </a:fontRef>
+          </p:style>
+          <p:txBody>
+            <a:bodyPr rtlCol="0" anchor="ctr"/>
+            <a:lstStyle/>
+            <a:p>
+              <a:pPr algn="ctr"/>
+              <a:endParaRPr lang="en-US"/>
+            </a:p>
+          </p:txBody>
+        </p:sp>
+        <p:sp>
+          <p:nvSpPr>
+            <p:cNvPr id="81" name="Rectangle 80"/>
+            <p:cNvSpPr/>
+            <p:nvPr/>
+          </p:nvSpPr>
+          <p:spPr>
+            <a:xfrm>
+              <a:off x="175991" y="3350245"/>
+              <a:ext cx="1272043" cy="1067365"/>
+            </a:xfrm>
+            <a:prstGeom prst="rect">
+              <a:avLst/>
+            </a:prstGeom>
+            <a:noFill/>
+            <a:ln w="38100">
+              <a:solidFill>
+                <a:schemeClr val="tx1"/>
+              </a:solidFill>
+            </a:ln>
+          </p:spPr>
+          <p:style>
+            <a:lnRef idx="2">
+              <a:schemeClr val="accent1">
+                <a:shade val="50000"/>
+              </a:schemeClr>
+            </a:lnRef>
+            <a:fillRef idx="1">
+              <a:schemeClr val="accent1"/>
+            </a:fillRef>
+            <a:effectRef idx="0">
+              <a:schemeClr val="accent1"/>
+            </a:effectRef>
+            <a:fontRef idx="minor">
+              <a:schemeClr val="lt1"/>
+            </a:fontRef>
+          </p:style>
+          <p:txBody>
+            <a:bodyPr rtlCol="0" anchor="ctr"/>
+            <a:lstStyle/>
+            <a:p>
+              <a:pPr algn="ctr"/>
+              <a:endParaRPr lang="en-US"/>
+            </a:p>
+          </p:txBody>
+        </p:sp>
+        <p:sp>
+          <p:nvSpPr>
+            <p:cNvPr id="100" name="Rectangle 99"/>
+            <p:cNvSpPr/>
+            <p:nvPr/>
+          </p:nvSpPr>
+          <p:spPr>
+            <a:xfrm>
+              <a:off x="1462195" y="2279007"/>
+              <a:ext cx="1277474" cy="1069826"/>
+            </a:xfrm>
+            <a:prstGeom prst="rect">
+              <a:avLst/>
+            </a:prstGeom>
+            <a:noFill/>
+            <a:ln w="6350">
+              <a:solidFill>
+                <a:schemeClr val="tx1"/>
+              </a:solidFill>
+            </a:ln>
+          </p:spPr>
+          <p:style>
+            <a:lnRef idx="2">
+              <a:schemeClr val="accent1">
+                <a:shade val="50000"/>
+              </a:schemeClr>
+            </a:lnRef>
+            <a:fillRef idx="1">
+              <a:schemeClr val="accent1"/>
+            </a:fillRef>
+            <a:effectRef idx="0">
+              <a:schemeClr val="accent1"/>
+            </a:effectRef>
+            <a:fontRef idx="minor">
+              <a:schemeClr val="lt1"/>
+            </a:fontRef>
+          </p:style>
+          <p:txBody>
+            <a:bodyPr rtlCol="0" anchor="ctr"/>
+            <a:lstStyle/>
+            <a:p>
+              <a:pPr algn="ctr"/>
+              <a:endParaRPr lang="en-US"/>
+            </a:p>
+          </p:txBody>
+        </p:sp>
+        <p:sp>
+          <p:nvSpPr>
+            <p:cNvPr id="102" name="Rectangle 101"/>
+            <p:cNvSpPr/>
+            <p:nvPr/>
+          </p:nvSpPr>
+          <p:spPr>
+            <a:xfrm>
+              <a:off x="1462195" y="3348659"/>
+              <a:ext cx="1277474" cy="1068919"/>
+            </a:xfrm>
+            <a:prstGeom prst="rect">
+              <a:avLst/>
+            </a:prstGeom>
+            <a:noFill/>
+            <a:ln w="6350">
+              <a:solidFill>
+                <a:schemeClr val="tx1"/>
+              </a:solidFill>
+            </a:ln>
+          </p:spPr>
+          <p:style>
+            <a:lnRef idx="2">
+              <a:schemeClr val="accent1">
+                <a:shade val="50000"/>
+              </a:schemeClr>
+            </a:lnRef>
+            <a:fillRef idx="1">
+              <a:schemeClr val="accent1"/>
+            </a:fillRef>
+            <a:effectRef idx="0">
+              <a:schemeClr val="accent1"/>
+            </a:effectRef>
+            <a:fontRef idx="minor">
+              <a:schemeClr val="lt1"/>
+            </a:fontRef>
+          </p:style>
+          <p:txBody>
+            <a:bodyPr rtlCol="0" anchor="ctr"/>
+            <a:lstStyle/>
+            <a:p>
+              <a:pPr algn="ctr"/>
+              <a:endParaRPr lang="en-US"/>
+            </a:p>
+          </p:txBody>
+        </p:sp>
+        <p:sp>
+          <p:nvSpPr>
+            <p:cNvPr id="73" name="Diamond 72"/>
+            <p:cNvSpPr/>
+            <p:nvPr/>
+          </p:nvSpPr>
+          <p:spPr>
+            <a:xfrm>
+              <a:off x="1262363" y="5551835"/>
+              <a:ext cx="237744" cy="219456"/>
+            </a:xfrm>
+            <a:prstGeom prst="diamond">
+              <a:avLst/>
+            </a:prstGeom>
             <a:solidFill>
               <a:schemeClr val="tx1">
                 <a:lumMod val="50000"/>
                 <a:lumOff val="50000"/>
               </a:schemeClr>
             </a:solidFill>
-          </a:ln>
-        </p:spPr>
-        <p:style>
-          <a:lnRef idx="2">
-            <a:schemeClr val="accent1">
-              <a:shade val="50000"/>
-            </a:schemeClr>
-          </a:lnRef>
-          <a:fillRef idx="1">
-            <a:schemeClr val="accent1"/>
-          </a:fillRef>
-          <a:effectRef idx="0">
-            <a:schemeClr val="accent1"/>
-          </a:effectRef>
-          <a:fontRef idx="minor">
-            <a:schemeClr val="lt1"/>
-          </a:fontRef>
-        </p:style>
-        <p:txBody>
-          <a:bodyPr rtlCol="0" anchor="ctr"/>
-          <a:lstStyle/>
-          <a:p>
-            <a:pPr algn="ctr"/>
-            <a:endParaRPr lang="en-US"/>
-          </a:p>
-        </p:txBody>
-      </p:sp>
-      <p:sp>
-        <p:nvSpPr>
-          <p:cNvPr id="74" name="Rectangle 73"/>
-          <p:cNvSpPr/>
-          <p:nvPr/>
-        </p:nvSpPr>
-        <p:spPr>
-          <a:xfrm>
-            <a:off x="1810662" y="5283838"/>
-            <a:ext cx="164592" cy="153690"/>
-          </a:xfrm>
-          <a:prstGeom prst="rect">
-            <a:avLst/>
-          </a:prstGeom>
-          <a:solidFill>
-            <a:schemeClr val="tx1">
-              <a:lumMod val="50000"/>
-              <a:lumOff val="50000"/>
-            </a:schemeClr>
-          </a:solidFill>
-          <a:ln w="38100">
+            <a:ln w="38100">
+              <a:solidFill>
+                <a:schemeClr val="tx1">
+                  <a:lumMod val="50000"/>
+                  <a:lumOff val="50000"/>
+                </a:schemeClr>
+              </a:solidFill>
+            </a:ln>
+          </p:spPr>
+          <p:style>
+            <a:lnRef idx="2">
+              <a:schemeClr val="accent1">
+                <a:shade val="50000"/>
+              </a:schemeClr>
+            </a:lnRef>
+            <a:fillRef idx="1">
+              <a:schemeClr val="accent1"/>
+            </a:fillRef>
+            <a:effectRef idx="0">
+              <a:schemeClr val="accent1"/>
+            </a:effectRef>
+            <a:fontRef idx="minor">
+              <a:schemeClr val="lt1"/>
+            </a:fontRef>
+          </p:style>
+          <p:txBody>
+            <a:bodyPr rtlCol="0" anchor="ctr"/>
+            <a:lstStyle/>
+            <a:p>
+              <a:pPr algn="ctr"/>
+              <a:endParaRPr lang="en-US"/>
+            </a:p>
+          </p:txBody>
+        </p:sp>
+        <p:sp>
+          <p:nvSpPr>
+            <p:cNvPr id="74" name="Rectangle 73"/>
+            <p:cNvSpPr/>
+            <p:nvPr/>
+          </p:nvSpPr>
+          <p:spPr>
+            <a:xfrm>
+              <a:off x="1810662" y="5283838"/>
+              <a:ext cx="164592" cy="153690"/>
+            </a:xfrm>
+            <a:prstGeom prst="rect">
+              <a:avLst/>
+            </a:prstGeom>
             <a:solidFill>
               <a:schemeClr val="tx1">
                 <a:lumMod val="50000"/>
                 <a:lumOff val="50000"/>
               </a:schemeClr>
             </a:solidFill>
-          </a:ln>
-        </p:spPr>
-        <p:style>
-          <a:lnRef idx="2">
-            <a:schemeClr val="accent1">
-              <a:shade val="50000"/>
-            </a:schemeClr>
-          </a:lnRef>
-          <a:fillRef idx="1">
-            <a:schemeClr val="accent1"/>
-          </a:fillRef>
-          <a:effectRef idx="0">
-            <a:schemeClr val="accent1"/>
-          </a:effectRef>
-          <a:fontRef idx="minor">
-            <a:schemeClr val="lt1"/>
-          </a:fontRef>
-        </p:style>
-        <p:txBody>
-          <a:bodyPr rtlCol="0" anchor="ctr"/>
-          <a:lstStyle/>
-          <a:p>
-            <a:pPr algn="ctr"/>
-            <a:endParaRPr lang="en-US"/>
-          </a:p>
-        </p:txBody>
-      </p:sp>
-      <p:sp>
-        <p:nvSpPr>
-          <p:cNvPr id="75" name="Oval 74"/>
-          <p:cNvSpPr/>
-          <p:nvPr/>
-        </p:nvSpPr>
-        <p:spPr>
-          <a:xfrm>
-            <a:off x="1982537" y="4811779"/>
-            <a:ext cx="174451" cy="183765"/>
-          </a:xfrm>
-          <a:prstGeom prst="ellipse">
-            <a:avLst/>
-          </a:prstGeom>
-          <a:solidFill>
-            <a:schemeClr val="tx1">
-              <a:lumMod val="50000"/>
-              <a:lumOff val="50000"/>
-            </a:schemeClr>
-          </a:solidFill>
-          <a:ln w="38100">
+            <a:ln w="38100">
+              <a:solidFill>
+                <a:schemeClr val="tx1">
+                  <a:lumMod val="50000"/>
+                  <a:lumOff val="50000"/>
+                </a:schemeClr>
+              </a:solidFill>
+            </a:ln>
+          </p:spPr>
+          <p:style>
+            <a:lnRef idx="2">
+              <a:schemeClr val="accent1">
+                <a:shade val="50000"/>
+              </a:schemeClr>
+            </a:lnRef>
+            <a:fillRef idx="1">
+              <a:schemeClr val="accent1"/>
+            </a:fillRef>
+            <a:effectRef idx="0">
+              <a:schemeClr val="accent1"/>
+            </a:effectRef>
+            <a:fontRef idx="minor">
+              <a:schemeClr val="lt1"/>
+            </a:fontRef>
+          </p:style>
+          <p:txBody>
+            <a:bodyPr rtlCol="0" anchor="ctr"/>
+            <a:lstStyle/>
+            <a:p>
+              <a:pPr algn="ctr"/>
+              <a:endParaRPr lang="en-US"/>
+            </a:p>
+          </p:txBody>
+        </p:sp>
+        <p:sp>
+          <p:nvSpPr>
+            <p:cNvPr id="75" name="Oval 74"/>
+            <p:cNvSpPr/>
+            <p:nvPr/>
+          </p:nvSpPr>
+          <p:spPr>
+            <a:xfrm>
+              <a:off x="1982537" y="4811779"/>
+              <a:ext cx="174451" cy="183765"/>
+            </a:xfrm>
+            <a:prstGeom prst="ellipse">
+              <a:avLst/>
+            </a:prstGeom>
             <a:solidFill>
               <a:schemeClr val="tx1">
                 <a:lumMod val="50000"/>
                 <a:lumOff val="50000"/>
               </a:schemeClr>
             </a:solidFill>
-          </a:ln>
-        </p:spPr>
-        <p:style>
-          <a:lnRef idx="2">
-            <a:schemeClr val="accent1">
-              <a:shade val="50000"/>
-            </a:schemeClr>
-          </a:lnRef>
-          <a:fillRef idx="1">
-            <a:schemeClr val="accent1"/>
-          </a:fillRef>
-          <a:effectRef idx="0">
-            <a:schemeClr val="accent1"/>
-          </a:effectRef>
-          <a:fontRef idx="minor">
-            <a:schemeClr val="lt1"/>
-          </a:fontRef>
-        </p:style>
-        <p:txBody>
-          <a:bodyPr rtlCol="0" anchor="ctr"/>
-          <a:lstStyle/>
-          <a:p>
-            <a:pPr algn="ctr"/>
-            <a:endParaRPr lang="en-US"/>
-          </a:p>
-        </p:txBody>
-      </p:sp>
-      <p:sp>
-        <p:nvSpPr>
-          <p:cNvPr id="78" name="Isosceles Triangle 77"/>
-          <p:cNvSpPr/>
-          <p:nvPr/>
-        </p:nvSpPr>
-        <p:spPr>
-          <a:xfrm>
-            <a:off x="668568" y="4940079"/>
-            <a:ext cx="180669" cy="170788"/>
-          </a:xfrm>
-          <a:prstGeom prst="triangle">
-            <a:avLst/>
-          </a:prstGeom>
-          <a:solidFill>
-            <a:schemeClr val="tx1">
-              <a:lumMod val="50000"/>
-              <a:lumOff val="50000"/>
-            </a:schemeClr>
-          </a:solidFill>
-          <a:ln w="38100">
+            <a:ln w="38100">
+              <a:solidFill>
+                <a:schemeClr val="tx1">
+                  <a:lumMod val="50000"/>
+                  <a:lumOff val="50000"/>
+                </a:schemeClr>
+              </a:solidFill>
+            </a:ln>
+          </p:spPr>
+          <p:style>
+            <a:lnRef idx="2">
+              <a:schemeClr val="accent1">
+                <a:shade val="50000"/>
+              </a:schemeClr>
+            </a:lnRef>
+            <a:fillRef idx="1">
+              <a:schemeClr val="accent1"/>
+            </a:fillRef>
+            <a:effectRef idx="0">
+              <a:schemeClr val="accent1"/>
+            </a:effectRef>
+            <a:fontRef idx="minor">
+              <a:schemeClr val="lt1"/>
+            </a:fontRef>
+          </p:style>
+          <p:txBody>
+            <a:bodyPr rtlCol="0" anchor="ctr"/>
+            <a:lstStyle/>
+            <a:p>
+              <a:pPr algn="ctr"/>
+              <a:endParaRPr lang="en-US"/>
+            </a:p>
+          </p:txBody>
+        </p:sp>
+        <p:sp>
+          <p:nvSpPr>
+            <p:cNvPr id="78" name="Isosceles Triangle 77"/>
+            <p:cNvSpPr/>
+            <p:nvPr/>
+          </p:nvSpPr>
+          <p:spPr>
+            <a:xfrm>
+              <a:off x="668568" y="4940079"/>
+              <a:ext cx="180669" cy="170788"/>
+            </a:xfrm>
+            <a:prstGeom prst="triangle">
+              <a:avLst/>
+            </a:prstGeom>
             <a:solidFill>
               <a:schemeClr val="tx1">
                 <a:lumMod val="50000"/>
                 <a:lumOff val="50000"/>
               </a:schemeClr>
             </a:solidFill>
-          </a:ln>
-        </p:spPr>
-        <p:style>
-          <a:lnRef idx="2">
-            <a:schemeClr val="accent1">
-              <a:shade val="50000"/>
-            </a:schemeClr>
-          </a:lnRef>
-          <a:fillRef idx="1">
-            <a:schemeClr val="accent1"/>
-          </a:fillRef>
-          <a:effectRef idx="0">
-            <a:schemeClr val="accent1"/>
-          </a:effectRef>
-          <a:fontRef idx="minor">
-            <a:schemeClr val="lt1"/>
-          </a:fontRef>
-        </p:style>
-        <p:txBody>
-          <a:bodyPr rtlCol="0" anchor="ctr"/>
-          <a:lstStyle/>
-          <a:p>
-            <a:pPr algn="ctr"/>
-            <a:endParaRPr lang="en-US"/>
-          </a:p>
-        </p:txBody>
-      </p:sp>
-      <p:sp>
-        <p:nvSpPr>
-          <p:cNvPr id="80" name="5-Point Star 79"/>
-          <p:cNvSpPr/>
-          <p:nvPr/>
-        </p:nvSpPr>
-        <p:spPr>
-          <a:xfrm>
-            <a:off x="590569" y="5886892"/>
-            <a:ext cx="222222" cy="187270"/>
-          </a:xfrm>
-          <a:prstGeom prst="star5">
-            <a:avLst/>
-          </a:prstGeom>
-          <a:solidFill>
-            <a:schemeClr val="tx1">
-              <a:lumMod val="50000"/>
-              <a:lumOff val="50000"/>
-            </a:schemeClr>
-          </a:solidFill>
-          <a:ln w="28575">
+            <a:ln w="38100">
+              <a:solidFill>
+                <a:schemeClr val="tx1">
+                  <a:lumMod val="50000"/>
+                  <a:lumOff val="50000"/>
+                </a:schemeClr>
+              </a:solidFill>
+            </a:ln>
+          </p:spPr>
+          <p:style>
+            <a:lnRef idx="2">
+              <a:schemeClr val="accent1">
+                <a:shade val="50000"/>
+              </a:schemeClr>
+            </a:lnRef>
+            <a:fillRef idx="1">
+              <a:schemeClr val="accent1"/>
+            </a:fillRef>
+            <a:effectRef idx="0">
+              <a:schemeClr val="accent1"/>
+            </a:effectRef>
+            <a:fontRef idx="minor">
+              <a:schemeClr val="lt1"/>
+            </a:fontRef>
+          </p:style>
+          <p:txBody>
+            <a:bodyPr rtlCol="0" anchor="ctr"/>
+            <a:lstStyle/>
+            <a:p>
+              <a:pPr algn="ctr"/>
+              <a:endParaRPr lang="en-US"/>
+            </a:p>
+          </p:txBody>
+        </p:sp>
+        <p:sp>
+          <p:nvSpPr>
+            <p:cNvPr id="80" name="5-Point Star 79"/>
+            <p:cNvSpPr/>
+            <p:nvPr/>
+          </p:nvSpPr>
+          <p:spPr>
+            <a:xfrm>
+              <a:off x="590569" y="5886892"/>
+              <a:ext cx="222222" cy="187270"/>
+            </a:xfrm>
+            <a:prstGeom prst="star5">
+              <a:avLst/>
+            </a:prstGeom>
             <a:solidFill>
               <a:schemeClr val="tx1">
                 <a:lumMod val="50000"/>
                 <a:lumOff val="50000"/>
               </a:schemeClr>
             </a:solidFill>
-          </a:ln>
-        </p:spPr>
-        <p:style>
-          <a:lnRef idx="2">
-            <a:schemeClr val="accent1">
-              <a:shade val="50000"/>
-            </a:schemeClr>
-          </a:lnRef>
-          <a:fillRef idx="1">
-            <a:schemeClr val="accent1"/>
-          </a:fillRef>
-          <a:effectRef idx="0">
-            <a:schemeClr val="accent1"/>
-          </a:effectRef>
-          <a:fontRef idx="minor">
-            <a:schemeClr val="lt1"/>
-          </a:fontRef>
-        </p:style>
-        <p:txBody>
-          <a:bodyPr rtlCol="0" anchor="ctr"/>
-          <a:lstStyle/>
-          <a:p>
-            <a:pPr algn="ctr"/>
-            <a:endParaRPr lang="en-US"/>
-          </a:p>
-        </p:txBody>
-      </p:sp>
-      <p:sp>
-        <p:nvSpPr>
-          <p:cNvPr id="86" name="Diamond 85"/>
-          <p:cNvSpPr/>
-          <p:nvPr/>
-        </p:nvSpPr>
-        <p:spPr>
-          <a:xfrm>
-            <a:off x="3913539" y="5537134"/>
-            <a:ext cx="237744" cy="219456"/>
-          </a:xfrm>
-          <a:prstGeom prst="diamond">
-            <a:avLst/>
-          </a:prstGeom>
-          <a:solidFill>
-            <a:schemeClr val="tx1">
-              <a:lumMod val="50000"/>
-              <a:lumOff val="50000"/>
-            </a:schemeClr>
-          </a:solidFill>
-          <a:ln w="38100">
+            <a:ln w="28575">
+              <a:solidFill>
+                <a:schemeClr val="tx1">
+                  <a:lumMod val="50000"/>
+                  <a:lumOff val="50000"/>
+                </a:schemeClr>
+              </a:solidFill>
+            </a:ln>
+          </p:spPr>
+          <p:style>
+            <a:lnRef idx="2">
+              <a:schemeClr val="accent1">
+                <a:shade val="50000"/>
+              </a:schemeClr>
+            </a:lnRef>
+            <a:fillRef idx="1">
+              <a:schemeClr val="accent1"/>
+            </a:fillRef>
+            <a:effectRef idx="0">
+              <a:schemeClr val="accent1"/>
+            </a:effectRef>
+            <a:fontRef idx="minor">
+              <a:schemeClr val="lt1"/>
+            </a:fontRef>
+          </p:style>
+          <p:txBody>
+            <a:bodyPr rtlCol="0" anchor="ctr"/>
+            <a:lstStyle/>
+            <a:p>
+              <a:pPr algn="ctr"/>
+              <a:endParaRPr lang="en-US"/>
+            </a:p>
+          </p:txBody>
+        </p:sp>
+        <p:sp>
+          <p:nvSpPr>
+            <p:cNvPr id="86" name="Diamond 85"/>
+            <p:cNvSpPr/>
+            <p:nvPr/>
+          </p:nvSpPr>
+          <p:spPr>
+            <a:xfrm>
+              <a:off x="3913539" y="5537134"/>
+              <a:ext cx="237744" cy="219456"/>
+            </a:xfrm>
+            <a:prstGeom prst="diamond">
+              <a:avLst/>
+            </a:prstGeom>
             <a:solidFill>
               <a:schemeClr val="tx1">
                 <a:lumMod val="50000"/>
                 <a:lumOff val="50000"/>
               </a:schemeClr>
             </a:solidFill>
-          </a:ln>
-        </p:spPr>
-        <p:style>
-          <a:lnRef idx="2">
-            <a:schemeClr val="accent1">
-              <a:shade val="50000"/>
-            </a:schemeClr>
-          </a:lnRef>
-          <a:fillRef idx="1">
-            <a:schemeClr val="accent1"/>
-          </a:fillRef>
-          <a:effectRef idx="0">
-            <a:schemeClr val="accent1"/>
-          </a:effectRef>
-          <a:fontRef idx="minor">
-            <a:schemeClr val="lt1"/>
-          </a:fontRef>
-        </p:style>
-        <p:txBody>
-          <a:bodyPr rtlCol="0" anchor="ctr"/>
-          <a:lstStyle/>
-          <a:p>
-            <a:pPr algn="ctr"/>
-            <a:endParaRPr lang="en-US"/>
-          </a:p>
-        </p:txBody>
-      </p:sp>
-      <p:sp>
-        <p:nvSpPr>
-          <p:cNvPr id="87" name="Rectangle 86"/>
-          <p:cNvSpPr/>
-          <p:nvPr/>
-        </p:nvSpPr>
-        <p:spPr>
-          <a:xfrm>
-            <a:off x="4477249" y="5297226"/>
-            <a:ext cx="164592" cy="153690"/>
-          </a:xfrm>
-          <a:prstGeom prst="rect">
-            <a:avLst/>
-          </a:prstGeom>
-          <a:solidFill>
-            <a:schemeClr val="tx1">
-              <a:lumMod val="50000"/>
-              <a:lumOff val="50000"/>
-            </a:schemeClr>
-          </a:solidFill>
-          <a:ln w="38100">
+            <a:ln w="38100">
+              <a:solidFill>
+                <a:schemeClr val="tx1">
+                  <a:lumMod val="50000"/>
+                  <a:lumOff val="50000"/>
+                </a:schemeClr>
+              </a:solidFill>
+            </a:ln>
+          </p:spPr>
+          <p:style>
+            <a:lnRef idx="2">
+              <a:schemeClr val="accent1">
+                <a:shade val="50000"/>
+              </a:schemeClr>
+            </a:lnRef>
+            <a:fillRef idx="1">
+              <a:schemeClr val="accent1"/>
+            </a:fillRef>
+            <a:effectRef idx="0">
+              <a:schemeClr val="accent1"/>
+            </a:effectRef>
+            <a:fontRef idx="minor">
+              <a:schemeClr val="lt1"/>
+            </a:fontRef>
+          </p:style>
+          <p:txBody>
+            <a:bodyPr rtlCol="0" anchor="ctr"/>
+            <a:lstStyle/>
+            <a:p>
+              <a:pPr algn="ctr"/>
+              <a:endParaRPr lang="en-US"/>
+            </a:p>
+          </p:txBody>
+        </p:sp>
+        <p:sp>
+          <p:nvSpPr>
+            <p:cNvPr id="87" name="Rectangle 86"/>
+            <p:cNvSpPr/>
+            <p:nvPr/>
+          </p:nvSpPr>
+          <p:spPr>
+            <a:xfrm>
+              <a:off x="4477249" y="5297226"/>
+              <a:ext cx="164592" cy="153690"/>
+            </a:xfrm>
+            <a:prstGeom prst="rect">
+              <a:avLst/>
+            </a:prstGeom>
             <a:solidFill>
               <a:schemeClr val="tx1">
                 <a:lumMod val="50000"/>
                 <a:lumOff val="50000"/>
               </a:schemeClr>
             </a:solidFill>
-          </a:ln>
-        </p:spPr>
-        <p:style>
-          <a:lnRef idx="2">
-            <a:schemeClr val="accent1">
-              <a:shade val="50000"/>
-            </a:schemeClr>
-          </a:lnRef>
-          <a:fillRef idx="1">
-            <a:schemeClr val="accent1"/>
-          </a:fillRef>
-          <a:effectRef idx="0">
-            <a:schemeClr val="accent1"/>
-          </a:effectRef>
-          <a:fontRef idx="minor">
-            <a:schemeClr val="lt1"/>
-          </a:fontRef>
-        </p:style>
-        <p:txBody>
-          <a:bodyPr rtlCol="0" anchor="ctr"/>
-          <a:lstStyle/>
-          <a:p>
-            <a:pPr algn="ctr"/>
-            <a:endParaRPr lang="en-US"/>
-          </a:p>
-        </p:txBody>
-      </p:sp>
-      <p:sp>
-        <p:nvSpPr>
-          <p:cNvPr id="88" name="Oval 87"/>
-          <p:cNvSpPr/>
-          <p:nvPr/>
-        </p:nvSpPr>
-        <p:spPr>
-          <a:xfrm>
-            <a:off x="4653795" y="4823774"/>
-            <a:ext cx="174451" cy="183765"/>
-          </a:xfrm>
-          <a:prstGeom prst="ellipse">
-            <a:avLst/>
-          </a:prstGeom>
-          <a:solidFill>
-            <a:schemeClr val="tx1">
-              <a:lumMod val="50000"/>
-              <a:lumOff val="50000"/>
-            </a:schemeClr>
-          </a:solidFill>
-          <a:ln w="38100">
+            <a:ln w="38100">
+              <a:solidFill>
+                <a:schemeClr val="tx1">
+                  <a:lumMod val="50000"/>
+                  <a:lumOff val="50000"/>
+                </a:schemeClr>
+              </a:solidFill>
+            </a:ln>
+          </p:spPr>
+          <p:style>
+            <a:lnRef idx="2">
+              <a:schemeClr val="accent1">
+                <a:shade val="50000"/>
+              </a:schemeClr>
+            </a:lnRef>
+            <a:fillRef idx="1">
+              <a:schemeClr val="accent1"/>
+            </a:fillRef>
+            <a:effectRef idx="0">
+              <a:schemeClr val="accent1"/>
+            </a:effectRef>
+            <a:fontRef idx="minor">
+              <a:schemeClr val="lt1"/>
+            </a:fontRef>
+          </p:style>
+          <p:txBody>
+            <a:bodyPr rtlCol="0" anchor="ctr"/>
+            <a:lstStyle/>
+            <a:p>
+              <a:pPr algn="ctr"/>
+              <a:endParaRPr lang="en-US"/>
+            </a:p>
+          </p:txBody>
+        </p:sp>
+        <p:sp>
+          <p:nvSpPr>
+            <p:cNvPr id="88" name="Oval 87"/>
+            <p:cNvSpPr/>
+            <p:nvPr/>
+          </p:nvSpPr>
+          <p:spPr>
+            <a:xfrm>
+              <a:off x="4653795" y="4823774"/>
+              <a:ext cx="174451" cy="183765"/>
+            </a:xfrm>
+            <a:prstGeom prst="ellipse">
+              <a:avLst/>
+            </a:prstGeom>
             <a:solidFill>
               <a:schemeClr val="tx1">
                 <a:lumMod val="50000"/>
                 <a:lumOff val="50000"/>
               </a:schemeClr>
             </a:solidFill>
-          </a:ln>
-        </p:spPr>
-        <p:style>
-          <a:lnRef idx="2">
-            <a:schemeClr val="accent1">
-              <a:shade val="50000"/>
-            </a:schemeClr>
-          </a:lnRef>
-          <a:fillRef idx="1">
-            <a:schemeClr val="accent1"/>
-          </a:fillRef>
-          <a:effectRef idx="0">
-            <a:schemeClr val="accent1"/>
-          </a:effectRef>
-          <a:fontRef idx="minor">
-            <a:schemeClr val="lt1"/>
-          </a:fontRef>
-        </p:style>
-        <p:txBody>
-          <a:bodyPr rtlCol="0" anchor="ctr"/>
-          <a:lstStyle/>
-          <a:p>
-            <a:pPr algn="ctr"/>
-            <a:endParaRPr lang="en-US"/>
-          </a:p>
-        </p:txBody>
-      </p:sp>
-      <p:sp>
-        <p:nvSpPr>
-          <p:cNvPr id="89" name="Isosceles Triangle 88"/>
-          <p:cNvSpPr/>
-          <p:nvPr/>
-        </p:nvSpPr>
-        <p:spPr>
-          <a:xfrm>
-            <a:off x="3319744" y="4925378"/>
-            <a:ext cx="180669" cy="170788"/>
-          </a:xfrm>
-          <a:prstGeom prst="triangle">
-            <a:avLst/>
-          </a:prstGeom>
-          <a:solidFill>
-            <a:schemeClr val="tx1">
-              <a:lumMod val="50000"/>
-              <a:lumOff val="50000"/>
-            </a:schemeClr>
-          </a:solidFill>
-          <a:ln w="38100">
+            <a:ln w="38100">
+              <a:solidFill>
+                <a:schemeClr val="tx1">
+                  <a:lumMod val="50000"/>
+                  <a:lumOff val="50000"/>
+                </a:schemeClr>
+              </a:solidFill>
+            </a:ln>
+          </p:spPr>
+          <p:style>
+            <a:lnRef idx="2">
+              <a:schemeClr val="accent1">
+                <a:shade val="50000"/>
+              </a:schemeClr>
+            </a:lnRef>
+            <a:fillRef idx="1">
+              <a:schemeClr val="accent1"/>
+            </a:fillRef>
+            <a:effectRef idx="0">
+              <a:schemeClr val="accent1"/>
+            </a:effectRef>
+            <a:fontRef idx="minor">
+              <a:schemeClr val="lt1"/>
+            </a:fontRef>
+          </p:style>
+          <p:txBody>
+            <a:bodyPr rtlCol="0" anchor="ctr"/>
+            <a:lstStyle/>
+            <a:p>
+              <a:pPr algn="ctr"/>
+              <a:endParaRPr lang="en-US"/>
+            </a:p>
+          </p:txBody>
+        </p:sp>
+        <p:sp>
+          <p:nvSpPr>
+            <p:cNvPr id="89" name="Isosceles Triangle 88"/>
+            <p:cNvSpPr/>
+            <p:nvPr/>
+          </p:nvSpPr>
+          <p:spPr>
+            <a:xfrm>
+              <a:off x="3319744" y="4925378"/>
+              <a:ext cx="180669" cy="170788"/>
+            </a:xfrm>
+            <a:prstGeom prst="triangle">
+              <a:avLst/>
+            </a:prstGeom>
             <a:solidFill>
               <a:schemeClr val="tx1">
                 <a:lumMod val="50000"/>
                 <a:lumOff val="50000"/>
               </a:schemeClr>
             </a:solidFill>
-          </a:ln>
-        </p:spPr>
-        <p:style>
-          <a:lnRef idx="2">
-            <a:schemeClr val="accent1">
-              <a:shade val="50000"/>
-            </a:schemeClr>
-          </a:lnRef>
-          <a:fillRef idx="1">
-            <a:schemeClr val="accent1"/>
-          </a:fillRef>
-          <a:effectRef idx="0">
-            <a:schemeClr val="accent1"/>
-          </a:effectRef>
-          <a:fontRef idx="minor">
-            <a:schemeClr val="lt1"/>
-          </a:fontRef>
-        </p:style>
-        <p:txBody>
-          <a:bodyPr rtlCol="0" anchor="ctr"/>
-          <a:lstStyle/>
-          <a:p>
-            <a:pPr algn="ctr"/>
-            <a:endParaRPr lang="en-US"/>
-          </a:p>
-        </p:txBody>
-      </p:sp>
-      <p:sp>
-        <p:nvSpPr>
-          <p:cNvPr id="90" name="5-Point Star 89"/>
-          <p:cNvSpPr/>
-          <p:nvPr/>
-        </p:nvSpPr>
-        <p:spPr>
-          <a:xfrm>
-            <a:off x="3241745" y="5872191"/>
-            <a:ext cx="222222" cy="187270"/>
-          </a:xfrm>
-          <a:prstGeom prst="star5">
-            <a:avLst/>
-          </a:prstGeom>
-          <a:solidFill>
-            <a:schemeClr val="tx1">
-              <a:lumMod val="50000"/>
-              <a:lumOff val="50000"/>
-            </a:schemeClr>
-          </a:solidFill>
-          <a:ln w="28575">
+            <a:ln w="38100">
+              <a:solidFill>
+                <a:schemeClr val="tx1">
+                  <a:lumMod val="50000"/>
+                  <a:lumOff val="50000"/>
+                </a:schemeClr>
+              </a:solidFill>
+            </a:ln>
+          </p:spPr>
+          <p:style>
+            <a:lnRef idx="2">
+              <a:schemeClr val="accent1">
+                <a:shade val="50000"/>
+              </a:schemeClr>
+            </a:lnRef>
+            <a:fillRef idx="1">
+              <a:schemeClr val="accent1"/>
+            </a:fillRef>
+            <a:effectRef idx="0">
+              <a:schemeClr val="accent1"/>
+            </a:effectRef>
+            <a:fontRef idx="minor">
+              <a:schemeClr val="lt1"/>
+            </a:fontRef>
+          </p:style>
+          <p:txBody>
+            <a:bodyPr rtlCol="0" anchor="ctr"/>
+            <a:lstStyle/>
+            <a:p>
+              <a:pPr algn="ctr"/>
+              <a:endParaRPr lang="en-US"/>
+            </a:p>
+          </p:txBody>
+        </p:sp>
+        <p:sp>
+          <p:nvSpPr>
+            <p:cNvPr id="90" name="5-Point Star 89"/>
+            <p:cNvSpPr/>
+            <p:nvPr/>
+          </p:nvSpPr>
+          <p:spPr>
+            <a:xfrm>
+              <a:off x="3241745" y="5872191"/>
+              <a:ext cx="222222" cy="187270"/>
+            </a:xfrm>
+            <a:prstGeom prst="star5">
+              <a:avLst/>
+            </a:prstGeom>
             <a:solidFill>
               <a:schemeClr val="tx1">
                 <a:lumMod val="50000"/>
                 <a:lumOff val="50000"/>
               </a:schemeClr>
             </a:solidFill>
-          </a:ln>
-        </p:spPr>
-        <p:style>
-          <a:lnRef idx="2">
-            <a:schemeClr val="accent1">
-              <a:shade val="50000"/>
-            </a:schemeClr>
-          </a:lnRef>
-          <a:fillRef idx="1">
-            <a:schemeClr val="accent1"/>
-          </a:fillRef>
-          <a:effectRef idx="0">
-            <a:schemeClr val="accent1"/>
-          </a:effectRef>
-          <a:fontRef idx="minor">
-            <a:schemeClr val="lt1"/>
-          </a:fontRef>
-        </p:style>
-        <p:txBody>
-          <a:bodyPr rtlCol="0" anchor="ctr"/>
-          <a:lstStyle/>
-          <a:p>
-            <a:pPr algn="ctr"/>
-            <a:endParaRPr lang="en-US"/>
-          </a:p>
-        </p:txBody>
-      </p:sp>
-      <p:sp>
-        <p:nvSpPr>
-          <p:cNvPr id="16" name="Cross 15"/>
-          <p:cNvSpPr/>
-          <p:nvPr/>
-        </p:nvSpPr>
-        <p:spPr>
-          <a:xfrm>
-            <a:off x="1937108" y="5696627"/>
-            <a:ext cx="254081" cy="229821"/>
-          </a:xfrm>
-          <a:prstGeom prst="plus">
-            <a:avLst/>
-          </a:prstGeom>
-          <a:noFill/>
-          <a:ln w="38100">
+            <a:ln w="28575">
+              <a:solidFill>
+                <a:schemeClr val="tx1">
+                  <a:lumMod val="50000"/>
+                  <a:lumOff val="50000"/>
+                </a:schemeClr>
+              </a:solidFill>
+            </a:ln>
+          </p:spPr>
+          <p:style>
+            <a:lnRef idx="2">
+              <a:schemeClr val="accent1">
+                <a:shade val="50000"/>
+              </a:schemeClr>
+            </a:lnRef>
+            <a:fillRef idx="1">
+              <a:schemeClr val="accent1"/>
+            </a:fillRef>
+            <a:effectRef idx="0">
+              <a:schemeClr val="accent1"/>
+            </a:effectRef>
+            <a:fontRef idx="minor">
+              <a:schemeClr val="lt1"/>
+            </a:fontRef>
+          </p:style>
+          <p:txBody>
+            <a:bodyPr rtlCol="0" anchor="ctr"/>
+            <a:lstStyle/>
+            <a:p>
+              <a:pPr algn="ctr"/>
+              <a:endParaRPr lang="en-US"/>
+            </a:p>
+          </p:txBody>
+        </p:sp>
+        <p:sp>
+          <p:nvSpPr>
+            <p:cNvPr id="16" name="Cross 15"/>
+            <p:cNvSpPr/>
+            <p:nvPr/>
+          </p:nvSpPr>
+          <p:spPr>
+            <a:xfrm>
+              <a:off x="1937108" y="5696627"/>
+              <a:ext cx="254081" cy="229821"/>
+            </a:xfrm>
+            <a:prstGeom prst="plus">
+              <a:avLst/>
+            </a:prstGeom>
+            <a:noFill/>
+            <a:ln w="38100">
+              <a:solidFill>
+                <a:schemeClr val="tx1">
+                  <a:lumMod val="50000"/>
+                  <a:lumOff val="50000"/>
+                </a:schemeClr>
+              </a:solidFill>
+            </a:ln>
+          </p:spPr>
+          <p:style>
+            <a:lnRef idx="2">
+              <a:schemeClr val="accent1">
+                <a:shade val="50000"/>
+              </a:schemeClr>
+            </a:lnRef>
+            <a:fillRef idx="1">
+              <a:schemeClr val="accent1"/>
+            </a:fillRef>
+            <a:effectRef idx="0">
+              <a:schemeClr val="accent1"/>
+            </a:effectRef>
+            <a:fontRef idx="minor">
+              <a:schemeClr val="lt1"/>
+            </a:fontRef>
+          </p:style>
+          <p:txBody>
+            <a:bodyPr rtlCol="0" anchor="ctr"/>
+            <a:lstStyle/>
+            <a:p>
+              <a:pPr algn="ctr"/>
+              <a:endParaRPr lang="en-US"/>
+            </a:p>
+          </p:txBody>
+        </p:sp>
+        <p:sp>
+          <p:nvSpPr>
+            <p:cNvPr id="17" name="Right Triangle 16"/>
+            <p:cNvSpPr/>
+            <p:nvPr/>
+          </p:nvSpPr>
+          <p:spPr>
+            <a:xfrm>
+              <a:off x="718886" y="5419502"/>
+              <a:ext cx="212183" cy="184569"/>
+            </a:xfrm>
+            <a:prstGeom prst="rtTriangle">
+              <a:avLst/>
+            </a:prstGeom>
+            <a:noFill/>
+            <a:ln w="38100">
+              <a:solidFill>
+                <a:schemeClr val="tx1">
+                  <a:lumMod val="50000"/>
+                  <a:lumOff val="50000"/>
+                </a:schemeClr>
+              </a:solidFill>
+            </a:ln>
+          </p:spPr>
+          <p:style>
+            <a:lnRef idx="2">
+              <a:schemeClr val="accent1">
+                <a:shade val="50000"/>
+              </a:schemeClr>
+            </a:lnRef>
+            <a:fillRef idx="1">
+              <a:schemeClr val="accent1"/>
+            </a:fillRef>
+            <a:effectRef idx="0">
+              <a:schemeClr val="accent1"/>
+            </a:effectRef>
+            <a:fontRef idx="minor">
+              <a:schemeClr val="lt1"/>
+            </a:fontRef>
+          </p:style>
+          <p:txBody>
+            <a:bodyPr rtlCol="0" anchor="ctr"/>
+            <a:lstStyle/>
+            <a:p>
+              <a:pPr algn="ctr"/>
+              <a:endParaRPr lang="en-US"/>
+            </a:p>
+          </p:txBody>
+        </p:sp>
+        <p:sp>
+          <p:nvSpPr>
+            <p:cNvPr id="18" name="Parallelogram 17"/>
+            <p:cNvSpPr/>
+            <p:nvPr/>
+          </p:nvSpPr>
+          <p:spPr>
+            <a:xfrm>
+              <a:off x="1099872" y="4844387"/>
+              <a:ext cx="281363" cy="160133"/>
+            </a:xfrm>
+            <a:prstGeom prst="parallelogram">
+              <a:avLst/>
+            </a:prstGeom>
+            <a:noFill/>
+            <a:ln w="38100">
+              <a:solidFill>
+                <a:schemeClr val="tx1">
+                  <a:lumMod val="50000"/>
+                  <a:lumOff val="50000"/>
+                </a:schemeClr>
+              </a:solidFill>
+            </a:ln>
+          </p:spPr>
+          <p:style>
+            <a:lnRef idx="2">
+              <a:schemeClr val="accent1">
+                <a:shade val="50000"/>
+              </a:schemeClr>
+            </a:lnRef>
+            <a:fillRef idx="1">
+              <a:schemeClr val="accent1"/>
+            </a:fillRef>
+            <a:effectRef idx="0">
+              <a:schemeClr val="accent1"/>
+            </a:effectRef>
+            <a:fontRef idx="minor">
+              <a:schemeClr val="lt1"/>
+            </a:fontRef>
+          </p:style>
+          <p:txBody>
+            <a:bodyPr rtlCol="0" anchor="ctr"/>
+            <a:lstStyle/>
+            <a:p>
+              <a:pPr algn="ctr"/>
+              <a:endParaRPr lang="en-US"/>
+            </a:p>
+          </p:txBody>
+        </p:sp>
+        <p:sp>
+          <p:nvSpPr>
+            <p:cNvPr id="19" name="Hexagon 18"/>
+            <p:cNvSpPr/>
+            <p:nvPr/>
+          </p:nvSpPr>
+          <p:spPr>
+            <a:xfrm>
+              <a:off x="3839360" y="4851948"/>
+              <a:ext cx="237744" cy="216145"/>
+            </a:xfrm>
+            <a:prstGeom prst="hexagon">
+              <a:avLst/>
+            </a:prstGeom>
+            <a:noFill/>
+            <a:ln w="38100">
+              <a:solidFill>
+                <a:schemeClr val="tx1">
+                  <a:lumMod val="50000"/>
+                  <a:lumOff val="50000"/>
+                </a:schemeClr>
+              </a:solidFill>
+            </a:ln>
+          </p:spPr>
+          <p:style>
+            <a:lnRef idx="2">
+              <a:schemeClr val="accent1">
+                <a:shade val="50000"/>
+              </a:schemeClr>
+            </a:lnRef>
+            <a:fillRef idx="1">
+              <a:schemeClr val="accent1"/>
+            </a:fillRef>
+            <a:effectRef idx="0">
+              <a:schemeClr val="accent1"/>
+            </a:effectRef>
+            <a:fontRef idx="minor">
+              <a:schemeClr val="lt1"/>
+            </a:fontRef>
+          </p:style>
+          <p:txBody>
+            <a:bodyPr rtlCol="0" anchor="ctr"/>
+            <a:lstStyle/>
+            <a:p>
+              <a:pPr algn="ctr"/>
+              <a:endParaRPr lang="en-US"/>
+            </a:p>
+          </p:txBody>
+        </p:sp>
+        <p:sp>
+          <p:nvSpPr>
+            <p:cNvPr id="20" name="Moon 19"/>
+            <p:cNvSpPr/>
+            <p:nvPr/>
+          </p:nvSpPr>
+          <p:spPr>
+            <a:xfrm>
+              <a:off x="3462376" y="5462061"/>
+              <a:ext cx="118578" cy="175637"/>
+            </a:xfrm>
+            <a:prstGeom prst="moon">
+              <a:avLst/>
+            </a:prstGeom>
+            <a:noFill/>
+            <a:ln w="28575">
+              <a:solidFill>
+                <a:schemeClr val="tx1">
+                  <a:lumMod val="50000"/>
+                  <a:lumOff val="50000"/>
+                </a:schemeClr>
+              </a:solidFill>
+            </a:ln>
+          </p:spPr>
+          <p:style>
+            <a:lnRef idx="2">
+              <a:schemeClr val="accent1">
+                <a:shade val="50000"/>
+              </a:schemeClr>
+            </a:lnRef>
+            <a:fillRef idx="1">
+              <a:schemeClr val="accent1"/>
+            </a:fillRef>
+            <a:effectRef idx="0">
+              <a:schemeClr val="accent1"/>
+            </a:effectRef>
+            <a:fontRef idx="minor">
+              <a:schemeClr val="lt1"/>
+            </a:fontRef>
+          </p:style>
+          <p:txBody>
+            <a:bodyPr rtlCol="0" anchor="ctr"/>
+            <a:lstStyle/>
+            <a:p>
+              <a:pPr algn="ctr"/>
+              <a:endParaRPr lang="en-US"/>
+            </a:p>
+          </p:txBody>
+        </p:sp>
+        <p:sp>
+          <p:nvSpPr>
+            <p:cNvPr id="21" name="Trapezoid 20"/>
+            <p:cNvSpPr/>
+            <p:nvPr/>
+          </p:nvSpPr>
+          <p:spPr>
+            <a:xfrm>
+              <a:off x="4400409" y="5748642"/>
+              <a:ext cx="240145" cy="183385"/>
+            </a:xfrm>
+            <a:prstGeom prst="trapezoid">
+              <a:avLst/>
+            </a:prstGeom>
+            <a:noFill/>
+            <a:ln w="38100">
+              <a:solidFill>
+                <a:schemeClr val="tx1">
+                  <a:lumMod val="50000"/>
+                  <a:lumOff val="50000"/>
+                </a:schemeClr>
+              </a:solidFill>
+            </a:ln>
+          </p:spPr>
+          <p:style>
+            <a:lnRef idx="2">
+              <a:schemeClr val="accent1">
+                <a:shade val="50000"/>
+              </a:schemeClr>
+            </a:lnRef>
+            <a:fillRef idx="1">
+              <a:schemeClr val="accent1"/>
+            </a:fillRef>
+            <a:effectRef idx="0">
+              <a:schemeClr val="accent1"/>
+            </a:effectRef>
+            <a:fontRef idx="minor">
+              <a:schemeClr val="lt1"/>
+            </a:fontRef>
+          </p:style>
+          <p:txBody>
+            <a:bodyPr rtlCol="0" anchor="ctr"/>
+            <a:lstStyle/>
+            <a:p>
+              <a:pPr algn="ctr"/>
+              <a:endParaRPr lang="en-US"/>
+            </a:p>
+          </p:txBody>
+        </p:sp>
+        <p:sp>
+          <p:nvSpPr>
+            <p:cNvPr id="64" name="Rectangle 63"/>
+            <p:cNvSpPr/>
+            <p:nvPr/>
+          </p:nvSpPr>
+          <p:spPr>
+            <a:xfrm>
+              <a:off x="184721" y="2278920"/>
+              <a:ext cx="1277474" cy="1069826"/>
+            </a:xfrm>
+            <a:prstGeom prst="rect">
+              <a:avLst/>
+            </a:prstGeom>
+            <a:noFill/>
+            <a:ln w="6350">
+              <a:solidFill>
+                <a:schemeClr val="tx1"/>
+              </a:solidFill>
+            </a:ln>
+          </p:spPr>
+          <p:style>
+            <a:lnRef idx="2">
+              <a:schemeClr val="accent1">
+                <a:shade val="50000"/>
+              </a:schemeClr>
+            </a:lnRef>
+            <a:fillRef idx="1">
+              <a:schemeClr val="accent1"/>
+            </a:fillRef>
+            <a:effectRef idx="0">
+              <a:schemeClr val="accent1"/>
+            </a:effectRef>
+            <a:fontRef idx="minor">
+              <a:schemeClr val="lt1"/>
+            </a:fontRef>
+          </p:style>
+          <p:txBody>
+            <a:bodyPr rtlCol="0" anchor="ctr"/>
+            <a:lstStyle/>
+            <a:p>
+              <a:pPr algn="ctr"/>
+              <a:endParaRPr lang="en-US"/>
+            </a:p>
+          </p:txBody>
+        </p:sp>
+        <p:sp>
+          <p:nvSpPr>
+            <p:cNvPr id="65" name="Rectangle 64"/>
+            <p:cNvSpPr/>
+            <p:nvPr/>
+          </p:nvSpPr>
+          <p:spPr>
+            <a:xfrm>
+              <a:off x="2832704" y="2292332"/>
+              <a:ext cx="2567210" cy="2136065"/>
+            </a:xfrm>
+            <a:prstGeom prst="rect">
+              <a:avLst/>
+            </a:prstGeom>
+            <a:noFill/>
+            <a:ln>
+              <a:solidFill>
+                <a:schemeClr val="tx1"/>
+              </a:solidFill>
+            </a:ln>
+          </p:spPr>
+          <p:style>
+            <a:lnRef idx="2">
+              <a:schemeClr val="accent1">
+                <a:shade val="50000"/>
+              </a:schemeClr>
+            </a:lnRef>
+            <a:fillRef idx="1">
+              <a:schemeClr val="accent1"/>
+            </a:fillRef>
+            <a:effectRef idx="0">
+              <a:schemeClr val="accent1"/>
+            </a:effectRef>
+            <a:fontRef idx="minor">
+              <a:schemeClr val="lt1"/>
+            </a:fontRef>
+          </p:style>
+          <p:txBody>
+            <a:bodyPr rtlCol="0" anchor="ctr"/>
+            <a:lstStyle/>
+            <a:p>
+              <a:pPr algn="ctr"/>
+              <a:endParaRPr lang="en-US"/>
+            </a:p>
+          </p:txBody>
+        </p:sp>
+        <p:sp>
+          <p:nvSpPr>
+            <p:cNvPr id="66" name="Flowchart: Connector 65"/>
+            <p:cNvSpPr/>
+            <p:nvPr/>
+          </p:nvSpPr>
+          <p:spPr>
+            <a:xfrm>
+              <a:off x="3234716" y="2981951"/>
+              <a:ext cx="45719" cy="45719"/>
+            </a:xfrm>
+            <a:prstGeom prst="flowChartConnector">
+              <a:avLst/>
+            </a:prstGeom>
+            <a:solidFill>
+              <a:schemeClr val="tx1"/>
+            </a:solidFill>
+            <a:ln>
+              <a:solidFill>
+                <a:schemeClr val="tx1"/>
+              </a:solidFill>
+            </a:ln>
+          </p:spPr>
+          <p:style>
+            <a:lnRef idx="2">
+              <a:schemeClr val="accent1">
+                <a:shade val="50000"/>
+              </a:schemeClr>
+            </a:lnRef>
+            <a:fillRef idx="1">
+              <a:schemeClr val="accent1"/>
+            </a:fillRef>
+            <a:effectRef idx="0">
+              <a:schemeClr val="accent1"/>
+            </a:effectRef>
+            <a:fontRef idx="minor">
+              <a:schemeClr val="lt1"/>
+            </a:fontRef>
+          </p:style>
+          <p:txBody>
+            <a:bodyPr rtlCol="0" anchor="ctr"/>
+            <a:lstStyle/>
+            <a:p>
+              <a:pPr algn="ctr"/>
+              <a:endParaRPr lang="en-US"/>
+            </a:p>
+          </p:txBody>
+        </p:sp>
+        <p:sp>
+          <p:nvSpPr>
+            <p:cNvPr id="67" name="Flowchart: Connector 66"/>
+            <p:cNvSpPr/>
+            <p:nvPr/>
+          </p:nvSpPr>
+          <p:spPr>
+            <a:xfrm>
+              <a:off x="3264662" y="3887857"/>
+              <a:ext cx="45719" cy="45719"/>
+            </a:xfrm>
+            <a:prstGeom prst="flowChartConnector">
+              <a:avLst/>
+            </a:prstGeom>
+            <a:solidFill>
+              <a:schemeClr val="tx1"/>
+            </a:solidFill>
+            <a:ln>
+              <a:solidFill>
+                <a:schemeClr val="tx1"/>
+              </a:solidFill>
+            </a:ln>
+          </p:spPr>
+          <p:style>
+            <a:lnRef idx="2">
+              <a:schemeClr val="accent1">
+                <a:shade val="50000"/>
+              </a:schemeClr>
+            </a:lnRef>
+            <a:fillRef idx="1">
+              <a:schemeClr val="accent1"/>
+            </a:fillRef>
+            <a:effectRef idx="0">
+              <a:schemeClr val="accent1"/>
+            </a:effectRef>
+            <a:fontRef idx="minor">
+              <a:schemeClr val="lt1"/>
+            </a:fontRef>
+          </p:style>
+          <p:txBody>
+            <a:bodyPr rtlCol="0" anchor="ctr"/>
+            <a:lstStyle/>
+            <a:p>
+              <a:pPr algn="ctr"/>
+              <a:endParaRPr lang="en-US"/>
+            </a:p>
+          </p:txBody>
+        </p:sp>
+        <p:sp>
+          <p:nvSpPr>
+            <p:cNvPr id="68" name="Flowchart: Connector 67"/>
+            <p:cNvSpPr/>
+            <p:nvPr/>
+          </p:nvSpPr>
+          <p:spPr>
+            <a:xfrm>
+              <a:off x="5011655" y="2494966"/>
+              <a:ext cx="45719" cy="45719"/>
+            </a:xfrm>
+            <a:prstGeom prst="flowChartConnector">
+              <a:avLst/>
+            </a:prstGeom>
+            <a:solidFill>
+              <a:schemeClr val="tx1"/>
+            </a:solidFill>
+            <a:ln>
+              <a:solidFill>
+                <a:schemeClr val="tx1"/>
+              </a:solidFill>
+            </a:ln>
+          </p:spPr>
+          <p:style>
+            <a:lnRef idx="2">
+              <a:schemeClr val="accent1">
+                <a:shade val="50000"/>
+              </a:schemeClr>
+            </a:lnRef>
+            <a:fillRef idx="1">
+              <a:schemeClr val="accent1"/>
+            </a:fillRef>
+            <a:effectRef idx="0">
+              <a:schemeClr val="accent1"/>
+            </a:effectRef>
+            <a:fontRef idx="minor">
+              <a:schemeClr val="lt1"/>
+            </a:fontRef>
+          </p:style>
+          <p:txBody>
+            <a:bodyPr rtlCol="0" anchor="ctr"/>
+            <a:lstStyle/>
+            <a:p>
+              <a:pPr algn="ctr"/>
+              <a:endParaRPr lang="en-US"/>
+            </a:p>
+          </p:txBody>
+        </p:sp>
+        <p:sp>
+          <p:nvSpPr>
+            <p:cNvPr id="76" name="TextBox 75"/>
+            <p:cNvSpPr txBox="1"/>
+            <p:nvPr/>
+          </p:nvSpPr>
+          <p:spPr>
+            <a:xfrm>
+              <a:off x="3836308" y="4212777"/>
+              <a:ext cx="804245" cy="261610"/>
+            </a:xfrm>
+            <a:prstGeom prst="rect">
+              <a:avLst/>
+            </a:prstGeom>
+            <a:noFill/>
+          </p:spPr>
+          <p:txBody>
+            <a:bodyPr wrap="square" rtlCol="0">
+              <a:spAutoFit/>
+            </a:bodyPr>
+            <a:lstStyle/>
+            <a:p>
+              <a:r>
+                <a:rPr lang="en-US" sz="1100" dirty="0" smtClean="0"/>
+                <a:t>Log(area)</a:t>
+              </a:r>
+              <a:endParaRPr lang="en-US" sz="1100" dirty="0"/>
+            </a:p>
+          </p:txBody>
+        </p:sp>
+        <p:sp>
+          <p:nvSpPr>
+            <p:cNvPr id="77" name="TextBox 76"/>
+            <p:cNvSpPr txBox="1"/>
+            <p:nvPr/>
+          </p:nvSpPr>
+          <p:spPr>
+            <a:xfrm rot="16200000">
+              <a:off x="2484501" y="3325139"/>
+              <a:ext cx="955262" cy="261610"/>
+            </a:xfrm>
+            <a:prstGeom prst="rect">
+              <a:avLst/>
+            </a:prstGeom>
+            <a:noFill/>
+          </p:spPr>
+          <p:txBody>
+            <a:bodyPr wrap="square" rtlCol="0">
+              <a:spAutoFit/>
+            </a:bodyPr>
+            <a:lstStyle/>
+            <a:p>
+              <a:r>
+                <a:rPr lang="en-US" sz="1100" dirty="0" smtClean="0"/>
+                <a:t>Log(Species)</a:t>
+              </a:r>
+              <a:endParaRPr lang="en-US" sz="1100" dirty="0"/>
+            </a:p>
+          </p:txBody>
+        </p:sp>
+        <p:cxnSp>
+          <p:nvCxnSpPr>
+            <p:cNvPr id="79" name="Straight Connector 78"/>
+            <p:cNvCxnSpPr/>
+            <p:nvPr/>
+          </p:nvCxnSpPr>
+          <p:spPr>
+            <a:xfrm flipV="1">
+              <a:off x="3319744" y="2546445"/>
+              <a:ext cx="1679579" cy="1328597"/>
+            </a:xfrm>
+            <a:prstGeom prst="line">
+              <a:avLst/>
+            </a:prstGeom>
+            <a:ln w="19050">
+              <a:solidFill>
+                <a:schemeClr val="tx1"/>
+              </a:solidFill>
+              <a:prstDash val="dash"/>
+            </a:ln>
+          </p:spPr>
+          <p:style>
+            <a:lnRef idx="1">
+              <a:schemeClr val="accent1"/>
+            </a:lnRef>
+            <a:fillRef idx="0">
+              <a:schemeClr val="accent1"/>
+            </a:fillRef>
+            <a:effectRef idx="0">
+              <a:schemeClr val="accent1"/>
+            </a:effectRef>
+            <a:fontRef idx="minor">
+              <a:schemeClr val="tx1"/>
+            </a:fontRef>
+          </p:style>
+        </p:cxnSp>
+        <p:cxnSp>
+          <p:nvCxnSpPr>
+            <p:cNvPr id="82" name="Straight Connector 81"/>
+            <p:cNvCxnSpPr/>
+            <p:nvPr/>
+          </p:nvCxnSpPr>
+          <p:spPr>
+            <a:xfrm flipV="1">
+              <a:off x="3293435" y="2541727"/>
+              <a:ext cx="1691612" cy="454150"/>
+            </a:xfrm>
+            <a:prstGeom prst="line">
+              <a:avLst/>
+            </a:prstGeom>
+            <a:ln w="19050">
+              <a:solidFill>
+                <a:schemeClr val="tx1"/>
+              </a:solidFill>
+              <a:prstDash val="dash"/>
+            </a:ln>
+          </p:spPr>
+          <p:style>
+            <a:lnRef idx="1">
+              <a:schemeClr val="accent1"/>
+            </a:lnRef>
+            <a:fillRef idx="0">
+              <a:schemeClr val="accent1"/>
+            </a:fillRef>
+            <a:effectRef idx="0">
+              <a:schemeClr val="accent1"/>
+            </a:effectRef>
+            <a:fontRef idx="minor">
+              <a:schemeClr val="tx1"/>
+            </a:fontRef>
+          </p:style>
+        </p:cxnSp>
+        <p:cxnSp>
+          <p:nvCxnSpPr>
+            <p:cNvPr id="83" name="Straight Connector 82"/>
+            <p:cNvCxnSpPr/>
+            <p:nvPr/>
+          </p:nvCxnSpPr>
+          <p:spPr>
+            <a:xfrm>
+              <a:off x="3063211" y="2440158"/>
+              <a:ext cx="0" cy="1796087"/>
+            </a:xfrm>
+            <a:prstGeom prst="line">
+              <a:avLst/>
+            </a:prstGeom>
+            <a:ln>
+              <a:solidFill>
+                <a:schemeClr val="tx1"/>
+              </a:solidFill>
+            </a:ln>
+          </p:spPr>
+          <p:style>
+            <a:lnRef idx="1">
+              <a:schemeClr val="accent1"/>
+            </a:lnRef>
+            <a:fillRef idx="0">
+              <a:schemeClr val="accent1"/>
+            </a:fillRef>
+            <a:effectRef idx="0">
+              <a:schemeClr val="accent1"/>
+            </a:effectRef>
+            <a:fontRef idx="minor">
+              <a:schemeClr val="tx1"/>
+            </a:fontRef>
+          </p:style>
+        </p:cxnSp>
+        <p:cxnSp>
+          <p:nvCxnSpPr>
+            <p:cNvPr id="84" name="Straight Connector 83"/>
+            <p:cNvCxnSpPr/>
+            <p:nvPr/>
+          </p:nvCxnSpPr>
+          <p:spPr>
+            <a:xfrm flipH="1">
+              <a:off x="3063210" y="4239912"/>
+              <a:ext cx="2170131" cy="2828"/>
+            </a:xfrm>
+            <a:prstGeom prst="line">
+              <a:avLst/>
+            </a:prstGeom>
+            <a:ln>
+              <a:solidFill>
+                <a:schemeClr val="tx1"/>
+              </a:solidFill>
+            </a:ln>
+          </p:spPr>
+          <p:style>
+            <a:lnRef idx="1">
+              <a:schemeClr val="accent1"/>
+            </a:lnRef>
+            <a:fillRef idx="0">
+              <a:schemeClr val="accent1"/>
+            </a:fillRef>
+            <a:effectRef idx="0">
+              <a:schemeClr val="accent1"/>
+            </a:effectRef>
+            <a:fontRef idx="minor">
+              <a:schemeClr val="tx1"/>
+            </a:fontRef>
+          </p:style>
+        </p:cxnSp>
+        <p:sp>
+          <p:nvSpPr>
+            <p:cNvPr id="91" name="TextBox 90"/>
+            <p:cNvSpPr txBox="1"/>
+            <p:nvPr/>
+          </p:nvSpPr>
+          <p:spPr>
+            <a:xfrm rot="20741648">
+              <a:off x="3362806" y="2589891"/>
+              <a:ext cx="1101852" cy="261610"/>
+            </a:xfrm>
+            <a:prstGeom prst="rect">
+              <a:avLst/>
+            </a:prstGeom>
+            <a:noFill/>
+          </p:spPr>
+          <p:txBody>
+            <a:bodyPr wrap="square" rtlCol="0">
+              <a:spAutoFit/>
+            </a:bodyPr>
+            <a:lstStyle/>
+            <a:p>
+              <a:r>
+                <a:rPr lang="en-US" sz="1100" dirty="0" smtClean="0"/>
+                <a:t>All species</a:t>
+              </a:r>
+              <a:endParaRPr lang="en-US" sz="1100" dirty="0"/>
+            </a:p>
+          </p:txBody>
+        </p:sp>
+        <p:sp>
+          <p:nvSpPr>
+            <p:cNvPr id="95" name="TextBox 94"/>
+            <p:cNvSpPr txBox="1"/>
+            <p:nvPr/>
+          </p:nvSpPr>
+          <p:spPr>
+            <a:xfrm rot="19292141">
+              <a:off x="3245778" y="3067049"/>
+              <a:ext cx="1552041" cy="261610"/>
+            </a:xfrm>
+            <a:prstGeom prst="rect">
+              <a:avLst/>
+            </a:prstGeom>
+            <a:noFill/>
+          </p:spPr>
+          <p:txBody>
+            <a:bodyPr wrap="square" rtlCol="0">
+              <a:spAutoFit/>
+            </a:bodyPr>
+            <a:lstStyle/>
+            <a:p>
+              <a:r>
+                <a:rPr lang="en-US" sz="1100" dirty="0" smtClean="0"/>
+                <a:t>Excluding transients</a:t>
+              </a:r>
+              <a:endParaRPr lang="en-US" sz="1100" dirty="0"/>
+            </a:p>
+          </p:txBody>
+        </p:sp>
+        <p:sp>
+          <p:nvSpPr>
+            <p:cNvPr id="97" name="Diamond 96"/>
+            <p:cNvSpPr/>
+            <p:nvPr/>
+          </p:nvSpPr>
+          <p:spPr>
+            <a:xfrm>
+              <a:off x="3185248" y="3923538"/>
+              <a:ext cx="45719" cy="45719"/>
+            </a:xfrm>
+            <a:prstGeom prst="diamond">
+              <a:avLst/>
+            </a:prstGeom>
             <a:solidFill>
               <a:schemeClr val="tx1">
                 <a:lumMod val="50000"/>
                 <a:lumOff val="50000"/>
               </a:schemeClr>
             </a:solidFill>
-          </a:ln>
-        </p:spPr>
-        <p:style>
-          <a:lnRef idx="2">
-            <a:schemeClr val="accent1">
-              <a:shade val="50000"/>
-            </a:schemeClr>
-          </a:lnRef>
-          <a:fillRef idx="1">
-            <a:schemeClr val="accent1"/>
-          </a:fillRef>
-          <a:effectRef idx="0">
-            <a:schemeClr val="accent1"/>
-          </a:effectRef>
-          <a:fontRef idx="minor">
-            <a:schemeClr val="lt1"/>
-          </a:fontRef>
-        </p:style>
-        <p:txBody>
-          <a:bodyPr rtlCol="0" anchor="ctr"/>
-          <a:lstStyle/>
-          <a:p>
-            <a:pPr algn="ctr"/>
-            <a:endParaRPr lang="en-US"/>
-          </a:p>
-        </p:txBody>
-      </p:sp>
-      <p:sp>
-        <p:nvSpPr>
-          <p:cNvPr id="17" name="Right Triangle 16"/>
-          <p:cNvSpPr/>
-          <p:nvPr/>
-        </p:nvSpPr>
-        <p:spPr>
-          <a:xfrm>
-            <a:off x="718886" y="5419502"/>
-            <a:ext cx="212183" cy="184569"/>
-          </a:xfrm>
-          <a:prstGeom prst="rtTriangle">
-            <a:avLst/>
-          </a:prstGeom>
-          <a:noFill/>
-          <a:ln w="38100">
+            <a:ln w="38100">
+              <a:solidFill>
+                <a:schemeClr val="tx1">
+                  <a:lumMod val="50000"/>
+                  <a:lumOff val="50000"/>
+                </a:schemeClr>
+              </a:solidFill>
+            </a:ln>
+          </p:spPr>
+          <p:style>
+            <a:lnRef idx="2">
+              <a:schemeClr val="accent1">
+                <a:shade val="50000"/>
+              </a:schemeClr>
+            </a:lnRef>
+            <a:fillRef idx="1">
+              <a:schemeClr val="accent1"/>
+            </a:fillRef>
+            <a:effectRef idx="0">
+              <a:schemeClr val="accent1"/>
+            </a:effectRef>
+            <a:fontRef idx="minor">
+              <a:schemeClr val="lt1"/>
+            </a:fontRef>
+          </p:style>
+          <p:txBody>
+            <a:bodyPr rtlCol="0" anchor="ctr"/>
+            <a:lstStyle/>
+            <a:p>
+              <a:pPr algn="ctr"/>
+              <a:endParaRPr lang="en-US"/>
+            </a:p>
+          </p:txBody>
+        </p:sp>
+        <p:sp>
+          <p:nvSpPr>
+            <p:cNvPr id="99" name="Oval 98"/>
+            <p:cNvSpPr/>
+            <p:nvPr/>
+          </p:nvSpPr>
+          <p:spPr>
+            <a:xfrm>
+              <a:off x="3329648" y="3947786"/>
+              <a:ext cx="45719" cy="45719"/>
+            </a:xfrm>
+            <a:prstGeom prst="ellipse">
+              <a:avLst/>
+            </a:prstGeom>
             <a:solidFill>
               <a:schemeClr val="tx1">
                 <a:lumMod val="50000"/>
                 <a:lumOff val="50000"/>
               </a:schemeClr>
             </a:solidFill>
-          </a:ln>
-        </p:spPr>
-        <p:style>
-          <a:lnRef idx="2">
-            <a:schemeClr val="accent1">
-              <a:shade val="50000"/>
-            </a:schemeClr>
-          </a:lnRef>
-          <a:fillRef idx="1">
-            <a:schemeClr val="accent1"/>
-          </a:fillRef>
-          <a:effectRef idx="0">
-            <a:schemeClr val="accent1"/>
-          </a:effectRef>
-          <a:fontRef idx="minor">
-            <a:schemeClr val="lt1"/>
-          </a:fontRef>
-        </p:style>
-        <p:txBody>
-          <a:bodyPr rtlCol="0" anchor="ctr"/>
-          <a:lstStyle/>
-          <a:p>
-            <a:pPr algn="ctr"/>
-            <a:endParaRPr lang="en-US"/>
-          </a:p>
-        </p:txBody>
-      </p:sp>
-      <p:sp>
-        <p:nvSpPr>
-          <p:cNvPr id="18" name="Parallelogram 17"/>
-          <p:cNvSpPr/>
-          <p:nvPr/>
-        </p:nvSpPr>
-        <p:spPr>
-          <a:xfrm>
-            <a:off x="1099872" y="4844387"/>
-            <a:ext cx="281363" cy="160133"/>
-          </a:xfrm>
-          <a:prstGeom prst="parallelogram">
-            <a:avLst/>
-          </a:prstGeom>
-          <a:noFill/>
-          <a:ln w="38100">
+            <a:ln w="38100">
+              <a:solidFill>
+                <a:schemeClr val="tx1">
+                  <a:lumMod val="50000"/>
+                  <a:lumOff val="50000"/>
+                </a:schemeClr>
+              </a:solidFill>
+            </a:ln>
+          </p:spPr>
+          <p:style>
+            <a:lnRef idx="2">
+              <a:schemeClr val="accent1">
+                <a:shade val="50000"/>
+              </a:schemeClr>
+            </a:lnRef>
+            <a:fillRef idx="1">
+              <a:schemeClr val="accent1"/>
+            </a:fillRef>
+            <a:effectRef idx="0">
+              <a:schemeClr val="accent1"/>
+            </a:effectRef>
+            <a:fontRef idx="minor">
+              <a:schemeClr val="lt1"/>
+            </a:fontRef>
+          </p:style>
+          <p:txBody>
+            <a:bodyPr rtlCol="0" anchor="ctr"/>
+            <a:lstStyle/>
+            <a:p>
+              <a:pPr algn="ctr"/>
+              <a:endParaRPr lang="en-US"/>
+            </a:p>
+          </p:txBody>
+        </p:sp>
+        <p:sp>
+          <p:nvSpPr>
+            <p:cNvPr id="101" name="Isosceles Triangle 100"/>
+            <p:cNvSpPr/>
+            <p:nvPr/>
+          </p:nvSpPr>
+          <p:spPr>
+            <a:xfrm>
+              <a:off x="3248660" y="4009768"/>
+              <a:ext cx="45719" cy="45719"/>
+            </a:xfrm>
+            <a:prstGeom prst="triangle">
+              <a:avLst/>
+            </a:prstGeom>
             <a:solidFill>
               <a:schemeClr val="tx1">
                 <a:lumMod val="50000"/>
                 <a:lumOff val="50000"/>
               </a:schemeClr>
             </a:solidFill>
-          </a:ln>
-        </p:spPr>
-        <p:style>
-          <a:lnRef idx="2">
-            <a:schemeClr val="accent1">
-              <a:shade val="50000"/>
-            </a:schemeClr>
-          </a:lnRef>
-          <a:fillRef idx="1">
-            <a:schemeClr val="accent1"/>
-          </a:fillRef>
-          <a:effectRef idx="0">
-            <a:schemeClr val="accent1"/>
-          </a:effectRef>
-          <a:fontRef idx="minor">
-            <a:schemeClr val="lt1"/>
-          </a:fontRef>
-        </p:style>
-        <p:txBody>
-          <a:bodyPr rtlCol="0" anchor="ctr"/>
-          <a:lstStyle/>
-          <a:p>
-            <a:pPr algn="ctr"/>
-            <a:endParaRPr lang="en-US"/>
-          </a:p>
-        </p:txBody>
-      </p:sp>
-      <p:sp>
-        <p:nvSpPr>
-          <p:cNvPr id="19" name="Hexagon 18"/>
-          <p:cNvSpPr/>
-          <p:nvPr/>
-        </p:nvSpPr>
-        <p:spPr>
-          <a:xfrm>
-            <a:off x="3839360" y="4851948"/>
-            <a:ext cx="237744" cy="216145"/>
-          </a:xfrm>
-          <a:prstGeom prst="hexagon">
-            <a:avLst/>
-          </a:prstGeom>
-          <a:noFill/>
-          <a:ln w="38100">
+            <a:ln w="38100">
+              <a:solidFill>
+                <a:schemeClr val="tx1">
+                  <a:lumMod val="50000"/>
+                  <a:lumOff val="50000"/>
+                </a:schemeClr>
+              </a:solidFill>
+            </a:ln>
+          </p:spPr>
+          <p:style>
+            <a:lnRef idx="2">
+              <a:schemeClr val="accent1">
+                <a:shade val="50000"/>
+              </a:schemeClr>
+            </a:lnRef>
+            <a:fillRef idx="1">
+              <a:schemeClr val="accent1"/>
+            </a:fillRef>
+            <a:effectRef idx="0">
+              <a:schemeClr val="accent1"/>
+            </a:effectRef>
+            <a:fontRef idx="minor">
+              <a:schemeClr val="lt1"/>
+            </a:fontRef>
+          </p:style>
+          <p:txBody>
+            <a:bodyPr rtlCol="0" anchor="ctr"/>
+            <a:lstStyle/>
+            <a:p>
+              <a:pPr algn="ctr"/>
+              <a:endParaRPr lang="en-US"/>
+            </a:p>
+          </p:txBody>
+        </p:sp>
+        <p:sp>
+          <p:nvSpPr>
+            <p:cNvPr id="105" name="Hexagon 104"/>
+            <p:cNvSpPr/>
+            <p:nvPr/>
+          </p:nvSpPr>
+          <p:spPr>
+            <a:xfrm>
+              <a:off x="3170611" y="2924026"/>
+              <a:ext cx="70648" cy="57645"/>
+            </a:xfrm>
+            <a:prstGeom prst="hexagon">
+              <a:avLst/>
+            </a:prstGeom>
+            <a:noFill/>
+            <a:ln w="6350">
+              <a:solidFill>
+                <a:schemeClr val="tx1">
+                  <a:lumMod val="50000"/>
+                  <a:lumOff val="50000"/>
+                </a:schemeClr>
+              </a:solidFill>
+            </a:ln>
+          </p:spPr>
+          <p:style>
+            <a:lnRef idx="2">
+              <a:schemeClr val="accent1">
+                <a:shade val="50000"/>
+              </a:schemeClr>
+            </a:lnRef>
+            <a:fillRef idx="1">
+              <a:schemeClr val="accent1"/>
+            </a:fillRef>
+            <a:effectRef idx="0">
+              <a:schemeClr val="accent1"/>
+            </a:effectRef>
+            <a:fontRef idx="minor">
+              <a:schemeClr val="lt1"/>
+            </a:fontRef>
+          </p:style>
+          <p:txBody>
+            <a:bodyPr rtlCol="0" anchor="ctr"/>
+            <a:lstStyle/>
+            <a:p>
+              <a:pPr algn="ctr"/>
+              <a:endParaRPr lang="en-US"/>
+            </a:p>
+          </p:txBody>
+        </p:sp>
+        <p:sp>
+          <p:nvSpPr>
+            <p:cNvPr id="106" name="Rectangle 105"/>
+            <p:cNvSpPr/>
+            <p:nvPr/>
+          </p:nvSpPr>
+          <p:spPr>
+            <a:xfrm>
+              <a:off x="3275738" y="2907745"/>
+              <a:ext cx="57025" cy="52352"/>
+            </a:xfrm>
+            <a:prstGeom prst="rect">
+              <a:avLst/>
+            </a:prstGeom>
+            <a:noFill/>
+            <a:ln w="6350">
+              <a:solidFill>
+                <a:schemeClr val="tx1">
+                  <a:lumMod val="50000"/>
+                  <a:lumOff val="50000"/>
+                </a:schemeClr>
+              </a:solidFill>
+            </a:ln>
+          </p:spPr>
+          <p:style>
+            <a:lnRef idx="2">
+              <a:schemeClr val="accent1">
+                <a:shade val="50000"/>
+              </a:schemeClr>
+            </a:lnRef>
+            <a:fillRef idx="1">
+              <a:schemeClr val="accent1"/>
+            </a:fillRef>
+            <a:effectRef idx="0">
+              <a:schemeClr val="accent1"/>
+            </a:effectRef>
+            <a:fontRef idx="minor">
+              <a:schemeClr val="lt1"/>
+            </a:fontRef>
+          </p:style>
+          <p:txBody>
+            <a:bodyPr rtlCol="0" anchor="ctr"/>
+            <a:lstStyle/>
+            <a:p>
+              <a:pPr algn="ctr"/>
+              <a:endParaRPr lang="en-US"/>
+            </a:p>
+          </p:txBody>
+        </p:sp>
+        <p:sp>
+          <p:nvSpPr>
+            <p:cNvPr id="107" name="Diamond 106"/>
+            <p:cNvSpPr/>
+            <p:nvPr/>
+          </p:nvSpPr>
+          <p:spPr>
+            <a:xfrm>
+              <a:off x="3154988" y="3026533"/>
+              <a:ext cx="45719" cy="45719"/>
+            </a:xfrm>
+            <a:prstGeom prst="diamond">
+              <a:avLst/>
+            </a:prstGeom>
             <a:solidFill>
               <a:schemeClr val="tx1">
                 <a:lumMod val="50000"/>
                 <a:lumOff val="50000"/>
               </a:schemeClr>
             </a:solidFill>
-          </a:ln>
-        </p:spPr>
-        <p:style>
-          <a:lnRef idx="2">
-            <a:schemeClr val="accent1">
-              <a:shade val="50000"/>
-            </a:schemeClr>
-          </a:lnRef>
-          <a:fillRef idx="1">
-            <a:schemeClr val="accent1"/>
-          </a:fillRef>
-          <a:effectRef idx="0">
-            <a:schemeClr val="accent1"/>
-          </a:effectRef>
-          <a:fontRef idx="minor">
-            <a:schemeClr val="lt1"/>
-          </a:fontRef>
-        </p:style>
-        <p:txBody>
-          <a:bodyPr rtlCol="0" anchor="ctr"/>
-          <a:lstStyle/>
-          <a:p>
-            <a:pPr algn="ctr"/>
-            <a:endParaRPr lang="en-US"/>
-          </a:p>
-        </p:txBody>
-      </p:sp>
-      <p:sp>
-        <p:nvSpPr>
-          <p:cNvPr id="20" name="Moon 19"/>
-          <p:cNvSpPr/>
-          <p:nvPr/>
-        </p:nvSpPr>
-        <p:spPr>
-          <a:xfrm>
-            <a:off x="3462376" y="5462061"/>
-            <a:ext cx="118578" cy="175637"/>
-          </a:xfrm>
-          <a:prstGeom prst="moon">
-            <a:avLst/>
-          </a:prstGeom>
-          <a:noFill/>
-          <a:ln w="28575">
+            <a:ln w="38100">
+              <a:solidFill>
+                <a:schemeClr val="tx1">
+                  <a:lumMod val="50000"/>
+                  <a:lumOff val="50000"/>
+                </a:schemeClr>
+              </a:solidFill>
+            </a:ln>
+          </p:spPr>
+          <p:style>
+            <a:lnRef idx="2">
+              <a:schemeClr val="accent1">
+                <a:shade val="50000"/>
+              </a:schemeClr>
+            </a:lnRef>
+            <a:fillRef idx="1">
+              <a:schemeClr val="accent1"/>
+            </a:fillRef>
+            <a:effectRef idx="0">
+              <a:schemeClr val="accent1"/>
+            </a:effectRef>
+            <a:fontRef idx="minor">
+              <a:schemeClr val="lt1"/>
+            </a:fontRef>
+          </p:style>
+          <p:txBody>
+            <a:bodyPr rtlCol="0" anchor="ctr"/>
+            <a:lstStyle/>
+            <a:p>
+              <a:pPr algn="ctr"/>
+              <a:endParaRPr lang="en-US"/>
+            </a:p>
+          </p:txBody>
+        </p:sp>
+        <p:sp>
+          <p:nvSpPr>
+            <p:cNvPr id="108" name="Oval 107"/>
+            <p:cNvSpPr/>
+            <p:nvPr/>
+          </p:nvSpPr>
+          <p:spPr>
+            <a:xfrm>
+              <a:off x="3299388" y="3050781"/>
+              <a:ext cx="45719" cy="45719"/>
+            </a:xfrm>
+            <a:prstGeom prst="ellipse">
+              <a:avLst/>
+            </a:prstGeom>
             <a:solidFill>
               <a:schemeClr val="tx1">
                 <a:lumMod val="50000"/>
                 <a:lumOff val="50000"/>
               </a:schemeClr>
             </a:solidFill>
-          </a:ln>
-        </p:spPr>
-        <p:style>
-          <a:lnRef idx="2">
-            <a:schemeClr val="accent1">
-              <a:shade val="50000"/>
-            </a:schemeClr>
-          </a:lnRef>
-          <a:fillRef idx="1">
-            <a:schemeClr val="accent1"/>
-          </a:fillRef>
-          <a:effectRef idx="0">
-            <a:schemeClr val="accent1"/>
-          </a:effectRef>
-          <a:fontRef idx="minor">
-            <a:schemeClr val="lt1"/>
-          </a:fontRef>
-        </p:style>
-        <p:txBody>
-          <a:bodyPr rtlCol="0" anchor="ctr"/>
-          <a:lstStyle/>
-          <a:p>
-            <a:pPr algn="ctr"/>
-            <a:endParaRPr lang="en-US"/>
-          </a:p>
-        </p:txBody>
-      </p:sp>
-      <p:sp>
-        <p:nvSpPr>
-          <p:cNvPr id="21" name="Trapezoid 20"/>
-          <p:cNvSpPr/>
-          <p:nvPr/>
-        </p:nvSpPr>
-        <p:spPr>
-          <a:xfrm>
-            <a:off x="4400409" y="5748642"/>
-            <a:ext cx="240145" cy="183385"/>
-          </a:xfrm>
-          <a:prstGeom prst="trapezoid">
-            <a:avLst/>
-          </a:prstGeom>
-          <a:noFill/>
-          <a:ln w="38100">
+            <a:ln w="38100">
+              <a:solidFill>
+                <a:schemeClr val="tx1">
+                  <a:lumMod val="50000"/>
+                  <a:lumOff val="50000"/>
+                </a:schemeClr>
+              </a:solidFill>
+            </a:ln>
+          </p:spPr>
+          <p:style>
+            <a:lnRef idx="2">
+              <a:schemeClr val="accent1">
+                <a:shade val="50000"/>
+              </a:schemeClr>
+            </a:lnRef>
+            <a:fillRef idx="1">
+              <a:schemeClr val="accent1"/>
+            </a:fillRef>
+            <a:effectRef idx="0">
+              <a:schemeClr val="accent1"/>
+            </a:effectRef>
+            <a:fontRef idx="minor">
+              <a:schemeClr val="lt1"/>
+            </a:fontRef>
+          </p:style>
+          <p:txBody>
+            <a:bodyPr rtlCol="0" anchor="ctr"/>
+            <a:lstStyle/>
+            <a:p>
+              <a:pPr algn="ctr"/>
+              <a:endParaRPr lang="en-US"/>
+            </a:p>
+          </p:txBody>
+        </p:sp>
+        <p:sp>
+          <p:nvSpPr>
+            <p:cNvPr id="109" name="Isosceles Triangle 108"/>
+            <p:cNvSpPr/>
+            <p:nvPr/>
+          </p:nvSpPr>
+          <p:spPr>
+            <a:xfrm>
+              <a:off x="3218400" y="3112763"/>
+              <a:ext cx="45719" cy="45719"/>
+            </a:xfrm>
+            <a:prstGeom prst="triangle">
+              <a:avLst/>
+            </a:prstGeom>
             <a:solidFill>
               <a:schemeClr val="tx1">
                 <a:lumMod val="50000"/>
                 <a:lumOff val="50000"/>
               </a:schemeClr>
             </a:solidFill>
-          </a:ln>
-        </p:spPr>
-        <p:style>
-          <a:lnRef idx="2">
-            <a:schemeClr val="accent1">
-              <a:shade val="50000"/>
-            </a:schemeClr>
-          </a:lnRef>
-          <a:fillRef idx="1">
-            <a:schemeClr val="accent1"/>
-          </a:fillRef>
-          <a:effectRef idx="0">
-            <a:schemeClr val="accent1"/>
-          </a:effectRef>
-          <a:fontRef idx="minor">
-            <a:schemeClr val="lt1"/>
-          </a:fontRef>
-        </p:style>
-        <p:txBody>
-          <a:bodyPr rtlCol="0" anchor="ctr"/>
-          <a:lstStyle/>
-          <a:p>
-            <a:pPr algn="ctr"/>
-            <a:endParaRPr lang="en-US"/>
-          </a:p>
-        </p:txBody>
-      </p:sp>
-      <p:sp>
-        <p:nvSpPr>
-          <p:cNvPr id="64" name="Rectangle 63"/>
-          <p:cNvSpPr/>
-          <p:nvPr/>
-        </p:nvSpPr>
-        <p:spPr>
-          <a:xfrm>
-            <a:off x="184721" y="2278920"/>
-            <a:ext cx="1277474" cy="1069826"/>
-          </a:xfrm>
-          <a:prstGeom prst="rect">
-            <a:avLst/>
-          </a:prstGeom>
-          <a:noFill/>
-          <a:ln w="6350">
+            <a:ln w="38100">
+              <a:solidFill>
+                <a:schemeClr val="tx1">
+                  <a:lumMod val="50000"/>
+                  <a:lumOff val="50000"/>
+                </a:schemeClr>
+              </a:solidFill>
+            </a:ln>
+          </p:spPr>
+          <p:style>
+            <a:lnRef idx="2">
+              <a:schemeClr val="accent1">
+                <a:shade val="50000"/>
+              </a:schemeClr>
+            </a:lnRef>
+            <a:fillRef idx="1">
+              <a:schemeClr val="accent1"/>
+            </a:fillRef>
+            <a:effectRef idx="0">
+              <a:schemeClr val="accent1"/>
+            </a:effectRef>
+            <a:fontRef idx="minor">
+              <a:schemeClr val="lt1"/>
+            </a:fontRef>
+          </p:style>
+          <p:txBody>
+            <a:bodyPr rtlCol="0" anchor="ctr"/>
+            <a:lstStyle/>
+            <a:p>
+              <a:pPr algn="ctr"/>
+              <a:endParaRPr lang="en-US"/>
+            </a:p>
+          </p:txBody>
+        </p:sp>
+        <p:sp>
+          <p:nvSpPr>
+            <p:cNvPr id="117" name="Hexagon 116"/>
+            <p:cNvSpPr/>
+            <p:nvPr/>
+          </p:nvSpPr>
+          <p:spPr>
+            <a:xfrm>
+              <a:off x="4976331" y="2342063"/>
+              <a:ext cx="70648" cy="57645"/>
+            </a:xfrm>
+            <a:prstGeom prst="hexagon">
+              <a:avLst/>
+            </a:prstGeom>
             <a:solidFill>
-              <a:schemeClr val="tx1"/>
+              <a:schemeClr val="bg1">
+                <a:lumMod val="50000"/>
+              </a:schemeClr>
             </a:solidFill>
-          </a:ln>
-        </p:spPr>
-        <p:style>
-          <a:lnRef idx="2">
-            <a:schemeClr val="accent1">
-              <a:shade val="50000"/>
-            </a:schemeClr>
-          </a:lnRef>
-          <a:fillRef idx="1">
-            <a:schemeClr val="accent1"/>
-          </a:fillRef>
-          <a:effectRef idx="0">
-            <a:schemeClr val="accent1"/>
-          </a:effectRef>
-          <a:fontRef idx="minor">
-            <a:schemeClr val="lt1"/>
-          </a:fontRef>
-        </p:style>
-        <p:txBody>
-          <a:bodyPr rtlCol="0" anchor="ctr"/>
-          <a:lstStyle/>
-          <a:p>
-            <a:pPr algn="ctr"/>
-            <a:endParaRPr lang="en-US"/>
-          </a:p>
-        </p:txBody>
-      </p:sp>
-      <p:sp>
-        <p:nvSpPr>
-          <p:cNvPr id="65" name="Rectangle 64"/>
-          <p:cNvSpPr/>
-          <p:nvPr/>
-        </p:nvSpPr>
-        <p:spPr>
-          <a:xfrm>
-            <a:off x="2832704" y="2292332"/>
-            <a:ext cx="2567210" cy="2136065"/>
-          </a:xfrm>
-          <a:prstGeom prst="rect">
-            <a:avLst/>
-          </a:prstGeom>
-          <a:noFill/>
-          <a:ln>
+            <a:ln w="6350">
+              <a:solidFill>
+                <a:schemeClr val="tx1">
+                  <a:lumMod val="50000"/>
+                  <a:lumOff val="50000"/>
+                </a:schemeClr>
+              </a:solidFill>
+            </a:ln>
+          </p:spPr>
+          <p:style>
+            <a:lnRef idx="2">
+              <a:schemeClr val="accent1">
+                <a:shade val="50000"/>
+              </a:schemeClr>
+            </a:lnRef>
+            <a:fillRef idx="1">
+              <a:schemeClr val="accent1"/>
+            </a:fillRef>
+            <a:effectRef idx="0">
+              <a:schemeClr val="accent1"/>
+            </a:effectRef>
+            <a:fontRef idx="minor">
+              <a:schemeClr val="lt1"/>
+            </a:fontRef>
+          </p:style>
+          <p:txBody>
+            <a:bodyPr rtlCol="0" anchor="ctr"/>
+            <a:lstStyle/>
+            <a:p>
+              <a:pPr algn="ctr"/>
+              <a:endParaRPr lang="en-US"/>
+            </a:p>
+          </p:txBody>
+        </p:sp>
+        <p:sp>
+          <p:nvSpPr>
+            <p:cNvPr id="118" name="Rectangle 117"/>
+            <p:cNvSpPr/>
+            <p:nvPr/>
+          </p:nvSpPr>
+          <p:spPr>
+            <a:xfrm>
+              <a:off x="5056165" y="2409609"/>
+              <a:ext cx="57025" cy="52352"/>
+            </a:xfrm>
+            <a:prstGeom prst="rect">
+              <a:avLst/>
+            </a:prstGeom>
             <a:solidFill>
-              <a:schemeClr val="tx1"/>
+              <a:schemeClr val="bg1">
+                <a:lumMod val="50000"/>
+              </a:schemeClr>
             </a:solidFill>
-          </a:ln>
-        </p:spPr>
-        <p:style>
-          <a:lnRef idx="2">
-            <a:schemeClr val="accent1">
-              <a:shade val="50000"/>
-            </a:schemeClr>
-          </a:lnRef>
-          <a:fillRef idx="1">
-            <a:schemeClr val="accent1"/>
-          </a:fillRef>
-          <a:effectRef idx="0">
-            <a:schemeClr val="accent1"/>
-          </a:effectRef>
-          <a:fontRef idx="minor">
-            <a:schemeClr val="lt1"/>
-          </a:fontRef>
-        </p:style>
-        <p:txBody>
-          <a:bodyPr rtlCol="0" anchor="ctr"/>
-          <a:lstStyle/>
-          <a:p>
-            <a:pPr algn="ctr"/>
-            <a:endParaRPr lang="en-US"/>
-          </a:p>
-        </p:txBody>
-      </p:sp>
-      <p:sp>
-        <p:nvSpPr>
-          <p:cNvPr id="66" name="Flowchart: Connector 65"/>
-          <p:cNvSpPr/>
-          <p:nvPr/>
-        </p:nvSpPr>
-        <p:spPr>
-          <a:xfrm>
-            <a:off x="3234716" y="2981951"/>
-            <a:ext cx="45719" cy="45719"/>
-          </a:xfrm>
-          <a:prstGeom prst="flowChartConnector">
-            <a:avLst/>
-          </a:prstGeom>
-          <a:solidFill>
-            <a:schemeClr val="tx1"/>
-          </a:solidFill>
-          <a:ln>
-            <a:solidFill>
-              <a:schemeClr val="tx1"/>
-            </a:solidFill>
-          </a:ln>
-        </p:spPr>
-        <p:style>
-          <a:lnRef idx="2">
-            <a:schemeClr val="accent1">
-              <a:shade val="50000"/>
-            </a:schemeClr>
-          </a:lnRef>
-          <a:fillRef idx="1">
-            <a:schemeClr val="accent1"/>
-          </a:fillRef>
-          <a:effectRef idx="0">
-            <a:schemeClr val="accent1"/>
-          </a:effectRef>
-          <a:fontRef idx="minor">
-            <a:schemeClr val="lt1"/>
-          </a:fontRef>
-        </p:style>
-        <p:txBody>
-          <a:bodyPr rtlCol="0" anchor="ctr"/>
-          <a:lstStyle/>
-          <a:p>
-            <a:pPr algn="ctr"/>
-            <a:endParaRPr lang="en-US"/>
-          </a:p>
-        </p:txBody>
-      </p:sp>
-      <p:sp>
-        <p:nvSpPr>
-          <p:cNvPr id="67" name="Flowchart: Connector 66"/>
-          <p:cNvSpPr/>
-          <p:nvPr/>
-        </p:nvSpPr>
-        <p:spPr>
-          <a:xfrm>
-            <a:off x="3264662" y="3887857"/>
-            <a:ext cx="45719" cy="45719"/>
-          </a:xfrm>
-          <a:prstGeom prst="flowChartConnector">
-            <a:avLst/>
-          </a:prstGeom>
-          <a:solidFill>
-            <a:schemeClr val="tx1"/>
-          </a:solidFill>
-          <a:ln>
-            <a:solidFill>
-              <a:schemeClr val="tx1"/>
-            </a:solidFill>
-          </a:ln>
-        </p:spPr>
-        <p:style>
-          <a:lnRef idx="2">
-            <a:schemeClr val="accent1">
-              <a:shade val="50000"/>
-            </a:schemeClr>
-          </a:lnRef>
-          <a:fillRef idx="1">
-            <a:schemeClr val="accent1"/>
-          </a:fillRef>
-          <a:effectRef idx="0">
-            <a:schemeClr val="accent1"/>
-          </a:effectRef>
-          <a:fontRef idx="minor">
-            <a:schemeClr val="lt1"/>
-          </a:fontRef>
-        </p:style>
-        <p:txBody>
-          <a:bodyPr rtlCol="0" anchor="ctr"/>
-          <a:lstStyle/>
-          <a:p>
-            <a:pPr algn="ctr"/>
-            <a:endParaRPr lang="en-US"/>
-          </a:p>
-        </p:txBody>
-      </p:sp>
-      <p:sp>
-        <p:nvSpPr>
-          <p:cNvPr id="68" name="Flowchart: Connector 67"/>
-          <p:cNvSpPr/>
-          <p:nvPr/>
-        </p:nvSpPr>
-        <p:spPr>
-          <a:xfrm>
-            <a:off x="5011655" y="2494966"/>
-            <a:ext cx="45719" cy="45719"/>
-          </a:xfrm>
-          <a:prstGeom prst="flowChartConnector">
-            <a:avLst/>
-          </a:prstGeom>
-          <a:solidFill>
-            <a:schemeClr val="tx1"/>
-          </a:solidFill>
-          <a:ln>
-            <a:solidFill>
-              <a:schemeClr val="tx1"/>
-            </a:solidFill>
-          </a:ln>
-        </p:spPr>
-        <p:style>
-          <a:lnRef idx="2">
-            <a:schemeClr val="accent1">
-              <a:shade val="50000"/>
-            </a:schemeClr>
-          </a:lnRef>
-          <a:fillRef idx="1">
-            <a:schemeClr val="accent1"/>
-          </a:fillRef>
-          <a:effectRef idx="0">
-            <a:schemeClr val="accent1"/>
-          </a:effectRef>
-          <a:fontRef idx="minor">
-            <a:schemeClr val="lt1"/>
-          </a:fontRef>
-        </p:style>
-        <p:txBody>
-          <a:bodyPr rtlCol="0" anchor="ctr"/>
-          <a:lstStyle/>
-          <a:p>
-            <a:pPr algn="ctr"/>
-            <a:endParaRPr lang="en-US"/>
-          </a:p>
-        </p:txBody>
-      </p:sp>
-      <p:sp>
-        <p:nvSpPr>
-          <p:cNvPr id="76" name="TextBox 75"/>
-          <p:cNvSpPr txBox="1"/>
-          <p:nvPr/>
-        </p:nvSpPr>
-        <p:spPr>
-          <a:xfrm>
-            <a:off x="3836308" y="4212777"/>
-            <a:ext cx="804245" cy="261610"/>
-          </a:xfrm>
-          <a:prstGeom prst="rect">
-            <a:avLst/>
-          </a:prstGeom>
-          <a:noFill/>
-        </p:spPr>
-        <p:txBody>
-          <a:bodyPr wrap="square" rtlCol="0">
-            <a:spAutoFit/>
-          </a:bodyPr>
-          <a:lstStyle/>
-          <a:p>
-            <a:r>
-              <a:rPr lang="en-US" sz="1100" dirty="0" smtClean="0"/>
-              <a:t>Log(area)</a:t>
-            </a:r>
-            <a:endParaRPr lang="en-US" sz="1100" dirty="0"/>
-          </a:p>
-        </p:txBody>
-      </p:sp>
-      <p:sp>
-        <p:nvSpPr>
-          <p:cNvPr id="77" name="TextBox 76"/>
-          <p:cNvSpPr txBox="1"/>
-          <p:nvPr/>
-        </p:nvSpPr>
-        <p:spPr>
-          <a:xfrm rot="16200000">
-            <a:off x="2484501" y="3325139"/>
-            <a:ext cx="955262" cy="261610"/>
-          </a:xfrm>
-          <a:prstGeom prst="rect">
-            <a:avLst/>
-          </a:prstGeom>
-          <a:noFill/>
-        </p:spPr>
-        <p:txBody>
-          <a:bodyPr wrap="square" rtlCol="0">
-            <a:spAutoFit/>
-          </a:bodyPr>
-          <a:lstStyle/>
-          <a:p>
-            <a:r>
-              <a:rPr lang="en-US" sz="1100" dirty="0" smtClean="0"/>
-              <a:t>Log(Species)</a:t>
-            </a:r>
-            <a:endParaRPr lang="en-US" sz="1100" dirty="0"/>
-          </a:p>
-        </p:txBody>
-      </p:sp>
-      <p:cxnSp>
-        <p:nvCxnSpPr>
-          <p:cNvPr id="79" name="Straight Connector 78"/>
-          <p:cNvCxnSpPr/>
-          <p:nvPr/>
-        </p:nvCxnSpPr>
-        <p:spPr>
-          <a:xfrm flipV="1">
-            <a:off x="3319744" y="2546445"/>
-            <a:ext cx="1679579" cy="1328597"/>
-          </a:xfrm>
-          <a:prstGeom prst="line">
-            <a:avLst/>
-          </a:prstGeom>
-          <a:ln w="19050">
-            <a:solidFill>
-              <a:schemeClr val="tx1"/>
-            </a:solidFill>
-            <a:prstDash val="dash"/>
-          </a:ln>
-        </p:spPr>
-        <p:style>
-          <a:lnRef idx="1">
-            <a:schemeClr val="accent1"/>
-          </a:lnRef>
-          <a:fillRef idx="0">
-            <a:schemeClr val="accent1"/>
-          </a:fillRef>
-          <a:effectRef idx="0">
-            <a:schemeClr val="accent1"/>
-          </a:effectRef>
-          <a:fontRef idx="minor">
-            <a:schemeClr val="tx1"/>
-          </a:fontRef>
-        </p:style>
-      </p:cxnSp>
-      <p:cxnSp>
-        <p:nvCxnSpPr>
-          <p:cNvPr id="82" name="Straight Connector 81"/>
-          <p:cNvCxnSpPr/>
-          <p:nvPr/>
-        </p:nvCxnSpPr>
-        <p:spPr>
-          <a:xfrm flipV="1">
-            <a:off x="3293435" y="2541727"/>
-            <a:ext cx="1691612" cy="454150"/>
-          </a:xfrm>
-          <a:prstGeom prst="line">
-            <a:avLst/>
-          </a:prstGeom>
-          <a:ln w="19050">
-            <a:solidFill>
-              <a:schemeClr val="tx1"/>
-            </a:solidFill>
-            <a:prstDash val="dash"/>
-          </a:ln>
-        </p:spPr>
-        <p:style>
-          <a:lnRef idx="1">
-            <a:schemeClr val="accent1"/>
-          </a:lnRef>
-          <a:fillRef idx="0">
-            <a:schemeClr val="accent1"/>
-          </a:fillRef>
-          <a:effectRef idx="0">
-            <a:schemeClr val="accent1"/>
-          </a:effectRef>
-          <a:fontRef idx="minor">
-            <a:schemeClr val="tx1"/>
-          </a:fontRef>
-        </p:style>
-      </p:cxnSp>
-      <p:cxnSp>
-        <p:nvCxnSpPr>
-          <p:cNvPr id="83" name="Straight Connector 82"/>
-          <p:cNvCxnSpPr/>
-          <p:nvPr/>
-        </p:nvCxnSpPr>
-        <p:spPr>
-          <a:xfrm>
-            <a:off x="3063211" y="2440158"/>
-            <a:ext cx="0" cy="1796087"/>
-          </a:xfrm>
-          <a:prstGeom prst="line">
-            <a:avLst/>
-          </a:prstGeom>
-          <a:ln>
-            <a:solidFill>
-              <a:schemeClr val="tx1"/>
-            </a:solidFill>
-          </a:ln>
-        </p:spPr>
-        <p:style>
-          <a:lnRef idx="1">
-            <a:schemeClr val="accent1"/>
-          </a:lnRef>
-          <a:fillRef idx="0">
-            <a:schemeClr val="accent1"/>
-          </a:fillRef>
-          <a:effectRef idx="0">
-            <a:schemeClr val="accent1"/>
-          </a:effectRef>
-          <a:fontRef idx="minor">
-            <a:schemeClr val="tx1"/>
-          </a:fontRef>
-        </p:style>
-      </p:cxnSp>
-      <p:cxnSp>
-        <p:nvCxnSpPr>
-          <p:cNvPr id="84" name="Straight Connector 83"/>
-          <p:cNvCxnSpPr/>
-          <p:nvPr/>
-        </p:nvCxnSpPr>
-        <p:spPr>
-          <a:xfrm flipH="1">
-            <a:off x="3063210" y="4239912"/>
-            <a:ext cx="2170131" cy="2828"/>
-          </a:xfrm>
-          <a:prstGeom prst="line">
-            <a:avLst/>
-          </a:prstGeom>
-          <a:ln>
-            <a:solidFill>
-              <a:schemeClr val="tx1"/>
-            </a:solidFill>
-          </a:ln>
-        </p:spPr>
-        <p:style>
-          <a:lnRef idx="1">
-            <a:schemeClr val="accent1"/>
-          </a:lnRef>
-          <a:fillRef idx="0">
-            <a:schemeClr val="accent1"/>
-          </a:fillRef>
-          <a:effectRef idx="0">
-            <a:schemeClr val="accent1"/>
-          </a:effectRef>
-          <a:fontRef idx="minor">
-            <a:schemeClr val="tx1"/>
-          </a:fontRef>
-        </p:style>
-      </p:cxnSp>
-      <p:sp>
-        <p:nvSpPr>
-          <p:cNvPr id="91" name="TextBox 90"/>
-          <p:cNvSpPr txBox="1"/>
-          <p:nvPr/>
-        </p:nvSpPr>
-        <p:spPr>
-          <a:xfrm rot="20741648">
-            <a:off x="3362806" y="2589891"/>
-            <a:ext cx="1101852" cy="261610"/>
-          </a:xfrm>
-          <a:prstGeom prst="rect">
-            <a:avLst/>
-          </a:prstGeom>
-          <a:noFill/>
-        </p:spPr>
-        <p:txBody>
-          <a:bodyPr wrap="square" rtlCol="0">
-            <a:spAutoFit/>
-          </a:bodyPr>
-          <a:lstStyle/>
-          <a:p>
-            <a:r>
-              <a:rPr lang="en-US" sz="1100" dirty="0" smtClean="0"/>
-              <a:t>All species</a:t>
-            </a:r>
-            <a:endParaRPr lang="en-US" sz="1100" dirty="0"/>
-          </a:p>
-        </p:txBody>
-      </p:sp>
-      <p:sp>
-        <p:nvSpPr>
-          <p:cNvPr id="95" name="TextBox 94"/>
-          <p:cNvSpPr txBox="1"/>
-          <p:nvPr/>
-        </p:nvSpPr>
-        <p:spPr>
-          <a:xfrm rot="19292141">
-            <a:off x="3245778" y="3067049"/>
-            <a:ext cx="1552041" cy="261610"/>
-          </a:xfrm>
-          <a:prstGeom prst="rect">
-            <a:avLst/>
-          </a:prstGeom>
-          <a:noFill/>
-        </p:spPr>
-        <p:txBody>
-          <a:bodyPr wrap="square" rtlCol="0">
-            <a:spAutoFit/>
-          </a:bodyPr>
-          <a:lstStyle/>
-          <a:p>
-            <a:r>
-              <a:rPr lang="en-US" sz="1100" dirty="0" smtClean="0"/>
-              <a:t>Excluding transients</a:t>
-            </a:r>
-            <a:endParaRPr lang="en-US" sz="1100" dirty="0"/>
-          </a:p>
-        </p:txBody>
-      </p:sp>
-      <p:sp>
-        <p:nvSpPr>
-          <p:cNvPr id="97" name="Diamond 96"/>
-          <p:cNvSpPr/>
-          <p:nvPr/>
-        </p:nvSpPr>
-        <p:spPr>
-          <a:xfrm>
-            <a:off x="3185248" y="3923538"/>
-            <a:ext cx="45719" cy="45719"/>
-          </a:xfrm>
-          <a:prstGeom prst="diamond">
-            <a:avLst/>
-          </a:prstGeom>
-          <a:solidFill>
-            <a:schemeClr val="tx1">
-              <a:lumMod val="50000"/>
-              <a:lumOff val="50000"/>
-            </a:schemeClr>
-          </a:solidFill>
-          <a:ln w="38100">
+            <a:ln w="6350">
+              <a:solidFill>
+                <a:schemeClr val="tx1">
+                  <a:lumMod val="50000"/>
+                  <a:lumOff val="50000"/>
+                </a:schemeClr>
+              </a:solidFill>
+            </a:ln>
+          </p:spPr>
+          <p:style>
+            <a:lnRef idx="2">
+              <a:schemeClr val="accent1">
+                <a:shade val="50000"/>
+              </a:schemeClr>
+            </a:lnRef>
+            <a:fillRef idx="1">
+              <a:schemeClr val="accent1"/>
+            </a:fillRef>
+            <a:effectRef idx="0">
+              <a:schemeClr val="accent1"/>
+            </a:effectRef>
+            <a:fontRef idx="minor">
+              <a:schemeClr val="lt1"/>
+            </a:fontRef>
+          </p:style>
+          <p:txBody>
+            <a:bodyPr rtlCol="0" anchor="ctr"/>
+            <a:lstStyle/>
+            <a:p>
+              <a:pPr algn="ctr"/>
+              <a:endParaRPr lang="en-US"/>
+            </a:p>
+          </p:txBody>
+        </p:sp>
+        <p:sp>
+          <p:nvSpPr>
+            <p:cNvPr id="119" name="Diamond 118"/>
+            <p:cNvSpPr/>
+            <p:nvPr/>
+          </p:nvSpPr>
+          <p:spPr>
+            <a:xfrm>
+              <a:off x="5147669" y="2461961"/>
+              <a:ext cx="45719" cy="45719"/>
+            </a:xfrm>
+            <a:prstGeom prst="diamond">
+              <a:avLst/>
+            </a:prstGeom>
             <a:solidFill>
               <a:schemeClr val="tx1">
                 <a:lumMod val="50000"/>
                 <a:lumOff val="50000"/>
               </a:schemeClr>
             </a:solidFill>
-          </a:ln>
-        </p:spPr>
-        <p:style>
-          <a:lnRef idx="2">
-            <a:schemeClr val="accent1">
-              <a:shade val="50000"/>
-            </a:schemeClr>
-          </a:lnRef>
-          <a:fillRef idx="1">
-            <a:schemeClr val="accent1"/>
-          </a:fillRef>
-          <a:effectRef idx="0">
-            <a:schemeClr val="accent1"/>
-          </a:effectRef>
-          <a:fontRef idx="minor">
-            <a:schemeClr val="lt1"/>
-          </a:fontRef>
-        </p:style>
-        <p:txBody>
-          <a:bodyPr rtlCol="0" anchor="ctr"/>
-          <a:lstStyle/>
-          <a:p>
-            <a:pPr algn="ctr"/>
-            <a:endParaRPr lang="en-US"/>
-          </a:p>
-        </p:txBody>
-      </p:sp>
-      <p:sp>
-        <p:nvSpPr>
-          <p:cNvPr id="99" name="Oval 98"/>
-          <p:cNvSpPr/>
-          <p:nvPr/>
-        </p:nvSpPr>
-        <p:spPr>
-          <a:xfrm>
-            <a:off x="3329648" y="3947786"/>
-            <a:ext cx="45719" cy="45719"/>
-          </a:xfrm>
-          <a:prstGeom prst="ellipse">
-            <a:avLst/>
-          </a:prstGeom>
-          <a:solidFill>
-            <a:schemeClr val="tx1">
-              <a:lumMod val="50000"/>
-              <a:lumOff val="50000"/>
-            </a:schemeClr>
-          </a:solidFill>
-          <a:ln w="38100">
+            <a:ln w="38100">
+              <a:solidFill>
+                <a:schemeClr val="tx1">
+                  <a:lumMod val="50000"/>
+                  <a:lumOff val="50000"/>
+                </a:schemeClr>
+              </a:solidFill>
+            </a:ln>
+          </p:spPr>
+          <p:style>
+            <a:lnRef idx="2">
+              <a:schemeClr val="accent1">
+                <a:shade val="50000"/>
+              </a:schemeClr>
+            </a:lnRef>
+            <a:fillRef idx="1">
+              <a:schemeClr val="accent1"/>
+            </a:fillRef>
+            <a:effectRef idx="0">
+              <a:schemeClr val="accent1"/>
+            </a:effectRef>
+            <a:fontRef idx="minor">
+              <a:schemeClr val="lt1"/>
+            </a:fontRef>
+          </p:style>
+          <p:txBody>
+            <a:bodyPr rtlCol="0" anchor="ctr"/>
+            <a:lstStyle/>
+            <a:p>
+              <a:pPr algn="ctr"/>
+              <a:endParaRPr lang="en-US"/>
+            </a:p>
+          </p:txBody>
+        </p:sp>
+        <p:sp>
+          <p:nvSpPr>
+            <p:cNvPr id="120" name="Oval 119"/>
+            <p:cNvSpPr/>
+            <p:nvPr/>
+          </p:nvSpPr>
+          <p:spPr>
+            <a:xfrm>
+              <a:off x="5081056" y="2548285"/>
+              <a:ext cx="45719" cy="45719"/>
+            </a:xfrm>
+            <a:prstGeom prst="ellipse">
+              <a:avLst/>
+            </a:prstGeom>
             <a:solidFill>
               <a:schemeClr val="tx1">
                 <a:lumMod val="50000"/>
                 <a:lumOff val="50000"/>
               </a:schemeClr>
             </a:solidFill>
-          </a:ln>
-        </p:spPr>
-        <p:style>
-          <a:lnRef idx="2">
-            <a:schemeClr val="accent1">
-              <a:shade val="50000"/>
-            </a:schemeClr>
-          </a:lnRef>
-          <a:fillRef idx="1">
-            <a:schemeClr val="accent1"/>
-          </a:fillRef>
-          <a:effectRef idx="0">
-            <a:schemeClr val="accent1"/>
-          </a:effectRef>
-          <a:fontRef idx="minor">
-            <a:schemeClr val="lt1"/>
-          </a:fontRef>
-        </p:style>
-        <p:txBody>
-          <a:bodyPr rtlCol="0" anchor="ctr"/>
-          <a:lstStyle/>
-          <a:p>
-            <a:pPr algn="ctr"/>
-            <a:endParaRPr lang="en-US"/>
-          </a:p>
-        </p:txBody>
-      </p:sp>
-      <p:sp>
-        <p:nvSpPr>
-          <p:cNvPr id="101" name="Isosceles Triangle 100"/>
-          <p:cNvSpPr/>
-          <p:nvPr/>
-        </p:nvSpPr>
-        <p:spPr>
-          <a:xfrm>
-            <a:off x="3248660" y="4009768"/>
-            <a:ext cx="45719" cy="45719"/>
-          </a:xfrm>
-          <a:prstGeom prst="triangle">
-            <a:avLst/>
-          </a:prstGeom>
-          <a:solidFill>
-            <a:schemeClr val="tx1">
-              <a:lumMod val="50000"/>
-              <a:lumOff val="50000"/>
-            </a:schemeClr>
-          </a:solidFill>
-          <a:ln w="38100">
+            <a:ln w="38100">
+              <a:solidFill>
+                <a:schemeClr val="tx1">
+                  <a:lumMod val="50000"/>
+                  <a:lumOff val="50000"/>
+                </a:schemeClr>
+              </a:solidFill>
+            </a:ln>
+          </p:spPr>
+          <p:style>
+            <a:lnRef idx="2">
+              <a:schemeClr val="accent1">
+                <a:shade val="50000"/>
+              </a:schemeClr>
+            </a:lnRef>
+            <a:fillRef idx="1">
+              <a:schemeClr val="accent1"/>
+            </a:fillRef>
+            <a:effectRef idx="0">
+              <a:schemeClr val="accent1"/>
+            </a:effectRef>
+            <a:fontRef idx="minor">
+              <a:schemeClr val="lt1"/>
+            </a:fontRef>
+          </p:style>
+          <p:txBody>
+            <a:bodyPr rtlCol="0" anchor="ctr"/>
+            <a:lstStyle/>
+            <a:p>
+              <a:pPr algn="ctr"/>
+              <a:endParaRPr lang="en-US"/>
+            </a:p>
+          </p:txBody>
+        </p:sp>
+        <p:sp>
+          <p:nvSpPr>
+            <p:cNvPr id="121" name="Isosceles Triangle 120"/>
+            <p:cNvSpPr/>
+            <p:nvPr/>
+          </p:nvSpPr>
+          <p:spPr>
+            <a:xfrm>
+              <a:off x="4998827" y="2614627"/>
+              <a:ext cx="45719" cy="45719"/>
+            </a:xfrm>
+            <a:prstGeom prst="triangle">
+              <a:avLst/>
+            </a:prstGeom>
             <a:solidFill>
               <a:schemeClr val="tx1">
                 <a:lumMod val="50000"/>
                 <a:lumOff val="50000"/>
               </a:schemeClr>
             </a:solidFill>
-          </a:ln>
-        </p:spPr>
-        <p:style>
-          <a:lnRef idx="2">
-            <a:schemeClr val="accent1">
-              <a:shade val="50000"/>
-            </a:schemeClr>
-          </a:lnRef>
-          <a:fillRef idx="1">
-            <a:schemeClr val="accent1"/>
-          </a:fillRef>
-          <a:effectRef idx="0">
-            <a:schemeClr val="accent1"/>
-          </a:effectRef>
-          <a:fontRef idx="minor">
-            <a:schemeClr val="lt1"/>
-          </a:fontRef>
-        </p:style>
-        <p:txBody>
-          <a:bodyPr rtlCol="0" anchor="ctr"/>
-          <a:lstStyle/>
-          <a:p>
-            <a:pPr algn="ctr"/>
-            <a:endParaRPr lang="en-US"/>
-          </a:p>
-        </p:txBody>
-      </p:sp>
-      <p:sp>
-        <p:nvSpPr>
-          <p:cNvPr id="105" name="Hexagon 104"/>
-          <p:cNvSpPr/>
-          <p:nvPr/>
-        </p:nvSpPr>
-        <p:spPr>
-          <a:xfrm>
-            <a:off x="3170611" y="2924026"/>
-            <a:ext cx="70648" cy="57645"/>
-          </a:xfrm>
-          <a:prstGeom prst="hexagon">
-            <a:avLst/>
-          </a:prstGeom>
-          <a:noFill/>
-          <a:ln w="6350">
+            <a:ln w="38100">
+              <a:solidFill>
+                <a:schemeClr val="tx1">
+                  <a:lumMod val="50000"/>
+                  <a:lumOff val="50000"/>
+                </a:schemeClr>
+              </a:solidFill>
+            </a:ln>
+          </p:spPr>
+          <p:style>
+            <a:lnRef idx="2">
+              <a:schemeClr val="accent1">
+                <a:shade val="50000"/>
+              </a:schemeClr>
+            </a:lnRef>
+            <a:fillRef idx="1">
+              <a:schemeClr val="accent1"/>
+            </a:fillRef>
+            <a:effectRef idx="0">
+              <a:schemeClr val="accent1"/>
+            </a:effectRef>
+            <a:fontRef idx="minor">
+              <a:schemeClr val="lt1"/>
+            </a:fontRef>
+          </p:style>
+          <p:txBody>
+            <a:bodyPr rtlCol="0" anchor="ctr"/>
+            <a:lstStyle/>
+            <a:p>
+              <a:pPr algn="ctr"/>
+              <a:endParaRPr lang="en-US"/>
+            </a:p>
+          </p:txBody>
+        </p:sp>
+        <p:sp>
+          <p:nvSpPr>
+            <p:cNvPr id="122" name="5-Point Star 121"/>
+            <p:cNvSpPr/>
+            <p:nvPr/>
+          </p:nvSpPr>
+          <p:spPr>
+            <a:xfrm>
+              <a:off x="4924738" y="2434886"/>
+              <a:ext cx="45720" cy="45719"/>
+            </a:xfrm>
+            <a:prstGeom prst="star5">
+              <a:avLst/>
+            </a:prstGeom>
             <a:solidFill>
               <a:schemeClr val="tx1">
                 <a:lumMod val="50000"/>
                 <a:lumOff val="50000"/>
               </a:schemeClr>
             </a:solidFill>
-          </a:ln>
-        </p:spPr>
-        <p:style>
-          <a:lnRef idx="2">
-            <a:schemeClr val="accent1">
-              <a:shade val="50000"/>
-            </a:schemeClr>
-          </a:lnRef>
-          <a:fillRef idx="1">
-            <a:schemeClr val="accent1"/>
-          </a:fillRef>
-          <a:effectRef idx="0">
-            <a:schemeClr val="accent1"/>
-          </a:effectRef>
-          <a:fontRef idx="minor">
-            <a:schemeClr val="lt1"/>
-          </a:fontRef>
-        </p:style>
-        <p:txBody>
-          <a:bodyPr rtlCol="0" anchor="ctr"/>
-          <a:lstStyle/>
-          <a:p>
-            <a:pPr algn="ctr"/>
-            <a:endParaRPr lang="en-US"/>
-          </a:p>
-        </p:txBody>
-      </p:sp>
-      <p:sp>
-        <p:nvSpPr>
-          <p:cNvPr id="106" name="Rectangle 105"/>
-          <p:cNvSpPr/>
-          <p:nvPr/>
-        </p:nvSpPr>
-        <p:spPr>
-          <a:xfrm>
-            <a:off x="3275738" y="2907745"/>
-            <a:ext cx="57025" cy="52352"/>
-          </a:xfrm>
-          <a:prstGeom prst="rect">
-            <a:avLst/>
-          </a:prstGeom>
-          <a:noFill/>
-          <a:ln w="6350">
+            <a:ln w="28575">
+              <a:solidFill>
+                <a:schemeClr val="tx1">
+                  <a:lumMod val="50000"/>
+                  <a:lumOff val="50000"/>
+                </a:schemeClr>
+              </a:solidFill>
+            </a:ln>
+          </p:spPr>
+          <p:style>
+            <a:lnRef idx="2">
+              <a:schemeClr val="accent1">
+                <a:shade val="50000"/>
+              </a:schemeClr>
+            </a:lnRef>
+            <a:fillRef idx="1">
+              <a:schemeClr val="accent1"/>
+            </a:fillRef>
+            <a:effectRef idx="0">
+              <a:schemeClr val="accent1"/>
+            </a:effectRef>
+            <a:fontRef idx="minor">
+              <a:schemeClr val="lt1"/>
+            </a:fontRef>
+          </p:style>
+          <p:txBody>
+            <a:bodyPr rtlCol="0" anchor="ctr"/>
+            <a:lstStyle/>
+            <a:p>
+              <a:pPr algn="ctr"/>
+              <a:endParaRPr lang="en-US"/>
+            </a:p>
+          </p:txBody>
+        </p:sp>
+        <p:sp>
+          <p:nvSpPr>
+            <p:cNvPr id="125" name="Parallelogram 124"/>
+            <p:cNvSpPr/>
+            <p:nvPr/>
+          </p:nvSpPr>
+          <p:spPr>
+            <a:xfrm>
+              <a:off x="5156869" y="2607174"/>
+              <a:ext cx="45719" cy="45719"/>
+            </a:xfrm>
+            <a:prstGeom prst="parallelogram">
+              <a:avLst/>
+            </a:prstGeom>
+            <a:solidFill>
+              <a:schemeClr val="bg1">
+                <a:lumMod val="50000"/>
+              </a:schemeClr>
+            </a:solidFill>
+            <a:ln w="38100">
+              <a:solidFill>
+                <a:schemeClr val="tx1">
+                  <a:lumMod val="50000"/>
+                  <a:lumOff val="50000"/>
+                </a:schemeClr>
+              </a:solidFill>
+            </a:ln>
+          </p:spPr>
+          <p:style>
+            <a:lnRef idx="2">
+              <a:schemeClr val="accent1">
+                <a:shade val="50000"/>
+              </a:schemeClr>
+            </a:lnRef>
+            <a:fillRef idx="1">
+              <a:schemeClr val="accent1"/>
+            </a:fillRef>
+            <a:effectRef idx="0">
+              <a:schemeClr val="accent1"/>
+            </a:effectRef>
+            <a:fontRef idx="minor">
+              <a:schemeClr val="lt1"/>
+            </a:fontRef>
+          </p:style>
+          <p:txBody>
+            <a:bodyPr rtlCol="0" anchor="ctr"/>
+            <a:lstStyle/>
+            <a:p>
+              <a:pPr algn="ctr"/>
+              <a:endParaRPr lang="en-US"/>
+            </a:p>
+          </p:txBody>
+        </p:sp>
+        <p:sp>
+          <p:nvSpPr>
+            <p:cNvPr id="126" name="Trapezoid 125"/>
+            <p:cNvSpPr/>
+            <p:nvPr/>
+          </p:nvSpPr>
+          <p:spPr>
+            <a:xfrm>
+              <a:off x="5153178" y="2356662"/>
+              <a:ext cx="45719" cy="45719"/>
+            </a:xfrm>
+            <a:prstGeom prst="trapezoid">
+              <a:avLst/>
+            </a:prstGeom>
+            <a:solidFill>
+              <a:schemeClr val="bg1">
+                <a:lumMod val="50000"/>
+              </a:schemeClr>
+            </a:solidFill>
+            <a:ln w="38100">
+              <a:solidFill>
+                <a:schemeClr val="tx1">
+                  <a:lumMod val="50000"/>
+                  <a:lumOff val="50000"/>
+                </a:schemeClr>
+              </a:solidFill>
+            </a:ln>
+          </p:spPr>
+          <p:style>
+            <a:lnRef idx="2">
+              <a:schemeClr val="accent1">
+                <a:shade val="50000"/>
+              </a:schemeClr>
+            </a:lnRef>
+            <a:fillRef idx="1">
+              <a:schemeClr val="accent1"/>
+            </a:fillRef>
+            <a:effectRef idx="0">
+              <a:schemeClr val="accent1"/>
+            </a:effectRef>
+            <a:fontRef idx="minor">
+              <a:schemeClr val="lt1"/>
+            </a:fontRef>
+          </p:style>
+          <p:txBody>
+            <a:bodyPr rtlCol="0" anchor="ctr"/>
+            <a:lstStyle/>
+            <a:p>
+              <a:pPr algn="ctr"/>
+              <a:endParaRPr lang="en-US"/>
+            </a:p>
+          </p:txBody>
+        </p:sp>
+        <p:sp>
+          <p:nvSpPr>
+            <p:cNvPr id="134" name="Oval 133"/>
+            <p:cNvSpPr/>
+            <p:nvPr/>
+          </p:nvSpPr>
+          <p:spPr>
+            <a:xfrm>
+              <a:off x="2450292" y="3088067"/>
+              <a:ext cx="119733" cy="108597"/>
+            </a:xfrm>
+            <a:prstGeom prst="ellipse">
+              <a:avLst/>
+            </a:prstGeom>
             <a:solidFill>
               <a:schemeClr val="tx1">
                 <a:lumMod val="50000"/>
                 <a:lumOff val="50000"/>
               </a:schemeClr>
             </a:solidFill>
-          </a:ln>
-        </p:spPr>
-        <p:style>
-          <a:lnRef idx="2">
-            <a:schemeClr val="accent1">
-              <a:shade val="50000"/>
-            </a:schemeClr>
-          </a:lnRef>
-          <a:fillRef idx="1">
-            <a:schemeClr val="accent1"/>
-          </a:fillRef>
-          <a:effectRef idx="0">
-            <a:schemeClr val="accent1"/>
-          </a:effectRef>
-          <a:fontRef idx="minor">
-            <a:schemeClr val="lt1"/>
-          </a:fontRef>
-        </p:style>
-        <p:txBody>
-          <a:bodyPr rtlCol="0" anchor="ctr"/>
-          <a:lstStyle/>
-          <a:p>
-            <a:pPr algn="ctr"/>
-            <a:endParaRPr lang="en-US"/>
-          </a:p>
-        </p:txBody>
-      </p:sp>
-      <p:sp>
-        <p:nvSpPr>
-          <p:cNvPr id="107" name="Diamond 106"/>
-          <p:cNvSpPr/>
-          <p:nvPr/>
-        </p:nvSpPr>
-        <p:spPr>
-          <a:xfrm>
-            <a:off x="3154988" y="3026533"/>
-            <a:ext cx="45719" cy="45719"/>
-          </a:xfrm>
-          <a:prstGeom prst="diamond">
-            <a:avLst/>
-          </a:prstGeom>
-          <a:solidFill>
-            <a:schemeClr val="tx1">
-              <a:lumMod val="50000"/>
-              <a:lumOff val="50000"/>
-            </a:schemeClr>
-          </a:solidFill>
-          <a:ln w="38100">
+            <a:ln w="38100">
+              <a:solidFill>
+                <a:schemeClr val="tx1">
+                  <a:lumMod val="50000"/>
+                  <a:lumOff val="50000"/>
+                </a:schemeClr>
+              </a:solidFill>
+            </a:ln>
+          </p:spPr>
+          <p:style>
+            <a:lnRef idx="2">
+              <a:schemeClr val="accent1">
+                <a:shade val="50000"/>
+              </a:schemeClr>
+            </a:lnRef>
+            <a:fillRef idx="1">
+              <a:schemeClr val="accent1"/>
+            </a:fillRef>
+            <a:effectRef idx="0">
+              <a:schemeClr val="accent1"/>
+            </a:effectRef>
+            <a:fontRef idx="minor">
+              <a:schemeClr val="lt1"/>
+            </a:fontRef>
+          </p:style>
+          <p:txBody>
+            <a:bodyPr rtlCol="0" anchor="ctr"/>
+            <a:lstStyle/>
+            <a:p>
+              <a:pPr algn="ctr"/>
+              <a:endParaRPr lang="en-US"/>
+            </a:p>
+          </p:txBody>
+        </p:sp>
+        <p:sp>
+          <p:nvSpPr>
+            <p:cNvPr id="135" name="Isosceles Triangle 134"/>
+            <p:cNvSpPr/>
+            <p:nvPr/>
+          </p:nvSpPr>
+          <p:spPr>
+            <a:xfrm>
+              <a:off x="1630372" y="2492536"/>
+              <a:ext cx="103106" cy="98071"/>
+            </a:xfrm>
+            <a:prstGeom prst="triangle">
+              <a:avLst/>
+            </a:prstGeom>
+            <a:noFill/>
+            <a:ln w="19050">
+              <a:solidFill>
+                <a:schemeClr val="tx1">
+                  <a:lumMod val="50000"/>
+                  <a:lumOff val="50000"/>
+                </a:schemeClr>
+              </a:solidFill>
+            </a:ln>
+          </p:spPr>
+          <p:style>
+            <a:lnRef idx="2">
+              <a:schemeClr val="accent1">
+                <a:shade val="50000"/>
+              </a:schemeClr>
+            </a:lnRef>
+            <a:fillRef idx="1">
+              <a:schemeClr val="accent1"/>
+            </a:fillRef>
+            <a:effectRef idx="0">
+              <a:schemeClr val="accent1"/>
+            </a:effectRef>
+            <a:fontRef idx="minor">
+              <a:schemeClr val="lt1"/>
+            </a:fontRef>
+          </p:style>
+          <p:txBody>
+            <a:bodyPr rtlCol="0" anchor="ctr"/>
+            <a:lstStyle/>
+            <a:p>
+              <a:pPr algn="ctr"/>
+              <a:endParaRPr lang="en-US"/>
+            </a:p>
+          </p:txBody>
+        </p:sp>
+        <p:sp>
+          <p:nvSpPr>
+            <p:cNvPr id="136" name="5-Point Star 135"/>
+            <p:cNvSpPr/>
+            <p:nvPr/>
+          </p:nvSpPr>
+          <p:spPr>
+            <a:xfrm>
+              <a:off x="2285862" y="2687584"/>
+              <a:ext cx="168605" cy="165114"/>
+            </a:xfrm>
+            <a:prstGeom prst="star5">
+              <a:avLst/>
+            </a:prstGeom>
             <a:solidFill>
               <a:schemeClr val="tx1">
                 <a:lumMod val="50000"/>
                 <a:lumOff val="50000"/>
               </a:schemeClr>
             </a:solidFill>
-          </a:ln>
-        </p:spPr>
-        <p:style>
-          <a:lnRef idx="2">
-            <a:schemeClr val="accent1">
-              <a:shade val="50000"/>
-            </a:schemeClr>
-          </a:lnRef>
-          <a:fillRef idx="1">
-            <a:schemeClr val="accent1"/>
-          </a:fillRef>
-          <a:effectRef idx="0">
-            <a:schemeClr val="accent1"/>
-          </a:effectRef>
-          <a:fontRef idx="minor">
-            <a:schemeClr val="lt1"/>
-          </a:fontRef>
-        </p:style>
-        <p:txBody>
-          <a:bodyPr rtlCol="0" anchor="ctr"/>
-          <a:lstStyle/>
-          <a:p>
-            <a:pPr algn="ctr"/>
-            <a:endParaRPr lang="en-US"/>
-          </a:p>
-        </p:txBody>
-      </p:sp>
-      <p:sp>
-        <p:nvSpPr>
-          <p:cNvPr id="108" name="Oval 107"/>
-          <p:cNvSpPr/>
-          <p:nvPr/>
-        </p:nvSpPr>
-        <p:spPr>
-          <a:xfrm>
-            <a:off x="3299388" y="3050781"/>
-            <a:ext cx="45719" cy="45719"/>
-          </a:xfrm>
-          <a:prstGeom prst="ellipse">
-            <a:avLst/>
-          </a:prstGeom>
-          <a:solidFill>
-            <a:schemeClr val="tx1">
-              <a:lumMod val="50000"/>
-              <a:lumOff val="50000"/>
-            </a:schemeClr>
-          </a:solidFill>
-          <a:ln w="38100">
+            <a:ln w="28575">
+              <a:solidFill>
+                <a:schemeClr val="tx1">
+                  <a:lumMod val="50000"/>
+                  <a:lumOff val="50000"/>
+                </a:schemeClr>
+              </a:solidFill>
+            </a:ln>
+          </p:spPr>
+          <p:style>
+            <a:lnRef idx="2">
+              <a:schemeClr val="accent1">
+                <a:shade val="50000"/>
+              </a:schemeClr>
+            </a:lnRef>
+            <a:fillRef idx="1">
+              <a:schemeClr val="accent1"/>
+            </a:fillRef>
+            <a:effectRef idx="0">
+              <a:schemeClr val="accent1"/>
+            </a:effectRef>
+            <a:fontRef idx="minor">
+              <a:schemeClr val="lt1"/>
+            </a:fontRef>
+          </p:style>
+          <p:txBody>
+            <a:bodyPr rtlCol="0" anchor="ctr"/>
+            <a:lstStyle/>
+            <a:p>
+              <a:pPr algn="ctr"/>
+              <a:endParaRPr lang="en-US"/>
+            </a:p>
+          </p:txBody>
+        </p:sp>
+        <p:sp>
+          <p:nvSpPr>
+            <p:cNvPr id="137" name="Parallelogram 136"/>
+            <p:cNvSpPr/>
+            <p:nvPr/>
+          </p:nvSpPr>
+          <p:spPr>
+            <a:xfrm>
+              <a:off x="1944733" y="2510674"/>
+              <a:ext cx="186647" cy="106640"/>
+            </a:xfrm>
+            <a:prstGeom prst="parallelogram">
+              <a:avLst/>
+            </a:prstGeom>
+            <a:noFill/>
+            <a:ln w="19050">
+              <a:solidFill>
+                <a:schemeClr val="tx1">
+                  <a:lumMod val="50000"/>
+                  <a:lumOff val="50000"/>
+                </a:schemeClr>
+              </a:solidFill>
+            </a:ln>
+          </p:spPr>
+          <p:style>
+            <a:lnRef idx="2">
+              <a:schemeClr val="accent1">
+                <a:shade val="50000"/>
+              </a:schemeClr>
+            </a:lnRef>
+            <a:fillRef idx="1">
+              <a:schemeClr val="accent1"/>
+            </a:fillRef>
+            <a:effectRef idx="0">
+              <a:schemeClr val="accent1"/>
+            </a:effectRef>
+            <a:fontRef idx="minor">
+              <a:schemeClr val="lt1"/>
+            </a:fontRef>
+          </p:style>
+          <p:txBody>
+            <a:bodyPr rtlCol="0" anchor="ctr"/>
+            <a:lstStyle/>
+            <a:p>
+              <a:pPr algn="ctr"/>
+              <a:endParaRPr lang="en-US"/>
+            </a:p>
+          </p:txBody>
+        </p:sp>
+        <p:sp>
+          <p:nvSpPr>
+            <p:cNvPr id="138" name="Trapezoid 137"/>
+            <p:cNvSpPr/>
+            <p:nvPr/>
+          </p:nvSpPr>
+          <p:spPr>
+            <a:xfrm>
+              <a:off x="1650116" y="2742807"/>
+              <a:ext cx="145405" cy="119699"/>
+            </a:xfrm>
+            <a:prstGeom prst="trapezoid">
+              <a:avLst/>
+            </a:prstGeom>
+            <a:solidFill>
+              <a:schemeClr val="bg1">
+                <a:lumMod val="50000"/>
+              </a:schemeClr>
+            </a:solidFill>
+            <a:ln w="38100">
+              <a:solidFill>
+                <a:schemeClr val="tx1">
+                  <a:lumMod val="50000"/>
+                  <a:lumOff val="50000"/>
+                </a:schemeClr>
+              </a:solidFill>
+            </a:ln>
+          </p:spPr>
+          <p:style>
+            <a:lnRef idx="2">
+              <a:schemeClr val="accent1">
+                <a:shade val="50000"/>
+              </a:schemeClr>
+            </a:lnRef>
+            <a:fillRef idx="1">
+              <a:schemeClr val="accent1"/>
+            </a:fillRef>
+            <a:effectRef idx="0">
+              <a:schemeClr val="accent1"/>
+            </a:effectRef>
+            <a:fontRef idx="minor">
+              <a:schemeClr val="lt1"/>
+            </a:fontRef>
+          </p:style>
+          <p:txBody>
+            <a:bodyPr rtlCol="0" anchor="ctr"/>
+            <a:lstStyle/>
+            <a:p>
+              <a:pPr algn="ctr"/>
+              <a:endParaRPr lang="en-US"/>
+            </a:p>
+          </p:txBody>
+        </p:sp>
+        <p:sp>
+          <p:nvSpPr>
+            <p:cNvPr id="140" name="Hexagon 139"/>
+            <p:cNvSpPr/>
+            <p:nvPr/>
+          </p:nvSpPr>
+          <p:spPr>
+            <a:xfrm>
+              <a:off x="1556207" y="4194864"/>
+              <a:ext cx="170932" cy="151439"/>
+            </a:xfrm>
+            <a:prstGeom prst="hexagon">
+              <a:avLst/>
+            </a:prstGeom>
+            <a:solidFill>
+              <a:schemeClr val="bg1">
+                <a:lumMod val="50000"/>
+              </a:schemeClr>
+            </a:solidFill>
+            <a:ln w="6350">
+              <a:solidFill>
+                <a:schemeClr val="tx1">
+                  <a:lumMod val="50000"/>
+                  <a:lumOff val="50000"/>
+                </a:schemeClr>
+              </a:solidFill>
+            </a:ln>
+          </p:spPr>
+          <p:style>
+            <a:lnRef idx="2">
+              <a:schemeClr val="accent1">
+                <a:shade val="50000"/>
+              </a:schemeClr>
+            </a:lnRef>
+            <a:fillRef idx="1">
+              <a:schemeClr val="accent1"/>
+            </a:fillRef>
+            <a:effectRef idx="0">
+              <a:schemeClr val="accent1"/>
+            </a:effectRef>
+            <a:fontRef idx="minor">
+              <a:schemeClr val="lt1"/>
+            </a:fontRef>
+          </p:style>
+          <p:txBody>
+            <a:bodyPr rtlCol="0" anchor="ctr"/>
+            <a:lstStyle/>
+            <a:p>
+              <a:pPr algn="ctr"/>
+              <a:endParaRPr lang="en-US"/>
+            </a:p>
+          </p:txBody>
+        </p:sp>
+        <p:sp>
+          <p:nvSpPr>
+            <p:cNvPr id="141" name="Rectangle 140"/>
+            <p:cNvSpPr/>
+            <p:nvPr/>
+          </p:nvSpPr>
+          <p:spPr>
+            <a:xfrm>
+              <a:off x="1996180" y="3997372"/>
+              <a:ext cx="142869" cy="135226"/>
+            </a:xfrm>
+            <a:prstGeom prst="rect">
+              <a:avLst/>
+            </a:prstGeom>
+            <a:solidFill>
+              <a:schemeClr val="bg1">
+                <a:lumMod val="50000"/>
+              </a:schemeClr>
+            </a:solidFill>
+            <a:ln w="6350">
+              <a:solidFill>
+                <a:schemeClr val="tx1">
+                  <a:lumMod val="50000"/>
+                  <a:lumOff val="50000"/>
+                </a:schemeClr>
+              </a:solidFill>
+            </a:ln>
+          </p:spPr>
+          <p:style>
+            <a:lnRef idx="2">
+              <a:schemeClr val="accent1">
+                <a:shade val="50000"/>
+              </a:schemeClr>
+            </a:lnRef>
+            <a:fillRef idx="1">
+              <a:schemeClr val="accent1"/>
+            </a:fillRef>
+            <a:effectRef idx="0">
+              <a:schemeClr val="accent1"/>
+            </a:effectRef>
+            <a:fontRef idx="minor">
+              <a:schemeClr val="lt1"/>
+            </a:fontRef>
+          </p:style>
+          <p:txBody>
+            <a:bodyPr rtlCol="0" anchor="ctr"/>
+            <a:lstStyle/>
+            <a:p>
+              <a:pPr algn="ctr"/>
+              <a:endParaRPr lang="en-US"/>
+            </a:p>
+          </p:txBody>
+        </p:sp>
+        <p:sp>
+          <p:nvSpPr>
+            <p:cNvPr id="142" name="Oval 141"/>
+            <p:cNvSpPr/>
+            <p:nvPr/>
+          </p:nvSpPr>
+          <p:spPr>
+            <a:xfrm>
+              <a:off x="2484729" y="4145824"/>
+              <a:ext cx="119733" cy="108597"/>
+            </a:xfrm>
+            <a:prstGeom prst="ellipse">
+              <a:avLst/>
+            </a:prstGeom>
+            <a:noFill/>
+            <a:ln w="19050">
+              <a:solidFill>
+                <a:schemeClr val="tx1">
+                  <a:lumMod val="50000"/>
+                  <a:lumOff val="50000"/>
+                </a:schemeClr>
+              </a:solidFill>
+            </a:ln>
+          </p:spPr>
+          <p:style>
+            <a:lnRef idx="2">
+              <a:schemeClr val="accent1">
+                <a:shade val="50000"/>
+              </a:schemeClr>
+            </a:lnRef>
+            <a:fillRef idx="1">
+              <a:schemeClr val="accent1"/>
+            </a:fillRef>
+            <a:effectRef idx="0">
+              <a:schemeClr val="accent1"/>
+            </a:effectRef>
+            <a:fontRef idx="minor">
+              <a:schemeClr val="lt1"/>
+            </a:fontRef>
+          </p:style>
+          <p:txBody>
+            <a:bodyPr rtlCol="0" anchor="ctr"/>
+            <a:lstStyle/>
+            <a:p>
+              <a:pPr algn="ctr"/>
+              <a:endParaRPr lang="en-US"/>
+            </a:p>
+          </p:txBody>
+        </p:sp>
+        <p:sp>
+          <p:nvSpPr>
+            <p:cNvPr id="146" name="Trapezoid 145"/>
+            <p:cNvSpPr/>
+            <p:nvPr/>
+          </p:nvSpPr>
+          <p:spPr>
+            <a:xfrm>
+              <a:off x="1684553" y="3800564"/>
+              <a:ext cx="145405" cy="119699"/>
+            </a:xfrm>
+            <a:prstGeom prst="trapezoid">
+              <a:avLst/>
+            </a:prstGeom>
+            <a:solidFill>
+              <a:schemeClr val="bg1">
+                <a:lumMod val="50000"/>
+              </a:schemeClr>
+            </a:solidFill>
+            <a:ln w="38100">
+              <a:solidFill>
+                <a:schemeClr val="tx1">
+                  <a:lumMod val="50000"/>
+                  <a:lumOff val="50000"/>
+                </a:schemeClr>
+              </a:solidFill>
+            </a:ln>
+          </p:spPr>
+          <p:style>
+            <a:lnRef idx="2">
+              <a:schemeClr val="accent1">
+                <a:shade val="50000"/>
+              </a:schemeClr>
+            </a:lnRef>
+            <a:fillRef idx="1">
+              <a:schemeClr val="accent1"/>
+            </a:fillRef>
+            <a:effectRef idx="0">
+              <a:schemeClr val="accent1"/>
+            </a:effectRef>
+            <a:fontRef idx="minor">
+              <a:schemeClr val="lt1"/>
+            </a:fontRef>
+          </p:style>
+          <p:txBody>
+            <a:bodyPr rtlCol="0" anchor="ctr"/>
+            <a:lstStyle/>
+            <a:p>
+              <a:pPr algn="ctr"/>
+              <a:endParaRPr lang="en-US"/>
+            </a:p>
+          </p:txBody>
+        </p:sp>
+        <p:sp>
+          <p:nvSpPr>
+            <p:cNvPr id="147" name="Diamond 146"/>
+            <p:cNvSpPr/>
+            <p:nvPr/>
+          </p:nvSpPr>
+          <p:spPr>
+            <a:xfrm>
+              <a:off x="2484337" y="3418148"/>
+              <a:ext cx="143736" cy="139320"/>
+            </a:xfrm>
+            <a:prstGeom prst="diamond">
+              <a:avLst/>
+            </a:prstGeom>
+            <a:noFill/>
+            <a:ln w="19050">
+              <a:solidFill>
+                <a:schemeClr val="tx1">
+                  <a:lumMod val="50000"/>
+                  <a:lumOff val="50000"/>
+                </a:schemeClr>
+              </a:solidFill>
+            </a:ln>
+          </p:spPr>
+          <p:style>
+            <a:lnRef idx="2">
+              <a:schemeClr val="accent1">
+                <a:shade val="50000"/>
+              </a:schemeClr>
+            </a:lnRef>
+            <a:fillRef idx="1">
+              <a:schemeClr val="accent1"/>
+            </a:fillRef>
+            <a:effectRef idx="0">
+              <a:schemeClr val="accent1"/>
+            </a:effectRef>
+            <a:fontRef idx="minor">
+              <a:schemeClr val="lt1"/>
+            </a:fontRef>
+          </p:style>
+          <p:txBody>
+            <a:bodyPr rtlCol="0" anchor="ctr"/>
+            <a:lstStyle/>
+            <a:p>
+              <a:pPr algn="ctr"/>
+              <a:endParaRPr lang="en-US"/>
+            </a:p>
+          </p:txBody>
+        </p:sp>
+        <p:sp>
+          <p:nvSpPr>
+            <p:cNvPr id="149" name="Rectangle 148"/>
+            <p:cNvSpPr/>
+            <p:nvPr/>
+          </p:nvSpPr>
+          <p:spPr>
+            <a:xfrm>
+              <a:off x="712745" y="2927927"/>
+              <a:ext cx="142869" cy="135226"/>
+            </a:xfrm>
+            <a:prstGeom prst="rect">
+              <a:avLst/>
+            </a:prstGeom>
+            <a:solidFill>
+              <a:schemeClr val="bg1">
+                <a:lumMod val="50000"/>
+              </a:schemeClr>
+            </a:solidFill>
+            <a:ln w="6350">
+              <a:solidFill>
+                <a:schemeClr val="tx1">
+                  <a:lumMod val="50000"/>
+                  <a:lumOff val="50000"/>
+                </a:schemeClr>
+              </a:solidFill>
+            </a:ln>
+          </p:spPr>
+          <p:style>
+            <a:lnRef idx="2">
+              <a:schemeClr val="accent1">
+                <a:shade val="50000"/>
+              </a:schemeClr>
+            </a:lnRef>
+            <a:fillRef idx="1">
+              <a:schemeClr val="accent1"/>
+            </a:fillRef>
+            <a:effectRef idx="0">
+              <a:schemeClr val="accent1"/>
+            </a:effectRef>
+            <a:fontRef idx="minor">
+              <a:schemeClr val="lt1"/>
+            </a:fontRef>
+          </p:style>
+          <p:txBody>
+            <a:bodyPr rtlCol="0" anchor="ctr"/>
+            <a:lstStyle/>
+            <a:p>
+              <a:pPr algn="ctr"/>
+              <a:endParaRPr lang="en-US"/>
+            </a:p>
+          </p:txBody>
+        </p:sp>
+        <p:sp>
+          <p:nvSpPr>
+            <p:cNvPr id="151" name="Isosceles Triangle 150"/>
+            <p:cNvSpPr/>
+            <p:nvPr/>
+          </p:nvSpPr>
+          <p:spPr>
+            <a:xfrm>
+              <a:off x="381374" y="2480848"/>
+              <a:ext cx="103106" cy="98071"/>
+            </a:xfrm>
+            <a:prstGeom prst="triangle">
+              <a:avLst/>
+            </a:prstGeom>
+            <a:noFill/>
+            <a:ln w="19050">
+              <a:solidFill>
+                <a:schemeClr val="tx1">
+                  <a:lumMod val="50000"/>
+                  <a:lumOff val="50000"/>
+                </a:schemeClr>
+              </a:solidFill>
+            </a:ln>
+          </p:spPr>
+          <p:style>
+            <a:lnRef idx="2">
+              <a:schemeClr val="accent1">
+                <a:shade val="50000"/>
+              </a:schemeClr>
+            </a:lnRef>
+            <a:fillRef idx="1">
+              <a:schemeClr val="accent1"/>
+            </a:fillRef>
+            <a:effectRef idx="0">
+              <a:schemeClr val="accent1"/>
+            </a:effectRef>
+            <a:fontRef idx="minor">
+              <a:schemeClr val="lt1"/>
+            </a:fontRef>
+          </p:style>
+          <p:txBody>
+            <a:bodyPr rtlCol="0" anchor="ctr"/>
+            <a:lstStyle/>
+            <a:p>
+              <a:pPr algn="ctr"/>
+              <a:endParaRPr lang="en-US"/>
+            </a:p>
+          </p:txBody>
+        </p:sp>
+        <p:sp>
+          <p:nvSpPr>
+            <p:cNvPr id="152" name="5-Point Star 151"/>
+            <p:cNvSpPr/>
+            <p:nvPr/>
+          </p:nvSpPr>
+          <p:spPr>
+            <a:xfrm>
+              <a:off x="1036864" y="2675896"/>
+              <a:ext cx="168605" cy="165114"/>
+            </a:xfrm>
+            <a:prstGeom prst="star5">
+              <a:avLst/>
+            </a:prstGeom>
+            <a:noFill/>
+            <a:ln w="19050">
+              <a:solidFill>
+                <a:schemeClr val="tx1">
+                  <a:lumMod val="50000"/>
+                  <a:lumOff val="50000"/>
+                </a:schemeClr>
+              </a:solidFill>
+            </a:ln>
+          </p:spPr>
+          <p:style>
+            <a:lnRef idx="2">
+              <a:schemeClr val="accent1">
+                <a:shade val="50000"/>
+              </a:schemeClr>
+            </a:lnRef>
+            <a:fillRef idx="1">
+              <a:schemeClr val="accent1"/>
+            </a:fillRef>
+            <a:effectRef idx="0">
+              <a:schemeClr val="accent1"/>
+            </a:effectRef>
+            <a:fontRef idx="minor">
+              <a:schemeClr val="lt1"/>
+            </a:fontRef>
+          </p:style>
+          <p:txBody>
+            <a:bodyPr rtlCol="0" anchor="ctr"/>
+            <a:lstStyle/>
+            <a:p>
+              <a:pPr algn="ctr"/>
+              <a:endParaRPr lang="en-US"/>
+            </a:p>
+          </p:txBody>
+        </p:sp>
+        <p:sp>
+          <p:nvSpPr>
+            <p:cNvPr id="153" name="Parallelogram 152"/>
+            <p:cNvSpPr/>
+            <p:nvPr/>
+          </p:nvSpPr>
+          <p:spPr>
+            <a:xfrm>
+              <a:off x="695735" y="2498986"/>
+              <a:ext cx="186647" cy="106640"/>
+            </a:xfrm>
+            <a:prstGeom prst="parallelogram">
+              <a:avLst/>
+            </a:prstGeom>
+            <a:solidFill>
+              <a:schemeClr val="bg1">
+                <a:lumMod val="50000"/>
+              </a:schemeClr>
+            </a:solidFill>
+            <a:ln w="38100">
+              <a:solidFill>
+                <a:schemeClr val="tx1">
+                  <a:lumMod val="50000"/>
+                  <a:lumOff val="50000"/>
+                </a:schemeClr>
+              </a:solidFill>
+            </a:ln>
+          </p:spPr>
+          <p:style>
+            <a:lnRef idx="2">
+              <a:schemeClr val="accent1">
+                <a:shade val="50000"/>
+              </a:schemeClr>
+            </a:lnRef>
+            <a:fillRef idx="1">
+              <a:schemeClr val="accent1"/>
+            </a:fillRef>
+            <a:effectRef idx="0">
+              <a:schemeClr val="accent1"/>
+            </a:effectRef>
+            <a:fontRef idx="minor">
+              <a:schemeClr val="lt1"/>
+            </a:fontRef>
+          </p:style>
+          <p:txBody>
+            <a:bodyPr rtlCol="0" anchor="ctr"/>
+            <a:lstStyle/>
+            <a:p>
+              <a:pPr algn="ctr"/>
+              <a:endParaRPr lang="en-US"/>
+            </a:p>
+          </p:txBody>
+        </p:sp>
+        <p:sp>
+          <p:nvSpPr>
+            <p:cNvPr id="155" name="Diamond 154"/>
+            <p:cNvSpPr/>
+            <p:nvPr/>
+          </p:nvSpPr>
+          <p:spPr>
+            <a:xfrm>
+              <a:off x="1200902" y="2348703"/>
+              <a:ext cx="143736" cy="139320"/>
+            </a:xfrm>
+            <a:prstGeom prst="diamond">
+              <a:avLst/>
+            </a:prstGeom>
             <a:solidFill>
               <a:schemeClr val="tx1">
                 <a:lumMod val="50000"/>
                 <a:lumOff val="50000"/>
               </a:schemeClr>
             </a:solidFill>
-          </a:ln>
-        </p:spPr>
-        <p:style>
-          <a:lnRef idx="2">
-            <a:schemeClr val="accent1">
-              <a:shade val="50000"/>
-            </a:schemeClr>
-          </a:lnRef>
-          <a:fillRef idx="1">
-            <a:schemeClr val="accent1"/>
-          </a:fillRef>
-          <a:effectRef idx="0">
-            <a:schemeClr val="accent1"/>
-          </a:effectRef>
-          <a:fontRef idx="minor">
-            <a:schemeClr val="lt1"/>
-          </a:fontRef>
-        </p:style>
-        <p:txBody>
-          <a:bodyPr rtlCol="0" anchor="ctr"/>
-          <a:lstStyle/>
-          <a:p>
-            <a:pPr algn="ctr"/>
-            <a:endParaRPr lang="en-US"/>
-          </a:p>
-        </p:txBody>
-      </p:sp>
-      <p:sp>
-        <p:nvSpPr>
-          <p:cNvPr id="109" name="Isosceles Triangle 108"/>
-          <p:cNvSpPr/>
-          <p:nvPr/>
-        </p:nvSpPr>
-        <p:spPr>
-          <a:xfrm>
-            <a:off x="3218400" y="3112763"/>
-            <a:ext cx="45719" cy="45719"/>
-          </a:xfrm>
-          <a:prstGeom prst="triangle">
-            <a:avLst/>
-          </a:prstGeom>
-          <a:solidFill>
-            <a:schemeClr val="tx1">
-              <a:lumMod val="50000"/>
-              <a:lumOff val="50000"/>
-            </a:schemeClr>
-          </a:solidFill>
-          <a:ln w="38100">
+            <a:ln w="38100">
+              <a:solidFill>
+                <a:schemeClr val="tx1">
+                  <a:lumMod val="50000"/>
+                  <a:lumOff val="50000"/>
+                </a:schemeClr>
+              </a:solidFill>
+            </a:ln>
+          </p:spPr>
+          <p:style>
+            <a:lnRef idx="2">
+              <a:schemeClr val="accent1">
+                <a:shade val="50000"/>
+              </a:schemeClr>
+            </a:lnRef>
+            <a:fillRef idx="1">
+              <a:schemeClr val="accent1"/>
+            </a:fillRef>
+            <a:effectRef idx="0">
+              <a:schemeClr val="accent1"/>
+            </a:effectRef>
+            <a:fontRef idx="minor">
+              <a:schemeClr val="lt1"/>
+            </a:fontRef>
+          </p:style>
+          <p:txBody>
+            <a:bodyPr rtlCol="0" anchor="ctr"/>
+            <a:lstStyle/>
+            <a:p>
+              <a:pPr algn="ctr"/>
+              <a:endParaRPr lang="en-US"/>
+            </a:p>
+          </p:txBody>
+        </p:sp>
+        <p:sp>
+          <p:nvSpPr>
+            <p:cNvPr id="156" name="Hexagon 155"/>
+            <p:cNvSpPr/>
+            <p:nvPr/>
+          </p:nvSpPr>
+          <p:spPr>
+            <a:xfrm>
+              <a:off x="253999" y="4203038"/>
+              <a:ext cx="170932" cy="151439"/>
+            </a:xfrm>
+            <a:prstGeom prst="hexagon">
+              <a:avLst/>
+            </a:prstGeom>
+            <a:noFill/>
+            <a:ln w="19050">
+              <a:solidFill>
+                <a:schemeClr val="tx1">
+                  <a:lumMod val="50000"/>
+                  <a:lumOff val="50000"/>
+                </a:schemeClr>
+              </a:solidFill>
+            </a:ln>
+          </p:spPr>
+          <p:style>
+            <a:lnRef idx="2">
+              <a:schemeClr val="accent1">
+                <a:shade val="50000"/>
+              </a:schemeClr>
+            </a:lnRef>
+            <a:fillRef idx="1">
+              <a:schemeClr val="accent1"/>
+            </a:fillRef>
+            <a:effectRef idx="0">
+              <a:schemeClr val="accent1"/>
+            </a:effectRef>
+            <a:fontRef idx="minor">
+              <a:schemeClr val="lt1"/>
+            </a:fontRef>
+          </p:style>
+          <p:txBody>
+            <a:bodyPr rtlCol="0" anchor="ctr"/>
+            <a:lstStyle/>
+            <a:p>
+              <a:pPr algn="ctr"/>
+              <a:endParaRPr lang="en-US"/>
+            </a:p>
+          </p:txBody>
+        </p:sp>
+        <p:sp>
+          <p:nvSpPr>
+            <p:cNvPr id="157" name="Rectangle 156"/>
+            <p:cNvSpPr/>
+            <p:nvPr/>
+          </p:nvSpPr>
+          <p:spPr>
+            <a:xfrm>
+              <a:off x="693972" y="4005546"/>
+              <a:ext cx="142869" cy="135226"/>
+            </a:xfrm>
+            <a:prstGeom prst="rect">
+              <a:avLst/>
+            </a:prstGeom>
+            <a:noFill/>
+            <a:ln w="19050">
+              <a:solidFill>
+                <a:schemeClr val="tx1">
+                  <a:lumMod val="50000"/>
+                  <a:lumOff val="50000"/>
+                </a:schemeClr>
+              </a:solidFill>
+            </a:ln>
+          </p:spPr>
+          <p:style>
+            <a:lnRef idx="2">
+              <a:schemeClr val="accent1">
+                <a:shade val="50000"/>
+              </a:schemeClr>
+            </a:lnRef>
+            <a:fillRef idx="1">
+              <a:schemeClr val="accent1"/>
+            </a:fillRef>
+            <a:effectRef idx="0">
+              <a:schemeClr val="accent1"/>
+            </a:effectRef>
+            <a:fontRef idx="minor">
+              <a:schemeClr val="lt1"/>
+            </a:fontRef>
+          </p:style>
+          <p:txBody>
+            <a:bodyPr rtlCol="0" anchor="ctr"/>
+            <a:lstStyle/>
+            <a:p>
+              <a:pPr algn="ctr"/>
+              <a:endParaRPr lang="en-US"/>
+            </a:p>
+          </p:txBody>
+        </p:sp>
+        <p:sp>
+          <p:nvSpPr>
+            <p:cNvPr id="158" name="Oval 157"/>
+            <p:cNvSpPr/>
+            <p:nvPr/>
+          </p:nvSpPr>
+          <p:spPr>
+            <a:xfrm>
+              <a:off x="1182521" y="4153998"/>
+              <a:ext cx="119733" cy="108597"/>
+            </a:xfrm>
+            <a:prstGeom prst="ellipse">
+              <a:avLst/>
+            </a:prstGeom>
             <a:solidFill>
               <a:schemeClr val="tx1">
                 <a:lumMod val="50000"/>
                 <a:lumOff val="50000"/>
               </a:schemeClr>
             </a:solidFill>
-          </a:ln>
-        </p:spPr>
-        <p:style>
-          <a:lnRef idx="2">
-            <a:schemeClr val="accent1">
-              <a:shade val="50000"/>
-            </a:schemeClr>
-          </a:lnRef>
-          <a:fillRef idx="1">
-            <a:schemeClr val="accent1"/>
-          </a:fillRef>
-          <a:effectRef idx="0">
-            <a:schemeClr val="accent1"/>
-          </a:effectRef>
-          <a:fontRef idx="minor">
-            <a:schemeClr val="lt1"/>
-          </a:fontRef>
-        </p:style>
-        <p:txBody>
-          <a:bodyPr rtlCol="0" anchor="ctr"/>
-          <a:lstStyle/>
-          <a:p>
-            <a:pPr algn="ctr"/>
-            <a:endParaRPr lang="en-US"/>
-          </a:p>
-        </p:txBody>
-      </p:sp>
-      <p:sp>
-        <p:nvSpPr>
-          <p:cNvPr id="117" name="Hexagon 116"/>
-          <p:cNvSpPr/>
-          <p:nvPr/>
-        </p:nvSpPr>
-        <p:spPr>
-          <a:xfrm>
-            <a:off x="4976331" y="2342063"/>
-            <a:ext cx="70648" cy="57645"/>
-          </a:xfrm>
-          <a:prstGeom prst="hexagon">
-            <a:avLst/>
-          </a:prstGeom>
-          <a:solidFill>
-            <a:schemeClr val="bg1">
-              <a:lumMod val="50000"/>
-            </a:schemeClr>
-          </a:solidFill>
-          <a:ln w="6350">
+            <a:ln w="38100">
+              <a:solidFill>
+                <a:schemeClr val="tx1">
+                  <a:lumMod val="50000"/>
+                  <a:lumOff val="50000"/>
+                </a:schemeClr>
+              </a:solidFill>
+            </a:ln>
+          </p:spPr>
+          <p:style>
+            <a:lnRef idx="2">
+              <a:schemeClr val="accent1">
+                <a:shade val="50000"/>
+              </a:schemeClr>
+            </a:lnRef>
+            <a:fillRef idx="1">
+              <a:schemeClr val="accent1"/>
+            </a:fillRef>
+            <a:effectRef idx="0">
+              <a:schemeClr val="accent1"/>
+            </a:effectRef>
+            <a:fontRef idx="minor">
+              <a:schemeClr val="lt1"/>
+            </a:fontRef>
+          </p:style>
+          <p:txBody>
+            <a:bodyPr rtlCol="0" anchor="ctr"/>
+            <a:lstStyle/>
+            <a:p>
+              <a:pPr algn="ctr"/>
+              <a:endParaRPr lang="en-US"/>
+            </a:p>
+          </p:txBody>
+        </p:sp>
+        <p:sp>
+          <p:nvSpPr>
+            <p:cNvPr id="159" name="Isosceles Triangle 158"/>
+            <p:cNvSpPr/>
+            <p:nvPr/>
+          </p:nvSpPr>
+          <p:spPr>
+            <a:xfrm>
+              <a:off x="362601" y="3558467"/>
+              <a:ext cx="103106" cy="98071"/>
+            </a:xfrm>
+            <a:prstGeom prst="triangle">
+              <a:avLst/>
+            </a:prstGeom>
             <a:solidFill>
               <a:schemeClr val="tx1">
                 <a:lumMod val="50000"/>
                 <a:lumOff val="50000"/>
               </a:schemeClr>
             </a:solidFill>
-          </a:ln>
-        </p:spPr>
-        <p:style>
-          <a:lnRef idx="2">
-            <a:schemeClr val="accent1">
-              <a:shade val="50000"/>
-            </a:schemeClr>
-          </a:lnRef>
-          <a:fillRef idx="1">
-            <a:schemeClr val="accent1"/>
-          </a:fillRef>
-          <a:effectRef idx="0">
-            <a:schemeClr val="accent1"/>
-          </a:effectRef>
-          <a:fontRef idx="minor">
-            <a:schemeClr val="lt1"/>
-          </a:fontRef>
-        </p:style>
-        <p:txBody>
-          <a:bodyPr rtlCol="0" anchor="ctr"/>
-          <a:lstStyle/>
-          <a:p>
-            <a:pPr algn="ctr"/>
-            <a:endParaRPr lang="en-US"/>
-          </a:p>
-        </p:txBody>
-      </p:sp>
-      <p:sp>
-        <p:nvSpPr>
-          <p:cNvPr id="118" name="Rectangle 117"/>
-          <p:cNvSpPr/>
-          <p:nvPr/>
-        </p:nvSpPr>
-        <p:spPr>
-          <a:xfrm>
-            <a:off x="5056165" y="2409609"/>
-            <a:ext cx="57025" cy="52352"/>
-          </a:xfrm>
-          <a:prstGeom prst="rect">
-            <a:avLst/>
-          </a:prstGeom>
-          <a:solidFill>
-            <a:schemeClr val="bg1">
-              <a:lumMod val="50000"/>
-            </a:schemeClr>
-          </a:solidFill>
-          <a:ln w="6350">
+            <a:ln w="38100">
+              <a:solidFill>
+                <a:schemeClr val="tx1">
+                  <a:lumMod val="50000"/>
+                  <a:lumOff val="50000"/>
+                </a:schemeClr>
+              </a:solidFill>
+            </a:ln>
+          </p:spPr>
+          <p:style>
+            <a:lnRef idx="2">
+              <a:schemeClr val="accent1">
+                <a:shade val="50000"/>
+              </a:schemeClr>
+            </a:lnRef>
+            <a:fillRef idx="1">
+              <a:schemeClr val="accent1"/>
+            </a:fillRef>
+            <a:effectRef idx="0">
+              <a:schemeClr val="accent1"/>
+            </a:effectRef>
+            <a:fontRef idx="minor">
+              <a:schemeClr val="lt1"/>
+            </a:fontRef>
+          </p:style>
+          <p:txBody>
+            <a:bodyPr rtlCol="0" anchor="ctr"/>
+            <a:lstStyle/>
+            <a:p>
+              <a:pPr algn="ctr"/>
+              <a:endParaRPr lang="en-US"/>
+            </a:p>
+          </p:txBody>
+        </p:sp>
+        <p:sp>
+          <p:nvSpPr>
+            <p:cNvPr id="163" name="Diamond 162"/>
+            <p:cNvSpPr/>
+            <p:nvPr/>
+          </p:nvSpPr>
+          <p:spPr>
+            <a:xfrm>
+              <a:off x="1182129" y="3426322"/>
+              <a:ext cx="143736" cy="139320"/>
+            </a:xfrm>
+            <a:prstGeom prst="diamond">
+              <a:avLst/>
+            </a:prstGeom>
             <a:solidFill>
               <a:schemeClr val="tx1">
                 <a:lumMod val="50000"/>
                 <a:lumOff val="50000"/>
               </a:schemeClr>
             </a:solidFill>
-          </a:ln>
-        </p:spPr>
-        <p:style>
-          <a:lnRef idx="2">
-            <a:schemeClr val="accent1">
-              <a:shade val="50000"/>
-            </a:schemeClr>
-          </a:lnRef>
-          <a:fillRef idx="1">
-            <a:schemeClr val="accent1"/>
-          </a:fillRef>
-          <a:effectRef idx="0">
-            <a:schemeClr val="accent1"/>
-          </a:effectRef>
-          <a:fontRef idx="minor">
-            <a:schemeClr val="lt1"/>
-          </a:fontRef>
-        </p:style>
-        <p:txBody>
-          <a:bodyPr rtlCol="0" anchor="ctr"/>
-          <a:lstStyle/>
-          <a:p>
-            <a:pPr algn="ctr"/>
-            <a:endParaRPr lang="en-US"/>
-          </a:p>
-        </p:txBody>
-      </p:sp>
-      <p:sp>
-        <p:nvSpPr>
-          <p:cNvPr id="119" name="Diamond 118"/>
-          <p:cNvSpPr/>
-          <p:nvPr/>
-        </p:nvSpPr>
-        <p:spPr>
-          <a:xfrm>
-            <a:off x="5147669" y="2461961"/>
-            <a:ext cx="45719" cy="45719"/>
-          </a:xfrm>
-          <a:prstGeom prst="diamond">
-            <a:avLst/>
-          </a:prstGeom>
-          <a:solidFill>
-            <a:schemeClr val="tx1">
-              <a:lumMod val="50000"/>
-              <a:lumOff val="50000"/>
-            </a:schemeClr>
-          </a:solidFill>
-          <a:ln w="38100">
-            <a:solidFill>
-              <a:schemeClr val="tx1">
-                <a:lumMod val="50000"/>
-                <a:lumOff val="50000"/>
+            <a:ln w="38100">
+              <a:solidFill>
+                <a:schemeClr val="tx1">
+                  <a:lumMod val="50000"/>
+                  <a:lumOff val="50000"/>
+                </a:schemeClr>
+              </a:solidFill>
+            </a:ln>
+          </p:spPr>
+          <p:style>
+            <a:lnRef idx="2">
+              <a:schemeClr val="accent1">
+                <a:shade val="50000"/>
               </a:schemeClr>
-            </a:solidFill>
-          </a:ln>
-        </p:spPr>
-        <p:style>
-          <a:lnRef idx="2">
-            <a:schemeClr val="accent1">
-              <a:shade val="50000"/>
-            </a:schemeClr>
-          </a:lnRef>
-          <a:fillRef idx="1">
-            <a:schemeClr val="accent1"/>
-          </a:fillRef>
-          <a:effectRef idx="0">
-            <a:schemeClr val="accent1"/>
-          </a:effectRef>
-          <a:fontRef idx="minor">
-            <a:schemeClr val="lt1"/>
-          </a:fontRef>
-        </p:style>
-        <p:txBody>
-          <a:bodyPr rtlCol="0" anchor="ctr"/>
-          <a:lstStyle/>
-          <a:p>
-            <a:pPr algn="ctr"/>
-            <a:endParaRPr lang="en-US"/>
-          </a:p>
-        </p:txBody>
-      </p:sp>
-      <p:sp>
-        <p:nvSpPr>
-          <p:cNvPr id="120" name="Oval 119"/>
-          <p:cNvSpPr/>
-          <p:nvPr/>
-        </p:nvSpPr>
-        <p:spPr>
-          <a:xfrm>
-            <a:off x="5081056" y="2548285"/>
-            <a:ext cx="45719" cy="45719"/>
-          </a:xfrm>
-          <a:prstGeom prst="ellipse">
-            <a:avLst/>
-          </a:prstGeom>
-          <a:solidFill>
-            <a:schemeClr val="tx1">
-              <a:lumMod val="50000"/>
-              <a:lumOff val="50000"/>
-            </a:schemeClr>
-          </a:solidFill>
-          <a:ln w="38100">
-            <a:solidFill>
-              <a:schemeClr val="tx1">
-                <a:lumMod val="50000"/>
-                <a:lumOff val="50000"/>
+            </a:lnRef>
+            <a:fillRef idx="1">
+              <a:schemeClr val="accent1"/>
+            </a:fillRef>
+            <a:effectRef idx="0">
+              <a:schemeClr val="accent1"/>
+            </a:effectRef>
+            <a:fontRef idx="minor">
+              <a:schemeClr val="lt1"/>
+            </a:fontRef>
+          </p:style>
+          <p:txBody>
+            <a:bodyPr rtlCol="0" anchor="ctr"/>
+            <a:lstStyle/>
+            <a:p>
+              <a:pPr algn="ctr"/>
+              <a:endParaRPr lang="en-US"/>
+            </a:p>
+          </p:txBody>
+        </p:sp>
+        <p:sp>
+          <p:nvSpPr>
+            <p:cNvPr id="13" name="TextBox 12"/>
+            <p:cNvSpPr txBox="1"/>
+            <p:nvPr/>
+          </p:nvSpPr>
+          <p:spPr>
+            <a:xfrm>
+              <a:off x="2796616" y="26730"/>
+              <a:ext cx="329184" cy="369332"/>
+            </a:xfrm>
+            <a:prstGeom prst="rect">
+              <a:avLst/>
+            </a:prstGeom>
+            <a:noFill/>
+          </p:spPr>
+          <p:txBody>
+            <a:bodyPr wrap="square" rtlCol="0">
+              <a:spAutoFit/>
+            </a:bodyPr>
+            <a:lstStyle/>
+            <a:p>
+              <a:r>
+                <a:rPr lang="en-US" b="1" dirty="0"/>
+                <a:t>B</a:t>
+              </a:r>
+            </a:p>
+          </p:txBody>
+        </p:sp>
+        <p:sp>
+          <p:nvSpPr>
+            <p:cNvPr id="165" name="TextBox 164"/>
+            <p:cNvSpPr txBox="1"/>
+            <p:nvPr/>
+          </p:nvSpPr>
+          <p:spPr>
+            <a:xfrm>
+              <a:off x="148881" y="26730"/>
+              <a:ext cx="329184" cy="369332"/>
+            </a:xfrm>
+            <a:prstGeom prst="rect">
+              <a:avLst/>
+            </a:prstGeom>
+            <a:noFill/>
+          </p:spPr>
+          <p:txBody>
+            <a:bodyPr wrap="square" rtlCol="0">
+              <a:spAutoFit/>
+            </a:bodyPr>
+            <a:lstStyle/>
+            <a:p>
+              <a:r>
+                <a:rPr lang="en-US" b="1" dirty="0" smtClean="0"/>
+                <a:t>A</a:t>
+              </a:r>
+              <a:endParaRPr lang="en-US" b="1" dirty="0"/>
+            </a:p>
+          </p:txBody>
+        </p:sp>
+        <p:sp>
+          <p:nvSpPr>
+            <p:cNvPr id="166" name="TextBox 165"/>
+            <p:cNvSpPr txBox="1"/>
+            <p:nvPr/>
+          </p:nvSpPr>
+          <p:spPr>
+            <a:xfrm flipH="1">
+              <a:off x="134462" y="2208311"/>
+              <a:ext cx="240792" cy="369332"/>
+            </a:xfrm>
+            <a:prstGeom prst="rect">
+              <a:avLst/>
+            </a:prstGeom>
+            <a:noFill/>
+          </p:spPr>
+          <p:txBody>
+            <a:bodyPr wrap="square" rtlCol="0">
+              <a:spAutoFit/>
+            </a:bodyPr>
+            <a:lstStyle/>
+            <a:p>
+              <a:r>
+                <a:rPr lang="en-US" b="1" dirty="0"/>
+                <a:t>C</a:t>
+              </a:r>
+            </a:p>
+          </p:txBody>
+        </p:sp>
+        <p:sp>
+          <p:nvSpPr>
+            <p:cNvPr id="167" name="TextBox 166"/>
+            <p:cNvSpPr txBox="1"/>
+            <p:nvPr/>
+          </p:nvSpPr>
+          <p:spPr>
+            <a:xfrm>
+              <a:off x="2795703" y="2229595"/>
+              <a:ext cx="329184" cy="369332"/>
+            </a:xfrm>
+            <a:prstGeom prst="rect">
+              <a:avLst/>
+            </a:prstGeom>
+            <a:noFill/>
+          </p:spPr>
+          <p:txBody>
+            <a:bodyPr wrap="square" rtlCol="0">
+              <a:spAutoFit/>
+            </a:bodyPr>
+            <a:lstStyle/>
+            <a:p>
+              <a:r>
+                <a:rPr lang="en-US" b="1" dirty="0" smtClean="0"/>
+                <a:t>D</a:t>
+              </a:r>
+              <a:endParaRPr lang="en-US" b="1" dirty="0"/>
+            </a:p>
+          </p:txBody>
+        </p:sp>
+        <p:sp>
+          <p:nvSpPr>
+            <p:cNvPr id="92" name="Rectangle 91"/>
+            <p:cNvSpPr/>
+            <p:nvPr/>
+          </p:nvSpPr>
+          <p:spPr>
+            <a:xfrm>
+              <a:off x="171619" y="4468417"/>
+              <a:ext cx="5227364" cy="2352219"/>
+            </a:xfrm>
+            <a:prstGeom prst="rect">
+              <a:avLst/>
+            </a:prstGeom>
+            <a:noFill/>
+            <a:ln>
+              <a:solidFill>
+                <a:schemeClr val="tx1"/>
+              </a:solidFill>
+            </a:ln>
+          </p:spPr>
+          <p:style>
+            <a:lnRef idx="2">
+              <a:schemeClr val="accent1">
+                <a:shade val="50000"/>
               </a:schemeClr>
-            </a:solidFill>
-          </a:ln>
-        </p:spPr>
-        <p:style>
-          <a:lnRef idx="2">
-            <a:schemeClr val="accent1">
-              <a:shade val="50000"/>
-            </a:schemeClr>
-          </a:lnRef>
-          <a:fillRef idx="1">
-            <a:schemeClr val="accent1"/>
-          </a:fillRef>
-          <a:effectRef idx="0">
-            <a:schemeClr val="accent1"/>
-          </a:effectRef>
-          <a:fontRef idx="minor">
-            <a:schemeClr val="lt1"/>
-          </a:fontRef>
-        </p:style>
-        <p:txBody>
-          <a:bodyPr rtlCol="0" anchor="ctr"/>
-          <a:lstStyle/>
-          <a:p>
-            <a:pPr algn="ctr"/>
-            <a:endParaRPr lang="en-US"/>
-          </a:p>
-        </p:txBody>
-      </p:sp>
-      <p:sp>
-        <p:nvSpPr>
-          <p:cNvPr id="121" name="Isosceles Triangle 120"/>
-          <p:cNvSpPr/>
-          <p:nvPr/>
-        </p:nvSpPr>
-        <p:spPr>
-          <a:xfrm>
-            <a:off x="4998827" y="2614627"/>
-            <a:ext cx="45719" cy="45719"/>
-          </a:xfrm>
-          <a:prstGeom prst="triangle">
-            <a:avLst/>
-          </a:prstGeom>
-          <a:solidFill>
-            <a:schemeClr val="tx1">
-              <a:lumMod val="50000"/>
-              <a:lumOff val="50000"/>
-            </a:schemeClr>
-          </a:solidFill>
-          <a:ln w="38100">
-            <a:solidFill>
-              <a:schemeClr val="tx1">
-                <a:lumMod val="50000"/>
-                <a:lumOff val="50000"/>
+            </a:lnRef>
+            <a:fillRef idx="1">
+              <a:schemeClr val="accent1"/>
+            </a:fillRef>
+            <a:effectRef idx="0">
+              <a:schemeClr val="accent1"/>
+            </a:effectRef>
+            <a:fontRef idx="minor">
+              <a:schemeClr val="lt1"/>
+            </a:fontRef>
+          </p:style>
+          <p:txBody>
+            <a:bodyPr rtlCol="0" anchor="ctr"/>
+            <a:lstStyle/>
+            <a:p>
+              <a:pPr algn="ctr"/>
+              <a:endParaRPr lang="en-US"/>
+            </a:p>
+          </p:txBody>
+        </p:sp>
+        <p:sp>
+          <p:nvSpPr>
+            <p:cNvPr id="93" name="Rectangle 92"/>
+            <p:cNvSpPr/>
+            <p:nvPr/>
+          </p:nvSpPr>
+          <p:spPr>
+            <a:xfrm>
+              <a:off x="403851" y="4696769"/>
+              <a:ext cx="1933055" cy="1456715"/>
+            </a:xfrm>
+            <a:prstGeom prst="rect">
+              <a:avLst/>
+            </a:prstGeom>
+            <a:noFill/>
+            <a:ln>
+              <a:solidFill>
+                <a:schemeClr val="tx1">
+                  <a:lumMod val="50000"/>
+                  <a:lumOff val="50000"/>
+                </a:schemeClr>
+              </a:solidFill>
+            </a:ln>
+          </p:spPr>
+          <p:style>
+            <a:lnRef idx="2">
+              <a:schemeClr val="accent1">
+                <a:shade val="50000"/>
               </a:schemeClr>
-            </a:solidFill>
-          </a:ln>
-        </p:spPr>
-        <p:style>
-          <a:lnRef idx="2">
-            <a:schemeClr val="accent1">
-              <a:shade val="50000"/>
-            </a:schemeClr>
-          </a:lnRef>
-          <a:fillRef idx="1">
-            <a:schemeClr val="accent1"/>
-          </a:fillRef>
-          <a:effectRef idx="0">
-            <a:schemeClr val="accent1"/>
-          </a:effectRef>
-          <a:fontRef idx="minor">
-            <a:schemeClr val="lt1"/>
-          </a:fontRef>
-        </p:style>
-        <p:txBody>
-          <a:bodyPr rtlCol="0" anchor="ctr"/>
-          <a:lstStyle/>
-          <a:p>
-            <a:pPr algn="ctr"/>
-            <a:endParaRPr lang="en-US"/>
-          </a:p>
-        </p:txBody>
-      </p:sp>
-      <p:sp>
-        <p:nvSpPr>
-          <p:cNvPr id="122" name="5-Point Star 121"/>
-          <p:cNvSpPr/>
-          <p:nvPr/>
-        </p:nvSpPr>
-        <p:spPr>
-          <a:xfrm>
-            <a:off x="4924738" y="2434886"/>
-            <a:ext cx="45720" cy="45719"/>
-          </a:xfrm>
-          <a:prstGeom prst="star5">
-            <a:avLst/>
-          </a:prstGeom>
-          <a:solidFill>
-            <a:schemeClr val="tx1">
-              <a:lumMod val="50000"/>
-              <a:lumOff val="50000"/>
-            </a:schemeClr>
-          </a:solidFill>
-          <a:ln w="28575">
-            <a:solidFill>
-              <a:schemeClr val="tx1">
-                <a:lumMod val="50000"/>
-                <a:lumOff val="50000"/>
+            </a:lnRef>
+            <a:fillRef idx="1">
+              <a:schemeClr val="accent1"/>
+            </a:fillRef>
+            <a:effectRef idx="0">
+              <a:schemeClr val="accent1"/>
+            </a:effectRef>
+            <a:fontRef idx="minor">
+              <a:schemeClr val="lt1"/>
+            </a:fontRef>
+          </p:style>
+          <p:txBody>
+            <a:bodyPr rtlCol="0" anchor="ctr"/>
+            <a:lstStyle/>
+            <a:p>
+              <a:pPr algn="ctr"/>
+              <a:endParaRPr lang="en-US"/>
+            </a:p>
+          </p:txBody>
+        </p:sp>
+        <p:sp>
+          <p:nvSpPr>
+            <p:cNvPr id="94" name="Rectangle 93"/>
+            <p:cNvSpPr/>
+            <p:nvPr/>
+          </p:nvSpPr>
+          <p:spPr>
+            <a:xfrm>
+              <a:off x="3059635" y="4696769"/>
+              <a:ext cx="1933055" cy="1456715"/>
+            </a:xfrm>
+            <a:prstGeom prst="rect">
+              <a:avLst/>
+            </a:prstGeom>
+            <a:noFill/>
+            <a:ln>
+              <a:solidFill>
+                <a:schemeClr val="tx1">
+                  <a:lumMod val="50000"/>
+                  <a:lumOff val="50000"/>
+                </a:schemeClr>
+              </a:solidFill>
+            </a:ln>
+          </p:spPr>
+          <p:style>
+            <a:lnRef idx="2">
+              <a:schemeClr val="accent1">
+                <a:shade val="50000"/>
               </a:schemeClr>
-            </a:solidFill>
-          </a:ln>
-        </p:spPr>
-        <p:style>
-          <a:lnRef idx="2">
-            <a:schemeClr val="accent1">
-              <a:shade val="50000"/>
-            </a:schemeClr>
-          </a:lnRef>
-          <a:fillRef idx="1">
-            <a:schemeClr val="accent1"/>
-          </a:fillRef>
-          <a:effectRef idx="0">
-            <a:schemeClr val="accent1"/>
-          </a:effectRef>
-          <a:fontRef idx="minor">
-            <a:schemeClr val="lt1"/>
-          </a:fontRef>
-        </p:style>
-        <p:txBody>
-          <a:bodyPr rtlCol="0" anchor="ctr"/>
-          <a:lstStyle/>
-          <a:p>
-            <a:pPr algn="ctr"/>
-            <a:endParaRPr lang="en-US"/>
-          </a:p>
-        </p:txBody>
-      </p:sp>
-      <p:sp>
-        <p:nvSpPr>
-          <p:cNvPr id="125" name="Parallelogram 124"/>
-          <p:cNvSpPr/>
-          <p:nvPr/>
-        </p:nvSpPr>
-        <p:spPr>
-          <a:xfrm>
-            <a:off x="5156869" y="2607174"/>
-            <a:ext cx="45719" cy="45719"/>
-          </a:xfrm>
-          <a:prstGeom prst="parallelogram">
-            <a:avLst/>
-          </a:prstGeom>
-          <a:solidFill>
-            <a:schemeClr val="bg1">
-              <a:lumMod val="50000"/>
-            </a:schemeClr>
-          </a:solidFill>
-          <a:ln w="38100">
-            <a:solidFill>
-              <a:schemeClr val="tx1">
-                <a:lumMod val="50000"/>
-                <a:lumOff val="50000"/>
-              </a:schemeClr>
-            </a:solidFill>
-          </a:ln>
-        </p:spPr>
-        <p:style>
-          <a:lnRef idx="2">
-            <a:schemeClr val="accent1">
-              <a:shade val="50000"/>
-            </a:schemeClr>
-          </a:lnRef>
-          <a:fillRef idx="1">
-            <a:schemeClr val="accent1"/>
-          </a:fillRef>
-          <a:effectRef idx="0">
-            <a:schemeClr val="accent1"/>
-          </a:effectRef>
-          <a:fontRef idx="minor">
-            <a:schemeClr val="lt1"/>
-          </a:fontRef>
-        </p:style>
-        <p:txBody>
-          <a:bodyPr rtlCol="0" anchor="ctr"/>
-          <a:lstStyle/>
-          <a:p>
-            <a:pPr algn="ctr"/>
-            <a:endParaRPr lang="en-US"/>
-          </a:p>
-        </p:txBody>
-      </p:sp>
-      <p:sp>
-        <p:nvSpPr>
-          <p:cNvPr id="126" name="Trapezoid 125"/>
-          <p:cNvSpPr/>
-          <p:nvPr/>
-        </p:nvSpPr>
-        <p:spPr>
-          <a:xfrm>
-            <a:off x="5153178" y="2356662"/>
-            <a:ext cx="45719" cy="45719"/>
-          </a:xfrm>
-          <a:prstGeom prst="trapezoid">
-            <a:avLst/>
-          </a:prstGeom>
-          <a:solidFill>
-            <a:schemeClr val="bg1">
-              <a:lumMod val="50000"/>
-            </a:schemeClr>
-          </a:solidFill>
-          <a:ln w="38100">
-            <a:solidFill>
-              <a:schemeClr val="tx1">
-                <a:lumMod val="50000"/>
-                <a:lumOff val="50000"/>
-              </a:schemeClr>
-            </a:solidFill>
-          </a:ln>
-        </p:spPr>
-        <p:style>
-          <a:lnRef idx="2">
-            <a:schemeClr val="accent1">
-              <a:shade val="50000"/>
-            </a:schemeClr>
-          </a:lnRef>
-          <a:fillRef idx="1">
-            <a:schemeClr val="accent1"/>
-          </a:fillRef>
-          <a:effectRef idx="0">
-            <a:schemeClr val="accent1"/>
-          </a:effectRef>
-          <a:fontRef idx="minor">
-            <a:schemeClr val="lt1"/>
-          </a:fontRef>
-        </p:style>
-        <p:txBody>
-          <a:bodyPr rtlCol="0" anchor="ctr"/>
-          <a:lstStyle/>
-          <a:p>
-            <a:pPr algn="ctr"/>
-            <a:endParaRPr lang="en-US"/>
-          </a:p>
-        </p:txBody>
-      </p:sp>
-      <p:sp>
-        <p:nvSpPr>
-          <p:cNvPr id="134" name="Oval 133"/>
-          <p:cNvSpPr/>
-          <p:nvPr/>
-        </p:nvSpPr>
-        <p:spPr>
-          <a:xfrm>
-            <a:off x="2450292" y="3088067"/>
-            <a:ext cx="119733" cy="108597"/>
-          </a:xfrm>
-          <a:prstGeom prst="ellipse">
-            <a:avLst/>
-          </a:prstGeom>
-          <a:solidFill>
-            <a:schemeClr val="tx1">
-              <a:lumMod val="50000"/>
-              <a:lumOff val="50000"/>
-            </a:schemeClr>
-          </a:solidFill>
-          <a:ln w="38100">
-            <a:solidFill>
-              <a:schemeClr val="tx1">
-                <a:lumMod val="50000"/>
-                <a:lumOff val="50000"/>
-              </a:schemeClr>
-            </a:solidFill>
-          </a:ln>
-        </p:spPr>
-        <p:style>
-          <a:lnRef idx="2">
-            <a:schemeClr val="accent1">
-              <a:shade val="50000"/>
-            </a:schemeClr>
-          </a:lnRef>
-          <a:fillRef idx="1">
-            <a:schemeClr val="accent1"/>
-          </a:fillRef>
-          <a:effectRef idx="0">
-            <a:schemeClr val="accent1"/>
-          </a:effectRef>
-          <a:fontRef idx="minor">
-            <a:schemeClr val="lt1"/>
-          </a:fontRef>
-        </p:style>
-        <p:txBody>
-          <a:bodyPr rtlCol="0" anchor="ctr"/>
-          <a:lstStyle/>
-          <a:p>
-            <a:pPr algn="ctr"/>
-            <a:endParaRPr lang="en-US"/>
-          </a:p>
-        </p:txBody>
-      </p:sp>
-      <p:sp>
-        <p:nvSpPr>
-          <p:cNvPr id="135" name="Isosceles Triangle 134"/>
-          <p:cNvSpPr/>
-          <p:nvPr/>
-        </p:nvSpPr>
-        <p:spPr>
-          <a:xfrm>
-            <a:off x="1630372" y="2492536"/>
-            <a:ext cx="103106" cy="98071"/>
-          </a:xfrm>
-          <a:prstGeom prst="triangle">
-            <a:avLst/>
-          </a:prstGeom>
-          <a:noFill/>
-          <a:ln w="19050">
-            <a:solidFill>
-              <a:schemeClr val="tx1">
-                <a:lumMod val="50000"/>
-                <a:lumOff val="50000"/>
-              </a:schemeClr>
-            </a:solidFill>
-          </a:ln>
-        </p:spPr>
-        <p:style>
-          <a:lnRef idx="2">
-            <a:schemeClr val="accent1">
-              <a:shade val="50000"/>
-            </a:schemeClr>
-          </a:lnRef>
-          <a:fillRef idx="1">
-            <a:schemeClr val="accent1"/>
-          </a:fillRef>
-          <a:effectRef idx="0">
-            <a:schemeClr val="accent1"/>
-          </a:effectRef>
-          <a:fontRef idx="minor">
-            <a:schemeClr val="lt1"/>
-          </a:fontRef